--- a/figs/makeFigs.pptx
+++ b/figs/makeFigs.pptx
@@ -6,24 +6,25 @@
   </p:sldMasterIdLst>
   <p:sldIdLst>
     <p:sldId id="256" r:id="rId2"/>
-    <p:sldId id="311" r:id="rId3"/>
-    <p:sldId id="323" r:id="rId4"/>
-    <p:sldId id="321" r:id="rId5"/>
-    <p:sldId id="324" r:id="rId6"/>
-    <p:sldId id="325" r:id="rId7"/>
-    <p:sldId id="322" r:id="rId8"/>
-    <p:sldId id="337" r:id="rId9"/>
-    <p:sldId id="326" r:id="rId10"/>
-    <p:sldId id="327" r:id="rId11"/>
-    <p:sldId id="328" r:id="rId12"/>
-    <p:sldId id="329" r:id="rId13"/>
-    <p:sldId id="330" r:id="rId14"/>
-    <p:sldId id="331" r:id="rId15"/>
-    <p:sldId id="332" r:id="rId16"/>
-    <p:sldId id="333" r:id="rId17"/>
-    <p:sldId id="334" r:id="rId18"/>
-    <p:sldId id="335" r:id="rId19"/>
-    <p:sldId id="336" r:id="rId20"/>
+    <p:sldId id="326" r:id="rId3"/>
+    <p:sldId id="311" r:id="rId4"/>
+    <p:sldId id="323" r:id="rId5"/>
+    <p:sldId id="321" r:id="rId6"/>
+    <p:sldId id="324" r:id="rId7"/>
+    <p:sldId id="325" r:id="rId8"/>
+    <p:sldId id="322" r:id="rId9"/>
+    <p:sldId id="337" r:id="rId10"/>
+    <p:sldId id="338" r:id="rId11"/>
+    <p:sldId id="327" r:id="rId12"/>
+    <p:sldId id="328" r:id="rId13"/>
+    <p:sldId id="329" r:id="rId14"/>
+    <p:sldId id="330" r:id="rId15"/>
+    <p:sldId id="331" r:id="rId16"/>
+    <p:sldId id="332" r:id="rId17"/>
+    <p:sldId id="333" r:id="rId18"/>
+    <p:sldId id="334" r:id="rId19"/>
+    <p:sldId id="335" r:id="rId20"/>
+    <p:sldId id="336" r:id="rId21"/>
   </p:sldIdLst>
   <p:sldSz cx="12192000" cy="6858000"/>
   <p:notesSz cx="6858000" cy="9144000"/>
@@ -122,6 +123,11 @@
       </a:defRPr>
     </a:lvl9pPr>
   </p:defaultTextStyle>
+  <p:extLst>
+    <p:ext uri="{EFAFB233-063F-42B5-8137-9DF3F51BA10A}">
+      <p15:sldGuideLst xmlns:p15="http://schemas.microsoft.com/office/powerpoint/2012/main"/>
+    </p:ext>
+  </p:extLst>
 </p:presentation>
 </file>
 
@@ -3801,7 +3807,7 @@
     </p:spTree>
     <p:extLst>
       <p:ext uri="{BB962C8B-B14F-4D97-AF65-F5344CB8AC3E}">
-        <p14:creationId xmlns:p14="http://schemas.microsoft.com/office/powerpoint/2010/main" val="1883206660"/>
+        <p14:creationId xmlns:p14="http://schemas.microsoft.com/office/powerpoint/2010/main" val="1047156367"/>
       </p:ext>
     </p:extLst>
   </p:cSld>
@@ -3831,7 +3837,7 @@
     </p:spTree>
     <p:extLst>
       <p:ext uri="{BB962C8B-B14F-4D97-AF65-F5344CB8AC3E}">
-        <p14:creationId xmlns:p14="http://schemas.microsoft.com/office/powerpoint/2010/main" val="1816954010"/>
+        <p14:creationId xmlns:p14="http://schemas.microsoft.com/office/powerpoint/2010/main" val="1883206660"/>
       </p:ext>
     </p:extLst>
   </p:cSld>
@@ -3861,7 +3867,7 @@
     </p:spTree>
     <p:extLst>
       <p:ext uri="{BB962C8B-B14F-4D97-AF65-F5344CB8AC3E}">
-        <p14:creationId xmlns:p14="http://schemas.microsoft.com/office/powerpoint/2010/main" val="3694756281"/>
+        <p14:creationId xmlns:p14="http://schemas.microsoft.com/office/powerpoint/2010/main" val="1816954010"/>
       </p:ext>
     </p:extLst>
   </p:cSld>
@@ -3891,7 +3897,7 @@
     </p:spTree>
     <p:extLst>
       <p:ext uri="{BB962C8B-B14F-4D97-AF65-F5344CB8AC3E}">
-        <p14:creationId xmlns:p14="http://schemas.microsoft.com/office/powerpoint/2010/main" val="3258820415"/>
+        <p14:creationId xmlns:p14="http://schemas.microsoft.com/office/powerpoint/2010/main" val="3694756281"/>
       </p:ext>
     </p:extLst>
   </p:cSld>
@@ -3921,7 +3927,7 @@
     </p:spTree>
     <p:extLst>
       <p:ext uri="{BB962C8B-B14F-4D97-AF65-F5344CB8AC3E}">
-        <p14:creationId xmlns:p14="http://schemas.microsoft.com/office/powerpoint/2010/main" val="2043835998"/>
+        <p14:creationId xmlns:p14="http://schemas.microsoft.com/office/powerpoint/2010/main" val="3258820415"/>
       </p:ext>
     </p:extLst>
   </p:cSld>
@@ -3951,7 +3957,7 @@
     </p:spTree>
     <p:extLst>
       <p:ext uri="{BB962C8B-B14F-4D97-AF65-F5344CB8AC3E}">
-        <p14:creationId xmlns:p14="http://schemas.microsoft.com/office/powerpoint/2010/main" val="547396864"/>
+        <p14:creationId xmlns:p14="http://schemas.microsoft.com/office/powerpoint/2010/main" val="2043835998"/>
       </p:ext>
     </p:extLst>
   </p:cSld>
@@ -3981,7 +3987,7 @@
     </p:spTree>
     <p:extLst>
       <p:ext uri="{BB962C8B-B14F-4D97-AF65-F5344CB8AC3E}">
-        <p14:creationId xmlns:p14="http://schemas.microsoft.com/office/powerpoint/2010/main" val="3437108536"/>
+        <p14:creationId xmlns:p14="http://schemas.microsoft.com/office/powerpoint/2010/main" val="547396864"/>
       </p:ext>
     </p:extLst>
   </p:cSld>
@@ -4011,7 +4017,7 @@
     </p:spTree>
     <p:extLst>
       <p:ext uri="{BB962C8B-B14F-4D97-AF65-F5344CB8AC3E}">
-        <p14:creationId xmlns:p14="http://schemas.microsoft.com/office/powerpoint/2010/main" val="3534862661"/>
+        <p14:creationId xmlns:p14="http://schemas.microsoft.com/office/powerpoint/2010/main" val="3437108536"/>
       </p:ext>
     </p:extLst>
   </p:cSld>
@@ -4041,7 +4047,7 @@
     </p:spTree>
     <p:extLst>
       <p:ext uri="{BB962C8B-B14F-4D97-AF65-F5344CB8AC3E}">
-        <p14:creationId xmlns:p14="http://schemas.microsoft.com/office/powerpoint/2010/main" val="2075533915"/>
+        <p14:creationId xmlns:p14="http://schemas.microsoft.com/office/powerpoint/2010/main" val="3534862661"/>
       </p:ext>
     </p:extLst>
   </p:cSld>
@@ -4071,6 +4077,95 @@
     </p:spTree>
     <p:extLst>
       <p:ext uri="{BB962C8B-B14F-4D97-AF65-F5344CB8AC3E}">
+        <p14:creationId xmlns:p14="http://schemas.microsoft.com/office/powerpoint/2010/main" val="2075533915"/>
+      </p:ext>
+    </p:extLst>
+  </p:cSld>
+  <p:clrMapOvr>
+    <a:masterClrMapping/>
+  </p:clrMapOvr>
+</p:sld>
+</file>
+
+<file path=ppt/slides/slide2.xml><?xml version="1.0" encoding="utf-8"?>
+<p:sld xmlns:a="http://schemas.openxmlformats.org/drawingml/2006/main" xmlns:r="http://schemas.openxmlformats.org/officeDocument/2006/relationships" xmlns:p="http://schemas.openxmlformats.org/presentationml/2006/main">
+  <p:cSld>
+    <p:spTree>
+      <p:nvGrpSpPr>
+        <p:cNvPr id="1" name=""/>
+        <p:cNvGrpSpPr/>
+        <p:nvPr/>
+      </p:nvGrpSpPr>
+      <p:grpSpPr>
+        <a:xfrm>
+          <a:off x="0" y="0"/>
+          <a:ext cx="0" cy="0"/>
+          <a:chOff x="0" y="0"/>
+          <a:chExt cx="0" cy="0"/>
+        </a:xfrm>
+      </p:grpSpPr>
+      <p:pic>
+        <p:nvPicPr>
+          <p:cNvPr id="3" name="図 2">
+            <a:extLst>
+              <a:ext uri="{FF2B5EF4-FFF2-40B4-BE49-F238E27FC236}">
+                <a16:creationId xmlns:a16="http://schemas.microsoft.com/office/drawing/2014/main" id="{8A354606-FE4B-40DF-A5A7-8CC62764A7DE}"/>
+              </a:ext>
+            </a:extLst>
+          </p:cNvPr>
+          <p:cNvPicPr>
+            <a:picLocks noChangeAspect="1"/>
+          </p:cNvPicPr>
+          <p:nvPr/>
+        </p:nvPicPr>
+        <p:blipFill rotWithShape="1">
+          <a:blip r:embed="rId2"/>
+          <a:srcRect b="40451"/>
+          <a:stretch/>
+        </p:blipFill>
+        <p:spPr>
+          <a:xfrm>
+            <a:off x="2676952" y="1086143"/>
+            <a:ext cx="6838095" cy="2790288"/>
+          </a:xfrm>
+          <a:prstGeom prst="rect">
+            <a:avLst/>
+          </a:prstGeom>
+        </p:spPr>
+      </p:pic>
+    </p:spTree>
+    <p:extLst>
+      <p:ext uri="{BB962C8B-B14F-4D97-AF65-F5344CB8AC3E}">
+        <p14:creationId xmlns:p14="http://schemas.microsoft.com/office/powerpoint/2010/main" val="4256252250"/>
+      </p:ext>
+    </p:extLst>
+  </p:cSld>
+  <p:clrMapOvr>
+    <a:masterClrMapping/>
+  </p:clrMapOvr>
+</p:sld>
+</file>
+
+<file path=ppt/slides/slide20.xml><?xml version="1.0" encoding="utf-8"?>
+<p:sld xmlns:a="http://schemas.openxmlformats.org/drawingml/2006/main" xmlns:r="http://schemas.openxmlformats.org/officeDocument/2006/relationships" xmlns:p="http://schemas.openxmlformats.org/presentationml/2006/main">
+  <p:cSld>
+    <p:spTree>
+      <p:nvGrpSpPr>
+        <p:cNvPr id="1" name=""/>
+        <p:cNvGrpSpPr/>
+        <p:nvPr/>
+      </p:nvGrpSpPr>
+      <p:grpSpPr>
+        <a:xfrm>
+          <a:off x="0" y="0"/>
+          <a:ext cx="0" cy="0"/>
+          <a:chOff x="0" y="0"/>
+          <a:chExt cx="0" cy="0"/>
+        </a:xfrm>
+      </p:grpSpPr>
+    </p:spTree>
+    <p:extLst>
+      <p:ext uri="{BB962C8B-B14F-4D97-AF65-F5344CB8AC3E}">
         <p14:creationId xmlns:p14="http://schemas.microsoft.com/office/powerpoint/2010/main" val="2322278489"/>
       </p:ext>
     </p:extLst>
@@ -4081,7 +4176,7 @@
 </p:sld>
 </file>
 
-<file path=ppt/slides/slide2.xml><?xml version="1.0" encoding="utf-8"?>
+<file path=ppt/slides/slide3.xml><?xml version="1.0" encoding="utf-8"?>
 <p:sld xmlns:a="http://schemas.openxmlformats.org/drawingml/2006/main" xmlns:r="http://schemas.openxmlformats.org/officeDocument/2006/relationships" xmlns:p="http://schemas.openxmlformats.org/presentationml/2006/main">
   <p:cSld>
     <p:spTree>
@@ -4813,7 +4908,7 @@
 </p:sld>
 </file>
 
-<file path=ppt/slides/slide3.xml><?xml version="1.0" encoding="utf-8"?>
+<file path=ppt/slides/slide4.xml><?xml version="1.0" encoding="utf-8"?>
 <p:sld xmlns:a="http://schemas.openxmlformats.org/drawingml/2006/main" xmlns:r="http://schemas.openxmlformats.org/officeDocument/2006/relationships" xmlns:p="http://schemas.openxmlformats.org/presentationml/2006/main">
   <p:cSld>
     <p:spTree>
@@ -4976,7 +5071,7 @@
 </p:sld>
 </file>
 
-<file path=ppt/slides/slide4.xml><?xml version="1.0" encoding="utf-8"?>
+<file path=ppt/slides/slide5.xml><?xml version="1.0" encoding="utf-8"?>
 <p:sld xmlns:a="http://schemas.openxmlformats.org/drawingml/2006/main" xmlns:r="http://schemas.openxmlformats.org/officeDocument/2006/relationships" xmlns:p="http://schemas.openxmlformats.org/presentationml/2006/main">
   <p:cSld>
     <p:spTree>
@@ -5144,7 +5239,7 @@
 </p:sld>
 </file>
 
-<file path=ppt/slides/slide5.xml><?xml version="1.0" encoding="utf-8"?>
+<file path=ppt/slides/slide6.xml><?xml version="1.0" encoding="utf-8"?>
 <p:sld xmlns:a="http://schemas.openxmlformats.org/drawingml/2006/main" xmlns:r="http://schemas.openxmlformats.org/officeDocument/2006/relationships" xmlns:p="http://schemas.openxmlformats.org/presentationml/2006/main">
   <p:cSld>
     <p:spTree>
@@ -5438,7 +5533,7 @@
 </p:sld>
 </file>
 
-<file path=ppt/slides/slide6.xml><?xml version="1.0" encoding="utf-8"?>
+<file path=ppt/slides/slide7.xml><?xml version="1.0" encoding="utf-8"?>
 <p:sld xmlns:a="http://schemas.openxmlformats.org/drawingml/2006/main" xmlns:r="http://schemas.openxmlformats.org/officeDocument/2006/relationships" xmlns:p="http://schemas.openxmlformats.org/presentationml/2006/main">
   <p:cSld>
     <p:spTree>
@@ -5799,7 +5894,7 @@
 </p:sld>
 </file>
 
-<file path=ppt/slides/slide7.xml><?xml version="1.0" encoding="utf-8"?>
+<file path=ppt/slides/slide8.xml><?xml version="1.0" encoding="utf-8"?>
 <p:sld xmlns:a="http://schemas.openxmlformats.org/drawingml/2006/main" xmlns:r="http://schemas.openxmlformats.org/officeDocument/2006/relationships" xmlns:p="http://schemas.openxmlformats.org/presentationml/2006/main">
   <p:cSld>
     <p:spTree>
@@ -5859,7 +5954,7 @@
 </p:sld>
 </file>
 
-<file path=ppt/slides/slide8.xml><?xml version="1.0" encoding="utf-8"?>
+<file path=ppt/slides/slide9.xml><?xml version="1.0" encoding="utf-8"?>
 <p:sld xmlns:a="http://schemas.openxmlformats.org/drawingml/2006/main" xmlns:r="http://schemas.openxmlformats.org/officeDocument/2006/relationships" xmlns:p="http://schemas.openxmlformats.org/presentationml/2006/main">
   <p:cSld>
     <p:spTree>
@@ -6013,36 +6108,6 @@
     <p:extLst>
       <p:ext uri="{BB962C8B-B14F-4D97-AF65-F5344CB8AC3E}">
         <p14:creationId xmlns:p14="http://schemas.microsoft.com/office/powerpoint/2010/main" val="3899844548"/>
-      </p:ext>
-    </p:extLst>
-  </p:cSld>
-  <p:clrMapOvr>
-    <a:masterClrMapping/>
-  </p:clrMapOvr>
-</p:sld>
-</file>
-
-<file path=ppt/slides/slide9.xml><?xml version="1.0" encoding="utf-8"?>
-<p:sld xmlns:a="http://schemas.openxmlformats.org/drawingml/2006/main" xmlns:r="http://schemas.openxmlformats.org/officeDocument/2006/relationships" xmlns:p="http://schemas.openxmlformats.org/presentationml/2006/main">
-  <p:cSld>
-    <p:spTree>
-      <p:nvGrpSpPr>
-        <p:cNvPr id="1" name=""/>
-        <p:cNvGrpSpPr/>
-        <p:nvPr/>
-      </p:nvGrpSpPr>
-      <p:grpSpPr>
-        <a:xfrm>
-          <a:off x="0" y="0"/>
-          <a:ext cx="0" cy="0"/>
-          <a:chOff x="0" y="0"/>
-          <a:chExt cx="0" cy="0"/>
-        </a:xfrm>
-      </p:grpSpPr>
-    </p:spTree>
-    <p:extLst>
-      <p:ext uri="{BB962C8B-B14F-4D97-AF65-F5344CB8AC3E}">
-        <p14:creationId xmlns:p14="http://schemas.microsoft.com/office/powerpoint/2010/main" val="4256252250"/>
       </p:ext>
     </p:extLst>
   </p:cSld>

--- a/figs/makeFigs.pptx
+++ b/figs/makeFigs.pptx
@@ -5,26 +5,25 @@
     <p:sldMasterId id="2147483648" r:id="rId1"/>
   </p:sldMasterIdLst>
   <p:sldIdLst>
-    <p:sldId id="256" r:id="rId2"/>
-    <p:sldId id="326" r:id="rId3"/>
-    <p:sldId id="311" r:id="rId4"/>
-    <p:sldId id="323" r:id="rId5"/>
-    <p:sldId id="321" r:id="rId6"/>
-    <p:sldId id="324" r:id="rId7"/>
-    <p:sldId id="325" r:id="rId8"/>
-    <p:sldId id="322" r:id="rId9"/>
-    <p:sldId id="337" r:id="rId10"/>
-    <p:sldId id="338" r:id="rId11"/>
-    <p:sldId id="327" r:id="rId12"/>
-    <p:sldId id="328" r:id="rId13"/>
-    <p:sldId id="329" r:id="rId14"/>
-    <p:sldId id="330" r:id="rId15"/>
-    <p:sldId id="331" r:id="rId16"/>
-    <p:sldId id="332" r:id="rId17"/>
-    <p:sldId id="333" r:id="rId18"/>
-    <p:sldId id="334" r:id="rId19"/>
-    <p:sldId id="335" r:id="rId20"/>
-    <p:sldId id="336" r:id="rId21"/>
+    <p:sldId id="326" r:id="rId2"/>
+    <p:sldId id="311" r:id="rId3"/>
+    <p:sldId id="323" r:id="rId4"/>
+    <p:sldId id="321" r:id="rId5"/>
+    <p:sldId id="324" r:id="rId6"/>
+    <p:sldId id="325" r:id="rId7"/>
+    <p:sldId id="322" r:id="rId8"/>
+    <p:sldId id="337" r:id="rId9"/>
+    <p:sldId id="338" r:id="rId10"/>
+    <p:sldId id="327" r:id="rId11"/>
+    <p:sldId id="328" r:id="rId12"/>
+    <p:sldId id="329" r:id="rId13"/>
+    <p:sldId id="330" r:id="rId14"/>
+    <p:sldId id="331" r:id="rId15"/>
+    <p:sldId id="332" r:id="rId16"/>
+    <p:sldId id="333" r:id="rId17"/>
+    <p:sldId id="334" r:id="rId18"/>
+    <p:sldId id="335" r:id="rId19"/>
+    <p:sldId id="336" r:id="rId20"/>
   </p:sldIdLst>
   <p:sldSz cx="12192000" cy="6858000"/>
   <p:notesSz cx="6858000" cy="9144000"/>
@@ -278,7 +277,7 @@
           <a:p>
             <a:fld id="{5498794B-0F6E-4381-BD9D-5788C27E7ABB}" type="datetimeFigureOut">
               <a:rPr kumimoji="1" lang="ja-JP" altLang="en-US" smtClean="0"/>
-              <a:t>2020/10/3</a:t>
+              <a:t>2020/10/9</a:t>
             </a:fld>
             <a:endParaRPr kumimoji="1" lang="ja-JP" altLang="en-US"/>
           </a:p>
@@ -508,7 +507,7 @@
           <a:p>
             <a:fld id="{5498794B-0F6E-4381-BD9D-5788C27E7ABB}" type="datetimeFigureOut">
               <a:rPr kumimoji="1" lang="ja-JP" altLang="en-US" smtClean="0"/>
-              <a:t>2020/10/3</a:t>
+              <a:t>2020/10/9</a:t>
             </a:fld>
             <a:endParaRPr kumimoji="1" lang="ja-JP" altLang="en-US"/>
           </a:p>
@@ -748,7 +747,7 @@
           <a:p>
             <a:fld id="{5498794B-0F6E-4381-BD9D-5788C27E7ABB}" type="datetimeFigureOut">
               <a:rPr kumimoji="1" lang="ja-JP" altLang="en-US" smtClean="0"/>
-              <a:t>2020/10/3</a:t>
+              <a:t>2020/10/9</a:t>
             </a:fld>
             <a:endParaRPr kumimoji="1" lang="ja-JP" altLang="en-US"/>
           </a:p>
@@ -1068,7 +1067,7 @@
           <a:p>
             <a:fld id="{5498794B-0F6E-4381-BD9D-5788C27E7ABB}" type="datetimeFigureOut">
               <a:rPr kumimoji="1" lang="ja-JP" altLang="en-US" smtClean="0"/>
-              <a:t>2020/10/3</a:t>
+              <a:t>2020/10/9</a:t>
             </a:fld>
             <a:endParaRPr kumimoji="1" lang="ja-JP" altLang="en-US"/>
           </a:p>
@@ -1343,7 +1342,7 @@
           <a:p>
             <a:fld id="{5498794B-0F6E-4381-BD9D-5788C27E7ABB}" type="datetimeFigureOut">
               <a:rPr kumimoji="1" lang="ja-JP" altLang="en-US" smtClean="0"/>
-              <a:t>2020/10/3</a:t>
+              <a:t>2020/10/9</a:t>
             </a:fld>
             <a:endParaRPr kumimoji="1" lang="ja-JP" altLang="en-US"/>
           </a:p>
@@ -1672,7 +1671,7 @@
           <a:p>
             <a:fld id="{5498794B-0F6E-4381-BD9D-5788C27E7ABB}" type="datetimeFigureOut">
               <a:rPr kumimoji="1" lang="ja-JP" altLang="en-US" smtClean="0"/>
-              <a:t>2020/10/3</a:t>
+              <a:t>2020/10/9</a:t>
             </a:fld>
             <a:endParaRPr kumimoji="1" lang="ja-JP" altLang="en-US"/>
           </a:p>
@@ -2148,7 +2147,7 @@
           <a:p>
             <a:fld id="{5498794B-0F6E-4381-BD9D-5788C27E7ABB}" type="datetimeFigureOut">
               <a:rPr kumimoji="1" lang="ja-JP" altLang="en-US" smtClean="0"/>
-              <a:t>2020/10/3</a:t>
+              <a:t>2020/10/9</a:t>
             </a:fld>
             <a:endParaRPr kumimoji="1" lang="ja-JP" altLang="en-US"/>
           </a:p>
@@ -2289,7 +2288,7 @@
           <a:p>
             <a:fld id="{5498794B-0F6E-4381-BD9D-5788C27E7ABB}" type="datetimeFigureOut">
               <a:rPr kumimoji="1" lang="ja-JP" altLang="en-US" smtClean="0"/>
-              <a:t>2020/10/3</a:t>
+              <a:t>2020/10/9</a:t>
             </a:fld>
             <a:endParaRPr kumimoji="1" lang="ja-JP" altLang="en-US"/>
           </a:p>
@@ -2402,7 +2401,7 @@
           <a:p>
             <a:fld id="{5498794B-0F6E-4381-BD9D-5788C27E7ABB}" type="datetimeFigureOut">
               <a:rPr kumimoji="1" lang="ja-JP" altLang="en-US" smtClean="0"/>
-              <a:t>2020/10/3</a:t>
+              <a:t>2020/10/9</a:t>
             </a:fld>
             <a:endParaRPr kumimoji="1" lang="ja-JP" altLang="en-US"/>
           </a:p>
@@ -2745,7 +2744,7 @@
           <a:p>
             <a:fld id="{5498794B-0F6E-4381-BD9D-5788C27E7ABB}" type="datetimeFigureOut">
               <a:rPr kumimoji="1" lang="ja-JP" altLang="en-US" smtClean="0"/>
-              <a:t>2020/10/3</a:t>
+              <a:t>2020/10/9</a:t>
             </a:fld>
             <a:endParaRPr kumimoji="1" lang="ja-JP" altLang="en-US"/>
           </a:p>
@@ -3033,7 +3032,7 @@
           <a:p>
             <a:fld id="{5498794B-0F6E-4381-BD9D-5788C27E7ABB}" type="datetimeFigureOut">
               <a:rPr kumimoji="1" lang="ja-JP" altLang="en-US" smtClean="0"/>
-              <a:t>2020/10/3</a:t>
+              <a:t>2020/10/9</a:t>
             </a:fld>
             <a:endParaRPr kumimoji="1" lang="ja-JP" altLang="en-US"/>
           </a:p>
@@ -3306,7 +3305,7 @@
           <a:p>
             <a:fld id="{5498794B-0F6E-4381-BD9D-5788C27E7ABB}" type="datetimeFigureOut">
               <a:rPr kumimoji="1" lang="ja-JP" altLang="en-US" smtClean="0"/>
-              <a:t>2020/10/3</a:t>
+              <a:t>2020/10/9</a:t>
             </a:fld>
             <a:endParaRPr kumimoji="1" lang="ja-JP" altLang="en-US"/>
           </a:p>
@@ -3724,60 +3723,39 @@
           <a:chExt cx="0" cy="0"/>
         </a:xfrm>
       </p:grpSpPr>
-      <p:sp>
-        <p:nvSpPr>
-          <p:cNvPr id="2" name="タイトル 1">
-            <a:extLst>
-              <a:ext uri="{FF2B5EF4-FFF2-40B4-BE49-F238E27FC236}">
-                <a16:creationId xmlns:a16="http://schemas.microsoft.com/office/drawing/2014/main" id="{E9A2A51B-2063-4853-906C-DF9133484DC6}"/>
-              </a:ext>
-            </a:extLst>
-          </p:cNvPr>
-          <p:cNvSpPr>
-            <a:spLocks noGrp="1"/>
-          </p:cNvSpPr>
-          <p:nvPr>
-            <p:ph type="ctrTitle"/>
-          </p:nvPr>
-        </p:nvSpPr>
-        <p:spPr/>
-        <p:txBody>
-          <a:bodyPr/>
-          <a:lstStyle/>
-          <a:p>
-            <a:endParaRPr kumimoji="1" lang="ja-JP" altLang="en-US"/>
-          </a:p>
-        </p:txBody>
-      </p:sp>
-      <p:sp>
-        <p:nvSpPr>
-          <p:cNvPr id="3" name="字幕 2">
-            <a:extLst>
-              <a:ext uri="{FF2B5EF4-FFF2-40B4-BE49-F238E27FC236}">
-                <a16:creationId xmlns:a16="http://schemas.microsoft.com/office/drawing/2014/main" id="{A134052D-179A-4E82-B9D8-440C66426120}"/>
-              </a:ext>
-            </a:extLst>
-          </p:cNvPr>
-          <p:cNvSpPr>
-            <a:spLocks noGrp="1"/>
-          </p:cNvSpPr>
-          <p:nvPr>
-            <p:ph type="subTitle" idx="1"/>
-          </p:nvPr>
-        </p:nvSpPr>
-        <p:spPr/>
-        <p:txBody>
-          <a:bodyPr/>
-          <a:lstStyle/>
-          <a:p>
-            <a:endParaRPr kumimoji="1" lang="ja-JP" altLang="en-US"/>
-          </a:p>
-        </p:txBody>
-      </p:sp>
+      <p:pic>
+        <p:nvPicPr>
+          <p:cNvPr id="3" name="図 2">
+            <a:extLst>
+              <a:ext uri="{FF2B5EF4-FFF2-40B4-BE49-F238E27FC236}">
+                <a16:creationId xmlns:a16="http://schemas.microsoft.com/office/drawing/2014/main" id="{8A354606-FE4B-40DF-A5A7-8CC62764A7DE}"/>
+              </a:ext>
+            </a:extLst>
+          </p:cNvPr>
+          <p:cNvPicPr>
+            <a:picLocks noChangeAspect="1"/>
+          </p:cNvPicPr>
+          <p:nvPr/>
+        </p:nvPicPr>
+        <p:blipFill rotWithShape="1">
+          <a:blip r:embed="rId2"/>
+          <a:srcRect b="40451"/>
+          <a:stretch/>
+        </p:blipFill>
+        <p:spPr>
+          <a:xfrm>
+            <a:off x="2676952" y="1086143"/>
+            <a:ext cx="6838095" cy="2790288"/>
+          </a:xfrm>
+          <a:prstGeom prst="rect">
+            <a:avLst/>
+          </a:prstGeom>
+        </p:spPr>
+      </p:pic>
     </p:spTree>
     <p:extLst>
       <p:ext uri="{BB962C8B-B14F-4D97-AF65-F5344CB8AC3E}">
-        <p14:creationId xmlns:p14="http://schemas.microsoft.com/office/powerpoint/2010/main" val="2842105260"/>
+        <p14:creationId xmlns:p14="http://schemas.microsoft.com/office/powerpoint/2010/main" val="4256252250"/>
       </p:ext>
     </p:extLst>
   </p:cSld>
@@ -3804,10 +3782,40 @@
           <a:chExt cx="0" cy="0"/>
         </a:xfrm>
       </p:grpSpPr>
+      <p:pic>
+        <p:nvPicPr>
+          <p:cNvPr id="3" name="図 2">
+            <a:extLst>
+              <a:ext uri="{FF2B5EF4-FFF2-40B4-BE49-F238E27FC236}">
+                <a16:creationId xmlns:a16="http://schemas.microsoft.com/office/drawing/2014/main" id="{2E8E4416-F1CB-443C-9585-680D13105DF2}"/>
+              </a:ext>
+            </a:extLst>
+          </p:cNvPr>
+          <p:cNvPicPr>
+            <a:picLocks noChangeAspect="1"/>
+          </p:cNvPicPr>
+          <p:nvPr/>
+        </p:nvPicPr>
+        <p:blipFill>
+          <a:blip r:embed="rId2"/>
+          <a:stretch>
+            <a:fillRect/>
+          </a:stretch>
+        </p:blipFill>
+        <p:spPr>
+          <a:xfrm>
+            <a:off x="2468479" y="0"/>
+            <a:ext cx="7255042" cy="6858000"/>
+          </a:xfrm>
+          <a:prstGeom prst="rect">
+            <a:avLst/>
+          </a:prstGeom>
+        </p:spPr>
+      </p:pic>
     </p:spTree>
     <p:extLst>
       <p:ext uri="{BB962C8B-B14F-4D97-AF65-F5344CB8AC3E}">
-        <p14:creationId xmlns:p14="http://schemas.microsoft.com/office/powerpoint/2010/main" val="1047156367"/>
+        <p14:creationId xmlns:p14="http://schemas.microsoft.com/office/powerpoint/2010/main" val="1883206660"/>
       </p:ext>
     </p:extLst>
   </p:cSld>
@@ -3834,10 +3842,86 @@
           <a:chExt cx="0" cy="0"/>
         </a:xfrm>
       </p:grpSpPr>
+      <p:pic>
+        <p:nvPicPr>
+          <p:cNvPr id="3" name="図 2">
+            <a:extLst>
+              <a:ext uri="{FF2B5EF4-FFF2-40B4-BE49-F238E27FC236}">
+                <a16:creationId xmlns:a16="http://schemas.microsoft.com/office/drawing/2014/main" id="{61B8F0D8-5E34-4DC1-B93E-6679D631A3F9}"/>
+              </a:ext>
+            </a:extLst>
+          </p:cNvPr>
+          <p:cNvPicPr>
+            <a:picLocks noChangeAspect="1"/>
+          </p:cNvPicPr>
+          <p:nvPr/>
+        </p:nvPicPr>
+        <p:blipFill>
+          <a:blip r:embed="rId2"/>
+          <a:stretch>
+            <a:fillRect/>
+          </a:stretch>
+        </p:blipFill>
+        <p:spPr>
+          <a:xfrm>
+            <a:off x="2012782" y="0"/>
+            <a:ext cx="8166435" cy="6858000"/>
+          </a:xfrm>
+          <a:prstGeom prst="rect">
+            <a:avLst/>
+          </a:prstGeom>
+        </p:spPr>
+      </p:pic>
+      <p:sp>
+        <p:nvSpPr>
+          <p:cNvPr id="5" name="テキスト ボックス 4">
+            <a:extLst>
+              <a:ext uri="{FF2B5EF4-FFF2-40B4-BE49-F238E27FC236}">
+                <a16:creationId xmlns:a16="http://schemas.microsoft.com/office/drawing/2014/main" id="{1677C04D-C665-45AD-879E-63BB3E2A5148}"/>
+              </a:ext>
+            </a:extLst>
+          </p:cNvPr>
+          <p:cNvSpPr txBox="1"/>
+          <p:nvPr/>
+        </p:nvSpPr>
+        <p:spPr>
+          <a:xfrm>
+            <a:off x="78153" y="0"/>
+            <a:ext cx="4079632" cy="461665"/>
+          </a:xfrm>
+          <a:prstGeom prst="rect">
+            <a:avLst/>
+          </a:prstGeom>
+          <a:noFill/>
+        </p:spPr>
+        <p:txBody>
+          <a:bodyPr wrap="square" rtlCol="0">
+            <a:spAutoFit/>
+          </a:bodyPr>
+          <a:lstStyle/>
+          <a:p>
+            <a:r>
+              <a:rPr lang="en-US" altLang="ja-JP" sz="2400" dirty="0">
+                <a:solidFill>
+                  <a:srgbClr val="000000"/>
+                </a:solidFill>
+                <a:effectLst/>
+                <a:latin typeface="Times New Roman" panose="02020603050405020304" pitchFamily="18" charset="0"/>
+                <a:cs typeface="Times New Roman" panose="02020603050405020304" pitchFamily="18" charset="0"/>
+              </a:rPr>
+              <a:t>pumpingSystem_ex03</a:t>
+            </a:r>
+            <a:endParaRPr kumimoji="1" lang="ja-JP" altLang="en-US" sz="2400" dirty="0">
+              <a:latin typeface="Times New Roman" panose="02020603050405020304" pitchFamily="18" charset="0"/>
+              <a:cs typeface="Times New Roman" panose="02020603050405020304" pitchFamily="18" charset="0"/>
+            </a:endParaRPr>
+          </a:p>
+        </p:txBody>
+      </p:sp>
     </p:spTree>
     <p:extLst>
       <p:ext uri="{BB962C8B-B14F-4D97-AF65-F5344CB8AC3E}">
-        <p14:creationId xmlns:p14="http://schemas.microsoft.com/office/powerpoint/2010/main" val="1883206660"/>
+        <p14:creationId xmlns:p14="http://schemas.microsoft.com/office/powerpoint/2010/main" val="1816954010"/>
       </p:ext>
     </p:extLst>
   </p:cSld>
@@ -3864,10 +3948,40 @@
           <a:chExt cx="0" cy="0"/>
         </a:xfrm>
       </p:grpSpPr>
+      <p:pic>
+        <p:nvPicPr>
+          <p:cNvPr id="3" name="図 2">
+            <a:extLst>
+              <a:ext uri="{FF2B5EF4-FFF2-40B4-BE49-F238E27FC236}">
+                <a16:creationId xmlns:a16="http://schemas.microsoft.com/office/drawing/2014/main" id="{32D34272-BA97-4DCD-8AE9-32A0849B8DE5}"/>
+              </a:ext>
+            </a:extLst>
+          </p:cNvPr>
+          <p:cNvPicPr>
+            <a:picLocks noChangeAspect="1"/>
+          </p:cNvPicPr>
+          <p:nvPr/>
+        </p:nvPicPr>
+        <p:blipFill>
+          <a:blip r:embed="rId2"/>
+          <a:stretch>
+            <a:fillRect/>
+          </a:stretch>
+        </p:blipFill>
+        <p:spPr>
+          <a:xfrm>
+            <a:off x="2012782" y="0"/>
+            <a:ext cx="8166435" cy="6858000"/>
+          </a:xfrm>
+          <a:prstGeom prst="rect">
+            <a:avLst/>
+          </a:prstGeom>
+        </p:spPr>
+      </p:pic>
     </p:spTree>
     <p:extLst>
       <p:ext uri="{BB962C8B-B14F-4D97-AF65-F5344CB8AC3E}">
-        <p14:creationId xmlns:p14="http://schemas.microsoft.com/office/powerpoint/2010/main" val="1816954010"/>
+        <p14:creationId xmlns:p14="http://schemas.microsoft.com/office/powerpoint/2010/main" val="3694756281"/>
       </p:ext>
     </p:extLst>
   </p:cSld>
@@ -3897,7 +4011,7 @@
     </p:spTree>
     <p:extLst>
       <p:ext uri="{BB962C8B-B14F-4D97-AF65-F5344CB8AC3E}">
-        <p14:creationId xmlns:p14="http://schemas.microsoft.com/office/powerpoint/2010/main" val="3694756281"/>
+        <p14:creationId xmlns:p14="http://schemas.microsoft.com/office/powerpoint/2010/main" val="3258820415"/>
       </p:ext>
     </p:extLst>
   </p:cSld>
@@ -3927,7 +4041,7 @@
     </p:spTree>
     <p:extLst>
       <p:ext uri="{BB962C8B-B14F-4D97-AF65-F5344CB8AC3E}">
-        <p14:creationId xmlns:p14="http://schemas.microsoft.com/office/powerpoint/2010/main" val="3258820415"/>
+        <p14:creationId xmlns:p14="http://schemas.microsoft.com/office/powerpoint/2010/main" val="2043835998"/>
       </p:ext>
     </p:extLst>
   </p:cSld>
@@ -3957,7 +4071,7 @@
     </p:spTree>
     <p:extLst>
       <p:ext uri="{BB962C8B-B14F-4D97-AF65-F5344CB8AC3E}">
-        <p14:creationId xmlns:p14="http://schemas.microsoft.com/office/powerpoint/2010/main" val="2043835998"/>
+        <p14:creationId xmlns:p14="http://schemas.microsoft.com/office/powerpoint/2010/main" val="547396864"/>
       </p:ext>
     </p:extLst>
   </p:cSld>
@@ -3987,7 +4101,7 @@
     </p:spTree>
     <p:extLst>
       <p:ext uri="{BB962C8B-B14F-4D97-AF65-F5344CB8AC3E}">
-        <p14:creationId xmlns:p14="http://schemas.microsoft.com/office/powerpoint/2010/main" val="547396864"/>
+        <p14:creationId xmlns:p14="http://schemas.microsoft.com/office/powerpoint/2010/main" val="3437108536"/>
       </p:ext>
     </p:extLst>
   </p:cSld>
@@ -4017,7 +4131,7 @@
     </p:spTree>
     <p:extLst>
       <p:ext uri="{BB962C8B-B14F-4D97-AF65-F5344CB8AC3E}">
-        <p14:creationId xmlns:p14="http://schemas.microsoft.com/office/powerpoint/2010/main" val="3437108536"/>
+        <p14:creationId xmlns:p14="http://schemas.microsoft.com/office/powerpoint/2010/main" val="3534862661"/>
       </p:ext>
     </p:extLst>
   </p:cSld>
@@ -4047,7 +4161,7 @@
     </p:spTree>
     <p:extLst>
       <p:ext uri="{BB962C8B-B14F-4D97-AF65-F5344CB8AC3E}">
-        <p14:creationId xmlns:p14="http://schemas.microsoft.com/office/powerpoint/2010/main" val="3534862661"/>
+        <p14:creationId xmlns:p14="http://schemas.microsoft.com/office/powerpoint/2010/main" val="2075533915"/>
       </p:ext>
     </p:extLst>
   </p:cSld>
@@ -4077,7 +4191,7 @@
     </p:spTree>
     <p:extLst>
       <p:ext uri="{BB962C8B-B14F-4D97-AF65-F5344CB8AC3E}">
-        <p14:creationId xmlns:p14="http://schemas.microsoft.com/office/powerpoint/2010/main" val="2075533915"/>
+        <p14:creationId xmlns:p14="http://schemas.microsoft.com/office/powerpoint/2010/main" val="2322278489"/>
       </p:ext>
     </p:extLst>
   </p:cSld>
@@ -4109,7 +4223,7 @@
           <p:cNvPr id="3" name="図 2">
             <a:extLst>
               <a:ext uri="{FF2B5EF4-FFF2-40B4-BE49-F238E27FC236}">
-                <a16:creationId xmlns:a16="http://schemas.microsoft.com/office/drawing/2014/main" id="{8A354606-FE4B-40DF-A5A7-8CC62764A7DE}"/>
+                <a16:creationId xmlns:a16="http://schemas.microsoft.com/office/drawing/2014/main" id="{AB48BEEF-767E-45C8-A615-BB63D5F8407E}"/>
               </a:ext>
             </a:extLst>
           </p:cNvPr>
@@ -4120,53 +4234,696 @@
         </p:nvPicPr>
         <p:blipFill rotWithShape="1">
           <a:blip r:embed="rId2"/>
-          <a:srcRect b="40451"/>
+          <a:srcRect b="38876"/>
           <a:stretch/>
         </p:blipFill>
         <p:spPr>
           <a:xfrm>
-            <a:off x="2676952" y="1086143"/>
-            <a:ext cx="6838095" cy="2790288"/>
+            <a:off x="2994302" y="1787494"/>
+            <a:ext cx="6203396" cy="2598248"/>
           </a:xfrm>
           <a:prstGeom prst="rect">
             <a:avLst/>
           </a:prstGeom>
         </p:spPr>
       </p:pic>
+      <p:sp>
+        <p:nvSpPr>
+          <p:cNvPr id="4" name="テキスト ボックス 3">
+            <a:extLst>
+              <a:ext uri="{FF2B5EF4-FFF2-40B4-BE49-F238E27FC236}">
+                <a16:creationId xmlns:a16="http://schemas.microsoft.com/office/drawing/2014/main" id="{0E55A3D1-88C9-46C4-9917-4384ADB54C73}"/>
+              </a:ext>
+            </a:extLst>
+          </p:cNvPr>
+          <p:cNvSpPr txBox="1"/>
+          <p:nvPr/>
+        </p:nvSpPr>
+        <p:spPr>
+          <a:xfrm>
+            <a:off x="4526715" y="1951991"/>
+            <a:ext cx="1374866" cy="567313"/>
+          </a:xfrm>
+          <a:prstGeom prst="rect">
+            <a:avLst/>
+          </a:prstGeom>
+          <a:solidFill>
+            <a:srgbClr val="92D050">
+              <a:alpha val="60000"/>
+            </a:srgbClr>
+          </a:solidFill>
+          <a:ln>
+            <a:solidFill>
+              <a:schemeClr val="tx1"/>
+            </a:solidFill>
+          </a:ln>
+        </p:spPr>
+        <p:txBody>
+          <a:bodyPr wrap="square" rtlCol="0">
+            <a:noAutofit/>
+          </a:bodyPr>
+          <a:lstStyle/>
+          <a:p>
+            <a:r>
+              <a:rPr lang="en-US" altLang="ja-JP" sz="907" dirty="0">
+                <a:latin typeface="ＭＳ Ｐゴシック" panose="020B0600070205080204" pitchFamily="50" charset="-128"/>
+                <a:ea typeface="ＭＳ Ｐゴシック" panose="020B0600070205080204" pitchFamily="50" charset="-128"/>
+                <a:cs typeface="Arial" panose="020B0604020202020204" pitchFamily="34" charset="0"/>
+              </a:rPr>
+              <a:t>Pipe= Flow resistance.</a:t>
+            </a:r>
+          </a:p>
+          <a:p>
+            <a:r>
+              <a:rPr lang="en-US" altLang="ja-JP" sz="907" dirty="0">
+                <a:latin typeface="ＭＳ Ｐゴシック" panose="020B0600070205080204" pitchFamily="50" charset="-128"/>
+                <a:ea typeface="ＭＳ Ｐゴシック" panose="020B0600070205080204" pitchFamily="50" charset="-128"/>
+                <a:cs typeface="Arial" panose="020B0604020202020204" pitchFamily="34" charset="0"/>
+              </a:rPr>
+              <a:t>-. Fluid pressure drops through it.</a:t>
+            </a:r>
+          </a:p>
+        </p:txBody>
+      </p:sp>
+      <p:cxnSp>
+        <p:nvCxnSpPr>
+          <p:cNvPr id="5" name="直線矢印コネクタ 4">
+            <a:extLst>
+              <a:ext uri="{FF2B5EF4-FFF2-40B4-BE49-F238E27FC236}">
+                <a16:creationId xmlns:a16="http://schemas.microsoft.com/office/drawing/2014/main" id="{09EC11B6-4E22-484D-AAAC-DF8E43BE7174}"/>
+              </a:ext>
+            </a:extLst>
+          </p:cNvPr>
+          <p:cNvCxnSpPr>
+            <a:cxnSpLocks/>
+            <a:stCxn id="4" idx="3"/>
+          </p:cNvCxnSpPr>
+          <p:nvPr/>
+        </p:nvCxnSpPr>
+        <p:spPr>
+          <a:xfrm>
+            <a:off x="5901581" y="2235647"/>
+            <a:ext cx="675764" cy="1274482"/>
+          </a:xfrm>
+          <a:prstGeom prst="straightConnector1">
+            <a:avLst/>
+          </a:prstGeom>
+          <a:ln w="12700">
+            <a:solidFill>
+              <a:schemeClr val="tx1"/>
+            </a:solidFill>
+            <a:tailEnd type="oval"/>
+          </a:ln>
+        </p:spPr>
+        <p:style>
+          <a:lnRef idx="1">
+            <a:schemeClr val="accent1"/>
+          </a:lnRef>
+          <a:fillRef idx="0">
+            <a:schemeClr val="accent1"/>
+          </a:fillRef>
+          <a:effectRef idx="0">
+            <a:schemeClr val="accent1"/>
+          </a:effectRef>
+          <a:fontRef idx="minor">
+            <a:schemeClr val="tx1"/>
+          </a:fontRef>
+        </p:style>
+      </p:cxnSp>
+      <p:cxnSp>
+        <p:nvCxnSpPr>
+          <p:cNvPr id="15" name="直線矢印コネクタ 14">
+            <a:extLst>
+              <a:ext uri="{FF2B5EF4-FFF2-40B4-BE49-F238E27FC236}">
+                <a16:creationId xmlns:a16="http://schemas.microsoft.com/office/drawing/2014/main" id="{26FA83A2-BD09-4555-A9DF-EC55189CAA54}"/>
+              </a:ext>
+            </a:extLst>
+          </p:cNvPr>
+          <p:cNvCxnSpPr>
+            <a:cxnSpLocks/>
+            <a:stCxn id="27" idx="0"/>
+          </p:cNvCxnSpPr>
+          <p:nvPr/>
+        </p:nvCxnSpPr>
+        <p:spPr>
+          <a:xfrm flipV="1">
+            <a:off x="3804362" y="3982063"/>
+            <a:ext cx="445845" cy="439943"/>
+          </a:xfrm>
+          <a:prstGeom prst="straightConnector1">
+            <a:avLst/>
+          </a:prstGeom>
+          <a:ln w="12700">
+            <a:solidFill>
+              <a:schemeClr val="tx1"/>
+            </a:solidFill>
+            <a:tailEnd type="oval"/>
+          </a:ln>
+        </p:spPr>
+        <p:style>
+          <a:lnRef idx="1">
+            <a:schemeClr val="accent1"/>
+          </a:lnRef>
+          <a:fillRef idx="0">
+            <a:schemeClr val="accent1"/>
+          </a:fillRef>
+          <a:effectRef idx="0">
+            <a:schemeClr val="accent1"/>
+          </a:effectRef>
+          <a:fontRef idx="minor">
+            <a:schemeClr val="tx1"/>
+          </a:fontRef>
+        </p:style>
+      </p:cxnSp>
+      <p:sp>
+        <p:nvSpPr>
+          <p:cNvPr id="27" name="テキスト ボックス 26">
+            <a:extLst>
+              <a:ext uri="{FF2B5EF4-FFF2-40B4-BE49-F238E27FC236}">
+                <a16:creationId xmlns:a16="http://schemas.microsoft.com/office/drawing/2014/main" id="{FAFF685B-35D8-4007-8385-5AA3CEC86D7B}"/>
+              </a:ext>
+            </a:extLst>
+          </p:cNvPr>
+          <p:cNvSpPr txBox="1"/>
+          <p:nvPr/>
+        </p:nvSpPr>
+        <p:spPr>
+          <a:xfrm>
+            <a:off x="2908929" y="4422006"/>
+            <a:ext cx="1790865" cy="816305"/>
+          </a:xfrm>
+          <a:prstGeom prst="rect">
+            <a:avLst/>
+          </a:prstGeom>
+          <a:solidFill>
+            <a:srgbClr val="00B0F0">
+              <a:alpha val="60000"/>
+            </a:srgbClr>
+          </a:solidFill>
+          <a:ln>
+            <a:solidFill>
+              <a:schemeClr val="tx1"/>
+            </a:solidFill>
+          </a:ln>
+        </p:spPr>
+        <p:txBody>
+          <a:bodyPr wrap="square" rtlCol="0">
+            <a:noAutofit/>
+          </a:bodyPr>
+          <a:lstStyle/>
+          <a:p>
+            <a:r>
+              <a:rPr lang="en-US" altLang="ja-JP" sz="907" dirty="0">
+                <a:latin typeface="ＭＳ Ｐゴシック" panose="020B0600070205080204" pitchFamily="50" charset="-128"/>
+                <a:ea typeface="ＭＳ Ｐゴシック" panose="020B0600070205080204" pitchFamily="50" charset="-128"/>
+                <a:cs typeface="Arial" panose="020B0604020202020204" pitchFamily="34" charset="0"/>
+              </a:rPr>
+              <a:t>Input (boundary cond.): </a:t>
+            </a:r>
+          </a:p>
+          <a:p>
+            <a:r>
+              <a:rPr lang="en-US" altLang="ja-JP" sz="907" dirty="0">
+                <a:latin typeface="ＭＳ Ｐゴシック" panose="020B0600070205080204" pitchFamily="50" charset="-128"/>
+                <a:ea typeface="ＭＳ Ｐゴシック" panose="020B0600070205080204" pitchFamily="50" charset="-128"/>
+                <a:cs typeface="Arial" panose="020B0604020202020204" pitchFamily="34" charset="0"/>
+              </a:rPr>
+              <a:t>-. mass flow rate with ramp in time. Increase it gradually.</a:t>
+            </a:r>
+          </a:p>
+          <a:p>
+            <a:r>
+              <a:rPr lang="en-US" altLang="ja-JP" sz="907" dirty="0">
+                <a:latin typeface="ＭＳ Ｐゴシック" panose="020B0600070205080204" pitchFamily="50" charset="-128"/>
+                <a:ea typeface="ＭＳ Ｐゴシック" panose="020B0600070205080204" pitchFamily="50" charset="-128"/>
+                <a:cs typeface="Arial" panose="020B0604020202020204" pitchFamily="34" charset="0"/>
+              </a:rPr>
+              <a:t>-. Inlet temperature with fixed value. </a:t>
+            </a:r>
+          </a:p>
+        </p:txBody>
+      </p:sp>
+      <p:sp>
+        <p:nvSpPr>
+          <p:cNvPr id="32" name="テキスト ボックス 31">
+            <a:extLst>
+              <a:ext uri="{FF2B5EF4-FFF2-40B4-BE49-F238E27FC236}">
+                <a16:creationId xmlns:a16="http://schemas.microsoft.com/office/drawing/2014/main" id="{009AFEBC-324F-4D6C-89B9-0AE5653FC1CC}"/>
+              </a:ext>
+            </a:extLst>
+          </p:cNvPr>
+          <p:cNvSpPr txBox="1"/>
+          <p:nvPr/>
+        </p:nvSpPr>
+        <p:spPr>
+          <a:xfrm>
+            <a:off x="8438897" y="4422007"/>
+            <a:ext cx="1514966" cy="555156"/>
+          </a:xfrm>
+          <a:prstGeom prst="rect">
+            <a:avLst/>
+          </a:prstGeom>
+          <a:solidFill>
+            <a:srgbClr val="00B0F0">
+              <a:alpha val="60000"/>
+            </a:srgbClr>
+          </a:solidFill>
+          <a:ln>
+            <a:solidFill>
+              <a:schemeClr val="tx1"/>
+            </a:solidFill>
+          </a:ln>
+        </p:spPr>
+        <p:txBody>
+          <a:bodyPr wrap="square" rtlCol="0">
+            <a:noAutofit/>
+          </a:bodyPr>
+          <a:lstStyle/>
+          <a:p>
+            <a:r>
+              <a:rPr lang="en-US" altLang="ja-JP" sz="907" dirty="0">
+                <a:latin typeface="ＭＳ Ｐゴシック" panose="020B0600070205080204" pitchFamily="50" charset="-128"/>
+                <a:ea typeface="ＭＳ Ｐゴシック" panose="020B0600070205080204" pitchFamily="50" charset="-128"/>
+                <a:cs typeface="Arial" panose="020B0604020202020204" pitchFamily="34" charset="0"/>
+              </a:rPr>
+              <a:t>Input (boundary cond.): </a:t>
+            </a:r>
+          </a:p>
+          <a:p>
+            <a:r>
+              <a:rPr lang="en-US" altLang="ja-JP" sz="907" dirty="0">
+                <a:latin typeface="ＭＳ Ｐゴシック" panose="020B0600070205080204" pitchFamily="50" charset="-128"/>
+                <a:ea typeface="ＭＳ Ｐゴシック" panose="020B0600070205080204" pitchFamily="50" charset="-128"/>
+                <a:cs typeface="Arial" panose="020B0604020202020204" pitchFamily="34" charset="0"/>
+              </a:rPr>
+              <a:t>-. Outlet pressure with fixed value. </a:t>
+            </a:r>
+          </a:p>
+        </p:txBody>
+      </p:sp>
+      <p:cxnSp>
+        <p:nvCxnSpPr>
+          <p:cNvPr id="33" name="直線矢印コネクタ 32">
+            <a:extLst>
+              <a:ext uri="{FF2B5EF4-FFF2-40B4-BE49-F238E27FC236}">
+                <a16:creationId xmlns:a16="http://schemas.microsoft.com/office/drawing/2014/main" id="{7D70DFCB-03CF-468A-87B1-4F2FEDA8CC1F}"/>
+              </a:ext>
+            </a:extLst>
+          </p:cNvPr>
+          <p:cNvCxnSpPr>
+            <a:cxnSpLocks/>
+            <a:stCxn id="32" idx="0"/>
+          </p:cNvCxnSpPr>
+          <p:nvPr/>
+        </p:nvCxnSpPr>
+        <p:spPr>
+          <a:xfrm flipH="1" flipV="1">
+            <a:off x="8830470" y="3982063"/>
+            <a:ext cx="365910" cy="439944"/>
+          </a:xfrm>
+          <a:prstGeom prst="straightConnector1">
+            <a:avLst/>
+          </a:prstGeom>
+          <a:ln w="12700">
+            <a:solidFill>
+              <a:schemeClr val="tx1"/>
+            </a:solidFill>
+            <a:tailEnd type="oval"/>
+          </a:ln>
+        </p:spPr>
+        <p:style>
+          <a:lnRef idx="1">
+            <a:schemeClr val="accent1"/>
+          </a:lnRef>
+          <a:fillRef idx="0">
+            <a:schemeClr val="accent1"/>
+          </a:fillRef>
+          <a:effectRef idx="0">
+            <a:schemeClr val="accent1"/>
+          </a:effectRef>
+          <a:fontRef idx="minor">
+            <a:schemeClr val="tx1"/>
+          </a:fontRef>
+        </p:style>
+      </p:cxnSp>
+      <p:sp>
+        <p:nvSpPr>
+          <p:cNvPr id="46" name="テキスト ボックス 45">
+            <a:extLst>
+              <a:ext uri="{FF2B5EF4-FFF2-40B4-BE49-F238E27FC236}">
+                <a16:creationId xmlns:a16="http://schemas.microsoft.com/office/drawing/2014/main" id="{1229D8C6-6DDE-4BDE-9AB4-56DCBE00C8B4}"/>
+              </a:ext>
+            </a:extLst>
+          </p:cNvPr>
+          <p:cNvSpPr txBox="1"/>
+          <p:nvPr/>
+        </p:nvSpPr>
+        <p:spPr>
+          <a:xfrm>
+            <a:off x="4982092" y="4421471"/>
+            <a:ext cx="1240392" cy="439944"/>
+          </a:xfrm>
+          <a:prstGeom prst="rect">
+            <a:avLst/>
+          </a:prstGeom>
+          <a:solidFill>
+            <a:srgbClr val="FFFF00">
+              <a:alpha val="69804"/>
+            </a:srgbClr>
+          </a:solidFill>
+          <a:ln>
+            <a:solidFill>
+              <a:schemeClr val="tx1"/>
+            </a:solidFill>
+          </a:ln>
+        </p:spPr>
+        <p:txBody>
+          <a:bodyPr wrap="square" rtlCol="0">
+            <a:noAutofit/>
+          </a:bodyPr>
+          <a:lstStyle/>
+          <a:p>
+            <a:r>
+              <a:rPr lang="en-US" altLang="ja-JP" sz="907" dirty="0">
+                <a:latin typeface="ＭＳ Ｐゴシック" panose="020B0600070205080204" pitchFamily="50" charset="-128"/>
+                <a:ea typeface="ＭＳ Ｐゴシック" panose="020B0600070205080204" pitchFamily="50" charset="-128"/>
+                <a:cs typeface="Arial" panose="020B0604020202020204" pitchFamily="34" charset="0"/>
+              </a:rPr>
+              <a:t>Output of interest: </a:t>
+            </a:r>
+          </a:p>
+          <a:p>
+            <a:r>
+              <a:rPr lang="en-US" altLang="ja-JP" sz="907" dirty="0">
+                <a:latin typeface="ＭＳ Ｐゴシック" panose="020B0600070205080204" pitchFamily="50" charset="-128"/>
+                <a:ea typeface="ＭＳ Ｐゴシック" panose="020B0600070205080204" pitchFamily="50" charset="-128"/>
+                <a:cs typeface="Arial" panose="020B0604020202020204" pitchFamily="34" charset="0"/>
+              </a:rPr>
+              <a:t>-. Inlet pressure.</a:t>
+            </a:r>
+          </a:p>
+        </p:txBody>
+      </p:sp>
+      <p:cxnSp>
+        <p:nvCxnSpPr>
+          <p:cNvPr id="47" name="直線矢印コネクタ 46">
+            <a:extLst>
+              <a:ext uri="{FF2B5EF4-FFF2-40B4-BE49-F238E27FC236}">
+                <a16:creationId xmlns:a16="http://schemas.microsoft.com/office/drawing/2014/main" id="{28F47707-7ECF-4544-BA20-E4C81B229B53}"/>
+              </a:ext>
+            </a:extLst>
+          </p:cNvPr>
+          <p:cNvCxnSpPr>
+            <a:cxnSpLocks/>
+            <a:stCxn id="46" idx="0"/>
+          </p:cNvCxnSpPr>
+          <p:nvPr/>
+        </p:nvCxnSpPr>
+        <p:spPr>
+          <a:xfrm flipV="1">
+            <a:off x="5602288" y="3770742"/>
+            <a:ext cx="228623" cy="650729"/>
+          </a:xfrm>
+          <a:prstGeom prst="straightConnector1">
+            <a:avLst/>
+          </a:prstGeom>
+          <a:ln w="12700">
+            <a:solidFill>
+              <a:schemeClr val="tx1"/>
+            </a:solidFill>
+            <a:tailEnd type="oval"/>
+          </a:ln>
+        </p:spPr>
+        <p:style>
+          <a:lnRef idx="1">
+            <a:schemeClr val="accent1"/>
+          </a:lnRef>
+          <a:fillRef idx="0">
+            <a:schemeClr val="accent1"/>
+          </a:fillRef>
+          <a:effectRef idx="0">
+            <a:schemeClr val="accent1"/>
+          </a:effectRef>
+          <a:fontRef idx="minor">
+            <a:schemeClr val="tx1"/>
+          </a:fontRef>
+        </p:style>
+      </p:cxnSp>
+      <p:sp>
+        <p:nvSpPr>
+          <p:cNvPr id="56" name="テキスト ボックス 55">
+            <a:extLst>
+              <a:ext uri="{FF2B5EF4-FFF2-40B4-BE49-F238E27FC236}">
+                <a16:creationId xmlns:a16="http://schemas.microsoft.com/office/drawing/2014/main" id="{0FED6896-D68B-4F33-AA9F-AD0CB59537DA}"/>
+              </a:ext>
+            </a:extLst>
+          </p:cNvPr>
+          <p:cNvSpPr txBox="1"/>
+          <p:nvPr/>
+        </p:nvSpPr>
+        <p:spPr>
+          <a:xfrm>
+            <a:off x="6462278" y="1787494"/>
+            <a:ext cx="1874117" cy="662685"/>
+          </a:xfrm>
+          <a:prstGeom prst="rect">
+            <a:avLst/>
+          </a:prstGeom>
+          <a:solidFill>
+            <a:srgbClr val="92D050">
+              <a:alpha val="60000"/>
+            </a:srgbClr>
+          </a:solidFill>
+          <a:ln>
+            <a:solidFill>
+              <a:schemeClr val="tx1"/>
+            </a:solidFill>
+          </a:ln>
+        </p:spPr>
+        <p:txBody>
+          <a:bodyPr wrap="square" rtlCol="0">
+            <a:noAutofit/>
+          </a:bodyPr>
+          <a:lstStyle/>
+          <a:p>
+            <a:r>
+              <a:rPr lang="en-US" altLang="ja-JP" sz="907" dirty="0">
+                <a:latin typeface="ＭＳ Ｐゴシック" panose="020B0600070205080204" pitchFamily="50" charset="-128"/>
+                <a:ea typeface="ＭＳ Ｐゴシック" panose="020B0600070205080204" pitchFamily="50" charset="-128"/>
+                <a:cs typeface="Arial" panose="020B0604020202020204" pitchFamily="34" charset="0"/>
+              </a:rPr>
+              <a:t>Volumes</a:t>
+            </a:r>
+          </a:p>
+          <a:p>
+            <a:r>
+              <a:rPr lang="en-US" altLang="ja-JP" sz="907" dirty="0">
+                <a:latin typeface="ＭＳ Ｐゴシック" panose="020B0600070205080204" pitchFamily="50" charset="-128"/>
+                <a:ea typeface="ＭＳ Ｐゴシック" panose="020B0600070205080204" pitchFamily="50" charset="-128"/>
+                <a:cs typeface="Arial" panose="020B0604020202020204" pitchFamily="34" charset="0"/>
+              </a:rPr>
+              <a:t>-. In order to see the temperature and enthalpy change across the pipe.</a:t>
+            </a:r>
+          </a:p>
+        </p:txBody>
+      </p:sp>
+      <p:sp>
+        <p:nvSpPr>
+          <p:cNvPr id="61" name="テキスト ボックス 60">
+            <a:extLst>
+              <a:ext uri="{FF2B5EF4-FFF2-40B4-BE49-F238E27FC236}">
+                <a16:creationId xmlns:a16="http://schemas.microsoft.com/office/drawing/2014/main" id="{B497D03F-9EED-4CAA-AB9E-F628C6603C60}"/>
+              </a:ext>
+            </a:extLst>
+          </p:cNvPr>
+          <p:cNvSpPr txBox="1"/>
+          <p:nvPr/>
+        </p:nvSpPr>
+        <p:spPr>
+          <a:xfrm>
+            <a:off x="6654299" y="4624478"/>
+            <a:ext cx="1345059" cy="439944"/>
+          </a:xfrm>
+          <a:prstGeom prst="rect">
+            <a:avLst/>
+          </a:prstGeom>
+          <a:solidFill>
+            <a:srgbClr val="FFFF00">
+              <a:alpha val="69804"/>
+            </a:srgbClr>
+          </a:solidFill>
+          <a:ln>
+            <a:solidFill>
+              <a:schemeClr val="tx1"/>
+            </a:solidFill>
+          </a:ln>
+        </p:spPr>
+        <p:txBody>
+          <a:bodyPr wrap="square" rtlCol="0">
+            <a:noAutofit/>
+          </a:bodyPr>
+          <a:lstStyle/>
+          <a:p>
+            <a:r>
+              <a:rPr lang="en-US" altLang="ja-JP" sz="907" dirty="0">
+                <a:latin typeface="ＭＳ Ｐゴシック" panose="020B0600070205080204" pitchFamily="50" charset="-128"/>
+                <a:ea typeface="ＭＳ Ｐゴシック" panose="020B0600070205080204" pitchFamily="50" charset="-128"/>
+                <a:cs typeface="Arial" panose="020B0604020202020204" pitchFamily="34" charset="0"/>
+              </a:rPr>
+              <a:t>Output of interest: </a:t>
+            </a:r>
+          </a:p>
+          <a:p>
+            <a:r>
+              <a:rPr lang="en-US" altLang="ja-JP" sz="907" dirty="0">
+                <a:latin typeface="ＭＳ Ｐゴシック" panose="020B0600070205080204" pitchFamily="50" charset="-128"/>
+                <a:ea typeface="ＭＳ Ｐゴシック" panose="020B0600070205080204" pitchFamily="50" charset="-128"/>
+                <a:cs typeface="Arial" panose="020B0604020202020204" pitchFamily="34" charset="0"/>
+              </a:rPr>
+              <a:t>-. Outlet temperature.</a:t>
+            </a:r>
+          </a:p>
+        </p:txBody>
+      </p:sp>
+      <p:cxnSp>
+        <p:nvCxnSpPr>
+          <p:cNvPr id="63" name="直線矢印コネクタ 62">
+            <a:extLst>
+              <a:ext uri="{FF2B5EF4-FFF2-40B4-BE49-F238E27FC236}">
+                <a16:creationId xmlns:a16="http://schemas.microsoft.com/office/drawing/2014/main" id="{DF8918F8-1480-46B8-B337-90E45D7956CC}"/>
+              </a:ext>
+            </a:extLst>
+          </p:cNvPr>
+          <p:cNvCxnSpPr>
+            <a:cxnSpLocks/>
+            <a:stCxn id="61" idx="0"/>
+          </p:cNvCxnSpPr>
+          <p:nvPr/>
+        </p:nvCxnSpPr>
+        <p:spPr>
+          <a:xfrm flipV="1">
+            <a:off x="7326829" y="3771277"/>
+            <a:ext cx="161226" cy="853200"/>
+          </a:xfrm>
+          <a:prstGeom prst="straightConnector1">
+            <a:avLst/>
+          </a:prstGeom>
+          <a:ln w="12700">
+            <a:solidFill>
+              <a:schemeClr val="tx1"/>
+            </a:solidFill>
+            <a:tailEnd type="oval"/>
+          </a:ln>
+        </p:spPr>
+        <p:style>
+          <a:lnRef idx="1">
+            <a:schemeClr val="accent1"/>
+          </a:lnRef>
+          <a:fillRef idx="0">
+            <a:schemeClr val="accent1"/>
+          </a:fillRef>
+          <a:effectRef idx="0">
+            <a:schemeClr val="accent1"/>
+          </a:effectRef>
+          <a:fontRef idx="minor">
+            <a:schemeClr val="tx1"/>
+          </a:fontRef>
+        </p:style>
+      </p:cxnSp>
+      <p:cxnSp>
+        <p:nvCxnSpPr>
+          <p:cNvPr id="66" name="直線矢印コネクタ 65">
+            <a:extLst>
+              <a:ext uri="{FF2B5EF4-FFF2-40B4-BE49-F238E27FC236}">
+                <a16:creationId xmlns:a16="http://schemas.microsoft.com/office/drawing/2014/main" id="{10A4F465-2C5C-43B5-AE68-4B9A6BFAC9F6}"/>
+              </a:ext>
+            </a:extLst>
+          </p:cNvPr>
+          <p:cNvCxnSpPr>
+            <a:cxnSpLocks/>
+            <a:stCxn id="56" idx="2"/>
+          </p:cNvCxnSpPr>
+          <p:nvPr/>
+        </p:nvCxnSpPr>
+        <p:spPr>
+          <a:xfrm>
+            <a:off x="7399337" y="2450178"/>
+            <a:ext cx="69056" cy="372948"/>
+          </a:xfrm>
+          <a:prstGeom prst="straightConnector1">
+            <a:avLst/>
+          </a:prstGeom>
+          <a:ln w="12700">
+            <a:solidFill>
+              <a:schemeClr val="tx1"/>
+            </a:solidFill>
+            <a:tailEnd type="oval"/>
+          </a:ln>
+        </p:spPr>
+        <p:style>
+          <a:lnRef idx="1">
+            <a:schemeClr val="accent1"/>
+          </a:lnRef>
+          <a:fillRef idx="0">
+            <a:schemeClr val="accent1"/>
+          </a:fillRef>
+          <a:effectRef idx="0">
+            <a:schemeClr val="accent1"/>
+          </a:effectRef>
+          <a:fontRef idx="minor">
+            <a:schemeClr val="tx1"/>
+          </a:fontRef>
+        </p:style>
+      </p:cxnSp>
+      <p:cxnSp>
+        <p:nvCxnSpPr>
+          <p:cNvPr id="69" name="直線矢印コネクタ 68">
+            <a:extLst>
+              <a:ext uri="{FF2B5EF4-FFF2-40B4-BE49-F238E27FC236}">
+                <a16:creationId xmlns:a16="http://schemas.microsoft.com/office/drawing/2014/main" id="{F32FF4C8-1012-41CB-8EF3-C0D556DA3D0B}"/>
+              </a:ext>
+            </a:extLst>
+          </p:cNvPr>
+          <p:cNvCxnSpPr>
+            <a:cxnSpLocks/>
+            <a:stCxn id="56" idx="2"/>
+          </p:cNvCxnSpPr>
+          <p:nvPr/>
+        </p:nvCxnSpPr>
+        <p:spPr>
+          <a:xfrm flipH="1">
+            <a:off x="5901581" y="2450178"/>
+            <a:ext cx="1497755" cy="576060"/>
+          </a:xfrm>
+          <a:prstGeom prst="straightConnector1">
+            <a:avLst/>
+          </a:prstGeom>
+          <a:ln w="12700">
+            <a:solidFill>
+              <a:schemeClr val="tx1"/>
+            </a:solidFill>
+            <a:tailEnd type="oval"/>
+          </a:ln>
+        </p:spPr>
+        <p:style>
+          <a:lnRef idx="1">
+            <a:schemeClr val="accent1"/>
+          </a:lnRef>
+          <a:fillRef idx="0">
+            <a:schemeClr val="accent1"/>
+          </a:fillRef>
+          <a:effectRef idx="0">
+            <a:schemeClr val="accent1"/>
+          </a:effectRef>
+          <a:fontRef idx="minor">
+            <a:schemeClr val="tx1"/>
+          </a:fontRef>
+        </p:style>
+      </p:cxnSp>
     </p:spTree>
     <p:extLst>
       <p:ext uri="{BB962C8B-B14F-4D97-AF65-F5344CB8AC3E}">
-        <p14:creationId xmlns:p14="http://schemas.microsoft.com/office/powerpoint/2010/main" val="4256252250"/>
-      </p:ext>
-    </p:extLst>
-  </p:cSld>
-  <p:clrMapOvr>
-    <a:masterClrMapping/>
-  </p:clrMapOvr>
-</p:sld>
-</file>
-
-<file path=ppt/slides/slide20.xml><?xml version="1.0" encoding="utf-8"?>
-<p:sld xmlns:a="http://schemas.openxmlformats.org/drawingml/2006/main" xmlns:r="http://schemas.openxmlformats.org/officeDocument/2006/relationships" xmlns:p="http://schemas.openxmlformats.org/presentationml/2006/main">
-  <p:cSld>
-    <p:spTree>
-      <p:nvGrpSpPr>
-        <p:cNvPr id="1" name=""/>
-        <p:cNvGrpSpPr/>
-        <p:nvPr/>
-      </p:nvGrpSpPr>
-      <p:grpSpPr>
-        <a:xfrm>
-          <a:off x="0" y="0"/>
-          <a:ext cx="0" cy="0"/>
-          <a:chOff x="0" y="0"/>
-          <a:chExt cx="0" cy="0"/>
-        </a:xfrm>
-      </p:grpSpPr>
-    </p:spTree>
-    <p:extLst>
-      <p:ext uri="{BB962C8B-B14F-4D97-AF65-F5344CB8AC3E}">
-        <p14:creationId xmlns:p14="http://schemas.microsoft.com/office/powerpoint/2010/main" val="2322278489"/>
+        <p14:creationId xmlns:p14="http://schemas.microsoft.com/office/powerpoint/2010/main" val="1639536937"/>
       </p:ext>
     </p:extLst>
   </p:cSld>
@@ -4198,7 +4955,7 @@
           <p:cNvPr id="3" name="図 2">
             <a:extLst>
               <a:ext uri="{FF2B5EF4-FFF2-40B4-BE49-F238E27FC236}">
-                <a16:creationId xmlns:a16="http://schemas.microsoft.com/office/drawing/2014/main" id="{AB48BEEF-767E-45C8-A615-BB63D5F8407E}"/>
+                <a16:creationId xmlns:a16="http://schemas.microsoft.com/office/drawing/2014/main" id="{54E7ADF1-491A-4CC5-9C66-AD8AE0189619}"/>
               </a:ext>
             </a:extLst>
           </p:cNvPr>
@@ -4207,15 +4964,16 @@
           </p:cNvPicPr>
           <p:nvPr/>
         </p:nvPicPr>
-        <p:blipFill rotWithShape="1">
+        <p:blipFill>
           <a:blip r:embed="rId2"/>
-          <a:srcRect b="38876"/>
-          <a:stretch/>
+          <a:stretch>
+            <a:fillRect/>
+          </a:stretch>
         </p:blipFill>
         <p:spPr>
           <a:xfrm>
-            <a:off x="2994302" y="1787494"/>
-            <a:ext cx="6203396" cy="2598248"/>
+            <a:off x="1523521" y="633537"/>
+            <a:ext cx="9144960" cy="5590928"/>
           </a:xfrm>
           <a:prstGeom prst="rect">
             <a:avLst/>
@@ -4227,7 +4985,7 @@
           <p:cNvPr id="4" name="テキスト ボックス 3">
             <a:extLst>
               <a:ext uri="{FF2B5EF4-FFF2-40B4-BE49-F238E27FC236}">
-                <a16:creationId xmlns:a16="http://schemas.microsoft.com/office/drawing/2014/main" id="{0E55A3D1-88C9-46C4-9917-4384ADB54C73}"/>
+                <a16:creationId xmlns:a16="http://schemas.microsoft.com/office/drawing/2014/main" id="{F7501286-898F-4E02-9EFB-55B42AC864C6}"/>
               </a:ext>
             </a:extLst>
           </p:cNvPr>
@@ -4236,16 +4994,17 @@
         </p:nvSpPr>
         <p:spPr>
           <a:xfrm>
-            <a:off x="4526715" y="1951991"/>
-            <a:ext cx="1374866" cy="567313"/>
+            <a:off x="4229401" y="2450178"/>
+            <a:ext cx="1914473" cy="407083"/>
           </a:xfrm>
           <a:prstGeom prst="rect">
             <a:avLst/>
           </a:prstGeom>
           <a:solidFill>
-            <a:srgbClr val="92D050">
-              <a:alpha val="60000"/>
-            </a:srgbClr>
+            <a:schemeClr val="accent5">
+              <a:lumMod val="40000"/>
+              <a:lumOff val="60000"/>
+            </a:schemeClr>
           </a:solidFill>
           <a:ln>
             <a:solidFill>
@@ -4265,7 +5024,7 @@
                 <a:ea typeface="ＭＳ Ｐゴシック" panose="020B0600070205080204" pitchFamily="50" charset="-128"/>
                 <a:cs typeface="Arial" panose="020B0604020202020204" pitchFamily="34" charset="0"/>
               </a:rPr>
-              <a:t>Pipe= Flow resistance.</a:t>
+              <a:t>Input: </a:t>
             </a:r>
           </a:p>
           <a:p>
@@ -4275,7 +5034,7 @@
                 <a:ea typeface="ＭＳ Ｐゴシック" panose="020B0600070205080204" pitchFamily="50" charset="-128"/>
                 <a:cs typeface="Arial" panose="020B0604020202020204" pitchFamily="34" charset="0"/>
               </a:rPr>
-              <a:t>-. Fluid pressure drops through it.</a:t>
+              <a:t> mass flow rate flowing through pipe.</a:t>
             </a:r>
           </a:p>
         </p:txBody>
@@ -4285,590 +5044,19 @@
           <p:cNvPr id="5" name="直線矢印コネクタ 4">
             <a:extLst>
               <a:ext uri="{FF2B5EF4-FFF2-40B4-BE49-F238E27FC236}">
-                <a16:creationId xmlns:a16="http://schemas.microsoft.com/office/drawing/2014/main" id="{09EC11B6-4E22-484D-AAAC-DF8E43BE7174}"/>
+                <a16:creationId xmlns:a16="http://schemas.microsoft.com/office/drawing/2014/main" id="{5498A4A1-DA3A-4C86-B56A-EDB4A5C7F2B6}"/>
               </a:ext>
             </a:extLst>
           </p:cNvPr>
           <p:cNvCxnSpPr>
             <a:cxnSpLocks/>
-            <a:stCxn id="4" idx="3"/>
           </p:cNvCxnSpPr>
           <p:nvPr/>
         </p:nvCxnSpPr>
         <p:spPr>
           <a:xfrm>
-            <a:off x="5901581" y="2235647"/>
-            <a:ext cx="675764" cy="1274482"/>
-          </a:xfrm>
-          <a:prstGeom prst="straightConnector1">
-            <a:avLst/>
-          </a:prstGeom>
-          <a:ln w="12700">
-            <a:solidFill>
-              <a:schemeClr val="tx1"/>
-            </a:solidFill>
-            <a:tailEnd type="oval"/>
-          </a:ln>
-        </p:spPr>
-        <p:style>
-          <a:lnRef idx="1">
-            <a:schemeClr val="accent1"/>
-          </a:lnRef>
-          <a:fillRef idx="0">
-            <a:schemeClr val="accent1"/>
-          </a:fillRef>
-          <a:effectRef idx="0">
-            <a:schemeClr val="accent1"/>
-          </a:effectRef>
-          <a:fontRef idx="minor">
-            <a:schemeClr val="tx1"/>
-          </a:fontRef>
-        </p:style>
-      </p:cxnSp>
-      <p:cxnSp>
-        <p:nvCxnSpPr>
-          <p:cNvPr id="15" name="直線矢印コネクタ 14">
-            <a:extLst>
-              <a:ext uri="{FF2B5EF4-FFF2-40B4-BE49-F238E27FC236}">
-                <a16:creationId xmlns:a16="http://schemas.microsoft.com/office/drawing/2014/main" id="{26FA83A2-BD09-4555-A9DF-EC55189CAA54}"/>
-              </a:ext>
-            </a:extLst>
-          </p:cNvPr>
-          <p:cNvCxnSpPr>
-            <a:cxnSpLocks/>
-            <a:stCxn id="27" idx="0"/>
-          </p:cNvCxnSpPr>
-          <p:nvPr/>
-        </p:nvCxnSpPr>
-        <p:spPr>
-          <a:xfrm flipV="1">
-            <a:off x="3804362" y="3982063"/>
-            <a:ext cx="445845" cy="439943"/>
-          </a:xfrm>
-          <a:prstGeom prst="straightConnector1">
-            <a:avLst/>
-          </a:prstGeom>
-          <a:ln w="12700">
-            <a:solidFill>
-              <a:schemeClr val="tx1"/>
-            </a:solidFill>
-            <a:tailEnd type="oval"/>
-          </a:ln>
-        </p:spPr>
-        <p:style>
-          <a:lnRef idx="1">
-            <a:schemeClr val="accent1"/>
-          </a:lnRef>
-          <a:fillRef idx="0">
-            <a:schemeClr val="accent1"/>
-          </a:fillRef>
-          <a:effectRef idx="0">
-            <a:schemeClr val="accent1"/>
-          </a:effectRef>
-          <a:fontRef idx="minor">
-            <a:schemeClr val="tx1"/>
-          </a:fontRef>
-        </p:style>
-      </p:cxnSp>
-      <p:sp>
-        <p:nvSpPr>
-          <p:cNvPr id="27" name="テキスト ボックス 26">
-            <a:extLst>
-              <a:ext uri="{FF2B5EF4-FFF2-40B4-BE49-F238E27FC236}">
-                <a16:creationId xmlns:a16="http://schemas.microsoft.com/office/drawing/2014/main" id="{FAFF685B-35D8-4007-8385-5AA3CEC86D7B}"/>
-              </a:ext>
-            </a:extLst>
-          </p:cNvPr>
-          <p:cNvSpPr txBox="1"/>
-          <p:nvPr/>
-        </p:nvSpPr>
-        <p:spPr>
-          <a:xfrm>
-            <a:off x="2908929" y="4422006"/>
-            <a:ext cx="1790865" cy="816305"/>
-          </a:xfrm>
-          <a:prstGeom prst="rect">
-            <a:avLst/>
-          </a:prstGeom>
-          <a:solidFill>
-            <a:srgbClr val="00B0F0">
-              <a:alpha val="60000"/>
-            </a:srgbClr>
-          </a:solidFill>
-          <a:ln>
-            <a:solidFill>
-              <a:schemeClr val="tx1"/>
-            </a:solidFill>
-          </a:ln>
-        </p:spPr>
-        <p:txBody>
-          <a:bodyPr wrap="square" rtlCol="0">
-            <a:noAutofit/>
-          </a:bodyPr>
-          <a:lstStyle/>
-          <a:p>
-            <a:r>
-              <a:rPr lang="en-US" altLang="ja-JP" sz="907" dirty="0">
-                <a:latin typeface="ＭＳ Ｐゴシック" panose="020B0600070205080204" pitchFamily="50" charset="-128"/>
-                <a:ea typeface="ＭＳ Ｐゴシック" panose="020B0600070205080204" pitchFamily="50" charset="-128"/>
-                <a:cs typeface="Arial" panose="020B0604020202020204" pitchFamily="34" charset="0"/>
-              </a:rPr>
-              <a:t>Input (boundary cond.): </a:t>
-            </a:r>
-          </a:p>
-          <a:p>
-            <a:r>
-              <a:rPr lang="en-US" altLang="ja-JP" sz="907" dirty="0">
-                <a:latin typeface="ＭＳ Ｐゴシック" panose="020B0600070205080204" pitchFamily="50" charset="-128"/>
-                <a:ea typeface="ＭＳ Ｐゴシック" panose="020B0600070205080204" pitchFamily="50" charset="-128"/>
-                <a:cs typeface="Arial" panose="020B0604020202020204" pitchFamily="34" charset="0"/>
-              </a:rPr>
-              <a:t>-. mass flow rate with ramp in time. Increase it gradually.</a:t>
-            </a:r>
-          </a:p>
-          <a:p>
-            <a:r>
-              <a:rPr lang="en-US" altLang="ja-JP" sz="907" dirty="0">
-                <a:latin typeface="ＭＳ Ｐゴシック" panose="020B0600070205080204" pitchFamily="50" charset="-128"/>
-                <a:ea typeface="ＭＳ Ｐゴシック" panose="020B0600070205080204" pitchFamily="50" charset="-128"/>
-                <a:cs typeface="Arial" panose="020B0604020202020204" pitchFamily="34" charset="0"/>
-              </a:rPr>
-              <a:t>-. Inlet temperature with fixed value. </a:t>
-            </a:r>
-          </a:p>
-        </p:txBody>
-      </p:sp>
-      <p:sp>
-        <p:nvSpPr>
-          <p:cNvPr id="32" name="テキスト ボックス 31">
-            <a:extLst>
-              <a:ext uri="{FF2B5EF4-FFF2-40B4-BE49-F238E27FC236}">
-                <a16:creationId xmlns:a16="http://schemas.microsoft.com/office/drawing/2014/main" id="{009AFEBC-324F-4D6C-89B9-0AE5653FC1CC}"/>
-              </a:ext>
-            </a:extLst>
-          </p:cNvPr>
-          <p:cNvSpPr txBox="1"/>
-          <p:nvPr/>
-        </p:nvSpPr>
-        <p:spPr>
-          <a:xfrm>
-            <a:off x="8438897" y="4422007"/>
-            <a:ext cx="1514966" cy="555156"/>
-          </a:xfrm>
-          <a:prstGeom prst="rect">
-            <a:avLst/>
-          </a:prstGeom>
-          <a:solidFill>
-            <a:srgbClr val="00B0F0">
-              <a:alpha val="60000"/>
-            </a:srgbClr>
-          </a:solidFill>
-          <a:ln>
-            <a:solidFill>
-              <a:schemeClr val="tx1"/>
-            </a:solidFill>
-          </a:ln>
-        </p:spPr>
-        <p:txBody>
-          <a:bodyPr wrap="square" rtlCol="0">
-            <a:noAutofit/>
-          </a:bodyPr>
-          <a:lstStyle/>
-          <a:p>
-            <a:r>
-              <a:rPr lang="en-US" altLang="ja-JP" sz="907" dirty="0">
-                <a:latin typeface="ＭＳ Ｐゴシック" panose="020B0600070205080204" pitchFamily="50" charset="-128"/>
-                <a:ea typeface="ＭＳ Ｐゴシック" panose="020B0600070205080204" pitchFamily="50" charset="-128"/>
-                <a:cs typeface="Arial" panose="020B0604020202020204" pitchFamily="34" charset="0"/>
-              </a:rPr>
-              <a:t>Input (boundary cond.): </a:t>
-            </a:r>
-          </a:p>
-          <a:p>
-            <a:r>
-              <a:rPr lang="en-US" altLang="ja-JP" sz="907" dirty="0">
-                <a:latin typeface="ＭＳ Ｐゴシック" panose="020B0600070205080204" pitchFamily="50" charset="-128"/>
-                <a:ea typeface="ＭＳ Ｐゴシック" panose="020B0600070205080204" pitchFamily="50" charset="-128"/>
-                <a:cs typeface="Arial" panose="020B0604020202020204" pitchFamily="34" charset="0"/>
-              </a:rPr>
-              <a:t>-. Outlet pressure with fixed value. </a:t>
-            </a:r>
-          </a:p>
-        </p:txBody>
-      </p:sp>
-      <p:cxnSp>
-        <p:nvCxnSpPr>
-          <p:cNvPr id="33" name="直線矢印コネクタ 32">
-            <a:extLst>
-              <a:ext uri="{FF2B5EF4-FFF2-40B4-BE49-F238E27FC236}">
-                <a16:creationId xmlns:a16="http://schemas.microsoft.com/office/drawing/2014/main" id="{7D70DFCB-03CF-468A-87B1-4F2FEDA8CC1F}"/>
-              </a:ext>
-            </a:extLst>
-          </p:cNvPr>
-          <p:cNvCxnSpPr>
-            <a:cxnSpLocks/>
-            <a:stCxn id="32" idx="0"/>
-          </p:cNvCxnSpPr>
-          <p:nvPr/>
-        </p:nvCxnSpPr>
-        <p:spPr>
-          <a:xfrm flipH="1" flipV="1">
-            <a:off x="8830470" y="3982063"/>
-            <a:ext cx="365910" cy="439944"/>
-          </a:xfrm>
-          <a:prstGeom prst="straightConnector1">
-            <a:avLst/>
-          </a:prstGeom>
-          <a:ln w="12700">
-            <a:solidFill>
-              <a:schemeClr val="tx1"/>
-            </a:solidFill>
-            <a:tailEnd type="oval"/>
-          </a:ln>
-        </p:spPr>
-        <p:style>
-          <a:lnRef idx="1">
-            <a:schemeClr val="accent1"/>
-          </a:lnRef>
-          <a:fillRef idx="0">
-            <a:schemeClr val="accent1"/>
-          </a:fillRef>
-          <a:effectRef idx="0">
-            <a:schemeClr val="accent1"/>
-          </a:effectRef>
-          <a:fontRef idx="minor">
-            <a:schemeClr val="tx1"/>
-          </a:fontRef>
-        </p:style>
-      </p:cxnSp>
-      <p:sp>
-        <p:nvSpPr>
-          <p:cNvPr id="46" name="テキスト ボックス 45">
-            <a:extLst>
-              <a:ext uri="{FF2B5EF4-FFF2-40B4-BE49-F238E27FC236}">
-                <a16:creationId xmlns:a16="http://schemas.microsoft.com/office/drawing/2014/main" id="{1229D8C6-6DDE-4BDE-9AB4-56DCBE00C8B4}"/>
-              </a:ext>
-            </a:extLst>
-          </p:cNvPr>
-          <p:cNvSpPr txBox="1"/>
-          <p:nvPr/>
-        </p:nvSpPr>
-        <p:spPr>
-          <a:xfrm>
-            <a:off x="4982092" y="4421471"/>
-            <a:ext cx="1240392" cy="439944"/>
-          </a:xfrm>
-          <a:prstGeom prst="rect">
-            <a:avLst/>
-          </a:prstGeom>
-          <a:solidFill>
-            <a:srgbClr val="FFFF00">
-              <a:alpha val="69804"/>
-            </a:srgbClr>
-          </a:solidFill>
-          <a:ln>
-            <a:solidFill>
-              <a:schemeClr val="tx1"/>
-            </a:solidFill>
-          </a:ln>
-        </p:spPr>
-        <p:txBody>
-          <a:bodyPr wrap="square" rtlCol="0">
-            <a:noAutofit/>
-          </a:bodyPr>
-          <a:lstStyle/>
-          <a:p>
-            <a:r>
-              <a:rPr lang="en-US" altLang="ja-JP" sz="907" dirty="0">
-                <a:latin typeface="ＭＳ Ｐゴシック" panose="020B0600070205080204" pitchFamily="50" charset="-128"/>
-                <a:ea typeface="ＭＳ Ｐゴシック" panose="020B0600070205080204" pitchFamily="50" charset="-128"/>
-                <a:cs typeface="Arial" panose="020B0604020202020204" pitchFamily="34" charset="0"/>
-              </a:rPr>
-              <a:t>Output of interest: </a:t>
-            </a:r>
-          </a:p>
-          <a:p>
-            <a:r>
-              <a:rPr lang="en-US" altLang="ja-JP" sz="907" dirty="0">
-                <a:latin typeface="ＭＳ Ｐゴシック" panose="020B0600070205080204" pitchFamily="50" charset="-128"/>
-                <a:ea typeface="ＭＳ Ｐゴシック" panose="020B0600070205080204" pitchFamily="50" charset="-128"/>
-                <a:cs typeface="Arial" panose="020B0604020202020204" pitchFamily="34" charset="0"/>
-              </a:rPr>
-              <a:t>-. Inlet pressure.</a:t>
-            </a:r>
-          </a:p>
-        </p:txBody>
-      </p:sp>
-      <p:cxnSp>
-        <p:nvCxnSpPr>
-          <p:cNvPr id="47" name="直線矢印コネクタ 46">
-            <a:extLst>
-              <a:ext uri="{FF2B5EF4-FFF2-40B4-BE49-F238E27FC236}">
-                <a16:creationId xmlns:a16="http://schemas.microsoft.com/office/drawing/2014/main" id="{28F47707-7ECF-4544-BA20-E4C81B229B53}"/>
-              </a:ext>
-            </a:extLst>
-          </p:cNvPr>
-          <p:cNvCxnSpPr>
-            <a:cxnSpLocks/>
-            <a:stCxn id="46" idx="0"/>
-          </p:cNvCxnSpPr>
-          <p:nvPr/>
-        </p:nvCxnSpPr>
-        <p:spPr>
-          <a:xfrm flipV="1">
-            <a:off x="5602288" y="3770742"/>
-            <a:ext cx="228623" cy="650729"/>
-          </a:xfrm>
-          <a:prstGeom prst="straightConnector1">
-            <a:avLst/>
-          </a:prstGeom>
-          <a:ln w="12700">
-            <a:solidFill>
-              <a:schemeClr val="tx1"/>
-            </a:solidFill>
-            <a:tailEnd type="oval"/>
-          </a:ln>
-        </p:spPr>
-        <p:style>
-          <a:lnRef idx="1">
-            <a:schemeClr val="accent1"/>
-          </a:lnRef>
-          <a:fillRef idx="0">
-            <a:schemeClr val="accent1"/>
-          </a:fillRef>
-          <a:effectRef idx="0">
-            <a:schemeClr val="accent1"/>
-          </a:effectRef>
-          <a:fontRef idx="minor">
-            <a:schemeClr val="tx1"/>
-          </a:fontRef>
-        </p:style>
-      </p:cxnSp>
-      <p:sp>
-        <p:nvSpPr>
-          <p:cNvPr id="56" name="テキスト ボックス 55">
-            <a:extLst>
-              <a:ext uri="{FF2B5EF4-FFF2-40B4-BE49-F238E27FC236}">
-                <a16:creationId xmlns:a16="http://schemas.microsoft.com/office/drawing/2014/main" id="{0FED6896-D68B-4F33-AA9F-AD0CB59537DA}"/>
-              </a:ext>
-            </a:extLst>
-          </p:cNvPr>
-          <p:cNvSpPr txBox="1"/>
-          <p:nvPr/>
-        </p:nvSpPr>
-        <p:spPr>
-          <a:xfrm>
-            <a:off x="6462278" y="1787494"/>
-            <a:ext cx="1874117" cy="662685"/>
-          </a:xfrm>
-          <a:prstGeom prst="rect">
-            <a:avLst/>
-          </a:prstGeom>
-          <a:solidFill>
-            <a:srgbClr val="92D050">
-              <a:alpha val="60000"/>
-            </a:srgbClr>
-          </a:solidFill>
-          <a:ln>
-            <a:solidFill>
-              <a:schemeClr val="tx1"/>
-            </a:solidFill>
-          </a:ln>
-        </p:spPr>
-        <p:txBody>
-          <a:bodyPr wrap="square" rtlCol="0">
-            <a:noAutofit/>
-          </a:bodyPr>
-          <a:lstStyle/>
-          <a:p>
-            <a:r>
-              <a:rPr lang="en-US" altLang="ja-JP" sz="907" dirty="0">
-                <a:latin typeface="ＭＳ Ｐゴシック" panose="020B0600070205080204" pitchFamily="50" charset="-128"/>
-                <a:ea typeface="ＭＳ Ｐゴシック" panose="020B0600070205080204" pitchFamily="50" charset="-128"/>
-                <a:cs typeface="Arial" panose="020B0604020202020204" pitchFamily="34" charset="0"/>
-              </a:rPr>
-              <a:t>Volumes</a:t>
-            </a:r>
-          </a:p>
-          <a:p>
-            <a:r>
-              <a:rPr lang="en-US" altLang="ja-JP" sz="907" dirty="0">
-                <a:latin typeface="ＭＳ Ｐゴシック" panose="020B0600070205080204" pitchFamily="50" charset="-128"/>
-                <a:ea typeface="ＭＳ Ｐゴシック" panose="020B0600070205080204" pitchFamily="50" charset="-128"/>
-                <a:cs typeface="Arial" panose="020B0604020202020204" pitchFamily="34" charset="0"/>
-              </a:rPr>
-              <a:t>-. In order to see the temperature and enthalpy change across the pipe.</a:t>
-            </a:r>
-          </a:p>
-        </p:txBody>
-      </p:sp>
-      <p:sp>
-        <p:nvSpPr>
-          <p:cNvPr id="61" name="テキスト ボックス 60">
-            <a:extLst>
-              <a:ext uri="{FF2B5EF4-FFF2-40B4-BE49-F238E27FC236}">
-                <a16:creationId xmlns:a16="http://schemas.microsoft.com/office/drawing/2014/main" id="{B497D03F-9EED-4CAA-AB9E-F628C6603C60}"/>
-              </a:ext>
-            </a:extLst>
-          </p:cNvPr>
-          <p:cNvSpPr txBox="1"/>
-          <p:nvPr/>
-        </p:nvSpPr>
-        <p:spPr>
-          <a:xfrm>
-            <a:off x="6654299" y="4624478"/>
-            <a:ext cx="1345059" cy="439944"/>
-          </a:xfrm>
-          <a:prstGeom prst="rect">
-            <a:avLst/>
-          </a:prstGeom>
-          <a:solidFill>
-            <a:srgbClr val="FFFF00">
-              <a:alpha val="69804"/>
-            </a:srgbClr>
-          </a:solidFill>
-          <a:ln>
-            <a:solidFill>
-              <a:schemeClr val="tx1"/>
-            </a:solidFill>
-          </a:ln>
-        </p:spPr>
-        <p:txBody>
-          <a:bodyPr wrap="square" rtlCol="0">
-            <a:noAutofit/>
-          </a:bodyPr>
-          <a:lstStyle/>
-          <a:p>
-            <a:r>
-              <a:rPr lang="en-US" altLang="ja-JP" sz="907" dirty="0">
-                <a:latin typeface="ＭＳ Ｐゴシック" panose="020B0600070205080204" pitchFamily="50" charset="-128"/>
-                <a:ea typeface="ＭＳ Ｐゴシック" panose="020B0600070205080204" pitchFamily="50" charset="-128"/>
-                <a:cs typeface="Arial" panose="020B0604020202020204" pitchFamily="34" charset="0"/>
-              </a:rPr>
-              <a:t>Output of interest: </a:t>
-            </a:r>
-          </a:p>
-          <a:p>
-            <a:r>
-              <a:rPr lang="en-US" altLang="ja-JP" sz="907" dirty="0">
-                <a:latin typeface="ＭＳ Ｐゴシック" panose="020B0600070205080204" pitchFamily="50" charset="-128"/>
-                <a:ea typeface="ＭＳ Ｐゴシック" panose="020B0600070205080204" pitchFamily="50" charset="-128"/>
-                <a:cs typeface="Arial" panose="020B0604020202020204" pitchFamily="34" charset="0"/>
-              </a:rPr>
-              <a:t>-. Outlet temperature.</a:t>
-            </a:r>
-          </a:p>
-        </p:txBody>
-      </p:sp>
-      <p:cxnSp>
-        <p:nvCxnSpPr>
-          <p:cNvPr id="63" name="直線矢印コネクタ 62">
-            <a:extLst>
-              <a:ext uri="{FF2B5EF4-FFF2-40B4-BE49-F238E27FC236}">
-                <a16:creationId xmlns:a16="http://schemas.microsoft.com/office/drawing/2014/main" id="{DF8918F8-1480-46B8-B337-90E45D7956CC}"/>
-              </a:ext>
-            </a:extLst>
-          </p:cNvPr>
-          <p:cNvCxnSpPr>
-            <a:cxnSpLocks/>
-            <a:stCxn id="61" idx="0"/>
-          </p:cNvCxnSpPr>
-          <p:nvPr/>
-        </p:nvCxnSpPr>
-        <p:spPr>
-          <a:xfrm flipV="1">
-            <a:off x="7326829" y="3771277"/>
-            <a:ext cx="161226" cy="853200"/>
-          </a:xfrm>
-          <a:prstGeom prst="straightConnector1">
-            <a:avLst/>
-          </a:prstGeom>
-          <a:ln w="12700">
-            <a:solidFill>
-              <a:schemeClr val="tx1"/>
-            </a:solidFill>
-            <a:tailEnd type="oval"/>
-          </a:ln>
-        </p:spPr>
-        <p:style>
-          <a:lnRef idx="1">
-            <a:schemeClr val="accent1"/>
-          </a:lnRef>
-          <a:fillRef idx="0">
-            <a:schemeClr val="accent1"/>
-          </a:fillRef>
-          <a:effectRef idx="0">
-            <a:schemeClr val="accent1"/>
-          </a:effectRef>
-          <a:fontRef idx="minor">
-            <a:schemeClr val="tx1"/>
-          </a:fontRef>
-        </p:style>
-      </p:cxnSp>
-      <p:cxnSp>
-        <p:nvCxnSpPr>
-          <p:cNvPr id="66" name="直線矢印コネクタ 65">
-            <a:extLst>
-              <a:ext uri="{FF2B5EF4-FFF2-40B4-BE49-F238E27FC236}">
-                <a16:creationId xmlns:a16="http://schemas.microsoft.com/office/drawing/2014/main" id="{10A4F465-2C5C-43B5-AE68-4B9A6BFAC9F6}"/>
-              </a:ext>
-            </a:extLst>
-          </p:cNvPr>
-          <p:cNvCxnSpPr>
-            <a:cxnSpLocks/>
-            <a:stCxn id="56" idx="2"/>
-          </p:cNvCxnSpPr>
-          <p:nvPr/>
-        </p:nvCxnSpPr>
-        <p:spPr>
-          <a:xfrm>
-            <a:off x="7399337" y="2450178"/>
-            <a:ext cx="69056" cy="372948"/>
-          </a:xfrm>
-          <a:prstGeom prst="straightConnector1">
-            <a:avLst/>
-          </a:prstGeom>
-          <a:ln w="12700">
-            <a:solidFill>
-              <a:schemeClr val="tx1"/>
-            </a:solidFill>
-            <a:tailEnd type="oval"/>
-          </a:ln>
-        </p:spPr>
-        <p:style>
-          <a:lnRef idx="1">
-            <a:schemeClr val="accent1"/>
-          </a:lnRef>
-          <a:fillRef idx="0">
-            <a:schemeClr val="accent1"/>
-          </a:fillRef>
-          <a:effectRef idx="0">
-            <a:schemeClr val="accent1"/>
-          </a:effectRef>
-          <a:fontRef idx="minor">
-            <a:schemeClr val="tx1"/>
-          </a:fontRef>
-        </p:style>
-      </p:cxnSp>
-      <p:cxnSp>
-        <p:nvCxnSpPr>
-          <p:cNvPr id="69" name="直線矢印コネクタ 68">
-            <a:extLst>
-              <a:ext uri="{FF2B5EF4-FFF2-40B4-BE49-F238E27FC236}">
-                <a16:creationId xmlns:a16="http://schemas.microsoft.com/office/drawing/2014/main" id="{F32FF4C8-1012-41CB-8EF3-C0D556DA3D0B}"/>
-              </a:ext>
-            </a:extLst>
-          </p:cNvPr>
-          <p:cNvCxnSpPr>
-            <a:cxnSpLocks/>
-            <a:stCxn id="56" idx="2"/>
-          </p:cNvCxnSpPr>
-          <p:nvPr/>
-        </p:nvCxnSpPr>
-        <p:spPr>
-          <a:xfrm flipH="1">
-            <a:off x="5901581" y="2450178"/>
-            <a:ext cx="1497755" cy="576060"/>
+            <a:off x="5210308" y="2857263"/>
+            <a:ext cx="568379" cy="571738"/>
           </a:xfrm>
           <a:prstGeom prst="straightConnector1">
             <a:avLst/>
@@ -4898,7 +5086,7 @@
     </p:spTree>
     <p:extLst>
       <p:ext uri="{BB962C8B-B14F-4D97-AF65-F5344CB8AC3E}">
-        <p14:creationId xmlns:p14="http://schemas.microsoft.com/office/powerpoint/2010/main" val="1639536937"/>
+        <p14:creationId xmlns:p14="http://schemas.microsoft.com/office/powerpoint/2010/main" val="2254141340"/>
       </p:ext>
     </p:extLst>
   </p:cSld>
@@ -4930,7 +5118,7 @@
           <p:cNvPr id="3" name="図 2">
             <a:extLst>
               <a:ext uri="{FF2B5EF4-FFF2-40B4-BE49-F238E27FC236}">
-                <a16:creationId xmlns:a16="http://schemas.microsoft.com/office/drawing/2014/main" id="{54E7ADF1-491A-4CC5-9C66-AD8AE0189619}"/>
+                <a16:creationId xmlns:a16="http://schemas.microsoft.com/office/drawing/2014/main" id="{0A75D7AA-96F3-4615-8E9B-833C76A57AD0}"/>
               </a:ext>
             </a:extLst>
           </p:cNvPr>
@@ -4947,8 +5135,8 @@
         </p:blipFill>
         <p:spPr>
           <a:xfrm>
-            <a:off x="1523521" y="633537"/>
-            <a:ext cx="9144960" cy="5590928"/>
+            <a:off x="1523521" y="634903"/>
+            <a:ext cx="9144960" cy="5588196"/>
           </a:xfrm>
           <a:prstGeom prst="rect">
             <a:avLst/>
@@ -4960,7 +5148,7 @@
           <p:cNvPr id="4" name="テキスト ボックス 3">
             <a:extLst>
               <a:ext uri="{FF2B5EF4-FFF2-40B4-BE49-F238E27FC236}">
-                <a16:creationId xmlns:a16="http://schemas.microsoft.com/office/drawing/2014/main" id="{F7501286-898F-4E02-9EFB-55B42AC864C6}"/>
+                <a16:creationId xmlns:a16="http://schemas.microsoft.com/office/drawing/2014/main" id="{A3272D81-0524-4955-82BA-9C1FAE82483B}"/>
               </a:ext>
             </a:extLst>
           </p:cNvPr>
@@ -4969,17 +5157,14 @@
         </p:nvSpPr>
         <p:spPr>
           <a:xfrm>
-            <a:off x="4229401" y="2450178"/>
-            <a:ext cx="1914473" cy="407083"/>
+            <a:off x="3958336" y="1459354"/>
+            <a:ext cx="1958606" cy="462788"/>
           </a:xfrm>
           <a:prstGeom prst="rect">
             <a:avLst/>
           </a:prstGeom>
           <a:solidFill>
-            <a:schemeClr val="accent5">
-              <a:lumMod val="40000"/>
-              <a:lumOff val="60000"/>
-            </a:schemeClr>
+            <a:srgbClr val="FFFF00"/>
           </a:solidFill>
           <a:ln>
             <a:solidFill>
@@ -4994,22 +5179,29 @@
           <a:lstStyle/>
           <a:p>
             <a:r>
-              <a:rPr lang="en-US" altLang="ja-JP" sz="907" dirty="0">
-                <a:latin typeface="ＭＳ Ｐゴシック" panose="020B0600070205080204" pitchFamily="50" charset="-128"/>
-                <a:ea typeface="ＭＳ Ｐゴシック" panose="020B0600070205080204" pitchFamily="50" charset="-128"/>
+              <a:rPr lang="en-US" altLang="ja-JP" sz="726" dirty="0">
+                <a:latin typeface="Arial" panose="020B0604020202020204" pitchFamily="34" charset="0"/>
                 <a:cs typeface="Arial" panose="020B0604020202020204" pitchFamily="34" charset="0"/>
               </a:rPr>
-              <a:t>Input: </a:t>
-            </a:r>
-          </a:p>
-          <a:p>
-            <a:r>
-              <a:rPr lang="en-US" altLang="ja-JP" sz="907" dirty="0">
-                <a:latin typeface="ＭＳ Ｐゴシック" panose="020B0600070205080204" pitchFamily="50" charset="-128"/>
-                <a:ea typeface="ＭＳ Ｐゴシック" panose="020B0600070205080204" pitchFamily="50" charset="-128"/>
+              <a:t>Output: </a:t>
+            </a:r>
+          </a:p>
+          <a:p>
+            <a:r>
+              <a:rPr lang="en-US" altLang="ja-JP" sz="726" dirty="0">
+                <a:latin typeface="Arial" panose="020B0604020202020204" pitchFamily="34" charset="0"/>
                 <a:cs typeface="Arial" panose="020B0604020202020204" pitchFamily="34" charset="0"/>
               </a:rPr>
-              <a:t> mass flow rate flowing through pipe.</a:t>
+              <a:t> Fluid pressure of pipe inlet.</a:t>
+            </a:r>
+          </a:p>
+          <a:p>
+            <a:r>
+              <a:rPr lang="en-US" altLang="ja-JP" sz="726" dirty="0">
+                <a:latin typeface="Arial" panose="020B0604020202020204" pitchFamily="34" charset="0"/>
+                <a:cs typeface="Arial" panose="020B0604020202020204" pitchFamily="34" charset="0"/>
+              </a:rPr>
+              <a:t> It increases as mass flow rate increases.</a:t>
             </a:r>
           </a:p>
         </p:txBody>
@@ -5019,19 +5211,20 @@
           <p:cNvPr id="5" name="直線矢印コネクタ 4">
             <a:extLst>
               <a:ext uri="{FF2B5EF4-FFF2-40B4-BE49-F238E27FC236}">
-                <a16:creationId xmlns:a16="http://schemas.microsoft.com/office/drawing/2014/main" id="{5498A4A1-DA3A-4C86-B56A-EDB4A5C7F2B6}"/>
+                <a16:creationId xmlns:a16="http://schemas.microsoft.com/office/drawing/2014/main" id="{A4C10585-2781-4F39-81FA-49A33D3B45EE}"/>
               </a:ext>
             </a:extLst>
           </p:cNvPr>
           <p:cNvCxnSpPr>
             <a:cxnSpLocks/>
+            <a:stCxn id="4" idx="2"/>
           </p:cNvCxnSpPr>
           <p:nvPr/>
         </p:nvCxnSpPr>
         <p:spPr>
           <a:xfrm>
-            <a:off x="5210308" y="2857263"/>
-            <a:ext cx="568379" cy="571738"/>
+            <a:off x="4937639" y="1922143"/>
+            <a:ext cx="1421910" cy="981203"/>
           </a:xfrm>
           <a:prstGeom prst="straightConnector1">
             <a:avLst/>
@@ -5061,7 +5254,7 @@
     </p:spTree>
     <p:extLst>
       <p:ext uri="{BB962C8B-B14F-4D97-AF65-F5344CB8AC3E}">
-        <p14:creationId xmlns:p14="http://schemas.microsoft.com/office/powerpoint/2010/main" val="2254141340"/>
+        <p14:creationId xmlns:p14="http://schemas.microsoft.com/office/powerpoint/2010/main" val="1741282073"/>
       </p:ext>
     </p:extLst>
   </p:cSld>
@@ -5090,10 +5283,10 @@
       </p:grpSpPr>
       <p:pic>
         <p:nvPicPr>
-          <p:cNvPr id="3" name="図 2">
-            <a:extLst>
-              <a:ext uri="{FF2B5EF4-FFF2-40B4-BE49-F238E27FC236}">
-                <a16:creationId xmlns:a16="http://schemas.microsoft.com/office/drawing/2014/main" id="{0A75D7AA-96F3-4615-8E9B-833C76A57AD0}"/>
+          <p:cNvPr id="13" name="図 12">
+            <a:extLst>
+              <a:ext uri="{FF2B5EF4-FFF2-40B4-BE49-F238E27FC236}">
+                <a16:creationId xmlns:a16="http://schemas.microsoft.com/office/drawing/2014/main" id="{FC7A368F-B650-4DA9-9EB9-05A31AE70D0D}"/>
               </a:ext>
             </a:extLst>
           </p:cNvPr>
@@ -5110,8 +5303,8 @@
         </p:blipFill>
         <p:spPr>
           <a:xfrm>
-            <a:off x="1523521" y="634903"/>
-            <a:ext cx="9144960" cy="5588196"/>
+            <a:off x="1523521" y="636270"/>
+            <a:ext cx="9144960" cy="5585461"/>
           </a:xfrm>
           <a:prstGeom prst="rect">
             <a:avLst/>
@@ -5123,7 +5316,7 @@
           <p:cNvPr id="4" name="テキスト ボックス 3">
             <a:extLst>
               <a:ext uri="{FF2B5EF4-FFF2-40B4-BE49-F238E27FC236}">
-                <a16:creationId xmlns:a16="http://schemas.microsoft.com/office/drawing/2014/main" id="{A3272D81-0524-4955-82BA-9C1FAE82483B}"/>
+                <a16:creationId xmlns:a16="http://schemas.microsoft.com/office/drawing/2014/main" id="{B5BB6D29-7C59-4C51-A456-01E4BE266708}"/>
               </a:ext>
             </a:extLst>
           </p:cNvPr>
@@ -5132,8 +5325,8 @@
         </p:nvSpPr>
         <p:spPr>
           <a:xfrm>
-            <a:off x="3958336" y="1459354"/>
-            <a:ext cx="1958606" cy="462788"/>
+            <a:off x="3958336" y="1612969"/>
+            <a:ext cx="1958606" cy="309172"/>
           </a:xfrm>
           <a:prstGeom prst="rect">
             <a:avLst/>
@@ -5155,6 +5348,9 @@
           <a:p>
             <a:r>
               <a:rPr lang="en-US" altLang="ja-JP" sz="726" dirty="0">
+                <a:solidFill>
+                  <a:srgbClr val="FF0000"/>
+                </a:solidFill>
                 <a:latin typeface="Arial" panose="020B0604020202020204" pitchFamily="34" charset="0"/>
                 <a:cs typeface="Arial" panose="020B0604020202020204" pitchFamily="34" charset="0"/>
               </a:rPr>
@@ -5164,19 +5360,13 @@
           <a:p>
             <a:r>
               <a:rPr lang="en-US" altLang="ja-JP" sz="726" dirty="0">
+                <a:solidFill>
+                  <a:srgbClr val="FF0000"/>
+                </a:solidFill>
                 <a:latin typeface="Arial" panose="020B0604020202020204" pitchFamily="34" charset="0"/>
                 <a:cs typeface="Arial" panose="020B0604020202020204" pitchFamily="34" charset="0"/>
               </a:rPr>
-              <a:t> Fluid pressure of pipe inlet.</a:t>
-            </a:r>
-          </a:p>
-          <a:p>
-            <a:r>
-              <a:rPr lang="en-US" altLang="ja-JP" sz="726" dirty="0">
-                <a:latin typeface="Arial" panose="020B0604020202020204" pitchFamily="34" charset="0"/>
-                <a:cs typeface="Arial" panose="020B0604020202020204" pitchFamily="34" charset="0"/>
-              </a:rPr>
-              <a:t> It increases as mass flow rate increases.</a:t>
+              <a:t> Specific enthalpy at inlet.</a:t>
             </a:r>
           </a:p>
         </p:txBody>
@@ -5186,7 +5376,7 @@
           <p:cNvPr id="5" name="直線矢印コネクタ 4">
             <a:extLst>
               <a:ext uri="{FF2B5EF4-FFF2-40B4-BE49-F238E27FC236}">
-                <a16:creationId xmlns:a16="http://schemas.microsoft.com/office/drawing/2014/main" id="{A4C10585-2781-4F39-81FA-49A33D3B45EE}"/>
+                <a16:creationId xmlns:a16="http://schemas.microsoft.com/office/drawing/2014/main" id="{B41E7492-9478-45FA-BCD0-F271DFF8C393}"/>
               </a:ext>
             </a:extLst>
           </p:cNvPr>
@@ -5198,8 +5388,137 @@
         </p:nvCxnSpPr>
         <p:spPr>
           <a:xfrm>
-            <a:off x="4937639" y="1922143"/>
-            <a:ext cx="1421910" cy="981203"/>
+            <a:off x="4937639" y="1922141"/>
+            <a:ext cx="1421910" cy="981204"/>
+          </a:xfrm>
+          <a:prstGeom prst="straightConnector1">
+            <a:avLst/>
+          </a:prstGeom>
+          <a:ln w="12700">
+            <a:solidFill>
+              <a:schemeClr val="tx1"/>
+            </a:solidFill>
+            <a:tailEnd type="oval"/>
+          </a:ln>
+        </p:spPr>
+        <p:style>
+          <a:lnRef idx="1">
+            <a:schemeClr val="accent1"/>
+          </a:lnRef>
+          <a:fillRef idx="0">
+            <a:schemeClr val="accent1"/>
+          </a:fillRef>
+          <a:effectRef idx="0">
+            <a:schemeClr val="accent1"/>
+          </a:effectRef>
+          <a:fontRef idx="minor">
+            <a:schemeClr val="tx1"/>
+          </a:fontRef>
+        </p:style>
+      </p:cxnSp>
+      <p:sp>
+        <p:nvSpPr>
+          <p:cNvPr id="7" name="テキスト ボックス 6">
+            <a:extLst>
+              <a:ext uri="{FF2B5EF4-FFF2-40B4-BE49-F238E27FC236}">
+                <a16:creationId xmlns:a16="http://schemas.microsoft.com/office/drawing/2014/main" id="{973E1648-9B04-482C-96F0-D2870F16A483}"/>
+              </a:ext>
+            </a:extLst>
+          </p:cNvPr>
+          <p:cNvSpPr txBox="1"/>
+          <p:nvPr/>
+        </p:nvSpPr>
+        <p:spPr>
+          <a:xfrm>
+            <a:off x="6446917" y="3602299"/>
+            <a:ext cx="1958606" cy="791122"/>
+          </a:xfrm>
+          <a:prstGeom prst="rect">
+            <a:avLst/>
+          </a:prstGeom>
+          <a:solidFill>
+            <a:srgbClr val="FFFF00"/>
+          </a:solidFill>
+          <a:ln>
+            <a:solidFill>
+              <a:schemeClr val="tx1"/>
+            </a:solidFill>
+          </a:ln>
+        </p:spPr>
+        <p:txBody>
+          <a:bodyPr wrap="square" rtlCol="0">
+            <a:noAutofit/>
+          </a:bodyPr>
+          <a:lstStyle/>
+          <a:p>
+            <a:r>
+              <a:rPr lang="en-US" altLang="ja-JP" sz="726" dirty="0">
+                <a:solidFill>
+                  <a:srgbClr val="0070C0"/>
+                </a:solidFill>
+                <a:latin typeface="Arial" panose="020B0604020202020204" pitchFamily="34" charset="0"/>
+                <a:cs typeface="Arial" panose="020B0604020202020204" pitchFamily="34" charset="0"/>
+              </a:rPr>
+              <a:t>Output: </a:t>
+            </a:r>
+          </a:p>
+          <a:p>
+            <a:r>
+              <a:rPr lang="en-US" altLang="ja-JP" sz="726" dirty="0">
+                <a:solidFill>
+                  <a:srgbClr val="0070C0"/>
+                </a:solidFill>
+                <a:latin typeface="Arial" panose="020B0604020202020204" pitchFamily="34" charset="0"/>
+                <a:cs typeface="Arial" panose="020B0604020202020204" pitchFamily="34" charset="0"/>
+              </a:rPr>
+              <a:t> Specific enthalpy at outlet.</a:t>
+            </a:r>
+          </a:p>
+          <a:p>
+            <a:r>
+              <a:rPr lang="en-US" altLang="ja-JP" sz="726" dirty="0">
+                <a:solidFill>
+                  <a:srgbClr val="0070C0"/>
+                </a:solidFill>
+                <a:latin typeface="Arial" panose="020B0604020202020204" pitchFamily="34" charset="0"/>
+                <a:cs typeface="Arial" panose="020B0604020202020204" pitchFamily="34" charset="0"/>
+              </a:rPr>
+              <a:t> It is same value as inlet owe to enthalpy conservation.</a:t>
+            </a:r>
+          </a:p>
+          <a:p>
+            <a:r>
+              <a:rPr lang="en-US" altLang="ja-JP" sz="726" dirty="0">
+                <a:solidFill>
+                  <a:srgbClr val="0070C0"/>
+                </a:solidFill>
+                <a:latin typeface="Arial" panose="020B0604020202020204" pitchFamily="34" charset="0"/>
+                <a:cs typeface="Arial" panose="020B0604020202020204" pitchFamily="34" charset="0"/>
+              </a:rPr>
+              <a:t> The “delay” occurs due to volume effect (storage of mass and energy).</a:t>
+            </a:r>
+          </a:p>
+        </p:txBody>
+      </p:sp>
+      <p:cxnSp>
+        <p:nvCxnSpPr>
+          <p:cNvPr id="8" name="直線矢印コネクタ 7">
+            <a:extLst>
+              <a:ext uri="{FF2B5EF4-FFF2-40B4-BE49-F238E27FC236}">
+                <a16:creationId xmlns:a16="http://schemas.microsoft.com/office/drawing/2014/main" id="{E125ACFD-0D07-4D42-9897-0C9A81B90E42}"/>
+              </a:ext>
+            </a:extLst>
+          </p:cNvPr>
+          <p:cNvCxnSpPr>
+            <a:cxnSpLocks/>
+            <a:stCxn id="7" idx="0"/>
+          </p:cNvCxnSpPr>
+          <p:nvPr/>
+        </p:nvCxnSpPr>
+        <p:spPr>
+          <a:xfrm flipH="1" flipV="1">
+            <a:off x="6638939" y="2903346"/>
+            <a:ext cx="787281" cy="698953"/>
           </a:xfrm>
           <a:prstGeom prst="straightConnector1">
             <a:avLst/>
@@ -5229,7 +5548,7 @@
     </p:spTree>
     <p:extLst>
       <p:ext uri="{BB962C8B-B14F-4D97-AF65-F5344CB8AC3E}">
-        <p14:creationId xmlns:p14="http://schemas.microsoft.com/office/powerpoint/2010/main" val="1741282073"/>
+        <p14:creationId xmlns:p14="http://schemas.microsoft.com/office/powerpoint/2010/main" val="1750532678"/>
       </p:ext>
     </p:extLst>
   </p:cSld>
@@ -5258,10 +5577,10 @@
       </p:grpSpPr>
       <p:pic>
         <p:nvPicPr>
-          <p:cNvPr id="13" name="図 12">
-            <a:extLst>
-              <a:ext uri="{FF2B5EF4-FFF2-40B4-BE49-F238E27FC236}">
-                <a16:creationId xmlns:a16="http://schemas.microsoft.com/office/drawing/2014/main" id="{FC7A368F-B650-4DA9-9EB9-05A31AE70D0D}"/>
+          <p:cNvPr id="4" name="図 3">
+            <a:extLst>
+              <a:ext uri="{FF2B5EF4-FFF2-40B4-BE49-F238E27FC236}">
+                <a16:creationId xmlns:a16="http://schemas.microsoft.com/office/drawing/2014/main" id="{312459B3-3250-4AC0-9A5C-E05E5F089972}"/>
               </a:ext>
             </a:extLst>
           </p:cNvPr>
@@ -5278,8 +5597,8 @@
         </p:blipFill>
         <p:spPr>
           <a:xfrm>
-            <a:off x="1523521" y="636270"/>
-            <a:ext cx="9144960" cy="5585461"/>
+            <a:off x="1523521" y="838259"/>
+            <a:ext cx="9144960" cy="5642335"/>
           </a:xfrm>
           <a:prstGeom prst="rect">
             <a:avLst/>
@@ -5288,10 +5607,10 @@
       </p:pic>
       <p:sp>
         <p:nvSpPr>
-          <p:cNvPr id="4" name="テキスト ボックス 3">
-            <a:extLst>
-              <a:ext uri="{FF2B5EF4-FFF2-40B4-BE49-F238E27FC236}">
-                <a16:creationId xmlns:a16="http://schemas.microsoft.com/office/drawing/2014/main" id="{B5BB6D29-7C59-4C51-A456-01E4BE266708}"/>
+          <p:cNvPr id="8" name="テキスト ボックス 7">
+            <a:extLst>
+              <a:ext uri="{FF2B5EF4-FFF2-40B4-BE49-F238E27FC236}">
+                <a16:creationId xmlns:a16="http://schemas.microsoft.com/office/drawing/2014/main" id="{47101B69-D42A-4760-A756-E8CB621B88A5}"/>
               </a:ext>
             </a:extLst>
           </p:cNvPr>
@@ -5300,7 +5619,7 @@
         </p:nvSpPr>
         <p:spPr>
           <a:xfrm>
-            <a:off x="3958336" y="1612969"/>
+            <a:off x="2376090" y="4981107"/>
             <a:ext cx="1958606" cy="309172"/>
           </a:xfrm>
           <a:prstGeom prst="rect">
@@ -5341,30 +5660,30 @@
                 <a:latin typeface="Arial" panose="020B0604020202020204" pitchFamily="34" charset="0"/>
                 <a:cs typeface="Arial" panose="020B0604020202020204" pitchFamily="34" charset="0"/>
               </a:rPr>
-              <a:t> Specific enthalpy at inlet.</a:t>
+              <a:t> Temperature at inlet.</a:t>
             </a:r>
           </a:p>
         </p:txBody>
       </p:sp>
       <p:cxnSp>
         <p:nvCxnSpPr>
-          <p:cNvPr id="5" name="直線矢印コネクタ 4">
-            <a:extLst>
-              <a:ext uri="{FF2B5EF4-FFF2-40B4-BE49-F238E27FC236}">
-                <a16:creationId xmlns:a16="http://schemas.microsoft.com/office/drawing/2014/main" id="{B41E7492-9478-45FA-BCD0-F271DFF8C393}"/>
+          <p:cNvPr id="9" name="直線矢印コネクタ 8">
+            <a:extLst>
+              <a:ext uri="{FF2B5EF4-FFF2-40B4-BE49-F238E27FC236}">
+                <a16:creationId xmlns:a16="http://schemas.microsoft.com/office/drawing/2014/main" id="{F1A664FC-55CD-465F-9A25-C74A1C6BCDBD}"/>
               </a:ext>
             </a:extLst>
           </p:cNvPr>
           <p:cNvCxnSpPr>
             <a:cxnSpLocks/>
-            <a:stCxn id="4" idx="2"/>
+            <a:stCxn id="8" idx="2"/>
           </p:cNvCxnSpPr>
           <p:nvPr/>
         </p:nvCxnSpPr>
         <p:spPr>
           <a:xfrm>
-            <a:off x="4937639" y="1922141"/>
-            <a:ext cx="1421910" cy="981204"/>
+            <a:off x="3355393" y="5290279"/>
+            <a:ext cx="180498" cy="539454"/>
           </a:xfrm>
           <a:prstGeom prst="straightConnector1">
             <a:avLst/>
@@ -5393,10 +5712,10 @@
       </p:cxnSp>
       <p:sp>
         <p:nvSpPr>
-          <p:cNvPr id="7" name="テキスト ボックス 6">
-            <a:extLst>
-              <a:ext uri="{FF2B5EF4-FFF2-40B4-BE49-F238E27FC236}">
-                <a16:creationId xmlns:a16="http://schemas.microsoft.com/office/drawing/2014/main" id="{973E1648-9B04-482C-96F0-D2870F16A483}"/>
+          <p:cNvPr id="10" name="テキスト ボックス 9">
+            <a:extLst>
+              <a:ext uri="{FF2B5EF4-FFF2-40B4-BE49-F238E27FC236}">
+                <a16:creationId xmlns:a16="http://schemas.microsoft.com/office/drawing/2014/main" id="{F899C6A1-6E82-40BE-815E-29574CB069EB}"/>
               </a:ext>
             </a:extLst>
           </p:cNvPr>
@@ -5405,8 +5724,8 @@
         </p:nvSpPr>
         <p:spPr>
           <a:xfrm>
-            <a:off x="6446917" y="3602299"/>
-            <a:ext cx="1958606" cy="791122"/>
+            <a:off x="6589013" y="4387679"/>
+            <a:ext cx="3022397" cy="958163"/>
           </a:xfrm>
           <a:prstGeom prst="rect">
             <a:avLst/>
@@ -5446,7 +5765,7 @@
                 <a:latin typeface="Arial" panose="020B0604020202020204" pitchFamily="34" charset="0"/>
                 <a:cs typeface="Arial" panose="020B0604020202020204" pitchFamily="34" charset="0"/>
               </a:rPr>
-              <a:t> Specific enthalpy at outlet.</a:t>
+              <a:t> -. Temperature at outlet.</a:t>
             </a:r>
           </a:p>
           <a:p>
@@ -5458,10 +5777,20 @@
                 <a:latin typeface="Arial" panose="020B0604020202020204" pitchFamily="34" charset="0"/>
                 <a:cs typeface="Arial" panose="020B0604020202020204" pitchFamily="34" charset="0"/>
               </a:rPr>
-              <a:t> It is same value as inlet owe to enthalpy conservation.</a:t>
-            </a:r>
-          </a:p>
-          <a:p>
+              <a:t> -. It is slightly greater than that of inlet. The energy lost as pressure drop is converted to temperature. Notice flow enthalpy conserves because the energy lost does not go anywhere.</a:t>
+            </a:r>
+          </a:p>
+          <a:p>
+            <a:r>
+              <a:rPr lang="ja-JP" altLang="en-US" sz="726" dirty="0">
+                <a:solidFill>
+                  <a:srgbClr val="0070C0"/>
+                </a:solidFill>
+                <a:latin typeface="Arial" panose="020B0604020202020204" pitchFamily="34" charset="0"/>
+                <a:cs typeface="Arial" panose="020B0604020202020204" pitchFamily="34" charset="0"/>
+              </a:rPr>
+              <a:t> </a:t>
+            </a:r>
             <a:r>
               <a:rPr lang="en-US" altLang="ja-JP" sz="726" dirty="0">
                 <a:solidFill>
@@ -5470,30 +5799,87 @@
                 <a:latin typeface="Arial" panose="020B0604020202020204" pitchFamily="34" charset="0"/>
                 <a:cs typeface="Arial" panose="020B0604020202020204" pitchFamily="34" charset="0"/>
               </a:rPr>
-              <a:t> The “delay” occurs due to volume effect (storage of mass and energy).</a:t>
+              <a:t>-. Temperature rise occurs only in incompressible fluid (liquid)</a:t>
+            </a:r>
+          </a:p>
+          <a:p>
+            <a:r>
+              <a:rPr lang="en-US" altLang="ja-JP" sz="726" dirty="0">
+                <a:solidFill>
+                  <a:srgbClr val="0070C0"/>
+                </a:solidFill>
+                <a:latin typeface="Arial" panose="020B0604020202020204" pitchFamily="34" charset="0"/>
+                <a:cs typeface="Arial" panose="020B0604020202020204" pitchFamily="34" charset="0"/>
+              </a:rPr>
+              <a:t> -. The temperature difference increases as pressure drop increases.</a:t>
             </a:r>
           </a:p>
         </p:txBody>
       </p:sp>
       <p:cxnSp>
         <p:nvCxnSpPr>
-          <p:cNvPr id="8" name="直線矢印コネクタ 7">
-            <a:extLst>
-              <a:ext uri="{FF2B5EF4-FFF2-40B4-BE49-F238E27FC236}">
-                <a16:creationId xmlns:a16="http://schemas.microsoft.com/office/drawing/2014/main" id="{E125ACFD-0D07-4D42-9897-0C9A81B90E42}"/>
+          <p:cNvPr id="11" name="直線矢印コネクタ 10">
+            <a:extLst>
+              <a:ext uri="{FF2B5EF4-FFF2-40B4-BE49-F238E27FC236}">
+                <a16:creationId xmlns:a16="http://schemas.microsoft.com/office/drawing/2014/main" id="{DF7E7DEF-1ED6-48EA-8167-8B78F58B4654}"/>
               </a:ext>
             </a:extLst>
           </p:cNvPr>
           <p:cNvCxnSpPr>
             <a:cxnSpLocks/>
-            <a:stCxn id="7" idx="0"/>
+            <a:stCxn id="10" idx="1"/>
           </p:cNvCxnSpPr>
           <p:nvPr/>
         </p:nvCxnSpPr>
         <p:spPr>
           <a:xfrm flipH="1" flipV="1">
-            <a:off x="6638939" y="2903346"/>
-            <a:ext cx="787281" cy="698953"/>
+            <a:off x="5187266" y="4783240"/>
+            <a:ext cx="1401747" cy="83521"/>
+          </a:xfrm>
+          <a:prstGeom prst="straightConnector1">
+            <a:avLst/>
+          </a:prstGeom>
+          <a:ln w="12700">
+            <a:solidFill>
+              <a:schemeClr val="tx1"/>
+            </a:solidFill>
+            <a:tailEnd type="oval"/>
+          </a:ln>
+        </p:spPr>
+        <p:style>
+          <a:lnRef idx="1">
+            <a:schemeClr val="accent1"/>
+          </a:lnRef>
+          <a:fillRef idx="0">
+            <a:schemeClr val="accent1"/>
+          </a:fillRef>
+          <a:effectRef idx="0">
+            <a:schemeClr val="accent1"/>
+          </a:effectRef>
+          <a:fontRef idx="minor">
+            <a:schemeClr val="tx1"/>
+          </a:fontRef>
+        </p:style>
+      </p:cxnSp>
+      <p:cxnSp>
+        <p:nvCxnSpPr>
+          <p:cNvPr id="15" name="直線矢印コネクタ 14">
+            <a:extLst>
+              <a:ext uri="{FF2B5EF4-FFF2-40B4-BE49-F238E27FC236}">
+                <a16:creationId xmlns:a16="http://schemas.microsoft.com/office/drawing/2014/main" id="{A22838DD-4D27-4627-B934-044CD9458202}"/>
+              </a:ext>
+            </a:extLst>
+          </p:cNvPr>
+          <p:cNvCxnSpPr>
+            <a:cxnSpLocks/>
+            <a:stCxn id="10" idx="1"/>
+          </p:cNvCxnSpPr>
+          <p:nvPr/>
+        </p:nvCxnSpPr>
+        <p:spPr>
+          <a:xfrm flipH="1" flipV="1">
+            <a:off x="6001433" y="3992120"/>
+            <a:ext cx="587580" cy="874641"/>
           </a:xfrm>
           <a:prstGeom prst="straightConnector1">
             <a:avLst/>
@@ -5523,7 +5909,7 @@
     </p:spTree>
     <p:extLst>
       <p:ext uri="{BB962C8B-B14F-4D97-AF65-F5344CB8AC3E}">
-        <p14:creationId xmlns:p14="http://schemas.microsoft.com/office/powerpoint/2010/main" val="1750532678"/>
+        <p14:creationId xmlns:p14="http://schemas.microsoft.com/office/powerpoint/2010/main" val="723008793"/>
       </p:ext>
     </p:extLst>
   </p:cSld>
@@ -5555,7 +5941,7 @@
           <p:cNvPr id="4" name="図 3">
             <a:extLst>
               <a:ext uri="{FF2B5EF4-FFF2-40B4-BE49-F238E27FC236}">
-                <a16:creationId xmlns:a16="http://schemas.microsoft.com/office/drawing/2014/main" id="{312459B3-3250-4AC0-9A5C-E05E5F089972}"/>
+                <a16:creationId xmlns:a16="http://schemas.microsoft.com/office/drawing/2014/main" id="{5D3325F5-F4C4-4B5F-9E64-423C10E29EF0}"/>
               </a:ext>
             </a:extLst>
           </p:cNvPr>
@@ -5572,8 +5958,8 @@
         </p:blipFill>
         <p:spPr>
           <a:xfrm>
-            <a:off x="1523521" y="838259"/>
-            <a:ext cx="9144960" cy="5642335"/>
+            <a:off x="2810435" y="0"/>
+            <a:ext cx="6571129" cy="6858000"/>
           </a:xfrm>
           <a:prstGeom prst="rect">
             <a:avLst/>
@@ -5582,10 +5968,10 @@
       </p:pic>
       <p:sp>
         <p:nvSpPr>
-          <p:cNvPr id="8" name="テキスト ボックス 7">
-            <a:extLst>
-              <a:ext uri="{FF2B5EF4-FFF2-40B4-BE49-F238E27FC236}">
-                <a16:creationId xmlns:a16="http://schemas.microsoft.com/office/drawing/2014/main" id="{47101B69-D42A-4760-A756-E8CB621B88A5}"/>
+          <p:cNvPr id="5" name="テキスト ボックス 4">
+            <a:extLst>
+              <a:ext uri="{FF2B5EF4-FFF2-40B4-BE49-F238E27FC236}">
+                <a16:creationId xmlns:a16="http://schemas.microsoft.com/office/drawing/2014/main" id="{E0B1F0B5-68C3-450F-8CFE-1A08DC3E4321}"/>
               </a:ext>
             </a:extLst>
           </p:cNvPr>
@@ -5594,297 +5980,42 @@
         </p:nvSpPr>
         <p:spPr>
           <a:xfrm>
-            <a:off x="2376090" y="4981107"/>
-            <a:ext cx="1958606" cy="309172"/>
+            <a:off x="78153" y="0"/>
+            <a:ext cx="4079632" cy="461665"/>
           </a:xfrm>
           <a:prstGeom prst="rect">
             <a:avLst/>
           </a:prstGeom>
-          <a:solidFill>
-            <a:srgbClr val="FFFF00"/>
-          </a:solidFill>
-          <a:ln>
-            <a:solidFill>
-              <a:schemeClr val="tx1"/>
-            </a:solidFill>
-          </a:ln>
+          <a:noFill/>
         </p:spPr>
         <p:txBody>
           <a:bodyPr wrap="square" rtlCol="0">
-            <a:noAutofit/>
+            <a:spAutoFit/>
           </a:bodyPr>
           <a:lstStyle/>
           <a:p>
             <a:r>
-              <a:rPr lang="en-US" altLang="ja-JP" sz="726" dirty="0">
+              <a:rPr lang="en-US" altLang="ja-JP" sz="2400" dirty="0">
                 <a:solidFill>
-                  <a:srgbClr val="FF0000"/>
+                  <a:srgbClr val="000000"/>
                 </a:solidFill>
-                <a:latin typeface="Arial" panose="020B0604020202020204" pitchFamily="34" charset="0"/>
-                <a:cs typeface="Arial" panose="020B0604020202020204" pitchFamily="34" charset="0"/>
+                <a:effectLst/>
+                <a:latin typeface="Times New Roman" panose="02020603050405020304" pitchFamily="18" charset="0"/>
+                <a:cs typeface="Times New Roman" panose="02020603050405020304" pitchFamily="18" charset="0"/>
               </a:rPr>
-              <a:t>Output: </a:t>
-            </a:r>
-          </a:p>
-          <a:p>
-            <a:r>
-              <a:rPr lang="en-US" altLang="ja-JP" sz="726" dirty="0">
-                <a:solidFill>
-                  <a:srgbClr val="FF0000"/>
-                </a:solidFill>
-                <a:latin typeface="Arial" panose="020B0604020202020204" pitchFamily="34" charset="0"/>
-                <a:cs typeface="Arial" panose="020B0604020202020204" pitchFamily="34" charset="0"/>
-              </a:rPr>
-              <a:t> Temperature at inlet.</a:t>
-            </a:r>
-          </a:p>
-        </p:txBody>
-      </p:sp>
-      <p:cxnSp>
-        <p:nvCxnSpPr>
-          <p:cNvPr id="9" name="直線矢印コネクタ 8">
-            <a:extLst>
-              <a:ext uri="{FF2B5EF4-FFF2-40B4-BE49-F238E27FC236}">
-                <a16:creationId xmlns:a16="http://schemas.microsoft.com/office/drawing/2014/main" id="{F1A664FC-55CD-465F-9A25-C74A1C6BCDBD}"/>
-              </a:ext>
-            </a:extLst>
-          </p:cNvPr>
-          <p:cNvCxnSpPr>
-            <a:cxnSpLocks/>
-            <a:stCxn id="8" idx="2"/>
-          </p:cNvCxnSpPr>
-          <p:nvPr/>
-        </p:nvCxnSpPr>
-        <p:spPr>
-          <a:xfrm>
-            <a:off x="3355393" y="5290279"/>
-            <a:ext cx="180498" cy="539454"/>
-          </a:xfrm>
-          <a:prstGeom prst="straightConnector1">
-            <a:avLst/>
-          </a:prstGeom>
-          <a:ln w="12700">
-            <a:solidFill>
-              <a:schemeClr val="tx1"/>
-            </a:solidFill>
-            <a:tailEnd type="oval"/>
-          </a:ln>
-        </p:spPr>
-        <p:style>
-          <a:lnRef idx="1">
-            <a:schemeClr val="accent1"/>
-          </a:lnRef>
-          <a:fillRef idx="0">
-            <a:schemeClr val="accent1"/>
-          </a:fillRef>
-          <a:effectRef idx="0">
-            <a:schemeClr val="accent1"/>
-          </a:effectRef>
-          <a:fontRef idx="minor">
-            <a:schemeClr val="tx1"/>
-          </a:fontRef>
-        </p:style>
-      </p:cxnSp>
-      <p:sp>
-        <p:nvSpPr>
-          <p:cNvPr id="10" name="テキスト ボックス 9">
-            <a:extLst>
-              <a:ext uri="{FF2B5EF4-FFF2-40B4-BE49-F238E27FC236}">
-                <a16:creationId xmlns:a16="http://schemas.microsoft.com/office/drawing/2014/main" id="{F899C6A1-6E82-40BE-815E-29574CB069EB}"/>
-              </a:ext>
-            </a:extLst>
-          </p:cNvPr>
-          <p:cNvSpPr txBox="1"/>
-          <p:nvPr/>
-        </p:nvSpPr>
-        <p:spPr>
-          <a:xfrm>
-            <a:off x="6589013" y="4387679"/>
-            <a:ext cx="3022397" cy="958163"/>
-          </a:xfrm>
-          <a:prstGeom prst="rect">
-            <a:avLst/>
-          </a:prstGeom>
-          <a:solidFill>
-            <a:srgbClr val="FFFF00"/>
-          </a:solidFill>
-          <a:ln>
-            <a:solidFill>
-              <a:schemeClr val="tx1"/>
-            </a:solidFill>
-          </a:ln>
-        </p:spPr>
-        <p:txBody>
-          <a:bodyPr wrap="square" rtlCol="0">
-            <a:noAutofit/>
-          </a:bodyPr>
-          <a:lstStyle/>
-          <a:p>
-            <a:r>
-              <a:rPr lang="en-US" altLang="ja-JP" sz="726" dirty="0">
-                <a:solidFill>
-                  <a:srgbClr val="0070C0"/>
-                </a:solidFill>
-                <a:latin typeface="Arial" panose="020B0604020202020204" pitchFamily="34" charset="0"/>
-                <a:cs typeface="Arial" panose="020B0604020202020204" pitchFamily="34" charset="0"/>
-              </a:rPr>
-              <a:t>Output: </a:t>
-            </a:r>
-          </a:p>
-          <a:p>
-            <a:r>
-              <a:rPr lang="en-US" altLang="ja-JP" sz="726" dirty="0">
-                <a:solidFill>
-                  <a:srgbClr val="0070C0"/>
-                </a:solidFill>
-                <a:latin typeface="Arial" panose="020B0604020202020204" pitchFamily="34" charset="0"/>
-                <a:cs typeface="Arial" panose="020B0604020202020204" pitchFamily="34" charset="0"/>
-              </a:rPr>
-              <a:t> -. Temperature at outlet.</a:t>
-            </a:r>
-          </a:p>
-          <a:p>
-            <a:r>
-              <a:rPr lang="en-US" altLang="ja-JP" sz="726" dirty="0">
-                <a:solidFill>
-                  <a:srgbClr val="0070C0"/>
-                </a:solidFill>
-                <a:latin typeface="Arial" panose="020B0604020202020204" pitchFamily="34" charset="0"/>
-                <a:cs typeface="Arial" panose="020B0604020202020204" pitchFamily="34" charset="0"/>
-              </a:rPr>
-              <a:t> -. It is slightly greater than that of inlet. The energy lost as pressure drop is converted to temperature. Notice flow enthalpy conserves because the energy lost does not go anywhere.</a:t>
-            </a:r>
-          </a:p>
-          <a:p>
-            <a:r>
-              <a:rPr lang="ja-JP" altLang="en-US" sz="726" dirty="0">
-                <a:solidFill>
-                  <a:srgbClr val="0070C0"/>
-                </a:solidFill>
-                <a:latin typeface="Arial" panose="020B0604020202020204" pitchFamily="34" charset="0"/>
-                <a:cs typeface="Arial" panose="020B0604020202020204" pitchFamily="34" charset="0"/>
-              </a:rPr>
-              <a:t> </a:t>
-            </a:r>
-            <a:r>
-              <a:rPr lang="en-US" altLang="ja-JP" sz="726" dirty="0">
-                <a:solidFill>
-                  <a:srgbClr val="0070C0"/>
-                </a:solidFill>
-                <a:latin typeface="Arial" panose="020B0604020202020204" pitchFamily="34" charset="0"/>
-                <a:cs typeface="Arial" panose="020B0604020202020204" pitchFamily="34" charset="0"/>
-              </a:rPr>
-              <a:t>-. Temperature rise occurs only in incompressible fluid (liquid)</a:t>
-            </a:r>
-          </a:p>
-          <a:p>
-            <a:r>
-              <a:rPr lang="en-US" altLang="ja-JP" sz="726" dirty="0">
-                <a:solidFill>
-                  <a:srgbClr val="0070C0"/>
-                </a:solidFill>
-                <a:latin typeface="Arial" panose="020B0604020202020204" pitchFamily="34" charset="0"/>
-                <a:cs typeface="Arial" panose="020B0604020202020204" pitchFamily="34" charset="0"/>
-              </a:rPr>
-              <a:t> -. The temperature difference increases as pressure drop increases.</a:t>
-            </a:r>
-          </a:p>
-        </p:txBody>
-      </p:sp>
-      <p:cxnSp>
-        <p:nvCxnSpPr>
-          <p:cNvPr id="11" name="直線矢印コネクタ 10">
-            <a:extLst>
-              <a:ext uri="{FF2B5EF4-FFF2-40B4-BE49-F238E27FC236}">
-                <a16:creationId xmlns:a16="http://schemas.microsoft.com/office/drawing/2014/main" id="{DF7E7DEF-1ED6-48EA-8167-8B78F58B4654}"/>
-              </a:ext>
-            </a:extLst>
-          </p:cNvPr>
-          <p:cNvCxnSpPr>
-            <a:cxnSpLocks/>
-            <a:stCxn id="10" idx="1"/>
-          </p:cNvCxnSpPr>
-          <p:nvPr/>
-        </p:nvCxnSpPr>
-        <p:spPr>
-          <a:xfrm flipH="1" flipV="1">
-            <a:off x="5187266" y="4783240"/>
-            <a:ext cx="1401747" cy="83521"/>
-          </a:xfrm>
-          <a:prstGeom prst="straightConnector1">
-            <a:avLst/>
-          </a:prstGeom>
-          <a:ln w="12700">
-            <a:solidFill>
-              <a:schemeClr val="tx1"/>
-            </a:solidFill>
-            <a:tailEnd type="oval"/>
-          </a:ln>
-        </p:spPr>
-        <p:style>
-          <a:lnRef idx="1">
-            <a:schemeClr val="accent1"/>
-          </a:lnRef>
-          <a:fillRef idx="0">
-            <a:schemeClr val="accent1"/>
-          </a:fillRef>
-          <a:effectRef idx="0">
-            <a:schemeClr val="accent1"/>
-          </a:effectRef>
-          <a:fontRef idx="minor">
-            <a:schemeClr val="tx1"/>
-          </a:fontRef>
-        </p:style>
-      </p:cxnSp>
-      <p:cxnSp>
-        <p:nvCxnSpPr>
-          <p:cNvPr id="15" name="直線矢印コネクタ 14">
-            <a:extLst>
-              <a:ext uri="{FF2B5EF4-FFF2-40B4-BE49-F238E27FC236}">
-                <a16:creationId xmlns:a16="http://schemas.microsoft.com/office/drawing/2014/main" id="{A22838DD-4D27-4627-B934-044CD9458202}"/>
-              </a:ext>
-            </a:extLst>
-          </p:cNvPr>
-          <p:cNvCxnSpPr>
-            <a:cxnSpLocks/>
-            <a:stCxn id="10" idx="1"/>
-          </p:cNvCxnSpPr>
-          <p:nvPr/>
-        </p:nvCxnSpPr>
-        <p:spPr>
-          <a:xfrm flipH="1" flipV="1">
-            <a:off x="6001433" y="3992120"/>
-            <a:ext cx="587580" cy="874641"/>
-          </a:xfrm>
-          <a:prstGeom prst="straightConnector1">
-            <a:avLst/>
-          </a:prstGeom>
-          <a:ln w="12700">
-            <a:solidFill>
-              <a:schemeClr val="tx1"/>
-            </a:solidFill>
-            <a:tailEnd type="oval"/>
-          </a:ln>
-        </p:spPr>
-        <p:style>
-          <a:lnRef idx="1">
-            <a:schemeClr val="accent1"/>
-          </a:lnRef>
-          <a:fillRef idx="0">
-            <a:schemeClr val="accent1"/>
-          </a:fillRef>
-          <a:effectRef idx="0">
-            <a:schemeClr val="accent1"/>
-          </a:effectRef>
-          <a:fontRef idx="minor">
-            <a:schemeClr val="tx1"/>
-          </a:fontRef>
-        </p:style>
-      </p:cxnSp>
+              <a:t>pumpingSystem_ex01</a:t>
+            </a:r>
+            <a:endParaRPr kumimoji="1" lang="ja-JP" altLang="en-US" sz="2400" dirty="0">
+              <a:latin typeface="Times New Roman" panose="02020603050405020304" pitchFamily="18" charset="0"/>
+              <a:cs typeface="Times New Roman" panose="02020603050405020304" pitchFamily="18" charset="0"/>
+            </a:endParaRPr>
+          </a:p>
+        </p:txBody>
+      </p:sp>
     </p:spTree>
     <p:extLst>
       <p:ext uri="{BB962C8B-B14F-4D97-AF65-F5344CB8AC3E}">
-        <p14:creationId xmlns:p14="http://schemas.microsoft.com/office/powerpoint/2010/main" val="723008793"/>
+        <p14:creationId xmlns:p14="http://schemas.microsoft.com/office/powerpoint/2010/main" val="2560259924"/>
       </p:ext>
     </p:extLst>
   </p:cSld>
@@ -5913,10 +6044,10 @@
       </p:grpSpPr>
       <p:pic>
         <p:nvPicPr>
-          <p:cNvPr id="3" name="図 2">
-            <a:extLst>
-              <a:ext uri="{FF2B5EF4-FFF2-40B4-BE49-F238E27FC236}">
-                <a16:creationId xmlns:a16="http://schemas.microsoft.com/office/drawing/2014/main" id="{6F11A6C3-22B3-4F48-90D5-6BB1C07CCDF5}"/>
+          <p:cNvPr id="6" name="図 5">
+            <a:extLst>
+              <a:ext uri="{FF2B5EF4-FFF2-40B4-BE49-F238E27FC236}">
+                <a16:creationId xmlns:a16="http://schemas.microsoft.com/office/drawing/2014/main" id="{197FE4A2-CECE-4678-9D50-C0D4D68EFF40}"/>
               </a:ext>
             </a:extLst>
           </p:cNvPr>
@@ -5933,18 +6064,430 @@
         </p:blipFill>
         <p:spPr>
           <a:xfrm>
-            <a:off x="3029333" y="1086143"/>
-            <a:ext cx="6133333" cy="4685714"/>
+            <a:off x="2810435" y="0"/>
+            <a:ext cx="6571129" cy="6858000"/>
           </a:xfrm>
           <a:prstGeom prst="rect">
             <a:avLst/>
           </a:prstGeom>
         </p:spPr>
       </p:pic>
+      <p:sp>
+        <p:nvSpPr>
+          <p:cNvPr id="4" name="テキスト ボックス 3">
+            <a:extLst>
+              <a:ext uri="{FF2B5EF4-FFF2-40B4-BE49-F238E27FC236}">
+                <a16:creationId xmlns:a16="http://schemas.microsoft.com/office/drawing/2014/main" id="{5F2603BE-C6ED-49A0-9F6B-69D6FCCE22D3}"/>
+              </a:ext>
+            </a:extLst>
+          </p:cNvPr>
+          <p:cNvSpPr txBox="1"/>
+          <p:nvPr/>
+        </p:nvSpPr>
+        <p:spPr>
+          <a:xfrm>
+            <a:off x="6861907" y="988297"/>
+            <a:ext cx="1374866" cy="567313"/>
+          </a:xfrm>
+          <a:prstGeom prst="rect">
+            <a:avLst/>
+          </a:prstGeom>
+          <a:solidFill>
+            <a:srgbClr val="92D050">
+              <a:alpha val="60000"/>
+            </a:srgbClr>
+          </a:solidFill>
+          <a:ln>
+            <a:solidFill>
+              <a:schemeClr val="tx1"/>
+            </a:solidFill>
+          </a:ln>
+        </p:spPr>
+        <p:txBody>
+          <a:bodyPr wrap="square" rtlCol="0">
+            <a:noAutofit/>
+          </a:bodyPr>
+          <a:lstStyle/>
+          <a:p>
+            <a:r>
+              <a:rPr lang="en-US" altLang="ja-JP" sz="907" dirty="0">
+                <a:latin typeface="ＭＳ Ｐゴシック" panose="020B0600070205080204" pitchFamily="50" charset="-128"/>
+                <a:ea typeface="ＭＳ Ｐゴシック" panose="020B0600070205080204" pitchFamily="50" charset="-128"/>
+                <a:cs typeface="Arial" panose="020B0604020202020204" pitchFamily="34" charset="0"/>
+              </a:rPr>
+              <a:t>Pipe= Flow resistance.</a:t>
+            </a:r>
+          </a:p>
+          <a:p>
+            <a:r>
+              <a:rPr lang="en-US" altLang="ja-JP" sz="907" dirty="0">
+                <a:latin typeface="ＭＳ Ｐゴシック" panose="020B0600070205080204" pitchFamily="50" charset="-128"/>
+                <a:ea typeface="ＭＳ Ｐゴシック" panose="020B0600070205080204" pitchFamily="50" charset="-128"/>
+                <a:cs typeface="Arial" panose="020B0604020202020204" pitchFamily="34" charset="0"/>
+              </a:rPr>
+              <a:t>-. Fluid pressure drops through it.</a:t>
+            </a:r>
+          </a:p>
+        </p:txBody>
+      </p:sp>
+      <p:cxnSp>
+        <p:nvCxnSpPr>
+          <p:cNvPr id="5" name="直線矢印コネクタ 4">
+            <a:extLst>
+              <a:ext uri="{FF2B5EF4-FFF2-40B4-BE49-F238E27FC236}">
+                <a16:creationId xmlns:a16="http://schemas.microsoft.com/office/drawing/2014/main" id="{C79E121F-F0CC-4F90-98F0-169835AA5651}"/>
+              </a:ext>
+            </a:extLst>
+          </p:cNvPr>
+          <p:cNvCxnSpPr>
+            <a:cxnSpLocks/>
+            <a:stCxn id="4" idx="2"/>
+          </p:cNvCxnSpPr>
+          <p:nvPr/>
+        </p:nvCxnSpPr>
+        <p:spPr>
+          <a:xfrm>
+            <a:off x="7549340" y="1555610"/>
+            <a:ext cx="187891" cy="859344"/>
+          </a:xfrm>
+          <a:prstGeom prst="straightConnector1">
+            <a:avLst/>
+          </a:prstGeom>
+          <a:ln w="12700">
+            <a:solidFill>
+              <a:schemeClr val="tx1"/>
+            </a:solidFill>
+            <a:tailEnd type="oval"/>
+          </a:ln>
+        </p:spPr>
+        <p:style>
+          <a:lnRef idx="1">
+            <a:schemeClr val="accent1"/>
+          </a:lnRef>
+          <a:fillRef idx="0">
+            <a:schemeClr val="accent1"/>
+          </a:fillRef>
+          <a:effectRef idx="0">
+            <a:schemeClr val="accent1"/>
+          </a:effectRef>
+          <a:fontRef idx="minor">
+            <a:schemeClr val="tx1"/>
+          </a:fontRef>
+        </p:style>
+      </p:cxnSp>
+      <p:sp>
+        <p:nvSpPr>
+          <p:cNvPr id="8" name="テキスト ボックス 7">
+            <a:extLst>
+              <a:ext uri="{FF2B5EF4-FFF2-40B4-BE49-F238E27FC236}">
+                <a16:creationId xmlns:a16="http://schemas.microsoft.com/office/drawing/2014/main" id="{7FAA0FFC-04E5-4EAC-9A25-E150537C5562}"/>
+              </a:ext>
+            </a:extLst>
+          </p:cNvPr>
+          <p:cNvSpPr txBox="1"/>
+          <p:nvPr/>
+        </p:nvSpPr>
+        <p:spPr>
+          <a:xfrm>
+            <a:off x="6033798" y="5018733"/>
+            <a:ext cx="1374866" cy="401236"/>
+          </a:xfrm>
+          <a:prstGeom prst="rect">
+            <a:avLst/>
+          </a:prstGeom>
+          <a:solidFill>
+            <a:srgbClr val="92D050">
+              <a:alpha val="60000"/>
+            </a:srgbClr>
+          </a:solidFill>
+          <a:ln>
+            <a:solidFill>
+              <a:schemeClr val="tx1"/>
+            </a:solidFill>
+          </a:ln>
+        </p:spPr>
+        <p:txBody>
+          <a:bodyPr wrap="square" rtlCol="0">
+            <a:noAutofit/>
+          </a:bodyPr>
+          <a:lstStyle/>
+          <a:p>
+            <a:r>
+              <a:rPr lang="en-US" altLang="ja-JP" sz="907" dirty="0">
+                <a:latin typeface="ＭＳ Ｐゴシック" panose="020B0600070205080204" pitchFamily="50" charset="-128"/>
+                <a:ea typeface="ＭＳ Ｐゴシック" panose="020B0600070205080204" pitchFamily="50" charset="-128"/>
+                <a:cs typeface="Arial" panose="020B0604020202020204" pitchFamily="34" charset="0"/>
+              </a:rPr>
+              <a:t>Measure fluid power of pump.</a:t>
+            </a:r>
+          </a:p>
+        </p:txBody>
+      </p:sp>
+      <p:sp>
+        <p:nvSpPr>
+          <p:cNvPr id="10" name="テキスト ボックス 9">
+            <a:extLst>
+              <a:ext uri="{FF2B5EF4-FFF2-40B4-BE49-F238E27FC236}">
+                <a16:creationId xmlns:a16="http://schemas.microsoft.com/office/drawing/2014/main" id="{E9500157-EF71-48A7-8469-97D78802371A}"/>
+              </a:ext>
+            </a:extLst>
+          </p:cNvPr>
+          <p:cNvSpPr txBox="1"/>
+          <p:nvPr/>
+        </p:nvSpPr>
+        <p:spPr>
+          <a:xfrm>
+            <a:off x="6033798" y="5799016"/>
+            <a:ext cx="1374866" cy="617416"/>
+          </a:xfrm>
+          <a:prstGeom prst="rect">
+            <a:avLst/>
+          </a:prstGeom>
+          <a:solidFill>
+            <a:srgbClr val="92D050">
+              <a:alpha val="60000"/>
+            </a:srgbClr>
+          </a:solidFill>
+          <a:ln>
+            <a:solidFill>
+              <a:schemeClr val="tx1"/>
+            </a:solidFill>
+          </a:ln>
+        </p:spPr>
+        <p:txBody>
+          <a:bodyPr wrap="square" rtlCol="0">
+            <a:noAutofit/>
+          </a:bodyPr>
+          <a:lstStyle/>
+          <a:p>
+            <a:r>
+              <a:rPr lang="en-US" altLang="ja-JP" sz="907" dirty="0">
+                <a:latin typeface="ＭＳ Ｐゴシック" panose="020B0600070205080204" pitchFamily="50" charset="-128"/>
+                <a:ea typeface="ＭＳ Ｐゴシック" panose="020B0600070205080204" pitchFamily="50" charset="-128"/>
+                <a:cs typeface="Arial" panose="020B0604020202020204" pitchFamily="34" charset="0"/>
+              </a:rPr>
+              <a:t>Figure out mechanical power supplied to pump.</a:t>
+            </a:r>
+          </a:p>
+          <a:p>
+            <a:r>
+              <a:rPr lang="en-US" altLang="ja-JP" sz="907" dirty="0">
+                <a:latin typeface="ＭＳ Ｐゴシック" panose="020B0600070205080204" pitchFamily="50" charset="-128"/>
+                <a:ea typeface="ＭＳ Ｐゴシック" panose="020B0600070205080204" pitchFamily="50" charset="-128"/>
+                <a:cs typeface="Arial" panose="020B0604020202020204" pitchFamily="34" charset="0"/>
+              </a:rPr>
+              <a:t> = (fluid power) / eff.</a:t>
+            </a:r>
+          </a:p>
+        </p:txBody>
+      </p:sp>
+      <p:cxnSp>
+        <p:nvCxnSpPr>
+          <p:cNvPr id="11" name="直線矢印コネクタ 10">
+            <a:extLst>
+              <a:ext uri="{FF2B5EF4-FFF2-40B4-BE49-F238E27FC236}">
+                <a16:creationId xmlns:a16="http://schemas.microsoft.com/office/drawing/2014/main" id="{46BF62F1-8DDC-4421-BF53-C1DC87F7D5DF}"/>
+              </a:ext>
+            </a:extLst>
+          </p:cNvPr>
+          <p:cNvCxnSpPr>
+            <a:cxnSpLocks/>
+            <a:stCxn id="8" idx="1"/>
+          </p:cNvCxnSpPr>
+          <p:nvPr/>
+        </p:nvCxnSpPr>
+        <p:spPr>
+          <a:xfrm flipH="1">
+            <a:off x="5330092" y="5219351"/>
+            <a:ext cx="703706" cy="138097"/>
+          </a:xfrm>
+          <a:prstGeom prst="straightConnector1">
+            <a:avLst/>
+          </a:prstGeom>
+          <a:ln w="12700">
+            <a:solidFill>
+              <a:schemeClr val="tx1"/>
+            </a:solidFill>
+            <a:tailEnd type="oval"/>
+          </a:ln>
+        </p:spPr>
+        <p:style>
+          <a:lnRef idx="1">
+            <a:schemeClr val="accent1"/>
+          </a:lnRef>
+          <a:fillRef idx="0">
+            <a:schemeClr val="accent1"/>
+          </a:fillRef>
+          <a:effectRef idx="0">
+            <a:schemeClr val="accent1"/>
+          </a:effectRef>
+          <a:fontRef idx="minor">
+            <a:schemeClr val="tx1"/>
+          </a:fontRef>
+        </p:style>
+      </p:cxnSp>
+      <p:cxnSp>
+        <p:nvCxnSpPr>
+          <p:cNvPr id="12" name="直線矢印コネクタ 11">
+            <a:extLst>
+              <a:ext uri="{FF2B5EF4-FFF2-40B4-BE49-F238E27FC236}">
+                <a16:creationId xmlns:a16="http://schemas.microsoft.com/office/drawing/2014/main" id="{BC8563B2-B9B1-4ED6-9473-819DEA91980F}"/>
+              </a:ext>
+            </a:extLst>
+          </p:cNvPr>
+          <p:cNvCxnSpPr>
+            <a:cxnSpLocks/>
+            <a:stCxn id="10" idx="1"/>
+          </p:cNvCxnSpPr>
+          <p:nvPr/>
+        </p:nvCxnSpPr>
+        <p:spPr>
+          <a:xfrm flipH="1">
+            <a:off x="5197231" y="6107724"/>
+            <a:ext cx="836567" cy="0"/>
+          </a:xfrm>
+          <a:prstGeom prst="straightConnector1">
+            <a:avLst/>
+          </a:prstGeom>
+          <a:ln w="12700">
+            <a:solidFill>
+              <a:schemeClr val="tx1"/>
+            </a:solidFill>
+            <a:tailEnd type="oval"/>
+          </a:ln>
+        </p:spPr>
+        <p:style>
+          <a:lnRef idx="1">
+            <a:schemeClr val="accent1"/>
+          </a:lnRef>
+          <a:fillRef idx="0">
+            <a:schemeClr val="accent1"/>
+          </a:fillRef>
+          <a:effectRef idx="0">
+            <a:schemeClr val="accent1"/>
+          </a:effectRef>
+          <a:fontRef idx="minor">
+            <a:schemeClr val="tx1"/>
+          </a:fontRef>
+        </p:style>
+      </p:cxnSp>
+      <p:sp>
+        <p:nvSpPr>
+          <p:cNvPr id="18" name="テキスト ボックス 17">
+            <a:extLst>
+              <a:ext uri="{FF2B5EF4-FFF2-40B4-BE49-F238E27FC236}">
+                <a16:creationId xmlns:a16="http://schemas.microsoft.com/office/drawing/2014/main" id="{85FC3F84-DD89-40C6-98E7-A31B1E002E04}"/>
+              </a:ext>
+            </a:extLst>
+          </p:cNvPr>
+          <p:cNvSpPr txBox="1"/>
+          <p:nvPr/>
+        </p:nvSpPr>
+        <p:spPr>
+          <a:xfrm>
+            <a:off x="4841630" y="1070708"/>
+            <a:ext cx="1582616" cy="687749"/>
+          </a:xfrm>
+          <a:prstGeom prst="rect">
+            <a:avLst/>
+          </a:prstGeom>
+          <a:solidFill>
+            <a:srgbClr val="92D050">
+              <a:alpha val="60000"/>
+            </a:srgbClr>
+          </a:solidFill>
+          <a:ln>
+            <a:solidFill>
+              <a:schemeClr val="tx1"/>
+            </a:solidFill>
+          </a:ln>
+        </p:spPr>
+        <p:txBody>
+          <a:bodyPr wrap="square" rtlCol="0">
+            <a:noAutofit/>
+          </a:bodyPr>
+          <a:lstStyle/>
+          <a:p>
+            <a:r>
+              <a:rPr lang="en-US" altLang="ja-JP" sz="907" dirty="0">
+                <a:latin typeface="ＭＳ Ｐゴシック" panose="020B0600070205080204" pitchFamily="50" charset="-128"/>
+                <a:ea typeface="ＭＳ Ｐゴシック" panose="020B0600070205080204" pitchFamily="50" charset="-128"/>
+                <a:cs typeface="Arial" panose="020B0604020202020204" pitchFamily="34" charset="0"/>
+              </a:rPr>
+              <a:t>Centrifugal pump</a:t>
+            </a:r>
+          </a:p>
+          <a:p>
+            <a:r>
+              <a:rPr lang="en-US" altLang="ja-JP" sz="907" dirty="0">
+                <a:latin typeface="ＭＳ Ｐゴシック" panose="020B0600070205080204" pitchFamily="50" charset="-128"/>
+                <a:ea typeface="ＭＳ Ｐゴシック" panose="020B0600070205080204" pitchFamily="50" charset="-128"/>
+                <a:cs typeface="Arial" panose="020B0604020202020204" pitchFamily="34" charset="0"/>
+              </a:rPr>
+              <a:t>-. Constant efficiency.</a:t>
+            </a:r>
+          </a:p>
+          <a:p>
+            <a:r>
+              <a:rPr lang="en-US" altLang="ja-JP" sz="907" dirty="0">
+                <a:latin typeface="ＭＳ Ｐゴシック" panose="020B0600070205080204" pitchFamily="50" charset="-128"/>
+                <a:ea typeface="ＭＳ Ｐゴシック" panose="020B0600070205080204" pitchFamily="50" charset="-128"/>
+                <a:cs typeface="Arial" panose="020B0604020202020204" pitchFamily="34" charset="0"/>
+              </a:rPr>
+              <a:t>-. Mechanical interface is rotational speed signal.</a:t>
+            </a:r>
+          </a:p>
+        </p:txBody>
+      </p:sp>
+      <p:cxnSp>
+        <p:nvCxnSpPr>
+          <p:cNvPr id="19" name="直線矢印コネクタ 18">
+            <a:extLst>
+              <a:ext uri="{FF2B5EF4-FFF2-40B4-BE49-F238E27FC236}">
+                <a16:creationId xmlns:a16="http://schemas.microsoft.com/office/drawing/2014/main" id="{21414CA1-4114-4107-8A9E-08DFB5D574D4}"/>
+              </a:ext>
+            </a:extLst>
+          </p:cNvPr>
+          <p:cNvCxnSpPr>
+            <a:cxnSpLocks/>
+            <a:stCxn id="18" idx="2"/>
+          </p:cNvCxnSpPr>
+          <p:nvPr/>
+        </p:nvCxnSpPr>
+        <p:spPr>
+          <a:xfrm flipH="1">
+            <a:off x="4841632" y="1758457"/>
+            <a:ext cx="791306" cy="819640"/>
+          </a:xfrm>
+          <a:prstGeom prst="straightConnector1">
+            <a:avLst/>
+          </a:prstGeom>
+          <a:ln w="12700">
+            <a:solidFill>
+              <a:schemeClr val="tx1"/>
+            </a:solidFill>
+            <a:tailEnd type="oval"/>
+          </a:ln>
+        </p:spPr>
+        <p:style>
+          <a:lnRef idx="1">
+            <a:schemeClr val="accent1"/>
+          </a:lnRef>
+          <a:fillRef idx="0">
+            <a:schemeClr val="accent1"/>
+          </a:fillRef>
+          <a:effectRef idx="0">
+            <a:schemeClr val="accent1"/>
+          </a:effectRef>
+          <a:fontRef idx="minor">
+            <a:schemeClr val="tx1"/>
+          </a:fontRef>
+        </p:style>
+      </p:cxnSp>
     </p:spTree>
     <p:extLst>
       <p:ext uri="{BB962C8B-B14F-4D97-AF65-F5344CB8AC3E}">
-        <p14:creationId xmlns:p14="http://schemas.microsoft.com/office/powerpoint/2010/main" val="2560259924"/>
+        <p14:creationId xmlns:p14="http://schemas.microsoft.com/office/powerpoint/2010/main" val="3899844548"/>
       </p:ext>
     </p:extLst>
   </p:cSld>
@@ -5976,7 +6519,7 @@
           <p:cNvPr id="3" name="図 2">
             <a:extLst>
               <a:ext uri="{FF2B5EF4-FFF2-40B4-BE49-F238E27FC236}">
-                <a16:creationId xmlns:a16="http://schemas.microsoft.com/office/drawing/2014/main" id="{6F11A6C3-22B3-4F48-90D5-6BB1C07CCDF5}"/>
+                <a16:creationId xmlns:a16="http://schemas.microsoft.com/office/drawing/2014/main" id="{54507FFA-AEFE-4C50-B8FE-5D35D2BD6152}"/>
               </a:ext>
             </a:extLst>
           </p:cNvPr>
@@ -5993,8 +6536,8 @@
         </p:blipFill>
         <p:spPr>
           <a:xfrm>
-            <a:off x="3029333" y="1086143"/>
-            <a:ext cx="6133333" cy="4685714"/>
+            <a:off x="2468479" y="0"/>
+            <a:ext cx="7255042" cy="6858000"/>
           </a:xfrm>
           <a:prstGeom prst="rect">
             <a:avLst/>
@@ -6003,10 +6546,10 @@
       </p:pic>
       <p:sp>
         <p:nvSpPr>
-          <p:cNvPr id="4" name="テキスト ボックス 3">
-            <a:extLst>
-              <a:ext uri="{FF2B5EF4-FFF2-40B4-BE49-F238E27FC236}">
-                <a16:creationId xmlns:a16="http://schemas.microsoft.com/office/drawing/2014/main" id="{5F2603BE-C6ED-49A0-9F6B-69D6FCCE22D3}"/>
+          <p:cNvPr id="5" name="テキスト ボックス 4">
+            <a:extLst>
+              <a:ext uri="{FF2B5EF4-FFF2-40B4-BE49-F238E27FC236}">
+                <a16:creationId xmlns:a16="http://schemas.microsoft.com/office/drawing/2014/main" id="{10C95F8E-27E6-4FA4-9097-5CD1B71BC8C0}"/>
               </a:ext>
             </a:extLst>
           </p:cNvPr>
@@ -6015,99 +6558,42 @@
         </p:nvSpPr>
         <p:spPr>
           <a:xfrm>
-            <a:off x="6174154" y="3145343"/>
-            <a:ext cx="1374866" cy="567313"/>
+            <a:off x="78153" y="0"/>
+            <a:ext cx="4079632" cy="461665"/>
           </a:xfrm>
           <a:prstGeom prst="rect">
             <a:avLst/>
           </a:prstGeom>
-          <a:solidFill>
-            <a:srgbClr val="92D050">
-              <a:alpha val="60000"/>
-            </a:srgbClr>
-          </a:solidFill>
-          <a:ln>
-            <a:solidFill>
-              <a:schemeClr val="tx1"/>
-            </a:solidFill>
-          </a:ln>
+          <a:noFill/>
         </p:spPr>
         <p:txBody>
           <a:bodyPr wrap="square" rtlCol="0">
-            <a:noAutofit/>
+            <a:spAutoFit/>
           </a:bodyPr>
           <a:lstStyle/>
           <a:p>
             <a:r>
-              <a:rPr lang="en-US" altLang="ja-JP" sz="907" dirty="0">
-                <a:latin typeface="ＭＳ Ｐゴシック" panose="020B0600070205080204" pitchFamily="50" charset="-128"/>
-                <a:ea typeface="ＭＳ Ｐゴシック" panose="020B0600070205080204" pitchFamily="50" charset="-128"/>
-                <a:cs typeface="Arial" panose="020B0604020202020204" pitchFamily="34" charset="0"/>
+              <a:rPr lang="en-US" altLang="ja-JP" sz="2400" dirty="0">
+                <a:solidFill>
+                  <a:srgbClr val="000000"/>
+                </a:solidFill>
+                <a:effectLst/>
+                <a:latin typeface="Times New Roman" panose="02020603050405020304" pitchFamily="18" charset="0"/>
+                <a:cs typeface="Times New Roman" panose="02020603050405020304" pitchFamily="18" charset="0"/>
               </a:rPr>
-              <a:t>Pipe= Flow resistance.</a:t>
-            </a:r>
-          </a:p>
-          <a:p>
-            <a:r>
-              <a:rPr lang="en-US" altLang="ja-JP" sz="907" dirty="0">
-                <a:latin typeface="ＭＳ Ｐゴシック" panose="020B0600070205080204" pitchFamily="50" charset="-128"/>
-                <a:ea typeface="ＭＳ Ｐゴシック" panose="020B0600070205080204" pitchFamily="50" charset="-128"/>
-                <a:cs typeface="Arial" panose="020B0604020202020204" pitchFamily="34" charset="0"/>
-              </a:rPr>
-              <a:t>-. Fluid pressure drops through it.</a:t>
-            </a:r>
-          </a:p>
-        </p:txBody>
-      </p:sp>
-      <p:cxnSp>
-        <p:nvCxnSpPr>
-          <p:cNvPr id="5" name="直線矢印コネクタ 4">
-            <a:extLst>
-              <a:ext uri="{FF2B5EF4-FFF2-40B4-BE49-F238E27FC236}">
-                <a16:creationId xmlns:a16="http://schemas.microsoft.com/office/drawing/2014/main" id="{C79E121F-F0CC-4F90-98F0-169835AA5651}"/>
-              </a:ext>
-            </a:extLst>
-          </p:cNvPr>
-          <p:cNvCxnSpPr>
-            <a:cxnSpLocks/>
-            <a:stCxn id="4" idx="2"/>
-          </p:cNvCxnSpPr>
-          <p:nvPr/>
-        </p:nvCxnSpPr>
-        <p:spPr>
-          <a:xfrm>
-            <a:off x="6861587" y="3712656"/>
-            <a:ext cx="187891" cy="859344"/>
-          </a:xfrm>
-          <a:prstGeom prst="straightConnector1">
-            <a:avLst/>
-          </a:prstGeom>
-          <a:ln w="12700">
-            <a:solidFill>
-              <a:schemeClr val="tx1"/>
-            </a:solidFill>
-            <a:tailEnd type="oval"/>
-          </a:ln>
-        </p:spPr>
-        <p:style>
-          <a:lnRef idx="1">
-            <a:schemeClr val="accent1"/>
-          </a:lnRef>
-          <a:fillRef idx="0">
-            <a:schemeClr val="accent1"/>
-          </a:fillRef>
-          <a:effectRef idx="0">
-            <a:schemeClr val="accent1"/>
-          </a:effectRef>
-          <a:fontRef idx="minor">
-            <a:schemeClr val="tx1"/>
-          </a:fontRef>
-        </p:style>
-      </p:cxnSp>
+              <a:t>pumpingSystem_ex02</a:t>
+            </a:r>
+            <a:endParaRPr kumimoji="1" lang="ja-JP" altLang="en-US" sz="2400" dirty="0">
+              <a:latin typeface="Times New Roman" panose="02020603050405020304" pitchFamily="18" charset="0"/>
+              <a:cs typeface="Times New Roman" panose="02020603050405020304" pitchFamily="18" charset="0"/>
+            </a:endParaRPr>
+          </a:p>
+        </p:txBody>
+      </p:sp>
     </p:spTree>
     <p:extLst>
       <p:ext uri="{BB962C8B-B14F-4D97-AF65-F5344CB8AC3E}">
-        <p14:creationId xmlns:p14="http://schemas.microsoft.com/office/powerpoint/2010/main" val="3899844548"/>
+        <p14:creationId xmlns:p14="http://schemas.microsoft.com/office/powerpoint/2010/main" val="1047156367"/>
       </p:ext>
     </p:extLst>
   </p:cSld>

--- a/figs/makeFigs.pptx
+++ b/figs/makeFigs.pptx
@@ -24,6 +24,21 @@
     <p:sldId id="334" r:id="rId18"/>
     <p:sldId id="335" r:id="rId19"/>
     <p:sldId id="336" r:id="rId20"/>
+    <p:sldId id="339" r:id="rId21"/>
+    <p:sldId id="340" r:id="rId22"/>
+    <p:sldId id="341" r:id="rId23"/>
+    <p:sldId id="342" r:id="rId24"/>
+    <p:sldId id="343" r:id="rId25"/>
+    <p:sldId id="344" r:id="rId26"/>
+    <p:sldId id="345" r:id="rId27"/>
+    <p:sldId id="346" r:id="rId28"/>
+    <p:sldId id="347" r:id="rId29"/>
+    <p:sldId id="348" r:id="rId30"/>
+    <p:sldId id="349" r:id="rId31"/>
+    <p:sldId id="350" r:id="rId32"/>
+    <p:sldId id="351" r:id="rId33"/>
+    <p:sldId id="352" r:id="rId34"/>
+    <p:sldId id="353" r:id="rId35"/>
   </p:sldIdLst>
   <p:sldSz cx="12192000" cy="6858000"/>
   <p:notesSz cx="6858000" cy="9144000"/>
@@ -277,7 +292,7 @@
           <a:p>
             <a:fld id="{5498794B-0F6E-4381-BD9D-5788C27E7ABB}" type="datetimeFigureOut">
               <a:rPr kumimoji="1" lang="ja-JP" altLang="en-US" smtClean="0"/>
-              <a:t>2020/10/9</a:t>
+              <a:t>2020/10/11</a:t>
             </a:fld>
             <a:endParaRPr kumimoji="1" lang="ja-JP" altLang="en-US"/>
           </a:p>
@@ -507,7 +522,7 @@
           <a:p>
             <a:fld id="{5498794B-0F6E-4381-BD9D-5788C27E7ABB}" type="datetimeFigureOut">
               <a:rPr kumimoji="1" lang="ja-JP" altLang="en-US" smtClean="0"/>
-              <a:t>2020/10/9</a:t>
+              <a:t>2020/10/11</a:t>
             </a:fld>
             <a:endParaRPr kumimoji="1" lang="ja-JP" altLang="en-US"/>
           </a:p>
@@ -747,7 +762,7 @@
           <a:p>
             <a:fld id="{5498794B-0F6E-4381-BD9D-5788C27E7ABB}" type="datetimeFigureOut">
               <a:rPr kumimoji="1" lang="ja-JP" altLang="en-US" smtClean="0"/>
-              <a:t>2020/10/9</a:t>
+              <a:t>2020/10/11</a:t>
             </a:fld>
             <a:endParaRPr kumimoji="1" lang="ja-JP" altLang="en-US"/>
           </a:p>
@@ -1067,7 +1082,7 @@
           <a:p>
             <a:fld id="{5498794B-0F6E-4381-BD9D-5788C27E7ABB}" type="datetimeFigureOut">
               <a:rPr kumimoji="1" lang="ja-JP" altLang="en-US" smtClean="0"/>
-              <a:t>2020/10/9</a:t>
+              <a:t>2020/10/11</a:t>
             </a:fld>
             <a:endParaRPr kumimoji="1" lang="ja-JP" altLang="en-US"/>
           </a:p>
@@ -1342,7 +1357,7 @@
           <a:p>
             <a:fld id="{5498794B-0F6E-4381-BD9D-5788C27E7ABB}" type="datetimeFigureOut">
               <a:rPr kumimoji="1" lang="ja-JP" altLang="en-US" smtClean="0"/>
-              <a:t>2020/10/9</a:t>
+              <a:t>2020/10/11</a:t>
             </a:fld>
             <a:endParaRPr kumimoji="1" lang="ja-JP" altLang="en-US"/>
           </a:p>
@@ -1671,7 +1686,7 @@
           <a:p>
             <a:fld id="{5498794B-0F6E-4381-BD9D-5788C27E7ABB}" type="datetimeFigureOut">
               <a:rPr kumimoji="1" lang="ja-JP" altLang="en-US" smtClean="0"/>
-              <a:t>2020/10/9</a:t>
+              <a:t>2020/10/11</a:t>
             </a:fld>
             <a:endParaRPr kumimoji="1" lang="ja-JP" altLang="en-US"/>
           </a:p>
@@ -2147,7 +2162,7 @@
           <a:p>
             <a:fld id="{5498794B-0F6E-4381-BD9D-5788C27E7ABB}" type="datetimeFigureOut">
               <a:rPr kumimoji="1" lang="ja-JP" altLang="en-US" smtClean="0"/>
-              <a:t>2020/10/9</a:t>
+              <a:t>2020/10/11</a:t>
             </a:fld>
             <a:endParaRPr kumimoji="1" lang="ja-JP" altLang="en-US"/>
           </a:p>
@@ -2288,7 +2303,7 @@
           <a:p>
             <a:fld id="{5498794B-0F6E-4381-BD9D-5788C27E7ABB}" type="datetimeFigureOut">
               <a:rPr kumimoji="1" lang="ja-JP" altLang="en-US" smtClean="0"/>
-              <a:t>2020/10/9</a:t>
+              <a:t>2020/10/11</a:t>
             </a:fld>
             <a:endParaRPr kumimoji="1" lang="ja-JP" altLang="en-US"/>
           </a:p>
@@ -2401,7 +2416,7 @@
           <a:p>
             <a:fld id="{5498794B-0F6E-4381-BD9D-5788C27E7ABB}" type="datetimeFigureOut">
               <a:rPr kumimoji="1" lang="ja-JP" altLang="en-US" smtClean="0"/>
-              <a:t>2020/10/9</a:t>
+              <a:t>2020/10/11</a:t>
             </a:fld>
             <a:endParaRPr kumimoji="1" lang="ja-JP" altLang="en-US"/>
           </a:p>
@@ -2744,7 +2759,7 @@
           <a:p>
             <a:fld id="{5498794B-0F6E-4381-BD9D-5788C27E7ABB}" type="datetimeFigureOut">
               <a:rPr kumimoji="1" lang="ja-JP" altLang="en-US" smtClean="0"/>
-              <a:t>2020/10/9</a:t>
+              <a:t>2020/10/11</a:t>
             </a:fld>
             <a:endParaRPr kumimoji="1" lang="ja-JP" altLang="en-US"/>
           </a:p>
@@ -3032,7 +3047,7 @@
           <a:p>
             <a:fld id="{5498794B-0F6E-4381-BD9D-5788C27E7ABB}" type="datetimeFigureOut">
               <a:rPr kumimoji="1" lang="ja-JP" altLang="en-US" smtClean="0"/>
-              <a:t>2020/10/9</a:t>
+              <a:t>2020/10/11</a:t>
             </a:fld>
             <a:endParaRPr kumimoji="1" lang="ja-JP" altLang="en-US"/>
           </a:p>
@@ -3305,7 +3320,7 @@
           <a:p>
             <a:fld id="{5498794B-0F6E-4381-BD9D-5788C27E7ABB}" type="datetimeFigureOut">
               <a:rPr kumimoji="1" lang="ja-JP" altLang="en-US" smtClean="0"/>
-              <a:t>2020/10/9</a:t>
+              <a:t>2020/10/11</a:t>
             </a:fld>
             <a:endParaRPr kumimoji="1" lang="ja-JP" altLang="en-US"/>
           </a:p>
@@ -4008,6 +4023,82 @@
           <a:chExt cx="0" cy="0"/>
         </a:xfrm>
       </p:grpSpPr>
+      <p:pic>
+        <p:nvPicPr>
+          <p:cNvPr id="5" name="図 4">
+            <a:extLst>
+              <a:ext uri="{FF2B5EF4-FFF2-40B4-BE49-F238E27FC236}">
+                <a16:creationId xmlns:a16="http://schemas.microsoft.com/office/drawing/2014/main" id="{1861CB12-90A6-42DE-A22D-8963E3B6B5F0}"/>
+              </a:ext>
+            </a:extLst>
+          </p:cNvPr>
+          <p:cNvPicPr>
+            <a:picLocks noChangeAspect="1"/>
+          </p:cNvPicPr>
+          <p:nvPr/>
+        </p:nvPicPr>
+        <p:blipFill>
+          <a:blip r:embed="rId2"/>
+          <a:stretch>
+            <a:fillRect/>
+          </a:stretch>
+        </p:blipFill>
+        <p:spPr>
+          <a:xfrm>
+            <a:off x="1985486" y="0"/>
+            <a:ext cx="8221027" cy="6858000"/>
+          </a:xfrm>
+          <a:prstGeom prst="rect">
+            <a:avLst/>
+          </a:prstGeom>
+        </p:spPr>
+      </p:pic>
+      <p:sp>
+        <p:nvSpPr>
+          <p:cNvPr id="3" name="テキスト ボックス 2">
+            <a:extLst>
+              <a:ext uri="{FF2B5EF4-FFF2-40B4-BE49-F238E27FC236}">
+                <a16:creationId xmlns:a16="http://schemas.microsoft.com/office/drawing/2014/main" id="{24ADC03F-BFEC-4049-9726-538FCD7B5E67}"/>
+              </a:ext>
+            </a:extLst>
+          </p:cNvPr>
+          <p:cNvSpPr txBox="1"/>
+          <p:nvPr/>
+        </p:nvSpPr>
+        <p:spPr>
+          <a:xfrm>
+            <a:off x="78153" y="0"/>
+            <a:ext cx="4079632" cy="461665"/>
+          </a:xfrm>
+          <a:prstGeom prst="rect">
+            <a:avLst/>
+          </a:prstGeom>
+          <a:noFill/>
+        </p:spPr>
+        <p:txBody>
+          <a:bodyPr wrap="square" rtlCol="0">
+            <a:spAutoFit/>
+          </a:bodyPr>
+          <a:lstStyle/>
+          <a:p>
+            <a:r>
+              <a:rPr lang="en-US" altLang="ja-JP" sz="2400" dirty="0">
+                <a:solidFill>
+                  <a:srgbClr val="000000"/>
+                </a:solidFill>
+                <a:effectLst/>
+                <a:latin typeface="Times New Roman" panose="02020603050405020304" pitchFamily="18" charset="0"/>
+                <a:cs typeface="Times New Roman" panose="02020603050405020304" pitchFamily="18" charset="0"/>
+              </a:rPr>
+              <a:t>PumpAsTurbine_ex01</a:t>
+            </a:r>
+            <a:endParaRPr kumimoji="1" lang="ja-JP" altLang="en-US" sz="2400" dirty="0">
+              <a:latin typeface="Times New Roman" panose="02020603050405020304" pitchFamily="18" charset="0"/>
+              <a:cs typeface="Times New Roman" panose="02020603050405020304" pitchFamily="18" charset="0"/>
+            </a:endParaRPr>
+          </a:p>
+        </p:txBody>
+      </p:sp>
     </p:spTree>
     <p:extLst>
       <p:ext uri="{BB962C8B-B14F-4D97-AF65-F5344CB8AC3E}">
@@ -4038,6 +4129,36 @@
           <a:chExt cx="0" cy="0"/>
         </a:xfrm>
       </p:grpSpPr>
+      <p:pic>
+        <p:nvPicPr>
+          <p:cNvPr id="3" name="図 2">
+            <a:extLst>
+              <a:ext uri="{FF2B5EF4-FFF2-40B4-BE49-F238E27FC236}">
+                <a16:creationId xmlns:a16="http://schemas.microsoft.com/office/drawing/2014/main" id="{2848B27E-D4AC-4CD0-81CF-025BAB9F3594}"/>
+              </a:ext>
+            </a:extLst>
+          </p:cNvPr>
+          <p:cNvPicPr>
+            <a:picLocks noChangeAspect="1"/>
+          </p:cNvPicPr>
+          <p:nvPr/>
+        </p:nvPicPr>
+        <p:blipFill>
+          <a:blip r:embed="rId2"/>
+          <a:stretch>
+            <a:fillRect/>
+          </a:stretch>
+        </p:blipFill>
+        <p:spPr>
+          <a:xfrm>
+            <a:off x="1985486" y="0"/>
+            <a:ext cx="8221027" cy="6858000"/>
+          </a:xfrm>
+          <a:prstGeom prst="rect">
+            <a:avLst/>
+          </a:prstGeom>
+        </p:spPr>
+      </p:pic>
     </p:spTree>
     <p:extLst>
       <p:ext uri="{BB962C8B-B14F-4D97-AF65-F5344CB8AC3E}">
@@ -4068,6 +4189,82 @@
           <a:chExt cx="0" cy="0"/>
         </a:xfrm>
       </p:grpSpPr>
+      <p:pic>
+        <p:nvPicPr>
+          <p:cNvPr id="5" name="図 4">
+            <a:extLst>
+              <a:ext uri="{FF2B5EF4-FFF2-40B4-BE49-F238E27FC236}">
+                <a16:creationId xmlns:a16="http://schemas.microsoft.com/office/drawing/2014/main" id="{F40256F8-9584-41E5-ACD5-AA57ECDBCBBC}"/>
+              </a:ext>
+            </a:extLst>
+          </p:cNvPr>
+          <p:cNvPicPr>
+            <a:picLocks noChangeAspect="1"/>
+          </p:cNvPicPr>
+          <p:nvPr/>
+        </p:nvPicPr>
+        <p:blipFill>
+          <a:blip r:embed="rId2"/>
+          <a:stretch>
+            <a:fillRect/>
+          </a:stretch>
+        </p:blipFill>
+        <p:spPr>
+          <a:xfrm>
+            <a:off x="2039639" y="0"/>
+            <a:ext cx="8112722" cy="6858000"/>
+          </a:xfrm>
+          <a:prstGeom prst="rect">
+            <a:avLst/>
+          </a:prstGeom>
+        </p:spPr>
+      </p:pic>
+      <p:sp>
+        <p:nvSpPr>
+          <p:cNvPr id="3" name="テキスト ボックス 2">
+            <a:extLst>
+              <a:ext uri="{FF2B5EF4-FFF2-40B4-BE49-F238E27FC236}">
+                <a16:creationId xmlns:a16="http://schemas.microsoft.com/office/drawing/2014/main" id="{ABC8D612-4C8F-40D2-9EE2-D80AEAE98A25}"/>
+              </a:ext>
+            </a:extLst>
+          </p:cNvPr>
+          <p:cNvSpPr txBox="1"/>
+          <p:nvPr/>
+        </p:nvSpPr>
+        <p:spPr>
+          <a:xfrm>
+            <a:off x="78153" y="0"/>
+            <a:ext cx="4079632" cy="461665"/>
+          </a:xfrm>
+          <a:prstGeom prst="rect">
+            <a:avLst/>
+          </a:prstGeom>
+          <a:noFill/>
+        </p:spPr>
+        <p:txBody>
+          <a:bodyPr wrap="square" rtlCol="0">
+            <a:spAutoFit/>
+          </a:bodyPr>
+          <a:lstStyle/>
+          <a:p>
+            <a:r>
+              <a:rPr lang="en-US" altLang="ja-JP" sz="2400" dirty="0">
+                <a:solidFill>
+                  <a:srgbClr val="000000"/>
+                </a:solidFill>
+                <a:effectLst/>
+                <a:latin typeface="Times New Roman" panose="02020603050405020304" pitchFamily="18" charset="0"/>
+                <a:cs typeface="Times New Roman" panose="02020603050405020304" pitchFamily="18" charset="0"/>
+              </a:rPr>
+              <a:t>PumpAsTurbine_ex02</a:t>
+            </a:r>
+            <a:endParaRPr kumimoji="1" lang="ja-JP" altLang="en-US" sz="2400" dirty="0">
+              <a:latin typeface="Times New Roman" panose="02020603050405020304" pitchFamily="18" charset="0"/>
+              <a:cs typeface="Times New Roman" panose="02020603050405020304" pitchFamily="18" charset="0"/>
+            </a:endParaRPr>
+          </a:p>
+        </p:txBody>
+      </p:sp>
     </p:spTree>
     <p:extLst>
       <p:ext uri="{BB962C8B-B14F-4D97-AF65-F5344CB8AC3E}">
@@ -4098,6 +4295,36 @@
           <a:chExt cx="0" cy="0"/>
         </a:xfrm>
       </p:grpSpPr>
+      <p:pic>
+        <p:nvPicPr>
+          <p:cNvPr id="3" name="図 2">
+            <a:extLst>
+              <a:ext uri="{FF2B5EF4-FFF2-40B4-BE49-F238E27FC236}">
+                <a16:creationId xmlns:a16="http://schemas.microsoft.com/office/drawing/2014/main" id="{638963D9-2164-4F16-88FB-56F16AFC13F2}"/>
+              </a:ext>
+            </a:extLst>
+          </p:cNvPr>
+          <p:cNvPicPr>
+            <a:picLocks noChangeAspect="1"/>
+          </p:cNvPicPr>
+          <p:nvPr/>
+        </p:nvPicPr>
+        <p:blipFill>
+          <a:blip r:embed="rId2"/>
+          <a:stretch>
+            <a:fillRect/>
+          </a:stretch>
+        </p:blipFill>
+        <p:spPr>
+          <a:xfrm>
+            <a:off x="2039639" y="0"/>
+            <a:ext cx="8112722" cy="6858000"/>
+          </a:xfrm>
+          <a:prstGeom prst="rect">
+            <a:avLst/>
+          </a:prstGeom>
+        </p:spPr>
+      </p:pic>
     </p:spTree>
     <p:extLst>
       <p:ext uri="{BB962C8B-B14F-4D97-AF65-F5344CB8AC3E}">
@@ -4933,6 +5160,306 @@
 </p:sld>
 </file>
 
+<file path=ppt/slides/slide20.xml><?xml version="1.0" encoding="utf-8"?>
+<p:sld xmlns:a="http://schemas.openxmlformats.org/drawingml/2006/main" xmlns:r="http://schemas.openxmlformats.org/officeDocument/2006/relationships" xmlns:p="http://schemas.openxmlformats.org/presentationml/2006/main">
+  <p:cSld>
+    <p:spTree>
+      <p:nvGrpSpPr>
+        <p:cNvPr id="1" name=""/>
+        <p:cNvGrpSpPr/>
+        <p:nvPr/>
+      </p:nvGrpSpPr>
+      <p:grpSpPr>
+        <a:xfrm>
+          <a:off x="0" y="0"/>
+          <a:ext cx="0" cy="0"/>
+          <a:chOff x="0" y="0"/>
+          <a:chExt cx="0" cy="0"/>
+        </a:xfrm>
+      </p:grpSpPr>
+    </p:spTree>
+    <p:extLst>
+      <p:ext uri="{BB962C8B-B14F-4D97-AF65-F5344CB8AC3E}">
+        <p14:creationId xmlns:p14="http://schemas.microsoft.com/office/powerpoint/2010/main" val="260802969"/>
+      </p:ext>
+    </p:extLst>
+  </p:cSld>
+  <p:clrMapOvr>
+    <a:masterClrMapping/>
+  </p:clrMapOvr>
+</p:sld>
+</file>
+
+<file path=ppt/slides/slide21.xml><?xml version="1.0" encoding="utf-8"?>
+<p:sld xmlns:a="http://schemas.openxmlformats.org/drawingml/2006/main" xmlns:r="http://schemas.openxmlformats.org/officeDocument/2006/relationships" xmlns:p="http://schemas.openxmlformats.org/presentationml/2006/main">
+  <p:cSld>
+    <p:spTree>
+      <p:nvGrpSpPr>
+        <p:cNvPr id="1" name=""/>
+        <p:cNvGrpSpPr/>
+        <p:nvPr/>
+      </p:nvGrpSpPr>
+      <p:grpSpPr>
+        <a:xfrm>
+          <a:off x="0" y="0"/>
+          <a:ext cx="0" cy="0"/>
+          <a:chOff x="0" y="0"/>
+          <a:chExt cx="0" cy="0"/>
+        </a:xfrm>
+      </p:grpSpPr>
+    </p:spTree>
+    <p:extLst>
+      <p:ext uri="{BB962C8B-B14F-4D97-AF65-F5344CB8AC3E}">
+        <p14:creationId xmlns:p14="http://schemas.microsoft.com/office/powerpoint/2010/main" val="2214418559"/>
+      </p:ext>
+    </p:extLst>
+  </p:cSld>
+  <p:clrMapOvr>
+    <a:masterClrMapping/>
+  </p:clrMapOvr>
+</p:sld>
+</file>
+
+<file path=ppt/slides/slide22.xml><?xml version="1.0" encoding="utf-8"?>
+<p:sld xmlns:a="http://schemas.openxmlformats.org/drawingml/2006/main" xmlns:r="http://schemas.openxmlformats.org/officeDocument/2006/relationships" xmlns:p="http://schemas.openxmlformats.org/presentationml/2006/main">
+  <p:cSld>
+    <p:spTree>
+      <p:nvGrpSpPr>
+        <p:cNvPr id="1" name=""/>
+        <p:cNvGrpSpPr/>
+        <p:nvPr/>
+      </p:nvGrpSpPr>
+      <p:grpSpPr>
+        <a:xfrm>
+          <a:off x="0" y="0"/>
+          <a:ext cx="0" cy="0"/>
+          <a:chOff x="0" y="0"/>
+          <a:chExt cx="0" cy="0"/>
+        </a:xfrm>
+      </p:grpSpPr>
+    </p:spTree>
+    <p:extLst>
+      <p:ext uri="{BB962C8B-B14F-4D97-AF65-F5344CB8AC3E}">
+        <p14:creationId xmlns:p14="http://schemas.microsoft.com/office/powerpoint/2010/main" val="1680137039"/>
+      </p:ext>
+    </p:extLst>
+  </p:cSld>
+  <p:clrMapOvr>
+    <a:masterClrMapping/>
+  </p:clrMapOvr>
+</p:sld>
+</file>
+
+<file path=ppt/slides/slide23.xml><?xml version="1.0" encoding="utf-8"?>
+<p:sld xmlns:a="http://schemas.openxmlformats.org/drawingml/2006/main" xmlns:r="http://schemas.openxmlformats.org/officeDocument/2006/relationships" xmlns:p="http://schemas.openxmlformats.org/presentationml/2006/main">
+  <p:cSld>
+    <p:spTree>
+      <p:nvGrpSpPr>
+        <p:cNvPr id="1" name=""/>
+        <p:cNvGrpSpPr/>
+        <p:nvPr/>
+      </p:nvGrpSpPr>
+      <p:grpSpPr>
+        <a:xfrm>
+          <a:off x="0" y="0"/>
+          <a:ext cx="0" cy="0"/>
+          <a:chOff x="0" y="0"/>
+          <a:chExt cx="0" cy="0"/>
+        </a:xfrm>
+      </p:grpSpPr>
+    </p:spTree>
+    <p:extLst>
+      <p:ext uri="{BB962C8B-B14F-4D97-AF65-F5344CB8AC3E}">
+        <p14:creationId xmlns:p14="http://schemas.microsoft.com/office/powerpoint/2010/main" val="807832196"/>
+      </p:ext>
+    </p:extLst>
+  </p:cSld>
+  <p:clrMapOvr>
+    <a:masterClrMapping/>
+  </p:clrMapOvr>
+</p:sld>
+</file>
+
+<file path=ppt/slides/slide24.xml><?xml version="1.0" encoding="utf-8"?>
+<p:sld xmlns:a="http://schemas.openxmlformats.org/drawingml/2006/main" xmlns:r="http://schemas.openxmlformats.org/officeDocument/2006/relationships" xmlns:p="http://schemas.openxmlformats.org/presentationml/2006/main">
+  <p:cSld>
+    <p:spTree>
+      <p:nvGrpSpPr>
+        <p:cNvPr id="1" name=""/>
+        <p:cNvGrpSpPr/>
+        <p:nvPr/>
+      </p:nvGrpSpPr>
+      <p:grpSpPr>
+        <a:xfrm>
+          <a:off x="0" y="0"/>
+          <a:ext cx="0" cy="0"/>
+          <a:chOff x="0" y="0"/>
+          <a:chExt cx="0" cy="0"/>
+        </a:xfrm>
+      </p:grpSpPr>
+    </p:spTree>
+    <p:extLst>
+      <p:ext uri="{BB962C8B-B14F-4D97-AF65-F5344CB8AC3E}">
+        <p14:creationId xmlns:p14="http://schemas.microsoft.com/office/powerpoint/2010/main" val="2085333566"/>
+      </p:ext>
+    </p:extLst>
+  </p:cSld>
+  <p:clrMapOvr>
+    <a:masterClrMapping/>
+  </p:clrMapOvr>
+</p:sld>
+</file>
+
+<file path=ppt/slides/slide25.xml><?xml version="1.0" encoding="utf-8"?>
+<p:sld xmlns:a="http://schemas.openxmlformats.org/drawingml/2006/main" xmlns:r="http://schemas.openxmlformats.org/officeDocument/2006/relationships" xmlns:p="http://schemas.openxmlformats.org/presentationml/2006/main">
+  <p:cSld>
+    <p:spTree>
+      <p:nvGrpSpPr>
+        <p:cNvPr id="1" name=""/>
+        <p:cNvGrpSpPr/>
+        <p:nvPr/>
+      </p:nvGrpSpPr>
+      <p:grpSpPr>
+        <a:xfrm>
+          <a:off x="0" y="0"/>
+          <a:ext cx="0" cy="0"/>
+          <a:chOff x="0" y="0"/>
+          <a:chExt cx="0" cy="0"/>
+        </a:xfrm>
+      </p:grpSpPr>
+    </p:spTree>
+    <p:extLst>
+      <p:ext uri="{BB962C8B-B14F-4D97-AF65-F5344CB8AC3E}">
+        <p14:creationId xmlns:p14="http://schemas.microsoft.com/office/powerpoint/2010/main" val="4204572310"/>
+      </p:ext>
+    </p:extLst>
+  </p:cSld>
+  <p:clrMapOvr>
+    <a:masterClrMapping/>
+  </p:clrMapOvr>
+</p:sld>
+</file>
+
+<file path=ppt/slides/slide26.xml><?xml version="1.0" encoding="utf-8"?>
+<p:sld xmlns:a="http://schemas.openxmlformats.org/drawingml/2006/main" xmlns:r="http://schemas.openxmlformats.org/officeDocument/2006/relationships" xmlns:p="http://schemas.openxmlformats.org/presentationml/2006/main">
+  <p:cSld>
+    <p:spTree>
+      <p:nvGrpSpPr>
+        <p:cNvPr id="1" name=""/>
+        <p:cNvGrpSpPr/>
+        <p:nvPr/>
+      </p:nvGrpSpPr>
+      <p:grpSpPr>
+        <a:xfrm>
+          <a:off x="0" y="0"/>
+          <a:ext cx="0" cy="0"/>
+          <a:chOff x="0" y="0"/>
+          <a:chExt cx="0" cy="0"/>
+        </a:xfrm>
+      </p:grpSpPr>
+    </p:spTree>
+    <p:extLst>
+      <p:ext uri="{BB962C8B-B14F-4D97-AF65-F5344CB8AC3E}">
+        <p14:creationId xmlns:p14="http://schemas.microsoft.com/office/powerpoint/2010/main" val="2933442412"/>
+      </p:ext>
+    </p:extLst>
+  </p:cSld>
+  <p:clrMapOvr>
+    <a:masterClrMapping/>
+  </p:clrMapOvr>
+</p:sld>
+</file>
+
+<file path=ppt/slides/slide27.xml><?xml version="1.0" encoding="utf-8"?>
+<p:sld xmlns:a="http://schemas.openxmlformats.org/drawingml/2006/main" xmlns:r="http://schemas.openxmlformats.org/officeDocument/2006/relationships" xmlns:p="http://schemas.openxmlformats.org/presentationml/2006/main">
+  <p:cSld>
+    <p:spTree>
+      <p:nvGrpSpPr>
+        <p:cNvPr id="1" name=""/>
+        <p:cNvGrpSpPr/>
+        <p:nvPr/>
+      </p:nvGrpSpPr>
+      <p:grpSpPr>
+        <a:xfrm>
+          <a:off x="0" y="0"/>
+          <a:ext cx="0" cy="0"/>
+          <a:chOff x="0" y="0"/>
+          <a:chExt cx="0" cy="0"/>
+        </a:xfrm>
+      </p:grpSpPr>
+    </p:spTree>
+    <p:extLst>
+      <p:ext uri="{BB962C8B-B14F-4D97-AF65-F5344CB8AC3E}">
+        <p14:creationId xmlns:p14="http://schemas.microsoft.com/office/powerpoint/2010/main" val="2704639035"/>
+      </p:ext>
+    </p:extLst>
+  </p:cSld>
+  <p:clrMapOvr>
+    <a:masterClrMapping/>
+  </p:clrMapOvr>
+</p:sld>
+</file>
+
+<file path=ppt/slides/slide28.xml><?xml version="1.0" encoding="utf-8"?>
+<p:sld xmlns:a="http://schemas.openxmlformats.org/drawingml/2006/main" xmlns:r="http://schemas.openxmlformats.org/officeDocument/2006/relationships" xmlns:p="http://schemas.openxmlformats.org/presentationml/2006/main">
+  <p:cSld>
+    <p:spTree>
+      <p:nvGrpSpPr>
+        <p:cNvPr id="1" name=""/>
+        <p:cNvGrpSpPr/>
+        <p:nvPr/>
+      </p:nvGrpSpPr>
+      <p:grpSpPr>
+        <a:xfrm>
+          <a:off x="0" y="0"/>
+          <a:ext cx="0" cy="0"/>
+          <a:chOff x="0" y="0"/>
+          <a:chExt cx="0" cy="0"/>
+        </a:xfrm>
+      </p:grpSpPr>
+    </p:spTree>
+    <p:extLst>
+      <p:ext uri="{BB962C8B-B14F-4D97-AF65-F5344CB8AC3E}">
+        <p14:creationId xmlns:p14="http://schemas.microsoft.com/office/powerpoint/2010/main" val="4002179549"/>
+      </p:ext>
+    </p:extLst>
+  </p:cSld>
+  <p:clrMapOvr>
+    <a:masterClrMapping/>
+  </p:clrMapOvr>
+</p:sld>
+</file>
+
+<file path=ppt/slides/slide29.xml><?xml version="1.0" encoding="utf-8"?>
+<p:sld xmlns:a="http://schemas.openxmlformats.org/drawingml/2006/main" xmlns:r="http://schemas.openxmlformats.org/officeDocument/2006/relationships" xmlns:p="http://schemas.openxmlformats.org/presentationml/2006/main">
+  <p:cSld>
+    <p:spTree>
+      <p:nvGrpSpPr>
+        <p:cNvPr id="1" name=""/>
+        <p:cNvGrpSpPr/>
+        <p:nvPr/>
+      </p:nvGrpSpPr>
+      <p:grpSpPr>
+        <a:xfrm>
+          <a:off x="0" y="0"/>
+          <a:ext cx="0" cy="0"/>
+          <a:chOff x="0" y="0"/>
+          <a:chExt cx="0" cy="0"/>
+        </a:xfrm>
+      </p:grpSpPr>
+    </p:spTree>
+    <p:extLst>
+      <p:ext uri="{BB962C8B-B14F-4D97-AF65-F5344CB8AC3E}">
+        <p14:creationId xmlns:p14="http://schemas.microsoft.com/office/powerpoint/2010/main" val="3038340984"/>
+      </p:ext>
+    </p:extLst>
+  </p:cSld>
+  <p:clrMapOvr>
+    <a:masterClrMapping/>
+  </p:clrMapOvr>
+</p:sld>
+</file>
+
 <file path=ppt/slides/slide3.xml><?xml version="1.0" encoding="utf-8"?>
 <p:sld xmlns:a="http://schemas.openxmlformats.org/drawingml/2006/main" xmlns:r="http://schemas.openxmlformats.org/officeDocument/2006/relationships" xmlns:p="http://schemas.openxmlformats.org/presentationml/2006/main">
   <p:cSld>
@@ -5087,6 +5614,156 @@
     <p:extLst>
       <p:ext uri="{BB962C8B-B14F-4D97-AF65-F5344CB8AC3E}">
         <p14:creationId xmlns:p14="http://schemas.microsoft.com/office/powerpoint/2010/main" val="2254141340"/>
+      </p:ext>
+    </p:extLst>
+  </p:cSld>
+  <p:clrMapOvr>
+    <a:masterClrMapping/>
+  </p:clrMapOvr>
+</p:sld>
+</file>
+
+<file path=ppt/slides/slide30.xml><?xml version="1.0" encoding="utf-8"?>
+<p:sld xmlns:a="http://schemas.openxmlformats.org/drawingml/2006/main" xmlns:r="http://schemas.openxmlformats.org/officeDocument/2006/relationships" xmlns:p="http://schemas.openxmlformats.org/presentationml/2006/main">
+  <p:cSld>
+    <p:spTree>
+      <p:nvGrpSpPr>
+        <p:cNvPr id="1" name=""/>
+        <p:cNvGrpSpPr/>
+        <p:nvPr/>
+      </p:nvGrpSpPr>
+      <p:grpSpPr>
+        <a:xfrm>
+          <a:off x="0" y="0"/>
+          <a:ext cx="0" cy="0"/>
+          <a:chOff x="0" y="0"/>
+          <a:chExt cx="0" cy="0"/>
+        </a:xfrm>
+      </p:grpSpPr>
+    </p:spTree>
+    <p:extLst>
+      <p:ext uri="{BB962C8B-B14F-4D97-AF65-F5344CB8AC3E}">
+        <p14:creationId xmlns:p14="http://schemas.microsoft.com/office/powerpoint/2010/main" val="927517791"/>
+      </p:ext>
+    </p:extLst>
+  </p:cSld>
+  <p:clrMapOvr>
+    <a:masterClrMapping/>
+  </p:clrMapOvr>
+</p:sld>
+</file>
+
+<file path=ppt/slides/slide31.xml><?xml version="1.0" encoding="utf-8"?>
+<p:sld xmlns:a="http://schemas.openxmlformats.org/drawingml/2006/main" xmlns:r="http://schemas.openxmlformats.org/officeDocument/2006/relationships" xmlns:p="http://schemas.openxmlformats.org/presentationml/2006/main">
+  <p:cSld>
+    <p:spTree>
+      <p:nvGrpSpPr>
+        <p:cNvPr id="1" name=""/>
+        <p:cNvGrpSpPr/>
+        <p:nvPr/>
+      </p:nvGrpSpPr>
+      <p:grpSpPr>
+        <a:xfrm>
+          <a:off x="0" y="0"/>
+          <a:ext cx="0" cy="0"/>
+          <a:chOff x="0" y="0"/>
+          <a:chExt cx="0" cy="0"/>
+        </a:xfrm>
+      </p:grpSpPr>
+    </p:spTree>
+    <p:extLst>
+      <p:ext uri="{BB962C8B-B14F-4D97-AF65-F5344CB8AC3E}">
+        <p14:creationId xmlns:p14="http://schemas.microsoft.com/office/powerpoint/2010/main" val="87198892"/>
+      </p:ext>
+    </p:extLst>
+  </p:cSld>
+  <p:clrMapOvr>
+    <a:masterClrMapping/>
+  </p:clrMapOvr>
+</p:sld>
+</file>
+
+<file path=ppt/slides/slide32.xml><?xml version="1.0" encoding="utf-8"?>
+<p:sld xmlns:a="http://schemas.openxmlformats.org/drawingml/2006/main" xmlns:r="http://schemas.openxmlformats.org/officeDocument/2006/relationships" xmlns:p="http://schemas.openxmlformats.org/presentationml/2006/main">
+  <p:cSld>
+    <p:spTree>
+      <p:nvGrpSpPr>
+        <p:cNvPr id="1" name=""/>
+        <p:cNvGrpSpPr/>
+        <p:nvPr/>
+      </p:nvGrpSpPr>
+      <p:grpSpPr>
+        <a:xfrm>
+          <a:off x="0" y="0"/>
+          <a:ext cx="0" cy="0"/>
+          <a:chOff x="0" y="0"/>
+          <a:chExt cx="0" cy="0"/>
+        </a:xfrm>
+      </p:grpSpPr>
+    </p:spTree>
+    <p:extLst>
+      <p:ext uri="{BB962C8B-B14F-4D97-AF65-F5344CB8AC3E}">
+        <p14:creationId xmlns:p14="http://schemas.microsoft.com/office/powerpoint/2010/main" val="4226122043"/>
+      </p:ext>
+    </p:extLst>
+  </p:cSld>
+  <p:clrMapOvr>
+    <a:masterClrMapping/>
+  </p:clrMapOvr>
+</p:sld>
+</file>
+
+<file path=ppt/slides/slide33.xml><?xml version="1.0" encoding="utf-8"?>
+<p:sld xmlns:a="http://schemas.openxmlformats.org/drawingml/2006/main" xmlns:r="http://schemas.openxmlformats.org/officeDocument/2006/relationships" xmlns:p="http://schemas.openxmlformats.org/presentationml/2006/main">
+  <p:cSld>
+    <p:spTree>
+      <p:nvGrpSpPr>
+        <p:cNvPr id="1" name=""/>
+        <p:cNvGrpSpPr/>
+        <p:nvPr/>
+      </p:nvGrpSpPr>
+      <p:grpSpPr>
+        <a:xfrm>
+          <a:off x="0" y="0"/>
+          <a:ext cx="0" cy="0"/>
+          <a:chOff x="0" y="0"/>
+          <a:chExt cx="0" cy="0"/>
+        </a:xfrm>
+      </p:grpSpPr>
+    </p:spTree>
+    <p:extLst>
+      <p:ext uri="{BB962C8B-B14F-4D97-AF65-F5344CB8AC3E}">
+        <p14:creationId xmlns:p14="http://schemas.microsoft.com/office/powerpoint/2010/main" val="3941356387"/>
+      </p:ext>
+    </p:extLst>
+  </p:cSld>
+  <p:clrMapOvr>
+    <a:masterClrMapping/>
+  </p:clrMapOvr>
+</p:sld>
+</file>
+
+<file path=ppt/slides/slide34.xml><?xml version="1.0" encoding="utf-8"?>
+<p:sld xmlns:a="http://schemas.openxmlformats.org/drawingml/2006/main" xmlns:r="http://schemas.openxmlformats.org/officeDocument/2006/relationships" xmlns:p="http://schemas.openxmlformats.org/presentationml/2006/main">
+  <p:cSld>
+    <p:spTree>
+      <p:nvGrpSpPr>
+        <p:cNvPr id="1" name=""/>
+        <p:cNvGrpSpPr/>
+        <p:nvPr/>
+      </p:nvGrpSpPr>
+      <p:grpSpPr>
+        <a:xfrm>
+          <a:off x="0" y="0"/>
+          <a:ext cx="0" cy="0"/>
+          <a:chOff x="0" y="0"/>
+          <a:chExt cx="0" cy="0"/>
+        </a:xfrm>
+      </p:grpSpPr>
+    </p:spTree>
+    <p:extLst>
+      <p:ext uri="{BB962C8B-B14F-4D97-AF65-F5344CB8AC3E}">
+        <p14:creationId xmlns:p14="http://schemas.microsoft.com/office/powerpoint/2010/main" val="129659227"/>
       </p:ext>
     </p:extLst>
   </p:cSld>

--- a/figs/makeFigs.pptx
+++ b/figs/makeFigs.pptx
@@ -13,32 +13,38 @@
     <p:sldId id="325" r:id="rId7"/>
     <p:sldId id="322" r:id="rId8"/>
     <p:sldId id="337" r:id="rId9"/>
-    <p:sldId id="338" r:id="rId10"/>
-    <p:sldId id="327" r:id="rId11"/>
-    <p:sldId id="328" r:id="rId12"/>
-    <p:sldId id="329" r:id="rId13"/>
-    <p:sldId id="330" r:id="rId14"/>
-    <p:sldId id="331" r:id="rId15"/>
-    <p:sldId id="332" r:id="rId16"/>
-    <p:sldId id="333" r:id="rId17"/>
-    <p:sldId id="334" r:id="rId18"/>
-    <p:sldId id="335" r:id="rId19"/>
-    <p:sldId id="336" r:id="rId20"/>
-    <p:sldId id="339" r:id="rId21"/>
-    <p:sldId id="340" r:id="rId22"/>
-    <p:sldId id="341" r:id="rId23"/>
-    <p:sldId id="342" r:id="rId24"/>
-    <p:sldId id="343" r:id="rId25"/>
-    <p:sldId id="344" r:id="rId26"/>
-    <p:sldId id="345" r:id="rId27"/>
-    <p:sldId id="346" r:id="rId28"/>
-    <p:sldId id="347" r:id="rId29"/>
-    <p:sldId id="348" r:id="rId30"/>
-    <p:sldId id="349" r:id="rId31"/>
-    <p:sldId id="350" r:id="rId32"/>
-    <p:sldId id="351" r:id="rId33"/>
-    <p:sldId id="352" r:id="rId34"/>
-    <p:sldId id="353" r:id="rId35"/>
+    <p:sldId id="354" r:id="rId10"/>
+    <p:sldId id="355" r:id="rId11"/>
+    <p:sldId id="356" r:id="rId12"/>
+    <p:sldId id="357" r:id="rId13"/>
+    <p:sldId id="358" r:id="rId14"/>
+    <p:sldId id="359" r:id="rId15"/>
+    <p:sldId id="338" r:id="rId16"/>
+    <p:sldId id="327" r:id="rId17"/>
+    <p:sldId id="328" r:id="rId18"/>
+    <p:sldId id="329" r:id="rId19"/>
+    <p:sldId id="330" r:id="rId20"/>
+    <p:sldId id="331" r:id="rId21"/>
+    <p:sldId id="332" r:id="rId22"/>
+    <p:sldId id="333" r:id="rId23"/>
+    <p:sldId id="334" r:id="rId24"/>
+    <p:sldId id="335" r:id="rId25"/>
+    <p:sldId id="336" r:id="rId26"/>
+    <p:sldId id="339" r:id="rId27"/>
+    <p:sldId id="340" r:id="rId28"/>
+    <p:sldId id="341" r:id="rId29"/>
+    <p:sldId id="342" r:id="rId30"/>
+    <p:sldId id="343" r:id="rId31"/>
+    <p:sldId id="344" r:id="rId32"/>
+    <p:sldId id="345" r:id="rId33"/>
+    <p:sldId id="346" r:id="rId34"/>
+    <p:sldId id="347" r:id="rId35"/>
+    <p:sldId id="348" r:id="rId36"/>
+    <p:sldId id="349" r:id="rId37"/>
+    <p:sldId id="350" r:id="rId38"/>
+    <p:sldId id="351" r:id="rId39"/>
+    <p:sldId id="352" r:id="rId40"/>
+    <p:sldId id="353" r:id="rId41"/>
   </p:sldIdLst>
   <p:sldSz cx="12192000" cy="6858000"/>
   <p:notesSz cx="6858000" cy="9144000"/>
@@ -138,6 +144,78 @@
     </a:lvl9pPr>
   </p:defaultTextStyle>
   <p:extLst>
+    <p:ext uri="{521415D9-36F7-43E2-AB2F-B90AF26B5E84}">
+      <p14:sectionLst xmlns:p14="http://schemas.microsoft.com/office/powerpoint/2010/main">
+        <p14:section name="flowResistance_ex01" id="{D2B9F7B4-9A6F-415B-979C-EAF02EDEB4B7}">
+          <p14:sldIdLst>
+            <p14:sldId id="326"/>
+            <p14:sldId id="311"/>
+            <p14:sldId id="323"/>
+            <p14:sldId id="321"/>
+            <p14:sldId id="324"/>
+            <p14:sldId id="325"/>
+          </p14:sldIdLst>
+        </p14:section>
+        <p14:section name="pumpingSystem_ex01" id="{0209A8C3-1FA4-4997-B1D4-E66329D74AA7}">
+          <p14:sldIdLst>
+            <p14:sldId id="322"/>
+            <p14:sldId id="337"/>
+            <p14:sldId id="354"/>
+            <p14:sldId id="355"/>
+            <p14:sldId id="356"/>
+            <p14:sldId id="357"/>
+            <p14:sldId id="358"/>
+            <p14:sldId id="359"/>
+          </p14:sldIdLst>
+        </p14:section>
+        <p14:section name="pumpingSystem_ex02" id="{361D8E47-712C-4C08-B283-5D566F150FF9}">
+          <p14:sldIdLst>
+            <p14:sldId id="338"/>
+            <p14:sldId id="327"/>
+          </p14:sldIdLst>
+        </p14:section>
+        <p14:section name="pumpingSystem_ex03" id="{40CC9DB2-46C8-461F-B97D-D69B566666DB}">
+          <p14:sldIdLst>
+            <p14:sldId id="328"/>
+            <p14:sldId id="329"/>
+          </p14:sldIdLst>
+        </p14:section>
+        <p14:section name="pumpAsTurbine_ex01" id="{948DD96E-F6F9-49BE-836A-9AD530AE1FAE}">
+          <p14:sldIdLst>
+            <p14:sldId id="330"/>
+            <p14:sldId id="331"/>
+          </p14:sldIdLst>
+        </p14:section>
+        <p14:section name="pumpAsTurbine_ex02" id="{8C44810E-A43D-46DF-BAF5-3E9A36C8C302}">
+          <p14:sldIdLst>
+            <p14:sldId id="332"/>
+            <p14:sldId id="333"/>
+            <p14:sldId id="334"/>
+          </p14:sldIdLst>
+        </p14:section>
+        <p14:section name="タイトルなしのセクション" id="{8E4195A4-0C5E-4440-AC50-8487031D9972}">
+          <p14:sldIdLst>
+            <p14:sldId id="335"/>
+            <p14:sldId id="336"/>
+            <p14:sldId id="339"/>
+            <p14:sldId id="340"/>
+            <p14:sldId id="341"/>
+            <p14:sldId id="342"/>
+            <p14:sldId id="343"/>
+            <p14:sldId id="344"/>
+            <p14:sldId id="345"/>
+            <p14:sldId id="346"/>
+            <p14:sldId id="347"/>
+            <p14:sldId id="348"/>
+            <p14:sldId id="349"/>
+            <p14:sldId id="350"/>
+            <p14:sldId id="351"/>
+            <p14:sldId id="352"/>
+            <p14:sldId id="353"/>
+          </p14:sldIdLst>
+        </p14:section>
+      </p14:sectionLst>
+    </p:ext>
     <p:ext uri="{EFAFB233-063F-42B5-8137-9DF3F51BA10A}">
       <p15:sldGuideLst xmlns:p15="http://schemas.microsoft.com/office/powerpoint/2012/main"/>
     </p:ext>
@@ -292,7 +370,7 @@
           <a:p>
             <a:fld id="{5498794B-0F6E-4381-BD9D-5788C27E7ABB}" type="datetimeFigureOut">
               <a:rPr kumimoji="1" lang="ja-JP" altLang="en-US" smtClean="0"/>
-              <a:t>2020/10/11</a:t>
+              <a:t>2020/10/17</a:t>
             </a:fld>
             <a:endParaRPr kumimoji="1" lang="ja-JP" altLang="en-US"/>
           </a:p>
@@ -522,7 +600,7 @@
           <a:p>
             <a:fld id="{5498794B-0F6E-4381-BD9D-5788C27E7ABB}" type="datetimeFigureOut">
               <a:rPr kumimoji="1" lang="ja-JP" altLang="en-US" smtClean="0"/>
-              <a:t>2020/10/11</a:t>
+              <a:t>2020/10/17</a:t>
             </a:fld>
             <a:endParaRPr kumimoji="1" lang="ja-JP" altLang="en-US"/>
           </a:p>
@@ -762,7 +840,7 @@
           <a:p>
             <a:fld id="{5498794B-0F6E-4381-BD9D-5788C27E7ABB}" type="datetimeFigureOut">
               <a:rPr kumimoji="1" lang="ja-JP" altLang="en-US" smtClean="0"/>
-              <a:t>2020/10/11</a:t>
+              <a:t>2020/10/17</a:t>
             </a:fld>
             <a:endParaRPr kumimoji="1" lang="ja-JP" altLang="en-US"/>
           </a:p>
@@ -1082,7 +1160,7 @@
           <a:p>
             <a:fld id="{5498794B-0F6E-4381-BD9D-5788C27E7ABB}" type="datetimeFigureOut">
               <a:rPr kumimoji="1" lang="ja-JP" altLang="en-US" smtClean="0"/>
-              <a:t>2020/10/11</a:t>
+              <a:t>2020/10/17</a:t>
             </a:fld>
             <a:endParaRPr kumimoji="1" lang="ja-JP" altLang="en-US"/>
           </a:p>
@@ -1357,7 +1435,7 @@
           <a:p>
             <a:fld id="{5498794B-0F6E-4381-BD9D-5788C27E7ABB}" type="datetimeFigureOut">
               <a:rPr kumimoji="1" lang="ja-JP" altLang="en-US" smtClean="0"/>
-              <a:t>2020/10/11</a:t>
+              <a:t>2020/10/17</a:t>
             </a:fld>
             <a:endParaRPr kumimoji="1" lang="ja-JP" altLang="en-US"/>
           </a:p>
@@ -1686,7 +1764,7 @@
           <a:p>
             <a:fld id="{5498794B-0F6E-4381-BD9D-5788C27E7ABB}" type="datetimeFigureOut">
               <a:rPr kumimoji="1" lang="ja-JP" altLang="en-US" smtClean="0"/>
-              <a:t>2020/10/11</a:t>
+              <a:t>2020/10/17</a:t>
             </a:fld>
             <a:endParaRPr kumimoji="1" lang="ja-JP" altLang="en-US"/>
           </a:p>
@@ -2162,7 +2240,7 @@
           <a:p>
             <a:fld id="{5498794B-0F6E-4381-BD9D-5788C27E7ABB}" type="datetimeFigureOut">
               <a:rPr kumimoji="1" lang="ja-JP" altLang="en-US" smtClean="0"/>
-              <a:t>2020/10/11</a:t>
+              <a:t>2020/10/17</a:t>
             </a:fld>
             <a:endParaRPr kumimoji="1" lang="ja-JP" altLang="en-US"/>
           </a:p>
@@ -2303,7 +2381,7 @@
           <a:p>
             <a:fld id="{5498794B-0F6E-4381-BD9D-5788C27E7ABB}" type="datetimeFigureOut">
               <a:rPr kumimoji="1" lang="ja-JP" altLang="en-US" smtClean="0"/>
-              <a:t>2020/10/11</a:t>
+              <a:t>2020/10/17</a:t>
             </a:fld>
             <a:endParaRPr kumimoji="1" lang="ja-JP" altLang="en-US"/>
           </a:p>
@@ -2416,7 +2494,7 @@
           <a:p>
             <a:fld id="{5498794B-0F6E-4381-BD9D-5788C27E7ABB}" type="datetimeFigureOut">
               <a:rPr kumimoji="1" lang="ja-JP" altLang="en-US" smtClean="0"/>
-              <a:t>2020/10/11</a:t>
+              <a:t>2020/10/17</a:t>
             </a:fld>
             <a:endParaRPr kumimoji="1" lang="ja-JP" altLang="en-US"/>
           </a:p>
@@ -2759,7 +2837,7 @@
           <a:p>
             <a:fld id="{5498794B-0F6E-4381-BD9D-5788C27E7ABB}" type="datetimeFigureOut">
               <a:rPr kumimoji="1" lang="ja-JP" altLang="en-US" smtClean="0"/>
-              <a:t>2020/10/11</a:t>
+              <a:t>2020/10/17</a:t>
             </a:fld>
             <a:endParaRPr kumimoji="1" lang="ja-JP" altLang="en-US"/>
           </a:p>
@@ -3047,7 +3125,7 @@
           <a:p>
             <a:fld id="{5498794B-0F6E-4381-BD9D-5788C27E7ABB}" type="datetimeFigureOut">
               <a:rPr kumimoji="1" lang="ja-JP" altLang="en-US" smtClean="0"/>
-              <a:t>2020/10/11</a:t>
+              <a:t>2020/10/17</a:t>
             </a:fld>
             <a:endParaRPr kumimoji="1" lang="ja-JP" altLang="en-US"/>
           </a:p>
@@ -3320,7 +3398,7 @@
           <a:p>
             <a:fld id="{5498794B-0F6E-4381-BD9D-5788C27E7ABB}" type="datetimeFigureOut">
               <a:rPr kumimoji="1" lang="ja-JP" altLang="en-US" smtClean="0"/>
-              <a:t>2020/10/11</a:t>
+              <a:t>2020/10/17</a:t>
             </a:fld>
             <a:endParaRPr kumimoji="1" lang="ja-JP" altLang="en-US"/>
           </a:p>
@@ -3802,7 +3880,7 @@
           <p:cNvPr id="3" name="図 2">
             <a:extLst>
               <a:ext uri="{FF2B5EF4-FFF2-40B4-BE49-F238E27FC236}">
-                <a16:creationId xmlns:a16="http://schemas.microsoft.com/office/drawing/2014/main" id="{2E8E4416-F1CB-443C-9585-680D13105DF2}"/>
+                <a16:creationId xmlns:a16="http://schemas.microsoft.com/office/drawing/2014/main" id="{1C487AC6-F5CF-4F1B-BB9C-F82469CBDAE8}"/>
               </a:ext>
             </a:extLst>
           </p:cNvPr>
@@ -3819,18 +3897,117 @@
         </p:blipFill>
         <p:spPr>
           <a:xfrm>
-            <a:off x="2468479" y="0"/>
-            <a:ext cx="7255042" cy="6858000"/>
+            <a:off x="2204970" y="459278"/>
+            <a:ext cx="7200000" cy="5939444"/>
           </a:xfrm>
           <a:prstGeom prst="rect">
             <a:avLst/>
           </a:prstGeom>
         </p:spPr>
       </p:pic>
+      <p:sp>
+        <p:nvSpPr>
+          <p:cNvPr id="4" name="テキスト ボックス 3">
+            <a:extLst>
+              <a:ext uri="{FF2B5EF4-FFF2-40B4-BE49-F238E27FC236}">
+                <a16:creationId xmlns:a16="http://schemas.microsoft.com/office/drawing/2014/main" id="{1D7B468F-5EC7-48EB-90C5-9937D9CACF18}"/>
+              </a:ext>
+            </a:extLst>
+          </p:cNvPr>
+          <p:cNvSpPr txBox="1"/>
+          <p:nvPr/>
+        </p:nvSpPr>
+        <p:spPr>
+          <a:xfrm>
+            <a:off x="5552675" y="3489843"/>
+            <a:ext cx="1958606" cy="363142"/>
+          </a:xfrm>
+          <a:prstGeom prst="rect">
+            <a:avLst/>
+          </a:prstGeom>
+          <a:solidFill>
+            <a:srgbClr val="FFFF00"/>
+          </a:solidFill>
+          <a:ln>
+            <a:solidFill>
+              <a:schemeClr val="tx1"/>
+            </a:solidFill>
+          </a:ln>
+        </p:spPr>
+        <p:txBody>
+          <a:bodyPr wrap="square" rtlCol="0">
+            <a:noAutofit/>
+          </a:bodyPr>
+          <a:lstStyle/>
+          <a:p>
+            <a:r>
+              <a:rPr lang="en-US" altLang="ja-JP" sz="726" dirty="0">
+                <a:latin typeface="Arial" panose="020B0604020202020204" pitchFamily="34" charset="0"/>
+                <a:cs typeface="Arial" panose="020B0604020202020204" pitchFamily="34" charset="0"/>
+              </a:rPr>
+              <a:t>Output: </a:t>
+            </a:r>
+          </a:p>
+          <a:p>
+            <a:r>
+              <a:rPr lang="en-US" altLang="ja-JP" sz="726" dirty="0">
+                <a:latin typeface="Arial" panose="020B0604020202020204" pitchFamily="34" charset="0"/>
+                <a:cs typeface="Arial" panose="020B0604020202020204" pitchFamily="34" charset="0"/>
+              </a:rPr>
+              <a:t>Volumetric flow rate through pump. </a:t>
+            </a:r>
+          </a:p>
+        </p:txBody>
+      </p:sp>
+      <p:cxnSp>
+        <p:nvCxnSpPr>
+          <p:cNvPr id="5" name="直線矢印コネクタ 4">
+            <a:extLst>
+              <a:ext uri="{FF2B5EF4-FFF2-40B4-BE49-F238E27FC236}">
+                <a16:creationId xmlns:a16="http://schemas.microsoft.com/office/drawing/2014/main" id="{2FEE87B6-ABA6-4740-9A65-4D2DDCCD0247}"/>
+              </a:ext>
+            </a:extLst>
+          </p:cNvPr>
+          <p:cNvCxnSpPr>
+            <a:cxnSpLocks/>
+            <a:stCxn id="4" idx="0"/>
+          </p:cNvCxnSpPr>
+          <p:nvPr/>
+        </p:nvCxnSpPr>
+        <p:spPr>
+          <a:xfrm flipH="1" flipV="1">
+            <a:off x="5212862" y="2832237"/>
+            <a:ext cx="1319116" cy="657606"/>
+          </a:xfrm>
+          <a:prstGeom prst="straightConnector1">
+            <a:avLst/>
+          </a:prstGeom>
+          <a:ln w="12700">
+            <a:solidFill>
+              <a:schemeClr val="tx1"/>
+            </a:solidFill>
+            <a:tailEnd type="oval"/>
+          </a:ln>
+        </p:spPr>
+        <p:style>
+          <a:lnRef idx="1">
+            <a:schemeClr val="accent1"/>
+          </a:lnRef>
+          <a:fillRef idx="0">
+            <a:schemeClr val="accent1"/>
+          </a:fillRef>
+          <a:effectRef idx="0">
+            <a:schemeClr val="accent1"/>
+          </a:effectRef>
+          <a:fontRef idx="minor">
+            <a:schemeClr val="tx1"/>
+          </a:fontRef>
+        </p:style>
+      </p:cxnSp>
     </p:spTree>
     <p:extLst>
       <p:ext uri="{BB962C8B-B14F-4D97-AF65-F5344CB8AC3E}">
-        <p14:creationId xmlns:p14="http://schemas.microsoft.com/office/powerpoint/2010/main" val="1883206660"/>
+        <p14:creationId xmlns:p14="http://schemas.microsoft.com/office/powerpoint/2010/main" val="474860025"/>
       </p:ext>
     </p:extLst>
   </p:cSld>
@@ -3862,7 +4039,7 @@
           <p:cNvPr id="3" name="図 2">
             <a:extLst>
               <a:ext uri="{FF2B5EF4-FFF2-40B4-BE49-F238E27FC236}">
-                <a16:creationId xmlns:a16="http://schemas.microsoft.com/office/drawing/2014/main" id="{61B8F0D8-5E34-4DC1-B93E-6679D631A3F9}"/>
+                <a16:creationId xmlns:a16="http://schemas.microsoft.com/office/drawing/2014/main" id="{7A25B6AD-23AD-45D7-8FD0-DFC2FDC14A23}"/>
               </a:ext>
             </a:extLst>
           </p:cNvPr>
@@ -3879,8 +4056,8 @@
         </p:blipFill>
         <p:spPr>
           <a:xfrm>
-            <a:off x="2012782" y="0"/>
-            <a:ext cx="8166435" cy="6858000"/>
+            <a:off x="2346601" y="273538"/>
+            <a:ext cx="7200000" cy="5952000"/>
           </a:xfrm>
           <a:prstGeom prst="rect">
             <a:avLst/>
@@ -3889,10 +4066,10 @@
       </p:pic>
       <p:sp>
         <p:nvSpPr>
-          <p:cNvPr id="5" name="テキスト ボックス 4">
-            <a:extLst>
-              <a:ext uri="{FF2B5EF4-FFF2-40B4-BE49-F238E27FC236}">
-                <a16:creationId xmlns:a16="http://schemas.microsoft.com/office/drawing/2014/main" id="{1677C04D-C665-45AD-879E-63BB3E2A5148}"/>
+          <p:cNvPr id="4" name="テキスト ボックス 3">
+            <a:extLst>
+              <a:ext uri="{FF2B5EF4-FFF2-40B4-BE49-F238E27FC236}">
+                <a16:creationId xmlns:a16="http://schemas.microsoft.com/office/drawing/2014/main" id="{BA5D9AE8-CE2D-435D-9B0E-793354633E54}"/>
               </a:ext>
             </a:extLst>
           </p:cNvPr>
@@ -3901,42 +4078,95 @@
         </p:nvSpPr>
         <p:spPr>
           <a:xfrm>
-            <a:off x="78153" y="0"/>
-            <a:ext cx="4079632" cy="461665"/>
+            <a:off x="5880921" y="3653966"/>
+            <a:ext cx="1793787" cy="410034"/>
           </a:xfrm>
           <a:prstGeom prst="rect">
             <a:avLst/>
           </a:prstGeom>
-          <a:noFill/>
+          <a:solidFill>
+            <a:srgbClr val="FFFF00"/>
+          </a:solidFill>
+          <a:ln>
+            <a:solidFill>
+              <a:schemeClr val="tx1"/>
+            </a:solidFill>
+          </a:ln>
         </p:spPr>
         <p:txBody>
           <a:bodyPr wrap="square" rtlCol="0">
-            <a:spAutoFit/>
+            <a:noAutofit/>
           </a:bodyPr>
           <a:lstStyle/>
           <a:p>
             <a:r>
-              <a:rPr lang="en-US" altLang="ja-JP" sz="2400" dirty="0">
-                <a:solidFill>
-                  <a:srgbClr val="000000"/>
-                </a:solidFill>
-                <a:effectLst/>
-                <a:latin typeface="Times New Roman" panose="02020603050405020304" pitchFamily="18" charset="0"/>
-                <a:cs typeface="Times New Roman" panose="02020603050405020304" pitchFamily="18" charset="0"/>
+              <a:rPr lang="en-US" altLang="ja-JP" sz="726" dirty="0">
+                <a:latin typeface="Arial" panose="020B0604020202020204" pitchFamily="34" charset="0"/>
+                <a:cs typeface="Arial" panose="020B0604020202020204" pitchFamily="34" charset="0"/>
               </a:rPr>
-              <a:t>pumpingSystem_ex03</a:t>
-            </a:r>
-            <a:endParaRPr kumimoji="1" lang="ja-JP" altLang="en-US" sz="2400" dirty="0">
-              <a:latin typeface="Times New Roman" panose="02020603050405020304" pitchFamily="18" charset="0"/>
-              <a:cs typeface="Times New Roman" panose="02020603050405020304" pitchFamily="18" charset="0"/>
-            </a:endParaRPr>
-          </a:p>
-        </p:txBody>
-      </p:sp>
+              <a:t>Output: </a:t>
+            </a:r>
+          </a:p>
+          <a:p>
+            <a:r>
+              <a:rPr lang="en-US" altLang="ja-JP" sz="726" dirty="0">
+                <a:latin typeface="Arial" panose="020B0604020202020204" pitchFamily="34" charset="0"/>
+                <a:cs typeface="Arial" panose="020B0604020202020204" pitchFamily="34" charset="0"/>
+              </a:rPr>
+              <a:t> pump discharge pressure. </a:t>
+            </a:r>
+          </a:p>
+        </p:txBody>
+      </p:sp>
+      <p:cxnSp>
+        <p:nvCxnSpPr>
+          <p:cNvPr id="5" name="直線矢印コネクタ 4">
+            <a:extLst>
+              <a:ext uri="{FF2B5EF4-FFF2-40B4-BE49-F238E27FC236}">
+                <a16:creationId xmlns:a16="http://schemas.microsoft.com/office/drawing/2014/main" id="{DF36E8F1-2087-4BE5-8449-36D6BFA5051F}"/>
+              </a:ext>
+            </a:extLst>
+          </p:cNvPr>
+          <p:cNvCxnSpPr>
+            <a:cxnSpLocks/>
+            <a:stCxn id="4" idx="0"/>
+          </p:cNvCxnSpPr>
+          <p:nvPr/>
+        </p:nvCxnSpPr>
+        <p:spPr>
+          <a:xfrm flipH="1" flipV="1">
+            <a:off x="5541109" y="2996360"/>
+            <a:ext cx="1236706" cy="657606"/>
+          </a:xfrm>
+          <a:prstGeom prst="straightConnector1">
+            <a:avLst/>
+          </a:prstGeom>
+          <a:ln w="12700">
+            <a:solidFill>
+              <a:schemeClr val="tx1"/>
+            </a:solidFill>
+            <a:tailEnd type="oval"/>
+          </a:ln>
+        </p:spPr>
+        <p:style>
+          <a:lnRef idx="1">
+            <a:schemeClr val="accent1"/>
+          </a:lnRef>
+          <a:fillRef idx="0">
+            <a:schemeClr val="accent1"/>
+          </a:fillRef>
+          <a:effectRef idx="0">
+            <a:schemeClr val="accent1"/>
+          </a:effectRef>
+          <a:fontRef idx="minor">
+            <a:schemeClr val="tx1"/>
+          </a:fontRef>
+        </p:style>
+      </p:cxnSp>
     </p:spTree>
     <p:extLst>
       <p:ext uri="{BB962C8B-B14F-4D97-AF65-F5344CB8AC3E}">
-        <p14:creationId xmlns:p14="http://schemas.microsoft.com/office/powerpoint/2010/main" val="1816954010"/>
+        <p14:creationId xmlns:p14="http://schemas.microsoft.com/office/powerpoint/2010/main" val="1415553495"/>
       </p:ext>
     </p:extLst>
   </p:cSld>
@@ -3968,7 +4198,7 @@
           <p:cNvPr id="3" name="図 2">
             <a:extLst>
               <a:ext uri="{FF2B5EF4-FFF2-40B4-BE49-F238E27FC236}">
-                <a16:creationId xmlns:a16="http://schemas.microsoft.com/office/drawing/2014/main" id="{32D34272-BA97-4DCD-8AE9-32A0849B8DE5}"/>
+                <a16:creationId xmlns:a16="http://schemas.microsoft.com/office/drawing/2014/main" id="{5062FAD6-9806-4931-A987-BA4A99AE7E20}"/>
               </a:ext>
             </a:extLst>
           </p:cNvPr>
@@ -3985,18 +4215,117 @@
         </p:blipFill>
         <p:spPr>
           <a:xfrm>
-            <a:off x="2012782" y="0"/>
-            <a:ext cx="8166435" cy="6858000"/>
+            <a:off x="2339676" y="312617"/>
+            <a:ext cx="7200000" cy="5953279"/>
           </a:xfrm>
           <a:prstGeom prst="rect">
             <a:avLst/>
           </a:prstGeom>
         </p:spPr>
       </p:pic>
+      <p:sp>
+        <p:nvSpPr>
+          <p:cNvPr id="4" name="テキスト ボックス 3">
+            <a:extLst>
+              <a:ext uri="{FF2B5EF4-FFF2-40B4-BE49-F238E27FC236}">
+                <a16:creationId xmlns:a16="http://schemas.microsoft.com/office/drawing/2014/main" id="{F469F08B-5F48-4326-B87C-AFD39A008171}"/>
+              </a:ext>
+            </a:extLst>
+          </p:cNvPr>
+          <p:cNvSpPr txBox="1"/>
+          <p:nvPr/>
+        </p:nvSpPr>
+        <p:spPr>
+          <a:xfrm>
+            <a:off x="5880921" y="3653966"/>
+            <a:ext cx="1958606" cy="503819"/>
+          </a:xfrm>
+          <a:prstGeom prst="rect">
+            <a:avLst/>
+          </a:prstGeom>
+          <a:solidFill>
+            <a:srgbClr val="FFFF00"/>
+          </a:solidFill>
+          <a:ln>
+            <a:solidFill>
+              <a:schemeClr val="tx1"/>
+            </a:solidFill>
+          </a:ln>
+        </p:spPr>
+        <p:txBody>
+          <a:bodyPr wrap="square" rtlCol="0">
+            <a:noAutofit/>
+          </a:bodyPr>
+          <a:lstStyle/>
+          <a:p>
+            <a:r>
+              <a:rPr lang="en-US" altLang="ja-JP" sz="726" dirty="0">
+                <a:latin typeface="Arial" panose="020B0604020202020204" pitchFamily="34" charset="0"/>
+                <a:cs typeface="Arial" panose="020B0604020202020204" pitchFamily="34" charset="0"/>
+              </a:rPr>
+              <a:t>Output: </a:t>
+            </a:r>
+          </a:p>
+          <a:p>
+            <a:r>
+              <a:rPr lang="en-US" altLang="ja-JP" sz="726" dirty="0">
+                <a:latin typeface="Arial" panose="020B0604020202020204" pitchFamily="34" charset="0"/>
+                <a:cs typeface="Arial" panose="020B0604020202020204" pitchFamily="34" charset="0"/>
+              </a:rPr>
+              <a:t>Pump’s volumetric flow rate vs. mechanical rotation speed. </a:t>
+            </a:r>
+          </a:p>
+        </p:txBody>
+      </p:sp>
+      <p:cxnSp>
+        <p:nvCxnSpPr>
+          <p:cNvPr id="5" name="直線矢印コネクタ 4">
+            <a:extLst>
+              <a:ext uri="{FF2B5EF4-FFF2-40B4-BE49-F238E27FC236}">
+                <a16:creationId xmlns:a16="http://schemas.microsoft.com/office/drawing/2014/main" id="{E54D1A40-5CC9-48BB-908A-E7534FBA6F65}"/>
+              </a:ext>
+            </a:extLst>
+          </p:cNvPr>
+          <p:cNvCxnSpPr>
+            <a:cxnSpLocks/>
+            <a:stCxn id="4" idx="0"/>
+          </p:cNvCxnSpPr>
+          <p:nvPr/>
+        </p:nvCxnSpPr>
+        <p:spPr>
+          <a:xfrm flipH="1" flipV="1">
+            <a:off x="5541108" y="2996360"/>
+            <a:ext cx="1319116" cy="657606"/>
+          </a:xfrm>
+          <a:prstGeom prst="straightConnector1">
+            <a:avLst/>
+          </a:prstGeom>
+          <a:ln w="12700">
+            <a:solidFill>
+              <a:schemeClr val="tx1"/>
+            </a:solidFill>
+            <a:tailEnd type="oval"/>
+          </a:ln>
+        </p:spPr>
+        <p:style>
+          <a:lnRef idx="1">
+            <a:schemeClr val="accent1"/>
+          </a:lnRef>
+          <a:fillRef idx="0">
+            <a:schemeClr val="accent1"/>
+          </a:fillRef>
+          <a:effectRef idx="0">
+            <a:schemeClr val="accent1"/>
+          </a:effectRef>
+          <a:fontRef idx="minor">
+            <a:schemeClr val="tx1"/>
+          </a:fontRef>
+        </p:style>
+      </p:cxnSp>
     </p:spTree>
     <p:extLst>
       <p:ext uri="{BB962C8B-B14F-4D97-AF65-F5344CB8AC3E}">
-        <p14:creationId xmlns:p14="http://schemas.microsoft.com/office/powerpoint/2010/main" val="3694756281"/>
+        <p14:creationId xmlns:p14="http://schemas.microsoft.com/office/powerpoint/2010/main" val="2145396475"/>
       </p:ext>
     </p:extLst>
   </p:cSld>
@@ -4025,10 +4354,10 @@
       </p:grpSpPr>
       <p:pic>
         <p:nvPicPr>
-          <p:cNvPr id="5" name="図 4">
-            <a:extLst>
-              <a:ext uri="{FF2B5EF4-FFF2-40B4-BE49-F238E27FC236}">
-                <a16:creationId xmlns:a16="http://schemas.microsoft.com/office/drawing/2014/main" id="{1861CB12-90A6-42DE-A22D-8963E3B6B5F0}"/>
+          <p:cNvPr id="7" name="図 6">
+            <a:extLst>
+              <a:ext uri="{FF2B5EF4-FFF2-40B4-BE49-F238E27FC236}">
+                <a16:creationId xmlns:a16="http://schemas.microsoft.com/office/drawing/2014/main" id="{03D31450-F6D0-433D-A663-37C0CC25ED04}"/>
               </a:ext>
             </a:extLst>
           </p:cNvPr>
@@ -4045,8 +4374,8 @@
         </p:blipFill>
         <p:spPr>
           <a:xfrm>
-            <a:off x="1985486" y="0"/>
-            <a:ext cx="8221027" cy="6858000"/>
+            <a:off x="2087095" y="390769"/>
+            <a:ext cx="7200000" cy="5938524"/>
           </a:xfrm>
           <a:prstGeom prst="rect">
             <a:avLst/>
@@ -4055,10 +4384,10 @@
       </p:pic>
       <p:sp>
         <p:nvSpPr>
-          <p:cNvPr id="3" name="テキスト ボックス 2">
-            <a:extLst>
-              <a:ext uri="{FF2B5EF4-FFF2-40B4-BE49-F238E27FC236}">
-                <a16:creationId xmlns:a16="http://schemas.microsoft.com/office/drawing/2014/main" id="{24ADC03F-BFEC-4049-9726-538FCD7B5E67}"/>
+          <p:cNvPr id="4" name="テキスト ボックス 3">
+            <a:extLst>
+              <a:ext uri="{FF2B5EF4-FFF2-40B4-BE49-F238E27FC236}">
+                <a16:creationId xmlns:a16="http://schemas.microsoft.com/office/drawing/2014/main" id="{193DBA5B-7DFA-4C01-ADF9-301D1F62C15D}"/>
               </a:ext>
             </a:extLst>
           </p:cNvPr>
@@ -4067,42 +4396,288 @@
         </p:nvSpPr>
         <p:spPr>
           <a:xfrm>
-            <a:off x="78153" y="0"/>
-            <a:ext cx="4079632" cy="461665"/>
+            <a:off x="5919996" y="3653966"/>
+            <a:ext cx="1958606" cy="472557"/>
           </a:xfrm>
           <a:prstGeom prst="rect">
             <a:avLst/>
           </a:prstGeom>
-          <a:noFill/>
+          <a:solidFill>
+            <a:srgbClr val="FFFF00"/>
+          </a:solidFill>
+          <a:ln>
+            <a:solidFill>
+              <a:schemeClr val="tx1"/>
+            </a:solidFill>
+          </a:ln>
         </p:spPr>
         <p:txBody>
           <a:bodyPr wrap="square" rtlCol="0">
-            <a:spAutoFit/>
+            <a:noAutofit/>
           </a:bodyPr>
           <a:lstStyle/>
           <a:p>
             <a:r>
-              <a:rPr lang="en-US" altLang="ja-JP" sz="2400" dirty="0">
-                <a:solidFill>
-                  <a:srgbClr val="000000"/>
-                </a:solidFill>
-                <a:effectLst/>
-                <a:latin typeface="Times New Roman" panose="02020603050405020304" pitchFamily="18" charset="0"/>
-                <a:cs typeface="Times New Roman" panose="02020603050405020304" pitchFamily="18" charset="0"/>
+              <a:rPr lang="en-US" altLang="ja-JP" sz="726" dirty="0">
+                <a:latin typeface="Arial" panose="020B0604020202020204" pitchFamily="34" charset="0"/>
+                <a:cs typeface="Arial" panose="020B0604020202020204" pitchFamily="34" charset="0"/>
               </a:rPr>
-              <a:t>PumpAsTurbine_ex01</a:t>
-            </a:r>
-            <a:endParaRPr kumimoji="1" lang="ja-JP" altLang="en-US" sz="2400" dirty="0">
-              <a:latin typeface="Times New Roman" panose="02020603050405020304" pitchFamily="18" charset="0"/>
-              <a:cs typeface="Times New Roman" panose="02020603050405020304" pitchFamily="18" charset="0"/>
+              <a:t>Output: </a:t>
+            </a:r>
+          </a:p>
+          <a:p>
+            <a:r>
+              <a:rPr lang="en-US" altLang="ja-JP" sz="726" dirty="0">
+                <a:latin typeface="Arial" panose="020B0604020202020204" pitchFamily="34" charset="0"/>
+                <a:cs typeface="Arial" panose="020B0604020202020204" pitchFamily="34" charset="0"/>
+              </a:rPr>
+              <a:t>-. (</a:t>
+            </a:r>
+            <a:r>
+              <a:rPr lang="en-US" altLang="ja-JP" sz="726" dirty="0" err="1">
+                <a:latin typeface="Arial" panose="020B0604020202020204" pitchFamily="34" charset="0"/>
+                <a:cs typeface="Arial" panose="020B0604020202020204" pitchFamily="34" charset="0"/>
+              </a:rPr>
+              <a:t>pump.V_flow</a:t>
+            </a:r>
+            <a:r>
+              <a:rPr lang="en-US" altLang="ja-JP" sz="726" dirty="0">
+                <a:latin typeface="Arial" panose="020B0604020202020204" pitchFamily="34" charset="0"/>
+                <a:cs typeface="Arial" panose="020B0604020202020204" pitchFamily="34" charset="0"/>
+              </a:rPr>
+              <a:t>)*</a:t>
+            </a:r>
+            <a:r>
+              <a:rPr lang="en-US" altLang="ja-JP" sz="726" dirty="0" err="1">
+                <a:latin typeface="Arial" panose="020B0604020202020204" pitchFamily="34" charset="0"/>
+                <a:cs typeface="Arial" panose="020B0604020202020204" pitchFamily="34" charset="0"/>
+              </a:rPr>
+              <a:t>dP</a:t>
+            </a:r>
+            <a:r>
+              <a:rPr lang="en-US" altLang="ja-JP" sz="726" dirty="0">
+                <a:latin typeface="Arial" panose="020B0604020202020204" pitchFamily="34" charset="0"/>
+                <a:cs typeface="Arial" panose="020B0604020202020204" pitchFamily="34" charset="0"/>
+              </a:rPr>
+              <a:t> </a:t>
+            </a:r>
+          </a:p>
+          <a:p>
+            <a:r>
+              <a:rPr lang="en-US" altLang="ja-JP" sz="726" dirty="0">
+                <a:latin typeface="Arial" panose="020B0604020202020204" pitchFamily="34" charset="0"/>
+                <a:cs typeface="Arial" panose="020B0604020202020204" pitchFamily="34" charset="0"/>
+              </a:rPr>
+              <a:t>-. Increase in “flow power”</a:t>
+            </a:r>
+          </a:p>
+        </p:txBody>
+      </p:sp>
+      <p:cxnSp>
+        <p:nvCxnSpPr>
+          <p:cNvPr id="5" name="直線矢印コネクタ 4">
+            <a:extLst>
+              <a:ext uri="{FF2B5EF4-FFF2-40B4-BE49-F238E27FC236}">
+                <a16:creationId xmlns:a16="http://schemas.microsoft.com/office/drawing/2014/main" id="{3DEA03F3-F025-4402-AA40-F83E47CC2D29}"/>
+              </a:ext>
+            </a:extLst>
+          </p:cNvPr>
+          <p:cNvCxnSpPr>
+            <a:cxnSpLocks/>
+            <a:stCxn id="4" idx="0"/>
+          </p:cNvCxnSpPr>
+          <p:nvPr/>
+        </p:nvCxnSpPr>
+        <p:spPr>
+          <a:xfrm flipH="1" flipV="1">
+            <a:off x="5580183" y="2996360"/>
+            <a:ext cx="1319116" cy="657606"/>
+          </a:xfrm>
+          <a:prstGeom prst="straightConnector1">
+            <a:avLst/>
+          </a:prstGeom>
+          <a:ln w="12700">
+            <a:solidFill>
+              <a:schemeClr val="tx1"/>
+            </a:solidFill>
+            <a:tailEnd type="oval"/>
+          </a:ln>
+        </p:spPr>
+        <p:style>
+          <a:lnRef idx="1">
+            <a:schemeClr val="accent1"/>
+          </a:lnRef>
+          <a:fillRef idx="0">
+            <a:schemeClr val="accent1"/>
+          </a:fillRef>
+          <a:effectRef idx="0">
+            <a:schemeClr val="accent1"/>
+          </a:effectRef>
+          <a:fontRef idx="minor">
+            <a:schemeClr val="tx1"/>
+          </a:fontRef>
+        </p:style>
+      </p:cxnSp>
+      <p:sp>
+        <p:nvSpPr>
+          <p:cNvPr id="9" name="テキスト ボックス 8">
+            <a:extLst>
+              <a:ext uri="{FF2B5EF4-FFF2-40B4-BE49-F238E27FC236}">
+                <a16:creationId xmlns:a16="http://schemas.microsoft.com/office/drawing/2014/main" id="{54F4D325-B887-4578-B3A6-159D47205E94}"/>
+              </a:ext>
+            </a:extLst>
+          </p:cNvPr>
+          <p:cNvSpPr txBox="1"/>
+          <p:nvPr/>
+        </p:nvSpPr>
+        <p:spPr>
+          <a:xfrm>
+            <a:off x="3053397" y="1352334"/>
+            <a:ext cx="1958606" cy="554619"/>
+          </a:xfrm>
+          <a:prstGeom prst="rect">
+            <a:avLst/>
+          </a:prstGeom>
+          <a:solidFill>
+            <a:srgbClr val="FFFF00"/>
+          </a:solidFill>
+          <a:ln>
+            <a:solidFill>
+              <a:schemeClr val="tx1"/>
+            </a:solidFill>
+          </a:ln>
+        </p:spPr>
+        <p:txBody>
+          <a:bodyPr wrap="square" rtlCol="0">
+            <a:noAutofit/>
+          </a:bodyPr>
+          <a:lstStyle/>
+          <a:p>
+            <a:r>
+              <a:rPr lang="en-US" altLang="ja-JP" sz="726" dirty="0">
+                <a:latin typeface="Arial" panose="020B0604020202020204" pitchFamily="34" charset="0"/>
+                <a:cs typeface="Arial" panose="020B0604020202020204" pitchFamily="34" charset="0"/>
+              </a:rPr>
+              <a:t>Output: </a:t>
+            </a:r>
+          </a:p>
+          <a:p>
+            <a:r>
+              <a:rPr lang="en-US" altLang="ja-JP" sz="726" dirty="0">
+                <a:latin typeface="Arial" panose="020B0604020202020204" pitchFamily="34" charset="0"/>
+                <a:cs typeface="Arial" panose="020B0604020202020204" pitchFamily="34" charset="0"/>
+              </a:rPr>
+              <a:t>-. Mechanical power consumed by pump.</a:t>
+            </a:r>
+          </a:p>
+          <a:p>
+            <a:r>
+              <a:rPr lang="en-US" altLang="ja-JP" sz="726" dirty="0">
+                <a:latin typeface="Arial" panose="020B0604020202020204" pitchFamily="34" charset="0"/>
+                <a:cs typeface="Arial" panose="020B0604020202020204" pitchFamily="34" charset="0"/>
+              </a:rPr>
+              <a:t>-. (</a:t>
+            </a:r>
+            <a:r>
+              <a:rPr lang="en-US" altLang="ja-JP" sz="726" dirty="0" err="1">
+                <a:latin typeface="Arial" panose="020B0604020202020204" pitchFamily="34" charset="0"/>
+                <a:cs typeface="Arial" panose="020B0604020202020204" pitchFamily="34" charset="0"/>
+              </a:rPr>
+              <a:t>pump.V_flow</a:t>
+            </a:r>
+            <a:r>
+              <a:rPr lang="en-US" altLang="ja-JP" sz="726" dirty="0">
+                <a:latin typeface="Arial" panose="020B0604020202020204" pitchFamily="34" charset="0"/>
+                <a:cs typeface="Arial" panose="020B0604020202020204" pitchFamily="34" charset="0"/>
+              </a:rPr>
+              <a:t>)*</a:t>
+            </a:r>
+            <a:r>
+              <a:rPr lang="en-US" altLang="ja-JP" sz="726" dirty="0" err="1">
+                <a:latin typeface="Arial" panose="020B0604020202020204" pitchFamily="34" charset="0"/>
+                <a:cs typeface="Arial" panose="020B0604020202020204" pitchFamily="34" charset="0"/>
+              </a:rPr>
+              <a:t>dP</a:t>
+            </a:r>
+            <a:r>
+              <a:rPr lang="en-US" altLang="ja-JP" sz="726" dirty="0">
+                <a:latin typeface="Arial" panose="020B0604020202020204" pitchFamily="34" charset="0"/>
+                <a:cs typeface="Arial" panose="020B0604020202020204" pitchFamily="34" charset="0"/>
+              </a:rPr>
+              <a:t> / </a:t>
+            </a:r>
+            <a:r>
+              <a:rPr lang="en-US" altLang="ja-JP" sz="726" dirty="0" err="1">
+                <a:latin typeface="Arial" panose="020B0604020202020204" pitchFamily="34" charset="0"/>
+                <a:cs typeface="Arial" panose="020B0604020202020204" pitchFamily="34" charset="0"/>
+              </a:rPr>
+              <a:t>pump.eta</a:t>
+            </a:r>
+            <a:endParaRPr lang="en-US" altLang="ja-JP" sz="726" dirty="0">
+              <a:latin typeface="Arial" panose="020B0604020202020204" pitchFamily="34" charset="0"/>
+              <a:cs typeface="Arial" panose="020B0604020202020204" pitchFamily="34" charset="0"/>
             </a:endParaRPr>
           </a:p>
-        </p:txBody>
-      </p:sp>
+          <a:p>
+            <a:r>
+              <a:rPr lang="en-US" altLang="ja-JP" sz="726" dirty="0">
+                <a:latin typeface="Arial" panose="020B0604020202020204" pitchFamily="34" charset="0"/>
+                <a:cs typeface="Arial" panose="020B0604020202020204" pitchFamily="34" charset="0"/>
+              </a:rPr>
+              <a:t>-. 2 variables are equal.</a:t>
+            </a:r>
+          </a:p>
+        </p:txBody>
+      </p:sp>
+      <p:cxnSp>
+        <p:nvCxnSpPr>
+          <p:cNvPr id="10" name="直線矢印コネクタ 9">
+            <a:extLst>
+              <a:ext uri="{FF2B5EF4-FFF2-40B4-BE49-F238E27FC236}">
+                <a16:creationId xmlns:a16="http://schemas.microsoft.com/office/drawing/2014/main" id="{EEE66A67-3B66-489B-904A-5D83F6C88305}"/>
+              </a:ext>
+            </a:extLst>
+          </p:cNvPr>
+          <p:cNvCxnSpPr>
+            <a:cxnSpLocks/>
+            <a:stCxn id="9" idx="2"/>
+          </p:cNvCxnSpPr>
+          <p:nvPr/>
+        </p:nvCxnSpPr>
+        <p:spPr>
+          <a:xfrm>
+            <a:off x="4032700" y="1906953"/>
+            <a:ext cx="1430254" cy="672124"/>
+          </a:xfrm>
+          <a:prstGeom prst="straightConnector1">
+            <a:avLst/>
+          </a:prstGeom>
+          <a:ln w="12700">
+            <a:solidFill>
+              <a:schemeClr val="tx1"/>
+            </a:solidFill>
+            <a:tailEnd type="oval"/>
+          </a:ln>
+        </p:spPr>
+        <p:style>
+          <a:lnRef idx="1">
+            <a:schemeClr val="accent1"/>
+          </a:lnRef>
+          <a:fillRef idx="0">
+            <a:schemeClr val="accent1"/>
+          </a:fillRef>
+          <a:effectRef idx="0">
+            <a:schemeClr val="accent1"/>
+          </a:effectRef>
+          <a:fontRef idx="minor">
+            <a:schemeClr val="tx1"/>
+          </a:fontRef>
+        </p:style>
+      </p:cxnSp>
     </p:spTree>
     <p:extLst>
       <p:ext uri="{BB962C8B-B14F-4D97-AF65-F5344CB8AC3E}">
-        <p14:creationId xmlns:p14="http://schemas.microsoft.com/office/powerpoint/2010/main" val="3258820415"/>
+        <p14:creationId xmlns:p14="http://schemas.microsoft.com/office/powerpoint/2010/main" val="1756224762"/>
       </p:ext>
     </p:extLst>
   </p:cSld>
@@ -4134,7 +4709,7 @@
           <p:cNvPr id="3" name="図 2">
             <a:extLst>
               <a:ext uri="{FF2B5EF4-FFF2-40B4-BE49-F238E27FC236}">
-                <a16:creationId xmlns:a16="http://schemas.microsoft.com/office/drawing/2014/main" id="{2848B27E-D4AC-4CD0-81CF-025BAB9F3594}"/>
+                <a16:creationId xmlns:a16="http://schemas.microsoft.com/office/drawing/2014/main" id="{2BE978F4-586D-475D-B704-968E807F853A}"/>
               </a:ext>
             </a:extLst>
           </p:cNvPr>
@@ -4151,18 +4726,117 @@
         </p:blipFill>
         <p:spPr>
           <a:xfrm>
-            <a:off x="1985486" y="0"/>
-            <a:ext cx="8221027" cy="6858000"/>
+            <a:off x="2153882" y="296984"/>
+            <a:ext cx="7200000" cy="5955828"/>
           </a:xfrm>
           <a:prstGeom prst="rect">
             <a:avLst/>
           </a:prstGeom>
         </p:spPr>
       </p:pic>
+      <p:sp>
+        <p:nvSpPr>
+          <p:cNvPr id="4" name="テキスト ボックス 3">
+            <a:extLst>
+              <a:ext uri="{FF2B5EF4-FFF2-40B4-BE49-F238E27FC236}">
+                <a16:creationId xmlns:a16="http://schemas.microsoft.com/office/drawing/2014/main" id="{E1764FBC-F0DE-408B-948F-FB08C41F07B5}"/>
+              </a:ext>
+            </a:extLst>
+          </p:cNvPr>
+          <p:cNvSpPr txBox="1"/>
+          <p:nvPr/>
+        </p:nvSpPr>
+        <p:spPr>
+          <a:xfrm>
+            <a:off x="6435813" y="4505843"/>
+            <a:ext cx="1958606" cy="462788"/>
+          </a:xfrm>
+          <a:prstGeom prst="rect">
+            <a:avLst/>
+          </a:prstGeom>
+          <a:solidFill>
+            <a:srgbClr val="FFFF00"/>
+          </a:solidFill>
+          <a:ln>
+            <a:solidFill>
+              <a:schemeClr val="tx1"/>
+            </a:solidFill>
+          </a:ln>
+        </p:spPr>
+        <p:txBody>
+          <a:bodyPr wrap="square" rtlCol="0">
+            <a:noAutofit/>
+          </a:bodyPr>
+          <a:lstStyle/>
+          <a:p>
+            <a:r>
+              <a:rPr lang="en-US" altLang="ja-JP" sz="726" dirty="0">
+                <a:latin typeface="Arial" panose="020B0604020202020204" pitchFamily="34" charset="0"/>
+                <a:cs typeface="Arial" panose="020B0604020202020204" pitchFamily="34" charset="0"/>
+              </a:rPr>
+              <a:t>Output: </a:t>
+            </a:r>
+          </a:p>
+          <a:p>
+            <a:r>
+              <a:rPr lang="en-US" altLang="ja-JP" sz="726" dirty="0">
+                <a:latin typeface="Arial" panose="020B0604020202020204" pitchFamily="34" charset="0"/>
+                <a:cs typeface="Arial" panose="020B0604020202020204" pitchFamily="34" charset="0"/>
+              </a:rPr>
+              <a:t> mechanical power consumption of pump vs. mechanical rotation speed.</a:t>
+            </a:r>
+          </a:p>
+        </p:txBody>
+      </p:sp>
+      <p:cxnSp>
+        <p:nvCxnSpPr>
+          <p:cNvPr id="5" name="直線矢印コネクタ 4">
+            <a:extLst>
+              <a:ext uri="{FF2B5EF4-FFF2-40B4-BE49-F238E27FC236}">
+                <a16:creationId xmlns:a16="http://schemas.microsoft.com/office/drawing/2014/main" id="{84091E39-0270-4BCC-8230-3AC2404CB003}"/>
+              </a:ext>
+            </a:extLst>
+          </p:cNvPr>
+          <p:cNvCxnSpPr>
+            <a:cxnSpLocks/>
+            <a:stCxn id="4" idx="0"/>
+          </p:cNvCxnSpPr>
+          <p:nvPr/>
+        </p:nvCxnSpPr>
+        <p:spPr>
+          <a:xfrm flipH="1" flipV="1">
+            <a:off x="6096000" y="3848237"/>
+            <a:ext cx="1319116" cy="657606"/>
+          </a:xfrm>
+          <a:prstGeom prst="straightConnector1">
+            <a:avLst/>
+          </a:prstGeom>
+          <a:ln w="12700">
+            <a:solidFill>
+              <a:schemeClr val="tx1"/>
+            </a:solidFill>
+            <a:tailEnd type="oval"/>
+          </a:ln>
+        </p:spPr>
+        <p:style>
+          <a:lnRef idx="1">
+            <a:schemeClr val="accent1"/>
+          </a:lnRef>
+          <a:fillRef idx="0">
+            <a:schemeClr val="accent1"/>
+          </a:fillRef>
+          <a:effectRef idx="0">
+            <a:schemeClr val="accent1"/>
+          </a:effectRef>
+          <a:fontRef idx="minor">
+            <a:schemeClr val="tx1"/>
+          </a:fontRef>
+        </p:style>
+      </p:cxnSp>
     </p:spTree>
     <p:extLst>
       <p:ext uri="{BB962C8B-B14F-4D97-AF65-F5344CB8AC3E}">
-        <p14:creationId xmlns:p14="http://schemas.microsoft.com/office/powerpoint/2010/main" val="2043835998"/>
+        <p14:creationId xmlns:p14="http://schemas.microsoft.com/office/powerpoint/2010/main" val="4070988130"/>
       </p:ext>
     </p:extLst>
   </p:cSld>
@@ -4191,10 +4865,10 @@
       </p:grpSpPr>
       <p:pic>
         <p:nvPicPr>
-          <p:cNvPr id="5" name="図 4">
-            <a:extLst>
-              <a:ext uri="{FF2B5EF4-FFF2-40B4-BE49-F238E27FC236}">
-                <a16:creationId xmlns:a16="http://schemas.microsoft.com/office/drawing/2014/main" id="{F40256F8-9584-41E5-ACD5-AA57ECDBCBBC}"/>
+          <p:cNvPr id="3" name="図 2">
+            <a:extLst>
+              <a:ext uri="{FF2B5EF4-FFF2-40B4-BE49-F238E27FC236}">
+                <a16:creationId xmlns:a16="http://schemas.microsoft.com/office/drawing/2014/main" id="{54507FFA-AEFE-4C50-B8FE-5D35D2BD6152}"/>
               </a:ext>
             </a:extLst>
           </p:cNvPr>
@@ -4211,8 +4885,8 @@
         </p:blipFill>
         <p:spPr>
           <a:xfrm>
-            <a:off x="2039639" y="0"/>
-            <a:ext cx="8112722" cy="6858000"/>
+            <a:off x="2468479" y="0"/>
+            <a:ext cx="7255042" cy="6858000"/>
           </a:xfrm>
           <a:prstGeom prst="rect">
             <a:avLst/>
@@ -4221,10 +4895,10 @@
       </p:pic>
       <p:sp>
         <p:nvSpPr>
-          <p:cNvPr id="3" name="テキスト ボックス 2">
-            <a:extLst>
-              <a:ext uri="{FF2B5EF4-FFF2-40B4-BE49-F238E27FC236}">
-                <a16:creationId xmlns:a16="http://schemas.microsoft.com/office/drawing/2014/main" id="{ABC8D612-4C8F-40D2-9EE2-D80AEAE98A25}"/>
+          <p:cNvPr id="5" name="テキスト ボックス 4">
+            <a:extLst>
+              <a:ext uri="{FF2B5EF4-FFF2-40B4-BE49-F238E27FC236}">
+                <a16:creationId xmlns:a16="http://schemas.microsoft.com/office/drawing/2014/main" id="{10C95F8E-27E6-4FA4-9097-5CD1B71BC8C0}"/>
               </a:ext>
             </a:extLst>
           </p:cNvPr>
@@ -4256,7 +4930,7 @@
                 <a:latin typeface="Times New Roman" panose="02020603050405020304" pitchFamily="18" charset="0"/>
                 <a:cs typeface="Times New Roman" panose="02020603050405020304" pitchFamily="18" charset="0"/>
               </a:rPr>
-              <a:t>PumpAsTurbine_ex02</a:t>
+              <a:t>pumpingSystem_ex02</a:t>
             </a:r>
             <a:endParaRPr kumimoji="1" lang="ja-JP" altLang="en-US" sz="2400" dirty="0">
               <a:latin typeface="Times New Roman" panose="02020603050405020304" pitchFamily="18" charset="0"/>
@@ -4268,7 +4942,7 @@
     </p:spTree>
     <p:extLst>
       <p:ext uri="{BB962C8B-B14F-4D97-AF65-F5344CB8AC3E}">
-        <p14:creationId xmlns:p14="http://schemas.microsoft.com/office/powerpoint/2010/main" val="547396864"/>
+        <p14:creationId xmlns:p14="http://schemas.microsoft.com/office/powerpoint/2010/main" val="1047156367"/>
       </p:ext>
     </p:extLst>
   </p:cSld>
@@ -4300,7 +4974,7 @@
           <p:cNvPr id="3" name="図 2">
             <a:extLst>
               <a:ext uri="{FF2B5EF4-FFF2-40B4-BE49-F238E27FC236}">
-                <a16:creationId xmlns:a16="http://schemas.microsoft.com/office/drawing/2014/main" id="{638963D9-2164-4F16-88FB-56F16AFC13F2}"/>
+                <a16:creationId xmlns:a16="http://schemas.microsoft.com/office/drawing/2014/main" id="{2E8E4416-F1CB-443C-9585-680D13105DF2}"/>
               </a:ext>
             </a:extLst>
           </p:cNvPr>
@@ -4317,8 +4991,8 @@
         </p:blipFill>
         <p:spPr>
           <a:xfrm>
-            <a:off x="2039639" y="0"/>
-            <a:ext cx="8112722" cy="6858000"/>
+            <a:off x="2468479" y="0"/>
+            <a:ext cx="7255042" cy="6858000"/>
           </a:xfrm>
           <a:prstGeom prst="rect">
             <a:avLst/>
@@ -4328,7 +5002,7 @@
     </p:spTree>
     <p:extLst>
       <p:ext uri="{BB962C8B-B14F-4D97-AF65-F5344CB8AC3E}">
-        <p14:creationId xmlns:p14="http://schemas.microsoft.com/office/powerpoint/2010/main" val="3437108536"/>
+        <p14:creationId xmlns:p14="http://schemas.microsoft.com/office/powerpoint/2010/main" val="1883206660"/>
       </p:ext>
     </p:extLst>
   </p:cSld>
@@ -4355,10 +5029,86 @@
           <a:chExt cx="0" cy="0"/>
         </a:xfrm>
       </p:grpSpPr>
+      <p:pic>
+        <p:nvPicPr>
+          <p:cNvPr id="3" name="図 2">
+            <a:extLst>
+              <a:ext uri="{FF2B5EF4-FFF2-40B4-BE49-F238E27FC236}">
+                <a16:creationId xmlns:a16="http://schemas.microsoft.com/office/drawing/2014/main" id="{61B8F0D8-5E34-4DC1-B93E-6679D631A3F9}"/>
+              </a:ext>
+            </a:extLst>
+          </p:cNvPr>
+          <p:cNvPicPr>
+            <a:picLocks noChangeAspect="1"/>
+          </p:cNvPicPr>
+          <p:nvPr/>
+        </p:nvPicPr>
+        <p:blipFill>
+          <a:blip r:embed="rId2"/>
+          <a:stretch>
+            <a:fillRect/>
+          </a:stretch>
+        </p:blipFill>
+        <p:spPr>
+          <a:xfrm>
+            <a:off x="2012782" y="0"/>
+            <a:ext cx="8166435" cy="6858000"/>
+          </a:xfrm>
+          <a:prstGeom prst="rect">
+            <a:avLst/>
+          </a:prstGeom>
+        </p:spPr>
+      </p:pic>
+      <p:sp>
+        <p:nvSpPr>
+          <p:cNvPr id="5" name="テキスト ボックス 4">
+            <a:extLst>
+              <a:ext uri="{FF2B5EF4-FFF2-40B4-BE49-F238E27FC236}">
+                <a16:creationId xmlns:a16="http://schemas.microsoft.com/office/drawing/2014/main" id="{1677C04D-C665-45AD-879E-63BB3E2A5148}"/>
+              </a:ext>
+            </a:extLst>
+          </p:cNvPr>
+          <p:cNvSpPr txBox="1"/>
+          <p:nvPr/>
+        </p:nvSpPr>
+        <p:spPr>
+          <a:xfrm>
+            <a:off x="78153" y="0"/>
+            <a:ext cx="4079632" cy="461665"/>
+          </a:xfrm>
+          <a:prstGeom prst="rect">
+            <a:avLst/>
+          </a:prstGeom>
+          <a:noFill/>
+        </p:spPr>
+        <p:txBody>
+          <a:bodyPr wrap="square" rtlCol="0">
+            <a:spAutoFit/>
+          </a:bodyPr>
+          <a:lstStyle/>
+          <a:p>
+            <a:r>
+              <a:rPr lang="en-US" altLang="ja-JP" sz="2400" dirty="0">
+                <a:solidFill>
+                  <a:srgbClr val="000000"/>
+                </a:solidFill>
+                <a:effectLst/>
+                <a:latin typeface="Times New Roman" panose="02020603050405020304" pitchFamily="18" charset="0"/>
+                <a:cs typeface="Times New Roman" panose="02020603050405020304" pitchFamily="18" charset="0"/>
+              </a:rPr>
+              <a:t>pumpingSystem_ex03</a:t>
+            </a:r>
+            <a:endParaRPr kumimoji="1" lang="ja-JP" altLang="en-US" sz="2400" dirty="0">
+              <a:latin typeface="Times New Roman" panose="02020603050405020304" pitchFamily="18" charset="0"/>
+              <a:cs typeface="Times New Roman" panose="02020603050405020304" pitchFamily="18" charset="0"/>
+            </a:endParaRPr>
+          </a:p>
+        </p:txBody>
+      </p:sp>
     </p:spTree>
     <p:extLst>
       <p:ext uri="{BB962C8B-B14F-4D97-AF65-F5344CB8AC3E}">
-        <p14:creationId xmlns:p14="http://schemas.microsoft.com/office/powerpoint/2010/main" val="3534862661"/>
+        <p14:creationId xmlns:p14="http://schemas.microsoft.com/office/powerpoint/2010/main" val="1816954010"/>
       </p:ext>
     </p:extLst>
   </p:cSld>
@@ -4385,10 +5135,40 @@
           <a:chExt cx="0" cy="0"/>
         </a:xfrm>
       </p:grpSpPr>
+      <p:pic>
+        <p:nvPicPr>
+          <p:cNvPr id="3" name="図 2">
+            <a:extLst>
+              <a:ext uri="{FF2B5EF4-FFF2-40B4-BE49-F238E27FC236}">
+                <a16:creationId xmlns:a16="http://schemas.microsoft.com/office/drawing/2014/main" id="{32D34272-BA97-4DCD-8AE9-32A0849B8DE5}"/>
+              </a:ext>
+            </a:extLst>
+          </p:cNvPr>
+          <p:cNvPicPr>
+            <a:picLocks noChangeAspect="1"/>
+          </p:cNvPicPr>
+          <p:nvPr/>
+        </p:nvPicPr>
+        <p:blipFill>
+          <a:blip r:embed="rId2"/>
+          <a:stretch>
+            <a:fillRect/>
+          </a:stretch>
+        </p:blipFill>
+        <p:spPr>
+          <a:xfrm>
+            <a:off x="2012782" y="0"/>
+            <a:ext cx="8166435" cy="6858000"/>
+          </a:xfrm>
+          <a:prstGeom prst="rect">
+            <a:avLst/>
+          </a:prstGeom>
+        </p:spPr>
+      </p:pic>
     </p:spTree>
     <p:extLst>
       <p:ext uri="{BB962C8B-B14F-4D97-AF65-F5344CB8AC3E}">
-        <p14:creationId xmlns:p14="http://schemas.microsoft.com/office/powerpoint/2010/main" val="2075533915"/>
+        <p14:creationId xmlns:p14="http://schemas.microsoft.com/office/powerpoint/2010/main" val="3694756281"/>
       </p:ext>
     </p:extLst>
   </p:cSld>
@@ -4415,10 +5195,86 @@
           <a:chExt cx="0" cy="0"/>
         </a:xfrm>
       </p:grpSpPr>
+      <p:pic>
+        <p:nvPicPr>
+          <p:cNvPr id="5" name="図 4">
+            <a:extLst>
+              <a:ext uri="{FF2B5EF4-FFF2-40B4-BE49-F238E27FC236}">
+                <a16:creationId xmlns:a16="http://schemas.microsoft.com/office/drawing/2014/main" id="{1861CB12-90A6-42DE-A22D-8963E3B6B5F0}"/>
+              </a:ext>
+            </a:extLst>
+          </p:cNvPr>
+          <p:cNvPicPr>
+            <a:picLocks noChangeAspect="1"/>
+          </p:cNvPicPr>
+          <p:nvPr/>
+        </p:nvPicPr>
+        <p:blipFill>
+          <a:blip r:embed="rId2"/>
+          <a:stretch>
+            <a:fillRect/>
+          </a:stretch>
+        </p:blipFill>
+        <p:spPr>
+          <a:xfrm>
+            <a:off x="1985486" y="0"/>
+            <a:ext cx="8221027" cy="6858000"/>
+          </a:xfrm>
+          <a:prstGeom prst="rect">
+            <a:avLst/>
+          </a:prstGeom>
+        </p:spPr>
+      </p:pic>
+      <p:sp>
+        <p:nvSpPr>
+          <p:cNvPr id="3" name="テキスト ボックス 2">
+            <a:extLst>
+              <a:ext uri="{FF2B5EF4-FFF2-40B4-BE49-F238E27FC236}">
+                <a16:creationId xmlns:a16="http://schemas.microsoft.com/office/drawing/2014/main" id="{24ADC03F-BFEC-4049-9726-538FCD7B5E67}"/>
+              </a:ext>
+            </a:extLst>
+          </p:cNvPr>
+          <p:cNvSpPr txBox="1"/>
+          <p:nvPr/>
+        </p:nvSpPr>
+        <p:spPr>
+          <a:xfrm>
+            <a:off x="78153" y="0"/>
+            <a:ext cx="4079632" cy="461665"/>
+          </a:xfrm>
+          <a:prstGeom prst="rect">
+            <a:avLst/>
+          </a:prstGeom>
+          <a:noFill/>
+        </p:spPr>
+        <p:txBody>
+          <a:bodyPr wrap="square" rtlCol="0">
+            <a:spAutoFit/>
+          </a:bodyPr>
+          <a:lstStyle/>
+          <a:p>
+            <a:r>
+              <a:rPr lang="en-US" altLang="ja-JP" sz="2400" dirty="0">
+                <a:solidFill>
+                  <a:srgbClr val="000000"/>
+                </a:solidFill>
+                <a:effectLst/>
+                <a:latin typeface="Times New Roman" panose="02020603050405020304" pitchFamily="18" charset="0"/>
+                <a:cs typeface="Times New Roman" panose="02020603050405020304" pitchFamily="18" charset="0"/>
+              </a:rPr>
+              <a:t>PumpAsTurbine_ex01</a:t>
+            </a:r>
+            <a:endParaRPr kumimoji="1" lang="ja-JP" altLang="en-US" sz="2400" dirty="0">
+              <a:latin typeface="Times New Roman" panose="02020603050405020304" pitchFamily="18" charset="0"/>
+              <a:cs typeface="Times New Roman" panose="02020603050405020304" pitchFamily="18" charset="0"/>
+            </a:endParaRPr>
+          </a:p>
+        </p:txBody>
+      </p:sp>
     </p:spTree>
     <p:extLst>
       <p:ext uri="{BB962C8B-B14F-4D97-AF65-F5344CB8AC3E}">
-        <p14:creationId xmlns:p14="http://schemas.microsoft.com/office/powerpoint/2010/main" val="2322278489"/>
+        <p14:creationId xmlns:p14="http://schemas.microsoft.com/office/powerpoint/2010/main" val="3258820415"/>
       </p:ext>
     </p:extLst>
   </p:cSld>
@@ -5177,6 +6033,322 @@
           <a:chExt cx="0" cy="0"/>
         </a:xfrm>
       </p:grpSpPr>
+      <p:pic>
+        <p:nvPicPr>
+          <p:cNvPr id="3" name="図 2">
+            <a:extLst>
+              <a:ext uri="{FF2B5EF4-FFF2-40B4-BE49-F238E27FC236}">
+                <a16:creationId xmlns:a16="http://schemas.microsoft.com/office/drawing/2014/main" id="{2848B27E-D4AC-4CD0-81CF-025BAB9F3594}"/>
+              </a:ext>
+            </a:extLst>
+          </p:cNvPr>
+          <p:cNvPicPr>
+            <a:picLocks noChangeAspect="1"/>
+          </p:cNvPicPr>
+          <p:nvPr/>
+        </p:nvPicPr>
+        <p:blipFill>
+          <a:blip r:embed="rId2"/>
+          <a:stretch>
+            <a:fillRect/>
+          </a:stretch>
+        </p:blipFill>
+        <p:spPr>
+          <a:xfrm>
+            <a:off x="1985486" y="0"/>
+            <a:ext cx="8221027" cy="6858000"/>
+          </a:xfrm>
+          <a:prstGeom prst="rect">
+            <a:avLst/>
+          </a:prstGeom>
+        </p:spPr>
+      </p:pic>
+    </p:spTree>
+    <p:extLst>
+      <p:ext uri="{BB962C8B-B14F-4D97-AF65-F5344CB8AC3E}">
+        <p14:creationId xmlns:p14="http://schemas.microsoft.com/office/powerpoint/2010/main" val="2043835998"/>
+      </p:ext>
+    </p:extLst>
+  </p:cSld>
+  <p:clrMapOvr>
+    <a:masterClrMapping/>
+  </p:clrMapOvr>
+</p:sld>
+</file>
+
+<file path=ppt/slides/slide21.xml><?xml version="1.0" encoding="utf-8"?>
+<p:sld xmlns:a="http://schemas.openxmlformats.org/drawingml/2006/main" xmlns:r="http://schemas.openxmlformats.org/officeDocument/2006/relationships" xmlns:p="http://schemas.openxmlformats.org/presentationml/2006/main">
+  <p:cSld>
+    <p:spTree>
+      <p:nvGrpSpPr>
+        <p:cNvPr id="1" name=""/>
+        <p:cNvGrpSpPr/>
+        <p:nvPr/>
+      </p:nvGrpSpPr>
+      <p:grpSpPr>
+        <a:xfrm>
+          <a:off x="0" y="0"/>
+          <a:ext cx="0" cy="0"/>
+          <a:chOff x="0" y="0"/>
+          <a:chExt cx="0" cy="0"/>
+        </a:xfrm>
+      </p:grpSpPr>
+      <p:pic>
+        <p:nvPicPr>
+          <p:cNvPr id="5" name="図 4">
+            <a:extLst>
+              <a:ext uri="{FF2B5EF4-FFF2-40B4-BE49-F238E27FC236}">
+                <a16:creationId xmlns:a16="http://schemas.microsoft.com/office/drawing/2014/main" id="{F40256F8-9584-41E5-ACD5-AA57ECDBCBBC}"/>
+              </a:ext>
+            </a:extLst>
+          </p:cNvPr>
+          <p:cNvPicPr>
+            <a:picLocks noChangeAspect="1"/>
+          </p:cNvPicPr>
+          <p:nvPr/>
+        </p:nvPicPr>
+        <p:blipFill>
+          <a:blip r:embed="rId2"/>
+          <a:stretch>
+            <a:fillRect/>
+          </a:stretch>
+        </p:blipFill>
+        <p:spPr>
+          <a:xfrm>
+            <a:off x="2039639" y="0"/>
+            <a:ext cx="8112722" cy="6858000"/>
+          </a:xfrm>
+          <a:prstGeom prst="rect">
+            <a:avLst/>
+          </a:prstGeom>
+        </p:spPr>
+      </p:pic>
+      <p:sp>
+        <p:nvSpPr>
+          <p:cNvPr id="3" name="テキスト ボックス 2">
+            <a:extLst>
+              <a:ext uri="{FF2B5EF4-FFF2-40B4-BE49-F238E27FC236}">
+                <a16:creationId xmlns:a16="http://schemas.microsoft.com/office/drawing/2014/main" id="{ABC8D612-4C8F-40D2-9EE2-D80AEAE98A25}"/>
+              </a:ext>
+            </a:extLst>
+          </p:cNvPr>
+          <p:cNvSpPr txBox="1"/>
+          <p:nvPr/>
+        </p:nvSpPr>
+        <p:spPr>
+          <a:xfrm>
+            <a:off x="78153" y="0"/>
+            <a:ext cx="4079632" cy="461665"/>
+          </a:xfrm>
+          <a:prstGeom prst="rect">
+            <a:avLst/>
+          </a:prstGeom>
+          <a:noFill/>
+        </p:spPr>
+        <p:txBody>
+          <a:bodyPr wrap="square" rtlCol="0">
+            <a:spAutoFit/>
+          </a:bodyPr>
+          <a:lstStyle/>
+          <a:p>
+            <a:r>
+              <a:rPr lang="en-US" altLang="ja-JP" sz="2400" dirty="0">
+                <a:solidFill>
+                  <a:srgbClr val="000000"/>
+                </a:solidFill>
+                <a:effectLst/>
+                <a:latin typeface="Times New Roman" panose="02020603050405020304" pitchFamily="18" charset="0"/>
+                <a:cs typeface="Times New Roman" panose="02020603050405020304" pitchFamily="18" charset="0"/>
+              </a:rPr>
+              <a:t>PumpAsTurbine_ex02</a:t>
+            </a:r>
+            <a:endParaRPr kumimoji="1" lang="ja-JP" altLang="en-US" sz="2400" dirty="0">
+              <a:latin typeface="Times New Roman" panose="02020603050405020304" pitchFamily="18" charset="0"/>
+              <a:cs typeface="Times New Roman" panose="02020603050405020304" pitchFamily="18" charset="0"/>
+            </a:endParaRPr>
+          </a:p>
+        </p:txBody>
+      </p:sp>
+    </p:spTree>
+    <p:extLst>
+      <p:ext uri="{BB962C8B-B14F-4D97-AF65-F5344CB8AC3E}">
+        <p14:creationId xmlns:p14="http://schemas.microsoft.com/office/powerpoint/2010/main" val="547396864"/>
+      </p:ext>
+    </p:extLst>
+  </p:cSld>
+  <p:clrMapOvr>
+    <a:masterClrMapping/>
+  </p:clrMapOvr>
+</p:sld>
+</file>
+
+<file path=ppt/slides/slide22.xml><?xml version="1.0" encoding="utf-8"?>
+<p:sld xmlns:a="http://schemas.openxmlformats.org/drawingml/2006/main" xmlns:r="http://schemas.openxmlformats.org/officeDocument/2006/relationships" xmlns:p="http://schemas.openxmlformats.org/presentationml/2006/main">
+  <p:cSld>
+    <p:spTree>
+      <p:nvGrpSpPr>
+        <p:cNvPr id="1" name=""/>
+        <p:cNvGrpSpPr/>
+        <p:nvPr/>
+      </p:nvGrpSpPr>
+      <p:grpSpPr>
+        <a:xfrm>
+          <a:off x="0" y="0"/>
+          <a:ext cx="0" cy="0"/>
+          <a:chOff x="0" y="0"/>
+          <a:chExt cx="0" cy="0"/>
+        </a:xfrm>
+      </p:grpSpPr>
+      <p:pic>
+        <p:nvPicPr>
+          <p:cNvPr id="3" name="図 2">
+            <a:extLst>
+              <a:ext uri="{FF2B5EF4-FFF2-40B4-BE49-F238E27FC236}">
+                <a16:creationId xmlns:a16="http://schemas.microsoft.com/office/drawing/2014/main" id="{638963D9-2164-4F16-88FB-56F16AFC13F2}"/>
+              </a:ext>
+            </a:extLst>
+          </p:cNvPr>
+          <p:cNvPicPr>
+            <a:picLocks noChangeAspect="1"/>
+          </p:cNvPicPr>
+          <p:nvPr/>
+        </p:nvPicPr>
+        <p:blipFill>
+          <a:blip r:embed="rId2"/>
+          <a:stretch>
+            <a:fillRect/>
+          </a:stretch>
+        </p:blipFill>
+        <p:spPr>
+          <a:xfrm>
+            <a:off x="2039639" y="0"/>
+            <a:ext cx="8112722" cy="6858000"/>
+          </a:xfrm>
+          <a:prstGeom prst="rect">
+            <a:avLst/>
+          </a:prstGeom>
+        </p:spPr>
+      </p:pic>
+    </p:spTree>
+    <p:extLst>
+      <p:ext uri="{BB962C8B-B14F-4D97-AF65-F5344CB8AC3E}">
+        <p14:creationId xmlns:p14="http://schemas.microsoft.com/office/powerpoint/2010/main" val="3437108536"/>
+      </p:ext>
+    </p:extLst>
+  </p:cSld>
+  <p:clrMapOvr>
+    <a:masterClrMapping/>
+  </p:clrMapOvr>
+</p:sld>
+</file>
+
+<file path=ppt/slides/slide23.xml><?xml version="1.0" encoding="utf-8"?>
+<p:sld xmlns:a="http://schemas.openxmlformats.org/drawingml/2006/main" xmlns:r="http://schemas.openxmlformats.org/officeDocument/2006/relationships" xmlns:p="http://schemas.openxmlformats.org/presentationml/2006/main">
+  <p:cSld>
+    <p:spTree>
+      <p:nvGrpSpPr>
+        <p:cNvPr id="1" name=""/>
+        <p:cNvGrpSpPr/>
+        <p:nvPr/>
+      </p:nvGrpSpPr>
+      <p:grpSpPr>
+        <a:xfrm>
+          <a:off x="0" y="0"/>
+          <a:ext cx="0" cy="0"/>
+          <a:chOff x="0" y="0"/>
+          <a:chExt cx="0" cy="0"/>
+        </a:xfrm>
+      </p:grpSpPr>
+    </p:spTree>
+    <p:extLst>
+      <p:ext uri="{BB962C8B-B14F-4D97-AF65-F5344CB8AC3E}">
+        <p14:creationId xmlns:p14="http://schemas.microsoft.com/office/powerpoint/2010/main" val="3534862661"/>
+      </p:ext>
+    </p:extLst>
+  </p:cSld>
+  <p:clrMapOvr>
+    <a:masterClrMapping/>
+  </p:clrMapOvr>
+</p:sld>
+</file>
+
+<file path=ppt/slides/slide24.xml><?xml version="1.0" encoding="utf-8"?>
+<p:sld xmlns:a="http://schemas.openxmlformats.org/drawingml/2006/main" xmlns:r="http://schemas.openxmlformats.org/officeDocument/2006/relationships" xmlns:p="http://schemas.openxmlformats.org/presentationml/2006/main">
+  <p:cSld>
+    <p:spTree>
+      <p:nvGrpSpPr>
+        <p:cNvPr id="1" name=""/>
+        <p:cNvGrpSpPr/>
+        <p:nvPr/>
+      </p:nvGrpSpPr>
+      <p:grpSpPr>
+        <a:xfrm>
+          <a:off x="0" y="0"/>
+          <a:ext cx="0" cy="0"/>
+          <a:chOff x="0" y="0"/>
+          <a:chExt cx="0" cy="0"/>
+        </a:xfrm>
+      </p:grpSpPr>
+    </p:spTree>
+    <p:extLst>
+      <p:ext uri="{BB962C8B-B14F-4D97-AF65-F5344CB8AC3E}">
+        <p14:creationId xmlns:p14="http://schemas.microsoft.com/office/powerpoint/2010/main" val="2075533915"/>
+      </p:ext>
+    </p:extLst>
+  </p:cSld>
+  <p:clrMapOvr>
+    <a:masterClrMapping/>
+  </p:clrMapOvr>
+</p:sld>
+</file>
+
+<file path=ppt/slides/slide25.xml><?xml version="1.0" encoding="utf-8"?>
+<p:sld xmlns:a="http://schemas.openxmlformats.org/drawingml/2006/main" xmlns:r="http://schemas.openxmlformats.org/officeDocument/2006/relationships" xmlns:p="http://schemas.openxmlformats.org/presentationml/2006/main">
+  <p:cSld>
+    <p:spTree>
+      <p:nvGrpSpPr>
+        <p:cNvPr id="1" name=""/>
+        <p:cNvGrpSpPr/>
+        <p:nvPr/>
+      </p:nvGrpSpPr>
+      <p:grpSpPr>
+        <a:xfrm>
+          <a:off x="0" y="0"/>
+          <a:ext cx="0" cy="0"/>
+          <a:chOff x="0" y="0"/>
+          <a:chExt cx="0" cy="0"/>
+        </a:xfrm>
+      </p:grpSpPr>
+    </p:spTree>
+    <p:extLst>
+      <p:ext uri="{BB962C8B-B14F-4D97-AF65-F5344CB8AC3E}">
+        <p14:creationId xmlns:p14="http://schemas.microsoft.com/office/powerpoint/2010/main" val="2322278489"/>
+      </p:ext>
+    </p:extLst>
+  </p:cSld>
+  <p:clrMapOvr>
+    <a:masterClrMapping/>
+  </p:clrMapOvr>
+</p:sld>
+</file>
+
+<file path=ppt/slides/slide26.xml><?xml version="1.0" encoding="utf-8"?>
+<p:sld xmlns:a="http://schemas.openxmlformats.org/drawingml/2006/main" xmlns:r="http://schemas.openxmlformats.org/officeDocument/2006/relationships" xmlns:p="http://schemas.openxmlformats.org/presentationml/2006/main">
+  <p:cSld>
+    <p:spTree>
+      <p:nvGrpSpPr>
+        <p:cNvPr id="1" name=""/>
+        <p:cNvGrpSpPr/>
+        <p:nvPr/>
+      </p:nvGrpSpPr>
+      <p:grpSpPr>
+        <a:xfrm>
+          <a:off x="0" y="0"/>
+          <a:ext cx="0" cy="0"/>
+          <a:chOff x="0" y="0"/>
+          <a:chExt cx="0" cy="0"/>
+        </a:xfrm>
+      </p:grpSpPr>
     </p:spTree>
     <p:extLst>
       <p:ext uri="{BB962C8B-B14F-4D97-AF65-F5344CB8AC3E}">
@@ -5190,7 +6362,7 @@
 </p:sld>
 </file>
 
-<file path=ppt/slides/slide21.xml><?xml version="1.0" encoding="utf-8"?>
+<file path=ppt/slides/slide27.xml><?xml version="1.0" encoding="utf-8"?>
 <p:sld xmlns:a="http://schemas.openxmlformats.org/drawingml/2006/main" xmlns:r="http://schemas.openxmlformats.org/officeDocument/2006/relationships" xmlns:p="http://schemas.openxmlformats.org/presentationml/2006/main">
   <p:cSld>
     <p:spTree>
@@ -5220,7 +6392,7 @@
 </p:sld>
 </file>
 
-<file path=ppt/slides/slide22.xml><?xml version="1.0" encoding="utf-8"?>
+<file path=ppt/slides/slide28.xml><?xml version="1.0" encoding="utf-8"?>
 <p:sld xmlns:a="http://schemas.openxmlformats.org/drawingml/2006/main" xmlns:r="http://schemas.openxmlformats.org/officeDocument/2006/relationships" xmlns:p="http://schemas.openxmlformats.org/presentationml/2006/main">
   <p:cSld>
     <p:spTree>
@@ -5250,7 +6422,7 @@
 </p:sld>
 </file>
 
-<file path=ppt/slides/slide23.xml><?xml version="1.0" encoding="utf-8"?>
+<file path=ppt/slides/slide29.xml><?xml version="1.0" encoding="utf-8"?>
 <p:sld xmlns:a="http://schemas.openxmlformats.org/drawingml/2006/main" xmlns:r="http://schemas.openxmlformats.org/officeDocument/2006/relationships" xmlns:p="http://schemas.openxmlformats.org/presentationml/2006/main">
   <p:cSld>
     <p:spTree>
@@ -5271,186 +6443,6 @@
     <p:extLst>
       <p:ext uri="{BB962C8B-B14F-4D97-AF65-F5344CB8AC3E}">
         <p14:creationId xmlns:p14="http://schemas.microsoft.com/office/powerpoint/2010/main" val="807832196"/>
-      </p:ext>
-    </p:extLst>
-  </p:cSld>
-  <p:clrMapOvr>
-    <a:masterClrMapping/>
-  </p:clrMapOvr>
-</p:sld>
-</file>
-
-<file path=ppt/slides/slide24.xml><?xml version="1.0" encoding="utf-8"?>
-<p:sld xmlns:a="http://schemas.openxmlformats.org/drawingml/2006/main" xmlns:r="http://schemas.openxmlformats.org/officeDocument/2006/relationships" xmlns:p="http://schemas.openxmlformats.org/presentationml/2006/main">
-  <p:cSld>
-    <p:spTree>
-      <p:nvGrpSpPr>
-        <p:cNvPr id="1" name=""/>
-        <p:cNvGrpSpPr/>
-        <p:nvPr/>
-      </p:nvGrpSpPr>
-      <p:grpSpPr>
-        <a:xfrm>
-          <a:off x="0" y="0"/>
-          <a:ext cx="0" cy="0"/>
-          <a:chOff x="0" y="0"/>
-          <a:chExt cx="0" cy="0"/>
-        </a:xfrm>
-      </p:grpSpPr>
-    </p:spTree>
-    <p:extLst>
-      <p:ext uri="{BB962C8B-B14F-4D97-AF65-F5344CB8AC3E}">
-        <p14:creationId xmlns:p14="http://schemas.microsoft.com/office/powerpoint/2010/main" val="2085333566"/>
-      </p:ext>
-    </p:extLst>
-  </p:cSld>
-  <p:clrMapOvr>
-    <a:masterClrMapping/>
-  </p:clrMapOvr>
-</p:sld>
-</file>
-
-<file path=ppt/slides/slide25.xml><?xml version="1.0" encoding="utf-8"?>
-<p:sld xmlns:a="http://schemas.openxmlformats.org/drawingml/2006/main" xmlns:r="http://schemas.openxmlformats.org/officeDocument/2006/relationships" xmlns:p="http://schemas.openxmlformats.org/presentationml/2006/main">
-  <p:cSld>
-    <p:spTree>
-      <p:nvGrpSpPr>
-        <p:cNvPr id="1" name=""/>
-        <p:cNvGrpSpPr/>
-        <p:nvPr/>
-      </p:nvGrpSpPr>
-      <p:grpSpPr>
-        <a:xfrm>
-          <a:off x="0" y="0"/>
-          <a:ext cx="0" cy="0"/>
-          <a:chOff x="0" y="0"/>
-          <a:chExt cx="0" cy="0"/>
-        </a:xfrm>
-      </p:grpSpPr>
-    </p:spTree>
-    <p:extLst>
-      <p:ext uri="{BB962C8B-B14F-4D97-AF65-F5344CB8AC3E}">
-        <p14:creationId xmlns:p14="http://schemas.microsoft.com/office/powerpoint/2010/main" val="4204572310"/>
-      </p:ext>
-    </p:extLst>
-  </p:cSld>
-  <p:clrMapOvr>
-    <a:masterClrMapping/>
-  </p:clrMapOvr>
-</p:sld>
-</file>
-
-<file path=ppt/slides/slide26.xml><?xml version="1.0" encoding="utf-8"?>
-<p:sld xmlns:a="http://schemas.openxmlformats.org/drawingml/2006/main" xmlns:r="http://schemas.openxmlformats.org/officeDocument/2006/relationships" xmlns:p="http://schemas.openxmlformats.org/presentationml/2006/main">
-  <p:cSld>
-    <p:spTree>
-      <p:nvGrpSpPr>
-        <p:cNvPr id="1" name=""/>
-        <p:cNvGrpSpPr/>
-        <p:nvPr/>
-      </p:nvGrpSpPr>
-      <p:grpSpPr>
-        <a:xfrm>
-          <a:off x="0" y="0"/>
-          <a:ext cx="0" cy="0"/>
-          <a:chOff x="0" y="0"/>
-          <a:chExt cx="0" cy="0"/>
-        </a:xfrm>
-      </p:grpSpPr>
-    </p:spTree>
-    <p:extLst>
-      <p:ext uri="{BB962C8B-B14F-4D97-AF65-F5344CB8AC3E}">
-        <p14:creationId xmlns:p14="http://schemas.microsoft.com/office/powerpoint/2010/main" val="2933442412"/>
-      </p:ext>
-    </p:extLst>
-  </p:cSld>
-  <p:clrMapOvr>
-    <a:masterClrMapping/>
-  </p:clrMapOvr>
-</p:sld>
-</file>
-
-<file path=ppt/slides/slide27.xml><?xml version="1.0" encoding="utf-8"?>
-<p:sld xmlns:a="http://schemas.openxmlformats.org/drawingml/2006/main" xmlns:r="http://schemas.openxmlformats.org/officeDocument/2006/relationships" xmlns:p="http://schemas.openxmlformats.org/presentationml/2006/main">
-  <p:cSld>
-    <p:spTree>
-      <p:nvGrpSpPr>
-        <p:cNvPr id="1" name=""/>
-        <p:cNvGrpSpPr/>
-        <p:nvPr/>
-      </p:nvGrpSpPr>
-      <p:grpSpPr>
-        <a:xfrm>
-          <a:off x="0" y="0"/>
-          <a:ext cx="0" cy="0"/>
-          <a:chOff x="0" y="0"/>
-          <a:chExt cx="0" cy="0"/>
-        </a:xfrm>
-      </p:grpSpPr>
-    </p:spTree>
-    <p:extLst>
-      <p:ext uri="{BB962C8B-B14F-4D97-AF65-F5344CB8AC3E}">
-        <p14:creationId xmlns:p14="http://schemas.microsoft.com/office/powerpoint/2010/main" val="2704639035"/>
-      </p:ext>
-    </p:extLst>
-  </p:cSld>
-  <p:clrMapOvr>
-    <a:masterClrMapping/>
-  </p:clrMapOvr>
-</p:sld>
-</file>
-
-<file path=ppt/slides/slide28.xml><?xml version="1.0" encoding="utf-8"?>
-<p:sld xmlns:a="http://schemas.openxmlformats.org/drawingml/2006/main" xmlns:r="http://schemas.openxmlformats.org/officeDocument/2006/relationships" xmlns:p="http://schemas.openxmlformats.org/presentationml/2006/main">
-  <p:cSld>
-    <p:spTree>
-      <p:nvGrpSpPr>
-        <p:cNvPr id="1" name=""/>
-        <p:cNvGrpSpPr/>
-        <p:nvPr/>
-      </p:nvGrpSpPr>
-      <p:grpSpPr>
-        <a:xfrm>
-          <a:off x="0" y="0"/>
-          <a:ext cx="0" cy="0"/>
-          <a:chOff x="0" y="0"/>
-          <a:chExt cx="0" cy="0"/>
-        </a:xfrm>
-      </p:grpSpPr>
-    </p:spTree>
-    <p:extLst>
-      <p:ext uri="{BB962C8B-B14F-4D97-AF65-F5344CB8AC3E}">
-        <p14:creationId xmlns:p14="http://schemas.microsoft.com/office/powerpoint/2010/main" val="4002179549"/>
-      </p:ext>
-    </p:extLst>
-  </p:cSld>
-  <p:clrMapOvr>
-    <a:masterClrMapping/>
-  </p:clrMapOvr>
-</p:sld>
-</file>
-
-<file path=ppt/slides/slide29.xml><?xml version="1.0" encoding="utf-8"?>
-<p:sld xmlns:a="http://schemas.openxmlformats.org/drawingml/2006/main" xmlns:r="http://schemas.openxmlformats.org/officeDocument/2006/relationships" xmlns:p="http://schemas.openxmlformats.org/presentationml/2006/main">
-  <p:cSld>
-    <p:spTree>
-      <p:nvGrpSpPr>
-        <p:cNvPr id="1" name=""/>
-        <p:cNvGrpSpPr/>
-        <p:nvPr/>
-      </p:nvGrpSpPr>
-      <p:grpSpPr>
-        <a:xfrm>
-          <a:off x="0" y="0"/>
-          <a:ext cx="0" cy="0"/>
-          <a:chOff x="0" y="0"/>
-          <a:chExt cx="0" cy="0"/>
-        </a:xfrm>
-      </p:grpSpPr>
-    </p:spTree>
-    <p:extLst>
-      <p:ext uri="{BB962C8B-B14F-4D97-AF65-F5344CB8AC3E}">
-        <p14:creationId xmlns:p14="http://schemas.microsoft.com/office/powerpoint/2010/main" val="3038340984"/>
       </p:ext>
     </p:extLst>
   </p:cSld>
@@ -5643,7 +6635,7 @@
     </p:spTree>
     <p:extLst>
       <p:ext uri="{BB962C8B-B14F-4D97-AF65-F5344CB8AC3E}">
-        <p14:creationId xmlns:p14="http://schemas.microsoft.com/office/powerpoint/2010/main" val="927517791"/>
+        <p14:creationId xmlns:p14="http://schemas.microsoft.com/office/powerpoint/2010/main" val="2085333566"/>
       </p:ext>
     </p:extLst>
   </p:cSld>
@@ -5673,7 +6665,7 @@
     </p:spTree>
     <p:extLst>
       <p:ext uri="{BB962C8B-B14F-4D97-AF65-F5344CB8AC3E}">
-        <p14:creationId xmlns:p14="http://schemas.microsoft.com/office/powerpoint/2010/main" val="87198892"/>
+        <p14:creationId xmlns:p14="http://schemas.microsoft.com/office/powerpoint/2010/main" val="4204572310"/>
       </p:ext>
     </p:extLst>
   </p:cSld>
@@ -5703,7 +6695,7 @@
     </p:spTree>
     <p:extLst>
       <p:ext uri="{BB962C8B-B14F-4D97-AF65-F5344CB8AC3E}">
-        <p14:creationId xmlns:p14="http://schemas.microsoft.com/office/powerpoint/2010/main" val="4226122043"/>
+        <p14:creationId xmlns:p14="http://schemas.microsoft.com/office/powerpoint/2010/main" val="2933442412"/>
       </p:ext>
     </p:extLst>
   </p:cSld>
@@ -5733,7 +6725,7 @@
     </p:spTree>
     <p:extLst>
       <p:ext uri="{BB962C8B-B14F-4D97-AF65-F5344CB8AC3E}">
-        <p14:creationId xmlns:p14="http://schemas.microsoft.com/office/powerpoint/2010/main" val="3941356387"/>
+        <p14:creationId xmlns:p14="http://schemas.microsoft.com/office/powerpoint/2010/main" val="2704639035"/>
       </p:ext>
     </p:extLst>
   </p:cSld>
@@ -5763,7 +6755,157 @@
     </p:spTree>
     <p:extLst>
       <p:ext uri="{BB962C8B-B14F-4D97-AF65-F5344CB8AC3E}">
-        <p14:creationId xmlns:p14="http://schemas.microsoft.com/office/powerpoint/2010/main" val="129659227"/>
+        <p14:creationId xmlns:p14="http://schemas.microsoft.com/office/powerpoint/2010/main" val="4002179549"/>
+      </p:ext>
+    </p:extLst>
+  </p:cSld>
+  <p:clrMapOvr>
+    <a:masterClrMapping/>
+  </p:clrMapOvr>
+</p:sld>
+</file>
+
+<file path=ppt/slides/slide35.xml><?xml version="1.0" encoding="utf-8"?>
+<p:sld xmlns:a="http://schemas.openxmlformats.org/drawingml/2006/main" xmlns:r="http://schemas.openxmlformats.org/officeDocument/2006/relationships" xmlns:p="http://schemas.openxmlformats.org/presentationml/2006/main">
+  <p:cSld>
+    <p:spTree>
+      <p:nvGrpSpPr>
+        <p:cNvPr id="1" name=""/>
+        <p:cNvGrpSpPr/>
+        <p:nvPr/>
+      </p:nvGrpSpPr>
+      <p:grpSpPr>
+        <a:xfrm>
+          <a:off x="0" y="0"/>
+          <a:ext cx="0" cy="0"/>
+          <a:chOff x="0" y="0"/>
+          <a:chExt cx="0" cy="0"/>
+        </a:xfrm>
+      </p:grpSpPr>
+    </p:spTree>
+    <p:extLst>
+      <p:ext uri="{BB962C8B-B14F-4D97-AF65-F5344CB8AC3E}">
+        <p14:creationId xmlns:p14="http://schemas.microsoft.com/office/powerpoint/2010/main" val="3038340984"/>
+      </p:ext>
+    </p:extLst>
+  </p:cSld>
+  <p:clrMapOvr>
+    <a:masterClrMapping/>
+  </p:clrMapOvr>
+</p:sld>
+</file>
+
+<file path=ppt/slides/slide36.xml><?xml version="1.0" encoding="utf-8"?>
+<p:sld xmlns:a="http://schemas.openxmlformats.org/drawingml/2006/main" xmlns:r="http://schemas.openxmlformats.org/officeDocument/2006/relationships" xmlns:p="http://schemas.openxmlformats.org/presentationml/2006/main">
+  <p:cSld>
+    <p:spTree>
+      <p:nvGrpSpPr>
+        <p:cNvPr id="1" name=""/>
+        <p:cNvGrpSpPr/>
+        <p:nvPr/>
+      </p:nvGrpSpPr>
+      <p:grpSpPr>
+        <a:xfrm>
+          <a:off x="0" y="0"/>
+          <a:ext cx="0" cy="0"/>
+          <a:chOff x="0" y="0"/>
+          <a:chExt cx="0" cy="0"/>
+        </a:xfrm>
+      </p:grpSpPr>
+    </p:spTree>
+    <p:extLst>
+      <p:ext uri="{BB962C8B-B14F-4D97-AF65-F5344CB8AC3E}">
+        <p14:creationId xmlns:p14="http://schemas.microsoft.com/office/powerpoint/2010/main" val="927517791"/>
+      </p:ext>
+    </p:extLst>
+  </p:cSld>
+  <p:clrMapOvr>
+    <a:masterClrMapping/>
+  </p:clrMapOvr>
+</p:sld>
+</file>
+
+<file path=ppt/slides/slide37.xml><?xml version="1.0" encoding="utf-8"?>
+<p:sld xmlns:a="http://schemas.openxmlformats.org/drawingml/2006/main" xmlns:r="http://schemas.openxmlformats.org/officeDocument/2006/relationships" xmlns:p="http://schemas.openxmlformats.org/presentationml/2006/main">
+  <p:cSld>
+    <p:spTree>
+      <p:nvGrpSpPr>
+        <p:cNvPr id="1" name=""/>
+        <p:cNvGrpSpPr/>
+        <p:nvPr/>
+      </p:nvGrpSpPr>
+      <p:grpSpPr>
+        <a:xfrm>
+          <a:off x="0" y="0"/>
+          <a:ext cx="0" cy="0"/>
+          <a:chOff x="0" y="0"/>
+          <a:chExt cx="0" cy="0"/>
+        </a:xfrm>
+      </p:grpSpPr>
+    </p:spTree>
+    <p:extLst>
+      <p:ext uri="{BB962C8B-B14F-4D97-AF65-F5344CB8AC3E}">
+        <p14:creationId xmlns:p14="http://schemas.microsoft.com/office/powerpoint/2010/main" val="87198892"/>
+      </p:ext>
+    </p:extLst>
+  </p:cSld>
+  <p:clrMapOvr>
+    <a:masterClrMapping/>
+  </p:clrMapOvr>
+</p:sld>
+</file>
+
+<file path=ppt/slides/slide38.xml><?xml version="1.0" encoding="utf-8"?>
+<p:sld xmlns:a="http://schemas.openxmlformats.org/drawingml/2006/main" xmlns:r="http://schemas.openxmlformats.org/officeDocument/2006/relationships" xmlns:p="http://schemas.openxmlformats.org/presentationml/2006/main">
+  <p:cSld>
+    <p:spTree>
+      <p:nvGrpSpPr>
+        <p:cNvPr id="1" name=""/>
+        <p:cNvGrpSpPr/>
+        <p:nvPr/>
+      </p:nvGrpSpPr>
+      <p:grpSpPr>
+        <a:xfrm>
+          <a:off x="0" y="0"/>
+          <a:ext cx="0" cy="0"/>
+          <a:chOff x="0" y="0"/>
+          <a:chExt cx="0" cy="0"/>
+        </a:xfrm>
+      </p:grpSpPr>
+    </p:spTree>
+    <p:extLst>
+      <p:ext uri="{BB962C8B-B14F-4D97-AF65-F5344CB8AC3E}">
+        <p14:creationId xmlns:p14="http://schemas.microsoft.com/office/powerpoint/2010/main" val="4226122043"/>
+      </p:ext>
+    </p:extLst>
+  </p:cSld>
+  <p:clrMapOvr>
+    <a:masterClrMapping/>
+  </p:clrMapOvr>
+</p:sld>
+</file>
+
+<file path=ppt/slides/slide39.xml><?xml version="1.0" encoding="utf-8"?>
+<p:sld xmlns:a="http://schemas.openxmlformats.org/drawingml/2006/main" xmlns:r="http://schemas.openxmlformats.org/officeDocument/2006/relationships" xmlns:p="http://schemas.openxmlformats.org/presentationml/2006/main">
+  <p:cSld>
+    <p:spTree>
+      <p:nvGrpSpPr>
+        <p:cNvPr id="1" name=""/>
+        <p:cNvGrpSpPr/>
+        <p:nvPr/>
+      </p:nvGrpSpPr>
+      <p:grpSpPr>
+        <a:xfrm>
+          <a:off x="0" y="0"/>
+          <a:ext cx="0" cy="0"/>
+          <a:chOff x="0" y="0"/>
+          <a:chExt cx="0" cy="0"/>
+        </a:xfrm>
+      </p:grpSpPr>
+    </p:spTree>
+    <p:extLst>
+      <p:ext uri="{BB962C8B-B14F-4D97-AF65-F5344CB8AC3E}">
+        <p14:creationId xmlns:p14="http://schemas.microsoft.com/office/powerpoint/2010/main" val="3941356387"/>
       </p:ext>
     </p:extLst>
   </p:cSld>
@@ -5932,6 +7074,36 @@
     <p:extLst>
       <p:ext uri="{BB962C8B-B14F-4D97-AF65-F5344CB8AC3E}">
         <p14:creationId xmlns:p14="http://schemas.microsoft.com/office/powerpoint/2010/main" val="1741282073"/>
+      </p:ext>
+    </p:extLst>
+  </p:cSld>
+  <p:clrMapOvr>
+    <a:masterClrMapping/>
+  </p:clrMapOvr>
+</p:sld>
+</file>
+
+<file path=ppt/slides/slide40.xml><?xml version="1.0" encoding="utf-8"?>
+<p:sld xmlns:a="http://schemas.openxmlformats.org/drawingml/2006/main" xmlns:r="http://schemas.openxmlformats.org/officeDocument/2006/relationships" xmlns:p="http://schemas.openxmlformats.org/presentationml/2006/main">
+  <p:cSld>
+    <p:spTree>
+      <p:nvGrpSpPr>
+        <p:cNvPr id="1" name=""/>
+        <p:cNvGrpSpPr/>
+        <p:nvPr/>
+      </p:nvGrpSpPr>
+      <p:grpSpPr>
+        <a:xfrm>
+          <a:off x="0" y="0"/>
+          <a:ext cx="0" cy="0"/>
+          <a:chOff x="0" y="0"/>
+          <a:chExt cx="0" cy="0"/>
+        </a:xfrm>
+      </p:grpSpPr>
+    </p:spTree>
+    <p:extLst>
+      <p:ext uri="{BB962C8B-B14F-4D97-AF65-F5344CB8AC3E}">
+        <p14:creationId xmlns:p14="http://schemas.microsoft.com/office/powerpoint/2010/main" val="129659227"/>
       </p:ext>
     </p:extLst>
   </p:cSld>
@@ -7193,10 +8365,10 @@
       </p:grpSpPr>
       <p:pic>
         <p:nvPicPr>
-          <p:cNvPr id="3" name="図 2">
-            <a:extLst>
-              <a:ext uri="{FF2B5EF4-FFF2-40B4-BE49-F238E27FC236}">
-                <a16:creationId xmlns:a16="http://schemas.microsoft.com/office/drawing/2014/main" id="{54507FFA-AEFE-4C50-B8FE-5D35D2BD6152}"/>
+          <p:cNvPr id="5" name="図 4">
+            <a:extLst>
+              <a:ext uri="{FF2B5EF4-FFF2-40B4-BE49-F238E27FC236}">
+                <a16:creationId xmlns:a16="http://schemas.microsoft.com/office/drawing/2014/main" id="{151B9725-43FF-498D-9691-DC981022F103}"/>
               </a:ext>
             </a:extLst>
           </p:cNvPr>
@@ -7213,8 +8385,8 @@
         </p:blipFill>
         <p:spPr>
           <a:xfrm>
-            <a:off x="2468479" y="0"/>
-            <a:ext cx="7255042" cy="6858000"/>
+            <a:off x="2137691" y="773724"/>
+            <a:ext cx="7200000" cy="5470353"/>
           </a:xfrm>
           <a:prstGeom prst="rect">
             <a:avLst/>
@@ -7223,10 +8395,10 @@
       </p:pic>
       <p:sp>
         <p:nvSpPr>
-          <p:cNvPr id="5" name="テキスト ボックス 4">
-            <a:extLst>
-              <a:ext uri="{FF2B5EF4-FFF2-40B4-BE49-F238E27FC236}">
-                <a16:creationId xmlns:a16="http://schemas.microsoft.com/office/drawing/2014/main" id="{10C95F8E-27E6-4FA4-9097-5CD1B71BC8C0}"/>
+          <p:cNvPr id="6" name="テキスト ボックス 5">
+            <a:extLst>
+              <a:ext uri="{FF2B5EF4-FFF2-40B4-BE49-F238E27FC236}">
+                <a16:creationId xmlns:a16="http://schemas.microsoft.com/office/drawing/2014/main" id="{590FD1A6-C84B-4F78-B17B-70C4A2EC5A02}"/>
               </a:ext>
             </a:extLst>
           </p:cNvPr>
@@ -7235,42 +8407,99 @@
         </p:nvSpPr>
         <p:spPr>
           <a:xfrm>
-            <a:off x="78153" y="0"/>
-            <a:ext cx="4079632" cy="461665"/>
+            <a:off x="3526017" y="2215717"/>
+            <a:ext cx="1914473" cy="407083"/>
           </a:xfrm>
           <a:prstGeom prst="rect">
             <a:avLst/>
           </a:prstGeom>
-          <a:noFill/>
+          <a:solidFill>
+            <a:schemeClr val="accent5">
+              <a:lumMod val="40000"/>
+              <a:lumOff val="60000"/>
+            </a:schemeClr>
+          </a:solidFill>
+          <a:ln>
+            <a:solidFill>
+              <a:schemeClr val="tx1"/>
+            </a:solidFill>
+          </a:ln>
         </p:spPr>
         <p:txBody>
           <a:bodyPr wrap="square" rtlCol="0">
-            <a:spAutoFit/>
+            <a:noAutofit/>
           </a:bodyPr>
           <a:lstStyle/>
           <a:p>
             <a:r>
-              <a:rPr lang="en-US" altLang="ja-JP" sz="2400" dirty="0">
-                <a:solidFill>
-                  <a:srgbClr val="000000"/>
-                </a:solidFill>
-                <a:effectLst/>
-                <a:latin typeface="Times New Roman" panose="02020603050405020304" pitchFamily="18" charset="0"/>
-                <a:cs typeface="Times New Roman" panose="02020603050405020304" pitchFamily="18" charset="0"/>
+              <a:rPr lang="en-US" altLang="ja-JP" sz="907" dirty="0">
+                <a:latin typeface="ＭＳ Ｐゴシック" panose="020B0600070205080204" pitchFamily="50" charset="-128"/>
+                <a:ea typeface="ＭＳ Ｐゴシック" panose="020B0600070205080204" pitchFamily="50" charset="-128"/>
+                <a:cs typeface="Arial" panose="020B0604020202020204" pitchFamily="34" charset="0"/>
               </a:rPr>
-              <a:t>pumpingSystem_ex02</a:t>
-            </a:r>
-            <a:endParaRPr kumimoji="1" lang="ja-JP" altLang="en-US" sz="2400" dirty="0">
-              <a:latin typeface="Times New Roman" panose="02020603050405020304" pitchFamily="18" charset="0"/>
-              <a:cs typeface="Times New Roman" panose="02020603050405020304" pitchFamily="18" charset="0"/>
-            </a:endParaRPr>
-          </a:p>
-        </p:txBody>
-      </p:sp>
+              <a:t>Input: </a:t>
+            </a:r>
+          </a:p>
+          <a:p>
+            <a:r>
+              <a:rPr lang="en-US" altLang="ja-JP" sz="907" dirty="0">
+                <a:latin typeface="ＭＳ Ｐゴシック" panose="020B0600070205080204" pitchFamily="50" charset="-128"/>
+                <a:ea typeface="ＭＳ Ｐゴシック" panose="020B0600070205080204" pitchFamily="50" charset="-128"/>
+                <a:cs typeface="Arial" panose="020B0604020202020204" pitchFamily="34" charset="0"/>
+              </a:rPr>
+              <a:t> mechanical rotary speed of pump.</a:t>
+            </a:r>
+          </a:p>
+        </p:txBody>
+      </p:sp>
+      <p:cxnSp>
+        <p:nvCxnSpPr>
+          <p:cNvPr id="7" name="直線矢印コネクタ 6">
+            <a:extLst>
+              <a:ext uri="{FF2B5EF4-FFF2-40B4-BE49-F238E27FC236}">
+                <a16:creationId xmlns:a16="http://schemas.microsoft.com/office/drawing/2014/main" id="{88384F1C-3373-4685-B928-3D6F7902F320}"/>
+              </a:ext>
+            </a:extLst>
+          </p:cNvPr>
+          <p:cNvCxnSpPr>
+            <a:cxnSpLocks/>
+          </p:cNvCxnSpPr>
+          <p:nvPr/>
+        </p:nvCxnSpPr>
+        <p:spPr>
+          <a:xfrm>
+            <a:off x="4506924" y="2622802"/>
+            <a:ext cx="568379" cy="571738"/>
+          </a:xfrm>
+          <a:prstGeom prst="straightConnector1">
+            <a:avLst/>
+          </a:prstGeom>
+          <a:ln w="12700">
+            <a:solidFill>
+              <a:schemeClr val="tx1"/>
+            </a:solidFill>
+            <a:tailEnd type="oval"/>
+          </a:ln>
+        </p:spPr>
+        <p:style>
+          <a:lnRef idx="1">
+            <a:schemeClr val="accent1"/>
+          </a:lnRef>
+          <a:fillRef idx="0">
+            <a:schemeClr val="accent1"/>
+          </a:fillRef>
+          <a:effectRef idx="0">
+            <a:schemeClr val="accent1"/>
+          </a:effectRef>
+          <a:fontRef idx="minor">
+            <a:schemeClr val="tx1"/>
+          </a:fontRef>
+        </p:style>
+      </p:cxnSp>
     </p:spTree>
     <p:extLst>
       <p:ext uri="{BB962C8B-B14F-4D97-AF65-F5344CB8AC3E}">
-        <p14:creationId xmlns:p14="http://schemas.microsoft.com/office/powerpoint/2010/main" val="1047156367"/>
+        <p14:creationId xmlns:p14="http://schemas.microsoft.com/office/powerpoint/2010/main" val="738699800"/>
       </p:ext>
     </p:extLst>
   </p:cSld>

--- a/figs/makeFigs.pptx
+++ b/figs/makeFigs.pptx
@@ -19,32 +19,33 @@
     <p:sldId id="357" r:id="rId13"/>
     <p:sldId id="358" r:id="rId14"/>
     <p:sldId id="359" r:id="rId15"/>
-    <p:sldId id="338" r:id="rId16"/>
-    <p:sldId id="327" r:id="rId17"/>
-    <p:sldId id="328" r:id="rId18"/>
-    <p:sldId id="329" r:id="rId19"/>
-    <p:sldId id="330" r:id="rId20"/>
-    <p:sldId id="331" r:id="rId21"/>
-    <p:sldId id="332" r:id="rId22"/>
-    <p:sldId id="333" r:id="rId23"/>
-    <p:sldId id="334" r:id="rId24"/>
-    <p:sldId id="335" r:id="rId25"/>
+    <p:sldId id="360" r:id="rId16"/>
+    <p:sldId id="338" r:id="rId17"/>
+    <p:sldId id="327" r:id="rId18"/>
+    <p:sldId id="328" r:id="rId19"/>
+    <p:sldId id="329" r:id="rId20"/>
+    <p:sldId id="330" r:id="rId21"/>
+    <p:sldId id="331" r:id="rId22"/>
+    <p:sldId id="332" r:id="rId23"/>
+    <p:sldId id="333" r:id="rId24"/>
+    <p:sldId id="334" r:id="rId25"/>
     <p:sldId id="336" r:id="rId26"/>
-    <p:sldId id="339" r:id="rId27"/>
-    <p:sldId id="340" r:id="rId28"/>
-    <p:sldId id="341" r:id="rId29"/>
-    <p:sldId id="342" r:id="rId30"/>
-    <p:sldId id="343" r:id="rId31"/>
-    <p:sldId id="344" r:id="rId32"/>
-    <p:sldId id="345" r:id="rId33"/>
-    <p:sldId id="346" r:id="rId34"/>
-    <p:sldId id="347" r:id="rId35"/>
-    <p:sldId id="348" r:id="rId36"/>
-    <p:sldId id="349" r:id="rId37"/>
-    <p:sldId id="350" r:id="rId38"/>
-    <p:sldId id="351" r:id="rId39"/>
-    <p:sldId id="352" r:id="rId40"/>
-    <p:sldId id="353" r:id="rId41"/>
+    <p:sldId id="335" r:id="rId27"/>
+    <p:sldId id="339" r:id="rId28"/>
+    <p:sldId id="340" r:id="rId29"/>
+    <p:sldId id="341" r:id="rId30"/>
+    <p:sldId id="342" r:id="rId31"/>
+    <p:sldId id="343" r:id="rId32"/>
+    <p:sldId id="344" r:id="rId33"/>
+    <p:sldId id="345" r:id="rId34"/>
+    <p:sldId id="346" r:id="rId35"/>
+    <p:sldId id="347" r:id="rId36"/>
+    <p:sldId id="348" r:id="rId37"/>
+    <p:sldId id="349" r:id="rId38"/>
+    <p:sldId id="350" r:id="rId39"/>
+    <p:sldId id="351" r:id="rId40"/>
+    <p:sldId id="352" r:id="rId41"/>
+    <p:sldId id="353" r:id="rId42"/>
   </p:sldIdLst>
   <p:sldSz cx="12192000" cy="6858000"/>
   <p:notesSz cx="6858000" cy="9144000"/>
@@ -166,6 +167,7 @@
             <p14:sldId id="357"/>
             <p14:sldId id="358"/>
             <p14:sldId id="359"/>
+            <p14:sldId id="360"/>
           </p14:sldIdLst>
         </p14:section>
         <p14:section name="pumpingSystem_ex02" id="{361D8E47-712C-4C08-B283-5D566F150FF9}">
@@ -195,8 +197,8 @@
         </p14:section>
         <p14:section name="タイトルなしのセクション" id="{8E4195A4-0C5E-4440-AC50-8487031D9972}">
           <p14:sldIdLst>
+            <p14:sldId id="336"/>
             <p14:sldId id="335"/>
-            <p14:sldId id="336"/>
             <p14:sldId id="339"/>
             <p14:sldId id="340"/>
             <p14:sldId id="341"/>
@@ -370,7 +372,7 @@
           <a:p>
             <a:fld id="{5498794B-0F6E-4381-BD9D-5788C27E7ABB}" type="datetimeFigureOut">
               <a:rPr kumimoji="1" lang="ja-JP" altLang="en-US" smtClean="0"/>
-              <a:t>2020/10/17</a:t>
+              <a:t>2020/10/19</a:t>
             </a:fld>
             <a:endParaRPr kumimoji="1" lang="ja-JP" altLang="en-US"/>
           </a:p>
@@ -600,7 +602,7 @@
           <a:p>
             <a:fld id="{5498794B-0F6E-4381-BD9D-5788C27E7ABB}" type="datetimeFigureOut">
               <a:rPr kumimoji="1" lang="ja-JP" altLang="en-US" smtClean="0"/>
-              <a:t>2020/10/17</a:t>
+              <a:t>2020/10/19</a:t>
             </a:fld>
             <a:endParaRPr kumimoji="1" lang="ja-JP" altLang="en-US"/>
           </a:p>
@@ -840,7 +842,7 @@
           <a:p>
             <a:fld id="{5498794B-0F6E-4381-BD9D-5788C27E7ABB}" type="datetimeFigureOut">
               <a:rPr kumimoji="1" lang="ja-JP" altLang="en-US" smtClean="0"/>
-              <a:t>2020/10/17</a:t>
+              <a:t>2020/10/19</a:t>
             </a:fld>
             <a:endParaRPr kumimoji="1" lang="ja-JP" altLang="en-US"/>
           </a:p>
@@ -1160,7 +1162,7 @@
           <a:p>
             <a:fld id="{5498794B-0F6E-4381-BD9D-5788C27E7ABB}" type="datetimeFigureOut">
               <a:rPr kumimoji="1" lang="ja-JP" altLang="en-US" smtClean="0"/>
-              <a:t>2020/10/17</a:t>
+              <a:t>2020/10/19</a:t>
             </a:fld>
             <a:endParaRPr kumimoji="1" lang="ja-JP" altLang="en-US"/>
           </a:p>
@@ -1435,7 +1437,7 @@
           <a:p>
             <a:fld id="{5498794B-0F6E-4381-BD9D-5788C27E7ABB}" type="datetimeFigureOut">
               <a:rPr kumimoji="1" lang="ja-JP" altLang="en-US" smtClean="0"/>
-              <a:t>2020/10/17</a:t>
+              <a:t>2020/10/19</a:t>
             </a:fld>
             <a:endParaRPr kumimoji="1" lang="ja-JP" altLang="en-US"/>
           </a:p>
@@ -1764,7 +1766,7 @@
           <a:p>
             <a:fld id="{5498794B-0F6E-4381-BD9D-5788C27E7ABB}" type="datetimeFigureOut">
               <a:rPr kumimoji="1" lang="ja-JP" altLang="en-US" smtClean="0"/>
-              <a:t>2020/10/17</a:t>
+              <a:t>2020/10/19</a:t>
             </a:fld>
             <a:endParaRPr kumimoji="1" lang="ja-JP" altLang="en-US"/>
           </a:p>
@@ -2240,7 +2242,7 @@
           <a:p>
             <a:fld id="{5498794B-0F6E-4381-BD9D-5788C27E7ABB}" type="datetimeFigureOut">
               <a:rPr kumimoji="1" lang="ja-JP" altLang="en-US" smtClean="0"/>
-              <a:t>2020/10/17</a:t>
+              <a:t>2020/10/19</a:t>
             </a:fld>
             <a:endParaRPr kumimoji="1" lang="ja-JP" altLang="en-US"/>
           </a:p>
@@ -2381,7 +2383,7 @@
           <a:p>
             <a:fld id="{5498794B-0F6E-4381-BD9D-5788C27E7ABB}" type="datetimeFigureOut">
               <a:rPr kumimoji="1" lang="ja-JP" altLang="en-US" smtClean="0"/>
-              <a:t>2020/10/17</a:t>
+              <a:t>2020/10/19</a:t>
             </a:fld>
             <a:endParaRPr kumimoji="1" lang="ja-JP" altLang="en-US"/>
           </a:p>
@@ -2494,7 +2496,7 @@
           <a:p>
             <a:fld id="{5498794B-0F6E-4381-BD9D-5788C27E7ABB}" type="datetimeFigureOut">
               <a:rPr kumimoji="1" lang="ja-JP" altLang="en-US" smtClean="0"/>
-              <a:t>2020/10/17</a:t>
+              <a:t>2020/10/19</a:t>
             </a:fld>
             <a:endParaRPr kumimoji="1" lang="ja-JP" altLang="en-US"/>
           </a:p>
@@ -2837,7 +2839,7 @@
           <a:p>
             <a:fld id="{5498794B-0F6E-4381-BD9D-5788C27E7ABB}" type="datetimeFigureOut">
               <a:rPr kumimoji="1" lang="ja-JP" altLang="en-US" smtClean="0"/>
-              <a:t>2020/10/17</a:t>
+              <a:t>2020/10/19</a:t>
             </a:fld>
             <a:endParaRPr kumimoji="1" lang="ja-JP" altLang="en-US"/>
           </a:p>
@@ -3125,7 +3127,7 @@
           <a:p>
             <a:fld id="{5498794B-0F6E-4381-BD9D-5788C27E7ABB}" type="datetimeFigureOut">
               <a:rPr kumimoji="1" lang="ja-JP" altLang="en-US" smtClean="0"/>
-              <a:t>2020/10/17</a:t>
+              <a:t>2020/10/19</a:t>
             </a:fld>
             <a:endParaRPr kumimoji="1" lang="ja-JP" altLang="en-US"/>
           </a:p>
@@ -3398,7 +3400,7 @@
           <a:p>
             <a:fld id="{5498794B-0F6E-4381-BD9D-5788C27E7ABB}" type="datetimeFigureOut">
               <a:rPr kumimoji="1" lang="ja-JP" altLang="en-US" smtClean="0"/>
-              <a:t>2020/10/17</a:t>
+              <a:t>2020/10/19</a:t>
             </a:fld>
             <a:endParaRPr kumimoji="1" lang="ja-JP" altLang="en-US"/>
           </a:p>
@@ -4865,10 +4867,10 @@
       </p:grpSpPr>
       <p:pic>
         <p:nvPicPr>
-          <p:cNvPr id="3" name="図 2">
-            <a:extLst>
-              <a:ext uri="{FF2B5EF4-FFF2-40B4-BE49-F238E27FC236}">
-                <a16:creationId xmlns:a16="http://schemas.microsoft.com/office/drawing/2014/main" id="{54507FFA-AEFE-4C50-B8FE-5D35D2BD6152}"/>
+          <p:cNvPr id="4" name="図 3">
+            <a:extLst>
+              <a:ext uri="{FF2B5EF4-FFF2-40B4-BE49-F238E27FC236}">
+                <a16:creationId xmlns:a16="http://schemas.microsoft.com/office/drawing/2014/main" id="{85F83BE9-A5CE-4120-A63E-1D6A94C5204C}"/>
               </a:ext>
             </a:extLst>
           </p:cNvPr>
@@ -4885,64 +4887,18 @@
         </p:blipFill>
         <p:spPr>
           <a:xfrm>
-            <a:off x="2468479" y="0"/>
-            <a:ext cx="7255042" cy="6858000"/>
+            <a:off x="1881121" y="1465031"/>
+            <a:ext cx="4584589" cy="2755631"/>
           </a:xfrm>
           <a:prstGeom prst="rect">
             <a:avLst/>
           </a:prstGeom>
         </p:spPr>
       </p:pic>
-      <p:sp>
-        <p:nvSpPr>
-          <p:cNvPr id="5" name="テキスト ボックス 4">
-            <a:extLst>
-              <a:ext uri="{FF2B5EF4-FFF2-40B4-BE49-F238E27FC236}">
-                <a16:creationId xmlns:a16="http://schemas.microsoft.com/office/drawing/2014/main" id="{10C95F8E-27E6-4FA4-9097-5CD1B71BC8C0}"/>
-              </a:ext>
-            </a:extLst>
-          </p:cNvPr>
-          <p:cNvSpPr txBox="1"/>
-          <p:nvPr/>
-        </p:nvSpPr>
-        <p:spPr>
-          <a:xfrm>
-            <a:off x="78153" y="0"/>
-            <a:ext cx="4079632" cy="461665"/>
-          </a:xfrm>
-          <a:prstGeom prst="rect">
-            <a:avLst/>
-          </a:prstGeom>
-          <a:noFill/>
-        </p:spPr>
-        <p:txBody>
-          <a:bodyPr wrap="square" rtlCol="0">
-            <a:spAutoFit/>
-          </a:bodyPr>
-          <a:lstStyle/>
-          <a:p>
-            <a:r>
-              <a:rPr lang="en-US" altLang="ja-JP" sz="2400" dirty="0">
-                <a:solidFill>
-                  <a:srgbClr val="000000"/>
-                </a:solidFill>
-                <a:effectLst/>
-                <a:latin typeface="Times New Roman" panose="02020603050405020304" pitchFamily="18" charset="0"/>
-                <a:cs typeface="Times New Roman" panose="02020603050405020304" pitchFamily="18" charset="0"/>
-              </a:rPr>
-              <a:t>pumpingSystem_ex02</a:t>
-            </a:r>
-            <a:endParaRPr kumimoji="1" lang="ja-JP" altLang="en-US" sz="2400" dirty="0">
-              <a:latin typeface="Times New Roman" panose="02020603050405020304" pitchFamily="18" charset="0"/>
-              <a:cs typeface="Times New Roman" panose="02020603050405020304" pitchFamily="18" charset="0"/>
-            </a:endParaRPr>
-          </a:p>
-        </p:txBody>
-      </p:sp>
     </p:spTree>
     <p:extLst>
       <p:ext uri="{BB962C8B-B14F-4D97-AF65-F5344CB8AC3E}">
-        <p14:creationId xmlns:p14="http://schemas.microsoft.com/office/powerpoint/2010/main" val="1047156367"/>
+        <p14:creationId xmlns:p14="http://schemas.microsoft.com/office/powerpoint/2010/main" val="3540981022"/>
       </p:ext>
     </p:extLst>
   </p:cSld>
@@ -4974,7 +4930,7 @@
           <p:cNvPr id="3" name="図 2">
             <a:extLst>
               <a:ext uri="{FF2B5EF4-FFF2-40B4-BE49-F238E27FC236}">
-                <a16:creationId xmlns:a16="http://schemas.microsoft.com/office/drawing/2014/main" id="{2E8E4416-F1CB-443C-9585-680D13105DF2}"/>
+                <a16:creationId xmlns:a16="http://schemas.microsoft.com/office/drawing/2014/main" id="{54507FFA-AEFE-4C50-B8FE-5D35D2BD6152}"/>
               </a:ext>
             </a:extLst>
           </p:cNvPr>
@@ -4999,10 +4955,56 @@
           </a:prstGeom>
         </p:spPr>
       </p:pic>
+      <p:sp>
+        <p:nvSpPr>
+          <p:cNvPr id="5" name="テキスト ボックス 4">
+            <a:extLst>
+              <a:ext uri="{FF2B5EF4-FFF2-40B4-BE49-F238E27FC236}">
+                <a16:creationId xmlns:a16="http://schemas.microsoft.com/office/drawing/2014/main" id="{10C95F8E-27E6-4FA4-9097-5CD1B71BC8C0}"/>
+              </a:ext>
+            </a:extLst>
+          </p:cNvPr>
+          <p:cNvSpPr txBox="1"/>
+          <p:nvPr/>
+        </p:nvSpPr>
+        <p:spPr>
+          <a:xfrm>
+            <a:off x="78153" y="0"/>
+            <a:ext cx="4079632" cy="461665"/>
+          </a:xfrm>
+          <a:prstGeom prst="rect">
+            <a:avLst/>
+          </a:prstGeom>
+          <a:noFill/>
+        </p:spPr>
+        <p:txBody>
+          <a:bodyPr wrap="square" rtlCol="0">
+            <a:spAutoFit/>
+          </a:bodyPr>
+          <a:lstStyle/>
+          <a:p>
+            <a:r>
+              <a:rPr lang="en-US" altLang="ja-JP" sz="2400" dirty="0">
+                <a:solidFill>
+                  <a:srgbClr val="000000"/>
+                </a:solidFill>
+                <a:effectLst/>
+                <a:latin typeface="Times New Roman" panose="02020603050405020304" pitchFamily="18" charset="0"/>
+                <a:cs typeface="Times New Roman" panose="02020603050405020304" pitchFamily="18" charset="0"/>
+              </a:rPr>
+              <a:t>pumpingSystem_ex02</a:t>
+            </a:r>
+            <a:endParaRPr kumimoji="1" lang="ja-JP" altLang="en-US" sz="2400" dirty="0">
+              <a:latin typeface="Times New Roman" panose="02020603050405020304" pitchFamily="18" charset="0"/>
+              <a:cs typeface="Times New Roman" panose="02020603050405020304" pitchFamily="18" charset="0"/>
+            </a:endParaRPr>
+          </a:p>
+        </p:txBody>
+      </p:sp>
     </p:spTree>
     <p:extLst>
       <p:ext uri="{BB962C8B-B14F-4D97-AF65-F5344CB8AC3E}">
-        <p14:creationId xmlns:p14="http://schemas.microsoft.com/office/powerpoint/2010/main" val="1883206660"/>
+        <p14:creationId xmlns:p14="http://schemas.microsoft.com/office/powerpoint/2010/main" val="1047156367"/>
       </p:ext>
     </p:extLst>
   </p:cSld>
@@ -5034,7 +5036,7 @@
           <p:cNvPr id="3" name="図 2">
             <a:extLst>
               <a:ext uri="{FF2B5EF4-FFF2-40B4-BE49-F238E27FC236}">
-                <a16:creationId xmlns:a16="http://schemas.microsoft.com/office/drawing/2014/main" id="{61B8F0D8-5E34-4DC1-B93E-6679D631A3F9}"/>
+                <a16:creationId xmlns:a16="http://schemas.microsoft.com/office/drawing/2014/main" id="{2E8E4416-F1CB-443C-9585-680D13105DF2}"/>
               </a:ext>
             </a:extLst>
           </p:cNvPr>
@@ -5051,64 +5053,18 @@
         </p:blipFill>
         <p:spPr>
           <a:xfrm>
-            <a:off x="2012782" y="0"/>
-            <a:ext cx="8166435" cy="6858000"/>
+            <a:off x="2468479" y="0"/>
+            <a:ext cx="7255042" cy="6858000"/>
           </a:xfrm>
           <a:prstGeom prst="rect">
             <a:avLst/>
           </a:prstGeom>
         </p:spPr>
       </p:pic>
-      <p:sp>
-        <p:nvSpPr>
-          <p:cNvPr id="5" name="テキスト ボックス 4">
-            <a:extLst>
-              <a:ext uri="{FF2B5EF4-FFF2-40B4-BE49-F238E27FC236}">
-                <a16:creationId xmlns:a16="http://schemas.microsoft.com/office/drawing/2014/main" id="{1677C04D-C665-45AD-879E-63BB3E2A5148}"/>
-              </a:ext>
-            </a:extLst>
-          </p:cNvPr>
-          <p:cNvSpPr txBox="1"/>
-          <p:nvPr/>
-        </p:nvSpPr>
-        <p:spPr>
-          <a:xfrm>
-            <a:off x="78153" y="0"/>
-            <a:ext cx="4079632" cy="461665"/>
-          </a:xfrm>
-          <a:prstGeom prst="rect">
-            <a:avLst/>
-          </a:prstGeom>
-          <a:noFill/>
-        </p:spPr>
-        <p:txBody>
-          <a:bodyPr wrap="square" rtlCol="0">
-            <a:spAutoFit/>
-          </a:bodyPr>
-          <a:lstStyle/>
-          <a:p>
-            <a:r>
-              <a:rPr lang="en-US" altLang="ja-JP" sz="2400" dirty="0">
-                <a:solidFill>
-                  <a:srgbClr val="000000"/>
-                </a:solidFill>
-                <a:effectLst/>
-                <a:latin typeface="Times New Roman" panose="02020603050405020304" pitchFamily="18" charset="0"/>
-                <a:cs typeface="Times New Roman" panose="02020603050405020304" pitchFamily="18" charset="0"/>
-              </a:rPr>
-              <a:t>pumpingSystem_ex03</a:t>
-            </a:r>
-            <a:endParaRPr kumimoji="1" lang="ja-JP" altLang="en-US" sz="2400" dirty="0">
-              <a:latin typeface="Times New Roman" panose="02020603050405020304" pitchFamily="18" charset="0"/>
-              <a:cs typeface="Times New Roman" panose="02020603050405020304" pitchFamily="18" charset="0"/>
-            </a:endParaRPr>
-          </a:p>
-        </p:txBody>
-      </p:sp>
     </p:spTree>
     <p:extLst>
       <p:ext uri="{BB962C8B-B14F-4D97-AF65-F5344CB8AC3E}">
-        <p14:creationId xmlns:p14="http://schemas.microsoft.com/office/powerpoint/2010/main" val="1816954010"/>
+        <p14:creationId xmlns:p14="http://schemas.microsoft.com/office/powerpoint/2010/main" val="1883206660"/>
       </p:ext>
     </p:extLst>
   </p:cSld>
@@ -5140,7 +5096,7 @@
           <p:cNvPr id="3" name="図 2">
             <a:extLst>
               <a:ext uri="{FF2B5EF4-FFF2-40B4-BE49-F238E27FC236}">
-                <a16:creationId xmlns:a16="http://schemas.microsoft.com/office/drawing/2014/main" id="{32D34272-BA97-4DCD-8AE9-32A0849B8DE5}"/>
+                <a16:creationId xmlns:a16="http://schemas.microsoft.com/office/drawing/2014/main" id="{61B8F0D8-5E34-4DC1-B93E-6679D631A3F9}"/>
               </a:ext>
             </a:extLst>
           </p:cNvPr>
@@ -5165,10 +5121,56 @@
           </a:prstGeom>
         </p:spPr>
       </p:pic>
+      <p:sp>
+        <p:nvSpPr>
+          <p:cNvPr id="5" name="テキスト ボックス 4">
+            <a:extLst>
+              <a:ext uri="{FF2B5EF4-FFF2-40B4-BE49-F238E27FC236}">
+                <a16:creationId xmlns:a16="http://schemas.microsoft.com/office/drawing/2014/main" id="{1677C04D-C665-45AD-879E-63BB3E2A5148}"/>
+              </a:ext>
+            </a:extLst>
+          </p:cNvPr>
+          <p:cNvSpPr txBox="1"/>
+          <p:nvPr/>
+        </p:nvSpPr>
+        <p:spPr>
+          <a:xfrm>
+            <a:off x="78153" y="0"/>
+            <a:ext cx="4079632" cy="461665"/>
+          </a:xfrm>
+          <a:prstGeom prst="rect">
+            <a:avLst/>
+          </a:prstGeom>
+          <a:noFill/>
+        </p:spPr>
+        <p:txBody>
+          <a:bodyPr wrap="square" rtlCol="0">
+            <a:spAutoFit/>
+          </a:bodyPr>
+          <a:lstStyle/>
+          <a:p>
+            <a:r>
+              <a:rPr lang="en-US" altLang="ja-JP" sz="2400" dirty="0">
+                <a:solidFill>
+                  <a:srgbClr val="000000"/>
+                </a:solidFill>
+                <a:effectLst/>
+                <a:latin typeface="Times New Roman" panose="02020603050405020304" pitchFamily="18" charset="0"/>
+                <a:cs typeface="Times New Roman" panose="02020603050405020304" pitchFamily="18" charset="0"/>
+              </a:rPr>
+              <a:t>pumpingSystem_ex03</a:t>
+            </a:r>
+            <a:endParaRPr kumimoji="1" lang="ja-JP" altLang="en-US" sz="2400" dirty="0">
+              <a:latin typeface="Times New Roman" panose="02020603050405020304" pitchFamily="18" charset="0"/>
+              <a:cs typeface="Times New Roman" panose="02020603050405020304" pitchFamily="18" charset="0"/>
+            </a:endParaRPr>
+          </a:p>
+        </p:txBody>
+      </p:sp>
     </p:spTree>
     <p:extLst>
       <p:ext uri="{BB962C8B-B14F-4D97-AF65-F5344CB8AC3E}">
-        <p14:creationId xmlns:p14="http://schemas.microsoft.com/office/powerpoint/2010/main" val="3694756281"/>
+        <p14:creationId xmlns:p14="http://schemas.microsoft.com/office/powerpoint/2010/main" val="1816954010"/>
       </p:ext>
     </p:extLst>
   </p:cSld>
@@ -5197,10 +5199,10 @@
       </p:grpSpPr>
       <p:pic>
         <p:nvPicPr>
-          <p:cNvPr id="5" name="図 4">
-            <a:extLst>
-              <a:ext uri="{FF2B5EF4-FFF2-40B4-BE49-F238E27FC236}">
-                <a16:creationId xmlns:a16="http://schemas.microsoft.com/office/drawing/2014/main" id="{1861CB12-90A6-42DE-A22D-8963E3B6B5F0}"/>
+          <p:cNvPr id="3" name="図 2">
+            <a:extLst>
+              <a:ext uri="{FF2B5EF4-FFF2-40B4-BE49-F238E27FC236}">
+                <a16:creationId xmlns:a16="http://schemas.microsoft.com/office/drawing/2014/main" id="{32D34272-BA97-4DCD-8AE9-32A0849B8DE5}"/>
               </a:ext>
             </a:extLst>
           </p:cNvPr>
@@ -5217,64 +5219,18 @@
         </p:blipFill>
         <p:spPr>
           <a:xfrm>
-            <a:off x="1985486" y="0"/>
-            <a:ext cx="8221027" cy="6858000"/>
+            <a:off x="2012782" y="0"/>
+            <a:ext cx="8166435" cy="6858000"/>
           </a:xfrm>
           <a:prstGeom prst="rect">
             <a:avLst/>
           </a:prstGeom>
         </p:spPr>
       </p:pic>
-      <p:sp>
-        <p:nvSpPr>
-          <p:cNvPr id="3" name="テキスト ボックス 2">
-            <a:extLst>
-              <a:ext uri="{FF2B5EF4-FFF2-40B4-BE49-F238E27FC236}">
-                <a16:creationId xmlns:a16="http://schemas.microsoft.com/office/drawing/2014/main" id="{24ADC03F-BFEC-4049-9726-538FCD7B5E67}"/>
-              </a:ext>
-            </a:extLst>
-          </p:cNvPr>
-          <p:cNvSpPr txBox="1"/>
-          <p:nvPr/>
-        </p:nvSpPr>
-        <p:spPr>
-          <a:xfrm>
-            <a:off x="78153" y="0"/>
-            <a:ext cx="4079632" cy="461665"/>
-          </a:xfrm>
-          <a:prstGeom prst="rect">
-            <a:avLst/>
-          </a:prstGeom>
-          <a:noFill/>
-        </p:spPr>
-        <p:txBody>
-          <a:bodyPr wrap="square" rtlCol="0">
-            <a:spAutoFit/>
-          </a:bodyPr>
-          <a:lstStyle/>
-          <a:p>
-            <a:r>
-              <a:rPr lang="en-US" altLang="ja-JP" sz="2400" dirty="0">
-                <a:solidFill>
-                  <a:srgbClr val="000000"/>
-                </a:solidFill>
-                <a:effectLst/>
-                <a:latin typeface="Times New Roman" panose="02020603050405020304" pitchFamily="18" charset="0"/>
-                <a:cs typeface="Times New Roman" panose="02020603050405020304" pitchFamily="18" charset="0"/>
-              </a:rPr>
-              <a:t>PumpAsTurbine_ex01</a:t>
-            </a:r>
-            <a:endParaRPr kumimoji="1" lang="ja-JP" altLang="en-US" sz="2400" dirty="0">
-              <a:latin typeface="Times New Roman" panose="02020603050405020304" pitchFamily="18" charset="0"/>
-              <a:cs typeface="Times New Roman" panose="02020603050405020304" pitchFamily="18" charset="0"/>
-            </a:endParaRPr>
-          </a:p>
-        </p:txBody>
-      </p:sp>
     </p:spTree>
     <p:extLst>
       <p:ext uri="{BB962C8B-B14F-4D97-AF65-F5344CB8AC3E}">
-        <p14:creationId xmlns:p14="http://schemas.microsoft.com/office/powerpoint/2010/main" val="3258820415"/>
+        <p14:creationId xmlns:p14="http://schemas.microsoft.com/office/powerpoint/2010/main" val="3694756281"/>
       </p:ext>
     </p:extLst>
   </p:cSld>
@@ -6035,10 +5991,10 @@
       </p:grpSpPr>
       <p:pic>
         <p:nvPicPr>
-          <p:cNvPr id="3" name="図 2">
-            <a:extLst>
-              <a:ext uri="{FF2B5EF4-FFF2-40B4-BE49-F238E27FC236}">
-                <a16:creationId xmlns:a16="http://schemas.microsoft.com/office/drawing/2014/main" id="{2848B27E-D4AC-4CD0-81CF-025BAB9F3594}"/>
+          <p:cNvPr id="5" name="図 4">
+            <a:extLst>
+              <a:ext uri="{FF2B5EF4-FFF2-40B4-BE49-F238E27FC236}">
+                <a16:creationId xmlns:a16="http://schemas.microsoft.com/office/drawing/2014/main" id="{1861CB12-90A6-42DE-A22D-8963E3B6B5F0}"/>
               </a:ext>
             </a:extLst>
           </p:cNvPr>
@@ -6063,10 +6019,56 @@
           </a:prstGeom>
         </p:spPr>
       </p:pic>
+      <p:sp>
+        <p:nvSpPr>
+          <p:cNvPr id="3" name="テキスト ボックス 2">
+            <a:extLst>
+              <a:ext uri="{FF2B5EF4-FFF2-40B4-BE49-F238E27FC236}">
+                <a16:creationId xmlns:a16="http://schemas.microsoft.com/office/drawing/2014/main" id="{24ADC03F-BFEC-4049-9726-538FCD7B5E67}"/>
+              </a:ext>
+            </a:extLst>
+          </p:cNvPr>
+          <p:cNvSpPr txBox="1"/>
+          <p:nvPr/>
+        </p:nvSpPr>
+        <p:spPr>
+          <a:xfrm>
+            <a:off x="78153" y="0"/>
+            <a:ext cx="4079632" cy="461665"/>
+          </a:xfrm>
+          <a:prstGeom prst="rect">
+            <a:avLst/>
+          </a:prstGeom>
+          <a:noFill/>
+        </p:spPr>
+        <p:txBody>
+          <a:bodyPr wrap="square" rtlCol="0">
+            <a:spAutoFit/>
+          </a:bodyPr>
+          <a:lstStyle/>
+          <a:p>
+            <a:r>
+              <a:rPr lang="en-US" altLang="ja-JP" sz="2400" dirty="0">
+                <a:solidFill>
+                  <a:srgbClr val="000000"/>
+                </a:solidFill>
+                <a:effectLst/>
+                <a:latin typeface="Times New Roman" panose="02020603050405020304" pitchFamily="18" charset="0"/>
+                <a:cs typeface="Times New Roman" panose="02020603050405020304" pitchFamily="18" charset="0"/>
+              </a:rPr>
+              <a:t>PumpAsTurbine_ex01</a:t>
+            </a:r>
+            <a:endParaRPr kumimoji="1" lang="ja-JP" altLang="en-US" sz="2400" dirty="0">
+              <a:latin typeface="Times New Roman" panose="02020603050405020304" pitchFamily="18" charset="0"/>
+              <a:cs typeface="Times New Roman" panose="02020603050405020304" pitchFamily="18" charset="0"/>
+            </a:endParaRPr>
+          </a:p>
+        </p:txBody>
+      </p:sp>
     </p:spTree>
     <p:extLst>
       <p:ext uri="{BB962C8B-B14F-4D97-AF65-F5344CB8AC3E}">
-        <p14:creationId xmlns:p14="http://schemas.microsoft.com/office/powerpoint/2010/main" val="2043835998"/>
+        <p14:creationId xmlns:p14="http://schemas.microsoft.com/office/powerpoint/2010/main" val="3258820415"/>
       </p:ext>
     </p:extLst>
   </p:cSld>
@@ -6095,10 +6097,10 @@
       </p:grpSpPr>
       <p:pic>
         <p:nvPicPr>
-          <p:cNvPr id="5" name="図 4">
-            <a:extLst>
-              <a:ext uri="{FF2B5EF4-FFF2-40B4-BE49-F238E27FC236}">
-                <a16:creationId xmlns:a16="http://schemas.microsoft.com/office/drawing/2014/main" id="{F40256F8-9584-41E5-ACD5-AA57ECDBCBBC}"/>
+          <p:cNvPr id="3" name="図 2">
+            <a:extLst>
+              <a:ext uri="{FF2B5EF4-FFF2-40B4-BE49-F238E27FC236}">
+                <a16:creationId xmlns:a16="http://schemas.microsoft.com/office/drawing/2014/main" id="{2848B27E-D4AC-4CD0-81CF-025BAB9F3594}"/>
               </a:ext>
             </a:extLst>
           </p:cNvPr>
@@ -6115,64 +6117,18 @@
         </p:blipFill>
         <p:spPr>
           <a:xfrm>
-            <a:off x="2039639" y="0"/>
-            <a:ext cx="8112722" cy="6858000"/>
+            <a:off x="1985486" y="0"/>
+            <a:ext cx="8221027" cy="6858000"/>
           </a:xfrm>
           <a:prstGeom prst="rect">
             <a:avLst/>
           </a:prstGeom>
         </p:spPr>
       </p:pic>
-      <p:sp>
-        <p:nvSpPr>
-          <p:cNvPr id="3" name="テキスト ボックス 2">
-            <a:extLst>
-              <a:ext uri="{FF2B5EF4-FFF2-40B4-BE49-F238E27FC236}">
-                <a16:creationId xmlns:a16="http://schemas.microsoft.com/office/drawing/2014/main" id="{ABC8D612-4C8F-40D2-9EE2-D80AEAE98A25}"/>
-              </a:ext>
-            </a:extLst>
-          </p:cNvPr>
-          <p:cNvSpPr txBox="1"/>
-          <p:nvPr/>
-        </p:nvSpPr>
-        <p:spPr>
-          <a:xfrm>
-            <a:off x="78153" y="0"/>
-            <a:ext cx="4079632" cy="461665"/>
-          </a:xfrm>
-          <a:prstGeom prst="rect">
-            <a:avLst/>
-          </a:prstGeom>
-          <a:noFill/>
-        </p:spPr>
-        <p:txBody>
-          <a:bodyPr wrap="square" rtlCol="0">
-            <a:spAutoFit/>
-          </a:bodyPr>
-          <a:lstStyle/>
-          <a:p>
-            <a:r>
-              <a:rPr lang="en-US" altLang="ja-JP" sz="2400" dirty="0">
-                <a:solidFill>
-                  <a:srgbClr val="000000"/>
-                </a:solidFill>
-                <a:effectLst/>
-                <a:latin typeface="Times New Roman" panose="02020603050405020304" pitchFamily="18" charset="0"/>
-                <a:cs typeface="Times New Roman" panose="02020603050405020304" pitchFamily="18" charset="0"/>
-              </a:rPr>
-              <a:t>PumpAsTurbine_ex02</a:t>
-            </a:r>
-            <a:endParaRPr kumimoji="1" lang="ja-JP" altLang="en-US" sz="2400" dirty="0">
-              <a:latin typeface="Times New Roman" panose="02020603050405020304" pitchFamily="18" charset="0"/>
-              <a:cs typeface="Times New Roman" panose="02020603050405020304" pitchFamily="18" charset="0"/>
-            </a:endParaRPr>
-          </a:p>
-        </p:txBody>
-      </p:sp>
     </p:spTree>
     <p:extLst>
       <p:ext uri="{BB962C8B-B14F-4D97-AF65-F5344CB8AC3E}">
-        <p14:creationId xmlns:p14="http://schemas.microsoft.com/office/powerpoint/2010/main" val="547396864"/>
+        <p14:creationId xmlns:p14="http://schemas.microsoft.com/office/powerpoint/2010/main" val="2043835998"/>
       </p:ext>
     </p:extLst>
   </p:cSld>
@@ -6201,10 +6157,10 @@
       </p:grpSpPr>
       <p:pic>
         <p:nvPicPr>
-          <p:cNvPr id="3" name="図 2">
-            <a:extLst>
-              <a:ext uri="{FF2B5EF4-FFF2-40B4-BE49-F238E27FC236}">
-                <a16:creationId xmlns:a16="http://schemas.microsoft.com/office/drawing/2014/main" id="{638963D9-2164-4F16-88FB-56F16AFC13F2}"/>
+          <p:cNvPr id="5" name="図 4">
+            <a:extLst>
+              <a:ext uri="{FF2B5EF4-FFF2-40B4-BE49-F238E27FC236}">
+                <a16:creationId xmlns:a16="http://schemas.microsoft.com/office/drawing/2014/main" id="{F40256F8-9584-41E5-ACD5-AA57ECDBCBBC}"/>
               </a:ext>
             </a:extLst>
           </p:cNvPr>
@@ -6229,10 +6185,56 @@
           </a:prstGeom>
         </p:spPr>
       </p:pic>
+      <p:sp>
+        <p:nvSpPr>
+          <p:cNvPr id="3" name="テキスト ボックス 2">
+            <a:extLst>
+              <a:ext uri="{FF2B5EF4-FFF2-40B4-BE49-F238E27FC236}">
+                <a16:creationId xmlns:a16="http://schemas.microsoft.com/office/drawing/2014/main" id="{ABC8D612-4C8F-40D2-9EE2-D80AEAE98A25}"/>
+              </a:ext>
+            </a:extLst>
+          </p:cNvPr>
+          <p:cNvSpPr txBox="1"/>
+          <p:nvPr/>
+        </p:nvSpPr>
+        <p:spPr>
+          <a:xfrm>
+            <a:off x="78153" y="0"/>
+            <a:ext cx="4079632" cy="461665"/>
+          </a:xfrm>
+          <a:prstGeom prst="rect">
+            <a:avLst/>
+          </a:prstGeom>
+          <a:noFill/>
+        </p:spPr>
+        <p:txBody>
+          <a:bodyPr wrap="square" rtlCol="0">
+            <a:spAutoFit/>
+          </a:bodyPr>
+          <a:lstStyle/>
+          <a:p>
+            <a:r>
+              <a:rPr lang="en-US" altLang="ja-JP" sz="2400" dirty="0">
+                <a:solidFill>
+                  <a:srgbClr val="000000"/>
+                </a:solidFill>
+                <a:effectLst/>
+                <a:latin typeface="Times New Roman" panose="02020603050405020304" pitchFamily="18" charset="0"/>
+                <a:cs typeface="Times New Roman" panose="02020603050405020304" pitchFamily="18" charset="0"/>
+              </a:rPr>
+              <a:t>PumpAsTurbine_ex02</a:t>
+            </a:r>
+            <a:endParaRPr kumimoji="1" lang="ja-JP" altLang="en-US" sz="2400" dirty="0">
+              <a:latin typeface="Times New Roman" panose="02020603050405020304" pitchFamily="18" charset="0"/>
+              <a:cs typeface="Times New Roman" panose="02020603050405020304" pitchFamily="18" charset="0"/>
+            </a:endParaRPr>
+          </a:p>
+        </p:txBody>
+      </p:sp>
     </p:spTree>
     <p:extLst>
       <p:ext uri="{BB962C8B-B14F-4D97-AF65-F5344CB8AC3E}">
-        <p14:creationId xmlns:p14="http://schemas.microsoft.com/office/powerpoint/2010/main" val="3437108536"/>
+        <p14:creationId xmlns:p14="http://schemas.microsoft.com/office/powerpoint/2010/main" val="547396864"/>
       </p:ext>
     </p:extLst>
   </p:cSld>
@@ -6259,10 +6261,40 @@
           <a:chExt cx="0" cy="0"/>
         </a:xfrm>
       </p:grpSpPr>
+      <p:pic>
+        <p:nvPicPr>
+          <p:cNvPr id="3" name="図 2">
+            <a:extLst>
+              <a:ext uri="{FF2B5EF4-FFF2-40B4-BE49-F238E27FC236}">
+                <a16:creationId xmlns:a16="http://schemas.microsoft.com/office/drawing/2014/main" id="{638963D9-2164-4F16-88FB-56F16AFC13F2}"/>
+              </a:ext>
+            </a:extLst>
+          </p:cNvPr>
+          <p:cNvPicPr>
+            <a:picLocks noChangeAspect="1"/>
+          </p:cNvPicPr>
+          <p:nvPr/>
+        </p:nvPicPr>
+        <p:blipFill>
+          <a:blip r:embed="rId2"/>
+          <a:stretch>
+            <a:fillRect/>
+          </a:stretch>
+        </p:blipFill>
+        <p:spPr>
+          <a:xfrm>
+            <a:off x="2039639" y="0"/>
+            <a:ext cx="8112722" cy="6858000"/>
+          </a:xfrm>
+          <a:prstGeom prst="rect">
+            <a:avLst/>
+          </a:prstGeom>
+        </p:spPr>
+      </p:pic>
     </p:spTree>
     <p:extLst>
       <p:ext uri="{BB962C8B-B14F-4D97-AF65-F5344CB8AC3E}">
-        <p14:creationId xmlns:p14="http://schemas.microsoft.com/office/powerpoint/2010/main" val="3534862661"/>
+        <p14:creationId xmlns:p14="http://schemas.microsoft.com/office/powerpoint/2010/main" val="3437108536"/>
       </p:ext>
     </p:extLst>
   </p:cSld>
@@ -6292,7 +6324,7 @@
     </p:spTree>
     <p:extLst>
       <p:ext uri="{BB962C8B-B14F-4D97-AF65-F5344CB8AC3E}">
-        <p14:creationId xmlns:p14="http://schemas.microsoft.com/office/powerpoint/2010/main" val="2075533915"/>
+        <p14:creationId xmlns:p14="http://schemas.microsoft.com/office/powerpoint/2010/main" val="3534862661"/>
       </p:ext>
     </p:extLst>
   </p:cSld>
@@ -6352,7 +6384,7 @@
     </p:spTree>
     <p:extLst>
       <p:ext uri="{BB962C8B-B14F-4D97-AF65-F5344CB8AC3E}">
-        <p14:creationId xmlns:p14="http://schemas.microsoft.com/office/powerpoint/2010/main" val="260802969"/>
+        <p14:creationId xmlns:p14="http://schemas.microsoft.com/office/powerpoint/2010/main" val="2075533915"/>
       </p:ext>
     </p:extLst>
   </p:cSld>
@@ -6382,7 +6414,7 @@
     </p:spTree>
     <p:extLst>
       <p:ext uri="{BB962C8B-B14F-4D97-AF65-F5344CB8AC3E}">
-        <p14:creationId xmlns:p14="http://schemas.microsoft.com/office/powerpoint/2010/main" val="2214418559"/>
+        <p14:creationId xmlns:p14="http://schemas.microsoft.com/office/powerpoint/2010/main" val="260802969"/>
       </p:ext>
     </p:extLst>
   </p:cSld>
@@ -6412,7 +6444,7 @@
     </p:spTree>
     <p:extLst>
       <p:ext uri="{BB962C8B-B14F-4D97-AF65-F5344CB8AC3E}">
-        <p14:creationId xmlns:p14="http://schemas.microsoft.com/office/powerpoint/2010/main" val="1680137039"/>
+        <p14:creationId xmlns:p14="http://schemas.microsoft.com/office/powerpoint/2010/main" val="2214418559"/>
       </p:ext>
     </p:extLst>
   </p:cSld>
@@ -6442,7 +6474,7 @@
     </p:spTree>
     <p:extLst>
       <p:ext uri="{BB962C8B-B14F-4D97-AF65-F5344CB8AC3E}">
-        <p14:creationId xmlns:p14="http://schemas.microsoft.com/office/powerpoint/2010/main" val="807832196"/>
+        <p14:creationId xmlns:p14="http://schemas.microsoft.com/office/powerpoint/2010/main" val="1680137039"/>
       </p:ext>
     </p:extLst>
   </p:cSld>
@@ -6635,7 +6667,7 @@
     </p:spTree>
     <p:extLst>
       <p:ext uri="{BB962C8B-B14F-4D97-AF65-F5344CB8AC3E}">
-        <p14:creationId xmlns:p14="http://schemas.microsoft.com/office/powerpoint/2010/main" val="2085333566"/>
+        <p14:creationId xmlns:p14="http://schemas.microsoft.com/office/powerpoint/2010/main" val="807832196"/>
       </p:ext>
     </p:extLst>
   </p:cSld>
@@ -6665,7 +6697,7 @@
     </p:spTree>
     <p:extLst>
       <p:ext uri="{BB962C8B-B14F-4D97-AF65-F5344CB8AC3E}">
-        <p14:creationId xmlns:p14="http://schemas.microsoft.com/office/powerpoint/2010/main" val="4204572310"/>
+        <p14:creationId xmlns:p14="http://schemas.microsoft.com/office/powerpoint/2010/main" val="2085333566"/>
       </p:ext>
     </p:extLst>
   </p:cSld>
@@ -6695,7 +6727,7 @@
     </p:spTree>
     <p:extLst>
       <p:ext uri="{BB962C8B-B14F-4D97-AF65-F5344CB8AC3E}">
-        <p14:creationId xmlns:p14="http://schemas.microsoft.com/office/powerpoint/2010/main" val="2933442412"/>
+        <p14:creationId xmlns:p14="http://schemas.microsoft.com/office/powerpoint/2010/main" val="4204572310"/>
       </p:ext>
     </p:extLst>
   </p:cSld>
@@ -6725,7 +6757,7 @@
     </p:spTree>
     <p:extLst>
       <p:ext uri="{BB962C8B-B14F-4D97-AF65-F5344CB8AC3E}">
-        <p14:creationId xmlns:p14="http://schemas.microsoft.com/office/powerpoint/2010/main" val="2704639035"/>
+        <p14:creationId xmlns:p14="http://schemas.microsoft.com/office/powerpoint/2010/main" val="2933442412"/>
       </p:ext>
     </p:extLst>
   </p:cSld>
@@ -6755,7 +6787,7 @@
     </p:spTree>
     <p:extLst>
       <p:ext uri="{BB962C8B-B14F-4D97-AF65-F5344CB8AC3E}">
-        <p14:creationId xmlns:p14="http://schemas.microsoft.com/office/powerpoint/2010/main" val="4002179549"/>
+        <p14:creationId xmlns:p14="http://schemas.microsoft.com/office/powerpoint/2010/main" val="2704639035"/>
       </p:ext>
     </p:extLst>
   </p:cSld>
@@ -6785,7 +6817,7 @@
     </p:spTree>
     <p:extLst>
       <p:ext uri="{BB962C8B-B14F-4D97-AF65-F5344CB8AC3E}">
-        <p14:creationId xmlns:p14="http://schemas.microsoft.com/office/powerpoint/2010/main" val="3038340984"/>
+        <p14:creationId xmlns:p14="http://schemas.microsoft.com/office/powerpoint/2010/main" val="4002179549"/>
       </p:ext>
     </p:extLst>
   </p:cSld>
@@ -6815,7 +6847,7 @@
     </p:spTree>
     <p:extLst>
       <p:ext uri="{BB962C8B-B14F-4D97-AF65-F5344CB8AC3E}">
-        <p14:creationId xmlns:p14="http://schemas.microsoft.com/office/powerpoint/2010/main" val="927517791"/>
+        <p14:creationId xmlns:p14="http://schemas.microsoft.com/office/powerpoint/2010/main" val="3038340984"/>
       </p:ext>
     </p:extLst>
   </p:cSld>
@@ -6845,7 +6877,7 @@
     </p:spTree>
     <p:extLst>
       <p:ext uri="{BB962C8B-B14F-4D97-AF65-F5344CB8AC3E}">
-        <p14:creationId xmlns:p14="http://schemas.microsoft.com/office/powerpoint/2010/main" val="87198892"/>
+        <p14:creationId xmlns:p14="http://schemas.microsoft.com/office/powerpoint/2010/main" val="927517791"/>
       </p:ext>
     </p:extLst>
   </p:cSld>
@@ -6875,7 +6907,7 @@
     </p:spTree>
     <p:extLst>
       <p:ext uri="{BB962C8B-B14F-4D97-AF65-F5344CB8AC3E}">
-        <p14:creationId xmlns:p14="http://schemas.microsoft.com/office/powerpoint/2010/main" val="4226122043"/>
+        <p14:creationId xmlns:p14="http://schemas.microsoft.com/office/powerpoint/2010/main" val="87198892"/>
       </p:ext>
     </p:extLst>
   </p:cSld>
@@ -6905,7 +6937,7 @@
     </p:spTree>
     <p:extLst>
       <p:ext uri="{BB962C8B-B14F-4D97-AF65-F5344CB8AC3E}">
-        <p14:creationId xmlns:p14="http://schemas.microsoft.com/office/powerpoint/2010/main" val="3941356387"/>
+        <p14:creationId xmlns:p14="http://schemas.microsoft.com/office/powerpoint/2010/main" val="4226122043"/>
       </p:ext>
     </p:extLst>
   </p:cSld>
@@ -7084,6 +7116,36 @@
 </file>
 
 <file path=ppt/slides/slide40.xml><?xml version="1.0" encoding="utf-8"?>
+<p:sld xmlns:a="http://schemas.openxmlformats.org/drawingml/2006/main" xmlns:r="http://schemas.openxmlformats.org/officeDocument/2006/relationships" xmlns:p="http://schemas.openxmlformats.org/presentationml/2006/main">
+  <p:cSld>
+    <p:spTree>
+      <p:nvGrpSpPr>
+        <p:cNvPr id="1" name=""/>
+        <p:cNvGrpSpPr/>
+        <p:nvPr/>
+      </p:nvGrpSpPr>
+      <p:grpSpPr>
+        <a:xfrm>
+          <a:off x="0" y="0"/>
+          <a:ext cx="0" cy="0"/>
+          <a:chOff x="0" y="0"/>
+          <a:chExt cx="0" cy="0"/>
+        </a:xfrm>
+      </p:grpSpPr>
+    </p:spTree>
+    <p:extLst>
+      <p:ext uri="{BB962C8B-B14F-4D97-AF65-F5344CB8AC3E}">
+        <p14:creationId xmlns:p14="http://schemas.microsoft.com/office/powerpoint/2010/main" val="3941356387"/>
+      </p:ext>
+    </p:extLst>
+  </p:cSld>
+  <p:clrMapOvr>
+    <a:masterClrMapping/>
+  </p:clrMapOvr>
+</p:sld>
+</file>
+
+<file path=ppt/slides/slide41.xml><?xml version="1.0" encoding="utf-8"?>
 <p:sld xmlns:a="http://schemas.openxmlformats.org/drawingml/2006/main" xmlns:r="http://schemas.openxmlformats.org/officeDocument/2006/relationships" xmlns:p="http://schemas.openxmlformats.org/presentationml/2006/main">
   <p:cSld>
     <p:spTree>

--- a/figs/makeFigs.pptx
+++ b/figs/makeFigs.pptx
@@ -20,32 +20,34 @@
     <p:sldId id="358" r:id="rId14"/>
     <p:sldId id="359" r:id="rId15"/>
     <p:sldId id="360" r:id="rId16"/>
-    <p:sldId id="338" r:id="rId17"/>
-    <p:sldId id="327" r:id="rId18"/>
-    <p:sldId id="328" r:id="rId19"/>
-    <p:sldId id="329" r:id="rId20"/>
-    <p:sldId id="330" r:id="rId21"/>
-    <p:sldId id="331" r:id="rId22"/>
-    <p:sldId id="332" r:id="rId23"/>
-    <p:sldId id="333" r:id="rId24"/>
-    <p:sldId id="334" r:id="rId25"/>
-    <p:sldId id="336" r:id="rId26"/>
-    <p:sldId id="335" r:id="rId27"/>
-    <p:sldId id="339" r:id="rId28"/>
-    <p:sldId id="340" r:id="rId29"/>
-    <p:sldId id="341" r:id="rId30"/>
-    <p:sldId id="342" r:id="rId31"/>
-    <p:sldId id="343" r:id="rId32"/>
-    <p:sldId id="344" r:id="rId33"/>
-    <p:sldId id="345" r:id="rId34"/>
-    <p:sldId id="346" r:id="rId35"/>
-    <p:sldId id="347" r:id="rId36"/>
-    <p:sldId id="348" r:id="rId37"/>
-    <p:sldId id="349" r:id="rId38"/>
-    <p:sldId id="350" r:id="rId39"/>
-    <p:sldId id="351" r:id="rId40"/>
-    <p:sldId id="352" r:id="rId41"/>
-    <p:sldId id="353" r:id="rId42"/>
+    <p:sldId id="361" r:id="rId17"/>
+    <p:sldId id="362" r:id="rId18"/>
+    <p:sldId id="338" r:id="rId19"/>
+    <p:sldId id="327" r:id="rId20"/>
+    <p:sldId id="328" r:id="rId21"/>
+    <p:sldId id="329" r:id="rId22"/>
+    <p:sldId id="330" r:id="rId23"/>
+    <p:sldId id="331" r:id="rId24"/>
+    <p:sldId id="332" r:id="rId25"/>
+    <p:sldId id="333" r:id="rId26"/>
+    <p:sldId id="334" r:id="rId27"/>
+    <p:sldId id="336" r:id="rId28"/>
+    <p:sldId id="335" r:id="rId29"/>
+    <p:sldId id="339" r:id="rId30"/>
+    <p:sldId id="340" r:id="rId31"/>
+    <p:sldId id="341" r:id="rId32"/>
+    <p:sldId id="342" r:id="rId33"/>
+    <p:sldId id="343" r:id="rId34"/>
+    <p:sldId id="344" r:id="rId35"/>
+    <p:sldId id="345" r:id="rId36"/>
+    <p:sldId id="346" r:id="rId37"/>
+    <p:sldId id="347" r:id="rId38"/>
+    <p:sldId id="348" r:id="rId39"/>
+    <p:sldId id="349" r:id="rId40"/>
+    <p:sldId id="350" r:id="rId41"/>
+    <p:sldId id="351" r:id="rId42"/>
+    <p:sldId id="352" r:id="rId43"/>
+    <p:sldId id="353" r:id="rId44"/>
   </p:sldIdLst>
   <p:sldSz cx="12192000" cy="6858000"/>
   <p:notesSz cx="6858000" cy="9144000"/>
@@ -168,6 +170,8 @@
             <p14:sldId id="358"/>
             <p14:sldId id="359"/>
             <p14:sldId id="360"/>
+            <p14:sldId id="361"/>
+            <p14:sldId id="362"/>
           </p14:sldIdLst>
         </p14:section>
         <p14:section name="pumpingSystem_ex02" id="{361D8E47-712C-4C08-B283-5D566F150FF9}">
@@ -4925,42 +4929,92 @@
           <a:chExt cx="0" cy="0"/>
         </a:xfrm>
       </p:grpSpPr>
-      <p:pic>
-        <p:nvPicPr>
-          <p:cNvPr id="3" name="図 2">
-            <a:extLst>
-              <a:ext uri="{FF2B5EF4-FFF2-40B4-BE49-F238E27FC236}">
-                <a16:creationId xmlns:a16="http://schemas.microsoft.com/office/drawing/2014/main" id="{54507FFA-AEFE-4C50-B8FE-5D35D2BD6152}"/>
-              </a:ext>
-            </a:extLst>
-          </p:cNvPr>
-          <p:cNvPicPr>
-            <a:picLocks noChangeAspect="1"/>
-          </p:cNvPicPr>
-          <p:nvPr/>
-        </p:nvPicPr>
-        <p:blipFill>
-          <a:blip r:embed="rId2"/>
-          <a:stretch>
-            <a:fillRect/>
-          </a:stretch>
-        </p:blipFill>
-        <p:spPr>
-          <a:xfrm>
-            <a:off x="2468479" y="0"/>
-            <a:ext cx="7255042" cy="6858000"/>
-          </a:xfrm>
-          <a:prstGeom prst="rect">
-            <a:avLst/>
-          </a:prstGeom>
-        </p:spPr>
-      </p:pic>
-      <p:sp>
-        <p:nvSpPr>
-          <p:cNvPr id="5" name="テキスト ボックス 4">
-            <a:extLst>
-              <a:ext uri="{FF2B5EF4-FFF2-40B4-BE49-F238E27FC236}">
-                <a16:creationId xmlns:a16="http://schemas.microsoft.com/office/drawing/2014/main" id="{10C95F8E-27E6-4FA4-9097-5CD1B71BC8C0}"/>
+      <p:cxnSp>
+        <p:nvCxnSpPr>
+          <p:cNvPr id="3" name="直線矢印コネクタ 2">
+            <a:extLst>
+              <a:ext uri="{FF2B5EF4-FFF2-40B4-BE49-F238E27FC236}">
+                <a16:creationId xmlns:a16="http://schemas.microsoft.com/office/drawing/2014/main" id="{CDC6733D-5609-436A-8002-46934B1A6CE8}"/>
+              </a:ext>
+            </a:extLst>
+          </p:cNvPr>
+          <p:cNvCxnSpPr/>
+          <p:nvPr/>
+        </p:nvCxnSpPr>
+        <p:spPr>
+          <a:xfrm>
+            <a:off x="1141046" y="2735385"/>
+            <a:ext cx="3391877" cy="0"/>
+          </a:xfrm>
+          <a:prstGeom prst="straightConnector1">
+            <a:avLst/>
+          </a:prstGeom>
+          <a:ln>
+            <a:tailEnd type="triangle"/>
+          </a:ln>
+        </p:spPr>
+        <p:style>
+          <a:lnRef idx="1">
+            <a:schemeClr val="dk1"/>
+          </a:lnRef>
+          <a:fillRef idx="0">
+            <a:schemeClr val="dk1"/>
+          </a:fillRef>
+          <a:effectRef idx="0">
+            <a:schemeClr val="dk1"/>
+          </a:effectRef>
+          <a:fontRef idx="minor">
+            <a:schemeClr val="tx1"/>
+          </a:fontRef>
+        </p:style>
+      </p:cxnSp>
+      <p:cxnSp>
+        <p:nvCxnSpPr>
+          <p:cNvPr id="4" name="直線矢印コネクタ 3">
+            <a:extLst>
+              <a:ext uri="{FF2B5EF4-FFF2-40B4-BE49-F238E27FC236}">
+                <a16:creationId xmlns:a16="http://schemas.microsoft.com/office/drawing/2014/main" id="{B70D0EF0-6F68-4203-B36E-245214D02252}"/>
+              </a:ext>
+            </a:extLst>
+          </p:cNvPr>
+          <p:cNvCxnSpPr>
+            <a:cxnSpLocks/>
+          </p:cNvCxnSpPr>
+          <p:nvPr/>
+        </p:nvCxnSpPr>
+        <p:spPr>
+          <a:xfrm flipV="1">
+            <a:off x="1293446" y="367323"/>
+            <a:ext cx="0" cy="2520462"/>
+          </a:xfrm>
+          <a:prstGeom prst="straightConnector1">
+            <a:avLst/>
+          </a:prstGeom>
+          <a:ln>
+            <a:tailEnd type="triangle"/>
+          </a:ln>
+        </p:spPr>
+        <p:style>
+          <a:lnRef idx="1">
+            <a:schemeClr val="dk1"/>
+          </a:lnRef>
+          <a:fillRef idx="0">
+            <a:schemeClr val="dk1"/>
+          </a:fillRef>
+          <a:effectRef idx="0">
+            <a:schemeClr val="dk1"/>
+          </a:effectRef>
+          <a:fontRef idx="minor">
+            <a:schemeClr val="tx1"/>
+          </a:fontRef>
+        </p:style>
+      </p:cxnSp>
+      <p:sp>
+        <p:nvSpPr>
+          <p:cNvPr id="6" name="テキスト ボックス 5">
+            <a:extLst>
+              <a:ext uri="{FF2B5EF4-FFF2-40B4-BE49-F238E27FC236}">
+                <a16:creationId xmlns:a16="http://schemas.microsoft.com/office/drawing/2014/main" id="{EB7F2C09-9E86-4D27-A40D-D2DB37B50442}"/>
               </a:ext>
             </a:extLst>
           </p:cNvPr>
@@ -4969,8 +5023,8 @@
         </p:nvSpPr>
         <p:spPr>
           <a:xfrm>
-            <a:off x="78153" y="0"/>
-            <a:ext cx="4079632" cy="461665"/>
+            <a:off x="2836985" y="2784285"/>
+            <a:ext cx="1359878" cy="246221"/>
           </a:xfrm>
           <a:prstGeom prst="rect">
             <a:avLst/>
@@ -4984,27 +5038,1605 @@
           <a:lstStyle/>
           <a:p>
             <a:r>
-              <a:rPr lang="en-US" altLang="ja-JP" sz="2400" dirty="0">
+              <a:rPr kumimoji="1" lang="ja-JP" altLang="en-US" sz="1000" dirty="0"/>
+              <a:t>体積流量 </a:t>
+            </a:r>
+            <a:r>
+              <a:rPr kumimoji="1" lang="en-US" altLang="ja-JP" sz="1000" dirty="0"/>
+              <a:t>[m^3/s]</a:t>
+            </a:r>
+            <a:endParaRPr kumimoji="1" lang="ja-JP" altLang="en-US" sz="1000" dirty="0"/>
+          </a:p>
+        </p:txBody>
+      </p:sp>
+      <p:sp>
+        <p:nvSpPr>
+          <p:cNvPr id="8" name="テキスト ボックス 7">
+            <a:extLst>
+              <a:ext uri="{FF2B5EF4-FFF2-40B4-BE49-F238E27FC236}">
+                <a16:creationId xmlns:a16="http://schemas.microsoft.com/office/drawing/2014/main" id="{414AC7B8-02DB-440A-862D-AA9C3FD23C58}"/>
+              </a:ext>
+            </a:extLst>
+          </p:cNvPr>
+          <p:cNvSpPr txBox="1"/>
+          <p:nvPr/>
+        </p:nvSpPr>
+        <p:spPr>
+          <a:xfrm>
+            <a:off x="644767" y="560810"/>
+            <a:ext cx="793260" cy="246221"/>
+          </a:xfrm>
+          <a:prstGeom prst="rect">
+            <a:avLst/>
+          </a:prstGeom>
+          <a:noFill/>
+        </p:spPr>
+        <p:txBody>
+          <a:bodyPr wrap="square" rtlCol="0">
+            <a:spAutoFit/>
+          </a:bodyPr>
+          <a:lstStyle/>
+          <a:p>
+            <a:r>
+              <a:rPr lang="ja-JP" altLang="en-US" sz="1000" dirty="0"/>
+              <a:t>揚程</a:t>
+            </a:r>
+            <a:r>
+              <a:rPr kumimoji="1" lang="ja-JP" altLang="en-US" sz="1000" dirty="0"/>
+              <a:t> </a:t>
+            </a:r>
+            <a:r>
+              <a:rPr kumimoji="1" lang="en-US" altLang="ja-JP" sz="1000" dirty="0"/>
+              <a:t>[m]</a:t>
+            </a:r>
+            <a:endParaRPr kumimoji="1" lang="ja-JP" altLang="en-US" sz="1000" dirty="0"/>
+          </a:p>
+        </p:txBody>
+      </p:sp>
+      <p:sp>
+        <p:nvSpPr>
+          <p:cNvPr id="9" name="フリーフォーム: 図形 8">
+            <a:extLst>
+              <a:ext uri="{FF2B5EF4-FFF2-40B4-BE49-F238E27FC236}">
+                <a16:creationId xmlns:a16="http://schemas.microsoft.com/office/drawing/2014/main" id="{74F046DD-BB7E-4E06-BDFD-86D25BD24176}"/>
+              </a:ext>
+            </a:extLst>
+          </p:cNvPr>
+          <p:cNvSpPr/>
+          <p:nvPr/>
+        </p:nvSpPr>
+        <p:spPr>
+          <a:xfrm>
+            <a:off x="1414586" y="984738"/>
+            <a:ext cx="2360246" cy="1664677"/>
+          </a:xfrm>
+          <a:custGeom>
+            <a:avLst/>
+            <a:gdLst>
+              <a:gd name="connsiteX0" fmla="*/ 0 w 2360246"/>
+              <a:gd name="connsiteY0" fmla="*/ 0 h 1664677"/>
+              <a:gd name="connsiteX1" fmla="*/ 1398954 w 2360246"/>
+              <a:gd name="connsiteY1" fmla="*/ 398585 h 1664677"/>
+              <a:gd name="connsiteX2" fmla="*/ 2360246 w 2360246"/>
+              <a:gd name="connsiteY2" fmla="*/ 1664677 h 1664677"/>
+              <a:gd name="connsiteX0" fmla="*/ 0 w 2360246"/>
+              <a:gd name="connsiteY0" fmla="*/ 0 h 1664677"/>
+              <a:gd name="connsiteX1" fmla="*/ 1445846 w 2360246"/>
+              <a:gd name="connsiteY1" fmla="*/ 508000 h 1664677"/>
+              <a:gd name="connsiteX2" fmla="*/ 2360246 w 2360246"/>
+              <a:gd name="connsiteY2" fmla="*/ 1664677 h 1664677"/>
+            </a:gdLst>
+            <a:ahLst/>
+            <a:cxnLst>
+              <a:cxn ang="0">
+                <a:pos x="connsiteX0" y="connsiteY0"/>
+              </a:cxn>
+              <a:cxn ang="0">
+                <a:pos x="connsiteX1" y="connsiteY1"/>
+              </a:cxn>
+              <a:cxn ang="0">
+                <a:pos x="connsiteX2" y="connsiteY2"/>
+              </a:cxn>
+            </a:cxnLst>
+            <a:rect l="l" t="t" r="r" b="b"/>
+            <a:pathLst>
+              <a:path w="2360246" h="1664677">
+                <a:moveTo>
+                  <a:pt x="0" y="0"/>
+                </a:moveTo>
+                <a:cubicBezTo>
+                  <a:pt x="502790" y="60569"/>
+                  <a:pt x="1052472" y="230554"/>
+                  <a:pt x="1445846" y="508000"/>
+                </a:cubicBezTo>
+                <a:cubicBezTo>
+                  <a:pt x="1839220" y="785446"/>
+                  <a:pt x="2076287" y="1170354"/>
+                  <a:pt x="2360246" y="1664677"/>
+                </a:cubicBezTo>
+              </a:path>
+            </a:pathLst>
+          </a:custGeom>
+          <a:noFill/>
+        </p:spPr>
+        <p:style>
+          <a:lnRef idx="2">
+            <a:schemeClr val="accent1">
+              <a:shade val="50000"/>
+            </a:schemeClr>
+          </a:lnRef>
+          <a:fillRef idx="1">
+            <a:schemeClr val="accent1"/>
+          </a:fillRef>
+          <a:effectRef idx="0">
+            <a:schemeClr val="accent1"/>
+          </a:effectRef>
+          <a:fontRef idx="minor">
+            <a:schemeClr val="lt1"/>
+          </a:fontRef>
+        </p:style>
+        <p:txBody>
+          <a:bodyPr rtlCol="0" anchor="ctr"/>
+          <a:lstStyle/>
+          <a:p>
+            <a:pPr algn="ctr"/>
+            <a:endParaRPr kumimoji="1" lang="ja-JP" altLang="en-US"/>
+          </a:p>
+        </p:txBody>
+      </p:sp>
+      <p:sp>
+        <p:nvSpPr>
+          <p:cNvPr id="10" name="テキスト ボックス 9">
+            <a:extLst>
+              <a:ext uri="{FF2B5EF4-FFF2-40B4-BE49-F238E27FC236}">
+                <a16:creationId xmlns:a16="http://schemas.microsoft.com/office/drawing/2014/main" id="{274BA368-EF69-4649-BA5A-B4E17E1AB73E}"/>
+              </a:ext>
+            </a:extLst>
+          </p:cNvPr>
+          <p:cNvSpPr txBox="1"/>
+          <p:nvPr/>
+        </p:nvSpPr>
+        <p:spPr>
+          <a:xfrm>
+            <a:off x="4392247" y="484553"/>
+            <a:ext cx="2360246" cy="707886"/>
+          </a:xfrm>
+          <a:prstGeom prst="rect">
+            <a:avLst/>
+          </a:prstGeom>
+          <a:noFill/>
+        </p:spPr>
+        <p:txBody>
+          <a:bodyPr wrap="square" rtlCol="0">
+            <a:spAutoFit/>
+          </a:bodyPr>
+          <a:lstStyle/>
+          <a:p>
+            <a:r>
+              <a:rPr kumimoji="1" lang="en-US" altLang="ja-JP" sz="1000" dirty="0"/>
+              <a:t>-. </a:t>
+            </a:r>
+            <a:r>
+              <a:rPr kumimoji="1" lang="ja-JP" altLang="en-US" sz="1000" dirty="0"/>
+              <a:t>定格回転数における、揚程 </a:t>
+            </a:r>
+            <a:r>
+              <a:rPr kumimoji="1" lang="en-US" altLang="ja-JP" sz="1000" dirty="0"/>
+              <a:t>vs. </a:t>
+            </a:r>
+            <a:r>
+              <a:rPr kumimoji="1" lang="ja-JP" altLang="en-US" sz="1000" dirty="0"/>
+              <a:t>体積流量の特性カーブを与える</a:t>
+            </a:r>
+            <a:r>
+              <a:rPr lang="ja-JP" altLang="en-US" sz="1000" dirty="0"/>
+              <a:t>必要が有る。</a:t>
+            </a:r>
+            <a:endParaRPr lang="en-US" altLang="ja-JP" sz="1000" dirty="0"/>
+          </a:p>
+          <a:p>
+            <a:r>
+              <a:rPr kumimoji="1" lang="en-US" altLang="ja-JP" sz="1000" dirty="0"/>
+              <a:t>-. MSL</a:t>
+            </a:r>
+            <a:r>
+              <a:rPr kumimoji="1" lang="ja-JP" altLang="en-US" sz="1000" dirty="0"/>
+              <a:t>には２次カーブと多項式カーブを与える</a:t>
+            </a:r>
+            <a:r>
+              <a:rPr kumimoji="1" lang="en-US" altLang="ja-JP" sz="1000" dirty="0"/>
+              <a:t>function</a:t>
+            </a:r>
+            <a:r>
+              <a:rPr kumimoji="1" lang="ja-JP" altLang="en-US" sz="1000" dirty="0"/>
+              <a:t>が用意されている。</a:t>
+            </a:r>
+            <a:endParaRPr kumimoji="1" lang="en-US" altLang="ja-JP" sz="1000" dirty="0"/>
+          </a:p>
+        </p:txBody>
+      </p:sp>
+      <p:cxnSp>
+        <p:nvCxnSpPr>
+          <p:cNvPr id="12" name="直線コネクタ 11">
+            <a:extLst>
+              <a:ext uri="{FF2B5EF4-FFF2-40B4-BE49-F238E27FC236}">
+                <a16:creationId xmlns:a16="http://schemas.microsoft.com/office/drawing/2014/main" id="{2894F18B-0AE9-4E77-90D7-A4AFACA8FB0C}"/>
+              </a:ext>
+            </a:extLst>
+          </p:cNvPr>
+          <p:cNvCxnSpPr>
+            <a:cxnSpLocks/>
+            <a:stCxn id="10" idx="1"/>
+            <a:endCxn id="9" idx="1"/>
+          </p:cNvCxnSpPr>
+          <p:nvPr/>
+        </p:nvCxnSpPr>
+        <p:spPr>
+          <a:xfrm flipH="1">
+            <a:off x="2860432" y="838496"/>
+            <a:ext cx="1531815" cy="654242"/>
+          </a:xfrm>
+          <a:prstGeom prst="line">
+            <a:avLst/>
+          </a:prstGeom>
+        </p:spPr>
+        <p:style>
+          <a:lnRef idx="1">
+            <a:schemeClr val="accent1"/>
+          </a:lnRef>
+          <a:fillRef idx="0">
+            <a:schemeClr val="accent1"/>
+          </a:fillRef>
+          <a:effectRef idx="0">
+            <a:schemeClr val="accent1"/>
+          </a:effectRef>
+          <a:fontRef idx="minor">
+            <a:schemeClr val="tx1"/>
+          </a:fontRef>
+        </p:style>
+      </p:cxnSp>
+      <p:sp>
+        <p:nvSpPr>
+          <p:cNvPr id="16" name="テキスト ボックス 15">
+            <a:extLst>
+              <a:ext uri="{FF2B5EF4-FFF2-40B4-BE49-F238E27FC236}">
+                <a16:creationId xmlns:a16="http://schemas.microsoft.com/office/drawing/2014/main" id="{885DC2BA-ED4A-4415-A55C-B85CDACE8B40}"/>
+              </a:ext>
+            </a:extLst>
+          </p:cNvPr>
+          <p:cNvSpPr txBox="1"/>
+          <p:nvPr/>
+        </p:nvSpPr>
+        <p:spPr>
+          <a:xfrm>
+            <a:off x="6900983" y="533724"/>
+            <a:ext cx="2360246" cy="707886"/>
+          </a:xfrm>
+          <a:prstGeom prst="rect">
+            <a:avLst/>
+          </a:prstGeom>
+          <a:noFill/>
+        </p:spPr>
+        <p:txBody>
+          <a:bodyPr wrap="square" rtlCol="0">
+            <a:spAutoFit/>
+          </a:bodyPr>
+          <a:lstStyle/>
+          <a:p>
+            <a:r>
+              <a:rPr lang="en-US" altLang="ja-JP" sz="1000" dirty="0"/>
+              <a:t>pumpingSystem_ex01</a:t>
+            </a:r>
+            <a:r>
+              <a:rPr lang="ja-JP" altLang="en-US" sz="1000" dirty="0"/>
+              <a:t>では最もシンプルな２次カーブを用いる。</a:t>
+            </a:r>
+            <a:endParaRPr lang="en-US" altLang="ja-JP" sz="1000" dirty="0"/>
+          </a:p>
+          <a:p>
+            <a:r>
+              <a:rPr kumimoji="1" lang="en-US" altLang="ja-JP" sz="1000" dirty="0"/>
+              <a:t>*</a:t>
+            </a:r>
+            <a:r>
+              <a:rPr kumimoji="1" lang="ja-JP" altLang="en-US" sz="1000" dirty="0"/>
+              <a:t>ユーザー定義のカーブ</a:t>
+            </a:r>
+            <a:r>
+              <a:rPr kumimoji="1" lang="en-US" altLang="ja-JP" sz="1000" dirty="0"/>
+              <a:t>function</a:t>
+            </a:r>
+            <a:r>
+              <a:rPr kumimoji="1" lang="ja-JP" altLang="en-US" sz="1000" dirty="0"/>
+              <a:t>を用いて呼び出すことも可能。</a:t>
+            </a:r>
+            <a:endParaRPr kumimoji="1" lang="en-US" altLang="ja-JP" sz="1000" dirty="0"/>
+          </a:p>
+        </p:txBody>
+      </p:sp>
+      <p:cxnSp>
+        <p:nvCxnSpPr>
+          <p:cNvPr id="24" name="直線矢印コネクタ 23">
+            <a:extLst>
+              <a:ext uri="{FF2B5EF4-FFF2-40B4-BE49-F238E27FC236}">
+                <a16:creationId xmlns:a16="http://schemas.microsoft.com/office/drawing/2014/main" id="{4BEC5ED8-28C6-41F3-9784-0A88EAF72011}"/>
+              </a:ext>
+            </a:extLst>
+          </p:cNvPr>
+          <p:cNvCxnSpPr/>
+          <p:nvPr/>
+        </p:nvCxnSpPr>
+        <p:spPr>
+          <a:xfrm>
+            <a:off x="1141046" y="6334052"/>
+            <a:ext cx="3391877" cy="0"/>
+          </a:xfrm>
+          <a:prstGeom prst="straightConnector1">
+            <a:avLst/>
+          </a:prstGeom>
+          <a:ln>
+            <a:tailEnd type="triangle"/>
+          </a:ln>
+        </p:spPr>
+        <p:style>
+          <a:lnRef idx="1">
+            <a:schemeClr val="dk1"/>
+          </a:lnRef>
+          <a:fillRef idx="0">
+            <a:schemeClr val="dk1"/>
+          </a:fillRef>
+          <a:effectRef idx="0">
+            <a:schemeClr val="dk1"/>
+          </a:effectRef>
+          <a:fontRef idx="minor">
+            <a:schemeClr val="tx1"/>
+          </a:fontRef>
+        </p:style>
+      </p:cxnSp>
+      <p:cxnSp>
+        <p:nvCxnSpPr>
+          <p:cNvPr id="25" name="直線矢印コネクタ 24">
+            <a:extLst>
+              <a:ext uri="{FF2B5EF4-FFF2-40B4-BE49-F238E27FC236}">
+                <a16:creationId xmlns:a16="http://schemas.microsoft.com/office/drawing/2014/main" id="{006CA225-69EF-4D6D-86E1-9F5C35009BDC}"/>
+              </a:ext>
+            </a:extLst>
+          </p:cNvPr>
+          <p:cNvCxnSpPr>
+            <a:cxnSpLocks/>
+          </p:cNvCxnSpPr>
+          <p:nvPr/>
+        </p:nvCxnSpPr>
+        <p:spPr>
+          <a:xfrm flipV="1">
+            <a:off x="1293446" y="3965990"/>
+            <a:ext cx="0" cy="2520462"/>
+          </a:xfrm>
+          <a:prstGeom prst="straightConnector1">
+            <a:avLst/>
+          </a:prstGeom>
+          <a:ln>
+            <a:tailEnd type="triangle"/>
+          </a:ln>
+        </p:spPr>
+        <p:style>
+          <a:lnRef idx="1">
+            <a:schemeClr val="dk1"/>
+          </a:lnRef>
+          <a:fillRef idx="0">
+            <a:schemeClr val="dk1"/>
+          </a:fillRef>
+          <a:effectRef idx="0">
+            <a:schemeClr val="dk1"/>
+          </a:effectRef>
+          <a:fontRef idx="minor">
+            <a:schemeClr val="tx1"/>
+          </a:fontRef>
+        </p:style>
+      </p:cxnSp>
+      <p:sp>
+        <p:nvSpPr>
+          <p:cNvPr id="26" name="テキスト ボックス 25">
+            <a:extLst>
+              <a:ext uri="{FF2B5EF4-FFF2-40B4-BE49-F238E27FC236}">
+                <a16:creationId xmlns:a16="http://schemas.microsoft.com/office/drawing/2014/main" id="{75754483-7D04-4364-8057-0EBCBFB06D27}"/>
+              </a:ext>
+            </a:extLst>
+          </p:cNvPr>
+          <p:cNvSpPr txBox="1"/>
+          <p:nvPr/>
+        </p:nvSpPr>
+        <p:spPr>
+          <a:xfrm>
+            <a:off x="2274278" y="6382952"/>
+            <a:ext cx="1227014" cy="246221"/>
+          </a:xfrm>
+          <a:prstGeom prst="rect">
+            <a:avLst/>
+          </a:prstGeom>
+          <a:noFill/>
+        </p:spPr>
+        <p:txBody>
+          <a:bodyPr wrap="square" rtlCol="0">
+            <a:spAutoFit/>
+          </a:bodyPr>
+          <a:lstStyle/>
+          <a:p>
+            <a:r>
+              <a:rPr kumimoji="1" lang="ja-JP" altLang="en-US" sz="1000" dirty="0"/>
+              <a:t>機械回転数 </a:t>
+            </a:r>
+            <a:r>
+              <a:rPr kumimoji="1" lang="en-US" altLang="ja-JP" sz="1000" dirty="0"/>
+              <a:t>[rpm]</a:t>
+            </a:r>
+            <a:endParaRPr kumimoji="1" lang="ja-JP" altLang="en-US" sz="1000" dirty="0"/>
+          </a:p>
+        </p:txBody>
+      </p:sp>
+      <p:sp>
+        <p:nvSpPr>
+          <p:cNvPr id="27" name="テキスト ボックス 26">
+            <a:extLst>
+              <a:ext uri="{FF2B5EF4-FFF2-40B4-BE49-F238E27FC236}">
+                <a16:creationId xmlns:a16="http://schemas.microsoft.com/office/drawing/2014/main" id="{DBBF9F8A-F6BA-49E9-8829-A2CF5F1A863D}"/>
+              </a:ext>
+            </a:extLst>
+          </p:cNvPr>
+          <p:cNvSpPr txBox="1"/>
+          <p:nvPr/>
+        </p:nvSpPr>
+        <p:spPr>
+          <a:xfrm>
+            <a:off x="686520" y="4121565"/>
+            <a:ext cx="959845" cy="225851"/>
+          </a:xfrm>
+          <a:prstGeom prst="rect">
+            <a:avLst/>
+          </a:prstGeom>
+          <a:noFill/>
+        </p:spPr>
+        <p:txBody>
+          <a:bodyPr wrap="square" rtlCol="0">
+            <a:spAutoFit/>
+          </a:bodyPr>
+          <a:lstStyle/>
+          <a:p>
+            <a:r>
+              <a:rPr lang="ja-JP" altLang="en-US" sz="1000" dirty="0"/>
+              <a:t>体積流量</a:t>
+            </a:r>
+            <a:r>
+              <a:rPr kumimoji="1" lang="ja-JP" altLang="en-US" sz="1000" dirty="0"/>
+              <a:t> </a:t>
+            </a:r>
+            <a:r>
+              <a:rPr kumimoji="1" lang="en-US" altLang="ja-JP" sz="1000" dirty="0"/>
+              <a:t>[m]</a:t>
+            </a:r>
+            <a:endParaRPr kumimoji="1" lang="ja-JP" altLang="en-US" sz="1000" dirty="0"/>
+          </a:p>
+        </p:txBody>
+      </p:sp>
+      <p:cxnSp>
+        <p:nvCxnSpPr>
+          <p:cNvPr id="34" name="直線コネクタ 33">
+            <a:extLst>
+              <a:ext uri="{FF2B5EF4-FFF2-40B4-BE49-F238E27FC236}">
+                <a16:creationId xmlns:a16="http://schemas.microsoft.com/office/drawing/2014/main" id="{9884424E-5AF2-46A7-B71D-614EB064B26A}"/>
+              </a:ext>
+            </a:extLst>
+          </p:cNvPr>
+          <p:cNvCxnSpPr>
+            <a:cxnSpLocks/>
+          </p:cNvCxnSpPr>
+          <p:nvPr/>
+        </p:nvCxnSpPr>
+        <p:spPr>
+          <a:xfrm flipH="1">
+            <a:off x="1293447" y="4468705"/>
+            <a:ext cx="2713894" cy="1861439"/>
+          </a:xfrm>
+          <a:prstGeom prst="line">
+            <a:avLst/>
+          </a:prstGeom>
+          <a:ln w="12700"/>
+        </p:spPr>
+        <p:style>
+          <a:lnRef idx="1">
+            <a:schemeClr val="accent1"/>
+          </a:lnRef>
+          <a:fillRef idx="0">
+            <a:schemeClr val="accent1"/>
+          </a:fillRef>
+          <a:effectRef idx="0">
+            <a:schemeClr val="accent1"/>
+          </a:effectRef>
+          <a:fontRef idx="minor">
+            <a:schemeClr val="tx1"/>
+          </a:fontRef>
+        </p:style>
+      </p:cxnSp>
+      <p:cxnSp>
+        <p:nvCxnSpPr>
+          <p:cNvPr id="35" name="直線矢印コネクタ 34">
+            <a:extLst>
+              <a:ext uri="{FF2B5EF4-FFF2-40B4-BE49-F238E27FC236}">
+                <a16:creationId xmlns:a16="http://schemas.microsoft.com/office/drawing/2014/main" id="{B9C62748-0D9D-4D1C-9558-3B996D58CEC2}"/>
+              </a:ext>
+            </a:extLst>
+          </p:cNvPr>
+          <p:cNvCxnSpPr/>
+          <p:nvPr/>
+        </p:nvCxnSpPr>
+        <p:spPr>
+          <a:xfrm>
+            <a:off x="6748587" y="6330144"/>
+            <a:ext cx="3391877" cy="0"/>
+          </a:xfrm>
+          <a:prstGeom prst="straightConnector1">
+            <a:avLst/>
+          </a:prstGeom>
+          <a:ln>
+            <a:tailEnd type="triangle"/>
+          </a:ln>
+        </p:spPr>
+        <p:style>
+          <a:lnRef idx="1">
+            <a:schemeClr val="dk1"/>
+          </a:lnRef>
+          <a:fillRef idx="0">
+            <a:schemeClr val="dk1"/>
+          </a:fillRef>
+          <a:effectRef idx="0">
+            <a:schemeClr val="dk1"/>
+          </a:effectRef>
+          <a:fontRef idx="minor">
+            <a:schemeClr val="tx1"/>
+          </a:fontRef>
+        </p:style>
+      </p:cxnSp>
+      <p:cxnSp>
+        <p:nvCxnSpPr>
+          <p:cNvPr id="36" name="直線矢印コネクタ 35">
+            <a:extLst>
+              <a:ext uri="{FF2B5EF4-FFF2-40B4-BE49-F238E27FC236}">
+                <a16:creationId xmlns:a16="http://schemas.microsoft.com/office/drawing/2014/main" id="{A67FF216-E962-4D06-AF13-724C89C5ACF3}"/>
+              </a:ext>
+            </a:extLst>
+          </p:cNvPr>
+          <p:cNvCxnSpPr>
+            <a:cxnSpLocks/>
+          </p:cNvCxnSpPr>
+          <p:nvPr/>
+        </p:nvCxnSpPr>
+        <p:spPr>
+          <a:xfrm flipV="1">
+            <a:off x="6900987" y="3962082"/>
+            <a:ext cx="0" cy="2520462"/>
+          </a:xfrm>
+          <a:prstGeom prst="straightConnector1">
+            <a:avLst/>
+          </a:prstGeom>
+          <a:ln>
+            <a:tailEnd type="triangle"/>
+          </a:ln>
+        </p:spPr>
+        <p:style>
+          <a:lnRef idx="1">
+            <a:schemeClr val="dk1"/>
+          </a:lnRef>
+          <a:fillRef idx="0">
+            <a:schemeClr val="dk1"/>
+          </a:fillRef>
+          <a:effectRef idx="0">
+            <a:schemeClr val="dk1"/>
+          </a:effectRef>
+          <a:fontRef idx="minor">
+            <a:schemeClr val="tx1"/>
+          </a:fontRef>
+        </p:style>
+      </p:cxnSp>
+      <p:sp>
+        <p:nvSpPr>
+          <p:cNvPr id="38" name="テキスト ボックス 37">
+            <a:extLst>
+              <a:ext uri="{FF2B5EF4-FFF2-40B4-BE49-F238E27FC236}">
+                <a16:creationId xmlns:a16="http://schemas.microsoft.com/office/drawing/2014/main" id="{B7E8530D-B95C-41AA-AFC6-02AE078F2271}"/>
+              </a:ext>
+            </a:extLst>
+          </p:cNvPr>
+          <p:cNvSpPr txBox="1"/>
+          <p:nvPr/>
+        </p:nvSpPr>
+        <p:spPr>
+          <a:xfrm>
+            <a:off x="6385166" y="4155569"/>
+            <a:ext cx="793260" cy="246221"/>
+          </a:xfrm>
+          <a:prstGeom prst="rect">
+            <a:avLst/>
+          </a:prstGeom>
+          <a:noFill/>
+        </p:spPr>
+        <p:txBody>
+          <a:bodyPr wrap="square" rtlCol="0">
+            <a:spAutoFit/>
+          </a:bodyPr>
+          <a:lstStyle/>
+          <a:p>
+            <a:r>
+              <a:rPr lang="ja-JP" altLang="en-US" sz="1000" dirty="0"/>
+              <a:t>揚程</a:t>
+            </a:r>
+            <a:r>
+              <a:rPr kumimoji="1" lang="ja-JP" altLang="en-US" sz="1000" dirty="0"/>
+              <a:t> </a:t>
+            </a:r>
+            <a:r>
+              <a:rPr kumimoji="1" lang="en-US" altLang="ja-JP" sz="1000" dirty="0"/>
+              <a:t>[m]</a:t>
+            </a:r>
+            <a:endParaRPr kumimoji="1" lang="ja-JP" altLang="en-US" sz="1000" dirty="0"/>
+          </a:p>
+        </p:txBody>
+      </p:sp>
+      <p:sp>
+        <p:nvSpPr>
+          <p:cNvPr id="42" name="楕円 41">
+            <a:extLst>
+              <a:ext uri="{FF2B5EF4-FFF2-40B4-BE49-F238E27FC236}">
+                <a16:creationId xmlns:a16="http://schemas.microsoft.com/office/drawing/2014/main" id="{5E505DFE-0529-49A5-81B5-ABFA73659692}"/>
+              </a:ext>
+            </a:extLst>
+          </p:cNvPr>
+          <p:cNvSpPr/>
+          <p:nvPr/>
+        </p:nvSpPr>
+        <p:spPr>
+          <a:xfrm>
+            <a:off x="3150921" y="4971911"/>
+            <a:ext cx="106762" cy="106759"/>
+          </a:xfrm>
+          <a:prstGeom prst="ellipse">
+            <a:avLst/>
+          </a:prstGeom>
+          <a:solidFill>
+            <a:schemeClr val="accent1"/>
+          </a:solidFill>
+          <a:ln>
+            <a:noFill/>
+          </a:ln>
+        </p:spPr>
+        <p:style>
+          <a:lnRef idx="0">
+            <a:scrgbClr r="0" g="0" b="0"/>
+          </a:lnRef>
+          <a:fillRef idx="0">
+            <a:scrgbClr r="0" g="0" b="0"/>
+          </a:fillRef>
+          <a:effectRef idx="0">
+            <a:scrgbClr r="0" g="0" b="0"/>
+          </a:effectRef>
+          <a:fontRef idx="minor">
+            <a:schemeClr val="lt1"/>
+          </a:fontRef>
+        </p:style>
+        <p:txBody>
+          <a:bodyPr rtlCol="0" anchor="ctr"/>
+          <a:lstStyle/>
+          <a:p>
+            <a:pPr algn="ctr"/>
+            <a:endParaRPr kumimoji="1" lang="ja-JP" altLang="en-US"/>
+          </a:p>
+        </p:txBody>
+      </p:sp>
+      <p:sp>
+        <p:nvSpPr>
+          <p:cNvPr id="44" name="テキスト ボックス 43">
+            <a:extLst>
+              <a:ext uri="{FF2B5EF4-FFF2-40B4-BE49-F238E27FC236}">
+                <a16:creationId xmlns:a16="http://schemas.microsoft.com/office/drawing/2014/main" id="{BC725BA3-98B0-4EED-AA33-BA8CEB33D261}"/>
+              </a:ext>
+            </a:extLst>
+          </p:cNvPr>
+          <p:cNvSpPr txBox="1"/>
+          <p:nvPr/>
+        </p:nvSpPr>
+        <p:spPr>
+          <a:xfrm>
+            <a:off x="2422778" y="4719903"/>
+            <a:ext cx="1805347" cy="246221"/>
+          </a:xfrm>
+          <a:prstGeom prst="rect">
+            <a:avLst/>
+          </a:prstGeom>
+          <a:noFill/>
+        </p:spPr>
+        <p:txBody>
+          <a:bodyPr wrap="square" rtlCol="0">
+            <a:spAutoFit/>
+          </a:bodyPr>
+          <a:lstStyle/>
+          <a:p>
+            <a:r>
+              <a:rPr kumimoji="1" lang="en-US" altLang="ja-JP" sz="1000" dirty="0"/>
+              <a:t>{</a:t>
+            </a:r>
+            <a:r>
+              <a:rPr kumimoji="1" lang="ja-JP" altLang="en-US" sz="1000" dirty="0"/>
+              <a:t>定格回転数</a:t>
+            </a:r>
+            <a:r>
+              <a:rPr kumimoji="1" lang="en-US" altLang="ja-JP" sz="1000" dirty="0"/>
+              <a:t>, </a:t>
+            </a:r>
+            <a:r>
+              <a:rPr kumimoji="1" lang="ja-JP" altLang="en-US" sz="1000" dirty="0"/>
+              <a:t>定格体積流量</a:t>
+            </a:r>
+            <a:r>
+              <a:rPr kumimoji="1" lang="en-US" altLang="ja-JP" sz="1000" dirty="0"/>
+              <a:t>}</a:t>
+            </a:r>
+            <a:endParaRPr kumimoji="1" lang="ja-JP" altLang="en-US" sz="1000" dirty="0"/>
+          </a:p>
+        </p:txBody>
+      </p:sp>
+      <p:sp>
+        <p:nvSpPr>
+          <p:cNvPr id="48" name="楕円 47">
+            <a:extLst>
+              <a:ext uri="{FF2B5EF4-FFF2-40B4-BE49-F238E27FC236}">
+                <a16:creationId xmlns:a16="http://schemas.microsoft.com/office/drawing/2014/main" id="{F0241B35-EFF6-46F8-A535-C4FCE053782F}"/>
+              </a:ext>
+            </a:extLst>
+          </p:cNvPr>
+          <p:cNvSpPr/>
+          <p:nvPr/>
+        </p:nvSpPr>
+        <p:spPr>
+          <a:xfrm>
+            <a:off x="8570892" y="5334707"/>
+            <a:ext cx="106762" cy="106759"/>
+          </a:xfrm>
+          <a:prstGeom prst="ellipse">
+            <a:avLst/>
+          </a:prstGeom>
+          <a:solidFill>
+            <a:schemeClr val="accent1"/>
+          </a:solidFill>
+          <a:ln>
+            <a:noFill/>
+          </a:ln>
+        </p:spPr>
+        <p:style>
+          <a:lnRef idx="0">
+            <a:scrgbClr r="0" g="0" b="0"/>
+          </a:lnRef>
+          <a:fillRef idx="0">
+            <a:scrgbClr r="0" g="0" b="0"/>
+          </a:fillRef>
+          <a:effectRef idx="0">
+            <a:scrgbClr r="0" g="0" b="0"/>
+          </a:effectRef>
+          <a:fontRef idx="minor">
+            <a:schemeClr val="lt1"/>
+          </a:fontRef>
+        </p:style>
+        <p:txBody>
+          <a:bodyPr rtlCol="0" anchor="ctr"/>
+          <a:lstStyle/>
+          <a:p>
+            <a:pPr algn="ctr"/>
+            <a:endParaRPr kumimoji="1" lang="ja-JP" altLang="en-US"/>
+          </a:p>
+        </p:txBody>
+      </p:sp>
+      <p:sp>
+        <p:nvSpPr>
+          <p:cNvPr id="49" name="フリーフォーム: 図形 48">
+            <a:extLst>
+              <a:ext uri="{FF2B5EF4-FFF2-40B4-BE49-F238E27FC236}">
+                <a16:creationId xmlns:a16="http://schemas.microsoft.com/office/drawing/2014/main" id="{2DB9735C-100F-4450-909D-52A65714769A}"/>
+              </a:ext>
+            </a:extLst>
+          </p:cNvPr>
+          <p:cNvSpPr/>
+          <p:nvPr/>
+        </p:nvSpPr>
+        <p:spPr>
+          <a:xfrm>
+            <a:off x="6900983" y="4032737"/>
+            <a:ext cx="2500923" cy="2289908"/>
+          </a:xfrm>
+          <a:custGeom>
+            <a:avLst/>
+            <a:gdLst>
+              <a:gd name="connsiteX0" fmla="*/ 0 w 2672861"/>
+              <a:gd name="connsiteY0" fmla="*/ 2360247 h 2360247"/>
+              <a:gd name="connsiteX1" fmla="*/ 1946031 w 2672861"/>
+              <a:gd name="connsiteY1" fmla="*/ 1047262 h 2360247"/>
+              <a:gd name="connsiteX2" fmla="*/ 2672861 w 2672861"/>
+              <a:gd name="connsiteY2" fmla="*/ 0 h 2360247"/>
+              <a:gd name="connsiteX0" fmla="*/ 0 w 2672861"/>
+              <a:gd name="connsiteY0" fmla="*/ 2360247 h 2360247"/>
+              <a:gd name="connsiteX1" fmla="*/ 1547446 w 2672861"/>
+              <a:gd name="connsiteY1" fmla="*/ 1578708 h 2360247"/>
+              <a:gd name="connsiteX2" fmla="*/ 2672861 w 2672861"/>
+              <a:gd name="connsiteY2" fmla="*/ 0 h 2360247"/>
+              <a:gd name="connsiteX0" fmla="*/ 0 w 2500923"/>
+              <a:gd name="connsiteY0" fmla="*/ 2289908 h 2289908"/>
+              <a:gd name="connsiteX1" fmla="*/ 1547446 w 2500923"/>
+              <a:gd name="connsiteY1" fmla="*/ 1508369 h 2289908"/>
+              <a:gd name="connsiteX2" fmla="*/ 2500923 w 2500923"/>
+              <a:gd name="connsiteY2" fmla="*/ 0 h 2289908"/>
+              <a:gd name="connsiteX0" fmla="*/ 0 w 2500923"/>
+              <a:gd name="connsiteY0" fmla="*/ 2289908 h 2289908"/>
+              <a:gd name="connsiteX1" fmla="*/ 1547446 w 2500923"/>
+              <a:gd name="connsiteY1" fmla="*/ 1508369 h 2289908"/>
+              <a:gd name="connsiteX2" fmla="*/ 2500923 w 2500923"/>
+              <a:gd name="connsiteY2" fmla="*/ 0 h 2289908"/>
+              <a:gd name="connsiteX0" fmla="*/ 0 w 2500923"/>
+              <a:gd name="connsiteY0" fmla="*/ 2289908 h 2289908"/>
+              <a:gd name="connsiteX1" fmla="*/ 1547446 w 2500923"/>
+              <a:gd name="connsiteY1" fmla="*/ 1508369 h 2289908"/>
+              <a:gd name="connsiteX2" fmla="*/ 2500923 w 2500923"/>
+              <a:gd name="connsiteY2" fmla="*/ 0 h 2289908"/>
+            </a:gdLst>
+            <a:ahLst/>
+            <a:cxnLst>
+              <a:cxn ang="0">
+                <a:pos x="connsiteX0" y="connsiteY0"/>
+              </a:cxn>
+              <a:cxn ang="0">
+                <a:pos x="connsiteX1" y="connsiteY1"/>
+              </a:cxn>
+              <a:cxn ang="0">
+                <a:pos x="connsiteX2" y="connsiteY2"/>
+              </a:cxn>
+            </a:cxnLst>
+            <a:rect l="l" t="t" r="r" b="b"/>
+            <a:pathLst>
+              <a:path w="2500923" h="2289908">
+                <a:moveTo>
+                  <a:pt x="0" y="2289908"/>
+                </a:moveTo>
+                <a:cubicBezTo>
+                  <a:pt x="703384" y="2127087"/>
+                  <a:pt x="1101969" y="1901743"/>
+                  <a:pt x="1547446" y="1508369"/>
+                </a:cubicBezTo>
+                <a:cubicBezTo>
+                  <a:pt x="1992923" y="1114995"/>
+                  <a:pt x="2172677" y="746370"/>
+                  <a:pt x="2500923" y="0"/>
+                </a:cubicBezTo>
+              </a:path>
+            </a:pathLst>
+          </a:custGeom>
+          <a:noFill/>
+        </p:spPr>
+        <p:style>
+          <a:lnRef idx="2">
+            <a:schemeClr val="accent1">
+              <a:shade val="50000"/>
+            </a:schemeClr>
+          </a:lnRef>
+          <a:fillRef idx="1">
+            <a:schemeClr val="accent1"/>
+          </a:fillRef>
+          <a:effectRef idx="0">
+            <a:schemeClr val="accent1"/>
+          </a:effectRef>
+          <a:fontRef idx="minor">
+            <a:schemeClr val="lt1"/>
+          </a:fontRef>
+        </p:style>
+        <p:txBody>
+          <a:bodyPr rtlCol="0" anchor="ctr"/>
+          <a:lstStyle/>
+          <a:p>
+            <a:pPr algn="ctr"/>
+            <a:endParaRPr kumimoji="1" lang="ja-JP" altLang="en-US"/>
+          </a:p>
+        </p:txBody>
+      </p:sp>
+      <p:sp>
+        <p:nvSpPr>
+          <p:cNvPr id="51" name="テキスト ボックス 50">
+            <a:extLst>
+              <a:ext uri="{FF2B5EF4-FFF2-40B4-BE49-F238E27FC236}">
+                <a16:creationId xmlns:a16="http://schemas.microsoft.com/office/drawing/2014/main" id="{10CD1617-A5BB-4186-936D-F9602486BDE7}"/>
+              </a:ext>
+            </a:extLst>
+          </p:cNvPr>
+          <p:cNvSpPr txBox="1"/>
+          <p:nvPr/>
+        </p:nvSpPr>
+        <p:spPr>
+          <a:xfrm>
+            <a:off x="7774980" y="5001444"/>
+            <a:ext cx="1805347" cy="246221"/>
+          </a:xfrm>
+          <a:prstGeom prst="rect">
+            <a:avLst/>
+          </a:prstGeom>
+          <a:noFill/>
+        </p:spPr>
+        <p:txBody>
+          <a:bodyPr wrap="square" rtlCol="0">
+            <a:spAutoFit/>
+          </a:bodyPr>
+          <a:lstStyle/>
+          <a:p>
+            <a:r>
+              <a:rPr kumimoji="1" lang="en-US" altLang="ja-JP" sz="1000" dirty="0"/>
+              <a:t>{</a:t>
+            </a:r>
+            <a:r>
+              <a:rPr kumimoji="1" lang="ja-JP" altLang="en-US" sz="1000" dirty="0"/>
+              <a:t>定格回転数</a:t>
+            </a:r>
+            <a:r>
+              <a:rPr kumimoji="1" lang="en-US" altLang="ja-JP" sz="1000" dirty="0"/>
+              <a:t>, </a:t>
+            </a:r>
+            <a:r>
+              <a:rPr kumimoji="1" lang="ja-JP" altLang="en-US" sz="1000" dirty="0"/>
+              <a:t>定格揚程</a:t>
+            </a:r>
+            <a:r>
+              <a:rPr kumimoji="1" lang="en-US" altLang="ja-JP" sz="1000" dirty="0"/>
+              <a:t>}</a:t>
+            </a:r>
+            <a:endParaRPr kumimoji="1" lang="ja-JP" altLang="en-US" sz="1000" dirty="0"/>
+          </a:p>
+        </p:txBody>
+      </p:sp>
+      <p:sp>
+        <p:nvSpPr>
+          <p:cNvPr id="53" name="テキスト ボックス 52">
+            <a:extLst>
+              <a:ext uri="{FF2B5EF4-FFF2-40B4-BE49-F238E27FC236}">
+                <a16:creationId xmlns:a16="http://schemas.microsoft.com/office/drawing/2014/main" id="{68E12D43-57F5-41FC-9537-2D5B36C58169}"/>
+              </a:ext>
+            </a:extLst>
+          </p:cNvPr>
+          <p:cNvSpPr txBox="1"/>
+          <p:nvPr/>
+        </p:nvSpPr>
+        <p:spPr>
+          <a:xfrm>
+            <a:off x="8353313" y="6382951"/>
+            <a:ext cx="1227014" cy="246221"/>
+          </a:xfrm>
+          <a:prstGeom prst="rect">
+            <a:avLst/>
+          </a:prstGeom>
+          <a:noFill/>
+        </p:spPr>
+        <p:txBody>
+          <a:bodyPr wrap="square" rtlCol="0">
+            <a:spAutoFit/>
+          </a:bodyPr>
+          <a:lstStyle/>
+          <a:p>
+            <a:r>
+              <a:rPr kumimoji="1" lang="ja-JP" altLang="en-US" sz="1000" dirty="0"/>
+              <a:t>機械回転数 </a:t>
+            </a:r>
+            <a:r>
+              <a:rPr kumimoji="1" lang="en-US" altLang="ja-JP" sz="1000" dirty="0"/>
+              <a:t>[rpm]</a:t>
+            </a:r>
+            <a:endParaRPr kumimoji="1" lang="ja-JP" altLang="en-US" sz="1000" dirty="0"/>
+          </a:p>
+        </p:txBody>
+      </p:sp>
+      <p:sp>
+        <p:nvSpPr>
+          <p:cNvPr id="57" name="テキスト ボックス 56">
+            <a:extLst>
+              <a:ext uri="{FF2B5EF4-FFF2-40B4-BE49-F238E27FC236}">
+                <a16:creationId xmlns:a16="http://schemas.microsoft.com/office/drawing/2014/main" id="{667A4F7A-1F2E-4609-9C93-BB6FD94C19C4}"/>
+              </a:ext>
+            </a:extLst>
+          </p:cNvPr>
+          <p:cNvSpPr txBox="1"/>
+          <p:nvPr/>
+        </p:nvSpPr>
+        <p:spPr>
+          <a:xfrm>
+            <a:off x="6689971" y="2171214"/>
+            <a:ext cx="5214810" cy="553998"/>
+          </a:xfrm>
+          <a:prstGeom prst="rect">
+            <a:avLst/>
+          </a:prstGeom>
+          <a:noFill/>
+        </p:spPr>
+        <p:txBody>
+          <a:bodyPr wrap="square" rtlCol="0">
+            <a:spAutoFit/>
+          </a:bodyPr>
+          <a:lstStyle/>
+          <a:p>
+            <a:r>
+              <a:rPr lang="en-US" altLang="ja-JP" sz="1000" dirty="0">
+                <a:solidFill>
+                  <a:srgbClr val="8B0000"/>
+                </a:solidFill>
+                <a:effectLst/>
+                <a:latin typeface="Courier New" panose="02070309020205020404" pitchFamily="49" charset="0"/>
+              </a:rPr>
+              <a:t>redeclare</a:t>
+            </a:r>
+            <a:r>
+              <a:rPr lang="en-US" altLang="ja-JP" sz="1000" dirty="0">
                 <a:solidFill>
                   <a:srgbClr val="000000"/>
                 </a:solidFill>
                 <a:effectLst/>
-                <a:latin typeface="Times New Roman" panose="02020603050405020304" pitchFamily="18" charset="0"/>
-                <a:cs typeface="Times New Roman" panose="02020603050405020304" pitchFamily="18" charset="0"/>
+                <a:latin typeface="Courier New" panose="02070309020205020404" pitchFamily="49" charset="0"/>
               </a:rPr>
-              <a:t>pumpingSystem_ex02</a:t>
-            </a:r>
-            <a:endParaRPr kumimoji="1" lang="ja-JP" altLang="en-US" sz="2400" dirty="0">
-              <a:latin typeface="Times New Roman" panose="02020603050405020304" pitchFamily="18" charset="0"/>
-              <a:cs typeface="Times New Roman" panose="02020603050405020304" pitchFamily="18" charset="0"/>
-            </a:endParaRPr>
+              <a:t> </a:t>
+            </a:r>
+            <a:r>
+              <a:rPr lang="en-US" altLang="ja-JP" sz="1000" dirty="0">
+                <a:solidFill>
+                  <a:srgbClr val="8B0000"/>
+                </a:solidFill>
+                <a:effectLst/>
+                <a:latin typeface="Courier New" panose="02070309020205020404" pitchFamily="49" charset="0"/>
+              </a:rPr>
+              <a:t>function</a:t>
+            </a:r>
+            <a:r>
+              <a:rPr lang="en-US" altLang="ja-JP" sz="1000" dirty="0">
+                <a:solidFill>
+                  <a:srgbClr val="000000"/>
+                </a:solidFill>
+                <a:effectLst/>
+                <a:latin typeface="Courier New" panose="02070309020205020404" pitchFamily="49" charset="0"/>
+              </a:rPr>
+              <a:t> </a:t>
+            </a:r>
+            <a:r>
+              <a:rPr lang="en-US" altLang="ja-JP" sz="1000" dirty="0" err="1">
+                <a:solidFill>
+                  <a:srgbClr val="000000"/>
+                </a:solidFill>
+                <a:effectLst/>
+                <a:latin typeface="Courier New" panose="02070309020205020404" pitchFamily="49" charset="0"/>
+              </a:rPr>
+              <a:t>flowCharacteristic</a:t>
+            </a:r>
+            <a:r>
+              <a:rPr lang="en-US" altLang="ja-JP" sz="1000" dirty="0">
+                <a:solidFill>
+                  <a:srgbClr val="000000"/>
+                </a:solidFill>
+                <a:effectLst/>
+                <a:latin typeface="Courier New" panose="02070309020205020404" pitchFamily="49" charset="0"/>
+              </a:rPr>
+              <a:t> = Modelica.Fluid.Machines.BaseClasses.PumpCharacteristics.</a:t>
+            </a:r>
+            <a:r>
+              <a:rPr lang="en-US" altLang="ja-JP" sz="1000" dirty="0">
+                <a:solidFill>
+                  <a:srgbClr val="0000FF"/>
+                </a:solidFill>
+                <a:effectLst/>
+                <a:latin typeface="Courier New" panose="02070309020205020404" pitchFamily="49" charset="0"/>
+              </a:rPr>
+              <a:t>quadraticFlow</a:t>
+            </a:r>
+            <a:r>
+              <a:rPr lang="en-US" altLang="ja-JP" sz="1000" dirty="0">
+                <a:solidFill>
+                  <a:srgbClr val="000000"/>
+                </a:solidFill>
+                <a:effectLst/>
+                <a:latin typeface="Courier New" panose="02070309020205020404" pitchFamily="49" charset="0"/>
+              </a:rPr>
+              <a:t>(</a:t>
+            </a:r>
+            <a:r>
+              <a:rPr lang="en-US" altLang="ja-JP" sz="1000" dirty="0" err="1">
+                <a:solidFill>
+                  <a:srgbClr val="000000"/>
+                </a:solidFill>
+                <a:effectLst/>
+                <a:latin typeface="Courier New" panose="02070309020205020404" pitchFamily="49" charset="0"/>
+              </a:rPr>
+              <a:t>V_flow_nominal</a:t>
+            </a:r>
+            <a:r>
+              <a:rPr lang="en-US" altLang="ja-JP" sz="1000" dirty="0">
+                <a:solidFill>
+                  <a:srgbClr val="000000"/>
+                </a:solidFill>
+                <a:effectLst/>
+                <a:latin typeface="Courier New" panose="02070309020205020404" pitchFamily="49" charset="0"/>
+              </a:rPr>
+              <a:t> = {</a:t>
+            </a:r>
+            <a:r>
+              <a:rPr lang="en-US" altLang="ja-JP" sz="1000" dirty="0">
+                <a:solidFill>
+                  <a:srgbClr val="8B008B"/>
+                </a:solidFill>
+                <a:effectLst/>
+                <a:latin typeface="Courier New" panose="02070309020205020404" pitchFamily="49" charset="0"/>
+              </a:rPr>
+              <a:t>0</a:t>
+            </a:r>
+            <a:r>
+              <a:rPr lang="en-US" altLang="ja-JP" sz="1000" dirty="0">
+                <a:solidFill>
+                  <a:srgbClr val="000000"/>
+                </a:solidFill>
+                <a:effectLst/>
+                <a:latin typeface="Courier New" panose="02070309020205020404" pitchFamily="49" charset="0"/>
+              </a:rPr>
+              <a:t>, </a:t>
+            </a:r>
+            <a:r>
+              <a:rPr lang="en-US" altLang="ja-JP" sz="1000" dirty="0">
+                <a:solidFill>
+                  <a:srgbClr val="8B008B"/>
+                </a:solidFill>
+                <a:effectLst/>
+                <a:latin typeface="Courier New" panose="02070309020205020404" pitchFamily="49" charset="0"/>
+              </a:rPr>
+              <a:t>0.25</a:t>
+            </a:r>
+            <a:r>
+              <a:rPr lang="en-US" altLang="ja-JP" sz="1000" dirty="0">
+                <a:solidFill>
+                  <a:srgbClr val="000000"/>
+                </a:solidFill>
+                <a:effectLst/>
+                <a:latin typeface="Courier New" panose="02070309020205020404" pitchFamily="49" charset="0"/>
+              </a:rPr>
+              <a:t>, </a:t>
+            </a:r>
+            <a:r>
+              <a:rPr lang="en-US" altLang="ja-JP" sz="1000" dirty="0">
+                <a:solidFill>
+                  <a:srgbClr val="8B008B"/>
+                </a:solidFill>
+                <a:effectLst/>
+                <a:latin typeface="Courier New" panose="02070309020205020404" pitchFamily="49" charset="0"/>
+              </a:rPr>
+              <a:t>0.5</a:t>
+            </a:r>
+            <a:r>
+              <a:rPr lang="en-US" altLang="ja-JP" sz="1000" dirty="0">
+                <a:solidFill>
+                  <a:srgbClr val="000000"/>
+                </a:solidFill>
+                <a:effectLst/>
+                <a:latin typeface="Courier New" panose="02070309020205020404" pitchFamily="49" charset="0"/>
+              </a:rPr>
+              <a:t>}, </a:t>
+            </a:r>
+            <a:r>
+              <a:rPr lang="en-US" altLang="ja-JP" sz="1000" dirty="0" err="1">
+                <a:solidFill>
+                  <a:srgbClr val="000000"/>
+                </a:solidFill>
+                <a:effectLst/>
+                <a:latin typeface="Courier New" panose="02070309020205020404" pitchFamily="49" charset="0"/>
+              </a:rPr>
+              <a:t>head_nominal</a:t>
+            </a:r>
+            <a:r>
+              <a:rPr lang="en-US" altLang="ja-JP" sz="1000" dirty="0">
+                <a:solidFill>
+                  <a:srgbClr val="000000"/>
+                </a:solidFill>
+                <a:effectLst/>
+                <a:latin typeface="Courier New" panose="02070309020205020404" pitchFamily="49" charset="0"/>
+              </a:rPr>
+              <a:t> = {</a:t>
+            </a:r>
+            <a:r>
+              <a:rPr lang="en-US" altLang="ja-JP" sz="1000" dirty="0">
+                <a:solidFill>
+                  <a:srgbClr val="8B008B"/>
+                </a:solidFill>
+                <a:effectLst/>
+                <a:latin typeface="Courier New" panose="02070309020205020404" pitchFamily="49" charset="0"/>
+              </a:rPr>
+              <a:t>100</a:t>
+            </a:r>
+            <a:r>
+              <a:rPr lang="en-US" altLang="ja-JP" sz="1000" dirty="0">
+                <a:solidFill>
+                  <a:srgbClr val="000000"/>
+                </a:solidFill>
+                <a:effectLst/>
+                <a:latin typeface="Courier New" panose="02070309020205020404" pitchFamily="49" charset="0"/>
+              </a:rPr>
+              <a:t>, </a:t>
+            </a:r>
+            <a:r>
+              <a:rPr lang="en-US" altLang="ja-JP" sz="1000" dirty="0">
+                <a:solidFill>
+                  <a:srgbClr val="8B008B"/>
+                </a:solidFill>
+                <a:effectLst/>
+                <a:latin typeface="Courier New" panose="02070309020205020404" pitchFamily="49" charset="0"/>
+              </a:rPr>
+              <a:t>60</a:t>
+            </a:r>
+            <a:r>
+              <a:rPr lang="en-US" altLang="ja-JP" sz="1000" dirty="0">
+                <a:solidFill>
+                  <a:srgbClr val="000000"/>
+                </a:solidFill>
+                <a:effectLst/>
+                <a:latin typeface="Courier New" panose="02070309020205020404" pitchFamily="49" charset="0"/>
+              </a:rPr>
+              <a:t>, </a:t>
+            </a:r>
+            <a:r>
+              <a:rPr lang="en-US" altLang="ja-JP" sz="1000" dirty="0">
+                <a:solidFill>
+                  <a:srgbClr val="8B008B"/>
+                </a:solidFill>
+                <a:effectLst/>
+                <a:latin typeface="Courier New" panose="02070309020205020404" pitchFamily="49" charset="0"/>
+              </a:rPr>
+              <a:t>0</a:t>
+            </a:r>
+            <a:r>
+              <a:rPr lang="en-US" altLang="ja-JP" sz="1000" dirty="0">
+                <a:solidFill>
+                  <a:srgbClr val="000000"/>
+                </a:solidFill>
+                <a:effectLst/>
+                <a:latin typeface="Courier New" panose="02070309020205020404" pitchFamily="49" charset="0"/>
+              </a:rPr>
+              <a:t>})</a:t>
+            </a:r>
+            <a:endParaRPr kumimoji="1" lang="en-US" altLang="ja-JP" sz="400" dirty="0"/>
+          </a:p>
+        </p:txBody>
+      </p:sp>
+      <p:sp>
+        <p:nvSpPr>
+          <p:cNvPr id="59" name="テキスト ボックス 58">
+            <a:extLst>
+              <a:ext uri="{FF2B5EF4-FFF2-40B4-BE49-F238E27FC236}">
+                <a16:creationId xmlns:a16="http://schemas.microsoft.com/office/drawing/2014/main" id="{C14E10E8-6395-4640-A76F-A8AD2409ABC5}"/>
+              </a:ext>
+            </a:extLst>
+          </p:cNvPr>
+          <p:cNvSpPr txBox="1"/>
+          <p:nvPr/>
+        </p:nvSpPr>
+        <p:spPr>
+          <a:xfrm>
+            <a:off x="2589829" y="5584916"/>
+            <a:ext cx="2103313" cy="553998"/>
+          </a:xfrm>
+          <a:prstGeom prst="rect">
+            <a:avLst/>
+          </a:prstGeom>
+          <a:noFill/>
+        </p:spPr>
+        <p:txBody>
+          <a:bodyPr wrap="square" rtlCol="0">
+            <a:spAutoFit/>
+          </a:bodyPr>
+          <a:lstStyle/>
+          <a:p>
+            <a:r>
+              <a:rPr lang="ja-JP" altLang="en-US" sz="1000" dirty="0"/>
+              <a:t>定格点の</a:t>
+            </a:r>
+            <a:r>
+              <a:rPr lang="en-US" altLang="ja-JP" sz="1000" dirty="0"/>
+              <a:t>parameter</a:t>
+            </a:r>
+            <a:r>
+              <a:rPr lang="ja-JP" altLang="en-US" sz="1000" dirty="0"/>
+              <a:t>を基に</a:t>
+            </a:r>
+            <a:endParaRPr kumimoji="1" lang="en-US" altLang="ja-JP" sz="1000" dirty="0"/>
+          </a:p>
+          <a:p>
+            <a:r>
+              <a:rPr kumimoji="1" lang="ja-JP" altLang="en-US" sz="1000" dirty="0"/>
+              <a:t>　体積流量</a:t>
+            </a:r>
+            <a:r>
+              <a:rPr kumimoji="1" lang="en-US" altLang="ja-JP" sz="1000" dirty="0"/>
+              <a:t>=k*</a:t>
+            </a:r>
+            <a:r>
+              <a:rPr kumimoji="1" lang="ja-JP" altLang="en-US" sz="1000" dirty="0"/>
+              <a:t>機械回転数</a:t>
+            </a:r>
+            <a:endParaRPr kumimoji="1" lang="en-US" altLang="ja-JP" sz="1000" dirty="0"/>
+          </a:p>
+          <a:p>
+            <a:r>
+              <a:rPr lang="ja-JP" altLang="en-US" sz="1000" dirty="0"/>
+              <a:t>として算出</a:t>
+            </a:r>
+            <a:r>
+              <a:rPr lang="en-US" altLang="ja-JP" sz="1000" dirty="0"/>
+              <a:t>(</a:t>
+            </a:r>
+            <a:r>
+              <a:rPr lang="ja-JP" altLang="en-US" sz="1000" dirty="0"/>
+              <a:t>スケール</a:t>
+            </a:r>
+            <a:r>
+              <a:rPr lang="en-US" altLang="ja-JP" sz="1000" dirty="0"/>
+              <a:t>)</a:t>
+            </a:r>
+            <a:r>
+              <a:rPr lang="ja-JP" altLang="en-US" sz="1000" dirty="0"/>
+              <a:t>される。</a:t>
+            </a:r>
+            <a:endParaRPr kumimoji="1" lang="ja-JP" altLang="en-US" sz="1000" dirty="0"/>
+          </a:p>
+        </p:txBody>
+      </p:sp>
+      <p:sp>
+        <p:nvSpPr>
+          <p:cNvPr id="61" name="テキスト ボックス 60">
+            <a:extLst>
+              <a:ext uri="{FF2B5EF4-FFF2-40B4-BE49-F238E27FC236}">
+                <a16:creationId xmlns:a16="http://schemas.microsoft.com/office/drawing/2014/main" id="{979783AF-66AE-4CA4-B1A8-C7FFCAC068B6}"/>
+              </a:ext>
+            </a:extLst>
+          </p:cNvPr>
+          <p:cNvSpPr txBox="1"/>
+          <p:nvPr/>
+        </p:nvSpPr>
+        <p:spPr>
+          <a:xfrm>
+            <a:off x="8879077" y="5495398"/>
+            <a:ext cx="2132796" cy="553998"/>
+          </a:xfrm>
+          <a:prstGeom prst="rect">
+            <a:avLst/>
+          </a:prstGeom>
+          <a:noFill/>
+        </p:spPr>
+        <p:txBody>
+          <a:bodyPr wrap="square" rtlCol="0">
+            <a:spAutoFit/>
+          </a:bodyPr>
+          <a:lstStyle/>
+          <a:p>
+            <a:r>
+              <a:rPr lang="ja-JP" altLang="en-US" sz="1000" dirty="0"/>
+              <a:t>定格点の</a:t>
+            </a:r>
+            <a:r>
+              <a:rPr lang="en-US" altLang="ja-JP" sz="1000" dirty="0"/>
+              <a:t>parameter</a:t>
+            </a:r>
+            <a:r>
+              <a:rPr lang="ja-JP" altLang="en-US" sz="1000" dirty="0"/>
+              <a:t>を基に</a:t>
+            </a:r>
+            <a:endParaRPr kumimoji="1" lang="en-US" altLang="ja-JP" sz="1000" dirty="0"/>
+          </a:p>
+          <a:p>
+            <a:r>
+              <a:rPr kumimoji="1" lang="ja-JP" altLang="en-US" sz="1000" dirty="0"/>
+              <a:t>　体積流量</a:t>
+            </a:r>
+            <a:r>
+              <a:rPr kumimoji="1" lang="en-US" altLang="ja-JP" sz="1000" dirty="0"/>
+              <a:t>=k*(</a:t>
+            </a:r>
+            <a:r>
+              <a:rPr kumimoji="1" lang="ja-JP" altLang="en-US" sz="1000" dirty="0"/>
+              <a:t>機械回転数</a:t>
+            </a:r>
+            <a:r>
+              <a:rPr kumimoji="1" lang="en-US" altLang="ja-JP" sz="1000" dirty="0"/>
+              <a:t>)^2</a:t>
+            </a:r>
+          </a:p>
+          <a:p>
+            <a:r>
+              <a:rPr lang="ja-JP" altLang="en-US" sz="1000" dirty="0"/>
+              <a:t>として算出（スケール）される。</a:t>
+            </a:r>
+            <a:endParaRPr kumimoji="1" lang="ja-JP" altLang="en-US" sz="1000" dirty="0"/>
+          </a:p>
+        </p:txBody>
+      </p:sp>
+      <p:sp>
+        <p:nvSpPr>
+          <p:cNvPr id="63" name="テキスト ボックス 62">
+            <a:extLst>
+              <a:ext uri="{FF2B5EF4-FFF2-40B4-BE49-F238E27FC236}">
+                <a16:creationId xmlns:a16="http://schemas.microsoft.com/office/drawing/2014/main" id="{55057B90-58B1-4059-832A-346A02E51778}"/>
+              </a:ext>
+            </a:extLst>
+          </p:cNvPr>
+          <p:cNvSpPr txBox="1"/>
+          <p:nvPr/>
+        </p:nvSpPr>
+        <p:spPr>
+          <a:xfrm>
+            <a:off x="108187" y="3638545"/>
+            <a:ext cx="2370518" cy="261610"/>
+          </a:xfrm>
+          <a:prstGeom prst="rect">
+            <a:avLst/>
+          </a:prstGeom>
+          <a:noFill/>
+        </p:spPr>
+        <p:txBody>
+          <a:bodyPr wrap="square" rtlCol="0">
+            <a:spAutoFit/>
+          </a:bodyPr>
+          <a:lstStyle/>
+          <a:p>
+            <a:r>
+              <a:rPr lang="ja-JP" altLang="en-US" sz="1100" dirty="0"/>
+              <a:t>非定格点の体積流量、揚程の算出</a:t>
+            </a:r>
+            <a:endParaRPr kumimoji="1" lang="ja-JP" altLang="en-US" sz="1100" dirty="0"/>
+          </a:p>
+        </p:txBody>
+      </p:sp>
+      <p:sp>
+        <p:nvSpPr>
+          <p:cNvPr id="65" name="テキスト ボックス 64">
+            <a:extLst>
+              <a:ext uri="{FF2B5EF4-FFF2-40B4-BE49-F238E27FC236}">
+                <a16:creationId xmlns:a16="http://schemas.microsoft.com/office/drawing/2014/main" id="{1A53AE1C-74B6-4D1D-89EE-741254B8B901}"/>
+              </a:ext>
+            </a:extLst>
+          </p:cNvPr>
+          <p:cNvSpPr txBox="1"/>
+          <p:nvPr/>
+        </p:nvSpPr>
+        <p:spPr>
+          <a:xfrm>
+            <a:off x="108187" y="109853"/>
+            <a:ext cx="2370518" cy="261610"/>
+          </a:xfrm>
+          <a:prstGeom prst="rect">
+            <a:avLst/>
+          </a:prstGeom>
+          <a:noFill/>
+        </p:spPr>
+        <p:txBody>
+          <a:bodyPr wrap="square" rtlCol="0">
+            <a:spAutoFit/>
+          </a:bodyPr>
+          <a:lstStyle/>
+          <a:p>
+            <a:r>
+              <a:rPr lang="ja-JP" altLang="en-US" sz="1100" dirty="0"/>
+              <a:t>体積流量、揚程の特性の与え方</a:t>
+            </a:r>
+            <a:endParaRPr kumimoji="1" lang="ja-JP" altLang="en-US" sz="1100" dirty="0"/>
+          </a:p>
+        </p:txBody>
+      </p:sp>
+      <p:sp>
+        <p:nvSpPr>
+          <p:cNvPr id="66" name="矢印: 下 65">
+            <a:extLst>
+              <a:ext uri="{FF2B5EF4-FFF2-40B4-BE49-F238E27FC236}">
+                <a16:creationId xmlns:a16="http://schemas.microsoft.com/office/drawing/2014/main" id="{0DF60CA1-19F0-4902-84F1-FC39D7AB32F2}"/>
+              </a:ext>
+            </a:extLst>
+          </p:cNvPr>
+          <p:cNvSpPr/>
+          <p:nvPr/>
+        </p:nvSpPr>
+        <p:spPr>
+          <a:xfrm>
+            <a:off x="7272210" y="1227584"/>
+            <a:ext cx="375139" cy="433661"/>
+          </a:xfrm>
+          <a:prstGeom prst="downArrow">
+            <a:avLst/>
+          </a:prstGeom>
+        </p:spPr>
+        <p:style>
+          <a:lnRef idx="2">
+            <a:schemeClr val="dk1"/>
+          </a:lnRef>
+          <a:fillRef idx="1">
+            <a:schemeClr val="lt1"/>
+          </a:fillRef>
+          <a:effectRef idx="0">
+            <a:schemeClr val="dk1"/>
+          </a:effectRef>
+          <a:fontRef idx="minor">
+            <a:schemeClr val="dk1"/>
+          </a:fontRef>
+        </p:style>
+        <p:txBody>
+          <a:bodyPr rtlCol="0" anchor="ctr"/>
+          <a:lstStyle/>
+          <a:p>
+            <a:pPr algn="ctr"/>
+            <a:endParaRPr kumimoji="1" lang="ja-JP" altLang="en-US"/>
+          </a:p>
+        </p:txBody>
+      </p:sp>
+      <p:sp>
+        <p:nvSpPr>
+          <p:cNvPr id="68" name="テキスト ボックス 67">
+            <a:extLst>
+              <a:ext uri="{FF2B5EF4-FFF2-40B4-BE49-F238E27FC236}">
+                <a16:creationId xmlns:a16="http://schemas.microsoft.com/office/drawing/2014/main" id="{EE16389E-F8B3-4A99-AA3E-7F0D4F1F5A0C}"/>
+              </a:ext>
+            </a:extLst>
+          </p:cNvPr>
+          <p:cNvSpPr txBox="1"/>
+          <p:nvPr/>
+        </p:nvSpPr>
+        <p:spPr>
+          <a:xfrm>
+            <a:off x="6748587" y="1733254"/>
+            <a:ext cx="4927597" cy="400110"/>
+          </a:xfrm>
+          <a:prstGeom prst="rect">
+            <a:avLst/>
+          </a:prstGeom>
+          <a:noFill/>
+        </p:spPr>
+        <p:txBody>
+          <a:bodyPr wrap="square" rtlCol="0">
+            <a:spAutoFit/>
+          </a:bodyPr>
+          <a:lstStyle/>
+          <a:p>
+            <a:r>
+              <a:rPr kumimoji="1" lang="ja-JP" altLang="en-US" sz="1000" dirty="0"/>
+              <a:t>下記の記述により、特性モデルに</a:t>
+            </a:r>
+            <a:r>
+              <a:rPr kumimoji="1" lang="en-US" altLang="ja-JP" sz="1000" dirty="0"/>
+              <a:t>MSL</a:t>
+            </a:r>
+            <a:r>
+              <a:rPr kumimoji="1" lang="ja-JP" altLang="en-US" sz="1000" dirty="0"/>
+              <a:t>収録の２次カーブ</a:t>
+            </a:r>
+            <a:r>
+              <a:rPr kumimoji="1" lang="en-US" altLang="ja-JP" sz="1000" dirty="0"/>
+              <a:t>function</a:t>
+            </a:r>
+            <a:r>
+              <a:rPr kumimoji="1" lang="ja-JP" altLang="en-US" sz="1000" dirty="0"/>
+              <a:t>を用いることを設定すると共に、２次カーブを成す３点の値を</a:t>
+            </a:r>
+            <a:r>
+              <a:rPr kumimoji="1" lang="en-US" altLang="ja-JP" sz="1000" dirty="0"/>
+              <a:t>parameter</a:t>
+            </a:r>
+            <a:r>
+              <a:rPr kumimoji="1" lang="ja-JP" altLang="en-US" sz="1000" dirty="0"/>
+              <a:t>として与える</a:t>
+            </a:r>
+            <a:endParaRPr kumimoji="1" lang="en-US" altLang="ja-JP" sz="1000" dirty="0"/>
           </a:p>
         </p:txBody>
       </p:sp>
     </p:spTree>
     <p:extLst>
       <p:ext uri="{BB962C8B-B14F-4D97-AF65-F5344CB8AC3E}">
-        <p14:creationId xmlns:p14="http://schemas.microsoft.com/office/powerpoint/2010/main" val="1047156367"/>
+        <p14:creationId xmlns:p14="http://schemas.microsoft.com/office/powerpoint/2010/main" val="3595729353"/>
       </p:ext>
     </p:extLst>
   </p:cSld>
@@ -5031,40 +6663,822 @@
           <a:chExt cx="0" cy="0"/>
         </a:xfrm>
       </p:grpSpPr>
-      <p:pic>
-        <p:nvPicPr>
-          <p:cNvPr id="3" name="図 2">
-            <a:extLst>
-              <a:ext uri="{FF2B5EF4-FFF2-40B4-BE49-F238E27FC236}">
-                <a16:creationId xmlns:a16="http://schemas.microsoft.com/office/drawing/2014/main" id="{2E8E4416-F1CB-443C-9585-680D13105DF2}"/>
-              </a:ext>
-            </a:extLst>
-          </p:cNvPr>
-          <p:cNvPicPr>
-            <a:picLocks noChangeAspect="1"/>
-          </p:cNvPicPr>
-          <p:nvPr/>
-        </p:nvPicPr>
-        <p:blipFill>
-          <a:blip r:embed="rId2"/>
-          <a:stretch>
-            <a:fillRect/>
-          </a:stretch>
-        </p:blipFill>
-        <p:spPr>
-          <a:xfrm>
-            <a:off x="2468479" y="0"/>
-            <a:ext cx="7255042" cy="6858000"/>
+      <p:sp>
+        <p:nvSpPr>
+          <p:cNvPr id="3" name="テキスト ボックス 2">
+            <a:extLst>
+              <a:ext uri="{FF2B5EF4-FFF2-40B4-BE49-F238E27FC236}">
+                <a16:creationId xmlns:a16="http://schemas.microsoft.com/office/drawing/2014/main" id="{4C2D238D-7E41-4E88-AB6F-4B073EBF7952}"/>
+              </a:ext>
+            </a:extLst>
+          </p:cNvPr>
+          <p:cNvSpPr txBox="1"/>
+          <p:nvPr/>
+        </p:nvSpPr>
+        <p:spPr>
+          <a:xfrm>
+            <a:off x="108187" y="109853"/>
+            <a:ext cx="2370518" cy="261610"/>
           </a:xfrm>
           <a:prstGeom prst="rect">
             <a:avLst/>
           </a:prstGeom>
-        </p:spPr>
-      </p:pic>
+          <a:noFill/>
+        </p:spPr>
+        <p:txBody>
+          <a:bodyPr wrap="square" rtlCol="0">
+            <a:spAutoFit/>
+          </a:bodyPr>
+          <a:lstStyle/>
+          <a:p>
+            <a:r>
+              <a:rPr lang="ja-JP" altLang="en-US" sz="1100" dirty="0"/>
+              <a:t>断熱効率特性の与え方</a:t>
+            </a:r>
+            <a:endParaRPr kumimoji="1" lang="ja-JP" altLang="en-US" sz="1100" dirty="0"/>
+          </a:p>
+        </p:txBody>
+      </p:sp>
+      <p:cxnSp>
+        <p:nvCxnSpPr>
+          <p:cNvPr id="4" name="直線矢印コネクタ 3">
+            <a:extLst>
+              <a:ext uri="{FF2B5EF4-FFF2-40B4-BE49-F238E27FC236}">
+                <a16:creationId xmlns:a16="http://schemas.microsoft.com/office/drawing/2014/main" id="{65B7FDDB-A62D-482A-A753-DB7A8BB554AF}"/>
+              </a:ext>
+            </a:extLst>
+          </p:cNvPr>
+          <p:cNvCxnSpPr/>
+          <p:nvPr/>
+        </p:nvCxnSpPr>
+        <p:spPr>
+          <a:xfrm>
+            <a:off x="1141046" y="2860429"/>
+            <a:ext cx="3391877" cy="0"/>
+          </a:xfrm>
+          <a:prstGeom prst="straightConnector1">
+            <a:avLst/>
+          </a:prstGeom>
+          <a:ln>
+            <a:tailEnd type="triangle"/>
+          </a:ln>
+        </p:spPr>
+        <p:style>
+          <a:lnRef idx="1">
+            <a:schemeClr val="dk1"/>
+          </a:lnRef>
+          <a:fillRef idx="0">
+            <a:schemeClr val="dk1"/>
+          </a:fillRef>
+          <a:effectRef idx="0">
+            <a:schemeClr val="dk1"/>
+          </a:effectRef>
+          <a:fontRef idx="minor">
+            <a:schemeClr val="tx1"/>
+          </a:fontRef>
+        </p:style>
+      </p:cxnSp>
+      <p:cxnSp>
+        <p:nvCxnSpPr>
+          <p:cNvPr id="5" name="直線矢印コネクタ 4">
+            <a:extLst>
+              <a:ext uri="{FF2B5EF4-FFF2-40B4-BE49-F238E27FC236}">
+                <a16:creationId xmlns:a16="http://schemas.microsoft.com/office/drawing/2014/main" id="{483CF42E-C95B-4773-A838-C83DA61E66F2}"/>
+              </a:ext>
+            </a:extLst>
+          </p:cNvPr>
+          <p:cNvCxnSpPr>
+            <a:cxnSpLocks/>
+          </p:cNvCxnSpPr>
+          <p:nvPr/>
+        </p:nvCxnSpPr>
+        <p:spPr>
+          <a:xfrm flipV="1">
+            <a:off x="1293446" y="492367"/>
+            <a:ext cx="0" cy="2520462"/>
+          </a:xfrm>
+          <a:prstGeom prst="straightConnector1">
+            <a:avLst/>
+          </a:prstGeom>
+          <a:ln>
+            <a:tailEnd type="triangle"/>
+          </a:ln>
+        </p:spPr>
+        <p:style>
+          <a:lnRef idx="1">
+            <a:schemeClr val="dk1"/>
+          </a:lnRef>
+          <a:fillRef idx="0">
+            <a:schemeClr val="dk1"/>
+          </a:fillRef>
+          <a:effectRef idx="0">
+            <a:schemeClr val="dk1"/>
+          </a:effectRef>
+          <a:fontRef idx="minor">
+            <a:schemeClr val="tx1"/>
+          </a:fontRef>
+        </p:style>
+      </p:cxnSp>
+      <p:sp>
+        <p:nvSpPr>
+          <p:cNvPr id="6" name="テキスト ボックス 5">
+            <a:extLst>
+              <a:ext uri="{FF2B5EF4-FFF2-40B4-BE49-F238E27FC236}">
+                <a16:creationId xmlns:a16="http://schemas.microsoft.com/office/drawing/2014/main" id="{A4E85E35-DDCF-4DEE-A280-6FE09635CE06}"/>
+              </a:ext>
+            </a:extLst>
+          </p:cNvPr>
+          <p:cNvSpPr txBox="1"/>
+          <p:nvPr/>
+        </p:nvSpPr>
+        <p:spPr>
+          <a:xfrm>
+            <a:off x="2836985" y="2909329"/>
+            <a:ext cx="1359878" cy="246221"/>
+          </a:xfrm>
+          <a:prstGeom prst="rect">
+            <a:avLst/>
+          </a:prstGeom>
+          <a:noFill/>
+        </p:spPr>
+        <p:txBody>
+          <a:bodyPr wrap="square" rtlCol="0">
+            <a:spAutoFit/>
+          </a:bodyPr>
+          <a:lstStyle/>
+          <a:p>
+            <a:r>
+              <a:rPr kumimoji="1" lang="ja-JP" altLang="en-US" sz="1000" dirty="0"/>
+              <a:t>体積流量 </a:t>
+            </a:r>
+            <a:r>
+              <a:rPr kumimoji="1" lang="en-US" altLang="ja-JP" sz="1000" dirty="0"/>
+              <a:t>[m^3/s]</a:t>
+            </a:r>
+            <a:endParaRPr kumimoji="1" lang="ja-JP" altLang="en-US" sz="1000" dirty="0"/>
+          </a:p>
+        </p:txBody>
+      </p:sp>
+      <p:sp>
+        <p:nvSpPr>
+          <p:cNvPr id="7" name="テキスト ボックス 6">
+            <a:extLst>
+              <a:ext uri="{FF2B5EF4-FFF2-40B4-BE49-F238E27FC236}">
+                <a16:creationId xmlns:a16="http://schemas.microsoft.com/office/drawing/2014/main" id="{D990B600-93C2-41B4-84DC-82E0948269B8}"/>
+              </a:ext>
+            </a:extLst>
+          </p:cNvPr>
+          <p:cNvSpPr txBox="1"/>
+          <p:nvPr/>
+        </p:nvSpPr>
+        <p:spPr>
+          <a:xfrm>
+            <a:off x="668211" y="685854"/>
+            <a:ext cx="1066793" cy="400110"/>
+          </a:xfrm>
+          <a:prstGeom prst="rect">
+            <a:avLst/>
+          </a:prstGeom>
+          <a:noFill/>
+        </p:spPr>
+        <p:txBody>
+          <a:bodyPr wrap="square" rtlCol="0">
+            <a:spAutoFit/>
+          </a:bodyPr>
+          <a:lstStyle/>
+          <a:p>
+            <a:r>
+              <a:rPr lang="ja-JP" altLang="en-US" sz="1000" dirty="0"/>
+              <a:t>断熱効率</a:t>
+            </a:r>
+            <a:r>
+              <a:rPr kumimoji="1" lang="ja-JP" altLang="en-US" sz="1000" dirty="0"/>
+              <a:t> </a:t>
+            </a:r>
+            <a:r>
+              <a:rPr kumimoji="1" lang="en-US" altLang="ja-JP" sz="1000" dirty="0"/>
+              <a:t>[</a:t>
+            </a:r>
+            <a:r>
+              <a:rPr kumimoji="1" lang="en-US" altLang="ja-JP" sz="1000" dirty="0" err="1"/>
+              <a:t>nond</a:t>
+            </a:r>
+            <a:r>
+              <a:rPr kumimoji="1" lang="en-US" altLang="ja-JP" sz="1000" dirty="0"/>
+              <a:t>]</a:t>
+            </a:r>
+            <a:endParaRPr kumimoji="1" lang="ja-JP" altLang="en-US" sz="1000" dirty="0"/>
+          </a:p>
+        </p:txBody>
+      </p:sp>
+      <p:sp>
+        <p:nvSpPr>
+          <p:cNvPr id="8" name="フリーフォーム: 図形 7">
+            <a:extLst>
+              <a:ext uri="{FF2B5EF4-FFF2-40B4-BE49-F238E27FC236}">
+                <a16:creationId xmlns:a16="http://schemas.microsoft.com/office/drawing/2014/main" id="{12FBA24C-27A5-4289-A1CA-F86E98FA71A0}"/>
+              </a:ext>
+            </a:extLst>
+          </p:cNvPr>
+          <p:cNvSpPr/>
+          <p:nvPr/>
+        </p:nvSpPr>
+        <p:spPr>
+          <a:xfrm>
+            <a:off x="1656862" y="1018590"/>
+            <a:ext cx="2055446" cy="759105"/>
+          </a:xfrm>
+          <a:custGeom>
+            <a:avLst/>
+            <a:gdLst>
+              <a:gd name="connsiteX0" fmla="*/ 0 w 2360246"/>
+              <a:gd name="connsiteY0" fmla="*/ 0 h 1664677"/>
+              <a:gd name="connsiteX1" fmla="*/ 1398954 w 2360246"/>
+              <a:gd name="connsiteY1" fmla="*/ 398585 h 1664677"/>
+              <a:gd name="connsiteX2" fmla="*/ 2360246 w 2360246"/>
+              <a:gd name="connsiteY2" fmla="*/ 1664677 h 1664677"/>
+              <a:gd name="connsiteX0" fmla="*/ 0 w 2360246"/>
+              <a:gd name="connsiteY0" fmla="*/ 0 h 1664677"/>
+              <a:gd name="connsiteX1" fmla="*/ 1445846 w 2360246"/>
+              <a:gd name="connsiteY1" fmla="*/ 508000 h 1664677"/>
+              <a:gd name="connsiteX2" fmla="*/ 2360246 w 2360246"/>
+              <a:gd name="connsiteY2" fmla="*/ 1664677 h 1664677"/>
+              <a:gd name="connsiteX0" fmla="*/ 0 w 2211754"/>
+              <a:gd name="connsiteY0" fmla="*/ 984987 h 1196002"/>
+              <a:gd name="connsiteX1" fmla="*/ 1297354 w 2211754"/>
+              <a:gd name="connsiteY1" fmla="*/ 39325 h 1196002"/>
+              <a:gd name="connsiteX2" fmla="*/ 2211754 w 2211754"/>
+              <a:gd name="connsiteY2" fmla="*/ 1196002 h 1196002"/>
+              <a:gd name="connsiteX0" fmla="*/ 0 w 2211754"/>
+              <a:gd name="connsiteY0" fmla="*/ 1003715 h 1214730"/>
+              <a:gd name="connsiteX1" fmla="*/ 1297354 w 2211754"/>
+              <a:gd name="connsiteY1" fmla="*/ 58053 h 1214730"/>
+              <a:gd name="connsiteX2" fmla="*/ 2211754 w 2211754"/>
+              <a:gd name="connsiteY2" fmla="*/ 1214730 h 1214730"/>
+              <a:gd name="connsiteX0" fmla="*/ 0 w 2211754"/>
+              <a:gd name="connsiteY0" fmla="*/ 1144831 h 1355846"/>
+              <a:gd name="connsiteX1" fmla="*/ 1289538 w 2211754"/>
+              <a:gd name="connsiteY1" fmla="*/ 50676 h 1355846"/>
+              <a:gd name="connsiteX2" fmla="*/ 2211754 w 2211754"/>
+              <a:gd name="connsiteY2" fmla="*/ 1355846 h 1355846"/>
+              <a:gd name="connsiteX0" fmla="*/ 0 w 2211754"/>
+              <a:gd name="connsiteY0" fmla="*/ 1111407 h 1322422"/>
+              <a:gd name="connsiteX1" fmla="*/ 1289538 w 2211754"/>
+              <a:gd name="connsiteY1" fmla="*/ 17252 h 1322422"/>
+              <a:gd name="connsiteX2" fmla="*/ 2211754 w 2211754"/>
+              <a:gd name="connsiteY2" fmla="*/ 1322422 h 1322422"/>
+              <a:gd name="connsiteX0" fmla="*/ 0 w 2211754"/>
+              <a:gd name="connsiteY0" fmla="*/ 1111407 h 1322422"/>
+              <a:gd name="connsiteX1" fmla="*/ 1289538 w 2211754"/>
+              <a:gd name="connsiteY1" fmla="*/ 17252 h 1322422"/>
+              <a:gd name="connsiteX2" fmla="*/ 2211754 w 2211754"/>
+              <a:gd name="connsiteY2" fmla="*/ 1322422 h 1322422"/>
+              <a:gd name="connsiteX0" fmla="*/ 0 w 2055446"/>
+              <a:gd name="connsiteY0" fmla="*/ 1111407 h 1111407"/>
+              <a:gd name="connsiteX1" fmla="*/ 1289538 w 2055446"/>
+              <a:gd name="connsiteY1" fmla="*/ 17252 h 1111407"/>
+              <a:gd name="connsiteX2" fmla="*/ 2055446 w 2055446"/>
+              <a:gd name="connsiteY2" fmla="*/ 939468 h 1111407"/>
+              <a:gd name="connsiteX0" fmla="*/ 0 w 2055446"/>
+              <a:gd name="connsiteY0" fmla="*/ 1111407 h 1111407"/>
+              <a:gd name="connsiteX1" fmla="*/ 1289538 w 2055446"/>
+              <a:gd name="connsiteY1" fmla="*/ 17252 h 1111407"/>
+              <a:gd name="connsiteX2" fmla="*/ 2055446 w 2055446"/>
+              <a:gd name="connsiteY2" fmla="*/ 939468 h 1111407"/>
+            </a:gdLst>
+            <a:ahLst/>
+            <a:cxnLst>
+              <a:cxn ang="0">
+                <a:pos x="connsiteX0" y="connsiteY0"/>
+              </a:cxn>
+              <a:cxn ang="0">
+                <a:pos x="connsiteX1" y="connsiteY1"/>
+              </a:cxn>
+              <a:cxn ang="0">
+                <a:pos x="connsiteX2" y="connsiteY2"/>
+              </a:cxn>
+            </a:cxnLst>
+            <a:rect l="l" t="t" r="r" b="b"/>
+            <a:pathLst>
+              <a:path w="2055446" h="1111407">
+                <a:moveTo>
+                  <a:pt x="0" y="1111407"/>
+                </a:moveTo>
+                <a:cubicBezTo>
+                  <a:pt x="221436" y="671791"/>
+                  <a:pt x="880534" y="-127333"/>
+                  <a:pt x="1289538" y="17252"/>
+                </a:cubicBezTo>
+                <a:cubicBezTo>
+                  <a:pt x="1604759" y="114944"/>
+                  <a:pt x="1826194" y="398252"/>
+                  <a:pt x="2055446" y="939468"/>
+                </a:cubicBezTo>
+              </a:path>
+            </a:pathLst>
+          </a:custGeom>
+          <a:noFill/>
+        </p:spPr>
+        <p:style>
+          <a:lnRef idx="2">
+            <a:schemeClr val="accent1">
+              <a:shade val="50000"/>
+            </a:schemeClr>
+          </a:lnRef>
+          <a:fillRef idx="1">
+            <a:schemeClr val="accent1"/>
+          </a:fillRef>
+          <a:effectRef idx="0">
+            <a:schemeClr val="accent1"/>
+          </a:effectRef>
+          <a:fontRef idx="minor">
+            <a:schemeClr val="lt1"/>
+          </a:fontRef>
+        </p:style>
+        <p:txBody>
+          <a:bodyPr rtlCol="0" anchor="ctr"/>
+          <a:lstStyle/>
+          <a:p>
+            <a:pPr algn="ctr"/>
+            <a:endParaRPr kumimoji="1" lang="ja-JP" altLang="en-US"/>
+          </a:p>
+        </p:txBody>
+      </p:sp>
+      <p:cxnSp>
+        <p:nvCxnSpPr>
+          <p:cNvPr id="9" name="直線コネクタ 8">
+            <a:extLst>
+              <a:ext uri="{FF2B5EF4-FFF2-40B4-BE49-F238E27FC236}">
+                <a16:creationId xmlns:a16="http://schemas.microsoft.com/office/drawing/2014/main" id="{B59884D3-E100-44E7-98F6-003E14DC5F43}"/>
+              </a:ext>
+            </a:extLst>
+          </p:cNvPr>
+          <p:cNvCxnSpPr>
+            <a:cxnSpLocks/>
+            <a:stCxn id="11" idx="1"/>
+            <a:endCxn id="8" idx="1"/>
+          </p:cNvCxnSpPr>
+          <p:nvPr/>
+        </p:nvCxnSpPr>
+        <p:spPr>
+          <a:xfrm flipH="1">
+            <a:off x="2946400" y="789185"/>
+            <a:ext cx="1445848" cy="241188"/>
+          </a:xfrm>
+          <a:prstGeom prst="line">
+            <a:avLst/>
+          </a:prstGeom>
+        </p:spPr>
+        <p:style>
+          <a:lnRef idx="1">
+            <a:schemeClr val="accent1"/>
+          </a:lnRef>
+          <a:fillRef idx="0">
+            <a:schemeClr val="accent1"/>
+          </a:fillRef>
+          <a:effectRef idx="0">
+            <a:schemeClr val="accent1"/>
+          </a:effectRef>
+          <a:fontRef idx="minor">
+            <a:schemeClr val="tx1"/>
+          </a:fontRef>
+        </p:style>
+      </p:cxnSp>
+      <p:sp>
+        <p:nvSpPr>
+          <p:cNvPr id="11" name="テキスト ボックス 10">
+            <a:extLst>
+              <a:ext uri="{FF2B5EF4-FFF2-40B4-BE49-F238E27FC236}">
+                <a16:creationId xmlns:a16="http://schemas.microsoft.com/office/drawing/2014/main" id="{C2741D3D-AA2E-408B-BEE1-833C84D34BEE}"/>
+              </a:ext>
+            </a:extLst>
+          </p:cNvPr>
+          <p:cNvSpPr txBox="1"/>
+          <p:nvPr/>
+        </p:nvSpPr>
+        <p:spPr>
+          <a:xfrm>
+            <a:off x="4392248" y="281353"/>
+            <a:ext cx="2370518" cy="1015663"/>
+          </a:xfrm>
+          <a:prstGeom prst="rect">
+            <a:avLst/>
+          </a:prstGeom>
+          <a:noFill/>
+        </p:spPr>
+        <p:txBody>
+          <a:bodyPr wrap="square" rtlCol="0">
+            <a:spAutoFit/>
+          </a:bodyPr>
+          <a:lstStyle/>
+          <a:p>
+            <a:r>
+              <a:rPr kumimoji="1" lang="ja-JP" altLang="en-US" sz="1000" dirty="0"/>
+              <a:t>定格回転数における効率カーブを与える。</a:t>
+            </a:r>
+            <a:endParaRPr kumimoji="1" lang="en-US" altLang="ja-JP" sz="1000" dirty="0"/>
+          </a:p>
+          <a:p>
+            <a:r>
+              <a:rPr kumimoji="1" lang="en-US" altLang="ja-JP" sz="1000" dirty="0"/>
+              <a:t>MSL</a:t>
+            </a:r>
+            <a:r>
+              <a:rPr kumimoji="1" lang="ja-JP" altLang="en-US" sz="1000" dirty="0"/>
+              <a:t>には効率を一定とする</a:t>
+            </a:r>
+            <a:r>
+              <a:rPr kumimoji="1" lang="en-US" altLang="ja-JP" sz="1000" dirty="0"/>
+              <a:t>function</a:t>
+            </a:r>
+            <a:r>
+              <a:rPr kumimoji="1" lang="ja-JP" altLang="en-US" sz="1000" dirty="0"/>
+              <a:t>しか用意されていないため、カーブを与えたい場合はユーザー定義</a:t>
+            </a:r>
+            <a:r>
+              <a:rPr kumimoji="1" lang="en-US" altLang="ja-JP" sz="1000" dirty="0"/>
+              <a:t>function</a:t>
+            </a:r>
+            <a:r>
+              <a:rPr kumimoji="1" lang="ja-JP" altLang="en-US" sz="1000" dirty="0"/>
+              <a:t>を作成する必要が有る。</a:t>
+            </a:r>
+            <a:endParaRPr kumimoji="1" lang="en-US" altLang="ja-JP" sz="1000" dirty="0"/>
+          </a:p>
+        </p:txBody>
+      </p:sp>
+      <p:cxnSp>
+        <p:nvCxnSpPr>
+          <p:cNvPr id="15" name="直線コネクタ 14">
+            <a:extLst>
+              <a:ext uri="{FF2B5EF4-FFF2-40B4-BE49-F238E27FC236}">
+                <a16:creationId xmlns:a16="http://schemas.microsoft.com/office/drawing/2014/main" id="{BA6A23DD-D353-4A60-BD5A-D84DB47EFFDA}"/>
+              </a:ext>
+            </a:extLst>
+          </p:cNvPr>
+          <p:cNvCxnSpPr>
+            <a:cxnSpLocks/>
+          </p:cNvCxnSpPr>
+          <p:nvPr/>
+        </p:nvCxnSpPr>
+        <p:spPr>
+          <a:xfrm flipH="1">
+            <a:off x="1656862" y="1364422"/>
+            <a:ext cx="2149230" cy="0"/>
+          </a:xfrm>
+          <a:prstGeom prst="line">
+            <a:avLst/>
+          </a:prstGeom>
+          <a:ln w="12700">
+            <a:prstDash val="dash"/>
+          </a:ln>
+        </p:spPr>
+        <p:style>
+          <a:lnRef idx="1">
+            <a:schemeClr val="accent1"/>
+          </a:lnRef>
+          <a:fillRef idx="0">
+            <a:schemeClr val="accent1"/>
+          </a:fillRef>
+          <a:effectRef idx="0">
+            <a:schemeClr val="accent1"/>
+          </a:effectRef>
+          <a:fontRef idx="minor">
+            <a:schemeClr val="tx1"/>
+          </a:fontRef>
+        </p:style>
+      </p:cxnSp>
+      <p:cxnSp>
+        <p:nvCxnSpPr>
+          <p:cNvPr id="17" name="直線コネクタ 16">
+            <a:extLst>
+              <a:ext uri="{FF2B5EF4-FFF2-40B4-BE49-F238E27FC236}">
+                <a16:creationId xmlns:a16="http://schemas.microsoft.com/office/drawing/2014/main" id="{47A3A5F7-36E5-4B48-AF09-016DB42BC9CB}"/>
+              </a:ext>
+            </a:extLst>
+          </p:cNvPr>
+          <p:cNvCxnSpPr>
+            <a:cxnSpLocks/>
+            <a:stCxn id="21" idx="1"/>
+          </p:cNvCxnSpPr>
+          <p:nvPr/>
+        </p:nvCxnSpPr>
+        <p:spPr>
+          <a:xfrm flipH="1" flipV="1">
+            <a:off x="3087082" y="1376208"/>
+            <a:ext cx="855770" cy="795256"/>
+          </a:xfrm>
+          <a:prstGeom prst="line">
+            <a:avLst/>
+          </a:prstGeom>
+        </p:spPr>
+        <p:style>
+          <a:lnRef idx="1">
+            <a:schemeClr val="accent1"/>
+          </a:lnRef>
+          <a:fillRef idx="0">
+            <a:schemeClr val="accent1"/>
+          </a:fillRef>
+          <a:effectRef idx="0">
+            <a:schemeClr val="accent1"/>
+          </a:effectRef>
+          <a:fontRef idx="minor">
+            <a:schemeClr val="tx1"/>
+          </a:fontRef>
+        </p:style>
+      </p:cxnSp>
+      <p:sp>
+        <p:nvSpPr>
+          <p:cNvPr id="21" name="テキスト ボックス 20">
+            <a:extLst>
+              <a:ext uri="{FF2B5EF4-FFF2-40B4-BE49-F238E27FC236}">
+                <a16:creationId xmlns:a16="http://schemas.microsoft.com/office/drawing/2014/main" id="{102E4C8C-FFEF-46E5-BD88-B036F05FF4F5}"/>
+              </a:ext>
+            </a:extLst>
+          </p:cNvPr>
+          <p:cNvSpPr txBox="1"/>
+          <p:nvPr/>
+        </p:nvSpPr>
+        <p:spPr>
+          <a:xfrm>
+            <a:off x="3942852" y="1817521"/>
+            <a:ext cx="2254744" cy="707886"/>
+          </a:xfrm>
+          <a:prstGeom prst="rect">
+            <a:avLst/>
+          </a:prstGeom>
+          <a:noFill/>
+        </p:spPr>
+        <p:txBody>
+          <a:bodyPr wrap="square" rtlCol="0">
+            <a:spAutoFit/>
+          </a:bodyPr>
+          <a:lstStyle/>
+          <a:p>
+            <a:r>
+              <a:rPr kumimoji="1" lang="en-US" altLang="ja-JP" sz="1000" dirty="0"/>
+              <a:t>pumpingSystem_ex01</a:t>
+            </a:r>
+            <a:r>
+              <a:rPr kumimoji="1" lang="ja-JP" altLang="en-US" sz="1000" dirty="0"/>
+              <a:t>では、簡略化のため、定格回転数における断熱効率を一定とするよう</a:t>
+            </a:r>
+            <a:r>
+              <a:rPr kumimoji="1" lang="en-US" altLang="ja-JP" sz="1000" dirty="0"/>
+              <a:t>parameter</a:t>
+            </a:r>
+            <a:r>
+              <a:rPr kumimoji="1" lang="ja-JP" altLang="en-US" sz="1000" dirty="0"/>
+              <a:t>設定する。</a:t>
+            </a:r>
+            <a:endParaRPr kumimoji="1" lang="en-US" altLang="ja-JP" sz="1000" dirty="0"/>
+          </a:p>
+        </p:txBody>
+      </p:sp>
+      <p:sp>
+        <p:nvSpPr>
+          <p:cNvPr id="31" name="テキスト ボックス 30">
+            <a:extLst>
+              <a:ext uri="{FF2B5EF4-FFF2-40B4-BE49-F238E27FC236}">
+                <a16:creationId xmlns:a16="http://schemas.microsoft.com/office/drawing/2014/main" id="{6DC1B7D6-D9B5-4E04-9434-60EE7509BCBF}"/>
+              </a:ext>
+            </a:extLst>
+          </p:cNvPr>
+          <p:cNvSpPr txBox="1"/>
+          <p:nvPr/>
+        </p:nvSpPr>
+        <p:spPr>
+          <a:xfrm>
+            <a:off x="1932299" y="4095782"/>
+            <a:ext cx="4740736" cy="553998"/>
+          </a:xfrm>
+          <a:prstGeom prst="rect">
+            <a:avLst/>
+          </a:prstGeom>
+          <a:noFill/>
+        </p:spPr>
+        <p:txBody>
+          <a:bodyPr wrap="square" rtlCol="0">
+            <a:spAutoFit/>
+          </a:bodyPr>
+          <a:lstStyle/>
+          <a:p>
+            <a:r>
+              <a:rPr lang="en-US" altLang="ja-JP" sz="1000" dirty="0">
+                <a:solidFill>
+                  <a:srgbClr val="8B0000"/>
+                </a:solidFill>
+                <a:effectLst/>
+                <a:latin typeface="Courier New" panose="02070309020205020404" pitchFamily="49" charset="0"/>
+              </a:rPr>
+              <a:t>redeclare</a:t>
+            </a:r>
+            <a:r>
+              <a:rPr lang="en-US" altLang="ja-JP" sz="1000" dirty="0">
+                <a:solidFill>
+                  <a:srgbClr val="000000"/>
+                </a:solidFill>
+                <a:effectLst/>
+                <a:latin typeface="Courier New" panose="02070309020205020404" pitchFamily="49" charset="0"/>
+              </a:rPr>
+              <a:t> </a:t>
+            </a:r>
+            <a:r>
+              <a:rPr lang="en-US" altLang="ja-JP" sz="1000" dirty="0">
+                <a:solidFill>
+                  <a:srgbClr val="8B0000"/>
+                </a:solidFill>
+                <a:effectLst/>
+                <a:latin typeface="Courier New" panose="02070309020205020404" pitchFamily="49" charset="0"/>
+              </a:rPr>
+              <a:t>function</a:t>
+            </a:r>
+            <a:r>
+              <a:rPr lang="en-US" altLang="ja-JP" sz="1000" dirty="0">
+                <a:solidFill>
+                  <a:srgbClr val="000000"/>
+                </a:solidFill>
+                <a:effectLst/>
+                <a:latin typeface="Courier New" panose="02070309020205020404" pitchFamily="49" charset="0"/>
+              </a:rPr>
+              <a:t> </a:t>
+            </a:r>
+            <a:r>
+              <a:rPr lang="en-US" altLang="ja-JP" sz="1000" dirty="0" err="1">
+                <a:solidFill>
+                  <a:srgbClr val="000000"/>
+                </a:solidFill>
+                <a:effectLst/>
+                <a:latin typeface="Courier New" panose="02070309020205020404" pitchFamily="49" charset="0"/>
+              </a:rPr>
+              <a:t>efficiencyCharacteristic</a:t>
+            </a:r>
+            <a:r>
+              <a:rPr lang="en-US" altLang="ja-JP" sz="1000" dirty="0">
+                <a:solidFill>
+                  <a:srgbClr val="000000"/>
+                </a:solidFill>
+                <a:effectLst/>
+                <a:latin typeface="Courier New" panose="02070309020205020404" pitchFamily="49" charset="0"/>
+              </a:rPr>
+              <a:t> = Modelica.Fluid.Machines.BaseClasses.PumpCharacteristics.</a:t>
+            </a:r>
+            <a:r>
+              <a:rPr lang="en-US" altLang="ja-JP" sz="1000" dirty="0">
+                <a:solidFill>
+                  <a:srgbClr val="0000FF"/>
+                </a:solidFill>
+                <a:effectLst/>
+                <a:latin typeface="Courier New" panose="02070309020205020404" pitchFamily="49" charset="0"/>
+              </a:rPr>
+              <a:t>constantEfficiency</a:t>
+            </a:r>
+            <a:r>
+              <a:rPr lang="en-US" altLang="ja-JP" sz="1000" dirty="0">
+                <a:solidFill>
+                  <a:srgbClr val="000000"/>
+                </a:solidFill>
+                <a:effectLst/>
+                <a:latin typeface="Courier New" panose="02070309020205020404" pitchFamily="49" charset="0"/>
+              </a:rPr>
+              <a:t>(</a:t>
+            </a:r>
+            <a:r>
+              <a:rPr lang="en-US" altLang="ja-JP" sz="1000" dirty="0" err="1">
+                <a:solidFill>
+                  <a:srgbClr val="000000"/>
+                </a:solidFill>
+                <a:effectLst/>
+                <a:latin typeface="Courier New" panose="02070309020205020404" pitchFamily="49" charset="0"/>
+              </a:rPr>
+              <a:t>eta_nominal</a:t>
+            </a:r>
+            <a:r>
+              <a:rPr lang="en-US" altLang="ja-JP" sz="1000" dirty="0">
+                <a:solidFill>
+                  <a:srgbClr val="000000"/>
+                </a:solidFill>
+                <a:effectLst/>
+                <a:latin typeface="Courier New" panose="02070309020205020404" pitchFamily="49" charset="0"/>
+              </a:rPr>
+              <a:t> = </a:t>
+            </a:r>
+            <a:r>
+              <a:rPr lang="en-US" altLang="ja-JP" sz="1000" dirty="0">
+                <a:solidFill>
+                  <a:srgbClr val="8B008B"/>
+                </a:solidFill>
+                <a:effectLst/>
+                <a:latin typeface="Courier New" panose="02070309020205020404" pitchFamily="49" charset="0"/>
+              </a:rPr>
+              <a:t>0.9</a:t>
+            </a:r>
+            <a:r>
+              <a:rPr lang="en-US" altLang="ja-JP" sz="1000" dirty="0">
+                <a:solidFill>
+                  <a:srgbClr val="000000"/>
+                </a:solidFill>
+                <a:effectLst/>
+                <a:latin typeface="Courier New" panose="02070309020205020404" pitchFamily="49" charset="0"/>
+              </a:rPr>
+              <a:t>)</a:t>
+            </a:r>
+            <a:endParaRPr kumimoji="1" lang="en-US" altLang="ja-JP" sz="100" dirty="0"/>
+          </a:p>
+        </p:txBody>
+      </p:sp>
+      <p:sp>
+        <p:nvSpPr>
+          <p:cNvPr id="33" name="矢印: 下 32">
+            <a:extLst>
+              <a:ext uri="{FF2B5EF4-FFF2-40B4-BE49-F238E27FC236}">
+                <a16:creationId xmlns:a16="http://schemas.microsoft.com/office/drawing/2014/main" id="{794F6AF9-72D7-4ED1-867B-00652B3656D9}"/>
+              </a:ext>
+            </a:extLst>
+          </p:cNvPr>
+          <p:cNvSpPr/>
+          <p:nvPr/>
+        </p:nvSpPr>
+        <p:spPr>
+          <a:xfrm>
+            <a:off x="5149763" y="2384573"/>
+            <a:ext cx="375139" cy="1162354"/>
+          </a:xfrm>
+          <a:prstGeom prst="downArrow">
+            <a:avLst/>
+          </a:prstGeom>
+        </p:spPr>
+        <p:style>
+          <a:lnRef idx="2">
+            <a:schemeClr val="dk1"/>
+          </a:lnRef>
+          <a:fillRef idx="1">
+            <a:schemeClr val="lt1"/>
+          </a:fillRef>
+          <a:effectRef idx="0">
+            <a:schemeClr val="dk1"/>
+          </a:effectRef>
+          <a:fontRef idx="minor">
+            <a:schemeClr val="dk1"/>
+          </a:fontRef>
+        </p:style>
+        <p:txBody>
+          <a:bodyPr rtlCol="0" anchor="ctr"/>
+          <a:lstStyle/>
+          <a:p>
+            <a:pPr algn="ctr"/>
+            <a:endParaRPr kumimoji="1" lang="ja-JP" altLang="en-US"/>
+          </a:p>
+        </p:txBody>
+      </p:sp>
+      <p:sp>
+        <p:nvSpPr>
+          <p:cNvPr id="35" name="テキスト ボックス 34">
+            <a:extLst>
+              <a:ext uri="{FF2B5EF4-FFF2-40B4-BE49-F238E27FC236}">
+                <a16:creationId xmlns:a16="http://schemas.microsoft.com/office/drawing/2014/main" id="{17A186FB-A684-4D88-8978-1334273408E3}"/>
+              </a:ext>
+            </a:extLst>
+          </p:cNvPr>
+          <p:cNvSpPr txBox="1"/>
+          <p:nvPr/>
+        </p:nvSpPr>
+        <p:spPr>
+          <a:xfrm>
+            <a:off x="1835169" y="3621303"/>
+            <a:ext cx="4927597" cy="400110"/>
+          </a:xfrm>
+          <a:prstGeom prst="rect">
+            <a:avLst/>
+          </a:prstGeom>
+          <a:noFill/>
+        </p:spPr>
+        <p:txBody>
+          <a:bodyPr wrap="square" rtlCol="0">
+            <a:spAutoFit/>
+          </a:bodyPr>
+          <a:lstStyle/>
+          <a:p>
+            <a:r>
+              <a:rPr kumimoji="1" lang="ja-JP" altLang="en-US" sz="1000" dirty="0"/>
+              <a:t>下記の記述により、特性モデルに効率固定値の</a:t>
+            </a:r>
+            <a:r>
+              <a:rPr kumimoji="1" lang="en-US" altLang="ja-JP" sz="1000" dirty="0"/>
+              <a:t>function</a:t>
+            </a:r>
+            <a:r>
+              <a:rPr kumimoji="1" lang="ja-JP" altLang="en-US" sz="1000" dirty="0"/>
+              <a:t>を用いることを設定すると共に、固定値として設定する効率値を与える。</a:t>
+            </a:r>
+            <a:endParaRPr kumimoji="1" lang="en-US" altLang="ja-JP" sz="1000" dirty="0"/>
+          </a:p>
+        </p:txBody>
+      </p:sp>
     </p:spTree>
     <p:extLst>
       <p:ext uri="{BB962C8B-B14F-4D97-AF65-F5344CB8AC3E}">
-        <p14:creationId xmlns:p14="http://schemas.microsoft.com/office/powerpoint/2010/main" val="1883206660"/>
+        <p14:creationId xmlns:p14="http://schemas.microsoft.com/office/powerpoint/2010/main" val="1455532415"/>
       </p:ext>
     </p:extLst>
   </p:cSld>
@@ -5096,7 +7510,7 @@
           <p:cNvPr id="3" name="図 2">
             <a:extLst>
               <a:ext uri="{FF2B5EF4-FFF2-40B4-BE49-F238E27FC236}">
-                <a16:creationId xmlns:a16="http://schemas.microsoft.com/office/drawing/2014/main" id="{61B8F0D8-5E34-4DC1-B93E-6679D631A3F9}"/>
+                <a16:creationId xmlns:a16="http://schemas.microsoft.com/office/drawing/2014/main" id="{54507FFA-AEFE-4C50-B8FE-5D35D2BD6152}"/>
               </a:ext>
             </a:extLst>
           </p:cNvPr>
@@ -5113,8 +7527,8 @@
         </p:blipFill>
         <p:spPr>
           <a:xfrm>
-            <a:off x="2012782" y="0"/>
-            <a:ext cx="8166435" cy="6858000"/>
+            <a:off x="2468479" y="0"/>
+            <a:ext cx="7255042" cy="6858000"/>
           </a:xfrm>
           <a:prstGeom prst="rect">
             <a:avLst/>
@@ -5126,7 +7540,7 @@
           <p:cNvPr id="5" name="テキスト ボックス 4">
             <a:extLst>
               <a:ext uri="{FF2B5EF4-FFF2-40B4-BE49-F238E27FC236}">
-                <a16:creationId xmlns:a16="http://schemas.microsoft.com/office/drawing/2014/main" id="{1677C04D-C665-45AD-879E-63BB3E2A5148}"/>
+                <a16:creationId xmlns:a16="http://schemas.microsoft.com/office/drawing/2014/main" id="{10C95F8E-27E6-4FA4-9097-5CD1B71BC8C0}"/>
               </a:ext>
             </a:extLst>
           </p:cNvPr>
@@ -5158,7 +7572,7 @@
                 <a:latin typeface="Times New Roman" panose="02020603050405020304" pitchFamily="18" charset="0"/>
                 <a:cs typeface="Times New Roman" panose="02020603050405020304" pitchFamily="18" charset="0"/>
               </a:rPr>
-              <a:t>pumpingSystem_ex03</a:t>
+              <a:t>pumpingSystem_ex02</a:t>
             </a:r>
             <a:endParaRPr kumimoji="1" lang="ja-JP" altLang="en-US" sz="2400" dirty="0">
               <a:latin typeface="Times New Roman" panose="02020603050405020304" pitchFamily="18" charset="0"/>
@@ -5170,7 +7584,7 @@
     </p:spTree>
     <p:extLst>
       <p:ext uri="{BB962C8B-B14F-4D97-AF65-F5344CB8AC3E}">
-        <p14:creationId xmlns:p14="http://schemas.microsoft.com/office/powerpoint/2010/main" val="1816954010"/>
+        <p14:creationId xmlns:p14="http://schemas.microsoft.com/office/powerpoint/2010/main" val="1047156367"/>
       </p:ext>
     </p:extLst>
   </p:cSld>
@@ -5202,7 +7616,7 @@
           <p:cNvPr id="3" name="図 2">
             <a:extLst>
               <a:ext uri="{FF2B5EF4-FFF2-40B4-BE49-F238E27FC236}">
-                <a16:creationId xmlns:a16="http://schemas.microsoft.com/office/drawing/2014/main" id="{32D34272-BA97-4DCD-8AE9-32A0849B8DE5}"/>
+                <a16:creationId xmlns:a16="http://schemas.microsoft.com/office/drawing/2014/main" id="{2E8E4416-F1CB-443C-9585-680D13105DF2}"/>
               </a:ext>
             </a:extLst>
           </p:cNvPr>
@@ -5219,8 +7633,8 @@
         </p:blipFill>
         <p:spPr>
           <a:xfrm>
-            <a:off x="2012782" y="0"/>
-            <a:ext cx="8166435" cy="6858000"/>
+            <a:off x="2468479" y="0"/>
+            <a:ext cx="7255042" cy="6858000"/>
           </a:xfrm>
           <a:prstGeom prst="rect">
             <a:avLst/>
@@ -5230,7 +7644,7 @@
     </p:spTree>
     <p:extLst>
       <p:ext uri="{BB962C8B-B14F-4D97-AF65-F5344CB8AC3E}">
-        <p14:creationId xmlns:p14="http://schemas.microsoft.com/office/powerpoint/2010/main" val="3694756281"/>
+        <p14:creationId xmlns:p14="http://schemas.microsoft.com/office/powerpoint/2010/main" val="1883206660"/>
       </p:ext>
     </p:extLst>
   </p:cSld>
@@ -5991,10 +8405,10 @@
       </p:grpSpPr>
       <p:pic>
         <p:nvPicPr>
-          <p:cNvPr id="5" name="図 4">
-            <a:extLst>
-              <a:ext uri="{FF2B5EF4-FFF2-40B4-BE49-F238E27FC236}">
-                <a16:creationId xmlns:a16="http://schemas.microsoft.com/office/drawing/2014/main" id="{1861CB12-90A6-42DE-A22D-8963E3B6B5F0}"/>
+          <p:cNvPr id="3" name="図 2">
+            <a:extLst>
+              <a:ext uri="{FF2B5EF4-FFF2-40B4-BE49-F238E27FC236}">
+                <a16:creationId xmlns:a16="http://schemas.microsoft.com/office/drawing/2014/main" id="{61B8F0D8-5E34-4DC1-B93E-6679D631A3F9}"/>
               </a:ext>
             </a:extLst>
           </p:cNvPr>
@@ -6011,8 +8425,8 @@
         </p:blipFill>
         <p:spPr>
           <a:xfrm>
-            <a:off x="1985486" y="0"/>
-            <a:ext cx="8221027" cy="6858000"/>
+            <a:off x="2012782" y="0"/>
+            <a:ext cx="8166435" cy="6858000"/>
           </a:xfrm>
           <a:prstGeom prst="rect">
             <a:avLst/>
@@ -6021,10 +8435,10 @@
       </p:pic>
       <p:sp>
         <p:nvSpPr>
-          <p:cNvPr id="3" name="テキスト ボックス 2">
-            <a:extLst>
-              <a:ext uri="{FF2B5EF4-FFF2-40B4-BE49-F238E27FC236}">
-                <a16:creationId xmlns:a16="http://schemas.microsoft.com/office/drawing/2014/main" id="{24ADC03F-BFEC-4049-9726-538FCD7B5E67}"/>
+          <p:cNvPr id="5" name="テキスト ボックス 4">
+            <a:extLst>
+              <a:ext uri="{FF2B5EF4-FFF2-40B4-BE49-F238E27FC236}">
+                <a16:creationId xmlns:a16="http://schemas.microsoft.com/office/drawing/2014/main" id="{1677C04D-C665-45AD-879E-63BB3E2A5148}"/>
               </a:ext>
             </a:extLst>
           </p:cNvPr>
@@ -6056,7 +8470,7 @@
                 <a:latin typeface="Times New Roman" panose="02020603050405020304" pitchFamily="18" charset="0"/>
                 <a:cs typeface="Times New Roman" panose="02020603050405020304" pitchFamily="18" charset="0"/>
               </a:rPr>
-              <a:t>PumpAsTurbine_ex01</a:t>
+              <a:t>pumpingSystem_ex03</a:t>
             </a:r>
             <a:endParaRPr kumimoji="1" lang="ja-JP" altLang="en-US" sz="2400" dirty="0">
               <a:latin typeface="Times New Roman" panose="02020603050405020304" pitchFamily="18" charset="0"/>
@@ -6068,7 +8482,7 @@
     </p:spTree>
     <p:extLst>
       <p:ext uri="{BB962C8B-B14F-4D97-AF65-F5344CB8AC3E}">
-        <p14:creationId xmlns:p14="http://schemas.microsoft.com/office/powerpoint/2010/main" val="3258820415"/>
+        <p14:creationId xmlns:p14="http://schemas.microsoft.com/office/powerpoint/2010/main" val="1816954010"/>
       </p:ext>
     </p:extLst>
   </p:cSld>
@@ -6100,7 +8514,7 @@
           <p:cNvPr id="3" name="図 2">
             <a:extLst>
               <a:ext uri="{FF2B5EF4-FFF2-40B4-BE49-F238E27FC236}">
-                <a16:creationId xmlns:a16="http://schemas.microsoft.com/office/drawing/2014/main" id="{2848B27E-D4AC-4CD0-81CF-025BAB9F3594}"/>
+                <a16:creationId xmlns:a16="http://schemas.microsoft.com/office/drawing/2014/main" id="{32D34272-BA97-4DCD-8AE9-32A0849B8DE5}"/>
               </a:ext>
             </a:extLst>
           </p:cNvPr>
@@ -6117,8 +8531,8 @@
         </p:blipFill>
         <p:spPr>
           <a:xfrm>
-            <a:off x="1985486" y="0"/>
-            <a:ext cx="8221027" cy="6858000"/>
+            <a:off x="2012782" y="0"/>
+            <a:ext cx="8166435" cy="6858000"/>
           </a:xfrm>
           <a:prstGeom prst="rect">
             <a:avLst/>
@@ -6128,7 +8542,7 @@
     </p:spTree>
     <p:extLst>
       <p:ext uri="{BB962C8B-B14F-4D97-AF65-F5344CB8AC3E}">
-        <p14:creationId xmlns:p14="http://schemas.microsoft.com/office/powerpoint/2010/main" val="2043835998"/>
+        <p14:creationId xmlns:p14="http://schemas.microsoft.com/office/powerpoint/2010/main" val="3694756281"/>
       </p:ext>
     </p:extLst>
   </p:cSld>
@@ -6160,7 +8574,7 @@
           <p:cNvPr id="5" name="図 4">
             <a:extLst>
               <a:ext uri="{FF2B5EF4-FFF2-40B4-BE49-F238E27FC236}">
-                <a16:creationId xmlns:a16="http://schemas.microsoft.com/office/drawing/2014/main" id="{F40256F8-9584-41E5-ACD5-AA57ECDBCBBC}"/>
+                <a16:creationId xmlns:a16="http://schemas.microsoft.com/office/drawing/2014/main" id="{1861CB12-90A6-42DE-A22D-8963E3B6B5F0}"/>
               </a:ext>
             </a:extLst>
           </p:cNvPr>
@@ -6177,8 +8591,8 @@
         </p:blipFill>
         <p:spPr>
           <a:xfrm>
-            <a:off x="2039639" y="0"/>
-            <a:ext cx="8112722" cy="6858000"/>
+            <a:off x="1985486" y="0"/>
+            <a:ext cx="8221027" cy="6858000"/>
           </a:xfrm>
           <a:prstGeom prst="rect">
             <a:avLst/>
@@ -6190,7 +8604,7 @@
           <p:cNvPr id="3" name="テキスト ボックス 2">
             <a:extLst>
               <a:ext uri="{FF2B5EF4-FFF2-40B4-BE49-F238E27FC236}">
-                <a16:creationId xmlns:a16="http://schemas.microsoft.com/office/drawing/2014/main" id="{ABC8D612-4C8F-40D2-9EE2-D80AEAE98A25}"/>
+                <a16:creationId xmlns:a16="http://schemas.microsoft.com/office/drawing/2014/main" id="{24ADC03F-BFEC-4049-9726-538FCD7B5E67}"/>
               </a:ext>
             </a:extLst>
           </p:cNvPr>
@@ -6222,7 +8636,7 @@
                 <a:latin typeface="Times New Roman" panose="02020603050405020304" pitchFamily="18" charset="0"/>
                 <a:cs typeface="Times New Roman" panose="02020603050405020304" pitchFamily="18" charset="0"/>
               </a:rPr>
-              <a:t>PumpAsTurbine_ex02</a:t>
+              <a:t>PumpAsTurbine_ex01</a:t>
             </a:r>
             <a:endParaRPr kumimoji="1" lang="ja-JP" altLang="en-US" sz="2400" dirty="0">
               <a:latin typeface="Times New Roman" panose="02020603050405020304" pitchFamily="18" charset="0"/>
@@ -6234,7 +8648,7 @@
     </p:spTree>
     <p:extLst>
       <p:ext uri="{BB962C8B-B14F-4D97-AF65-F5344CB8AC3E}">
-        <p14:creationId xmlns:p14="http://schemas.microsoft.com/office/powerpoint/2010/main" val="547396864"/>
+        <p14:creationId xmlns:p14="http://schemas.microsoft.com/office/powerpoint/2010/main" val="3258820415"/>
       </p:ext>
     </p:extLst>
   </p:cSld>
@@ -6266,6 +8680,172 @@
           <p:cNvPr id="3" name="図 2">
             <a:extLst>
               <a:ext uri="{FF2B5EF4-FFF2-40B4-BE49-F238E27FC236}">
+                <a16:creationId xmlns:a16="http://schemas.microsoft.com/office/drawing/2014/main" id="{2848B27E-D4AC-4CD0-81CF-025BAB9F3594}"/>
+              </a:ext>
+            </a:extLst>
+          </p:cNvPr>
+          <p:cNvPicPr>
+            <a:picLocks noChangeAspect="1"/>
+          </p:cNvPicPr>
+          <p:nvPr/>
+        </p:nvPicPr>
+        <p:blipFill>
+          <a:blip r:embed="rId2"/>
+          <a:stretch>
+            <a:fillRect/>
+          </a:stretch>
+        </p:blipFill>
+        <p:spPr>
+          <a:xfrm>
+            <a:off x="1985486" y="0"/>
+            <a:ext cx="8221027" cy="6858000"/>
+          </a:xfrm>
+          <a:prstGeom prst="rect">
+            <a:avLst/>
+          </a:prstGeom>
+        </p:spPr>
+      </p:pic>
+    </p:spTree>
+    <p:extLst>
+      <p:ext uri="{BB962C8B-B14F-4D97-AF65-F5344CB8AC3E}">
+        <p14:creationId xmlns:p14="http://schemas.microsoft.com/office/powerpoint/2010/main" val="2043835998"/>
+      </p:ext>
+    </p:extLst>
+  </p:cSld>
+  <p:clrMapOvr>
+    <a:masterClrMapping/>
+  </p:clrMapOvr>
+</p:sld>
+</file>
+
+<file path=ppt/slides/slide24.xml><?xml version="1.0" encoding="utf-8"?>
+<p:sld xmlns:a="http://schemas.openxmlformats.org/drawingml/2006/main" xmlns:r="http://schemas.openxmlformats.org/officeDocument/2006/relationships" xmlns:p="http://schemas.openxmlformats.org/presentationml/2006/main">
+  <p:cSld>
+    <p:spTree>
+      <p:nvGrpSpPr>
+        <p:cNvPr id="1" name=""/>
+        <p:cNvGrpSpPr/>
+        <p:nvPr/>
+      </p:nvGrpSpPr>
+      <p:grpSpPr>
+        <a:xfrm>
+          <a:off x="0" y="0"/>
+          <a:ext cx="0" cy="0"/>
+          <a:chOff x="0" y="0"/>
+          <a:chExt cx="0" cy="0"/>
+        </a:xfrm>
+      </p:grpSpPr>
+      <p:pic>
+        <p:nvPicPr>
+          <p:cNvPr id="5" name="図 4">
+            <a:extLst>
+              <a:ext uri="{FF2B5EF4-FFF2-40B4-BE49-F238E27FC236}">
+                <a16:creationId xmlns:a16="http://schemas.microsoft.com/office/drawing/2014/main" id="{F40256F8-9584-41E5-ACD5-AA57ECDBCBBC}"/>
+              </a:ext>
+            </a:extLst>
+          </p:cNvPr>
+          <p:cNvPicPr>
+            <a:picLocks noChangeAspect="1"/>
+          </p:cNvPicPr>
+          <p:nvPr/>
+        </p:nvPicPr>
+        <p:blipFill>
+          <a:blip r:embed="rId2"/>
+          <a:stretch>
+            <a:fillRect/>
+          </a:stretch>
+        </p:blipFill>
+        <p:spPr>
+          <a:xfrm>
+            <a:off x="2039639" y="0"/>
+            <a:ext cx="8112722" cy="6858000"/>
+          </a:xfrm>
+          <a:prstGeom prst="rect">
+            <a:avLst/>
+          </a:prstGeom>
+        </p:spPr>
+      </p:pic>
+      <p:sp>
+        <p:nvSpPr>
+          <p:cNvPr id="3" name="テキスト ボックス 2">
+            <a:extLst>
+              <a:ext uri="{FF2B5EF4-FFF2-40B4-BE49-F238E27FC236}">
+                <a16:creationId xmlns:a16="http://schemas.microsoft.com/office/drawing/2014/main" id="{ABC8D612-4C8F-40D2-9EE2-D80AEAE98A25}"/>
+              </a:ext>
+            </a:extLst>
+          </p:cNvPr>
+          <p:cNvSpPr txBox="1"/>
+          <p:nvPr/>
+        </p:nvSpPr>
+        <p:spPr>
+          <a:xfrm>
+            <a:off x="78153" y="0"/>
+            <a:ext cx="4079632" cy="461665"/>
+          </a:xfrm>
+          <a:prstGeom prst="rect">
+            <a:avLst/>
+          </a:prstGeom>
+          <a:noFill/>
+        </p:spPr>
+        <p:txBody>
+          <a:bodyPr wrap="square" rtlCol="0">
+            <a:spAutoFit/>
+          </a:bodyPr>
+          <a:lstStyle/>
+          <a:p>
+            <a:r>
+              <a:rPr lang="en-US" altLang="ja-JP" sz="2400" dirty="0">
+                <a:solidFill>
+                  <a:srgbClr val="000000"/>
+                </a:solidFill>
+                <a:effectLst/>
+                <a:latin typeface="Times New Roman" panose="02020603050405020304" pitchFamily="18" charset="0"/>
+                <a:cs typeface="Times New Roman" panose="02020603050405020304" pitchFamily="18" charset="0"/>
+              </a:rPr>
+              <a:t>PumpAsTurbine_ex02</a:t>
+            </a:r>
+            <a:endParaRPr kumimoji="1" lang="ja-JP" altLang="en-US" sz="2400" dirty="0">
+              <a:latin typeface="Times New Roman" panose="02020603050405020304" pitchFamily="18" charset="0"/>
+              <a:cs typeface="Times New Roman" panose="02020603050405020304" pitchFamily="18" charset="0"/>
+            </a:endParaRPr>
+          </a:p>
+        </p:txBody>
+      </p:sp>
+    </p:spTree>
+    <p:extLst>
+      <p:ext uri="{BB962C8B-B14F-4D97-AF65-F5344CB8AC3E}">
+        <p14:creationId xmlns:p14="http://schemas.microsoft.com/office/powerpoint/2010/main" val="547396864"/>
+      </p:ext>
+    </p:extLst>
+  </p:cSld>
+  <p:clrMapOvr>
+    <a:masterClrMapping/>
+  </p:clrMapOvr>
+</p:sld>
+</file>
+
+<file path=ppt/slides/slide25.xml><?xml version="1.0" encoding="utf-8"?>
+<p:sld xmlns:a="http://schemas.openxmlformats.org/drawingml/2006/main" xmlns:r="http://schemas.openxmlformats.org/officeDocument/2006/relationships" xmlns:p="http://schemas.openxmlformats.org/presentationml/2006/main">
+  <p:cSld>
+    <p:spTree>
+      <p:nvGrpSpPr>
+        <p:cNvPr id="1" name=""/>
+        <p:cNvGrpSpPr/>
+        <p:nvPr/>
+      </p:nvGrpSpPr>
+      <p:grpSpPr>
+        <a:xfrm>
+          <a:off x="0" y="0"/>
+          <a:ext cx="0" cy="0"/>
+          <a:chOff x="0" y="0"/>
+          <a:chExt cx="0" cy="0"/>
+        </a:xfrm>
+      </p:grpSpPr>
+      <p:pic>
+        <p:nvPicPr>
+          <p:cNvPr id="3" name="図 2">
+            <a:extLst>
+              <a:ext uri="{FF2B5EF4-FFF2-40B4-BE49-F238E27FC236}">
                 <a16:creationId xmlns:a16="http://schemas.microsoft.com/office/drawing/2014/main" id="{638963D9-2164-4F16-88FB-56F16AFC13F2}"/>
               </a:ext>
             </a:extLst>
@@ -6304,7 +8884,7 @@
 </p:sld>
 </file>
 
-<file path=ppt/slides/slide24.xml><?xml version="1.0" encoding="utf-8"?>
+<file path=ppt/slides/slide26.xml><?xml version="1.0" encoding="utf-8"?>
 <p:sld xmlns:a="http://schemas.openxmlformats.org/drawingml/2006/main" xmlns:r="http://schemas.openxmlformats.org/officeDocument/2006/relationships" xmlns:p="http://schemas.openxmlformats.org/presentationml/2006/main">
   <p:cSld>
     <p:spTree>
@@ -6334,7 +8914,7 @@
 </p:sld>
 </file>
 
-<file path=ppt/slides/slide25.xml><?xml version="1.0" encoding="utf-8"?>
+<file path=ppt/slides/slide27.xml><?xml version="1.0" encoding="utf-8"?>
 <p:sld xmlns:a="http://schemas.openxmlformats.org/drawingml/2006/main" xmlns:r="http://schemas.openxmlformats.org/officeDocument/2006/relationships" xmlns:p="http://schemas.openxmlformats.org/presentationml/2006/main">
   <p:cSld>
     <p:spTree>
@@ -6364,7 +8944,7 @@
 </p:sld>
 </file>
 
-<file path=ppt/slides/slide26.xml><?xml version="1.0" encoding="utf-8"?>
+<file path=ppt/slides/slide28.xml><?xml version="1.0" encoding="utf-8"?>
 <p:sld xmlns:a="http://schemas.openxmlformats.org/drawingml/2006/main" xmlns:r="http://schemas.openxmlformats.org/officeDocument/2006/relationships" xmlns:p="http://schemas.openxmlformats.org/presentationml/2006/main">
   <p:cSld>
     <p:spTree>
@@ -6394,7 +8974,7 @@
 </p:sld>
 </file>
 
-<file path=ppt/slides/slide27.xml><?xml version="1.0" encoding="utf-8"?>
+<file path=ppt/slides/slide29.xml><?xml version="1.0" encoding="utf-8"?>
 <p:sld xmlns:a="http://schemas.openxmlformats.org/drawingml/2006/main" xmlns:r="http://schemas.openxmlformats.org/officeDocument/2006/relationships" xmlns:p="http://schemas.openxmlformats.org/presentationml/2006/main">
   <p:cSld>
     <p:spTree>
@@ -6415,66 +8995,6 @@
     <p:extLst>
       <p:ext uri="{BB962C8B-B14F-4D97-AF65-F5344CB8AC3E}">
         <p14:creationId xmlns:p14="http://schemas.microsoft.com/office/powerpoint/2010/main" val="260802969"/>
-      </p:ext>
-    </p:extLst>
-  </p:cSld>
-  <p:clrMapOvr>
-    <a:masterClrMapping/>
-  </p:clrMapOvr>
-</p:sld>
-</file>
-
-<file path=ppt/slides/slide28.xml><?xml version="1.0" encoding="utf-8"?>
-<p:sld xmlns:a="http://schemas.openxmlformats.org/drawingml/2006/main" xmlns:r="http://schemas.openxmlformats.org/officeDocument/2006/relationships" xmlns:p="http://schemas.openxmlformats.org/presentationml/2006/main">
-  <p:cSld>
-    <p:spTree>
-      <p:nvGrpSpPr>
-        <p:cNvPr id="1" name=""/>
-        <p:cNvGrpSpPr/>
-        <p:nvPr/>
-      </p:nvGrpSpPr>
-      <p:grpSpPr>
-        <a:xfrm>
-          <a:off x="0" y="0"/>
-          <a:ext cx="0" cy="0"/>
-          <a:chOff x="0" y="0"/>
-          <a:chExt cx="0" cy="0"/>
-        </a:xfrm>
-      </p:grpSpPr>
-    </p:spTree>
-    <p:extLst>
-      <p:ext uri="{BB962C8B-B14F-4D97-AF65-F5344CB8AC3E}">
-        <p14:creationId xmlns:p14="http://schemas.microsoft.com/office/powerpoint/2010/main" val="2214418559"/>
-      </p:ext>
-    </p:extLst>
-  </p:cSld>
-  <p:clrMapOvr>
-    <a:masterClrMapping/>
-  </p:clrMapOvr>
-</p:sld>
-</file>
-
-<file path=ppt/slides/slide29.xml><?xml version="1.0" encoding="utf-8"?>
-<p:sld xmlns:a="http://schemas.openxmlformats.org/drawingml/2006/main" xmlns:r="http://schemas.openxmlformats.org/officeDocument/2006/relationships" xmlns:p="http://schemas.openxmlformats.org/presentationml/2006/main">
-  <p:cSld>
-    <p:spTree>
-      <p:nvGrpSpPr>
-        <p:cNvPr id="1" name=""/>
-        <p:cNvGrpSpPr/>
-        <p:nvPr/>
-      </p:nvGrpSpPr>
-      <p:grpSpPr>
-        <a:xfrm>
-          <a:off x="0" y="0"/>
-          <a:ext cx="0" cy="0"/>
-          <a:chOff x="0" y="0"/>
-          <a:chExt cx="0" cy="0"/>
-        </a:xfrm>
-      </p:grpSpPr>
-    </p:spTree>
-    <p:extLst>
-      <p:ext uri="{BB962C8B-B14F-4D97-AF65-F5344CB8AC3E}">
-        <p14:creationId xmlns:p14="http://schemas.microsoft.com/office/powerpoint/2010/main" val="1680137039"/>
       </p:ext>
     </p:extLst>
   </p:cSld>
@@ -6667,7 +9187,7 @@
     </p:spTree>
     <p:extLst>
       <p:ext uri="{BB962C8B-B14F-4D97-AF65-F5344CB8AC3E}">
-        <p14:creationId xmlns:p14="http://schemas.microsoft.com/office/powerpoint/2010/main" val="807832196"/>
+        <p14:creationId xmlns:p14="http://schemas.microsoft.com/office/powerpoint/2010/main" val="2214418559"/>
       </p:ext>
     </p:extLst>
   </p:cSld>
@@ -6697,7 +9217,7 @@
     </p:spTree>
     <p:extLst>
       <p:ext uri="{BB962C8B-B14F-4D97-AF65-F5344CB8AC3E}">
-        <p14:creationId xmlns:p14="http://schemas.microsoft.com/office/powerpoint/2010/main" val="2085333566"/>
+        <p14:creationId xmlns:p14="http://schemas.microsoft.com/office/powerpoint/2010/main" val="1680137039"/>
       </p:ext>
     </p:extLst>
   </p:cSld>
@@ -6727,7 +9247,7 @@
     </p:spTree>
     <p:extLst>
       <p:ext uri="{BB962C8B-B14F-4D97-AF65-F5344CB8AC3E}">
-        <p14:creationId xmlns:p14="http://schemas.microsoft.com/office/powerpoint/2010/main" val="4204572310"/>
+        <p14:creationId xmlns:p14="http://schemas.microsoft.com/office/powerpoint/2010/main" val="807832196"/>
       </p:ext>
     </p:extLst>
   </p:cSld>
@@ -6757,7 +9277,7 @@
     </p:spTree>
     <p:extLst>
       <p:ext uri="{BB962C8B-B14F-4D97-AF65-F5344CB8AC3E}">
-        <p14:creationId xmlns:p14="http://schemas.microsoft.com/office/powerpoint/2010/main" val="2933442412"/>
+        <p14:creationId xmlns:p14="http://schemas.microsoft.com/office/powerpoint/2010/main" val="2085333566"/>
       </p:ext>
     </p:extLst>
   </p:cSld>
@@ -6787,7 +9307,7 @@
     </p:spTree>
     <p:extLst>
       <p:ext uri="{BB962C8B-B14F-4D97-AF65-F5344CB8AC3E}">
-        <p14:creationId xmlns:p14="http://schemas.microsoft.com/office/powerpoint/2010/main" val="2704639035"/>
+        <p14:creationId xmlns:p14="http://schemas.microsoft.com/office/powerpoint/2010/main" val="4204572310"/>
       </p:ext>
     </p:extLst>
   </p:cSld>
@@ -6817,7 +9337,7 @@
     </p:spTree>
     <p:extLst>
       <p:ext uri="{BB962C8B-B14F-4D97-AF65-F5344CB8AC3E}">
-        <p14:creationId xmlns:p14="http://schemas.microsoft.com/office/powerpoint/2010/main" val="4002179549"/>
+        <p14:creationId xmlns:p14="http://schemas.microsoft.com/office/powerpoint/2010/main" val="2933442412"/>
       </p:ext>
     </p:extLst>
   </p:cSld>
@@ -6847,7 +9367,7 @@
     </p:spTree>
     <p:extLst>
       <p:ext uri="{BB962C8B-B14F-4D97-AF65-F5344CB8AC3E}">
-        <p14:creationId xmlns:p14="http://schemas.microsoft.com/office/powerpoint/2010/main" val="3038340984"/>
+        <p14:creationId xmlns:p14="http://schemas.microsoft.com/office/powerpoint/2010/main" val="2704639035"/>
       </p:ext>
     </p:extLst>
   </p:cSld>
@@ -6877,7 +9397,7 @@
     </p:spTree>
     <p:extLst>
       <p:ext uri="{BB962C8B-B14F-4D97-AF65-F5344CB8AC3E}">
-        <p14:creationId xmlns:p14="http://schemas.microsoft.com/office/powerpoint/2010/main" val="927517791"/>
+        <p14:creationId xmlns:p14="http://schemas.microsoft.com/office/powerpoint/2010/main" val="4002179549"/>
       </p:ext>
     </p:extLst>
   </p:cSld>
@@ -6907,7 +9427,7 @@
     </p:spTree>
     <p:extLst>
       <p:ext uri="{BB962C8B-B14F-4D97-AF65-F5344CB8AC3E}">
-        <p14:creationId xmlns:p14="http://schemas.microsoft.com/office/powerpoint/2010/main" val="87198892"/>
+        <p14:creationId xmlns:p14="http://schemas.microsoft.com/office/powerpoint/2010/main" val="3038340984"/>
       </p:ext>
     </p:extLst>
   </p:cSld>
@@ -6937,7 +9457,7 @@
     </p:spTree>
     <p:extLst>
       <p:ext uri="{BB962C8B-B14F-4D97-AF65-F5344CB8AC3E}">
-        <p14:creationId xmlns:p14="http://schemas.microsoft.com/office/powerpoint/2010/main" val="4226122043"/>
+        <p14:creationId xmlns:p14="http://schemas.microsoft.com/office/powerpoint/2010/main" val="927517791"/>
       </p:ext>
     </p:extLst>
   </p:cSld>
@@ -7135,6 +9655,66 @@
     </p:spTree>
     <p:extLst>
       <p:ext uri="{BB962C8B-B14F-4D97-AF65-F5344CB8AC3E}">
+        <p14:creationId xmlns:p14="http://schemas.microsoft.com/office/powerpoint/2010/main" val="87198892"/>
+      </p:ext>
+    </p:extLst>
+  </p:cSld>
+  <p:clrMapOvr>
+    <a:masterClrMapping/>
+  </p:clrMapOvr>
+</p:sld>
+</file>
+
+<file path=ppt/slides/slide41.xml><?xml version="1.0" encoding="utf-8"?>
+<p:sld xmlns:a="http://schemas.openxmlformats.org/drawingml/2006/main" xmlns:r="http://schemas.openxmlformats.org/officeDocument/2006/relationships" xmlns:p="http://schemas.openxmlformats.org/presentationml/2006/main">
+  <p:cSld>
+    <p:spTree>
+      <p:nvGrpSpPr>
+        <p:cNvPr id="1" name=""/>
+        <p:cNvGrpSpPr/>
+        <p:nvPr/>
+      </p:nvGrpSpPr>
+      <p:grpSpPr>
+        <a:xfrm>
+          <a:off x="0" y="0"/>
+          <a:ext cx="0" cy="0"/>
+          <a:chOff x="0" y="0"/>
+          <a:chExt cx="0" cy="0"/>
+        </a:xfrm>
+      </p:grpSpPr>
+    </p:spTree>
+    <p:extLst>
+      <p:ext uri="{BB962C8B-B14F-4D97-AF65-F5344CB8AC3E}">
+        <p14:creationId xmlns:p14="http://schemas.microsoft.com/office/powerpoint/2010/main" val="4226122043"/>
+      </p:ext>
+    </p:extLst>
+  </p:cSld>
+  <p:clrMapOvr>
+    <a:masterClrMapping/>
+  </p:clrMapOvr>
+</p:sld>
+</file>
+
+<file path=ppt/slides/slide42.xml><?xml version="1.0" encoding="utf-8"?>
+<p:sld xmlns:a="http://schemas.openxmlformats.org/drawingml/2006/main" xmlns:r="http://schemas.openxmlformats.org/officeDocument/2006/relationships" xmlns:p="http://schemas.openxmlformats.org/presentationml/2006/main">
+  <p:cSld>
+    <p:spTree>
+      <p:nvGrpSpPr>
+        <p:cNvPr id="1" name=""/>
+        <p:cNvGrpSpPr/>
+        <p:nvPr/>
+      </p:nvGrpSpPr>
+      <p:grpSpPr>
+        <a:xfrm>
+          <a:off x="0" y="0"/>
+          <a:ext cx="0" cy="0"/>
+          <a:chOff x="0" y="0"/>
+          <a:chExt cx="0" cy="0"/>
+        </a:xfrm>
+      </p:grpSpPr>
+    </p:spTree>
+    <p:extLst>
+      <p:ext uri="{BB962C8B-B14F-4D97-AF65-F5344CB8AC3E}">
         <p14:creationId xmlns:p14="http://schemas.microsoft.com/office/powerpoint/2010/main" val="3941356387"/>
       </p:ext>
     </p:extLst>
@@ -7145,7 +9725,7 @@
 </p:sld>
 </file>
 
-<file path=ppt/slides/slide41.xml><?xml version="1.0" encoding="utf-8"?>
+<file path=ppt/slides/slide43.xml><?xml version="1.0" encoding="utf-8"?>
 <p:sld xmlns:a="http://schemas.openxmlformats.org/drawingml/2006/main" xmlns:r="http://schemas.openxmlformats.org/officeDocument/2006/relationships" xmlns:p="http://schemas.openxmlformats.org/presentationml/2006/main">
   <p:cSld>
     <p:spTree>

--- a/figs/makeFigs.pptx
+++ b/figs/makeFigs.pptx
@@ -26,28 +26,15 @@
     <p:sldId id="327" r:id="rId20"/>
     <p:sldId id="328" r:id="rId21"/>
     <p:sldId id="329" r:id="rId22"/>
-    <p:sldId id="330" r:id="rId23"/>
-    <p:sldId id="331" r:id="rId24"/>
-    <p:sldId id="332" r:id="rId25"/>
-    <p:sldId id="333" r:id="rId26"/>
-    <p:sldId id="334" r:id="rId27"/>
-    <p:sldId id="336" r:id="rId28"/>
-    <p:sldId id="335" r:id="rId29"/>
-    <p:sldId id="339" r:id="rId30"/>
-    <p:sldId id="340" r:id="rId31"/>
-    <p:sldId id="341" r:id="rId32"/>
-    <p:sldId id="342" r:id="rId33"/>
-    <p:sldId id="343" r:id="rId34"/>
-    <p:sldId id="344" r:id="rId35"/>
-    <p:sldId id="345" r:id="rId36"/>
-    <p:sldId id="346" r:id="rId37"/>
-    <p:sldId id="347" r:id="rId38"/>
-    <p:sldId id="348" r:id="rId39"/>
-    <p:sldId id="349" r:id="rId40"/>
-    <p:sldId id="350" r:id="rId41"/>
-    <p:sldId id="351" r:id="rId42"/>
-    <p:sldId id="352" r:id="rId43"/>
-    <p:sldId id="353" r:id="rId44"/>
+    <p:sldId id="363" r:id="rId23"/>
+    <p:sldId id="330" r:id="rId24"/>
+    <p:sldId id="331" r:id="rId25"/>
+    <p:sldId id="332" r:id="rId26"/>
+    <p:sldId id="333" r:id="rId27"/>
+    <p:sldId id="334" r:id="rId28"/>
+    <p:sldId id="336" r:id="rId29"/>
+    <p:sldId id="335" r:id="rId30"/>
+    <p:sldId id="364" r:id="rId31"/>
   </p:sldIdLst>
   <p:sldSz cx="12192000" cy="6858000"/>
   <p:notesSz cx="6858000" cy="9144000"/>
@@ -184,6 +171,7 @@
           <p14:sldIdLst>
             <p14:sldId id="328"/>
             <p14:sldId id="329"/>
+            <p14:sldId id="363"/>
           </p14:sldIdLst>
         </p14:section>
         <p14:section name="pumpAsTurbine_ex01" id="{948DD96E-F6F9-49BE-836A-9AD530AE1FAE}">
@@ -203,21 +191,7 @@
           <p14:sldIdLst>
             <p14:sldId id="336"/>
             <p14:sldId id="335"/>
-            <p14:sldId id="339"/>
-            <p14:sldId id="340"/>
-            <p14:sldId id="341"/>
-            <p14:sldId id="342"/>
-            <p14:sldId id="343"/>
-            <p14:sldId id="344"/>
-            <p14:sldId id="345"/>
-            <p14:sldId id="346"/>
-            <p14:sldId id="347"/>
-            <p14:sldId id="348"/>
-            <p14:sldId id="349"/>
-            <p14:sldId id="350"/>
-            <p14:sldId id="351"/>
-            <p14:sldId id="352"/>
-            <p14:sldId id="353"/>
+            <p14:sldId id="364"/>
           </p14:sldIdLst>
         </p14:section>
       </p14:sectionLst>
@@ -376,7 +350,7 @@
           <a:p>
             <a:fld id="{5498794B-0F6E-4381-BD9D-5788C27E7ABB}" type="datetimeFigureOut">
               <a:rPr kumimoji="1" lang="ja-JP" altLang="en-US" smtClean="0"/>
-              <a:t>2020/10/19</a:t>
+              <a:t>2020/10/24</a:t>
             </a:fld>
             <a:endParaRPr kumimoji="1" lang="ja-JP" altLang="en-US"/>
           </a:p>
@@ -606,7 +580,7 @@
           <a:p>
             <a:fld id="{5498794B-0F6E-4381-BD9D-5788C27E7ABB}" type="datetimeFigureOut">
               <a:rPr kumimoji="1" lang="ja-JP" altLang="en-US" smtClean="0"/>
-              <a:t>2020/10/19</a:t>
+              <a:t>2020/10/24</a:t>
             </a:fld>
             <a:endParaRPr kumimoji="1" lang="ja-JP" altLang="en-US"/>
           </a:p>
@@ -846,7 +820,7 @@
           <a:p>
             <a:fld id="{5498794B-0F6E-4381-BD9D-5788C27E7ABB}" type="datetimeFigureOut">
               <a:rPr kumimoji="1" lang="ja-JP" altLang="en-US" smtClean="0"/>
-              <a:t>2020/10/19</a:t>
+              <a:t>2020/10/24</a:t>
             </a:fld>
             <a:endParaRPr kumimoji="1" lang="ja-JP" altLang="en-US"/>
           </a:p>
@@ -1166,7 +1140,7 @@
           <a:p>
             <a:fld id="{5498794B-0F6E-4381-BD9D-5788C27E7ABB}" type="datetimeFigureOut">
               <a:rPr kumimoji="1" lang="ja-JP" altLang="en-US" smtClean="0"/>
-              <a:t>2020/10/19</a:t>
+              <a:t>2020/10/24</a:t>
             </a:fld>
             <a:endParaRPr kumimoji="1" lang="ja-JP" altLang="en-US"/>
           </a:p>
@@ -1441,7 +1415,7 @@
           <a:p>
             <a:fld id="{5498794B-0F6E-4381-BD9D-5788C27E7ABB}" type="datetimeFigureOut">
               <a:rPr kumimoji="1" lang="ja-JP" altLang="en-US" smtClean="0"/>
-              <a:t>2020/10/19</a:t>
+              <a:t>2020/10/24</a:t>
             </a:fld>
             <a:endParaRPr kumimoji="1" lang="ja-JP" altLang="en-US"/>
           </a:p>
@@ -1770,7 +1744,7 @@
           <a:p>
             <a:fld id="{5498794B-0F6E-4381-BD9D-5788C27E7ABB}" type="datetimeFigureOut">
               <a:rPr kumimoji="1" lang="ja-JP" altLang="en-US" smtClean="0"/>
-              <a:t>2020/10/19</a:t>
+              <a:t>2020/10/24</a:t>
             </a:fld>
             <a:endParaRPr kumimoji="1" lang="ja-JP" altLang="en-US"/>
           </a:p>
@@ -2246,7 +2220,7 @@
           <a:p>
             <a:fld id="{5498794B-0F6E-4381-BD9D-5788C27E7ABB}" type="datetimeFigureOut">
               <a:rPr kumimoji="1" lang="ja-JP" altLang="en-US" smtClean="0"/>
-              <a:t>2020/10/19</a:t>
+              <a:t>2020/10/24</a:t>
             </a:fld>
             <a:endParaRPr kumimoji="1" lang="ja-JP" altLang="en-US"/>
           </a:p>
@@ -2387,7 +2361,7 @@
           <a:p>
             <a:fld id="{5498794B-0F6E-4381-BD9D-5788C27E7ABB}" type="datetimeFigureOut">
               <a:rPr kumimoji="1" lang="ja-JP" altLang="en-US" smtClean="0"/>
-              <a:t>2020/10/19</a:t>
+              <a:t>2020/10/24</a:t>
             </a:fld>
             <a:endParaRPr kumimoji="1" lang="ja-JP" altLang="en-US"/>
           </a:p>
@@ -2500,7 +2474,7 @@
           <a:p>
             <a:fld id="{5498794B-0F6E-4381-BD9D-5788C27E7ABB}" type="datetimeFigureOut">
               <a:rPr kumimoji="1" lang="ja-JP" altLang="en-US" smtClean="0"/>
-              <a:t>2020/10/19</a:t>
+              <a:t>2020/10/24</a:t>
             </a:fld>
             <a:endParaRPr kumimoji="1" lang="ja-JP" altLang="en-US"/>
           </a:p>
@@ -2843,7 +2817,7 @@
           <a:p>
             <a:fld id="{5498794B-0F6E-4381-BD9D-5788C27E7ABB}" type="datetimeFigureOut">
               <a:rPr kumimoji="1" lang="ja-JP" altLang="en-US" smtClean="0"/>
-              <a:t>2020/10/19</a:t>
+              <a:t>2020/10/24</a:t>
             </a:fld>
             <a:endParaRPr kumimoji="1" lang="ja-JP" altLang="en-US"/>
           </a:p>
@@ -3131,7 +3105,7 @@
           <a:p>
             <a:fld id="{5498794B-0F6E-4381-BD9D-5788C27E7ABB}" type="datetimeFigureOut">
               <a:rPr kumimoji="1" lang="ja-JP" altLang="en-US" smtClean="0"/>
-              <a:t>2020/10/19</a:t>
+              <a:t>2020/10/24</a:t>
             </a:fld>
             <a:endParaRPr kumimoji="1" lang="ja-JP" altLang="en-US"/>
           </a:p>
@@ -3404,7 +3378,7 @@
           <a:p>
             <a:fld id="{5498794B-0F6E-4381-BD9D-5788C27E7ABB}" type="datetimeFigureOut">
               <a:rPr kumimoji="1" lang="ja-JP" altLang="en-US" smtClean="0"/>
-              <a:t>2020/10/19</a:t>
+              <a:t>2020/10/24</a:t>
             </a:fld>
             <a:endParaRPr kumimoji="1" lang="ja-JP" altLang="en-US"/>
           </a:p>
@@ -8539,6 +8513,306 @@
           </a:prstGeom>
         </p:spPr>
       </p:pic>
+      <p:sp>
+        <p:nvSpPr>
+          <p:cNvPr id="2" name="フレーム 1">
+            <a:extLst>
+              <a:ext uri="{FF2B5EF4-FFF2-40B4-BE49-F238E27FC236}">
+                <a16:creationId xmlns:a16="http://schemas.microsoft.com/office/drawing/2014/main" id="{7AAE769D-2D13-46DB-9A20-97468D83FF43}"/>
+              </a:ext>
+            </a:extLst>
+          </p:cNvPr>
+          <p:cNvSpPr/>
+          <p:nvPr/>
+        </p:nvSpPr>
+        <p:spPr>
+          <a:xfrm>
+            <a:off x="4282834" y="3128887"/>
+            <a:ext cx="1406769" cy="1143391"/>
+          </a:xfrm>
+          <a:prstGeom prst="frame">
+            <a:avLst>
+              <a:gd name="adj1" fmla="val 4204"/>
+            </a:avLst>
+          </a:prstGeom>
+        </p:spPr>
+        <p:style>
+          <a:lnRef idx="2">
+            <a:schemeClr val="accent2">
+              <a:shade val="50000"/>
+            </a:schemeClr>
+          </a:lnRef>
+          <a:fillRef idx="1">
+            <a:schemeClr val="accent2"/>
+          </a:fillRef>
+          <a:effectRef idx="0">
+            <a:schemeClr val="accent2"/>
+          </a:effectRef>
+          <a:fontRef idx="minor">
+            <a:schemeClr val="lt1"/>
+          </a:fontRef>
+        </p:style>
+        <p:txBody>
+          <a:bodyPr rtlCol="0" anchor="ctr"/>
+          <a:lstStyle/>
+          <a:p>
+            <a:pPr algn="ctr"/>
+            <a:endParaRPr kumimoji="1" lang="ja-JP" altLang="en-US">
+              <a:solidFill>
+                <a:schemeClr val="tx1"/>
+              </a:solidFill>
+            </a:endParaRPr>
+          </a:p>
+        </p:txBody>
+      </p:sp>
+      <p:sp>
+        <p:nvSpPr>
+          <p:cNvPr id="5" name="フレーム 4">
+            <a:extLst>
+              <a:ext uri="{FF2B5EF4-FFF2-40B4-BE49-F238E27FC236}">
+                <a16:creationId xmlns:a16="http://schemas.microsoft.com/office/drawing/2014/main" id="{B99CBC56-B4EC-4BFC-9418-048B452D66F8}"/>
+              </a:ext>
+            </a:extLst>
+          </p:cNvPr>
+          <p:cNvSpPr/>
+          <p:nvPr/>
+        </p:nvSpPr>
+        <p:spPr>
+          <a:xfrm>
+            <a:off x="3028465" y="1264919"/>
+            <a:ext cx="1863966" cy="1071882"/>
+          </a:xfrm>
+          <a:prstGeom prst="frame">
+            <a:avLst>
+              <a:gd name="adj1" fmla="val 4204"/>
+            </a:avLst>
+          </a:prstGeom>
+        </p:spPr>
+        <p:style>
+          <a:lnRef idx="2">
+            <a:schemeClr val="accent2">
+              <a:shade val="50000"/>
+            </a:schemeClr>
+          </a:lnRef>
+          <a:fillRef idx="1">
+            <a:schemeClr val="accent2"/>
+          </a:fillRef>
+          <a:effectRef idx="0">
+            <a:schemeClr val="accent2"/>
+          </a:effectRef>
+          <a:fontRef idx="minor">
+            <a:schemeClr val="lt1"/>
+          </a:fontRef>
+        </p:style>
+        <p:txBody>
+          <a:bodyPr rtlCol="0" anchor="ctr"/>
+          <a:lstStyle/>
+          <a:p>
+            <a:pPr algn="ctr"/>
+            <a:endParaRPr kumimoji="1" lang="ja-JP" altLang="en-US">
+              <a:solidFill>
+                <a:schemeClr val="tx1"/>
+              </a:solidFill>
+            </a:endParaRPr>
+          </a:p>
+        </p:txBody>
+      </p:sp>
+      <p:sp>
+        <p:nvSpPr>
+          <p:cNvPr id="7" name="フレーム 6">
+            <a:extLst>
+              <a:ext uri="{FF2B5EF4-FFF2-40B4-BE49-F238E27FC236}">
+                <a16:creationId xmlns:a16="http://schemas.microsoft.com/office/drawing/2014/main" id="{587FFB17-BA93-4C1F-B752-CD5C54FE043A}"/>
+              </a:ext>
+            </a:extLst>
+          </p:cNvPr>
+          <p:cNvSpPr/>
+          <p:nvPr/>
+        </p:nvSpPr>
+        <p:spPr>
+          <a:xfrm>
+            <a:off x="8158337" y="3128887"/>
+            <a:ext cx="1056926" cy="1143391"/>
+          </a:xfrm>
+          <a:prstGeom prst="frame">
+            <a:avLst>
+              <a:gd name="adj1" fmla="val 4204"/>
+            </a:avLst>
+          </a:prstGeom>
+        </p:spPr>
+        <p:style>
+          <a:lnRef idx="2">
+            <a:schemeClr val="accent2">
+              <a:shade val="50000"/>
+            </a:schemeClr>
+          </a:lnRef>
+          <a:fillRef idx="1">
+            <a:schemeClr val="accent2"/>
+          </a:fillRef>
+          <a:effectRef idx="0">
+            <a:schemeClr val="accent2"/>
+          </a:effectRef>
+          <a:fontRef idx="minor">
+            <a:schemeClr val="lt1"/>
+          </a:fontRef>
+        </p:style>
+        <p:txBody>
+          <a:bodyPr rtlCol="0" anchor="ctr"/>
+          <a:lstStyle/>
+          <a:p>
+            <a:pPr algn="ctr"/>
+            <a:endParaRPr kumimoji="1" lang="ja-JP" altLang="en-US">
+              <a:solidFill>
+                <a:schemeClr val="tx1"/>
+              </a:solidFill>
+            </a:endParaRPr>
+          </a:p>
+        </p:txBody>
+      </p:sp>
+      <p:sp>
+        <p:nvSpPr>
+          <p:cNvPr id="9" name="テキスト ボックス 8">
+            <a:extLst>
+              <a:ext uri="{FF2B5EF4-FFF2-40B4-BE49-F238E27FC236}">
+                <a16:creationId xmlns:a16="http://schemas.microsoft.com/office/drawing/2014/main" id="{D2494B0F-F052-471F-AD2A-BC69B2B098AB}"/>
+              </a:ext>
+            </a:extLst>
+          </p:cNvPr>
+          <p:cNvSpPr txBox="1"/>
+          <p:nvPr/>
+        </p:nvSpPr>
+        <p:spPr>
+          <a:xfrm>
+            <a:off x="3169139" y="4253527"/>
+            <a:ext cx="1723291" cy="474782"/>
+          </a:xfrm>
+          <a:prstGeom prst="rect">
+            <a:avLst/>
+          </a:prstGeom>
+          <a:solidFill>
+            <a:srgbClr val="FFC000">
+              <a:alpha val="60000"/>
+            </a:srgbClr>
+          </a:solidFill>
+          <a:ln>
+            <a:solidFill>
+              <a:schemeClr val="tx1"/>
+            </a:solidFill>
+          </a:ln>
+        </p:spPr>
+        <p:txBody>
+          <a:bodyPr wrap="square" rtlCol="0">
+            <a:noAutofit/>
+          </a:bodyPr>
+          <a:lstStyle/>
+          <a:p>
+            <a:r>
+              <a:rPr lang="en-US" altLang="ja-JP" sz="907" dirty="0">
+                <a:latin typeface="ＭＳ Ｐゴシック" panose="020B0600070205080204" pitchFamily="50" charset="-128"/>
+                <a:ea typeface="ＭＳ Ｐゴシック" panose="020B0600070205080204" pitchFamily="50" charset="-128"/>
+                <a:cs typeface="Arial" panose="020B0604020202020204" pitchFamily="34" charset="0"/>
+              </a:rPr>
+              <a:t>“Prescribed pump” is replaced with “pump”</a:t>
+            </a:r>
+          </a:p>
+        </p:txBody>
+      </p:sp>
+      <p:sp>
+        <p:nvSpPr>
+          <p:cNvPr id="11" name="テキスト ボックス 10">
+            <a:extLst>
+              <a:ext uri="{FF2B5EF4-FFF2-40B4-BE49-F238E27FC236}">
+                <a16:creationId xmlns:a16="http://schemas.microsoft.com/office/drawing/2014/main" id="{0383B898-15CD-4923-9CE9-7C28D4E97811}"/>
+              </a:ext>
+            </a:extLst>
+          </p:cNvPr>
+          <p:cNvSpPr txBox="1"/>
+          <p:nvPr/>
+        </p:nvSpPr>
+        <p:spPr>
+          <a:xfrm>
+            <a:off x="7825154" y="4272774"/>
+            <a:ext cx="1723291" cy="522260"/>
+          </a:xfrm>
+          <a:prstGeom prst="rect">
+            <a:avLst/>
+          </a:prstGeom>
+          <a:solidFill>
+            <a:srgbClr val="FFC000">
+              <a:alpha val="60000"/>
+            </a:srgbClr>
+          </a:solidFill>
+          <a:ln>
+            <a:solidFill>
+              <a:schemeClr val="tx1"/>
+            </a:solidFill>
+          </a:ln>
+        </p:spPr>
+        <p:txBody>
+          <a:bodyPr wrap="square" rtlCol="0">
+            <a:noAutofit/>
+          </a:bodyPr>
+          <a:lstStyle/>
+          <a:p>
+            <a:r>
+              <a:rPr lang="en-US" altLang="ja-JP" sz="907" dirty="0">
+                <a:latin typeface="ＭＳ Ｐゴシック" panose="020B0600070205080204" pitchFamily="50" charset="-128"/>
+                <a:ea typeface="ＭＳ Ｐゴシック" panose="020B0600070205080204" pitchFamily="50" charset="-128"/>
+                <a:cs typeface="Arial" panose="020B0604020202020204" pitchFamily="34" charset="0"/>
+              </a:rPr>
+              <a:t>The valve for flow control is added. The valve type is the simplest one.</a:t>
+            </a:r>
+          </a:p>
+        </p:txBody>
+      </p:sp>
+      <p:sp>
+        <p:nvSpPr>
+          <p:cNvPr id="13" name="テキスト ボックス 12">
+            <a:extLst>
+              <a:ext uri="{FF2B5EF4-FFF2-40B4-BE49-F238E27FC236}">
+                <a16:creationId xmlns:a16="http://schemas.microsoft.com/office/drawing/2014/main" id="{CAD4A47B-D808-4264-8062-E43705237A7D}"/>
+              </a:ext>
+            </a:extLst>
+          </p:cNvPr>
+          <p:cNvSpPr txBox="1"/>
+          <p:nvPr/>
+        </p:nvSpPr>
+        <p:spPr>
+          <a:xfrm>
+            <a:off x="4892430" y="999195"/>
+            <a:ext cx="1723291" cy="634219"/>
+          </a:xfrm>
+          <a:prstGeom prst="rect">
+            <a:avLst/>
+          </a:prstGeom>
+          <a:solidFill>
+            <a:srgbClr val="FFC000">
+              <a:alpha val="60000"/>
+            </a:srgbClr>
+          </a:solidFill>
+          <a:ln>
+            <a:solidFill>
+              <a:schemeClr val="tx1"/>
+            </a:solidFill>
+          </a:ln>
+        </p:spPr>
+        <p:txBody>
+          <a:bodyPr wrap="square" rtlCol="0">
+            <a:noAutofit/>
+          </a:bodyPr>
+          <a:lstStyle/>
+          <a:p>
+            <a:r>
+              <a:rPr lang="en-US" altLang="ja-JP" sz="907" dirty="0">
+                <a:latin typeface="ＭＳ Ｐゴシック" panose="020B0600070205080204" pitchFamily="50" charset="-128"/>
+                <a:ea typeface="ＭＳ Ｐゴシック" panose="020B0600070205080204" pitchFamily="50" charset="-128"/>
+                <a:cs typeface="Arial" panose="020B0604020202020204" pitchFamily="34" charset="0"/>
+              </a:rPr>
+              <a:t>The components so as to provide mechanical rotational speed (in [rpm]) to flange connector are added.</a:t>
+            </a:r>
+          </a:p>
+        </p:txBody>
+      </p:sp>
     </p:spTree>
     <p:extLst>
       <p:ext uri="{BB962C8B-B14F-4D97-AF65-F5344CB8AC3E}">
@@ -8569,86 +8843,10 @@
           <a:chExt cx="0" cy="0"/>
         </a:xfrm>
       </p:grpSpPr>
-      <p:pic>
-        <p:nvPicPr>
-          <p:cNvPr id="5" name="図 4">
-            <a:extLst>
-              <a:ext uri="{FF2B5EF4-FFF2-40B4-BE49-F238E27FC236}">
-                <a16:creationId xmlns:a16="http://schemas.microsoft.com/office/drawing/2014/main" id="{1861CB12-90A6-42DE-A22D-8963E3B6B5F0}"/>
-              </a:ext>
-            </a:extLst>
-          </p:cNvPr>
-          <p:cNvPicPr>
-            <a:picLocks noChangeAspect="1"/>
-          </p:cNvPicPr>
-          <p:nvPr/>
-        </p:nvPicPr>
-        <p:blipFill>
-          <a:blip r:embed="rId2"/>
-          <a:stretch>
-            <a:fillRect/>
-          </a:stretch>
-        </p:blipFill>
-        <p:spPr>
-          <a:xfrm>
-            <a:off x="1985486" y="0"/>
-            <a:ext cx="8221027" cy="6858000"/>
-          </a:xfrm>
-          <a:prstGeom prst="rect">
-            <a:avLst/>
-          </a:prstGeom>
-        </p:spPr>
-      </p:pic>
-      <p:sp>
-        <p:nvSpPr>
-          <p:cNvPr id="3" name="テキスト ボックス 2">
-            <a:extLst>
-              <a:ext uri="{FF2B5EF4-FFF2-40B4-BE49-F238E27FC236}">
-                <a16:creationId xmlns:a16="http://schemas.microsoft.com/office/drawing/2014/main" id="{24ADC03F-BFEC-4049-9726-538FCD7B5E67}"/>
-              </a:ext>
-            </a:extLst>
-          </p:cNvPr>
-          <p:cNvSpPr txBox="1"/>
-          <p:nvPr/>
-        </p:nvSpPr>
-        <p:spPr>
-          <a:xfrm>
-            <a:off x="78153" y="0"/>
-            <a:ext cx="4079632" cy="461665"/>
-          </a:xfrm>
-          <a:prstGeom prst="rect">
-            <a:avLst/>
-          </a:prstGeom>
-          <a:noFill/>
-        </p:spPr>
-        <p:txBody>
-          <a:bodyPr wrap="square" rtlCol="0">
-            <a:spAutoFit/>
-          </a:bodyPr>
-          <a:lstStyle/>
-          <a:p>
-            <a:r>
-              <a:rPr lang="en-US" altLang="ja-JP" sz="2400" dirty="0">
-                <a:solidFill>
-                  <a:srgbClr val="000000"/>
-                </a:solidFill>
-                <a:effectLst/>
-                <a:latin typeface="Times New Roman" panose="02020603050405020304" pitchFamily="18" charset="0"/>
-                <a:cs typeface="Times New Roman" panose="02020603050405020304" pitchFamily="18" charset="0"/>
-              </a:rPr>
-              <a:t>PumpAsTurbine_ex01</a:t>
-            </a:r>
-            <a:endParaRPr kumimoji="1" lang="ja-JP" altLang="en-US" sz="2400" dirty="0">
-              <a:latin typeface="Times New Roman" panose="02020603050405020304" pitchFamily="18" charset="0"/>
-              <a:cs typeface="Times New Roman" panose="02020603050405020304" pitchFamily="18" charset="0"/>
-            </a:endParaRPr>
-          </a:p>
-        </p:txBody>
-      </p:sp>
     </p:spTree>
     <p:extLst>
       <p:ext uri="{BB962C8B-B14F-4D97-AF65-F5344CB8AC3E}">
-        <p14:creationId xmlns:p14="http://schemas.microsoft.com/office/powerpoint/2010/main" val="3258820415"/>
+        <p14:creationId xmlns:p14="http://schemas.microsoft.com/office/powerpoint/2010/main" val="3015573138"/>
       </p:ext>
     </p:extLst>
   </p:cSld>
@@ -8677,10 +8875,10 @@
       </p:grpSpPr>
       <p:pic>
         <p:nvPicPr>
-          <p:cNvPr id="3" name="図 2">
-            <a:extLst>
-              <a:ext uri="{FF2B5EF4-FFF2-40B4-BE49-F238E27FC236}">
-                <a16:creationId xmlns:a16="http://schemas.microsoft.com/office/drawing/2014/main" id="{2848B27E-D4AC-4CD0-81CF-025BAB9F3594}"/>
+          <p:cNvPr id="5" name="図 4">
+            <a:extLst>
+              <a:ext uri="{FF2B5EF4-FFF2-40B4-BE49-F238E27FC236}">
+                <a16:creationId xmlns:a16="http://schemas.microsoft.com/office/drawing/2014/main" id="{1861CB12-90A6-42DE-A22D-8963E3B6B5F0}"/>
               </a:ext>
             </a:extLst>
           </p:cNvPr>
@@ -8705,10 +8903,56 @@
           </a:prstGeom>
         </p:spPr>
       </p:pic>
+      <p:sp>
+        <p:nvSpPr>
+          <p:cNvPr id="3" name="テキスト ボックス 2">
+            <a:extLst>
+              <a:ext uri="{FF2B5EF4-FFF2-40B4-BE49-F238E27FC236}">
+                <a16:creationId xmlns:a16="http://schemas.microsoft.com/office/drawing/2014/main" id="{24ADC03F-BFEC-4049-9726-538FCD7B5E67}"/>
+              </a:ext>
+            </a:extLst>
+          </p:cNvPr>
+          <p:cNvSpPr txBox="1"/>
+          <p:nvPr/>
+        </p:nvSpPr>
+        <p:spPr>
+          <a:xfrm>
+            <a:off x="78153" y="0"/>
+            <a:ext cx="4079632" cy="461665"/>
+          </a:xfrm>
+          <a:prstGeom prst="rect">
+            <a:avLst/>
+          </a:prstGeom>
+          <a:noFill/>
+        </p:spPr>
+        <p:txBody>
+          <a:bodyPr wrap="square" rtlCol="0">
+            <a:spAutoFit/>
+          </a:bodyPr>
+          <a:lstStyle/>
+          <a:p>
+            <a:r>
+              <a:rPr lang="en-US" altLang="ja-JP" sz="2400" dirty="0">
+                <a:solidFill>
+                  <a:srgbClr val="000000"/>
+                </a:solidFill>
+                <a:effectLst/>
+                <a:latin typeface="Times New Roman" panose="02020603050405020304" pitchFamily="18" charset="0"/>
+                <a:cs typeface="Times New Roman" panose="02020603050405020304" pitchFamily="18" charset="0"/>
+              </a:rPr>
+              <a:t>PumpAsTurbine_ex01</a:t>
+            </a:r>
+            <a:endParaRPr kumimoji="1" lang="ja-JP" altLang="en-US" sz="2400" dirty="0">
+              <a:latin typeface="Times New Roman" panose="02020603050405020304" pitchFamily="18" charset="0"/>
+              <a:cs typeface="Times New Roman" panose="02020603050405020304" pitchFamily="18" charset="0"/>
+            </a:endParaRPr>
+          </a:p>
+        </p:txBody>
+      </p:sp>
     </p:spTree>
     <p:extLst>
       <p:ext uri="{BB962C8B-B14F-4D97-AF65-F5344CB8AC3E}">
-        <p14:creationId xmlns:p14="http://schemas.microsoft.com/office/powerpoint/2010/main" val="2043835998"/>
+        <p14:creationId xmlns:p14="http://schemas.microsoft.com/office/powerpoint/2010/main" val="3258820415"/>
       </p:ext>
     </p:extLst>
   </p:cSld>
@@ -8737,10 +8981,10 @@
       </p:grpSpPr>
       <p:pic>
         <p:nvPicPr>
-          <p:cNvPr id="5" name="図 4">
-            <a:extLst>
-              <a:ext uri="{FF2B5EF4-FFF2-40B4-BE49-F238E27FC236}">
-                <a16:creationId xmlns:a16="http://schemas.microsoft.com/office/drawing/2014/main" id="{F40256F8-9584-41E5-ACD5-AA57ECDBCBBC}"/>
+          <p:cNvPr id="3" name="図 2">
+            <a:extLst>
+              <a:ext uri="{FF2B5EF4-FFF2-40B4-BE49-F238E27FC236}">
+                <a16:creationId xmlns:a16="http://schemas.microsoft.com/office/drawing/2014/main" id="{2848B27E-D4AC-4CD0-81CF-025BAB9F3594}"/>
               </a:ext>
             </a:extLst>
           </p:cNvPr>
@@ -8757,64 +9001,18 @@
         </p:blipFill>
         <p:spPr>
           <a:xfrm>
-            <a:off x="2039639" y="0"/>
-            <a:ext cx="8112722" cy="6858000"/>
+            <a:off x="1985486" y="0"/>
+            <a:ext cx="8221027" cy="6858000"/>
           </a:xfrm>
           <a:prstGeom prst="rect">
             <a:avLst/>
           </a:prstGeom>
         </p:spPr>
       </p:pic>
-      <p:sp>
-        <p:nvSpPr>
-          <p:cNvPr id="3" name="テキスト ボックス 2">
-            <a:extLst>
-              <a:ext uri="{FF2B5EF4-FFF2-40B4-BE49-F238E27FC236}">
-                <a16:creationId xmlns:a16="http://schemas.microsoft.com/office/drawing/2014/main" id="{ABC8D612-4C8F-40D2-9EE2-D80AEAE98A25}"/>
-              </a:ext>
-            </a:extLst>
-          </p:cNvPr>
-          <p:cNvSpPr txBox="1"/>
-          <p:nvPr/>
-        </p:nvSpPr>
-        <p:spPr>
-          <a:xfrm>
-            <a:off x="78153" y="0"/>
-            <a:ext cx="4079632" cy="461665"/>
-          </a:xfrm>
-          <a:prstGeom prst="rect">
-            <a:avLst/>
-          </a:prstGeom>
-          <a:noFill/>
-        </p:spPr>
-        <p:txBody>
-          <a:bodyPr wrap="square" rtlCol="0">
-            <a:spAutoFit/>
-          </a:bodyPr>
-          <a:lstStyle/>
-          <a:p>
-            <a:r>
-              <a:rPr lang="en-US" altLang="ja-JP" sz="2400" dirty="0">
-                <a:solidFill>
-                  <a:srgbClr val="000000"/>
-                </a:solidFill>
-                <a:effectLst/>
-                <a:latin typeface="Times New Roman" panose="02020603050405020304" pitchFamily="18" charset="0"/>
-                <a:cs typeface="Times New Roman" panose="02020603050405020304" pitchFamily="18" charset="0"/>
-              </a:rPr>
-              <a:t>PumpAsTurbine_ex02</a:t>
-            </a:r>
-            <a:endParaRPr kumimoji="1" lang="ja-JP" altLang="en-US" sz="2400" dirty="0">
-              <a:latin typeface="Times New Roman" panose="02020603050405020304" pitchFamily="18" charset="0"/>
-              <a:cs typeface="Times New Roman" panose="02020603050405020304" pitchFamily="18" charset="0"/>
-            </a:endParaRPr>
-          </a:p>
-        </p:txBody>
-      </p:sp>
     </p:spTree>
     <p:extLst>
       <p:ext uri="{BB962C8B-B14F-4D97-AF65-F5344CB8AC3E}">
-        <p14:creationId xmlns:p14="http://schemas.microsoft.com/office/powerpoint/2010/main" val="547396864"/>
+        <p14:creationId xmlns:p14="http://schemas.microsoft.com/office/powerpoint/2010/main" val="2043835998"/>
       </p:ext>
     </p:extLst>
   </p:cSld>
@@ -8843,6 +9041,112 @@
       </p:grpSpPr>
       <p:pic>
         <p:nvPicPr>
+          <p:cNvPr id="5" name="図 4">
+            <a:extLst>
+              <a:ext uri="{FF2B5EF4-FFF2-40B4-BE49-F238E27FC236}">
+                <a16:creationId xmlns:a16="http://schemas.microsoft.com/office/drawing/2014/main" id="{F40256F8-9584-41E5-ACD5-AA57ECDBCBBC}"/>
+              </a:ext>
+            </a:extLst>
+          </p:cNvPr>
+          <p:cNvPicPr>
+            <a:picLocks noChangeAspect="1"/>
+          </p:cNvPicPr>
+          <p:nvPr/>
+        </p:nvPicPr>
+        <p:blipFill>
+          <a:blip r:embed="rId2"/>
+          <a:stretch>
+            <a:fillRect/>
+          </a:stretch>
+        </p:blipFill>
+        <p:spPr>
+          <a:xfrm>
+            <a:off x="2039639" y="0"/>
+            <a:ext cx="8112722" cy="6858000"/>
+          </a:xfrm>
+          <a:prstGeom prst="rect">
+            <a:avLst/>
+          </a:prstGeom>
+        </p:spPr>
+      </p:pic>
+      <p:sp>
+        <p:nvSpPr>
+          <p:cNvPr id="3" name="テキスト ボックス 2">
+            <a:extLst>
+              <a:ext uri="{FF2B5EF4-FFF2-40B4-BE49-F238E27FC236}">
+                <a16:creationId xmlns:a16="http://schemas.microsoft.com/office/drawing/2014/main" id="{ABC8D612-4C8F-40D2-9EE2-D80AEAE98A25}"/>
+              </a:ext>
+            </a:extLst>
+          </p:cNvPr>
+          <p:cNvSpPr txBox="1"/>
+          <p:nvPr/>
+        </p:nvSpPr>
+        <p:spPr>
+          <a:xfrm>
+            <a:off x="78153" y="0"/>
+            <a:ext cx="4079632" cy="461665"/>
+          </a:xfrm>
+          <a:prstGeom prst="rect">
+            <a:avLst/>
+          </a:prstGeom>
+          <a:noFill/>
+        </p:spPr>
+        <p:txBody>
+          <a:bodyPr wrap="square" rtlCol="0">
+            <a:spAutoFit/>
+          </a:bodyPr>
+          <a:lstStyle/>
+          <a:p>
+            <a:r>
+              <a:rPr lang="en-US" altLang="ja-JP" sz="2400" dirty="0">
+                <a:solidFill>
+                  <a:srgbClr val="000000"/>
+                </a:solidFill>
+                <a:effectLst/>
+                <a:latin typeface="Times New Roman" panose="02020603050405020304" pitchFamily="18" charset="0"/>
+                <a:cs typeface="Times New Roman" panose="02020603050405020304" pitchFamily="18" charset="0"/>
+              </a:rPr>
+              <a:t>PumpAsTurbine_ex02</a:t>
+            </a:r>
+            <a:endParaRPr kumimoji="1" lang="ja-JP" altLang="en-US" sz="2400" dirty="0">
+              <a:latin typeface="Times New Roman" panose="02020603050405020304" pitchFamily="18" charset="0"/>
+              <a:cs typeface="Times New Roman" panose="02020603050405020304" pitchFamily="18" charset="0"/>
+            </a:endParaRPr>
+          </a:p>
+        </p:txBody>
+      </p:sp>
+    </p:spTree>
+    <p:extLst>
+      <p:ext uri="{BB962C8B-B14F-4D97-AF65-F5344CB8AC3E}">
+        <p14:creationId xmlns:p14="http://schemas.microsoft.com/office/powerpoint/2010/main" val="547396864"/>
+      </p:ext>
+    </p:extLst>
+  </p:cSld>
+  <p:clrMapOvr>
+    <a:masterClrMapping/>
+  </p:clrMapOvr>
+</p:sld>
+</file>
+
+<file path=ppt/slides/slide26.xml><?xml version="1.0" encoding="utf-8"?>
+<p:sld xmlns:a="http://schemas.openxmlformats.org/drawingml/2006/main" xmlns:r="http://schemas.openxmlformats.org/officeDocument/2006/relationships" xmlns:p="http://schemas.openxmlformats.org/presentationml/2006/main">
+  <p:cSld>
+    <p:spTree>
+      <p:nvGrpSpPr>
+        <p:cNvPr id="1" name=""/>
+        <p:cNvGrpSpPr/>
+        <p:nvPr/>
+      </p:nvGrpSpPr>
+      <p:grpSpPr>
+        <a:xfrm>
+          <a:off x="0" y="0"/>
+          <a:ext cx="0" cy="0"/>
+          <a:chOff x="0" y="0"/>
+          <a:chExt cx="0" cy="0"/>
+        </a:xfrm>
+      </p:grpSpPr>
+      <p:pic>
+        <p:nvPicPr>
           <p:cNvPr id="3" name="図 2">
             <a:extLst>
               <a:ext uri="{FF2B5EF4-FFF2-40B4-BE49-F238E27FC236}">
@@ -8884,7 +9188,7 @@
 </p:sld>
 </file>
 
-<file path=ppt/slides/slide26.xml><?xml version="1.0" encoding="utf-8"?>
+<file path=ppt/slides/slide27.xml><?xml version="1.0" encoding="utf-8"?>
 <p:sld xmlns:a="http://schemas.openxmlformats.org/drawingml/2006/main" xmlns:r="http://schemas.openxmlformats.org/officeDocument/2006/relationships" xmlns:p="http://schemas.openxmlformats.org/presentationml/2006/main">
   <p:cSld>
     <p:spTree>
@@ -8914,7 +9218,7 @@
 </p:sld>
 </file>
 
-<file path=ppt/slides/slide27.xml><?xml version="1.0" encoding="utf-8"?>
+<file path=ppt/slides/slide28.xml><?xml version="1.0" encoding="utf-8"?>
 <p:sld xmlns:a="http://schemas.openxmlformats.org/drawingml/2006/main" xmlns:r="http://schemas.openxmlformats.org/officeDocument/2006/relationships" xmlns:p="http://schemas.openxmlformats.org/presentationml/2006/main">
   <p:cSld>
     <p:spTree>
@@ -8944,7 +9248,7 @@
 </p:sld>
 </file>
 
-<file path=ppt/slides/slide28.xml><?xml version="1.0" encoding="utf-8"?>
+<file path=ppt/slides/slide29.xml><?xml version="1.0" encoding="utf-8"?>
 <p:sld xmlns:a="http://schemas.openxmlformats.org/drawingml/2006/main" xmlns:r="http://schemas.openxmlformats.org/officeDocument/2006/relationships" xmlns:p="http://schemas.openxmlformats.org/presentationml/2006/main">
   <p:cSld>
     <p:spTree>
@@ -8965,36 +9269,6 @@
     <p:extLst>
       <p:ext uri="{BB962C8B-B14F-4D97-AF65-F5344CB8AC3E}">
         <p14:creationId xmlns:p14="http://schemas.microsoft.com/office/powerpoint/2010/main" val="2075533915"/>
-      </p:ext>
-    </p:extLst>
-  </p:cSld>
-  <p:clrMapOvr>
-    <a:masterClrMapping/>
-  </p:clrMapOvr>
-</p:sld>
-</file>
-
-<file path=ppt/slides/slide29.xml><?xml version="1.0" encoding="utf-8"?>
-<p:sld xmlns:a="http://schemas.openxmlformats.org/drawingml/2006/main" xmlns:r="http://schemas.openxmlformats.org/officeDocument/2006/relationships" xmlns:p="http://schemas.openxmlformats.org/presentationml/2006/main">
-  <p:cSld>
-    <p:spTree>
-      <p:nvGrpSpPr>
-        <p:cNvPr id="1" name=""/>
-        <p:cNvGrpSpPr/>
-        <p:nvPr/>
-      </p:nvGrpSpPr>
-      <p:grpSpPr>
-        <a:xfrm>
-          <a:off x="0" y="0"/>
-          <a:ext cx="0" cy="0"/>
-          <a:chOff x="0" y="0"/>
-          <a:chExt cx="0" cy="0"/>
-        </a:xfrm>
-      </p:grpSpPr>
-    </p:spTree>
-    <p:extLst>
-      <p:ext uri="{BB962C8B-B14F-4D97-AF65-F5344CB8AC3E}">
-        <p14:creationId xmlns:p14="http://schemas.microsoft.com/office/powerpoint/2010/main" val="260802969"/>
       </p:ext>
     </p:extLst>
   </p:cSld>
@@ -9187,277 +9461,7 @@
     </p:spTree>
     <p:extLst>
       <p:ext uri="{BB962C8B-B14F-4D97-AF65-F5344CB8AC3E}">
-        <p14:creationId xmlns:p14="http://schemas.microsoft.com/office/powerpoint/2010/main" val="2214418559"/>
-      </p:ext>
-    </p:extLst>
-  </p:cSld>
-  <p:clrMapOvr>
-    <a:masterClrMapping/>
-  </p:clrMapOvr>
-</p:sld>
-</file>
-
-<file path=ppt/slides/slide31.xml><?xml version="1.0" encoding="utf-8"?>
-<p:sld xmlns:a="http://schemas.openxmlformats.org/drawingml/2006/main" xmlns:r="http://schemas.openxmlformats.org/officeDocument/2006/relationships" xmlns:p="http://schemas.openxmlformats.org/presentationml/2006/main">
-  <p:cSld>
-    <p:spTree>
-      <p:nvGrpSpPr>
-        <p:cNvPr id="1" name=""/>
-        <p:cNvGrpSpPr/>
-        <p:nvPr/>
-      </p:nvGrpSpPr>
-      <p:grpSpPr>
-        <a:xfrm>
-          <a:off x="0" y="0"/>
-          <a:ext cx="0" cy="0"/>
-          <a:chOff x="0" y="0"/>
-          <a:chExt cx="0" cy="0"/>
-        </a:xfrm>
-      </p:grpSpPr>
-    </p:spTree>
-    <p:extLst>
-      <p:ext uri="{BB962C8B-B14F-4D97-AF65-F5344CB8AC3E}">
-        <p14:creationId xmlns:p14="http://schemas.microsoft.com/office/powerpoint/2010/main" val="1680137039"/>
-      </p:ext>
-    </p:extLst>
-  </p:cSld>
-  <p:clrMapOvr>
-    <a:masterClrMapping/>
-  </p:clrMapOvr>
-</p:sld>
-</file>
-
-<file path=ppt/slides/slide32.xml><?xml version="1.0" encoding="utf-8"?>
-<p:sld xmlns:a="http://schemas.openxmlformats.org/drawingml/2006/main" xmlns:r="http://schemas.openxmlformats.org/officeDocument/2006/relationships" xmlns:p="http://schemas.openxmlformats.org/presentationml/2006/main">
-  <p:cSld>
-    <p:spTree>
-      <p:nvGrpSpPr>
-        <p:cNvPr id="1" name=""/>
-        <p:cNvGrpSpPr/>
-        <p:nvPr/>
-      </p:nvGrpSpPr>
-      <p:grpSpPr>
-        <a:xfrm>
-          <a:off x="0" y="0"/>
-          <a:ext cx="0" cy="0"/>
-          <a:chOff x="0" y="0"/>
-          <a:chExt cx="0" cy="0"/>
-        </a:xfrm>
-      </p:grpSpPr>
-    </p:spTree>
-    <p:extLst>
-      <p:ext uri="{BB962C8B-B14F-4D97-AF65-F5344CB8AC3E}">
-        <p14:creationId xmlns:p14="http://schemas.microsoft.com/office/powerpoint/2010/main" val="807832196"/>
-      </p:ext>
-    </p:extLst>
-  </p:cSld>
-  <p:clrMapOvr>
-    <a:masterClrMapping/>
-  </p:clrMapOvr>
-</p:sld>
-</file>
-
-<file path=ppt/slides/slide33.xml><?xml version="1.0" encoding="utf-8"?>
-<p:sld xmlns:a="http://schemas.openxmlformats.org/drawingml/2006/main" xmlns:r="http://schemas.openxmlformats.org/officeDocument/2006/relationships" xmlns:p="http://schemas.openxmlformats.org/presentationml/2006/main">
-  <p:cSld>
-    <p:spTree>
-      <p:nvGrpSpPr>
-        <p:cNvPr id="1" name=""/>
-        <p:cNvGrpSpPr/>
-        <p:nvPr/>
-      </p:nvGrpSpPr>
-      <p:grpSpPr>
-        <a:xfrm>
-          <a:off x="0" y="0"/>
-          <a:ext cx="0" cy="0"/>
-          <a:chOff x="0" y="0"/>
-          <a:chExt cx="0" cy="0"/>
-        </a:xfrm>
-      </p:grpSpPr>
-    </p:spTree>
-    <p:extLst>
-      <p:ext uri="{BB962C8B-B14F-4D97-AF65-F5344CB8AC3E}">
-        <p14:creationId xmlns:p14="http://schemas.microsoft.com/office/powerpoint/2010/main" val="2085333566"/>
-      </p:ext>
-    </p:extLst>
-  </p:cSld>
-  <p:clrMapOvr>
-    <a:masterClrMapping/>
-  </p:clrMapOvr>
-</p:sld>
-</file>
-
-<file path=ppt/slides/slide34.xml><?xml version="1.0" encoding="utf-8"?>
-<p:sld xmlns:a="http://schemas.openxmlformats.org/drawingml/2006/main" xmlns:r="http://schemas.openxmlformats.org/officeDocument/2006/relationships" xmlns:p="http://schemas.openxmlformats.org/presentationml/2006/main">
-  <p:cSld>
-    <p:spTree>
-      <p:nvGrpSpPr>
-        <p:cNvPr id="1" name=""/>
-        <p:cNvGrpSpPr/>
-        <p:nvPr/>
-      </p:nvGrpSpPr>
-      <p:grpSpPr>
-        <a:xfrm>
-          <a:off x="0" y="0"/>
-          <a:ext cx="0" cy="0"/>
-          <a:chOff x="0" y="0"/>
-          <a:chExt cx="0" cy="0"/>
-        </a:xfrm>
-      </p:grpSpPr>
-    </p:spTree>
-    <p:extLst>
-      <p:ext uri="{BB962C8B-B14F-4D97-AF65-F5344CB8AC3E}">
-        <p14:creationId xmlns:p14="http://schemas.microsoft.com/office/powerpoint/2010/main" val="4204572310"/>
-      </p:ext>
-    </p:extLst>
-  </p:cSld>
-  <p:clrMapOvr>
-    <a:masterClrMapping/>
-  </p:clrMapOvr>
-</p:sld>
-</file>
-
-<file path=ppt/slides/slide35.xml><?xml version="1.0" encoding="utf-8"?>
-<p:sld xmlns:a="http://schemas.openxmlformats.org/drawingml/2006/main" xmlns:r="http://schemas.openxmlformats.org/officeDocument/2006/relationships" xmlns:p="http://schemas.openxmlformats.org/presentationml/2006/main">
-  <p:cSld>
-    <p:spTree>
-      <p:nvGrpSpPr>
-        <p:cNvPr id="1" name=""/>
-        <p:cNvGrpSpPr/>
-        <p:nvPr/>
-      </p:nvGrpSpPr>
-      <p:grpSpPr>
-        <a:xfrm>
-          <a:off x="0" y="0"/>
-          <a:ext cx="0" cy="0"/>
-          <a:chOff x="0" y="0"/>
-          <a:chExt cx="0" cy="0"/>
-        </a:xfrm>
-      </p:grpSpPr>
-    </p:spTree>
-    <p:extLst>
-      <p:ext uri="{BB962C8B-B14F-4D97-AF65-F5344CB8AC3E}">
-        <p14:creationId xmlns:p14="http://schemas.microsoft.com/office/powerpoint/2010/main" val="2933442412"/>
-      </p:ext>
-    </p:extLst>
-  </p:cSld>
-  <p:clrMapOvr>
-    <a:masterClrMapping/>
-  </p:clrMapOvr>
-</p:sld>
-</file>
-
-<file path=ppt/slides/slide36.xml><?xml version="1.0" encoding="utf-8"?>
-<p:sld xmlns:a="http://schemas.openxmlformats.org/drawingml/2006/main" xmlns:r="http://schemas.openxmlformats.org/officeDocument/2006/relationships" xmlns:p="http://schemas.openxmlformats.org/presentationml/2006/main">
-  <p:cSld>
-    <p:spTree>
-      <p:nvGrpSpPr>
-        <p:cNvPr id="1" name=""/>
-        <p:cNvGrpSpPr/>
-        <p:nvPr/>
-      </p:nvGrpSpPr>
-      <p:grpSpPr>
-        <a:xfrm>
-          <a:off x="0" y="0"/>
-          <a:ext cx="0" cy="0"/>
-          <a:chOff x="0" y="0"/>
-          <a:chExt cx="0" cy="0"/>
-        </a:xfrm>
-      </p:grpSpPr>
-    </p:spTree>
-    <p:extLst>
-      <p:ext uri="{BB962C8B-B14F-4D97-AF65-F5344CB8AC3E}">
-        <p14:creationId xmlns:p14="http://schemas.microsoft.com/office/powerpoint/2010/main" val="2704639035"/>
-      </p:ext>
-    </p:extLst>
-  </p:cSld>
-  <p:clrMapOvr>
-    <a:masterClrMapping/>
-  </p:clrMapOvr>
-</p:sld>
-</file>
-
-<file path=ppt/slides/slide37.xml><?xml version="1.0" encoding="utf-8"?>
-<p:sld xmlns:a="http://schemas.openxmlformats.org/drawingml/2006/main" xmlns:r="http://schemas.openxmlformats.org/officeDocument/2006/relationships" xmlns:p="http://schemas.openxmlformats.org/presentationml/2006/main">
-  <p:cSld>
-    <p:spTree>
-      <p:nvGrpSpPr>
-        <p:cNvPr id="1" name=""/>
-        <p:cNvGrpSpPr/>
-        <p:nvPr/>
-      </p:nvGrpSpPr>
-      <p:grpSpPr>
-        <a:xfrm>
-          <a:off x="0" y="0"/>
-          <a:ext cx="0" cy="0"/>
-          <a:chOff x="0" y="0"/>
-          <a:chExt cx="0" cy="0"/>
-        </a:xfrm>
-      </p:grpSpPr>
-    </p:spTree>
-    <p:extLst>
-      <p:ext uri="{BB962C8B-B14F-4D97-AF65-F5344CB8AC3E}">
-        <p14:creationId xmlns:p14="http://schemas.microsoft.com/office/powerpoint/2010/main" val="4002179549"/>
-      </p:ext>
-    </p:extLst>
-  </p:cSld>
-  <p:clrMapOvr>
-    <a:masterClrMapping/>
-  </p:clrMapOvr>
-</p:sld>
-</file>
-
-<file path=ppt/slides/slide38.xml><?xml version="1.0" encoding="utf-8"?>
-<p:sld xmlns:a="http://schemas.openxmlformats.org/drawingml/2006/main" xmlns:r="http://schemas.openxmlformats.org/officeDocument/2006/relationships" xmlns:p="http://schemas.openxmlformats.org/presentationml/2006/main">
-  <p:cSld>
-    <p:spTree>
-      <p:nvGrpSpPr>
-        <p:cNvPr id="1" name=""/>
-        <p:cNvGrpSpPr/>
-        <p:nvPr/>
-      </p:nvGrpSpPr>
-      <p:grpSpPr>
-        <a:xfrm>
-          <a:off x="0" y="0"/>
-          <a:ext cx="0" cy="0"/>
-          <a:chOff x="0" y="0"/>
-          <a:chExt cx="0" cy="0"/>
-        </a:xfrm>
-      </p:grpSpPr>
-    </p:spTree>
-    <p:extLst>
-      <p:ext uri="{BB962C8B-B14F-4D97-AF65-F5344CB8AC3E}">
-        <p14:creationId xmlns:p14="http://schemas.microsoft.com/office/powerpoint/2010/main" val="3038340984"/>
-      </p:ext>
-    </p:extLst>
-  </p:cSld>
-  <p:clrMapOvr>
-    <a:masterClrMapping/>
-  </p:clrMapOvr>
-</p:sld>
-</file>
-
-<file path=ppt/slides/slide39.xml><?xml version="1.0" encoding="utf-8"?>
-<p:sld xmlns:a="http://schemas.openxmlformats.org/drawingml/2006/main" xmlns:r="http://schemas.openxmlformats.org/officeDocument/2006/relationships" xmlns:p="http://schemas.openxmlformats.org/presentationml/2006/main">
-  <p:cSld>
-    <p:spTree>
-      <p:nvGrpSpPr>
-        <p:cNvPr id="1" name=""/>
-        <p:cNvGrpSpPr/>
-        <p:nvPr/>
-      </p:nvGrpSpPr>
-      <p:grpSpPr>
-        <a:xfrm>
-          <a:off x="0" y="0"/>
-          <a:ext cx="0" cy="0"/>
-          <a:chOff x="0" y="0"/>
-          <a:chExt cx="0" cy="0"/>
-        </a:xfrm>
-      </p:grpSpPr>
-    </p:spTree>
-    <p:extLst>
-      <p:ext uri="{BB962C8B-B14F-4D97-AF65-F5344CB8AC3E}">
-        <p14:creationId xmlns:p14="http://schemas.microsoft.com/office/powerpoint/2010/main" val="927517791"/>
+        <p14:creationId xmlns:p14="http://schemas.microsoft.com/office/powerpoint/2010/main" val="188371897"/>
       </p:ext>
     </p:extLst>
   </p:cSld>
@@ -9626,126 +9630,6 @@
     <p:extLst>
       <p:ext uri="{BB962C8B-B14F-4D97-AF65-F5344CB8AC3E}">
         <p14:creationId xmlns:p14="http://schemas.microsoft.com/office/powerpoint/2010/main" val="1741282073"/>
-      </p:ext>
-    </p:extLst>
-  </p:cSld>
-  <p:clrMapOvr>
-    <a:masterClrMapping/>
-  </p:clrMapOvr>
-</p:sld>
-</file>
-
-<file path=ppt/slides/slide40.xml><?xml version="1.0" encoding="utf-8"?>
-<p:sld xmlns:a="http://schemas.openxmlformats.org/drawingml/2006/main" xmlns:r="http://schemas.openxmlformats.org/officeDocument/2006/relationships" xmlns:p="http://schemas.openxmlformats.org/presentationml/2006/main">
-  <p:cSld>
-    <p:spTree>
-      <p:nvGrpSpPr>
-        <p:cNvPr id="1" name=""/>
-        <p:cNvGrpSpPr/>
-        <p:nvPr/>
-      </p:nvGrpSpPr>
-      <p:grpSpPr>
-        <a:xfrm>
-          <a:off x="0" y="0"/>
-          <a:ext cx="0" cy="0"/>
-          <a:chOff x="0" y="0"/>
-          <a:chExt cx="0" cy="0"/>
-        </a:xfrm>
-      </p:grpSpPr>
-    </p:spTree>
-    <p:extLst>
-      <p:ext uri="{BB962C8B-B14F-4D97-AF65-F5344CB8AC3E}">
-        <p14:creationId xmlns:p14="http://schemas.microsoft.com/office/powerpoint/2010/main" val="87198892"/>
-      </p:ext>
-    </p:extLst>
-  </p:cSld>
-  <p:clrMapOvr>
-    <a:masterClrMapping/>
-  </p:clrMapOvr>
-</p:sld>
-</file>
-
-<file path=ppt/slides/slide41.xml><?xml version="1.0" encoding="utf-8"?>
-<p:sld xmlns:a="http://schemas.openxmlformats.org/drawingml/2006/main" xmlns:r="http://schemas.openxmlformats.org/officeDocument/2006/relationships" xmlns:p="http://schemas.openxmlformats.org/presentationml/2006/main">
-  <p:cSld>
-    <p:spTree>
-      <p:nvGrpSpPr>
-        <p:cNvPr id="1" name=""/>
-        <p:cNvGrpSpPr/>
-        <p:nvPr/>
-      </p:nvGrpSpPr>
-      <p:grpSpPr>
-        <a:xfrm>
-          <a:off x="0" y="0"/>
-          <a:ext cx="0" cy="0"/>
-          <a:chOff x="0" y="0"/>
-          <a:chExt cx="0" cy="0"/>
-        </a:xfrm>
-      </p:grpSpPr>
-    </p:spTree>
-    <p:extLst>
-      <p:ext uri="{BB962C8B-B14F-4D97-AF65-F5344CB8AC3E}">
-        <p14:creationId xmlns:p14="http://schemas.microsoft.com/office/powerpoint/2010/main" val="4226122043"/>
-      </p:ext>
-    </p:extLst>
-  </p:cSld>
-  <p:clrMapOvr>
-    <a:masterClrMapping/>
-  </p:clrMapOvr>
-</p:sld>
-</file>
-
-<file path=ppt/slides/slide42.xml><?xml version="1.0" encoding="utf-8"?>
-<p:sld xmlns:a="http://schemas.openxmlformats.org/drawingml/2006/main" xmlns:r="http://schemas.openxmlformats.org/officeDocument/2006/relationships" xmlns:p="http://schemas.openxmlformats.org/presentationml/2006/main">
-  <p:cSld>
-    <p:spTree>
-      <p:nvGrpSpPr>
-        <p:cNvPr id="1" name=""/>
-        <p:cNvGrpSpPr/>
-        <p:nvPr/>
-      </p:nvGrpSpPr>
-      <p:grpSpPr>
-        <a:xfrm>
-          <a:off x="0" y="0"/>
-          <a:ext cx="0" cy="0"/>
-          <a:chOff x="0" y="0"/>
-          <a:chExt cx="0" cy="0"/>
-        </a:xfrm>
-      </p:grpSpPr>
-    </p:spTree>
-    <p:extLst>
-      <p:ext uri="{BB962C8B-B14F-4D97-AF65-F5344CB8AC3E}">
-        <p14:creationId xmlns:p14="http://schemas.microsoft.com/office/powerpoint/2010/main" val="3941356387"/>
-      </p:ext>
-    </p:extLst>
-  </p:cSld>
-  <p:clrMapOvr>
-    <a:masterClrMapping/>
-  </p:clrMapOvr>
-</p:sld>
-</file>
-
-<file path=ppt/slides/slide43.xml><?xml version="1.0" encoding="utf-8"?>
-<p:sld xmlns:a="http://schemas.openxmlformats.org/drawingml/2006/main" xmlns:r="http://schemas.openxmlformats.org/officeDocument/2006/relationships" xmlns:p="http://schemas.openxmlformats.org/presentationml/2006/main">
-  <p:cSld>
-    <p:spTree>
-      <p:nvGrpSpPr>
-        <p:cNvPr id="1" name=""/>
-        <p:cNvGrpSpPr/>
-        <p:nvPr/>
-      </p:nvGrpSpPr>
-      <p:grpSpPr>
-        <a:xfrm>
-          <a:off x="0" y="0"/>
-          <a:ext cx="0" cy="0"/>
-          <a:chOff x="0" y="0"/>
-          <a:chExt cx="0" cy="0"/>
-        </a:xfrm>
-      </p:grpSpPr>
-    </p:spTree>
-    <p:extLst>
-      <p:ext uri="{BB962C8B-B14F-4D97-AF65-F5344CB8AC3E}">
-        <p14:creationId xmlns:p14="http://schemas.microsoft.com/office/powerpoint/2010/main" val="129659227"/>
       </p:ext>
     </p:extLst>
   </p:cSld>

--- a/figs/makeFigs.pptx
+++ b/figs/makeFigs.pptx
@@ -27,14 +27,20 @@
     <p:sldId id="328" r:id="rId21"/>
     <p:sldId id="329" r:id="rId22"/>
     <p:sldId id="363" r:id="rId23"/>
-    <p:sldId id="330" r:id="rId24"/>
-    <p:sldId id="331" r:id="rId25"/>
-    <p:sldId id="332" r:id="rId26"/>
-    <p:sldId id="333" r:id="rId27"/>
-    <p:sldId id="334" r:id="rId28"/>
-    <p:sldId id="336" r:id="rId29"/>
-    <p:sldId id="335" r:id="rId30"/>
-    <p:sldId id="364" r:id="rId31"/>
+    <p:sldId id="365" r:id="rId24"/>
+    <p:sldId id="370" r:id="rId25"/>
+    <p:sldId id="366" r:id="rId26"/>
+    <p:sldId id="367" r:id="rId27"/>
+    <p:sldId id="368" r:id="rId28"/>
+    <p:sldId id="369" r:id="rId29"/>
+    <p:sldId id="330" r:id="rId30"/>
+    <p:sldId id="331" r:id="rId31"/>
+    <p:sldId id="332" r:id="rId32"/>
+    <p:sldId id="333" r:id="rId33"/>
+    <p:sldId id="334" r:id="rId34"/>
+    <p:sldId id="336" r:id="rId35"/>
+    <p:sldId id="335" r:id="rId36"/>
+    <p:sldId id="364" r:id="rId37"/>
   </p:sldIdLst>
   <p:sldSz cx="12192000" cy="6858000"/>
   <p:notesSz cx="6858000" cy="9144000"/>
@@ -172,6 +178,12 @@
             <p14:sldId id="328"/>
             <p14:sldId id="329"/>
             <p14:sldId id="363"/>
+            <p14:sldId id="365"/>
+            <p14:sldId id="370"/>
+            <p14:sldId id="366"/>
+            <p14:sldId id="367"/>
+            <p14:sldId id="368"/>
+            <p14:sldId id="369"/>
           </p14:sldIdLst>
         </p14:section>
         <p14:section name="pumpAsTurbine_ex01" id="{948DD96E-F6F9-49BE-836A-9AD530AE1FAE}">
@@ -8843,6 +8855,139 @@
           <a:chExt cx="0" cy="0"/>
         </a:xfrm>
       </p:grpSpPr>
+      <p:pic>
+        <p:nvPicPr>
+          <p:cNvPr id="3" name="図 2">
+            <a:extLst>
+              <a:ext uri="{FF2B5EF4-FFF2-40B4-BE49-F238E27FC236}">
+                <a16:creationId xmlns:a16="http://schemas.microsoft.com/office/drawing/2014/main" id="{F8AC4DBC-FEA5-4253-BDF8-CD3A4339771B}"/>
+              </a:ext>
+            </a:extLst>
+          </p:cNvPr>
+          <p:cNvPicPr>
+            <a:picLocks noChangeAspect="1"/>
+          </p:cNvPicPr>
+          <p:nvPr/>
+        </p:nvPicPr>
+        <p:blipFill>
+          <a:blip r:embed="rId2"/>
+          <a:stretch>
+            <a:fillRect/>
+          </a:stretch>
+        </p:blipFill>
+        <p:spPr>
+          <a:xfrm>
+            <a:off x="2266569" y="625231"/>
+            <a:ext cx="7200000" cy="5475000"/>
+          </a:xfrm>
+          <a:prstGeom prst="rect">
+            <a:avLst/>
+          </a:prstGeom>
+        </p:spPr>
+      </p:pic>
+      <p:sp>
+        <p:nvSpPr>
+          <p:cNvPr id="4" name="テキスト ボックス 3">
+            <a:extLst>
+              <a:ext uri="{FF2B5EF4-FFF2-40B4-BE49-F238E27FC236}">
+                <a16:creationId xmlns:a16="http://schemas.microsoft.com/office/drawing/2014/main" id="{08048CC4-757D-4FD8-90FB-4A303419B072}"/>
+              </a:ext>
+            </a:extLst>
+          </p:cNvPr>
+          <p:cNvSpPr txBox="1"/>
+          <p:nvPr/>
+        </p:nvSpPr>
+        <p:spPr>
+          <a:xfrm>
+            <a:off x="2877340" y="1910917"/>
+            <a:ext cx="1914473" cy="407083"/>
+          </a:xfrm>
+          <a:prstGeom prst="rect">
+            <a:avLst/>
+          </a:prstGeom>
+          <a:solidFill>
+            <a:schemeClr val="accent5">
+              <a:lumMod val="40000"/>
+              <a:lumOff val="60000"/>
+            </a:schemeClr>
+          </a:solidFill>
+          <a:ln>
+            <a:solidFill>
+              <a:schemeClr val="tx1"/>
+            </a:solidFill>
+          </a:ln>
+        </p:spPr>
+        <p:txBody>
+          <a:bodyPr wrap="square" rtlCol="0">
+            <a:noAutofit/>
+          </a:bodyPr>
+          <a:lstStyle/>
+          <a:p>
+            <a:r>
+              <a:rPr lang="en-US" altLang="ja-JP" sz="907" dirty="0">
+                <a:latin typeface="ＭＳ Ｐゴシック" panose="020B0600070205080204" pitchFamily="50" charset="-128"/>
+                <a:ea typeface="ＭＳ Ｐゴシック" panose="020B0600070205080204" pitchFamily="50" charset="-128"/>
+                <a:cs typeface="Arial" panose="020B0604020202020204" pitchFamily="34" charset="0"/>
+              </a:rPr>
+              <a:t>Input: </a:t>
+            </a:r>
+          </a:p>
+          <a:p>
+            <a:r>
+              <a:rPr lang="en-US" altLang="ja-JP" sz="907" dirty="0">
+                <a:latin typeface="ＭＳ Ｐゴシック" panose="020B0600070205080204" pitchFamily="50" charset="-128"/>
+                <a:ea typeface="ＭＳ Ｐゴシック" panose="020B0600070205080204" pitchFamily="50" charset="-128"/>
+                <a:cs typeface="Arial" panose="020B0604020202020204" pitchFamily="34" charset="0"/>
+              </a:rPr>
+              <a:t> mechanical rotary speed of pump.</a:t>
+            </a:r>
+          </a:p>
+        </p:txBody>
+      </p:sp>
+      <p:cxnSp>
+        <p:nvCxnSpPr>
+          <p:cNvPr id="5" name="直線矢印コネクタ 4">
+            <a:extLst>
+              <a:ext uri="{FF2B5EF4-FFF2-40B4-BE49-F238E27FC236}">
+                <a16:creationId xmlns:a16="http://schemas.microsoft.com/office/drawing/2014/main" id="{40BD18DC-893E-42DB-9157-2C98754E3C91}"/>
+              </a:ext>
+            </a:extLst>
+          </p:cNvPr>
+          <p:cNvCxnSpPr>
+            <a:cxnSpLocks/>
+          </p:cNvCxnSpPr>
+          <p:nvPr/>
+        </p:nvCxnSpPr>
+        <p:spPr>
+          <a:xfrm>
+            <a:off x="3858247" y="2318002"/>
+            <a:ext cx="568379" cy="571738"/>
+          </a:xfrm>
+          <a:prstGeom prst="straightConnector1">
+            <a:avLst/>
+          </a:prstGeom>
+          <a:ln w="12700">
+            <a:solidFill>
+              <a:schemeClr val="tx1"/>
+            </a:solidFill>
+            <a:tailEnd type="oval"/>
+          </a:ln>
+        </p:spPr>
+        <p:style>
+          <a:lnRef idx="1">
+            <a:schemeClr val="accent1"/>
+          </a:lnRef>
+          <a:fillRef idx="0">
+            <a:schemeClr val="accent1"/>
+          </a:fillRef>
+          <a:effectRef idx="0">
+            <a:schemeClr val="accent1"/>
+          </a:effectRef>
+          <a:fontRef idx="minor">
+            <a:schemeClr val="tx1"/>
+          </a:fontRef>
+        </p:style>
+      </p:cxnSp>
     </p:spTree>
     <p:extLst>
       <p:ext uri="{BB962C8B-B14F-4D97-AF65-F5344CB8AC3E}">
@@ -8875,10 +9020,10 @@
       </p:grpSpPr>
       <p:pic>
         <p:nvPicPr>
-          <p:cNvPr id="5" name="図 4">
-            <a:extLst>
-              <a:ext uri="{FF2B5EF4-FFF2-40B4-BE49-F238E27FC236}">
-                <a16:creationId xmlns:a16="http://schemas.microsoft.com/office/drawing/2014/main" id="{1861CB12-90A6-42DE-A22D-8963E3B6B5F0}"/>
+          <p:cNvPr id="3" name="図 2">
+            <a:extLst>
+              <a:ext uri="{FF2B5EF4-FFF2-40B4-BE49-F238E27FC236}">
+                <a16:creationId xmlns:a16="http://schemas.microsoft.com/office/drawing/2014/main" id="{1847578C-9FF8-4BCC-8983-8A82A7342D8B}"/>
               </a:ext>
             </a:extLst>
           </p:cNvPr>
@@ -8895,8 +9040,8 @@
         </p:blipFill>
         <p:spPr>
           <a:xfrm>
-            <a:off x="1985486" y="0"/>
-            <a:ext cx="8221027" cy="6858000"/>
+            <a:off x="1575564" y="1"/>
+            <a:ext cx="7200000" cy="5461597"/>
           </a:xfrm>
           <a:prstGeom prst="rect">
             <a:avLst/>
@@ -8905,10 +9050,10 @@
       </p:pic>
       <p:sp>
         <p:nvSpPr>
-          <p:cNvPr id="3" name="テキスト ボックス 2">
-            <a:extLst>
-              <a:ext uri="{FF2B5EF4-FFF2-40B4-BE49-F238E27FC236}">
-                <a16:creationId xmlns:a16="http://schemas.microsoft.com/office/drawing/2014/main" id="{24ADC03F-BFEC-4049-9726-538FCD7B5E67}"/>
+          <p:cNvPr id="4" name="テキスト ボックス 3">
+            <a:extLst>
+              <a:ext uri="{FF2B5EF4-FFF2-40B4-BE49-F238E27FC236}">
+                <a16:creationId xmlns:a16="http://schemas.microsoft.com/office/drawing/2014/main" id="{F04857F9-A400-47F5-B77E-3BA728FB5ED5}"/>
               </a:ext>
             </a:extLst>
           </p:cNvPr>
@@ -8917,42 +9062,99 @@
         </p:nvSpPr>
         <p:spPr>
           <a:xfrm>
-            <a:off x="78153" y="0"/>
-            <a:ext cx="4079632" cy="461665"/>
+            <a:off x="5769032" y="1192860"/>
+            <a:ext cx="1914473" cy="407083"/>
           </a:xfrm>
           <a:prstGeom prst="rect">
             <a:avLst/>
           </a:prstGeom>
-          <a:noFill/>
+          <a:solidFill>
+            <a:schemeClr val="accent5">
+              <a:lumMod val="40000"/>
+              <a:lumOff val="60000"/>
+            </a:schemeClr>
+          </a:solidFill>
+          <a:ln>
+            <a:solidFill>
+              <a:schemeClr val="tx1"/>
+            </a:solidFill>
+          </a:ln>
         </p:spPr>
         <p:txBody>
           <a:bodyPr wrap="square" rtlCol="0">
-            <a:spAutoFit/>
+            <a:noAutofit/>
           </a:bodyPr>
           <a:lstStyle/>
           <a:p>
             <a:r>
-              <a:rPr lang="en-US" altLang="ja-JP" sz="2400" dirty="0">
-                <a:solidFill>
-                  <a:srgbClr val="000000"/>
-                </a:solidFill>
-                <a:effectLst/>
-                <a:latin typeface="Times New Roman" panose="02020603050405020304" pitchFamily="18" charset="0"/>
-                <a:cs typeface="Times New Roman" panose="02020603050405020304" pitchFamily="18" charset="0"/>
+              <a:rPr lang="en-US" altLang="ja-JP" sz="907" dirty="0">
+                <a:latin typeface="ＭＳ Ｐゴシック" panose="020B0600070205080204" pitchFamily="50" charset="-128"/>
+                <a:ea typeface="ＭＳ Ｐゴシック" panose="020B0600070205080204" pitchFamily="50" charset="-128"/>
+                <a:cs typeface="Arial" panose="020B0604020202020204" pitchFamily="34" charset="0"/>
               </a:rPr>
-              <a:t>PumpAsTurbine_ex01</a:t>
-            </a:r>
-            <a:endParaRPr kumimoji="1" lang="ja-JP" altLang="en-US" sz="2400" dirty="0">
-              <a:latin typeface="Times New Roman" panose="02020603050405020304" pitchFamily="18" charset="0"/>
-              <a:cs typeface="Times New Roman" panose="02020603050405020304" pitchFamily="18" charset="0"/>
-            </a:endParaRPr>
-          </a:p>
-        </p:txBody>
-      </p:sp>
+              <a:t>Input: </a:t>
+            </a:r>
+          </a:p>
+          <a:p>
+            <a:r>
+              <a:rPr lang="en-US" altLang="ja-JP" sz="907" dirty="0">
+                <a:latin typeface="ＭＳ Ｐゴシック" panose="020B0600070205080204" pitchFamily="50" charset="-128"/>
+                <a:ea typeface="ＭＳ Ｐゴシック" panose="020B0600070205080204" pitchFamily="50" charset="-128"/>
+                <a:cs typeface="Arial" panose="020B0604020202020204" pitchFamily="34" charset="0"/>
+              </a:rPr>
+              <a:t> opening of linear valve.</a:t>
+            </a:r>
+          </a:p>
+        </p:txBody>
+      </p:sp>
+      <p:cxnSp>
+        <p:nvCxnSpPr>
+          <p:cNvPr id="5" name="直線矢印コネクタ 4">
+            <a:extLst>
+              <a:ext uri="{FF2B5EF4-FFF2-40B4-BE49-F238E27FC236}">
+                <a16:creationId xmlns:a16="http://schemas.microsoft.com/office/drawing/2014/main" id="{B21A708C-9005-4C26-BFC1-140520D85C8C}"/>
+              </a:ext>
+            </a:extLst>
+          </p:cNvPr>
+          <p:cNvCxnSpPr>
+            <a:cxnSpLocks/>
+          </p:cNvCxnSpPr>
+          <p:nvPr/>
+        </p:nvCxnSpPr>
+        <p:spPr>
+          <a:xfrm flipH="1">
+            <a:off x="5775569" y="1599945"/>
+            <a:ext cx="974370" cy="791563"/>
+          </a:xfrm>
+          <a:prstGeom prst="straightConnector1">
+            <a:avLst/>
+          </a:prstGeom>
+          <a:ln w="12700">
+            <a:solidFill>
+              <a:schemeClr val="tx1"/>
+            </a:solidFill>
+            <a:tailEnd type="oval"/>
+          </a:ln>
+        </p:spPr>
+        <p:style>
+          <a:lnRef idx="1">
+            <a:schemeClr val="accent1"/>
+          </a:lnRef>
+          <a:fillRef idx="0">
+            <a:schemeClr val="accent1"/>
+          </a:fillRef>
+          <a:effectRef idx="0">
+            <a:schemeClr val="accent1"/>
+          </a:effectRef>
+          <a:fontRef idx="minor">
+            <a:schemeClr val="tx1"/>
+          </a:fontRef>
+        </p:style>
+      </p:cxnSp>
     </p:spTree>
     <p:extLst>
       <p:ext uri="{BB962C8B-B14F-4D97-AF65-F5344CB8AC3E}">
-        <p14:creationId xmlns:p14="http://schemas.microsoft.com/office/powerpoint/2010/main" val="3258820415"/>
+        <p14:creationId xmlns:p14="http://schemas.microsoft.com/office/powerpoint/2010/main" val="1627802046"/>
       </p:ext>
     </p:extLst>
   </p:cSld>
@@ -8984,7 +9186,7 @@
           <p:cNvPr id="3" name="図 2">
             <a:extLst>
               <a:ext uri="{FF2B5EF4-FFF2-40B4-BE49-F238E27FC236}">
-                <a16:creationId xmlns:a16="http://schemas.microsoft.com/office/drawing/2014/main" id="{2848B27E-D4AC-4CD0-81CF-025BAB9F3594}"/>
+                <a16:creationId xmlns:a16="http://schemas.microsoft.com/office/drawing/2014/main" id="{D103C8E6-D436-4C3A-862B-EEC76A149710}"/>
               </a:ext>
             </a:extLst>
           </p:cNvPr>
@@ -9001,18 +9203,117 @@
         </p:blipFill>
         <p:spPr>
           <a:xfrm>
-            <a:off x="1985486" y="0"/>
-            <a:ext cx="8221027" cy="6858000"/>
+            <a:off x="2153101" y="593970"/>
+            <a:ext cx="7200000" cy="5470085"/>
           </a:xfrm>
           <a:prstGeom prst="rect">
             <a:avLst/>
           </a:prstGeom>
         </p:spPr>
       </p:pic>
+      <p:sp>
+        <p:nvSpPr>
+          <p:cNvPr id="4" name="テキスト ボックス 3">
+            <a:extLst>
+              <a:ext uri="{FF2B5EF4-FFF2-40B4-BE49-F238E27FC236}">
+                <a16:creationId xmlns:a16="http://schemas.microsoft.com/office/drawing/2014/main" id="{F9434070-10CF-4EB5-A8B7-5B948DFB514F}"/>
+              </a:ext>
+            </a:extLst>
+          </p:cNvPr>
+          <p:cNvSpPr txBox="1"/>
+          <p:nvPr/>
+        </p:nvSpPr>
+        <p:spPr>
+          <a:xfrm>
+            <a:off x="4646090" y="3646151"/>
+            <a:ext cx="1958606" cy="363142"/>
+          </a:xfrm>
+          <a:prstGeom prst="rect">
+            <a:avLst/>
+          </a:prstGeom>
+          <a:solidFill>
+            <a:srgbClr val="FFFF00"/>
+          </a:solidFill>
+          <a:ln>
+            <a:solidFill>
+              <a:schemeClr val="tx1"/>
+            </a:solidFill>
+          </a:ln>
+        </p:spPr>
+        <p:txBody>
+          <a:bodyPr wrap="square" rtlCol="0">
+            <a:noAutofit/>
+          </a:bodyPr>
+          <a:lstStyle/>
+          <a:p>
+            <a:r>
+              <a:rPr lang="en-US" altLang="ja-JP" sz="726" dirty="0">
+                <a:latin typeface="Arial" panose="020B0604020202020204" pitchFamily="34" charset="0"/>
+                <a:cs typeface="Arial" panose="020B0604020202020204" pitchFamily="34" charset="0"/>
+              </a:rPr>
+              <a:t>Output: </a:t>
+            </a:r>
+          </a:p>
+          <a:p>
+            <a:r>
+              <a:rPr lang="en-US" altLang="ja-JP" sz="726" dirty="0">
+                <a:latin typeface="Arial" panose="020B0604020202020204" pitchFamily="34" charset="0"/>
+                <a:cs typeface="Arial" panose="020B0604020202020204" pitchFamily="34" charset="0"/>
+              </a:rPr>
+              <a:t>Volumetric flow rate through pump. </a:t>
+            </a:r>
+          </a:p>
+        </p:txBody>
+      </p:sp>
+      <p:cxnSp>
+        <p:nvCxnSpPr>
+          <p:cNvPr id="5" name="直線矢印コネクタ 4">
+            <a:extLst>
+              <a:ext uri="{FF2B5EF4-FFF2-40B4-BE49-F238E27FC236}">
+                <a16:creationId xmlns:a16="http://schemas.microsoft.com/office/drawing/2014/main" id="{55723E37-C7F7-43B9-9266-D8BAE9554E06}"/>
+              </a:ext>
+            </a:extLst>
+          </p:cNvPr>
+          <p:cNvCxnSpPr>
+            <a:cxnSpLocks/>
+            <a:stCxn id="4" idx="0"/>
+          </p:cNvCxnSpPr>
+          <p:nvPr/>
+        </p:nvCxnSpPr>
+        <p:spPr>
+          <a:xfrm flipH="1" flipV="1">
+            <a:off x="4306277" y="2988545"/>
+            <a:ext cx="1319116" cy="657606"/>
+          </a:xfrm>
+          <a:prstGeom prst="straightConnector1">
+            <a:avLst/>
+          </a:prstGeom>
+          <a:ln w="12700">
+            <a:solidFill>
+              <a:schemeClr val="tx1"/>
+            </a:solidFill>
+            <a:tailEnd type="oval"/>
+          </a:ln>
+        </p:spPr>
+        <p:style>
+          <a:lnRef idx="1">
+            <a:schemeClr val="accent1"/>
+          </a:lnRef>
+          <a:fillRef idx="0">
+            <a:schemeClr val="accent1"/>
+          </a:fillRef>
+          <a:effectRef idx="0">
+            <a:schemeClr val="accent1"/>
+          </a:effectRef>
+          <a:fontRef idx="minor">
+            <a:schemeClr val="tx1"/>
+          </a:fontRef>
+        </p:style>
+      </p:cxnSp>
     </p:spTree>
     <p:extLst>
       <p:ext uri="{BB962C8B-B14F-4D97-AF65-F5344CB8AC3E}">
-        <p14:creationId xmlns:p14="http://schemas.microsoft.com/office/powerpoint/2010/main" val="2043835998"/>
+        <p14:creationId xmlns:p14="http://schemas.microsoft.com/office/powerpoint/2010/main" val="653626821"/>
       </p:ext>
     </p:extLst>
   </p:cSld>
@@ -9041,10 +9342,10 @@
       </p:grpSpPr>
       <p:pic>
         <p:nvPicPr>
-          <p:cNvPr id="5" name="図 4">
-            <a:extLst>
-              <a:ext uri="{FF2B5EF4-FFF2-40B4-BE49-F238E27FC236}">
-                <a16:creationId xmlns:a16="http://schemas.microsoft.com/office/drawing/2014/main" id="{F40256F8-9584-41E5-ACD5-AA57ECDBCBBC}"/>
+          <p:cNvPr id="3" name="図 2">
+            <a:extLst>
+              <a:ext uri="{FF2B5EF4-FFF2-40B4-BE49-F238E27FC236}">
+                <a16:creationId xmlns:a16="http://schemas.microsoft.com/office/drawing/2014/main" id="{93D12387-51E1-468F-836C-3EDAC92ADAB5}"/>
               </a:ext>
             </a:extLst>
           </p:cNvPr>
@@ -9061,8 +9362,8 @@
         </p:blipFill>
         <p:spPr>
           <a:xfrm>
-            <a:off x="2039639" y="0"/>
-            <a:ext cx="8112722" cy="6858000"/>
+            <a:off x="1575564" y="1"/>
+            <a:ext cx="7200000" cy="5461597"/>
           </a:xfrm>
           <a:prstGeom prst="rect">
             <a:avLst/>
@@ -9071,10 +9372,10 @@
       </p:pic>
       <p:sp>
         <p:nvSpPr>
-          <p:cNvPr id="3" name="テキスト ボックス 2">
-            <a:extLst>
-              <a:ext uri="{FF2B5EF4-FFF2-40B4-BE49-F238E27FC236}">
-                <a16:creationId xmlns:a16="http://schemas.microsoft.com/office/drawing/2014/main" id="{ABC8D612-4C8F-40D2-9EE2-D80AEAE98A25}"/>
+          <p:cNvPr id="4" name="テキスト ボックス 3">
+            <a:extLst>
+              <a:ext uri="{FF2B5EF4-FFF2-40B4-BE49-F238E27FC236}">
+                <a16:creationId xmlns:a16="http://schemas.microsoft.com/office/drawing/2014/main" id="{C85EB216-2B5B-404D-AF7F-AE646619A01B}"/>
               </a:ext>
             </a:extLst>
           </p:cNvPr>
@@ -9083,42 +9384,95 @@
         </p:nvSpPr>
         <p:spPr>
           <a:xfrm>
-            <a:off x="78153" y="0"/>
-            <a:ext cx="4079632" cy="461665"/>
+            <a:off x="5232244" y="3310089"/>
+            <a:ext cx="1958606" cy="503819"/>
           </a:xfrm>
           <a:prstGeom prst="rect">
             <a:avLst/>
           </a:prstGeom>
-          <a:noFill/>
+          <a:solidFill>
+            <a:srgbClr val="FFFF00"/>
+          </a:solidFill>
+          <a:ln>
+            <a:solidFill>
+              <a:schemeClr val="tx1"/>
+            </a:solidFill>
+          </a:ln>
         </p:spPr>
         <p:txBody>
           <a:bodyPr wrap="square" rtlCol="0">
-            <a:spAutoFit/>
+            <a:noAutofit/>
           </a:bodyPr>
           <a:lstStyle/>
           <a:p>
             <a:r>
-              <a:rPr lang="en-US" altLang="ja-JP" sz="2400" dirty="0">
-                <a:solidFill>
-                  <a:srgbClr val="000000"/>
-                </a:solidFill>
-                <a:effectLst/>
-                <a:latin typeface="Times New Roman" panose="02020603050405020304" pitchFamily="18" charset="0"/>
-                <a:cs typeface="Times New Roman" panose="02020603050405020304" pitchFamily="18" charset="0"/>
+              <a:rPr lang="en-US" altLang="ja-JP" sz="726" dirty="0">
+                <a:latin typeface="Arial" panose="020B0604020202020204" pitchFamily="34" charset="0"/>
+                <a:cs typeface="Arial" panose="020B0604020202020204" pitchFamily="34" charset="0"/>
               </a:rPr>
-              <a:t>PumpAsTurbine_ex02</a:t>
-            </a:r>
-            <a:endParaRPr kumimoji="1" lang="ja-JP" altLang="en-US" sz="2400" dirty="0">
-              <a:latin typeface="Times New Roman" panose="02020603050405020304" pitchFamily="18" charset="0"/>
-              <a:cs typeface="Times New Roman" panose="02020603050405020304" pitchFamily="18" charset="0"/>
-            </a:endParaRPr>
-          </a:p>
-        </p:txBody>
-      </p:sp>
+              <a:t>Output: </a:t>
+            </a:r>
+          </a:p>
+          <a:p>
+            <a:r>
+              <a:rPr lang="en-US" altLang="ja-JP" sz="726" dirty="0">
+                <a:latin typeface="Arial" panose="020B0604020202020204" pitchFamily="34" charset="0"/>
+                <a:cs typeface="Arial" panose="020B0604020202020204" pitchFamily="34" charset="0"/>
+              </a:rPr>
+              <a:t>Pump’s volumetric flow rate vs. mechanical rotation speed. </a:t>
+            </a:r>
+          </a:p>
+        </p:txBody>
+      </p:sp>
+      <p:cxnSp>
+        <p:nvCxnSpPr>
+          <p:cNvPr id="5" name="直線矢印コネクタ 4">
+            <a:extLst>
+              <a:ext uri="{FF2B5EF4-FFF2-40B4-BE49-F238E27FC236}">
+                <a16:creationId xmlns:a16="http://schemas.microsoft.com/office/drawing/2014/main" id="{3350D9C6-8D07-4514-A727-BC97D51E7E67}"/>
+              </a:ext>
+            </a:extLst>
+          </p:cNvPr>
+          <p:cNvCxnSpPr>
+            <a:cxnSpLocks/>
+            <a:stCxn id="4" idx="0"/>
+          </p:cNvCxnSpPr>
+          <p:nvPr/>
+        </p:nvCxnSpPr>
+        <p:spPr>
+          <a:xfrm flipH="1" flipV="1">
+            <a:off x="4892431" y="2652483"/>
+            <a:ext cx="1319116" cy="657606"/>
+          </a:xfrm>
+          <a:prstGeom prst="straightConnector1">
+            <a:avLst/>
+          </a:prstGeom>
+          <a:ln w="12700">
+            <a:solidFill>
+              <a:schemeClr val="tx1"/>
+            </a:solidFill>
+            <a:tailEnd type="oval"/>
+          </a:ln>
+        </p:spPr>
+        <p:style>
+          <a:lnRef idx="1">
+            <a:schemeClr val="accent1"/>
+          </a:lnRef>
+          <a:fillRef idx="0">
+            <a:schemeClr val="accent1"/>
+          </a:fillRef>
+          <a:effectRef idx="0">
+            <a:schemeClr val="accent1"/>
+          </a:effectRef>
+          <a:fontRef idx="minor">
+            <a:schemeClr val="tx1"/>
+          </a:fontRef>
+        </p:style>
+      </p:cxnSp>
     </p:spTree>
     <p:extLst>
       <p:ext uri="{BB962C8B-B14F-4D97-AF65-F5344CB8AC3E}">
-        <p14:creationId xmlns:p14="http://schemas.microsoft.com/office/powerpoint/2010/main" val="547396864"/>
+        <p14:creationId xmlns:p14="http://schemas.microsoft.com/office/powerpoint/2010/main" val="3883380372"/>
       </p:ext>
     </p:extLst>
   </p:cSld>
@@ -9150,6 +9504,918 @@
           <p:cNvPr id="3" name="図 2">
             <a:extLst>
               <a:ext uri="{FF2B5EF4-FFF2-40B4-BE49-F238E27FC236}">
+                <a16:creationId xmlns:a16="http://schemas.microsoft.com/office/drawing/2014/main" id="{B77F9E76-8D14-4400-8127-224C989C6C2A}"/>
+              </a:ext>
+            </a:extLst>
+          </p:cNvPr>
+          <p:cNvPicPr>
+            <a:picLocks noChangeAspect="1"/>
+          </p:cNvPicPr>
+          <p:nvPr/>
+        </p:nvPicPr>
+        <p:blipFill>
+          <a:blip r:embed="rId2"/>
+          <a:stretch>
+            <a:fillRect/>
+          </a:stretch>
+        </p:blipFill>
+        <p:spPr>
+          <a:xfrm>
+            <a:off x="1596029" y="257898"/>
+            <a:ext cx="7200000" cy="5476923"/>
+          </a:xfrm>
+          <a:prstGeom prst="rect">
+            <a:avLst/>
+          </a:prstGeom>
+        </p:spPr>
+      </p:pic>
+      <p:sp>
+        <p:nvSpPr>
+          <p:cNvPr id="4" name="テキスト ボックス 3">
+            <a:extLst>
+              <a:ext uri="{FF2B5EF4-FFF2-40B4-BE49-F238E27FC236}">
+                <a16:creationId xmlns:a16="http://schemas.microsoft.com/office/drawing/2014/main" id="{2B6478EF-E6B9-43E1-916A-E92E496F0FE7}"/>
+              </a:ext>
+            </a:extLst>
+          </p:cNvPr>
+          <p:cNvSpPr txBox="1"/>
+          <p:nvPr/>
+        </p:nvSpPr>
+        <p:spPr>
+          <a:xfrm>
+            <a:off x="4302213" y="3528920"/>
+            <a:ext cx="1793787" cy="410034"/>
+          </a:xfrm>
+          <a:prstGeom prst="rect">
+            <a:avLst/>
+          </a:prstGeom>
+          <a:solidFill>
+            <a:srgbClr val="FFFF00"/>
+          </a:solidFill>
+          <a:ln>
+            <a:solidFill>
+              <a:schemeClr val="tx1"/>
+            </a:solidFill>
+          </a:ln>
+        </p:spPr>
+        <p:txBody>
+          <a:bodyPr wrap="square" rtlCol="0">
+            <a:noAutofit/>
+          </a:bodyPr>
+          <a:lstStyle/>
+          <a:p>
+            <a:r>
+              <a:rPr lang="en-US" altLang="ja-JP" sz="726" dirty="0">
+                <a:latin typeface="Arial" panose="020B0604020202020204" pitchFamily="34" charset="0"/>
+                <a:cs typeface="Arial" panose="020B0604020202020204" pitchFamily="34" charset="0"/>
+              </a:rPr>
+              <a:t>Output: </a:t>
+            </a:r>
+          </a:p>
+          <a:p>
+            <a:r>
+              <a:rPr lang="en-US" altLang="ja-JP" sz="726" dirty="0">
+                <a:latin typeface="Arial" panose="020B0604020202020204" pitchFamily="34" charset="0"/>
+                <a:cs typeface="Arial" panose="020B0604020202020204" pitchFamily="34" charset="0"/>
+              </a:rPr>
+              <a:t> pump discharge pressure. </a:t>
+            </a:r>
+          </a:p>
+        </p:txBody>
+      </p:sp>
+      <p:cxnSp>
+        <p:nvCxnSpPr>
+          <p:cNvPr id="5" name="直線矢印コネクタ 4">
+            <a:extLst>
+              <a:ext uri="{FF2B5EF4-FFF2-40B4-BE49-F238E27FC236}">
+                <a16:creationId xmlns:a16="http://schemas.microsoft.com/office/drawing/2014/main" id="{993AEA7D-0735-4063-B79B-AABBB6C873E2}"/>
+              </a:ext>
+            </a:extLst>
+          </p:cNvPr>
+          <p:cNvCxnSpPr>
+            <a:cxnSpLocks/>
+            <a:stCxn id="4" idx="0"/>
+          </p:cNvCxnSpPr>
+          <p:nvPr/>
+        </p:nvCxnSpPr>
+        <p:spPr>
+          <a:xfrm flipH="1" flipV="1">
+            <a:off x="3962401" y="2871314"/>
+            <a:ext cx="1236706" cy="657606"/>
+          </a:xfrm>
+          <a:prstGeom prst="straightConnector1">
+            <a:avLst/>
+          </a:prstGeom>
+          <a:ln w="12700">
+            <a:solidFill>
+              <a:schemeClr val="tx1"/>
+            </a:solidFill>
+            <a:tailEnd type="oval"/>
+          </a:ln>
+        </p:spPr>
+        <p:style>
+          <a:lnRef idx="1">
+            <a:schemeClr val="accent1"/>
+          </a:lnRef>
+          <a:fillRef idx="0">
+            <a:schemeClr val="accent1"/>
+          </a:fillRef>
+          <a:effectRef idx="0">
+            <a:schemeClr val="accent1"/>
+          </a:effectRef>
+          <a:fontRef idx="minor">
+            <a:schemeClr val="tx1"/>
+          </a:fontRef>
+        </p:style>
+      </p:cxnSp>
+    </p:spTree>
+    <p:extLst>
+      <p:ext uri="{BB962C8B-B14F-4D97-AF65-F5344CB8AC3E}">
+        <p14:creationId xmlns:p14="http://schemas.microsoft.com/office/powerpoint/2010/main" val="62570315"/>
+      </p:ext>
+    </p:extLst>
+  </p:cSld>
+  <p:clrMapOvr>
+    <a:masterClrMapping/>
+  </p:clrMapOvr>
+</p:sld>
+</file>
+
+<file path=ppt/slides/slide27.xml><?xml version="1.0" encoding="utf-8"?>
+<p:sld xmlns:a="http://schemas.openxmlformats.org/drawingml/2006/main" xmlns:r="http://schemas.openxmlformats.org/officeDocument/2006/relationships" xmlns:p="http://schemas.openxmlformats.org/presentationml/2006/main">
+  <p:cSld>
+    <p:spTree>
+      <p:nvGrpSpPr>
+        <p:cNvPr id="1" name=""/>
+        <p:cNvGrpSpPr/>
+        <p:nvPr/>
+      </p:nvGrpSpPr>
+      <p:grpSpPr>
+        <a:xfrm>
+          <a:off x="0" y="0"/>
+          <a:ext cx="0" cy="0"/>
+          <a:chOff x="0" y="0"/>
+          <a:chExt cx="0" cy="0"/>
+        </a:xfrm>
+      </p:grpSpPr>
+      <p:pic>
+        <p:nvPicPr>
+          <p:cNvPr id="3" name="図 2">
+            <a:extLst>
+              <a:ext uri="{FF2B5EF4-FFF2-40B4-BE49-F238E27FC236}">
+                <a16:creationId xmlns:a16="http://schemas.microsoft.com/office/drawing/2014/main" id="{9FEC225B-D95B-4BD3-B618-A4A7C97605D7}"/>
+              </a:ext>
+            </a:extLst>
+          </p:cNvPr>
+          <p:cNvPicPr>
+            <a:picLocks noChangeAspect="1"/>
+          </p:cNvPicPr>
+          <p:nvPr/>
+        </p:nvPicPr>
+        <p:blipFill>
+          <a:blip r:embed="rId2"/>
+          <a:stretch>
+            <a:fillRect/>
+          </a:stretch>
+        </p:blipFill>
+        <p:spPr>
+          <a:xfrm>
+            <a:off x="1581221" y="1"/>
+            <a:ext cx="7200000" cy="5468441"/>
+          </a:xfrm>
+          <a:prstGeom prst="rect">
+            <a:avLst/>
+          </a:prstGeom>
+        </p:spPr>
+      </p:pic>
+      <p:sp>
+        <p:nvSpPr>
+          <p:cNvPr id="4" name="テキスト ボックス 3">
+            <a:extLst>
+              <a:ext uri="{FF2B5EF4-FFF2-40B4-BE49-F238E27FC236}">
+                <a16:creationId xmlns:a16="http://schemas.microsoft.com/office/drawing/2014/main" id="{FDC40D3A-C90A-48F8-8962-AD2B717519AD}"/>
+              </a:ext>
+            </a:extLst>
+          </p:cNvPr>
+          <p:cNvSpPr txBox="1"/>
+          <p:nvPr/>
+        </p:nvSpPr>
+        <p:spPr>
+          <a:xfrm>
+            <a:off x="4639920" y="2766646"/>
+            <a:ext cx="1958606" cy="422030"/>
+          </a:xfrm>
+          <a:prstGeom prst="rect">
+            <a:avLst/>
+          </a:prstGeom>
+          <a:solidFill>
+            <a:srgbClr val="FFFF00"/>
+          </a:solidFill>
+          <a:ln>
+            <a:solidFill>
+              <a:schemeClr val="tx1"/>
+            </a:solidFill>
+          </a:ln>
+        </p:spPr>
+        <p:txBody>
+          <a:bodyPr wrap="square" rtlCol="0">
+            <a:noAutofit/>
+          </a:bodyPr>
+          <a:lstStyle/>
+          <a:p>
+            <a:r>
+              <a:rPr lang="en-US" altLang="ja-JP" sz="726" dirty="0">
+                <a:latin typeface="Arial" panose="020B0604020202020204" pitchFamily="34" charset="0"/>
+                <a:cs typeface="Arial" panose="020B0604020202020204" pitchFamily="34" charset="0"/>
+              </a:rPr>
+              <a:t>Output: </a:t>
+            </a:r>
+          </a:p>
+          <a:p>
+            <a:r>
+              <a:rPr lang="en-US" altLang="ja-JP" sz="726" dirty="0">
+                <a:latin typeface="Arial" panose="020B0604020202020204" pitchFamily="34" charset="0"/>
+                <a:cs typeface="Arial" panose="020B0604020202020204" pitchFamily="34" charset="0"/>
+              </a:rPr>
+              <a:t>Mechanical power consumed by pump.</a:t>
+            </a:r>
+          </a:p>
+        </p:txBody>
+      </p:sp>
+      <p:cxnSp>
+        <p:nvCxnSpPr>
+          <p:cNvPr id="5" name="直線矢印コネクタ 4">
+            <a:extLst>
+              <a:ext uri="{FF2B5EF4-FFF2-40B4-BE49-F238E27FC236}">
+                <a16:creationId xmlns:a16="http://schemas.microsoft.com/office/drawing/2014/main" id="{7A268C59-5425-46C6-AB0E-EA2FBCACFE9E}"/>
+              </a:ext>
+            </a:extLst>
+          </p:cNvPr>
+          <p:cNvCxnSpPr>
+            <a:cxnSpLocks/>
+            <a:stCxn id="4" idx="1"/>
+          </p:cNvCxnSpPr>
+          <p:nvPr/>
+        </p:nvCxnSpPr>
+        <p:spPr>
+          <a:xfrm flipH="1" flipV="1">
+            <a:off x="3860800" y="2704123"/>
+            <a:ext cx="779120" cy="273538"/>
+          </a:xfrm>
+          <a:prstGeom prst="straightConnector1">
+            <a:avLst/>
+          </a:prstGeom>
+          <a:ln w="12700">
+            <a:solidFill>
+              <a:schemeClr val="tx1"/>
+            </a:solidFill>
+            <a:tailEnd type="oval"/>
+          </a:ln>
+        </p:spPr>
+        <p:style>
+          <a:lnRef idx="1">
+            <a:schemeClr val="accent1"/>
+          </a:lnRef>
+          <a:fillRef idx="0">
+            <a:schemeClr val="accent1"/>
+          </a:fillRef>
+          <a:effectRef idx="0">
+            <a:schemeClr val="accent1"/>
+          </a:effectRef>
+          <a:fontRef idx="minor">
+            <a:schemeClr val="tx1"/>
+          </a:fontRef>
+        </p:style>
+      </p:cxnSp>
+    </p:spTree>
+    <p:extLst>
+      <p:ext uri="{BB962C8B-B14F-4D97-AF65-F5344CB8AC3E}">
+        <p14:creationId xmlns:p14="http://schemas.microsoft.com/office/powerpoint/2010/main" val="1002888584"/>
+      </p:ext>
+    </p:extLst>
+  </p:cSld>
+  <p:clrMapOvr>
+    <a:masterClrMapping/>
+  </p:clrMapOvr>
+</p:sld>
+</file>
+
+<file path=ppt/slides/slide28.xml><?xml version="1.0" encoding="utf-8"?>
+<p:sld xmlns:a="http://schemas.openxmlformats.org/drawingml/2006/main" xmlns:r="http://schemas.openxmlformats.org/officeDocument/2006/relationships" xmlns:p="http://schemas.openxmlformats.org/presentationml/2006/main">
+  <p:cSld>
+    <p:spTree>
+      <p:nvGrpSpPr>
+        <p:cNvPr id="1" name=""/>
+        <p:cNvGrpSpPr/>
+        <p:nvPr/>
+      </p:nvGrpSpPr>
+      <p:grpSpPr>
+        <a:xfrm>
+          <a:off x="0" y="0"/>
+          <a:ext cx="0" cy="0"/>
+          <a:chOff x="0" y="0"/>
+          <a:chExt cx="0" cy="0"/>
+        </a:xfrm>
+      </p:grpSpPr>
+      <p:pic>
+        <p:nvPicPr>
+          <p:cNvPr id="3" name="図 2">
+            <a:extLst>
+              <a:ext uri="{FF2B5EF4-FFF2-40B4-BE49-F238E27FC236}">
+                <a16:creationId xmlns:a16="http://schemas.microsoft.com/office/drawing/2014/main" id="{0DF84F74-B298-4D96-B9FC-C6FF767254A8}"/>
+              </a:ext>
+            </a:extLst>
+          </p:cNvPr>
+          <p:cNvPicPr>
+            <a:picLocks noChangeAspect="1"/>
+          </p:cNvPicPr>
+          <p:nvPr/>
+        </p:nvPicPr>
+        <p:blipFill>
+          <a:blip r:embed="rId2"/>
+          <a:stretch>
+            <a:fillRect/>
+          </a:stretch>
+        </p:blipFill>
+        <p:spPr>
+          <a:xfrm>
+            <a:off x="1581221" y="1"/>
+            <a:ext cx="7200000" cy="5468441"/>
+          </a:xfrm>
+          <a:prstGeom prst="rect">
+            <a:avLst/>
+          </a:prstGeom>
+        </p:spPr>
+      </p:pic>
+      <p:sp>
+        <p:nvSpPr>
+          <p:cNvPr id="4" name="テキスト ボックス 3">
+            <a:extLst>
+              <a:ext uri="{FF2B5EF4-FFF2-40B4-BE49-F238E27FC236}">
+                <a16:creationId xmlns:a16="http://schemas.microsoft.com/office/drawing/2014/main" id="{6419AFEB-E0F4-427B-87D1-A4EE914A3DFC}"/>
+              </a:ext>
+            </a:extLst>
+          </p:cNvPr>
+          <p:cNvSpPr txBox="1"/>
+          <p:nvPr/>
+        </p:nvSpPr>
+        <p:spPr>
+          <a:xfrm>
+            <a:off x="5927813" y="3950951"/>
+            <a:ext cx="1958606" cy="462788"/>
+          </a:xfrm>
+          <a:prstGeom prst="rect">
+            <a:avLst/>
+          </a:prstGeom>
+          <a:solidFill>
+            <a:srgbClr val="FFFF00"/>
+          </a:solidFill>
+          <a:ln>
+            <a:solidFill>
+              <a:schemeClr val="tx1"/>
+            </a:solidFill>
+          </a:ln>
+        </p:spPr>
+        <p:txBody>
+          <a:bodyPr wrap="square" rtlCol="0">
+            <a:noAutofit/>
+          </a:bodyPr>
+          <a:lstStyle/>
+          <a:p>
+            <a:r>
+              <a:rPr lang="en-US" altLang="ja-JP" sz="726" dirty="0">
+                <a:latin typeface="Arial" panose="020B0604020202020204" pitchFamily="34" charset="0"/>
+                <a:cs typeface="Arial" panose="020B0604020202020204" pitchFamily="34" charset="0"/>
+              </a:rPr>
+              <a:t>Output: </a:t>
+            </a:r>
+          </a:p>
+          <a:p>
+            <a:r>
+              <a:rPr lang="en-US" altLang="ja-JP" sz="726" dirty="0">
+                <a:latin typeface="Arial" panose="020B0604020202020204" pitchFamily="34" charset="0"/>
+                <a:cs typeface="Arial" panose="020B0604020202020204" pitchFamily="34" charset="0"/>
+              </a:rPr>
+              <a:t> mechanical power consumption of pump vs. mechanical rotation speed.</a:t>
+            </a:r>
+          </a:p>
+        </p:txBody>
+      </p:sp>
+      <p:cxnSp>
+        <p:nvCxnSpPr>
+          <p:cNvPr id="5" name="直線矢印コネクタ 4">
+            <a:extLst>
+              <a:ext uri="{FF2B5EF4-FFF2-40B4-BE49-F238E27FC236}">
+                <a16:creationId xmlns:a16="http://schemas.microsoft.com/office/drawing/2014/main" id="{080EDF00-37EF-47E2-B50A-2B443678B1D8}"/>
+              </a:ext>
+            </a:extLst>
+          </p:cNvPr>
+          <p:cNvCxnSpPr>
+            <a:cxnSpLocks/>
+            <a:stCxn id="4" idx="0"/>
+          </p:cNvCxnSpPr>
+          <p:nvPr/>
+        </p:nvCxnSpPr>
+        <p:spPr>
+          <a:xfrm flipH="1" flipV="1">
+            <a:off x="5588000" y="3293345"/>
+            <a:ext cx="1319116" cy="657606"/>
+          </a:xfrm>
+          <a:prstGeom prst="straightConnector1">
+            <a:avLst/>
+          </a:prstGeom>
+          <a:ln w="12700">
+            <a:solidFill>
+              <a:schemeClr val="tx1"/>
+            </a:solidFill>
+            <a:tailEnd type="oval"/>
+          </a:ln>
+        </p:spPr>
+        <p:style>
+          <a:lnRef idx="1">
+            <a:schemeClr val="accent1"/>
+          </a:lnRef>
+          <a:fillRef idx="0">
+            <a:schemeClr val="accent1"/>
+          </a:fillRef>
+          <a:effectRef idx="0">
+            <a:schemeClr val="accent1"/>
+          </a:effectRef>
+          <a:fontRef idx="minor">
+            <a:schemeClr val="tx1"/>
+          </a:fontRef>
+        </p:style>
+      </p:cxnSp>
+    </p:spTree>
+    <p:extLst>
+      <p:ext uri="{BB962C8B-B14F-4D97-AF65-F5344CB8AC3E}">
+        <p14:creationId xmlns:p14="http://schemas.microsoft.com/office/powerpoint/2010/main" val="2126722906"/>
+      </p:ext>
+    </p:extLst>
+  </p:cSld>
+  <p:clrMapOvr>
+    <a:masterClrMapping/>
+  </p:clrMapOvr>
+</p:sld>
+</file>
+
+<file path=ppt/slides/slide29.xml><?xml version="1.0" encoding="utf-8"?>
+<p:sld xmlns:a="http://schemas.openxmlformats.org/drawingml/2006/main" xmlns:r="http://schemas.openxmlformats.org/officeDocument/2006/relationships" xmlns:p="http://schemas.openxmlformats.org/presentationml/2006/main">
+  <p:cSld>
+    <p:spTree>
+      <p:nvGrpSpPr>
+        <p:cNvPr id="1" name=""/>
+        <p:cNvGrpSpPr/>
+        <p:nvPr/>
+      </p:nvGrpSpPr>
+      <p:grpSpPr>
+        <a:xfrm>
+          <a:off x="0" y="0"/>
+          <a:ext cx="0" cy="0"/>
+          <a:chOff x="0" y="0"/>
+          <a:chExt cx="0" cy="0"/>
+        </a:xfrm>
+      </p:grpSpPr>
+      <p:pic>
+        <p:nvPicPr>
+          <p:cNvPr id="5" name="図 4">
+            <a:extLst>
+              <a:ext uri="{FF2B5EF4-FFF2-40B4-BE49-F238E27FC236}">
+                <a16:creationId xmlns:a16="http://schemas.microsoft.com/office/drawing/2014/main" id="{1861CB12-90A6-42DE-A22D-8963E3B6B5F0}"/>
+              </a:ext>
+            </a:extLst>
+          </p:cNvPr>
+          <p:cNvPicPr>
+            <a:picLocks noChangeAspect="1"/>
+          </p:cNvPicPr>
+          <p:nvPr/>
+        </p:nvPicPr>
+        <p:blipFill>
+          <a:blip r:embed="rId2"/>
+          <a:stretch>
+            <a:fillRect/>
+          </a:stretch>
+        </p:blipFill>
+        <p:spPr>
+          <a:xfrm>
+            <a:off x="1985486" y="0"/>
+            <a:ext cx="8221027" cy="6858000"/>
+          </a:xfrm>
+          <a:prstGeom prst="rect">
+            <a:avLst/>
+          </a:prstGeom>
+        </p:spPr>
+      </p:pic>
+      <p:sp>
+        <p:nvSpPr>
+          <p:cNvPr id="3" name="テキスト ボックス 2">
+            <a:extLst>
+              <a:ext uri="{FF2B5EF4-FFF2-40B4-BE49-F238E27FC236}">
+                <a16:creationId xmlns:a16="http://schemas.microsoft.com/office/drawing/2014/main" id="{24ADC03F-BFEC-4049-9726-538FCD7B5E67}"/>
+              </a:ext>
+            </a:extLst>
+          </p:cNvPr>
+          <p:cNvSpPr txBox="1"/>
+          <p:nvPr/>
+        </p:nvSpPr>
+        <p:spPr>
+          <a:xfrm>
+            <a:off x="78153" y="0"/>
+            <a:ext cx="4079632" cy="461665"/>
+          </a:xfrm>
+          <a:prstGeom prst="rect">
+            <a:avLst/>
+          </a:prstGeom>
+          <a:noFill/>
+        </p:spPr>
+        <p:txBody>
+          <a:bodyPr wrap="square" rtlCol="0">
+            <a:spAutoFit/>
+          </a:bodyPr>
+          <a:lstStyle/>
+          <a:p>
+            <a:r>
+              <a:rPr lang="en-US" altLang="ja-JP" sz="2400" dirty="0">
+                <a:solidFill>
+                  <a:srgbClr val="000000"/>
+                </a:solidFill>
+                <a:effectLst/>
+                <a:latin typeface="Times New Roman" panose="02020603050405020304" pitchFamily="18" charset="0"/>
+                <a:cs typeface="Times New Roman" panose="02020603050405020304" pitchFamily="18" charset="0"/>
+              </a:rPr>
+              <a:t>PumpAsTurbine_ex01</a:t>
+            </a:r>
+            <a:endParaRPr kumimoji="1" lang="ja-JP" altLang="en-US" sz="2400" dirty="0">
+              <a:latin typeface="Times New Roman" panose="02020603050405020304" pitchFamily="18" charset="0"/>
+              <a:cs typeface="Times New Roman" panose="02020603050405020304" pitchFamily="18" charset="0"/>
+            </a:endParaRPr>
+          </a:p>
+        </p:txBody>
+      </p:sp>
+    </p:spTree>
+    <p:extLst>
+      <p:ext uri="{BB962C8B-B14F-4D97-AF65-F5344CB8AC3E}">
+        <p14:creationId xmlns:p14="http://schemas.microsoft.com/office/powerpoint/2010/main" val="3258820415"/>
+      </p:ext>
+    </p:extLst>
+  </p:cSld>
+  <p:clrMapOvr>
+    <a:masterClrMapping/>
+  </p:clrMapOvr>
+</p:sld>
+</file>
+
+<file path=ppt/slides/slide3.xml><?xml version="1.0" encoding="utf-8"?>
+<p:sld xmlns:a="http://schemas.openxmlformats.org/drawingml/2006/main" xmlns:r="http://schemas.openxmlformats.org/officeDocument/2006/relationships" xmlns:p="http://schemas.openxmlformats.org/presentationml/2006/main">
+  <p:cSld>
+    <p:spTree>
+      <p:nvGrpSpPr>
+        <p:cNvPr id="1" name=""/>
+        <p:cNvGrpSpPr/>
+        <p:nvPr/>
+      </p:nvGrpSpPr>
+      <p:grpSpPr>
+        <a:xfrm>
+          <a:off x="0" y="0"/>
+          <a:ext cx="0" cy="0"/>
+          <a:chOff x="0" y="0"/>
+          <a:chExt cx="0" cy="0"/>
+        </a:xfrm>
+      </p:grpSpPr>
+      <p:pic>
+        <p:nvPicPr>
+          <p:cNvPr id="3" name="図 2">
+            <a:extLst>
+              <a:ext uri="{FF2B5EF4-FFF2-40B4-BE49-F238E27FC236}">
+                <a16:creationId xmlns:a16="http://schemas.microsoft.com/office/drawing/2014/main" id="{54E7ADF1-491A-4CC5-9C66-AD8AE0189619}"/>
+              </a:ext>
+            </a:extLst>
+          </p:cNvPr>
+          <p:cNvPicPr>
+            <a:picLocks noChangeAspect="1"/>
+          </p:cNvPicPr>
+          <p:nvPr/>
+        </p:nvPicPr>
+        <p:blipFill>
+          <a:blip r:embed="rId2"/>
+          <a:stretch>
+            <a:fillRect/>
+          </a:stretch>
+        </p:blipFill>
+        <p:spPr>
+          <a:xfrm>
+            <a:off x="1523521" y="633537"/>
+            <a:ext cx="9144960" cy="5590928"/>
+          </a:xfrm>
+          <a:prstGeom prst="rect">
+            <a:avLst/>
+          </a:prstGeom>
+        </p:spPr>
+      </p:pic>
+      <p:sp>
+        <p:nvSpPr>
+          <p:cNvPr id="4" name="テキスト ボックス 3">
+            <a:extLst>
+              <a:ext uri="{FF2B5EF4-FFF2-40B4-BE49-F238E27FC236}">
+                <a16:creationId xmlns:a16="http://schemas.microsoft.com/office/drawing/2014/main" id="{F7501286-898F-4E02-9EFB-55B42AC864C6}"/>
+              </a:ext>
+            </a:extLst>
+          </p:cNvPr>
+          <p:cNvSpPr txBox="1"/>
+          <p:nvPr/>
+        </p:nvSpPr>
+        <p:spPr>
+          <a:xfrm>
+            <a:off x="4229401" y="2450178"/>
+            <a:ext cx="1914473" cy="407083"/>
+          </a:xfrm>
+          <a:prstGeom prst="rect">
+            <a:avLst/>
+          </a:prstGeom>
+          <a:solidFill>
+            <a:schemeClr val="accent5">
+              <a:lumMod val="40000"/>
+              <a:lumOff val="60000"/>
+            </a:schemeClr>
+          </a:solidFill>
+          <a:ln>
+            <a:solidFill>
+              <a:schemeClr val="tx1"/>
+            </a:solidFill>
+          </a:ln>
+        </p:spPr>
+        <p:txBody>
+          <a:bodyPr wrap="square" rtlCol="0">
+            <a:noAutofit/>
+          </a:bodyPr>
+          <a:lstStyle/>
+          <a:p>
+            <a:r>
+              <a:rPr lang="en-US" altLang="ja-JP" sz="907" dirty="0">
+                <a:latin typeface="ＭＳ Ｐゴシック" panose="020B0600070205080204" pitchFamily="50" charset="-128"/>
+                <a:ea typeface="ＭＳ Ｐゴシック" panose="020B0600070205080204" pitchFamily="50" charset="-128"/>
+                <a:cs typeface="Arial" panose="020B0604020202020204" pitchFamily="34" charset="0"/>
+              </a:rPr>
+              <a:t>Input: </a:t>
+            </a:r>
+          </a:p>
+          <a:p>
+            <a:r>
+              <a:rPr lang="en-US" altLang="ja-JP" sz="907" dirty="0">
+                <a:latin typeface="ＭＳ Ｐゴシック" panose="020B0600070205080204" pitchFamily="50" charset="-128"/>
+                <a:ea typeface="ＭＳ Ｐゴシック" panose="020B0600070205080204" pitchFamily="50" charset="-128"/>
+                <a:cs typeface="Arial" panose="020B0604020202020204" pitchFamily="34" charset="0"/>
+              </a:rPr>
+              <a:t> mass flow rate flowing through pipe.</a:t>
+            </a:r>
+          </a:p>
+        </p:txBody>
+      </p:sp>
+      <p:cxnSp>
+        <p:nvCxnSpPr>
+          <p:cNvPr id="5" name="直線矢印コネクタ 4">
+            <a:extLst>
+              <a:ext uri="{FF2B5EF4-FFF2-40B4-BE49-F238E27FC236}">
+                <a16:creationId xmlns:a16="http://schemas.microsoft.com/office/drawing/2014/main" id="{5498A4A1-DA3A-4C86-B56A-EDB4A5C7F2B6}"/>
+              </a:ext>
+            </a:extLst>
+          </p:cNvPr>
+          <p:cNvCxnSpPr>
+            <a:cxnSpLocks/>
+          </p:cNvCxnSpPr>
+          <p:nvPr/>
+        </p:nvCxnSpPr>
+        <p:spPr>
+          <a:xfrm>
+            <a:off x="5210308" y="2857263"/>
+            <a:ext cx="568379" cy="571738"/>
+          </a:xfrm>
+          <a:prstGeom prst="straightConnector1">
+            <a:avLst/>
+          </a:prstGeom>
+          <a:ln w="12700">
+            <a:solidFill>
+              <a:schemeClr val="tx1"/>
+            </a:solidFill>
+            <a:tailEnd type="oval"/>
+          </a:ln>
+        </p:spPr>
+        <p:style>
+          <a:lnRef idx="1">
+            <a:schemeClr val="accent1"/>
+          </a:lnRef>
+          <a:fillRef idx="0">
+            <a:schemeClr val="accent1"/>
+          </a:fillRef>
+          <a:effectRef idx="0">
+            <a:schemeClr val="accent1"/>
+          </a:effectRef>
+          <a:fontRef idx="minor">
+            <a:schemeClr val="tx1"/>
+          </a:fontRef>
+        </p:style>
+      </p:cxnSp>
+    </p:spTree>
+    <p:extLst>
+      <p:ext uri="{BB962C8B-B14F-4D97-AF65-F5344CB8AC3E}">
+        <p14:creationId xmlns:p14="http://schemas.microsoft.com/office/powerpoint/2010/main" val="2254141340"/>
+      </p:ext>
+    </p:extLst>
+  </p:cSld>
+  <p:clrMapOvr>
+    <a:masterClrMapping/>
+  </p:clrMapOvr>
+</p:sld>
+</file>
+
+<file path=ppt/slides/slide30.xml><?xml version="1.0" encoding="utf-8"?>
+<p:sld xmlns:a="http://schemas.openxmlformats.org/drawingml/2006/main" xmlns:r="http://schemas.openxmlformats.org/officeDocument/2006/relationships" xmlns:p="http://schemas.openxmlformats.org/presentationml/2006/main">
+  <p:cSld>
+    <p:spTree>
+      <p:nvGrpSpPr>
+        <p:cNvPr id="1" name=""/>
+        <p:cNvGrpSpPr/>
+        <p:nvPr/>
+      </p:nvGrpSpPr>
+      <p:grpSpPr>
+        <a:xfrm>
+          <a:off x="0" y="0"/>
+          <a:ext cx="0" cy="0"/>
+          <a:chOff x="0" y="0"/>
+          <a:chExt cx="0" cy="0"/>
+        </a:xfrm>
+      </p:grpSpPr>
+      <p:pic>
+        <p:nvPicPr>
+          <p:cNvPr id="3" name="図 2">
+            <a:extLst>
+              <a:ext uri="{FF2B5EF4-FFF2-40B4-BE49-F238E27FC236}">
+                <a16:creationId xmlns:a16="http://schemas.microsoft.com/office/drawing/2014/main" id="{2848B27E-D4AC-4CD0-81CF-025BAB9F3594}"/>
+              </a:ext>
+            </a:extLst>
+          </p:cNvPr>
+          <p:cNvPicPr>
+            <a:picLocks noChangeAspect="1"/>
+          </p:cNvPicPr>
+          <p:nvPr/>
+        </p:nvPicPr>
+        <p:blipFill>
+          <a:blip r:embed="rId2"/>
+          <a:stretch>
+            <a:fillRect/>
+          </a:stretch>
+        </p:blipFill>
+        <p:spPr>
+          <a:xfrm>
+            <a:off x="1985486" y="0"/>
+            <a:ext cx="8221027" cy="6858000"/>
+          </a:xfrm>
+          <a:prstGeom prst="rect">
+            <a:avLst/>
+          </a:prstGeom>
+        </p:spPr>
+      </p:pic>
+    </p:spTree>
+    <p:extLst>
+      <p:ext uri="{BB962C8B-B14F-4D97-AF65-F5344CB8AC3E}">
+        <p14:creationId xmlns:p14="http://schemas.microsoft.com/office/powerpoint/2010/main" val="2043835998"/>
+      </p:ext>
+    </p:extLst>
+  </p:cSld>
+  <p:clrMapOvr>
+    <a:masterClrMapping/>
+  </p:clrMapOvr>
+</p:sld>
+</file>
+
+<file path=ppt/slides/slide31.xml><?xml version="1.0" encoding="utf-8"?>
+<p:sld xmlns:a="http://schemas.openxmlformats.org/drawingml/2006/main" xmlns:r="http://schemas.openxmlformats.org/officeDocument/2006/relationships" xmlns:p="http://schemas.openxmlformats.org/presentationml/2006/main">
+  <p:cSld>
+    <p:spTree>
+      <p:nvGrpSpPr>
+        <p:cNvPr id="1" name=""/>
+        <p:cNvGrpSpPr/>
+        <p:nvPr/>
+      </p:nvGrpSpPr>
+      <p:grpSpPr>
+        <a:xfrm>
+          <a:off x="0" y="0"/>
+          <a:ext cx="0" cy="0"/>
+          <a:chOff x="0" y="0"/>
+          <a:chExt cx="0" cy="0"/>
+        </a:xfrm>
+      </p:grpSpPr>
+      <p:pic>
+        <p:nvPicPr>
+          <p:cNvPr id="5" name="図 4">
+            <a:extLst>
+              <a:ext uri="{FF2B5EF4-FFF2-40B4-BE49-F238E27FC236}">
+                <a16:creationId xmlns:a16="http://schemas.microsoft.com/office/drawing/2014/main" id="{F40256F8-9584-41E5-ACD5-AA57ECDBCBBC}"/>
+              </a:ext>
+            </a:extLst>
+          </p:cNvPr>
+          <p:cNvPicPr>
+            <a:picLocks noChangeAspect="1"/>
+          </p:cNvPicPr>
+          <p:nvPr/>
+        </p:nvPicPr>
+        <p:blipFill>
+          <a:blip r:embed="rId2"/>
+          <a:stretch>
+            <a:fillRect/>
+          </a:stretch>
+        </p:blipFill>
+        <p:spPr>
+          <a:xfrm>
+            <a:off x="2039639" y="0"/>
+            <a:ext cx="8112722" cy="6858000"/>
+          </a:xfrm>
+          <a:prstGeom prst="rect">
+            <a:avLst/>
+          </a:prstGeom>
+        </p:spPr>
+      </p:pic>
+      <p:sp>
+        <p:nvSpPr>
+          <p:cNvPr id="3" name="テキスト ボックス 2">
+            <a:extLst>
+              <a:ext uri="{FF2B5EF4-FFF2-40B4-BE49-F238E27FC236}">
+                <a16:creationId xmlns:a16="http://schemas.microsoft.com/office/drawing/2014/main" id="{ABC8D612-4C8F-40D2-9EE2-D80AEAE98A25}"/>
+              </a:ext>
+            </a:extLst>
+          </p:cNvPr>
+          <p:cNvSpPr txBox="1"/>
+          <p:nvPr/>
+        </p:nvSpPr>
+        <p:spPr>
+          <a:xfrm>
+            <a:off x="78153" y="0"/>
+            <a:ext cx="4079632" cy="461665"/>
+          </a:xfrm>
+          <a:prstGeom prst="rect">
+            <a:avLst/>
+          </a:prstGeom>
+          <a:noFill/>
+        </p:spPr>
+        <p:txBody>
+          <a:bodyPr wrap="square" rtlCol="0">
+            <a:spAutoFit/>
+          </a:bodyPr>
+          <a:lstStyle/>
+          <a:p>
+            <a:r>
+              <a:rPr lang="en-US" altLang="ja-JP" sz="2400" dirty="0">
+                <a:solidFill>
+                  <a:srgbClr val="000000"/>
+                </a:solidFill>
+                <a:effectLst/>
+                <a:latin typeface="Times New Roman" panose="02020603050405020304" pitchFamily="18" charset="0"/>
+                <a:cs typeface="Times New Roman" panose="02020603050405020304" pitchFamily="18" charset="0"/>
+              </a:rPr>
+              <a:t>PumpAsTurbine_ex02</a:t>
+            </a:r>
+            <a:endParaRPr kumimoji="1" lang="ja-JP" altLang="en-US" sz="2400" dirty="0">
+              <a:latin typeface="Times New Roman" panose="02020603050405020304" pitchFamily="18" charset="0"/>
+              <a:cs typeface="Times New Roman" panose="02020603050405020304" pitchFamily="18" charset="0"/>
+            </a:endParaRPr>
+          </a:p>
+        </p:txBody>
+      </p:sp>
+    </p:spTree>
+    <p:extLst>
+      <p:ext uri="{BB962C8B-B14F-4D97-AF65-F5344CB8AC3E}">
+        <p14:creationId xmlns:p14="http://schemas.microsoft.com/office/powerpoint/2010/main" val="547396864"/>
+      </p:ext>
+    </p:extLst>
+  </p:cSld>
+  <p:clrMapOvr>
+    <a:masterClrMapping/>
+  </p:clrMapOvr>
+</p:sld>
+</file>
+
+<file path=ppt/slides/slide32.xml><?xml version="1.0" encoding="utf-8"?>
+<p:sld xmlns:a="http://schemas.openxmlformats.org/drawingml/2006/main" xmlns:r="http://schemas.openxmlformats.org/officeDocument/2006/relationships" xmlns:p="http://schemas.openxmlformats.org/presentationml/2006/main">
+  <p:cSld>
+    <p:spTree>
+      <p:nvGrpSpPr>
+        <p:cNvPr id="1" name=""/>
+        <p:cNvGrpSpPr/>
+        <p:nvPr/>
+      </p:nvGrpSpPr>
+      <p:grpSpPr>
+        <a:xfrm>
+          <a:off x="0" y="0"/>
+          <a:ext cx="0" cy="0"/>
+          <a:chOff x="0" y="0"/>
+          <a:chExt cx="0" cy="0"/>
+        </a:xfrm>
+      </p:grpSpPr>
+      <p:pic>
+        <p:nvPicPr>
+          <p:cNvPr id="3" name="図 2">
+            <a:extLst>
+              <a:ext uri="{FF2B5EF4-FFF2-40B4-BE49-F238E27FC236}">
                 <a16:creationId xmlns:a16="http://schemas.microsoft.com/office/drawing/2014/main" id="{638963D9-2164-4F16-88FB-56F16AFC13F2}"/>
               </a:ext>
             </a:extLst>
@@ -9188,7 +10454,7 @@
 </p:sld>
 </file>
 
-<file path=ppt/slides/slide27.xml><?xml version="1.0" encoding="utf-8"?>
+<file path=ppt/slides/slide33.xml><?xml version="1.0" encoding="utf-8"?>
 <p:sld xmlns:a="http://schemas.openxmlformats.org/drawingml/2006/main" xmlns:r="http://schemas.openxmlformats.org/officeDocument/2006/relationships" xmlns:p="http://schemas.openxmlformats.org/presentationml/2006/main">
   <p:cSld>
     <p:spTree>
@@ -9218,7 +10484,7 @@
 </p:sld>
 </file>
 
-<file path=ppt/slides/slide28.xml><?xml version="1.0" encoding="utf-8"?>
+<file path=ppt/slides/slide34.xml><?xml version="1.0" encoding="utf-8"?>
 <p:sld xmlns:a="http://schemas.openxmlformats.org/drawingml/2006/main" xmlns:r="http://schemas.openxmlformats.org/officeDocument/2006/relationships" xmlns:p="http://schemas.openxmlformats.org/presentationml/2006/main">
   <p:cSld>
     <p:spTree>
@@ -9248,7 +10514,7 @@
 </p:sld>
 </file>
 
-<file path=ppt/slides/slide29.xml><?xml version="1.0" encoding="utf-8"?>
+<file path=ppt/slides/slide35.xml><?xml version="1.0" encoding="utf-8"?>
 <p:sld xmlns:a="http://schemas.openxmlformats.org/drawingml/2006/main" xmlns:r="http://schemas.openxmlformats.org/officeDocument/2006/relationships" xmlns:p="http://schemas.openxmlformats.org/presentationml/2006/main">
   <p:cSld>
     <p:spTree>
@@ -9278,170 +10544,7 @@
 </p:sld>
 </file>
 
-<file path=ppt/slides/slide3.xml><?xml version="1.0" encoding="utf-8"?>
-<p:sld xmlns:a="http://schemas.openxmlformats.org/drawingml/2006/main" xmlns:r="http://schemas.openxmlformats.org/officeDocument/2006/relationships" xmlns:p="http://schemas.openxmlformats.org/presentationml/2006/main">
-  <p:cSld>
-    <p:spTree>
-      <p:nvGrpSpPr>
-        <p:cNvPr id="1" name=""/>
-        <p:cNvGrpSpPr/>
-        <p:nvPr/>
-      </p:nvGrpSpPr>
-      <p:grpSpPr>
-        <a:xfrm>
-          <a:off x="0" y="0"/>
-          <a:ext cx="0" cy="0"/>
-          <a:chOff x="0" y="0"/>
-          <a:chExt cx="0" cy="0"/>
-        </a:xfrm>
-      </p:grpSpPr>
-      <p:pic>
-        <p:nvPicPr>
-          <p:cNvPr id="3" name="図 2">
-            <a:extLst>
-              <a:ext uri="{FF2B5EF4-FFF2-40B4-BE49-F238E27FC236}">
-                <a16:creationId xmlns:a16="http://schemas.microsoft.com/office/drawing/2014/main" id="{54E7ADF1-491A-4CC5-9C66-AD8AE0189619}"/>
-              </a:ext>
-            </a:extLst>
-          </p:cNvPr>
-          <p:cNvPicPr>
-            <a:picLocks noChangeAspect="1"/>
-          </p:cNvPicPr>
-          <p:nvPr/>
-        </p:nvPicPr>
-        <p:blipFill>
-          <a:blip r:embed="rId2"/>
-          <a:stretch>
-            <a:fillRect/>
-          </a:stretch>
-        </p:blipFill>
-        <p:spPr>
-          <a:xfrm>
-            <a:off x="1523521" y="633537"/>
-            <a:ext cx="9144960" cy="5590928"/>
-          </a:xfrm>
-          <a:prstGeom prst="rect">
-            <a:avLst/>
-          </a:prstGeom>
-        </p:spPr>
-      </p:pic>
-      <p:sp>
-        <p:nvSpPr>
-          <p:cNvPr id="4" name="テキスト ボックス 3">
-            <a:extLst>
-              <a:ext uri="{FF2B5EF4-FFF2-40B4-BE49-F238E27FC236}">
-                <a16:creationId xmlns:a16="http://schemas.microsoft.com/office/drawing/2014/main" id="{F7501286-898F-4E02-9EFB-55B42AC864C6}"/>
-              </a:ext>
-            </a:extLst>
-          </p:cNvPr>
-          <p:cNvSpPr txBox="1"/>
-          <p:nvPr/>
-        </p:nvSpPr>
-        <p:spPr>
-          <a:xfrm>
-            <a:off x="4229401" y="2450178"/>
-            <a:ext cx="1914473" cy="407083"/>
-          </a:xfrm>
-          <a:prstGeom prst="rect">
-            <a:avLst/>
-          </a:prstGeom>
-          <a:solidFill>
-            <a:schemeClr val="accent5">
-              <a:lumMod val="40000"/>
-              <a:lumOff val="60000"/>
-            </a:schemeClr>
-          </a:solidFill>
-          <a:ln>
-            <a:solidFill>
-              <a:schemeClr val="tx1"/>
-            </a:solidFill>
-          </a:ln>
-        </p:spPr>
-        <p:txBody>
-          <a:bodyPr wrap="square" rtlCol="0">
-            <a:noAutofit/>
-          </a:bodyPr>
-          <a:lstStyle/>
-          <a:p>
-            <a:r>
-              <a:rPr lang="en-US" altLang="ja-JP" sz="907" dirty="0">
-                <a:latin typeface="ＭＳ Ｐゴシック" panose="020B0600070205080204" pitchFamily="50" charset="-128"/>
-                <a:ea typeface="ＭＳ Ｐゴシック" panose="020B0600070205080204" pitchFamily="50" charset="-128"/>
-                <a:cs typeface="Arial" panose="020B0604020202020204" pitchFamily="34" charset="0"/>
-              </a:rPr>
-              <a:t>Input: </a:t>
-            </a:r>
-          </a:p>
-          <a:p>
-            <a:r>
-              <a:rPr lang="en-US" altLang="ja-JP" sz="907" dirty="0">
-                <a:latin typeface="ＭＳ Ｐゴシック" panose="020B0600070205080204" pitchFamily="50" charset="-128"/>
-                <a:ea typeface="ＭＳ Ｐゴシック" panose="020B0600070205080204" pitchFamily="50" charset="-128"/>
-                <a:cs typeface="Arial" panose="020B0604020202020204" pitchFamily="34" charset="0"/>
-              </a:rPr>
-              <a:t> mass flow rate flowing through pipe.</a:t>
-            </a:r>
-          </a:p>
-        </p:txBody>
-      </p:sp>
-      <p:cxnSp>
-        <p:nvCxnSpPr>
-          <p:cNvPr id="5" name="直線矢印コネクタ 4">
-            <a:extLst>
-              <a:ext uri="{FF2B5EF4-FFF2-40B4-BE49-F238E27FC236}">
-                <a16:creationId xmlns:a16="http://schemas.microsoft.com/office/drawing/2014/main" id="{5498A4A1-DA3A-4C86-B56A-EDB4A5C7F2B6}"/>
-              </a:ext>
-            </a:extLst>
-          </p:cNvPr>
-          <p:cNvCxnSpPr>
-            <a:cxnSpLocks/>
-          </p:cNvCxnSpPr>
-          <p:nvPr/>
-        </p:nvCxnSpPr>
-        <p:spPr>
-          <a:xfrm>
-            <a:off x="5210308" y="2857263"/>
-            <a:ext cx="568379" cy="571738"/>
-          </a:xfrm>
-          <a:prstGeom prst="straightConnector1">
-            <a:avLst/>
-          </a:prstGeom>
-          <a:ln w="12700">
-            <a:solidFill>
-              <a:schemeClr val="tx1"/>
-            </a:solidFill>
-            <a:tailEnd type="oval"/>
-          </a:ln>
-        </p:spPr>
-        <p:style>
-          <a:lnRef idx="1">
-            <a:schemeClr val="accent1"/>
-          </a:lnRef>
-          <a:fillRef idx="0">
-            <a:schemeClr val="accent1"/>
-          </a:fillRef>
-          <a:effectRef idx="0">
-            <a:schemeClr val="accent1"/>
-          </a:effectRef>
-          <a:fontRef idx="minor">
-            <a:schemeClr val="tx1"/>
-          </a:fontRef>
-        </p:style>
-      </p:cxnSp>
-    </p:spTree>
-    <p:extLst>
-      <p:ext uri="{BB962C8B-B14F-4D97-AF65-F5344CB8AC3E}">
-        <p14:creationId xmlns:p14="http://schemas.microsoft.com/office/powerpoint/2010/main" val="2254141340"/>
-      </p:ext>
-    </p:extLst>
-  </p:cSld>
-  <p:clrMapOvr>
-    <a:masterClrMapping/>
-  </p:clrMapOvr>
-</p:sld>
-</file>
-
-<file path=ppt/slides/slide30.xml><?xml version="1.0" encoding="utf-8"?>
+<file path=ppt/slides/slide36.xml><?xml version="1.0" encoding="utf-8"?>
 <p:sld xmlns:a="http://schemas.openxmlformats.org/drawingml/2006/main" xmlns:r="http://schemas.openxmlformats.org/officeDocument/2006/relationships" xmlns:p="http://schemas.openxmlformats.org/presentationml/2006/main">
   <p:cSld>
     <p:spTree>

--- a/figs/makeFigs.pptx
+++ b/figs/makeFigs.pptx
@@ -32,15 +32,16 @@
     <p:sldId id="366" r:id="rId26"/>
     <p:sldId id="367" r:id="rId27"/>
     <p:sldId id="368" r:id="rId28"/>
-    <p:sldId id="369" r:id="rId29"/>
-    <p:sldId id="330" r:id="rId30"/>
-    <p:sldId id="331" r:id="rId31"/>
-    <p:sldId id="332" r:id="rId32"/>
-    <p:sldId id="333" r:id="rId33"/>
-    <p:sldId id="334" r:id="rId34"/>
-    <p:sldId id="336" r:id="rId35"/>
-    <p:sldId id="335" r:id="rId36"/>
-    <p:sldId id="364" r:id="rId37"/>
+    <p:sldId id="371" r:id="rId29"/>
+    <p:sldId id="369" r:id="rId30"/>
+    <p:sldId id="330" r:id="rId31"/>
+    <p:sldId id="331" r:id="rId32"/>
+    <p:sldId id="332" r:id="rId33"/>
+    <p:sldId id="333" r:id="rId34"/>
+    <p:sldId id="334" r:id="rId35"/>
+    <p:sldId id="336" r:id="rId36"/>
+    <p:sldId id="335" r:id="rId37"/>
+    <p:sldId id="364" r:id="rId38"/>
   </p:sldIdLst>
   <p:sldSz cx="12192000" cy="6858000"/>
   <p:notesSz cx="6858000" cy="9144000"/>
@@ -183,6 +184,7 @@
             <p14:sldId id="366"/>
             <p14:sldId id="367"/>
             <p14:sldId id="368"/>
+            <p14:sldId id="371"/>
             <p14:sldId id="369"/>
           </p14:sldIdLst>
         </p14:section>
@@ -9822,7 +9824,7 @@
           <p:cNvPr id="3" name="図 2">
             <a:extLst>
               <a:ext uri="{FF2B5EF4-FFF2-40B4-BE49-F238E27FC236}">
-                <a16:creationId xmlns:a16="http://schemas.microsoft.com/office/drawing/2014/main" id="{0DF84F74-B298-4D96-B9FC-C6FF767254A8}"/>
+                <a16:creationId xmlns:a16="http://schemas.microsoft.com/office/drawing/2014/main" id="{0CE32BB3-972B-4D18-903F-AB04194B00DC}"/>
               </a:ext>
             </a:extLst>
           </p:cNvPr>
@@ -9839,8 +9841,8 @@
         </p:blipFill>
         <p:spPr>
           <a:xfrm>
-            <a:off x="1581221" y="1"/>
-            <a:ext cx="7200000" cy="5468441"/>
+            <a:off x="2012424" y="693957"/>
+            <a:ext cx="7200000" cy="5470085"/>
           </a:xfrm>
           <a:prstGeom prst="rect">
             <a:avLst/>
@@ -9852,7 +9854,7 @@
           <p:cNvPr id="4" name="テキスト ボックス 3">
             <a:extLst>
               <a:ext uri="{FF2B5EF4-FFF2-40B4-BE49-F238E27FC236}">
-                <a16:creationId xmlns:a16="http://schemas.microsoft.com/office/drawing/2014/main" id="{6419AFEB-E0F4-427B-87D1-A4EE914A3DFC}"/>
+                <a16:creationId xmlns:a16="http://schemas.microsoft.com/office/drawing/2014/main" id="{3DD7B87F-DCE7-40DB-BE70-3F611A96261F}"/>
               </a:ext>
             </a:extLst>
           </p:cNvPr>
@@ -9861,8 +9863,8 @@
         </p:nvSpPr>
         <p:spPr>
           <a:xfrm>
-            <a:off x="5927813" y="3950951"/>
-            <a:ext cx="1958606" cy="462788"/>
+            <a:off x="5116697" y="3217985"/>
+            <a:ext cx="1635795" cy="361461"/>
           </a:xfrm>
           <a:prstGeom prst="rect">
             <a:avLst/>
@@ -9896,7 +9898,7 @@
                 <a:latin typeface="Arial" panose="020B0604020202020204" pitchFamily="34" charset="0"/>
                 <a:cs typeface="Arial" panose="020B0604020202020204" pitchFamily="34" charset="0"/>
               </a:rPr>
-              <a:t> mechanical power consumption of pump vs. mechanical rotation speed.</a:t>
+              <a:t>Torque into flange of pump.</a:t>
             </a:r>
           </a:p>
         </p:txBody>
@@ -9906,20 +9908,20 @@
           <p:cNvPr id="5" name="直線矢印コネクタ 4">
             <a:extLst>
               <a:ext uri="{FF2B5EF4-FFF2-40B4-BE49-F238E27FC236}">
-                <a16:creationId xmlns:a16="http://schemas.microsoft.com/office/drawing/2014/main" id="{080EDF00-37EF-47E2-B50A-2B443678B1D8}"/>
+                <a16:creationId xmlns:a16="http://schemas.microsoft.com/office/drawing/2014/main" id="{16A64740-FBFD-47B9-9610-84430D87ED96}"/>
               </a:ext>
             </a:extLst>
           </p:cNvPr>
           <p:cNvCxnSpPr>
             <a:cxnSpLocks/>
-            <a:stCxn id="4" idx="0"/>
+            <a:stCxn id="4" idx="1"/>
           </p:cNvCxnSpPr>
           <p:nvPr/>
         </p:nvCxnSpPr>
         <p:spPr>
           <a:xfrm flipH="1" flipV="1">
-            <a:off x="5588000" y="3293345"/>
-            <a:ext cx="1319116" cy="657606"/>
+            <a:off x="4337577" y="3155462"/>
+            <a:ext cx="779120" cy="243254"/>
           </a:xfrm>
           <a:prstGeom prst="straightConnector1">
             <a:avLst/>
@@ -9949,7 +9951,7 @@
     </p:spTree>
     <p:extLst>
       <p:ext uri="{BB962C8B-B14F-4D97-AF65-F5344CB8AC3E}">
-        <p14:creationId xmlns:p14="http://schemas.microsoft.com/office/powerpoint/2010/main" val="2126722906"/>
+        <p14:creationId xmlns:p14="http://schemas.microsoft.com/office/powerpoint/2010/main" val="1898239277"/>
       </p:ext>
     </p:extLst>
   </p:cSld>
@@ -9978,10 +9980,10 @@
       </p:grpSpPr>
       <p:pic>
         <p:nvPicPr>
-          <p:cNvPr id="5" name="図 4">
-            <a:extLst>
-              <a:ext uri="{FF2B5EF4-FFF2-40B4-BE49-F238E27FC236}">
-                <a16:creationId xmlns:a16="http://schemas.microsoft.com/office/drawing/2014/main" id="{1861CB12-90A6-42DE-A22D-8963E3B6B5F0}"/>
+          <p:cNvPr id="3" name="図 2">
+            <a:extLst>
+              <a:ext uri="{FF2B5EF4-FFF2-40B4-BE49-F238E27FC236}">
+                <a16:creationId xmlns:a16="http://schemas.microsoft.com/office/drawing/2014/main" id="{0DF84F74-B298-4D96-B9FC-C6FF767254A8}"/>
               </a:ext>
             </a:extLst>
           </p:cNvPr>
@@ -9998,8 +10000,8 @@
         </p:blipFill>
         <p:spPr>
           <a:xfrm>
-            <a:off x="1985486" y="0"/>
-            <a:ext cx="8221027" cy="6858000"/>
+            <a:off x="1581221" y="1"/>
+            <a:ext cx="7200000" cy="5468441"/>
           </a:xfrm>
           <a:prstGeom prst="rect">
             <a:avLst/>
@@ -10008,10 +10010,10 @@
       </p:pic>
       <p:sp>
         <p:nvSpPr>
-          <p:cNvPr id="3" name="テキスト ボックス 2">
-            <a:extLst>
-              <a:ext uri="{FF2B5EF4-FFF2-40B4-BE49-F238E27FC236}">
-                <a16:creationId xmlns:a16="http://schemas.microsoft.com/office/drawing/2014/main" id="{24ADC03F-BFEC-4049-9726-538FCD7B5E67}"/>
+          <p:cNvPr id="4" name="テキスト ボックス 3">
+            <a:extLst>
+              <a:ext uri="{FF2B5EF4-FFF2-40B4-BE49-F238E27FC236}">
+                <a16:creationId xmlns:a16="http://schemas.microsoft.com/office/drawing/2014/main" id="{6419AFEB-E0F4-427B-87D1-A4EE914A3DFC}"/>
               </a:ext>
             </a:extLst>
           </p:cNvPr>
@@ -10020,42 +10022,95 @@
         </p:nvSpPr>
         <p:spPr>
           <a:xfrm>
-            <a:off x="78153" y="0"/>
-            <a:ext cx="4079632" cy="461665"/>
+            <a:off x="5927813" y="3950951"/>
+            <a:ext cx="1958606" cy="462788"/>
           </a:xfrm>
           <a:prstGeom prst="rect">
             <a:avLst/>
           </a:prstGeom>
-          <a:noFill/>
+          <a:solidFill>
+            <a:srgbClr val="FFFF00"/>
+          </a:solidFill>
+          <a:ln>
+            <a:solidFill>
+              <a:schemeClr val="tx1"/>
+            </a:solidFill>
+          </a:ln>
         </p:spPr>
         <p:txBody>
           <a:bodyPr wrap="square" rtlCol="0">
-            <a:spAutoFit/>
+            <a:noAutofit/>
           </a:bodyPr>
           <a:lstStyle/>
           <a:p>
             <a:r>
-              <a:rPr lang="en-US" altLang="ja-JP" sz="2400" dirty="0">
-                <a:solidFill>
-                  <a:srgbClr val="000000"/>
-                </a:solidFill>
-                <a:effectLst/>
-                <a:latin typeface="Times New Roman" panose="02020603050405020304" pitchFamily="18" charset="0"/>
-                <a:cs typeface="Times New Roman" panose="02020603050405020304" pitchFamily="18" charset="0"/>
+              <a:rPr lang="en-US" altLang="ja-JP" sz="726" dirty="0">
+                <a:latin typeface="Arial" panose="020B0604020202020204" pitchFamily="34" charset="0"/>
+                <a:cs typeface="Arial" panose="020B0604020202020204" pitchFamily="34" charset="0"/>
               </a:rPr>
-              <a:t>PumpAsTurbine_ex01</a:t>
-            </a:r>
-            <a:endParaRPr kumimoji="1" lang="ja-JP" altLang="en-US" sz="2400" dirty="0">
-              <a:latin typeface="Times New Roman" panose="02020603050405020304" pitchFamily="18" charset="0"/>
-              <a:cs typeface="Times New Roman" panose="02020603050405020304" pitchFamily="18" charset="0"/>
-            </a:endParaRPr>
-          </a:p>
-        </p:txBody>
-      </p:sp>
+              <a:t>Output: </a:t>
+            </a:r>
+          </a:p>
+          <a:p>
+            <a:r>
+              <a:rPr lang="en-US" altLang="ja-JP" sz="726" dirty="0">
+                <a:latin typeface="Arial" panose="020B0604020202020204" pitchFamily="34" charset="0"/>
+                <a:cs typeface="Arial" panose="020B0604020202020204" pitchFamily="34" charset="0"/>
+              </a:rPr>
+              <a:t> mechanical power consumption of pump vs. mechanical rotation speed.</a:t>
+            </a:r>
+          </a:p>
+        </p:txBody>
+      </p:sp>
+      <p:cxnSp>
+        <p:nvCxnSpPr>
+          <p:cNvPr id="5" name="直線矢印コネクタ 4">
+            <a:extLst>
+              <a:ext uri="{FF2B5EF4-FFF2-40B4-BE49-F238E27FC236}">
+                <a16:creationId xmlns:a16="http://schemas.microsoft.com/office/drawing/2014/main" id="{080EDF00-37EF-47E2-B50A-2B443678B1D8}"/>
+              </a:ext>
+            </a:extLst>
+          </p:cNvPr>
+          <p:cNvCxnSpPr>
+            <a:cxnSpLocks/>
+            <a:stCxn id="4" idx="0"/>
+          </p:cNvCxnSpPr>
+          <p:nvPr/>
+        </p:nvCxnSpPr>
+        <p:spPr>
+          <a:xfrm flipH="1" flipV="1">
+            <a:off x="5588000" y="3293345"/>
+            <a:ext cx="1319116" cy="657606"/>
+          </a:xfrm>
+          <a:prstGeom prst="straightConnector1">
+            <a:avLst/>
+          </a:prstGeom>
+          <a:ln w="12700">
+            <a:solidFill>
+              <a:schemeClr val="tx1"/>
+            </a:solidFill>
+            <a:tailEnd type="oval"/>
+          </a:ln>
+        </p:spPr>
+        <p:style>
+          <a:lnRef idx="1">
+            <a:schemeClr val="accent1"/>
+          </a:lnRef>
+          <a:fillRef idx="0">
+            <a:schemeClr val="accent1"/>
+          </a:fillRef>
+          <a:effectRef idx="0">
+            <a:schemeClr val="accent1"/>
+          </a:effectRef>
+          <a:fontRef idx="minor">
+            <a:schemeClr val="tx1"/>
+          </a:fontRef>
+        </p:style>
+      </p:cxnSp>
     </p:spTree>
     <p:extLst>
       <p:ext uri="{BB962C8B-B14F-4D97-AF65-F5344CB8AC3E}">
-        <p14:creationId xmlns:p14="http://schemas.microsoft.com/office/powerpoint/2010/main" val="3258820415"/>
+        <p14:creationId xmlns:p14="http://schemas.microsoft.com/office/powerpoint/2010/main" val="2126722906"/>
       </p:ext>
     </p:extLst>
   </p:cSld>
@@ -10247,10 +10302,10 @@
       </p:grpSpPr>
       <p:pic>
         <p:nvPicPr>
-          <p:cNvPr id="3" name="図 2">
-            <a:extLst>
-              <a:ext uri="{FF2B5EF4-FFF2-40B4-BE49-F238E27FC236}">
-                <a16:creationId xmlns:a16="http://schemas.microsoft.com/office/drawing/2014/main" id="{2848B27E-D4AC-4CD0-81CF-025BAB9F3594}"/>
+          <p:cNvPr id="5" name="図 4">
+            <a:extLst>
+              <a:ext uri="{FF2B5EF4-FFF2-40B4-BE49-F238E27FC236}">
+                <a16:creationId xmlns:a16="http://schemas.microsoft.com/office/drawing/2014/main" id="{1861CB12-90A6-42DE-A22D-8963E3B6B5F0}"/>
               </a:ext>
             </a:extLst>
           </p:cNvPr>
@@ -10275,10 +10330,56 @@
           </a:prstGeom>
         </p:spPr>
       </p:pic>
+      <p:sp>
+        <p:nvSpPr>
+          <p:cNvPr id="3" name="テキスト ボックス 2">
+            <a:extLst>
+              <a:ext uri="{FF2B5EF4-FFF2-40B4-BE49-F238E27FC236}">
+                <a16:creationId xmlns:a16="http://schemas.microsoft.com/office/drawing/2014/main" id="{24ADC03F-BFEC-4049-9726-538FCD7B5E67}"/>
+              </a:ext>
+            </a:extLst>
+          </p:cNvPr>
+          <p:cNvSpPr txBox="1"/>
+          <p:nvPr/>
+        </p:nvSpPr>
+        <p:spPr>
+          <a:xfrm>
+            <a:off x="78153" y="0"/>
+            <a:ext cx="4079632" cy="461665"/>
+          </a:xfrm>
+          <a:prstGeom prst="rect">
+            <a:avLst/>
+          </a:prstGeom>
+          <a:noFill/>
+        </p:spPr>
+        <p:txBody>
+          <a:bodyPr wrap="square" rtlCol="0">
+            <a:spAutoFit/>
+          </a:bodyPr>
+          <a:lstStyle/>
+          <a:p>
+            <a:r>
+              <a:rPr lang="en-US" altLang="ja-JP" sz="2400" dirty="0">
+                <a:solidFill>
+                  <a:srgbClr val="000000"/>
+                </a:solidFill>
+                <a:effectLst/>
+                <a:latin typeface="Times New Roman" panose="02020603050405020304" pitchFamily="18" charset="0"/>
+                <a:cs typeface="Times New Roman" panose="02020603050405020304" pitchFamily="18" charset="0"/>
+              </a:rPr>
+              <a:t>PumpAsTurbine_ex01</a:t>
+            </a:r>
+            <a:endParaRPr kumimoji="1" lang="ja-JP" altLang="en-US" sz="2400" dirty="0">
+              <a:latin typeface="Times New Roman" panose="02020603050405020304" pitchFamily="18" charset="0"/>
+              <a:cs typeface="Times New Roman" panose="02020603050405020304" pitchFamily="18" charset="0"/>
+            </a:endParaRPr>
+          </a:p>
+        </p:txBody>
+      </p:sp>
     </p:spTree>
     <p:extLst>
       <p:ext uri="{BB962C8B-B14F-4D97-AF65-F5344CB8AC3E}">
-        <p14:creationId xmlns:p14="http://schemas.microsoft.com/office/powerpoint/2010/main" val="2043835998"/>
+        <p14:creationId xmlns:p14="http://schemas.microsoft.com/office/powerpoint/2010/main" val="3258820415"/>
       </p:ext>
     </p:extLst>
   </p:cSld>
@@ -10307,10 +10408,10 @@
       </p:grpSpPr>
       <p:pic>
         <p:nvPicPr>
-          <p:cNvPr id="5" name="図 4">
-            <a:extLst>
-              <a:ext uri="{FF2B5EF4-FFF2-40B4-BE49-F238E27FC236}">
-                <a16:creationId xmlns:a16="http://schemas.microsoft.com/office/drawing/2014/main" id="{F40256F8-9584-41E5-ACD5-AA57ECDBCBBC}"/>
+          <p:cNvPr id="3" name="図 2">
+            <a:extLst>
+              <a:ext uri="{FF2B5EF4-FFF2-40B4-BE49-F238E27FC236}">
+                <a16:creationId xmlns:a16="http://schemas.microsoft.com/office/drawing/2014/main" id="{2848B27E-D4AC-4CD0-81CF-025BAB9F3594}"/>
               </a:ext>
             </a:extLst>
           </p:cNvPr>
@@ -10327,64 +10428,18 @@
         </p:blipFill>
         <p:spPr>
           <a:xfrm>
-            <a:off x="2039639" y="0"/>
-            <a:ext cx="8112722" cy="6858000"/>
+            <a:off x="1985486" y="0"/>
+            <a:ext cx="8221027" cy="6858000"/>
           </a:xfrm>
           <a:prstGeom prst="rect">
             <a:avLst/>
           </a:prstGeom>
         </p:spPr>
       </p:pic>
-      <p:sp>
-        <p:nvSpPr>
-          <p:cNvPr id="3" name="テキスト ボックス 2">
-            <a:extLst>
-              <a:ext uri="{FF2B5EF4-FFF2-40B4-BE49-F238E27FC236}">
-                <a16:creationId xmlns:a16="http://schemas.microsoft.com/office/drawing/2014/main" id="{ABC8D612-4C8F-40D2-9EE2-D80AEAE98A25}"/>
-              </a:ext>
-            </a:extLst>
-          </p:cNvPr>
-          <p:cNvSpPr txBox="1"/>
-          <p:nvPr/>
-        </p:nvSpPr>
-        <p:spPr>
-          <a:xfrm>
-            <a:off x="78153" y="0"/>
-            <a:ext cx="4079632" cy="461665"/>
-          </a:xfrm>
-          <a:prstGeom prst="rect">
-            <a:avLst/>
-          </a:prstGeom>
-          <a:noFill/>
-        </p:spPr>
-        <p:txBody>
-          <a:bodyPr wrap="square" rtlCol="0">
-            <a:spAutoFit/>
-          </a:bodyPr>
-          <a:lstStyle/>
-          <a:p>
-            <a:r>
-              <a:rPr lang="en-US" altLang="ja-JP" sz="2400" dirty="0">
-                <a:solidFill>
-                  <a:srgbClr val="000000"/>
-                </a:solidFill>
-                <a:effectLst/>
-                <a:latin typeface="Times New Roman" panose="02020603050405020304" pitchFamily="18" charset="0"/>
-                <a:cs typeface="Times New Roman" panose="02020603050405020304" pitchFamily="18" charset="0"/>
-              </a:rPr>
-              <a:t>PumpAsTurbine_ex02</a:t>
-            </a:r>
-            <a:endParaRPr kumimoji="1" lang="ja-JP" altLang="en-US" sz="2400" dirty="0">
-              <a:latin typeface="Times New Roman" panose="02020603050405020304" pitchFamily="18" charset="0"/>
-              <a:cs typeface="Times New Roman" panose="02020603050405020304" pitchFamily="18" charset="0"/>
-            </a:endParaRPr>
-          </a:p>
-        </p:txBody>
-      </p:sp>
     </p:spTree>
     <p:extLst>
       <p:ext uri="{BB962C8B-B14F-4D97-AF65-F5344CB8AC3E}">
-        <p14:creationId xmlns:p14="http://schemas.microsoft.com/office/powerpoint/2010/main" val="547396864"/>
+        <p14:creationId xmlns:p14="http://schemas.microsoft.com/office/powerpoint/2010/main" val="2043835998"/>
       </p:ext>
     </p:extLst>
   </p:cSld>
@@ -10413,6 +10468,112 @@
       </p:grpSpPr>
       <p:pic>
         <p:nvPicPr>
+          <p:cNvPr id="5" name="図 4">
+            <a:extLst>
+              <a:ext uri="{FF2B5EF4-FFF2-40B4-BE49-F238E27FC236}">
+                <a16:creationId xmlns:a16="http://schemas.microsoft.com/office/drawing/2014/main" id="{F40256F8-9584-41E5-ACD5-AA57ECDBCBBC}"/>
+              </a:ext>
+            </a:extLst>
+          </p:cNvPr>
+          <p:cNvPicPr>
+            <a:picLocks noChangeAspect="1"/>
+          </p:cNvPicPr>
+          <p:nvPr/>
+        </p:nvPicPr>
+        <p:blipFill>
+          <a:blip r:embed="rId2"/>
+          <a:stretch>
+            <a:fillRect/>
+          </a:stretch>
+        </p:blipFill>
+        <p:spPr>
+          <a:xfrm>
+            <a:off x="2039639" y="0"/>
+            <a:ext cx="8112722" cy="6858000"/>
+          </a:xfrm>
+          <a:prstGeom prst="rect">
+            <a:avLst/>
+          </a:prstGeom>
+        </p:spPr>
+      </p:pic>
+      <p:sp>
+        <p:nvSpPr>
+          <p:cNvPr id="3" name="テキスト ボックス 2">
+            <a:extLst>
+              <a:ext uri="{FF2B5EF4-FFF2-40B4-BE49-F238E27FC236}">
+                <a16:creationId xmlns:a16="http://schemas.microsoft.com/office/drawing/2014/main" id="{ABC8D612-4C8F-40D2-9EE2-D80AEAE98A25}"/>
+              </a:ext>
+            </a:extLst>
+          </p:cNvPr>
+          <p:cNvSpPr txBox="1"/>
+          <p:nvPr/>
+        </p:nvSpPr>
+        <p:spPr>
+          <a:xfrm>
+            <a:off x="78153" y="0"/>
+            <a:ext cx="4079632" cy="461665"/>
+          </a:xfrm>
+          <a:prstGeom prst="rect">
+            <a:avLst/>
+          </a:prstGeom>
+          <a:noFill/>
+        </p:spPr>
+        <p:txBody>
+          <a:bodyPr wrap="square" rtlCol="0">
+            <a:spAutoFit/>
+          </a:bodyPr>
+          <a:lstStyle/>
+          <a:p>
+            <a:r>
+              <a:rPr lang="en-US" altLang="ja-JP" sz="2400" dirty="0">
+                <a:solidFill>
+                  <a:srgbClr val="000000"/>
+                </a:solidFill>
+                <a:effectLst/>
+                <a:latin typeface="Times New Roman" panose="02020603050405020304" pitchFamily="18" charset="0"/>
+                <a:cs typeface="Times New Roman" panose="02020603050405020304" pitchFamily="18" charset="0"/>
+              </a:rPr>
+              <a:t>PumpAsTurbine_ex02</a:t>
+            </a:r>
+            <a:endParaRPr kumimoji="1" lang="ja-JP" altLang="en-US" sz="2400" dirty="0">
+              <a:latin typeface="Times New Roman" panose="02020603050405020304" pitchFamily="18" charset="0"/>
+              <a:cs typeface="Times New Roman" panose="02020603050405020304" pitchFamily="18" charset="0"/>
+            </a:endParaRPr>
+          </a:p>
+        </p:txBody>
+      </p:sp>
+    </p:spTree>
+    <p:extLst>
+      <p:ext uri="{BB962C8B-B14F-4D97-AF65-F5344CB8AC3E}">
+        <p14:creationId xmlns:p14="http://schemas.microsoft.com/office/powerpoint/2010/main" val="547396864"/>
+      </p:ext>
+    </p:extLst>
+  </p:cSld>
+  <p:clrMapOvr>
+    <a:masterClrMapping/>
+  </p:clrMapOvr>
+</p:sld>
+</file>
+
+<file path=ppt/slides/slide33.xml><?xml version="1.0" encoding="utf-8"?>
+<p:sld xmlns:a="http://schemas.openxmlformats.org/drawingml/2006/main" xmlns:r="http://schemas.openxmlformats.org/officeDocument/2006/relationships" xmlns:p="http://schemas.openxmlformats.org/presentationml/2006/main">
+  <p:cSld>
+    <p:spTree>
+      <p:nvGrpSpPr>
+        <p:cNvPr id="1" name=""/>
+        <p:cNvGrpSpPr/>
+        <p:nvPr/>
+      </p:nvGrpSpPr>
+      <p:grpSpPr>
+        <a:xfrm>
+          <a:off x="0" y="0"/>
+          <a:ext cx="0" cy="0"/>
+          <a:chOff x="0" y="0"/>
+          <a:chExt cx="0" cy="0"/>
+        </a:xfrm>
+      </p:grpSpPr>
+      <p:pic>
+        <p:nvPicPr>
           <p:cNvPr id="3" name="図 2">
             <a:extLst>
               <a:ext uri="{FF2B5EF4-FFF2-40B4-BE49-F238E27FC236}">
@@ -10454,7 +10615,7 @@
 </p:sld>
 </file>
 
-<file path=ppt/slides/slide33.xml><?xml version="1.0" encoding="utf-8"?>
+<file path=ppt/slides/slide34.xml><?xml version="1.0" encoding="utf-8"?>
 <p:sld xmlns:a="http://schemas.openxmlformats.org/drawingml/2006/main" xmlns:r="http://schemas.openxmlformats.org/officeDocument/2006/relationships" xmlns:p="http://schemas.openxmlformats.org/presentationml/2006/main">
   <p:cSld>
     <p:spTree>
@@ -10484,7 +10645,7 @@
 </p:sld>
 </file>
 
-<file path=ppt/slides/slide34.xml><?xml version="1.0" encoding="utf-8"?>
+<file path=ppt/slides/slide35.xml><?xml version="1.0" encoding="utf-8"?>
 <p:sld xmlns:a="http://schemas.openxmlformats.org/drawingml/2006/main" xmlns:r="http://schemas.openxmlformats.org/officeDocument/2006/relationships" xmlns:p="http://schemas.openxmlformats.org/presentationml/2006/main">
   <p:cSld>
     <p:spTree>
@@ -10514,7 +10675,7 @@
 </p:sld>
 </file>
 
-<file path=ppt/slides/slide35.xml><?xml version="1.0" encoding="utf-8"?>
+<file path=ppt/slides/slide36.xml><?xml version="1.0" encoding="utf-8"?>
 <p:sld xmlns:a="http://schemas.openxmlformats.org/drawingml/2006/main" xmlns:r="http://schemas.openxmlformats.org/officeDocument/2006/relationships" xmlns:p="http://schemas.openxmlformats.org/presentationml/2006/main">
   <p:cSld>
     <p:spTree>
@@ -10544,7 +10705,7 @@
 </p:sld>
 </file>
 
-<file path=ppt/slides/slide36.xml><?xml version="1.0" encoding="utf-8"?>
+<file path=ppt/slides/slide37.xml><?xml version="1.0" encoding="utf-8"?>
 <p:sld xmlns:a="http://schemas.openxmlformats.org/drawingml/2006/main" xmlns:r="http://schemas.openxmlformats.org/officeDocument/2006/relationships" xmlns:p="http://schemas.openxmlformats.org/presentationml/2006/main">
   <p:cSld>
     <p:spTree>

--- a/figs/makeFigs.pptx
+++ b/figs/makeFigs.pptx
@@ -34,14 +34,15 @@
     <p:sldId id="368" r:id="rId28"/>
     <p:sldId id="371" r:id="rId29"/>
     <p:sldId id="369" r:id="rId30"/>
-    <p:sldId id="330" r:id="rId31"/>
-    <p:sldId id="331" r:id="rId32"/>
-    <p:sldId id="332" r:id="rId33"/>
-    <p:sldId id="333" r:id="rId34"/>
-    <p:sldId id="334" r:id="rId35"/>
-    <p:sldId id="336" r:id="rId36"/>
-    <p:sldId id="335" r:id="rId37"/>
-    <p:sldId id="364" r:id="rId38"/>
+    <p:sldId id="372" r:id="rId31"/>
+    <p:sldId id="330" r:id="rId32"/>
+    <p:sldId id="331" r:id="rId33"/>
+    <p:sldId id="332" r:id="rId34"/>
+    <p:sldId id="333" r:id="rId35"/>
+    <p:sldId id="334" r:id="rId36"/>
+    <p:sldId id="336" r:id="rId37"/>
+    <p:sldId id="335" r:id="rId38"/>
+    <p:sldId id="364" r:id="rId39"/>
   </p:sldIdLst>
   <p:sldSz cx="12192000" cy="6858000"/>
   <p:notesSz cx="6858000" cy="9144000"/>
@@ -186,6 +187,7 @@
             <p14:sldId id="368"/>
             <p14:sldId id="371"/>
             <p14:sldId id="369"/>
+            <p14:sldId id="372"/>
           </p14:sldIdLst>
         </p14:section>
         <p14:section name="pumpAsTurbine_ex01" id="{948DD96E-F6F9-49BE-836A-9AD530AE1FAE}">
@@ -364,7 +366,7 @@
           <a:p>
             <a:fld id="{5498794B-0F6E-4381-BD9D-5788C27E7ABB}" type="datetimeFigureOut">
               <a:rPr kumimoji="1" lang="ja-JP" altLang="en-US" smtClean="0"/>
-              <a:t>2020/10/24</a:t>
+              <a:t>2020/10/28</a:t>
             </a:fld>
             <a:endParaRPr kumimoji="1" lang="ja-JP" altLang="en-US"/>
           </a:p>
@@ -594,7 +596,7 @@
           <a:p>
             <a:fld id="{5498794B-0F6E-4381-BD9D-5788C27E7ABB}" type="datetimeFigureOut">
               <a:rPr kumimoji="1" lang="ja-JP" altLang="en-US" smtClean="0"/>
-              <a:t>2020/10/24</a:t>
+              <a:t>2020/10/28</a:t>
             </a:fld>
             <a:endParaRPr kumimoji="1" lang="ja-JP" altLang="en-US"/>
           </a:p>
@@ -834,7 +836,7 @@
           <a:p>
             <a:fld id="{5498794B-0F6E-4381-BD9D-5788C27E7ABB}" type="datetimeFigureOut">
               <a:rPr kumimoji="1" lang="ja-JP" altLang="en-US" smtClean="0"/>
-              <a:t>2020/10/24</a:t>
+              <a:t>2020/10/28</a:t>
             </a:fld>
             <a:endParaRPr kumimoji="1" lang="ja-JP" altLang="en-US"/>
           </a:p>
@@ -1154,7 +1156,7 @@
           <a:p>
             <a:fld id="{5498794B-0F6E-4381-BD9D-5788C27E7ABB}" type="datetimeFigureOut">
               <a:rPr kumimoji="1" lang="ja-JP" altLang="en-US" smtClean="0"/>
-              <a:t>2020/10/24</a:t>
+              <a:t>2020/10/28</a:t>
             </a:fld>
             <a:endParaRPr kumimoji="1" lang="ja-JP" altLang="en-US"/>
           </a:p>
@@ -1429,7 +1431,7 @@
           <a:p>
             <a:fld id="{5498794B-0F6E-4381-BD9D-5788C27E7ABB}" type="datetimeFigureOut">
               <a:rPr kumimoji="1" lang="ja-JP" altLang="en-US" smtClean="0"/>
-              <a:t>2020/10/24</a:t>
+              <a:t>2020/10/28</a:t>
             </a:fld>
             <a:endParaRPr kumimoji="1" lang="ja-JP" altLang="en-US"/>
           </a:p>
@@ -1758,7 +1760,7 @@
           <a:p>
             <a:fld id="{5498794B-0F6E-4381-BD9D-5788C27E7ABB}" type="datetimeFigureOut">
               <a:rPr kumimoji="1" lang="ja-JP" altLang="en-US" smtClean="0"/>
-              <a:t>2020/10/24</a:t>
+              <a:t>2020/10/28</a:t>
             </a:fld>
             <a:endParaRPr kumimoji="1" lang="ja-JP" altLang="en-US"/>
           </a:p>
@@ -2234,7 +2236,7 @@
           <a:p>
             <a:fld id="{5498794B-0F6E-4381-BD9D-5788C27E7ABB}" type="datetimeFigureOut">
               <a:rPr kumimoji="1" lang="ja-JP" altLang="en-US" smtClean="0"/>
-              <a:t>2020/10/24</a:t>
+              <a:t>2020/10/28</a:t>
             </a:fld>
             <a:endParaRPr kumimoji="1" lang="ja-JP" altLang="en-US"/>
           </a:p>
@@ -2375,7 +2377,7 @@
           <a:p>
             <a:fld id="{5498794B-0F6E-4381-BD9D-5788C27E7ABB}" type="datetimeFigureOut">
               <a:rPr kumimoji="1" lang="ja-JP" altLang="en-US" smtClean="0"/>
-              <a:t>2020/10/24</a:t>
+              <a:t>2020/10/28</a:t>
             </a:fld>
             <a:endParaRPr kumimoji="1" lang="ja-JP" altLang="en-US"/>
           </a:p>
@@ -2488,7 +2490,7 @@
           <a:p>
             <a:fld id="{5498794B-0F6E-4381-BD9D-5788C27E7ABB}" type="datetimeFigureOut">
               <a:rPr kumimoji="1" lang="ja-JP" altLang="en-US" smtClean="0"/>
-              <a:t>2020/10/24</a:t>
+              <a:t>2020/10/28</a:t>
             </a:fld>
             <a:endParaRPr kumimoji="1" lang="ja-JP" altLang="en-US"/>
           </a:p>
@@ -2831,7 +2833,7 @@
           <a:p>
             <a:fld id="{5498794B-0F6E-4381-BD9D-5788C27E7ABB}" type="datetimeFigureOut">
               <a:rPr kumimoji="1" lang="ja-JP" altLang="en-US" smtClean="0"/>
-              <a:t>2020/10/24</a:t>
+              <a:t>2020/10/28</a:t>
             </a:fld>
             <a:endParaRPr kumimoji="1" lang="ja-JP" altLang="en-US"/>
           </a:p>
@@ -3119,7 +3121,7 @@
           <a:p>
             <a:fld id="{5498794B-0F6E-4381-BD9D-5788C27E7ABB}" type="datetimeFigureOut">
               <a:rPr kumimoji="1" lang="ja-JP" altLang="en-US" smtClean="0"/>
-              <a:t>2020/10/24</a:t>
+              <a:t>2020/10/28</a:t>
             </a:fld>
             <a:endParaRPr kumimoji="1" lang="ja-JP" altLang="en-US"/>
           </a:p>
@@ -3392,7 +3394,7 @@
           <a:p>
             <a:fld id="{5498794B-0F6E-4381-BD9D-5788C27E7ABB}" type="datetimeFigureOut">
               <a:rPr kumimoji="1" lang="ja-JP" altLang="en-US" smtClean="0"/>
-              <a:t>2020/10/24</a:t>
+              <a:t>2020/10/28</a:t>
             </a:fld>
             <a:endParaRPr kumimoji="1" lang="ja-JP" altLang="en-US"/>
           </a:p>
@@ -10302,10 +10304,10 @@
       </p:grpSpPr>
       <p:pic>
         <p:nvPicPr>
-          <p:cNvPr id="5" name="図 4">
-            <a:extLst>
-              <a:ext uri="{FF2B5EF4-FFF2-40B4-BE49-F238E27FC236}">
-                <a16:creationId xmlns:a16="http://schemas.microsoft.com/office/drawing/2014/main" id="{1861CB12-90A6-42DE-A22D-8963E3B6B5F0}"/>
+          <p:cNvPr id="3" name="図 2">
+            <a:extLst>
+              <a:ext uri="{FF2B5EF4-FFF2-40B4-BE49-F238E27FC236}">
+                <a16:creationId xmlns:a16="http://schemas.microsoft.com/office/drawing/2014/main" id="{1C87AFC4-E869-46C3-AEFD-D14EF043546E}"/>
               </a:ext>
             </a:extLst>
           </p:cNvPr>
@@ -10322,8 +10324,8 @@
         </p:blipFill>
         <p:spPr>
           <a:xfrm>
-            <a:off x="1985486" y="0"/>
-            <a:ext cx="8221027" cy="6858000"/>
+            <a:off x="2004609" y="468924"/>
+            <a:ext cx="7200000" cy="5470085"/>
           </a:xfrm>
           <a:prstGeom prst="rect">
             <a:avLst/>
@@ -10332,10 +10334,10 @@
       </p:pic>
       <p:sp>
         <p:nvSpPr>
-          <p:cNvPr id="3" name="テキスト ボックス 2">
-            <a:extLst>
-              <a:ext uri="{FF2B5EF4-FFF2-40B4-BE49-F238E27FC236}">
-                <a16:creationId xmlns:a16="http://schemas.microsoft.com/office/drawing/2014/main" id="{24ADC03F-BFEC-4049-9726-538FCD7B5E67}"/>
+          <p:cNvPr id="4" name="テキスト ボックス 3">
+            <a:extLst>
+              <a:ext uri="{FF2B5EF4-FFF2-40B4-BE49-F238E27FC236}">
+                <a16:creationId xmlns:a16="http://schemas.microsoft.com/office/drawing/2014/main" id="{97F60750-3B49-4F0E-857A-8ADC63AD950B}"/>
               </a:ext>
             </a:extLst>
           </p:cNvPr>
@@ -10344,42 +10346,541 @@
         </p:nvSpPr>
         <p:spPr>
           <a:xfrm>
-            <a:off x="78153" y="0"/>
-            <a:ext cx="4079632" cy="461665"/>
+            <a:off x="6894311" y="4927875"/>
+            <a:ext cx="1958606" cy="462788"/>
           </a:xfrm>
           <a:prstGeom prst="rect">
             <a:avLst/>
           </a:prstGeom>
-          <a:noFill/>
+          <a:solidFill>
+            <a:srgbClr val="FFFF00"/>
+          </a:solidFill>
+          <a:ln>
+            <a:solidFill>
+              <a:schemeClr val="tx1"/>
+            </a:solidFill>
+          </a:ln>
         </p:spPr>
         <p:txBody>
           <a:bodyPr wrap="square" rtlCol="0">
-            <a:spAutoFit/>
+            <a:noAutofit/>
           </a:bodyPr>
           <a:lstStyle/>
           <a:p>
             <a:r>
-              <a:rPr lang="en-US" altLang="ja-JP" sz="2400" dirty="0">
-                <a:solidFill>
-                  <a:srgbClr val="000000"/>
-                </a:solidFill>
-                <a:effectLst/>
-                <a:latin typeface="Times New Roman" panose="02020603050405020304" pitchFamily="18" charset="0"/>
-                <a:cs typeface="Times New Roman" panose="02020603050405020304" pitchFamily="18" charset="0"/>
+              <a:rPr lang="en-US" altLang="ja-JP" sz="726" dirty="0">
+                <a:latin typeface="Arial" panose="020B0604020202020204" pitchFamily="34" charset="0"/>
+                <a:cs typeface="Arial" panose="020B0604020202020204" pitchFamily="34" charset="0"/>
               </a:rPr>
-              <a:t>PumpAsTurbine_ex01</a:t>
-            </a:r>
-            <a:endParaRPr kumimoji="1" lang="ja-JP" altLang="en-US" sz="2400" dirty="0">
-              <a:latin typeface="Times New Roman" panose="02020603050405020304" pitchFamily="18" charset="0"/>
-              <a:cs typeface="Times New Roman" panose="02020603050405020304" pitchFamily="18" charset="0"/>
-            </a:endParaRPr>
+              <a:t>Output: </a:t>
+            </a:r>
+          </a:p>
+          <a:p>
+            <a:r>
+              <a:rPr lang="en-US" altLang="ja-JP" sz="726" dirty="0">
+                <a:latin typeface="Arial" panose="020B0604020202020204" pitchFamily="34" charset="0"/>
+                <a:cs typeface="Arial" panose="020B0604020202020204" pitchFamily="34" charset="0"/>
+              </a:rPr>
+              <a:t> pressure difference of valve vs. mass flow rate via valve.</a:t>
+            </a:r>
+          </a:p>
+        </p:txBody>
+      </p:sp>
+      <p:cxnSp>
+        <p:nvCxnSpPr>
+          <p:cNvPr id="5" name="直線矢印コネクタ 4">
+            <a:extLst>
+              <a:ext uri="{FF2B5EF4-FFF2-40B4-BE49-F238E27FC236}">
+                <a16:creationId xmlns:a16="http://schemas.microsoft.com/office/drawing/2014/main" id="{CD459D5E-8256-446E-99A1-E26C4A393E9F}"/>
+              </a:ext>
+            </a:extLst>
+          </p:cNvPr>
+          <p:cNvCxnSpPr>
+            <a:cxnSpLocks/>
+            <a:stCxn id="4" idx="0"/>
+          </p:cNvCxnSpPr>
+          <p:nvPr/>
+        </p:nvCxnSpPr>
+        <p:spPr>
+          <a:xfrm flipH="1" flipV="1">
+            <a:off x="6554498" y="4270269"/>
+            <a:ext cx="1319116" cy="657606"/>
+          </a:xfrm>
+          <a:prstGeom prst="straightConnector1">
+            <a:avLst/>
+          </a:prstGeom>
+          <a:ln w="12700">
+            <a:solidFill>
+              <a:schemeClr val="tx1"/>
+            </a:solidFill>
+            <a:tailEnd type="oval"/>
+          </a:ln>
+        </p:spPr>
+        <p:style>
+          <a:lnRef idx="1">
+            <a:schemeClr val="accent1"/>
+          </a:lnRef>
+          <a:fillRef idx="0">
+            <a:schemeClr val="accent1"/>
+          </a:fillRef>
+          <a:effectRef idx="0">
+            <a:schemeClr val="accent1"/>
+          </a:effectRef>
+          <a:fontRef idx="minor">
+            <a:schemeClr val="tx1"/>
+          </a:fontRef>
+        </p:style>
+      </p:cxnSp>
+      <p:cxnSp>
+        <p:nvCxnSpPr>
+          <p:cNvPr id="7" name="直線矢印コネクタ 6">
+            <a:extLst>
+              <a:ext uri="{FF2B5EF4-FFF2-40B4-BE49-F238E27FC236}">
+                <a16:creationId xmlns:a16="http://schemas.microsoft.com/office/drawing/2014/main" id="{042D3F0D-FFA5-488B-921D-05DBA196B2D4}"/>
+              </a:ext>
+            </a:extLst>
+          </p:cNvPr>
+          <p:cNvCxnSpPr/>
+          <p:nvPr/>
+        </p:nvCxnSpPr>
+        <p:spPr>
+          <a:xfrm flipV="1">
+            <a:off x="4262182" y="4066982"/>
+            <a:ext cx="1785270" cy="681790"/>
+          </a:xfrm>
+          <a:prstGeom prst="straightConnector1">
+            <a:avLst/>
+          </a:prstGeom>
+          <a:ln w="57150">
+            <a:tailEnd type="triangle"/>
+          </a:ln>
+        </p:spPr>
+        <p:style>
+          <a:lnRef idx="1">
+            <a:schemeClr val="accent1"/>
+          </a:lnRef>
+          <a:fillRef idx="0">
+            <a:schemeClr val="accent1"/>
+          </a:fillRef>
+          <a:effectRef idx="0">
+            <a:schemeClr val="accent1"/>
+          </a:effectRef>
+          <a:fontRef idx="minor">
+            <a:schemeClr val="tx1"/>
+          </a:fontRef>
+        </p:style>
+      </p:cxnSp>
+      <p:sp>
+        <p:nvSpPr>
+          <p:cNvPr id="9" name="テキスト ボックス 8">
+            <a:extLst>
+              <a:ext uri="{FF2B5EF4-FFF2-40B4-BE49-F238E27FC236}">
+                <a16:creationId xmlns:a16="http://schemas.microsoft.com/office/drawing/2014/main" id="{9FBCB7C6-F0DF-4D82-89E9-191279627F0B}"/>
+              </a:ext>
+            </a:extLst>
+          </p:cNvPr>
+          <p:cNvSpPr txBox="1"/>
+          <p:nvPr/>
+        </p:nvSpPr>
+        <p:spPr>
+          <a:xfrm>
+            <a:off x="3196211" y="4066982"/>
+            <a:ext cx="1958606" cy="231394"/>
+          </a:xfrm>
+          <a:prstGeom prst="rect">
+            <a:avLst/>
+          </a:prstGeom>
+          <a:solidFill>
+            <a:srgbClr val="FFFF00"/>
+          </a:solidFill>
+          <a:ln>
+            <a:solidFill>
+              <a:schemeClr val="tx1"/>
+            </a:solidFill>
+          </a:ln>
+        </p:spPr>
+        <p:txBody>
+          <a:bodyPr wrap="square" rtlCol="0">
+            <a:noAutofit/>
+          </a:bodyPr>
+          <a:lstStyle/>
+          <a:p>
+            <a:r>
+              <a:rPr lang="en-US" altLang="ja-JP" sz="726" dirty="0">
+                <a:latin typeface="Arial" panose="020B0604020202020204" pitchFamily="34" charset="0"/>
+                <a:cs typeface="Arial" panose="020B0604020202020204" pitchFamily="34" charset="0"/>
+              </a:rPr>
+              <a:t>Increase in pump rotation speed.</a:t>
+            </a:r>
+          </a:p>
+        </p:txBody>
+      </p:sp>
+      <p:cxnSp>
+        <p:nvCxnSpPr>
+          <p:cNvPr id="10" name="直線矢印コネクタ 9">
+            <a:extLst>
+              <a:ext uri="{FF2B5EF4-FFF2-40B4-BE49-F238E27FC236}">
+                <a16:creationId xmlns:a16="http://schemas.microsoft.com/office/drawing/2014/main" id="{AD9598A7-AFA4-4777-B232-F2EF2222C901}"/>
+              </a:ext>
+            </a:extLst>
+          </p:cNvPr>
+          <p:cNvCxnSpPr>
+            <a:cxnSpLocks/>
+          </p:cNvCxnSpPr>
+          <p:nvPr/>
+        </p:nvCxnSpPr>
+        <p:spPr>
+          <a:xfrm flipH="1" flipV="1">
+            <a:off x="6857500" y="1969073"/>
+            <a:ext cx="915400" cy="866690"/>
+          </a:xfrm>
+          <a:prstGeom prst="straightConnector1">
+            <a:avLst/>
+          </a:prstGeom>
+          <a:ln w="57150">
+            <a:tailEnd type="triangle"/>
+          </a:ln>
+        </p:spPr>
+        <p:style>
+          <a:lnRef idx="1">
+            <a:schemeClr val="accent1"/>
+          </a:lnRef>
+          <a:fillRef idx="0">
+            <a:schemeClr val="accent1"/>
+          </a:fillRef>
+          <a:effectRef idx="0">
+            <a:schemeClr val="accent1"/>
+          </a:effectRef>
+          <a:fontRef idx="minor">
+            <a:schemeClr val="tx1"/>
+          </a:fontRef>
+        </p:style>
+      </p:cxnSp>
+      <p:sp>
+        <p:nvSpPr>
+          <p:cNvPr id="14" name="テキスト ボックス 13">
+            <a:extLst>
+              <a:ext uri="{FF2B5EF4-FFF2-40B4-BE49-F238E27FC236}">
+                <a16:creationId xmlns:a16="http://schemas.microsoft.com/office/drawing/2014/main" id="{F65E9BFD-A7C2-4261-BF27-43366943461C}"/>
+              </a:ext>
+            </a:extLst>
+          </p:cNvPr>
+          <p:cNvSpPr txBox="1"/>
+          <p:nvPr/>
+        </p:nvSpPr>
+        <p:spPr>
+          <a:xfrm>
+            <a:off x="5772303" y="2474820"/>
+            <a:ext cx="1471531" cy="231394"/>
+          </a:xfrm>
+          <a:prstGeom prst="rect">
+            <a:avLst/>
+          </a:prstGeom>
+          <a:solidFill>
+            <a:srgbClr val="FFFF00"/>
+          </a:solidFill>
+          <a:ln>
+            <a:solidFill>
+              <a:schemeClr val="tx1"/>
+            </a:solidFill>
+          </a:ln>
+        </p:spPr>
+        <p:txBody>
+          <a:bodyPr wrap="square" rtlCol="0">
+            <a:noAutofit/>
+          </a:bodyPr>
+          <a:lstStyle/>
+          <a:p>
+            <a:r>
+              <a:rPr lang="en-US" altLang="ja-JP" sz="726" dirty="0">
+                <a:latin typeface="Arial" panose="020B0604020202020204" pitchFamily="34" charset="0"/>
+                <a:cs typeface="Arial" panose="020B0604020202020204" pitchFamily="34" charset="0"/>
+              </a:rPr>
+              <a:t>Close of valve (from 1 to 0.5).</a:t>
+            </a:r>
+          </a:p>
+        </p:txBody>
+      </p:sp>
+      <p:cxnSp>
+        <p:nvCxnSpPr>
+          <p:cNvPr id="15" name="直線矢印コネクタ 14">
+            <a:extLst>
+              <a:ext uri="{FF2B5EF4-FFF2-40B4-BE49-F238E27FC236}">
+                <a16:creationId xmlns:a16="http://schemas.microsoft.com/office/drawing/2014/main" id="{997E26E6-595D-4022-9988-FF5BD7944550}"/>
+              </a:ext>
+            </a:extLst>
+          </p:cNvPr>
+          <p:cNvCxnSpPr>
+            <a:cxnSpLocks/>
+          </p:cNvCxnSpPr>
+          <p:nvPr/>
+        </p:nvCxnSpPr>
+        <p:spPr>
+          <a:xfrm flipH="1">
+            <a:off x="4092704" y="1811875"/>
+            <a:ext cx="1132845" cy="462851"/>
+          </a:xfrm>
+          <a:prstGeom prst="straightConnector1">
+            <a:avLst/>
+          </a:prstGeom>
+          <a:ln w="57150">
+            <a:prstDash val="sysDash"/>
+            <a:tailEnd type="triangle"/>
+          </a:ln>
+        </p:spPr>
+        <p:style>
+          <a:lnRef idx="1">
+            <a:schemeClr val="accent1"/>
+          </a:lnRef>
+          <a:fillRef idx="0">
+            <a:schemeClr val="accent1"/>
+          </a:fillRef>
+          <a:effectRef idx="0">
+            <a:schemeClr val="accent1"/>
+          </a:effectRef>
+          <a:fontRef idx="minor">
+            <a:schemeClr val="tx1"/>
+          </a:fontRef>
+        </p:style>
+      </p:cxnSp>
+      <p:cxnSp>
+        <p:nvCxnSpPr>
+          <p:cNvPr id="19" name="直線コネクタ 18">
+            <a:extLst>
+              <a:ext uri="{FF2B5EF4-FFF2-40B4-BE49-F238E27FC236}">
+                <a16:creationId xmlns:a16="http://schemas.microsoft.com/office/drawing/2014/main" id="{E9BAC9CF-F5FA-4B76-82D9-5F8E3A05CBCF}"/>
+              </a:ext>
+            </a:extLst>
+          </p:cNvPr>
+          <p:cNvCxnSpPr>
+            <a:cxnSpLocks/>
+          </p:cNvCxnSpPr>
+          <p:nvPr/>
+        </p:nvCxnSpPr>
+        <p:spPr>
+          <a:xfrm flipH="1">
+            <a:off x="2987391" y="928749"/>
+            <a:ext cx="5084817" cy="1877358"/>
+          </a:xfrm>
+          <a:prstGeom prst="line">
+            <a:avLst/>
+          </a:prstGeom>
+          <a:ln w="12700">
+            <a:solidFill>
+              <a:srgbClr val="FF0000"/>
+            </a:solidFill>
+            <a:prstDash val="dash"/>
+            <a:headEnd type="arrow" w="med" len="med"/>
+            <a:tailEnd type="arrow" w="med" len="med"/>
+          </a:ln>
+        </p:spPr>
+        <p:style>
+          <a:lnRef idx="1">
+            <a:schemeClr val="accent1"/>
+          </a:lnRef>
+          <a:fillRef idx="0">
+            <a:schemeClr val="accent1"/>
+          </a:fillRef>
+          <a:effectRef idx="0">
+            <a:schemeClr val="accent1"/>
+          </a:effectRef>
+          <a:fontRef idx="minor">
+            <a:schemeClr val="tx1"/>
+          </a:fontRef>
+        </p:style>
+      </p:cxnSp>
+      <p:cxnSp>
+        <p:nvCxnSpPr>
+          <p:cNvPr id="25" name="直線矢印コネクタ 24">
+            <a:extLst>
+              <a:ext uri="{FF2B5EF4-FFF2-40B4-BE49-F238E27FC236}">
+                <a16:creationId xmlns:a16="http://schemas.microsoft.com/office/drawing/2014/main" id="{F0EDFA1E-951F-4FA1-B0FB-40CDF9A3C747}"/>
+              </a:ext>
+            </a:extLst>
+          </p:cNvPr>
+          <p:cNvCxnSpPr>
+            <a:cxnSpLocks/>
+          </p:cNvCxnSpPr>
+          <p:nvPr/>
+        </p:nvCxnSpPr>
+        <p:spPr>
+          <a:xfrm flipV="1">
+            <a:off x="6679540" y="864284"/>
+            <a:ext cx="963902" cy="379932"/>
+          </a:xfrm>
+          <a:prstGeom prst="straightConnector1">
+            <a:avLst/>
+          </a:prstGeom>
+          <a:ln w="57150">
+            <a:prstDash val="sysDash"/>
+            <a:tailEnd type="triangle"/>
+          </a:ln>
+        </p:spPr>
+        <p:style>
+          <a:lnRef idx="1">
+            <a:schemeClr val="accent1"/>
+          </a:lnRef>
+          <a:fillRef idx="0">
+            <a:schemeClr val="accent1"/>
+          </a:fillRef>
+          <a:effectRef idx="0">
+            <a:schemeClr val="accent1"/>
+          </a:effectRef>
+          <a:fontRef idx="minor">
+            <a:schemeClr val="tx1"/>
+          </a:fontRef>
+        </p:style>
+      </p:cxnSp>
+      <p:sp>
+        <p:nvSpPr>
+          <p:cNvPr id="29" name="テキスト ボックス 28">
+            <a:extLst>
+              <a:ext uri="{FF2B5EF4-FFF2-40B4-BE49-F238E27FC236}">
+                <a16:creationId xmlns:a16="http://schemas.microsoft.com/office/drawing/2014/main" id="{5F475437-0345-47CF-9FE1-D668F99663DA}"/>
+              </a:ext>
+            </a:extLst>
+          </p:cNvPr>
+          <p:cNvSpPr txBox="1"/>
+          <p:nvPr/>
+        </p:nvSpPr>
+        <p:spPr>
+          <a:xfrm>
+            <a:off x="3196211" y="1811875"/>
+            <a:ext cx="1388082" cy="210358"/>
+          </a:xfrm>
+          <a:prstGeom prst="rect">
+            <a:avLst/>
+          </a:prstGeom>
+          <a:solidFill>
+            <a:srgbClr val="FFFF00"/>
+          </a:solidFill>
+          <a:ln w="12700">
+            <a:solidFill>
+              <a:schemeClr val="tx1"/>
+            </a:solidFill>
+            <a:prstDash val="dash"/>
+          </a:ln>
+        </p:spPr>
+        <p:txBody>
+          <a:bodyPr wrap="square" rtlCol="0">
+            <a:noAutofit/>
+          </a:bodyPr>
+          <a:lstStyle/>
+          <a:p>
+            <a:r>
+              <a:rPr lang="en-US" altLang="ja-JP" sz="726" dirty="0">
+                <a:latin typeface="Arial" panose="020B0604020202020204" pitchFamily="34" charset="0"/>
+                <a:cs typeface="Arial" panose="020B0604020202020204" pitchFamily="34" charset="0"/>
+              </a:rPr>
+              <a:t>If pump speed is reduced.</a:t>
+            </a:r>
+          </a:p>
+        </p:txBody>
+      </p:sp>
+      <p:sp>
+        <p:nvSpPr>
+          <p:cNvPr id="31" name="テキスト ボックス 30">
+            <a:extLst>
+              <a:ext uri="{FF2B5EF4-FFF2-40B4-BE49-F238E27FC236}">
+                <a16:creationId xmlns:a16="http://schemas.microsoft.com/office/drawing/2014/main" id="{F7B7729C-DFC0-468F-B40B-DA09B43124FD}"/>
+              </a:ext>
+            </a:extLst>
+          </p:cNvPr>
+          <p:cNvSpPr txBox="1"/>
+          <p:nvPr/>
+        </p:nvSpPr>
+        <p:spPr>
+          <a:xfrm>
+            <a:off x="5814027" y="746617"/>
+            <a:ext cx="1388082" cy="210358"/>
+          </a:xfrm>
+          <a:prstGeom prst="rect">
+            <a:avLst/>
+          </a:prstGeom>
+          <a:solidFill>
+            <a:srgbClr val="FFFF00"/>
+          </a:solidFill>
+          <a:ln w="12700">
+            <a:solidFill>
+              <a:schemeClr val="tx1"/>
+            </a:solidFill>
+            <a:prstDash val="dash"/>
+          </a:ln>
+        </p:spPr>
+        <p:txBody>
+          <a:bodyPr wrap="square" rtlCol="0">
+            <a:noAutofit/>
+          </a:bodyPr>
+          <a:lstStyle/>
+          <a:p>
+            <a:r>
+              <a:rPr lang="en-US" altLang="ja-JP" sz="726" dirty="0">
+                <a:latin typeface="Arial" panose="020B0604020202020204" pitchFamily="34" charset="0"/>
+                <a:cs typeface="Arial" panose="020B0604020202020204" pitchFamily="34" charset="0"/>
+              </a:rPr>
+              <a:t>If pump speed is increased.</a:t>
+            </a:r>
+          </a:p>
+        </p:txBody>
+      </p:sp>
+      <p:sp>
+        <p:nvSpPr>
+          <p:cNvPr id="32" name="楕円 31">
+            <a:extLst>
+              <a:ext uri="{FF2B5EF4-FFF2-40B4-BE49-F238E27FC236}">
+                <a16:creationId xmlns:a16="http://schemas.microsoft.com/office/drawing/2014/main" id="{6F1645D5-F783-41D9-9B24-5B11691851B9}"/>
+              </a:ext>
+            </a:extLst>
+          </p:cNvPr>
+          <p:cNvSpPr/>
+          <p:nvPr/>
+        </p:nvSpPr>
+        <p:spPr>
+          <a:xfrm>
+            <a:off x="6554498" y="1410481"/>
+            <a:ext cx="117873" cy="117954"/>
+          </a:xfrm>
+          <a:prstGeom prst="ellipse">
+            <a:avLst/>
+          </a:prstGeom>
+          <a:solidFill>
+            <a:srgbClr val="FF0000"/>
+          </a:solidFill>
+          <a:ln>
+            <a:solidFill>
+              <a:srgbClr val="FF0000"/>
+            </a:solidFill>
+          </a:ln>
+        </p:spPr>
+        <p:style>
+          <a:lnRef idx="2">
+            <a:schemeClr val="accent1">
+              <a:shade val="50000"/>
+            </a:schemeClr>
+          </a:lnRef>
+          <a:fillRef idx="1">
+            <a:schemeClr val="accent1"/>
+          </a:fillRef>
+          <a:effectRef idx="0">
+            <a:schemeClr val="accent1"/>
+          </a:effectRef>
+          <a:fontRef idx="minor">
+            <a:schemeClr val="lt1"/>
+          </a:fontRef>
+        </p:style>
+        <p:txBody>
+          <a:bodyPr rtlCol="0" anchor="ctr"/>
+          <a:lstStyle/>
+          <a:p>
+            <a:pPr algn="ctr"/>
+            <a:endParaRPr kumimoji="1" lang="ja-JP" altLang="en-US"/>
           </a:p>
         </p:txBody>
       </p:sp>
     </p:spTree>
     <p:extLst>
       <p:ext uri="{BB962C8B-B14F-4D97-AF65-F5344CB8AC3E}">
-        <p14:creationId xmlns:p14="http://schemas.microsoft.com/office/powerpoint/2010/main" val="3258820415"/>
+        <p14:creationId xmlns:p14="http://schemas.microsoft.com/office/powerpoint/2010/main" val="3306936681"/>
       </p:ext>
     </p:extLst>
   </p:cSld>
@@ -10408,10 +10909,10 @@
       </p:grpSpPr>
       <p:pic>
         <p:nvPicPr>
-          <p:cNvPr id="3" name="図 2">
-            <a:extLst>
-              <a:ext uri="{FF2B5EF4-FFF2-40B4-BE49-F238E27FC236}">
-                <a16:creationId xmlns:a16="http://schemas.microsoft.com/office/drawing/2014/main" id="{2848B27E-D4AC-4CD0-81CF-025BAB9F3594}"/>
+          <p:cNvPr id="5" name="図 4">
+            <a:extLst>
+              <a:ext uri="{FF2B5EF4-FFF2-40B4-BE49-F238E27FC236}">
+                <a16:creationId xmlns:a16="http://schemas.microsoft.com/office/drawing/2014/main" id="{1861CB12-90A6-42DE-A22D-8963E3B6B5F0}"/>
               </a:ext>
             </a:extLst>
           </p:cNvPr>
@@ -10436,10 +10937,56 @@
           </a:prstGeom>
         </p:spPr>
       </p:pic>
+      <p:sp>
+        <p:nvSpPr>
+          <p:cNvPr id="3" name="テキスト ボックス 2">
+            <a:extLst>
+              <a:ext uri="{FF2B5EF4-FFF2-40B4-BE49-F238E27FC236}">
+                <a16:creationId xmlns:a16="http://schemas.microsoft.com/office/drawing/2014/main" id="{24ADC03F-BFEC-4049-9726-538FCD7B5E67}"/>
+              </a:ext>
+            </a:extLst>
+          </p:cNvPr>
+          <p:cNvSpPr txBox="1"/>
+          <p:nvPr/>
+        </p:nvSpPr>
+        <p:spPr>
+          <a:xfrm>
+            <a:off x="78153" y="0"/>
+            <a:ext cx="4079632" cy="461665"/>
+          </a:xfrm>
+          <a:prstGeom prst="rect">
+            <a:avLst/>
+          </a:prstGeom>
+          <a:noFill/>
+        </p:spPr>
+        <p:txBody>
+          <a:bodyPr wrap="square" rtlCol="0">
+            <a:spAutoFit/>
+          </a:bodyPr>
+          <a:lstStyle/>
+          <a:p>
+            <a:r>
+              <a:rPr lang="en-US" altLang="ja-JP" sz="2400" dirty="0">
+                <a:solidFill>
+                  <a:srgbClr val="000000"/>
+                </a:solidFill>
+                <a:effectLst/>
+                <a:latin typeface="Times New Roman" panose="02020603050405020304" pitchFamily="18" charset="0"/>
+                <a:cs typeface="Times New Roman" panose="02020603050405020304" pitchFamily="18" charset="0"/>
+              </a:rPr>
+              <a:t>PumpAsTurbine_ex01</a:t>
+            </a:r>
+            <a:endParaRPr kumimoji="1" lang="ja-JP" altLang="en-US" sz="2400" dirty="0">
+              <a:latin typeface="Times New Roman" panose="02020603050405020304" pitchFamily="18" charset="0"/>
+              <a:cs typeface="Times New Roman" panose="02020603050405020304" pitchFamily="18" charset="0"/>
+            </a:endParaRPr>
+          </a:p>
+        </p:txBody>
+      </p:sp>
     </p:spTree>
     <p:extLst>
       <p:ext uri="{BB962C8B-B14F-4D97-AF65-F5344CB8AC3E}">
-        <p14:creationId xmlns:p14="http://schemas.microsoft.com/office/powerpoint/2010/main" val="2043835998"/>
+        <p14:creationId xmlns:p14="http://schemas.microsoft.com/office/powerpoint/2010/main" val="3258820415"/>
       </p:ext>
     </p:extLst>
   </p:cSld>
@@ -10468,10 +11015,10 @@
       </p:grpSpPr>
       <p:pic>
         <p:nvPicPr>
-          <p:cNvPr id="5" name="図 4">
-            <a:extLst>
-              <a:ext uri="{FF2B5EF4-FFF2-40B4-BE49-F238E27FC236}">
-                <a16:creationId xmlns:a16="http://schemas.microsoft.com/office/drawing/2014/main" id="{F40256F8-9584-41E5-ACD5-AA57ECDBCBBC}"/>
+          <p:cNvPr id="3" name="図 2">
+            <a:extLst>
+              <a:ext uri="{FF2B5EF4-FFF2-40B4-BE49-F238E27FC236}">
+                <a16:creationId xmlns:a16="http://schemas.microsoft.com/office/drawing/2014/main" id="{2848B27E-D4AC-4CD0-81CF-025BAB9F3594}"/>
               </a:ext>
             </a:extLst>
           </p:cNvPr>
@@ -10488,64 +11035,18 @@
         </p:blipFill>
         <p:spPr>
           <a:xfrm>
-            <a:off x="2039639" y="0"/>
-            <a:ext cx="8112722" cy="6858000"/>
+            <a:off x="1985486" y="0"/>
+            <a:ext cx="8221027" cy="6858000"/>
           </a:xfrm>
           <a:prstGeom prst="rect">
             <a:avLst/>
           </a:prstGeom>
         </p:spPr>
       </p:pic>
-      <p:sp>
-        <p:nvSpPr>
-          <p:cNvPr id="3" name="テキスト ボックス 2">
-            <a:extLst>
-              <a:ext uri="{FF2B5EF4-FFF2-40B4-BE49-F238E27FC236}">
-                <a16:creationId xmlns:a16="http://schemas.microsoft.com/office/drawing/2014/main" id="{ABC8D612-4C8F-40D2-9EE2-D80AEAE98A25}"/>
-              </a:ext>
-            </a:extLst>
-          </p:cNvPr>
-          <p:cNvSpPr txBox="1"/>
-          <p:nvPr/>
-        </p:nvSpPr>
-        <p:spPr>
-          <a:xfrm>
-            <a:off x="78153" y="0"/>
-            <a:ext cx="4079632" cy="461665"/>
-          </a:xfrm>
-          <a:prstGeom prst="rect">
-            <a:avLst/>
-          </a:prstGeom>
-          <a:noFill/>
-        </p:spPr>
-        <p:txBody>
-          <a:bodyPr wrap="square" rtlCol="0">
-            <a:spAutoFit/>
-          </a:bodyPr>
-          <a:lstStyle/>
-          <a:p>
-            <a:r>
-              <a:rPr lang="en-US" altLang="ja-JP" sz="2400" dirty="0">
-                <a:solidFill>
-                  <a:srgbClr val="000000"/>
-                </a:solidFill>
-                <a:effectLst/>
-                <a:latin typeface="Times New Roman" panose="02020603050405020304" pitchFamily="18" charset="0"/>
-                <a:cs typeface="Times New Roman" panose="02020603050405020304" pitchFamily="18" charset="0"/>
-              </a:rPr>
-              <a:t>PumpAsTurbine_ex02</a:t>
-            </a:r>
-            <a:endParaRPr kumimoji="1" lang="ja-JP" altLang="en-US" sz="2400" dirty="0">
-              <a:latin typeface="Times New Roman" panose="02020603050405020304" pitchFamily="18" charset="0"/>
-              <a:cs typeface="Times New Roman" panose="02020603050405020304" pitchFamily="18" charset="0"/>
-            </a:endParaRPr>
-          </a:p>
-        </p:txBody>
-      </p:sp>
     </p:spTree>
     <p:extLst>
       <p:ext uri="{BB962C8B-B14F-4D97-AF65-F5344CB8AC3E}">
-        <p14:creationId xmlns:p14="http://schemas.microsoft.com/office/powerpoint/2010/main" val="547396864"/>
+        <p14:creationId xmlns:p14="http://schemas.microsoft.com/office/powerpoint/2010/main" val="2043835998"/>
       </p:ext>
     </p:extLst>
   </p:cSld>
@@ -10574,6 +11075,112 @@
       </p:grpSpPr>
       <p:pic>
         <p:nvPicPr>
+          <p:cNvPr id="5" name="図 4">
+            <a:extLst>
+              <a:ext uri="{FF2B5EF4-FFF2-40B4-BE49-F238E27FC236}">
+                <a16:creationId xmlns:a16="http://schemas.microsoft.com/office/drawing/2014/main" id="{F40256F8-9584-41E5-ACD5-AA57ECDBCBBC}"/>
+              </a:ext>
+            </a:extLst>
+          </p:cNvPr>
+          <p:cNvPicPr>
+            <a:picLocks noChangeAspect="1"/>
+          </p:cNvPicPr>
+          <p:nvPr/>
+        </p:nvPicPr>
+        <p:blipFill>
+          <a:blip r:embed="rId2"/>
+          <a:stretch>
+            <a:fillRect/>
+          </a:stretch>
+        </p:blipFill>
+        <p:spPr>
+          <a:xfrm>
+            <a:off x="2039639" y="0"/>
+            <a:ext cx="8112722" cy="6858000"/>
+          </a:xfrm>
+          <a:prstGeom prst="rect">
+            <a:avLst/>
+          </a:prstGeom>
+        </p:spPr>
+      </p:pic>
+      <p:sp>
+        <p:nvSpPr>
+          <p:cNvPr id="3" name="テキスト ボックス 2">
+            <a:extLst>
+              <a:ext uri="{FF2B5EF4-FFF2-40B4-BE49-F238E27FC236}">
+                <a16:creationId xmlns:a16="http://schemas.microsoft.com/office/drawing/2014/main" id="{ABC8D612-4C8F-40D2-9EE2-D80AEAE98A25}"/>
+              </a:ext>
+            </a:extLst>
+          </p:cNvPr>
+          <p:cNvSpPr txBox="1"/>
+          <p:nvPr/>
+        </p:nvSpPr>
+        <p:spPr>
+          <a:xfrm>
+            <a:off x="78153" y="0"/>
+            <a:ext cx="4079632" cy="461665"/>
+          </a:xfrm>
+          <a:prstGeom prst="rect">
+            <a:avLst/>
+          </a:prstGeom>
+          <a:noFill/>
+        </p:spPr>
+        <p:txBody>
+          <a:bodyPr wrap="square" rtlCol="0">
+            <a:spAutoFit/>
+          </a:bodyPr>
+          <a:lstStyle/>
+          <a:p>
+            <a:r>
+              <a:rPr lang="en-US" altLang="ja-JP" sz="2400" dirty="0">
+                <a:solidFill>
+                  <a:srgbClr val="000000"/>
+                </a:solidFill>
+                <a:effectLst/>
+                <a:latin typeface="Times New Roman" panose="02020603050405020304" pitchFamily="18" charset="0"/>
+                <a:cs typeface="Times New Roman" panose="02020603050405020304" pitchFamily="18" charset="0"/>
+              </a:rPr>
+              <a:t>PumpAsTurbine_ex02</a:t>
+            </a:r>
+            <a:endParaRPr kumimoji="1" lang="ja-JP" altLang="en-US" sz="2400" dirty="0">
+              <a:latin typeface="Times New Roman" panose="02020603050405020304" pitchFamily="18" charset="0"/>
+              <a:cs typeface="Times New Roman" panose="02020603050405020304" pitchFamily="18" charset="0"/>
+            </a:endParaRPr>
+          </a:p>
+        </p:txBody>
+      </p:sp>
+    </p:spTree>
+    <p:extLst>
+      <p:ext uri="{BB962C8B-B14F-4D97-AF65-F5344CB8AC3E}">
+        <p14:creationId xmlns:p14="http://schemas.microsoft.com/office/powerpoint/2010/main" val="547396864"/>
+      </p:ext>
+    </p:extLst>
+  </p:cSld>
+  <p:clrMapOvr>
+    <a:masterClrMapping/>
+  </p:clrMapOvr>
+</p:sld>
+</file>
+
+<file path=ppt/slides/slide34.xml><?xml version="1.0" encoding="utf-8"?>
+<p:sld xmlns:a="http://schemas.openxmlformats.org/drawingml/2006/main" xmlns:r="http://schemas.openxmlformats.org/officeDocument/2006/relationships" xmlns:p="http://schemas.openxmlformats.org/presentationml/2006/main">
+  <p:cSld>
+    <p:spTree>
+      <p:nvGrpSpPr>
+        <p:cNvPr id="1" name=""/>
+        <p:cNvGrpSpPr/>
+        <p:nvPr/>
+      </p:nvGrpSpPr>
+      <p:grpSpPr>
+        <a:xfrm>
+          <a:off x="0" y="0"/>
+          <a:ext cx="0" cy="0"/>
+          <a:chOff x="0" y="0"/>
+          <a:chExt cx="0" cy="0"/>
+        </a:xfrm>
+      </p:grpSpPr>
+      <p:pic>
+        <p:nvPicPr>
           <p:cNvPr id="3" name="図 2">
             <a:extLst>
               <a:ext uri="{FF2B5EF4-FFF2-40B4-BE49-F238E27FC236}">
@@ -10615,7 +11222,7 @@
 </p:sld>
 </file>
 
-<file path=ppt/slides/slide34.xml><?xml version="1.0" encoding="utf-8"?>
+<file path=ppt/slides/slide35.xml><?xml version="1.0" encoding="utf-8"?>
 <p:sld xmlns:a="http://schemas.openxmlformats.org/drawingml/2006/main" xmlns:r="http://schemas.openxmlformats.org/officeDocument/2006/relationships" xmlns:p="http://schemas.openxmlformats.org/presentationml/2006/main">
   <p:cSld>
     <p:spTree>
@@ -10645,7 +11252,7 @@
 </p:sld>
 </file>
 
-<file path=ppt/slides/slide35.xml><?xml version="1.0" encoding="utf-8"?>
+<file path=ppt/slides/slide36.xml><?xml version="1.0" encoding="utf-8"?>
 <p:sld xmlns:a="http://schemas.openxmlformats.org/drawingml/2006/main" xmlns:r="http://schemas.openxmlformats.org/officeDocument/2006/relationships" xmlns:p="http://schemas.openxmlformats.org/presentationml/2006/main">
   <p:cSld>
     <p:spTree>
@@ -10675,7 +11282,7 @@
 </p:sld>
 </file>
 
-<file path=ppt/slides/slide36.xml><?xml version="1.0" encoding="utf-8"?>
+<file path=ppt/slides/slide37.xml><?xml version="1.0" encoding="utf-8"?>
 <p:sld xmlns:a="http://schemas.openxmlformats.org/drawingml/2006/main" xmlns:r="http://schemas.openxmlformats.org/officeDocument/2006/relationships" xmlns:p="http://schemas.openxmlformats.org/presentationml/2006/main">
   <p:cSld>
     <p:spTree>
@@ -10705,7 +11312,7 @@
 </p:sld>
 </file>
 
-<file path=ppt/slides/slide37.xml><?xml version="1.0" encoding="utf-8"?>
+<file path=ppt/slides/slide38.xml><?xml version="1.0" encoding="utf-8"?>
 <p:sld xmlns:a="http://schemas.openxmlformats.org/drawingml/2006/main" xmlns:r="http://schemas.openxmlformats.org/officeDocument/2006/relationships" xmlns:p="http://schemas.openxmlformats.org/presentationml/2006/main">
   <p:cSld>
     <p:spTree>

--- a/figs/makeFigs.pptx
+++ b/figs/makeFigs.pptx
@@ -366,7 +366,7 @@
           <a:p>
             <a:fld id="{5498794B-0F6E-4381-BD9D-5788C27E7ABB}" type="datetimeFigureOut">
               <a:rPr kumimoji="1" lang="ja-JP" altLang="en-US" smtClean="0"/>
-              <a:t>2020/10/28</a:t>
+              <a:t>2020/11/1</a:t>
             </a:fld>
             <a:endParaRPr kumimoji="1" lang="ja-JP" altLang="en-US"/>
           </a:p>
@@ -596,7 +596,7 @@
           <a:p>
             <a:fld id="{5498794B-0F6E-4381-BD9D-5788C27E7ABB}" type="datetimeFigureOut">
               <a:rPr kumimoji="1" lang="ja-JP" altLang="en-US" smtClean="0"/>
-              <a:t>2020/10/28</a:t>
+              <a:t>2020/11/1</a:t>
             </a:fld>
             <a:endParaRPr kumimoji="1" lang="ja-JP" altLang="en-US"/>
           </a:p>
@@ -836,7 +836,7 @@
           <a:p>
             <a:fld id="{5498794B-0F6E-4381-BD9D-5788C27E7ABB}" type="datetimeFigureOut">
               <a:rPr kumimoji="1" lang="ja-JP" altLang="en-US" smtClean="0"/>
-              <a:t>2020/10/28</a:t>
+              <a:t>2020/11/1</a:t>
             </a:fld>
             <a:endParaRPr kumimoji="1" lang="ja-JP" altLang="en-US"/>
           </a:p>
@@ -1156,7 +1156,7 @@
           <a:p>
             <a:fld id="{5498794B-0F6E-4381-BD9D-5788C27E7ABB}" type="datetimeFigureOut">
               <a:rPr kumimoji="1" lang="ja-JP" altLang="en-US" smtClean="0"/>
-              <a:t>2020/10/28</a:t>
+              <a:t>2020/11/1</a:t>
             </a:fld>
             <a:endParaRPr kumimoji="1" lang="ja-JP" altLang="en-US"/>
           </a:p>
@@ -1431,7 +1431,7 @@
           <a:p>
             <a:fld id="{5498794B-0F6E-4381-BD9D-5788C27E7ABB}" type="datetimeFigureOut">
               <a:rPr kumimoji="1" lang="ja-JP" altLang="en-US" smtClean="0"/>
-              <a:t>2020/10/28</a:t>
+              <a:t>2020/11/1</a:t>
             </a:fld>
             <a:endParaRPr kumimoji="1" lang="ja-JP" altLang="en-US"/>
           </a:p>
@@ -1760,7 +1760,7 @@
           <a:p>
             <a:fld id="{5498794B-0F6E-4381-BD9D-5788C27E7ABB}" type="datetimeFigureOut">
               <a:rPr kumimoji="1" lang="ja-JP" altLang="en-US" smtClean="0"/>
-              <a:t>2020/10/28</a:t>
+              <a:t>2020/11/1</a:t>
             </a:fld>
             <a:endParaRPr kumimoji="1" lang="ja-JP" altLang="en-US"/>
           </a:p>
@@ -2236,7 +2236,7 @@
           <a:p>
             <a:fld id="{5498794B-0F6E-4381-BD9D-5788C27E7ABB}" type="datetimeFigureOut">
               <a:rPr kumimoji="1" lang="ja-JP" altLang="en-US" smtClean="0"/>
-              <a:t>2020/10/28</a:t>
+              <a:t>2020/11/1</a:t>
             </a:fld>
             <a:endParaRPr kumimoji="1" lang="ja-JP" altLang="en-US"/>
           </a:p>
@@ -2377,7 +2377,7 @@
           <a:p>
             <a:fld id="{5498794B-0F6E-4381-BD9D-5788C27E7ABB}" type="datetimeFigureOut">
               <a:rPr kumimoji="1" lang="ja-JP" altLang="en-US" smtClean="0"/>
-              <a:t>2020/10/28</a:t>
+              <a:t>2020/11/1</a:t>
             </a:fld>
             <a:endParaRPr kumimoji="1" lang="ja-JP" altLang="en-US"/>
           </a:p>
@@ -2490,7 +2490,7 @@
           <a:p>
             <a:fld id="{5498794B-0F6E-4381-BD9D-5788C27E7ABB}" type="datetimeFigureOut">
               <a:rPr kumimoji="1" lang="ja-JP" altLang="en-US" smtClean="0"/>
-              <a:t>2020/10/28</a:t>
+              <a:t>2020/11/1</a:t>
             </a:fld>
             <a:endParaRPr kumimoji="1" lang="ja-JP" altLang="en-US"/>
           </a:p>
@@ -2833,7 +2833,7 @@
           <a:p>
             <a:fld id="{5498794B-0F6E-4381-BD9D-5788C27E7ABB}" type="datetimeFigureOut">
               <a:rPr kumimoji="1" lang="ja-JP" altLang="en-US" smtClean="0"/>
-              <a:t>2020/10/28</a:t>
+              <a:t>2020/11/1</a:t>
             </a:fld>
             <a:endParaRPr kumimoji="1" lang="ja-JP" altLang="en-US"/>
           </a:p>
@@ -3121,7 +3121,7 @@
           <a:p>
             <a:fld id="{5498794B-0F6E-4381-BD9D-5788C27E7ABB}" type="datetimeFigureOut">
               <a:rPr kumimoji="1" lang="ja-JP" altLang="en-US" smtClean="0"/>
-              <a:t>2020/10/28</a:t>
+              <a:t>2020/11/1</a:t>
             </a:fld>
             <a:endParaRPr kumimoji="1" lang="ja-JP" altLang="en-US"/>
           </a:p>
@@ -3394,7 +3394,7 @@
           <a:p>
             <a:fld id="{5498794B-0F6E-4381-BD9D-5788C27E7ABB}" type="datetimeFigureOut">
               <a:rPr kumimoji="1" lang="ja-JP" altLang="en-US" smtClean="0"/>
-              <a:t>2020/10/28</a:t>
+              <a:t>2020/11/1</a:t>
             </a:fld>
             <a:endParaRPr kumimoji="1" lang="ja-JP" altLang="en-US"/>
           </a:p>
@@ -11269,6 +11269,36 @@
           <a:chExt cx="0" cy="0"/>
         </a:xfrm>
       </p:grpSpPr>
+      <p:pic>
+        <p:nvPicPr>
+          <p:cNvPr id="3" name="図 2">
+            <a:extLst>
+              <a:ext uri="{FF2B5EF4-FFF2-40B4-BE49-F238E27FC236}">
+                <a16:creationId xmlns:a16="http://schemas.microsoft.com/office/drawing/2014/main" id="{AD6CE722-C573-4FE2-BDCD-C28F1EC58893}"/>
+              </a:ext>
+            </a:extLst>
+          </p:cNvPr>
+          <p:cNvPicPr>
+            <a:picLocks noChangeAspect="1"/>
+          </p:cNvPicPr>
+          <p:nvPr/>
+        </p:nvPicPr>
+        <p:blipFill>
+          <a:blip r:embed="rId2"/>
+          <a:stretch>
+            <a:fillRect/>
+          </a:stretch>
+        </p:blipFill>
+        <p:spPr>
+          <a:xfrm>
+            <a:off x="2500762" y="1086143"/>
+            <a:ext cx="7190476" cy="4685714"/>
+          </a:xfrm>
+          <a:prstGeom prst="rect">
+            <a:avLst/>
+          </a:prstGeom>
+        </p:spPr>
+      </p:pic>
     </p:spTree>
     <p:extLst>
       <p:ext uri="{BB962C8B-B14F-4D97-AF65-F5344CB8AC3E}">
@@ -11299,6 +11329,149 @@
           <a:chExt cx="0" cy="0"/>
         </a:xfrm>
       </p:grpSpPr>
+      <p:pic>
+        <p:nvPicPr>
+          <p:cNvPr id="3" name="図 2">
+            <a:extLst>
+              <a:ext uri="{FF2B5EF4-FFF2-40B4-BE49-F238E27FC236}">
+                <a16:creationId xmlns:a16="http://schemas.microsoft.com/office/drawing/2014/main" id="{87325553-19A4-4F67-9152-23ED4D845FC1}"/>
+              </a:ext>
+            </a:extLst>
+          </p:cNvPr>
+          <p:cNvPicPr>
+            <a:picLocks noChangeAspect="1"/>
+          </p:cNvPicPr>
+          <p:nvPr/>
+        </p:nvPicPr>
+        <p:blipFill>
+          <a:blip r:embed="rId2"/>
+          <a:stretch>
+            <a:fillRect/>
+          </a:stretch>
+        </p:blipFill>
+        <p:spPr>
+          <a:xfrm>
+            <a:off x="2203777" y="804789"/>
+            <a:ext cx="7190476" cy="4685714"/>
+          </a:xfrm>
+          <a:prstGeom prst="rect">
+            <a:avLst/>
+          </a:prstGeom>
+        </p:spPr>
+      </p:pic>
+      <p:sp>
+        <p:nvSpPr>
+          <p:cNvPr id="4" name="テキスト ボックス 3">
+            <a:extLst>
+              <a:ext uri="{FF2B5EF4-FFF2-40B4-BE49-F238E27FC236}">
+                <a16:creationId xmlns:a16="http://schemas.microsoft.com/office/drawing/2014/main" id="{30EA811A-EC3C-4F7E-8505-706D50386E60}"/>
+              </a:ext>
+            </a:extLst>
+          </p:cNvPr>
+          <p:cNvSpPr txBox="1"/>
+          <p:nvPr/>
+        </p:nvSpPr>
+        <p:spPr>
+          <a:xfrm>
+            <a:off x="4591537" y="930031"/>
+            <a:ext cx="1582616" cy="687749"/>
+          </a:xfrm>
+          <a:prstGeom prst="rect">
+            <a:avLst/>
+          </a:prstGeom>
+          <a:solidFill>
+            <a:srgbClr val="92D050">
+              <a:alpha val="60000"/>
+            </a:srgbClr>
+          </a:solidFill>
+          <a:ln>
+            <a:solidFill>
+              <a:schemeClr val="tx1"/>
+            </a:solidFill>
+          </a:ln>
+        </p:spPr>
+        <p:txBody>
+          <a:bodyPr wrap="square" rtlCol="0">
+            <a:noAutofit/>
+          </a:bodyPr>
+          <a:lstStyle/>
+          <a:p>
+            <a:r>
+              <a:rPr lang="en-US" altLang="ja-JP" sz="907" dirty="0">
+                <a:latin typeface="ＭＳ Ｐゴシック" panose="020B0600070205080204" pitchFamily="50" charset="-128"/>
+                <a:ea typeface="ＭＳ Ｐゴシック" panose="020B0600070205080204" pitchFamily="50" charset="-128"/>
+                <a:cs typeface="Arial" panose="020B0604020202020204" pitchFamily="34" charset="0"/>
+              </a:rPr>
+              <a:t>Centrifugal pump</a:t>
+            </a:r>
+          </a:p>
+          <a:p>
+            <a:r>
+              <a:rPr lang="en-US" altLang="ja-JP" sz="907" dirty="0">
+                <a:latin typeface="ＭＳ Ｐゴシック" panose="020B0600070205080204" pitchFamily="50" charset="-128"/>
+                <a:ea typeface="ＭＳ Ｐゴシック" panose="020B0600070205080204" pitchFamily="50" charset="-128"/>
+                <a:cs typeface="Arial" panose="020B0604020202020204" pitchFamily="34" charset="0"/>
+              </a:rPr>
+              <a:t>-. Constant efficiency.</a:t>
+            </a:r>
+          </a:p>
+          <a:p>
+            <a:r>
+              <a:rPr lang="en-US" altLang="ja-JP" sz="907" dirty="0">
+                <a:latin typeface="ＭＳ Ｐゴシック" panose="020B0600070205080204" pitchFamily="50" charset="-128"/>
+                <a:ea typeface="ＭＳ Ｐゴシック" panose="020B0600070205080204" pitchFamily="50" charset="-128"/>
+                <a:cs typeface="Arial" panose="020B0604020202020204" pitchFamily="34" charset="0"/>
+              </a:rPr>
+              <a:t>-. Mechanical interface is rotational speed signal.</a:t>
+            </a:r>
+          </a:p>
+        </p:txBody>
+      </p:sp>
+      <p:cxnSp>
+        <p:nvCxnSpPr>
+          <p:cNvPr id="5" name="直線矢印コネクタ 4">
+            <a:extLst>
+              <a:ext uri="{FF2B5EF4-FFF2-40B4-BE49-F238E27FC236}">
+                <a16:creationId xmlns:a16="http://schemas.microsoft.com/office/drawing/2014/main" id="{F135EA80-FA07-45E9-A1F9-4664E13B7B6A}"/>
+              </a:ext>
+            </a:extLst>
+          </p:cNvPr>
+          <p:cNvCxnSpPr>
+            <a:cxnSpLocks/>
+            <a:stCxn id="4" idx="2"/>
+          </p:cNvCxnSpPr>
+          <p:nvPr/>
+        </p:nvCxnSpPr>
+        <p:spPr>
+          <a:xfrm flipH="1">
+            <a:off x="4591539" y="1617780"/>
+            <a:ext cx="791306" cy="819640"/>
+          </a:xfrm>
+          <a:prstGeom prst="straightConnector1">
+            <a:avLst/>
+          </a:prstGeom>
+          <a:ln w="12700">
+            <a:solidFill>
+              <a:schemeClr val="tx1"/>
+            </a:solidFill>
+            <a:tailEnd type="oval"/>
+          </a:ln>
+        </p:spPr>
+        <p:style>
+          <a:lnRef idx="1">
+            <a:schemeClr val="accent1"/>
+          </a:lnRef>
+          <a:fillRef idx="0">
+            <a:schemeClr val="accent1"/>
+          </a:fillRef>
+          <a:effectRef idx="0">
+            <a:schemeClr val="accent1"/>
+          </a:effectRef>
+          <a:fontRef idx="minor">
+            <a:schemeClr val="tx1"/>
+          </a:fontRef>
+        </p:style>
+      </p:cxnSp>
     </p:spTree>
     <p:extLst>
       <p:ext uri="{BB962C8B-B14F-4D97-AF65-F5344CB8AC3E}">

--- a/figs/makeFigs.pptx
+++ b/figs/makeFigs.pptx
@@ -39,10 +39,9 @@
     <p:sldId id="331" r:id="rId33"/>
     <p:sldId id="332" r:id="rId34"/>
     <p:sldId id="333" r:id="rId35"/>
-    <p:sldId id="334" r:id="rId36"/>
-    <p:sldId id="336" r:id="rId37"/>
-    <p:sldId id="335" r:id="rId38"/>
-    <p:sldId id="364" r:id="rId39"/>
+    <p:sldId id="336" r:id="rId36"/>
+    <p:sldId id="335" r:id="rId37"/>
+    <p:sldId id="364" r:id="rId38"/>
   </p:sldIdLst>
   <p:sldSz cx="12192000" cy="6858000"/>
   <p:notesSz cx="6858000" cy="9144000"/>
@@ -200,7 +199,6 @@
           <p14:sldIdLst>
             <p14:sldId id="332"/>
             <p14:sldId id="333"/>
-            <p14:sldId id="334"/>
           </p14:sldIdLst>
         </p14:section>
         <p14:section name="タイトルなしのセクション" id="{8E4195A4-0C5E-4440-AC50-8487031D9972}">
@@ -11239,10 +11237,40 @@
           <a:chExt cx="0" cy="0"/>
         </a:xfrm>
       </p:grpSpPr>
+      <p:pic>
+        <p:nvPicPr>
+          <p:cNvPr id="3" name="図 2">
+            <a:extLst>
+              <a:ext uri="{FF2B5EF4-FFF2-40B4-BE49-F238E27FC236}">
+                <a16:creationId xmlns:a16="http://schemas.microsoft.com/office/drawing/2014/main" id="{AD6CE722-C573-4FE2-BDCD-C28F1EC58893}"/>
+              </a:ext>
+            </a:extLst>
+          </p:cNvPr>
+          <p:cNvPicPr>
+            <a:picLocks noChangeAspect="1"/>
+          </p:cNvPicPr>
+          <p:nvPr/>
+        </p:nvPicPr>
+        <p:blipFill>
+          <a:blip r:embed="rId2"/>
+          <a:stretch>
+            <a:fillRect/>
+          </a:stretch>
+        </p:blipFill>
+        <p:spPr>
+          <a:xfrm>
+            <a:off x="2500762" y="1086143"/>
+            <a:ext cx="7190476" cy="4685714"/>
+          </a:xfrm>
+          <a:prstGeom prst="rect">
+            <a:avLst/>
+          </a:prstGeom>
+        </p:spPr>
+      </p:pic>
     </p:spTree>
     <p:extLst>
       <p:ext uri="{BB962C8B-B14F-4D97-AF65-F5344CB8AC3E}">
-        <p14:creationId xmlns:p14="http://schemas.microsoft.com/office/powerpoint/2010/main" val="3534862661"/>
+        <p14:creationId xmlns:p14="http://schemas.microsoft.com/office/powerpoint/2010/main" val="2322278489"/>
       </p:ext>
     </p:extLst>
   </p:cSld>
@@ -11274,7 +11302,7 @@
           <p:cNvPr id="3" name="図 2">
             <a:extLst>
               <a:ext uri="{FF2B5EF4-FFF2-40B4-BE49-F238E27FC236}">
-                <a16:creationId xmlns:a16="http://schemas.microsoft.com/office/drawing/2014/main" id="{AD6CE722-C573-4FE2-BDCD-C28F1EC58893}"/>
+                <a16:creationId xmlns:a16="http://schemas.microsoft.com/office/drawing/2014/main" id="{87325553-19A4-4F67-9152-23ED4D845FC1}"/>
               </a:ext>
             </a:extLst>
           </p:cNvPr>
@@ -11291,66 +11319,6 @@
         </p:blipFill>
         <p:spPr>
           <a:xfrm>
-            <a:off x="2500762" y="1086143"/>
-            <a:ext cx="7190476" cy="4685714"/>
-          </a:xfrm>
-          <a:prstGeom prst="rect">
-            <a:avLst/>
-          </a:prstGeom>
-        </p:spPr>
-      </p:pic>
-    </p:spTree>
-    <p:extLst>
-      <p:ext uri="{BB962C8B-B14F-4D97-AF65-F5344CB8AC3E}">
-        <p14:creationId xmlns:p14="http://schemas.microsoft.com/office/powerpoint/2010/main" val="2322278489"/>
-      </p:ext>
-    </p:extLst>
-  </p:cSld>
-  <p:clrMapOvr>
-    <a:masterClrMapping/>
-  </p:clrMapOvr>
-</p:sld>
-</file>
-
-<file path=ppt/slides/slide37.xml><?xml version="1.0" encoding="utf-8"?>
-<p:sld xmlns:a="http://schemas.openxmlformats.org/drawingml/2006/main" xmlns:r="http://schemas.openxmlformats.org/officeDocument/2006/relationships" xmlns:p="http://schemas.openxmlformats.org/presentationml/2006/main">
-  <p:cSld>
-    <p:spTree>
-      <p:nvGrpSpPr>
-        <p:cNvPr id="1" name=""/>
-        <p:cNvGrpSpPr/>
-        <p:nvPr/>
-      </p:nvGrpSpPr>
-      <p:grpSpPr>
-        <a:xfrm>
-          <a:off x="0" y="0"/>
-          <a:ext cx="0" cy="0"/>
-          <a:chOff x="0" y="0"/>
-          <a:chExt cx="0" cy="0"/>
-        </a:xfrm>
-      </p:grpSpPr>
-      <p:pic>
-        <p:nvPicPr>
-          <p:cNvPr id="3" name="図 2">
-            <a:extLst>
-              <a:ext uri="{FF2B5EF4-FFF2-40B4-BE49-F238E27FC236}">
-                <a16:creationId xmlns:a16="http://schemas.microsoft.com/office/drawing/2014/main" id="{87325553-19A4-4F67-9152-23ED4D845FC1}"/>
-              </a:ext>
-            </a:extLst>
-          </p:cNvPr>
-          <p:cNvPicPr>
-            <a:picLocks noChangeAspect="1"/>
-          </p:cNvPicPr>
-          <p:nvPr/>
-        </p:nvPicPr>
-        <p:blipFill>
-          <a:blip r:embed="rId2"/>
-          <a:stretch>
-            <a:fillRect/>
-          </a:stretch>
-        </p:blipFill>
-        <p:spPr>
-          <a:xfrm>
             <a:off x="2203777" y="804789"/>
             <a:ext cx="7190476" cy="4685714"/>
           </a:xfrm>
@@ -11373,8 +11341,8 @@
         </p:nvSpPr>
         <p:spPr>
           <a:xfrm>
-            <a:off x="4591537" y="930031"/>
-            <a:ext cx="1582616" cy="687749"/>
+            <a:off x="5242036" y="5369672"/>
+            <a:ext cx="1914966" cy="269206"/>
           </a:xfrm>
           <a:prstGeom prst="rect">
             <a:avLst/>
@@ -11402,76 +11370,58 @@
                 <a:ea typeface="ＭＳ Ｐゴシック" panose="020B0600070205080204" pitchFamily="50" charset="-128"/>
                 <a:cs typeface="Arial" panose="020B0604020202020204" pitchFamily="34" charset="0"/>
               </a:rPr>
-              <a:t>Centrifugal pump</a:t>
-            </a:r>
-          </a:p>
-          <a:p>
-            <a:r>
-              <a:rPr lang="en-US" altLang="ja-JP" sz="907" dirty="0">
-                <a:latin typeface="ＭＳ Ｐゴシック" panose="020B0600070205080204" pitchFamily="50" charset="-128"/>
-                <a:ea typeface="ＭＳ Ｐゴシック" panose="020B0600070205080204" pitchFamily="50" charset="-128"/>
-                <a:cs typeface="Arial" panose="020B0604020202020204" pitchFamily="34" charset="0"/>
-              </a:rPr>
-              <a:t>-. Constant efficiency.</a:t>
-            </a:r>
-          </a:p>
-          <a:p>
-            <a:r>
-              <a:rPr lang="en-US" altLang="ja-JP" sz="907" dirty="0">
-                <a:latin typeface="ＭＳ Ｐゴシック" panose="020B0600070205080204" pitchFamily="50" charset="-128"/>
-                <a:ea typeface="ＭＳ Ｐゴシック" panose="020B0600070205080204" pitchFamily="50" charset="-128"/>
-                <a:cs typeface="Arial" panose="020B0604020202020204" pitchFamily="34" charset="0"/>
-              </a:rPr>
-              <a:t>-. Mechanical interface is rotational speed signal.</a:t>
-            </a:r>
-          </a:p>
-        </p:txBody>
-      </p:sp>
-      <p:cxnSp>
-        <p:nvCxnSpPr>
-          <p:cNvPr id="5" name="直線矢印コネクタ 4">
-            <a:extLst>
-              <a:ext uri="{FF2B5EF4-FFF2-40B4-BE49-F238E27FC236}">
-                <a16:creationId xmlns:a16="http://schemas.microsoft.com/office/drawing/2014/main" id="{F135EA80-FA07-45E9-A1F9-4664E13B7B6A}"/>
-              </a:ext>
-            </a:extLst>
-          </p:cNvPr>
-          <p:cNvCxnSpPr>
-            <a:cxnSpLocks/>
-            <a:stCxn id="4" idx="2"/>
-          </p:cNvCxnSpPr>
-          <p:nvPr/>
-        </p:nvCxnSpPr>
-        <p:spPr>
-          <a:xfrm flipH="1">
-            <a:off x="4591539" y="1617780"/>
-            <a:ext cx="791306" cy="819640"/>
-          </a:xfrm>
-          <a:prstGeom prst="straightConnector1">
-            <a:avLst/>
-          </a:prstGeom>
-          <a:ln w="12700">
-            <a:solidFill>
-              <a:schemeClr val="tx1"/>
-            </a:solidFill>
-            <a:tailEnd type="oval"/>
-          </a:ln>
+              <a:t>Flow path consists of 2 pipes.</a:t>
+            </a:r>
+          </a:p>
+        </p:txBody>
+      </p:sp>
+      <p:sp>
+        <p:nvSpPr>
+          <p:cNvPr id="7" name="右中かっこ 6">
+            <a:extLst>
+              <a:ext uri="{FF2B5EF4-FFF2-40B4-BE49-F238E27FC236}">
+                <a16:creationId xmlns:a16="http://schemas.microsoft.com/office/drawing/2014/main" id="{F660848D-3004-44FA-AEF5-517D351277A0}"/>
+              </a:ext>
+            </a:extLst>
+          </p:cNvPr>
+          <p:cNvSpPr/>
+          <p:nvPr/>
+        </p:nvSpPr>
+        <p:spPr>
+          <a:xfrm rot="5400000">
+            <a:off x="6031488" y="2886978"/>
+            <a:ext cx="336062" cy="4534548"/>
+          </a:xfrm>
+          <a:prstGeom prst="rightBrace">
+            <a:avLst>
+              <a:gd name="adj1" fmla="val 24612"/>
+              <a:gd name="adj2" fmla="val 50000"/>
+            </a:avLst>
+          </a:prstGeom>
         </p:spPr>
         <p:style>
           <a:lnRef idx="1">
-            <a:schemeClr val="accent1"/>
+            <a:schemeClr val="dk1"/>
           </a:lnRef>
           <a:fillRef idx="0">
-            <a:schemeClr val="accent1"/>
+            <a:schemeClr val="dk1"/>
           </a:fillRef>
           <a:effectRef idx="0">
-            <a:schemeClr val="accent1"/>
+            <a:schemeClr val="dk1"/>
           </a:effectRef>
           <a:fontRef idx="minor">
             <a:schemeClr val="tx1"/>
           </a:fontRef>
         </p:style>
-      </p:cxnSp>
+        <p:txBody>
+          <a:bodyPr rtlCol="0" anchor="ctr"/>
+          <a:lstStyle/>
+          <a:p>
+            <a:pPr algn="ctr"/>
+            <a:endParaRPr kumimoji="1" lang="ja-JP" altLang="en-US"/>
+          </a:p>
+        </p:txBody>
+      </p:sp>
     </p:spTree>
     <p:extLst>
       <p:ext uri="{BB962C8B-B14F-4D97-AF65-F5344CB8AC3E}">
@@ -11485,7 +11435,7 @@
 </p:sld>
 </file>
 
-<file path=ppt/slides/slide38.xml><?xml version="1.0" encoding="utf-8"?>
+<file path=ppt/slides/slide37.xml><?xml version="1.0" encoding="utf-8"?>
 <p:sld xmlns:a="http://schemas.openxmlformats.org/drawingml/2006/main" xmlns:r="http://schemas.openxmlformats.org/officeDocument/2006/relationships" xmlns:p="http://schemas.openxmlformats.org/presentationml/2006/main">
   <p:cSld>
     <p:spTree>

--- a/figs/makeFigs.pptx
+++ b/figs/makeFigs.pptx
@@ -39,9 +39,8 @@
     <p:sldId id="331" r:id="rId33"/>
     <p:sldId id="332" r:id="rId34"/>
     <p:sldId id="333" r:id="rId35"/>
-    <p:sldId id="336" r:id="rId36"/>
-    <p:sldId id="335" r:id="rId37"/>
-    <p:sldId id="364" r:id="rId38"/>
+    <p:sldId id="335" r:id="rId36"/>
+    <p:sldId id="364" r:id="rId37"/>
   </p:sldIdLst>
   <p:sldSz cx="12192000" cy="6858000"/>
   <p:notesSz cx="6858000" cy="9144000"/>
@@ -203,7 +202,6 @@
         </p14:section>
         <p14:section name="タイトルなしのセクション" id="{8E4195A4-0C5E-4440-AC50-8487031D9972}">
           <p14:sldIdLst>
-            <p14:sldId id="336"/>
             <p14:sldId id="335"/>
             <p14:sldId id="364"/>
           </p14:sldIdLst>
@@ -11242,7 +11240,7 @@
           <p:cNvPr id="3" name="図 2">
             <a:extLst>
               <a:ext uri="{FF2B5EF4-FFF2-40B4-BE49-F238E27FC236}">
-                <a16:creationId xmlns:a16="http://schemas.microsoft.com/office/drawing/2014/main" id="{AD6CE722-C573-4FE2-BDCD-C28F1EC58893}"/>
+                <a16:creationId xmlns:a16="http://schemas.microsoft.com/office/drawing/2014/main" id="{87325553-19A4-4F67-9152-23ED4D845FC1}"/>
               </a:ext>
             </a:extLst>
           </p:cNvPr>
@@ -11259,66 +11257,6 @@
         </p:blipFill>
         <p:spPr>
           <a:xfrm>
-            <a:off x="2500762" y="1086143"/>
-            <a:ext cx="7190476" cy="4685714"/>
-          </a:xfrm>
-          <a:prstGeom prst="rect">
-            <a:avLst/>
-          </a:prstGeom>
-        </p:spPr>
-      </p:pic>
-    </p:spTree>
-    <p:extLst>
-      <p:ext uri="{BB962C8B-B14F-4D97-AF65-F5344CB8AC3E}">
-        <p14:creationId xmlns:p14="http://schemas.microsoft.com/office/powerpoint/2010/main" val="2322278489"/>
-      </p:ext>
-    </p:extLst>
-  </p:cSld>
-  <p:clrMapOvr>
-    <a:masterClrMapping/>
-  </p:clrMapOvr>
-</p:sld>
-</file>
-
-<file path=ppt/slides/slide36.xml><?xml version="1.0" encoding="utf-8"?>
-<p:sld xmlns:a="http://schemas.openxmlformats.org/drawingml/2006/main" xmlns:r="http://schemas.openxmlformats.org/officeDocument/2006/relationships" xmlns:p="http://schemas.openxmlformats.org/presentationml/2006/main">
-  <p:cSld>
-    <p:spTree>
-      <p:nvGrpSpPr>
-        <p:cNvPr id="1" name=""/>
-        <p:cNvGrpSpPr/>
-        <p:nvPr/>
-      </p:nvGrpSpPr>
-      <p:grpSpPr>
-        <a:xfrm>
-          <a:off x="0" y="0"/>
-          <a:ext cx="0" cy="0"/>
-          <a:chOff x="0" y="0"/>
-          <a:chExt cx="0" cy="0"/>
-        </a:xfrm>
-      </p:grpSpPr>
-      <p:pic>
-        <p:nvPicPr>
-          <p:cNvPr id="3" name="図 2">
-            <a:extLst>
-              <a:ext uri="{FF2B5EF4-FFF2-40B4-BE49-F238E27FC236}">
-                <a16:creationId xmlns:a16="http://schemas.microsoft.com/office/drawing/2014/main" id="{87325553-19A4-4F67-9152-23ED4D845FC1}"/>
-              </a:ext>
-            </a:extLst>
-          </p:cNvPr>
-          <p:cNvPicPr>
-            <a:picLocks noChangeAspect="1"/>
-          </p:cNvPicPr>
-          <p:nvPr/>
-        </p:nvPicPr>
-        <p:blipFill>
-          <a:blip r:embed="rId2"/>
-          <a:stretch>
-            <a:fillRect/>
-          </a:stretch>
-        </p:blipFill>
-        <p:spPr>
-          <a:xfrm>
             <a:off x="2203777" y="804789"/>
             <a:ext cx="7190476" cy="4685714"/>
           </a:xfrm>
@@ -11341,8 +11279,8 @@
         </p:nvSpPr>
         <p:spPr>
           <a:xfrm>
-            <a:off x="5242036" y="5369672"/>
-            <a:ext cx="1914966" cy="269206"/>
+            <a:off x="4925109" y="5369671"/>
+            <a:ext cx="2548820" cy="530943"/>
           </a:xfrm>
           <a:prstGeom prst="rect">
             <a:avLst/>
@@ -11370,7 +11308,17 @@
                 <a:ea typeface="ＭＳ Ｐゴシック" panose="020B0600070205080204" pitchFamily="50" charset="-128"/>
                 <a:cs typeface="Arial" panose="020B0604020202020204" pitchFamily="34" charset="0"/>
               </a:rPr>
-              <a:t>Flow path consists of 2 pipes.</a:t>
+              <a:t>-. Flow path consists of 2 pipes.</a:t>
+            </a:r>
+          </a:p>
+          <a:p>
+            <a:r>
+              <a:rPr lang="en-US" altLang="ja-JP" sz="907" dirty="0">
+                <a:latin typeface="ＭＳ Ｐゴシック" panose="020B0600070205080204" pitchFamily="50" charset="-128"/>
+                <a:ea typeface="ＭＳ Ｐゴシック" panose="020B0600070205080204" pitchFamily="50" charset="-128"/>
+                <a:cs typeface="Arial" panose="020B0604020202020204" pitchFamily="34" charset="0"/>
+              </a:rPr>
+              <a:t>-. Each pipe is composed of “resistance” part and “capacitance” part.</a:t>
             </a:r>
           </a:p>
         </p:txBody>
@@ -11422,6 +11370,251 @@
           </a:p>
         </p:txBody>
       </p:sp>
+      <p:sp>
+        <p:nvSpPr>
+          <p:cNvPr id="2" name="テキスト ボックス 1">
+            <a:extLst>
+              <a:ext uri="{FF2B5EF4-FFF2-40B4-BE49-F238E27FC236}">
+                <a16:creationId xmlns:a16="http://schemas.microsoft.com/office/drawing/2014/main" id="{C1BF0357-0E4B-40F7-A105-96B3E204FFE1}"/>
+              </a:ext>
+            </a:extLst>
+          </p:cNvPr>
+          <p:cNvSpPr txBox="1"/>
+          <p:nvPr/>
+        </p:nvSpPr>
+        <p:spPr>
+          <a:xfrm>
+            <a:off x="4112712" y="804789"/>
+            <a:ext cx="3288458" cy="1477106"/>
+          </a:xfrm>
+          <a:prstGeom prst="rect">
+            <a:avLst/>
+          </a:prstGeom>
+          <a:solidFill>
+            <a:srgbClr val="92D050">
+              <a:alpha val="60000"/>
+            </a:srgbClr>
+          </a:solidFill>
+          <a:ln>
+            <a:solidFill>
+              <a:schemeClr val="tx1"/>
+            </a:solidFill>
+          </a:ln>
+        </p:spPr>
+        <p:txBody>
+          <a:bodyPr wrap="square" rtlCol="0">
+            <a:noAutofit/>
+          </a:bodyPr>
+          <a:lstStyle/>
+          <a:p>
+            <a:r>
+              <a:rPr lang="en-US" altLang="ja-JP" sz="907" dirty="0">
+                <a:latin typeface="ＭＳ Ｐゴシック" panose="020B0600070205080204" pitchFamily="50" charset="-128"/>
+                <a:ea typeface="ＭＳ Ｐゴシック" panose="020B0600070205080204" pitchFamily="50" charset="-128"/>
+                <a:cs typeface="Arial" panose="020B0604020202020204" pitchFamily="34" charset="0"/>
+              </a:rPr>
+              <a:t>-. First pipe receives heat from outside of flow path.</a:t>
+            </a:r>
+          </a:p>
+          <a:p>
+            <a:endParaRPr lang="en-US" altLang="ja-JP" sz="907" dirty="0">
+              <a:latin typeface="ＭＳ Ｐゴシック" panose="020B0600070205080204" pitchFamily="50" charset="-128"/>
+              <a:ea typeface="ＭＳ Ｐゴシック" panose="020B0600070205080204" pitchFamily="50" charset="-128"/>
+              <a:cs typeface="Arial" panose="020B0604020202020204" pitchFamily="34" charset="0"/>
+            </a:endParaRPr>
+          </a:p>
+          <a:p>
+            <a:r>
+              <a:rPr lang="en-US" altLang="ja-JP" sz="907" dirty="0">
+                <a:latin typeface="ＭＳ Ｐゴシック" panose="020B0600070205080204" pitchFamily="50" charset="-128"/>
+                <a:ea typeface="ＭＳ Ｐゴシック" panose="020B0600070205080204" pitchFamily="50" charset="-128"/>
+                <a:cs typeface="Arial" panose="020B0604020202020204" pitchFamily="34" charset="0"/>
+              </a:rPr>
+              <a:t>-. In this example, it is defined that heat receive occurs AFTER pressure drop of pipe. Definition of BEFORE or AFTER influence on pressure drop because fluid density and viscosity changes.</a:t>
+            </a:r>
+          </a:p>
+          <a:p>
+            <a:r>
+              <a:rPr lang="en-US" altLang="ja-JP" sz="907" dirty="0">
+                <a:latin typeface="ＭＳ Ｐゴシック" panose="020B0600070205080204" pitchFamily="50" charset="-128"/>
+                <a:ea typeface="ＭＳ Ｐゴシック" panose="020B0600070205080204" pitchFamily="50" charset="-128"/>
+                <a:cs typeface="Arial" panose="020B0604020202020204" pitchFamily="34" charset="0"/>
+              </a:rPr>
+              <a:t>-. If it is desired that heat receive and pressure drop occurs simultaneously, deploy “</a:t>
+            </a:r>
+            <a:r>
+              <a:rPr lang="en-US" altLang="ja-JP" sz="907" dirty="0" err="1">
+                <a:latin typeface="ＭＳ Ｐゴシック" panose="020B0600070205080204" pitchFamily="50" charset="-128"/>
+                <a:ea typeface="ＭＳ Ｐゴシック" panose="020B0600070205080204" pitchFamily="50" charset="-128"/>
+                <a:cs typeface="Arial" panose="020B0604020202020204" pitchFamily="34" charset="0"/>
+              </a:rPr>
+              <a:t>DynamicPipe</a:t>
+            </a:r>
+            <a:r>
+              <a:rPr lang="en-US" altLang="ja-JP" sz="907" dirty="0">
+                <a:latin typeface="ＭＳ Ｐゴシック" panose="020B0600070205080204" pitchFamily="50" charset="-128"/>
+                <a:ea typeface="ＭＳ Ｐゴシック" panose="020B0600070205080204" pitchFamily="50" charset="-128"/>
+                <a:cs typeface="Arial" panose="020B0604020202020204" pitchFamily="34" charset="0"/>
+              </a:rPr>
+              <a:t>” and define sections as many as possible (Example of “</a:t>
+            </a:r>
+            <a:r>
+              <a:rPr lang="en-US" altLang="ja-JP" sz="907" dirty="0" err="1">
+                <a:latin typeface="ＭＳ Ｐゴシック" panose="020B0600070205080204" pitchFamily="50" charset="-128"/>
+                <a:ea typeface="ＭＳ Ｐゴシック" panose="020B0600070205080204" pitchFamily="50" charset="-128"/>
+                <a:cs typeface="Arial" panose="020B0604020202020204" pitchFamily="34" charset="0"/>
+              </a:rPr>
+              <a:t>DynamicPipe</a:t>
+            </a:r>
+            <a:r>
+              <a:rPr lang="en-US" altLang="ja-JP" sz="907" dirty="0">
+                <a:latin typeface="ＭＳ Ｐゴシック" panose="020B0600070205080204" pitchFamily="50" charset="-128"/>
+                <a:ea typeface="ＭＳ Ｐゴシック" panose="020B0600070205080204" pitchFamily="50" charset="-128"/>
+                <a:cs typeface="Arial" panose="020B0604020202020204" pitchFamily="34" charset="0"/>
+              </a:rPr>
+              <a:t>” will be in “FlowWithHeating_ex02”).</a:t>
+            </a:r>
+          </a:p>
+        </p:txBody>
+      </p:sp>
+      <p:cxnSp>
+        <p:nvCxnSpPr>
+          <p:cNvPr id="8" name="直線矢印コネクタ 7">
+            <a:extLst>
+              <a:ext uri="{FF2B5EF4-FFF2-40B4-BE49-F238E27FC236}">
+                <a16:creationId xmlns:a16="http://schemas.microsoft.com/office/drawing/2014/main" id="{ACBB0279-370D-46D3-939B-8F61B90D4AAC}"/>
+              </a:ext>
+            </a:extLst>
+          </p:cNvPr>
+          <p:cNvCxnSpPr>
+            <a:cxnSpLocks/>
+            <a:stCxn id="2" idx="2"/>
+          </p:cNvCxnSpPr>
+          <p:nvPr/>
+        </p:nvCxnSpPr>
+        <p:spPr>
+          <a:xfrm flipH="1">
+            <a:off x="5322277" y="2281895"/>
+            <a:ext cx="434664" cy="1028612"/>
+          </a:xfrm>
+          <a:prstGeom prst="straightConnector1">
+            <a:avLst/>
+          </a:prstGeom>
+          <a:ln w="12700">
+            <a:solidFill>
+              <a:schemeClr val="tx1"/>
+            </a:solidFill>
+            <a:tailEnd type="oval"/>
+          </a:ln>
+        </p:spPr>
+        <p:style>
+          <a:lnRef idx="1">
+            <a:schemeClr val="accent1"/>
+          </a:lnRef>
+          <a:fillRef idx="0">
+            <a:schemeClr val="accent1"/>
+          </a:fillRef>
+          <a:effectRef idx="0">
+            <a:schemeClr val="accent1"/>
+          </a:effectRef>
+          <a:fontRef idx="minor">
+            <a:schemeClr val="tx1"/>
+          </a:fontRef>
+        </p:style>
+      </p:cxnSp>
+      <p:sp>
+        <p:nvSpPr>
+          <p:cNvPr id="24" name="テキスト ボックス 23">
+            <a:extLst>
+              <a:ext uri="{FF2B5EF4-FFF2-40B4-BE49-F238E27FC236}">
+                <a16:creationId xmlns:a16="http://schemas.microsoft.com/office/drawing/2014/main" id="{71A69FDC-35C6-49BD-8670-47B3258CEFED}"/>
+              </a:ext>
+            </a:extLst>
+          </p:cNvPr>
+          <p:cNvSpPr txBox="1"/>
+          <p:nvPr/>
+        </p:nvSpPr>
+        <p:spPr>
+          <a:xfrm>
+            <a:off x="7192383" y="2630034"/>
+            <a:ext cx="2548820" cy="530943"/>
+          </a:xfrm>
+          <a:prstGeom prst="rect">
+            <a:avLst/>
+          </a:prstGeom>
+          <a:solidFill>
+            <a:srgbClr val="92D050">
+              <a:alpha val="60000"/>
+            </a:srgbClr>
+          </a:solidFill>
+          <a:ln>
+            <a:solidFill>
+              <a:schemeClr val="tx1"/>
+            </a:solidFill>
+          </a:ln>
+        </p:spPr>
+        <p:txBody>
+          <a:bodyPr wrap="square" rtlCol="0">
+            <a:noAutofit/>
+          </a:bodyPr>
+          <a:lstStyle/>
+          <a:p>
+            <a:r>
+              <a:rPr lang="en-US" altLang="ja-JP" sz="907" dirty="0">
+                <a:latin typeface="ＭＳ Ｐゴシック" panose="020B0600070205080204" pitchFamily="50" charset="-128"/>
+                <a:ea typeface="ＭＳ Ｐゴシック" panose="020B0600070205080204" pitchFamily="50" charset="-128"/>
+                <a:cs typeface="Arial" panose="020B0604020202020204" pitchFamily="34" charset="0"/>
+              </a:rPr>
+              <a:t>-. Pressure drop in pipe1 is affected by change of density and viscosity due to heat receive upstream.</a:t>
+            </a:r>
+          </a:p>
+        </p:txBody>
+      </p:sp>
+      <p:cxnSp>
+        <p:nvCxnSpPr>
+          <p:cNvPr id="27" name="直線矢印コネクタ 26">
+            <a:extLst>
+              <a:ext uri="{FF2B5EF4-FFF2-40B4-BE49-F238E27FC236}">
+                <a16:creationId xmlns:a16="http://schemas.microsoft.com/office/drawing/2014/main" id="{BBAF18A5-C5F7-4EBD-BBF6-0F21A790F399}"/>
+              </a:ext>
+            </a:extLst>
+          </p:cNvPr>
+          <p:cNvCxnSpPr>
+            <a:cxnSpLocks/>
+            <a:stCxn id="24" idx="1"/>
+          </p:cNvCxnSpPr>
+          <p:nvPr/>
+        </p:nvCxnSpPr>
+        <p:spPr>
+          <a:xfrm flipH="1">
+            <a:off x="6533662" y="2895506"/>
+            <a:ext cx="658721" cy="1379509"/>
+          </a:xfrm>
+          <a:prstGeom prst="straightConnector1">
+            <a:avLst/>
+          </a:prstGeom>
+          <a:ln w="12700">
+            <a:solidFill>
+              <a:schemeClr val="tx1"/>
+            </a:solidFill>
+            <a:tailEnd type="oval"/>
+          </a:ln>
+        </p:spPr>
+        <p:style>
+          <a:lnRef idx="1">
+            <a:schemeClr val="accent1"/>
+          </a:lnRef>
+          <a:fillRef idx="0">
+            <a:schemeClr val="accent1"/>
+          </a:fillRef>
+          <a:effectRef idx="0">
+            <a:schemeClr val="accent1"/>
+          </a:effectRef>
+          <a:fontRef idx="minor">
+            <a:schemeClr val="tx1"/>
+          </a:fontRef>
+        </p:style>
+      </p:cxnSp>
     </p:spTree>
     <p:extLst>
       <p:ext uri="{BB962C8B-B14F-4D97-AF65-F5344CB8AC3E}">
@@ -11435,7 +11628,7 @@
 </p:sld>
 </file>
 
-<file path=ppt/slides/slide37.xml><?xml version="1.0" encoding="utf-8"?>
+<file path=ppt/slides/slide36.xml><?xml version="1.0" encoding="utf-8"?>
 <p:sld xmlns:a="http://schemas.openxmlformats.org/drawingml/2006/main" xmlns:r="http://schemas.openxmlformats.org/officeDocument/2006/relationships" xmlns:p="http://schemas.openxmlformats.org/presentationml/2006/main">
   <p:cSld>
     <p:spTree>

--- a/figs/makeFigs.pptx
+++ b/figs/makeFigs.pptx
@@ -40,7 +40,16 @@
     <p:sldId id="332" r:id="rId34"/>
     <p:sldId id="333" r:id="rId35"/>
     <p:sldId id="335" r:id="rId36"/>
-    <p:sldId id="364" r:id="rId37"/>
+    <p:sldId id="374" r:id="rId37"/>
+    <p:sldId id="364" r:id="rId38"/>
+    <p:sldId id="373" r:id="rId39"/>
+    <p:sldId id="375" r:id="rId40"/>
+    <p:sldId id="376" r:id="rId41"/>
+    <p:sldId id="379" r:id="rId42"/>
+    <p:sldId id="377" r:id="rId43"/>
+    <p:sldId id="378" r:id="rId44"/>
+    <p:sldId id="380" r:id="rId45"/>
+    <p:sldId id="381" r:id="rId46"/>
   </p:sldIdLst>
   <p:sldSz cx="12192000" cy="6858000"/>
   <p:notesSz cx="6858000" cy="9144000"/>
@@ -200,10 +209,19 @@
             <p14:sldId id="333"/>
           </p14:sldIdLst>
         </p14:section>
-        <p14:section name="タイトルなしのセクション" id="{8E4195A4-0C5E-4440-AC50-8487031D9972}">
+        <p14:section name="FlowWithHeating_ex01" id="{8E4195A4-0C5E-4440-AC50-8487031D9972}">
           <p14:sldIdLst>
             <p14:sldId id="335"/>
+            <p14:sldId id="374"/>
             <p14:sldId id="364"/>
+            <p14:sldId id="373"/>
+            <p14:sldId id="375"/>
+            <p14:sldId id="376"/>
+            <p14:sldId id="379"/>
+            <p14:sldId id="377"/>
+            <p14:sldId id="378"/>
+            <p14:sldId id="380"/>
+            <p14:sldId id="381"/>
           </p14:sldIdLst>
         </p14:section>
       </p14:sectionLst>
@@ -11645,10 +11663,621 @@
           <a:chExt cx="0" cy="0"/>
         </a:xfrm>
       </p:grpSpPr>
+      <p:pic>
+        <p:nvPicPr>
+          <p:cNvPr id="3" name="図 2">
+            <a:extLst>
+              <a:ext uri="{FF2B5EF4-FFF2-40B4-BE49-F238E27FC236}">
+                <a16:creationId xmlns:a16="http://schemas.microsoft.com/office/drawing/2014/main" id="{4016EDEE-3D57-48C7-BF54-B3C40E42561E}"/>
+              </a:ext>
+            </a:extLst>
+          </p:cNvPr>
+          <p:cNvPicPr>
+            <a:picLocks noChangeAspect="1"/>
+          </p:cNvPicPr>
+          <p:nvPr/>
+        </p:nvPicPr>
+        <p:blipFill>
+          <a:blip r:embed="rId2"/>
+          <a:stretch>
+            <a:fillRect/>
+          </a:stretch>
+        </p:blipFill>
+        <p:spPr>
+          <a:xfrm>
+            <a:off x="1566970" y="1"/>
+            <a:ext cx="7200000" cy="5451233"/>
+          </a:xfrm>
+          <a:prstGeom prst="rect">
+            <a:avLst/>
+          </a:prstGeom>
+        </p:spPr>
+      </p:pic>
+      <p:sp>
+        <p:nvSpPr>
+          <p:cNvPr id="4" name="テキスト ボックス 3">
+            <a:extLst>
+              <a:ext uri="{FF2B5EF4-FFF2-40B4-BE49-F238E27FC236}">
+                <a16:creationId xmlns:a16="http://schemas.microsoft.com/office/drawing/2014/main" id="{2C5590D0-116E-4BD1-959A-45A7F2CCBC1E}"/>
+              </a:ext>
+            </a:extLst>
+          </p:cNvPr>
+          <p:cNvSpPr txBox="1"/>
+          <p:nvPr/>
+        </p:nvSpPr>
+        <p:spPr>
+          <a:xfrm>
+            <a:off x="2494386" y="427943"/>
+            <a:ext cx="1914473" cy="517719"/>
+          </a:xfrm>
+          <a:prstGeom prst="rect">
+            <a:avLst/>
+          </a:prstGeom>
+          <a:solidFill>
+            <a:schemeClr val="accent5">
+              <a:lumMod val="40000"/>
+              <a:lumOff val="60000"/>
+            </a:schemeClr>
+          </a:solidFill>
+          <a:ln>
+            <a:solidFill>
+              <a:schemeClr val="tx1"/>
+            </a:solidFill>
+          </a:ln>
+        </p:spPr>
+        <p:txBody>
+          <a:bodyPr wrap="square" rtlCol="0">
+            <a:noAutofit/>
+          </a:bodyPr>
+          <a:lstStyle/>
+          <a:p>
+            <a:r>
+              <a:rPr lang="en-US" altLang="ja-JP" sz="907" dirty="0">
+                <a:latin typeface="ＭＳ Ｐゴシック" panose="020B0600070205080204" pitchFamily="50" charset="-128"/>
+                <a:ea typeface="ＭＳ Ｐゴシック" panose="020B0600070205080204" pitchFamily="50" charset="-128"/>
+                <a:cs typeface="Arial" panose="020B0604020202020204" pitchFamily="34" charset="0"/>
+              </a:rPr>
+              <a:t>Input: </a:t>
+            </a:r>
+          </a:p>
+          <a:p>
+            <a:r>
+              <a:rPr lang="en-US" altLang="ja-JP" sz="907" dirty="0">
+                <a:latin typeface="ＭＳ Ｐゴシック" panose="020B0600070205080204" pitchFamily="50" charset="-128"/>
+                <a:ea typeface="ＭＳ Ｐゴシック" panose="020B0600070205080204" pitchFamily="50" charset="-128"/>
+                <a:cs typeface="Arial" panose="020B0604020202020204" pitchFamily="34" charset="0"/>
+              </a:rPr>
+              <a:t> Heat flow rate injected into fluid system.</a:t>
+            </a:r>
+          </a:p>
+        </p:txBody>
+      </p:sp>
+      <p:cxnSp>
+        <p:nvCxnSpPr>
+          <p:cNvPr id="5" name="直線矢印コネクタ 4">
+            <a:extLst>
+              <a:ext uri="{FF2B5EF4-FFF2-40B4-BE49-F238E27FC236}">
+                <a16:creationId xmlns:a16="http://schemas.microsoft.com/office/drawing/2014/main" id="{1435FBCE-D4C7-47CD-8562-184F2A7321FD}"/>
+              </a:ext>
+            </a:extLst>
+          </p:cNvPr>
+          <p:cNvCxnSpPr>
+            <a:cxnSpLocks/>
+            <a:stCxn id="4" idx="2"/>
+          </p:cNvCxnSpPr>
+          <p:nvPr/>
+        </p:nvCxnSpPr>
+        <p:spPr>
+          <a:xfrm>
+            <a:off x="3451623" y="945662"/>
+            <a:ext cx="753054" cy="1445846"/>
+          </a:xfrm>
+          <a:prstGeom prst="straightConnector1">
+            <a:avLst/>
+          </a:prstGeom>
+          <a:ln w="12700">
+            <a:solidFill>
+              <a:schemeClr val="tx1"/>
+            </a:solidFill>
+            <a:tailEnd type="oval"/>
+          </a:ln>
+        </p:spPr>
+        <p:style>
+          <a:lnRef idx="1">
+            <a:schemeClr val="accent1"/>
+          </a:lnRef>
+          <a:fillRef idx="0">
+            <a:schemeClr val="accent1"/>
+          </a:fillRef>
+          <a:effectRef idx="0">
+            <a:schemeClr val="accent1"/>
+          </a:effectRef>
+          <a:fontRef idx="minor">
+            <a:schemeClr val="tx1"/>
+          </a:fontRef>
+        </p:style>
+      </p:cxnSp>
+    </p:spTree>
+    <p:extLst>
+      <p:ext uri="{BB962C8B-B14F-4D97-AF65-F5344CB8AC3E}">
+        <p14:creationId xmlns:p14="http://schemas.microsoft.com/office/powerpoint/2010/main" val="4011149202"/>
+      </p:ext>
+    </p:extLst>
+  </p:cSld>
+  <p:clrMapOvr>
+    <a:masterClrMapping/>
+  </p:clrMapOvr>
+</p:sld>
+</file>
+
+<file path=ppt/slides/slide37.xml><?xml version="1.0" encoding="utf-8"?>
+<p:sld xmlns:a="http://schemas.openxmlformats.org/drawingml/2006/main" xmlns:r="http://schemas.openxmlformats.org/officeDocument/2006/relationships" xmlns:p="http://schemas.openxmlformats.org/presentationml/2006/main">
+  <p:cSld>
+    <p:spTree>
+      <p:nvGrpSpPr>
+        <p:cNvPr id="1" name=""/>
+        <p:cNvGrpSpPr/>
+        <p:nvPr/>
+      </p:nvGrpSpPr>
+      <p:grpSpPr>
+        <a:xfrm>
+          <a:off x="0" y="0"/>
+          <a:ext cx="0" cy="0"/>
+          <a:chOff x="0" y="0"/>
+          <a:chExt cx="0" cy="0"/>
+        </a:xfrm>
+      </p:grpSpPr>
+      <p:pic>
+        <p:nvPicPr>
+          <p:cNvPr id="3" name="図 2">
+            <a:extLst>
+              <a:ext uri="{FF2B5EF4-FFF2-40B4-BE49-F238E27FC236}">
+                <a16:creationId xmlns:a16="http://schemas.microsoft.com/office/drawing/2014/main" id="{C58612B1-96B2-42B1-8E9A-483F65717D3A}"/>
+              </a:ext>
+            </a:extLst>
+          </p:cNvPr>
+          <p:cNvPicPr>
+            <a:picLocks noChangeAspect="1"/>
+          </p:cNvPicPr>
+          <p:nvPr/>
+        </p:nvPicPr>
+        <p:blipFill>
+          <a:blip r:embed="rId2"/>
+          <a:stretch>
+            <a:fillRect/>
+          </a:stretch>
+        </p:blipFill>
+        <p:spPr>
+          <a:xfrm>
+            <a:off x="1582578" y="1"/>
+            <a:ext cx="7200000" cy="5470085"/>
+          </a:xfrm>
+          <a:prstGeom prst="rect">
+            <a:avLst/>
+          </a:prstGeom>
+        </p:spPr>
+      </p:pic>
+      <p:sp>
+        <p:nvSpPr>
+          <p:cNvPr id="4" name="テキスト ボックス 3">
+            <a:extLst>
+              <a:ext uri="{FF2B5EF4-FFF2-40B4-BE49-F238E27FC236}">
+                <a16:creationId xmlns:a16="http://schemas.microsoft.com/office/drawing/2014/main" id="{8AF7F4D3-8BD6-4CC1-A246-3FA567C74868}"/>
+              </a:ext>
+            </a:extLst>
+          </p:cNvPr>
+          <p:cNvSpPr txBox="1"/>
+          <p:nvPr/>
+        </p:nvSpPr>
+        <p:spPr>
+          <a:xfrm>
+            <a:off x="4638274" y="3197606"/>
+            <a:ext cx="1958606" cy="462788"/>
+          </a:xfrm>
+          <a:prstGeom prst="rect">
+            <a:avLst/>
+          </a:prstGeom>
+          <a:solidFill>
+            <a:srgbClr val="FFFF00"/>
+          </a:solidFill>
+          <a:ln>
+            <a:solidFill>
+              <a:schemeClr val="tx1"/>
+            </a:solidFill>
+          </a:ln>
+        </p:spPr>
+        <p:txBody>
+          <a:bodyPr wrap="square" rtlCol="0">
+            <a:noAutofit/>
+          </a:bodyPr>
+          <a:lstStyle/>
+          <a:p>
+            <a:r>
+              <a:rPr lang="en-US" altLang="ja-JP" sz="726" dirty="0">
+                <a:latin typeface="Arial" panose="020B0604020202020204" pitchFamily="34" charset="0"/>
+                <a:cs typeface="Arial" panose="020B0604020202020204" pitchFamily="34" charset="0"/>
+              </a:rPr>
+              <a:t>Output: </a:t>
+            </a:r>
+          </a:p>
+          <a:p>
+            <a:r>
+              <a:rPr lang="en-US" altLang="ja-JP" sz="726" dirty="0">
+                <a:latin typeface="Arial" panose="020B0604020202020204" pitchFamily="34" charset="0"/>
+                <a:cs typeface="Arial" panose="020B0604020202020204" pitchFamily="34" charset="0"/>
+              </a:rPr>
+              <a:t> Specific enthalpy of fluid in the volume where heat is injected into fluid system.</a:t>
+            </a:r>
+          </a:p>
+        </p:txBody>
+      </p:sp>
+      <p:cxnSp>
+        <p:nvCxnSpPr>
+          <p:cNvPr id="5" name="直線矢印コネクタ 4">
+            <a:extLst>
+              <a:ext uri="{FF2B5EF4-FFF2-40B4-BE49-F238E27FC236}">
+                <a16:creationId xmlns:a16="http://schemas.microsoft.com/office/drawing/2014/main" id="{C31FB6B3-5E4D-41DC-A018-0B079978F569}"/>
+              </a:ext>
+            </a:extLst>
+          </p:cNvPr>
+          <p:cNvCxnSpPr>
+            <a:cxnSpLocks/>
+            <a:stCxn id="4" idx="0"/>
+          </p:cNvCxnSpPr>
+          <p:nvPr/>
+        </p:nvCxnSpPr>
+        <p:spPr>
+          <a:xfrm flipH="1" flipV="1">
+            <a:off x="4298461" y="2540000"/>
+            <a:ext cx="1319116" cy="657606"/>
+          </a:xfrm>
+          <a:prstGeom prst="straightConnector1">
+            <a:avLst/>
+          </a:prstGeom>
+          <a:ln w="12700">
+            <a:solidFill>
+              <a:schemeClr val="tx1"/>
+            </a:solidFill>
+            <a:tailEnd type="oval"/>
+          </a:ln>
+        </p:spPr>
+        <p:style>
+          <a:lnRef idx="1">
+            <a:schemeClr val="accent1"/>
+          </a:lnRef>
+          <a:fillRef idx="0">
+            <a:schemeClr val="accent1"/>
+          </a:fillRef>
+          <a:effectRef idx="0">
+            <a:schemeClr val="accent1"/>
+          </a:effectRef>
+          <a:fontRef idx="minor">
+            <a:schemeClr val="tx1"/>
+          </a:fontRef>
+        </p:style>
+      </p:cxnSp>
     </p:spTree>
     <p:extLst>
       <p:ext uri="{BB962C8B-B14F-4D97-AF65-F5344CB8AC3E}">
         <p14:creationId xmlns:p14="http://schemas.microsoft.com/office/powerpoint/2010/main" val="188371897"/>
+      </p:ext>
+    </p:extLst>
+  </p:cSld>
+  <p:clrMapOvr>
+    <a:masterClrMapping/>
+  </p:clrMapOvr>
+</p:sld>
+</file>
+
+<file path=ppt/slides/slide38.xml><?xml version="1.0" encoding="utf-8"?>
+<p:sld xmlns:a="http://schemas.openxmlformats.org/drawingml/2006/main" xmlns:r="http://schemas.openxmlformats.org/officeDocument/2006/relationships" xmlns:p="http://schemas.openxmlformats.org/presentationml/2006/main">
+  <p:cSld>
+    <p:spTree>
+      <p:nvGrpSpPr>
+        <p:cNvPr id="1" name=""/>
+        <p:cNvGrpSpPr/>
+        <p:nvPr/>
+      </p:nvGrpSpPr>
+      <p:grpSpPr>
+        <a:xfrm>
+          <a:off x="0" y="0"/>
+          <a:ext cx="0" cy="0"/>
+          <a:chOff x="0" y="0"/>
+          <a:chExt cx="0" cy="0"/>
+        </a:xfrm>
+      </p:grpSpPr>
+      <p:pic>
+        <p:nvPicPr>
+          <p:cNvPr id="3" name="図 2">
+            <a:extLst>
+              <a:ext uri="{FF2B5EF4-FFF2-40B4-BE49-F238E27FC236}">
+                <a16:creationId xmlns:a16="http://schemas.microsoft.com/office/drawing/2014/main" id="{E45DA859-AFAA-4D27-AD8D-876068028449}"/>
+              </a:ext>
+            </a:extLst>
+          </p:cNvPr>
+          <p:cNvPicPr>
+            <a:picLocks noChangeAspect="1"/>
+          </p:cNvPicPr>
+          <p:nvPr/>
+        </p:nvPicPr>
+        <p:blipFill>
+          <a:blip r:embed="rId2"/>
+          <a:stretch>
+            <a:fillRect/>
+          </a:stretch>
+        </p:blipFill>
+        <p:spPr>
+          <a:xfrm>
+            <a:off x="1582578" y="1"/>
+            <a:ext cx="7200000" cy="5470085"/>
+          </a:xfrm>
+          <a:prstGeom prst="rect">
+            <a:avLst/>
+          </a:prstGeom>
+        </p:spPr>
+      </p:pic>
+      <p:sp>
+        <p:nvSpPr>
+          <p:cNvPr id="4" name="テキスト ボックス 3">
+            <a:extLst>
+              <a:ext uri="{FF2B5EF4-FFF2-40B4-BE49-F238E27FC236}">
+                <a16:creationId xmlns:a16="http://schemas.microsoft.com/office/drawing/2014/main" id="{C5A6C268-77C7-4775-95E5-5760EEEFD4F1}"/>
+              </a:ext>
+            </a:extLst>
+          </p:cNvPr>
+          <p:cNvSpPr txBox="1"/>
+          <p:nvPr/>
+        </p:nvSpPr>
+        <p:spPr>
+          <a:xfrm>
+            <a:off x="4638274" y="3197606"/>
+            <a:ext cx="1958606" cy="462788"/>
+          </a:xfrm>
+          <a:prstGeom prst="rect">
+            <a:avLst/>
+          </a:prstGeom>
+          <a:solidFill>
+            <a:srgbClr val="FFFF00"/>
+          </a:solidFill>
+          <a:ln>
+            <a:solidFill>
+              <a:schemeClr val="tx1"/>
+            </a:solidFill>
+          </a:ln>
+        </p:spPr>
+        <p:txBody>
+          <a:bodyPr wrap="square" rtlCol="0">
+            <a:noAutofit/>
+          </a:bodyPr>
+          <a:lstStyle/>
+          <a:p>
+            <a:r>
+              <a:rPr lang="en-US" altLang="ja-JP" sz="726" dirty="0">
+                <a:latin typeface="Arial" panose="020B0604020202020204" pitchFamily="34" charset="0"/>
+                <a:cs typeface="Arial" panose="020B0604020202020204" pitchFamily="34" charset="0"/>
+              </a:rPr>
+              <a:t>Output: </a:t>
+            </a:r>
+          </a:p>
+          <a:p>
+            <a:r>
+              <a:rPr lang="en-US" altLang="ja-JP" sz="726" dirty="0">
+                <a:latin typeface="Arial" panose="020B0604020202020204" pitchFamily="34" charset="0"/>
+                <a:cs typeface="Arial" panose="020B0604020202020204" pitchFamily="34" charset="0"/>
+              </a:rPr>
+              <a:t> Temperature of fluid in the volume where heat is injected into fluid system.</a:t>
+            </a:r>
+          </a:p>
+        </p:txBody>
+      </p:sp>
+      <p:cxnSp>
+        <p:nvCxnSpPr>
+          <p:cNvPr id="5" name="直線矢印コネクタ 4">
+            <a:extLst>
+              <a:ext uri="{FF2B5EF4-FFF2-40B4-BE49-F238E27FC236}">
+                <a16:creationId xmlns:a16="http://schemas.microsoft.com/office/drawing/2014/main" id="{D75804B4-0477-4052-9C79-CE629342014D}"/>
+              </a:ext>
+            </a:extLst>
+          </p:cNvPr>
+          <p:cNvCxnSpPr>
+            <a:cxnSpLocks/>
+            <a:stCxn id="4" idx="0"/>
+          </p:cNvCxnSpPr>
+          <p:nvPr/>
+        </p:nvCxnSpPr>
+        <p:spPr>
+          <a:xfrm flipH="1" flipV="1">
+            <a:off x="4298461" y="2540000"/>
+            <a:ext cx="1319116" cy="657606"/>
+          </a:xfrm>
+          <a:prstGeom prst="straightConnector1">
+            <a:avLst/>
+          </a:prstGeom>
+          <a:ln w="12700">
+            <a:solidFill>
+              <a:schemeClr val="tx1"/>
+            </a:solidFill>
+            <a:tailEnd type="oval"/>
+          </a:ln>
+        </p:spPr>
+        <p:style>
+          <a:lnRef idx="1">
+            <a:schemeClr val="accent1"/>
+          </a:lnRef>
+          <a:fillRef idx="0">
+            <a:schemeClr val="accent1"/>
+          </a:fillRef>
+          <a:effectRef idx="0">
+            <a:schemeClr val="accent1"/>
+          </a:effectRef>
+          <a:fontRef idx="minor">
+            <a:schemeClr val="tx1"/>
+          </a:fontRef>
+        </p:style>
+      </p:cxnSp>
+    </p:spTree>
+    <p:extLst>
+      <p:ext uri="{BB962C8B-B14F-4D97-AF65-F5344CB8AC3E}">
+        <p14:creationId xmlns:p14="http://schemas.microsoft.com/office/powerpoint/2010/main" val="1946420300"/>
+      </p:ext>
+    </p:extLst>
+  </p:cSld>
+  <p:clrMapOvr>
+    <a:masterClrMapping/>
+  </p:clrMapOvr>
+</p:sld>
+</file>
+
+<file path=ppt/slides/slide39.xml><?xml version="1.0" encoding="utf-8"?>
+<p:sld xmlns:a="http://schemas.openxmlformats.org/drawingml/2006/main" xmlns:r="http://schemas.openxmlformats.org/officeDocument/2006/relationships" xmlns:p="http://schemas.openxmlformats.org/presentationml/2006/main">
+  <p:cSld>
+    <p:spTree>
+      <p:nvGrpSpPr>
+        <p:cNvPr id="1" name=""/>
+        <p:cNvGrpSpPr/>
+        <p:nvPr/>
+      </p:nvGrpSpPr>
+      <p:grpSpPr>
+        <a:xfrm>
+          <a:off x="0" y="0"/>
+          <a:ext cx="0" cy="0"/>
+          <a:chOff x="0" y="0"/>
+          <a:chExt cx="0" cy="0"/>
+        </a:xfrm>
+      </p:grpSpPr>
+      <p:pic>
+        <p:nvPicPr>
+          <p:cNvPr id="3" name="図 2">
+            <a:extLst>
+              <a:ext uri="{FF2B5EF4-FFF2-40B4-BE49-F238E27FC236}">
+                <a16:creationId xmlns:a16="http://schemas.microsoft.com/office/drawing/2014/main" id="{9E5C0FBB-D31F-4EDD-91DE-B8AB5FF49484}"/>
+              </a:ext>
+            </a:extLst>
+          </p:cNvPr>
+          <p:cNvPicPr>
+            <a:picLocks noChangeAspect="1"/>
+          </p:cNvPicPr>
+          <p:nvPr/>
+        </p:nvPicPr>
+        <p:blipFill>
+          <a:blip r:embed="rId2"/>
+          <a:stretch>
+            <a:fillRect/>
+          </a:stretch>
+        </p:blipFill>
+        <p:spPr>
+          <a:xfrm>
+            <a:off x="1564206" y="1"/>
+            <a:ext cx="7200000" cy="5447909"/>
+          </a:xfrm>
+          <a:prstGeom prst="rect">
+            <a:avLst/>
+          </a:prstGeom>
+        </p:spPr>
+      </p:pic>
+      <p:sp>
+        <p:nvSpPr>
+          <p:cNvPr id="4" name="テキスト ボックス 3">
+            <a:extLst>
+              <a:ext uri="{FF2B5EF4-FFF2-40B4-BE49-F238E27FC236}">
+                <a16:creationId xmlns:a16="http://schemas.microsoft.com/office/drawing/2014/main" id="{BCA940EF-0C23-47BC-A85A-BD75BB4E3C0B}"/>
+              </a:ext>
+            </a:extLst>
+          </p:cNvPr>
+          <p:cNvSpPr txBox="1"/>
+          <p:nvPr/>
+        </p:nvSpPr>
+        <p:spPr>
+          <a:xfrm>
+            <a:off x="4958704" y="1410090"/>
+            <a:ext cx="1958606" cy="462788"/>
+          </a:xfrm>
+          <a:prstGeom prst="rect">
+            <a:avLst/>
+          </a:prstGeom>
+          <a:solidFill>
+            <a:srgbClr val="FFFF00"/>
+          </a:solidFill>
+          <a:ln>
+            <a:solidFill>
+              <a:schemeClr val="tx1"/>
+            </a:solidFill>
+          </a:ln>
+        </p:spPr>
+        <p:txBody>
+          <a:bodyPr wrap="square" rtlCol="0">
+            <a:noAutofit/>
+          </a:bodyPr>
+          <a:lstStyle/>
+          <a:p>
+            <a:r>
+              <a:rPr lang="en-US" altLang="ja-JP" sz="726" dirty="0">
+                <a:latin typeface="Arial" panose="020B0604020202020204" pitchFamily="34" charset="0"/>
+                <a:cs typeface="Arial" panose="020B0604020202020204" pitchFamily="34" charset="0"/>
+              </a:rPr>
+              <a:t>Output: </a:t>
+            </a:r>
+          </a:p>
+          <a:p>
+            <a:r>
+              <a:rPr lang="en-US" altLang="ja-JP" sz="726" dirty="0">
+                <a:latin typeface="Arial" panose="020B0604020202020204" pitchFamily="34" charset="0"/>
+                <a:cs typeface="Arial" panose="020B0604020202020204" pitchFamily="34" charset="0"/>
+              </a:rPr>
+              <a:t> Pressure drop in pipe1 (pipe downstream of heat injection).</a:t>
+            </a:r>
+          </a:p>
+        </p:txBody>
+      </p:sp>
+      <p:cxnSp>
+        <p:nvCxnSpPr>
+          <p:cNvPr id="5" name="直線矢印コネクタ 4">
+            <a:extLst>
+              <a:ext uri="{FF2B5EF4-FFF2-40B4-BE49-F238E27FC236}">
+                <a16:creationId xmlns:a16="http://schemas.microsoft.com/office/drawing/2014/main" id="{B71CAFB1-9761-44BD-832D-15915F71FECC}"/>
+              </a:ext>
+            </a:extLst>
+          </p:cNvPr>
+          <p:cNvCxnSpPr>
+            <a:cxnSpLocks/>
+            <a:stCxn id="4" idx="1"/>
+          </p:cNvCxnSpPr>
+          <p:nvPr/>
+        </p:nvCxnSpPr>
+        <p:spPr>
+          <a:xfrm flipH="1">
+            <a:off x="4337540" y="1641484"/>
+            <a:ext cx="621164" cy="843808"/>
+          </a:xfrm>
+          <a:prstGeom prst="straightConnector1">
+            <a:avLst/>
+          </a:prstGeom>
+          <a:ln w="12700">
+            <a:solidFill>
+              <a:schemeClr val="tx1"/>
+            </a:solidFill>
+            <a:tailEnd type="oval"/>
+          </a:ln>
+        </p:spPr>
+        <p:style>
+          <a:lnRef idx="1">
+            <a:schemeClr val="accent1"/>
+          </a:lnRef>
+          <a:fillRef idx="0">
+            <a:schemeClr val="accent1"/>
+          </a:fillRef>
+          <a:effectRef idx="0">
+            <a:schemeClr val="accent1"/>
+          </a:effectRef>
+          <a:fontRef idx="minor">
+            <a:schemeClr val="tx1"/>
+          </a:fontRef>
+        </p:style>
+      </p:cxnSp>
+    </p:spTree>
+    <p:extLst>
+      <p:ext uri="{BB962C8B-B14F-4D97-AF65-F5344CB8AC3E}">
+        <p14:creationId xmlns:p14="http://schemas.microsoft.com/office/powerpoint/2010/main" val="2389321653"/>
       </p:ext>
     </p:extLst>
   </p:cSld>
@@ -11817,6 +12446,960 @@
     <p:extLst>
       <p:ext uri="{BB962C8B-B14F-4D97-AF65-F5344CB8AC3E}">
         <p14:creationId xmlns:p14="http://schemas.microsoft.com/office/powerpoint/2010/main" val="1741282073"/>
+      </p:ext>
+    </p:extLst>
+  </p:cSld>
+  <p:clrMapOvr>
+    <a:masterClrMapping/>
+  </p:clrMapOvr>
+</p:sld>
+</file>
+
+<file path=ppt/slides/slide40.xml><?xml version="1.0" encoding="utf-8"?>
+<p:sld xmlns:a="http://schemas.openxmlformats.org/drawingml/2006/main" xmlns:r="http://schemas.openxmlformats.org/officeDocument/2006/relationships" xmlns:p="http://schemas.openxmlformats.org/presentationml/2006/main">
+  <p:cSld>
+    <p:spTree>
+      <p:nvGrpSpPr>
+        <p:cNvPr id="1" name=""/>
+        <p:cNvGrpSpPr/>
+        <p:nvPr/>
+      </p:nvGrpSpPr>
+      <p:grpSpPr>
+        <a:xfrm>
+          <a:off x="0" y="0"/>
+          <a:ext cx="0" cy="0"/>
+          <a:chOff x="0" y="0"/>
+          <a:chExt cx="0" cy="0"/>
+        </a:xfrm>
+      </p:grpSpPr>
+      <p:pic>
+        <p:nvPicPr>
+          <p:cNvPr id="3" name="図 2">
+            <a:extLst>
+              <a:ext uri="{FF2B5EF4-FFF2-40B4-BE49-F238E27FC236}">
+                <a16:creationId xmlns:a16="http://schemas.microsoft.com/office/drawing/2014/main" id="{55E30E4A-093A-4A0F-B313-E976472A1C8D}"/>
+              </a:ext>
+            </a:extLst>
+          </p:cNvPr>
+          <p:cNvPicPr>
+            <a:picLocks noChangeAspect="1"/>
+          </p:cNvPicPr>
+          <p:nvPr/>
+        </p:nvPicPr>
+        <p:blipFill>
+          <a:blip r:embed="rId2"/>
+          <a:stretch>
+            <a:fillRect/>
+          </a:stretch>
+        </p:blipFill>
+        <p:spPr>
+          <a:xfrm>
+            <a:off x="1568346" y="1"/>
+            <a:ext cx="7200000" cy="5452891"/>
+          </a:xfrm>
+          <a:prstGeom prst="rect">
+            <a:avLst/>
+          </a:prstGeom>
+        </p:spPr>
+      </p:pic>
+      <p:sp>
+        <p:nvSpPr>
+          <p:cNvPr id="4" name="テキスト ボックス 3">
+            <a:extLst>
+              <a:ext uri="{FF2B5EF4-FFF2-40B4-BE49-F238E27FC236}">
+                <a16:creationId xmlns:a16="http://schemas.microsoft.com/office/drawing/2014/main" id="{172441BB-AB51-4AD6-94EA-2ECD22919213}"/>
+              </a:ext>
+            </a:extLst>
+          </p:cNvPr>
+          <p:cNvSpPr txBox="1"/>
+          <p:nvPr/>
+        </p:nvSpPr>
+        <p:spPr>
+          <a:xfrm>
+            <a:off x="5044674" y="2361360"/>
+            <a:ext cx="1958606" cy="462788"/>
+          </a:xfrm>
+          <a:prstGeom prst="rect">
+            <a:avLst/>
+          </a:prstGeom>
+          <a:solidFill>
+            <a:srgbClr val="FFFF00"/>
+          </a:solidFill>
+          <a:ln>
+            <a:solidFill>
+              <a:schemeClr val="tx1"/>
+            </a:solidFill>
+          </a:ln>
+        </p:spPr>
+        <p:txBody>
+          <a:bodyPr wrap="square" rtlCol="0">
+            <a:noAutofit/>
+          </a:bodyPr>
+          <a:lstStyle/>
+          <a:p>
+            <a:r>
+              <a:rPr lang="en-US" altLang="ja-JP" sz="726" dirty="0">
+                <a:latin typeface="Arial" panose="020B0604020202020204" pitchFamily="34" charset="0"/>
+                <a:cs typeface="Arial" panose="020B0604020202020204" pitchFamily="34" charset="0"/>
+              </a:rPr>
+              <a:t>Output: </a:t>
+            </a:r>
+          </a:p>
+          <a:p>
+            <a:r>
+              <a:rPr lang="en-US" altLang="ja-JP" sz="726" dirty="0">
+                <a:latin typeface="Arial" panose="020B0604020202020204" pitchFamily="34" charset="0"/>
+                <a:cs typeface="Arial" panose="020B0604020202020204" pitchFamily="34" charset="0"/>
+              </a:rPr>
+              <a:t> Density of fluid at the entrance of pipe1 (pipe downstream of heat injection).</a:t>
+            </a:r>
+          </a:p>
+        </p:txBody>
+      </p:sp>
+      <p:cxnSp>
+        <p:nvCxnSpPr>
+          <p:cNvPr id="5" name="直線矢印コネクタ 4">
+            <a:extLst>
+              <a:ext uri="{FF2B5EF4-FFF2-40B4-BE49-F238E27FC236}">
+                <a16:creationId xmlns:a16="http://schemas.microsoft.com/office/drawing/2014/main" id="{01B7527C-E642-46D6-B7DF-6F4F19584352}"/>
+              </a:ext>
+            </a:extLst>
+          </p:cNvPr>
+          <p:cNvCxnSpPr>
+            <a:cxnSpLocks/>
+            <a:stCxn id="4" idx="1"/>
+          </p:cNvCxnSpPr>
+          <p:nvPr/>
+        </p:nvCxnSpPr>
+        <p:spPr>
+          <a:xfrm flipH="1">
+            <a:off x="4165600" y="2592754"/>
+            <a:ext cx="879074" cy="231394"/>
+          </a:xfrm>
+          <a:prstGeom prst="straightConnector1">
+            <a:avLst/>
+          </a:prstGeom>
+          <a:ln w="12700">
+            <a:solidFill>
+              <a:schemeClr val="tx1"/>
+            </a:solidFill>
+            <a:tailEnd type="oval"/>
+          </a:ln>
+        </p:spPr>
+        <p:style>
+          <a:lnRef idx="1">
+            <a:schemeClr val="accent1"/>
+          </a:lnRef>
+          <a:fillRef idx="0">
+            <a:schemeClr val="accent1"/>
+          </a:fillRef>
+          <a:effectRef idx="0">
+            <a:schemeClr val="accent1"/>
+          </a:effectRef>
+          <a:fontRef idx="minor">
+            <a:schemeClr val="tx1"/>
+          </a:fontRef>
+        </p:style>
+      </p:cxnSp>
+    </p:spTree>
+    <p:extLst>
+      <p:ext uri="{BB962C8B-B14F-4D97-AF65-F5344CB8AC3E}">
+        <p14:creationId xmlns:p14="http://schemas.microsoft.com/office/powerpoint/2010/main" val="1195298727"/>
+      </p:ext>
+    </p:extLst>
+  </p:cSld>
+  <p:clrMapOvr>
+    <a:masterClrMapping/>
+  </p:clrMapOvr>
+</p:sld>
+</file>
+
+<file path=ppt/slides/slide41.xml><?xml version="1.0" encoding="utf-8"?>
+<p:sld xmlns:a="http://schemas.openxmlformats.org/drawingml/2006/main" xmlns:r="http://schemas.openxmlformats.org/officeDocument/2006/relationships" xmlns:p="http://schemas.openxmlformats.org/presentationml/2006/main">
+  <p:cSld>
+    <p:spTree>
+      <p:nvGrpSpPr>
+        <p:cNvPr id="1" name=""/>
+        <p:cNvGrpSpPr/>
+        <p:nvPr/>
+      </p:nvGrpSpPr>
+      <p:grpSpPr>
+        <a:xfrm>
+          <a:off x="0" y="0"/>
+          <a:ext cx="0" cy="0"/>
+          <a:chOff x="0" y="0"/>
+          <a:chExt cx="0" cy="0"/>
+        </a:xfrm>
+      </p:grpSpPr>
+      <p:pic>
+        <p:nvPicPr>
+          <p:cNvPr id="3" name="図 2">
+            <a:extLst>
+              <a:ext uri="{FF2B5EF4-FFF2-40B4-BE49-F238E27FC236}">
+                <a16:creationId xmlns:a16="http://schemas.microsoft.com/office/drawing/2014/main" id="{97B295F5-C4DA-4AE6-8299-839454FFCFEB}"/>
+              </a:ext>
+            </a:extLst>
+          </p:cNvPr>
+          <p:cNvPicPr>
+            <a:picLocks noChangeAspect="1"/>
+          </p:cNvPicPr>
+          <p:nvPr/>
+        </p:nvPicPr>
+        <p:blipFill>
+          <a:blip r:embed="rId2"/>
+          <a:stretch>
+            <a:fillRect/>
+          </a:stretch>
+        </p:blipFill>
+        <p:spPr>
+          <a:xfrm>
+            <a:off x="1572821" y="0"/>
+            <a:ext cx="7200000" cy="5458286"/>
+          </a:xfrm>
+          <a:prstGeom prst="rect">
+            <a:avLst/>
+          </a:prstGeom>
+        </p:spPr>
+      </p:pic>
+      <p:sp>
+        <p:nvSpPr>
+          <p:cNvPr id="4" name="テキスト ボックス 3">
+            <a:extLst>
+              <a:ext uri="{FF2B5EF4-FFF2-40B4-BE49-F238E27FC236}">
+                <a16:creationId xmlns:a16="http://schemas.microsoft.com/office/drawing/2014/main" id="{10AF1403-F0A5-40DD-9644-1B56F44EFD83}"/>
+              </a:ext>
+            </a:extLst>
+          </p:cNvPr>
+          <p:cNvSpPr txBox="1"/>
+          <p:nvPr/>
+        </p:nvSpPr>
+        <p:spPr>
+          <a:xfrm>
+            <a:off x="3536304" y="3275760"/>
+            <a:ext cx="1958606" cy="381840"/>
+          </a:xfrm>
+          <a:prstGeom prst="rect">
+            <a:avLst/>
+          </a:prstGeom>
+          <a:solidFill>
+            <a:srgbClr val="FFFF00"/>
+          </a:solidFill>
+          <a:ln>
+            <a:solidFill>
+              <a:schemeClr val="tx1"/>
+            </a:solidFill>
+          </a:ln>
+        </p:spPr>
+        <p:txBody>
+          <a:bodyPr wrap="square" rtlCol="0">
+            <a:noAutofit/>
+          </a:bodyPr>
+          <a:lstStyle/>
+          <a:p>
+            <a:r>
+              <a:rPr lang="en-US" altLang="ja-JP" sz="726" dirty="0">
+                <a:latin typeface="Arial" panose="020B0604020202020204" pitchFamily="34" charset="0"/>
+                <a:cs typeface="Arial" panose="020B0604020202020204" pitchFamily="34" charset="0"/>
+              </a:rPr>
+              <a:t>Output: </a:t>
+            </a:r>
+          </a:p>
+          <a:p>
+            <a:r>
+              <a:rPr lang="en-US" altLang="ja-JP" sz="726" dirty="0">
+                <a:latin typeface="Arial" panose="020B0604020202020204" pitchFamily="34" charset="0"/>
+                <a:cs typeface="Arial" panose="020B0604020202020204" pitchFamily="34" charset="0"/>
+              </a:rPr>
+              <a:t> Fluid density vs. fluid Temperature.</a:t>
+            </a:r>
+          </a:p>
+        </p:txBody>
+      </p:sp>
+      <p:cxnSp>
+        <p:nvCxnSpPr>
+          <p:cNvPr id="5" name="直線矢印コネクタ 4">
+            <a:extLst>
+              <a:ext uri="{FF2B5EF4-FFF2-40B4-BE49-F238E27FC236}">
+                <a16:creationId xmlns:a16="http://schemas.microsoft.com/office/drawing/2014/main" id="{24AEBCF7-6FAF-40BB-8A3C-BAE3BBECABCE}"/>
+              </a:ext>
+            </a:extLst>
+          </p:cNvPr>
+          <p:cNvCxnSpPr>
+            <a:cxnSpLocks/>
+            <a:stCxn id="4" idx="0"/>
+          </p:cNvCxnSpPr>
+          <p:nvPr/>
+        </p:nvCxnSpPr>
+        <p:spPr>
+          <a:xfrm flipV="1">
+            <a:off x="4515607" y="2430586"/>
+            <a:ext cx="665993" cy="845174"/>
+          </a:xfrm>
+          <a:prstGeom prst="straightConnector1">
+            <a:avLst/>
+          </a:prstGeom>
+          <a:ln w="12700">
+            <a:solidFill>
+              <a:schemeClr val="tx1"/>
+            </a:solidFill>
+            <a:tailEnd type="oval"/>
+          </a:ln>
+        </p:spPr>
+        <p:style>
+          <a:lnRef idx="1">
+            <a:schemeClr val="accent1"/>
+          </a:lnRef>
+          <a:fillRef idx="0">
+            <a:schemeClr val="accent1"/>
+          </a:fillRef>
+          <a:effectRef idx="0">
+            <a:schemeClr val="accent1"/>
+          </a:effectRef>
+          <a:fontRef idx="minor">
+            <a:schemeClr val="tx1"/>
+          </a:fontRef>
+        </p:style>
+      </p:cxnSp>
+    </p:spTree>
+    <p:extLst>
+      <p:ext uri="{BB962C8B-B14F-4D97-AF65-F5344CB8AC3E}">
+        <p14:creationId xmlns:p14="http://schemas.microsoft.com/office/powerpoint/2010/main" val="2348690903"/>
+      </p:ext>
+    </p:extLst>
+  </p:cSld>
+  <p:clrMapOvr>
+    <a:masterClrMapping/>
+  </p:clrMapOvr>
+</p:sld>
+</file>
+
+<file path=ppt/slides/slide42.xml><?xml version="1.0" encoding="utf-8"?>
+<p:sld xmlns:a="http://schemas.openxmlformats.org/drawingml/2006/main" xmlns:r="http://schemas.openxmlformats.org/officeDocument/2006/relationships" xmlns:p="http://schemas.openxmlformats.org/presentationml/2006/main">
+  <p:cSld>
+    <p:spTree>
+      <p:nvGrpSpPr>
+        <p:cNvPr id="1" name=""/>
+        <p:cNvGrpSpPr/>
+        <p:nvPr/>
+      </p:nvGrpSpPr>
+      <p:grpSpPr>
+        <a:xfrm>
+          <a:off x="0" y="0"/>
+          <a:ext cx="0" cy="0"/>
+          <a:chOff x="0" y="0"/>
+          <a:chExt cx="0" cy="0"/>
+        </a:xfrm>
+      </p:grpSpPr>
+      <p:pic>
+        <p:nvPicPr>
+          <p:cNvPr id="3" name="図 2">
+            <a:extLst>
+              <a:ext uri="{FF2B5EF4-FFF2-40B4-BE49-F238E27FC236}">
+                <a16:creationId xmlns:a16="http://schemas.microsoft.com/office/drawing/2014/main" id="{66B9F253-4623-422F-9289-0202B8FBB086}"/>
+              </a:ext>
+            </a:extLst>
+          </p:cNvPr>
+          <p:cNvPicPr>
+            <a:picLocks noChangeAspect="1"/>
+          </p:cNvPicPr>
+          <p:nvPr/>
+        </p:nvPicPr>
+        <p:blipFill>
+          <a:blip r:embed="rId2"/>
+          <a:stretch>
+            <a:fillRect/>
+          </a:stretch>
+        </p:blipFill>
+        <p:spPr>
+          <a:xfrm>
+            <a:off x="1574194" y="1"/>
+            <a:ext cx="7200000" cy="5459943"/>
+          </a:xfrm>
+          <a:prstGeom prst="rect">
+            <a:avLst/>
+          </a:prstGeom>
+        </p:spPr>
+      </p:pic>
+      <p:sp>
+        <p:nvSpPr>
+          <p:cNvPr id="4" name="テキスト ボックス 3">
+            <a:extLst>
+              <a:ext uri="{FF2B5EF4-FFF2-40B4-BE49-F238E27FC236}">
+                <a16:creationId xmlns:a16="http://schemas.microsoft.com/office/drawing/2014/main" id="{1F7469FF-41D0-414F-92AB-F44FA8AD308F}"/>
+              </a:ext>
+            </a:extLst>
+          </p:cNvPr>
+          <p:cNvSpPr txBox="1"/>
+          <p:nvPr/>
+        </p:nvSpPr>
+        <p:spPr>
+          <a:xfrm>
+            <a:off x="5116697" y="2736498"/>
+            <a:ext cx="1958606" cy="462788"/>
+          </a:xfrm>
+          <a:prstGeom prst="rect">
+            <a:avLst/>
+          </a:prstGeom>
+          <a:solidFill>
+            <a:srgbClr val="FFFF00"/>
+          </a:solidFill>
+          <a:ln>
+            <a:solidFill>
+              <a:schemeClr val="tx1"/>
+            </a:solidFill>
+          </a:ln>
+        </p:spPr>
+        <p:txBody>
+          <a:bodyPr wrap="square" rtlCol="0">
+            <a:noAutofit/>
+          </a:bodyPr>
+          <a:lstStyle/>
+          <a:p>
+            <a:r>
+              <a:rPr lang="en-US" altLang="ja-JP" sz="726" dirty="0">
+                <a:latin typeface="Arial" panose="020B0604020202020204" pitchFamily="34" charset="0"/>
+                <a:cs typeface="Arial" panose="020B0604020202020204" pitchFamily="34" charset="0"/>
+              </a:rPr>
+              <a:t>Output: </a:t>
+            </a:r>
+          </a:p>
+          <a:p>
+            <a:r>
+              <a:rPr lang="en-US" altLang="ja-JP" sz="726" dirty="0">
+                <a:latin typeface="Arial" panose="020B0604020202020204" pitchFamily="34" charset="0"/>
+                <a:cs typeface="Arial" panose="020B0604020202020204" pitchFamily="34" charset="0"/>
+              </a:rPr>
+              <a:t> Viscosity of fluid at the entrance of pipe1 (pipe downstream of heat injection).</a:t>
+            </a:r>
+          </a:p>
+        </p:txBody>
+      </p:sp>
+      <p:cxnSp>
+        <p:nvCxnSpPr>
+          <p:cNvPr id="5" name="直線矢印コネクタ 4">
+            <a:extLst>
+              <a:ext uri="{FF2B5EF4-FFF2-40B4-BE49-F238E27FC236}">
+                <a16:creationId xmlns:a16="http://schemas.microsoft.com/office/drawing/2014/main" id="{6166BA3C-5135-4118-80D5-A319217245CF}"/>
+              </a:ext>
+            </a:extLst>
+          </p:cNvPr>
+          <p:cNvCxnSpPr>
+            <a:cxnSpLocks/>
+            <a:stCxn id="4" idx="1"/>
+          </p:cNvCxnSpPr>
+          <p:nvPr/>
+        </p:nvCxnSpPr>
+        <p:spPr>
+          <a:xfrm flipH="1" flipV="1">
+            <a:off x="3938954" y="2532185"/>
+            <a:ext cx="1177743" cy="435707"/>
+          </a:xfrm>
+          <a:prstGeom prst="straightConnector1">
+            <a:avLst/>
+          </a:prstGeom>
+          <a:ln w="12700">
+            <a:solidFill>
+              <a:schemeClr val="tx1"/>
+            </a:solidFill>
+            <a:tailEnd type="oval"/>
+          </a:ln>
+        </p:spPr>
+        <p:style>
+          <a:lnRef idx="1">
+            <a:schemeClr val="accent1"/>
+          </a:lnRef>
+          <a:fillRef idx="0">
+            <a:schemeClr val="accent1"/>
+          </a:fillRef>
+          <a:effectRef idx="0">
+            <a:schemeClr val="accent1"/>
+          </a:effectRef>
+          <a:fontRef idx="minor">
+            <a:schemeClr val="tx1"/>
+          </a:fontRef>
+        </p:style>
+      </p:cxnSp>
+    </p:spTree>
+    <p:extLst>
+      <p:ext uri="{BB962C8B-B14F-4D97-AF65-F5344CB8AC3E}">
+        <p14:creationId xmlns:p14="http://schemas.microsoft.com/office/powerpoint/2010/main" val="2463804794"/>
+      </p:ext>
+    </p:extLst>
+  </p:cSld>
+  <p:clrMapOvr>
+    <a:masterClrMapping/>
+  </p:clrMapOvr>
+</p:sld>
+</file>
+
+<file path=ppt/slides/slide43.xml><?xml version="1.0" encoding="utf-8"?>
+<p:sld xmlns:a="http://schemas.openxmlformats.org/drawingml/2006/main" xmlns:r="http://schemas.openxmlformats.org/officeDocument/2006/relationships" xmlns:p="http://schemas.openxmlformats.org/presentationml/2006/main">
+  <p:cSld>
+    <p:spTree>
+      <p:nvGrpSpPr>
+        <p:cNvPr id="1" name=""/>
+        <p:cNvGrpSpPr/>
+        <p:nvPr/>
+      </p:nvGrpSpPr>
+      <p:grpSpPr>
+        <a:xfrm>
+          <a:off x="0" y="0"/>
+          <a:ext cx="0" cy="0"/>
+          <a:chOff x="0" y="0"/>
+          <a:chExt cx="0" cy="0"/>
+        </a:xfrm>
+      </p:grpSpPr>
+      <p:pic>
+        <p:nvPicPr>
+          <p:cNvPr id="3" name="図 2">
+            <a:extLst>
+              <a:ext uri="{FF2B5EF4-FFF2-40B4-BE49-F238E27FC236}">
+                <a16:creationId xmlns:a16="http://schemas.microsoft.com/office/drawing/2014/main" id="{D4CBE1FE-52C7-4E19-B4E5-21F5819882D2}"/>
+              </a:ext>
+            </a:extLst>
+          </p:cNvPr>
+          <p:cNvPicPr>
+            <a:picLocks noChangeAspect="1"/>
+          </p:cNvPicPr>
+          <p:nvPr/>
+        </p:nvPicPr>
+        <p:blipFill>
+          <a:blip r:embed="rId2"/>
+          <a:stretch>
+            <a:fillRect/>
+          </a:stretch>
+        </p:blipFill>
+        <p:spPr>
+          <a:xfrm>
+            <a:off x="1581221" y="1"/>
+            <a:ext cx="7200000" cy="5468441"/>
+          </a:xfrm>
+          <a:prstGeom prst="rect">
+            <a:avLst/>
+          </a:prstGeom>
+        </p:spPr>
+      </p:pic>
+      <p:sp>
+        <p:nvSpPr>
+          <p:cNvPr id="4" name="テキスト ボックス 3">
+            <a:extLst>
+              <a:ext uri="{FF2B5EF4-FFF2-40B4-BE49-F238E27FC236}">
+                <a16:creationId xmlns:a16="http://schemas.microsoft.com/office/drawing/2014/main" id="{143F0F86-6710-44BA-8FDA-63FF79BD3E5E}"/>
+              </a:ext>
+            </a:extLst>
+          </p:cNvPr>
+          <p:cNvSpPr txBox="1"/>
+          <p:nvPr/>
+        </p:nvSpPr>
+        <p:spPr>
+          <a:xfrm>
+            <a:off x="3004858" y="3658713"/>
+            <a:ext cx="1958606" cy="350579"/>
+          </a:xfrm>
+          <a:prstGeom prst="rect">
+            <a:avLst/>
+          </a:prstGeom>
+          <a:solidFill>
+            <a:srgbClr val="FFFF00"/>
+          </a:solidFill>
+          <a:ln>
+            <a:solidFill>
+              <a:schemeClr val="tx1"/>
+            </a:solidFill>
+          </a:ln>
+        </p:spPr>
+        <p:txBody>
+          <a:bodyPr wrap="square" rtlCol="0">
+            <a:noAutofit/>
+          </a:bodyPr>
+          <a:lstStyle/>
+          <a:p>
+            <a:r>
+              <a:rPr lang="en-US" altLang="ja-JP" sz="726" dirty="0">
+                <a:latin typeface="Arial" panose="020B0604020202020204" pitchFamily="34" charset="0"/>
+                <a:cs typeface="Arial" panose="020B0604020202020204" pitchFamily="34" charset="0"/>
+              </a:rPr>
+              <a:t>Output: </a:t>
+            </a:r>
+          </a:p>
+          <a:p>
+            <a:r>
+              <a:rPr lang="en-US" altLang="ja-JP" sz="726" dirty="0">
+                <a:latin typeface="Arial" panose="020B0604020202020204" pitchFamily="34" charset="0"/>
+                <a:cs typeface="Arial" panose="020B0604020202020204" pitchFamily="34" charset="0"/>
+              </a:rPr>
+              <a:t> Fluid viscosity vs. fluid temperature.</a:t>
+            </a:r>
+          </a:p>
+        </p:txBody>
+      </p:sp>
+      <p:cxnSp>
+        <p:nvCxnSpPr>
+          <p:cNvPr id="5" name="直線矢印コネクタ 4">
+            <a:extLst>
+              <a:ext uri="{FF2B5EF4-FFF2-40B4-BE49-F238E27FC236}">
+                <a16:creationId xmlns:a16="http://schemas.microsoft.com/office/drawing/2014/main" id="{D30255EE-D799-46BF-B2F8-4D690B5FB6A6}"/>
+              </a:ext>
+            </a:extLst>
+          </p:cNvPr>
+          <p:cNvCxnSpPr>
+            <a:cxnSpLocks/>
+            <a:stCxn id="4" idx="0"/>
+          </p:cNvCxnSpPr>
+          <p:nvPr/>
+        </p:nvCxnSpPr>
+        <p:spPr>
+          <a:xfrm flipV="1">
+            <a:off x="3984161" y="2836985"/>
+            <a:ext cx="720701" cy="821728"/>
+          </a:xfrm>
+          <a:prstGeom prst="straightConnector1">
+            <a:avLst/>
+          </a:prstGeom>
+          <a:ln w="12700">
+            <a:solidFill>
+              <a:schemeClr val="tx1"/>
+            </a:solidFill>
+            <a:tailEnd type="oval"/>
+          </a:ln>
+        </p:spPr>
+        <p:style>
+          <a:lnRef idx="1">
+            <a:schemeClr val="accent1"/>
+          </a:lnRef>
+          <a:fillRef idx="0">
+            <a:schemeClr val="accent1"/>
+          </a:fillRef>
+          <a:effectRef idx="0">
+            <a:schemeClr val="accent1"/>
+          </a:effectRef>
+          <a:fontRef idx="minor">
+            <a:schemeClr val="tx1"/>
+          </a:fontRef>
+        </p:style>
+      </p:cxnSp>
+    </p:spTree>
+    <p:extLst>
+      <p:ext uri="{BB962C8B-B14F-4D97-AF65-F5344CB8AC3E}">
+        <p14:creationId xmlns:p14="http://schemas.microsoft.com/office/powerpoint/2010/main" val="3080561948"/>
+      </p:ext>
+    </p:extLst>
+  </p:cSld>
+  <p:clrMapOvr>
+    <a:masterClrMapping/>
+  </p:clrMapOvr>
+</p:sld>
+</file>
+
+<file path=ppt/slides/slide44.xml><?xml version="1.0" encoding="utf-8"?>
+<p:sld xmlns:a="http://schemas.openxmlformats.org/drawingml/2006/main" xmlns:r="http://schemas.openxmlformats.org/officeDocument/2006/relationships" xmlns:p="http://schemas.openxmlformats.org/presentationml/2006/main">
+  <p:cSld>
+    <p:spTree>
+      <p:nvGrpSpPr>
+        <p:cNvPr id="1" name=""/>
+        <p:cNvGrpSpPr/>
+        <p:nvPr/>
+      </p:nvGrpSpPr>
+      <p:grpSpPr>
+        <a:xfrm>
+          <a:off x="0" y="0"/>
+          <a:ext cx="0" cy="0"/>
+          <a:chOff x="0" y="0"/>
+          <a:chExt cx="0" cy="0"/>
+        </a:xfrm>
+      </p:grpSpPr>
+      <p:pic>
+        <p:nvPicPr>
+          <p:cNvPr id="3" name="図 2">
+            <a:extLst>
+              <a:ext uri="{FF2B5EF4-FFF2-40B4-BE49-F238E27FC236}">
+                <a16:creationId xmlns:a16="http://schemas.microsoft.com/office/drawing/2014/main" id="{FB1FB6A6-DEF1-40A0-BE30-7FB40DCAD456}"/>
+              </a:ext>
+            </a:extLst>
+          </p:cNvPr>
+          <p:cNvPicPr>
+            <a:picLocks noChangeAspect="1"/>
+          </p:cNvPicPr>
+          <p:nvPr/>
+        </p:nvPicPr>
+        <p:blipFill>
+          <a:blip r:embed="rId2"/>
+          <a:stretch>
+            <a:fillRect/>
+          </a:stretch>
+        </p:blipFill>
+        <p:spPr>
+          <a:xfrm>
+            <a:off x="1596775" y="0"/>
+            <a:ext cx="7200000" cy="5487346"/>
+          </a:xfrm>
+          <a:prstGeom prst="rect">
+            <a:avLst/>
+          </a:prstGeom>
+        </p:spPr>
+      </p:pic>
+      <p:sp>
+        <p:nvSpPr>
+          <p:cNvPr id="4" name="テキスト ボックス 3">
+            <a:extLst>
+              <a:ext uri="{FF2B5EF4-FFF2-40B4-BE49-F238E27FC236}">
+                <a16:creationId xmlns:a16="http://schemas.microsoft.com/office/drawing/2014/main" id="{38BB26FC-174D-4C21-B17C-E9B00A809602}"/>
+              </a:ext>
+            </a:extLst>
+          </p:cNvPr>
+          <p:cNvSpPr txBox="1"/>
+          <p:nvPr/>
+        </p:nvSpPr>
+        <p:spPr>
+          <a:xfrm>
+            <a:off x="4364736" y="2259760"/>
+            <a:ext cx="1958606" cy="462788"/>
+          </a:xfrm>
+          <a:prstGeom prst="rect">
+            <a:avLst/>
+          </a:prstGeom>
+          <a:solidFill>
+            <a:srgbClr val="FFFF00"/>
+          </a:solidFill>
+          <a:ln>
+            <a:solidFill>
+              <a:schemeClr val="tx1"/>
+            </a:solidFill>
+          </a:ln>
+        </p:spPr>
+        <p:txBody>
+          <a:bodyPr wrap="square" rtlCol="0">
+            <a:noAutofit/>
+          </a:bodyPr>
+          <a:lstStyle/>
+          <a:p>
+            <a:r>
+              <a:rPr lang="en-US" altLang="ja-JP" sz="726" dirty="0">
+                <a:latin typeface="Arial" panose="020B0604020202020204" pitchFamily="34" charset="0"/>
+                <a:cs typeface="Arial" panose="020B0604020202020204" pitchFamily="34" charset="0"/>
+              </a:rPr>
+              <a:t>Output: </a:t>
+            </a:r>
+          </a:p>
+          <a:p>
+            <a:r>
+              <a:rPr lang="en-US" altLang="ja-JP" sz="726" dirty="0">
+                <a:latin typeface="Arial" panose="020B0604020202020204" pitchFamily="34" charset="0"/>
+                <a:cs typeface="Arial" panose="020B0604020202020204" pitchFamily="34" charset="0"/>
+              </a:rPr>
+              <a:t> Fluid velocity at the entrance of pipe1 (pipe downstream of heat injection).</a:t>
+            </a:r>
+          </a:p>
+        </p:txBody>
+      </p:sp>
+      <p:cxnSp>
+        <p:nvCxnSpPr>
+          <p:cNvPr id="5" name="直線矢印コネクタ 4">
+            <a:extLst>
+              <a:ext uri="{FF2B5EF4-FFF2-40B4-BE49-F238E27FC236}">
+                <a16:creationId xmlns:a16="http://schemas.microsoft.com/office/drawing/2014/main" id="{679D84EC-3320-48C8-852D-7982F2DA582E}"/>
+              </a:ext>
+            </a:extLst>
+          </p:cNvPr>
+          <p:cNvCxnSpPr>
+            <a:cxnSpLocks/>
+            <a:stCxn id="4" idx="0"/>
+          </p:cNvCxnSpPr>
+          <p:nvPr/>
+        </p:nvCxnSpPr>
+        <p:spPr>
+          <a:xfrm flipH="1" flipV="1">
+            <a:off x="4024923" y="1602154"/>
+            <a:ext cx="1319116" cy="657606"/>
+          </a:xfrm>
+          <a:prstGeom prst="straightConnector1">
+            <a:avLst/>
+          </a:prstGeom>
+          <a:ln w="12700">
+            <a:solidFill>
+              <a:schemeClr val="tx1"/>
+            </a:solidFill>
+            <a:tailEnd type="oval"/>
+          </a:ln>
+        </p:spPr>
+        <p:style>
+          <a:lnRef idx="1">
+            <a:schemeClr val="accent1"/>
+          </a:lnRef>
+          <a:fillRef idx="0">
+            <a:schemeClr val="accent1"/>
+          </a:fillRef>
+          <a:effectRef idx="0">
+            <a:schemeClr val="accent1"/>
+          </a:effectRef>
+          <a:fontRef idx="minor">
+            <a:schemeClr val="tx1"/>
+          </a:fontRef>
+        </p:style>
+      </p:cxnSp>
+    </p:spTree>
+    <p:extLst>
+      <p:ext uri="{BB962C8B-B14F-4D97-AF65-F5344CB8AC3E}">
+        <p14:creationId xmlns:p14="http://schemas.microsoft.com/office/powerpoint/2010/main" val="3958465628"/>
+      </p:ext>
+    </p:extLst>
+  </p:cSld>
+  <p:clrMapOvr>
+    <a:masterClrMapping/>
+  </p:clrMapOvr>
+</p:sld>
+</file>
+
+<file path=ppt/slides/slide45.xml><?xml version="1.0" encoding="utf-8"?>
+<p:sld xmlns:a="http://schemas.openxmlformats.org/drawingml/2006/main" xmlns:r="http://schemas.openxmlformats.org/officeDocument/2006/relationships" xmlns:p="http://schemas.openxmlformats.org/presentationml/2006/main">
+  <p:cSld>
+    <p:spTree>
+      <p:nvGrpSpPr>
+        <p:cNvPr id="1" name=""/>
+        <p:cNvGrpSpPr/>
+        <p:nvPr/>
+      </p:nvGrpSpPr>
+      <p:grpSpPr>
+        <a:xfrm>
+          <a:off x="0" y="0"/>
+          <a:ext cx="0" cy="0"/>
+          <a:chOff x="0" y="0"/>
+          <a:chExt cx="0" cy="0"/>
+        </a:xfrm>
+      </p:grpSpPr>
+      <p:pic>
+        <p:nvPicPr>
+          <p:cNvPr id="3" name="図 2">
+            <a:extLst>
+              <a:ext uri="{FF2B5EF4-FFF2-40B4-BE49-F238E27FC236}">
+                <a16:creationId xmlns:a16="http://schemas.microsoft.com/office/drawing/2014/main" id="{536BB2CC-B3CE-4236-AA01-F28CCF78C5A2}"/>
+              </a:ext>
+            </a:extLst>
+          </p:cNvPr>
+          <p:cNvPicPr>
+            <a:picLocks noChangeAspect="1"/>
+          </p:cNvPicPr>
+          <p:nvPr/>
+        </p:nvPicPr>
+        <p:blipFill>
+          <a:blip r:embed="rId2"/>
+          <a:stretch>
+            <a:fillRect/>
+          </a:stretch>
+        </p:blipFill>
+        <p:spPr>
+          <a:xfrm>
+            <a:off x="1578292" y="0"/>
+            <a:ext cx="7200000" cy="5464896"/>
+          </a:xfrm>
+          <a:prstGeom prst="rect">
+            <a:avLst/>
+          </a:prstGeom>
+        </p:spPr>
+      </p:pic>
+      <p:sp>
+        <p:nvSpPr>
+          <p:cNvPr id="4" name="テキスト ボックス 3">
+            <a:extLst>
+              <a:ext uri="{FF2B5EF4-FFF2-40B4-BE49-F238E27FC236}">
+                <a16:creationId xmlns:a16="http://schemas.microsoft.com/office/drawing/2014/main" id="{649E1988-680B-441B-B15A-5D04D1DD9F0F}"/>
+              </a:ext>
+            </a:extLst>
+          </p:cNvPr>
+          <p:cNvSpPr txBox="1"/>
+          <p:nvPr/>
+        </p:nvSpPr>
+        <p:spPr>
+          <a:xfrm>
+            <a:off x="4638274" y="3197606"/>
+            <a:ext cx="1958606" cy="462788"/>
+          </a:xfrm>
+          <a:prstGeom prst="rect">
+            <a:avLst/>
+          </a:prstGeom>
+          <a:solidFill>
+            <a:srgbClr val="FFFF00"/>
+          </a:solidFill>
+          <a:ln>
+            <a:solidFill>
+              <a:schemeClr val="tx1"/>
+            </a:solidFill>
+          </a:ln>
+        </p:spPr>
+        <p:txBody>
+          <a:bodyPr wrap="square" rtlCol="0">
+            <a:noAutofit/>
+          </a:bodyPr>
+          <a:lstStyle/>
+          <a:p>
+            <a:r>
+              <a:rPr lang="en-US" altLang="ja-JP" sz="726" dirty="0">
+                <a:latin typeface="Arial" panose="020B0604020202020204" pitchFamily="34" charset="0"/>
+                <a:cs typeface="Arial" panose="020B0604020202020204" pitchFamily="34" charset="0"/>
+              </a:rPr>
+              <a:t>Output: </a:t>
+            </a:r>
+          </a:p>
+          <a:p>
+            <a:r>
+              <a:rPr lang="en-US" altLang="ja-JP" sz="726" dirty="0">
+                <a:latin typeface="Arial" panose="020B0604020202020204" pitchFamily="34" charset="0"/>
+                <a:cs typeface="Arial" panose="020B0604020202020204" pitchFamily="34" charset="0"/>
+              </a:rPr>
+              <a:t> Reynolds number at the entrance of pipe1 (pipe downstream of heat injection).</a:t>
+            </a:r>
+          </a:p>
+        </p:txBody>
+      </p:sp>
+      <p:cxnSp>
+        <p:nvCxnSpPr>
+          <p:cNvPr id="5" name="直線矢印コネクタ 4">
+            <a:extLst>
+              <a:ext uri="{FF2B5EF4-FFF2-40B4-BE49-F238E27FC236}">
+                <a16:creationId xmlns:a16="http://schemas.microsoft.com/office/drawing/2014/main" id="{85482BB8-7DD1-436F-A587-0D48D81BEFD9}"/>
+              </a:ext>
+            </a:extLst>
+          </p:cNvPr>
+          <p:cNvCxnSpPr>
+            <a:cxnSpLocks/>
+            <a:stCxn id="4" idx="0"/>
+          </p:cNvCxnSpPr>
+          <p:nvPr/>
+        </p:nvCxnSpPr>
+        <p:spPr>
+          <a:xfrm flipH="1" flipV="1">
+            <a:off x="4298461" y="2540000"/>
+            <a:ext cx="1319116" cy="657606"/>
+          </a:xfrm>
+          <a:prstGeom prst="straightConnector1">
+            <a:avLst/>
+          </a:prstGeom>
+          <a:ln w="12700">
+            <a:solidFill>
+              <a:schemeClr val="tx1"/>
+            </a:solidFill>
+            <a:tailEnd type="oval"/>
+          </a:ln>
+        </p:spPr>
+        <p:style>
+          <a:lnRef idx="1">
+            <a:schemeClr val="accent1"/>
+          </a:lnRef>
+          <a:fillRef idx="0">
+            <a:schemeClr val="accent1"/>
+          </a:fillRef>
+          <a:effectRef idx="0">
+            <a:schemeClr val="accent1"/>
+          </a:effectRef>
+          <a:fontRef idx="minor">
+            <a:schemeClr val="tx1"/>
+          </a:fontRef>
+        </p:style>
+      </p:cxnSp>
+    </p:spTree>
+    <p:extLst>
+      <p:ext uri="{BB962C8B-B14F-4D97-AF65-F5344CB8AC3E}">
+        <p14:creationId xmlns:p14="http://schemas.microsoft.com/office/powerpoint/2010/main" val="594046822"/>
       </p:ext>
     </p:extLst>
   </p:cSld>

--- a/figs/makeFigs.pptx
+++ b/figs/makeFigs.pptx
@@ -10,51 +10,53 @@
     <p:sldId id="382" r:id="rId4"/>
     <p:sldId id="383" r:id="rId5"/>
     <p:sldId id="384" r:id="rId6"/>
-    <p:sldId id="335" r:id="rId7"/>
-    <p:sldId id="374" r:id="rId8"/>
-    <p:sldId id="364" r:id="rId9"/>
-    <p:sldId id="373" r:id="rId10"/>
-    <p:sldId id="375" r:id="rId11"/>
-    <p:sldId id="376" r:id="rId12"/>
-    <p:sldId id="379" r:id="rId13"/>
-    <p:sldId id="377" r:id="rId14"/>
-    <p:sldId id="378" r:id="rId15"/>
-    <p:sldId id="380" r:id="rId16"/>
-    <p:sldId id="381" r:id="rId17"/>
-    <p:sldId id="332" r:id="rId18"/>
-    <p:sldId id="333" r:id="rId19"/>
-    <p:sldId id="330" r:id="rId20"/>
-    <p:sldId id="331" r:id="rId21"/>
-    <p:sldId id="322" r:id="rId22"/>
-    <p:sldId id="337" r:id="rId23"/>
-    <p:sldId id="354" r:id="rId24"/>
-    <p:sldId id="355" r:id="rId25"/>
-    <p:sldId id="356" r:id="rId26"/>
-    <p:sldId id="357" r:id="rId27"/>
-    <p:sldId id="358" r:id="rId28"/>
-    <p:sldId id="359" r:id="rId29"/>
-    <p:sldId id="360" r:id="rId30"/>
-    <p:sldId id="361" r:id="rId31"/>
-    <p:sldId id="362" r:id="rId32"/>
-    <p:sldId id="338" r:id="rId33"/>
-    <p:sldId id="327" r:id="rId34"/>
-    <p:sldId id="328" r:id="rId35"/>
-    <p:sldId id="329" r:id="rId36"/>
-    <p:sldId id="363" r:id="rId37"/>
-    <p:sldId id="365" r:id="rId38"/>
-    <p:sldId id="370" r:id="rId39"/>
-    <p:sldId id="366" r:id="rId40"/>
-    <p:sldId id="367" r:id="rId41"/>
-    <p:sldId id="368" r:id="rId42"/>
-    <p:sldId id="371" r:id="rId43"/>
-    <p:sldId id="369" r:id="rId44"/>
-    <p:sldId id="372" r:id="rId45"/>
-    <p:sldId id="326" r:id="rId46"/>
-    <p:sldId id="311" r:id="rId47"/>
-    <p:sldId id="323" r:id="rId48"/>
-    <p:sldId id="321" r:id="rId49"/>
-    <p:sldId id="324" r:id="rId50"/>
-    <p:sldId id="325" r:id="rId51"/>
+    <p:sldId id="387" r:id="rId7"/>
+    <p:sldId id="388" r:id="rId8"/>
+    <p:sldId id="335" r:id="rId9"/>
+    <p:sldId id="374" r:id="rId10"/>
+    <p:sldId id="364" r:id="rId11"/>
+    <p:sldId id="373" r:id="rId12"/>
+    <p:sldId id="375" r:id="rId13"/>
+    <p:sldId id="376" r:id="rId14"/>
+    <p:sldId id="379" r:id="rId15"/>
+    <p:sldId id="377" r:id="rId16"/>
+    <p:sldId id="378" r:id="rId17"/>
+    <p:sldId id="380" r:id="rId18"/>
+    <p:sldId id="381" r:id="rId19"/>
+    <p:sldId id="332" r:id="rId20"/>
+    <p:sldId id="333" r:id="rId21"/>
+    <p:sldId id="330" r:id="rId22"/>
+    <p:sldId id="331" r:id="rId23"/>
+    <p:sldId id="322" r:id="rId24"/>
+    <p:sldId id="337" r:id="rId25"/>
+    <p:sldId id="354" r:id="rId26"/>
+    <p:sldId id="355" r:id="rId27"/>
+    <p:sldId id="356" r:id="rId28"/>
+    <p:sldId id="357" r:id="rId29"/>
+    <p:sldId id="358" r:id="rId30"/>
+    <p:sldId id="359" r:id="rId31"/>
+    <p:sldId id="360" r:id="rId32"/>
+    <p:sldId id="361" r:id="rId33"/>
+    <p:sldId id="362" r:id="rId34"/>
+    <p:sldId id="338" r:id="rId35"/>
+    <p:sldId id="327" r:id="rId36"/>
+    <p:sldId id="328" r:id="rId37"/>
+    <p:sldId id="329" r:id="rId38"/>
+    <p:sldId id="363" r:id="rId39"/>
+    <p:sldId id="365" r:id="rId40"/>
+    <p:sldId id="370" r:id="rId41"/>
+    <p:sldId id="366" r:id="rId42"/>
+    <p:sldId id="367" r:id="rId43"/>
+    <p:sldId id="368" r:id="rId44"/>
+    <p:sldId id="371" r:id="rId45"/>
+    <p:sldId id="369" r:id="rId46"/>
+    <p:sldId id="372" r:id="rId47"/>
+    <p:sldId id="326" r:id="rId48"/>
+    <p:sldId id="311" r:id="rId49"/>
+    <p:sldId id="323" r:id="rId50"/>
+    <p:sldId id="321" r:id="rId51"/>
+    <p:sldId id="324" r:id="rId52"/>
+    <p:sldId id="325" r:id="rId53"/>
   </p:sldIdLst>
   <p:sldSz cx="12192000" cy="6858000"/>
   <p:notesSz cx="6858000" cy="9144000"/>
@@ -156,6 +158,9 @@
   <p:extLst>
     <p:ext uri="{521415D9-36F7-43E2-AB2F-B90AF26B5E84}">
       <p14:sectionLst xmlns:p14="http://schemas.microsoft.com/office/powerpoint/2010/main">
+        <p14:section name="タイトルなしのセクション" id="{81F15CA7-689E-4D67-90DE-194E1C125CBC}">
+          <p14:sldIdLst/>
+        </p14:section>
         <p14:section name="FuelSupplySys_ex01" id="{0BE9AA52-3FFB-410A-993F-028507C788D8}">
           <p14:sldIdLst>
             <p14:sldId id="385"/>
@@ -167,6 +172,8 @@
             <p14:sldId id="382"/>
             <p14:sldId id="383"/>
             <p14:sldId id="384"/>
+            <p14:sldId id="387"/>
+            <p14:sldId id="388"/>
           </p14:sldIdLst>
         </p14:section>
         <p14:section name="FlowWithHeating_ex01" id="{8E4195A4-0C5E-4440-AC50-8487031D9972}">
@@ -398,7 +405,7 @@
           <a:p>
             <a:fld id="{5498794B-0F6E-4381-BD9D-5788C27E7ABB}" type="datetimeFigureOut">
               <a:rPr kumimoji="1" lang="ja-JP" altLang="en-US" smtClean="0"/>
-              <a:t>2020/11/7</a:t>
+              <a:t>2020/11/10</a:t>
             </a:fld>
             <a:endParaRPr kumimoji="1" lang="ja-JP" altLang="en-US"/>
           </a:p>
@@ -628,7 +635,7 @@
           <a:p>
             <a:fld id="{5498794B-0F6E-4381-BD9D-5788C27E7ABB}" type="datetimeFigureOut">
               <a:rPr kumimoji="1" lang="ja-JP" altLang="en-US" smtClean="0"/>
-              <a:t>2020/11/7</a:t>
+              <a:t>2020/11/10</a:t>
             </a:fld>
             <a:endParaRPr kumimoji="1" lang="ja-JP" altLang="en-US"/>
           </a:p>
@@ -868,7 +875,7 @@
           <a:p>
             <a:fld id="{5498794B-0F6E-4381-BD9D-5788C27E7ABB}" type="datetimeFigureOut">
               <a:rPr kumimoji="1" lang="ja-JP" altLang="en-US" smtClean="0"/>
-              <a:t>2020/11/7</a:t>
+              <a:t>2020/11/10</a:t>
             </a:fld>
             <a:endParaRPr kumimoji="1" lang="ja-JP" altLang="en-US"/>
           </a:p>
@@ -1188,7 +1195,7 @@
           <a:p>
             <a:fld id="{5498794B-0F6E-4381-BD9D-5788C27E7ABB}" type="datetimeFigureOut">
               <a:rPr kumimoji="1" lang="ja-JP" altLang="en-US" smtClean="0"/>
-              <a:t>2020/11/7</a:t>
+              <a:t>2020/11/10</a:t>
             </a:fld>
             <a:endParaRPr kumimoji="1" lang="ja-JP" altLang="en-US"/>
           </a:p>
@@ -1463,7 +1470,7 @@
           <a:p>
             <a:fld id="{5498794B-0F6E-4381-BD9D-5788C27E7ABB}" type="datetimeFigureOut">
               <a:rPr kumimoji="1" lang="ja-JP" altLang="en-US" smtClean="0"/>
-              <a:t>2020/11/7</a:t>
+              <a:t>2020/11/10</a:t>
             </a:fld>
             <a:endParaRPr kumimoji="1" lang="ja-JP" altLang="en-US"/>
           </a:p>
@@ -1792,7 +1799,7 @@
           <a:p>
             <a:fld id="{5498794B-0F6E-4381-BD9D-5788C27E7ABB}" type="datetimeFigureOut">
               <a:rPr kumimoji="1" lang="ja-JP" altLang="en-US" smtClean="0"/>
-              <a:t>2020/11/7</a:t>
+              <a:t>2020/11/10</a:t>
             </a:fld>
             <a:endParaRPr kumimoji="1" lang="ja-JP" altLang="en-US"/>
           </a:p>
@@ -2268,7 +2275,7 @@
           <a:p>
             <a:fld id="{5498794B-0F6E-4381-BD9D-5788C27E7ABB}" type="datetimeFigureOut">
               <a:rPr kumimoji="1" lang="ja-JP" altLang="en-US" smtClean="0"/>
-              <a:t>2020/11/7</a:t>
+              <a:t>2020/11/10</a:t>
             </a:fld>
             <a:endParaRPr kumimoji="1" lang="ja-JP" altLang="en-US"/>
           </a:p>
@@ -2409,7 +2416,7 @@
           <a:p>
             <a:fld id="{5498794B-0F6E-4381-BD9D-5788C27E7ABB}" type="datetimeFigureOut">
               <a:rPr kumimoji="1" lang="ja-JP" altLang="en-US" smtClean="0"/>
-              <a:t>2020/11/7</a:t>
+              <a:t>2020/11/10</a:t>
             </a:fld>
             <a:endParaRPr kumimoji="1" lang="ja-JP" altLang="en-US"/>
           </a:p>
@@ -2522,7 +2529,7 @@
           <a:p>
             <a:fld id="{5498794B-0F6E-4381-BD9D-5788C27E7ABB}" type="datetimeFigureOut">
               <a:rPr kumimoji="1" lang="ja-JP" altLang="en-US" smtClean="0"/>
-              <a:t>2020/11/7</a:t>
+              <a:t>2020/11/10</a:t>
             </a:fld>
             <a:endParaRPr kumimoji="1" lang="ja-JP" altLang="en-US"/>
           </a:p>
@@ -2865,7 +2872,7 @@
           <a:p>
             <a:fld id="{5498794B-0F6E-4381-BD9D-5788C27E7ABB}" type="datetimeFigureOut">
               <a:rPr kumimoji="1" lang="ja-JP" altLang="en-US" smtClean="0"/>
-              <a:t>2020/11/7</a:t>
+              <a:t>2020/11/10</a:t>
             </a:fld>
             <a:endParaRPr kumimoji="1" lang="ja-JP" altLang="en-US"/>
           </a:p>
@@ -3153,7 +3160,7 @@
           <a:p>
             <a:fld id="{5498794B-0F6E-4381-BD9D-5788C27E7ABB}" type="datetimeFigureOut">
               <a:rPr kumimoji="1" lang="ja-JP" altLang="en-US" smtClean="0"/>
-              <a:t>2020/11/7</a:t>
+              <a:t>2020/11/10</a:t>
             </a:fld>
             <a:endParaRPr kumimoji="1" lang="ja-JP" altLang="en-US"/>
           </a:p>
@@ -3426,7 +3433,7 @@
           <a:p>
             <a:fld id="{5498794B-0F6E-4381-BD9D-5788C27E7ABB}" type="datetimeFigureOut">
               <a:rPr kumimoji="1" lang="ja-JP" altLang="en-US" smtClean="0"/>
-              <a:t>2020/11/7</a:t>
+              <a:t>2020/11/10</a:t>
             </a:fld>
             <a:endParaRPr kumimoji="1" lang="ja-JP" altLang="en-US"/>
           </a:p>
@@ -3909,7 +3916,7 @@
           <p:cNvPr id="3" name="図 2">
             <a:extLst>
               <a:ext uri="{FF2B5EF4-FFF2-40B4-BE49-F238E27FC236}">
-                <a16:creationId xmlns:a16="http://schemas.microsoft.com/office/drawing/2014/main" id="{9E5C0FBB-D31F-4EDD-91DE-B8AB5FF49484}"/>
+                <a16:creationId xmlns:a16="http://schemas.microsoft.com/office/drawing/2014/main" id="{C58612B1-96B2-42B1-8E9A-483F65717D3A}"/>
               </a:ext>
             </a:extLst>
           </p:cNvPr>
@@ -3926,8 +3933,8 @@
         </p:blipFill>
         <p:spPr>
           <a:xfrm>
-            <a:off x="1564206" y="1"/>
-            <a:ext cx="7200000" cy="5447909"/>
+            <a:off x="1582578" y="1"/>
+            <a:ext cx="7200000" cy="5470085"/>
           </a:xfrm>
           <a:prstGeom prst="rect">
             <a:avLst/>
@@ -3939,7 +3946,7 @@
           <p:cNvPr id="4" name="テキスト ボックス 3">
             <a:extLst>
               <a:ext uri="{FF2B5EF4-FFF2-40B4-BE49-F238E27FC236}">
-                <a16:creationId xmlns:a16="http://schemas.microsoft.com/office/drawing/2014/main" id="{BCA940EF-0C23-47BC-A85A-BD75BB4E3C0B}"/>
+                <a16:creationId xmlns:a16="http://schemas.microsoft.com/office/drawing/2014/main" id="{8AF7F4D3-8BD6-4CC1-A246-3FA567C74868}"/>
               </a:ext>
             </a:extLst>
           </p:cNvPr>
@@ -3948,7 +3955,7 @@
         </p:nvSpPr>
         <p:spPr>
           <a:xfrm>
-            <a:off x="4958704" y="1410090"/>
+            <a:off x="4638274" y="3197606"/>
             <a:ext cx="1958606" cy="462788"/>
           </a:xfrm>
           <a:prstGeom prst="rect">
@@ -3983,7 +3990,7 @@
                 <a:latin typeface="Arial" panose="020B0604020202020204" pitchFamily="34" charset="0"/>
                 <a:cs typeface="Arial" panose="020B0604020202020204" pitchFamily="34" charset="0"/>
               </a:rPr>
-              <a:t> Pressure drop in pipe1 (pipe downstream of heat injection).</a:t>
+              <a:t> Specific enthalpy of fluid in the volume where heat is injected into fluid system.</a:t>
             </a:r>
           </a:p>
         </p:txBody>
@@ -3993,20 +4000,20 @@
           <p:cNvPr id="5" name="直線矢印コネクタ 4">
             <a:extLst>
               <a:ext uri="{FF2B5EF4-FFF2-40B4-BE49-F238E27FC236}">
-                <a16:creationId xmlns:a16="http://schemas.microsoft.com/office/drawing/2014/main" id="{B71CAFB1-9761-44BD-832D-15915F71FECC}"/>
+                <a16:creationId xmlns:a16="http://schemas.microsoft.com/office/drawing/2014/main" id="{C31FB6B3-5E4D-41DC-A018-0B079978F569}"/>
               </a:ext>
             </a:extLst>
           </p:cNvPr>
           <p:cNvCxnSpPr>
             <a:cxnSpLocks/>
-            <a:stCxn id="4" idx="1"/>
+            <a:stCxn id="4" idx="0"/>
           </p:cNvCxnSpPr>
           <p:nvPr/>
         </p:nvCxnSpPr>
         <p:spPr>
-          <a:xfrm flipH="1">
-            <a:off x="4337540" y="1641484"/>
-            <a:ext cx="621164" cy="843808"/>
+          <a:xfrm flipH="1" flipV="1">
+            <a:off x="4298461" y="2540000"/>
+            <a:ext cx="1319116" cy="657606"/>
           </a:xfrm>
           <a:prstGeom prst="straightConnector1">
             <a:avLst/>
@@ -4036,7 +4043,7 @@
     </p:spTree>
     <p:extLst>
       <p:ext uri="{BB962C8B-B14F-4D97-AF65-F5344CB8AC3E}">
-        <p14:creationId xmlns:p14="http://schemas.microsoft.com/office/powerpoint/2010/main" val="2389321653"/>
+        <p14:creationId xmlns:p14="http://schemas.microsoft.com/office/powerpoint/2010/main" val="188371897"/>
       </p:ext>
     </p:extLst>
   </p:cSld>
@@ -4068,7 +4075,7 @@
           <p:cNvPr id="3" name="図 2">
             <a:extLst>
               <a:ext uri="{FF2B5EF4-FFF2-40B4-BE49-F238E27FC236}">
-                <a16:creationId xmlns:a16="http://schemas.microsoft.com/office/drawing/2014/main" id="{55E30E4A-093A-4A0F-B313-E976472A1C8D}"/>
+                <a16:creationId xmlns:a16="http://schemas.microsoft.com/office/drawing/2014/main" id="{E45DA859-AFAA-4D27-AD8D-876068028449}"/>
               </a:ext>
             </a:extLst>
           </p:cNvPr>
@@ -4085,8 +4092,8 @@
         </p:blipFill>
         <p:spPr>
           <a:xfrm>
-            <a:off x="1568346" y="1"/>
-            <a:ext cx="7200000" cy="5452891"/>
+            <a:off x="1582578" y="1"/>
+            <a:ext cx="7200000" cy="5470085"/>
           </a:xfrm>
           <a:prstGeom prst="rect">
             <a:avLst/>
@@ -4098,7 +4105,7 @@
           <p:cNvPr id="4" name="テキスト ボックス 3">
             <a:extLst>
               <a:ext uri="{FF2B5EF4-FFF2-40B4-BE49-F238E27FC236}">
-                <a16:creationId xmlns:a16="http://schemas.microsoft.com/office/drawing/2014/main" id="{172441BB-AB51-4AD6-94EA-2ECD22919213}"/>
+                <a16:creationId xmlns:a16="http://schemas.microsoft.com/office/drawing/2014/main" id="{C5A6C268-77C7-4775-95E5-5760EEEFD4F1}"/>
               </a:ext>
             </a:extLst>
           </p:cNvPr>
@@ -4107,7 +4114,7 @@
         </p:nvSpPr>
         <p:spPr>
           <a:xfrm>
-            <a:off x="5044674" y="2361360"/>
+            <a:off x="4638274" y="3197606"/>
             <a:ext cx="1958606" cy="462788"/>
           </a:xfrm>
           <a:prstGeom prst="rect">
@@ -4142,7 +4149,7 @@
                 <a:latin typeface="Arial" panose="020B0604020202020204" pitchFamily="34" charset="0"/>
                 <a:cs typeface="Arial" panose="020B0604020202020204" pitchFamily="34" charset="0"/>
               </a:rPr>
-              <a:t> Density of fluid at the entrance of pipe1 (pipe downstream of heat injection).</a:t>
+              <a:t> Temperature of fluid in the volume where heat is injected into fluid system.</a:t>
             </a:r>
           </a:p>
         </p:txBody>
@@ -4152,20 +4159,20 @@
           <p:cNvPr id="5" name="直線矢印コネクタ 4">
             <a:extLst>
               <a:ext uri="{FF2B5EF4-FFF2-40B4-BE49-F238E27FC236}">
-                <a16:creationId xmlns:a16="http://schemas.microsoft.com/office/drawing/2014/main" id="{01B7527C-E642-46D6-B7DF-6F4F19584352}"/>
+                <a16:creationId xmlns:a16="http://schemas.microsoft.com/office/drawing/2014/main" id="{D75804B4-0477-4052-9C79-CE629342014D}"/>
               </a:ext>
             </a:extLst>
           </p:cNvPr>
           <p:cNvCxnSpPr>
             <a:cxnSpLocks/>
-            <a:stCxn id="4" idx="1"/>
+            <a:stCxn id="4" idx="0"/>
           </p:cNvCxnSpPr>
           <p:nvPr/>
         </p:nvCxnSpPr>
         <p:spPr>
-          <a:xfrm flipH="1">
-            <a:off x="4165600" y="2592754"/>
-            <a:ext cx="879074" cy="231394"/>
+          <a:xfrm flipH="1" flipV="1">
+            <a:off x="4298461" y="2540000"/>
+            <a:ext cx="1319116" cy="657606"/>
           </a:xfrm>
           <a:prstGeom prst="straightConnector1">
             <a:avLst/>
@@ -4195,7 +4202,7 @@
     </p:spTree>
     <p:extLst>
       <p:ext uri="{BB962C8B-B14F-4D97-AF65-F5344CB8AC3E}">
-        <p14:creationId xmlns:p14="http://schemas.microsoft.com/office/powerpoint/2010/main" val="1195298727"/>
+        <p14:creationId xmlns:p14="http://schemas.microsoft.com/office/powerpoint/2010/main" val="1946420300"/>
       </p:ext>
     </p:extLst>
   </p:cSld>
@@ -4227,7 +4234,7 @@
           <p:cNvPr id="3" name="図 2">
             <a:extLst>
               <a:ext uri="{FF2B5EF4-FFF2-40B4-BE49-F238E27FC236}">
-                <a16:creationId xmlns:a16="http://schemas.microsoft.com/office/drawing/2014/main" id="{97B295F5-C4DA-4AE6-8299-839454FFCFEB}"/>
+                <a16:creationId xmlns:a16="http://schemas.microsoft.com/office/drawing/2014/main" id="{9E5C0FBB-D31F-4EDD-91DE-B8AB5FF49484}"/>
               </a:ext>
             </a:extLst>
           </p:cNvPr>
@@ -4244,8 +4251,8 @@
         </p:blipFill>
         <p:spPr>
           <a:xfrm>
-            <a:off x="1572821" y="0"/>
-            <a:ext cx="7200000" cy="5458286"/>
+            <a:off x="1564206" y="1"/>
+            <a:ext cx="7200000" cy="5447909"/>
           </a:xfrm>
           <a:prstGeom prst="rect">
             <a:avLst/>
@@ -4257,7 +4264,7 @@
           <p:cNvPr id="4" name="テキスト ボックス 3">
             <a:extLst>
               <a:ext uri="{FF2B5EF4-FFF2-40B4-BE49-F238E27FC236}">
-                <a16:creationId xmlns:a16="http://schemas.microsoft.com/office/drawing/2014/main" id="{10AF1403-F0A5-40DD-9644-1B56F44EFD83}"/>
+                <a16:creationId xmlns:a16="http://schemas.microsoft.com/office/drawing/2014/main" id="{BCA940EF-0C23-47BC-A85A-BD75BB4E3C0B}"/>
               </a:ext>
             </a:extLst>
           </p:cNvPr>
@@ -4266,8 +4273,8 @@
         </p:nvSpPr>
         <p:spPr>
           <a:xfrm>
-            <a:off x="3536304" y="3275760"/>
-            <a:ext cx="1958606" cy="381840"/>
+            <a:off x="4958704" y="1410090"/>
+            <a:ext cx="1958606" cy="462788"/>
           </a:xfrm>
           <a:prstGeom prst="rect">
             <a:avLst/>
@@ -4301,7 +4308,7 @@
                 <a:latin typeface="Arial" panose="020B0604020202020204" pitchFamily="34" charset="0"/>
                 <a:cs typeface="Arial" panose="020B0604020202020204" pitchFamily="34" charset="0"/>
               </a:rPr>
-              <a:t> Fluid density vs. fluid Temperature.</a:t>
+              <a:t> Pressure drop in pipe1 (pipe downstream of heat injection).</a:t>
             </a:r>
           </a:p>
         </p:txBody>
@@ -4311,20 +4318,20 @@
           <p:cNvPr id="5" name="直線矢印コネクタ 4">
             <a:extLst>
               <a:ext uri="{FF2B5EF4-FFF2-40B4-BE49-F238E27FC236}">
-                <a16:creationId xmlns:a16="http://schemas.microsoft.com/office/drawing/2014/main" id="{24AEBCF7-6FAF-40BB-8A3C-BAE3BBECABCE}"/>
+                <a16:creationId xmlns:a16="http://schemas.microsoft.com/office/drawing/2014/main" id="{B71CAFB1-9761-44BD-832D-15915F71FECC}"/>
               </a:ext>
             </a:extLst>
           </p:cNvPr>
           <p:cNvCxnSpPr>
             <a:cxnSpLocks/>
-            <a:stCxn id="4" idx="0"/>
+            <a:stCxn id="4" idx="1"/>
           </p:cNvCxnSpPr>
           <p:nvPr/>
         </p:nvCxnSpPr>
         <p:spPr>
-          <a:xfrm flipV="1">
-            <a:off x="4515607" y="2430586"/>
-            <a:ext cx="665993" cy="845174"/>
+          <a:xfrm flipH="1">
+            <a:off x="4337540" y="1641484"/>
+            <a:ext cx="621164" cy="843808"/>
           </a:xfrm>
           <a:prstGeom prst="straightConnector1">
             <a:avLst/>
@@ -4354,7 +4361,7 @@
     </p:spTree>
     <p:extLst>
       <p:ext uri="{BB962C8B-B14F-4D97-AF65-F5344CB8AC3E}">
-        <p14:creationId xmlns:p14="http://schemas.microsoft.com/office/powerpoint/2010/main" val="2348690903"/>
+        <p14:creationId xmlns:p14="http://schemas.microsoft.com/office/powerpoint/2010/main" val="2389321653"/>
       </p:ext>
     </p:extLst>
   </p:cSld>
@@ -4386,7 +4393,7 @@
           <p:cNvPr id="3" name="図 2">
             <a:extLst>
               <a:ext uri="{FF2B5EF4-FFF2-40B4-BE49-F238E27FC236}">
-                <a16:creationId xmlns:a16="http://schemas.microsoft.com/office/drawing/2014/main" id="{66B9F253-4623-422F-9289-0202B8FBB086}"/>
+                <a16:creationId xmlns:a16="http://schemas.microsoft.com/office/drawing/2014/main" id="{55E30E4A-093A-4A0F-B313-E976472A1C8D}"/>
               </a:ext>
             </a:extLst>
           </p:cNvPr>
@@ -4403,8 +4410,8 @@
         </p:blipFill>
         <p:spPr>
           <a:xfrm>
-            <a:off x="1574194" y="1"/>
-            <a:ext cx="7200000" cy="5459943"/>
+            <a:off x="1568346" y="1"/>
+            <a:ext cx="7200000" cy="5452891"/>
           </a:xfrm>
           <a:prstGeom prst="rect">
             <a:avLst/>
@@ -4416,7 +4423,7 @@
           <p:cNvPr id="4" name="テキスト ボックス 3">
             <a:extLst>
               <a:ext uri="{FF2B5EF4-FFF2-40B4-BE49-F238E27FC236}">
-                <a16:creationId xmlns:a16="http://schemas.microsoft.com/office/drawing/2014/main" id="{1F7469FF-41D0-414F-92AB-F44FA8AD308F}"/>
+                <a16:creationId xmlns:a16="http://schemas.microsoft.com/office/drawing/2014/main" id="{172441BB-AB51-4AD6-94EA-2ECD22919213}"/>
               </a:ext>
             </a:extLst>
           </p:cNvPr>
@@ -4425,7 +4432,7 @@
         </p:nvSpPr>
         <p:spPr>
           <a:xfrm>
-            <a:off x="5116697" y="2736498"/>
+            <a:off x="5044674" y="2361360"/>
             <a:ext cx="1958606" cy="462788"/>
           </a:xfrm>
           <a:prstGeom prst="rect">
@@ -4460,7 +4467,7 @@
                 <a:latin typeface="Arial" panose="020B0604020202020204" pitchFamily="34" charset="0"/>
                 <a:cs typeface="Arial" panose="020B0604020202020204" pitchFamily="34" charset="0"/>
               </a:rPr>
-              <a:t> Viscosity of fluid at the entrance of pipe1 (pipe downstream of heat injection).</a:t>
+              <a:t> Density of fluid at the entrance of pipe1 (pipe downstream of heat injection).</a:t>
             </a:r>
           </a:p>
         </p:txBody>
@@ -4470,7 +4477,7 @@
           <p:cNvPr id="5" name="直線矢印コネクタ 4">
             <a:extLst>
               <a:ext uri="{FF2B5EF4-FFF2-40B4-BE49-F238E27FC236}">
-                <a16:creationId xmlns:a16="http://schemas.microsoft.com/office/drawing/2014/main" id="{6166BA3C-5135-4118-80D5-A319217245CF}"/>
+                <a16:creationId xmlns:a16="http://schemas.microsoft.com/office/drawing/2014/main" id="{01B7527C-E642-46D6-B7DF-6F4F19584352}"/>
               </a:ext>
             </a:extLst>
           </p:cNvPr>
@@ -4481,9 +4488,9 @@
           <p:nvPr/>
         </p:nvCxnSpPr>
         <p:spPr>
-          <a:xfrm flipH="1" flipV="1">
-            <a:off x="3938954" y="2532185"/>
-            <a:ext cx="1177743" cy="435707"/>
+          <a:xfrm flipH="1">
+            <a:off x="4165600" y="2592754"/>
+            <a:ext cx="879074" cy="231394"/>
           </a:xfrm>
           <a:prstGeom prst="straightConnector1">
             <a:avLst/>
@@ -4513,7 +4520,7 @@
     </p:spTree>
     <p:extLst>
       <p:ext uri="{BB962C8B-B14F-4D97-AF65-F5344CB8AC3E}">
-        <p14:creationId xmlns:p14="http://schemas.microsoft.com/office/powerpoint/2010/main" val="2463804794"/>
+        <p14:creationId xmlns:p14="http://schemas.microsoft.com/office/powerpoint/2010/main" val="1195298727"/>
       </p:ext>
     </p:extLst>
   </p:cSld>
@@ -4545,7 +4552,7 @@
           <p:cNvPr id="3" name="図 2">
             <a:extLst>
               <a:ext uri="{FF2B5EF4-FFF2-40B4-BE49-F238E27FC236}">
-                <a16:creationId xmlns:a16="http://schemas.microsoft.com/office/drawing/2014/main" id="{D4CBE1FE-52C7-4E19-B4E5-21F5819882D2}"/>
+                <a16:creationId xmlns:a16="http://schemas.microsoft.com/office/drawing/2014/main" id="{97B295F5-C4DA-4AE6-8299-839454FFCFEB}"/>
               </a:ext>
             </a:extLst>
           </p:cNvPr>
@@ -4562,8 +4569,8 @@
         </p:blipFill>
         <p:spPr>
           <a:xfrm>
-            <a:off x="1581221" y="1"/>
-            <a:ext cx="7200000" cy="5468441"/>
+            <a:off x="1572821" y="0"/>
+            <a:ext cx="7200000" cy="5458286"/>
           </a:xfrm>
           <a:prstGeom prst="rect">
             <a:avLst/>
@@ -4575,7 +4582,7 @@
           <p:cNvPr id="4" name="テキスト ボックス 3">
             <a:extLst>
               <a:ext uri="{FF2B5EF4-FFF2-40B4-BE49-F238E27FC236}">
-                <a16:creationId xmlns:a16="http://schemas.microsoft.com/office/drawing/2014/main" id="{143F0F86-6710-44BA-8FDA-63FF79BD3E5E}"/>
+                <a16:creationId xmlns:a16="http://schemas.microsoft.com/office/drawing/2014/main" id="{10AF1403-F0A5-40DD-9644-1B56F44EFD83}"/>
               </a:ext>
             </a:extLst>
           </p:cNvPr>
@@ -4584,8 +4591,8 @@
         </p:nvSpPr>
         <p:spPr>
           <a:xfrm>
-            <a:off x="3004858" y="3658713"/>
-            <a:ext cx="1958606" cy="350579"/>
+            <a:off x="3536304" y="3275760"/>
+            <a:ext cx="1958606" cy="381840"/>
           </a:xfrm>
           <a:prstGeom prst="rect">
             <a:avLst/>
@@ -4619,7 +4626,7 @@
                 <a:latin typeface="Arial" panose="020B0604020202020204" pitchFamily="34" charset="0"/>
                 <a:cs typeface="Arial" panose="020B0604020202020204" pitchFamily="34" charset="0"/>
               </a:rPr>
-              <a:t> Fluid viscosity vs. fluid temperature.</a:t>
+              <a:t> Fluid density vs. fluid Temperature.</a:t>
             </a:r>
           </a:p>
         </p:txBody>
@@ -4629,7 +4636,7 @@
           <p:cNvPr id="5" name="直線矢印コネクタ 4">
             <a:extLst>
               <a:ext uri="{FF2B5EF4-FFF2-40B4-BE49-F238E27FC236}">
-                <a16:creationId xmlns:a16="http://schemas.microsoft.com/office/drawing/2014/main" id="{D30255EE-D799-46BF-B2F8-4D690B5FB6A6}"/>
+                <a16:creationId xmlns:a16="http://schemas.microsoft.com/office/drawing/2014/main" id="{24AEBCF7-6FAF-40BB-8A3C-BAE3BBECABCE}"/>
               </a:ext>
             </a:extLst>
           </p:cNvPr>
@@ -4641,8 +4648,8 @@
         </p:nvCxnSpPr>
         <p:spPr>
           <a:xfrm flipV="1">
-            <a:off x="3984161" y="2836985"/>
-            <a:ext cx="720701" cy="821728"/>
+            <a:off x="4515607" y="2430586"/>
+            <a:ext cx="665993" cy="845174"/>
           </a:xfrm>
           <a:prstGeom prst="straightConnector1">
             <a:avLst/>
@@ -4672,7 +4679,7 @@
     </p:spTree>
     <p:extLst>
       <p:ext uri="{BB962C8B-B14F-4D97-AF65-F5344CB8AC3E}">
-        <p14:creationId xmlns:p14="http://schemas.microsoft.com/office/powerpoint/2010/main" val="3080561948"/>
+        <p14:creationId xmlns:p14="http://schemas.microsoft.com/office/powerpoint/2010/main" val="2348690903"/>
       </p:ext>
     </p:extLst>
   </p:cSld>
@@ -4704,7 +4711,7 @@
           <p:cNvPr id="3" name="図 2">
             <a:extLst>
               <a:ext uri="{FF2B5EF4-FFF2-40B4-BE49-F238E27FC236}">
-                <a16:creationId xmlns:a16="http://schemas.microsoft.com/office/drawing/2014/main" id="{FB1FB6A6-DEF1-40A0-BE30-7FB40DCAD456}"/>
+                <a16:creationId xmlns:a16="http://schemas.microsoft.com/office/drawing/2014/main" id="{66B9F253-4623-422F-9289-0202B8FBB086}"/>
               </a:ext>
             </a:extLst>
           </p:cNvPr>
@@ -4721,8 +4728,8 @@
         </p:blipFill>
         <p:spPr>
           <a:xfrm>
-            <a:off x="1596775" y="0"/>
-            <a:ext cx="7200000" cy="5487346"/>
+            <a:off x="1574194" y="1"/>
+            <a:ext cx="7200000" cy="5459943"/>
           </a:xfrm>
           <a:prstGeom prst="rect">
             <a:avLst/>
@@ -4734,7 +4741,7 @@
           <p:cNvPr id="4" name="テキスト ボックス 3">
             <a:extLst>
               <a:ext uri="{FF2B5EF4-FFF2-40B4-BE49-F238E27FC236}">
-                <a16:creationId xmlns:a16="http://schemas.microsoft.com/office/drawing/2014/main" id="{38BB26FC-174D-4C21-B17C-E9B00A809602}"/>
+                <a16:creationId xmlns:a16="http://schemas.microsoft.com/office/drawing/2014/main" id="{1F7469FF-41D0-414F-92AB-F44FA8AD308F}"/>
               </a:ext>
             </a:extLst>
           </p:cNvPr>
@@ -4743,7 +4750,7 @@
         </p:nvSpPr>
         <p:spPr>
           <a:xfrm>
-            <a:off x="4364736" y="2259760"/>
+            <a:off x="5116697" y="2736498"/>
             <a:ext cx="1958606" cy="462788"/>
           </a:xfrm>
           <a:prstGeom prst="rect">
@@ -4778,7 +4785,7 @@
                 <a:latin typeface="Arial" panose="020B0604020202020204" pitchFamily="34" charset="0"/>
                 <a:cs typeface="Arial" panose="020B0604020202020204" pitchFamily="34" charset="0"/>
               </a:rPr>
-              <a:t> Fluid velocity at the entrance of pipe1 (pipe downstream of heat injection).</a:t>
+              <a:t> Viscosity of fluid at the entrance of pipe1 (pipe downstream of heat injection).</a:t>
             </a:r>
           </a:p>
         </p:txBody>
@@ -4788,20 +4795,20 @@
           <p:cNvPr id="5" name="直線矢印コネクタ 4">
             <a:extLst>
               <a:ext uri="{FF2B5EF4-FFF2-40B4-BE49-F238E27FC236}">
-                <a16:creationId xmlns:a16="http://schemas.microsoft.com/office/drawing/2014/main" id="{679D84EC-3320-48C8-852D-7982F2DA582E}"/>
+                <a16:creationId xmlns:a16="http://schemas.microsoft.com/office/drawing/2014/main" id="{6166BA3C-5135-4118-80D5-A319217245CF}"/>
               </a:ext>
             </a:extLst>
           </p:cNvPr>
           <p:cNvCxnSpPr>
             <a:cxnSpLocks/>
-            <a:stCxn id="4" idx="0"/>
+            <a:stCxn id="4" idx="1"/>
           </p:cNvCxnSpPr>
           <p:nvPr/>
         </p:nvCxnSpPr>
         <p:spPr>
           <a:xfrm flipH="1" flipV="1">
-            <a:off x="4024923" y="1602154"/>
-            <a:ext cx="1319116" cy="657606"/>
+            <a:off x="3938954" y="2532185"/>
+            <a:ext cx="1177743" cy="435707"/>
           </a:xfrm>
           <a:prstGeom prst="straightConnector1">
             <a:avLst/>
@@ -4831,7 +4838,7 @@
     </p:spTree>
     <p:extLst>
       <p:ext uri="{BB962C8B-B14F-4D97-AF65-F5344CB8AC3E}">
-        <p14:creationId xmlns:p14="http://schemas.microsoft.com/office/powerpoint/2010/main" val="3958465628"/>
+        <p14:creationId xmlns:p14="http://schemas.microsoft.com/office/powerpoint/2010/main" val="2463804794"/>
       </p:ext>
     </p:extLst>
   </p:cSld>
@@ -4863,7 +4870,7 @@
           <p:cNvPr id="3" name="図 2">
             <a:extLst>
               <a:ext uri="{FF2B5EF4-FFF2-40B4-BE49-F238E27FC236}">
-                <a16:creationId xmlns:a16="http://schemas.microsoft.com/office/drawing/2014/main" id="{536BB2CC-B3CE-4236-AA01-F28CCF78C5A2}"/>
+                <a16:creationId xmlns:a16="http://schemas.microsoft.com/office/drawing/2014/main" id="{D4CBE1FE-52C7-4E19-B4E5-21F5819882D2}"/>
               </a:ext>
             </a:extLst>
           </p:cNvPr>
@@ -4880,8 +4887,8 @@
         </p:blipFill>
         <p:spPr>
           <a:xfrm>
-            <a:off x="1578292" y="0"/>
-            <a:ext cx="7200000" cy="5464896"/>
+            <a:off x="1581221" y="1"/>
+            <a:ext cx="7200000" cy="5468441"/>
           </a:xfrm>
           <a:prstGeom prst="rect">
             <a:avLst/>
@@ -4893,7 +4900,7 @@
           <p:cNvPr id="4" name="テキスト ボックス 3">
             <a:extLst>
               <a:ext uri="{FF2B5EF4-FFF2-40B4-BE49-F238E27FC236}">
-                <a16:creationId xmlns:a16="http://schemas.microsoft.com/office/drawing/2014/main" id="{649E1988-680B-441B-B15A-5D04D1DD9F0F}"/>
+                <a16:creationId xmlns:a16="http://schemas.microsoft.com/office/drawing/2014/main" id="{143F0F86-6710-44BA-8FDA-63FF79BD3E5E}"/>
               </a:ext>
             </a:extLst>
           </p:cNvPr>
@@ -4902,8 +4909,8 @@
         </p:nvSpPr>
         <p:spPr>
           <a:xfrm>
-            <a:off x="4638274" y="3197606"/>
-            <a:ext cx="1958606" cy="462788"/>
+            <a:off x="3004858" y="3658713"/>
+            <a:ext cx="1958606" cy="350579"/>
           </a:xfrm>
           <a:prstGeom prst="rect">
             <a:avLst/>
@@ -4937,7 +4944,7 @@
                 <a:latin typeface="Arial" panose="020B0604020202020204" pitchFamily="34" charset="0"/>
                 <a:cs typeface="Arial" panose="020B0604020202020204" pitchFamily="34" charset="0"/>
               </a:rPr>
-              <a:t> Reynolds number at the entrance of pipe1 (pipe downstream of heat injection).</a:t>
+              <a:t> Fluid viscosity vs. fluid temperature.</a:t>
             </a:r>
           </a:p>
         </p:txBody>
@@ -4947,7 +4954,7 @@
           <p:cNvPr id="5" name="直線矢印コネクタ 4">
             <a:extLst>
               <a:ext uri="{FF2B5EF4-FFF2-40B4-BE49-F238E27FC236}">
-                <a16:creationId xmlns:a16="http://schemas.microsoft.com/office/drawing/2014/main" id="{85482BB8-7DD1-436F-A587-0D48D81BEFD9}"/>
+                <a16:creationId xmlns:a16="http://schemas.microsoft.com/office/drawing/2014/main" id="{D30255EE-D799-46BF-B2F8-4D690B5FB6A6}"/>
               </a:ext>
             </a:extLst>
           </p:cNvPr>
@@ -4958,9 +4965,9 @@
           <p:nvPr/>
         </p:nvCxnSpPr>
         <p:spPr>
-          <a:xfrm flipH="1" flipV="1">
-            <a:off x="4298461" y="2540000"/>
-            <a:ext cx="1319116" cy="657606"/>
+          <a:xfrm flipV="1">
+            <a:off x="3984161" y="2836985"/>
+            <a:ext cx="720701" cy="821728"/>
           </a:xfrm>
           <a:prstGeom prst="straightConnector1">
             <a:avLst/>
@@ -4990,7 +4997,7 @@
     </p:spTree>
     <p:extLst>
       <p:ext uri="{BB962C8B-B14F-4D97-AF65-F5344CB8AC3E}">
-        <p14:creationId xmlns:p14="http://schemas.microsoft.com/office/powerpoint/2010/main" val="594046822"/>
+        <p14:creationId xmlns:p14="http://schemas.microsoft.com/office/powerpoint/2010/main" val="3080561948"/>
       </p:ext>
     </p:extLst>
   </p:cSld>
@@ -5019,10 +5026,10 @@
       </p:grpSpPr>
       <p:pic>
         <p:nvPicPr>
-          <p:cNvPr id="5" name="図 4">
-            <a:extLst>
-              <a:ext uri="{FF2B5EF4-FFF2-40B4-BE49-F238E27FC236}">
-                <a16:creationId xmlns:a16="http://schemas.microsoft.com/office/drawing/2014/main" id="{F40256F8-9584-41E5-ACD5-AA57ECDBCBBC}"/>
+          <p:cNvPr id="3" name="図 2">
+            <a:extLst>
+              <a:ext uri="{FF2B5EF4-FFF2-40B4-BE49-F238E27FC236}">
+                <a16:creationId xmlns:a16="http://schemas.microsoft.com/office/drawing/2014/main" id="{FB1FB6A6-DEF1-40A0-BE30-7FB40DCAD456}"/>
               </a:ext>
             </a:extLst>
           </p:cNvPr>
@@ -5039,8 +5046,8 @@
         </p:blipFill>
         <p:spPr>
           <a:xfrm>
-            <a:off x="2039639" y="0"/>
-            <a:ext cx="8112722" cy="6858000"/>
+            <a:off x="1596775" y="0"/>
+            <a:ext cx="7200000" cy="5487346"/>
           </a:xfrm>
           <a:prstGeom prst="rect">
             <a:avLst/>
@@ -5049,10 +5056,10 @@
       </p:pic>
       <p:sp>
         <p:nvSpPr>
-          <p:cNvPr id="3" name="テキスト ボックス 2">
-            <a:extLst>
-              <a:ext uri="{FF2B5EF4-FFF2-40B4-BE49-F238E27FC236}">
-                <a16:creationId xmlns:a16="http://schemas.microsoft.com/office/drawing/2014/main" id="{ABC8D612-4C8F-40D2-9EE2-D80AEAE98A25}"/>
+          <p:cNvPr id="4" name="テキスト ボックス 3">
+            <a:extLst>
+              <a:ext uri="{FF2B5EF4-FFF2-40B4-BE49-F238E27FC236}">
+                <a16:creationId xmlns:a16="http://schemas.microsoft.com/office/drawing/2014/main" id="{38BB26FC-174D-4C21-B17C-E9B00A809602}"/>
               </a:ext>
             </a:extLst>
           </p:cNvPr>
@@ -5061,42 +5068,95 @@
         </p:nvSpPr>
         <p:spPr>
           <a:xfrm>
-            <a:off x="78153" y="0"/>
-            <a:ext cx="4079632" cy="461665"/>
+            <a:off x="4364736" y="2259760"/>
+            <a:ext cx="1958606" cy="462788"/>
           </a:xfrm>
           <a:prstGeom prst="rect">
             <a:avLst/>
           </a:prstGeom>
-          <a:noFill/>
+          <a:solidFill>
+            <a:srgbClr val="FFFF00"/>
+          </a:solidFill>
+          <a:ln>
+            <a:solidFill>
+              <a:schemeClr val="tx1"/>
+            </a:solidFill>
+          </a:ln>
         </p:spPr>
         <p:txBody>
           <a:bodyPr wrap="square" rtlCol="0">
-            <a:spAutoFit/>
+            <a:noAutofit/>
           </a:bodyPr>
           <a:lstStyle/>
           <a:p>
             <a:r>
-              <a:rPr lang="en-US" altLang="ja-JP" sz="2400" dirty="0">
-                <a:solidFill>
-                  <a:srgbClr val="000000"/>
-                </a:solidFill>
-                <a:effectLst/>
-                <a:latin typeface="Times New Roman" panose="02020603050405020304" pitchFamily="18" charset="0"/>
-                <a:cs typeface="Times New Roman" panose="02020603050405020304" pitchFamily="18" charset="0"/>
-              </a:rPr>
-              <a:t>PumpAsTurbine_ex02</a:t>
-            </a:r>
-            <a:endParaRPr kumimoji="1" lang="ja-JP" altLang="en-US" sz="2400" dirty="0">
-              <a:latin typeface="Times New Roman" panose="02020603050405020304" pitchFamily="18" charset="0"/>
-              <a:cs typeface="Times New Roman" panose="02020603050405020304" pitchFamily="18" charset="0"/>
-            </a:endParaRPr>
-          </a:p>
-        </p:txBody>
-      </p:sp>
+              <a:rPr lang="en-US" altLang="ja-JP" sz="726" dirty="0">
+                <a:latin typeface="Arial" panose="020B0604020202020204" pitchFamily="34" charset="0"/>
+                <a:cs typeface="Arial" panose="020B0604020202020204" pitchFamily="34" charset="0"/>
+              </a:rPr>
+              <a:t>Output: </a:t>
+            </a:r>
+          </a:p>
+          <a:p>
+            <a:r>
+              <a:rPr lang="en-US" altLang="ja-JP" sz="726" dirty="0">
+                <a:latin typeface="Arial" panose="020B0604020202020204" pitchFamily="34" charset="0"/>
+                <a:cs typeface="Arial" panose="020B0604020202020204" pitchFamily="34" charset="0"/>
+              </a:rPr>
+              <a:t> Fluid velocity at the entrance of pipe1 (pipe downstream of heat injection).</a:t>
+            </a:r>
+          </a:p>
+        </p:txBody>
+      </p:sp>
+      <p:cxnSp>
+        <p:nvCxnSpPr>
+          <p:cNvPr id="5" name="直線矢印コネクタ 4">
+            <a:extLst>
+              <a:ext uri="{FF2B5EF4-FFF2-40B4-BE49-F238E27FC236}">
+                <a16:creationId xmlns:a16="http://schemas.microsoft.com/office/drawing/2014/main" id="{679D84EC-3320-48C8-852D-7982F2DA582E}"/>
+              </a:ext>
+            </a:extLst>
+          </p:cNvPr>
+          <p:cNvCxnSpPr>
+            <a:cxnSpLocks/>
+            <a:stCxn id="4" idx="0"/>
+          </p:cNvCxnSpPr>
+          <p:nvPr/>
+        </p:nvCxnSpPr>
+        <p:spPr>
+          <a:xfrm flipH="1" flipV="1">
+            <a:off x="4024923" y="1602154"/>
+            <a:ext cx="1319116" cy="657606"/>
+          </a:xfrm>
+          <a:prstGeom prst="straightConnector1">
+            <a:avLst/>
+          </a:prstGeom>
+          <a:ln w="12700">
+            <a:solidFill>
+              <a:schemeClr val="tx1"/>
+            </a:solidFill>
+            <a:tailEnd type="oval"/>
+          </a:ln>
+        </p:spPr>
+        <p:style>
+          <a:lnRef idx="1">
+            <a:schemeClr val="accent1"/>
+          </a:lnRef>
+          <a:fillRef idx="0">
+            <a:schemeClr val="accent1"/>
+          </a:fillRef>
+          <a:effectRef idx="0">
+            <a:schemeClr val="accent1"/>
+          </a:effectRef>
+          <a:fontRef idx="minor">
+            <a:schemeClr val="tx1"/>
+          </a:fontRef>
+        </p:style>
+      </p:cxnSp>
     </p:spTree>
     <p:extLst>
       <p:ext uri="{BB962C8B-B14F-4D97-AF65-F5344CB8AC3E}">
-        <p14:creationId xmlns:p14="http://schemas.microsoft.com/office/powerpoint/2010/main" val="547396864"/>
+        <p14:creationId xmlns:p14="http://schemas.microsoft.com/office/powerpoint/2010/main" val="3958465628"/>
       </p:ext>
     </p:extLst>
   </p:cSld>
@@ -5128,7 +5188,7 @@
           <p:cNvPr id="3" name="図 2">
             <a:extLst>
               <a:ext uri="{FF2B5EF4-FFF2-40B4-BE49-F238E27FC236}">
-                <a16:creationId xmlns:a16="http://schemas.microsoft.com/office/drawing/2014/main" id="{638963D9-2164-4F16-88FB-56F16AFC13F2}"/>
+                <a16:creationId xmlns:a16="http://schemas.microsoft.com/office/drawing/2014/main" id="{536BB2CC-B3CE-4236-AA01-F28CCF78C5A2}"/>
               </a:ext>
             </a:extLst>
           </p:cNvPr>
@@ -5145,18 +5205,117 @@
         </p:blipFill>
         <p:spPr>
           <a:xfrm>
-            <a:off x="2039639" y="0"/>
-            <a:ext cx="8112722" cy="6858000"/>
+            <a:off x="1578292" y="0"/>
+            <a:ext cx="7200000" cy="5464896"/>
           </a:xfrm>
           <a:prstGeom prst="rect">
             <a:avLst/>
           </a:prstGeom>
         </p:spPr>
       </p:pic>
+      <p:sp>
+        <p:nvSpPr>
+          <p:cNvPr id="4" name="テキスト ボックス 3">
+            <a:extLst>
+              <a:ext uri="{FF2B5EF4-FFF2-40B4-BE49-F238E27FC236}">
+                <a16:creationId xmlns:a16="http://schemas.microsoft.com/office/drawing/2014/main" id="{649E1988-680B-441B-B15A-5D04D1DD9F0F}"/>
+              </a:ext>
+            </a:extLst>
+          </p:cNvPr>
+          <p:cNvSpPr txBox="1"/>
+          <p:nvPr/>
+        </p:nvSpPr>
+        <p:spPr>
+          <a:xfrm>
+            <a:off x="4638274" y="3197606"/>
+            <a:ext cx="1958606" cy="462788"/>
+          </a:xfrm>
+          <a:prstGeom prst="rect">
+            <a:avLst/>
+          </a:prstGeom>
+          <a:solidFill>
+            <a:srgbClr val="FFFF00"/>
+          </a:solidFill>
+          <a:ln>
+            <a:solidFill>
+              <a:schemeClr val="tx1"/>
+            </a:solidFill>
+          </a:ln>
+        </p:spPr>
+        <p:txBody>
+          <a:bodyPr wrap="square" rtlCol="0">
+            <a:noAutofit/>
+          </a:bodyPr>
+          <a:lstStyle/>
+          <a:p>
+            <a:r>
+              <a:rPr lang="en-US" altLang="ja-JP" sz="726" dirty="0">
+                <a:latin typeface="Arial" panose="020B0604020202020204" pitchFamily="34" charset="0"/>
+                <a:cs typeface="Arial" panose="020B0604020202020204" pitchFamily="34" charset="0"/>
+              </a:rPr>
+              <a:t>Output: </a:t>
+            </a:r>
+          </a:p>
+          <a:p>
+            <a:r>
+              <a:rPr lang="en-US" altLang="ja-JP" sz="726" dirty="0">
+                <a:latin typeface="Arial" panose="020B0604020202020204" pitchFamily="34" charset="0"/>
+                <a:cs typeface="Arial" panose="020B0604020202020204" pitchFamily="34" charset="0"/>
+              </a:rPr>
+              <a:t> Reynolds number at the entrance of pipe1 (pipe downstream of heat injection).</a:t>
+            </a:r>
+          </a:p>
+        </p:txBody>
+      </p:sp>
+      <p:cxnSp>
+        <p:nvCxnSpPr>
+          <p:cNvPr id="5" name="直線矢印コネクタ 4">
+            <a:extLst>
+              <a:ext uri="{FF2B5EF4-FFF2-40B4-BE49-F238E27FC236}">
+                <a16:creationId xmlns:a16="http://schemas.microsoft.com/office/drawing/2014/main" id="{85482BB8-7DD1-436F-A587-0D48D81BEFD9}"/>
+              </a:ext>
+            </a:extLst>
+          </p:cNvPr>
+          <p:cNvCxnSpPr>
+            <a:cxnSpLocks/>
+            <a:stCxn id="4" idx="0"/>
+          </p:cNvCxnSpPr>
+          <p:nvPr/>
+        </p:nvCxnSpPr>
+        <p:spPr>
+          <a:xfrm flipH="1" flipV="1">
+            <a:off x="4298461" y="2540000"/>
+            <a:ext cx="1319116" cy="657606"/>
+          </a:xfrm>
+          <a:prstGeom prst="straightConnector1">
+            <a:avLst/>
+          </a:prstGeom>
+          <a:ln w="12700">
+            <a:solidFill>
+              <a:schemeClr val="tx1"/>
+            </a:solidFill>
+            <a:tailEnd type="oval"/>
+          </a:ln>
+        </p:spPr>
+        <p:style>
+          <a:lnRef idx="1">
+            <a:schemeClr val="accent1"/>
+          </a:lnRef>
+          <a:fillRef idx="0">
+            <a:schemeClr val="accent1"/>
+          </a:fillRef>
+          <a:effectRef idx="0">
+            <a:schemeClr val="accent1"/>
+          </a:effectRef>
+          <a:fontRef idx="minor">
+            <a:schemeClr val="tx1"/>
+          </a:fontRef>
+        </p:style>
+      </p:cxnSp>
     </p:spTree>
     <p:extLst>
       <p:ext uri="{BB962C8B-B14F-4D97-AF65-F5344CB8AC3E}">
-        <p14:creationId xmlns:p14="http://schemas.microsoft.com/office/powerpoint/2010/main" val="3437108536"/>
+        <p14:creationId xmlns:p14="http://schemas.microsoft.com/office/powerpoint/2010/main" val="594046822"/>
       </p:ext>
     </p:extLst>
   </p:cSld>
@@ -5188,7 +5347,7 @@
           <p:cNvPr id="5" name="図 4">
             <a:extLst>
               <a:ext uri="{FF2B5EF4-FFF2-40B4-BE49-F238E27FC236}">
-                <a16:creationId xmlns:a16="http://schemas.microsoft.com/office/drawing/2014/main" id="{1861CB12-90A6-42DE-A22D-8963E3B6B5F0}"/>
+                <a16:creationId xmlns:a16="http://schemas.microsoft.com/office/drawing/2014/main" id="{F40256F8-9584-41E5-ACD5-AA57ECDBCBBC}"/>
               </a:ext>
             </a:extLst>
           </p:cNvPr>
@@ -5205,8 +5364,8 @@
         </p:blipFill>
         <p:spPr>
           <a:xfrm>
-            <a:off x="1985486" y="0"/>
-            <a:ext cx="8221027" cy="6858000"/>
+            <a:off x="2039639" y="0"/>
+            <a:ext cx="8112722" cy="6858000"/>
           </a:xfrm>
           <a:prstGeom prst="rect">
             <a:avLst/>
@@ -5218,7 +5377,7 @@
           <p:cNvPr id="3" name="テキスト ボックス 2">
             <a:extLst>
               <a:ext uri="{FF2B5EF4-FFF2-40B4-BE49-F238E27FC236}">
-                <a16:creationId xmlns:a16="http://schemas.microsoft.com/office/drawing/2014/main" id="{24ADC03F-BFEC-4049-9726-538FCD7B5E67}"/>
+                <a16:creationId xmlns:a16="http://schemas.microsoft.com/office/drawing/2014/main" id="{ABC8D612-4C8F-40D2-9EE2-D80AEAE98A25}"/>
               </a:ext>
             </a:extLst>
           </p:cNvPr>
@@ -5250,7 +5409,7 @@
                 <a:latin typeface="Times New Roman" panose="02020603050405020304" pitchFamily="18" charset="0"/>
                 <a:cs typeface="Times New Roman" panose="02020603050405020304" pitchFamily="18" charset="0"/>
               </a:rPr>
-              <a:t>PumpAsTurbine_ex01</a:t>
+              <a:t>PumpAsTurbine_ex02</a:t>
             </a:r>
             <a:endParaRPr kumimoji="1" lang="ja-JP" altLang="en-US" sz="2400" dirty="0">
               <a:latin typeface="Times New Roman" panose="02020603050405020304" pitchFamily="18" charset="0"/>
@@ -5262,7 +5421,7 @@
     </p:spTree>
     <p:extLst>
       <p:ext uri="{BB962C8B-B14F-4D97-AF65-F5344CB8AC3E}">
-        <p14:creationId xmlns:p14="http://schemas.microsoft.com/office/powerpoint/2010/main" val="3258820415"/>
+        <p14:creationId xmlns:p14="http://schemas.microsoft.com/office/powerpoint/2010/main" val="547396864"/>
       </p:ext>
     </p:extLst>
   </p:cSld>
@@ -5324,7 +5483,7 @@
           <p:cNvPr id="3" name="図 2">
             <a:extLst>
               <a:ext uri="{FF2B5EF4-FFF2-40B4-BE49-F238E27FC236}">
-                <a16:creationId xmlns:a16="http://schemas.microsoft.com/office/drawing/2014/main" id="{2848B27E-D4AC-4CD0-81CF-025BAB9F3594}"/>
+                <a16:creationId xmlns:a16="http://schemas.microsoft.com/office/drawing/2014/main" id="{638963D9-2164-4F16-88FB-56F16AFC13F2}"/>
               </a:ext>
             </a:extLst>
           </p:cNvPr>
@@ -5341,8 +5500,8 @@
         </p:blipFill>
         <p:spPr>
           <a:xfrm>
-            <a:off x="1985486" y="0"/>
-            <a:ext cx="8221027" cy="6858000"/>
+            <a:off x="2039639" y="0"/>
+            <a:ext cx="8112722" cy="6858000"/>
           </a:xfrm>
           <a:prstGeom prst="rect">
             <a:avLst/>
@@ -5352,7 +5511,7 @@
     </p:spTree>
     <p:extLst>
       <p:ext uri="{BB962C8B-B14F-4D97-AF65-F5344CB8AC3E}">
-        <p14:creationId xmlns:p14="http://schemas.microsoft.com/office/powerpoint/2010/main" val="2043835998"/>
+        <p14:creationId xmlns:p14="http://schemas.microsoft.com/office/powerpoint/2010/main" val="3437108536"/>
       </p:ext>
     </p:extLst>
   </p:cSld>
@@ -5381,10 +5540,10 @@
       </p:grpSpPr>
       <p:pic>
         <p:nvPicPr>
-          <p:cNvPr id="4" name="図 3">
-            <a:extLst>
-              <a:ext uri="{FF2B5EF4-FFF2-40B4-BE49-F238E27FC236}">
-                <a16:creationId xmlns:a16="http://schemas.microsoft.com/office/drawing/2014/main" id="{5D3325F5-F4C4-4B5F-9E64-423C10E29EF0}"/>
+          <p:cNvPr id="5" name="図 4">
+            <a:extLst>
+              <a:ext uri="{FF2B5EF4-FFF2-40B4-BE49-F238E27FC236}">
+                <a16:creationId xmlns:a16="http://schemas.microsoft.com/office/drawing/2014/main" id="{1861CB12-90A6-42DE-A22D-8963E3B6B5F0}"/>
               </a:ext>
             </a:extLst>
           </p:cNvPr>
@@ -5401,8 +5560,8 @@
         </p:blipFill>
         <p:spPr>
           <a:xfrm>
-            <a:off x="2810435" y="0"/>
-            <a:ext cx="6571129" cy="6858000"/>
+            <a:off x="1985486" y="0"/>
+            <a:ext cx="8221027" cy="6858000"/>
           </a:xfrm>
           <a:prstGeom prst="rect">
             <a:avLst/>
@@ -5411,10 +5570,10 @@
       </p:pic>
       <p:sp>
         <p:nvSpPr>
-          <p:cNvPr id="5" name="テキスト ボックス 4">
-            <a:extLst>
-              <a:ext uri="{FF2B5EF4-FFF2-40B4-BE49-F238E27FC236}">
-                <a16:creationId xmlns:a16="http://schemas.microsoft.com/office/drawing/2014/main" id="{E0B1F0B5-68C3-450F-8CFE-1A08DC3E4321}"/>
+          <p:cNvPr id="3" name="テキスト ボックス 2">
+            <a:extLst>
+              <a:ext uri="{FF2B5EF4-FFF2-40B4-BE49-F238E27FC236}">
+                <a16:creationId xmlns:a16="http://schemas.microsoft.com/office/drawing/2014/main" id="{24ADC03F-BFEC-4049-9726-538FCD7B5E67}"/>
               </a:ext>
             </a:extLst>
           </p:cNvPr>
@@ -5446,7 +5605,7 @@
                 <a:latin typeface="Times New Roman" panose="02020603050405020304" pitchFamily="18" charset="0"/>
                 <a:cs typeface="Times New Roman" panose="02020603050405020304" pitchFamily="18" charset="0"/>
               </a:rPr>
-              <a:t>pumpingSystem_ex01</a:t>
+              <a:t>PumpAsTurbine_ex01</a:t>
             </a:r>
             <a:endParaRPr kumimoji="1" lang="ja-JP" altLang="en-US" sz="2400" dirty="0">
               <a:latin typeface="Times New Roman" panose="02020603050405020304" pitchFamily="18" charset="0"/>
@@ -5458,7 +5617,7 @@
     </p:spTree>
     <p:extLst>
       <p:ext uri="{BB962C8B-B14F-4D97-AF65-F5344CB8AC3E}">
-        <p14:creationId xmlns:p14="http://schemas.microsoft.com/office/powerpoint/2010/main" val="2560259924"/>
+        <p14:creationId xmlns:p14="http://schemas.microsoft.com/office/powerpoint/2010/main" val="3258820415"/>
       </p:ext>
     </p:extLst>
   </p:cSld>
@@ -5487,10 +5646,10 @@
       </p:grpSpPr>
       <p:pic>
         <p:nvPicPr>
-          <p:cNvPr id="6" name="図 5">
-            <a:extLst>
-              <a:ext uri="{FF2B5EF4-FFF2-40B4-BE49-F238E27FC236}">
-                <a16:creationId xmlns:a16="http://schemas.microsoft.com/office/drawing/2014/main" id="{197FE4A2-CECE-4678-9D50-C0D4D68EFF40}"/>
+          <p:cNvPr id="3" name="図 2">
+            <a:extLst>
+              <a:ext uri="{FF2B5EF4-FFF2-40B4-BE49-F238E27FC236}">
+                <a16:creationId xmlns:a16="http://schemas.microsoft.com/office/drawing/2014/main" id="{2848B27E-D4AC-4CD0-81CF-025BAB9F3594}"/>
               </a:ext>
             </a:extLst>
           </p:cNvPr>
@@ -5507,430 +5666,18 @@
         </p:blipFill>
         <p:spPr>
           <a:xfrm>
-            <a:off x="2810435" y="0"/>
-            <a:ext cx="6571129" cy="6858000"/>
+            <a:off x="1985486" y="0"/>
+            <a:ext cx="8221027" cy="6858000"/>
           </a:xfrm>
           <a:prstGeom prst="rect">
             <a:avLst/>
           </a:prstGeom>
         </p:spPr>
       </p:pic>
-      <p:sp>
-        <p:nvSpPr>
-          <p:cNvPr id="4" name="テキスト ボックス 3">
-            <a:extLst>
-              <a:ext uri="{FF2B5EF4-FFF2-40B4-BE49-F238E27FC236}">
-                <a16:creationId xmlns:a16="http://schemas.microsoft.com/office/drawing/2014/main" id="{5F2603BE-C6ED-49A0-9F6B-69D6FCCE22D3}"/>
-              </a:ext>
-            </a:extLst>
-          </p:cNvPr>
-          <p:cNvSpPr txBox="1"/>
-          <p:nvPr/>
-        </p:nvSpPr>
-        <p:spPr>
-          <a:xfrm>
-            <a:off x="6861907" y="988297"/>
-            <a:ext cx="1374866" cy="567313"/>
-          </a:xfrm>
-          <a:prstGeom prst="rect">
-            <a:avLst/>
-          </a:prstGeom>
-          <a:solidFill>
-            <a:srgbClr val="92D050">
-              <a:alpha val="60000"/>
-            </a:srgbClr>
-          </a:solidFill>
-          <a:ln>
-            <a:solidFill>
-              <a:schemeClr val="tx1"/>
-            </a:solidFill>
-          </a:ln>
-        </p:spPr>
-        <p:txBody>
-          <a:bodyPr wrap="square" rtlCol="0">
-            <a:noAutofit/>
-          </a:bodyPr>
-          <a:lstStyle/>
-          <a:p>
-            <a:r>
-              <a:rPr lang="en-US" altLang="ja-JP" sz="907" dirty="0">
-                <a:latin typeface="ＭＳ Ｐゴシック" panose="020B0600070205080204" pitchFamily="50" charset="-128"/>
-                <a:ea typeface="ＭＳ Ｐゴシック" panose="020B0600070205080204" pitchFamily="50" charset="-128"/>
-                <a:cs typeface="Arial" panose="020B0604020202020204" pitchFamily="34" charset="0"/>
-              </a:rPr>
-              <a:t>Pipe= Flow resistance.</a:t>
-            </a:r>
-          </a:p>
-          <a:p>
-            <a:r>
-              <a:rPr lang="en-US" altLang="ja-JP" sz="907" dirty="0">
-                <a:latin typeface="ＭＳ Ｐゴシック" panose="020B0600070205080204" pitchFamily="50" charset="-128"/>
-                <a:ea typeface="ＭＳ Ｐゴシック" panose="020B0600070205080204" pitchFamily="50" charset="-128"/>
-                <a:cs typeface="Arial" panose="020B0604020202020204" pitchFamily="34" charset="0"/>
-              </a:rPr>
-              <a:t>-. Fluid pressure drops through it.</a:t>
-            </a:r>
-          </a:p>
-        </p:txBody>
-      </p:sp>
-      <p:cxnSp>
-        <p:nvCxnSpPr>
-          <p:cNvPr id="5" name="直線矢印コネクタ 4">
-            <a:extLst>
-              <a:ext uri="{FF2B5EF4-FFF2-40B4-BE49-F238E27FC236}">
-                <a16:creationId xmlns:a16="http://schemas.microsoft.com/office/drawing/2014/main" id="{C79E121F-F0CC-4F90-98F0-169835AA5651}"/>
-              </a:ext>
-            </a:extLst>
-          </p:cNvPr>
-          <p:cNvCxnSpPr>
-            <a:cxnSpLocks/>
-            <a:stCxn id="4" idx="2"/>
-          </p:cNvCxnSpPr>
-          <p:nvPr/>
-        </p:nvCxnSpPr>
-        <p:spPr>
-          <a:xfrm>
-            <a:off x="7549340" y="1555610"/>
-            <a:ext cx="187891" cy="859344"/>
-          </a:xfrm>
-          <a:prstGeom prst="straightConnector1">
-            <a:avLst/>
-          </a:prstGeom>
-          <a:ln w="12700">
-            <a:solidFill>
-              <a:schemeClr val="tx1"/>
-            </a:solidFill>
-            <a:tailEnd type="oval"/>
-          </a:ln>
-        </p:spPr>
-        <p:style>
-          <a:lnRef idx="1">
-            <a:schemeClr val="accent1"/>
-          </a:lnRef>
-          <a:fillRef idx="0">
-            <a:schemeClr val="accent1"/>
-          </a:fillRef>
-          <a:effectRef idx="0">
-            <a:schemeClr val="accent1"/>
-          </a:effectRef>
-          <a:fontRef idx="minor">
-            <a:schemeClr val="tx1"/>
-          </a:fontRef>
-        </p:style>
-      </p:cxnSp>
-      <p:sp>
-        <p:nvSpPr>
-          <p:cNvPr id="8" name="テキスト ボックス 7">
-            <a:extLst>
-              <a:ext uri="{FF2B5EF4-FFF2-40B4-BE49-F238E27FC236}">
-                <a16:creationId xmlns:a16="http://schemas.microsoft.com/office/drawing/2014/main" id="{7FAA0FFC-04E5-4EAC-9A25-E150537C5562}"/>
-              </a:ext>
-            </a:extLst>
-          </p:cNvPr>
-          <p:cNvSpPr txBox="1"/>
-          <p:nvPr/>
-        </p:nvSpPr>
-        <p:spPr>
-          <a:xfrm>
-            <a:off x="6033798" y="5018733"/>
-            <a:ext cx="1374866" cy="401236"/>
-          </a:xfrm>
-          <a:prstGeom prst="rect">
-            <a:avLst/>
-          </a:prstGeom>
-          <a:solidFill>
-            <a:srgbClr val="92D050">
-              <a:alpha val="60000"/>
-            </a:srgbClr>
-          </a:solidFill>
-          <a:ln>
-            <a:solidFill>
-              <a:schemeClr val="tx1"/>
-            </a:solidFill>
-          </a:ln>
-        </p:spPr>
-        <p:txBody>
-          <a:bodyPr wrap="square" rtlCol="0">
-            <a:noAutofit/>
-          </a:bodyPr>
-          <a:lstStyle/>
-          <a:p>
-            <a:r>
-              <a:rPr lang="en-US" altLang="ja-JP" sz="907" dirty="0">
-                <a:latin typeface="ＭＳ Ｐゴシック" panose="020B0600070205080204" pitchFamily="50" charset="-128"/>
-                <a:ea typeface="ＭＳ Ｐゴシック" panose="020B0600070205080204" pitchFamily="50" charset="-128"/>
-                <a:cs typeface="Arial" panose="020B0604020202020204" pitchFamily="34" charset="0"/>
-              </a:rPr>
-              <a:t>Measure fluid power of pump.</a:t>
-            </a:r>
-          </a:p>
-        </p:txBody>
-      </p:sp>
-      <p:sp>
-        <p:nvSpPr>
-          <p:cNvPr id="10" name="テキスト ボックス 9">
-            <a:extLst>
-              <a:ext uri="{FF2B5EF4-FFF2-40B4-BE49-F238E27FC236}">
-                <a16:creationId xmlns:a16="http://schemas.microsoft.com/office/drawing/2014/main" id="{E9500157-EF71-48A7-8469-97D78802371A}"/>
-              </a:ext>
-            </a:extLst>
-          </p:cNvPr>
-          <p:cNvSpPr txBox="1"/>
-          <p:nvPr/>
-        </p:nvSpPr>
-        <p:spPr>
-          <a:xfrm>
-            <a:off x="6033798" y="5799016"/>
-            <a:ext cx="1374866" cy="617416"/>
-          </a:xfrm>
-          <a:prstGeom prst="rect">
-            <a:avLst/>
-          </a:prstGeom>
-          <a:solidFill>
-            <a:srgbClr val="92D050">
-              <a:alpha val="60000"/>
-            </a:srgbClr>
-          </a:solidFill>
-          <a:ln>
-            <a:solidFill>
-              <a:schemeClr val="tx1"/>
-            </a:solidFill>
-          </a:ln>
-        </p:spPr>
-        <p:txBody>
-          <a:bodyPr wrap="square" rtlCol="0">
-            <a:noAutofit/>
-          </a:bodyPr>
-          <a:lstStyle/>
-          <a:p>
-            <a:r>
-              <a:rPr lang="en-US" altLang="ja-JP" sz="907" dirty="0">
-                <a:latin typeface="ＭＳ Ｐゴシック" panose="020B0600070205080204" pitchFamily="50" charset="-128"/>
-                <a:ea typeface="ＭＳ Ｐゴシック" panose="020B0600070205080204" pitchFamily="50" charset="-128"/>
-                <a:cs typeface="Arial" panose="020B0604020202020204" pitchFamily="34" charset="0"/>
-              </a:rPr>
-              <a:t>Figure out mechanical power supplied to pump.</a:t>
-            </a:r>
-          </a:p>
-          <a:p>
-            <a:r>
-              <a:rPr lang="en-US" altLang="ja-JP" sz="907" dirty="0">
-                <a:latin typeface="ＭＳ Ｐゴシック" panose="020B0600070205080204" pitchFamily="50" charset="-128"/>
-                <a:ea typeface="ＭＳ Ｐゴシック" panose="020B0600070205080204" pitchFamily="50" charset="-128"/>
-                <a:cs typeface="Arial" panose="020B0604020202020204" pitchFamily="34" charset="0"/>
-              </a:rPr>
-              <a:t> = (fluid power) / eff.</a:t>
-            </a:r>
-          </a:p>
-        </p:txBody>
-      </p:sp>
-      <p:cxnSp>
-        <p:nvCxnSpPr>
-          <p:cNvPr id="11" name="直線矢印コネクタ 10">
-            <a:extLst>
-              <a:ext uri="{FF2B5EF4-FFF2-40B4-BE49-F238E27FC236}">
-                <a16:creationId xmlns:a16="http://schemas.microsoft.com/office/drawing/2014/main" id="{46BF62F1-8DDC-4421-BF53-C1DC87F7D5DF}"/>
-              </a:ext>
-            </a:extLst>
-          </p:cNvPr>
-          <p:cNvCxnSpPr>
-            <a:cxnSpLocks/>
-            <a:stCxn id="8" idx="1"/>
-          </p:cNvCxnSpPr>
-          <p:nvPr/>
-        </p:nvCxnSpPr>
-        <p:spPr>
-          <a:xfrm flipH="1">
-            <a:off x="5330092" y="5219351"/>
-            <a:ext cx="703706" cy="138097"/>
-          </a:xfrm>
-          <a:prstGeom prst="straightConnector1">
-            <a:avLst/>
-          </a:prstGeom>
-          <a:ln w="12700">
-            <a:solidFill>
-              <a:schemeClr val="tx1"/>
-            </a:solidFill>
-            <a:tailEnd type="oval"/>
-          </a:ln>
-        </p:spPr>
-        <p:style>
-          <a:lnRef idx="1">
-            <a:schemeClr val="accent1"/>
-          </a:lnRef>
-          <a:fillRef idx="0">
-            <a:schemeClr val="accent1"/>
-          </a:fillRef>
-          <a:effectRef idx="0">
-            <a:schemeClr val="accent1"/>
-          </a:effectRef>
-          <a:fontRef idx="minor">
-            <a:schemeClr val="tx1"/>
-          </a:fontRef>
-        </p:style>
-      </p:cxnSp>
-      <p:cxnSp>
-        <p:nvCxnSpPr>
-          <p:cNvPr id="12" name="直線矢印コネクタ 11">
-            <a:extLst>
-              <a:ext uri="{FF2B5EF4-FFF2-40B4-BE49-F238E27FC236}">
-                <a16:creationId xmlns:a16="http://schemas.microsoft.com/office/drawing/2014/main" id="{BC8563B2-B9B1-4ED6-9473-819DEA91980F}"/>
-              </a:ext>
-            </a:extLst>
-          </p:cNvPr>
-          <p:cNvCxnSpPr>
-            <a:cxnSpLocks/>
-            <a:stCxn id="10" idx="1"/>
-          </p:cNvCxnSpPr>
-          <p:nvPr/>
-        </p:nvCxnSpPr>
-        <p:spPr>
-          <a:xfrm flipH="1">
-            <a:off x="5197231" y="6107724"/>
-            <a:ext cx="836567" cy="0"/>
-          </a:xfrm>
-          <a:prstGeom prst="straightConnector1">
-            <a:avLst/>
-          </a:prstGeom>
-          <a:ln w="12700">
-            <a:solidFill>
-              <a:schemeClr val="tx1"/>
-            </a:solidFill>
-            <a:tailEnd type="oval"/>
-          </a:ln>
-        </p:spPr>
-        <p:style>
-          <a:lnRef idx="1">
-            <a:schemeClr val="accent1"/>
-          </a:lnRef>
-          <a:fillRef idx="0">
-            <a:schemeClr val="accent1"/>
-          </a:fillRef>
-          <a:effectRef idx="0">
-            <a:schemeClr val="accent1"/>
-          </a:effectRef>
-          <a:fontRef idx="minor">
-            <a:schemeClr val="tx1"/>
-          </a:fontRef>
-        </p:style>
-      </p:cxnSp>
-      <p:sp>
-        <p:nvSpPr>
-          <p:cNvPr id="18" name="テキスト ボックス 17">
-            <a:extLst>
-              <a:ext uri="{FF2B5EF4-FFF2-40B4-BE49-F238E27FC236}">
-                <a16:creationId xmlns:a16="http://schemas.microsoft.com/office/drawing/2014/main" id="{85FC3F84-DD89-40C6-98E7-A31B1E002E04}"/>
-              </a:ext>
-            </a:extLst>
-          </p:cNvPr>
-          <p:cNvSpPr txBox="1"/>
-          <p:nvPr/>
-        </p:nvSpPr>
-        <p:spPr>
-          <a:xfrm>
-            <a:off x="4841630" y="1070708"/>
-            <a:ext cx="1582616" cy="687749"/>
-          </a:xfrm>
-          <a:prstGeom prst="rect">
-            <a:avLst/>
-          </a:prstGeom>
-          <a:solidFill>
-            <a:srgbClr val="92D050">
-              <a:alpha val="60000"/>
-            </a:srgbClr>
-          </a:solidFill>
-          <a:ln>
-            <a:solidFill>
-              <a:schemeClr val="tx1"/>
-            </a:solidFill>
-          </a:ln>
-        </p:spPr>
-        <p:txBody>
-          <a:bodyPr wrap="square" rtlCol="0">
-            <a:noAutofit/>
-          </a:bodyPr>
-          <a:lstStyle/>
-          <a:p>
-            <a:r>
-              <a:rPr lang="en-US" altLang="ja-JP" sz="907" dirty="0">
-                <a:latin typeface="ＭＳ Ｐゴシック" panose="020B0600070205080204" pitchFamily="50" charset="-128"/>
-                <a:ea typeface="ＭＳ Ｐゴシック" panose="020B0600070205080204" pitchFamily="50" charset="-128"/>
-                <a:cs typeface="Arial" panose="020B0604020202020204" pitchFamily="34" charset="0"/>
-              </a:rPr>
-              <a:t>Centrifugal pump</a:t>
-            </a:r>
-          </a:p>
-          <a:p>
-            <a:r>
-              <a:rPr lang="en-US" altLang="ja-JP" sz="907" dirty="0">
-                <a:latin typeface="ＭＳ Ｐゴシック" panose="020B0600070205080204" pitchFamily="50" charset="-128"/>
-                <a:ea typeface="ＭＳ Ｐゴシック" panose="020B0600070205080204" pitchFamily="50" charset="-128"/>
-                <a:cs typeface="Arial" panose="020B0604020202020204" pitchFamily="34" charset="0"/>
-              </a:rPr>
-              <a:t>-. Constant efficiency.</a:t>
-            </a:r>
-          </a:p>
-          <a:p>
-            <a:r>
-              <a:rPr lang="en-US" altLang="ja-JP" sz="907" dirty="0">
-                <a:latin typeface="ＭＳ Ｐゴシック" panose="020B0600070205080204" pitchFamily="50" charset="-128"/>
-                <a:ea typeface="ＭＳ Ｐゴシック" panose="020B0600070205080204" pitchFamily="50" charset="-128"/>
-                <a:cs typeface="Arial" panose="020B0604020202020204" pitchFamily="34" charset="0"/>
-              </a:rPr>
-              <a:t>-. Mechanical interface is rotational speed signal.</a:t>
-            </a:r>
-          </a:p>
-        </p:txBody>
-      </p:sp>
-      <p:cxnSp>
-        <p:nvCxnSpPr>
-          <p:cNvPr id="19" name="直線矢印コネクタ 18">
-            <a:extLst>
-              <a:ext uri="{FF2B5EF4-FFF2-40B4-BE49-F238E27FC236}">
-                <a16:creationId xmlns:a16="http://schemas.microsoft.com/office/drawing/2014/main" id="{21414CA1-4114-4107-8A9E-08DFB5D574D4}"/>
-              </a:ext>
-            </a:extLst>
-          </p:cNvPr>
-          <p:cNvCxnSpPr>
-            <a:cxnSpLocks/>
-            <a:stCxn id="18" idx="2"/>
-          </p:cNvCxnSpPr>
-          <p:nvPr/>
-        </p:nvCxnSpPr>
-        <p:spPr>
-          <a:xfrm flipH="1">
-            <a:off x="4841632" y="1758457"/>
-            <a:ext cx="791306" cy="819640"/>
-          </a:xfrm>
-          <a:prstGeom prst="straightConnector1">
-            <a:avLst/>
-          </a:prstGeom>
-          <a:ln w="12700">
-            <a:solidFill>
-              <a:schemeClr val="tx1"/>
-            </a:solidFill>
-            <a:tailEnd type="oval"/>
-          </a:ln>
-        </p:spPr>
-        <p:style>
-          <a:lnRef idx="1">
-            <a:schemeClr val="accent1"/>
-          </a:lnRef>
-          <a:fillRef idx="0">
-            <a:schemeClr val="accent1"/>
-          </a:fillRef>
-          <a:effectRef idx="0">
-            <a:schemeClr val="accent1"/>
-          </a:effectRef>
-          <a:fontRef idx="minor">
-            <a:schemeClr val="tx1"/>
-          </a:fontRef>
-        </p:style>
-      </p:cxnSp>
     </p:spTree>
     <p:extLst>
       <p:ext uri="{BB962C8B-B14F-4D97-AF65-F5344CB8AC3E}">
-        <p14:creationId xmlns:p14="http://schemas.microsoft.com/office/powerpoint/2010/main" val="3899844548"/>
+        <p14:creationId xmlns:p14="http://schemas.microsoft.com/office/powerpoint/2010/main" val="2043835998"/>
       </p:ext>
     </p:extLst>
   </p:cSld>
@@ -5959,10 +5706,10 @@
       </p:grpSpPr>
       <p:pic>
         <p:nvPicPr>
-          <p:cNvPr id="5" name="図 4">
-            <a:extLst>
-              <a:ext uri="{FF2B5EF4-FFF2-40B4-BE49-F238E27FC236}">
-                <a16:creationId xmlns:a16="http://schemas.microsoft.com/office/drawing/2014/main" id="{151B9725-43FF-498D-9691-DC981022F103}"/>
+          <p:cNvPr id="4" name="図 3">
+            <a:extLst>
+              <a:ext uri="{FF2B5EF4-FFF2-40B4-BE49-F238E27FC236}">
+                <a16:creationId xmlns:a16="http://schemas.microsoft.com/office/drawing/2014/main" id="{5D3325F5-F4C4-4B5F-9E64-423C10E29EF0}"/>
               </a:ext>
             </a:extLst>
           </p:cNvPr>
@@ -5979,8 +5726,8 @@
         </p:blipFill>
         <p:spPr>
           <a:xfrm>
-            <a:off x="2137691" y="773724"/>
-            <a:ext cx="7200000" cy="5470353"/>
+            <a:off x="2810435" y="0"/>
+            <a:ext cx="6571129" cy="6858000"/>
           </a:xfrm>
           <a:prstGeom prst="rect">
             <a:avLst/>
@@ -5989,10 +5736,10 @@
       </p:pic>
       <p:sp>
         <p:nvSpPr>
-          <p:cNvPr id="6" name="テキスト ボックス 5">
-            <a:extLst>
-              <a:ext uri="{FF2B5EF4-FFF2-40B4-BE49-F238E27FC236}">
-                <a16:creationId xmlns:a16="http://schemas.microsoft.com/office/drawing/2014/main" id="{590FD1A6-C84B-4F78-B17B-70C4A2EC5A02}"/>
+          <p:cNvPr id="5" name="テキスト ボックス 4">
+            <a:extLst>
+              <a:ext uri="{FF2B5EF4-FFF2-40B4-BE49-F238E27FC236}">
+                <a16:creationId xmlns:a16="http://schemas.microsoft.com/office/drawing/2014/main" id="{E0B1F0B5-68C3-450F-8CFE-1A08DC3E4321}"/>
               </a:ext>
             </a:extLst>
           </p:cNvPr>
@@ -6001,99 +5748,42 @@
         </p:nvSpPr>
         <p:spPr>
           <a:xfrm>
-            <a:off x="3526017" y="2215717"/>
-            <a:ext cx="1914473" cy="407083"/>
+            <a:off x="78153" y="0"/>
+            <a:ext cx="4079632" cy="461665"/>
           </a:xfrm>
           <a:prstGeom prst="rect">
             <a:avLst/>
           </a:prstGeom>
-          <a:solidFill>
-            <a:schemeClr val="accent5">
-              <a:lumMod val="40000"/>
-              <a:lumOff val="60000"/>
-            </a:schemeClr>
-          </a:solidFill>
-          <a:ln>
-            <a:solidFill>
-              <a:schemeClr val="tx1"/>
-            </a:solidFill>
-          </a:ln>
+          <a:noFill/>
         </p:spPr>
         <p:txBody>
           <a:bodyPr wrap="square" rtlCol="0">
-            <a:noAutofit/>
+            <a:spAutoFit/>
           </a:bodyPr>
           <a:lstStyle/>
           <a:p>
             <a:r>
-              <a:rPr lang="en-US" altLang="ja-JP" sz="907" dirty="0">
-                <a:latin typeface="ＭＳ Ｐゴシック" panose="020B0600070205080204" pitchFamily="50" charset="-128"/>
-                <a:ea typeface="ＭＳ Ｐゴシック" panose="020B0600070205080204" pitchFamily="50" charset="-128"/>
-                <a:cs typeface="Arial" panose="020B0604020202020204" pitchFamily="34" charset="0"/>
-              </a:rPr>
-              <a:t>Input: </a:t>
-            </a:r>
-          </a:p>
-          <a:p>
-            <a:r>
-              <a:rPr lang="en-US" altLang="ja-JP" sz="907" dirty="0">
-                <a:latin typeface="ＭＳ Ｐゴシック" panose="020B0600070205080204" pitchFamily="50" charset="-128"/>
-                <a:ea typeface="ＭＳ Ｐゴシック" panose="020B0600070205080204" pitchFamily="50" charset="-128"/>
-                <a:cs typeface="Arial" panose="020B0604020202020204" pitchFamily="34" charset="0"/>
-              </a:rPr>
-              <a:t> mechanical rotary speed of pump.</a:t>
-            </a:r>
-          </a:p>
-        </p:txBody>
-      </p:sp>
-      <p:cxnSp>
-        <p:nvCxnSpPr>
-          <p:cNvPr id="7" name="直線矢印コネクタ 6">
-            <a:extLst>
-              <a:ext uri="{FF2B5EF4-FFF2-40B4-BE49-F238E27FC236}">
-                <a16:creationId xmlns:a16="http://schemas.microsoft.com/office/drawing/2014/main" id="{88384F1C-3373-4685-B928-3D6F7902F320}"/>
-              </a:ext>
-            </a:extLst>
-          </p:cNvPr>
-          <p:cNvCxnSpPr>
-            <a:cxnSpLocks/>
-          </p:cNvCxnSpPr>
-          <p:nvPr/>
-        </p:nvCxnSpPr>
-        <p:spPr>
-          <a:xfrm>
-            <a:off x="4506924" y="2622802"/>
-            <a:ext cx="568379" cy="571738"/>
-          </a:xfrm>
-          <a:prstGeom prst="straightConnector1">
-            <a:avLst/>
-          </a:prstGeom>
-          <a:ln w="12700">
-            <a:solidFill>
-              <a:schemeClr val="tx1"/>
-            </a:solidFill>
-            <a:tailEnd type="oval"/>
-          </a:ln>
-        </p:spPr>
-        <p:style>
-          <a:lnRef idx="1">
-            <a:schemeClr val="accent1"/>
-          </a:lnRef>
-          <a:fillRef idx="0">
-            <a:schemeClr val="accent1"/>
-          </a:fillRef>
-          <a:effectRef idx="0">
-            <a:schemeClr val="accent1"/>
-          </a:effectRef>
-          <a:fontRef idx="minor">
-            <a:schemeClr val="tx1"/>
-          </a:fontRef>
-        </p:style>
-      </p:cxnSp>
+              <a:rPr lang="en-US" altLang="ja-JP" sz="2400" dirty="0">
+                <a:solidFill>
+                  <a:srgbClr val="000000"/>
+                </a:solidFill>
+                <a:effectLst/>
+                <a:latin typeface="Times New Roman" panose="02020603050405020304" pitchFamily="18" charset="0"/>
+                <a:cs typeface="Times New Roman" panose="02020603050405020304" pitchFamily="18" charset="0"/>
+              </a:rPr>
+              <a:t>pumpingSystem_ex01</a:t>
+            </a:r>
+            <a:endParaRPr kumimoji="1" lang="ja-JP" altLang="en-US" sz="2400" dirty="0">
+              <a:latin typeface="Times New Roman" panose="02020603050405020304" pitchFamily="18" charset="0"/>
+              <a:cs typeface="Times New Roman" panose="02020603050405020304" pitchFamily="18" charset="0"/>
+            </a:endParaRPr>
+          </a:p>
+        </p:txBody>
+      </p:sp>
     </p:spTree>
     <p:extLst>
       <p:ext uri="{BB962C8B-B14F-4D97-AF65-F5344CB8AC3E}">
-        <p14:creationId xmlns:p14="http://schemas.microsoft.com/office/powerpoint/2010/main" val="738699800"/>
+        <p14:creationId xmlns:p14="http://schemas.microsoft.com/office/powerpoint/2010/main" val="2560259924"/>
       </p:ext>
     </p:extLst>
   </p:cSld>
@@ -6122,10 +5812,10 @@
       </p:grpSpPr>
       <p:pic>
         <p:nvPicPr>
-          <p:cNvPr id="3" name="図 2">
-            <a:extLst>
-              <a:ext uri="{FF2B5EF4-FFF2-40B4-BE49-F238E27FC236}">
-                <a16:creationId xmlns:a16="http://schemas.microsoft.com/office/drawing/2014/main" id="{1C487AC6-F5CF-4F1B-BB9C-F82469CBDAE8}"/>
+          <p:cNvPr id="6" name="図 5">
+            <a:extLst>
+              <a:ext uri="{FF2B5EF4-FFF2-40B4-BE49-F238E27FC236}">
+                <a16:creationId xmlns:a16="http://schemas.microsoft.com/office/drawing/2014/main" id="{197FE4A2-CECE-4678-9D50-C0D4D68EFF40}"/>
               </a:ext>
             </a:extLst>
           </p:cNvPr>
@@ -6142,8 +5832,8 @@
         </p:blipFill>
         <p:spPr>
           <a:xfrm>
-            <a:off x="2204970" y="459278"/>
-            <a:ext cx="7200000" cy="5939444"/>
+            <a:off x="2810435" y="0"/>
+            <a:ext cx="6571129" cy="6858000"/>
           </a:xfrm>
           <a:prstGeom prst="rect">
             <a:avLst/>
@@ -6155,7 +5845,7 @@
           <p:cNvPr id="4" name="テキスト ボックス 3">
             <a:extLst>
               <a:ext uri="{FF2B5EF4-FFF2-40B4-BE49-F238E27FC236}">
-                <a16:creationId xmlns:a16="http://schemas.microsoft.com/office/drawing/2014/main" id="{1D7B468F-5EC7-48EB-90C5-9937D9CACF18}"/>
+                <a16:creationId xmlns:a16="http://schemas.microsoft.com/office/drawing/2014/main" id="{5F2603BE-C6ED-49A0-9F6B-69D6FCCE22D3}"/>
               </a:ext>
             </a:extLst>
           </p:cNvPr>
@@ -6164,14 +5854,16 @@
         </p:nvSpPr>
         <p:spPr>
           <a:xfrm>
-            <a:off x="5552675" y="3489843"/>
-            <a:ext cx="1958606" cy="363142"/>
+            <a:off x="6861907" y="988297"/>
+            <a:ext cx="1374866" cy="567313"/>
           </a:xfrm>
           <a:prstGeom prst="rect">
             <a:avLst/>
           </a:prstGeom>
           <a:solidFill>
-            <a:srgbClr val="FFFF00"/>
+            <a:srgbClr val="92D050">
+              <a:alpha val="60000"/>
+            </a:srgbClr>
           </a:solidFill>
           <a:ln>
             <a:solidFill>
@@ -6186,20 +5878,22 @@
           <a:lstStyle/>
           <a:p>
             <a:r>
-              <a:rPr lang="en-US" altLang="ja-JP" sz="726" dirty="0">
-                <a:latin typeface="Arial" panose="020B0604020202020204" pitchFamily="34" charset="0"/>
+              <a:rPr lang="en-US" altLang="ja-JP" sz="907" dirty="0">
+                <a:latin typeface="ＭＳ Ｐゴシック" panose="020B0600070205080204" pitchFamily="50" charset="-128"/>
+                <a:ea typeface="ＭＳ Ｐゴシック" panose="020B0600070205080204" pitchFamily="50" charset="-128"/>
                 <a:cs typeface="Arial" panose="020B0604020202020204" pitchFamily="34" charset="0"/>
               </a:rPr>
-              <a:t>Output: </a:t>
-            </a:r>
-          </a:p>
-          <a:p>
-            <a:r>
-              <a:rPr lang="en-US" altLang="ja-JP" sz="726" dirty="0">
-                <a:latin typeface="Arial" panose="020B0604020202020204" pitchFamily="34" charset="0"/>
+              <a:t>Pipe= Flow resistance.</a:t>
+            </a:r>
+          </a:p>
+          <a:p>
+            <a:r>
+              <a:rPr lang="en-US" altLang="ja-JP" sz="907" dirty="0">
+                <a:latin typeface="ＭＳ Ｐゴシック" panose="020B0600070205080204" pitchFamily="50" charset="-128"/>
+                <a:ea typeface="ＭＳ Ｐゴシック" panose="020B0600070205080204" pitchFamily="50" charset="-128"/>
                 <a:cs typeface="Arial" panose="020B0604020202020204" pitchFamily="34" charset="0"/>
               </a:rPr>
-              <a:t>Volumetric flow rate through pump. </a:t>
+              <a:t>-. Fluid pressure drops through it.</a:t>
             </a:r>
           </a:p>
         </p:txBody>
@@ -6209,20 +5903,329 @@
           <p:cNvPr id="5" name="直線矢印コネクタ 4">
             <a:extLst>
               <a:ext uri="{FF2B5EF4-FFF2-40B4-BE49-F238E27FC236}">
-                <a16:creationId xmlns:a16="http://schemas.microsoft.com/office/drawing/2014/main" id="{2FEE87B6-ABA6-4740-9A65-4D2DDCCD0247}"/>
+                <a16:creationId xmlns:a16="http://schemas.microsoft.com/office/drawing/2014/main" id="{C79E121F-F0CC-4F90-98F0-169835AA5651}"/>
               </a:ext>
             </a:extLst>
           </p:cNvPr>
           <p:cNvCxnSpPr>
             <a:cxnSpLocks/>
-            <a:stCxn id="4" idx="0"/>
+            <a:stCxn id="4" idx="2"/>
           </p:cNvCxnSpPr>
           <p:nvPr/>
         </p:nvCxnSpPr>
         <p:spPr>
-          <a:xfrm flipH="1" flipV="1">
-            <a:off x="5212862" y="2832237"/>
-            <a:ext cx="1319116" cy="657606"/>
+          <a:xfrm>
+            <a:off x="7549340" y="1555610"/>
+            <a:ext cx="187891" cy="859344"/>
+          </a:xfrm>
+          <a:prstGeom prst="straightConnector1">
+            <a:avLst/>
+          </a:prstGeom>
+          <a:ln w="12700">
+            <a:solidFill>
+              <a:schemeClr val="tx1"/>
+            </a:solidFill>
+            <a:tailEnd type="oval"/>
+          </a:ln>
+        </p:spPr>
+        <p:style>
+          <a:lnRef idx="1">
+            <a:schemeClr val="accent1"/>
+          </a:lnRef>
+          <a:fillRef idx="0">
+            <a:schemeClr val="accent1"/>
+          </a:fillRef>
+          <a:effectRef idx="0">
+            <a:schemeClr val="accent1"/>
+          </a:effectRef>
+          <a:fontRef idx="minor">
+            <a:schemeClr val="tx1"/>
+          </a:fontRef>
+        </p:style>
+      </p:cxnSp>
+      <p:sp>
+        <p:nvSpPr>
+          <p:cNvPr id="8" name="テキスト ボックス 7">
+            <a:extLst>
+              <a:ext uri="{FF2B5EF4-FFF2-40B4-BE49-F238E27FC236}">
+                <a16:creationId xmlns:a16="http://schemas.microsoft.com/office/drawing/2014/main" id="{7FAA0FFC-04E5-4EAC-9A25-E150537C5562}"/>
+              </a:ext>
+            </a:extLst>
+          </p:cNvPr>
+          <p:cNvSpPr txBox="1"/>
+          <p:nvPr/>
+        </p:nvSpPr>
+        <p:spPr>
+          <a:xfrm>
+            <a:off x="6033798" y="5018733"/>
+            <a:ext cx="1374866" cy="401236"/>
+          </a:xfrm>
+          <a:prstGeom prst="rect">
+            <a:avLst/>
+          </a:prstGeom>
+          <a:solidFill>
+            <a:srgbClr val="92D050">
+              <a:alpha val="60000"/>
+            </a:srgbClr>
+          </a:solidFill>
+          <a:ln>
+            <a:solidFill>
+              <a:schemeClr val="tx1"/>
+            </a:solidFill>
+          </a:ln>
+        </p:spPr>
+        <p:txBody>
+          <a:bodyPr wrap="square" rtlCol="0">
+            <a:noAutofit/>
+          </a:bodyPr>
+          <a:lstStyle/>
+          <a:p>
+            <a:r>
+              <a:rPr lang="en-US" altLang="ja-JP" sz="907" dirty="0">
+                <a:latin typeface="ＭＳ Ｐゴシック" panose="020B0600070205080204" pitchFamily="50" charset="-128"/>
+                <a:ea typeface="ＭＳ Ｐゴシック" panose="020B0600070205080204" pitchFamily="50" charset="-128"/>
+                <a:cs typeface="Arial" panose="020B0604020202020204" pitchFamily="34" charset="0"/>
+              </a:rPr>
+              <a:t>Measure fluid power of pump.</a:t>
+            </a:r>
+          </a:p>
+        </p:txBody>
+      </p:sp>
+      <p:sp>
+        <p:nvSpPr>
+          <p:cNvPr id="10" name="テキスト ボックス 9">
+            <a:extLst>
+              <a:ext uri="{FF2B5EF4-FFF2-40B4-BE49-F238E27FC236}">
+                <a16:creationId xmlns:a16="http://schemas.microsoft.com/office/drawing/2014/main" id="{E9500157-EF71-48A7-8469-97D78802371A}"/>
+              </a:ext>
+            </a:extLst>
+          </p:cNvPr>
+          <p:cNvSpPr txBox="1"/>
+          <p:nvPr/>
+        </p:nvSpPr>
+        <p:spPr>
+          <a:xfrm>
+            <a:off x="6033798" y="5799016"/>
+            <a:ext cx="1374866" cy="617416"/>
+          </a:xfrm>
+          <a:prstGeom prst="rect">
+            <a:avLst/>
+          </a:prstGeom>
+          <a:solidFill>
+            <a:srgbClr val="92D050">
+              <a:alpha val="60000"/>
+            </a:srgbClr>
+          </a:solidFill>
+          <a:ln>
+            <a:solidFill>
+              <a:schemeClr val="tx1"/>
+            </a:solidFill>
+          </a:ln>
+        </p:spPr>
+        <p:txBody>
+          <a:bodyPr wrap="square" rtlCol="0">
+            <a:noAutofit/>
+          </a:bodyPr>
+          <a:lstStyle/>
+          <a:p>
+            <a:r>
+              <a:rPr lang="en-US" altLang="ja-JP" sz="907" dirty="0">
+                <a:latin typeface="ＭＳ Ｐゴシック" panose="020B0600070205080204" pitchFamily="50" charset="-128"/>
+                <a:ea typeface="ＭＳ Ｐゴシック" panose="020B0600070205080204" pitchFamily="50" charset="-128"/>
+                <a:cs typeface="Arial" panose="020B0604020202020204" pitchFamily="34" charset="0"/>
+              </a:rPr>
+              <a:t>Figure out mechanical power supplied to pump.</a:t>
+            </a:r>
+          </a:p>
+          <a:p>
+            <a:r>
+              <a:rPr lang="en-US" altLang="ja-JP" sz="907" dirty="0">
+                <a:latin typeface="ＭＳ Ｐゴシック" panose="020B0600070205080204" pitchFamily="50" charset="-128"/>
+                <a:ea typeface="ＭＳ Ｐゴシック" panose="020B0600070205080204" pitchFamily="50" charset="-128"/>
+                <a:cs typeface="Arial" panose="020B0604020202020204" pitchFamily="34" charset="0"/>
+              </a:rPr>
+              <a:t> = (fluid power) / eff.</a:t>
+            </a:r>
+          </a:p>
+        </p:txBody>
+      </p:sp>
+      <p:cxnSp>
+        <p:nvCxnSpPr>
+          <p:cNvPr id="11" name="直線矢印コネクタ 10">
+            <a:extLst>
+              <a:ext uri="{FF2B5EF4-FFF2-40B4-BE49-F238E27FC236}">
+                <a16:creationId xmlns:a16="http://schemas.microsoft.com/office/drawing/2014/main" id="{46BF62F1-8DDC-4421-BF53-C1DC87F7D5DF}"/>
+              </a:ext>
+            </a:extLst>
+          </p:cNvPr>
+          <p:cNvCxnSpPr>
+            <a:cxnSpLocks/>
+            <a:stCxn id="8" idx="1"/>
+          </p:cNvCxnSpPr>
+          <p:nvPr/>
+        </p:nvCxnSpPr>
+        <p:spPr>
+          <a:xfrm flipH="1">
+            <a:off x="5330092" y="5219351"/>
+            <a:ext cx="703706" cy="138097"/>
+          </a:xfrm>
+          <a:prstGeom prst="straightConnector1">
+            <a:avLst/>
+          </a:prstGeom>
+          <a:ln w="12700">
+            <a:solidFill>
+              <a:schemeClr val="tx1"/>
+            </a:solidFill>
+            <a:tailEnd type="oval"/>
+          </a:ln>
+        </p:spPr>
+        <p:style>
+          <a:lnRef idx="1">
+            <a:schemeClr val="accent1"/>
+          </a:lnRef>
+          <a:fillRef idx="0">
+            <a:schemeClr val="accent1"/>
+          </a:fillRef>
+          <a:effectRef idx="0">
+            <a:schemeClr val="accent1"/>
+          </a:effectRef>
+          <a:fontRef idx="minor">
+            <a:schemeClr val="tx1"/>
+          </a:fontRef>
+        </p:style>
+      </p:cxnSp>
+      <p:cxnSp>
+        <p:nvCxnSpPr>
+          <p:cNvPr id="12" name="直線矢印コネクタ 11">
+            <a:extLst>
+              <a:ext uri="{FF2B5EF4-FFF2-40B4-BE49-F238E27FC236}">
+                <a16:creationId xmlns:a16="http://schemas.microsoft.com/office/drawing/2014/main" id="{BC8563B2-B9B1-4ED6-9473-819DEA91980F}"/>
+              </a:ext>
+            </a:extLst>
+          </p:cNvPr>
+          <p:cNvCxnSpPr>
+            <a:cxnSpLocks/>
+            <a:stCxn id="10" idx="1"/>
+          </p:cNvCxnSpPr>
+          <p:nvPr/>
+        </p:nvCxnSpPr>
+        <p:spPr>
+          <a:xfrm flipH="1">
+            <a:off x="5197231" y="6107724"/>
+            <a:ext cx="836567" cy="0"/>
+          </a:xfrm>
+          <a:prstGeom prst="straightConnector1">
+            <a:avLst/>
+          </a:prstGeom>
+          <a:ln w="12700">
+            <a:solidFill>
+              <a:schemeClr val="tx1"/>
+            </a:solidFill>
+            <a:tailEnd type="oval"/>
+          </a:ln>
+        </p:spPr>
+        <p:style>
+          <a:lnRef idx="1">
+            <a:schemeClr val="accent1"/>
+          </a:lnRef>
+          <a:fillRef idx="0">
+            <a:schemeClr val="accent1"/>
+          </a:fillRef>
+          <a:effectRef idx="0">
+            <a:schemeClr val="accent1"/>
+          </a:effectRef>
+          <a:fontRef idx="minor">
+            <a:schemeClr val="tx1"/>
+          </a:fontRef>
+        </p:style>
+      </p:cxnSp>
+      <p:sp>
+        <p:nvSpPr>
+          <p:cNvPr id="18" name="テキスト ボックス 17">
+            <a:extLst>
+              <a:ext uri="{FF2B5EF4-FFF2-40B4-BE49-F238E27FC236}">
+                <a16:creationId xmlns:a16="http://schemas.microsoft.com/office/drawing/2014/main" id="{85FC3F84-DD89-40C6-98E7-A31B1E002E04}"/>
+              </a:ext>
+            </a:extLst>
+          </p:cNvPr>
+          <p:cNvSpPr txBox="1"/>
+          <p:nvPr/>
+        </p:nvSpPr>
+        <p:spPr>
+          <a:xfrm>
+            <a:off x="4841630" y="1070708"/>
+            <a:ext cx="1582616" cy="687749"/>
+          </a:xfrm>
+          <a:prstGeom prst="rect">
+            <a:avLst/>
+          </a:prstGeom>
+          <a:solidFill>
+            <a:srgbClr val="92D050">
+              <a:alpha val="60000"/>
+            </a:srgbClr>
+          </a:solidFill>
+          <a:ln>
+            <a:solidFill>
+              <a:schemeClr val="tx1"/>
+            </a:solidFill>
+          </a:ln>
+        </p:spPr>
+        <p:txBody>
+          <a:bodyPr wrap="square" rtlCol="0">
+            <a:noAutofit/>
+          </a:bodyPr>
+          <a:lstStyle/>
+          <a:p>
+            <a:r>
+              <a:rPr lang="en-US" altLang="ja-JP" sz="907" dirty="0">
+                <a:latin typeface="ＭＳ Ｐゴシック" panose="020B0600070205080204" pitchFamily="50" charset="-128"/>
+                <a:ea typeface="ＭＳ Ｐゴシック" panose="020B0600070205080204" pitchFamily="50" charset="-128"/>
+                <a:cs typeface="Arial" panose="020B0604020202020204" pitchFamily="34" charset="0"/>
+              </a:rPr>
+              <a:t>Centrifugal pump</a:t>
+            </a:r>
+          </a:p>
+          <a:p>
+            <a:r>
+              <a:rPr lang="en-US" altLang="ja-JP" sz="907" dirty="0">
+                <a:latin typeface="ＭＳ Ｐゴシック" panose="020B0600070205080204" pitchFamily="50" charset="-128"/>
+                <a:ea typeface="ＭＳ Ｐゴシック" panose="020B0600070205080204" pitchFamily="50" charset="-128"/>
+                <a:cs typeface="Arial" panose="020B0604020202020204" pitchFamily="34" charset="0"/>
+              </a:rPr>
+              <a:t>-. Constant efficiency.</a:t>
+            </a:r>
+          </a:p>
+          <a:p>
+            <a:r>
+              <a:rPr lang="en-US" altLang="ja-JP" sz="907" dirty="0">
+                <a:latin typeface="ＭＳ Ｐゴシック" panose="020B0600070205080204" pitchFamily="50" charset="-128"/>
+                <a:ea typeface="ＭＳ Ｐゴシック" panose="020B0600070205080204" pitchFamily="50" charset="-128"/>
+                <a:cs typeface="Arial" panose="020B0604020202020204" pitchFamily="34" charset="0"/>
+              </a:rPr>
+              <a:t>-. Mechanical interface is rotational speed signal.</a:t>
+            </a:r>
+          </a:p>
+        </p:txBody>
+      </p:sp>
+      <p:cxnSp>
+        <p:nvCxnSpPr>
+          <p:cNvPr id="19" name="直線矢印コネクタ 18">
+            <a:extLst>
+              <a:ext uri="{FF2B5EF4-FFF2-40B4-BE49-F238E27FC236}">
+                <a16:creationId xmlns:a16="http://schemas.microsoft.com/office/drawing/2014/main" id="{21414CA1-4114-4107-8A9E-08DFB5D574D4}"/>
+              </a:ext>
+            </a:extLst>
+          </p:cNvPr>
+          <p:cNvCxnSpPr>
+            <a:cxnSpLocks/>
+            <a:stCxn id="18" idx="2"/>
+          </p:cNvCxnSpPr>
+          <p:nvPr/>
+        </p:nvCxnSpPr>
+        <p:spPr>
+          <a:xfrm flipH="1">
+            <a:off x="4841632" y="1758457"/>
+            <a:ext cx="791306" cy="819640"/>
           </a:xfrm>
           <a:prstGeom prst="straightConnector1">
             <a:avLst/>
@@ -6252,7 +6255,7 @@
     </p:spTree>
     <p:extLst>
       <p:ext uri="{BB962C8B-B14F-4D97-AF65-F5344CB8AC3E}">
-        <p14:creationId xmlns:p14="http://schemas.microsoft.com/office/powerpoint/2010/main" val="474860025"/>
+        <p14:creationId xmlns:p14="http://schemas.microsoft.com/office/powerpoint/2010/main" val="3899844548"/>
       </p:ext>
     </p:extLst>
   </p:cSld>
@@ -6281,10 +6284,10 @@
       </p:grpSpPr>
       <p:pic>
         <p:nvPicPr>
-          <p:cNvPr id="3" name="図 2">
-            <a:extLst>
-              <a:ext uri="{FF2B5EF4-FFF2-40B4-BE49-F238E27FC236}">
-                <a16:creationId xmlns:a16="http://schemas.microsoft.com/office/drawing/2014/main" id="{7A25B6AD-23AD-45D7-8FD0-DFC2FDC14A23}"/>
+          <p:cNvPr id="5" name="図 4">
+            <a:extLst>
+              <a:ext uri="{FF2B5EF4-FFF2-40B4-BE49-F238E27FC236}">
+                <a16:creationId xmlns:a16="http://schemas.microsoft.com/office/drawing/2014/main" id="{151B9725-43FF-498D-9691-DC981022F103}"/>
               </a:ext>
             </a:extLst>
           </p:cNvPr>
@@ -6301,8 +6304,8 @@
         </p:blipFill>
         <p:spPr>
           <a:xfrm>
-            <a:off x="2346601" y="273538"/>
-            <a:ext cx="7200000" cy="5952000"/>
+            <a:off x="2137691" y="773724"/>
+            <a:ext cx="7200000" cy="5470353"/>
           </a:xfrm>
           <a:prstGeom prst="rect">
             <a:avLst/>
@@ -6311,10 +6314,10 @@
       </p:pic>
       <p:sp>
         <p:nvSpPr>
-          <p:cNvPr id="4" name="テキスト ボックス 3">
-            <a:extLst>
-              <a:ext uri="{FF2B5EF4-FFF2-40B4-BE49-F238E27FC236}">
-                <a16:creationId xmlns:a16="http://schemas.microsoft.com/office/drawing/2014/main" id="{BA5D9AE8-CE2D-435D-9B0E-793354633E54}"/>
+          <p:cNvPr id="6" name="テキスト ボックス 5">
+            <a:extLst>
+              <a:ext uri="{FF2B5EF4-FFF2-40B4-BE49-F238E27FC236}">
+                <a16:creationId xmlns:a16="http://schemas.microsoft.com/office/drawing/2014/main" id="{590FD1A6-C84B-4F78-B17B-70C4A2EC5A02}"/>
               </a:ext>
             </a:extLst>
           </p:cNvPr>
@@ -6323,14 +6326,17 @@
         </p:nvSpPr>
         <p:spPr>
           <a:xfrm>
-            <a:off x="5880921" y="3653966"/>
-            <a:ext cx="1793787" cy="410034"/>
+            <a:off x="3526017" y="2215717"/>
+            <a:ext cx="1914473" cy="407083"/>
           </a:xfrm>
           <a:prstGeom prst="rect">
             <a:avLst/>
           </a:prstGeom>
           <a:solidFill>
-            <a:srgbClr val="FFFF00"/>
+            <a:schemeClr val="accent5">
+              <a:lumMod val="40000"/>
+              <a:lumOff val="60000"/>
+            </a:schemeClr>
           </a:solidFill>
           <a:ln>
             <a:solidFill>
@@ -6345,43 +6351,44 @@
           <a:lstStyle/>
           <a:p>
             <a:r>
-              <a:rPr lang="en-US" altLang="ja-JP" sz="726" dirty="0">
-                <a:latin typeface="Arial" panose="020B0604020202020204" pitchFamily="34" charset="0"/>
+              <a:rPr lang="en-US" altLang="ja-JP" sz="907" dirty="0">
+                <a:latin typeface="ＭＳ Ｐゴシック" panose="020B0600070205080204" pitchFamily="50" charset="-128"/>
+                <a:ea typeface="ＭＳ Ｐゴシック" panose="020B0600070205080204" pitchFamily="50" charset="-128"/>
                 <a:cs typeface="Arial" panose="020B0604020202020204" pitchFamily="34" charset="0"/>
               </a:rPr>
-              <a:t>Output: </a:t>
-            </a:r>
-          </a:p>
-          <a:p>
-            <a:r>
-              <a:rPr lang="en-US" altLang="ja-JP" sz="726" dirty="0">
-                <a:latin typeface="Arial" panose="020B0604020202020204" pitchFamily="34" charset="0"/>
+              <a:t>Input: </a:t>
+            </a:r>
+          </a:p>
+          <a:p>
+            <a:r>
+              <a:rPr lang="en-US" altLang="ja-JP" sz="907" dirty="0">
+                <a:latin typeface="ＭＳ Ｐゴシック" panose="020B0600070205080204" pitchFamily="50" charset="-128"/>
+                <a:ea typeface="ＭＳ Ｐゴシック" panose="020B0600070205080204" pitchFamily="50" charset="-128"/>
                 <a:cs typeface="Arial" panose="020B0604020202020204" pitchFamily="34" charset="0"/>
               </a:rPr>
-              <a:t> pump discharge pressure. </a:t>
+              <a:t> mechanical rotary speed of pump.</a:t>
             </a:r>
           </a:p>
         </p:txBody>
       </p:sp>
       <p:cxnSp>
         <p:nvCxnSpPr>
-          <p:cNvPr id="5" name="直線矢印コネクタ 4">
-            <a:extLst>
-              <a:ext uri="{FF2B5EF4-FFF2-40B4-BE49-F238E27FC236}">
-                <a16:creationId xmlns:a16="http://schemas.microsoft.com/office/drawing/2014/main" id="{DF36E8F1-2087-4BE5-8449-36D6BFA5051F}"/>
+          <p:cNvPr id="7" name="直線矢印コネクタ 6">
+            <a:extLst>
+              <a:ext uri="{FF2B5EF4-FFF2-40B4-BE49-F238E27FC236}">
+                <a16:creationId xmlns:a16="http://schemas.microsoft.com/office/drawing/2014/main" id="{88384F1C-3373-4685-B928-3D6F7902F320}"/>
               </a:ext>
             </a:extLst>
           </p:cNvPr>
           <p:cNvCxnSpPr>
             <a:cxnSpLocks/>
-            <a:stCxn id="4" idx="0"/>
           </p:cNvCxnSpPr>
           <p:nvPr/>
         </p:nvCxnSpPr>
         <p:spPr>
-          <a:xfrm flipH="1" flipV="1">
-            <a:off x="5541109" y="2996360"/>
-            <a:ext cx="1236706" cy="657606"/>
+          <a:xfrm>
+            <a:off x="4506924" y="2622802"/>
+            <a:ext cx="568379" cy="571738"/>
           </a:xfrm>
           <a:prstGeom prst="straightConnector1">
             <a:avLst/>
@@ -6411,7 +6418,7 @@
     </p:spTree>
     <p:extLst>
       <p:ext uri="{BB962C8B-B14F-4D97-AF65-F5344CB8AC3E}">
-        <p14:creationId xmlns:p14="http://schemas.microsoft.com/office/powerpoint/2010/main" val="1415553495"/>
+        <p14:creationId xmlns:p14="http://schemas.microsoft.com/office/powerpoint/2010/main" val="738699800"/>
       </p:ext>
     </p:extLst>
   </p:cSld>
@@ -6443,7 +6450,7 @@
           <p:cNvPr id="3" name="図 2">
             <a:extLst>
               <a:ext uri="{FF2B5EF4-FFF2-40B4-BE49-F238E27FC236}">
-                <a16:creationId xmlns:a16="http://schemas.microsoft.com/office/drawing/2014/main" id="{5062FAD6-9806-4931-A987-BA4A99AE7E20}"/>
+                <a16:creationId xmlns:a16="http://schemas.microsoft.com/office/drawing/2014/main" id="{1C487AC6-F5CF-4F1B-BB9C-F82469CBDAE8}"/>
               </a:ext>
             </a:extLst>
           </p:cNvPr>
@@ -6460,8 +6467,8 @@
         </p:blipFill>
         <p:spPr>
           <a:xfrm>
-            <a:off x="2339676" y="312617"/>
-            <a:ext cx="7200000" cy="5953279"/>
+            <a:off x="2204970" y="459278"/>
+            <a:ext cx="7200000" cy="5939444"/>
           </a:xfrm>
           <a:prstGeom prst="rect">
             <a:avLst/>
@@ -6473,7 +6480,7 @@
           <p:cNvPr id="4" name="テキスト ボックス 3">
             <a:extLst>
               <a:ext uri="{FF2B5EF4-FFF2-40B4-BE49-F238E27FC236}">
-                <a16:creationId xmlns:a16="http://schemas.microsoft.com/office/drawing/2014/main" id="{F469F08B-5F48-4326-B87C-AFD39A008171}"/>
+                <a16:creationId xmlns:a16="http://schemas.microsoft.com/office/drawing/2014/main" id="{1D7B468F-5EC7-48EB-90C5-9937D9CACF18}"/>
               </a:ext>
             </a:extLst>
           </p:cNvPr>
@@ -6482,8 +6489,8 @@
         </p:nvSpPr>
         <p:spPr>
           <a:xfrm>
-            <a:off x="5880921" y="3653966"/>
-            <a:ext cx="1958606" cy="503819"/>
+            <a:off x="5552675" y="3489843"/>
+            <a:ext cx="1958606" cy="363142"/>
           </a:xfrm>
           <a:prstGeom prst="rect">
             <a:avLst/>
@@ -6517,7 +6524,7 @@
                 <a:latin typeface="Arial" panose="020B0604020202020204" pitchFamily="34" charset="0"/>
                 <a:cs typeface="Arial" panose="020B0604020202020204" pitchFamily="34" charset="0"/>
               </a:rPr>
-              <a:t>Pump’s volumetric flow rate vs. mechanical rotation speed. </a:t>
+              <a:t>Volumetric flow rate through pump. </a:t>
             </a:r>
           </a:p>
         </p:txBody>
@@ -6527,7 +6534,7 @@
           <p:cNvPr id="5" name="直線矢印コネクタ 4">
             <a:extLst>
               <a:ext uri="{FF2B5EF4-FFF2-40B4-BE49-F238E27FC236}">
-                <a16:creationId xmlns:a16="http://schemas.microsoft.com/office/drawing/2014/main" id="{E54D1A40-5CC9-48BB-908A-E7534FBA6F65}"/>
+                <a16:creationId xmlns:a16="http://schemas.microsoft.com/office/drawing/2014/main" id="{2FEE87B6-ABA6-4740-9A65-4D2DDCCD0247}"/>
               </a:ext>
             </a:extLst>
           </p:cNvPr>
@@ -6539,7 +6546,7 @@
         </p:nvCxnSpPr>
         <p:spPr>
           <a:xfrm flipH="1" flipV="1">
-            <a:off x="5541108" y="2996360"/>
+            <a:off x="5212862" y="2832237"/>
             <a:ext cx="1319116" cy="657606"/>
           </a:xfrm>
           <a:prstGeom prst="straightConnector1">
@@ -6570,7 +6577,7 @@
     </p:spTree>
     <p:extLst>
       <p:ext uri="{BB962C8B-B14F-4D97-AF65-F5344CB8AC3E}">
-        <p14:creationId xmlns:p14="http://schemas.microsoft.com/office/powerpoint/2010/main" val="2145396475"/>
+        <p14:creationId xmlns:p14="http://schemas.microsoft.com/office/powerpoint/2010/main" val="474860025"/>
       </p:ext>
     </p:extLst>
   </p:cSld>
@@ -6599,10 +6606,10 @@
       </p:grpSpPr>
       <p:pic>
         <p:nvPicPr>
-          <p:cNvPr id="7" name="図 6">
-            <a:extLst>
-              <a:ext uri="{FF2B5EF4-FFF2-40B4-BE49-F238E27FC236}">
-                <a16:creationId xmlns:a16="http://schemas.microsoft.com/office/drawing/2014/main" id="{03D31450-F6D0-433D-A663-37C0CC25ED04}"/>
+          <p:cNvPr id="3" name="図 2">
+            <a:extLst>
+              <a:ext uri="{FF2B5EF4-FFF2-40B4-BE49-F238E27FC236}">
+                <a16:creationId xmlns:a16="http://schemas.microsoft.com/office/drawing/2014/main" id="{7A25B6AD-23AD-45D7-8FD0-DFC2FDC14A23}"/>
               </a:ext>
             </a:extLst>
           </p:cNvPr>
@@ -6619,8 +6626,8 @@
         </p:blipFill>
         <p:spPr>
           <a:xfrm>
-            <a:off x="2087095" y="390769"/>
-            <a:ext cx="7200000" cy="5938524"/>
+            <a:off x="2346601" y="273538"/>
+            <a:ext cx="7200000" cy="5952000"/>
           </a:xfrm>
           <a:prstGeom prst="rect">
             <a:avLst/>
@@ -6632,7 +6639,7 @@
           <p:cNvPr id="4" name="テキスト ボックス 3">
             <a:extLst>
               <a:ext uri="{FF2B5EF4-FFF2-40B4-BE49-F238E27FC236}">
-                <a16:creationId xmlns:a16="http://schemas.microsoft.com/office/drawing/2014/main" id="{193DBA5B-7DFA-4C01-ADF9-301D1F62C15D}"/>
+                <a16:creationId xmlns:a16="http://schemas.microsoft.com/office/drawing/2014/main" id="{BA5D9AE8-CE2D-435D-9B0E-793354633E54}"/>
               </a:ext>
             </a:extLst>
           </p:cNvPr>
@@ -6641,8 +6648,8 @@
         </p:nvSpPr>
         <p:spPr>
           <a:xfrm>
-            <a:off x="5919996" y="3653966"/>
-            <a:ext cx="1958606" cy="472557"/>
+            <a:off x="5880921" y="3653966"/>
+            <a:ext cx="1793787" cy="410034"/>
           </a:xfrm>
           <a:prstGeom prst="rect">
             <a:avLst/>
@@ -6676,44 +6683,7 @@
                 <a:latin typeface="Arial" panose="020B0604020202020204" pitchFamily="34" charset="0"/>
                 <a:cs typeface="Arial" panose="020B0604020202020204" pitchFamily="34" charset="0"/>
               </a:rPr>
-              <a:t>-. (</a:t>
-            </a:r>
-            <a:r>
-              <a:rPr lang="en-US" altLang="ja-JP" sz="726" dirty="0" err="1">
-                <a:latin typeface="Arial" panose="020B0604020202020204" pitchFamily="34" charset="0"/>
-                <a:cs typeface="Arial" panose="020B0604020202020204" pitchFamily="34" charset="0"/>
-              </a:rPr>
-              <a:t>pump.V_flow</a:t>
-            </a:r>
-            <a:r>
-              <a:rPr lang="en-US" altLang="ja-JP" sz="726" dirty="0">
-                <a:latin typeface="Arial" panose="020B0604020202020204" pitchFamily="34" charset="0"/>
-                <a:cs typeface="Arial" panose="020B0604020202020204" pitchFamily="34" charset="0"/>
-              </a:rPr>
-              <a:t>)*</a:t>
-            </a:r>
-            <a:r>
-              <a:rPr lang="en-US" altLang="ja-JP" sz="726" dirty="0" err="1">
-                <a:latin typeface="Arial" panose="020B0604020202020204" pitchFamily="34" charset="0"/>
-                <a:cs typeface="Arial" panose="020B0604020202020204" pitchFamily="34" charset="0"/>
-              </a:rPr>
-              <a:t>dP</a:t>
-            </a:r>
-            <a:r>
-              <a:rPr lang="en-US" altLang="ja-JP" sz="726" dirty="0">
-                <a:latin typeface="Arial" panose="020B0604020202020204" pitchFamily="34" charset="0"/>
-                <a:cs typeface="Arial" panose="020B0604020202020204" pitchFamily="34" charset="0"/>
-              </a:rPr>
-              <a:t> </a:t>
-            </a:r>
-          </a:p>
-          <a:p>
-            <a:r>
-              <a:rPr lang="en-US" altLang="ja-JP" sz="726" dirty="0">
-                <a:latin typeface="Arial" panose="020B0604020202020204" pitchFamily="34" charset="0"/>
-                <a:cs typeface="Arial" panose="020B0604020202020204" pitchFamily="34" charset="0"/>
-              </a:rPr>
-              <a:t>-. Increase in “flow power”</a:t>
+              <a:t> pump discharge pressure. </a:t>
             </a:r>
           </a:p>
         </p:txBody>
@@ -6723,7 +6693,7 @@
           <p:cNvPr id="5" name="直線矢印コネクタ 4">
             <a:extLst>
               <a:ext uri="{FF2B5EF4-FFF2-40B4-BE49-F238E27FC236}">
-                <a16:creationId xmlns:a16="http://schemas.microsoft.com/office/drawing/2014/main" id="{3DEA03F3-F025-4402-AA40-F83E47CC2D29}"/>
+                <a16:creationId xmlns:a16="http://schemas.microsoft.com/office/drawing/2014/main" id="{DF36E8F1-2087-4BE5-8449-36D6BFA5051F}"/>
               </a:ext>
             </a:extLst>
           </p:cNvPr>
@@ -6735,164 +6705,8 @@
         </p:nvCxnSpPr>
         <p:spPr>
           <a:xfrm flipH="1" flipV="1">
-            <a:off x="5580183" y="2996360"/>
-            <a:ext cx="1319116" cy="657606"/>
-          </a:xfrm>
-          <a:prstGeom prst="straightConnector1">
-            <a:avLst/>
-          </a:prstGeom>
-          <a:ln w="12700">
-            <a:solidFill>
-              <a:schemeClr val="tx1"/>
-            </a:solidFill>
-            <a:tailEnd type="oval"/>
-          </a:ln>
-        </p:spPr>
-        <p:style>
-          <a:lnRef idx="1">
-            <a:schemeClr val="accent1"/>
-          </a:lnRef>
-          <a:fillRef idx="0">
-            <a:schemeClr val="accent1"/>
-          </a:fillRef>
-          <a:effectRef idx="0">
-            <a:schemeClr val="accent1"/>
-          </a:effectRef>
-          <a:fontRef idx="minor">
-            <a:schemeClr val="tx1"/>
-          </a:fontRef>
-        </p:style>
-      </p:cxnSp>
-      <p:sp>
-        <p:nvSpPr>
-          <p:cNvPr id="9" name="テキスト ボックス 8">
-            <a:extLst>
-              <a:ext uri="{FF2B5EF4-FFF2-40B4-BE49-F238E27FC236}">
-                <a16:creationId xmlns:a16="http://schemas.microsoft.com/office/drawing/2014/main" id="{54F4D325-B887-4578-B3A6-159D47205E94}"/>
-              </a:ext>
-            </a:extLst>
-          </p:cNvPr>
-          <p:cNvSpPr txBox="1"/>
-          <p:nvPr/>
-        </p:nvSpPr>
-        <p:spPr>
-          <a:xfrm>
-            <a:off x="3053397" y="1352334"/>
-            <a:ext cx="1958606" cy="554619"/>
-          </a:xfrm>
-          <a:prstGeom prst="rect">
-            <a:avLst/>
-          </a:prstGeom>
-          <a:solidFill>
-            <a:srgbClr val="FFFF00"/>
-          </a:solidFill>
-          <a:ln>
-            <a:solidFill>
-              <a:schemeClr val="tx1"/>
-            </a:solidFill>
-          </a:ln>
-        </p:spPr>
-        <p:txBody>
-          <a:bodyPr wrap="square" rtlCol="0">
-            <a:noAutofit/>
-          </a:bodyPr>
-          <a:lstStyle/>
-          <a:p>
-            <a:r>
-              <a:rPr lang="en-US" altLang="ja-JP" sz="726" dirty="0">
-                <a:latin typeface="Arial" panose="020B0604020202020204" pitchFamily="34" charset="0"/>
-                <a:cs typeface="Arial" panose="020B0604020202020204" pitchFamily="34" charset="0"/>
-              </a:rPr>
-              <a:t>Output: </a:t>
-            </a:r>
-          </a:p>
-          <a:p>
-            <a:r>
-              <a:rPr lang="en-US" altLang="ja-JP" sz="726" dirty="0">
-                <a:latin typeface="Arial" panose="020B0604020202020204" pitchFamily="34" charset="0"/>
-                <a:cs typeface="Arial" panose="020B0604020202020204" pitchFamily="34" charset="0"/>
-              </a:rPr>
-              <a:t>-. Mechanical power consumed by pump.</a:t>
-            </a:r>
-          </a:p>
-          <a:p>
-            <a:r>
-              <a:rPr lang="en-US" altLang="ja-JP" sz="726" dirty="0">
-                <a:latin typeface="Arial" panose="020B0604020202020204" pitchFamily="34" charset="0"/>
-                <a:cs typeface="Arial" panose="020B0604020202020204" pitchFamily="34" charset="0"/>
-              </a:rPr>
-              <a:t>-. (</a:t>
-            </a:r>
-            <a:r>
-              <a:rPr lang="en-US" altLang="ja-JP" sz="726" dirty="0" err="1">
-                <a:latin typeface="Arial" panose="020B0604020202020204" pitchFamily="34" charset="0"/>
-                <a:cs typeface="Arial" panose="020B0604020202020204" pitchFamily="34" charset="0"/>
-              </a:rPr>
-              <a:t>pump.V_flow</a:t>
-            </a:r>
-            <a:r>
-              <a:rPr lang="en-US" altLang="ja-JP" sz="726" dirty="0">
-                <a:latin typeface="Arial" panose="020B0604020202020204" pitchFamily="34" charset="0"/>
-                <a:cs typeface="Arial" panose="020B0604020202020204" pitchFamily="34" charset="0"/>
-              </a:rPr>
-              <a:t>)*</a:t>
-            </a:r>
-            <a:r>
-              <a:rPr lang="en-US" altLang="ja-JP" sz="726" dirty="0" err="1">
-                <a:latin typeface="Arial" panose="020B0604020202020204" pitchFamily="34" charset="0"/>
-                <a:cs typeface="Arial" panose="020B0604020202020204" pitchFamily="34" charset="0"/>
-              </a:rPr>
-              <a:t>dP</a:t>
-            </a:r>
-            <a:r>
-              <a:rPr lang="en-US" altLang="ja-JP" sz="726" dirty="0">
-                <a:latin typeface="Arial" panose="020B0604020202020204" pitchFamily="34" charset="0"/>
-                <a:cs typeface="Arial" panose="020B0604020202020204" pitchFamily="34" charset="0"/>
-              </a:rPr>
-              <a:t> / </a:t>
-            </a:r>
-            <a:r>
-              <a:rPr lang="en-US" altLang="ja-JP" sz="726" dirty="0" err="1">
-                <a:latin typeface="Arial" panose="020B0604020202020204" pitchFamily="34" charset="0"/>
-                <a:cs typeface="Arial" panose="020B0604020202020204" pitchFamily="34" charset="0"/>
-              </a:rPr>
-              <a:t>pump.eta</a:t>
-            </a:r>
-            <a:endParaRPr lang="en-US" altLang="ja-JP" sz="726" dirty="0">
-              <a:latin typeface="Arial" panose="020B0604020202020204" pitchFamily="34" charset="0"/>
-              <a:cs typeface="Arial" panose="020B0604020202020204" pitchFamily="34" charset="0"/>
-            </a:endParaRPr>
-          </a:p>
-          <a:p>
-            <a:r>
-              <a:rPr lang="en-US" altLang="ja-JP" sz="726" dirty="0">
-                <a:latin typeface="Arial" panose="020B0604020202020204" pitchFamily="34" charset="0"/>
-                <a:cs typeface="Arial" panose="020B0604020202020204" pitchFamily="34" charset="0"/>
-              </a:rPr>
-              <a:t>-. 2 variables are equal.</a:t>
-            </a:r>
-          </a:p>
-        </p:txBody>
-      </p:sp>
-      <p:cxnSp>
-        <p:nvCxnSpPr>
-          <p:cNvPr id="10" name="直線矢印コネクタ 9">
-            <a:extLst>
-              <a:ext uri="{FF2B5EF4-FFF2-40B4-BE49-F238E27FC236}">
-                <a16:creationId xmlns:a16="http://schemas.microsoft.com/office/drawing/2014/main" id="{EEE66A67-3B66-489B-904A-5D83F6C88305}"/>
-              </a:ext>
-            </a:extLst>
-          </p:cNvPr>
-          <p:cNvCxnSpPr>
-            <a:cxnSpLocks/>
-            <a:stCxn id="9" idx="2"/>
-          </p:cNvCxnSpPr>
-          <p:nvPr/>
-        </p:nvCxnSpPr>
-        <p:spPr>
-          <a:xfrm>
-            <a:off x="4032700" y="1906953"/>
-            <a:ext cx="1430254" cy="672124"/>
+            <a:off x="5541109" y="2996360"/>
+            <a:ext cx="1236706" cy="657606"/>
           </a:xfrm>
           <a:prstGeom prst="straightConnector1">
             <a:avLst/>
@@ -6922,7 +6736,7 @@
     </p:spTree>
     <p:extLst>
       <p:ext uri="{BB962C8B-B14F-4D97-AF65-F5344CB8AC3E}">
-        <p14:creationId xmlns:p14="http://schemas.microsoft.com/office/powerpoint/2010/main" val="1756224762"/>
+        <p14:creationId xmlns:p14="http://schemas.microsoft.com/office/powerpoint/2010/main" val="1415553495"/>
       </p:ext>
     </p:extLst>
   </p:cSld>
@@ -6954,7 +6768,7 @@
           <p:cNvPr id="3" name="図 2">
             <a:extLst>
               <a:ext uri="{FF2B5EF4-FFF2-40B4-BE49-F238E27FC236}">
-                <a16:creationId xmlns:a16="http://schemas.microsoft.com/office/drawing/2014/main" id="{2BE978F4-586D-475D-B704-968E807F853A}"/>
+                <a16:creationId xmlns:a16="http://schemas.microsoft.com/office/drawing/2014/main" id="{5062FAD6-9806-4931-A987-BA4A99AE7E20}"/>
               </a:ext>
             </a:extLst>
           </p:cNvPr>
@@ -6971,8 +6785,8 @@
         </p:blipFill>
         <p:spPr>
           <a:xfrm>
-            <a:off x="2153882" y="296984"/>
-            <a:ext cx="7200000" cy="5955828"/>
+            <a:off x="2339676" y="312617"/>
+            <a:ext cx="7200000" cy="5953279"/>
           </a:xfrm>
           <a:prstGeom prst="rect">
             <a:avLst/>
@@ -6984,7 +6798,7 @@
           <p:cNvPr id="4" name="テキスト ボックス 3">
             <a:extLst>
               <a:ext uri="{FF2B5EF4-FFF2-40B4-BE49-F238E27FC236}">
-                <a16:creationId xmlns:a16="http://schemas.microsoft.com/office/drawing/2014/main" id="{E1764FBC-F0DE-408B-948F-FB08C41F07B5}"/>
+                <a16:creationId xmlns:a16="http://schemas.microsoft.com/office/drawing/2014/main" id="{F469F08B-5F48-4326-B87C-AFD39A008171}"/>
               </a:ext>
             </a:extLst>
           </p:cNvPr>
@@ -6993,8 +6807,8 @@
         </p:nvSpPr>
         <p:spPr>
           <a:xfrm>
-            <a:off x="6435813" y="4505843"/>
-            <a:ext cx="1958606" cy="462788"/>
+            <a:off x="5880921" y="3653966"/>
+            <a:ext cx="1958606" cy="503819"/>
           </a:xfrm>
           <a:prstGeom prst="rect">
             <a:avLst/>
@@ -7028,7 +6842,7 @@
                 <a:latin typeface="Arial" panose="020B0604020202020204" pitchFamily="34" charset="0"/>
                 <a:cs typeface="Arial" panose="020B0604020202020204" pitchFamily="34" charset="0"/>
               </a:rPr>
-              <a:t> mechanical power consumption of pump vs. mechanical rotation speed.</a:t>
+              <a:t>Pump’s volumetric flow rate vs. mechanical rotation speed. </a:t>
             </a:r>
           </a:p>
         </p:txBody>
@@ -7038,7 +6852,7 @@
           <p:cNvPr id="5" name="直線矢印コネクタ 4">
             <a:extLst>
               <a:ext uri="{FF2B5EF4-FFF2-40B4-BE49-F238E27FC236}">
-                <a16:creationId xmlns:a16="http://schemas.microsoft.com/office/drawing/2014/main" id="{84091E39-0270-4BCC-8230-3AC2404CB003}"/>
+                <a16:creationId xmlns:a16="http://schemas.microsoft.com/office/drawing/2014/main" id="{E54D1A40-5CC9-48BB-908A-E7534FBA6F65}"/>
               </a:ext>
             </a:extLst>
           </p:cNvPr>
@@ -7050,7 +6864,7 @@
         </p:nvCxnSpPr>
         <p:spPr>
           <a:xfrm flipH="1" flipV="1">
-            <a:off x="6096000" y="3848237"/>
+            <a:off x="5541108" y="2996360"/>
             <a:ext cx="1319116" cy="657606"/>
           </a:xfrm>
           <a:prstGeom prst="straightConnector1">
@@ -7081,7 +6895,7 @@
     </p:spTree>
     <p:extLst>
       <p:ext uri="{BB962C8B-B14F-4D97-AF65-F5344CB8AC3E}">
-        <p14:creationId xmlns:p14="http://schemas.microsoft.com/office/powerpoint/2010/main" val="4070988130"/>
+        <p14:creationId xmlns:p14="http://schemas.microsoft.com/office/powerpoint/2010/main" val="2145396475"/>
       </p:ext>
     </p:extLst>
   </p:cSld>
@@ -7110,10 +6924,10 @@
       </p:grpSpPr>
       <p:pic>
         <p:nvPicPr>
-          <p:cNvPr id="4" name="図 3">
-            <a:extLst>
-              <a:ext uri="{FF2B5EF4-FFF2-40B4-BE49-F238E27FC236}">
-                <a16:creationId xmlns:a16="http://schemas.microsoft.com/office/drawing/2014/main" id="{85F83BE9-A5CE-4120-A63E-1D6A94C5204C}"/>
+          <p:cNvPr id="7" name="図 6">
+            <a:extLst>
+              <a:ext uri="{FF2B5EF4-FFF2-40B4-BE49-F238E27FC236}">
+                <a16:creationId xmlns:a16="http://schemas.microsoft.com/office/drawing/2014/main" id="{03D31450-F6D0-433D-A663-37C0CC25ED04}"/>
               </a:ext>
             </a:extLst>
           </p:cNvPr>
@@ -7130,18 +6944,310 @@
         </p:blipFill>
         <p:spPr>
           <a:xfrm>
-            <a:off x="1881121" y="1465031"/>
-            <a:ext cx="4584589" cy="2755631"/>
+            <a:off x="2087095" y="390769"/>
+            <a:ext cx="7200000" cy="5938524"/>
           </a:xfrm>
           <a:prstGeom prst="rect">
             <a:avLst/>
           </a:prstGeom>
         </p:spPr>
       </p:pic>
+      <p:sp>
+        <p:nvSpPr>
+          <p:cNvPr id="4" name="テキスト ボックス 3">
+            <a:extLst>
+              <a:ext uri="{FF2B5EF4-FFF2-40B4-BE49-F238E27FC236}">
+                <a16:creationId xmlns:a16="http://schemas.microsoft.com/office/drawing/2014/main" id="{193DBA5B-7DFA-4C01-ADF9-301D1F62C15D}"/>
+              </a:ext>
+            </a:extLst>
+          </p:cNvPr>
+          <p:cNvSpPr txBox="1"/>
+          <p:nvPr/>
+        </p:nvSpPr>
+        <p:spPr>
+          <a:xfrm>
+            <a:off x="5919996" y="3653966"/>
+            <a:ext cx="1958606" cy="472557"/>
+          </a:xfrm>
+          <a:prstGeom prst="rect">
+            <a:avLst/>
+          </a:prstGeom>
+          <a:solidFill>
+            <a:srgbClr val="FFFF00"/>
+          </a:solidFill>
+          <a:ln>
+            <a:solidFill>
+              <a:schemeClr val="tx1"/>
+            </a:solidFill>
+          </a:ln>
+        </p:spPr>
+        <p:txBody>
+          <a:bodyPr wrap="square" rtlCol="0">
+            <a:noAutofit/>
+          </a:bodyPr>
+          <a:lstStyle/>
+          <a:p>
+            <a:r>
+              <a:rPr lang="en-US" altLang="ja-JP" sz="726" dirty="0">
+                <a:latin typeface="Arial" panose="020B0604020202020204" pitchFamily="34" charset="0"/>
+                <a:cs typeface="Arial" panose="020B0604020202020204" pitchFamily="34" charset="0"/>
+              </a:rPr>
+              <a:t>Output: </a:t>
+            </a:r>
+          </a:p>
+          <a:p>
+            <a:r>
+              <a:rPr lang="en-US" altLang="ja-JP" sz="726" dirty="0">
+                <a:latin typeface="Arial" panose="020B0604020202020204" pitchFamily="34" charset="0"/>
+                <a:cs typeface="Arial" panose="020B0604020202020204" pitchFamily="34" charset="0"/>
+              </a:rPr>
+              <a:t>-. (</a:t>
+            </a:r>
+            <a:r>
+              <a:rPr lang="en-US" altLang="ja-JP" sz="726" dirty="0" err="1">
+                <a:latin typeface="Arial" panose="020B0604020202020204" pitchFamily="34" charset="0"/>
+                <a:cs typeface="Arial" panose="020B0604020202020204" pitchFamily="34" charset="0"/>
+              </a:rPr>
+              <a:t>pump.V_flow</a:t>
+            </a:r>
+            <a:r>
+              <a:rPr lang="en-US" altLang="ja-JP" sz="726" dirty="0">
+                <a:latin typeface="Arial" panose="020B0604020202020204" pitchFamily="34" charset="0"/>
+                <a:cs typeface="Arial" panose="020B0604020202020204" pitchFamily="34" charset="0"/>
+              </a:rPr>
+              <a:t>)*</a:t>
+            </a:r>
+            <a:r>
+              <a:rPr lang="en-US" altLang="ja-JP" sz="726" dirty="0" err="1">
+                <a:latin typeface="Arial" panose="020B0604020202020204" pitchFamily="34" charset="0"/>
+                <a:cs typeface="Arial" panose="020B0604020202020204" pitchFamily="34" charset="0"/>
+              </a:rPr>
+              <a:t>dP</a:t>
+            </a:r>
+            <a:r>
+              <a:rPr lang="en-US" altLang="ja-JP" sz="726" dirty="0">
+                <a:latin typeface="Arial" panose="020B0604020202020204" pitchFamily="34" charset="0"/>
+                <a:cs typeface="Arial" panose="020B0604020202020204" pitchFamily="34" charset="0"/>
+              </a:rPr>
+              <a:t> </a:t>
+            </a:r>
+          </a:p>
+          <a:p>
+            <a:r>
+              <a:rPr lang="en-US" altLang="ja-JP" sz="726" dirty="0">
+                <a:latin typeface="Arial" panose="020B0604020202020204" pitchFamily="34" charset="0"/>
+                <a:cs typeface="Arial" panose="020B0604020202020204" pitchFamily="34" charset="0"/>
+              </a:rPr>
+              <a:t>-. Increase in “flow power”</a:t>
+            </a:r>
+          </a:p>
+        </p:txBody>
+      </p:sp>
+      <p:cxnSp>
+        <p:nvCxnSpPr>
+          <p:cNvPr id="5" name="直線矢印コネクタ 4">
+            <a:extLst>
+              <a:ext uri="{FF2B5EF4-FFF2-40B4-BE49-F238E27FC236}">
+                <a16:creationId xmlns:a16="http://schemas.microsoft.com/office/drawing/2014/main" id="{3DEA03F3-F025-4402-AA40-F83E47CC2D29}"/>
+              </a:ext>
+            </a:extLst>
+          </p:cNvPr>
+          <p:cNvCxnSpPr>
+            <a:cxnSpLocks/>
+            <a:stCxn id="4" idx="0"/>
+          </p:cNvCxnSpPr>
+          <p:nvPr/>
+        </p:nvCxnSpPr>
+        <p:spPr>
+          <a:xfrm flipH="1" flipV="1">
+            <a:off x="5580183" y="2996360"/>
+            <a:ext cx="1319116" cy="657606"/>
+          </a:xfrm>
+          <a:prstGeom prst="straightConnector1">
+            <a:avLst/>
+          </a:prstGeom>
+          <a:ln w="12700">
+            <a:solidFill>
+              <a:schemeClr val="tx1"/>
+            </a:solidFill>
+            <a:tailEnd type="oval"/>
+          </a:ln>
+        </p:spPr>
+        <p:style>
+          <a:lnRef idx="1">
+            <a:schemeClr val="accent1"/>
+          </a:lnRef>
+          <a:fillRef idx="0">
+            <a:schemeClr val="accent1"/>
+          </a:fillRef>
+          <a:effectRef idx="0">
+            <a:schemeClr val="accent1"/>
+          </a:effectRef>
+          <a:fontRef idx="minor">
+            <a:schemeClr val="tx1"/>
+          </a:fontRef>
+        </p:style>
+      </p:cxnSp>
+      <p:sp>
+        <p:nvSpPr>
+          <p:cNvPr id="9" name="テキスト ボックス 8">
+            <a:extLst>
+              <a:ext uri="{FF2B5EF4-FFF2-40B4-BE49-F238E27FC236}">
+                <a16:creationId xmlns:a16="http://schemas.microsoft.com/office/drawing/2014/main" id="{54F4D325-B887-4578-B3A6-159D47205E94}"/>
+              </a:ext>
+            </a:extLst>
+          </p:cNvPr>
+          <p:cNvSpPr txBox="1"/>
+          <p:nvPr/>
+        </p:nvSpPr>
+        <p:spPr>
+          <a:xfrm>
+            <a:off x="3053397" y="1352334"/>
+            <a:ext cx="1958606" cy="554619"/>
+          </a:xfrm>
+          <a:prstGeom prst="rect">
+            <a:avLst/>
+          </a:prstGeom>
+          <a:solidFill>
+            <a:srgbClr val="FFFF00"/>
+          </a:solidFill>
+          <a:ln>
+            <a:solidFill>
+              <a:schemeClr val="tx1"/>
+            </a:solidFill>
+          </a:ln>
+        </p:spPr>
+        <p:txBody>
+          <a:bodyPr wrap="square" rtlCol="0">
+            <a:noAutofit/>
+          </a:bodyPr>
+          <a:lstStyle/>
+          <a:p>
+            <a:r>
+              <a:rPr lang="en-US" altLang="ja-JP" sz="726" dirty="0">
+                <a:latin typeface="Arial" panose="020B0604020202020204" pitchFamily="34" charset="0"/>
+                <a:cs typeface="Arial" panose="020B0604020202020204" pitchFamily="34" charset="0"/>
+              </a:rPr>
+              <a:t>Output: </a:t>
+            </a:r>
+          </a:p>
+          <a:p>
+            <a:r>
+              <a:rPr lang="en-US" altLang="ja-JP" sz="726" dirty="0">
+                <a:latin typeface="Arial" panose="020B0604020202020204" pitchFamily="34" charset="0"/>
+                <a:cs typeface="Arial" panose="020B0604020202020204" pitchFamily="34" charset="0"/>
+              </a:rPr>
+              <a:t>-. Mechanical power consumed by pump.</a:t>
+            </a:r>
+          </a:p>
+          <a:p>
+            <a:r>
+              <a:rPr lang="en-US" altLang="ja-JP" sz="726" dirty="0">
+                <a:latin typeface="Arial" panose="020B0604020202020204" pitchFamily="34" charset="0"/>
+                <a:cs typeface="Arial" panose="020B0604020202020204" pitchFamily="34" charset="0"/>
+              </a:rPr>
+              <a:t>-. (</a:t>
+            </a:r>
+            <a:r>
+              <a:rPr lang="en-US" altLang="ja-JP" sz="726" dirty="0" err="1">
+                <a:latin typeface="Arial" panose="020B0604020202020204" pitchFamily="34" charset="0"/>
+                <a:cs typeface="Arial" panose="020B0604020202020204" pitchFamily="34" charset="0"/>
+              </a:rPr>
+              <a:t>pump.V_flow</a:t>
+            </a:r>
+            <a:r>
+              <a:rPr lang="en-US" altLang="ja-JP" sz="726" dirty="0">
+                <a:latin typeface="Arial" panose="020B0604020202020204" pitchFamily="34" charset="0"/>
+                <a:cs typeface="Arial" panose="020B0604020202020204" pitchFamily="34" charset="0"/>
+              </a:rPr>
+              <a:t>)*</a:t>
+            </a:r>
+            <a:r>
+              <a:rPr lang="en-US" altLang="ja-JP" sz="726" dirty="0" err="1">
+                <a:latin typeface="Arial" panose="020B0604020202020204" pitchFamily="34" charset="0"/>
+                <a:cs typeface="Arial" panose="020B0604020202020204" pitchFamily="34" charset="0"/>
+              </a:rPr>
+              <a:t>dP</a:t>
+            </a:r>
+            <a:r>
+              <a:rPr lang="en-US" altLang="ja-JP" sz="726" dirty="0">
+                <a:latin typeface="Arial" panose="020B0604020202020204" pitchFamily="34" charset="0"/>
+                <a:cs typeface="Arial" panose="020B0604020202020204" pitchFamily="34" charset="0"/>
+              </a:rPr>
+              <a:t> / </a:t>
+            </a:r>
+            <a:r>
+              <a:rPr lang="en-US" altLang="ja-JP" sz="726" dirty="0" err="1">
+                <a:latin typeface="Arial" panose="020B0604020202020204" pitchFamily="34" charset="0"/>
+                <a:cs typeface="Arial" panose="020B0604020202020204" pitchFamily="34" charset="0"/>
+              </a:rPr>
+              <a:t>pump.eta</a:t>
+            </a:r>
+            <a:endParaRPr lang="en-US" altLang="ja-JP" sz="726" dirty="0">
+              <a:latin typeface="Arial" panose="020B0604020202020204" pitchFamily="34" charset="0"/>
+              <a:cs typeface="Arial" panose="020B0604020202020204" pitchFamily="34" charset="0"/>
+            </a:endParaRPr>
+          </a:p>
+          <a:p>
+            <a:r>
+              <a:rPr lang="en-US" altLang="ja-JP" sz="726" dirty="0">
+                <a:latin typeface="Arial" panose="020B0604020202020204" pitchFamily="34" charset="0"/>
+                <a:cs typeface="Arial" panose="020B0604020202020204" pitchFamily="34" charset="0"/>
+              </a:rPr>
+              <a:t>-. 2 variables are equal.</a:t>
+            </a:r>
+          </a:p>
+        </p:txBody>
+      </p:sp>
+      <p:cxnSp>
+        <p:nvCxnSpPr>
+          <p:cNvPr id="10" name="直線矢印コネクタ 9">
+            <a:extLst>
+              <a:ext uri="{FF2B5EF4-FFF2-40B4-BE49-F238E27FC236}">
+                <a16:creationId xmlns:a16="http://schemas.microsoft.com/office/drawing/2014/main" id="{EEE66A67-3B66-489B-904A-5D83F6C88305}"/>
+              </a:ext>
+            </a:extLst>
+          </p:cNvPr>
+          <p:cNvCxnSpPr>
+            <a:cxnSpLocks/>
+            <a:stCxn id="9" idx="2"/>
+          </p:cNvCxnSpPr>
+          <p:nvPr/>
+        </p:nvCxnSpPr>
+        <p:spPr>
+          <a:xfrm>
+            <a:off x="4032700" y="1906953"/>
+            <a:ext cx="1430254" cy="672124"/>
+          </a:xfrm>
+          <a:prstGeom prst="straightConnector1">
+            <a:avLst/>
+          </a:prstGeom>
+          <a:ln w="12700">
+            <a:solidFill>
+              <a:schemeClr val="tx1"/>
+            </a:solidFill>
+            <a:tailEnd type="oval"/>
+          </a:ln>
+        </p:spPr>
+        <p:style>
+          <a:lnRef idx="1">
+            <a:schemeClr val="accent1"/>
+          </a:lnRef>
+          <a:fillRef idx="0">
+            <a:schemeClr val="accent1"/>
+          </a:fillRef>
+          <a:effectRef idx="0">
+            <a:schemeClr val="accent1"/>
+          </a:effectRef>
+          <a:fontRef idx="minor">
+            <a:schemeClr val="tx1"/>
+          </a:fontRef>
+        </p:style>
+      </p:cxnSp>
     </p:spTree>
     <p:extLst>
       <p:ext uri="{BB962C8B-B14F-4D97-AF65-F5344CB8AC3E}">
-        <p14:creationId xmlns:p14="http://schemas.microsoft.com/office/powerpoint/2010/main" val="3540981022"/>
+        <p14:creationId xmlns:p14="http://schemas.microsoft.com/office/powerpoint/2010/main" val="1756224762"/>
       </p:ext>
     </p:extLst>
   </p:cSld>
@@ -7170,10 +7276,10 @@
       </p:grpSpPr>
       <p:pic>
         <p:nvPicPr>
-          <p:cNvPr id="3" name="図 2">
-            <a:extLst>
-              <a:ext uri="{FF2B5EF4-FFF2-40B4-BE49-F238E27FC236}">
-                <a16:creationId xmlns:a16="http://schemas.microsoft.com/office/drawing/2014/main" id="{A839AE41-0437-4578-9490-EB34A2FCC212}"/>
+          <p:cNvPr id="4" name="図 3">
+            <a:extLst>
+              <a:ext uri="{FF2B5EF4-FFF2-40B4-BE49-F238E27FC236}">
+                <a16:creationId xmlns:a16="http://schemas.microsoft.com/office/drawing/2014/main" id="{02CCF164-6F33-4537-851A-9489AC0377E8}"/>
               </a:ext>
             </a:extLst>
           </p:cNvPr>
@@ -7190,8 +7296,8 @@
         </p:blipFill>
         <p:spPr>
           <a:xfrm>
-            <a:off x="2500762" y="1229000"/>
-            <a:ext cx="7190476" cy="4400000"/>
+            <a:off x="1972190" y="1229000"/>
+            <a:ext cx="8247619" cy="4400000"/>
           </a:xfrm>
           <a:prstGeom prst="rect">
             <a:avLst/>
@@ -7212,6 +7318,225 @@
 </file>
 
 <file path=ppt/slides/slide30.xml><?xml version="1.0" encoding="utf-8"?>
+<p:sld xmlns:a="http://schemas.openxmlformats.org/drawingml/2006/main" xmlns:r="http://schemas.openxmlformats.org/officeDocument/2006/relationships" xmlns:p="http://schemas.openxmlformats.org/presentationml/2006/main">
+  <p:cSld>
+    <p:spTree>
+      <p:nvGrpSpPr>
+        <p:cNvPr id="1" name=""/>
+        <p:cNvGrpSpPr/>
+        <p:nvPr/>
+      </p:nvGrpSpPr>
+      <p:grpSpPr>
+        <a:xfrm>
+          <a:off x="0" y="0"/>
+          <a:ext cx="0" cy="0"/>
+          <a:chOff x="0" y="0"/>
+          <a:chExt cx="0" cy="0"/>
+        </a:xfrm>
+      </p:grpSpPr>
+      <p:pic>
+        <p:nvPicPr>
+          <p:cNvPr id="3" name="図 2">
+            <a:extLst>
+              <a:ext uri="{FF2B5EF4-FFF2-40B4-BE49-F238E27FC236}">
+                <a16:creationId xmlns:a16="http://schemas.microsoft.com/office/drawing/2014/main" id="{2BE978F4-586D-475D-B704-968E807F853A}"/>
+              </a:ext>
+            </a:extLst>
+          </p:cNvPr>
+          <p:cNvPicPr>
+            <a:picLocks noChangeAspect="1"/>
+          </p:cNvPicPr>
+          <p:nvPr/>
+        </p:nvPicPr>
+        <p:blipFill>
+          <a:blip r:embed="rId2"/>
+          <a:stretch>
+            <a:fillRect/>
+          </a:stretch>
+        </p:blipFill>
+        <p:spPr>
+          <a:xfrm>
+            <a:off x="2153882" y="296984"/>
+            <a:ext cx="7200000" cy="5955828"/>
+          </a:xfrm>
+          <a:prstGeom prst="rect">
+            <a:avLst/>
+          </a:prstGeom>
+        </p:spPr>
+      </p:pic>
+      <p:sp>
+        <p:nvSpPr>
+          <p:cNvPr id="4" name="テキスト ボックス 3">
+            <a:extLst>
+              <a:ext uri="{FF2B5EF4-FFF2-40B4-BE49-F238E27FC236}">
+                <a16:creationId xmlns:a16="http://schemas.microsoft.com/office/drawing/2014/main" id="{E1764FBC-F0DE-408B-948F-FB08C41F07B5}"/>
+              </a:ext>
+            </a:extLst>
+          </p:cNvPr>
+          <p:cNvSpPr txBox="1"/>
+          <p:nvPr/>
+        </p:nvSpPr>
+        <p:spPr>
+          <a:xfrm>
+            <a:off x="6435813" y="4505843"/>
+            <a:ext cx="1958606" cy="462788"/>
+          </a:xfrm>
+          <a:prstGeom prst="rect">
+            <a:avLst/>
+          </a:prstGeom>
+          <a:solidFill>
+            <a:srgbClr val="FFFF00"/>
+          </a:solidFill>
+          <a:ln>
+            <a:solidFill>
+              <a:schemeClr val="tx1"/>
+            </a:solidFill>
+          </a:ln>
+        </p:spPr>
+        <p:txBody>
+          <a:bodyPr wrap="square" rtlCol="0">
+            <a:noAutofit/>
+          </a:bodyPr>
+          <a:lstStyle/>
+          <a:p>
+            <a:r>
+              <a:rPr lang="en-US" altLang="ja-JP" sz="726" dirty="0">
+                <a:latin typeface="Arial" panose="020B0604020202020204" pitchFamily="34" charset="0"/>
+                <a:cs typeface="Arial" panose="020B0604020202020204" pitchFamily="34" charset="0"/>
+              </a:rPr>
+              <a:t>Output: </a:t>
+            </a:r>
+          </a:p>
+          <a:p>
+            <a:r>
+              <a:rPr lang="en-US" altLang="ja-JP" sz="726" dirty="0">
+                <a:latin typeface="Arial" panose="020B0604020202020204" pitchFamily="34" charset="0"/>
+                <a:cs typeface="Arial" panose="020B0604020202020204" pitchFamily="34" charset="0"/>
+              </a:rPr>
+              <a:t> mechanical power consumption of pump vs. mechanical rotation speed.</a:t>
+            </a:r>
+          </a:p>
+        </p:txBody>
+      </p:sp>
+      <p:cxnSp>
+        <p:nvCxnSpPr>
+          <p:cNvPr id="5" name="直線矢印コネクタ 4">
+            <a:extLst>
+              <a:ext uri="{FF2B5EF4-FFF2-40B4-BE49-F238E27FC236}">
+                <a16:creationId xmlns:a16="http://schemas.microsoft.com/office/drawing/2014/main" id="{84091E39-0270-4BCC-8230-3AC2404CB003}"/>
+              </a:ext>
+            </a:extLst>
+          </p:cNvPr>
+          <p:cNvCxnSpPr>
+            <a:cxnSpLocks/>
+            <a:stCxn id="4" idx="0"/>
+          </p:cNvCxnSpPr>
+          <p:nvPr/>
+        </p:nvCxnSpPr>
+        <p:spPr>
+          <a:xfrm flipH="1" flipV="1">
+            <a:off x="6096000" y="3848237"/>
+            <a:ext cx="1319116" cy="657606"/>
+          </a:xfrm>
+          <a:prstGeom prst="straightConnector1">
+            <a:avLst/>
+          </a:prstGeom>
+          <a:ln w="12700">
+            <a:solidFill>
+              <a:schemeClr val="tx1"/>
+            </a:solidFill>
+            <a:tailEnd type="oval"/>
+          </a:ln>
+        </p:spPr>
+        <p:style>
+          <a:lnRef idx="1">
+            <a:schemeClr val="accent1"/>
+          </a:lnRef>
+          <a:fillRef idx="0">
+            <a:schemeClr val="accent1"/>
+          </a:fillRef>
+          <a:effectRef idx="0">
+            <a:schemeClr val="accent1"/>
+          </a:effectRef>
+          <a:fontRef idx="minor">
+            <a:schemeClr val="tx1"/>
+          </a:fontRef>
+        </p:style>
+      </p:cxnSp>
+    </p:spTree>
+    <p:extLst>
+      <p:ext uri="{BB962C8B-B14F-4D97-AF65-F5344CB8AC3E}">
+        <p14:creationId xmlns:p14="http://schemas.microsoft.com/office/powerpoint/2010/main" val="4070988130"/>
+      </p:ext>
+    </p:extLst>
+  </p:cSld>
+  <p:clrMapOvr>
+    <a:masterClrMapping/>
+  </p:clrMapOvr>
+</p:sld>
+</file>
+
+<file path=ppt/slides/slide31.xml><?xml version="1.0" encoding="utf-8"?>
+<p:sld xmlns:a="http://schemas.openxmlformats.org/drawingml/2006/main" xmlns:r="http://schemas.openxmlformats.org/officeDocument/2006/relationships" xmlns:p="http://schemas.openxmlformats.org/presentationml/2006/main">
+  <p:cSld>
+    <p:spTree>
+      <p:nvGrpSpPr>
+        <p:cNvPr id="1" name=""/>
+        <p:cNvGrpSpPr/>
+        <p:nvPr/>
+      </p:nvGrpSpPr>
+      <p:grpSpPr>
+        <a:xfrm>
+          <a:off x="0" y="0"/>
+          <a:ext cx="0" cy="0"/>
+          <a:chOff x="0" y="0"/>
+          <a:chExt cx="0" cy="0"/>
+        </a:xfrm>
+      </p:grpSpPr>
+      <p:pic>
+        <p:nvPicPr>
+          <p:cNvPr id="4" name="図 3">
+            <a:extLst>
+              <a:ext uri="{FF2B5EF4-FFF2-40B4-BE49-F238E27FC236}">
+                <a16:creationId xmlns:a16="http://schemas.microsoft.com/office/drawing/2014/main" id="{85F83BE9-A5CE-4120-A63E-1D6A94C5204C}"/>
+              </a:ext>
+            </a:extLst>
+          </p:cNvPr>
+          <p:cNvPicPr>
+            <a:picLocks noChangeAspect="1"/>
+          </p:cNvPicPr>
+          <p:nvPr/>
+        </p:nvPicPr>
+        <p:blipFill>
+          <a:blip r:embed="rId2"/>
+          <a:stretch>
+            <a:fillRect/>
+          </a:stretch>
+        </p:blipFill>
+        <p:spPr>
+          <a:xfrm>
+            <a:off x="1881121" y="1465031"/>
+            <a:ext cx="4584589" cy="2755631"/>
+          </a:xfrm>
+          <a:prstGeom prst="rect">
+            <a:avLst/>
+          </a:prstGeom>
+        </p:spPr>
+      </p:pic>
+    </p:spTree>
+    <p:extLst>
+      <p:ext uri="{BB962C8B-B14F-4D97-AF65-F5344CB8AC3E}">
+        <p14:creationId xmlns:p14="http://schemas.microsoft.com/office/powerpoint/2010/main" val="3540981022"/>
+      </p:ext>
+    </p:extLst>
+  </p:cSld>
+  <p:clrMapOvr>
+    <a:masterClrMapping/>
+  </p:clrMapOvr>
+</p:sld>
+</file>
+
+<file path=ppt/slides/slide32.xml><?xml version="1.0" encoding="utf-8"?>
 <p:sld xmlns:a="http://schemas.openxmlformats.org/drawingml/2006/main" xmlns:r="http://schemas.openxmlformats.org/officeDocument/2006/relationships" xmlns:p="http://schemas.openxmlformats.org/presentationml/2006/main">
   <p:cSld>
     <p:spTree>
@@ -8945,7 +9270,7 @@
 </p:sld>
 </file>
 
-<file path=ppt/slides/slide31.xml><?xml version="1.0" encoding="utf-8"?>
+<file path=ppt/slides/slide33.xml><?xml version="1.0" encoding="utf-8"?>
 <p:sld xmlns:a="http://schemas.openxmlformats.org/drawingml/2006/main" xmlns:r="http://schemas.openxmlformats.org/officeDocument/2006/relationships" xmlns:p="http://schemas.openxmlformats.org/presentationml/2006/main">
   <p:cSld>
     <p:spTree>
@@ -9787,172 +10112,6 @@
 </p:sld>
 </file>
 
-<file path=ppt/slides/slide32.xml><?xml version="1.0" encoding="utf-8"?>
-<p:sld xmlns:a="http://schemas.openxmlformats.org/drawingml/2006/main" xmlns:r="http://schemas.openxmlformats.org/officeDocument/2006/relationships" xmlns:p="http://schemas.openxmlformats.org/presentationml/2006/main">
-  <p:cSld>
-    <p:spTree>
-      <p:nvGrpSpPr>
-        <p:cNvPr id="1" name=""/>
-        <p:cNvGrpSpPr/>
-        <p:nvPr/>
-      </p:nvGrpSpPr>
-      <p:grpSpPr>
-        <a:xfrm>
-          <a:off x="0" y="0"/>
-          <a:ext cx="0" cy="0"/>
-          <a:chOff x="0" y="0"/>
-          <a:chExt cx="0" cy="0"/>
-        </a:xfrm>
-      </p:grpSpPr>
-      <p:pic>
-        <p:nvPicPr>
-          <p:cNvPr id="3" name="図 2">
-            <a:extLst>
-              <a:ext uri="{FF2B5EF4-FFF2-40B4-BE49-F238E27FC236}">
-                <a16:creationId xmlns:a16="http://schemas.microsoft.com/office/drawing/2014/main" id="{54507FFA-AEFE-4C50-B8FE-5D35D2BD6152}"/>
-              </a:ext>
-            </a:extLst>
-          </p:cNvPr>
-          <p:cNvPicPr>
-            <a:picLocks noChangeAspect="1"/>
-          </p:cNvPicPr>
-          <p:nvPr/>
-        </p:nvPicPr>
-        <p:blipFill>
-          <a:blip r:embed="rId2"/>
-          <a:stretch>
-            <a:fillRect/>
-          </a:stretch>
-        </p:blipFill>
-        <p:spPr>
-          <a:xfrm>
-            <a:off x="2468479" y="0"/>
-            <a:ext cx="7255042" cy="6858000"/>
-          </a:xfrm>
-          <a:prstGeom prst="rect">
-            <a:avLst/>
-          </a:prstGeom>
-        </p:spPr>
-      </p:pic>
-      <p:sp>
-        <p:nvSpPr>
-          <p:cNvPr id="5" name="テキスト ボックス 4">
-            <a:extLst>
-              <a:ext uri="{FF2B5EF4-FFF2-40B4-BE49-F238E27FC236}">
-                <a16:creationId xmlns:a16="http://schemas.microsoft.com/office/drawing/2014/main" id="{10C95F8E-27E6-4FA4-9097-5CD1B71BC8C0}"/>
-              </a:ext>
-            </a:extLst>
-          </p:cNvPr>
-          <p:cNvSpPr txBox="1"/>
-          <p:nvPr/>
-        </p:nvSpPr>
-        <p:spPr>
-          <a:xfrm>
-            <a:off x="78153" y="0"/>
-            <a:ext cx="4079632" cy="461665"/>
-          </a:xfrm>
-          <a:prstGeom prst="rect">
-            <a:avLst/>
-          </a:prstGeom>
-          <a:noFill/>
-        </p:spPr>
-        <p:txBody>
-          <a:bodyPr wrap="square" rtlCol="0">
-            <a:spAutoFit/>
-          </a:bodyPr>
-          <a:lstStyle/>
-          <a:p>
-            <a:r>
-              <a:rPr lang="en-US" altLang="ja-JP" sz="2400" dirty="0">
-                <a:solidFill>
-                  <a:srgbClr val="000000"/>
-                </a:solidFill>
-                <a:effectLst/>
-                <a:latin typeface="Times New Roman" panose="02020603050405020304" pitchFamily="18" charset="0"/>
-                <a:cs typeface="Times New Roman" panose="02020603050405020304" pitchFamily="18" charset="0"/>
-              </a:rPr>
-              <a:t>pumpingSystem_ex02</a:t>
-            </a:r>
-            <a:endParaRPr kumimoji="1" lang="ja-JP" altLang="en-US" sz="2400" dirty="0">
-              <a:latin typeface="Times New Roman" panose="02020603050405020304" pitchFamily="18" charset="0"/>
-              <a:cs typeface="Times New Roman" panose="02020603050405020304" pitchFamily="18" charset="0"/>
-            </a:endParaRPr>
-          </a:p>
-        </p:txBody>
-      </p:sp>
-    </p:spTree>
-    <p:extLst>
-      <p:ext uri="{BB962C8B-B14F-4D97-AF65-F5344CB8AC3E}">
-        <p14:creationId xmlns:p14="http://schemas.microsoft.com/office/powerpoint/2010/main" val="1047156367"/>
-      </p:ext>
-    </p:extLst>
-  </p:cSld>
-  <p:clrMapOvr>
-    <a:masterClrMapping/>
-  </p:clrMapOvr>
-</p:sld>
-</file>
-
-<file path=ppt/slides/slide33.xml><?xml version="1.0" encoding="utf-8"?>
-<p:sld xmlns:a="http://schemas.openxmlformats.org/drawingml/2006/main" xmlns:r="http://schemas.openxmlformats.org/officeDocument/2006/relationships" xmlns:p="http://schemas.openxmlformats.org/presentationml/2006/main">
-  <p:cSld>
-    <p:spTree>
-      <p:nvGrpSpPr>
-        <p:cNvPr id="1" name=""/>
-        <p:cNvGrpSpPr/>
-        <p:nvPr/>
-      </p:nvGrpSpPr>
-      <p:grpSpPr>
-        <a:xfrm>
-          <a:off x="0" y="0"/>
-          <a:ext cx="0" cy="0"/>
-          <a:chOff x="0" y="0"/>
-          <a:chExt cx="0" cy="0"/>
-        </a:xfrm>
-      </p:grpSpPr>
-      <p:pic>
-        <p:nvPicPr>
-          <p:cNvPr id="3" name="図 2">
-            <a:extLst>
-              <a:ext uri="{FF2B5EF4-FFF2-40B4-BE49-F238E27FC236}">
-                <a16:creationId xmlns:a16="http://schemas.microsoft.com/office/drawing/2014/main" id="{2E8E4416-F1CB-443C-9585-680D13105DF2}"/>
-              </a:ext>
-            </a:extLst>
-          </p:cNvPr>
-          <p:cNvPicPr>
-            <a:picLocks noChangeAspect="1"/>
-          </p:cNvPicPr>
-          <p:nvPr/>
-        </p:nvPicPr>
-        <p:blipFill>
-          <a:blip r:embed="rId2"/>
-          <a:stretch>
-            <a:fillRect/>
-          </a:stretch>
-        </p:blipFill>
-        <p:spPr>
-          <a:xfrm>
-            <a:off x="2468479" y="0"/>
-            <a:ext cx="7255042" cy="6858000"/>
-          </a:xfrm>
-          <a:prstGeom prst="rect">
-            <a:avLst/>
-          </a:prstGeom>
-        </p:spPr>
-      </p:pic>
-    </p:spTree>
-    <p:extLst>
-      <p:ext uri="{BB962C8B-B14F-4D97-AF65-F5344CB8AC3E}">
-        <p14:creationId xmlns:p14="http://schemas.microsoft.com/office/powerpoint/2010/main" val="1883206660"/>
-      </p:ext>
-    </p:extLst>
-  </p:cSld>
-  <p:clrMapOvr>
-    <a:masterClrMapping/>
-  </p:clrMapOvr>
-</p:sld>
-</file>
-
 <file path=ppt/slides/slide34.xml><?xml version="1.0" encoding="utf-8"?>
 <p:sld xmlns:a="http://schemas.openxmlformats.org/drawingml/2006/main" xmlns:r="http://schemas.openxmlformats.org/officeDocument/2006/relationships" xmlns:p="http://schemas.openxmlformats.org/presentationml/2006/main">
   <p:cSld>
@@ -9975,7 +10134,7 @@
           <p:cNvPr id="3" name="図 2">
             <a:extLst>
               <a:ext uri="{FF2B5EF4-FFF2-40B4-BE49-F238E27FC236}">
-                <a16:creationId xmlns:a16="http://schemas.microsoft.com/office/drawing/2014/main" id="{61B8F0D8-5E34-4DC1-B93E-6679D631A3F9}"/>
+                <a16:creationId xmlns:a16="http://schemas.microsoft.com/office/drawing/2014/main" id="{54507FFA-AEFE-4C50-B8FE-5D35D2BD6152}"/>
               </a:ext>
             </a:extLst>
           </p:cNvPr>
@@ -9992,8 +10151,8 @@
         </p:blipFill>
         <p:spPr>
           <a:xfrm>
-            <a:off x="2012782" y="0"/>
-            <a:ext cx="8166435" cy="6858000"/>
+            <a:off x="2468479" y="0"/>
+            <a:ext cx="7255042" cy="6858000"/>
           </a:xfrm>
           <a:prstGeom prst="rect">
             <a:avLst/>
@@ -10005,7 +10164,7 @@
           <p:cNvPr id="5" name="テキスト ボックス 4">
             <a:extLst>
               <a:ext uri="{FF2B5EF4-FFF2-40B4-BE49-F238E27FC236}">
-                <a16:creationId xmlns:a16="http://schemas.microsoft.com/office/drawing/2014/main" id="{1677C04D-C665-45AD-879E-63BB3E2A5148}"/>
+                <a16:creationId xmlns:a16="http://schemas.microsoft.com/office/drawing/2014/main" id="{10C95F8E-27E6-4FA4-9097-5CD1B71BC8C0}"/>
               </a:ext>
             </a:extLst>
           </p:cNvPr>
@@ -10037,7 +10196,7 @@
                 <a:latin typeface="Times New Roman" panose="02020603050405020304" pitchFamily="18" charset="0"/>
                 <a:cs typeface="Times New Roman" panose="02020603050405020304" pitchFamily="18" charset="0"/>
               </a:rPr>
-              <a:t>pumpingSystem_ex03</a:t>
+              <a:t>pumpingSystem_ex02</a:t>
             </a:r>
             <a:endParaRPr kumimoji="1" lang="ja-JP" altLang="en-US" sz="2400" dirty="0">
               <a:latin typeface="Times New Roman" panose="02020603050405020304" pitchFamily="18" charset="0"/>
@@ -10049,7 +10208,7 @@
     </p:spTree>
     <p:extLst>
       <p:ext uri="{BB962C8B-B14F-4D97-AF65-F5344CB8AC3E}">
-        <p14:creationId xmlns:p14="http://schemas.microsoft.com/office/powerpoint/2010/main" val="1816954010"/>
+        <p14:creationId xmlns:p14="http://schemas.microsoft.com/office/powerpoint/2010/main" val="1047156367"/>
       </p:ext>
     </p:extLst>
   </p:cSld>
@@ -10081,7 +10240,7 @@
           <p:cNvPr id="3" name="図 2">
             <a:extLst>
               <a:ext uri="{FF2B5EF4-FFF2-40B4-BE49-F238E27FC236}">
-                <a16:creationId xmlns:a16="http://schemas.microsoft.com/office/drawing/2014/main" id="{32D34272-BA97-4DCD-8AE9-32A0849B8DE5}"/>
+                <a16:creationId xmlns:a16="http://schemas.microsoft.com/office/drawing/2014/main" id="{2E8E4416-F1CB-443C-9585-680D13105DF2}"/>
               </a:ext>
             </a:extLst>
           </p:cNvPr>
@@ -10098,318 +10257,18 @@
         </p:blipFill>
         <p:spPr>
           <a:xfrm>
-            <a:off x="2012782" y="0"/>
-            <a:ext cx="8166435" cy="6858000"/>
+            <a:off x="2468479" y="0"/>
+            <a:ext cx="7255042" cy="6858000"/>
           </a:xfrm>
           <a:prstGeom prst="rect">
             <a:avLst/>
           </a:prstGeom>
         </p:spPr>
       </p:pic>
-      <p:sp>
-        <p:nvSpPr>
-          <p:cNvPr id="2" name="フレーム 1">
-            <a:extLst>
-              <a:ext uri="{FF2B5EF4-FFF2-40B4-BE49-F238E27FC236}">
-                <a16:creationId xmlns:a16="http://schemas.microsoft.com/office/drawing/2014/main" id="{7AAE769D-2D13-46DB-9A20-97468D83FF43}"/>
-              </a:ext>
-            </a:extLst>
-          </p:cNvPr>
-          <p:cNvSpPr/>
-          <p:nvPr/>
-        </p:nvSpPr>
-        <p:spPr>
-          <a:xfrm>
-            <a:off x="4282834" y="3128887"/>
-            <a:ext cx="1406769" cy="1143391"/>
-          </a:xfrm>
-          <a:prstGeom prst="frame">
-            <a:avLst>
-              <a:gd name="adj1" fmla="val 4204"/>
-            </a:avLst>
-          </a:prstGeom>
-        </p:spPr>
-        <p:style>
-          <a:lnRef idx="2">
-            <a:schemeClr val="accent2">
-              <a:shade val="50000"/>
-            </a:schemeClr>
-          </a:lnRef>
-          <a:fillRef idx="1">
-            <a:schemeClr val="accent2"/>
-          </a:fillRef>
-          <a:effectRef idx="0">
-            <a:schemeClr val="accent2"/>
-          </a:effectRef>
-          <a:fontRef idx="minor">
-            <a:schemeClr val="lt1"/>
-          </a:fontRef>
-        </p:style>
-        <p:txBody>
-          <a:bodyPr rtlCol="0" anchor="ctr"/>
-          <a:lstStyle/>
-          <a:p>
-            <a:pPr algn="ctr"/>
-            <a:endParaRPr kumimoji="1" lang="ja-JP" altLang="en-US">
-              <a:solidFill>
-                <a:schemeClr val="tx1"/>
-              </a:solidFill>
-            </a:endParaRPr>
-          </a:p>
-        </p:txBody>
-      </p:sp>
-      <p:sp>
-        <p:nvSpPr>
-          <p:cNvPr id="5" name="フレーム 4">
-            <a:extLst>
-              <a:ext uri="{FF2B5EF4-FFF2-40B4-BE49-F238E27FC236}">
-                <a16:creationId xmlns:a16="http://schemas.microsoft.com/office/drawing/2014/main" id="{B99CBC56-B4EC-4BFC-9418-048B452D66F8}"/>
-              </a:ext>
-            </a:extLst>
-          </p:cNvPr>
-          <p:cNvSpPr/>
-          <p:nvPr/>
-        </p:nvSpPr>
-        <p:spPr>
-          <a:xfrm>
-            <a:off x="3028465" y="1264919"/>
-            <a:ext cx="1863966" cy="1071882"/>
-          </a:xfrm>
-          <a:prstGeom prst="frame">
-            <a:avLst>
-              <a:gd name="adj1" fmla="val 4204"/>
-            </a:avLst>
-          </a:prstGeom>
-        </p:spPr>
-        <p:style>
-          <a:lnRef idx="2">
-            <a:schemeClr val="accent2">
-              <a:shade val="50000"/>
-            </a:schemeClr>
-          </a:lnRef>
-          <a:fillRef idx="1">
-            <a:schemeClr val="accent2"/>
-          </a:fillRef>
-          <a:effectRef idx="0">
-            <a:schemeClr val="accent2"/>
-          </a:effectRef>
-          <a:fontRef idx="minor">
-            <a:schemeClr val="lt1"/>
-          </a:fontRef>
-        </p:style>
-        <p:txBody>
-          <a:bodyPr rtlCol="0" anchor="ctr"/>
-          <a:lstStyle/>
-          <a:p>
-            <a:pPr algn="ctr"/>
-            <a:endParaRPr kumimoji="1" lang="ja-JP" altLang="en-US">
-              <a:solidFill>
-                <a:schemeClr val="tx1"/>
-              </a:solidFill>
-            </a:endParaRPr>
-          </a:p>
-        </p:txBody>
-      </p:sp>
-      <p:sp>
-        <p:nvSpPr>
-          <p:cNvPr id="7" name="フレーム 6">
-            <a:extLst>
-              <a:ext uri="{FF2B5EF4-FFF2-40B4-BE49-F238E27FC236}">
-                <a16:creationId xmlns:a16="http://schemas.microsoft.com/office/drawing/2014/main" id="{587FFB17-BA93-4C1F-B752-CD5C54FE043A}"/>
-              </a:ext>
-            </a:extLst>
-          </p:cNvPr>
-          <p:cNvSpPr/>
-          <p:nvPr/>
-        </p:nvSpPr>
-        <p:spPr>
-          <a:xfrm>
-            <a:off x="8158337" y="3128887"/>
-            <a:ext cx="1056926" cy="1143391"/>
-          </a:xfrm>
-          <a:prstGeom prst="frame">
-            <a:avLst>
-              <a:gd name="adj1" fmla="val 4204"/>
-            </a:avLst>
-          </a:prstGeom>
-        </p:spPr>
-        <p:style>
-          <a:lnRef idx="2">
-            <a:schemeClr val="accent2">
-              <a:shade val="50000"/>
-            </a:schemeClr>
-          </a:lnRef>
-          <a:fillRef idx="1">
-            <a:schemeClr val="accent2"/>
-          </a:fillRef>
-          <a:effectRef idx="0">
-            <a:schemeClr val="accent2"/>
-          </a:effectRef>
-          <a:fontRef idx="minor">
-            <a:schemeClr val="lt1"/>
-          </a:fontRef>
-        </p:style>
-        <p:txBody>
-          <a:bodyPr rtlCol="0" anchor="ctr"/>
-          <a:lstStyle/>
-          <a:p>
-            <a:pPr algn="ctr"/>
-            <a:endParaRPr kumimoji="1" lang="ja-JP" altLang="en-US">
-              <a:solidFill>
-                <a:schemeClr val="tx1"/>
-              </a:solidFill>
-            </a:endParaRPr>
-          </a:p>
-        </p:txBody>
-      </p:sp>
-      <p:sp>
-        <p:nvSpPr>
-          <p:cNvPr id="9" name="テキスト ボックス 8">
-            <a:extLst>
-              <a:ext uri="{FF2B5EF4-FFF2-40B4-BE49-F238E27FC236}">
-                <a16:creationId xmlns:a16="http://schemas.microsoft.com/office/drawing/2014/main" id="{D2494B0F-F052-471F-AD2A-BC69B2B098AB}"/>
-              </a:ext>
-            </a:extLst>
-          </p:cNvPr>
-          <p:cNvSpPr txBox="1"/>
-          <p:nvPr/>
-        </p:nvSpPr>
-        <p:spPr>
-          <a:xfrm>
-            <a:off x="3169139" y="4253527"/>
-            <a:ext cx="1723291" cy="474782"/>
-          </a:xfrm>
-          <a:prstGeom prst="rect">
-            <a:avLst/>
-          </a:prstGeom>
-          <a:solidFill>
-            <a:srgbClr val="FFC000">
-              <a:alpha val="60000"/>
-            </a:srgbClr>
-          </a:solidFill>
-          <a:ln>
-            <a:solidFill>
-              <a:schemeClr val="tx1"/>
-            </a:solidFill>
-          </a:ln>
-        </p:spPr>
-        <p:txBody>
-          <a:bodyPr wrap="square" rtlCol="0">
-            <a:noAutofit/>
-          </a:bodyPr>
-          <a:lstStyle/>
-          <a:p>
-            <a:r>
-              <a:rPr lang="en-US" altLang="ja-JP" sz="907" dirty="0">
-                <a:latin typeface="ＭＳ Ｐゴシック" panose="020B0600070205080204" pitchFamily="50" charset="-128"/>
-                <a:ea typeface="ＭＳ Ｐゴシック" panose="020B0600070205080204" pitchFamily="50" charset="-128"/>
-                <a:cs typeface="Arial" panose="020B0604020202020204" pitchFamily="34" charset="0"/>
-              </a:rPr>
-              <a:t>“Prescribed pump” is replaced with “pump”</a:t>
-            </a:r>
-          </a:p>
-        </p:txBody>
-      </p:sp>
-      <p:sp>
-        <p:nvSpPr>
-          <p:cNvPr id="11" name="テキスト ボックス 10">
-            <a:extLst>
-              <a:ext uri="{FF2B5EF4-FFF2-40B4-BE49-F238E27FC236}">
-                <a16:creationId xmlns:a16="http://schemas.microsoft.com/office/drawing/2014/main" id="{0383B898-15CD-4923-9CE9-7C28D4E97811}"/>
-              </a:ext>
-            </a:extLst>
-          </p:cNvPr>
-          <p:cNvSpPr txBox="1"/>
-          <p:nvPr/>
-        </p:nvSpPr>
-        <p:spPr>
-          <a:xfrm>
-            <a:off x="7825154" y="4272774"/>
-            <a:ext cx="1723291" cy="522260"/>
-          </a:xfrm>
-          <a:prstGeom prst="rect">
-            <a:avLst/>
-          </a:prstGeom>
-          <a:solidFill>
-            <a:srgbClr val="FFC000">
-              <a:alpha val="60000"/>
-            </a:srgbClr>
-          </a:solidFill>
-          <a:ln>
-            <a:solidFill>
-              <a:schemeClr val="tx1"/>
-            </a:solidFill>
-          </a:ln>
-        </p:spPr>
-        <p:txBody>
-          <a:bodyPr wrap="square" rtlCol="0">
-            <a:noAutofit/>
-          </a:bodyPr>
-          <a:lstStyle/>
-          <a:p>
-            <a:r>
-              <a:rPr lang="en-US" altLang="ja-JP" sz="907" dirty="0">
-                <a:latin typeface="ＭＳ Ｐゴシック" panose="020B0600070205080204" pitchFamily="50" charset="-128"/>
-                <a:ea typeface="ＭＳ Ｐゴシック" panose="020B0600070205080204" pitchFamily="50" charset="-128"/>
-                <a:cs typeface="Arial" panose="020B0604020202020204" pitchFamily="34" charset="0"/>
-              </a:rPr>
-              <a:t>The valve for flow control is added. The valve type is the simplest one.</a:t>
-            </a:r>
-          </a:p>
-        </p:txBody>
-      </p:sp>
-      <p:sp>
-        <p:nvSpPr>
-          <p:cNvPr id="13" name="テキスト ボックス 12">
-            <a:extLst>
-              <a:ext uri="{FF2B5EF4-FFF2-40B4-BE49-F238E27FC236}">
-                <a16:creationId xmlns:a16="http://schemas.microsoft.com/office/drawing/2014/main" id="{CAD4A47B-D808-4264-8062-E43705237A7D}"/>
-              </a:ext>
-            </a:extLst>
-          </p:cNvPr>
-          <p:cNvSpPr txBox="1"/>
-          <p:nvPr/>
-        </p:nvSpPr>
-        <p:spPr>
-          <a:xfrm>
-            <a:off x="4892430" y="999195"/>
-            <a:ext cx="1723291" cy="634219"/>
-          </a:xfrm>
-          <a:prstGeom prst="rect">
-            <a:avLst/>
-          </a:prstGeom>
-          <a:solidFill>
-            <a:srgbClr val="FFC000">
-              <a:alpha val="60000"/>
-            </a:srgbClr>
-          </a:solidFill>
-          <a:ln>
-            <a:solidFill>
-              <a:schemeClr val="tx1"/>
-            </a:solidFill>
-          </a:ln>
-        </p:spPr>
-        <p:txBody>
-          <a:bodyPr wrap="square" rtlCol="0">
-            <a:noAutofit/>
-          </a:bodyPr>
-          <a:lstStyle/>
-          <a:p>
-            <a:r>
-              <a:rPr lang="en-US" altLang="ja-JP" sz="907" dirty="0">
-                <a:latin typeface="ＭＳ Ｐゴシック" panose="020B0600070205080204" pitchFamily="50" charset="-128"/>
-                <a:ea typeface="ＭＳ Ｐゴシック" panose="020B0600070205080204" pitchFamily="50" charset="-128"/>
-                <a:cs typeface="Arial" panose="020B0604020202020204" pitchFamily="34" charset="0"/>
-              </a:rPr>
-              <a:t>The components so as to provide mechanical rotational speed (in [rpm]) to flange connector are added.</a:t>
-            </a:r>
-          </a:p>
-        </p:txBody>
-      </p:sp>
     </p:spTree>
     <p:extLst>
       <p:ext uri="{BB962C8B-B14F-4D97-AF65-F5344CB8AC3E}">
-        <p14:creationId xmlns:p14="http://schemas.microsoft.com/office/powerpoint/2010/main" val="3694756281"/>
+        <p14:creationId xmlns:p14="http://schemas.microsoft.com/office/powerpoint/2010/main" val="1883206660"/>
       </p:ext>
     </p:extLst>
   </p:cSld>
@@ -10441,7 +10300,7 @@
           <p:cNvPr id="3" name="図 2">
             <a:extLst>
               <a:ext uri="{FF2B5EF4-FFF2-40B4-BE49-F238E27FC236}">
-                <a16:creationId xmlns:a16="http://schemas.microsoft.com/office/drawing/2014/main" id="{F8AC4DBC-FEA5-4253-BDF8-CD3A4339771B}"/>
+                <a16:creationId xmlns:a16="http://schemas.microsoft.com/office/drawing/2014/main" id="{61B8F0D8-5E34-4DC1-B93E-6679D631A3F9}"/>
               </a:ext>
             </a:extLst>
           </p:cNvPr>
@@ -10458,8 +10317,8 @@
         </p:blipFill>
         <p:spPr>
           <a:xfrm>
-            <a:off x="2266569" y="625231"/>
-            <a:ext cx="7200000" cy="5475000"/>
+            <a:off x="2012782" y="0"/>
+            <a:ext cx="8166435" cy="6858000"/>
           </a:xfrm>
           <a:prstGeom prst="rect">
             <a:avLst/>
@@ -10468,10 +10327,10 @@
       </p:pic>
       <p:sp>
         <p:nvSpPr>
-          <p:cNvPr id="4" name="テキスト ボックス 3">
-            <a:extLst>
-              <a:ext uri="{FF2B5EF4-FFF2-40B4-BE49-F238E27FC236}">
-                <a16:creationId xmlns:a16="http://schemas.microsoft.com/office/drawing/2014/main" id="{08048CC4-757D-4FD8-90FB-4A303419B072}"/>
+          <p:cNvPr id="5" name="テキスト ボックス 4">
+            <a:extLst>
+              <a:ext uri="{FF2B5EF4-FFF2-40B4-BE49-F238E27FC236}">
+                <a16:creationId xmlns:a16="http://schemas.microsoft.com/office/drawing/2014/main" id="{1677C04D-C665-45AD-879E-63BB3E2A5148}"/>
               </a:ext>
             </a:extLst>
           </p:cNvPr>
@@ -10480,99 +10339,42 @@
         </p:nvSpPr>
         <p:spPr>
           <a:xfrm>
-            <a:off x="2877340" y="1910917"/>
-            <a:ext cx="1914473" cy="407083"/>
+            <a:off x="78153" y="0"/>
+            <a:ext cx="4079632" cy="461665"/>
           </a:xfrm>
           <a:prstGeom prst="rect">
             <a:avLst/>
           </a:prstGeom>
-          <a:solidFill>
-            <a:schemeClr val="accent5">
-              <a:lumMod val="40000"/>
-              <a:lumOff val="60000"/>
-            </a:schemeClr>
-          </a:solidFill>
-          <a:ln>
-            <a:solidFill>
-              <a:schemeClr val="tx1"/>
-            </a:solidFill>
-          </a:ln>
+          <a:noFill/>
         </p:spPr>
         <p:txBody>
           <a:bodyPr wrap="square" rtlCol="0">
-            <a:noAutofit/>
+            <a:spAutoFit/>
           </a:bodyPr>
           <a:lstStyle/>
           <a:p>
             <a:r>
-              <a:rPr lang="en-US" altLang="ja-JP" sz="907" dirty="0">
-                <a:latin typeface="ＭＳ Ｐゴシック" panose="020B0600070205080204" pitchFamily="50" charset="-128"/>
-                <a:ea typeface="ＭＳ Ｐゴシック" panose="020B0600070205080204" pitchFamily="50" charset="-128"/>
-                <a:cs typeface="Arial" panose="020B0604020202020204" pitchFamily="34" charset="0"/>
-              </a:rPr>
-              <a:t>Input: </a:t>
-            </a:r>
-          </a:p>
-          <a:p>
-            <a:r>
-              <a:rPr lang="en-US" altLang="ja-JP" sz="907" dirty="0">
-                <a:latin typeface="ＭＳ Ｐゴシック" panose="020B0600070205080204" pitchFamily="50" charset="-128"/>
-                <a:ea typeface="ＭＳ Ｐゴシック" panose="020B0600070205080204" pitchFamily="50" charset="-128"/>
-                <a:cs typeface="Arial" panose="020B0604020202020204" pitchFamily="34" charset="0"/>
-              </a:rPr>
-              <a:t> mechanical rotary speed of pump.</a:t>
-            </a:r>
-          </a:p>
-        </p:txBody>
-      </p:sp>
-      <p:cxnSp>
-        <p:nvCxnSpPr>
-          <p:cNvPr id="5" name="直線矢印コネクタ 4">
-            <a:extLst>
-              <a:ext uri="{FF2B5EF4-FFF2-40B4-BE49-F238E27FC236}">
-                <a16:creationId xmlns:a16="http://schemas.microsoft.com/office/drawing/2014/main" id="{40BD18DC-893E-42DB-9157-2C98754E3C91}"/>
-              </a:ext>
-            </a:extLst>
-          </p:cNvPr>
-          <p:cNvCxnSpPr>
-            <a:cxnSpLocks/>
-          </p:cNvCxnSpPr>
-          <p:nvPr/>
-        </p:nvCxnSpPr>
-        <p:spPr>
-          <a:xfrm>
-            <a:off x="3858247" y="2318002"/>
-            <a:ext cx="568379" cy="571738"/>
-          </a:xfrm>
-          <a:prstGeom prst="straightConnector1">
-            <a:avLst/>
-          </a:prstGeom>
-          <a:ln w="12700">
-            <a:solidFill>
-              <a:schemeClr val="tx1"/>
-            </a:solidFill>
-            <a:tailEnd type="oval"/>
-          </a:ln>
-        </p:spPr>
-        <p:style>
-          <a:lnRef idx="1">
-            <a:schemeClr val="accent1"/>
-          </a:lnRef>
-          <a:fillRef idx="0">
-            <a:schemeClr val="accent1"/>
-          </a:fillRef>
-          <a:effectRef idx="0">
-            <a:schemeClr val="accent1"/>
-          </a:effectRef>
-          <a:fontRef idx="minor">
-            <a:schemeClr val="tx1"/>
-          </a:fontRef>
-        </p:style>
-      </p:cxnSp>
+              <a:rPr lang="en-US" altLang="ja-JP" sz="2400" dirty="0">
+                <a:solidFill>
+                  <a:srgbClr val="000000"/>
+                </a:solidFill>
+                <a:effectLst/>
+                <a:latin typeface="Times New Roman" panose="02020603050405020304" pitchFamily="18" charset="0"/>
+                <a:cs typeface="Times New Roman" panose="02020603050405020304" pitchFamily="18" charset="0"/>
+              </a:rPr>
+              <a:t>pumpingSystem_ex03</a:t>
+            </a:r>
+            <a:endParaRPr kumimoji="1" lang="ja-JP" altLang="en-US" sz="2400" dirty="0">
+              <a:latin typeface="Times New Roman" panose="02020603050405020304" pitchFamily="18" charset="0"/>
+              <a:cs typeface="Times New Roman" panose="02020603050405020304" pitchFamily="18" charset="0"/>
+            </a:endParaRPr>
+          </a:p>
+        </p:txBody>
+      </p:sp>
     </p:spTree>
     <p:extLst>
       <p:ext uri="{BB962C8B-B14F-4D97-AF65-F5344CB8AC3E}">
-        <p14:creationId xmlns:p14="http://schemas.microsoft.com/office/powerpoint/2010/main" val="3015573138"/>
+        <p14:creationId xmlns:p14="http://schemas.microsoft.com/office/powerpoint/2010/main" val="1816954010"/>
       </p:ext>
     </p:extLst>
   </p:cSld>
@@ -10604,7 +10406,7 @@
           <p:cNvPr id="3" name="図 2">
             <a:extLst>
               <a:ext uri="{FF2B5EF4-FFF2-40B4-BE49-F238E27FC236}">
-                <a16:creationId xmlns:a16="http://schemas.microsoft.com/office/drawing/2014/main" id="{1847578C-9FF8-4BCC-8983-8A82A7342D8B}"/>
+                <a16:creationId xmlns:a16="http://schemas.microsoft.com/office/drawing/2014/main" id="{32D34272-BA97-4DCD-8AE9-32A0849B8DE5}"/>
               </a:ext>
             </a:extLst>
           </p:cNvPr>
@@ -10621,8 +10423,8 @@
         </p:blipFill>
         <p:spPr>
           <a:xfrm>
-            <a:off x="1575564" y="1"/>
-            <a:ext cx="7200000" cy="5461597"/>
+            <a:off x="2012782" y="0"/>
+            <a:ext cx="8166435" cy="6858000"/>
           </a:xfrm>
           <a:prstGeom prst="rect">
             <a:avLst/>
@@ -10631,10 +10433,166 @@
       </p:pic>
       <p:sp>
         <p:nvSpPr>
-          <p:cNvPr id="4" name="テキスト ボックス 3">
-            <a:extLst>
-              <a:ext uri="{FF2B5EF4-FFF2-40B4-BE49-F238E27FC236}">
-                <a16:creationId xmlns:a16="http://schemas.microsoft.com/office/drawing/2014/main" id="{F04857F9-A400-47F5-B77E-3BA728FB5ED5}"/>
+          <p:cNvPr id="2" name="フレーム 1">
+            <a:extLst>
+              <a:ext uri="{FF2B5EF4-FFF2-40B4-BE49-F238E27FC236}">
+                <a16:creationId xmlns:a16="http://schemas.microsoft.com/office/drawing/2014/main" id="{7AAE769D-2D13-46DB-9A20-97468D83FF43}"/>
+              </a:ext>
+            </a:extLst>
+          </p:cNvPr>
+          <p:cNvSpPr/>
+          <p:nvPr/>
+        </p:nvSpPr>
+        <p:spPr>
+          <a:xfrm>
+            <a:off x="4282834" y="3128887"/>
+            <a:ext cx="1406769" cy="1143391"/>
+          </a:xfrm>
+          <a:prstGeom prst="frame">
+            <a:avLst>
+              <a:gd name="adj1" fmla="val 4204"/>
+            </a:avLst>
+          </a:prstGeom>
+        </p:spPr>
+        <p:style>
+          <a:lnRef idx="2">
+            <a:schemeClr val="accent2">
+              <a:shade val="50000"/>
+            </a:schemeClr>
+          </a:lnRef>
+          <a:fillRef idx="1">
+            <a:schemeClr val="accent2"/>
+          </a:fillRef>
+          <a:effectRef idx="0">
+            <a:schemeClr val="accent2"/>
+          </a:effectRef>
+          <a:fontRef idx="minor">
+            <a:schemeClr val="lt1"/>
+          </a:fontRef>
+        </p:style>
+        <p:txBody>
+          <a:bodyPr rtlCol="0" anchor="ctr"/>
+          <a:lstStyle/>
+          <a:p>
+            <a:pPr algn="ctr"/>
+            <a:endParaRPr kumimoji="1" lang="ja-JP" altLang="en-US">
+              <a:solidFill>
+                <a:schemeClr val="tx1"/>
+              </a:solidFill>
+            </a:endParaRPr>
+          </a:p>
+        </p:txBody>
+      </p:sp>
+      <p:sp>
+        <p:nvSpPr>
+          <p:cNvPr id="5" name="フレーム 4">
+            <a:extLst>
+              <a:ext uri="{FF2B5EF4-FFF2-40B4-BE49-F238E27FC236}">
+                <a16:creationId xmlns:a16="http://schemas.microsoft.com/office/drawing/2014/main" id="{B99CBC56-B4EC-4BFC-9418-048B452D66F8}"/>
+              </a:ext>
+            </a:extLst>
+          </p:cNvPr>
+          <p:cNvSpPr/>
+          <p:nvPr/>
+        </p:nvSpPr>
+        <p:spPr>
+          <a:xfrm>
+            <a:off x="3028465" y="1264919"/>
+            <a:ext cx="1863966" cy="1071882"/>
+          </a:xfrm>
+          <a:prstGeom prst="frame">
+            <a:avLst>
+              <a:gd name="adj1" fmla="val 4204"/>
+            </a:avLst>
+          </a:prstGeom>
+        </p:spPr>
+        <p:style>
+          <a:lnRef idx="2">
+            <a:schemeClr val="accent2">
+              <a:shade val="50000"/>
+            </a:schemeClr>
+          </a:lnRef>
+          <a:fillRef idx="1">
+            <a:schemeClr val="accent2"/>
+          </a:fillRef>
+          <a:effectRef idx="0">
+            <a:schemeClr val="accent2"/>
+          </a:effectRef>
+          <a:fontRef idx="minor">
+            <a:schemeClr val="lt1"/>
+          </a:fontRef>
+        </p:style>
+        <p:txBody>
+          <a:bodyPr rtlCol="0" anchor="ctr"/>
+          <a:lstStyle/>
+          <a:p>
+            <a:pPr algn="ctr"/>
+            <a:endParaRPr kumimoji="1" lang="ja-JP" altLang="en-US">
+              <a:solidFill>
+                <a:schemeClr val="tx1"/>
+              </a:solidFill>
+            </a:endParaRPr>
+          </a:p>
+        </p:txBody>
+      </p:sp>
+      <p:sp>
+        <p:nvSpPr>
+          <p:cNvPr id="7" name="フレーム 6">
+            <a:extLst>
+              <a:ext uri="{FF2B5EF4-FFF2-40B4-BE49-F238E27FC236}">
+                <a16:creationId xmlns:a16="http://schemas.microsoft.com/office/drawing/2014/main" id="{587FFB17-BA93-4C1F-B752-CD5C54FE043A}"/>
+              </a:ext>
+            </a:extLst>
+          </p:cNvPr>
+          <p:cNvSpPr/>
+          <p:nvPr/>
+        </p:nvSpPr>
+        <p:spPr>
+          <a:xfrm>
+            <a:off x="8158337" y="3128887"/>
+            <a:ext cx="1056926" cy="1143391"/>
+          </a:xfrm>
+          <a:prstGeom prst="frame">
+            <a:avLst>
+              <a:gd name="adj1" fmla="val 4204"/>
+            </a:avLst>
+          </a:prstGeom>
+        </p:spPr>
+        <p:style>
+          <a:lnRef idx="2">
+            <a:schemeClr val="accent2">
+              <a:shade val="50000"/>
+            </a:schemeClr>
+          </a:lnRef>
+          <a:fillRef idx="1">
+            <a:schemeClr val="accent2"/>
+          </a:fillRef>
+          <a:effectRef idx="0">
+            <a:schemeClr val="accent2"/>
+          </a:effectRef>
+          <a:fontRef idx="minor">
+            <a:schemeClr val="lt1"/>
+          </a:fontRef>
+        </p:style>
+        <p:txBody>
+          <a:bodyPr rtlCol="0" anchor="ctr"/>
+          <a:lstStyle/>
+          <a:p>
+            <a:pPr algn="ctr"/>
+            <a:endParaRPr kumimoji="1" lang="ja-JP" altLang="en-US">
+              <a:solidFill>
+                <a:schemeClr val="tx1"/>
+              </a:solidFill>
+            </a:endParaRPr>
+          </a:p>
+        </p:txBody>
+      </p:sp>
+      <p:sp>
+        <p:nvSpPr>
+          <p:cNvPr id="9" name="テキスト ボックス 8">
+            <a:extLst>
+              <a:ext uri="{FF2B5EF4-FFF2-40B4-BE49-F238E27FC236}">
+                <a16:creationId xmlns:a16="http://schemas.microsoft.com/office/drawing/2014/main" id="{D2494B0F-F052-471F-AD2A-BC69B2B098AB}"/>
               </a:ext>
             </a:extLst>
           </p:cNvPr>
@@ -10643,17 +10601,16 @@
         </p:nvSpPr>
         <p:spPr>
           <a:xfrm>
-            <a:off x="5769032" y="1192860"/>
-            <a:ext cx="1914473" cy="407083"/>
+            <a:off x="3169139" y="4253527"/>
+            <a:ext cx="1723291" cy="474782"/>
           </a:xfrm>
           <a:prstGeom prst="rect">
             <a:avLst/>
           </a:prstGeom>
           <a:solidFill>
-            <a:schemeClr val="accent5">
-              <a:lumMod val="40000"/>
-              <a:lumOff val="60000"/>
-            </a:schemeClr>
+            <a:srgbClr val="FFC000">
+              <a:alpha val="60000"/>
+            </a:srgbClr>
           </a:solidFill>
           <a:ln>
             <a:solidFill>
@@ -10673,9 +10630,47 @@
                 <a:ea typeface="ＭＳ Ｐゴシック" panose="020B0600070205080204" pitchFamily="50" charset="-128"/>
                 <a:cs typeface="Arial" panose="020B0604020202020204" pitchFamily="34" charset="0"/>
               </a:rPr>
-              <a:t>Input: </a:t>
-            </a:r>
-          </a:p>
+              <a:t>“Prescribed pump” is replaced with “pump”</a:t>
+            </a:r>
+          </a:p>
+        </p:txBody>
+      </p:sp>
+      <p:sp>
+        <p:nvSpPr>
+          <p:cNvPr id="11" name="テキスト ボックス 10">
+            <a:extLst>
+              <a:ext uri="{FF2B5EF4-FFF2-40B4-BE49-F238E27FC236}">
+                <a16:creationId xmlns:a16="http://schemas.microsoft.com/office/drawing/2014/main" id="{0383B898-15CD-4923-9CE9-7C28D4E97811}"/>
+              </a:ext>
+            </a:extLst>
+          </p:cNvPr>
+          <p:cNvSpPr txBox="1"/>
+          <p:nvPr/>
+        </p:nvSpPr>
+        <p:spPr>
+          <a:xfrm>
+            <a:off x="7825154" y="4272774"/>
+            <a:ext cx="1723291" cy="522260"/>
+          </a:xfrm>
+          <a:prstGeom prst="rect">
+            <a:avLst/>
+          </a:prstGeom>
+          <a:solidFill>
+            <a:srgbClr val="FFC000">
+              <a:alpha val="60000"/>
+            </a:srgbClr>
+          </a:solidFill>
+          <a:ln>
+            <a:solidFill>
+              <a:schemeClr val="tx1"/>
+            </a:solidFill>
+          </a:ln>
+        </p:spPr>
+        <p:txBody>
+          <a:bodyPr wrap="square" rtlCol="0">
+            <a:noAutofit/>
+          </a:bodyPr>
+          <a:lstStyle/>
           <a:p>
             <a:r>
               <a:rPr lang="en-US" altLang="ja-JP" sz="907" dirty="0">
@@ -10683,59 +10678,63 @@
                 <a:ea typeface="ＭＳ Ｐゴシック" panose="020B0600070205080204" pitchFamily="50" charset="-128"/>
                 <a:cs typeface="Arial" panose="020B0604020202020204" pitchFamily="34" charset="0"/>
               </a:rPr>
-              <a:t> opening of linear valve.</a:t>
-            </a:r>
-          </a:p>
-        </p:txBody>
-      </p:sp>
-      <p:cxnSp>
-        <p:nvCxnSpPr>
-          <p:cNvPr id="5" name="直線矢印コネクタ 4">
-            <a:extLst>
-              <a:ext uri="{FF2B5EF4-FFF2-40B4-BE49-F238E27FC236}">
-                <a16:creationId xmlns:a16="http://schemas.microsoft.com/office/drawing/2014/main" id="{B21A708C-9005-4C26-BFC1-140520D85C8C}"/>
-              </a:ext>
-            </a:extLst>
-          </p:cNvPr>
-          <p:cNvCxnSpPr>
-            <a:cxnSpLocks/>
-          </p:cNvCxnSpPr>
-          <p:nvPr/>
-        </p:nvCxnSpPr>
-        <p:spPr>
-          <a:xfrm flipH="1">
-            <a:off x="5775569" y="1599945"/>
-            <a:ext cx="974370" cy="791563"/>
-          </a:xfrm>
-          <a:prstGeom prst="straightConnector1">
-            <a:avLst/>
-          </a:prstGeom>
-          <a:ln w="12700">
+              <a:t>The valve for flow control is added. The valve type is the simplest one.</a:t>
+            </a:r>
+          </a:p>
+        </p:txBody>
+      </p:sp>
+      <p:sp>
+        <p:nvSpPr>
+          <p:cNvPr id="13" name="テキスト ボックス 12">
+            <a:extLst>
+              <a:ext uri="{FF2B5EF4-FFF2-40B4-BE49-F238E27FC236}">
+                <a16:creationId xmlns:a16="http://schemas.microsoft.com/office/drawing/2014/main" id="{CAD4A47B-D808-4264-8062-E43705237A7D}"/>
+              </a:ext>
+            </a:extLst>
+          </p:cNvPr>
+          <p:cNvSpPr txBox="1"/>
+          <p:nvPr/>
+        </p:nvSpPr>
+        <p:spPr>
+          <a:xfrm>
+            <a:off x="4892430" y="999195"/>
+            <a:ext cx="1723291" cy="634219"/>
+          </a:xfrm>
+          <a:prstGeom prst="rect">
+            <a:avLst/>
+          </a:prstGeom>
+          <a:solidFill>
+            <a:srgbClr val="FFC000">
+              <a:alpha val="60000"/>
+            </a:srgbClr>
+          </a:solidFill>
+          <a:ln>
             <a:solidFill>
               <a:schemeClr val="tx1"/>
             </a:solidFill>
-            <a:tailEnd type="oval"/>
           </a:ln>
         </p:spPr>
-        <p:style>
-          <a:lnRef idx="1">
-            <a:schemeClr val="accent1"/>
-          </a:lnRef>
-          <a:fillRef idx="0">
-            <a:schemeClr val="accent1"/>
-          </a:fillRef>
-          <a:effectRef idx="0">
-            <a:schemeClr val="accent1"/>
-          </a:effectRef>
-          <a:fontRef idx="minor">
-            <a:schemeClr val="tx1"/>
-          </a:fontRef>
-        </p:style>
-      </p:cxnSp>
+        <p:txBody>
+          <a:bodyPr wrap="square" rtlCol="0">
+            <a:noAutofit/>
+          </a:bodyPr>
+          <a:lstStyle/>
+          <a:p>
+            <a:r>
+              <a:rPr lang="en-US" altLang="ja-JP" sz="907" dirty="0">
+                <a:latin typeface="ＭＳ Ｐゴシック" panose="020B0600070205080204" pitchFamily="50" charset="-128"/>
+                <a:ea typeface="ＭＳ Ｐゴシック" panose="020B0600070205080204" pitchFamily="50" charset="-128"/>
+                <a:cs typeface="Arial" panose="020B0604020202020204" pitchFamily="34" charset="0"/>
+              </a:rPr>
+              <a:t>The components so as to provide mechanical rotational speed (in [rpm]) to flange connector are added.</a:t>
+            </a:r>
+          </a:p>
+        </p:txBody>
+      </p:sp>
     </p:spTree>
     <p:extLst>
       <p:ext uri="{BB962C8B-B14F-4D97-AF65-F5344CB8AC3E}">
-        <p14:creationId xmlns:p14="http://schemas.microsoft.com/office/powerpoint/2010/main" val="1627802046"/>
+        <p14:creationId xmlns:p14="http://schemas.microsoft.com/office/powerpoint/2010/main" val="3694756281"/>
       </p:ext>
     </p:extLst>
   </p:cSld>
@@ -10767,7 +10766,7 @@
           <p:cNvPr id="3" name="図 2">
             <a:extLst>
               <a:ext uri="{FF2B5EF4-FFF2-40B4-BE49-F238E27FC236}">
-                <a16:creationId xmlns:a16="http://schemas.microsoft.com/office/drawing/2014/main" id="{D103C8E6-D436-4C3A-862B-EEC76A149710}"/>
+                <a16:creationId xmlns:a16="http://schemas.microsoft.com/office/drawing/2014/main" id="{F8AC4DBC-FEA5-4253-BDF8-CD3A4339771B}"/>
               </a:ext>
             </a:extLst>
           </p:cNvPr>
@@ -10784,8 +10783,8 @@
         </p:blipFill>
         <p:spPr>
           <a:xfrm>
-            <a:off x="2153101" y="593970"/>
-            <a:ext cx="7200000" cy="5470085"/>
+            <a:off x="2266569" y="625231"/>
+            <a:ext cx="7200000" cy="5475000"/>
           </a:xfrm>
           <a:prstGeom prst="rect">
             <a:avLst/>
@@ -10797,7 +10796,7 @@
           <p:cNvPr id="4" name="テキスト ボックス 3">
             <a:extLst>
               <a:ext uri="{FF2B5EF4-FFF2-40B4-BE49-F238E27FC236}">
-                <a16:creationId xmlns:a16="http://schemas.microsoft.com/office/drawing/2014/main" id="{F9434070-10CF-4EB5-A8B7-5B948DFB514F}"/>
+                <a16:creationId xmlns:a16="http://schemas.microsoft.com/office/drawing/2014/main" id="{08048CC4-757D-4FD8-90FB-4A303419B072}"/>
               </a:ext>
             </a:extLst>
           </p:cNvPr>
@@ -10806,14 +10805,17 @@
         </p:nvSpPr>
         <p:spPr>
           <a:xfrm>
-            <a:off x="4646090" y="3646151"/>
-            <a:ext cx="1958606" cy="363142"/>
+            <a:off x="2877340" y="1910917"/>
+            <a:ext cx="1914473" cy="407083"/>
           </a:xfrm>
           <a:prstGeom prst="rect">
             <a:avLst/>
           </a:prstGeom>
           <a:solidFill>
-            <a:srgbClr val="FFFF00"/>
+            <a:schemeClr val="accent5">
+              <a:lumMod val="40000"/>
+              <a:lumOff val="60000"/>
+            </a:schemeClr>
           </a:solidFill>
           <a:ln>
             <a:solidFill>
@@ -10828,20 +10830,22 @@
           <a:lstStyle/>
           <a:p>
             <a:r>
-              <a:rPr lang="en-US" altLang="ja-JP" sz="726" dirty="0">
-                <a:latin typeface="Arial" panose="020B0604020202020204" pitchFamily="34" charset="0"/>
+              <a:rPr lang="en-US" altLang="ja-JP" sz="907" dirty="0">
+                <a:latin typeface="ＭＳ Ｐゴシック" panose="020B0600070205080204" pitchFamily="50" charset="-128"/>
+                <a:ea typeface="ＭＳ Ｐゴシック" panose="020B0600070205080204" pitchFamily="50" charset="-128"/>
                 <a:cs typeface="Arial" panose="020B0604020202020204" pitchFamily="34" charset="0"/>
               </a:rPr>
-              <a:t>Output: </a:t>
-            </a:r>
-          </a:p>
-          <a:p>
-            <a:r>
-              <a:rPr lang="en-US" altLang="ja-JP" sz="726" dirty="0">
-                <a:latin typeface="Arial" panose="020B0604020202020204" pitchFamily="34" charset="0"/>
+              <a:t>Input: </a:t>
+            </a:r>
+          </a:p>
+          <a:p>
+            <a:r>
+              <a:rPr lang="en-US" altLang="ja-JP" sz="907" dirty="0">
+                <a:latin typeface="ＭＳ Ｐゴシック" panose="020B0600070205080204" pitchFamily="50" charset="-128"/>
+                <a:ea typeface="ＭＳ Ｐゴシック" panose="020B0600070205080204" pitchFamily="50" charset="-128"/>
                 <a:cs typeface="Arial" panose="020B0604020202020204" pitchFamily="34" charset="0"/>
               </a:rPr>
-              <a:t>Volumetric flow rate through pump. </a:t>
+              <a:t> mechanical rotary speed of pump.</a:t>
             </a:r>
           </a:p>
         </p:txBody>
@@ -10851,20 +10855,19 @@
           <p:cNvPr id="5" name="直線矢印コネクタ 4">
             <a:extLst>
               <a:ext uri="{FF2B5EF4-FFF2-40B4-BE49-F238E27FC236}">
-                <a16:creationId xmlns:a16="http://schemas.microsoft.com/office/drawing/2014/main" id="{55723E37-C7F7-43B9-9266-D8BAE9554E06}"/>
+                <a16:creationId xmlns:a16="http://schemas.microsoft.com/office/drawing/2014/main" id="{40BD18DC-893E-42DB-9157-2C98754E3C91}"/>
               </a:ext>
             </a:extLst>
           </p:cNvPr>
           <p:cNvCxnSpPr>
             <a:cxnSpLocks/>
-            <a:stCxn id="4" idx="0"/>
           </p:cNvCxnSpPr>
           <p:nvPr/>
         </p:nvCxnSpPr>
         <p:spPr>
-          <a:xfrm flipH="1" flipV="1">
-            <a:off x="4306277" y="2988545"/>
-            <a:ext cx="1319116" cy="657606"/>
+          <a:xfrm>
+            <a:off x="3858247" y="2318002"/>
+            <a:ext cx="568379" cy="571738"/>
           </a:xfrm>
           <a:prstGeom prst="straightConnector1">
             <a:avLst/>
@@ -10894,7 +10897,7 @@
     </p:spTree>
     <p:extLst>
       <p:ext uri="{BB962C8B-B14F-4D97-AF65-F5344CB8AC3E}">
-        <p14:creationId xmlns:p14="http://schemas.microsoft.com/office/powerpoint/2010/main" val="653626821"/>
+        <p14:creationId xmlns:p14="http://schemas.microsoft.com/office/powerpoint/2010/main" val="3015573138"/>
       </p:ext>
     </p:extLst>
   </p:cSld>
@@ -10926,7 +10929,7 @@
           <p:cNvPr id="3" name="図 2">
             <a:extLst>
               <a:ext uri="{FF2B5EF4-FFF2-40B4-BE49-F238E27FC236}">
-                <a16:creationId xmlns:a16="http://schemas.microsoft.com/office/drawing/2014/main" id="{93D12387-51E1-468F-836C-3EDAC92ADAB5}"/>
+                <a16:creationId xmlns:a16="http://schemas.microsoft.com/office/drawing/2014/main" id="{1847578C-9FF8-4BCC-8983-8A82A7342D8B}"/>
               </a:ext>
             </a:extLst>
           </p:cNvPr>
@@ -10956,7 +10959,7 @@
           <p:cNvPr id="4" name="テキスト ボックス 3">
             <a:extLst>
               <a:ext uri="{FF2B5EF4-FFF2-40B4-BE49-F238E27FC236}">
-                <a16:creationId xmlns:a16="http://schemas.microsoft.com/office/drawing/2014/main" id="{C85EB216-2B5B-404D-AF7F-AE646619A01B}"/>
+                <a16:creationId xmlns:a16="http://schemas.microsoft.com/office/drawing/2014/main" id="{F04857F9-A400-47F5-B77E-3BA728FB5ED5}"/>
               </a:ext>
             </a:extLst>
           </p:cNvPr>
@@ -10965,14 +10968,17 @@
         </p:nvSpPr>
         <p:spPr>
           <a:xfrm>
-            <a:off x="5232244" y="3310089"/>
-            <a:ext cx="1958606" cy="503819"/>
+            <a:off x="5769032" y="1192860"/>
+            <a:ext cx="1914473" cy="407083"/>
           </a:xfrm>
           <a:prstGeom prst="rect">
             <a:avLst/>
           </a:prstGeom>
           <a:solidFill>
-            <a:srgbClr val="FFFF00"/>
+            <a:schemeClr val="accent5">
+              <a:lumMod val="40000"/>
+              <a:lumOff val="60000"/>
+            </a:schemeClr>
           </a:solidFill>
           <a:ln>
             <a:solidFill>
@@ -10987,20 +10993,22 @@
           <a:lstStyle/>
           <a:p>
             <a:r>
-              <a:rPr lang="en-US" altLang="ja-JP" sz="726" dirty="0">
-                <a:latin typeface="Arial" panose="020B0604020202020204" pitchFamily="34" charset="0"/>
+              <a:rPr lang="en-US" altLang="ja-JP" sz="907" dirty="0">
+                <a:latin typeface="ＭＳ Ｐゴシック" panose="020B0600070205080204" pitchFamily="50" charset="-128"/>
+                <a:ea typeface="ＭＳ Ｐゴシック" panose="020B0600070205080204" pitchFamily="50" charset="-128"/>
                 <a:cs typeface="Arial" panose="020B0604020202020204" pitchFamily="34" charset="0"/>
               </a:rPr>
-              <a:t>Output: </a:t>
-            </a:r>
-          </a:p>
-          <a:p>
-            <a:r>
-              <a:rPr lang="en-US" altLang="ja-JP" sz="726" dirty="0">
-                <a:latin typeface="Arial" panose="020B0604020202020204" pitchFamily="34" charset="0"/>
+              <a:t>Input: </a:t>
+            </a:r>
+          </a:p>
+          <a:p>
+            <a:r>
+              <a:rPr lang="en-US" altLang="ja-JP" sz="907" dirty="0">
+                <a:latin typeface="ＭＳ Ｐゴシック" panose="020B0600070205080204" pitchFamily="50" charset="-128"/>
+                <a:ea typeface="ＭＳ Ｐゴシック" panose="020B0600070205080204" pitchFamily="50" charset="-128"/>
                 <a:cs typeface="Arial" panose="020B0604020202020204" pitchFamily="34" charset="0"/>
               </a:rPr>
-              <a:t>Pump’s volumetric flow rate vs. mechanical rotation speed. </a:t>
+              <a:t> opening of linear valve.</a:t>
             </a:r>
           </a:p>
         </p:txBody>
@@ -11010,20 +11018,19 @@
           <p:cNvPr id="5" name="直線矢印コネクタ 4">
             <a:extLst>
               <a:ext uri="{FF2B5EF4-FFF2-40B4-BE49-F238E27FC236}">
-                <a16:creationId xmlns:a16="http://schemas.microsoft.com/office/drawing/2014/main" id="{3350D9C6-8D07-4514-A727-BC97D51E7E67}"/>
+                <a16:creationId xmlns:a16="http://schemas.microsoft.com/office/drawing/2014/main" id="{B21A708C-9005-4C26-BFC1-140520D85C8C}"/>
               </a:ext>
             </a:extLst>
           </p:cNvPr>
           <p:cNvCxnSpPr>
             <a:cxnSpLocks/>
-            <a:stCxn id="4" idx="0"/>
           </p:cNvCxnSpPr>
           <p:nvPr/>
         </p:nvCxnSpPr>
         <p:spPr>
-          <a:xfrm flipH="1" flipV="1">
-            <a:off x="4892431" y="2652483"/>
-            <a:ext cx="1319116" cy="657606"/>
+          <a:xfrm flipH="1">
+            <a:off x="5775569" y="1599945"/>
+            <a:ext cx="974370" cy="791563"/>
           </a:xfrm>
           <a:prstGeom prst="straightConnector1">
             <a:avLst/>
@@ -11053,7 +11060,7 @@
     </p:spTree>
     <p:extLst>
       <p:ext uri="{BB962C8B-B14F-4D97-AF65-F5344CB8AC3E}">
-        <p14:creationId xmlns:p14="http://schemas.microsoft.com/office/powerpoint/2010/main" val="3883380372"/>
+        <p14:creationId xmlns:p14="http://schemas.microsoft.com/office/powerpoint/2010/main" val="1627802046"/>
       </p:ext>
     </p:extLst>
   </p:cSld>
@@ -11082,10 +11089,10 @@
       </p:grpSpPr>
       <p:pic>
         <p:nvPicPr>
-          <p:cNvPr id="3" name="図 2">
-            <a:extLst>
-              <a:ext uri="{FF2B5EF4-FFF2-40B4-BE49-F238E27FC236}">
-                <a16:creationId xmlns:a16="http://schemas.microsoft.com/office/drawing/2014/main" id="{A839AE41-0437-4578-9490-EB34A2FCC212}"/>
+          <p:cNvPr id="10" name="図 9">
+            <a:extLst>
+              <a:ext uri="{FF2B5EF4-FFF2-40B4-BE49-F238E27FC236}">
+                <a16:creationId xmlns:a16="http://schemas.microsoft.com/office/drawing/2014/main" id="{8C5971E0-2234-4AE5-A94E-FCE73FAAA189}"/>
               </a:ext>
             </a:extLst>
           </p:cNvPr>
@@ -11102,8 +11109,8 @@
         </p:blipFill>
         <p:spPr>
           <a:xfrm>
-            <a:off x="1276317" y="586221"/>
-            <a:ext cx="7190476" cy="4400000"/>
+            <a:off x="1227484" y="969797"/>
+            <a:ext cx="8247619" cy="4400000"/>
           </a:xfrm>
           <a:prstGeom prst="rect">
             <a:avLst/>
@@ -11124,7 +11131,7 @@
         </p:nvSpPr>
         <p:spPr>
           <a:xfrm>
-            <a:off x="5104862" y="4956084"/>
+            <a:off x="5104862" y="5617287"/>
             <a:ext cx="2548820" cy="936716"/>
           </a:xfrm>
           <a:prstGeom prst="rect">
@@ -11202,7 +11209,7 @@
         </p:nvSpPr>
         <p:spPr>
           <a:xfrm rot="5400000">
-            <a:off x="6194438" y="4166435"/>
+            <a:off x="6194438" y="4877636"/>
             <a:ext cx="369669" cy="1194088"/>
           </a:xfrm>
           <a:prstGeom prst="rightBrace">
@@ -11249,7 +11256,7 @@
         </p:nvSpPr>
         <p:spPr>
           <a:xfrm>
-            <a:off x="6032839" y="1488203"/>
+            <a:off x="5942550" y="1816122"/>
             <a:ext cx="2067534" cy="440301"/>
           </a:xfrm>
           <a:prstGeom prst="rect">
@@ -11300,7 +11307,7 @@
         </p:nvCxnSpPr>
         <p:spPr>
           <a:xfrm flipH="1">
-            <a:off x="6279515" y="1928504"/>
+            <a:off x="6189226" y="2256423"/>
             <a:ext cx="787091" cy="715848"/>
           </a:xfrm>
           <a:prstGeom prst="straightConnector1">
@@ -11342,7 +11349,7 @@
         </p:nvSpPr>
         <p:spPr>
           <a:xfrm>
-            <a:off x="7304655" y="2217815"/>
+            <a:off x="7208443" y="2533466"/>
             <a:ext cx="2548820" cy="690204"/>
           </a:xfrm>
           <a:prstGeom prst="rect">
@@ -11403,7 +11410,7 @@
         </p:nvCxnSpPr>
         <p:spPr>
           <a:xfrm flipH="1">
-            <a:off x="6645935" y="2562917"/>
+            <a:off x="6549723" y="2878568"/>
             <a:ext cx="658720" cy="1299879"/>
           </a:xfrm>
           <a:prstGeom prst="straightConnector1">
@@ -11445,7 +11452,7 @@
         </p:nvSpPr>
         <p:spPr>
           <a:xfrm>
-            <a:off x="3283760" y="1621277"/>
+            <a:off x="3166262" y="1975784"/>
             <a:ext cx="2067534" cy="280639"/>
           </a:xfrm>
           <a:prstGeom prst="rect">
@@ -11496,7 +11503,7 @@
         </p:nvCxnSpPr>
         <p:spPr>
           <a:xfrm>
-            <a:off x="4317527" y="1901916"/>
+            <a:off x="4200029" y="2256423"/>
             <a:ext cx="0" cy="661001"/>
           </a:xfrm>
           <a:prstGeom prst="straightConnector1">
@@ -11538,7 +11545,7 @@
         </p:nvSpPr>
         <p:spPr>
           <a:xfrm>
-            <a:off x="4482189" y="441356"/>
+            <a:off x="3991079" y="969797"/>
             <a:ext cx="2067534" cy="784348"/>
           </a:xfrm>
           <a:prstGeom prst="rect">
@@ -11589,8 +11596,8 @@
         </p:nvCxnSpPr>
         <p:spPr>
           <a:xfrm>
-            <a:off x="5515956" y="1225704"/>
-            <a:ext cx="175764" cy="923628"/>
+            <a:off x="5024846" y="1754145"/>
+            <a:ext cx="218956" cy="1315023"/>
           </a:xfrm>
           <a:prstGeom prst="straightConnector1">
             <a:avLst/>
@@ -11634,8 +11641,8 @@
         </p:nvCxnSpPr>
         <p:spPr>
           <a:xfrm flipV="1">
-            <a:off x="2839062" y="2786222"/>
-            <a:ext cx="280037" cy="1008074"/>
+            <a:off x="1821070" y="3141785"/>
+            <a:ext cx="1148776" cy="1036662"/>
           </a:xfrm>
           <a:prstGeom prst="straightConnector1">
             <a:avLst/>
@@ -11676,7 +11683,7 @@
         </p:nvSpPr>
         <p:spPr>
           <a:xfrm>
-            <a:off x="1805295" y="3794296"/>
+            <a:off x="787303" y="4178447"/>
             <a:ext cx="2067534" cy="386935"/>
           </a:xfrm>
           <a:prstGeom prst="rect">
@@ -11710,6 +11717,144 @@
           </a:p>
         </p:txBody>
       </p:sp>
+      <p:sp>
+        <p:nvSpPr>
+          <p:cNvPr id="14" name="テキスト ボックス 13">
+            <a:extLst>
+              <a:ext uri="{FF2B5EF4-FFF2-40B4-BE49-F238E27FC236}">
+                <a16:creationId xmlns:a16="http://schemas.microsoft.com/office/drawing/2014/main" id="{8E626CE2-4AED-4A8D-8DF7-DA31775C263F}"/>
+              </a:ext>
+            </a:extLst>
+          </p:cNvPr>
+          <p:cNvSpPr txBox="1"/>
+          <p:nvPr/>
+        </p:nvSpPr>
+        <p:spPr>
+          <a:xfrm>
+            <a:off x="2500679" y="5501268"/>
+            <a:ext cx="2067534" cy="386935"/>
+          </a:xfrm>
+          <a:prstGeom prst="rect">
+            <a:avLst/>
+          </a:prstGeom>
+          <a:solidFill>
+            <a:srgbClr val="92D050">
+              <a:alpha val="60000"/>
+            </a:srgbClr>
+          </a:solidFill>
+          <a:ln>
+            <a:solidFill>
+              <a:schemeClr val="tx1"/>
+            </a:solidFill>
+          </a:ln>
+        </p:spPr>
+        <p:txBody>
+          <a:bodyPr wrap="square" rtlCol="0">
+            <a:noAutofit/>
+          </a:bodyPr>
+          <a:lstStyle/>
+          <a:p>
+            <a:r>
+              <a:rPr lang="en-US" altLang="ja-JP" sz="907" dirty="0">
+                <a:latin typeface="ＭＳ Ｐゴシック" panose="020B0600070205080204" pitchFamily="50" charset="-128"/>
+                <a:ea typeface="ＭＳ Ｐゴシック" panose="020B0600070205080204" pitchFamily="50" charset="-128"/>
+                <a:cs typeface="Arial" panose="020B0604020202020204" pitchFamily="34" charset="0"/>
+              </a:rPr>
+              <a:t>-. Place volumes to observe fluid states before and after pipe.</a:t>
+            </a:r>
+          </a:p>
+        </p:txBody>
+      </p:sp>
+      <p:cxnSp>
+        <p:nvCxnSpPr>
+          <p:cNvPr id="22" name="直線矢印コネクタ 21">
+            <a:extLst>
+              <a:ext uri="{FF2B5EF4-FFF2-40B4-BE49-F238E27FC236}">
+                <a16:creationId xmlns:a16="http://schemas.microsoft.com/office/drawing/2014/main" id="{49CCE243-620C-47C0-81A3-5D4B7170A92E}"/>
+              </a:ext>
+            </a:extLst>
+          </p:cNvPr>
+          <p:cNvCxnSpPr>
+            <a:cxnSpLocks/>
+            <a:stCxn id="14" idx="0"/>
+          </p:cNvCxnSpPr>
+          <p:nvPr/>
+        </p:nvCxnSpPr>
+        <p:spPr>
+          <a:xfrm flipV="1">
+            <a:off x="3534446" y="4921330"/>
+            <a:ext cx="1421851" cy="579938"/>
+          </a:xfrm>
+          <a:prstGeom prst="straightConnector1">
+            <a:avLst/>
+          </a:prstGeom>
+          <a:ln w="12700">
+            <a:solidFill>
+              <a:schemeClr val="tx1"/>
+            </a:solidFill>
+            <a:tailEnd type="oval"/>
+          </a:ln>
+        </p:spPr>
+        <p:style>
+          <a:lnRef idx="1">
+            <a:schemeClr val="accent1"/>
+          </a:lnRef>
+          <a:fillRef idx="0">
+            <a:schemeClr val="accent1"/>
+          </a:fillRef>
+          <a:effectRef idx="0">
+            <a:schemeClr val="accent1"/>
+          </a:effectRef>
+          <a:fontRef idx="minor">
+            <a:schemeClr val="tx1"/>
+          </a:fontRef>
+        </p:style>
+      </p:cxnSp>
+      <p:cxnSp>
+        <p:nvCxnSpPr>
+          <p:cNvPr id="25" name="直線矢印コネクタ 24">
+            <a:extLst>
+              <a:ext uri="{FF2B5EF4-FFF2-40B4-BE49-F238E27FC236}">
+                <a16:creationId xmlns:a16="http://schemas.microsoft.com/office/drawing/2014/main" id="{FC324365-520B-48E8-B7B9-FE16DE9416BA}"/>
+              </a:ext>
+            </a:extLst>
+          </p:cNvPr>
+          <p:cNvCxnSpPr>
+            <a:cxnSpLocks/>
+            <a:stCxn id="14" idx="0"/>
+          </p:cNvCxnSpPr>
+          <p:nvPr/>
+        </p:nvCxnSpPr>
+        <p:spPr>
+          <a:xfrm flipV="1">
+            <a:off x="3534446" y="4994031"/>
+            <a:ext cx="3673997" cy="507237"/>
+          </a:xfrm>
+          <a:prstGeom prst="straightConnector1">
+            <a:avLst/>
+          </a:prstGeom>
+          <a:ln w="12700">
+            <a:solidFill>
+              <a:schemeClr val="tx1"/>
+            </a:solidFill>
+            <a:tailEnd type="oval"/>
+          </a:ln>
+        </p:spPr>
+        <p:style>
+          <a:lnRef idx="1">
+            <a:schemeClr val="accent1"/>
+          </a:lnRef>
+          <a:fillRef idx="0">
+            <a:schemeClr val="accent1"/>
+          </a:fillRef>
+          <a:effectRef idx="0">
+            <a:schemeClr val="accent1"/>
+          </a:effectRef>
+          <a:fontRef idx="minor">
+            <a:schemeClr val="tx1"/>
+          </a:fontRef>
+        </p:style>
+      </p:cxnSp>
     </p:spTree>
     <p:extLst>
       <p:ext uri="{BB962C8B-B14F-4D97-AF65-F5344CB8AC3E}">
@@ -11745,7 +11890,7 @@
           <p:cNvPr id="3" name="図 2">
             <a:extLst>
               <a:ext uri="{FF2B5EF4-FFF2-40B4-BE49-F238E27FC236}">
-                <a16:creationId xmlns:a16="http://schemas.microsoft.com/office/drawing/2014/main" id="{B77F9E76-8D14-4400-8127-224C989C6C2A}"/>
+                <a16:creationId xmlns:a16="http://schemas.microsoft.com/office/drawing/2014/main" id="{D103C8E6-D436-4C3A-862B-EEC76A149710}"/>
               </a:ext>
             </a:extLst>
           </p:cNvPr>
@@ -11762,8 +11907,8 @@
         </p:blipFill>
         <p:spPr>
           <a:xfrm>
-            <a:off x="1596029" y="257898"/>
-            <a:ext cx="7200000" cy="5476923"/>
+            <a:off x="2153101" y="593970"/>
+            <a:ext cx="7200000" cy="5470085"/>
           </a:xfrm>
           <a:prstGeom prst="rect">
             <a:avLst/>
@@ -11775,7 +11920,7 @@
           <p:cNvPr id="4" name="テキスト ボックス 3">
             <a:extLst>
               <a:ext uri="{FF2B5EF4-FFF2-40B4-BE49-F238E27FC236}">
-                <a16:creationId xmlns:a16="http://schemas.microsoft.com/office/drawing/2014/main" id="{2B6478EF-E6B9-43E1-916A-E92E496F0FE7}"/>
+                <a16:creationId xmlns:a16="http://schemas.microsoft.com/office/drawing/2014/main" id="{F9434070-10CF-4EB5-A8B7-5B948DFB514F}"/>
               </a:ext>
             </a:extLst>
           </p:cNvPr>
@@ -11784,8 +11929,8 @@
         </p:nvSpPr>
         <p:spPr>
           <a:xfrm>
-            <a:off x="4302213" y="3528920"/>
-            <a:ext cx="1793787" cy="410034"/>
+            <a:off x="4646090" y="3646151"/>
+            <a:ext cx="1958606" cy="363142"/>
           </a:xfrm>
           <a:prstGeom prst="rect">
             <a:avLst/>
@@ -11819,7 +11964,7 @@
                 <a:latin typeface="Arial" panose="020B0604020202020204" pitchFamily="34" charset="0"/>
                 <a:cs typeface="Arial" panose="020B0604020202020204" pitchFamily="34" charset="0"/>
               </a:rPr>
-              <a:t> pump discharge pressure. </a:t>
+              <a:t>Volumetric flow rate through pump. </a:t>
             </a:r>
           </a:p>
         </p:txBody>
@@ -11829,7 +11974,7 @@
           <p:cNvPr id="5" name="直線矢印コネクタ 4">
             <a:extLst>
               <a:ext uri="{FF2B5EF4-FFF2-40B4-BE49-F238E27FC236}">
-                <a16:creationId xmlns:a16="http://schemas.microsoft.com/office/drawing/2014/main" id="{993AEA7D-0735-4063-B79B-AABBB6C873E2}"/>
+                <a16:creationId xmlns:a16="http://schemas.microsoft.com/office/drawing/2014/main" id="{55723E37-C7F7-43B9-9266-D8BAE9554E06}"/>
               </a:ext>
             </a:extLst>
           </p:cNvPr>
@@ -11841,8 +11986,8 @@
         </p:nvCxnSpPr>
         <p:spPr>
           <a:xfrm flipH="1" flipV="1">
-            <a:off x="3962401" y="2871314"/>
-            <a:ext cx="1236706" cy="657606"/>
+            <a:off x="4306277" y="2988545"/>
+            <a:ext cx="1319116" cy="657606"/>
           </a:xfrm>
           <a:prstGeom prst="straightConnector1">
             <a:avLst/>
@@ -11872,7 +12017,7 @@
     </p:spTree>
     <p:extLst>
       <p:ext uri="{BB962C8B-B14F-4D97-AF65-F5344CB8AC3E}">
-        <p14:creationId xmlns:p14="http://schemas.microsoft.com/office/powerpoint/2010/main" val="62570315"/>
+        <p14:creationId xmlns:p14="http://schemas.microsoft.com/office/powerpoint/2010/main" val="653626821"/>
       </p:ext>
     </p:extLst>
   </p:cSld>
@@ -11904,7 +12049,7 @@
           <p:cNvPr id="3" name="図 2">
             <a:extLst>
               <a:ext uri="{FF2B5EF4-FFF2-40B4-BE49-F238E27FC236}">
-                <a16:creationId xmlns:a16="http://schemas.microsoft.com/office/drawing/2014/main" id="{9FEC225B-D95B-4BD3-B618-A4A7C97605D7}"/>
+                <a16:creationId xmlns:a16="http://schemas.microsoft.com/office/drawing/2014/main" id="{93D12387-51E1-468F-836C-3EDAC92ADAB5}"/>
               </a:ext>
             </a:extLst>
           </p:cNvPr>
@@ -11921,8 +12066,8 @@
         </p:blipFill>
         <p:spPr>
           <a:xfrm>
-            <a:off x="1581221" y="1"/>
-            <a:ext cx="7200000" cy="5468441"/>
+            <a:off x="1575564" y="1"/>
+            <a:ext cx="7200000" cy="5461597"/>
           </a:xfrm>
           <a:prstGeom prst="rect">
             <a:avLst/>
@@ -11934,7 +12079,7 @@
           <p:cNvPr id="4" name="テキスト ボックス 3">
             <a:extLst>
               <a:ext uri="{FF2B5EF4-FFF2-40B4-BE49-F238E27FC236}">
-                <a16:creationId xmlns:a16="http://schemas.microsoft.com/office/drawing/2014/main" id="{FDC40D3A-C90A-48F8-8962-AD2B717519AD}"/>
+                <a16:creationId xmlns:a16="http://schemas.microsoft.com/office/drawing/2014/main" id="{C85EB216-2B5B-404D-AF7F-AE646619A01B}"/>
               </a:ext>
             </a:extLst>
           </p:cNvPr>
@@ -11943,8 +12088,8 @@
         </p:nvSpPr>
         <p:spPr>
           <a:xfrm>
-            <a:off x="4639920" y="2766646"/>
-            <a:ext cx="1958606" cy="422030"/>
+            <a:off x="5232244" y="3310089"/>
+            <a:ext cx="1958606" cy="503819"/>
           </a:xfrm>
           <a:prstGeom prst="rect">
             <a:avLst/>
@@ -11978,7 +12123,7 @@
                 <a:latin typeface="Arial" panose="020B0604020202020204" pitchFamily="34" charset="0"/>
                 <a:cs typeface="Arial" panose="020B0604020202020204" pitchFamily="34" charset="0"/>
               </a:rPr>
-              <a:t>Mechanical power consumed by pump.</a:t>
+              <a:t>Pump’s volumetric flow rate vs. mechanical rotation speed. </a:t>
             </a:r>
           </a:p>
         </p:txBody>
@@ -11988,20 +12133,20 @@
           <p:cNvPr id="5" name="直線矢印コネクタ 4">
             <a:extLst>
               <a:ext uri="{FF2B5EF4-FFF2-40B4-BE49-F238E27FC236}">
-                <a16:creationId xmlns:a16="http://schemas.microsoft.com/office/drawing/2014/main" id="{7A268C59-5425-46C6-AB0E-EA2FBCACFE9E}"/>
+                <a16:creationId xmlns:a16="http://schemas.microsoft.com/office/drawing/2014/main" id="{3350D9C6-8D07-4514-A727-BC97D51E7E67}"/>
               </a:ext>
             </a:extLst>
           </p:cNvPr>
           <p:cNvCxnSpPr>
             <a:cxnSpLocks/>
-            <a:stCxn id="4" idx="1"/>
+            <a:stCxn id="4" idx="0"/>
           </p:cNvCxnSpPr>
           <p:nvPr/>
         </p:nvCxnSpPr>
         <p:spPr>
           <a:xfrm flipH="1" flipV="1">
-            <a:off x="3860800" y="2704123"/>
-            <a:ext cx="779120" cy="273538"/>
+            <a:off x="4892431" y="2652483"/>
+            <a:ext cx="1319116" cy="657606"/>
           </a:xfrm>
           <a:prstGeom prst="straightConnector1">
             <a:avLst/>
@@ -12031,7 +12176,7 @@
     </p:spTree>
     <p:extLst>
       <p:ext uri="{BB962C8B-B14F-4D97-AF65-F5344CB8AC3E}">
-        <p14:creationId xmlns:p14="http://schemas.microsoft.com/office/powerpoint/2010/main" val="1002888584"/>
+        <p14:creationId xmlns:p14="http://schemas.microsoft.com/office/powerpoint/2010/main" val="3883380372"/>
       </p:ext>
     </p:extLst>
   </p:cSld>
@@ -12063,7 +12208,7 @@
           <p:cNvPr id="3" name="図 2">
             <a:extLst>
               <a:ext uri="{FF2B5EF4-FFF2-40B4-BE49-F238E27FC236}">
-                <a16:creationId xmlns:a16="http://schemas.microsoft.com/office/drawing/2014/main" id="{0CE32BB3-972B-4D18-903F-AB04194B00DC}"/>
+                <a16:creationId xmlns:a16="http://schemas.microsoft.com/office/drawing/2014/main" id="{B77F9E76-8D14-4400-8127-224C989C6C2A}"/>
               </a:ext>
             </a:extLst>
           </p:cNvPr>
@@ -12080,8 +12225,8 @@
         </p:blipFill>
         <p:spPr>
           <a:xfrm>
-            <a:off x="2012424" y="693957"/>
-            <a:ext cx="7200000" cy="5470085"/>
+            <a:off x="1596029" y="257898"/>
+            <a:ext cx="7200000" cy="5476923"/>
           </a:xfrm>
           <a:prstGeom prst="rect">
             <a:avLst/>
@@ -12093,7 +12238,7 @@
           <p:cNvPr id="4" name="テキスト ボックス 3">
             <a:extLst>
               <a:ext uri="{FF2B5EF4-FFF2-40B4-BE49-F238E27FC236}">
-                <a16:creationId xmlns:a16="http://schemas.microsoft.com/office/drawing/2014/main" id="{3DD7B87F-DCE7-40DB-BE70-3F611A96261F}"/>
+                <a16:creationId xmlns:a16="http://schemas.microsoft.com/office/drawing/2014/main" id="{2B6478EF-E6B9-43E1-916A-E92E496F0FE7}"/>
               </a:ext>
             </a:extLst>
           </p:cNvPr>
@@ -12102,8 +12247,8 @@
         </p:nvSpPr>
         <p:spPr>
           <a:xfrm>
-            <a:off x="5116697" y="3217985"/>
-            <a:ext cx="1635795" cy="361461"/>
+            <a:off x="4302213" y="3528920"/>
+            <a:ext cx="1793787" cy="410034"/>
           </a:xfrm>
           <a:prstGeom prst="rect">
             <a:avLst/>
@@ -12137,7 +12282,7 @@
                 <a:latin typeface="Arial" panose="020B0604020202020204" pitchFamily="34" charset="0"/>
                 <a:cs typeface="Arial" panose="020B0604020202020204" pitchFamily="34" charset="0"/>
               </a:rPr>
-              <a:t>Torque into flange of pump.</a:t>
+              <a:t> pump discharge pressure. </a:t>
             </a:r>
           </a:p>
         </p:txBody>
@@ -12147,20 +12292,20 @@
           <p:cNvPr id="5" name="直線矢印コネクタ 4">
             <a:extLst>
               <a:ext uri="{FF2B5EF4-FFF2-40B4-BE49-F238E27FC236}">
-                <a16:creationId xmlns:a16="http://schemas.microsoft.com/office/drawing/2014/main" id="{16A64740-FBFD-47B9-9610-84430D87ED96}"/>
+                <a16:creationId xmlns:a16="http://schemas.microsoft.com/office/drawing/2014/main" id="{993AEA7D-0735-4063-B79B-AABBB6C873E2}"/>
               </a:ext>
             </a:extLst>
           </p:cNvPr>
           <p:cNvCxnSpPr>
             <a:cxnSpLocks/>
-            <a:stCxn id="4" idx="1"/>
+            <a:stCxn id="4" idx="0"/>
           </p:cNvCxnSpPr>
           <p:nvPr/>
         </p:nvCxnSpPr>
         <p:spPr>
           <a:xfrm flipH="1" flipV="1">
-            <a:off x="4337577" y="3155462"/>
-            <a:ext cx="779120" cy="243254"/>
+            <a:off x="3962401" y="2871314"/>
+            <a:ext cx="1236706" cy="657606"/>
           </a:xfrm>
           <a:prstGeom prst="straightConnector1">
             <a:avLst/>
@@ -12190,7 +12335,7 @@
     </p:spTree>
     <p:extLst>
       <p:ext uri="{BB962C8B-B14F-4D97-AF65-F5344CB8AC3E}">
-        <p14:creationId xmlns:p14="http://schemas.microsoft.com/office/powerpoint/2010/main" val="1898239277"/>
+        <p14:creationId xmlns:p14="http://schemas.microsoft.com/office/powerpoint/2010/main" val="62570315"/>
       </p:ext>
     </p:extLst>
   </p:cSld>
@@ -12222,7 +12367,7 @@
           <p:cNvPr id="3" name="図 2">
             <a:extLst>
               <a:ext uri="{FF2B5EF4-FFF2-40B4-BE49-F238E27FC236}">
-                <a16:creationId xmlns:a16="http://schemas.microsoft.com/office/drawing/2014/main" id="{0DF84F74-B298-4D96-B9FC-C6FF767254A8}"/>
+                <a16:creationId xmlns:a16="http://schemas.microsoft.com/office/drawing/2014/main" id="{9FEC225B-D95B-4BD3-B618-A4A7C97605D7}"/>
               </a:ext>
             </a:extLst>
           </p:cNvPr>
@@ -12252,7 +12397,7 @@
           <p:cNvPr id="4" name="テキスト ボックス 3">
             <a:extLst>
               <a:ext uri="{FF2B5EF4-FFF2-40B4-BE49-F238E27FC236}">
-                <a16:creationId xmlns:a16="http://schemas.microsoft.com/office/drawing/2014/main" id="{6419AFEB-E0F4-427B-87D1-A4EE914A3DFC}"/>
+                <a16:creationId xmlns:a16="http://schemas.microsoft.com/office/drawing/2014/main" id="{FDC40D3A-C90A-48F8-8962-AD2B717519AD}"/>
               </a:ext>
             </a:extLst>
           </p:cNvPr>
@@ -12261,8 +12406,8 @@
         </p:nvSpPr>
         <p:spPr>
           <a:xfrm>
-            <a:off x="5927813" y="3950951"/>
-            <a:ext cx="1958606" cy="462788"/>
+            <a:off x="4639920" y="2766646"/>
+            <a:ext cx="1958606" cy="422030"/>
           </a:xfrm>
           <a:prstGeom prst="rect">
             <a:avLst/>
@@ -12296,7 +12441,7 @@
                 <a:latin typeface="Arial" panose="020B0604020202020204" pitchFamily="34" charset="0"/>
                 <a:cs typeface="Arial" panose="020B0604020202020204" pitchFamily="34" charset="0"/>
               </a:rPr>
-              <a:t> mechanical power consumption of pump vs. mechanical rotation speed.</a:t>
+              <a:t>Mechanical power consumed by pump.</a:t>
             </a:r>
           </a:p>
         </p:txBody>
@@ -12306,20 +12451,20 @@
           <p:cNvPr id="5" name="直線矢印コネクタ 4">
             <a:extLst>
               <a:ext uri="{FF2B5EF4-FFF2-40B4-BE49-F238E27FC236}">
-                <a16:creationId xmlns:a16="http://schemas.microsoft.com/office/drawing/2014/main" id="{080EDF00-37EF-47E2-B50A-2B443678B1D8}"/>
+                <a16:creationId xmlns:a16="http://schemas.microsoft.com/office/drawing/2014/main" id="{7A268C59-5425-46C6-AB0E-EA2FBCACFE9E}"/>
               </a:ext>
             </a:extLst>
           </p:cNvPr>
           <p:cNvCxnSpPr>
             <a:cxnSpLocks/>
-            <a:stCxn id="4" idx="0"/>
+            <a:stCxn id="4" idx="1"/>
           </p:cNvCxnSpPr>
           <p:nvPr/>
         </p:nvCxnSpPr>
         <p:spPr>
           <a:xfrm flipH="1" flipV="1">
-            <a:off x="5588000" y="3293345"/>
-            <a:ext cx="1319116" cy="657606"/>
+            <a:off x="3860800" y="2704123"/>
+            <a:ext cx="779120" cy="273538"/>
           </a:xfrm>
           <a:prstGeom prst="straightConnector1">
             <a:avLst/>
@@ -12349,7 +12494,7 @@
     </p:spTree>
     <p:extLst>
       <p:ext uri="{BB962C8B-B14F-4D97-AF65-F5344CB8AC3E}">
-        <p14:creationId xmlns:p14="http://schemas.microsoft.com/office/powerpoint/2010/main" val="2126722906"/>
+        <p14:creationId xmlns:p14="http://schemas.microsoft.com/office/powerpoint/2010/main" val="1002888584"/>
       </p:ext>
     </p:extLst>
   </p:cSld>
@@ -12381,7 +12526,7 @@
           <p:cNvPr id="3" name="図 2">
             <a:extLst>
               <a:ext uri="{FF2B5EF4-FFF2-40B4-BE49-F238E27FC236}">
-                <a16:creationId xmlns:a16="http://schemas.microsoft.com/office/drawing/2014/main" id="{1C87AFC4-E869-46C3-AEFD-D14EF043546E}"/>
+                <a16:creationId xmlns:a16="http://schemas.microsoft.com/office/drawing/2014/main" id="{0CE32BB3-972B-4D18-903F-AB04194B00DC}"/>
               </a:ext>
             </a:extLst>
           </p:cNvPr>
@@ -12398,7 +12543,7 @@
         </p:blipFill>
         <p:spPr>
           <a:xfrm>
-            <a:off x="2004609" y="468924"/>
+            <a:off x="2012424" y="693957"/>
             <a:ext cx="7200000" cy="5470085"/>
           </a:xfrm>
           <a:prstGeom prst="rect">
@@ -12411,7 +12556,7 @@
           <p:cNvPr id="4" name="テキスト ボックス 3">
             <a:extLst>
               <a:ext uri="{FF2B5EF4-FFF2-40B4-BE49-F238E27FC236}">
-                <a16:creationId xmlns:a16="http://schemas.microsoft.com/office/drawing/2014/main" id="{97F60750-3B49-4F0E-857A-8ADC63AD950B}"/>
+                <a16:creationId xmlns:a16="http://schemas.microsoft.com/office/drawing/2014/main" id="{3DD7B87F-DCE7-40DB-BE70-3F611A96261F}"/>
               </a:ext>
             </a:extLst>
           </p:cNvPr>
@@ -12420,8 +12565,8 @@
         </p:nvSpPr>
         <p:spPr>
           <a:xfrm>
-            <a:off x="6894311" y="4927875"/>
-            <a:ext cx="1958606" cy="462788"/>
+            <a:off x="5116697" y="3217985"/>
+            <a:ext cx="1635795" cy="361461"/>
           </a:xfrm>
           <a:prstGeom prst="rect">
             <a:avLst/>
@@ -12455,7 +12600,7 @@
                 <a:latin typeface="Arial" panose="020B0604020202020204" pitchFamily="34" charset="0"/>
                 <a:cs typeface="Arial" panose="020B0604020202020204" pitchFamily="34" charset="0"/>
               </a:rPr>
-              <a:t> pressure difference of valve vs. mass flow rate via valve.</a:t>
+              <a:t>Torque into flange of pump.</a:t>
             </a:r>
           </a:p>
         </p:txBody>
@@ -12465,20 +12610,20 @@
           <p:cNvPr id="5" name="直線矢印コネクタ 4">
             <a:extLst>
               <a:ext uri="{FF2B5EF4-FFF2-40B4-BE49-F238E27FC236}">
-                <a16:creationId xmlns:a16="http://schemas.microsoft.com/office/drawing/2014/main" id="{CD459D5E-8256-446E-99A1-E26C4A393E9F}"/>
+                <a16:creationId xmlns:a16="http://schemas.microsoft.com/office/drawing/2014/main" id="{16A64740-FBFD-47B9-9610-84430D87ED96}"/>
               </a:ext>
             </a:extLst>
           </p:cNvPr>
           <p:cNvCxnSpPr>
             <a:cxnSpLocks/>
-            <a:stCxn id="4" idx="0"/>
+            <a:stCxn id="4" idx="1"/>
           </p:cNvCxnSpPr>
           <p:nvPr/>
         </p:nvCxnSpPr>
         <p:spPr>
           <a:xfrm flipH="1" flipV="1">
-            <a:off x="6554498" y="4270269"/>
-            <a:ext cx="1319116" cy="657606"/>
+            <a:off x="4337577" y="3155462"/>
+            <a:ext cx="779120" cy="243254"/>
           </a:xfrm>
           <a:prstGeom prst="straightConnector1">
             <a:avLst/>
@@ -12505,456 +12650,10 @@
           </a:fontRef>
         </p:style>
       </p:cxnSp>
-      <p:cxnSp>
-        <p:nvCxnSpPr>
-          <p:cNvPr id="7" name="直線矢印コネクタ 6">
-            <a:extLst>
-              <a:ext uri="{FF2B5EF4-FFF2-40B4-BE49-F238E27FC236}">
-                <a16:creationId xmlns:a16="http://schemas.microsoft.com/office/drawing/2014/main" id="{042D3F0D-FFA5-488B-921D-05DBA196B2D4}"/>
-              </a:ext>
-            </a:extLst>
-          </p:cNvPr>
-          <p:cNvCxnSpPr/>
-          <p:nvPr/>
-        </p:nvCxnSpPr>
-        <p:spPr>
-          <a:xfrm flipV="1">
-            <a:off x="4262182" y="4066982"/>
-            <a:ext cx="1785270" cy="681790"/>
-          </a:xfrm>
-          <a:prstGeom prst="straightConnector1">
-            <a:avLst/>
-          </a:prstGeom>
-          <a:ln w="57150">
-            <a:tailEnd type="triangle"/>
-          </a:ln>
-        </p:spPr>
-        <p:style>
-          <a:lnRef idx="1">
-            <a:schemeClr val="accent1"/>
-          </a:lnRef>
-          <a:fillRef idx="0">
-            <a:schemeClr val="accent1"/>
-          </a:fillRef>
-          <a:effectRef idx="0">
-            <a:schemeClr val="accent1"/>
-          </a:effectRef>
-          <a:fontRef idx="minor">
-            <a:schemeClr val="tx1"/>
-          </a:fontRef>
-        </p:style>
-      </p:cxnSp>
-      <p:sp>
-        <p:nvSpPr>
-          <p:cNvPr id="9" name="テキスト ボックス 8">
-            <a:extLst>
-              <a:ext uri="{FF2B5EF4-FFF2-40B4-BE49-F238E27FC236}">
-                <a16:creationId xmlns:a16="http://schemas.microsoft.com/office/drawing/2014/main" id="{9FBCB7C6-F0DF-4D82-89E9-191279627F0B}"/>
-              </a:ext>
-            </a:extLst>
-          </p:cNvPr>
-          <p:cNvSpPr txBox="1"/>
-          <p:nvPr/>
-        </p:nvSpPr>
-        <p:spPr>
-          <a:xfrm>
-            <a:off x="3196211" y="4066982"/>
-            <a:ext cx="1958606" cy="231394"/>
-          </a:xfrm>
-          <a:prstGeom prst="rect">
-            <a:avLst/>
-          </a:prstGeom>
-          <a:solidFill>
-            <a:srgbClr val="FFFF00"/>
-          </a:solidFill>
-          <a:ln>
-            <a:solidFill>
-              <a:schemeClr val="tx1"/>
-            </a:solidFill>
-          </a:ln>
-        </p:spPr>
-        <p:txBody>
-          <a:bodyPr wrap="square" rtlCol="0">
-            <a:noAutofit/>
-          </a:bodyPr>
-          <a:lstStyle/>
-          <a:p>
-            <a:r>
-              <a:rPr lang="en-US" altLang="ja-JP" sz="726" dirty="0">
-                <a:latin typeface="Arial" panose="020B0604020202020204" pitchFamily="34" charset="0"/>
-                <a:cs typeface="Arial" panose="020B0604020202020204" pitchFamily="34" charset="0"/>
-              </a:rPr>
-              <a:t>Increase in pump rotation speed.</a:t>
-            </a:r>
-          </a:p>
-        </p:txBody>
-      </p:sp>
-      <p:cxnSp>
-        <p:nvCxnSpPr>
-          <p:cNvPr id="10" name="直線矢印コネクタ 9">
-            <a:extLst>
-              <a:ext uri="{FF2B5EF4-FFF2-40B4-BE49-F238E27FC236}">
-                <a16:creationId xmlns:a16="http://schemas.microsoft.com/office/drawing/2014/main" id="{AD9598A7-AFA4-4777-B232-F2EF2222C901}"/>
-              </a:ext>
-            </a:extLst>
-          </p:cNvPr>
-          <p:cNvCxnSpPr>
-            <a:cxnSpLocks/>
-          </p:cNvCxnSpPr>
-          <p:nvPr/>
-        </p:nvCxnSpPr>
-        <p:spPr>
-          <a:xfrm flipH="1" flipV="1">
-            <a:off x="6857500" y="1969073"/>
-            <a:ext cx="915400" cy="866690"/>
-          </a:xfrm>
-          <a:prstGeom prst="straightConnector1">
-            <a:avLst/>
-          </a:prstGeom>
-          <a:ln w="57150">
-            <a:tailEnd type="triangle"/>
-          </a:ln>
-        </p:spPr>
-        <p:style>
-          <a:lnRef idx="1">
-            <a:schemeClr val="accent1"/>
-          </a:lnRef>
-          <a:fillRef idx="0">
-            <a:schemeClr val="accent1"/>
-          </a:fillRef>
-          <a:effectRef idx="0">
-            <a:schemeClr val="accent1"/>
-          </a:effectRef>
-          <a:fontRef idx="minor">
-            <a:schemeClr val="tx1"/>
-          </a:fontRef>
-        </p:style>
-      </p:cxnSp>
-      <p:sp>
-        <p:nvSpPr>
-          <p:cNvPr id="14" name="テキスト ボックス 13">
-            <a:extLst>
-              <a:ext uri="{FF2B5EF4-FFF2-40B4-BE49-F238E27FC236}">
-                <a16:creationId xmlns:a16="http://schemas.microsoft.com/office/drawing/2014/main" id="{F65E9BFD-A7C2-4261-BF27-43366943461C}"/>
-              </a:ext>
-            </a:extLst>
-          </p:cNvPr>
-          <p:cNvSpPr txBox="1"/>
-          <p:nvPr/>
-        </p:nvSpPr>
-        <p:spPr>
-          <a:xfrm>
-            <a:off x="5772303" y="2474820"/>
-            <a:ext cx="1471531" cy="231394"/>
-          </a:xfrm>
-          <a:prstGeom prst="rect">
-            <a:avLst/>
-          </a:prstGeom>
-          <a:solidFill>
-            <a:srgbClr val="FFFF00"/>
-          </a:solidFill>
-          <a:ln>
-            <a:solidFill>
-              <a:schemeClr val="tx1"/>
-            </a:solidFill>
-          </a:ln>
-        </p:spPr>
-        <p:txBody>
-          <a:bodyPr wrap="square" rtlCol="0">
-            <a:noAutofit/>
-          </a:bodyPr>
-          <a:lstStyle/>
-          <a:p>
-            <a:r>
-              <a:rPr lang="en-US" altLang="ja-JP" sz="726" dirty="0">
-                <a:latin typeface="Arial" panose="020B0604020202020204" pitchFamily="34" charset="0"/>
-                <a:cs typeface="Arial" panose="020B0604020202020204" pitchFamily="34" charset="0"/>
-              </a:rPr>
-              <a:t>Close of valve (from 1 to 0.5).</a:t>
-            </a:r>
-          </a:p>
-        </p:txBody>
-      </p:sp>
-      <p:cxnSp>
-        <p:nvCxnSpPr>
-          <p:cNvPr id="15" name="直線矢印コネクタ 14">
-            <a:extLst>
-              <a:ext uri="{FF2B5EF4-FFF2-40B4-BE49-F238E27FC236}">
-                <a16:creationId xmlns:a16="http://schemas.microsoft.com/office/drawing/2014/main" id="{997E26E6-595D-4022-9988-FF5BD7944550}"/>
-              </a:ext>
-            </a:extLst>
-          </p:cNvPr>
-          <p:cNvCxnSpPr>
-            <a:cxnSpLocks/>
-          </p:cNvCxnSpPr>
-          <p:nvPr/>
-        </p:nvCxnSpPr>
-        <p:spPr>
-          <a:xfrm flipH="1">
-            <a:off x="4092704" y="1811875"/>
-            <a:ext cx="1132845" cy="462851"/>
-          </a:xfrm>
-          <a:prstGeom prst="straightConnector1">
-            <a:avLst/>
-          </a:prstGeom>
-          <a:ln w="57150">
-            <a:prstDash val="sysDash"/>
-            <a:tailEnd type="triangle"/>
-          </a:ln>
-        </p:spPr>
-        <p:style>
-          <a:lnRef idx="1">
-            <a:schemeClr val="accent1"/>
-          </a:lnRef>
-          <a:fillRef idx="0">
-            <a:schemeClr val="accent1"/>
-          </a:fillRef>
-          <a:effectRef idx="0">
-            <a:schemeClr val="accent1"/>
-          </a:effectRef>
-          <a:fontRef idx="minor">
-            <a:schemeClr val="tx1"/>
-          </a:fontRef>
-        </p:style>
-      </p:cxnSp>
-      <p:cxnSp>
-        <p:nvCxnSpPr>
-          <p:cNvPr id="19" name="直線コネクタ 18">
-            <a:extLst>
-              <a:ext uri="{FF2B5EF4-FFF2-40B4-BE49-F238E27FC236}">
-                <a16:creationId xmlns:a16="http://schemas.microsoft.com/office/drawing/2014/main" id="{E9BAC9CF-F5FA-4B76-82D9-5F8E3A05CBCF}"/>
-              </a:ext>
-            </a:extLst>
-          </p:cNvPr>
-          <p:cNvCxnSpPr>
-            <a:cxnSpLocks/>
-          </p:cNvCxnSpPr>
-          <p:nvPr/>
-        </p:nvCxnSpPr>
-        <p:spPr>
-          <a:xfrm flipH="1">
-            <a:off x="2987391" y="928749"/>
-            <a:ext cx="5084817" cy="1877358"/>
-          </a:xfrm>
-          <a:prstGeom prst="line">
-            <a:avLst/>
-          </a:prstGeom>
-          <a:ln w="12700">
-            <a:solidFill>
-              <a:srgbClr val="FF0000"/>
-            </a:solidFill>
-            <a:prstDash val="dash"/>
-            <a:headEnd type="arrow" w="med" len="med"/>
-            <a:tailEnd type="arrow" w="med" len="med"/>
-          </a:ln>
-        </p:spPr>
-        <p:style>
-          <a:lnRef idx="1">
-            <a:schemeClr val="accent1"/>
-          </a:lnRef>
-          <a:fillRef idx="0">
-            <a:schemeClr val="accent1"/>
-          </a:fillRef>
-          <a:effectRef idx="0">
-            <a:schemeClr val="accent1"/>
-          </a:effectRef>
-          <a:fontRef idx="minor">
-            <a:schemeClr val="tx1"/>
-          </a:fontRef>
-        </p:style>
-      </p:cxnSp>
-      <p:cxnSp>
-        <p:nvCxnSpPr>
-          <p:cNvPr id="25" name="直線矢印コネクタ 24">
-            <a:extLst>
-              <a:ext uri="{FF2B5EF4-FFF2-40B4-BE49-F238E27FC236}">
-                <a16:creationId xmlns:a16="http://schemas.microsoft.com/office/drawing/2014/main" id="{F0EDFA1E-951F-4FA1-B0FB-40CDF9A3C747}"/>
-              </a:ext>
-            </a:extLst>
-          </p:cNvPr>
-          <p:cNvCxnSpPr>
-            <a:cxnSpLocks/>
-          </p:cNvCxnSpPr>
-          <p:nvPr/>
-        </p:nvCxnSpPr>
-        <p:spPr>
-          <a:xfrm flipV="1">
-            <a:off x="6679540" y="864284"/>
-            <a:ext cx="963902" cy="379932"/>
-          </a:xfrm>
-          <a:prstGeom prst="straightConnector1">
-            <a:avLst/>
-          </a:prstGeom>
-          <a:ln w="57150">
-            <a:prstDash val="sysDash"/>
-            <a:tailEnd type="triangle"/>
-          </a:ln>
-        </p:spPr>
-        <p:style>
-          <a:lnRef idx="1">
-            <a:schemeClr val="accent1"/>
-          </a:lnRef>
-          <a:fillRef idx="0">
-            <a:schemeClr val="accent1"/>
-          </a:fillRef>
-          <a:effectRef idx="0">
-            <a:schemeClr val="accent1"/>
-          </a:effectRef>
-          <a:fontRef idx="minor">
-            <a:schemeClr val="tx1"/>
-          </a:fontRef>
-        </p:style>
-      </p:cxnSp>
-      <p:sp>
-        <p:nvSpPr>
-          <p:cNvPr id="29" name="テキスト ボックス 28">
-            <a:extLst>
-              <a:ext uri="{FF2B5EF4-FFF2-40B4-BE49-F238E27FC236}">
-                <a16:creationId xmlns:a16="http://schemas.microsoft.com/office/drawing/2014/main" id="{5F475437-0345-47CF-9FE1-D668F99663DA}"/>
-              </a:ext>
-            </a:extLst>
-          </p:cNvPr>
-          <p:cNvSpPr txBox="1"/>
-          <p:nvPr/>
-        </p:nvSpPr>
-        <p:spPr>
-          <a:xfrm>
-            <a:off x="3196211" y="1811875"/>
-            <a:ext cx="1388082" cy="210358"/>
-          </a:xfrm>
-          <a:prstGeom prst="rect">
-            <a:avLst/>
-          </a:prstGeom>
-          <a:solidFill>
-            <a:srgbClr val="FFFF00"/>
-          </a:solidFill>
-          <a:ln w="12700">
-            <a:solidFill>
-              <a:schemeClr val="tx1"/>
-            </a:solidFill>
-            <a:prstDash val="dash"/>
-          </a:ln>
-        </p:spPr>
-        <p:txBody>
-          <a:bodyPr wrap="square" rtlCol="0">
-            <a:noAutofit/>
-          </a:bodyPr>
-          <a:lstStyle/>
-          <a:p>
-            <a:r>
-              <a:rPr lang="en-US" altLang="ja-JP" sz="726" dirty="0">
-                <a:latin typeface="Arial" panose="020B0604020202020204" pitchFamily="34" charset="0"/>
-                <a:cs typeface="Arial" panose="020B0604020202020204" pitchFamily="34" charset="0"/>
-              </a:rPr>
-              <a:t>If pump speed is reduced.</a:t>
-            </a:r>
-          </a:p>
-        </p:txBody>
-      </p:sp>
-      <p:sp>
-        <p:nvSpPr>
-          <p:cNvPr id="31" name="テキスト ボックス 30">
-            <a:extLst>
-              <a:ext uri="{FF2B5EF4-FFF2-40B4-BE49-F238E27FC236}">
-                <a16:creationId xmlns:a16="http://schemas.microsoft.com/office/drawing/2014/main" id="{F7B7729C-DFC0-468F-B40B-DA09B43124FD}"/>
-              </a:ext>
-            </a:extLst>
-          </p:cNvPr>
-          <p:cNvSpPr txBox="1"/>
-          <p:nvPr/>
-        </p:nvSpPr>
-        <p:spPr>
-          <a:xfrm>
-            <a:off x="5814027" y="746617"/>
-            <a:ext cx="1388082" cy="210358"/>
-          </a:xfrm>
-          <a:prstGeom prst="rect">
-            <a:avLst/>
-          </a:prstGeom>
-          <a:solidFill>
-            <a:srgbClr val="FFFF00"/>
-          </a:solidFill>
-          <a:ln w="12700">
-            <a:solidFill>
-              <a:schemeClr val="tx1"/>
-            </a:solidFill>
-            <a:prstDash val="dash"/>
-          </a:ln>
-        </p:spPr>
-        <p:txBody>
-          <a:bodyPr wrap="square" rtlCol="0">
-            <a:noAutofit/>
-          </a:bodyPr>
-          <a:lstStyle/>
-          <a:p>
-            <a:r>
-              <a:rPr lang="en-US" altLang="ja-JP" sz="726" dirty="0">
-                <a:latin typeface="Arial" panose="020B0604020202020204" pitchFamily="34" charset="0"/>
-                <a:cs typeface="Arial" panose="020B0604020202020204" pitchFamily="34" charset="0"/>
-              </a:rPr>
-              <a:t>If pump speed is increased.</a:t>
-            </a:r>
-          </a:p>
-        </p:txBody>
-      </p:sp>
-      <p:sp>
-        <p:nvSpPr>
-          <p:cNvPr id="32" name="楕円 31">
-            <a:extLst>
-              <a:ext uri="{FF2B5EF4-FFF2-40B4-BE49-F238E27FC236}">
-                <a16:creationId xmlns:a16="http://schemas.microsoft.com/office/drawing/2014/main" id="{6F1645D5-F783-41D9-9B24-5B11691851B9}"/>
-              </a:ext>
-            </a:extLst>
-          </p:cNvPr>
-          <p:cNvSpPr/>
-          <p:nvPr/>
-        </p:nvSpPr>
-        <p:spPr>
-          <a:xfrm>
-            <a:off x="6554498" y="1410481"/>
-            <a:ext cx="117873" cy="117954"/>
-          </a:xfrm>
-          <a:prstGeom prst="ellipse">
-            <a:avLst/>
-          </a:prstGeom>
-          <a:solidFill>
-            <a:srgbClr val="FF0000"/>
-          </a:solidFill>
-          <a:ln>
-            <a:solidFill>
-              <a:srgbClr val="FF0000"/>
-            </a:solidFill>
-          </a:ln>
-        </p:spPr>
-        <p:style>
-          <a:lnRef idx="2">
-            <a:schemeClr val="accent1">
-              <a:shade val="50000"/>
-            </a:schemeClr>
-          </a:lnRef>
-          <a:fillRef idx="1">
-            <a:schemeClr val="accent1"/>
-          </a:fillRef>
-          <a:effectRef idx="0">
-            <a:schemeClr val="accent1"/>
-          </a:effectRef>
-          <a:fontRef idx="minor">
-            <a:schemeClr val="lt1"/>
-          </a:fontRef>
-        </p:style>
-        <p:txBody>
-          <a:bodyPr rtlCol="0" anchor="ctr"/>
-          <a:lstStyle/>
-          <a:p>
-            <a:pPr algn="ctr"/>
-            <a:endParaRPr kumimoji="1" lang="ja-JP" altLang="en-US"/>
-          </a:p>
-        </p:txBody>
-      </p:sp>
     </p:spTree>
     <p:extLst>
       <p:ext uri="{BB962C8B-B14F-4D97-AF65-F5344CB8AC3E}">
-        <p14:creationId xmlns:p14="http://schemas.microsoft.com/office/powerpoint/2010/main" val="3306936681"/>
+        <p14:creationId xmlns:p14="http://schemas.microsoft.com/office/powerpoint/2010/main" val="1898239277"/>
       </p:ext>
     </p:extLst>
   </p:cSld>
@@ -12986,7 +12685,7 @@
           <p:cNvPr id="3" name="図 2">
             <a:extLst>
               <a:ext uri="{FF2B5EF4-FFF2-40B4-BE49-F238E27FC236}">
-                <a16:creationId xmlns:a16="http://schemas.microsoft.com/office/drawing/2014/main" id="{8A354606-FE4B-40DF-A5A7-8CC62764A7DE}"/>
+                <a16:creationId xmlns:a16="http://schemas.microsoft.com/office/drawing/2014/main" id="{0DF84F74-B298-4D96-B9FC-C6FF767254A8}"/>
               </a:ext>
             </a:extLst>
           </p:cNvPr>
@@ -12995,25 +12694,125 @@
           </p:cNvPicPr>
           <p:nvPr/>
         </p:nvPicPr>
-        <p:blipFill rotWithShape="1">
+        <p:blipFill>
           <a:blip r:embed="rId2"/>
-          <a:srcRect b="40451"/>
-          <a:stretch/>
+          <a:stretch>
+            <a:fillRect/>
+          </a:stretch>
         </p:blipFill>
         <p:spPr>
           <a:xfrm>
-            <a:off x="2676952" y="1086143"/>
-            <a:ext cx="6838095" cy="2790288"/>
+            <a:off x="1581221" y="1"/>
+            <a:ext cx="7200000" cy="5468441"/>
           </a:xfrm>
           <a:prstGeom prst="rect">
             <a:avLst/>
           </a:prstGeom>
         </p:spPr>
       </p:pic>
+      <p:sp>
+        <p:nvSpPr>
+          <p:cNvPr id="4" name="テキスト ボックス 3">
+            <a:extLst>
+              <a:ext uri="{FF2B5EF4-FFF2-40B4-BE49-F238E27FC236}">
+                <a16:creationId xmlns:a16="http://schemas.microsoft.com/office/drawing/2014/main" id="{6419AFEB-E0F4-427B-87D1-A4EE914A3DFC}"/>
+              </a:ext>
+            </a:extLst>
+          </p:cNvPr>
+          <p:cNvSpPr txBox="1"/>
+          <p:nvPr/>
+        </p:nvSpPr>
+        <p:spPr>
+          <a:xfrm>
+            <a:off x="5927813" y="3950951"/>
+            <a:ext cx="1958606" cy="462788"/>
+          </a:xfrm>
+          <a:prstGeom prst="rect">
+            <a:avLst/>
+          </a:prstGeom>
+          <a:solidFill>
+            <a:srgbClr val="FFFF00"/>
+          </a:solidFill>
+          <a:ln>
+            <a:solidFill>
+              <a:schemeClr val="tx1"/>
+            </a:solidFill>
+          </a:ln>
+        </p:spPr>
+        <p:txBody>
+          <a:bodyPr wrap="square" rtlCol="0">
+            <a:noAutofit/>
+          </a:bodyPr>
+          <a:lstStyle/>
+          <a:p>
+            <a:r>
+              <a:rPr lang="en-US" altLang="ja-JP" sz="726" dirty="0">
+                <a:latin typeface="Arial" panose="020B0604020202020204" pitchFamily="34" charset="0"/>
+                <a:cs typeface="Arial" panose="020B0604020202020204" pitchFamily="34" charset="0"/>
+              </a:rPr>
+              <a:t>Output: </a:t>
+            </a:r>
+          </a:p>
+          <a:p>
+            <a:r>
+              <a:rPr lang="en-US" altLang="ja-JP" sz="726" dirty="0">
+                <a:latin typeface="Arial" panose="020B0604020202020204" pitchFamily="34" charset="0"/>
+                <a:cs typeface="Arial" panose="020B0604020202020204" pitchFamily="34" charset="0"/>
+              </a:rPr>
+              <a:t> mechanical power consumption of pump vs. mechanical rotation speed.</a:t>
+            </a:r>
+          </a:p>
+        </p:txBody>
+      </p:sp>
+      <p:cxnSp>
+        <p:nvCxnSpPr>
+          <p:cNvPr id="5" name="直線矢印コネクタ 4">
+            <a:extLst>
+              <a:ext uri="{FF2B5EF4-FFF2-40B4-BE49-F238E27FC236}">
+                <a16:creationId xmlns:a16="http://schemas.microsoft.com/office/drawing/2014/main" id="{080EDF00-37EF-47E2-B50A-2B443678B1D8}"/>
+              </a:ext>
+            </a:extLst>
+          </p:cNvPr>
+          <p:cNvCxnSpPr>
+            <a:cxnSpLocks/>
+            <a:stCxn id="4" idx="0"/>
+          </p:cNvCxnSpPr>
+          <p:nvPr/>
+        </p:nvCxnSpPr>
+        <p:spPr>
+          <a:xfrm flipH="1" flipV="1">
+            <a:off x="5588000" y="3293345"/>
+            <a:ext cx="1319116" cy="657606"/>
+          </a:xfrm>
+          <a:prstGeom prst="straightConnector1">
+            <a:avLst/>
+          </a:prstGeom>
+          <a:ln w="12700">
+            <a:solidFill>
+              <a:schemeClr val="tx1"/>
+            </a:solidFill>
+            <a:tailEnd type="oval"/>
+          </a:ln>
+        </p:spPr>
+        <p:style>
+          <a:lnRef idx="1">
+            <a:schemeClr val="accent1"/>
+          </a:lnRef>
+          <a:fillRef idx="0">
+            <a:schemeClr val="accent1"/>
+          </a:fillRef>
+          <a:effectRef idx="0">
+            <a:schemeClr val="accent1"/>
+          </a:effectRef>
+          <a:fontRef idx="minor">
+            <a:schemeClr val="tx1"/>
+          </a:fontRef>
+        </p:style>
+      </p:cxnSp>
     </p:spTree>
     <p:extLst>
       <p:ext uri="{BB962C8B-B14F-4D97-AF65-F5344CB8AC3E}">
-        <p14:creationId xmlns:p14="http://schemas.microsoft.com/office/powerpoint/2010/main" val="4256252250"/>
+        <p14:creationId xmlns:p14="http://schemas.microsoft.com/office/powerpoint/2010/main" val="2126722906"/>
       </p:ext>
     </p:extLst>
   </p:cSld>
@@ -13045,7 +12844,7 @@
           <p:cNvPr id="3" name="図 2">
             <a:extLst>
               <a:ext uri="{FF2B5EF4-FFF2-40B4-BE49-F238E27FC236}">
-                <a16:creationId xmlns:a16="http://schemas.microsoft.com/office/drawing/2014/main" id="{AB48BEEF-767E-45C8-A615-BB63D5F8407E}"/>
+                <a16:creationId xmlns:a16="http://schemas.microsoft.com/office/drawing/2014/main" id="{1C87AFC4-E869-46C3-AEFD-D14EF043546E}"/>
               </a:ext>
             </a:extLst>
           </p:cNvPr>
@@ -13054,15 +12853,16 @@
           </p:cNvPicPr>
           <p:nvPr/>
         </p:nvPicPr>
-        <p:blipFill rotWithShape="1">
+        <p:blipFill>
           <a:blip r:embed="rId2"/>
-          <a:srcRect b="38876"/>
-          <a:stretch/>
+          <a:stretch>
+            <a:fillRect/>
+          </a:stretch>
         </p:blipFill>
         <p:spPr>
           <a:xfrm>
-            <a:off x="2994302" y="1787494"/>
-            <a:ext cx="6203396" cy="2598248"/>
+            <a:off x="2004609" y="468924"/>
+            <a:ext cx="7200000" cy="5470085"/>
           </a:xfrm>
           <a:prstGeom prst="rect">
             <a:avLst/>
@@ -13074,7 +12874,7 @@
           <p:cNvPr id="4" name="テキスト ボックス 3">
             <a:extLst>
               <a:ext uri="{FF2B5EF4-FFF2-40B4-BE49-F238E27FC236}">
-                <a16:creationId xmlns:a16="http://schemas.microsoft.com/office/drawing/2014/main" id="{0E55A3D1-88C9-46C4-9917-4384ADB54C73}"/>
+                <a16:creationId xmlns:a16="http://schemas.microsoft.com/office/drawing/2014/main" id="{97F60750-3B49-4F0E-857A-8ADC63AD950B}"/>
               </a:ext>
             </a:extLst>
           </p:cNvPr>
@@ -13083,16 +12883,14 @@
         </p:nvSpPr>
         <p:spPr>
           <a:xfrm>
-            <a:off x="4526715" y="1951991"/>
-            <a:ext cx="1374866" cy="567313"/>
+            <a:off x="6894311" y="4927875"/>
+            <a:ext cx="1958606" cy="462788"/>
           </a:xfrm>
           <a:prstGeom prst="rect">
             <a:avLst/>
           </a:prstGeom>
           <a:solidFill>
-            <a:srgbClr val="92D050">
-              <a:alpha val="60000"/>
-            </a:srgbClr>
+            <a:srgbClr val="FFFF00"/>
           </a:solidFill>
           <a:ln>
             <a:solidFill>
@@ -13107,22 +12905,20 @@
           <a:lstStyle/>
           <a:p>
             <a:r>
-              <a:rPr lang="en-US" altLang="ja-JP" sz="907" dirty="0">
-                <a:latin typeface="ＭＳ Ｐゴシック" panose="020B0600070205080204" pitchFamily="50" charset="-128"/>
-                <a:ea typeface="ＭＳ Ｐゴシック" panose="020B0600070205080204" pitchFamily="50" charset="-128"/>
+              <a:rPr lang="en-US" altLang="ja-JP" sz="726" dirty="0">
+                <a:latin typeface="Arial" panose="020B0604020202020204" pitchFamily="34" charset="0"/>
                 <a:cs typeface="Arial" panose="020B0604020202020204" pitchFamily="34" charset="0"/>
               </a:rPr>
-              <a:t>Pipe= Flow resistance.</a:t>
-            </a:r>
-          </a:p>
-          <a:p>
-            <a:r>
-              <a:rPr lang="en-US" altLang="ja-JP" sz="907" dirty="0">
-                <a:latin typeface="ＭＳ Ｐゴシック" panose="020B0600070205080204" pitchFamily="50" charset="-128"/>
-                <a:ea typeface="ＭＳ Ｐゴシック" panose="020B0600070205080204" pitchFamily="50" charset="-128"/>
+              <a:t>Output: </a:t>
+            </a:r>
+          </a:p>
+          <a:p>
+            <a:r>
+              <a:rPr lang="en-US" altLang="ja-JP" sz="726" dirty="0">
+                <a:latin typeface="Arial" panose="020B0604020202020204" pitchFamily="34" charset="0"/>
                 <a:cs typeface="Arial" panose="020B0604020202020204" pitchFamily="34" charset="0"/>
               </a:rPr>
-              <a:t>-. Fluid pressure drops through it.</a:t>
+              <a:t> pressure difference of valve vs. mass flow rate via valve.</a:t>
             </a:r>
           </a:p>
         </p:txBody>
@@ -13132,20 +12928,20 @@
           <p:cNvPr id="5" name="直線矢印コネクタ 4">
             <a:extLst>
               <a:ext uri="{FF2B5EF4-FFF2-40B4-BE49-F238E27FC236}">
-                <a16:creationId xmlns:a16="http://schemas.microsoft.com/office/drawing/2014/main" id="{09EC11B6-4E22-484D-AAAC-DF8E43BE7174}"/>
+                <a16:creationId xmlns:a16="http://schemas.microsoft.com/office/drawing/2014/main" id="{CD459D5E-8256-446E-99A1-E26C4A393E9F}"/>
               </a:ext>
             </a:extLst>
           </p:cNvPr>
           <p:cNvCxnSpPr>
             <a:cxnSpLocks/>
-            <a:stCxn id="4" idx="3"/>
+            <a:stCxn id="4" idx="0"/>
           </p:cNvCxnSpPr>
           <p:nvPr/>
         </p:nvCxnSpPr>
         <p:spPr>
-          <a:xfrm>
-            <a:off x="5901581" y="2235647"/>
-            <a:ext cx="675764" cy="1274482"/>
+          <a:xfrm flipH="1" flipV="1">
+            <a:off x="6554498" y="4270269"/>
+            <a:ext cx="1319116" cy="657606"/>
           </a:xfrm>
           <a:prstGeom prst="straightConnector1">
             <a:avLst/>
@@ -13174,32 +12970,26 @@
       </p:cxnSp>
       <p:cxnSp>
         <p:nvCxnSpPr>
-          <p:cNvPr id="15" name="直線矢印コネクタ 14">
-            <a:extLst>
-              <a:ext uri="{FF2B5EF4-FFF2-40B4-BE49-F238E27FC236}">
-                <a16:creationId xmlns:a16="http://schemas.microsoft.com/office/drawing/2014/main" id="{26FA83A2-BD09-4555-A9DF-EC55189CAA54}"/>
-              </a:ext>
-            </a:extLst>
-          </p:cNvPr>
-          <p:cNvCxnSpPr>
-            <a:cxnSpLocks/>
-            <a:stCxn id="27" idx="0"/>
-          </p:cNvCxnSpPr>
+          <p:cNvPr id="7" name="直線矢印コネクタ 6">
+            <a:extLst>
+              <a:ext uri="{FF2B5EF4-FFF2-40B4-BE49-F238E27FC236}">
+                <a16:creationId xmlns:a16="http://schemas.microsoft.com/office/drawing/2014/main" id="{042D3F0D-FFA5-488B-921D-05DBA196B2D4}"/>
+              </a:ext>
+            </a:extLst>
+          </p:cNvPr>
+          <p:cNvCxnSpPr/>
           <p:nvPr/>
         </p:nvCxnSpPr>
         <p:spPr>
           <a:xfrm flipV="1">
-            <a:off x="3804362" y="3982063"/>
-            <a:ext cx="445845" cy="439943"/>
+            <a:off x="4262182" y="4066982"/>
+            <a:ext cx="1785270" cy="681790"/>
           </a:xfrm>
           <a:prstGeom prst="straightConnector1">
             <a:avLst/>
           </a:prstGeom>
-          <a:ln w="12700">
-            <a:solidFill>
-              <a:schemeClr val="tx1"/>
-            </a:solidFill>
-            <a:tailEnd type="oval"/>
+          <a:ln w="57150">
+            <a:tailEnd type="triangle"/>
           </a:ln>
         </p:spPr>
         <p:style>
@@ -13219,10 +13009,10 @@
       </p:cxnSp>
       <p:sp>
         <p:nvSpPr>
-          <p:cNvPr id="27" name="テキスト ボックス 26">
-            <a:extLst>
-              <a:ext uri="{FF2B5EF4-FFF2-40B4-BE49-F238E27FC236}">
-                <a16:creationId xmlns:a16="http://schemas.microsoft.com/office/drawing/2014/main" id="{FAFF685B-35D8-4007-8385-5AA3CEC86D7B}"/>
+          <p:cNvPr id="9" name="テキスト ボックス 8">
+            <a:extLst>
+              <a:ext uri="{FF2B5EF4-FFF2-40B4-BE49-F238E27FC236}">
+                <a16:creationId xmlns:a16="http://schemas.microsoft.com/office/drawing/2014/main" id="{9FBCB7C6-F0DF-4D82-89E9-191279627F0B}"/>
               </a:ext>
             </a:extLst>
           </p:cNvPr>
@@ -13231,16 +13021,14 @@
         </p:nvSpPr>
         <p:spPr>
           <a:xfrm>
-            <a:off x="2908929" y="4422006"/>
-            <a:ext cx="1790865" cy="816305"/>
+            <a:off x="3196211" y="4066982"/>
+            <a:ext cx="1958606" cy="231394"/>
           </a:xfrm>
           <a:prstGeom prst="rect">
             <a:avLst/>
           </a:prstGeom>
           <a:solidFill>
-            <a:srgbClr val="00B0F0">
-              <a:alpha val="60000"/>
-            </a:srgbClr>
+            <a:srgbClr val="FFFF00"/>
           </a:solidFill>
           <a:ln>
             <a:solidFill>
@@ -13255,42 +13043,62 @@
           <a:lstStyle/>
           <a:p>
             <a:r>
-              <a:rPr lang="en-US" altLang="ja-JP" sz="907" dirty="0">
-                <a:latin typeface="ＭＳ Ｐゴシック" panose="020B0600070205080204" pitchFamily="50" charset="-128"/>
-                <a:ea typeface="ＭＳ Ｐゴシック" panose="020B0600070205080204" pitchFamily="50" charset="-128"/>
+              <a:rPr lang="en-US" altLang="ja-JP" sz="726" dirty="0">
+                <a:latin typeface="Arial" panose="020B0604020202020204" pitchFamily="34" charset="0"/>
                 <a:cs typeface="Arial" panose="020B0604020202020204" pitchFamily="34" charset="0"/>
               </a:rPr>
-              <a:t>Input (boundary cond.): </a:t>
-            </a:r>
-          </a:p>
-          <a:p>
-            <a:r>
-              <a:rPr lang="en-US" altLang="ja-JP" sz="907" dirty="0">
-                <a:latin typeface="ＭＳ Ｐゴシック" panose="020B0600070205080204" pitchFamily="50" charset="-128"/>
-                <a:ea typeface="ＭＳ Ｐゴシック" panose="020B0600070205080204" pitchFamily="50" charset="-128"/>
-                <a:cs typeface="Arial" panose="020B0604020202020204" pitchFamily="34" charset="0"/>
-              </a:rPr>
-              <a:t>-. mass flow rate with ramp in time. Increase it gradually.</a:t>
-            </a:r>
-          </a:p>
-          <a:p>
-            <a:r>
-              <a:rPr lang="en-US" altLang="ja-JP" sz="907" dirty="0">
-                <a:latin typeface="ＭＳ Ｐゴシック" panose="020B0600070205080204" pitchFamily="50" charset="-128"/>
-                <a:ea typeface="ＭＳ Ｐゴシック" panose="020B0600070205080204" pitchFamily="50" charset="-128"/>
-                <a:cs typeface="Arial" panose="020B0604020202020204" pitchFamily="34" charset="0"/>
-              </a:rPr>
-              <a:t>-. Inlet temperature with fixed value. </a:t>
-            </a:r>
-          </a:p>
-        </p:txBody>
-      </p:sp>
-      <p:sp>
-        <p:nvSpPr>
-          <p:cNvPr id="32" name="テキスト ボックス 31">
-            <a:extLst>
-              <a:ext uri="{FF2B5EF4-FFF2-40B4-BE49-F238E27FC236}">
-                <a16:creationId xmlns:a16="http://schemas.microsoft.com/office/drawing/2014/main" id="{009AFEBC-324F-4D6C-89B9-0AE5653FC1CC}"/>
+              <a:t>Increase in pump rotation speed.</a:t>
+            </a:r>
+          </a:p>
+        </p:txBody>
+      </p:sp>
+      <p:cxnSp>
+        <p:nvCxnSpPr>
+          <p:cNvPr id="10" name="直線矢印コネクタ 9">
+            <a:extLst>
+              <a:ext uri="{FF2B5EF4-FFF2-40B4-BE49-F238E27FC236}">
+                <a16:creationId xmlns:a16="http://schemas.microsoft.com/office/drawing/2014/main" id="{AD9598A7-AFA4-4777-B232-F2EF2222C901}"/>
+              </a:ext>
+            </a:extLst>
+          </p:cNvPr>
+          <p:cNvCxnSpPr>
+            <a:cxnSpLocks/>
+          </p:cNvCxnSpPr>
+          <p:nvPr/>
+        </p:nvCxnSpPr>
+        <p:spPr>
+          <a:xfrm flipH="1" flipV="1">
+            <a:off x="6857500" y="1969073"/>
+            <a:ext cx="915400" cy="866690"/>
+          </a:xfrm>
+          <a:prstGeom prst="straightConnector1">
+            <a:avLst/>
+          </a:prstGeom>
+          <a:ln w="57150">
+            <a:tailEnd type="triangle"/>
+          </a:ln>
+        </p:spPr>
+        <p:style>
+          <a:lnRef idx="1">
+            <a:schemeClr val="accent1"/>
+          </a:lnRef>
+          <a:fillRef idx="0">
+            <a:schemeClr val="accent1"/>
+          </a:fillRef>
+          <a:effectRef idx="0">
+            <a:schemeClr val="accent1"/>
+          </a:effectRef>
+          <a:fontRef idx="minor">
+            <a:schemeClr val="tx1"/>
+          </a:fontRef>
+        </p:style>
+      </p:cxnSp>
+      <p:sp>
+        <p:nvSpPr>
+          <p:cNvPr id="14" name="テキスト ボックス 13">
+            <a:extLst>
+              <a:ext uri="{FF2B5EF4-FFF2-40B4-BE49-F238E27FC236}">
+                <a16:creationId xmlns:a16="http://schemas.microsoft.com/office/drawing/2014/main" id="{F65E9BFD-A7C2-4261-BF27-43366943461C}"/>
               </a:ext>
             </a:extLst>
           </p:cNvPr>
@@ -13299,16 +13107,14 @@
         </p:nvSpPr>
         <p:spPr>
           <a:xfrm>
-            <a:off x="8438897" y="4422007"/>
-            <a:ext cx="1514966" cy="555156"/>
+            <a:off x="5772303" y="2474820"/>
+            <a:ext cx="1471531" cy="231394"/>
           </a:xfrm>
           <a:prstGeom prst="rect">
             <a:avLst/>
           </a:prstGeom>
           <a:solidFill>
-            <a:srgbClr val="00B0F0">
-              <a:alpha val="60000"/>
-            </a:srgbClr>
+            <a:srgbClr val="FFFF00"/>
           </a:solidFill>
           <a:ln>
             <a:solidFill>
@@ -13323,318 +13129,40 @@
           <a:lstStyle/>
           <a:p>
             <a:r>
-              <a:rPr lang="en-US" altLang="ja-JP" sz="907" dirty="0">
-                <a:latin typeface="ＭＳ Ｐゴシック" panose="020B0600070205080204" pitchFamily="50" charset="-128"/>
-                <a:ea typeface="ＭＳ Ｐゴシック" panose="020B0600070205080204" pitchFamily="50" charset="-128"/>
+              <a:rPr lang="en-US" altLang="ja-JP" sz="726" dirty="0">
+                <a:latin typeface="Arial" panose="020B0604020202020204" pitchFamily="34" charset="0"/>
                 <a:cs typeface="Arial" panose="020B0604020202020204" pitchFamily="34" charset="0"/>
               </a:rPr>
-              <a:t>Input (boundary cond.): </a:t>
-            </a:r>
-          </a:p>
-          <a:p>
-            <a:r>
-              <a:rPr lang="en-US" altLang="ja-JP" sz="907" dirty="0">
-                <a:latin typeface="ＭＳ Ｐゴシック" panose="020B0600070205080204" pitchFamily="50" charset="-128"/>
-                <a:ea typeface="ＭＳ Ｐゴシック" panose="020B0600070205080204" pitchFamily="50" charset="-128"/>
-                <a:cs typeface="Arial" panose="020B0604020202020204" pitchFamily="34" charset="0"/>
-              </a:rPr>
-              <a:t>-. Outlet pressure with fixed value. </a:t>
+              <a:t>Close of valve (from 1 to 0.5).</a:t>
             </a:r>
           </a:p>
         </p:txBody>
       </p:sp>
       <p:cxnSp>
         <p:nvCxnSpPr>
-          <p:cNvPr id="33" name="直線矢印コネクタ 32">
-            <a:extLst>
-              <a:ext uri="{FF2B5EF4-FFF2-40B4-BE49-F238E27FC236}">
-                <a16:creationId xmlns:a16="http://schemas.microsoft.com/office/drawing/2014/main" id="{7D70DFCB-03CF-468A-87B1-4F2FEDA8CC1F}"/>
+          <p:cNvPr id="15" name="直線矢印コネクタ 14">
+            <a:extLst>
+              <a:ext uri="{FF2B5EF4-FFF2-40B4-BE49-F238E27FC236}">
+                <a16:creationId xmlns:a16="http://schemas.microsoft.com/office/drawing/2014/main" id="{997E26E6-595D-4022-9988-FF5BD7944550}"/>
               </a:ext>
             </a:extLst>
           </p:cNvPr>
           <p:cNvCxnSpPr>
             <a:cxnSpLocks/>
-            <a:stCxn id="32" idx="0"/>
           </p:cNvCxnSpPr>
           <p:nvPr/>
         </p:nvCxnSpPr>
         <p:spPr>
-          <a:xfrm flipH="1" flipV="1">
-            <a:off x="8830470" y="3982063"/>
-            <a:ext cx="365910" cy="439944"/>
+          <a:xfrm flipH="1">
+            <a:off x="4092704" y="1811875"/>
+            <a:ext cx="1132845" cy="462851"/>
           </a:xfrm>
           <a:prstGeom prst="straightConnector1">
             <a:avLst/>
           </a:prstGeom>
-          <a:ln w="12700">
-            <a:solidFill>
-              <a:schemeClr val="tx1"/>
-            </a:solidFill>
-            <a:tailEnd type="oval"/>
-          </a:ln>
-        </p:spPr>
-        <p:style>
-          <a:lnRef idx="1">
-            <a:schemeClr val="accent1"/>
-          </a:lnRef>
-          <a:fillRef idx="0">
-            <a:schemeClr val="accent1"/>
-          </a:fillRef>
-          <a:effectRef idx="0">
-            <a:schemeClr val="accent1"/>
-          </a:effectRef>
-          <a:fontRef idx="minor">
-            <a:schemeClr val="tx1"/>
-          </a:fontRef>
-        </p:style>
-      </p:cxnSp>
-      <p:sp>
-        <p:nvSpPr>
-          <p:cNvPr id="46" name="テキスト ボックス 45">
-            <a:extLst>
-              <a:ext uri="{FF2B5EF4-FFF2-40B4-BE49-F238E27FC236}">
-                <a16:creationId xmlns:a16="http://schemas.microsoft.com/office/drawing/2014/main" id="{1229D8C6-6DDE-4BDE-9AB4-56DCBE00C8B4}"/>
-              </a:ext>
-            </a:extLst>
-          </p:cNvPr>
-          <p:cNvSpPr txBox="1"/>
-          <p:nvPr/>
-        </p:nvSpPr>
-        <p:spPr>
-          <a:xfrm>
-            <a:off x="4982092" y="4421471"/>
-            <a:ext cx="1240392" cy="439944"/>
-          </a:xfrm>
-          <a:prstGeom prst="rect">
-            <a:avLst/>
-          </a:prstGeom>
-          <a:solidFill>
-            <a:srgbClr val="FFFF00">
-              <a:alpha val="69804"/>
-            </a:srgbClr>
-          </a:solidFill>
-          <a:ln>
-            <a:solidFill>
-              <a:schemeClr val="tx1"/>
-            </a:solidFill>
-          </a:ln>
-        </p:spPr>
-        <p:txBody>
-          <a:bodyPr wrap="square" rtlCol="0">
-            <a:noAutofit/>
-          </a:bodyPr>
-          <a:lstStyle/>
-          <a:p>
-            <a:r>
-              <a:rPr lang="en-US" altLang="ja-JP" sz="907" dirty="0">
-                <a:latin typeface="ＭＳ Ｐゴシック" panose="020B0600070205080204" pitchFamily="50" charset="-128"/>
-                <a:ea typeface="ＭＳ Ｐゴシック" panose="020B0600070205080204" pitchFamily="50" charset="-128"/>
-                <a:cs typeface="Arial" panose="020B0604020202020204" pitchFamily="34" charset="0"/>
-              </a:rPr>
-              <a:t>Output of interest: </a:t>
-            </a:r>
-          </a:p>
-          <a:p>
-            <a:r>
-              <a:rPr lang="en-US" altLang="ja-JP" sz="907" dirty="0">
-                <a:latin typeface="ＭＳ Ｐゴシック" panose="020B0600070205080204" pitchFamily="50" charset="-128"/>
-                <a:ea typeface="ＭＳ Ｐゴシック" panose="020B0600070205080204" pitchFamily="50" charset="-128"/>
-                <a:cs typeface="Arial" panose="020B0604020202020204" pitchFamily="34" charset="0"/>
-              </a:rPr>
-              <a:t>-. Inlet pressure.</a:t>
-            </a:r>
-          </a:p>
-        </p:txBody>
-      </p:sp>
-      <p:cxnSp>
-        <p:nvCxnSpPr>
-          <p:cNvPr id="47" name="直線矢印コネクタ 46">
-            <a:extLst>
-              <a:ext uri="{FF2B5EF4-FFF2-40B4-BE49-F238E27FC236}">
-                <a16:creationId xmlns:a16="http://schemas.microsoft.com/office/drawing/2014/main" id="{28F47707-7ECF-4544-BA20-E4C81B229B53}"/>
-              </a:ext>
-            </a:extLst>
-          </p:cNvPr>
-          <p:cNvCxnSpPr>
-            <a:cxnSpLocks/>
-            <a:stCxn id="46" idx="0"/>
-          </p:cNvCxnSpPr>
-          <p:nvPr/>
-        </p:nvCxnSpPr>
-        <p:spPr>
-          <a:xfrm flipV="1">
-            <a:off x="5602288" y="3770742"/>
-            <a:ext cx="228623" cy="650729"/>
-          </a:xfrm>
-          <a:prstGeom prst="straightConnector1">
-            <a:avLst/>
-          </a:prstGeom>
-          <a:ln w="12700">
-            <a:solidFill>
-              <a:schemeClr val="tx1"/>
-            </a:solidFill>
-            <a:tailEnd type="oval"/>
-          </a:ln>
-        </p:spPr>
-        <p:style>
-          <a:lnRef idx="1">
-            <a:schemeClr val="accent1"/>
-          </a:lnRef>
-          <a:fillRef idx="0">
-            <a:schemeClr val="accent1"/>
-          </a:fillRef>
-          <a:effectRef idx="0">
-            <a:schemeClr val="accent1"/>
-          </a:effectRef>
-          <a:fontRef idx="minor">
-            <a:schemeClr val="tx1"/>
-          </a:fontRef>
-        </p:style>
-      </p:cxnSp>
-      <p:sp>
-        <p:nvSpPr>
-          <p:cNvPr id="56" name="テキスト ボックス 55">
-            <a:extLst>
-              <a:ext uri="{FF2B5EF4-FFF2-40B4-BE49-F238E27FC236}">
-                <a16:creationId xmlns:a16="http://schemas.microsoft.com/office/drawing/2014/main" id="{0FED6896-D68B-4F33-AA9F-AD0CB59537DA}"/>
-              </a:ext>
-            </a:extLst>
-          </p:cNvPr>
-          <p:cNvSpPr txBox="1"/>
-          <p:nvPr/>
-        </p:nvSpPr>
-        <p:spPr>
-          <a:xfrm>
-            <a:off x="6462278" y="1787494"/>
-            <a:ext cx="1874117" cy="662685"/>
-          </a:xfrm>
-          <a:prstGeom prst="rect">
-            <a:avLst/>
-          </a:prstGeom>
-          <a:solidFill>
-            <a:srgbClr val="92D050">
-              <a:alpha val="60000"/>
-            </a:srgbClr>
-          </a:solidFill>
-          <a:ln>
-            <a:solidFill>
-              <a:schemeClr val="tx1"/>
-            </a:solidFill>
-          </a:ln>
-        </p:spPr>
-        <p:txBody>
-          <a:bodyPr wrap="square" rtlCol="0">
-            <a:noAutofit/>
-          </a:bodyPr>
-          <a:lstStyle/>
-          <a:p>
-            <a:r>
-              <a:rPr lang="en-US" altLang="ja-JP" sz="907" dirty="0">
-                <a:latin typeface="ＭＳ Ｐゴシック" panose="020B0600070205080204" pitchFamily="50" charset="-128"/>
-                <a:ea typeface="ＭＳ Ｐゴシック" panose="020B0600070205080204" pitchFamily="50" charset="-128"/>
-                <a:cs typeface="Arial" panose="020B0604020202020204" pitchFamily="34" charset="0"/>
-              </a:rPr>
-              <a:t>Volumes</a:t>
-            </a:r>
-          </a:p>
-          <a:p>
-            <a:r>
-              <a:rPr lang="en-US" altLang="ja-JP" sz="907" dirty="0">
-                <a:latin typeface="ＭＳ Ｐゴシック" panose="020B0600070205080204" pitchFamily="50" charset="-128"/>
-                <a:ea typeface="ＭＳ Ｐゴシック" panose="020B0600070205080204" pitchFamily="50" charset="-128"/>
-                <a:cs typeface="Arial" panose="020B0604020202020204" pitchFamily="34" charset="0"/>
-              </a:rPr>
-              <a:t>-. In order to see the temperature and enthalpy change across the pipe.</a:t>
-            </a:r>
-          </a:p>
-        </p:txBody>
-      </p:sp>
-      <p:sp>
-        <p:nvSpPr>
-          <p:cNvPr id="61" name="テキスト ボックス 60">
-            <a:extLst>
-              <a:ext uri="{FF2B5EF4-FFF2-40B4-BE49-F238E27FC236}">
-                <a16:creationId xmlns:a16="http://schemas.microsoft.com/office/drawing/2014/main" id="{B497D03F-9EED-4CAA-AB9E-F628C6603C60}"/>
-              </a:ext>
-            </a:extLst>
-          </p:cNvPr>
-          <p:cNvSpPr txBox="1"/>
-          <p:nvPr/>
-        </p:nvSpPr>
-        <p:spPr>
-          <a:xfrm>
-            <a:off x="6654299" y="4624478"/>
-            <a:ext cx="1345059" cy="439944"/>
-          </a:xfrm>
-          <a:prstGeom prst="rect">
-            <a:avLst/>
-          </a:prstGeom>
-          <a:solidFill>
-            <a:srgbClr val="FFFF00">
-              <a:alpha val="69804"/>
-            </a:srgbClr>
-          </a:solidFill>
-          <a:ln>
-            <a:solidFill>
-              <a:schemeClr val="tx1"/>
-            </a:solidFill>
-          </a:ln>
-        </p:spPr>
-        <p:txBody>
-          <a:bodyPr wrap="square" rtlCol="0">
-            <a:noAutofit/>
-          </a:bodyPr>
-          <a:lstStyle/>
-          <a:p>
-            <a:r>
-              <a:rPr lang="en-US" altLang="ja-JP" sz="907" dirty="0">
-                <a:latin typeface="ＭＳ Ｐゴシック" panose="020B0600070205080204" pitchFamily="50" charset="-128"/>
-                <a:ea typeface="ＭＳ Ｐゴシック" panose="020B0600070205080204" pitchFamily="50" charset="-128"/>
-                <a:cs typeface="Arial" panose="020B0604020202020204" pitchFamily="34" charset="0"/>
-              </a:rPr>
-              <a:t>Output of interest: </a:t>
-            </a:r>
-          </a:p>
-          <a:p>
-            <a:r>
-              <a:rPr lang="en-US" altLang="ja-JP" sz="907" dirty="0">
-                <a:latin typeface="ＭＳ Ｐゴシック" panose="020B0600070205080204" pitchFamily="50" charset="-128"/>
-                <a:ea typeface="ＭＳ Ｐゴシック" panose="020B0600070205080204" pitchFamily="50" charset="-128"/>
-                <a:cs typeface="Arial" panose="020B0604020202020204" pitchFamily="34" charset="0"/>
-              </a:rPr>
-              <a:t>-. Outlet temperature.</a:t>
-            </a:r>
-          </a:p>
-        </p:txBody>
-      </p:sp>
-      <p:cxnSp>
-        <p:nvCxnSpPr>
-          <p:cNvPr id="63" name="直線矢印コネクタ 62">
-            <a:extLst>
-              <a:ext uri="{FF2B5EF4-FFF2-40B4-BE49-F238E27FC236}">
-                <a16:creationId xmlns:a16="http://schemas.microsoft.com/office/drawing/2014/main" id="{DF8918F8-1480-46B8-B337-90E45D7956CC}"/>
-              </a:ext>
-            </a:extLst>
-          </p:cNvPr>
-          <p:cNvCxnSpPr>
-            <a:cxnSpLocks/>
-            <a:stCxn id="61" idx="0"/>
-          </p:cNvCxnSpPr>
-          <p:nvPr/>
-        </p:nvCxnSpPr>
-        <p:spPr>
-          <a:xfrm flipV="1">
-            <a:off x="7326829" y="3771277"/>
-            <a:ext cx="161226" cy="853200"/>
-          </a:xfrm>
-          <a:prstGeom prst="straightConnector1">
-            <a:avLst/>
-          </a:prstGeom>
-          <a:ln w="12700">
-            <a:solidFill>
-              <a:schemeClr val="tx1"/>
-            </a:solidFill>
-            <a:tailEnd type="oval"/>
+          <a:ln w="57150">
+            <a:prstDash val="sysDash"/>
+            <a:tailEnd type="triangle"/>
           </a:ln>
         </p:spPr>
         <p:style>
@@ -13654,32 +13182,33 @@
       </p:cxnSp>
       <p:cxnSp>
         <p:nvCxnSpPr>
-          <p:cNvPr id="66" name="直線矢印コネクタ 65">
-            <a:extLst>
-              <a:ext uri="{FF2B5EF4-FFF2-40B4-BE49-F238E27FC236}">
-                <a16:creationId xmlns:a16="http://schemas.microsoft.com/office/drawing/2014/main" id="{10A4F465-2C5C-43B5-AE68-4B9A6BFAC9F6}"/>
+          <p:cNvPr id="19" name="直線コネクタ 18">
+            <a:extLst>
+              <a:ext uri="{FF2B5EF4-FFF2-40B4-BE49-F238E27FC236}">
+                <a16:creationId xmlns:a16="http://schemas.microsoft.com/office/drawing/2014/main" id="{E9BAC9CF-F5FA-4B76-82D9-5F8E3A05CBCF}"/>
               </a:ext>
             </a:extLst>
           </p:cNvPr>
           <p:cNvCxnSpPr>
             <a:cxnSpLocks/>
-            <a:stCxn id="56" idx="2"/>
           </p:cNvCxnSpPr>
           <p:nvPr/>
         </p:nvCxnSpPr>
         <p:spPr>
-          <a:xfrm>
-            <a:off x="7399337" y="2450178"/>
-            <a:ext cx="69056" cy="372948"/>
-          </a:xfrm>
-          <a:prstGeom prst="straightConnector1">
+          <a:xfrm flipH="1">
+            <a:off x="2987391" y="928749"/>
+            <a:ext cx="5084817" cy="1877358"/>
+          </a:xfrm>
+          <a:prstGeom prst="line">
             <a:avLst/>
           </a:prstGeom>
           <a:ln w="12700">
             <a:solidFill>
-              <a:schemeClr val="tx1"/>
+              <a:srgbClr val="FF0000"/>
             </a:solidFill>
-            <a:tailEnd type="oval"/>
+            <a:prstDash val="dash"/>
+            <a:headEnd type="arrow" w="med" len="med"/>
+            <a:tailEnd type="arrow" w="med" len="med"/>
           </a:ln>
         </p:spPr>
         <p:style>
@@ -13699,32 +13228,29 @@
       </p:cxnSp>
       <p:cxnSp>
         <p:nvCxnSpPr>
-          <p:cNvPr id="69" name="直線矢印コネクタ 68">
-            <a:extLst>
-              <a:ext uri="{FF2B5EF4-FFF2-40B4-BE49-F238E27FC236}">
-                <a16:creationId xmlns:a16="http://schemas.microsoft.com/office/drawing/2014/main" id="{F32FF4C8-1012-41CB-8EF3-C0D556DA3D0B}"/>
+          <p:cNvPr id="25" name="直線矢印コネクタ 24">
+            <a:extLst>
+              <a:ext uri="{FF2B5EF4-FFF2-40B4-BE49-F238E27FC236}">
+                <a16:creationId xmlns:a16="http://schemas.microsoft.com/office/drawing/2014/main" id="{F0EDFA1E-951F-4FA1-B0FB-40CDF9A3C747}"/>
               </a:ext>
             </a:extLst>
           </p:cNvPr>
           <p:cNvCxnSpPr>
             <a:cxnSpLocks/>
-            <a:stCxn id="56" idx="2"/>
           </p:cNvCxnSpPr>
           <p:nvPr/>
         </p:nvCxnSpPr>
         <p:spPr>
-          <a:xfrm flipH="1">
-            <a:off x="5901581" y="2450178"/>
-            <a:ext cx="1497755" cy="576060"/>
+          <a:xfrm flipV="1">
+            <a:off x="6679540" y="864284"/>
+            <a:ext cx="963902" cy="379932"/>
           </a:xfrm>
           <a:prstGeom prst="straightConnector1">
             <a:avLst/>
           </a:prstGeom>
-          <a:ln w="12700">
-            <a:solidFill>
-              <a:schemeClr val="tx1"/>
-            </a:solidFill>
-            <a:tailEnd type="oval"/>
+          <a:ln w="57150">
+            <a:prstDash val="sysDash"/>
+            <a:tailEnd type="triangle"/>
           </a:ln>
         </p:spPr>
         <p:style>
@@ -13742,10 +13268,156 @@
           </a:fontRef>
         </p:style>
       </p:cxnSp>
+      <p:sp>
+        <p:nvSpPr>
+          <p:cNvPr id="29" name="テキスト ボックス 28">
+            <a:extLst>
+              <a:ext uri="{FF2B5EF4-FFF2-40B4-BE49-F238E27FC236}">
+                <a16:creationId xmlns:a16="http://schemas.microsoft.com/office/drawing/2014/main" id="{5F475437-0345-47CF-9FE1-D668F99663DA}"/>
+              </a:ext>
+            </a:extLst>
+          </p:cNvPr>
+          <p:cNvSpPr txBox="1"/>
+          <p:nvPr/>
+        </p:nvSpPr>
+        <p:spPr>
+          <a:xfrm>
+            <a:off x="3196211" y="1811875"/>
+            <a:ext cx="1388082" cy="210358"/>
+          </a:xfrm>
+          <a:prstGeom prst="rect">
+            <a:avLst/>
+          </a:prstGeom>
+          <a:solidFill>
+            <a:srgbClr val="FFFF00"/>
+          </a:solidFill>
+          <a:ln w="12700">
+            <a:solidFill>
+              <a:schemeClr val="tx1"/>
+            </a:solidFill>
+            <a:prstDash val="dash"/>
+          </a:ln>
+        </p:spPr>
+        <p:txBody>
+          <a:bodyPr wrap="square" rtlCol="0">
+            <a:noAutofit/>
+          </a:bodyPr>
+          <a:lstStyle/>
+          <a:p>
+            <a:r>
+              <a:rPr lang="en-US" altLang="ja-JP" sz="726" dirty="0">
+                <a:latin typeface="Arial" panose="020B0604020202020204" pitchFamily="34" charset="0"/>
+                <a:cs typeface="Arial" panose="020B0604020202020204" pitchFamily="34" charset="0"/>
+              </a:rPr>
+              <a:t>If pump speed is reduced.</a:t>
+            </a:r>
+          </a:p>
+        </p:txBody>
+      </p:sp>
+      <p:sp>
+        <p:nvSpPr>
+          <p:cNvPr id="31" name="テキスト ボックス 30">
+            <a:extLst>
+              <a:ext uri="{FF2B5EF4-FFF2-40B4-BE49-F238E27FC236}">
+                <a16:creationId xmlns:a16="http://schemas.microsoft.com/office/drawing/2014/main" id="{F7B7729C-DFC0-468F-B40B-DA09B43124FD}"/>
+              </a:ext>
+            </a:extLst>
+          </p:cNvPr>
+          <p:cNvSpPr txBox="1"/>
+          <p:nvPr/>
+        </p:nvSpPr>
+        <p:spPr>
+          <a:xfrm>
+            <a:off x="5814027" y="746617"/>
+            <a:ext cx="1388082" cy="210358"/>
+          </a:xfrm>
+          <a:prstGeom prst="rect">
+            <a:avLst/>
+          </a:prstGeom>
+          <a:solidFill>
+            <a:srgbClr val="FFFF00"/>
+          </a:solidFill>
+          <a:ln w="12700">
+            <a:solidFill>
+              <a:schemeClr val="tx1"/>
+            </a:solidFill>
+            <a:prstDash val="dash"/>
+          </a:ln>
+        </p:spPr>
+        <p:txBody>
+          <a:bodyPr wrap="square" rtlCol="0">
+            <a:noAutofit/>
+          </a:bodyPr>
+          <a:lstStyle/>
+          <a:p>
+            <a:r>
+              <a:rPr lang="en-US" altLang="ja-JP" sz="726" dirty="0">
+                <a:latin typeface="Arial" panose="020B0604020202020204" pitchFamily="34" charset="0"/>
+                <a:cs typeface="Arial" panose="020B0604020202020204" pitchFamily="34" charset="0"/>
+              </a:rPr>
+              <a:t>If pump speed is increased.</a:t>
+            </a:r>
+          </a:p>
+        </p:txBody>
+      </p:sp>
+      <p:sp>
+        <p:nvSpPr>
+          <p:cNvPr id="32" name="楕円 31">
+            <a:extLst>
+              <a:ext uri="{FF2B5EF4-FFF2-40B4-BE49-F238E27FC236}">
+                <a16:creationId xmlns:a16="http://schemas.microsoft.com/office/drawing/2014/main" id="{6F1645D5-F783-41D9-9B24-5B11691851B9}"/>
+              </a:ext>
+            </a:extLst>
+          </p:cNvPr>
+          <p:cNvSpPr/>
+          <p:nvPr/>
+        </p:nvSpPr>
+        <p:spPr>
+          <a:xfrm>
+            <a:off x="6554498" y="1410481"/>
+            <a:ext cx="117873" cy="117954"/>
+          </a:xfrm>
+          <a:prstGeom prst="ellipse">
+            <a:avLst/>
+          </a:prstGeom>
+          <a:solidFill>
+            <a:srgbClr val="FF0000"/>
+          </a:solidFill>
+          <a:ln>
+            <a:solidFill>
+              <a:srgbClr val="FF0000"/>
+            </a:solidFill>
+          </a:ln>
+        </p:spPr>
+        <p:style>
+          <a:lnRef idx="2">
+            <a:schemeClr val="accent1">
+              <a:shade val="50000"/>
+            </a:schemeClr>
+          </a:lnRef>
+          <a:fillRef idx="1">
+            <a:schemeClr val="accent1"/>
+          </a:fillRef>
+          <a:effectRef idx="0">
+            <a:schemeClr val="accent1"/>
+          </a:effectRef>
+          <a:fontRef idx="minor">
+            <a:schemeClr val="lt1"/>
+          </a:fontRef>
+        </p:style>
+        <p:txBody>
+          <a:bodyPr rtlCol="0" anchor="ctr"/>
+          <a:lstStyle/>
+          <a:p>
+            <a:pPr algn="ctr"/>
+            <a:endParaRPr kumimoji="1" lang="ja-JP" altLang="en-US"/>
+          </a:p>
+        </p:txBody>
+      </p:sp>
     </p:spTree>
     <p:extLst>
       <p:ext uri="{BB962C8B-B14F-4D97-AF65-F5344CB8AC3E}">
-        <p14:creationId xmlns:p14="http://schemas.microsoft.com/office/powerpoint/2010/main" val="1639536937"/>
+        <p14:creationId xmlns:p14="http://schemas.microsoft.com/office/powerpoint/2010/main" val="3306936681"/>
       </p:ext>
     </p:extLst>
   </p:cSld>
@@ -13777,7 +13449,7 @@
           <p:cNvPr id="3" name="図 2">
             <a:extLst>
               <a:ext uri="{FF2B5EF4-FFF2-40B4-BE49-F238E27FC236}">
-                <a16:creationId xmlns:a16="http://schemas.microsoft.com/office/drawing/2014/main" id="{54E7ADF1-491A-4CC5-9C66-AD8AE0189619}"/>
+                <a16:creationId xmlns:a16="http://schemas.microsoft.com/office/drawing/2014/main" id="{8A354606-FE4B-40DF-A5A7-8CC62764A7DE}"/>
               </a:ext>
             </a:extLst>
           </p:cNvPr>
@@ -13786,129 +13458,25 @@
           </p:cNvPicPr>
           <p:nvPr/>
         </p:nvPicPr>
-        <p:blipFill>
+        <p:blipFill rotWithShape="1">
           <a:blip r:embed="rId2"/>
-          <a:stretch>
-            <a:fillRect/>
-          </a:stretch>
+          <a:srcRect b="40451"/>
+          <a:stretch/>
         </p:blipFill>
         <p:spPr>
           <a:xfrm>
-            <a:off x="1523521" y="633537"/>
-            <a:ext cx="9144960" cy="5590928"/>
+            <a:off x="2676952" y="1086143"/>
+            <a:ext cx="6838095" cy="2790288"/>
           </a:xfrm>
           <a:prstGeom prst="rect">
             <a:avLst/>
           </a:prstGeom>
         </p:spPr>
       </p:pic>
-      <p:sp>
-        <p:nvSpPr>
-          <p:cNvPr id="4" name="テキスト ボックス 3">
-            <a:extLst>
-              <a:ext uri="{FF2B5EF4-FFF2-40B4-BE49-F238E27FC236}">
-                <a16:creationId xmlns:a16="http://schemas.microsoft.com/office/drawing/2014/main" id="{F7501286-898F-4E02-9EFB-55B42AC864C6}"/>
-              </a:ext>
-            </a:extLst>
-          </p:cNvPr>
-          <p:cNvSpPr txBox="1"/>
-          <p:nvPr/>
-        </p:nvSpPr>
-        <p:spPr>
-          <a:xfrm>
-            <a:off x="4229401" y="2450178"/>
-            <a:ext cx="1914473" cy="407083"/>
-          </a:xfrm>
-          <a:prstGeom prst="rect">
-            <a:avLst/>
-          </a:prstGeom>
-          <a:solidFill>
-            <a:schemeClr val="accent5">
-              <a:lumMod val="40000"/>
-              <a:lumOff val="60000"/>
-            </a:schemeClr>
-          </a:solidFill>
-          <a:ln>
-            <a:solidFill>
-              <a:schemeClr val="tx1"/>
-            </a:solidFill>
-          </a:ln>
-        </p:spPr>
-        <p:txBody>
-          <a:bodyPr wrap="square" rtlCol="0">
-            <a:noAutofit/>
-          </a:bodyPr>
-          <a:lstStyle/>
-          <a:p>
-            <a:r>
-              <a:rPr lang="en-US" altLang="ja-JP" sz="907" dirty="0">
-                <a:latin typeface="ＭＳ Ｐゴシック" panose="020B0600070205080204" pitchFamily="50" charset="-128"/>
-                <a:ea typeface="ＭＳ Ｐゴシック" panose="020B0600070205080204" pitchFamily="50" charset="-128"/>
-                <a:cs typeface="Arial" panose="020B0604020202020204" pitchFamily="34" charset="0"/>
-              </a:rPr>
-              <a:t>Input: </a:t>
-            </a:r>
-          </a:p>
-          <a:p>
-            <a:r>
-              <a:rPr lang="en-US" altLang="ja-JP" sz="907" dirty="0">
-                <a:latin typeface="ＭＳ Ｐゴシック" panose="020B0600070205080204" pitchFamily="50" charset="-128"/>
-                <a:ea typeface="ＭＳ Ｐゴシック" panose="020B0600070205080204" pitchFamily="50" charset="-128"/>
-                <a:cs typeface="Arial" panose="020B0604020202020204" pitchFamily="34" charset="0"/>
-              </a:rPr>
-              <a:t> mass flow rate flowing through pipe.</a:t>
-            </a:r>
-          </a:p>
-        </p:txBody>
-      </p:sp>
-      <p:cxnSp>
-        <p:nvCxnSpPr>
-          <p:cNvPr id="5" name="直線矢印コネクタ 4">
-            <a:extLst>
-              <a:ext uri="{FF2B5EF4-FFF2-40B4-BE49-F238E27FC236}">
-                <a16:creationId xmlns:a16="http://schemas.microsoft.com/office/drawing/2014/main" id="{5498A4A1-DA3A-4C86-B56A-EDB4A5C7F2B6}"/>
-              </a:ext>
-            </a:extLst>
-          </p:cNvPr>
-          <p:cNvCxnSpPr>
-            <a:cxnSpLocks/>
-          </p:cNvCxnSpPr>
-          <p:nvPr/>
-        </p:nvCxnSpPr>
-        <p:spPr>
-          <a:xfrm>
-            <a:off x="5210308" y="2857263"/>
-            <a:ext cx="568379" cy="571738"/>
-          </a:xfrm>
-          <a:prstGeom prst="straightConnector1">
-            <a:avLst/>
-          </a:prstGeom>
-          <a:ln w="12700">
-            <a:solidFill>
-              <a:schemeClr val="tx1"/>
-            </a:solidFill>
-            <a:tailEnd type="oval"/>
-          </a:ln>
-        </p:spPr>
-        <p:style>
-          <a:lnRef idx="1">
-            <a:schemeClr val="accent1"/>
-          </a:lnRef>
-          <a:fillRef idx="0">
-            <a:schemeClr val="accent1"/>
-          </a:fillRef>
-          <a:effectRef idx="0">
-            <a:schemeClr val="accent1"/>
-          </a:effectRef>
-          <a:fontRef idx="minor">
-            <a:schemeClr val="tx1"/>
-          </a:fontRef>
-        </p:style>
-      </p:cxnSp>
     </p:spTree>
     <p:extLst>
       <p:ext uri="{BB962C8B-B14F-4D97-AF65-F5344CB8AC3E}">
-        <p14:creationId xmlns:p14="http://schemas.microsoft.com/office/powerpoint/2010/main" val="2254141340"/>
+        <p14:creationId xmlns:p14="http://schemas.microsoft.com/office/powerpoint/2010/main" val="4256252250"/>
       </p:ext>
     </p:extLst>
   </p:cSld>
@@ -13940,7 +13508,7 @@
           <p:cNvPr id="3" name="図 2">
             <a:extLst>
               <a:ext uri="{FF2B5EF4-FFF2-40B4-BE49-F238E27FC236}">
-                <a16:creationId xmlns:a16="http://schemas.microsoft.com/office/drawing/2014/main" id="{0A75D7AA-96F3-4615-8E9B-833C76A57AD0}"/>
+                <a16:creationId xmlns:a16="http://schemas.microsoft.com/office/drawing/2014/main" id="{AB48BEEF-767E-45C8-A615-BB63D5F8407E}"/>
               </a:ext>
             </a:extLst>
           </p:cNvPr>
@@ -13949,16 +13517,15 @@
           </p:cNvPicPr>
           <p:nvPr/>
         </p:nvPicPr>
-        <p:blipFill>
+        <p:blipFill rotWithShape="1">
           <a:blip r:embed="rId2"/>
-          <a:stretch>
-            <a:fillRect/>
-          </a:stretch>
+          <a:srcRect b="38876"/>
+          <a:stretch/>
         </p:blipFill>
         <p:spPr>
           <a:xfrm>
-            <a:off x="1523521" y="634903"/>
-            <a:ext cx="9144960" cy="5588196"/>
+            <a:off x="2994302" y="1787494"/>
+            <a:ext cx="6203396" cy="2598248"/>
           </a:xfrm>
           <a:prstGeom prst="rect">
             <a:avLst/>
@@ -13970,7 +13537,7 @@
           <p:cNvPr id="4" name="テキスト ボックス 3">
             <a:extLst>
               <a:ext uri="{FF2B5EF4-FFF2-40B4-BE49-F238E27FC236}">
-                <a16:creationId xmlns:a16="http://schemas.microsoft.com/office/drawing/2014/main" id="{A3272D81-0524-4955-82BA-9C1FAE82483B}"/>
+                <a16:creationId xmlns:a16="http://schemas.microsoft.com/office/drawing/2014/main" id="{0E55A3D1-88C9-46C4-9917-4384ADB54C73}"/>
               </a:ext>
             </a:extLst>
           </p:cNvPr>
@@ -13979,14 +13546,16 @@
         </p:nvSpPr>
         <p:spPr>
           <a:xfrm>
-            <a:off x="3958336" y="1459354"/>
-            <a:ext cx="1958606" cy="462788"/>
+            <a:off x="4526715" y="1951991"/>
+            <a:ext cx="1374866" cy="567313"/>
           </a:xfrm>
           <a:prstGeom prst="rect">
             <a:avLst/>
           </a:prstGeom>
           <a:solidFill>
-            <a:srgbClr val="FFFF00"/>
+            <a:srgbClr val="92D050">
+              <a:alpha val="60000"/>
+            </a:srgbClr>
           </a:solidFill>
           <a:ln>
             <a:solidFill>
@@ -14001,29 +13570,22 @@
           <a:lstStyle/>
           <a:p>
             <a:r>
-              <a:rPr lang="en-US" altLang="ja-JP" sz="726" dirty="0">
-                <a:latin typeface="Arial" panose="020B0604020202020204" pitchFamily="34" charset="0"/>
+              <a:rPr lang="en-US" altLang="ja-JP" sz="907" dirty="0">
+                <a:latin typeface="ＭＳ Ｐゴシック" panose="020B0600070205080204" pitchFamily="50" charset="-128"/>
+                <a:ea typeface="ＭＳ Ｐゴシック" panose="020B0600070205080204" pitchFamily="50" charset="-128"/>
                 <a:cs typeface="Arial" panose="020B0604020202020204" pitchFamily="34" charset="0"/>
               </a:rPr>
-              <a:t>Output: </a:t>
-            </a:r>
-          </a:p>
-          <a:p>
-            <a:r>
-              <a:rPr lang="en-US" altLang="ja-JP" sz="726" dirty="0">
-                <a:latin typeface="Arial" panose="020B0604020202020204" pitchFamily="34" charset="0"/>
+              <a:t>Pipe= Flow resistance.</a:t>
+            </a:r>
+          </a:p>
+          <a:p>
+            <a:r>
+              <a:rPr lang="en-US" altLang="ja-JP" sz="907" dirty="0">
+                <a:latin typeface="ＭＳ Ｐゴシック" panose="020B0600070205080204" pitchFamily="50" charset="-128"/>
+                <a:ea typeface="ＭＳ Ｐゴシック" panose="020B0600070205080204" pitchFamily="50" charset="-128"/>
                 <a:cs typeface="Arial" panose="020B0604020202020204" pitchFamily="34" charset="0"/>
               </a:rPr>
-              <a:t> Fluid pressure of pipe inlet.</a:t>
-            </a:r>
-          </a:p>
-          <a:p>
-            <a:r>
-              <a:rPr lang="en-US" altLang="ja-JP" sz="726" dirty="0">
-                <a:latin typeface="Arial" panose="020B0604020202020204" pitchFamily="34" charset="0"/>
-                <a:cs typeface="Arial" panose="020B0604020202020204" pitchFamily="34" charset="0"/>
-              </a:rPr>
-              <a:t> It increases as mass flow rate increases.</a:t>
+              <a:t>-. Fluid pressure drops through it.</a:t>
             </a:r>
           </a:p>
         </p:txBody>
@@ -14033,20 +13595,590 @@
           <p:cNvPr id="5" name="直線矢印コネクタ 4">
             <a:extLst>
               <a:ext uri="{FF2B5EF4-FFF2-40B4-BE49-F238E27FC236}">
-                <a16:creationId xmlns:a16="http://schemas.microsoft.com/office/drawing/2014/main" id="{A4C10585-2781-4F39-81FA-49A33D3B45EE}"/>
+                <a16:creationId xmlns:a16="http://schemas.microsoft.com/office/drawing/2014/main" id="{09EC11B6-4E22-484D-AAAC-DF8E43BE7174}"/>
               </a:ext>
             </a:extLst>
           </p:cNvPr>
           <p:cNvCxnSpPr>
             <a:cxnSpLocks/>
-            <a:stCxn id="4" idx="2"/>
+            <a:stCxn id="4" idx="3"/>
           </p:cNvCxnSpPr>
           <p:nvPr/>
         </p:nvCxnSpPr>
         <p:spPr>
           <a:xfrm>
-            <a:off x="4937639" y="1922143"/>
-            <a:ext cx="1421910" cy="981203"/>
+            <a:off x="5901581" y="2235647"/>
+            <a:ext cx="675764" cy="1274482"/>
+          </a:xfrm>
+          <a:prstGeom prst="straightConnector1">
+            <a:avLst/>
+          </a:prstGeom>
+          <a:ln w="12700">
+            <a:solidFill>
+              <a:schemeClr val="tx1"/>
+            </a:solidFill>
+            <a:tailEnd type="oval"/>
+          </a:ln>
+        </p:spPr>
+        <p:style>
+          <a:lnRef idx="1">
+            <a:schemeClr val="accent1"/>
+          </a:lnRef>
+          <a:fillRef idx="0">
+            <a:schemeClr val="accent1"/>
+          </a:fillRef>
+          <a:effectRef idx="0">
+            <a:schemeClr val="accent1"/>
+          </a:effectRef>
+          <a:fontRef idx="minor">
+            <a:schemeClr val="tx1"/>
+          </a:fontRef>
+        </p:style>
+      </p:cxnSp>
+      <p:cxnSp>
+        <p:nvCxnSpPr>
+          <p:cNvPr id="15" name="直線矢印コネクタ 14">
+            <a:extLst>
+              <a:ext uri="{FF2B5EF4-FFF2-40B4-BE49-F238E27FC236}">
+                <a16:creationId xmlns:a16="http://schemas.microsoft.com/office/drawing/2014/main" id="{26FA83A2-BD09-4555-A9DF-EC55189CAA54}"/>
+              </a:ext>
+            </a:extLst>
+          </p:cNvPr>
+          <p:cNvCxnSpPr>
+            <a:cxnSpLocks/>
+            <a:stCxn id="27" idx="0"/>
+          </p:cNvCxnSpPr>
+          <p:nvPr/>
+        </p:nvCxnSpPr>
+        <p:spPr>
+          <a:xfrm flipV="1">
+            <a:off x="3804362" y="3982063"/>
+            <a:ext cx="445845" cy="439943"/>
+          </a:xfrm>
+          <a:prstGeom prst="straightConnector1">
+            <a:avLst/>
+          </a:prstGeom>
+          <a:ln w="12700">
+            <a:solidFill>
+              <a:schemeClr val="tx1"/>
+            </a:solidFill>
+            <a:tailEnd type="oval"/>
+          </a:ln>
+        </p:spPr>
+        <p:style>
+          <a:lnRef idx="1">
+            <a:schemeClr val="accent1"/>
+          </a:lnRef>
+          <a:fillRef idx="0">
+            <a:schemeClr val="accent1"/>
+          </a:fillRef>
+          <a:effectRef idx="0">
+            <a:schemeClr val="accent1"/>
+          </a:effectRef>
+          <a:fontRef idx="minor">
+            <a:schemeClr val="tx1"/>
+          </a:fontRef>
+        </p:style>
+      </p:cxnSp>
+      <p:sp>
+        <p:nvSpPr>
+          <p:cNvPr id="27" name="テキスト ボックス 26">
+            <a:extLst>
+              <a:ext uri="{FF2B5EF4-FFF2-40B4-BE49-F238E27FC236}">
+                <a16:creationId xmlns:a16="http://schemas.microsoft.com/office/drawing/2014/main" id="{FAFF685B-35D8-4007-8385-5AA3CEC86D7B}"/>
+              </a:ext>
+            </a:extLst>
+          </p:cNvPr>
+          <p:cNvSpPr txBox="1"/>
+          <p:nvPr/>
+        </p:nvSpPr>
+        <p:spPr>
+          <a:xfrm>
+            <a:off x="2908929" y="4422006"/>
+            <a:ext cx="1790865" cy="816305"/>
+          </a:xfrm>
+          <a:prstGeom prst="rect">
+            <a:avLst/>
+          </a:prstGeom>
+          <a:solidFill>
+            <a:srgbClr val="00B0F0">
+              <a:alpha val="60000"/>
+            </a:srgbClr>
+          </a:solidFill>
+          <a:ln>
+            <a:solidFill>
+              <a:schemeClr val="tx1"/>
+            </a:solidFill>
+          </a:ln>
+        </p:spPr>
+        <p:txBody>
+          <a:bodyPr wrap="square" rtlCol="0">
+            <a:noAutofit/>
+          </a:bodyPr>
+          <a:lstStyle/>
+          <a:p>
+            <a:r>
+              <a:rPr lang="en-US" altLang="ja-JP" sz="907" dirty="0">
+                <a:latin typeface="ＭＳ Ｐゴシック" panose="020B0600070205080204" pitchFamily="50" charset="-128"/>
+                <a:ea typeface="ＭＳ Ｐゴシック" panose="020B0600070205080204" pitchFamily="50" charset="-128"/>
+                <a:cs typeface="Arial" panose="020B0604020202020204" pitchFamily="34" charset="0"/>
+              </a:rPr>
+              <a:t>Input (boundary cond.): </a:t>
+            </a:r>
+          </a:p>
+          <a:p>
+            <a:r>
+              <a:rPr lang="en-US" altLang="ja-JP" sz="907" dirty="0">
+                <a:latin typeface="ＭＳ Ｐゴシック" panose="020B0600070205080204" pitchFamily="50" charset="-128"/>
+                <a:ea typeface="ＭＳ Ｐゴシック" panose="020B0600070205080204" pitchFamily="50" charset="-128"/>
+                <a:cs typeface="Arial" panose="020B0604020202020204" pitchFamily="34" charset="0"/>
+              </a:rPr>
+              <a:t>-. mass flow rate with ramp in time. Increase it gradually.</a:t>
+            </a:r>
+          </a:p>
+          <a:p>
+            <a:r>
+              <a:rPr lang="en-US" altLang="ja-JP" sz="907" dirty="0">
+                <a:latin typeface="ＭＳ Ｐゴシック" panose="020B0600070205080204" pitchFamily="50" charset="-128"/>
+                <a:ea typeface="ＭＳ Ｐゴシック" panose="020B0600070205080204" pitchFamily="50" charset="-128"/>
+                <a:cs typeface="Arial" panose="020B0604020202020204" pitchFamily="34" charset="0"/>
+              </a:rPr>
+              <a:t>-. Inlet temperature with fixed value. </a:t>
+            </a:r>
+          </a:p>
+        </p:txBody>
+      </p:sp>
+      <p:sp>
+        <p:nvSpPr>
+          <p:cNvPr id="32" name="テキスト ボックス 31">
+            <a:extLst>
+              <a:ext uri="{FF2B5EF4-FFF2-40B4-BE49-F238E27FC236}">
+                <a16:creationId xmlns:a16="http://schemas.microsoft.com/office/drawing/2014/main" id="{009AFEBC-324F-4D6C-89B9-0AE5653FC1CC}"/>
+              </a:ext>
+            </a:extLst>
+          </p:cNvPr>
+          <p:cNvSpPr txBox="1"/>
+          <p:nvPr/>
+        </p:nvSpPr>
+        <p:spPr>
+          <a:xfrm>
+            <a:off x="8438897" y="4422007"/>
+            <a:ext cx="1514966" cy="555156"/>
+          </a:xfrm>
+          <a:prstGeom prst="rect">
+            <a:avLst/>
+          </a:prstGeom>
+          <a:solidFill>
+            <a:srgbClr val="00B0F0">
+              <a:alpha val="60000"/>
+            </a:srgbClr>
+          </a:solidFill>
+          <a:ln>
+            <a:solidFill>
+              <a:schemeClr val="tx1"/>
+            </a:solidFill>
+          </a:ln>
+        </p:spPr>
+        <p:txBody>
+          <a:bodyPr wrap="square" rtlCol="0">
+            <a:noAutofit/>
+          </a:bodyPr>
+          <a:lstStyle/>
+          <a:p>
+            <a:r>
+              <a:rPr lang="en-US" altLang="ja-JP" sz="907" dirty="0">
+                <a:latin typeface="ＭＳ Ｐゴシック" panose="020B0600070205080204" pitchFamily="50" charset="-128"/>
+                <a:ea typeface="ＭＳ Ｐゴシック" panose="020B0600070205080204" pitchFamily="50" charset="-128"/>
+                <a:cs typeface="Arial" panose="020B0604020202020204" pitchFamily="34" charset="0"/>
+              </a:rPr>
+              <a:t>Input (boundary cond.): </a:t>
+            </a:r>
+          </a:p>
+          <a:p>
+            <a:r>
+              <a:rPr lang="en-US" altLang="ja-JP" sz="907" dirty="0">
+                <a:latin typeface="ＭＳ Ｐゴシック" panose="020B0600070205080204" pitchFamily="50" charset="-128"/>
+                <a:ea typeface="ＭＳ Ｐゴシック" panose="020B0600070205080204" pitchFamily="50" charset="-128"/>
+                <a:cs typeface="Arial" panose="020B0604020202020204" pitchFamily="34" charset="0"/>
+              </a:rPr>
+              <a:t>-. Outlet pressure with fixed value. </a:t>
+            </a:r>
+          </a:p>
+        </p:txBody>
+      </p:sp>
+      <p:cxnSp>
+        <p:nvCxnSpPr>
+          <p:cNvPr id="33" name="直線矢印コネクタ 32">
+            <a:extLst>
+              <a:ext uri="{FF2B5EF4-FFF2-40B4-BE49-F238E27FC236}">
+                <a16:creationId xmlns:a16="http://schemas.microsoft.com/office/drawing/2014/main" id="{7D70DFCB-03CF-468A-87B1-4F2FEDA8CC1F}"/>
+              </a:ext>
+            </a:extLst>
+          </p:cNvPr>
+          <p:cNvCxnSpPr>
+            <a:cxnSpLocks/>
+            <a:stCxn id="32" idx="0"/>
+          </p:cNvCxnSpPr>
+          <p:nvPr/>
+        </p:nvCxnSpPr>
+        <p:spPr>
+          <a:xfrm flipH="1" flipV="1">
+            <a:off x="8830470" y="3982063"/>
+            <a:ext cx="365910" cy="439944"/>
+          </a:xfrm>
+          <a:prstGeom prst="straightConnector1">
+            <a:avLst/>
+          </a:prstGeom>
+          <a:ln w="12700">
+            <a:solidFill>
+              <a:schemeClr val="tx1"/>
+            </a:solidFill>
+            <a:tailEnd type="oval"/>
+          </a:ln>
+        </p:spPr>
+        <p:style>
+          <a:lnRef idx="1">
+            <a:schemeClr val="accent1"/>
+          </a:lnRef>
+          <a:fillRef idx="0">
+            <a:schemeClr val="accent1"/>
+          </a:fillRef>
+          <a:effectRef idx="0">
+            <a:schemeClr val="accent1"/>
+          </a:effectRef>
+          <a:fontRef idx="minor">
+            <a:schemeClr val="tx1"/>
+          </a:fontRef>
+        </p:style>
+      </p:cxnSp>
+      <p:sp>
+        <p:nvSpPr>
+          <p:cNvPr id="46" name="テキスト ボックス 45">
+            <a:extLst>
+              <a:ext uri="{FF2B5EF4-FFF2-40B4-BE49-F238E27FC236}">
+                <a16:creationId xmlns:a16="http://schemas.microsoft.com/office/drawing/2014/main" id="{1229D8C6-6DDE-4BDE-9AB4-56DCBE00C8B4}"/>
+              </a:ext>
+            </a:extLst>
+          </p:cNvPr>
+          <p:cNvSpPr txBox="1"/>
+          <p:nvPr/>
+        </p:nvSpPr>
+        <p:spPr>
+          <a:xfrm>
+            <a:off x="4982092" y="4421471"/>
+            <a:ext cx="1240392" cy="439944"/>
+          </a:xfrm>
+          <a:prstGeom prst="rect">
+            <a:avLst/>
+          </a:prstGeom>
+          <a:solidFill>
+            <a:srgbClr val="FFFF00">
+              <a:alpha val="69804"/>
+            </a:srgbClr>
+          </a:solidFill>
+          <a:ln>
+            <a:solidFill>
+              <a:schemeClr val="tx1"/>
+            </a:solidFill>
+          </a:ln>
+        </p:spPr>
+        <p:txBody>
+          <a:bodyPr wrap="square" rtlCol="0">
+            <a:noAutofit/>
+          </a:bodyPr>
+          <a:lstStyle/>
+          <a:p>
+            <a:r>
+              <a:rPr lang="en-US" altLang="ja-JP" sz="907" dirty="0">
+                <a:latin typeface="ＭＳ Ｐゴシック" panose="020B0600070205080204" pitchFamily="50" charset="-128"/>
+                <a:ea typeface="ＭＳ Ｐゴシック" panose="020B0600070205080204" pitchFamily="50" charset="-128"/>
+                <a:cs typeface="Arial" panose="020B0604020202020204" pitchFamily="34" charset="0"/>
+              </a:rPr>
+              <a:t>Output of interest: </a:t>
+            </a:r>
+          </a:p>
+          <a:p>
+            <a:r>
+              <a:rPr lang="en-US" altLang="ja-JP" sz="907" dirty="0">
+                <a:latin typeface="ＭＳ Ｐゴシック" panose="020B0600070205080204" pitchFamily="50" charset="-128"/>
+                <a:ea typeface="ＭＳ Ｐゴシック" panose="020B0600070205080204" pitchFamily="50" charset="-128"/>
+                <a:cs typeface="Arial" panose="020B0604020202020204" pitchFamily="34" charset="0"/>
+              </a:rPr>
+              <a:t>-. Inlet pressure.</a:t>
+            </a:r>
+          </a:p>
+        </p:txBody>
+      </p:sp>
+      <p:cxnSp>
+        <p:nvCxnSpPr>
+          <p:cNvPr id="47" name="直線矢印コネクタ 46">
+            <a:extLst>
+              <a:ext uri="{FF2B5EF4-FFF2-40B4-BE49-F238E27FC236}">
+                <a16:creationId xmlns:a16="http://schemas.microsoft.com/office/drawing/2014/main" id="{28F47707-7ECF-4544-BA20-E4C81B229B53}"/>
+              </a:ext>
+            </a:extLst>
+          </p:cNvPr>
+          <p:cNvCxnSpPr>
+            <a:cxnSpLocks/>
+            <a:stCxn id="46" idx="0"/>
+          </p:cNvCxnSpPr>
+          <p:nvPr/>
+        </p:nvCxnSpPr>
+        <p:spPr>
+          <a:xfrm flipV="1">
+            <a:off x="5602288" y="3770742"/>
+            <a:ext cx="228623" cy="650729"/>
+          </a:xfrm>
+          <a:prstGeom prst="straightConnector1">
+            <a:avLst/>
+          </a:prstGeom>
+          <a:ln w="12700">
+            <a:solidFill>
+              <a:schemeClr val="tx1"/>
+            </a:solidFill>
+            <a:tailEnd type="oval"/>
+          </a:ln>
+        </p:spPr>
+        <p:style>
+          <a:lnRef idx="1">
+            <a:schemeClr val="accent1"/>
+          </a:lnRef>
+          <a:fillRef idx="0">
+            <a:schemeClr val="accent1"/>
+          </a:fillRef>
+          <a:effectRef idx="0">
+            <a:schemeClr val="accent1"/>
+          </a:effectRef>
+          <a:fontRef idx="minor">
+            <a:schemeClr val="tx1"/>
+          </a:fontRef>
+        </p:style>
+      </p:cxnSp>
+      <p:sp>
+        <p:nvSpPr>
+          <p:cNvPr id="56" name="テキスト ボックス 55">
+            <a:extLst>
+              <a:ext uri="{FF2B5EF4-FFF2-40B4-BE49-F238E27FC236}">
+                <a16:creationId xmlns:a16="http://schemas.microsoft.com/office/drawing/2014/main" id="{0FED6896-D68B-4F33-AA9F-AD0CB59537DA}"/>
+              </a:ext>
+            </a:extLst>
+          </p:cNvPr>
+          <p:cNvSpPr txBox="1"/>
+          <p:nvPr/>
+        </p:nvSpPr>
+        <p:spPr>
+          <a:xfrm>
+            <a:off x="6462278" y="1787494"/>
+            <a:ext cx="1874117" cy="662685"/>
+          </a:xfrm>
+          <a:prstGeom prst="rect">
+            <a:avLst/>
+          </a:prstGeom>
+          <a:solidFill>
+            <a:srgbClr val="92D050">
+              <a:alpha val="60000"/>
+            </a:srgbClr>
+          </a:solidFill>
+          <a:ln>
+            <a:solidFill>
+              <a:schemeClr val="tx1"/>
+            </a:solidFill>
+          </a:ln>
+        </p:spPr>
+        <p:txBody>
+          <a:bodyPr wrap="square" rtlCol="0">
+            <a:noAutofit/>
+          </a:bodyPr>
+          <a:lstStyle/>
+          <a:p>
+            <a:r>
+              <a:rPr lang="en-US" altLang="ja-JP" sz="907" dirty="0">
+                <a:latin typeface="ＭＳ Ｐゴシック" panose="020B0600070205080204" pitchFamily="50" charset="-128"/>
+                <a:ea typeface="ＭＳ Ｐゴシック" panose="020B0600070205080204" pitchFamily="50" charset="-128"/>
+                <a:cs typeface="Arial" panose="020B0604020202020204" pitchFamily="34" charset="0"/>
+              </a:rPr>
+              <a:t>Volumes</a:t>
+            </a:r>
+          </a:p>
+          <a:p>
+            <a:r>
+              <a:rPr lang="en-US" altLang="ja-JP" sz="907" dirty="0">
+                <a:latin typeface="ＭＳ Ｐゴシック" panose="020B0600070205080204" pitchFamily="50" charset="-128"/>
+                <a:ea typeface="ＭＳ Ｐゴシック" panose="020B0600070205080204" pitchFamily="50" charset="-128"/>
+                <a:cs typeface="Arial" panose="020B0604020202020204" pitchFamily="34" charset="0"/>
+              </a:rPr>
+              <a:t>-. In order to see the temperature and enthalpy change across the pipe.</a:t>
+            </a:r>
+          </a:p>
+        </p:txBody>
+      </p:sp>
+      <p:sp>
+        <p:nvSpPr>
+          <p:cNvPr id="61" name="テキスト ボックス 60">
+            <a:extLst>
+              <a:ext uri="{FF2B5EF4-FFF2-40B4-BE49-F238E27FC236}">
+                <a16:creationId xmlns:a16="http://schemas.microsoft.com/office/drawing/2014/main" id="{B497D03F-9EED-4CAA-AB9E-F628C6603C60}"/>
+              </a:ext>
+            </a:extLst>
+          </p:cNvPr>
+          <p:cNvSpPr txBox="1"/>
+          <p:nvPr/>
+        </p:nvSpPr>
+        <p:spPr>
+          <a:xfrm>
+            <a:off x="6654299" y="4624478"/>
+            <a:ext cx="1345059" cy="439944"/>
+          </a:xfrm>
+          <a:prstGeom prst="rect">
+            <a:avLst/>
+          </a:prstGeom>
+          <a:solidFill>
+            <a:srgbClr val="FFFF00">
+              <a:alpha val="69804"/>
+            </a:srgbClr>
+          </a:solidFill>
+          <a:ln>
+            <a:solidFill>
+              <a:schemeClr val="tx1"/>
+            </a:solidFill>
+          </a:ln>
+        </p:spPr>
+        <p:txBody>
+          <a:bodyPr wrap="square" rtlCol="0">
+            <a:noAutofit/>
+          </a:bodyPr>
+          <a:lstStyle/>
+          <a:p>
+            <a:r>
+              <a:rPr lang="en-US" altLang="ja-JP" sz="907" dirty="0">
+                <a:latin typeface="ＭＳ Ｐゴシック" panose="020B0600070205080204" pitchFamily="50" charset="-128"/>
+                <a:ea typeface="ＭＳ Ｐゴシック" panose="020B0600070205080204" pitchFamily="50" charset="-128"/>
+                <a:cs typeface="Arial" panose="020B0604020202020204" pitchFamily="34" charset="0"/>
+              </a:rPr>
+              <a:t>Output of interest: </a:t>
+            </a:r>
+          </a:p>
+          <a:p>
+            <a:r>
+              <a:rPr lang="en-US" altLang="ja-JP" sz="907" dirty="0">
+                <a:latin typeface="ＭＳ Ｐゴシック" panose="020B0600070205080204" pitchFamily="50" charset="-128"/>
+                <a:ea typeface="ＭＳ Ｐゴシック" panose="020B0600070205080204" pitchFamily="50" charset="-128"/>
+                <a:cs typeface="Arial" panose="020B0604020202020204" pitchFamily="34" charset="0"/>
+              </a:rPr>
+              <a:t>-. Outlet temperature.</a:t>
+            </a:r>
+          </a:p>
+        </p:txBody>
+      </p:sp>
+      <p:cxnSp>
+        <p:nvCxnSpPr>
+          <p:cNvPr id="63" name="直線矢印コネクタ 62">
+            <a:extLst>
+              <a:ext uri="{FF2B5EF4-FFF2-40B4-BE49-F238E27FC236}">
+                <a16:creationId xmlns:a16="http://schemas.microsoft.com/office/drawing/2014/main" id="{DF8918F8-1480-46B8-B337-90E45D7956CC}"/>
+              </a:ext>
+            </a:extLst>
+          </p:cNvPr>
+          <p:cNvCxnSpPr>
+            <a:cxnSpLocks/>
+            <a:stCxn id="61" idx="0"/>
+          </p:cNvCxnSpPr>
+          <p:nvPr/>
+        </p:nvCxnSpPr>
+        <p:spPr>
+          <a:xfrm flipV="1">
+            <a:off x="7326829" y="3771277"/>
+            <a:ext cx="161226" cy="853200"/>
+          </a:xfrm>
+          <a:prstGeom prst="straightConnector1">
+            <a:avLst/>
+          </a:prstGeom>
+          <a:ln w="12700">
+            <a:solidFill>
+              <a:schemeClr val="tx1"/>
+            </a:solidFill>
+            <a:tailEnd type="oval"/>
+          </a:ln>
+        </p:spPr>
+        <p:style>
+          <a:lnRef idx="1">
+            <a:schemeClr val="accent1"/>
+          </a:lnRef>
+          <a:fillRef idx="0">
+            <a:schemeClr val="accent1"/>
+          </a:fillRef>
+          <a:effectRef idx="0">
+            <a:schemeClr val="accent1"/>
+          </a:effectRef>
+          <a:fontRef idx="minor">
+            <a:schemeClr val="tx1"/>
+          </a:fontRef>
+        </p:style>
+      </p:cxnSp>
+      <p:cxnSp>
+        <p:nvCxnSpPr>
+          <p:cNvPr id="66" name="直線矢印コネクタ 65">
+            <a:extLst>
+              <a:ext uri="{FF2B5EF4-FFF2-40B4-BE49-F238E27FC236}">
+                <a16:creationId xmlns:a16="http://schemas.microsoft.com/office/drawing/2014/main" id="{10A4F465-2C5C-43B5-AE68-4B9A6BFAC9F6}"/>
+              </a:ext>
+            </a:extLst>
+          </p:cNvPr>
+          <p:cNvCxnSpPr>
+            <a:cxnSpLocks/>
+            <a:stCxn id="56" idx="2"/>
+          </p:cNvCxnSpPr>
+          <p:nvPr/>
+        </p:nvCxnSpPr>
+        <p:spPr>
+          <a:xfrm>
+            <a:off x="7399337" y="2450178"/>
+            <a:ext cx="69056" cy="372948"/>
+          </a:xfrm>
+          <a:prstGeom prst="straightConnector1">
+            <a:avLst/>
+          </a:prstGeom>
+          <a:ln w="12700">
+            <a:solidFill>
+              <a:schemeClr val="tx1"/>
+            </a:solidFill>
+            <a:tailEnd type="oval"/>
+          </a:ln>
+        </p:spPr>
+        <p:style>
+          <a:lnRef idx="1">
+            <a:schemeClr val="accent1"/>
+          </a:lnRef>
+          <a:fillRef idx="0">
+            <a:schemeClr val="accent1"/>
+          </a:fillRef>
+          <a:effectRef idx="0">
+            <a:schemeClr val="accent1"/>
+          </a:effectRef>
+          <a:fontRef idx="minor">
+            <a:schemeClr val="tx1"/>
+          </a:fontRef>
+        </p:style>
+      </p:cxnSp>
+      <p:cxnSp>
+        <p:nvCxnSpPr>
+          <p:cNvPr id="69" name="直線矢印コネクタ 68">
+            <a:extLst>
+              <a:ext uri="{FF2B5EF4-FFF2-40B4-BE49-F238E27FC236}">
+                <a16:creationId xmlns:a16="http://schemas.microsoft.com/office/drawing/2014/main" id="{F32FF4C8-1012-41CB-8EF3-C0D556DA3D0B}"/>
+              </a:ext>
+            </a:extLst>
+          </p:cNvPr>
+          <p:cNvCxnSpPr>
+            <a:cxnSpLocks/>
+            <a:stCxn id="56" idx="2"/>
+          </p:cNvCxnSpPr>
+          <p:nvPr/>
+        </p:nvCxnSpPr>
+        <p:spPr>
+          <a:xfrm flipH="1">
+            <a:off x="5901581" y="2450178"/>
+            <a:ext cx="1497755" cy="576060"/>
           </a:xfrm>
           <a:prstGeom prst="straightConnector1">
             <a:avLst/>
@@ -14076,7 +14208,7 @@
     </p:spTree>
     <p:extLst>
       <p:ext uri="{BB962C8B-B14F-4D97-AF65-F5344CB8AC3E}">
-        <p14:creationId xmlns:p14="http://schemas.microsoft.com/office/powerpoint/2010/main" val="1741282073"/>
+        <p14:creationId xmlns:p14="http://schemas.microsoft.com/office/powerpoint/2010/main" val="1639536937"/>
       </p:ext>
     </p:extLst>
   </p:cSld>
@@ -14105,10 +14237,10 @@
       </p:grpSpPr>
       <p:pic>
         <p:nvPicPr>
-          <p:cNvPr id="13" name="図 12">
-            <a:extLst>
-              <a:ext uri="{FF2B5EF4-FFF2-40B4-BE49-F238E27FC236}">
-                <a16:creationId xmlns:a16="http://schemas.microsoft.com/office/drawing/2014/main" id="{FC7A368F-B650-4DA9-9EB9-05A31AE70D0D}"/>
+          <p:cNvPr id="3" name="図 2">
+            <a:extLst>
+              <a:ext uri="{FF2B5EF4-FFF2-40B4-BE49-F238E27FC236}">
+                <a16:creationId xmlns:a16="http://schemas.microsoft.com/office/drawing/2014/main" id="{54E7ADF1-491A-4CC5-9C66-AD8AE0189619}"/>
               </a:ext>
             </a:extLst>
           </p:cNvPr>
@@ -14125,8 +14257,8 @@
         </p:blipFill>
         <p:spPr>
           <a:xfrm>
-            <a:off x="1523521" y="636270"/>
-            <a:ext cx="9144960" cy="5585461"/>
+            <a:off x="1523521" y="633537"/>
+            <a:ext cx="9144960" cy="5590928"/>
           </a:xfrm>
           <a:prstGeom prst="rect">
             <a:avLst/>
@@ -14138,7 +14270,7 @@
           <p:cNvPr id="4" name="テキスト ボックス 3">
             <a:extLst>
               <a:ext uri="{FF2B5EF4-FFF2-40B4-BE49-F238E27FC236}">
-                <a16:creationId xmlns:a16="http://schemas.microsoft.com/office/drawing/2014/main" id="{B5BB6D29-7C59-4C51-A456-01E4BE266708}"/>
+                <a16:creationId xmlns:a16="http://schemas.microsoft.com/office/drawing/2014/main" id="{F7501286-898F-4E02-9EFB-55B42AC864C6}"/>
               </a:ext>
             </a:extLst>
           </p:cNvPr>
@@ -14147,14 +14279,17 @@
         </p:nvSpPr>
         <p:spPr>
           <a:xfrm>
-            <a:off x="3958336" y="1612969"/>
-            <a:ext cx="1958606" cy="309172"/>
+            <a:off x="4229401" y="2450178"/>
+            <a:ext cx="1914473" cy="407083"/>
           </a:xfrm>
           <a:prstGeom prst="rect">
             <a:avLst/>
           </a:prstGeom>
           <a:solidFill>
-            <a:srgbClr val="FFFF00"/>
+            <a:schemeClr val="accent5">
+              <a:lumMod val="40000"/>
+              <a:lumOff val="60000"/>
+            </a:schemeClr>
           </a:solidFill>
           <a:ln>
             <a:solidFill>
@@ -14169,26 +14304,22 @@
           <a:lstStyle/>
           <a:p>
             <a:r>
-              <a:rPr lang="en-US" altLang="ja-JP" sz="726" dirty="0">
-                <a:solidFill>
-                  <a:srgbClr val="FF0000"/>
-                </a:solidFill>
-                <a:latin typeface="Arial" panose="020B0604020202020204" pitchFamily="34" charset="0"/>
+              <a:rPr lang="en-US" altLang="ja-JP" sz="907" dirty="0">
+                <a:latin typeface="ＭＳ Ｐゴシック" panose="020B0600070205080204" pitchFamily="50" charset="-128"/>
+                <a:ea typeface="ＭＳ Ｐゴシック" panose="020B0600070205080204" pitchFamily="50" charset="-128"/>
                 <a:cs typeface="Arial" panose="020B0604020202020204" pitchFamily="34" charset="0"/>
               </a:rPr>
-              <a:t>Output: </a:t>
-            </a:r>
-          </a:p>
-          <a:p>
-            <a:r>
-              <a:rPr lang="en-US" altLang="ja-JP" sz="726" dirty="0">
-                <a:solidFill>
-                  <a:srgbClr val="FF0000"/>
-                </a:solidFill>
-                <a:latin typeface="Arial" panose="020B0604020202020204" pitchFamily="34" charset="0"/>
+              <a:t>Input: </a:t>
+            </a:r>
+          </a:p>
+          <a:p>
+            <a:r>
+              <a:rPr lang="en-US" altLang="ja-JP" sz="907" dirty="0">
+                <a:latin typeface="ＭＳ Ｐゴシック" panose="020B0600070205080204" pitchFamily="50" charset="-128"/>
+                <a:ea typeface="ＭＳ Ｐゴシック" panose="020B0600070205080204" pitchFamily="50" charset="-128"/>
                 <a:cs typeface="Arial" panose="020B0604020202020204" pitchFamily="34" charset="0"/>
               </a:rPr>
-              <a:t> Specific enthalpy at inlet.</a:t>
+              <a:t> mass flow rate flowing through pipe.</a:t>
             </a:r>
           </a:p>
         </p:txBody>
@@ -14198,149 +14329,19 @@
           <p:cNvPr id="5" name="直線矢印コネクタ 4">
             <a:extLst>
               <a:ext uri="{FF2B5EF4-FFF2-40B4-BE49-F238E27FC236}">
-                <a16:creationId xmlns:a16="http://schemas.microsoft.com/office/drawing/2014/main" id="{B41E7492-9478-45FA-BCD0-F271DFF8C393}"/>
+                <a16:creationId xmlns:a16="http://schemas.microsoft.com/office/drawing/2014/main" id="{5498A4A1-DA3A-4C86-B56A-EDB4A5C7F2B6}"/>
               </a:ext>
             </a:extLst>
           </p:cNvPr>
           <p:cNvCxnSpPr>
             <a:cxnSpLocks/>
-            <a:stCxn id="4" idx="2"/>
           </p:cNvCxnSpPr>
           <p:nvPr/>
         </p:nvCxnSpPr>
         <p:spPr>
           <a:xfrm>
-            <a:off x="4937639" y="1922141"/>
-            <a:ext cx="1421910" cy="981204"/>
-          </a:xfrm>
-          <a:prstGeom prst="straightConnector1">
-            <a:avLst/>
-          </a:prstGeom>
-          <a:ln w="12700">
-            <a:solidFill>
-              <a:schemeClr val="tx1"/>
-            </a:solidFill>
-            <a:tailEnd type="oval"/>
-          </a:ln>
-        </p:spPr>
-        <p:style>
-          <a:lnRef idx="1">
-            <a:schemeClr val="accent1"/>
-          </a:lnRef>
-          <a:fillRef idx="0">
-            <a:schemeClr val="accent1"/>
-          </a:fillRef>
-          <a:effectRef idx="0">
-            <a:schemeClr val="accent1"/>
-          </a:effectRef>
-          <a:fontRef idx="minor">
-            <a:schemeClr val="tx1"/>
-          </a:fontRef>
-        </p:style>
-      </p:cxnSp>
-      <p:sp>
-        <p:nvSpPr>
-          <p:cNvPr id="7" name="テキスト ボックス 6">
-            <a:extLst>
-              <a:ext uri="{FF2B5EF4-FFF2-40B4-BE49-F238E27FC236}">
-                <a16:creationId xmlns:a16="http://schemas.microsoft.com/office/drawing/2014/main" id="{973E1648-9B04-482C-96F0-D2870F16A483}"/>
-              </a:ext>
-            </a:extLst>
-          </p:cNvPr>
-          <p:cNvSpPr txBox="1"/>
-          <p:nvPr/>
-        </p:nvSpPr>
-        <p:spPr>
-          <a:xfrm>
-            <a:off x="6446917" y="3602299"/>
-            <a:ext cx="1958606" cy="791122"/>
-          </a:xfrm>
-          <a:prstGeom prst="rect">
-            <a:avLst/>
-          </a:prstGeom>
-          <a:solidFill>
-            <a:srgbClr val="FFFF00"/>
-          </a:solidFill>
-          <a:ln>
-            <a:solidFill>
-              <a:schemeClr val="tx1"/>
-            </a:solidFill>
-          </a:ln>
-        </p:spPr>
-        <p:txBody>
-          <a:bodyPr wrap="square" rtlCol="0">
-            <a:noAutofit/>
-          </a:bodyPr>
-          <a:lstStyle/>
-          <a:p>
-            <a:r>
-              <a:rPr lang="en-US" altLang="ja-JP" sz="726" dirty="0">
-                <a:solidFill>
-                  <a:srgbClr val="0070C0"/>
-                </a:solidFill>
-                <a:latin typeface="Arial" panose="020B0604020202020204" pitchFamily="34" charset="0"/>
-                <a:cs typeface="Arial" panose="020B0604020202020204" pitchFamily="34" charset="0"/>
-              </a:rPr>
-              <a:t>Output: </a:t>
-            </a:r>
-          </a:p>
-          <a:p>
-            <a:r>
-              <a:rPr lang="en-US" altLang="ja-JP" sz="726" dirty="0">
-                <a:solidFill>
-                  <a:srgbClr val="0070C0"/>
-                </a:solidFill>
-                <a:latin typeface="Arial" panose="020B0604020202020204" pitchFamily="34" charset="0"/>
-                <a:cs typeface="Arial" panose="020B0604020202020204" pitchFamily="34" charset="0"/>
-              </a:rPr>
-              <a:t> Specific enthalpy at outlet.</a:t>
-            </a:r>
-          </a:p>
-          <a:p>
-            <a:r>
-              <a:rPr lang="en-US" altLang="ja-JP" sz="726" dirty="0">
-                <a:solidFill>
-                  <a:srgbClr val="0070C0"/>
-                </a:solidFill>
-                <a:latin typeface="Arial" panose="020B0604020202020204" pitchFamily="34" charset="0"/>
-                <a:cs typeface="Arial" panose="020B0604020202020204" pitchFamily="34" charset="0"/>
-              </a:rPr>
-              <a:t> It is same value as inlet owe to enthalpy conservation.</a:t>
-            </a:r>
-          </a:p>
-          <a:p>
-            <a:r>
-              <a:rPr lang="en-US" altLang="ja-JP" sz="726" dirty="0">
-                <a:solidFill>
-                  <a:srgbClr val="0070C0"/>
-                </a:solidFill>
-                <a:latin typeface="Arial" panose="020B0604020202020204" pitchFamily="34" charset="0"/>
-                <a:cs typeface="Arial" panose="020B0604020202020204" pitchFamily="34" charset="0"/>
-              </a:rPr>
-              <a:t> The “delay” occurs due to volume effect (storage of mass and energy).</a:t>
-            </a:r>
-          </a:p>
-        </p:txBody>
-      </p:sp>
-      <p:cxnSp>
-        <p:nvCxnSpPr>
-          <p:cNvPr id="8" name="直線矢印コネクタ 7">
-            <a:extLst>
-              <a:ext uri="{FF2B5EF4-FFF2-40B4-BE49-F238E27FC236}">
-                <a16:creationId xmlns:a16="http://schemas.microsoft.com/office/drawing/2014/main" id="{E125ACFD-0D07-4D42-9897-0C9A81B90E42}"/>
-              </a:ext>
-            </a:extLst>
-          </p:cNvPr>
-          <p:cNvCxnSpPr>
-            <a:cxnSpLocks/>
-            <a:stCxn id="7" idx="0"/>
-          </p:cNvCxnSpPr>
-          <p:nvPr/>
-        </p:nvCxnSpPr>
-        <p:spPr>
-          <a:xfrm flipH="1" flipV="1">
-            <a:off x="6638939" y="2903346"/>
-            <a:ext cx="787281" cy="698953"/>
+            <a:off x="5210308" y="2857263"/>
+            <a:ext cx="568379" cy="571738"/>
           </a:xfrm>
           <a:prstGeom prst="straightConnector1">
             <a:avLst/>
@@ -14370,7 +14371,7 @@
     </p:spTree>
     <p:extLst>
       <p:ext uri="{BB962C8B-B14F-4D97-AF65-F5344CB8AC3E}">
-        <p14:creationId xmlns:p14="http://schemas.microsoft.com/office/powerpoint/2010/main" val="1750532678"/>
+        <p14:creationId xmlns:p14="http://schemas.microsoft.com/office/powerpoint/2010/main" val="2254141340"/>
       </p:ext>
     </p:extLst>
   </p:cSld>
@@ -14397,6 +14398,36 @@
           <a:chExt cx="0" cy="0"/>
         </a:xfrm>
       </p:grpSpPr>
+      <p:pic>
+        <p:nvPicPr>
+          <p:cNvPr id="5" name="図 4">
+            <a:extLst>
+              <a:ext uri="{FF2B5EF4-FFF2-40B4-BE49-F238E27FC236}">
+                <a16:creationId xmlns:a16="http://schemas.microsoft.com/office/drawing/2014/main" id="{274121FD-BEFE-4E95-93D5-759FCB4D7C39}"/>
+              </a:ext>
+            </a:extLst>
+          </p:cNvPr>
+          <p:cNvPicPr>
+            <a:picLocks noChangeAspect="1"/>
+          </p:cNvPicPr>
+          <p:nvPr/>
+        </p:nvPicPr>
+        <p:blipFill>
+          <a:blip r:embed="rId2"/>
+          <a:stretch>
+            <a:fillRect/>
+          </a:stretch>
+        </p:blipFill>
+        <p:spPr>
+          <a:xfrm>
+            <a:off x="2383296" y="527888"/>
+            <a:ext cx="7200000" cy="5802224"/>
+          </a:xfrm>
+          <a:prstGeom prst="rect">
+            <a:avLst/>
+          </a:prstGeom>
+        </p:spPr>
+      </p:pic>
     </p:spTree>
     <p:extLst>
       <p:ext uri="{BB962C8B-B14F-4D97-AF65-F5344CB8AC3E}">
@@ -14411,6 +14442,468 @@
 </file>
 
 <file path=ppt/slides/slide50.xml><?xml version="1.0" encoding="utf-8"?>
+<p:sld xmlns:a="http://schemas.openxmlformats.org/drawingml/2006/main" xmlns:r="http://schemas.openxmlformats.org/officeDocument/2006/relationships" xmlns:p="http://schemas.openxmlformats.org/presentationml/2006/main">
+  <p:cSld>
+    <p:spTree>
+      <p:nvGrpSpPr>
+        <p:cNvPr id="1" name=""/>
+        <p:cNvGrpSpPr/>
+        <p:nvPr/>
+      </p:nvGrpSpPr>
+      <p:grpSpPr>
+        <a:xfrm>
+          <a:off x="0" y="0"/>
+          <a:ext cx="0" cy="0"/>
+          <a:chOff x="0" y="0"/>
+          <a:chExt cx="0" cy="0"/>
+        </a:xfrm>
+      </p:grpSpPr>
+      <p:pic>
+        <p:nvPicPr>
+          <p:cNvPr id="3" name="図 2">
+            <a:extLst>
+              <a:ext uri="{FF2B5EF4-FFF2-40B4-BE49-F238E27FC236}">
+                <a16:creationId xmlns:a16="http://schemas.microsoft.com/office/drawing/2014/main" id="{0A75D7AA-96F3-4615-8E9B-833C76A57AD0}"/>
+              </a:ext>
+            </a:extLst>
+          </p:cNvPr>
+          <p:cNvPicPr>
+            <a:picLocks noChangeAspect="1"/>
+          </p:cNvPicPr>
+          <p:nvPr/>
+        </p:nvPicPr>
+        <p:blipFill>
+          <a:blip r:embed="rId2"/>
+          <a:stretch>
+            <a:fillRect/>
+          </a:stretch>
+        </p:blipFill>
+        <p:spPr>
+          <a:xfrm>
+            <a:off x="1523521" y="634903"/>
+            <a:ext cx="9144960" cy="5588196"/>
+          </a:xfrm>
+          <a:prstGeom prst="rect">
+            <a:avLst/>
+          </a:prstGeom>
+        </p:spPr>
+      </p:pic>
+      <p:sp>
+        <p:nvSpPr>
+          <p:cNvPr id="4" name="テキスト ボックス 3">
+            <a:extLst>
+              <a:ext uri="{FF2B5EF4-FFF2-40B4-BE49-F238E27FC236}">
+                <a16:creationId xmlns:a16="http://schemas.microsoft.com/office/drawing/2014/main" id="{A3272D81-0524-4955-82BA-9C1FAE82483B}"/>
+              </a:ext>
+            </a:extLst>
+          </p:cNvPr>
+          <p:cNvSpPr txBox="1"/>
+          <p:nvPr/>
+        </p:nvSpPr>
+        <p:spPr>
+          <a:xfrm>
+            <a:off x="3958336" y="1459354"/>
+            <a:ext cx="1958606" cy="462788"/>
+          </a:xfrm>
+          <a:prstGeom prst="rect">
+            <a:avLst/>
+          </a:prstGeom>
+          <a:solidFill>
+            <a:srgbClr val="FFFF00"/>
+          </a:solidFill>
+          <a:ln>
+            <a:solidFill>
+              <a:schemeClr val="tx1"/>
+            </a:solidFill>
+          </a:ln>
+        </p:spPr>
+        <p:txBody>
+          <a:bodyPr wrap="square" rtlCol="0">
+            <a:noAutofit/>
+          </a:bodyPr>
+          <a:lstStyle/>
+          <a:p>
+            <a:r>
+              <a:rPr lang="en-US" altLang="ja-JP" sz="726" dirty="0">
+                <a:latin typeface="Arial" panose="020B0604020202020204" pitchFamily="34" charset="0"/>
+                <a:cs typeface="Arial" panose="020B0604020202020204" pitchFamily="34" charset="0"/>
+              </a:rPr>
+              <a:t>Output: </a:t>
+            </a:r>
+          </a:p>
+          <a:p>
+            <a:r>
+              <a:rPr lang="en-US" altLang="ja-JP" sz="726" dirty="0">
+                <a:latin typeface="Arial" panose="020B0604020202020204" pitchFamily="34" charset="0"/>
+                <a:cs typeface="Arial" panose="020B0604020202020204" pitchFamily="34" charset="0"/>
+              </a:rPr>
+              <a:t> Fluid pressure of pipe inlet.</a:t>
+            </a:r>
+          </a:p>
+          <a:p>
+            <a:r>
+              <a:rPr lang="en-US" altLang="ja-JP" sz="726" dirty="0">
+                <a:latin typeface="Arial" panose="020B0604020202020204" pitchFamily="34" charset="0"/>
+                <a:cs typeface="Arial" panose="020B0604020202020204" pitchFamily="34" charset="0"/>
+              </a:rPr>
+              <a:t> It increases as mass flow rate increases.</a:t>
+            </a:r>
+          </a:p>
+        </p:txBody>
+      </p:sp>
+      <p:cxnSp>
+        <p:nvCxnSpPr>
+          <p:cNvPr id="5" name="直線矢印コネクタ 4">
+            <a:extLst>
+              <a:ext uri="{FF2B5EF4-FFF2-40B4-BE49-F238E27FC236}">
+                <a16:creationId xmlns:a16="http://schemas.microsoft.com/office/drawing/2014/main" id="{A4C10585-2781-4F39-81FA-49A33D3B45EE}"/>
+              </a:ext>
+            </a:extLst>
+          </p:cNvPr>
+          <p:cNvCxnSpPr>
+            <a:cxnSpLocks/>
+            <a:stCxn id="4" idx="2"/>
+          </p:cNvCxnSpPr>
+          <p:nvPr/>
+        </p:nvCxnSpPr>
+        <p:spPr>
+          <a:xfrm>
+            <a:off x="4937639" y="1922143"/>
+            <a:ext cx="1421910" cy="981203"/>
+          </a:xfrm>
+          <a:prstGeom prst="straightConnector1">
+            <a:avLst/>
+          </a:prstGeom>
+          <a:ln w="12700">
+            <a:solidFill>
+              <a:schemeClr val="tx1"/>
+            </a:solidFill>
+            <a:tailEnd type="oval"/>
+          </a:ln>
+        </p:spPr>
+        <p:style>
+          <a:lnRef idx="1">
+            <a:schemeClr val="accent1"/>
+          </a:lnRef>
+          <a:fillRef idx="0">
+            <a:schemeClr val="accent1"/>
+          </a:fillRef>
+          <a:effectRef idx="0">
+            <a:schemeClr val="accent1"/>
+          </a:effectRef>
+          <a:fontRef idx="minor">
+            <a:schemeClr val="tx1"/>
+          </a:fontRef>
+        </p:style>
+      </p:cxnSp>
+    </p:spTree>
+    <p:extLst>
+      <p:ext uri="{BB962C8B-B14F-4D97-AF65-F5344CB8AC3E}">
+        <p14:creationId xmlns:p14="http://schemas.microsoft.com/office/powerpoint/2010/main" val="1741282073"/>
+      </p:ext>
+    </p:extLst>
+  </p:cSld>
+  <p:clrMapOvr>
+    <a:masterClrMapping/>
+  </p:clrMapOvr>
+</p:sld>
+</file>
+
+<file path=ppt/slides/slide51.xml><?xml version="1.0" encoding="utf-8"?>
+<p:sld xmlns:a="http://schemas.openxmlformats.org/drawingml/2006/main" xmlns:r="http://schemas.openxmlformats.org/officeDocument/2006/relationships" xmlns:p="http://schemas.openxmlformats.org/presentationml/2006/main">
+  <p:cSld>
+    <p:spTree>
+      <p:nvGrpSpPr>
+        <p:cNvPr id="1" name=""/>
+        <p:cNvGrpSpPr/>
+        <p:nvPr/>
+      </p:nvGrpSpPr>
+      <p:grpSpPr>
+        <a:xfrm>
+          <a:off x="0" y="0"/>
+          <a:ext cx="0" cy="0"/>
+          <a:chOff x="0" y="0"/>
+          <a:chExt cx="0" cy="0"/>
+        </a:xfrm>
+      </p:grpSpPr>
+      <p:pic>
+        <p:nvPicPr>
+          <p:cNvPr id="13" name="図 12">
+            <a:extLst>
+              <a:ext uri="{FF2B5EF4-FFF2-40B4-BE49-F238E27FC236}">
+                <a16:creationId xmlns:a16="http://schemas.microsoft.com/office/drawing/2014/main" id="{FC7A368F-B650-4DA9-9EB9-05A31AE70D0D}"/>
+              </a:ext>
+            </a:extLst>
+          </p:cNvPr>
+          <p:cNvPicPr>
+            <a:picLocks noChangeAspect="1"/>
+          </p:cNvPicPr>
+          <p:nvPr/>
+        </p:nvPicPr>
+        <p:blipFill>
+          <a:blip r:embed="rId2"/>
+          <a:stretch>
+            <a:fillRect/>
+          </a:stretch>
+        </p:blipFill>
+        <p:spPr>
+          <a:xfrm>
+            <a:off x="1523521" y="636270"/>
+            <a:ext cx="9144960" cy="5585461"/>
+          </a:xfrm>
+          <a:prstGeom prst="rect">
+            <a:avLst/>
+          </a:prstGeom>
+        </p:spPr>
+      </p:pic>
+      <p:sp>
+        <p:nvSpPr>
+          <p:cNvPr id="4" name="テキスト ボックス 3">
+            <a:extLst>
+              <a:ext uri="{FF2B5EF4-FFF2-40B4-BE49-F238E27FC236}">
+                <a16:creationId xmlns:a16="http://schemas.microsoft.com/office/drawing/2014/main" id="{B5BB6D29-7C59-4C51-A456-01E4BE266708}"/>
+              </a:ext>
+            </a:extLst>
+          </p:cNvPr>
+          <p:cNvSpPr txBox="1"/>
+          <p:nvPr/>
+        </p:nvSpPr>
+        <p:spPr>
+          <a:xfrm>
+            <a:off x="3958336" y="1612969"/>
+            <a:ext cx="1958606" cy="309172"/>
+          </a:xfrm>
+          <a:prstGeom prst="rect">
+            <a:avLst/>
+          </a:prstGeom>
+          <a:solidFill>
+            <a:srgbClr val="FFFF00"/>
+          </a:solidFill>
+          <a:ln>
+            <a:solidFill>
+              <a:schemeClr val="tx1"/>
+            </a:solidFill>
+          </a:ln>
+        </p:spPr>
+        <p:txBody>
+          <a:bodyPr wrap="square" rtlCol="0">
+            <a:noAutofit/>
+          </a:bodyPr>
+          <a:lstStyle/>
+          <a:p>
+            <a:r>
+              <a:rPr lang="en-US" altLang="ja-JP" sz="726" dirty="0">
+                <a:solidFill>
+                  <a:srgbClr val="FF0000"/>
+                </a:solidFill>
+                <a:latin typeface="Arial" panose="020B0604020202020204" pitchFamily="34" charset="0"/>
+                <a:cs typeface="Arial" panose="020B0604020202020204" pitchFamily="34" charset="0"/>
+              </a:rPr>
+              <a:t>Output: </a:t>
+            </a:r>
+          </a:p>
+          <a:p>
+            <a:r>
+              <a:rPr lang="en-US" altLang="ja-JP" sz="726" dirty="0">
+                <a:solidFill>
+                  <a:srgbClr val="FF0000"/>
+                </a:solidFill>
+                <a:latin typeface="Arial" panose="020B0604020202020204" pitchFamily="34" charset="0"/>
+                <a:cs typeface="Arial" panose="020B0604020202020204" pitchFamily="34" charset="0"/>
+              </a:rPr>
+              <a:t> Specific enthalpy at inlet.</a:t>
+            </a:r>
+          </a:p>
+        </p:txBody>
+      </p:sp>
+      <p:cxnSp>
+        <p:nvCxnSpPr>
+          <p:cNvPr id="5" name="直線矢印コネクタ 4">
+            <a:extLst>
+              <a:ext uri="{FF2B5EF4-FFF2-40B4-BE49-F238E27FC236}">
+                <a16:creationId xmlns:a16="http://schemas.microsoft.com/office/drawing/2014/main" id="{B41E7492-9478-45FA-BCD0-F271DFF8C393}"/>
+              </a:ext>
+            </a:extLst>
+          </p:cNvPr>
+          <p:cNvCxnSpPr>
+            <a:cxnSpLocks/>
+            <a:stCxn id="4" idx="2"/>
+          </p:cNvCxnSpPr>
+          <p:nvPr/>
+        </p:nvCxnSpPr>
+        <p:spPr>
+          <a:xfrm>
+            <a:off x="4937639" y="1922141"/>
+            <a:ext cx="1421910" cy="981204"/>
+          </a:xfrm>
+          <a:prstGeom prst="straightConnector1">
+            <a:avLst/>
+          </a:prstGeom>
+          <a:ln w="12700">
+            <a:solidFill>
+              <a:schemeClr val="tx1"/>
+            </a:solidFill>
+            <a:tailEnd type="oval"/>
+          </a:ln>
+        </p:spPr>
+        <p:style>
+          <a:lnRef idx="1">
+            <a:schemeClr val="accent1"/>
+          </a:lnRef>
+          <a:fillRef idx="0">
+            <a:schemeClr val="accent1"/>
+          </a:fillRef>
+          <a:effectRef idx="0">
+            <a:schemeClr val="accent1"/>
+          </a:effectRef>
+          <a:fontRef idx="minor">
+            <a:schemeClr val="tx1"/>
+          </a:fontRef>
+        </p:style>
+      </p:cxnSp>
+      <p:sp>
+        <p:nvSpPr>
+          <p:cNvPr id="7" name="テキスト ボックス 6">
+            <a:extLst>
+              <a:ext uri="{FF2B5EF4-FFF2-40B4-BE49-F238E27FC236}">
+                <a16:creationId xmlns:a16="http://schemas.microsoft.com/office/drawing/2014/main" id="{973E1648-9B04-482C-96F0-D2870F16A483}"/>
+              </a:ext>
+            </a:extLst>
+          </p:cNvPr>
+          <p:cNvSpPr txBox="1"/>
+          <p:nvPr/>
+        </p:nvSpPr>
+        <p:spPr>
+          <a:xfrm>
+            <a:off x="6446917" y="3602299"/>
+            <a:ext cx="1958606" cy="791122"/>
+          </a:xfrm>
+          <a:prstGeom prst="rect">
+            <a:avLst/>
+          </a:prstGeom>
+          <a:solidFill>
+            <a:srgbClr val="FFFF00"/>
+          </a:solidFill>
+          <a:ln>
+            <a:solidFill>
+              <a:schemeClr val="tx1"/>
+            </a:solidFill>
+          </a:ln>
+        </p:spPr>
+        <p:txBody>
+          <a:bodyPr wrap="square" rtlCol="0">
+            <a:noAutofit/>
+          </a:bodyPr>
+          <a:lstStyle/>
+          <a:p>
+            <a:r>
+              <a:rPr lang="en-US" altLang="ja-JP" sz="726" dirty="0">
+                <a:solidFill>
+                  <a:srgbClr val="0070C0"/>
+                </a:solidFill>
+                <a:latin typeface="Arial" panose="020B0604020202020204" pitchFamily="34" charset="0"/>
+                <a:cs typeface="Arial" panose="020B0604020202020204" pitchFamily="34" charset="0"/>
+              </a:rPr>
+              <a:t>Output: </a:t>
+            </a:r>
+          </a:p>
+          <a:p>
+            <a:r>
+              <a:rPr lang="en-US" altLang="ja-JP" sz="726" dirty="0">
+                <a:solidFill>
+                  <a:srgbClr val="0070C0"/>
+                </a:solidFill>
+                <a:latin typeface="Arial" panose="020B0604020202020204" pitchFamily="34" charset="0"/>
+                <a:cs typeface="Arial" panose="020B0604020202020204" pitchFamily="34" charset="0"/>
+              </a:rPr>
+              <a:t> Specific enthalpy at outlet.</a:t>
+            </a:r>
+          </a:p>
+          <a:p>
+            <a:r>
+              <a:rPr lang="en-US" altLang="ja-JP" sz="726" dirty="0">
+                <a:solidFill>
+                  <a:srgbClr val="0070C0"/>
+                </a:solidFill>
+                <a:latin typeface="Arial" panose="020B0604020202020204" pitchFamily="34" charset="0"/>
+                <a:cs typeface="Arial" panose="020B0604020202020204" pitchFamily="34" charset="0"/>
+              </a:rPr>
+              <a:t> It is same value as inlet owe to enthalpy conservation.</a:t>
+            </a:r>
+          </a:p>
+          <a:p>
+            <a:r>
+              <a:rPr lang="en-US" altLang="ja-JP" sz="726" dirty="0">
+                <a:solidFill>
+                  <a:srgbClr val="0070C0"/>
+                </a:solidFill>
+                <a:latin typeface="Arial" panose="020B0604020202020204" pitchFamily="34" charset="0"/>
+                <a:cs typeface="Arial" panose="020B0604020202020204" pitchFamily="34" charset="0"/>
+              </a:rPr>
+              <a:t> The “delay” occurs due to volume effect (storage of mass and energy).</a:t>
+            </a:r>
+          </a:p>
+        </p:txBody>
+      </p:sp>
+      <p:cxnSp>
+        <p:nvCxnSpPr>
+          <p:cNvPr id="8" name="直線矢印コネクタ 7">
+            <a:extLst>
+              <a:ext uri="{FF2B5EF4-FFF2-40B4-BE49-F238E27FC236}">
+                <a16:creationId xmlns:a16="http://schemas.microsoft.com/office/drawing/2014/main" id="{E125ACFD-0D07-4D42-9897-0C9A81B90E42}"/>
+              </a:ext>
+            </a:extLst>
+          </p:cNvPr>
+          <p:cNvCxnSpPr>
+            <a:cxnSpLocks/>
+            <a:stCxn id="7" idx="0"/>
+          </p:cNvCxnSpPr>
+          <p:nvPr/>
+        </p:nvCxnSpPr>
+        <p:spPr>
+          <a:xfrm flipH="1" flipV="1">
+            <a:off x="6638939" y="2903346"/>
+            <a:ext cx="787281" cy="698953"/>
+          </a:xfrm>
+          <a:prstGeom prst="straightConnector1">
+            <a:avLst/>
+          </a:prstGeom>
+          <a:ln w="12700">
+            <a:solidFill>
+              <a:schemeClr val="tx1"/>
+            </a:solidFill>
+            <a:tailEnd type="oval"/>
+          </a:ln>
+        </p:spPr>
+        <p:style>
+          <a:lnRef idx="1">
+            <a:schemeClr val="accent1"/>
+          </a:lnRef>
+          <a:fillRef idx="0">
+            <a:schemeClr val="accent1"/>
+          </a:fillRef>
+          <a:effectRef idx="0">
+            <a:schemeClr val="accent1"/>
+          </a:effectRef>
+          <a:fontRef idx="minor">
+            <a:schemeClr val="tx1"/>
+          </a:fontRef>
+        </p:style>
+      </p:cxnSp>
+    </p:spTree>
+    <p:extLst>
+      <p:ext uri="{BB962C8B-B14F-4D97-AF65-F5344CB8AC3E}">
+        <p14:creationId xmlns:p14="http://schemas.microsoft.com/office/powerpoint/2010/main" val="1750532678"/>
+      </p:ext>
+    </p:extLst>
+  </p:cSld>
+  <p:clrMapOvr>
+    <a:masterClrMapping/>
+  </p:clrMapOvr>
+</p:sld>
+</file>
+
+<file path=ppt/slides/slide52.xml><?xml version="1.0" encoding="utf-8"?>
 <p:sld xmlns:a="http://schemas.openxmlformats.org/drawingml/2006/main" xmlns:r="http://schemas.openxmlformats.org/officeDocument/2006/relationships" xmlns:p="http://schemas.openxmlformats.org/presentationml/2006/main">
   <p:cSld>
     <p:spTree>
@@ -14790,10 +15283,10 @@
       </p:grpSpPr>
       <p:pic>
         <p:nvPicPr>
-          <p:cNvPr id="3" name="図 2">
-            <a:extLst>
-              <a:ext uri="{FF2B5EF4-FFF2-40B4-BE49-F238E27FC236}">
-                <a16:creationId xmlns:a16="http://schemas.microsoft.com/office/drawing/2014/main" id="{87325553-19A4-4F67-9152-23ED4D845FC1}"/>
+          <p:cNvPr id="5" name="図 4">
+            <a:extLst>
+              <a:ext uri="{FF2B5EF4-FFF2-40B4-BE49-F238E27FC236}">
+                <a16:creationId xmlns:a16="http://schemas.microsoft.com/office/drawing/2014/main" id="{5D118C94-24A4-4AD7-A675-78FE60A91AE3}"/>
               </a:ext>
             </a:extLst>
           </p:cNvPr>
@@ -14810,368 +15303,18 @@
         </p:blipFill>
         <p:spPr>
           <a:xfrm>
-            <a:off x="2203777" y="804789"/>
-            <a:ext cx="7190476" cy="4685714"/>
+            <a:off x="2368086" y="530818"/>
+            <a:ext cx="7200000" cy="5796364"/>
           </a:xfrm>
           <a:prstGeom prst="rect">
             <a:avLst/>
           </a:prstGeom>
         </p:spPr>
       </p:pic>
-      <p:sp>
-        <p:nvSpPr>
-          <p:cNvPr id="4" name="テキスト ボックス 3">
-            <a:extLst>
-              <a:ext uri="{FF2B5EF4-FFF2-40B4-BE49-F238E27FC236}">
-                <a16:creationId xmlns:a16="http://schemas.microsoft.com/office/drawing/2014/main" id="{30EA811A-EC3C-4F7E-8505-706D50386E60}"/>
-              </a:ext>
-            </a:extLst>
-          </p:cNvPr>
-          <p:cNvSpPr txBox="1"/>
-          <p:nvPr/>
-        </p:nvSpPr>
-        <p:spPr>
-          <a:xfrm>
-            <a:off x="4925109" y="5369671"/>
-            <a:ext cx="2548820" cy="530943"/>
-          </a:xfrm>
-          <a:prstGeom prst="rect">
-            <a:avLst/>
-          </a:prstGeom>
-          <a:solidFill>
-            <a:srgbClr val="92D050">
-              <a:alpha val="60000"/>
-            </a:srgbClr>
-          </a:solidFill>
-          <a:ln>
-            <a:solidFill>
-              <a:schemeClr val="tx1"/>
-            </a:solidFill>
-          </a:ln>
-        </p:spPr>
-        <p:txBody>
-          <a:bodyPr wrap="square" rtlCol="0">
-            <a:noAutofit/>
-          </a:bodyPr>
-          <a:lstStyle/>
-          <a:p>
-            <a:r>
-              <a:rPr lang="en-US" altLang="ja-JP" sz="907" dirty="0">
-                <a:latin typeface="ＭＳ Ｐゴシック" panose="020B0600070205080204" pitchFamily="50" charset="-128"/>
-                <a:ea typeface="ＭＳ Ｐゴシック" panose="020B0600070205080204" pitchFamily="50" charset="-128"/>
-                <a:cs typeface="Arial" panose="020B0604020202020204" pitchFamily="34" charset="0"/>
-              </a:rPr>
-              <a:t>-. Flow path consists of 2 pipes.</a:t>
-            </a:r>
-          </a:p>
-          <a:p>
-            <a:r>
-              <a:rPr lang="en-US" altLang="ja-JP" sz="907" dirty="0">
-                <a:latin typeface="ＭＳ Ｐゴシック" panose="020B0600070205080204" pitchFamily="50" charset="-128"/>
-                <a:ea typeface="ＭＳ Ｐゴシック" panose="020B0600070205080204" pitchFamily="50" charset="-128"/>
-                <a:cs typeface="Arial" panose="020B0604020202020204" pitchFamily="34" charset="0"/>
-              </a:rPr>
-              <a:t>-. Each pipe is composed of “resistance” part and “capacitance” part.</a:t>
-            </a:r>
-          </a:p>
-        </p:txBody>
-      </p:sp>
-      <p:sp>
-        <p:nvSpPr>
-          <p:cNvPr id="7" name="右中かっこ 6">
-            <a:extLst>
-              <a:ext uri="{FF2B5EF4-FFF2-40B4-BE49-F238E27FC236}">
-                <a16:creationId xmlns:a16="http://schemas.microsoft.com/office/drawing/2014/main" id="{F660848D-3004-44FA-AEF5-517D351277A0}"/>
-              </a:ext>
-            </a:extLst>
-          </p:cNvPr>
-          <p:cNvSpPr/>
-          <p:nvPr/>
-        </p:nvSpPr>
-        <p:spPr>
-          <a:xfrm rot="5400000">
-            <a:off x="6031488" y="2886978"/>
-            <a:ext cx="336062" cy="4534548"/>
-          </a:xfrm>
-          <a:prstGeom prst="rightBrace">
-            <a:avLst>
-              <a:gd name="adj1" fmla="val 24612"/>
-              <a:gd name="adj2" fmla="val 50000"/>
-            </a:avLst>
-          </a:prstGeom>
-        </p:spPr>
-        <p:style>
-          <a:lnRef idx="1">
-            <a:schemeClr val="dk1"/>
-          </a:lnRef>
-          <a:fillRef idx="0">
-            <a:schemeClr val="dk1"/>
-          </a:fillRef>
-          <a:effectRef idx="0">
-            <a:schemeClr val="dk1"/>
-          </a:effectRef>
-          <a:fontRef idx="minor">
-            <a:schemeClr val="tx1"/>
-          </a:fontRef>
-        </p:style>
-        <p:txBody>
-          <a:bodyPr rtlCol="0" anchor="ctr"/>
-          <a:lstStyle/>
-          <a:p>
-            <a:pPr algn="ctr"/>
-            <a:endParaRPr kumimoji="1" lang="ja-JP" altLang="en-US"/>
-          </a:p>
-        </p:txBody>
-      </p:sp>
-      <p:sp>
-        <p:nvSpPr>
-          <p:cNvPr id="2" name="テキスト ボックス 1">
-            <a:extLst>
-              <a:ext uri="{FF2B5EF4-FFF2-40B4-BE49-F238E27FC236}">
-                <a16:creationId xmlns:a16="http://schemas.microsoft.com/office/drawing/2014/main" id="{C1BF0357-0E4B-40F7-A105-96B3E204FFE1}"/>
-              </a:ext>
-            </a:extLst>
-          </p:cNvPr>
-          <p:cNvSpPr txBox="1"/>
-          <p:nvPr/>
-        </p:nvSpPr>
-        <p:spPr>
-          <a:xfrm>
-            <a:off x="4112712" y="804789"/>
-            <a:ext cx="3288458" cy="1477106"/>
-          </a:xfrm>
-          <a:prstGeom prst="rect">
-            <a:avLst/>
-          </a:prstGeom>
-          <a:solidFill>
-            <a:srgbClr val="92D050">
-              <a:alpha val="60000"/>
-            </a:srgbClr>
-          </a:solidFill>
-          <a:ln>
-            <a:solidFill>
-              <a:schemeClr val="tx1"/>
-            </a:solidFill>
-          </a:ln>
-        </p:spPr>
-        <p:txBody>
-          <a:bodyPr wrap="square" rtlCol="0">
-            <a:noAutofit/>
-          </a:bodyPr>
-          <a:lstStyle/>
-          <a:p>
-            <a:r>
-              <a:rPr lang="en-US" altLang="ja-JP" sz="907" dirty="0">
-                <a:latin typeface="ＭＳ Ｐゴシック" panose="020B0600070205080204" pitchFamily="50" charset="-128"/>
-                <a:ea typeface="ＭＳ Ｐゴシック" panose="020B0600070205080204" pitchFamily="50" charset="-128"/>
-                <a:cs typeface="Arial" panose="020B0604020202020204" pitchFamily="34" charset="0"/>
-              </a:rPr>
-              <a:t>-. First pipe receives heat from outside of flow path.</a:t>
-            </a:r>
-          </a:p>
-          <a:p>
-            <a:endParaRPr lang="en-US" altLang="ja-JP" sz="907" dirty="0">
-              <a:latin typeface="ＭＳ Ｐゴシック" panose="020B0600070205080204" pitchFamily="50" charset="-128"/>
-              <a:ea typeface="ＭＳ Ｐゴシック" panose="020B0600070205080204" pitchFamily="50" charset="-128"/>
-              <a:cs typeface="Arial" panose="020B0604020202020204" pitchFamily="34" charset="0"/>
-            </a:endParaRPr>
-          </a:p>
-          <a:p>
-            <a:r>
-              <a:rPr lang="en-US" altLang="ja-JP" sz="907" dirty="0">
-                <a:latin typeface="ＭＳ Ｐゴシック" panose="020B0600070205080204" pitchFamily="50" charset="-128"/>
-                <a:ea typeface="ＭＳ Ｐゴシック" panose="020B0600070205080204" pitchFamily="50" charset="-128"/>
-                <a:cs typeface="Arial" panose="020B0604020202020204" pitchFamily="34" charset="0"/>
-              </a:rPr>
-              <a:t>-. In this example, it is defined that heat receive occurs AFTER pressure drop of pipe. Definition of BEFORE or AFTER influence on pressure drop because fluid density and viscosity changes.</a:t>
-            </a:r>
-          </a:p>
-          <a:p>
-            <a:r>
-              <a:rPr lang="en-US" altLang="ja-JP" sz="907" dirty="0">
-                <a:latin typeface="ＭＳ Ｐゴシック" panose="020B0600070205080204" pitchFamily="50" charset="-128"/>
-                <a:ea typeface="ＭＳ Ｐゴシック" panose="020B0600070205080204" pitchFamily="50" charset="-128"/>
-                <a:cs typeface="Arial" panose="020B0604020202020204" pitchFamily="34" charset="0"/>
-              </a:rPr>
-              <a:t>-. If it is desired that heat receive and pressure drop occurs simultaneously, deploy “</a:t>
-            </a:r>
-            <a:r>
-              <a:rPr lang="en-US" altLang="ja-JP" sz="907" dirty="0" err="1">
-                <a:latin typeface="ＭＳ Ｐゴシック" panose="020B0600070205080204" pitchFamily="50" charset="-128"/>
-                <a:ea typeface="ＭＳ Ｐゴシック" panose="020B0600070205080204" pitchFamily="50" charset="-128"/>
-                <a:cs typeface="Arial" panose="020B0604020202020204" pitchFamily="34" charset="0"/>
-              </a:rPr>
-              <a:t>DynamicPipe</a:t>
-            </a:r>
-            <a:r>
-              <a:rPr lang="en-US" altLang="ja-JP" sz="907" dirty="0">
-                <a:latin typeface="ＭＳ Ｐゴシック" panose="020B0600070205080204" pitchFamily="50" charset="-128"/>
-                <a:ea typeface="ＭＳ Ｐゴシック" panose="020B0600070205080204" pitchFamily="50" charset="-128"/>
-                <a:cs typeface="Arial" panose="020B0604020202020204" pitchFamily="34" charset="0"/>
-              </a:rPr>
-              <a:t>” and define sections as many as possible (Example of “</a:t>
-            </a:r>
-            <a:r>
-              <a:rPr lang="en-US" altLang="ja-JP" sz="907" dirty="0" err="1">
-                <a:latin typeface="ＭＳ Ｐゴシック" panose="020B0600070205080204" pitchFamily="50" charset="-128"/>
-                <a:ea typeface="ＭＳ Ｐゴシック" panose="020B0600070205080204" pitchFamily="50" charset="-128"/>
-                <a:cs typeface="Arial" panose="020B0604020202020204" pitchFamily="34" charset="0"/>
-              </a:rPr>
-              <a:t>DynamicPipe</a:t>
-            </a:r>
-            <a:r>
-              <a:rPr lang="en-US" altLang="ja-JP" sz="907" dirty="0">
-                <a:latin typeface="ＭＳ Ｐゴシック" panose="020B0600070205080204" pitchFamily="50" charset="-128"/>
-                <a:ea typeface="ＭＳ Ｐゴシック" panose="020B0600070205080204" pitchFamily="50" charset="-128"/>
-                <a:cs typeface="Arial" panose="020B0604020202020204" pitchFamily="34" charset="0"/>
-              </a:rPr>
-              <a:t>” will be in “FlowWithHeating_ex02”).</a:t>
-            </a:r>
-          </a:p>
-        </p:txBody>
-      </p:sp>
-      <p:cxnSp>
-        <p:nvCxnSpPr>
-          <p:cNvPr id="8" name="直線矢印コネクタ 7">
-            <a:extLst>
-              <a:ext uri="{FF2B5EF4-FFF2-40B4-BE49-F238E27FC236}">
-                <a16:creationId xmlns:a16="http://schemas.microsoft.com/office/drawing/2014/main" id="{ACBB0279-370D-46D3-939B-8F61B90D4AAC}"/>
-              </a:ext>
-            </a:extLst>
-          </p:cNvPr>
-          <p:cNvCxnSpPr>
-            <a:cxnSpLocks/>
-            <a:stCxn id="2" idx="2"/>
-          </p:cNvCxnSpPr>
-          <p:nvPr/>
-        </p:nvCxnSpPr>
-        <p:spPr>
-          <a:xfrm flipH="1">
-            <a:off x="5322277" y="2281895"/>
-            <a:ext cx="434664" cy="1028612"/>
-          </a:xfrm>
-          <a:prstGeom prst="straightConnector1">
-            <a:avLst/>
-          </a:prstGeom>
-          <a:ln w="12700">
-            <a:solidFill>
-              <a:schemeClr val="tx1"/>
-            </a:solidFill>
-            <a:tailEnd type="oval"/>
-          </a:ln>
-        </p:spPr>
-        <p:style>
-          <a:lnRef idx="1">
-            <a:schemeClr val="accent1"/>
-          </a:lnRef>
-          <a:fillRef idx="0">
-            <a:schemeClr val="accent1"/>
-          </a:fillRef>
-          <a:effectRef idx="0">
-            <a:schemeClr val="accent1"/>
-          </a:effectRef>
-          <a:fontRef idx="minor">
-            <a:schemeClr val="tx1"/>
-          </a:fontRef>
-        </p:style>
-      </p:cxnSp>
-      <p:sp>
-        <p:nvSpPr>
-          <p:cNvPr id="24" name="テキスト ボックス 23">
-            <a:extLst>
-              <a:ext uri="{FF2B5EF4-FFF2-40B4-BE49-F238E27FC236}">
-                <a16:creationId xmlns:a16="http://schemas.microsoft.com/office/drawing/2014/main" id="{71A69FDC-35C6-49BD-8670-47B3258CEFED}"/>
-              </a:ext>
-            </a:extLst>
-          </p:cNvPr>
-          <p:cNvSpPr txBox="1"/>
-          <p:nvPr/>
-        </p:nvSpPr>
-        <p:spPr>
-          <a:xfrm>
-            <a:off x="7192383" y="2630034"/>
-            <a:ext cx="2548820" cy="530943"/>
-          </a:xfrm>
-          <a:prstGeom prst="rect">
-            <a:avLst/>
-          </a:prstGeom>
-          <a:solidFill>
-            <a:srgbClr val="92D050">
-              <a:alpha val="60000"/>
-            </a:srgbClr>
-          </a:solidFill>
-          <a:ln>
-            <a:solidFill>
-              <a:schemeClr val="tx1"/>
-            </a:solidFill>
-          </a:ln>
-        </p:spPr>
-        <p:txBody>
-          <a:bodyPr wrap="square" rtlCol="0">
-            <a:noAutofit/>
-          </a:bodyPr>
-          <a:lstStyle/>
-          <a:p>
-            <a:r>
-              <a:rPr lang="en-US" altLang="ja-JP" sz="907" dirty="0">
-                <a:latin typeface="ＭＳ Ｐゴシック" panose="020B0600070205080204" pitchFamily="50" charset="-128"/>
-                <a:ea typeface="ＭＳ Ｐゴシック" panose="020B0600070205080204" pitchFamily="50" charset="-128"/>
-                <a:cs typeface="Arial" panose="020B0604020202020204" pitchFamily="34" charset="0"/>
-              </a:rPr>
-              <a:t>-. Pressure drop in pipe1 is affected by change of density and viscosity due to heat receive upstream.</a:t>
-            </a:r>
-          </a:p>
-        </p:txBody>
-      </p:sp>
-      <p:cxnSp>
-        <p:nvCxnSpPr>
-          <p:cNvPr id="27" name="直線矢印コネクタ 26">
-            <a:extLst>
-              <a:ext uri="{FF2B5EF4-FFF2-40B4-BE49-F238E27FC236}">
-                <a16:creationId xmlns:a16="http://schemas.microsoft.com/office/drawing/2014/main" id="{BBAF18A5-C5F7-4EBD-BBF6-0F21A790F399}"/>
-              </a:ext>
-            </a:extLst>
-          </p:cNvPr>
-          <p:cNvCxnSpPr>
-            <a:cxnSpLocks/>
-            <a:stCxn id="24" idx="1"/>
-          </p:cNvCxnSpPr>
-          <p:nvPr/>
-        </p:nvCxnSpPr>
-        <p:spPr>
-          <a:xfrm flipH="1">
-            <a:off x="6533662" y="2895506"/>
-            <a:ext cx="658721" cy="1379509"/>
-          </a:xfrm>
-          <a:prstGeom prst="straightConnector1">
-            <a:avLst/>
-          </a:prstGeom>
-          <a:ln w="12700">
-            <a:solidFill>
-              <a:schemeClr val="tx1"/>
-            </a:solidFill>
-            <a:tailEnd type="oval"/>
-          </a:ln>
-        </p:spPr>
-        <p:style>
-          <a:lnRef idx="1">
-            <a:schemeClr val="accent1"/>
-          </a:lnRef>
-          <a:fillRef idx="0">
-            <a:schemeClr val="accent1"/>
-          </a:fillRef>
-          <a:effectRef idx="0">
-            <a:schemeClr val="accent1"/>
-          </a:effectRef>
-          <a:fontRef idx="minor">
-            <a:schemeClr val="tx1"/>
-          </a:fontRef>
-        </p:style>
-      </p:cxnSp>
     </p:spTree>
     <p:extLst>
       <p:ext uri="{BB962C8B-B14F-4D97-AF65-F5344CB8AC3E}">
-        <p14:creationId xmlns:p14="http://schemas.microsoft.com/office/powerpoint/2010/main" val="2075533915"/>
+        <p14:creationId xmlns:p14="http://schemas.microsoft.com/office/powerpoint/2010/main" val="2491296121"/>
       </p:ext>
     </p:extLst>
   </p:cSld>
@@ -15198,144 +15341,10 @@
           <a:chExt cx="0" cy="0"/>
         </a:xfrm>
       </p:grpSpPr>
-      <p:pic>
-        <p:nvPicPr>
-          <p:cNvPr id="3" name="図 2">
-            <a:extLst>
-              <a:ext uri="{FF2B5EF4-FFF2-40B4-BE49-F238E27FC236}">
-                <a16:creationId xmlns:a16="http://schemas.microsoft.com/office/drawing/2014/main" id="{4016EDEE-3D57-48C7-BF54-B3C40E42561E}"/>
-              </a:ext>
-            </a:extLst>
-          </p:cNvPr>
-          <p:cNvPicPr>
-            <a:picLocks noChangeAspect="1"/>
-          </p:cNvPicPr>
-          <p:nvPr/>
-        </p:nvPicPr>
-        <p:blipFill>
-          <a:blip r:embed="rId2"/>
-          <a:stretch>
-            <a:fillRect/>
-          </a:stretch>
-        </p:blipFill>
-        <p:spPr>
-          <a:xfrm>
-            <a:off x="1566970" y="1"/>
-            <a:ext cx="7200000" cy="5451233"/>
-          </a:xfrm>
-          <a:prstGeom prst="rect">
-            <a:avLst/>
-          </a:prstGeom>
-        </p:spPr>
-      </p:pic>
-      <p:sp>
-        <p:nvSpPr>
-          <p:cNvPr id="4" name="テキスト ボックス 3">
-            <a:extLst>
-              <a:ext uri="{FF2B5EF4-FFF2-40B4-BE49-F238E27FC236}">
-                <a16:creationId xmlns:a16="http://schemas.microsoft.com/office/drawing/2014/main" id="{2C5590D0-116E-4BD1-959A-45A7F2CCBC1E}"/>
-              </a:ext>
-            </a:extLst>
-          </p:cNvPr>
-          <p:cNvSpPr txBox="1"/>
-          <p:nvPr/>
-        </p:nvSpPr>
-        <p:spPr>
-          <a:xfrm>
-            <a:off x="2494386" y="427943"/>
-            <a:ext cx="1914473" cy="517719"/>
-          </a:xfrm>
-          <a:prstGeom prst="rect">
-            <a:avLst/>
-          </a:prstGeom>
-          <a:solidFill>
-            <a:schemeClr val="accent5">
-              <a:lumMod val="40000"/>
-              <a:lumOff val="60000"/>
-            </a:schemeClr>
-          </a:solidFill>
-          <a:ln>
-            <a:solidFill>
-              <a:schemeClr val="tx1"/>
-            </a:solidFill>
-          </a:ln>
-        </p:spPr>
-        <p:txBody>
-          <a:bodyPr wrap="square" rtlCol="0">
-            <a:noAutofit/>
-          </a:bodyPr>
-          <a:lstStyle/>
-          <a:p>
-            <a:r>
-              <a:rPr lang="en-US" altLang="ja-JP" sz="907" dirty="0">
-                <a:latin typeface="ＭＳ Ｐゴシック" panose="020B0600070205080204" pitchFamily="50" charset="-128"/>
-                <a:ea typeface="ＭＳ Ｐゴシック" panose="020B0600070205080204" pitchFamily="50" charset="-128"/>
-                <a:cs typeface="Arial" panose="020B0604020202020204" pitchFamily="34" charset="0"/>
-              </a:rPr>
-              <a:t>Input: </a:t>
-            </a:r>
-          </a:p>
-          <a:p>
-            <a:r>
-              <a:rPr lang="en-US" altLang="ja-JP" sz="907" dirty="0">
-                <a:latin typeface="ＭＳ Ｐゴシック" panose="020B0600070205080204" pitchFamily="50" charset="-128"/>
-                <a:ea typeface="ＭＳ Ｐゴシック" panose="020B0600070205080204" pitchFamily="50" charset="-128"/>
-                <a:cs typeface="Arial" panose="020B0604020202020204" pitchFamily="34" charset="0"/>
-              </a:rPr>
-              <a:t> Heat flow rate injected into fluid system.</a:t>
-            </a:r>
-          </a:p>
-        </p:txBody>
-      </p:sp>
-      <p:cxnSp>
-        <p:nvCxnSpPr>
-          <p:cNvPr id="5" name="直線矢印コネクタ 4">
-            <a:extLst>
-              <a:ext uri="{FF2B5EF4-FFF2-40B4-BE49-F238E27FC236}">
-                <a16:creationId xmlns:a16="http://schemas.microsoft.com/office/drawing/2014/main" id="{1435FBCE-D4C7-47CD-8562-184F2A7321FD}"/>
-              </a:ext>
-            </a:extLst>
-          </p:cNvPr>
-          <p:cNvCxnSpPr>
-            <a:cxnSpLocks/>
-            <a:stCxn id="4" idx="2"/>
-          </p:cNvCxnSpPr>
-          <p:nvPr/>
-        </p:nvCxnSpPr>
-        <p:spPr>
-          <a:xfrm>
-            <a:off x="3451623" y="945662"/>
-            <a:ext cx="753054" cy="1445846"/>
-          </a:xfrm>
-          <a:prstGeom prst="straightConnector1">
-            <a:avLst/>
-          </a:prstGeom>
-          <a:ln w="12700">
-            <a:solidFill>
-              <a:schemeClr val="tx1"/>
-            </a:solidFill>
-            <a:tailEnd type="oval"/>
-          </a:ln>
-        </p:spPr>
-        <p:style>
-          <a:lnRef idx="1">
-            <a:schemeClr val="accent1"/>
-          </a:lnRef>
-          <a:fillRef idx="0">
-            <a:schemeClr val="accent1"/>
-          </a:fillRef>
-          <a:effectRef idx="0">
-            <a:schemeClr val="accent1"/>
-          </a:effectRef>
-          <a:fontRef idx="minor">
-            <a:schemeClr val="tx1"/>
-          </a:fontRef>
-        </p:style>
-      </p:cxnSp>
     </p:spTree>
     <p:extLst>
       <p:ext uri="{BB962C8B-B14F-4D97-AF65-F5344CB8AC3E}">
-        <p14:creationId xmlns:p14="http://schemas.microsoft.com/office/powerpoint/2010/main" val="4011149202"/>
+        <p14:creationId xmlns:p14="http://schemas.microsoft.com/office/powerpoint/2010/main" val="2030230455"/>
       </p:ext>
     </p:extLst>
   </p:cSld>
@@ -15367,7 +15376,7 @@
           <p:cNvPr id="3" name="図 2">
             <a:extLst>
               <a:ext uri="{FF2B5EF4-FFF2-40B4-BE49-F238E27FC236}">
-                <a16:creationId xmlns:a16="http://schemas.microsoft.com/office/drawing/2014/main" id="{C58612B1-96B2-42B1-8E9A-483F65717D3A}"/>
+                <a16:creationId xmlns:a16="http://schemas.microsoft.com/office/drawing/2014/main" id="{87325553-19A4-4F67-9152-23ED4D845FC1}"/>
               </a:ext>
             </a:extLst>
           </p:cNvPr>
@@ -15384,8 +15393,8 @@
         </p:blipFill>
         <p:spPr>
           <a:xfrm>
-            <a:off x="1582578" y="1"/>
-            <a:ext cx="7200000" cy="5470085"/>
+            <a:off x="2203777" y="804789"/>
+            <a:ext cx="7190476" cy="4685714"/>
           </a:xfrm>
           <a:prstGeom prst="rect">
             <a:avLst/>
@@ -15397,7 +15406,7 @@
           <p:cNvPr id="4" name="テキスト ボックス 3">
             <a:extLst>
               <a:ext uri="{FF2B5EF4-FFF2-40B4-BE49-F238E27FC236}">
-                <a16:creationId xmlns:a16="http://schemas.microsoft.com/office/drawing/2014/main" id="{8AF7F4D3-8BD6-4CC1-A246-3FA567C74868}"/>
+                <a16:creationId xmlns:a16="http://schemas.microsoft.com/office/drawing/2014/main" id="{30EA811A-EC3C-4F7E-8505-706D50386E60}"/>
               </a:ext>
             </a:extLst>
           </p:cNvPr>
@@ -15406,14 +15415,16 @@
         </p:nvSpPr>
         <p:spPr>
           <a:xfrm>
-            <a:off x="4638274" y="3197606"/>
-            <a:ext cx="1958606" cy="462788"/>
+            <a:off x="4925109" y="5369671"/>
+            <a:ext cx="2548820" cy="530943"/>
           </a:xfrm>
           <a:prstGeom prst="rect">
             <a:avLst/>
           </a:prstGeom>
           <a:solidFill>
-            <a:srgbClr val="FFFF00"/>
+            <a:srgbClr val="92D050">
+              <a:alpha val="60000"/>
+            </a:srgbClr>
           </a:solidFill>
           <a:ln>
             <a:solidFill>
@@ -15428,43 +15439,292 @@
           <a:lstStyle/>
           <a:p>
             <a:r>
-              <a:rPr lang="en-US" altLang="ja-JP" sz="726" dirty="0">
-                <a:latin typeface="Arial" panose="020B0604020202020204" pitchFamily="34" charset="0"/>
+              <a:rPr lang="en-US" altLang="ja-JP" sz="907" dirty="0">
+                <a:latin typeface="ＭＳ Ｐゴシック" panose="020B0600070205080204" pitchFamily="50" charset="-128"/>
+                <a:ea typeface="ＭＳ Ｐゴシック" panose="020B0600070205080204" pitchFamily="50" charset="-128"/>
                 <a:cs typeface="Arial" panose="020B0604020202020204" pitchFamily="34" charset="0"/>
               </a:rPr>
-              <a:t>Output: </a:t>
-            </a:r>
-          </a:p>
-          <a:p>
-            <a:r>
-              <a:rPr lang="en-US" altLang="ja-JP" sz="726" dirty="0">
-                <a:latin typeface="Arial" panose="020B0604020202020204" pitchFamily="34" charset="0"/>
+              <a:t>-. Flow path consists of 2 pipes.</a:t>
+            </a:r>
+          </a:p>
+          <a:p>
+            <a:r>
+              <a:rPr lang="en-US" altLang="ja-JP" sz="907" dirty="0">
+                <a:latin typeface="ＭＳ Ｐゴシック" panose="020B0600070205080204" pitchFamily="50" charset="-128"/>
+                <a:ea typeface="ＭＳ Ｐゴシック" panose="020B0600070205080204" pitchFamily="50" charset="-128"/>
                 <a:cs typeface="Arial" panose="020B0604020202020204" pitchFamily="34" charset="0"/>
               </a:rPr>
-              <a:t> Specific enthalpy of fluid in the volume where heat is injected into fluid system.</a:t>
+              <a:t>-. Each pipe is composed of “resistance” part and “capacitance” part.</a:t>
+            </a:r>
+          </a:p>
+        </p:txBody>
+      </p:sp>
+      <p:sp>
+        <p:nvSpPr>
+          <p:cNvPr id="7" name="右中かっこ 6">
+            <a:extLst>
+              <a:ext uri="{FF2B5EF4-FFF2-40B4-BE49-F238E27FC236}">
+                <a16:creationId xmlns:a16="http://schemas.microsoft.com/office/drawing/2014/main" id="{F660848D-3004-44FA-AEF5-517D351277A0}"/>
+              </a:ext>
+            </a:extLst>
+          </p:cNvPr>
+          <p:cNvSpPr/>
+          <p:nvPr/>
+        </p:nvSpPr>
+        <p:spPr>
+          <a:xfrm rot="5400000">
+            <a:off x="6031488" y="2886978"/>
+            <a:ext cx="336062" cy="4534548"/>
+          </a:xfrm>
+          <a:prstGeom prst="rightBrace">
+            <a:avLst>
+              <a:gd name="adj1" fmla="val 24612"/>
+              <a:gd name="adj2" fmla="val 50000"/>
+            </a:avLst>
+          </a:prstGeom>
+        </p:spPr>
+        <p:style>
+          <a:lnRef idx="1">
+            <a:schemeClr val="dk1"/>
+          </a:lnRef>
+          <a:fillRef idx="0">
+            <a:schemeClr val="dk1"/>
+          </a:fillRef>
+          <a:effectRef idx="0">
+            <a:schemeClr val="dk1"/>
+          </a:effectRef>
+          <a:fontRef idx="minor">
+            <a:schemeClr val="tx1"/>
+          </a:fontRef>
+        </p:style>
+        <p:txBody>
+          <a:bodyPr rtlCol="0" anchor="ctr"/>
+          <a:lstStyle/>
+          <a:p>
+            <a:pPr algn="ctr"/>
+            <a:endParaRPr kumimoji="1" lang="ja-JP" altLang="en-US"/>
+          </a:p>
+        </p:txBody>
+      </p:sp>
+      <p:sp>
+        <p:nvSpPr>
+          <p:cNvPr id="2" name="テキスト ボックス 1">
+            <a:extLst>
+              <a:ext uri="{FF2B5EF4-FFF2-40B4-BE49-F238E27FC236}">
+                <a16:creationId xmlns:a16="http://schemas.microsoft.com/office/drawing/2014/main" id="{C1BF0357-0E4B-40F7-A105-96B3E204FFE1}"/>
+              </a:ext>
+            </a:extLst>
+          </p:cNvPr>
+          <p:cNvSpPr txBox="1"/>
+          <p:nvPr/>
+        </p:nvSpPr>
+        <p:spPr>
+          <a:xfrm>
+            <a:off x="4112712" y="804789"/>
+            <a:ext cx="3288458" cy="1477106"/>
+          </a:xfrm>
+          <a:prstGeom prst="rect">
+            <a:avLst/>
+          </a:prstGeom>
+          <a:solidFill>
+            <a:srgbClr val="92D050">
+              <a:alpha val="60000"/>
+            </a:srgbClr>
+          </a:solidFill>
+          <a:ln>
+            <a:solidFill>
+              <a:schemeClr val="tx1"/>
+            </a:solidFill>
+          </a:ln>
+        </p:spPr>
+        <p:txBody>
+          <a:bodyPr wrap="square" rtlCol="0">
+            <a:noAutofit/>
+          </a:bodyPr>
+          <a:lstStyle/>
+          <a:p>
+            <a:r>
+              <a:rPr lang="en-US" altLang="ja-JP" sz="907" dirty="0">
+                <a:latin typeface="ＭＳ Ｐゴシック" panose="020B0600070205080204" pitchFamily="50" charset="-128"/>
+                <a:ea typeface="ＭＳ Ｐゴシック" panose="020B0600070205080204" pitchFamily="50" charset="-128"/>
+                <a:cs typeface="Arial" panose="020B0604020202020204" pitchFamily="34" charset="0"/>
+              </a:rPr>
+              <a:t>-. First pipe receives heat from outside of flow path.</a:t>
+            </a:r>
+          </a:p>
+          <a:p>
+            <a:endParaRPr lang="en-US" altLang="ja-JP" sz="907" dirty="0">
+              <a:latin typeface="ＭＳ Ｐゴシック" panose="020B0600070205080204" pitchFamily="50" charset="-128"/>
+              <a:ea typeface="ＭＳ Ｐゴシック" panose="020B0600070205080204" pitchFamily="50" charset="-128"/>
+              <a:cs typeface="Arial" panose="020B0604020202020204" pitchFamily="34" charset="0"/>
+            </a:endParaRPr>
+          </a:p>
+          <a:p>
+            <a:r>
+              <a:rPr lang="en-US" altLang="ja-JP" sz="907" dirty="0">
+                <a:latin typeface="ＭＳ Ｐゴシック" panose="020B0600070205080204" pitchFamily="50" charset="-128"/>
+                <a:ea typeface="ＭＳ Ｐゴシック" panose="020B0600070205080204" pitchFamily="50" charset="-128"/>
+                <a:cs typeface="Arial" panose="020B0604020202020204" pitchFamily="34" charset="0"/>
+              </a:rPr>
+              <a:t>-. In this example, it is defined that heat receive occurs AFTER pressure drop of pipe. Definition of BEFORE or AFTER influence on pressure drop because fluid density and viscosity changes.</a:t>
+            </a:r>
+          </a:p>
+          <a:p>
+            <a:r>
+              <a:rPr lang="en-US" altLang="ja-JP" sz="907" dirty="0">
+                <a:latin typeface="ＭＳ Ｐゴシック" panose="020B0600070205080204" pitchFamily="50" charset="-128"/>
+                <a:ea typeface="ＭＳ Ｐゴシック" panose="020B0600070205080204" pitchFamily="50" charset="-128"/>
+                <a:cs typeface="Arial" panose="020B0604020202020204" pitchFamily="34" charset="0"/>
+              </a:rPr>
+              <a:t>-. If it is desired that heat receive and pressure drop occurs simultaneously, deploy “</a:t>
+            </a:r>
+            <a:r>
+              <a:rPr lang="en-US" altLang="ja-JP" sz="907" dirty="0" err="1">
+                <a:latin typeface="ＭＳ Ｐゴシック" panose="020B0600070205080204" pitchFamily="50" charset="-128"/>
+                <a:ea typeface="ＭＳ Ｐゴシック" panose="020B0600070205080204" pitchFamily="50" charset="-128"/>
+                <a:cs typeface="Arial" panose="020B0604020202020204" pitchFamily="34" charset="0"/>
+              </a:rPr>
+              <a:t>DynamicPipe</a:t>
+            </a:r>
+            <a:r>
+              <a:rPr lang="en-US" altLang="ja-JP" sz="907" dirty="0">
+                <a:latin typeface="ＭＳ Ｐゴシック" panose="020B0600070205080204" pitchFamily="50" charset="-128"/>
+                <a:ea typeface="ＭＳ Ｐゴシック" panose="020B0600070205080204" pitchFamily="50" charset="-128"/>
+                <a:cs typeface="Arial" panose="020B0604020202020204" pitchFamily="34" charset="0"/>
+              </a:rPr>
+              <a:t>” and define sections as many as possible (Example of “</a:t>
+            </a:r>
+            <a:r>
+              <a:rPr lang="en-US" altLang="ja-JP" sz="907" dirty="0" err="1">
+                <a:latin typeface="ＭＳ Ｐゴシック" panose="020B0600070205080204" pitchFamily="50" charset="-128"/>
+                <a:ea typeface="ＭＳ Ｐゴシック" panose="020B0600070205080204" pitchFamily="50" charset="-128"/>
+                <a:cs typeface="Arial" panose="020B0604020202020204" pitchFamily="34" charset="0"/>
+              </a:rPr>
+              <a:t>DynamicPipe</a:t>
+            </a:r>
+            <a:r>
+              <a:rPr lang="en-US" altLang="ja-JP" sz="907" dirty="0">
+                <a:latin typeface="ＭＳ Ｐゴシック" panose="020B0600070205080204" pitchFamily="50" charset="-128"/>
+                <a:ea typeface="ＭＳ Ｐゴシック" panose="020B0600070205080204" pitchFamily="50" charset="-128"/>
+                <a:cs typeface="Arial" panose="020B0604020202020204" pitchFamily="34" charset="0"/>
+              </a:rPr>
+              <a:t>” will be in “FlowWithHeating_ex02”).</a:t>
             </a:r>
           </a:p>
         </p:txBody>
       </p:sp>
       <p:cxnSp>
         <p:nvCxnSpPr>
-          <p:cNvPr id="5" name="直線矢印コネクタ 4">
-            <a:extLst>
-              <a:ext uri="{FF2B5EF4-FFF2-40B4-BE49-F238E27FC236}">
-                <a16:creationId xmlns:a16="http://schemas.microsoft.com/office/drawing/2014/main" id="{C31FB6B3-5E4D-41DC-A018-0B079978F569}"/>
+          <p:cNvPr id="8" name="直線矢印コネクタ 7">
+            <a:extLst>
+              <a:ext uri="{FF2B5EF4-FFF2-40B4-BE49-F238E27FC236}">
+                <a16:creationId xmlns:a16="http://schemas.microsoft.com/office/drawing/2014/main" id="{ACBB0279-370D-46D3-939B-8F61B90D4AAC}"/>
               </a:ext>
             </a:extLst>
           </p:cNvPr>
           <p:cNvCxnSpPr>
             <a:cxnSpLocks/>
-            <a:stCxn id="4" idx="0"/>
+            <a:stCxn id="2" idx="2"/>
           </p:cNvCxnSpPr>
           <p:nvPr/>
         </p:nvCxnSpPr>
         <p:spPr>
-          <a:xfrm flipH="1" flipV="1">
-            <a:off x="4298461" y="2540000"/>
-            <a:ext cx="1319116" cy="657606"/>
+          <a:xfrm flipH="1">
+            <a:off x="5322277" y="2281895"/>
+            <a:ext cx="434664" cy="1028612"/>
+          </a:xfrm>
+          <a:prstGeom prst="straightConnector1">
+            <a:avLst/>
+          </a:prstGeom>
+          <a:ln w="12700">
+            <a:solidFill>
+              <a:schemeClr val="tx1"/>
+            </a:solidFill>
+            <a:tailEnd type="oval"/>
+          </a:ln>
+        </p:spPr>
+        <p:style>
+          <a:lnRef idx="1">
+            <a:schemeClr val="accent1"/>
+          </a:lnRef>
+          <a:fillRef idx="0">
+            <a:schemeClr val="accent1"/>
+          </a:fillRef>
+          <a:effectRef idx="0">
+            <a:schemeClr val="accent1"/>
+          </a:effectRef>
+          <a:fontRef idx="minor">
+            <a:schemeClr val="tx1"/>
+          </a:fontRef>
+        </p:style>
+      </p:cxnSp>
+      <p:sp>
+        <p:nvSpPr>
+          <p:cNvPr id="24" name="テキスト ボックス 23">
+            <a:extLst>
+              <a:ext uri="{FF2B5EF4-FFF2-40B4-BE49-F238E27FC236}">
+                <a16:creationId xmlns:a16="http://schemas.microsoft.com/office/drawing/2014/main" id="{71A69FDC-35C6-49BD-8670-47B3258CEFED}"/>
+              </a:ext>
+            </a:extLst>
+          </p:cNvPr>
+          <p:cNvSpPr txBox="1"/>
+          <p:nvPr/>
+        </p:nvSpPr>
+        <p:spPr>
+          <a:xfrm>
+            <a:off x="7192383" y="2630034"/>
+            <a:ext cx="2548820" cy="530943"/>
+          </a:xfrm>
+          <a:prstGeom prst="rect">
+            <a:avLst/>
+          </a:prstGeom>
+          <a:solidFill>
+            <a:srgbClr val="92D050">
+              <a:alpha val="60000"/>
+            </a:srgbClr>
+          </a:solidFill>
+          <a:ln>
+            <a:solidFill>
+              <a:schemeClr val="tx1"/>
+            </a:solidFill>
+          </a:ln>
+        </p:spPr>
+        <p:txBody>
+          <a:bodyPr wrap="square" rtlCol="0">
+            <a:noAutofit/>
+          </a:bodyPr>
+          <a:lstStyle/>
+          <a:p>
+            <a:r>
+              <a:rPr lang="en-US" altLang="ja-JP" sz="907" dirty="0">
+                <a:latin typeface="ＭＳ Ｐゴシック" panose="020B0600070205080204" pitchFamily="50" charset="-128"/>
+                <a:ea typeface="ＭＳ Ｐゴシック" panose="020B0600070205080204" pitchFamily="50" charset="-128"/>
+                <a:cs typeface="Arial" panose="020B0604020202020204" pitchFamily="34" charset="0"/>
+              </a:rPr>
+              <a:t>-. Pressure drop in pipe1 is affected by change of density and viscosity due to heat receive upstream.</a:t>
+            </a:r>
+          </a:p>
+        </p:txBody>
+      </p:sp>
+      <p:cxnSp>
+        <p:nvCxnSpPr>
+          <p:cNvPr id="27" name="直線矢印コネクタ 26">
+            <a:extLst>
+              <a:ext uri="{FF2B5EF4-FFF2-40B4-BE49-F238E27FC236}">
+                <a16:creationId xmlns:a16="http://schemas.microsoft.com/office/drawing/2014/main" id="{BBAF18A5-C5F7-4EBD-BBF6-0F21A790F399}"/>
+              </a:ext>
+            </a:extLst>
+          </p:cNvPr>
+          <p:cNvCxnSpPr>
+            <a:cxnSpLocks/>
+            <a:stCxn id="24" idx="1"/>
+          </p:cNvCxnSpPr>
+          <p:nvPr/>
+        </p:nvCxnSpPr>
+        <p:spPr>
+          <a:xfrm flipH="1">
+            <a:off x="6533662" y="2895506"/>
+            <a:ext cx="658721" cy="1379509"/>
           </a:xfrm>
           <a:prstGeom prst="straightConnector1">
             <a:avLst/>
@@ -15494,7 +15754,7 @@
     </p:spTree>
     <p:extLst>
       <p:ext uri="{BB962C8B-B14F-4D97-AF65-F5344CB8AC3E}">
-        <p14:creationId xmlns:p14="http://schemas.microsoft.com/office/powerpoint/2010/main" val="188371897"/>
+        <p14:creationId xmlns:p14="http://schemas.microsoft.com/office/powerpoint/2010/main" val="2075533915"/>
       </p:ext>
     </p:extLst>
   </p:cSld>
@@ -15526,7 +15786,7 @@
           <p:cNvPr id="3" name="図 2">
             <a:extLst>
               <a:ext uri="{FF2B5EF4-FFF2-40B4-BE49-F238E27FC236}">
-                <a16:creationId xmlns:a16="http://schemas.microsoft.com/office/drawing/2014/main" id="{E45DA859-AFAA-4D27-AD8D-876068028449}"/>
+                <a16:creationId xmlns:a16="http://schemas.microsoft.com/office/drawing/2014/main" id="{4016EDEE-3D57-48C7-BF54-B3C40E42561E}"/>
               </a:ext>
             </a:extLst>
           </p:cNvPr>
@@ -15543,8 +15803,8 @@
         </p:blipFill>
         <p:spPr>
           <a:xfrm>
-            <a:off x="1582578" y="1"/>
-            <a:ext cx="7200000" cy="5470085"/>
+            <a:off x="1566970" y="1"/>
+            <a:ext cx="7200000" cy="5451233"/>
           </a:xfrm>
           <a:prstGeom prst="rect">
             <a:avLst/>
@@ -15556,7 +15816,7 @@
           <p:cNvPr id="4" name="テキスト ボックス 3">
             <a:extLst>
               <a:ext uri="{FF2B5EF4-FFF2-40B4-BE49-F238E27FC236}">
-                <a16:creationId xmlns:a16="http://schemas.microsoft.com/office/drawing/2014/main" id="{C5A6C268-77C7-4775-95E5-5760EEEFD4F1}"/>
+                <a16:creationId xmlns:a16="http://schemas.microsoft.com/office/drawing/2014/main" id="{2C5590D0-116E-4BD1-959A-45A7F2CCBC1E}"/>
               </a:ext>
             </a:extLst>
           </p:cNvPr>
@@ -15565,14 +15825,17 @@
         </p:nvSpPr>
         <p:spPr>
           <a:xfrm>
-            <a:off x="4638274" y="3197606"/>
-            <a:ext cx="1958606" cy="462788"/>
+            <a:off x="2494386" y="427943"/>
+            <a:ext cx="1914473" cy="517719"/>
           </a:xfrm>
           <a:prstGeom prst="rect">
             <a:avLst/>
           </a:prstGeom>
           <a:solidFill>
-            <a:srgbClr val="FFFF00"/>
+            <a:schemeClr val="accent5">
+              <a:lumMod val="40000"/>
+              <a:lumOff val="60000"/>
+            </a:schemeClr>
           </a:solidFill>
           <a:ln>
             <a:solidFill>
@@ -15587,20 +15850,22 @@
           <a:lstStyle/>
           <a:p>
             <a:r>
-              <a:rPr lang="en-US" altLang="ja-JP" sz="726" dirty="0">
-                <a:latin typeface="Arial" panose="020B0604020202020204" pitchFamily="34" charset="0"/>
+              <a:rPr lang="en-US" altLang="ja-JP" sz="907" dirty="0">
+                <a:latin typeface="ＭＳ Ｐゴシック" panose="020B0600070205080204" pitchFamily="50" charset="-128"/>
+                <a:ea typeface="ＭＳ Ｐゴシック" panose="020B0600070205080204" pitchFamily="50" charset="-128"/>
                 <a:cs typeface="Arial" panose="020B0604020202020204" pitchFamily="34" charset="0"/>
               </a:rPr>
-              <a:t>Output: </a:t>
-            </a:r>
-          </a:p>
-          <a:p>
-            <a:r>
-              <a:rPr lang="en-US" altLang="ja-JP" sz="726" dirty="0">
-                <a:latin typeface="Arial" panose="020B0604020202020204" pitchFamily="34" charset="0"/>
+              <a:t>Input: </a:t>
+            </a:r>
+          </a:p>
+          <a:p>
+            <a:r>
+              <a:rPr lang="en-US" altLang="ja-JP" sz="907" dirty="0">
+                <a:latin typeface="ＭＳ Ｐゴシック" panose="020B0600070205080204" pitchFamily="50" charset="-128"/>
+                <a:ea typeface="ＭＳ Ｐゴシック" panose="020B0600070205080204" pitchFamily="50" charset="-128"/>
                 <a:cs typeface="Arial" panose="020B0604020202020204" pitchFamily="34" charset="0"/>
               </a:rPr>
-              <a:t> Temperature of fluid in the volume where heat is injected into fluid system.</a:t>
+              <a:t> Heat flow rate injected into fluid system.</a:t>
             </a:r>
           </a:p>
         </p:txBody>
@@ -15610,20 +15875,20 @@
           <p:cNvPr id="5" name="直線矢印コネクタ 4">
             <a:extLst>
               <a:ext uri="{FF2B5EF4-FFF2-40B4-BE49-F238E27FC236}">
-                <a16:creationId xmlns:a16="http://schemas.microsoft.com/office/drawing/2014/main" id="{D75804B4-0477-4052-9C79-CE629342014D}"/>
+                <a16:creationId xmlns:a16="http://schemas.microsoft.com/office/drawing/2014/main" id="{1435FBCE-D4C7-47CD-8562-184F2A7321FD}"/>
               </a:ext>
             </a:extLst>
           </p:cNvPr>
           <p:cNvCxnSpPr>
             <a:cxnSpLocks/>
-            <a:stCxn id="4" idx="0"/>
+            <a:stCxn id="4" idx="2"/>
           </p:cNvCxnSpPr>
           <p:nvPr/>
         </p:nvCxnSpPr>
         <p:spPr>
-          <a:xfrm flipH="1" flipV="1">
-            <a:off x="4298461" y="2540000"/>
-            <a:ext cx="1319116" cy="657606"/>
+          <a:xfrm>
+            <a:off x="3451623" y="945662"/>
+            <a:ext cx="753054" cy="1445846"/>
           </a:xfrm>
           <a:prstGeom prst="straightConnector1">
             <a:avLst/>
@@ -15653,7 +15918,7 @@
     </p:spTree>
     <p:extLst>
       <p:ext uri="{BB962C8B-B14F-4D97-AF65-F5344CB8AC3E}">
-        <p14:creationId xmlns:p14="http://schemas.microsoft.com/office/powerpoint/2010/main" val="1946420300"/>
+        <p14:creationId xmlns:p14="http://schemas.microsoft.com/office/powerpoint/2010/main" val="4011149202"/>
       </p:ext>
     </p:extLst>
   </p:cSld>

--- a/figs/makeFigs.pptx
+++ b/figs/makeFigs.pptx
@@ -8375,240 +8375,6 @@
       </p:pic>
       <p:sp>
         <p:nvSpPr>
-          <p:cNvPr id="2" name="Text Box 14">
-            <a:extLst>
-              <a:ext uri="{FF2B5EF4-FFF2-40B4-BE49-F238E27FC236}">
-                <a16:creationId xmlns:a16="http://schemas.microsoft.com/office/drawing/2014/main" id="{9235989B-0C65-4AEF-B4CB-BC62A2C92FA2}"/>
-              </a:ext>
-            </a:extLst>
-          </p:cNvPr>
-          <p:cNvSpPr txBox="1"/>
-          <p:nvPr/>
-        </p:nvSpPr>
-        <p:spPr>
-          <a:xfrm>
-            <a:off x="5760841" y="806870"/>
-            <a:ext cx="3588385" cy="769441"/>
-          </a:xfrm>
-          <a:prstGeom prst="rect">
-            <a:avLst/>
-          </a:prstGeom>
-          <a:solidFill>
-            <a:schemeClr val="accent2">
-              <a:lumMod val="40000"/>
-              <a:lumOff val="60000"/>
-            </a:schemeClr>
-          </a:solidFill>
-        </p:spPr>
-        <p:txBody>
-          <a:bodyPr wrap="square" rtlCol="0">
-            <a:spAutoFit/>
-          </a:bodyPr>
-          <a:lstStyle/>
-          <a:p>
-            <a:r>
-              <a:rPr lang="en-US" sz="1100" kern="1200" dirty="0">
-                <a:solidFill>
-                  <a:srgbClr val="000000"/>
-                </a:solidFill>
-                <a:effectLst/>
-                <a:latin typeface="ＭＳ 明朝" panose="02020609040205080304" pitchFamily="17" charset="-128"/>
-                <a:ea typeface="ＭＳ 明朝" panose="02020609040205080304" pitchFamily="17" charset="-128"/>
-                <a:cs typeface="Times New Roman" panose="02020603050405020304" pitchFamily="18" charset="0"/>
-              </a:rPr>
-              <a:t>Fluid</a:t>
-            </a:r>
-            <a:r>
-              <a:rPr lang="ja-JP" sz="1100" kern="1200" dirty="0">
-                <a:solidFill>
-                  <a:srgbClr val="000000"/>
-                </a:solidFill>
-                <a:effectLst/>
-                <a:latin typeface="ＭＳ 明朝" panose="02020609040205080304" pitchFamily="17" charset="-128"/>
-                <a:ea typeface="ＭＳ 明朝" panose="02020609040205080304" pitchFamily="17" charset="-128"/>
-                <a:cs typeface="Times New Roman" panose="02020603050405020304" pitchFamily="18" charset="0"/>
-              </a:rPr>
-              <a:t>の</a:t>
-            </a:r>
-            <a:r>
-              <a:rPr lang="en-US" sz="1100" kern="1200" dirty="0">
-                <a:solidFill>
-                  <a:srgbClr val="000000"/>
-                </a:solidFill>
-                <a:effectLst/>
-                <a:latin typeface="ＭＳ 明朝" panose="02020609040205080304" pitchFamily="17" charset="-128"/>
-                <a:ea typeface="ＭＳ 明朝" panose="02020609040205080304" pitchFamily="17" charset="-128"/>
-                <a:cs typeface="Times New Roman" panose="02020603050405020304" pitchFamily="18" charset="0"/>
-              </a:rPr>
-              <a:t>Media</a:t>
-            </a:r>
-            <a:r>
-              <a:rPr lang="ja-JP" sz="1100" kern="1200" dirty="0">
-                <a:solidFill>
-                  <a:srgbClr val="000000"/>
-                </a:solidFill>
-                <a:effectLst/>
-                <a:latin typeface="ＭＳ 明朝" panose="02020609040205080304" pitchFamily="17" charset="-128"/>
-                <a:ea typeface="ＭＳ 明朝" panose="02020609040205080304" pitchFamily="17" charset="-128"/>
-                <a:cs typeface="Times New Roman" panose="02020603050405020304" pitchFamily="18" charset="0"/>
-              </a:rPr>
-              <a:t>を使うコンポーネントは、</a:t>
-            </a:r>
-            <a:r>
-              <a:rPr lang="en-US" sz="1100" kern="1200" dirty="0">
-                <a:solidFill>
-                  <a:srgbClr val="000000"/>
-                </a:solidFill>
-                <a:effectLst/>
-                <a:latin typeface="ＭＳ 明朝" panose="02020609040205080304" pitchFamily="17" charset="-128"/>
-                <a:ea typeface="ＭＳ 明朝" panose="02020609040205080304" pitchFamily="17" charset="-128"/>
-                <a:cs typeface="Times New Roman" panose="02020603050405020304" pitchFamily="18" charset="0"/>
-              </a:rPr>
-              <a:t>Media</a:t>
-            </a:r>
-            <a:r>
-              <a:rPr lang="ja-JP" sz="1100" kern="1200" dirty="0">
-                <a:solidFill>
-                  <a:srgbClr val="000000"/>
-                </a:solidFill>
-                <a:effectLst/>
-                <a:latin typeface="ＭＳ 明朝" panose="02020609040205080304" pitchFamily="17" charset="-128"/>
-                <a:ea typeface="ＭＳ 明朝" panose="02020609040205080304" pitchFamily="17" charset="-128"/>
-                <a:cs typeface="Times New Roman" panose="02020603050405020304" pitchFamily="18" charset="0"/>
-              </a:rPr>
-              <a:t>の</a:t>
-            </a:r>
-            <a:r>
-              <a:rPr lang="en-US" sz="1100" kern="1200" dirty="0">
-                <a:solidFill>
-                  <a:srgbClr val="000000"/>
-                </a:solidFill>
-                <a:effectLst/>
-                <a:latin typeface="ＭＳ 明朝" panose="02020609040205080304" pitchFamily="17" charset="-128"/>
-                <a:ea typeface="ＭＳ 明朝" panose="02020609040205080304" pitchFamily="17" charset="-128"/>
-                <a:cs typeface="Times New Roman" panose="02020603050405020304" pitchFamily="18" charset="0"/>
-              </a:rPr>
-              <a:t>package</a:t>
-            </a:r>
-            <a:r>
-              <a:rPr lang="ja-JP" sz="1100" kern="1200" dirty="0">
-                <a:solidFill>
-                  <a:srgbClr val="000000"/>
-                </a:solidFill>
-                <a:effectLst/>
-                <a:latin typeface="ＭＳ 明朝" panose="02020609040205080304" pitchFamily="17" charset="-128"/>
-                <a:ea typeface="ＭＳ 明朝" panose="02020609040205080304" pitchFamily="17" charset="-128"/>
-                <a:cs typeface="Times New Roman" panose="02020603050405020304" pitchFamily="18" charset="0"/>
-              </a:rPr>
-              <a:t>に関する設定のソースコードを手書きする必要が有る。</a:t>
-            </a:r>
-            <a:r>
-              <a:rPr lang="en-US" sz="1100" kern="1200" dirty="0">
-                <a:solidFill>
-                  <a:srgbClr val="000000"/>
-                </a:solidFill>
-                <a:effectLst/>
-                <a:latin typeface="ＭＳ 明朝" panose="02020609040205080304" pitchFamily="17" charset="-128"/>
-                <a:ea typeface="ＭＳ 明朝" panose="02020609040205080304" pitchFamily="17" charset="-128"/>
-                <a:cs typeface="Times New Roman" panose="02020603050405020304" pitchFamily="18" charset="0"/>
-              </a:rPr>
-              <a:t>(</a:t>
-            </a:r>
-            <a:r>
-              <a:rPr lang="en-US" sz="1100" kern="1200" dirty="0" err="1">
-                <a:solidFill>
-                  <a:srgbClr val="000000"/>
-                </a:solidFill>
-                <a:effectLst/>
-                <a:latin typeface="ＭＳ 明朝" panose="02020609040205080304" pitchFamily="17" charset="-128"/>
-                <a:ea typeface="ＭＳ 明朝" panose="02020609040205080304" pitchFamily="17" charset="-128"/>
-                <a:cs typeface="Times New Roman" panose="02020603050405020304" pitchFamily="18" charset="0"/>
-              </a:rPr>
-              <a:t>OpenModelica</a:t>
-            </a:r>
-            <a:r>
-              <a:rPr lang="ja-JP" sz="1100" kern="1200" dirty="0">
-                <a:solidFill>
-                  <a:srgbClr val="000000"/>
-                </a:solidFill>
-                <a:effectLst/>
-                <a:latin typeface="ＭＳ 明朝" panose="02020609040205080304" pitchFamily="17" charset="-128"/>
-                <a:ea typeface="ＭＳ 明朝" panose="02020609040205080304" pitchFamily="17" charset="-128"/>
-                <a:cs typeface="Times New Roman" panose="02020603050405020304" pitchFamily="18" charset="0"/>
-              </a:rPr>
-              <a:t>に</a:t>
-            </a:r>
-            <a:r>
-              <a:rPr lang="en-US" sz="1100" kern="1200" dirty="0">
-                <a:solidFill>
-                  <a:srgbClr val="000000"/>
-                </a:solidFill>
-                <a:effectLst/>
-                <a:latin typeface="ＭＳ 明朝" panose="02020609040205080304" pitchFamily="17" charset="-128"/>
-                <a:ea typeface="ＭＳ 明朝" panose="02020609040205080304" pitchFamily="17" charset="-128"/>
-                <a:cs typeface="Times New Roman" panose="02020603050405020304" pitchFamily="18" charset="0"/>
-              </a:rPr>
-              <a:t>Media package</a:t>
-            </a:r>
-            <a:r>
-              <a:rPr lang="ja-JP" sz="1100" kern="1200" dirty="0">
-                <a:solidFill>
-                  <a:srgbClr val="000000"/>
-                </a:solidFill>
-                <a:effectLst/>
-                <a:latin typeface="ＭＳ 明朝" panose="02020609040205080304" pitchFamily="17" charset="-128"/>
-                <a:ea typeface="ＭＳ 明朝" panose="02020609040205080304" pitchFamily="17" charset="-128"/>
-                <a:cs typeface="Times New Roman" panose="02020603050405020304" pitchFamily="18" charset="0"/>
-              </a:rPr>
-              <a:t>を</a:t>
-            </a:r>
-            <a:r>
-              <a:rPr lang="en-US" sz="1100" kern="1200" dirty="0">
-                <a:solidFill>
-                  <a:srgbClr val="000000"/>
-                </a:solidFill>
-                <a:effectLst/>
-                <a:latin typeface="ＭＳ 明朝" panose="02020609040205080304" pitchFamily="17" charset="-128"/>
-                <a:ea typeface="ＭＳ 明朝" panose="02020609040205080304" pitchFamily="17" charset="-128"/>
-                <a:cs typeface="Times New Roman" panose="02020603050405020304" pitchFamily="18" charset="0"/>
-              </a:rPr>
-              <a:t>GUI</a:t>
-            </a:r>
-            <a:r>
-              <a:rPr lang="ja-JP" sz="1100" kern="1200" dirty="0">
-                <a:solidFill>
-                  <a:srgbClr val="000000"/>
-                </a:solidFill>
-                <a:effectLst/>
-                <a:latin typeface="ＭＳ 明朝" panose="02020609040205080304" pitchFamily="17" charset="-128"/>
-                <a:ea typeface="ＭＳ 明朝" panose="02020609040205080304" pitchFamily="17" charset="-128"/>
-                <a:cs typeface="Times New Roman" panose="02020603050405020304" pitchFamily="18" charset="0"/>
-              </a:rPr>
-              <a:t>で設定する機能が無いため</a:t>
-            </a:r>
-            <a:r>
-              <a:rPr lang="en-US" sz="1100" kern="1200" dirty="0">
-                <a:solidFill>
-                  <a:srgbClr val="000000"/>
-                </a:solidFill>
-                <a:effectLst/>
-                <a:latin typeface="ＭＳ 明朝" panose="02020609040205080304" pitchFamily="17" charset="-128"/>
-                <a:ea typeface="ＭＳ 明朝" panose="02020609040205080304" pitchFamily="17" charset="-128"/>
-                <a:cs typeface="Times New Roman" panose="02020603050405020304" pitchFamily="18" charset="0"/>
-              </a:rPr>
-              <a:t>)</a:t>
-            </a:r>
-            <a:endParaRPr lang="ja-JP" sz="1400" kern="100" dirty="0">
-              <a:effectLst/>
-              <a:latin typeface="ＭＳ 明朝" panose="02020609040205080304" pitchFamily="17" charset="-128"/>
-              <a:ea typeface="ＭＳ 明朝" panose="02020609040205080304" pitchFamily="17" charset="-128"/>
-              <a:cs typeface="Times New Roman" panose="02020603050405020304" pitchFamily="18" charset="0"/>
-            </a:endParaRPr>
-          </a:p>
-        </p:txBody>
-      </p:sp>
-      <p:sp>
-        <p:nvSpPr>
           <p:cNvPr id="9" name="正方形/長方形 8">
             <a:extLst>
               <a:ext uri="{FF2B5EF4-FFF2-40B4-BE49-F238E27FC236}">
@@ -9276,60 +9042,6 @@
           <a:lstStyle/>
           <a:p>
             <a:endParaRPr lang="ja-JP" altLang="en-US"/>
-          </a:p>
-        </p:txBody>
-      </p:sp>
-      <p:sp>
-        <p:nvSpPr>
-          <p:cNvPr id="32" name="右中かっこ 31">
-            <a:extLst>
-              <a:ext uri="{FF2B5EF4-FFF2-40B4-BE49-F238E27FC236}">
-                <a16:creationId xmlns:a16="http://schemas.microsoft.com/office/drawing/2014/main" id="{3C1DB28C-5778-4BCB-A08C-B2B505782DD4}"/>
-              </a:ext>
-            </a:extLst>
-          </p:cNvPr>
-          <p:cNvSpPr/>
-          <p:nvPr/>
-        </p:nvSpPr>
-        <p:spPr>
-          <a:xfrm rot="16200000">
-            <a:off x="4851276" y="-2845593"/>
-            <a:ext cx="705713" cy="9549521"/>
-          </a:xfrm>
-          <a:prstGeom prst="rightBrace">
-            <a:avLst>
-              <a:gd name="adj1" fmla="val 113555"/>
-              <a:gd name="adj2" fmla="val 63322"/>
-            </a:avLst>
-          </a:prstGeom>
-          <a:ln>
-            <a:solidFill>
-              <a:schemeClr val="accent2">
-                <a:lumMod val="75000"/>
-              </a:schemeClr>
-            </a:solidFill>
-          </a:ln>
-        </p:spPr>
-        <p:style>
-          <a:lnRef idx="2">
-            <a:schemeClr val="accent2"/>
-          </a:lnRef>
-          <a:fillRef idx="0">
-            <a:schemeClr val="accent2"/>
-          </a:fillRef>
-          <a:effectRef idx="1">
-            <a:schemeClr val="accent2"/>
-          </a:effectRef>
-          <a:fontRef idx="minor">
-            <a:schemeClr val="tx1"/>
-          </a:fontRef>
-        </p:style>
-        <p:txBody>
-          <a:bodyPr rtlCol="0" anchor="ctr"/>
-          <a:lstStyle/>
-          <a:p>
-            <a:pPr algn="ctr"/>
-            <a:endParaRPr kumimoji="1" lang="ja-JP" altLang="en-US"/>
           </a:p>
         </p:txBody>
       </p:sp>

--- a/figs/makeFigs.pptx
+++ b/figs/makeFigs.pptx
@@ -185,6 +185,10 @@
         <p14:section name="FuelSupplySys_ex01" id="{0BE9AA52-3FFB-410A-993F-028507C788D8}">
           <p14:sldIdLst>
             <p14:sldId id="385"/>
+          </p14:sldIdLst>
+        </p14:section>
+        <p14:section name="HotWaterSplySys_ex01" id="{56F4D049-E999-43D1-900A-5548F426E205}">
+          <p14:sldIdLst>
             <p14:sldId id="386"/>
           </p14:sldIdLst>
         </p14:section>
@@ -365,7 +369,7 @@
           <a:p>
             <a:fld id="{9B228BEA-D685-463D-ADB4-548805B11461}" type="datetimeFigureOut">
               <a:rPr kumimoji="1" lang="ja-JP" altLang="en-US" smtClean="0"/>
-              <a:t>2020/11/18</a:t>
+              <a:t>2020/11/22</a:t>
             </a:fld>
             <a:endParaRPr kumimoji="1" lang="ja-JP" altLang="en-US"/>
           </a:p>
@@ -895,7 +899,7 @@
           <a:p>
             <a:fld id="{5498794B-0F6E-4381-BD9D-5788C27E7ABB}" type="datetimeFigureOut">
               <a:rPr kumimoji="1" lang="ja-JP" altLang="en-US" smtClean="0"/>
-              <a:t>2020/11/18</a:t>
+              <a:t>2020/11/22</a:t>
             </a:fld>
             <a:endParaRPr kumimoji="1" lang="ja-JP" altLang="en-US"/>
           </a:p>
@@ -1125,7 +1129,7 @@
           <a:p>
             <a:fld id="{5498794B-0F6E-4381-BD9D-5788C27E7ABB}" type="datetimeFigureOut">
               <a:rPr kumimoji="1" lang="ja-JP" altLang="en-US" smtClean="0"/>
-              <a:t>2020/11/18</a:t>
+              <a:t>2020/11/22</a:t>
             </a:fld>
             <a:endParaRPr kumimoji="1" lang="ja-JP" altLang="en-US"/>
           </a:p>
@@ -1365,7 +1369,7 @@
           <a:p>
             <a:fld id="{5498794B-0F6E-4381-BD9D-5788C27E7ABB}" type="datetimeFigureOut">
               <a:rPr kumimoji="1" lang="ja-JP" altLang="en-US" smtClean="0"/>
-              <a:t>2020/11/18</a:t>
+              <a:t>2020/11/22</a:t>
             </a:fld>
             <a:endParaRPr kumimoji="1" lang="ja-JP" altLang="en-US"/>
           </a:p>
@@ -1685,7 +1689,7 @@
           <a:p>
             <a:fld id="{5498794B-0F6E-4381-BD9D-5788C27E7ABB}" type="datetimeFigureOut">
               <a:rPr kumimoji="1" lang="ja-JP" altLang="en-US" smtClean="0"/>
-              <a:t>2020/11/18</a:t>
+              <a:t>2020/11/22</a:t>
             </a:fld>
             <a:endParaRPr kumimoji="1" lang="ja-JP" altLang="en-US"/>
           </a:p>
@@ -1960,7 +1964,7 @@
           <a:p>
             <a:fld id="{5498794B-0F6E-4381-BD9D-5788C27E7ABB}" type="datetimeFigureOut">
               <a:rPr kumimoji="1" lang="ja-JP" altLang="en-US" smtClean="0"/>
-              <a:t>2020/11/18</a:t>
+              <a:t>2020/11/22</a:t>
             </a:fld>
             <a:endParaRPr kumimoji="1" lang="ja-JP" altLang="en-US"/>
           </a:p>
@@ -2289,7 +2293,7 @@
           <a:p>
             <a:fld id="{5498794B-0F6E-4381-BD9D-5788C27E7ABB}" type="datetimeFigureOut">
               <a:rPr kumimoji="1" lang="ja-JP" altLang="en-US" smtClean="0"/>
-              <a:t>2020/11/18</a:t>
+              <a:t>2020/11/22</a:t>
             </a:fld>
             <a:endParaRPr kumimoji="1" lang="ja-JP" altLang="en-US"/>
           </a:p>
@@ -2765,7 +2769,7 @@
           <a:p>
             <a:fld id="{5498794B-0F6E-4381-BD9D-5788C27E7ABB}" type="datetimeFigureOut">
               <a:rPr kumimoji="1" lang="ja-JP" altLang="en-US" smtClean="0"/>
-              <a:t>2020/11/18</a:t>
+              <a:t>2020/11/22</a:t>
             </a:fld>
             <a:endParaRPr kumimoji="1" lang="ja-JP" altLang="en-US"/>
           </a:p>
@@ -2906,7 +2910,7 @@
           <a:p>
             <a:fld id="{5498794B-0F6E-4381-BD9D-5788C27E7ABB}" type="datetimeFigureOut">
               <a:rPr kumimoji="1" lang="ja-JP" altLang="en-US" smtClean="0"/>
-              <a:t>2020/11/18</a:t>
+              <a:t>2020/11/22</a:t>
             </a:fld>
             <a:endParaRPr kumimoji="1" lang="ja-JP" altLang="en-US"/>
           </a:p>
@@ -3019,7 +3023,7 @@
           <a:p>
             <a:fld id="{5498794B-0F6E-4381-BD9D-5788C27E7ABB}" type="datetimeFigureOut">
               <a:rPr kumimoji="1" lang="ja-JP" altLang="en-US" smtClean="0"/>
-              <a:t>2020/11/18</a:t>
+              <a:t>2020/11/22</a:t>
             </a:fld>
             <a:endParaRPr kumimoji="1" lang="ja-JP" altLang="en-US"/>
           </a:p>
@@ -3362,7 +3366,7 @@
           <a:p>
             <a:fld id="{5498794B-0F6E-4381-BD9D-5788C27E7ABB}" type="datetimeFigureOut">
               <a:rPr kumimoji="1" lang="ja-JP" altLang="en-US" smtClean="0"/>
-              <a:t>2020/11/18</a:t>
+              <a:t>2020/11/22</a:t>
             </a:fld>
             <a:endParaRPr kumimoji="1" lang="ja-JP" altLang="en-US"/>
           </a:p>
@@ -3650,7 +3654,7 @@
           <a:p>
             <a:fld id="{5498794B-0F6E-4381-BD9D-5788C27E7ABB}" type="datetimeFigureOut">
               <a:rPr kumimoji="1" lang="ja-JP" altLang="en-US" smtClean="0"/>
-              <a:t>2020/11/18</a:t>
+              <a:t>2020/11/22</a:t>
             </a:fld>
             <a:endParaRPr kumimoji="1" lang="ja-JP" altLang="en-US"/>
           </a:p>
@@ -3923,7 +3927,7 @@
           <a:p>
             <a:fld id="{5498794B-0F6E-4381-BD9D-5788C27E7ABB}" type="datetimeFigureOut">
               <a:rPr kumimoji="1" lang="ja-JP" altLang="en-US" smtClean="0"/>
-              <a:t>2020/11/18</a:t>
+              <a:t>2020/11/22</a:t>
             </a:fld>
             <a:endParaRPr kumimoji="1" lang="ja-JP" altLang="en-US"/>
           </a:p>

--- a/figs/makeFigs.pptx
+++ b/figs/makeFigs.pptx
@@ -5,7 +5,7 @@
     <p:sldMasterId id="2147483648" r:id="rId1"/>
   </p:sldMasterIdLst>
   <p:notesMasterIdLst>
-    <p:notesMasterId r:id="rId63"/>
+    <p:notesMasterId r:id="rId64"/>
   </p:notesMasterIdLst>
   <p:sldIdLst>
     <p:sldId id="393" r:id="rId2"/>
@@ -35,40 +35,41 @@
     <p:sldId id="378" r:id="rId26"/>
     <p:sldId id="380" r:id="rId27"/>
     <p:sldId id="381" r:id="rId28"/>
-    <p:sldId id="332" r:id="rId29"/>
-    <p:sldId id="333" r:id="rId30"/>
-    <p:sldId id="330" r:id="rId31"/>
-    <p:sldId id="331" r:id="rId32"/>
-    <p:sldId id="322" r:id="rId33"/>
-    <p:sldId id="337" r:id="rId34"/>
-    <p:sldId id="354" r:id="rId35"/>
-    <p:sldId id="355" r:id="rId36"/>
-    <p:sldId id="356" r:id="rId37"/>
-    <p:sldId id="357" r:id="rId38"/>
-    <p:sldId id="358" r:id="rId39"/>
-    <p:sldId id="359" r:id="rId40"/>
-    <p:sldId id="360" r:id="rId41"/>
-    <p:sldId id="361" r:id="rId42"/>
-    <p:sldId id="362" r:id="rId43"/>
-    <p:sldId id="338" r:id="rId44"/>
-    <p:sldId id="327" r:id="rId45"/>
-    <p:sldId id="328" r:id="rId46"/>
-    <p:sldId id="329" r:id="rId47"/>
-    <p:sldId id="363" r:id="rId48"/>
-    <p:sldId id="365" r:id="rId49"/>
-    <p:sldId id="370" r:id="rId50"/>
-    <p:sldId id="366" r:id="rId51"/>
-    <p:sldId id="367" r:id="rId52"/>
-    <p:sldId id="368" r:id="rId53"/>
-    <p:sldId id="371" r:id="rId54"/>
-    <p:sldId id="369" r:id="rId55"/>
-    <p:sldId id="372" r:id="rId56"/>
-    <p:sldId id="326" r:id="rId57"/>
-    <p:sldId id="311" r:id="rId58"/>
-    <p:sldId id="323" r:id="rId59"/>
-    <p:sldId id="321" r:id="rId60"/>
-    <p:sldId id="324" r:id="rId61"/>
-    <p:sldId id="325" r:id="rId62"/>
+    <p:sldId id="399" r:id="rId29"/>
+    <p:sldId id="332" r:id="rId30"/>
+    <p:sldId id="333" r:id="rId31"/>
+    <p:sldId id="330" r:id="rId32"/>
+    <p:sldId id="331" r:id="rId33"/>
+    <p:sldId id="322" r:id="rId34"/>
+    <p:sldId id="337" r:id="rId35"/>
+    <p:sldId id="354" r:id="rId36"/>
+    <p:sldId id="355" r:id="rId37"/>
+    <p:sldId id="356" r:id="rId38"/>
+    <p:sldId id="357" r:id="rId39"/>
+    <p:sldId id="358" r:id="rId40"/>
+    <p:sldId id="359" r:id="rId41"/>
+    <p:sldId id="360" r:id="rId42"/>
+    <p:sldId id="361" r:id="rId43"/>
+    <p:sldId id="362" r:id="rId44"/>
+    <p:sldId id="338" r:id="rId45"/>
+    <p:sldId id="327" r:id="rId46"/>
+    <p:sldId id="328" r:id="rId47"/>
+    <p:sldId id="329" r:id="rId48"/>
+    <p:sldId id="363" r:id="rId49"/>
+    <p:sldId id="365" r:id="rId50"/>
+    <p:sldId id="370" r:id="rId51"/>
+    <p:sldId id="366" r:id="rId52"/>
+    <p:sldId id="367" r:id="rId53"/>
+    <p:sldId id="368" r:id="rId54"/>
+    <p:sldId id="371" r:id="rId55"/>
+    <p:sldId id="369" r:id="rId56"/>
+    <p:sldId id="372" r:id="rId57"/>
+    <p:sldId id="326" r:id="rId58"/>
+    <p:sldId id="311" r:id="rId59"/>
+    <p:sldId id="323" r:id="rId60"/>
+    <p:sldId id="321" r:id="rId61"/>
+    <p:sldId id="324" r:id="rId62"/>
+    <p:sldId id="325" r:id="rId63"/>
   </p:sldIdLst>
   <p:sldSz cx="12192000" cy="6858000"/>
   <p:notesSz cx="6858000" cy="9144000"/>
@@ -218,6 +219,11 @@
             <p14:sldId id="378"/>
             <p14:sldId id="380"/>
             <p14:sldId id="381"/>
+          </p14:sldIdLst>
+        </p14:section>
+        <p14:section name="PumpAsTurbine_ex03" id="{283A44DC-06ED-44F1-B57E-0E89C60D661A}">
+          <p14:sldIdLst>
+            <p14:sldId id="399"/>
           </p14:sldIdLst>
         </p14:section>
         <p14:section name="pumpAsTurbine_ex02" id="{8C44810E-A43D-46DF-BAF5-3E9A36C8C302}">
@@ -10351,86 +10357,10 @@
           <a:chExt cx="0" cy="0"/>
         </a:xfrm>
       </p:grpSpPr>
-      <p:pic>
-        <p:nvPicPr>
-          <p:cNvPr id="5" name="図 4">
-            <a:extLst>
-              <a:ext uri="{FF2B5EF4-FFF2-40B4-BE49-F238E27FC236}">
-                <a16:creationId xmlns:a16="http://schemas.microsoft.com/office/drawing/2014/main" id="{F40256F8-9584-41E5-ACD5-AA57ECDBCBBC}"/>
-              </a:ext>
-            </a:extLst>
-          </p:cNvPr>
-          <p:cNvPicPr>
-            <a:picLocks noChangeAspect="1"/>
-          </p:cNvPicPr>
-          <p:nvPr/>
-        </p:nvPicPr>
-        <p:blipFill>
-          <a:blip r:embed="rId2"/>
-          <a:stretch>
-            <a:fillRect/>
-          </a:stretch>
-        </p:blipFill>
-        <p:spPr>
-          <a:xfrm>
-            <a:off x="2039639" y="0"/>
-            <a:ext cx="8112722" cy="6858000"/>
-          </a:xfrm>
-          <a:prstGeom prst="rect">
-            <a:avLst/>
-          </a:prstGeom>
-        </p:spPr>
-      </p:pic>
-      <p:sp>
-        <p:nvSpPr>
-          <p:cNvPr id="3" name="テキスト ボックス 2">
-            <a:extLst>
-              <a:ext uri="{FF2B5EF4-FFF2-40B4-BE49-F238E27FC236}">
-                <a16:creationId xmlns:a16="http://schemas.microsoft.com/office/drawing/2014/main" id="{ABC8D612-4C8F-40D2-9EE2-D80AEAE98A25}"/>
-              </a:ext>
-            </a:extLst>
-          </p:cNvPr>
-          <p:cNvSpPr txBox="1"/>
-          <p:nvPr/>
-        </p:nvSpPr>
-        <p:spPr>
-          <a:xfrm>
-            <a:off x="78153" y="0"/>
-            <a:ext cx="4079632" cy="461665"/>
-          </a:xfrm>
-          <a:prstGeom prst="rect">
-            <a:avLst/>
-          </a:prstGeom>
-          <a:noFill/>
-        </p:spPr>
-        <p:txBody>
-          <a:bodyPr wrap="square" rtlCol="0">
-            <a:spAutoFit/>
-          </a:bodyPr>
-          <a:lstStyle/>
-          <a:p>
-            <a:r>
-              <a:rPr lang="en-US" altLang="ja-JP" sz="2400" dirty="0">
-                <a:solidFill>
-                  <a:srgbClr val="000000"/>
-                </a:solidFill>
-                <a:effectLst/>
-                <a:latin typeface="Times New Roman" panose="02020603050405020304" pitchFamily="18" charset="0"/>
-                <a:cs typeface="Times New Roman" panose="02020603050405020304" pitchFamily="18" charset="0"/>
-              </a:rPr>
-              <a:t>PumpAsTurbine_ex02</a:t>
-            </a:r>
-            <a:endParaRPr kumimoji="1" lang="ja-JP" altLang="en-US" sz="2400" dirty="0">
-              <a:latin typeface="Times New Roman" panose="02020603050405020304" pitchFamily="18" charset="0"/>
-              <a:cs typeface="Times New Roman" panose="02020603050405020304" pitchFamily="18" charset="0"/>
-            </a:endParaRPr>
-          </a:p>
-        </p:txBody>
-      </p:sp>
     </p:spTree>
     <p:extLst>
       <p:ext uri="{BB962C8B-B14F-4D97-AF65-F5344CB8AC3E}">
-        <p14:creationId xmlns:p14="http://schemas.microsoft.com/office/powerpoint/2010/main" val="547396864"/>
+        <p14:creationId xmlns:p14="http://schemas.microsoft.com/office/powerpoint/2010/main" val="3009764931"/>
       </p:ext>
     </p:extLst>
   </p:cSld>
@@ -10459,10 +10389,10 @@
       </p:grpSpPr>
       <p:pic>
         <p:nvPicPr>
-          <p:cNvPr id="3" name="図 2">
-            <a:extLst>
-              <a:ext uri="{FF2B5EF4-FFF2-40B4-BE49-F238E27FC236}">
-                <a16:creationId xmlns:a16="http://schemas.microsoft.com/office/drawing/2014/main" id="{638963D9-2164-4F16-88FB-56F16AFC13F2}"/>
+          <p:cNvPr id="5" name="図 4">
+            <a:extLst>
+              <a:ext uri="{FF2B5EF4-FFF2-40B4-BE49-F238E27FC236}">
+                <a16:creationId xmlns:a16="http://schemas.microsoft.com/office/drawing/2014/main" id="{F40256F8-9584-41E5-ACD5-AA57ECDBCBBC}"/>
               </a:ext>
             </a:extLst>
           </p:cNvPr>
@@ -10487,10 +10417,56 @@
           </a:prstGeom>
         </p:spPr>
       </p:pic>
+      <p:sp>
+        <p:nvSpPr>
+          <p:cNvPr id="3" name="テキスト ボックス 2">
+            <a:extLst>
+              <a:ext uri="{FF2B5EF4-FFF2-40B4-BE49-F238E27FC236}">
+                <a16:creationId xmlns:a16="http://schemas.microsoft.com/office/drawing/2014/main" id="{ABC8D612-4C8F-40D2-9EE2-D80AEAE98A25}"/>
+              </a:ext>
+            </a:extLst>
+          </p:cNvPr>
+          <p:cNvSpPr txBox="1"/>
+          <p:nvPr/>
+        </p:nvSpPr>
+        <p:spPr>
+          <a:xfrm>
+            <a:off x="78153" y="0"/>
+            <a:ext cx="4079632" cy="461665"/>
+          </a:xfrm>
+          <a:prstGeom prst="rect">
+            <a:avLst/>
+          </a:prstGeom>
+          <a:noFill/>
+        </p:spPr>
+        <p:txBody>
+          <a:bodyPr wrap="square" rtlCol="0">
+            <a:spAutoFit/>
+          </a:bodyPr>
+          <a:lstStyle/>
+          <a:p>
+            <a:r>
+              <a:rPr lang="en-US" altLang="ja-JP" sz="2400" dirty="0">
+                <a:solidFill>
+                  <a:srgbClr val="000000"/>
+                </a:solidFill>
+                <a:effectLst/>
+                <a:latin typeface="Times New Roman" panose="02020603050405020304" pitchFamily="18" charset="0"/>
+                <a:cs typeface="Times New Roman" panose="02020603050405020304" pitchFamily="18" charset="0"/>
+              </a:rPr>
+              <a:t>PumpAsTurbine_ex02</a:t>
+            </a:r>
+            <a:endParaRPr kumimoji="1" lang="ja-JP" altLang="en-US" sz="2400" dirty="0">
+              <a:latin typeface="Times New Roman" panose="02020603050405020304" pitchFamily="18" charset="0"/>
+              <a:cs typeface="Times New Roman" panose="02020603050405020304" pitchFamily="18" charset="0"/>
+            </a:endParaRPr>
+          </a:p>
+        </p:txBody>
+      </p:sp>
     </p:spTree>
     <p:extLst>
       <p:ext uri="{BB962C8B-B14F-4D97-AF65-F5344CB8AC3E}">
-        <p14:creationId xmlns:p14="http://schemas.microsoft.com/office/powerpoint/2010/main" val="3437108536"/>
+        <p14:creationId xmlns:p14="http://schemas.microsoft.com/office/powerpoint/2010/main" val="547396864"/>
       </p:ext>
     </p:extLst>
   </p:cSld>
@@ -10976,10 +10952,10 @@
       </p:grpSpPr>
       <p:pic>
         <p:nvPicPr>
-          <p:cNvPr id="5" name="図 4">
-            <a:extLst>
-              <a:ext uri="{FF2B5EF4-FFF2-40B4-BE49-F238E27FC236}">
-                <a16:creationId xmlns:a16="http://schemas.microsoft.com/office/drawing/2014/main" id="{1861CB12-90A6-42DE-A22D-8963E3B6B5F0}"/>
+          <p:cNvPr id="3" name="図 2">
+            <a:extLst>
+              <a:ext uri="{FF2B5EF4-FFF2-40B4-BE49-F238E27FC236}">
+                <a16:creationId xmlns:a16="http://schemas.microsoft.com/office/drawing/2014/main" id="{638963D9-2164-4F16-88FB-56F16AFC13F2}"/>
               </a:ext>
             </a:extLst>
           </p:cNvPr>
@@ -10996,64 +10972,18 @@
         </p:blipFill>
         <p:spPr>
           <a:xfrm>
-            <a:off x="1985486" y="0"/>
-            <a:ext cx="8221027" cy="6858000"/>
+            <a:off x="2039639" y="0"/>
+            <a:ext cx="8112722" cy="6858000"/>
           </a:xfrm>
           <a:prstGeom prst="rect">
             <a:avLst/>
           </a:prstGeom>
         </p:spPr>
       </p:pic>
-      <p:sp>
-        <p:nvSpPr>
-          <p:cNvPr id="3" name="テキスト ボックス 2">
-            <a:extLst>
-              <a:ext uri="{FF2B5EF4-FFF2-40B4-BE49-F238E27FC236}">
-                <a16:creationId xmlns:a16="http://schemas.microsoft.com/office/drawing/2014/main" id="{24ADC03F-BFEC-4049-9726-538FCD7B5E67}"/>
-              </a:ext>
-            </a:extLst>
-          </p:cNvPr>
-          <p:cNvSpPr txBox="1"/>
-          <p:nvPr/>
-        </p:nvSpPr>
-        <p:spPr>
-          <a:xfrm>
-            <a:off x="78153" y="0"/>
-            <a:ext cx="4079632" cy="461665"/>
-          </a:xfrm>
-          <a:prstGeom prst="rect">
-            <a:avLst/>
-          </a:prstGeom>
-          <a:noFill/>
-        </p:spPr>
-        <p:txBody>
-          <a:bodyPr wrap="square" rtlCol="0">
-            <a:spAutoFit/>
-          </a:bodyPr>
-          <a:lstStyle/>
-          <a:p>
-            <a:r>
-              <a:rPr lang="en-US" altLang="ja-JP" sz="2400" dirty="0">
-                <a:solidFill>
-                  <a:srgbClr val="000000"/>
-                </a:solidFill>
-                <a:effectLst/>
-                <a:latin typeface="Times New Roman" panose="02020603050405020304" pitchFamily="18" charset="0"/>
-                <a:cs typeface="Times New Roman" panose="02020603050405020304" pitchFamily="18" charset="0"/>
-              </a:rPr>
-              <a:t>PumpAsTurbine_ex01</a:t>
-            </a:r>
-            <a:endParaRPr kumimoji="1" lang="ja-JP" altLang="en-US" sz="2400" dirty="0">
-              <a:latin typeface="Times New Roman" panose="02020603050405020304" pitchFamily="18" charset="0"/>
-              <a:cs typeface="Times New Roman" panose="02020603050405020304" pitchFamily="18" charset="0"/>
-            </a:endParaRPr>
-          </a:p>
-        </p:txBody>
-      </p:sp>
     </p:spTree>
     <p:extLst>
       <p:ext uri="{BB962C8B-B14F-4D97-AF65-F5344CB8AC3E}">
-        <p14:creationId xmlns:p14="http://schemas.microsoft.com/office/powerpoint/2010/main" val="3258820415"/>
+        <p14:creationId xmlns:p14="http://schemas.microsoft.com/office/powerpoint/2010/main" val="3437108536"/>
       </p:ext>
     </p:extLst>
   </p:cSld>
@@ -11082,10 +11012,10 @@
       </p:grpSpPr>
       <p:pic>
         <p:nvPicPr>
-          <p:cNvPr id="3" name="図 2">
-            <a:extLst>
-              <a:ext uri="{FF2B5EF4-FFF2-40B4-BE49-F238E27FC236}">
-                <a16:creationId xmlns:a16="http://schemas.microsoft.com/office/drawing/2014/main" id="{2848B27E-D4AC-4CD0-81CF-025BAB9F3594}"/>
+          <p:cNvPr id="5" name="図 4">
+            <a:extLst>
+              <a:ext uri="{FF2B5EF4-FFF2-40B4-BE49-F238E27FC236}">
+                <a16:creationId xmlns:a16="http://schemas.microsoft.com/office/drawing/2014/main" id="{1861CB12-90A6-42DE-A22D-8963E3B6B5F0}"/>
               </a:ext>
             </a:extLst>
           </p:cNvPr>
@@ -11110,10 +11040,56 @@
           </a:prstGeom>
         </p:spPr>
       </p:pic>
+      <p:sp>
+        <p:nvSpPr>
+          <p:cNvPr id="3" name="テキスト ボックス 2">
+            <a:extLst>
+              <a:ext uri="{FF2B5EF4-FFF2-40B4-BE49-F238E27FC236}">
+                <a16:creationId xmlns:a16="http://schemas.microsoft.com/office/drawing/2014/main" id="{24ADC03F-BFEC-4049-9726-538FCD7B5E67}"/>
+              </a:ext>
+            </a:extLst>
+          </p:cNvPr>
+          <p:cNvSpPr txBox="1"/>
+          <p:nvPr/>
+        </p:nvSpPr>
+        <p:spPr>
+          <a:xfrm>
+            <a:off x="78153" y="0"/>
+            <a:ext cx="4079632" cy="461665"/>
+          </a:xfrm>
+          <a:prstGeom prst="rect">
+            <a:avLst/>
+          </a:prstGeom>
+          <a:noFill/>
+        </p:spPr>
+        <p:txBody>
+          <a:bodyPr wrap="square" rtlCol="0">
+            <a:spAutoFit/>
+          </a:bodyPr>
+          <a:lstStyle/>
+          <a:p>
+            <a:r>
+              <a:rPr lang="en-US" altLang="ja-JP" sz="2400" dirty="0">
+                <a:solidFill>
+                  <a:srgbClr val="000000"/>
+                </a:solidFill>
+                <a:effectLst/>
+                <a:latin typeface="Times New Roman" panose="02020603050405020304" pitchFamily="18" charset="0"/>
+                <a:cs typeface="Times New Roman" panose="02020603050405020304" pitchFamily="18" charset="0"/>
+              </a:rPr>
+              <a:t>PumpAsTurbine_ex01</a:t>
+            </a:r>
+            <a:endParaRPr kumimoji="1" lang="ja-JP" altLang="en-US" sz="2400" dirty="0">
+              <a:latin typeface="Times New Roman" panose="02020603050405020304" pitchFamily="18" charset="0"/>
+              <a:cs typeface="Times New Roman" panose="02020603050405020304" pitchFamily="18" charset="0"/>
+            </a:endParaRPr>
+          </a:p>
+        </p:txBody>
+      </p:sp>
     </p:spTree>
     <p:extLst>
       <p:ext uri="{BB962C8B-B14F-4D97-AF65-F5344CB8AC3E}">
-        <p14:creationId xmlns:p14="http://schemas.microsoft.com/office/powerpoint/2010/main" val="2043835998"/>
+        <p14:creationId xmlns:p14="http://schemas.microsoft.com/office/powerpoint/2010/main" val="3258820415"/>
       </p:ext>
     </p:extLst>
   </p:cSld>
@@ -11142,10 +11118,10 @@
       </p:grpSpPr>
       <p:pic>
         <p:nvPicPr>
-          <p:cNvPr id="4" name="図 3">
-            <a:extLst>
-              <a:ext uri="{FF2B5EF4-FFF2-40B4-BE49-F238E27FC236}">
-                <a16:creationId xmlns:a16="http://schemas.microsoft.com/office/drawing/2014/main" id="{5D3325F5-F4C4-4B5F-9E64-423C10E29EF0}"/>
+          <p:cNvPr id="3" name="図 2">
+            <a:extLst>
+              <a:ext uri="{FF2B5EF4-FFF2-40B4-BE49-F238E27FC236}">
+                <a16:creationId xmlns:a16="http://schemas.microsoft.com/office/drawing/2014/main" id="{2848B27E-D4AC-4CD0-81CF-025BAB9F3594}"/>
               </a:ext>
             </a:extLst>
           </p:cNvPr>
@@ -11162,64 +11138,18 @@
         </p:blipFill>
         <p:spPr>
           <a:xfrm>
-            <a:off x="2810435" y="0"/>
-            <a:ext cx="6571129" cy="6858000"/>
+            <a:off x="1985486" y="0"/>
+            <a:ext cx="8221027" cy="6858000"/>
           </a:xfrm>
           <a:prstGeom prst="rect">
             <a:avLst/>
           </a:prstGeom>
         </p:spPr>
       </p:pic>
-      <p:sp>
-        <p:nvSpPr>
-          <p:cNvPr id="5" name="テキスト ボックス 4">
-            <a:extLst>
-              <a:ext uri="{FF2B5EF4-FFF2-40B4-BE49-F238E27FC236}">
-                <a16:creationId xmlns:a16="http://schemas.microsoft.com/office/drawing/2014/main" id="{E0B1F0B5-68C3-450F-8CFE-1A08DC3E4321}"/>
-              </a:ext>
-            </a:extLst>
-          </p:cNvPr>
-          <p:cNvSpPr txBox="1"/>
-          <p:nvPr/>
-        </p:nvSpPr>
-        <p:spPr>
-          <a:xfrm>
-            <a:off x="78153" y="0"/>
-            <a:ext cx="4079632" cy="461665"/>
-          </a:xfrm>
-          <a:prstGeom prst="rect">
-            <a:avLst/>
-          </a:prstGeom>
-          <a:noFill/>
-        </p:spPr>
-        <p:txBody>
-          <a:bodyPr wrap="square" rtlCol="0">
-            <a:spAutoFit/>
-          </a:bodyPr>
-          <a:lstStyle/>
-          <a:p>
-            <a:r>
-              <a:rPr lang="en-US" altLang="ja-JP" sz="2400" dirty="0">
-                <a:solidFill>
-                  <a:srgbClr val="000000"/>
-                </a:solidFill>
-                <a:effectLst/>
-                <a:latin typeface="Times New Roman" panose="02020603050405020304" pitchFamily="18" charset="0"/>
-                <a:cs typeface="Times New Roman" panose="02020603050405020304" pitchFamily="18" charset="0"/>
-              </a:rPr>
-              <a:t>pumpingSystem_ex01</a:t>
-            </a:r>
-            <a:endParaRPr kumimoji="1" lang="ja-JP" altLang="en-US" sz="2400" dirty="0">
-              <a:latin typeface="Times New Roman" panose="02020603050405020304" pitchFamily="18" charset="0"/>
-              <a:cs typeface="Times New Roman" panose="02020603050405020304" pitchFamily="18" charset="0"/>
-            </a:endParaRPr>
-          </a:p>
-        </p:txBody>
-      </p:sp>
     </p:spTree>
     <p:extLst>
       <p:ext uri="{BB962C8B-B14F-4D97-AF65-F5344CB8AC3E}">
-        <p14:creationId xmlns:p14="http://schemas.microsoft.com/office/powerpoint/2010/main" val="2560259924"/>
+        <p14:creationId xmlns:p14="http://schemas.microsoft.com/office/powerpoint/2010/main" val="2043835998"/>
       </p:ext>
     </p:extLst>
   </p:cSld>
@@ -11248,10 +11178,10 @@
       </p:grpSpPr>
       <p:pic>
         <p:nvPicPr>
-          <p:cNvPr id="6" name="図 5">
-            <a:extLst>
-              <a:ext uri="{FF2B5EF4-FFF2-40B4-BE49-F238E27FC236}">
-                <a16:creationId xmlns:a16="http://schemas.microsoft.com/office/drawing/2014/main" id="{197FE4A2-CECE-4678-9D50-C0D4D68EFF40}"/>
+          <p:cNvPr id="4" name="図 3">
+            <a:extLst>
+              <a:ext uri="{FF2B5EF4-FFF2-40B4-BE49-F238E27FC236}">
+                <a16:creationId xmlns:a16="http://schemas.microsoft.com/office/drawing/2014/main" id="{5D3325F5-F4C4-4B5F-9E64-423C10E29EF0}"/>
               </a:ext>
             </a:extLst>
           </p:cNvPr>
@@ -11278,10 +11208,10 @@
       </p:pic>
       <p:sp>
         <p:nvSpPr>
-          <p:cNvPr id="4" name="テキスト ボックス 3">
-            <a:extLst>
-              <a:ext uri="{FF2B5EF4-FFF2-40B4-BE49-F238E27FC236}">
-                <a16:creationId xmlns:a16="http://schemas.microsoft.com/office/drawing/2014/main" id="{5F2603BE-C6ED-49A0-9F6B-69D6FCCE22D3}"/>
+          <p:cNvPr id="5" name="テキスト ボックス 4">
+            <a:extLst>
+              <a:ext uri="{FF2B5EF4-FFF2-40B4-BE49-F238E27FC236}">
+                <a16:creationId xmlns:a16="http://schemas.microsoft.com/office/drawing/2014/main" id="{E0B1F0B5-68C3-450F-8CFE-1A08DC3E4321}"/>
               </a:ext>
             </a:extLst>
           </p:cNvPr>
@@ -11290,408 +11220,42 @@
         </p:nvSpPr>
         <p:spPr>
           <a:xfrm>
-            <a:off x="6861907" y="988297"/>
-            <a:ext cx="1374866" cy="567313"/>
+            <a:off x="78153" y="0"/>
+            <a:ext cx="4079632" cy="461665"/>
           </a:xfrm>
           <a:prstGeom prst="rect">
             <a:avLst/>
           </a:prstGeom>
-          <a:solidFill>
-            <a:srgbClr val="92D050">
-              <a:alpha val="60000"/>
-            </a:srgbClr>
-          </a:solidFill>
-          <a:ln>
-            <a:solidFill>
-              <a:schemeClr val="tx1"/>
-            </a:solidFill>
-          </a:ln>
+          <a:noFill/>
         </p:spPr>
         <p:txBody>
           <a:bodyPr wrap="square" rtlCol="0">
-            <a:noAutofit/>
+            <a:spAutoFit/>
           </a:bodyPr>
           <a:lstStyle/>
           <a:p>
             <a:r>
-              <a:rPr lang="en-US" altLang="ja-JP" sz="907" dirty="0">
-                <a:latin typeface="ＭＳ Ｐゴシック" panose="020B0600070205080204" pitchFamily="50" charset="-128"/>
-                <a:ea typeface="ＭＳ Ｐゴシック" panose="020B0600070205080204" pitchFamily="50" charset="-128"/>
-                <a:cs typeface="Arial" panose="020B0604020202020204" pitchFamily="34" charset="0"/>
-              </a:rPr>
-              <a:t>Pipe= Flow resistance.</a:t>
-            </a:r>
-          </a:p>
-          <a:p>
-            <a:r>
-              <a:rPr lang="en-US" altLang="ja-JP" sz="907" dirty="0">
-                <a:latin typeface="ＭＳ Ｐゴシック" panose="020B0600070205080204" pitchFamily="50" charset="-128"/>
-                <a:ea typeface="ＭＳ Ｐゴシック" panose="020B0600070205080204" pitchFamily="50" charset="-128"/>
-                <a:cs typeface="Arial" panose="020B0604020202020204" pitchFamily="34" charset="0"/>
-              </a:rPr>
-              <a:t>-. Fluid pressure drops through it.</a:t>
-            </a:r>
+              <a:rPr lang="en-US" altLang="ja-JP" sz="2400" dirty="0">
+                <a:solidFill>
+                  <a:srgbClr val="000000"/>
+                </a:solidFill>
+                <a:effectLst/>
+                <a:latin typeface="Times New Roman" panose="02020603050405020304" pitchFamily="18" charset="0"/>
+                <a:cs typeface="Times New Roman" panose="02020603050405020304" pitchFamily="18" charset="0"/>
+              </a:rPr>
+              <a:t>pumpingSystem_ex01</a:t>
+            </a:r>
+            <a:endParaRPr kumimoji="1" lang="ja-JP" altLang="en-US" sz="2400" dirty="0">
+              <a:latin typeface="Times New Roman" panose="02020603050405020304" pitchFamily="18" charset="0"/>
+              <a:cs typeface="Times New Roman" panose="02020603050405020304" pitchFamily="18" charset="0"/>
+            </a:endParaRPr>
           </a:p>
         </p:txBody>
       </p:sp>
-      <p:cxnSp>
-        <p:nvCxnSpPr>
-          <p:cNvPr id="5" name="直線矢印コネクタ 4">
-            <a:extLst>
-              <a:ext uri="{FF2B5EF4-FFF2-40B4-BE49-F238E27FC236}">
-                <a16:creationId xmlns:a16="http://schemas.microsoft.com/office/drawing/2014/main" id="{C79E121F-F0CC-4F90-98F0-169835AA5651}"/>
-              </a:ext>
-            </a:extLst>
-          </p:cNvPr>
-          <p:cNvCxnSpPr>
-            <a:cxnSpLocks/>
-            <a:stCxn id="4" idx="2"/>
-          </p:cNvCxnSpPr>
-          <p:nvPr/>
-        </p:nvCxnSpPr>
-        <p:spPr>
-          <a:xfrm>
-            <a:off x="7549340" y="1555610"/>
-            <a:ext cx="187891" cy="859344"/>
-          </a:xfrm>
-          <a:prstGeom prst="straightConnector1">
-            <a:avLst/>
-          </a:prstGeom>
-          <a:ln w="12700">
-            <a:solidFill>
-              <a:schemeClr val="tx1"/>
-            </a:solidFill>
-            <a:tailEnd type="oval"/>
-          </a:ln>
-        </p:spPr>
-        <p:style>
-          <a:lnRef idx="1">
-            <a:schemeClr val="accent1"/>
-          </a:lnRef>
-          <a:fillRef idx="0">
-            <a:schemeClr val="accent1"/>
-          </a:fillRef>
-          <a:effectRef idx="0">
-            <a:schemeClr val="accent1"/>
-          </a:effectRef>
-          <a:fontRef idx="minor">
-            <a:schemeClr val="tx1"/>
-          </a:fontRef>
-        </p:style>
-      </p:cxnSp>
-      <p:sp>
-        <p:nvSpPr>
-          <p:cNvPr id="8" name="テキスト ボックス 7">
-            <a:extLst>
-              <a:ext uri="{FF2B5EF4-FFF2-40B4-BE49-F238E27FC236}">
-                <a16:creationId xmlns:a16="http://schemas.microsoft.com/office/drawing/2014/main" id="{7FAA0FFC-04E5-4EAC-9A25-E150537C5562}"/>
-              </a:ext>
-            </a:extLst>
-          </p:cNvPr>
-          <p:cNvSpPr txBox="1"/>
-          <p:nvPr/>
-        </p:nvSpPr>
-        <p:spPr>
-          <a:xfrm>
-            <a:off x="6033798" y="5018733"/>
-            <a:ext cx="1374866" cy="401236"/>
-          </a:xfrm>
-          <a:prstGeom prst="rect">
-            <a:avLst/>
-          </a:prstGeom>
-          <a:solidFill>
-            <a:srgbClr val="92D050">
-              <a:alpha val="60000"/>
-            </a:srgbClr>
-          </a:solidFill>
-          <a:ln>
-            <a:solidFill>
-              <a:schemeClr val="tx1"/>
-            </a:solidFill>
-          </a:ln>
-        </p:spPr>
-        <p:txBody>
-          <a:bodyPr wrap="square" rtlCol="0">
-            <a:noAutofit/>
-          </a:bodyPr>
-          <a:lstStyle/>
-          <a:p>
-            <a:r>
-              <a:rPr lang="en-US" altLang="ja-JP" sz="907" dirty="0">
-                <a:latin typeface="ＭＳ Ｐゴシック" panose="020B0600070205080204" pitchFamily="50" charset="-128"/>
-                <a:ea typeface="ＭＳ Ｐゴシック" panose="020B0600070205080204" pitchFamily="50" charset="-128"/>
-                <a:cs typeface="Arial" panose="020B0604020202020204" pitchFamily="34" charset="0"/>
-              </a:rPr>
-              <a:t>Measure fluid power of pump.</a:t>
-            </a:r>
-          </a:p>
-        </p:txBody>
-      </p:sp>
-      <p:sp>
-        <p:nvSpPr>
-          <p:cNvPr id="10" name="テキスト ボックス 9">
-            <a:extLst>
-              <a:ext uri="{FF2B5EF4-FFF2-40B4-BE49-F238E27FC236}">
-                <a16:creationId xmlns:a16="http://schemas.microsoft.com/office/drawing/2014/main" id="{E9500157-EF71-48A7-8469-97D78802371A}"/>
-              </a:ext>
-            </a:extLst>
-          </p:cNvPr>
-          <p:cNvSpPr txBox="1"/>
-          <p:nvPr/>
-        </p:nvSpPr>
-        <p:spPr>
-          <a:xfrm>
-            <a:off x="6033798" y="5799016"/>
-            <a:ext cx="1374866" cy="617416"/>
-          </a:xfrm>
-          <a:prstGeom prst="rect">
-            <a:avLst/>
-          </a:prstGeom>
-          <a:solidFill>
-            <a:srgbClr val="92D050">
-              <a:alpha val="60000"/>
-            </a:srgbClr>
-          </a:solidFill>
-          <a:ln>
-            <a:solidFill>
-              <a:schemeClr val="tx1"/>
-            </a:solidFill>
-          </a:ln>
-        </p:spPr>
-        <p:txBody>
-          <a:bodyPr wrap="square" rtlCol="0">
-            <a:noAutofit/>
-          </a:bodyPr>
-          <a:lstStyle/>
-          <a:p>
-            <a:r>
-              <a:rPr lang="en-US" altLang="ja-JP" sz="907" dirty="0">
-                <a:latin typeface="ＭＳ Ｐゴシック" panose="020B0600070205080204" pitchFamily="50" charset="-128"/>
-                <a:ea typeface="ＭＳ Ｐゴシック" panose="020B0600070205080204" pitchFamily="50" charset="-128"/>
-                <a:cs typeface="Arial" panose="020B0604020202020204" pitchFamily="34" charset="0"/>
-              </a:rPr>
-              <a:t>Figure out mechanical power supplied to pump.</a:t>
-            </a:r>
-          </a:p>
-          <a:p>
-            <a:r>
-              <a:rPr lang="en-US" altLang="ja-JP" sz="907" dirty="0">
-                <a:latin typeface="ＭＳ Ｐゴシック" panose="020B0600070205080204" pitchFamily="50" charset="-128"/>
-                <a:ea typeface="ＭＳ Ｐゴシック" panose="020B0600070205080204" pitchFamily="50" charset="-128"/>
-                <a:cs typeface="Arial" panose="020B0604020202020204" pitchFamily="34" charset="0"/>
-              </a:rPr>
-              <a:t> = (fluid power) / eff.</a:t>
-            </a:r>
-          </a:p>
-        </p:txBody>
-      </p:sp>
-      <p:cxnSp>
-        <p:nvCxnSpPr>
-          <p:cNvPr id="11" name="直線矢印コネクタ 10">
-            <a:extLst>
-              <a:ext uri="{FF2B5EF4-FFF2-40B4-BE49-F238E27FC236}">
-                <a16:creationId xmlns:a16="http://schemas.microsoft.com/office/drawing/2014/main" id="{46BF62F1-8DDC-4421-BF53-C1DC87F7D5DF}"/>
-              </a:ext>
-            </a:extLst>
-          </p:cNvPr>
-          <p:cNvCxnSpPr>
-            <a:cxnSpLocks/>
-            <a:stCxn id="8" idx="1"/>
-          </p:cNvCxnSpPr>
-          <p:nvPr/>
-        </p:nvCxnSpPr>
-        <p:spPr>
-          <a:xfrm flipH="1">
-            <a:off x="5330092" y="5219351"/>
-            <a:ext cx="703706" cy="138097"/>
-          </a:xfrm>
-          <a:prstGeom prst="straightConnector1">
-            <a:avLst/>
-          </a:prstGeom>
-          <a:ln w="12700">
-            <a:solidFill>
-              <a:schemeClr val="tx1"/>
-            </a:solidFill>
-            <a:tailEnd type="oval"/>
-          </a:ln>
-        </p:spPr>
-        <p:style>
-          <a:lnRef idx="1">
-            <a:schemeClr val="accent1"/>
-          </a:lnRef>
-          <a:fillRef idx="0">
-            <a:schemeClr val="accent1"/>
-          </a:fillRef>
-          <a:effectRef idx="0">
-            <a:schemeClr val="accent1"/>
-          </a:effectRef>
-          <a:fontRef idx="minor">
-            <a:schemeClr val="tx1"/>
-          </a:fontRef>
-        </p:style>
-      </p:cxnSp>
-      <p:cxnSp>
-        <p:nvCxnSpPr>
-          <p:cNvPr id="12" name="直線矢印コネクタ 11">
-            <a:extLst>
-              <a:ext uri="{FF2B5EF4-FFF2-40B4-BE49-F238E27FC236}">
-                <a16:creationId xmlns:a16="http://schemas.microsoft.com/office/drawing/2014/main" id="{BC8563B2-B9B1-4ED6-9473-819DEA91980F}"/>
-              </a:ext>
-            </a:extLst>
-          </p:cNvPr>
-          <p:cNvCxnSpPr>
-            <a:cxnSpLocks/>
-            <a:stCxn id="10" idx="1"/>
-          </p:cNvCxnSpPr>
-          <p:nvPr/>
-        </p:nvCxnSpPr>
-        <p:spPr>
-          <a:xfrm flipH="1">
-            <a:off x="5197231" y="6107724"/>
-            <a:ext cx="836567" cy="0"/>
-          </a:xfrm>
-          <a:prstGeom prst="straightConnector1">
-            <a:avLst/>
-          </a:prstGeom>
-          <a:ln w="12700">
-            <a:solidFill>
-              <a:schemeClr val="tx1"/>
-            </a:solidFill>
-            <a:tailEnd type="oval"/>
-          </a:ln>
-        </p:spPr>
-        <p:style>
-          <a:lnRef idx="1">
-            <a:schemeClr val="accent1"/>
-          </a:lnRef>
-          <a:fillRef idx="0">
-            <a:schemeClr val="accent1"/>
-          </a:fillRef>
-          <a:effectRef idx="0">
-            <a:schemeClr val="accent1"/>
-          </a:effectRef>
-          <a:fontRef idx="minor">
-            <a:schemeClr val="tx1"/>
-          </a:fontRef>
-        </p:style>
-      </p:cxnSp>
-      <p:sp>
-        <p:nvSpPr>
-          <p:cNvPr id="18" name="テキスト ボックス 17">
-            <a:extLst>
-              <a:ext uri="{FF2B5EF4-FFF2-40B4-BE49-F238E27FC236}">
-                <a16:creationId xmlns:a16="http://schemas.microsoft.com/office/drawing/2014/main" id="{85FC3F84-DD89-40C6-98E7-A31B1E002E04}"/>
-              </a:ext>
-            </a:extLst>
-          </p:cNvPr>
-          <p:cNvSpPr txBox="1"/>
-          <p:nvPr/>
-        </p:nvSpPr>
-        <p:spPr>
-          <a:xfrm>
-            <a:off x="4841630" y="1070708"/>
-            <a:ext cx="1582616" cy="687749"/>
-          </a:xfrm>
-          <a:prstGeom prst="rect">
-            <a:avLst/>
-          </a:prstGeom>
-          <a:solidFill>
-            <a:srgbClr val="92D050">
-              <a:alpha val="60000"/>
-            </a:srgbClr>
-          </a:solidFill>
-          <a:ln>
-            <a:solidFill>
-              <a:schemeClr val="tx1"/>
-            </a:solidFill>
-          </a:ln>
-        </p:spPr>
-        <p:txBody>
-          <a:bodyPr wrap="square" rtlCol="0">
-            <a:noAutofit/>
-          </a:bodyPr>
-          <a:lstStyle/>
-          <a:p>
-            <a:r>
-              <a:rPr lang="en-US" altLang="ja-JP" sz="907" dirty="0">
-                <a:latin typeface="ＭＳ Ｐゴシック" panose="020B0600070205080204" pitchFamily="50" charset="-128"/>
-                <a:ea typeface="ＭＳ Ｐゴシック" panose="020B0600070205080204" pitchFamily="50" charset="-128"/>
-                <a:cs typeface="Arial" panose="020B0604020202020204" pitchFamily="34" charset="0"/>
-              </a:rPr>
-              <a:t>Centrifugal pump</a:t>
-            </a:r>
-          </a:p>
-          <a:p>
-            <a:r>
-              <a:rPr lang="en-US" altLang="ja-JP" sz="907" dirty="0">
-                <a:latin typeface="ＭＳ Ｐゴシック" panose="020B0600070205080204" pitchFamily="50" charset="-128"/>
-                <a:ea typeface="ＭＳ Ｐゴシック" panose="020B0600070205080204" pitchFamily="50" charset="-128"/>
-                <a:cs typeface="Arial" panose="020B0604020202020204" pitchFamily="34" charset="0"/>
-              </a:rPr>
-              <a:t>-. Constant efficiency.</a:t>
-            </a:r>
-          </a:p>
-          <a:p>
-            <a:r>
-              <a:rPr lang="en-US" altLang="ja-JP" sz="907" dirty="0">
-                <a:latin typeface="ＭＳ Ｐゴシック" panose="020B0600070205080204" pitchFamily="50" charset="-128"/>
-                <a:ea typeface="ＭＳ Ｐゴシック" panose="020B0600070205080204" pitchFamily="50" charset="-128"/>
-                <a:cs typeface="Arial" panose="020B0604020202020204" pitchFamily="34" charset="0"/>
-              </a:rPr>
-              <a:t>-. Mechanical interface is rotational speed signal.</a:t>
-            </a:r>
-          </a:p>
-        </p:txBody>
-      </p:sp>
-      <p:cxnSp>
-        <p:nvCxnSpPr>
-          <p:cNvPr id="19" name="直線矢印コネクタ 18">
-            <a:extLst>
-              <a:ext uri="{FF2B5EF4-FFF2-40B4-BE49-F238E27FC236}">
-                <a16:creationId xmlns:a16="http://schemas.microsoft.com/office/drawing/2014/main" id="{21414CA1-4114-4107-8A9E-08DFB5D574D4}"/>
-              </a:ext>
-            </a:extLst>
-          </p:cNvPr>
-          <p:cNvCxnSpPr>
-            <a:cxnSpLocks/>
-            <a:stCxn id="18" idx="2"/>
-          </p:cNvCxnSpPr>
-          <p:nvPr/>
-        </p:nvCxnSpPr>
-        <p:spPr>
-          <a:xfrm flipH="1">
-            <a:off x="4841632" y="1758457"/>
-            <a:ext cx="791306" cy="819640"/>
-          </a:xfrm>
-          <a:prstGeom prst="straightConnector1">
-            <a:avLst/>
-          </a:prstGeom>
-          <a:ln w="12700">
-            <a:solidFill>
-              <a:schemeClr val="tx1"/>
-            </a:solidFill>
-            <a:tailEnd type="oval"/>
-          </a:ln>
-        </p:spPr>
-        <p:style>
-          <a:lnRef idx="1">
-            <a:schemeClr val="accent1"/>
-          </a:lnRef>
-          <a:fillRef idx="0">
-            <a:schemeClr val="accent1"/>
-          </a:fillRef>
-          <a:effectRef idx="0">
-            <a:schemeClr val="accent1"/>
-          </a:effectRef>
-          <a:fontRef idx="minor">
-            <a:schemeClr val="tx1"/>
-          </a:fontRef>
-        </p:style>
-      </p:cxnSp>
     </p:spTree>
     <p:extLst>
       <p:ext uri="{BB962C8B-B14F-4D97-AF65-F5344CB8AC3E}">
-        <p14:creationId xmlns:p14="http://schemas.microsoft.com/office/powerpoint/2010/main" val="3899844548"/>
+        <p14:creationId xmlns:p14="http://schemas.microsoft.com/office/powerpoint/2010/main" val="2560259924"/>
       </p:ext>
     </p:extLst>
   </p:cSld>
@@ -11720,10 +11284,10 @@
       </p:grpSpPr>
       <p:pic>
         <p:nvPicPr>
-          <p:cNvPr id="5" name="図 4">
-            <a:extLst>
-              <a:ext uri="{FF2B5EF4-FFF2-40B4-BE49-F238E27FC236}">
-                <a16:creationId xmlns:a16="http://schemas.microsoft.com/office/drawing/2014/main" id="{151B9725-43FF-498D-9691-DC981022F103}"/>
+          <p:cNvPr id="6" name="図 5">
+            <a:extLst>
+              <a:ext uri="{FF2B5EF4-FFF2-40B4-BE49-F238E27FC236}">
+                <a16:creationId xmlns:a16="http://schemas.microsoft.com/office/drawing/2014/main" id="{197FE4A2-CECE-4678-9D50-C0D4D68EFF40}"/>
               </a:ext>
             </a:extLst>
           </p:cNvPr>
@@ -11740,8 +11304,8 @@
         </p:blipFill>
         <p:spPr>
           <a:xfrm>
-            <a:off x="2137691" y="773724"/>
-            <a:ext cx="7200000" cy="5470353"/>
+            <a:off x="2810435" y="0"/>
+            <a:ext cx="6571129" cy="6858000"/>
           </a:xfrm>
           <a:prstGeom prst="rect">
             <a:avLst/>
@@ -11750,10 +11314,10 @@
       </p:pic>
       <p:sp>
         <p:nvSpPr>
-          <p:cNvPr id="6" name="テキスト ボックス 5">
-            <a:extLst>
-              <a:ext uri="{FF2B5EF4-FFF2-40B4-BE49-F238E27FC236}">
-                <a16:creationId xmlns:a16="http://schemas.microsoft.com/office/drawing/2014/main" id="{590FD1A6-C84B-4F78-B17B-70C4A2EC5A02}"/>
+          <p:cNvPr id="4" name="テキスト ボックス 3">
+            <a:extLst>
+              <a:ext uri="{FF2B5EF4-FFF2-40B4-BE49-F238E27FC236}">
+                <a16:creationId xmlns:a16="http://schemas.microsoft.com/office/drawing/2014/main" id="{5F2603BE-C6ED-49A0-9F6B-69D6FCCE22D3}"/>
               </a:ext>
             </a:extLst>
           </p:cNvPr>
@@ -11762,17 +11326,16 @@
         </p:nvSpPr>
         <p:spPr>
           <a:xfrm>
-            <a:off x="3526017" y="2215717"/>
-            <a:ext cx="1914473" cy="407083"/>
+            <a:off x="6861907" y="988297"/>
+            <a:ext cx="1374866" cy="567313"/>
           </a:xfrm>
           <a:prstGeom prst="rect">
             <a:avLst/>
           </a:prstGeom>
           <a:solidFill>
-            <a:schemeClr val="accent5">
-              <a:lumMod val="40000"/>
-              <a:lumOff val="60000"/>
-            </a:schemeClr>
+            <a:srgbClr val="92D050">
+              <a:alpha val="60000"/>
+            </a:srgbClr>
           </a:solidFill>
           <a:ln>
             <a:solidFill>
@@ -11792,7 +11355,7 @@
                 <a:ea typeface="ＭＳ Ｐゴシック" panose="020B0600070205080204" pitchFamily="50" charset="-128"/>
                 <a:cs typeface="Arial" panose="020B0604020202020204" pitchFamily="34" charset="0"/>
               </a:rPr>
-              <a:t>Input: </a:t>
+              <a:t>Pipe= Flow resistance.</a:t>
             </a:r>
           </a:p>
           <a:p>
@@ -11802,29 +11365,339 @@
                 <a:ea typeface="ＭＳ Ｐゴシック" panose="020B0600070205080204" pitchFamily="50" charset="-128"/>
                 <a:cs typeface="Arial" panose="020B0604020202020204" pitchFamily="34" charset="0"/>
               </a:rPr>
-              <a:t> mechanical rotary speed of pump.</a:t>
+              <a:t>-. Fluid pressure drops through it.</a:t>
             </a:r>
           </a:p>
         </p:txBody>
       </p:sp>
       <p:cxnSp>
         <p:nvCxnSpPr>
-          <p:cNvPr id="7" name="直線矢印コネクタ 6">
-            <a:extLst>
-              <a:ext uri="{FF2B5EF4-FFF2-40B4-BE49-F238E27FC236}">
-                <a16:creationId xmlns:a16="http://schemas.microsoft.com/office/drawing/2014/main" id="{88384F1C-3373-4685-B928-3D6F7902F320}"/>
+          <p:cNvPr id="5" name="直線矢印コネクタ 4">
+            <a:extLst>
+              <a:ext uri="{FF2B5EF4-FFF2-40B4-BE49-F238E27FC236}">
+                <a16:creationId xmlns:a16="http://schemas.microsoft.com/office/drawing/2014/main" id="{C79E121F-F0CC-4F90-98F0-169835AA5651}"/>
               </a:ext>
             </a:extLst>
           </p:cNvPr>
           <p:cNvCxnSpPr>
             <a:cxnSpLocks/>
+            <a:stCxn id="4" idx="2"/>
           </p:cNvCxnSpPr>
           <p:nvPr/>
         </p:nvCxnSpPr>
         <p:spPr>
           <a:xfrm>
-            <a:off x="4506924" y="2622802"/>
-            <a:ext cx="568379" cy="571738"/>
+            <a:off x="7549340" y="1555610"/>
+            <a:ext cx="187891" cy="859344"/>
+          </a:xfrm>
+          <a:prstGeom prst="straightConnector1">
+            <a:avLst/>
+          </a:prstGeom>
+          <a:ln w="12700">
+            <a:solidFill>
+              <a:schemeClr val="tx1"/>
+            </a:solidFill>
+            <a:tailEnd type="oval"/>
+          </a:ln>
+        </p:spPr>
+        <p:style>
+          <a:lnRef idx="1">
+            <a:schemeClr val="accent1"/>
+          </a:lnRef>
+          <a:fillRef idx="0">
+            <a:schemeClr val="accent1"/>
+          </a:fillRef>
+          <a:effectRef idx="0">
+            <a:schemeClr val="accent1"/>
+          </a:effectRef>
+          <a:fontRef idx="minor">
+            <a:schemeClr val="tx1"/>
+          </a:fontRef>
+        </p:style>
+      </p:cxnSp>
+      <p:sp>
+        <p:nvSpPr>
+          <p:cNvPr id="8" name="テキスト ボックス 7">
+            <a:extLst>
+              <a:ext uri="{FF2B5EF4-FFF2-40B4-BE49-F238E27FC236}">
+                <a16:creationId xmlns:a16="http://schemas.microsoft.com/office/drawing/2014/main" id="{7FAA0FFC-04E5-4EAC-9A25-E150537C5562}"/>
+              </a:ext>
+            </a:extLst>
+          </p:cNvPr>
+          <p:cNvSpPr txBox="1"/>
+          <p:nvPr/>
+        </p:nvSpPr>
+        <p:spPr>
+          <a:xfrm>
+            <a:off x="6033798" y="5018733"/>
+            <a:ext cx="1374866" cy="401236"/>
+          </a:xfrm>
+          <a:prstGeom prst="rect">
+            <a:avLst/>
+          </a:prstGeom>
+          <a:solidFill>
+            <a:srgbClr val="92D050">
+              <a:alpha val="60000"/>
+            </a:srgbClr>
+          </a:solidFill>
+          <a:ln>
+            <a:solidFill>
+              <a:schemeClr val="tx1"/>
+            </a:solidFill>
+          </a:ln>
+        </p:spPr>
+        <p:txBody>
+          <a:bodyPr wrap="square" rtlCol="0">
+            <a:noAutofit/>
+          </a:bodyPr>
+          <a:lstStyle/>
+          <a:p>
+            <a:r>
+              <a:rPr lang="en-US" altLang="ja-JP" sz="907" dirty="0">
+                <a:latin typeface="ＭＳ Ｐゴシック" panose="020B0600070205080204" pitchFamily="50" charset="-128"/>
+                <a:ea typeface="ＭＳ Ｐゴシック" panose="020B0600070205080204" pitchFamily="50" charset="-128"/>
+                <a:cs typeface="Arial" panose="020B0604020202020204" pitchFamily="34" charset="0"/>
+              </a:rPr>
+              <a:t>Measure fluid power of pump.</a:t>
+            </a:r>
+          </a:p>
+        </p:txBody>
+      </p:sp>
+      <p:sp>
+        <p:nvSpPr>
+          <p:cNvPr id="10" name="テキスト ボックス 9">
+            <a:extLst>
+              <a:ext uri="{FF2B5EF4-FFF2-40B4-BE49-F238E27FC236}">
+                <a16:creationId xmlns:a16="http://schemas.microsoft.com/office/drawing/2014/main" id="{E9500157-EF71-48A7-8469-97D78802371A}"/>
+              </a:ext>
+            </a:extLst>
+          </p:cNvPr>
+          <p:cNvSpPr txBox="1"/>
+          <p:nvPr/>
+        </p:nvSpPr>
+        <p:spPr>
+          <a:xfrm>
+            <a:off x="6033798" y="5799016"/>
+            <a:ext cx="1374866" cy="617416"/>
+          </a:xfrm>
+          <a:prstGeom prst="rect">
+            <a:avLst/>
+          </a:prstGeom>
+          <a:solidFill>
+            <a:srgbClr val="92D050">
+              <a:alpha val="60000"/>
+            </a:srgbClr>
+          </a:solidFill>
+          <a:ln>
+            <a:solidFill>
+              <a:schemeClr val="tx1"/>
+            </a:solidFill>
+          </a:ln>
+        </p:spPr>
+        <p:txBody>
+          <a:bodyPr wrap="square" rtlCol="0">
+            <a:noAutofit/>
+          </a:bodyPr>
+          <a:lstStyle/>
+          <a:p>
+            <a:r>
+              <a:rPr lang="en-US" altLang="ja-JP" sz="907" dirty="0">
+                <a:latin typeface="ＭＳ Ｐゴシック" panose="020B0600070205080204" pitchFamily="50" charset="-128"/>
+                <a:ea typeface="ＭＳ Ｐゴシック" panose="020B0600070205080204" pitchFamily="50" charset="-128"/>
+                <a:cs typeface="Arial" panose="020B0604020202020204" pitchFamily="34" charset="0"/>
+              </a:rPr>
+              <a:t>Figure out mechanical power supplied to pump.</a:t>
+            </a:r>
+          </a:p>
+          <a:p>
+            <a:r>
+              <a:rPr lang="en-US" altLang="ja-JP" sz="907" dirty="0">
+                <a:latin typeface="ＭＳ Ｐゴシック" panose="020B0600070205080204" pitchFamily="50" charset="-128"/>
+                <a:ea typeface="ＭＳ Ｐゴシック" panose="020B0600070205080204" pitchFamily="50" charset="-128"/>
+                <a:cs typeface="Arial" panose="020B0604020202020204" pitchFamily="34" charset="0"/>
+              </a:rPr>
+              <a:t> = (fluid power) / eff.</a:t>
+            </a:r>
+          </a:p>
+        </p:txBody>
+      </p:sp>
+      <p:cxnSp>
+        <p:nvCxnSpPr>
+          <p:cNvPr id="11" name="直線矢印コネクタ 10">
+            <a:extLst>
+              <a:ext uri="{FF2B5EF4-FFF2-40B4-BE49-F238E27FC236}">
+                <a16:creationId xmlns:a16="http://schemas.microsoft.com/office/drawing/2014/main" id="{46BF62F1-8DDC-4421-BF53-C1DC87F7D5DF}"/>
+              </a:ext>
+            </a:extLst>
+          </p:cNvPr>
+          <p:cNvCxnSpPr>
+            <a:cxnSpLocks/>
+            <a:stCxn id="8" idx="1"/>
+          </p:cNvCxnSpPr>
+          <p:nvPr/>
+        </p:nvCxnSpPr>
+        <p:spPr>
+          <a:xfrm flipH="1">
+            <a:off x="5330092" y="5219351"/>
+            <a:ext cx="703706" cy="138097"/>
+          </a:xfrm>
+          <a:prstGeom prst="straightConnector1">
+            <a:avLst/>
+          </a:prstGeom>
+          <a:ln w="12700">
+            <a:solidFill>
+              <a:schemeClr val="tx1"/>
+            </a:solidFill>
+            <a:tailEnd type="oval"/>
+          </a:ln>
+        </p:spPr>
+        <p:style>
+          <a:lnRef idx="1">
+            <a:schemeClr val="accent1"/>
+          </a:lnRef>
+          <a:fillRef idx="0">
+            <a:schemeClr val="accent1"/>
+          </a:fillRef>
+          <a:effectRef idx="0">
+            <a:schemeClr val="accent1"/>
+          </a:effectRef>
+          <a:fontRef idx="minor">
+            <a:schemeClr val="tx1"/>
+          </a:fontRef>
+        </p:style>
+      </p:cxnSp>
+      <p:cxnSp>
+        <p:nvCxnSpPr>
+          <p:cNvPr id="12" name="直線矢印コネクタ 11">
+            <a:extLst>
+              <a:ext uri="{FF2B5EF4-FFF2-40B4-BE49-F238E27FC236}">
+                <a16:creationId xmlns:a16="http://schemas.microsoft.com/office/drawing/2014/main" id="{BC8563B2-B9B1-4ED6-9473-819DEA91980F}"/>
+              </a:ext>
+            </a:extLst>
+          </p:cNvPr>
+          <p:cNvCxnSpPr>
+            <a:cxnSpLocks/>
+            <a:stCxn id="10" idx="1"/>
+          </p:cNvCxnSpPr>
+          <p:nvPr/>
+        </p:nvCxnSpPr>
+        <p:spPr>
+          <a:xfrm flipH="1">
+            <a:off x="5197231" y="6107724"/>
+            <a:ext cx="836567" cy="0"/>
+          </a:xfrm>
+          <a:prstGeom prst="straightConnector1">
+            <a:avLst/>
+          </a:prstGeom>
+          <a:ln w="12700">
+            <a:solidFill>
+              <a:schemeClr val="tx1"/>
+            </a:solidFill>
+            <a:tailEnd type="oval"/>
+          </a:ln>
+        </p:spPr>
+        <p:style>
+          <a:lnRef idx="1">
+            <a:schemeClr val="accent1"/>
+          </a:lnRef>
+          <a:fillRef idx="0">
+            <a:schemeClr val="accent1"/>
+          </a:fillRef>
+          <a:effectRef idx="0">
+            <a:schemeClr val="accent1"/>
+          </a:effectRef>
+          <a:fontRef idx="minor">
+            <a:schemeClr val="tx1"/>
+          </a:fontRef>
+        </p:style>
+      </p:cxnSp>
+      <p:sp>
+        <p:nvSpPr>
+          <p:cNvPr id="18" name="テキスト ボックス 17">
+            <a:extLst>
+              <a:ext uri="{FF2B5EF4-FFF2-40B4-BE49-F238E27FC236}">
+                <a16:creationId xmlns:a16="http://schemas.microsoft.com/office/drawing/2014/main" id="{85FC3F84-DD89-40C6-98E7-A31B1E002E04}"/>
+              </a:ext>
+            </a:extLst>
+          </p:cNvPr>
+          <p:cNvSpPr txBox="1"/>
+          <p:nvPr/>
+        </p:nvSpPr>
+        <p:spPr>
+          <a:xfrm>
+            <a:off x="4841630" y="1070708"/>
+            <a:ext cx="1582616" cy="687749"/>
+          </a:xfrm>
+          <a:prstGeom prst="rect">
+            <a:avLst/>
+          </a:prstGeom>
+          <a:solidFill>
+            <a:srgbClr val="92D050">
+              <a:alpha val="60000"/>
+            </a:srgbClr>
+          </a:solidFill>
+          <a:ln>
+            <a:solidFill>
+              <a:schemeClr val="tx1"/>
+            </a:solidFill>
+          </a:ln>
+        </p:spPr>
+        <p:txBody>
+          <a:bodyPr wrap="square" rtlCol="0">
+            <a:noAutofit/>
+          </a:bodyPr>
+          <a:lstStyle/>
+          <a:p>
+            <a:r>
+              <a:rPr lang="en-US" altLang="ja-JP" sz="907" dirty="0">
+                <a:latin typeface="ＭＳ Ｐゴシック" panose="020B0600070205080204" pitchFamily="50" charset="-128"/>
+                <a:ea typeface="ＭＳ Ｐゴシック" panose="020B0600070205080204" pitchFamily="50" charset="-128"/>
+                <a:cs typeface="Arial" panose="020B0604020202020204" pitchFamily="34" charset="0"/>
+              </a:rPr>
+              <a:t>Centrifugal pump</a:t>
+            </a:r>
+          </a:p>
+          <a:p>
+            <a:r>
+              <a:rPr lang="en-US" altLang="ja-JP" sz="907" dirty="0">
+                <a:latin typeface="ＭＳ Ｐゴシック" panose="020B0600070205080204" pitchFamily="50" charset="-128"/>
+                <a:ea typeface="ＭＳ Ｐゴシック" panose="020B0600070205080204" pitchFamily="50" charset="-128"/>
+                <a:cs typeface="Arial" panose="020B0604020202020204" pitchFamily="34" charset="0"/>
+              </a:rPr>
+              <a:t>-. Constant efficiency.</a:t>
+            </a:r>
+          </a:p>
+          <a:p>
+            <a:r>
+              <a:rPr lang="en-US" altLang="ja-JP" sz="907" dirty="0">
+                <a:latin typeface="ＭＳ Ｐゴシック" panose="020B0600070205080204" pitchFamily="50" charset="-128"/>
+                <a:ea typeface="ＭＳ Ｐゴシック" panose="020B0600070205080204" pitchFamily="50" charset="-128"/>
+                <a:cs typeface="Arial" panose="020B0604020202020204" pitchFamily="34" charset="0"/>
+              </a:rPr>
+              <a:t>-. Mechanical interface is rotational speed signal.</a:t>
+            </a:r>
+          </a:p>
+        </p:txBody>
+      </p:sp>
+      <p:cxnSp>
+        <p:nvCxnSpPr>
+          <p:cNvPr id="19" name="直線矢印コネクタ 18">
+            <a:extLst>
+              <a:ext uri="{FF2B5EF4-FFF2-40B4-BE49-F238E27FC236}">
+                <a16:creationId xmlns:a16="http://schemas.microsoft.com/office/drawing/2014/main" id="{21414CA1-4114-4107-8A9E-08DFB5D574D4}"/>
+              </a:ext>
+            </a:extLst>
+          </p:cNvPr>
+          <p:cNvCxnSpPr>
+            <a:cxnSpLocks/>
+            <a:stCxn id="18" idx="2"/>
+          </p:cNvCxnSpPr>
+          <p:nvPr/>
+        </p:nvCxnSpPr>
+        <p:spPr>
+          <a:xfrm flipH="1">
+            <a:off x="4841632" y="1758457"/>
+            <a:ext cx="791306" cy="819640"/>
           </a:xfrm>
           <a:prstGeom prst="straightConnector1">
             <a:avLst/>
@@ -11854,7 +11727,7 @@
     </p:spTree>
     <p:extLst>
       <p:ext uri="{BB962C8B-B14F-4D97-AF65-F5344CB8AC3E}">
-        <p14:creationId xmlns:p14="http://schemas.microsoft.com/office/powerpoint/2010/main" val="738699800"/>
+        <p14:creationId xmlns:p14="http://schemas.microsoft.com/office/powerpoint/2010/main" val="3899844548"/>
       </p:ext>
     </p:extLst>
   </p:cSld>
@@ -11883,10 +11756,10 @@
       </p:grpSpPr>
       <p:pic>
         <p:nvPicPr>
-          <p:cNvPr id="3" name="図 2">
-            <a:extLst>
-              <a:ext uri="{FF2B5EF4-FFF2-40B4-BE49-F238E27FC236}">
-                <a16:creationId xmlns:a16="http://schemas.microsoft.com/office/drawing/2014/main" id="{1C487AC6-F5CF-4F1B-BB9C-F82469CBDAE8}"/>
+          <p:cNvPr id="5" name="図 4">
+            <a:extLst>
+              <a:ext uri="{FF2B5EF4-FFF2-40B4-BE49-F238E27FC236}">
+                <a16:creationId xmlns:a16="http://schemas.microsoft.com/office/drawing/2014/main" id="{151B9725-43FF-498D-9691-DC981022F103}"/>
               </a:ext>
             </a:extLst>
           </p:cNvPr>
@@ -11903,8 +11776,8 @@
         </p:blipFill>
         <p:spPr>
           <a:xfrm>
-            <a:off x="2204970" y="459278"/>
-            <a:ext cx="7200000" cy="5939444"/>
+            <a:off x="2137691" y="773724"/>
+            <a:ext cx="7200000" cy="5470353"/>
           </a:xfrm>
           <a:prstGeom prst="rect">
             <a:avLst/>
@@ -11913,10 +11786,10 @@
       </p:pic>
       <p:sp>
         <p:nvSpPr>
-          <p:cNvPr id="4" name="テキスト ボックス 3">
-            <a:extLst>
-              <a:ext uri="{FF2B5EF4-FFF2-40B4-BE49-F238E27FC236}">
-                <a16:creationId xmlns:a16="http://schemas.microsoft.com/office/drawing/2014/main" id="{1D7B468F-5EC7-48EB-90C5-9937D9CACF18}"/>
+          <p:cNvPr id="6" name="テキスト ボックス 5">
+            <a:extLst>
+              <a:ext uri="{FF2B5EF4-FFF2-40B4-BE49-F238E27FC236}">
+                <a16:creationId xmlns:a16="http://schemas.microsoft.com/office/drawing/2014/main" id="{590FD1A6-C84B-4F78-B17B-70C4A2EC5A02}"/>
               </a:ext>
             </a:extLst>
           </p:cNvPr>
@@ -11925,14 +11798,17 @@
         </p:nvSpPr>
         <p:spPr>
           <a:xfrm>
-            <a:off x="5552675" y="3489843"/>
-            <a:ext cx="1958606" cy="363142"/>
+            <a:off x="3526017" y="2215717"/>
+            <a:ext cx="1914473" cy="407083"/>
           </a:xfrm>
           <a:prstGeom prst="rect">
             <a:avLst/>
           </a:prstGeom>
           <a:solidFill>
-            <a:srgbClr val="FFFF00"/>
+            <a:schemeClr val="accent5">
+              <a:lumMod val="40000"/>
+              <a:lumOff val="60000"/>
+            </a:schemeClr>
           </a:solidFill>
           <a:ln>
             <a:solidFill>
@@ -11947,43 +11823,44 @@
           <a:lstStyle/>
           <a:p>
             <a:r>
-              <a:rPr lang="en-US" altLang="ja-JP" sz="726" dirty="0">
-                <a:latin typeface="Arial" panose="020B0604020202020204" pitchFamily="34" charset="0"/>
+              <a:rPr lang="en-US" altLang="ja-JP" sz="907" dirty="0">
+                <a:latin typeface="ＭＳ Ｐゴシック" panose="020B0600070205080204" pitchFamily="50" charset="-128"/>
+                <a:ea typeface="ＭＳ Ｐゴシック" panose="020B0600070205080204" pitchFamily="50" charset="-128"/>
                 <a:cs typeface="Arial" panose="020B0604020202020204" pitchFamily="34" charset="0"/>
               </a:rPr>
-              <a:t>Output: </a:t>
-            </a:r>
-          </a:p>
-          <a:p>
-            <a:r>
-              <a:rPr lang="en-US" altLang="ja-JP" sz="726" dirty="0">
-                <a:latin typeface="Arial" panose="020B0604020202020204" pitchFamily="34" charset="0"/>
+              <a:t>Input: </a:t>
+            </a:r>
+          </a:p>
+          <a:p>
+            <a:r>
+              <a:rPr lang="en-US" altLang="ja-JP" sz="907" dirty="0">
+                <a:latin typeface="ＭＳ Ｐゴシック" panose="020B0600070205080204" pitchFamily="50" charset="-128"/>
+                <a:ea typeface="ＭＳ Ｐゴシック" panose="020B0600070205080204" pitchFamily="50" charset="-128"/>
                 <a:cs typeface="Arial" panose="020B0604020202020204" pitchFamily="34" charset="0"/>
               </a:rPr>
-              <a:t>Volumetric flow rate through pump. </a:t>
+              <a:t> mechanical rotary speed of pump.</a:t>
             </a:r>
           </a:p>
         </p:txBody>
       </p:sp>
       <p:cxnSp>
         <p:nvCxnSpPr>
-          <p:cNvPr id="5" name="直線矢印コネクタ 4">
-            <a:extLst>
-              <a:ext uri="{FF2B5EF4-FFF2-40B4-BE49-F238E27FC236}">
-                <a16:creationId xmlns:a16="http://schemas.microsoft.com/office/drawing/2014/main" id="{2FEE87B6-ABA6-4740-9A65-4D2DDCCD0247}"/>
+          <p:cNvPr id="7" name="直線矢印コネクタ 6">
+            <a:extLst>
+              <a:ext uri="{FF2B5EF4-FFF2-40B4-BE49-F238E27FC236}">
+                <a16:creationId xmlns:a16="http://schemas.microsoft.com/office/drawing/2014/main" id="{88384F1C-3373-4685-B928-3D6F7902F320}"/>
               </a:ext>
             </a:extLst>
           </p:cNvPr>
           <p:cNvCxnSpPr>
             <a:cxnSpLocks/>
-            <a:stCxn id="4" idx="0"/>
           </p:cNvCxnSpPr>
           <p:nvPr/>
         </p:nvCxnSpPr>
         <p:spPr>
-          <a:xfrm flipH="1" flipV="1">
-            <a:off x="5212862" y="2832237"/>
-            <a:ext cx="1319116" cy="657606"/>
+          <a:xfrm>
+            <a:off x="4506924" y="2622802"/>
+            <a:ext cx="568379" cy="571738"/>
           </a:xfrm>
           <a:prstGeom prst="straightConnector1">
             <a:avLst/>
@@ -12013,7 +11890,7 @@
     </p:spTree>
     <p:extLst>
       <p:ext uri="{BB962C8B-B14F-4D97-AF65-F5344CB8AC3E}">
-        <p14:creationId xmlns:p14="http://schemas.microsoft.com/office/powerpoint/2010/main" val="474860025"/>
+        <p14:creationId xmlns:p14="http://schemas.microsoft.com/office/powerpoint/2010/main" val="738699800"/>
       </p:ext>
     </p:extLst>
   </p:cSld>
@@ -12045,7 +11922,7 @@
           <p:cNvPr id="3" name="図 2">
             <a:extLst>
               <a:ext uri="{FF2B5EF4-FFF2-40B4-BE49-F238E27FC236}">
-                <a16:creationId xmlns:a16="http://schemas.microsoft.com/office/drawing/2014/main" id="{7A25B6AD-23AD-45D7-8FD0-DFC2FDC14A23}"/>
+                <a16:creationId xmlns:a16="http://schemas.microsoft.com/office/drawing/2014/main" id="{1C487AC6-F5CF-4F1B-BB9C-F82469CBDAE8}"/>
               </a:ext>
             </a:extLst>
           </p:cNvPr>
@@ -12062,8 +11939,8 @@
         </p:blipFill>
         <p:spPr>
           <a:xfrm>
-            <a:off x="2346601" y="273538"/>
-            <a:ext cx="7200000" cy="5952000"/>
+            <a:off x="2204970" y="459278"/>
+            <a:ext cx="7200000" cy="5939444"/>
           </a:xfrm>
           <a:prstGeom prst="rect">
             <a:avLst/>
@@ -12075,7 +11952,7 @@
           <p:cNvPr id="4" name="テキスト ボックス 3">
             <a:extLst>
               <a:ext uri="{FF2B5EF4-FFF2-40B4-BE49-F238E27FC236}">
-                <a16:creationId xmlns:a16="http://schemas.microsoft.com/office/drawing/2014/main" id="{BA5D9AE8-CE2D-435D-9B0E-793354633E54}"/>
+                <a16:creationId xmlns:a16="http://schemas.microsoft.com/office/drawing/2014/main" id="{1D7B468F-5EC7-48EB-90C5-9937D9CACF18}"/>
               </a:ext>
             </a:extLst>
           </p:cNvPr>
@@ -12084,8 +11961,8 @@
         </p:nvSpPr>
         <p:spPr>
           <a:xfrm>
-            <a:off x="5880921" y="3653966"/>
-            <a:ext cx="1793787" cy="410034"/>
+            <a:off x="5552675" y="3489843"/>
+            <a:ext cx="1958606" cy="363142"/>
           </a:xfrm>
           <a:prstGeom prst="rect">
             <a:avLst/>
@@ -12119,7 +11996,7 @@
                 <a:latin typeface="Arial" panose="020B0604020202020204" pitchFamily="34" charset="0"/>
                 <a:cs typeface="Arial" panose="020B0604020202020204" pitchFamily="34" charset="0"/>
               </a:rPr>
-              <a:t> pump discharge pressure. </a:t>
+              <a:t>Volumetric flow rate through pump. </a:t>
             </a:r>
           </a:p>
         </p:txBody>
@@ -12129,7 +12006,7 @@
           <p:cNvPr id="5" name="直線矢印コネクタ 4">
             <a:extLst>
               <a:ext uri="{FF2B5EF4-FFF2-40B4-BE49-F238E27FC236}">
-                <a16:creationId xmlns:a16="http://schemas.microsoft.com/office/drawing/2014/main" id="{DF36E8F1-2087-4BE5-8449-36D6BFA5051F}"/>
+                <a16:creationId xmlns:a16="http://schemas.microsoft.com/office/drawing/2014/main" id="{2FEE87B6-ABA6-4740-9A65-4D2DDCCD0247}"/>
               </a:ext>
             </a:extLst>
           </p:cNvPr>
@@ -12141,8 +12018,8 @@
         </p:nvCxnSpPr>
         <p:spPr>
           <a:xfrm flipH="1" flipV="1">
-            <a:off x="5541109" y="2996360"/>
-            <a:ext cx="1236706" cy="657606"/>
+            <a:off x="5212862" y="2832237"/>
+            <a:ext cx="1319116" cy="657606"/>
           </a:xfrm>
           <a:prstGeom prst="straightConnector1">
             <a:avLst/>
@@ -12172,7 +12049,7 @@
     </p:spTree>
     <p:extLst>
       <p:ext uri="{BB962C8B-B14F-4D97-AF65-F5344CB8AC3E}">
-        <p14:creationId xmlns:p14="http://schemas.microsoft.com/office/powerpoint/2010/main" val="1415553495"/>
+        <p14:creationId xmlns:p14="http://schemas.microsoft.com/office/powerpoint/2010/main" val="474860025"/>
       </p:ext>
     </p:extLst>
   </p:cSld>
@@ -12204,7 +12081,7 @@
           <p:cNvPr id="3" name="図 2">
             <a:extLst>
               <a:ext uri="{FF2B5EF4-FFF2-40B4-BE49-F238E27FC236}">
-                <a16:creationId xmlns:a16="http://schemas.microsoft.com/office/drawing/2014/main" id="{5062FAD6-9806-4931-A987-BA4A99AE7E20}"/>
+                <a16:creationId xmlns:a16="http://schemas.microsoft.com/office/drawing/2014/main" id="{7A25B6AD-23AD-45D7-8FD0-DFC2FDC14A23}"/>
               </a:ext>
             </a:extLst>
           </p:cNvPr>
@@ -12221,8 +12098,8 @@
         </p:blipFill>
         <p:spPr>
           <a:xfrm>
-            <a:off x="2339676" y="312617"/>
-            <a:ext cx="7200000" cy="5953279"/>
+            <a:off x="2346601" y="273538"/>
+            <a:ext cx="7200000" cy="5952000"/>
           </a:xfrm>
           <a:prstGeom prst="rect">
             <a:avLst/>
@@ -12234,7 +12111,7 @@
           <p:cNvPr id="4" name="テキスト ボックス 3">
             <a:extLst>
               <a:ext uri="{FF2B5EF4-FFF2-40B4-BE49-F238E27FC236}">
-                <a16:creationId xmlns:a16="http://schemas.microsoft.com/office/drawing/2014/main" id="{F469F08B-5F48-4326-B87C-AFD39A008171}"/>
+                <a16:creationId xmlns:a16="http://schemas.microsoft.com/office/drawing/2014/main" id="{BA5D9AE8-CE2D-435D-9B0E-793354633E54}"/>
               </a:ext>
             </a:extLst>
           </p:cNvPr>
@@ -12244,7 +12121,7 @@
         <p:spPr>
           <a:xfrm>
             <a:off x="5880921" y="3653966"/>
-            <a:ext cx="1958606" cy="503819"/>
+            <a:ext cx="1793787" cy="410034"/>
           </a:xfrm>
           <a:prstGeom prst="rect">
             <a:avLst/>
@@ -12278,7 +12155,7 @@
                 <a:latin typeface="Arial" panose="020B0604020202020204" pitchFamily="34" charset="0"/>
                 <a:cs typeface="Arial" panose="020B0604020202020204" pitchFamily="34" charset="0"/>
               </a:rPr>
-              <a:t>Pump’s volumetric flow rate vs. mechanical rotation speed. </a:t>
+              <a:t> pump discharge pressure. </a:t>
             </a:r>
           </a:p>
         </p:txBody>
@@ -12288,7 +12165,7 @@
           <p:cNvPr id="5" name="直線矢印コネクタ 4">
             <a:extLst>
               <a:ext uri="{FF2B5EF4-FFF2-40B4-BE49-F238E27FC236}">
-                <a16:creationId xmlns:a16="http://schemas.microsoft.com/office/drawing/2014/main" id="{E54D1A40-5CC9-48BB-908A-E7534FBA6F65}"/>
+                <a16:creationId xmlns:a16="http://schemas.microsoft.com/office/drawing/2014/main" id="{DF36E8F1-2087-4BE5-8449-36D6BFA5051F}"/>
               </a:ext>
             </a:extLst>
           </p:cNvPr>
@@ -12300,8 +12177,8 @@
         </p:nvCxnSpPr>
         <p:spPr>
           <a:xfrm flipH="1" flipV="1">
-            <a:off x="5541108" y="2996360"/>
-            <a:ext cx="1319116" cy="657606"/>
+            <a:off x="5541109" y="2996360"/>
+            <a:ext cx="1236706" cy="657606"/>
           </a:xfrm>
           <a:prstGeom prst="straightConnector1">
             <a:avLst/>
@@ -12331,7 +12208,7 @@
     </p:spTree>
     <p:extLst>
       <p:ext uri="{BB962C8B-B14F-4D97-AF65-F5344CB8AC3E}">
-        <p14:creationId xmlns:p14="http://schemas.microsoft.com/office/powerpoint/2010/main" val="2145396475"/>
+        <p14:creationId xmlns:p14="http://schemas.microsoft.com/office/powerpoint/2010/main" val="1415553495"/>
       </p:ext>
     </p:extLst>
   </p:cSld>
@@ -12360,10 +12237,10 @@
       </p:grpSpPr>
       <p:pic>
         <p:nvPicPr>
-          <p:cNvPr id="7" name="図 6">
-            <a:extLst>
-              <a:ext uri="{FF2B5EF4-FFF2-40B4-BE49-F238E27FC236}">
-                <a16:creationId xmlns:a16="http://schemas.microsoft.com/office/drawing/2014/main" id="{03D31450-F6D0-433D-A663-37C0CC25ED04}"/>
+          <p:cNvPr id="3" name="図 2">
+            <a:extLst>
+              <a:ext uri="{FF2B5EF4-FFF2-40B4-BE49-F238E27FC236}">
+                <a16:creationId xmlns:a16="http://schemas.microsoft.com/office/drawing/2014/main" id="{5062FAD6-9806-4931-A987-BA4A99AE7E20}"/>
               </a:ext>
             </a:extLst>
           </p:cNvPr>
@@ -12380,8 +12257,8 @@
         </p:blipFill>
         <p:spPr>
           <a:xfrm>
-            <a:off x="2087095" y="390769"/>
-            <a:ext cx="7200000" cy="5938524"/>
+            <a:off x="2339676" y="312617"/>
+            <a:ext cx="7200000" cy="5953279"/>
           </a:xfrm>
           <a:prstGeom prst="rect">
             <a:avLst/>
@@ -12393,7 +12270,7 @@
           <p:cNvPr id="4" name="テキスト ボックス 3">
             <a:extLst>
               <a:ext uri="{FF2B5EF4-FFF2-40B4-BE49-F238E27FC236}">
-                <a16:creationId xmlns:a16="http://schemas.microsoft.com/office/drawing/2014/main" id="{193DBA5B-7DFA-4C01-ADF9-301D1F62C15D}"/>
+                <a16:creationId xmlns:a16="http://schemas.microsoft.com/office/drawing/2014/main" id="{F469F08B-5F48-4326-B87C-AFD39A008171}"/>
               </a:ext>
             </a:extLst>
           </p:cNvPr>
@@ -12402,8 +12279,8 @@
         </p:nvSpPr>
         <p:spPr>
           <a:xfrm>
-            <a:off x="5919996" y="3653966"/>
-            <a:ext cx="1958606" cy="472557"/>
+            <a:off x="5880921" y="3653966"/>
+            <a:ext cx="1958606" cy="503819"/>
           </a:xfrm>
           <a:prstGeom prst="rect">
             <a:avLst/>
@@ -12437,44 +12314,7 @@
                 <a:latin typeface="Arial" panose="020B0604020202020204" pitchFamily="34" charset="0"/>
                 <a:cs typeface="Arial" panose="020B0604020202020204" pitchFamily="34" charset="0"/>
               </a:rPr>
-              <a:t>-. (</a:t>
-            </a:r>
-            <a:r>
-              <a:rPr lang="en-US" altLang="ja-JP" sz="726" dirty="0" err="1">
-                <a:latin typeface="Arial" panose="020B0604020202020204" pitchFamily="34" charset="0"/>
-                <a:cs typeface="Arial" panose="020B0604020202020204" pitchFamily="34" charset="0"/>
-              </a:rPr>
-              <a:t>pump.V_flow</a:t>
-            </a:r>
-            <a:r>
-              <a:rPr lang="en-US" altLang="ja-JP" sz="726" dirty="0">
-                <a:latin typeface="Arial" panose="020B0604020202020204" pitchFamily="34" charset="0"/>
-                <a:cs typeface="Arial" panose="020B0604020202020204" pitchFamily="34" charset="0"/>
-              </a:rPr>
-              <a:t>)*</a:t>
-            </a:r>
-            <a:r>
-              <a:rPr lang="en-US" altLang="ja-JP" sz="726" dirty="0" err="1">
-                <a:latin typeface="Arial" panose="020B0604020202020204" pitchFamily="34" charset="0"/>
-                <a:cs typeface="Arial" panose="020B0604020202020204" pitchFamily="34" charset="0"/>
-              </a:rPr>
-              <a:t>dP</a:t>
-            </a:r>
-            <a:r>
-              <a:rPr lang="en-US" altLang="ja-JP" sz="726" dirty="0">
-                <a:latin typeface="Arial" panose="020B0604020202020204" pitchFamily="34" charset="0"/>
-                <a:cs typeface="Arial" panose="020B0604020202020204" pitchFamily="34" charset="0"/>
-              </a:rPr>
-              <a:t> </a:t>
-            </a:r>
-          </a:p>
-          <a:p>
-            <a:r>
-              <a:rPr lang="en-US" altLang="ja-JP" sz="726" dirty="0">
-                <a:latin typeface="Arial" panose="020B0604020202020204" pitchFamily="34" charset="0"/>
-                <a:cs typeface="Arial" panose="020B0604020202020204" pitchFamily="34" charset="0"/>
-              </a:rPr>
-              <a:t>-. Increase in “flow power”</a:t>
+              <a:t>Pump’s volumetric flow rate vs. mechanical rotation speed. </a:t>
             </a:r>
           </a:p>
         </p:txBody>
@@ -12484,7 +12324,7 @@
           <p:cNvPr id="5" name="直線矢印コネクタ 4">
             <a:extLst>
               <a:ext uri="{FF2B5EF4-FFF2-40B4-BE49-F238E27FC236}">
-                <a16:creationId xmlns:a16="http://schemas.microsoft.com/office/drawing/2014/main" id="{3DEA03F3-F025-4402-AA40-F83E47CC2D29}"/>
+                <a16:creationId xmlns:a16="http://schemas.microsoft.com/office/drawing/2014/main" id="{E54D1A40-5CC9-48BB-908A-E7534FBA6F65}"/>
               </a:ext>
             </a:extLst>
           </p:cNvPr>
@@ -12496,164 +12336,8 @@
         </p:nvCxnSpPr>
         <p:spPr>
           <a:xfrm flipH="1" flipV="1">
-            <a:off x="5580183" y="2996360"/>
+            <a:off x="5541108" y="2996360"/>
             <a:ext cx="1319116" cy="657606"/>
-          </a:xfrm>
-          <a:prstGeom prst="straightConnector1">
-            <a:avLst/>
-          </a:prstGeom>
-          <a:ln w="12700">
-            <a:solidFill>
-              <a:schemeClr val="tx1"/>
-            </a:solidFill>
-            <a:tailEnd type="oval"/>
-          </a:ln>
-        </p:spPr>
-        <p:style>
-          <a:lnRef idx="1">
-            <a:schemeClr val="accent1"/>
-          </a:lnRef>
-          <a:fillRef idx="0">
-            <a:schemeClr val="accent1"/>
-          </a:fillRef>
-          <a:effectRef idx="0">
-            <a:schemeClr val="accent1"/>
-          </a:effectRef>
-          <a:fontRef idx="minor">
-            <a:schemeClr val="tx1"/>
-          </a:fontRef>
-        </p:style>
-      </p:cxnSp>
-      <p:sp>
-        <p:nvSpPr>
-          <p:cNvPr id="9" name="テキスト ボックス 8">
-            <a:extLst>
-              <a:ext uri="{FF2B5EF4-FFF2-40B4-BE49-F238E27FC236}">
-                <a16:creationId xmlns:a16="http://schemas.microsoft.com/office/drawing/2014/main" id="{54F4D325-B887-4578-B3A6-159D47205E94}"/>
-              </a:ext>
-            </a:extLst>
-          </p:cNvPr>
-          <p:cNvSpPr txBox="1"/>
-          <p:nvPr/>
-        </p:nvSpPr>
-        <p:spPr>
-          <a:xfrm>
-            <a:off x="3053397" y="1352334"/>
-            <a:ext cx="1958606" cy="554619"/>
-          </a:xfrm>
-          <a:prstGeom prst="rect">
-            <a:avLst/>
-          </a:prstGeom>
-          <a:solidFill>
-            <a:srgbClr val="FFFF00"/>
-          </a:solidFill>
-          <a:ln>
-            <a:solidFill>
-              <a:schemeClr val="tx1"/>
-            </a:solidFill>
-          </a:ln>
-        </p:spPr>
-        <p:txBody>
-          <a:bodyPr wrap="square" rtlCol="0">
-            <a:noAutofit/>
-          </a:bodyPr>
-          <a:lstStyle/>
-          <a:p>
-            <a:r>
-              <a:rPr lang="en-US" altLang="ja-JP" sz="726" dirty="0">
-                <a:latin typeface="Arial" panose="020B0604020202020204" pitchFamily="34" charset="0"/>
-                <a:cs typeface="Arial" panose="020B0604020202020204" pitchFamily="34" charset="0"/>
-              </a:rPr>
-              <a:t>Output: </a:t>
-            </a:r>
-          </a:p>
-          <a:p>
-            <a:r>
-              <a:rPr lang="en-US" altLang="ja-JP" sz="726" dirty="0">
-                <a:latin typeface="Arial" panose="020B0604020202020204" pitchFamily="34" charset="0"/>
-                <a:cs typeface="Arial" panose="020B0604020202020204" pitchFamily="34" charset="0"/>
-              </a:rPr>
-              <a:t>-. Mechanical power consumed by pump.</a:t>
-            </a:r>
-          </a:p>
-          <a:p>
-            <a:r>
-              <a:rPr lang="en-US" altLang="ja-JP" sz="726" dirty="0">
-                <a:latin typeface="Arial" panose="020B0604020202020204" pitchFamily="34" charset="0"/>
-                <a:cs typeface="Arial" panose="020B0604020202020204" pitchFamily="34" charset="0"/>
-              </a:rPr>
-              <a:t>-. (</a:t>
-            </a:r>
-            <a:r>
-              <a:rPr lang="en-US" altLang="ja-JP" sz="726" dirty="0" err="1">
-                <a:latin typeface="Arial" panose="020B0604020202020204" pitchFamily="34" charset="0"/>
-                <a:cs typeface="Arial" panose="020B0604020202020204" pitchFamily="34" charset="0"/>
-              </a:rPr>
-              <a:t>pump.V_flow</a:t>
-            </a:r>
-            <a:r>
-              <a:rPr lang="en-US" altLang="ja-JP" sz="726" dirty="0">
-                <a:latin typeface="Arial" panose="020B0604020202020204" pitchFamily="34" charset="0"/>
-                <a:cs typeface="Arial" panose="020B0604020202020204" pitchFamily="34" charset="0"/>
-              </a:rPr>
-              <a:t>)*</a:t>
-            </a:r>
-            <a:r>
-              <a:rPr lang="en-US" altLang="ja-JP" sz="726" dirty="0" err="1">
-                <a:latin typeface="Arial" panose="020B0604020202020204" pitchFamily="34" charset="0"/>
-                <a:cs typeface="Arial" panose="020B0604020202020204" pitchFamily="34" charset="0"/>
-              </a:rPr>
-              <a:t>dP</a:t>
-            </a:r>
-            <a:r>
-              <a:rPr lang="en-US" altLang="ja-JP" sz="726" dirty="0">
-                <a:latin typeface="Arial" panose="020B0604020202020204" pitchFamily="34" charset="0"/>
-                <a:cs typeface="Arial" panose="020B0604020202020204" pitchFamily="34" charset="0"/>
-              </a:rPr>
-              <a:t> / </a:t>
-            </a:r>
-            <a:r>
-              <a:rPr lang="en-US" altLang="ja-JP" sz="726" dirty="0" err="1">
-                <a:latin typeface="Arial" panose="020B0604020202020204" pitchFamily="34" charset="0"/>
-                <a:cs typeface="Arial" panose="020B0604020202020204" pitchFamily="34" charset="0"/>
-              </a:rPr>
-              <a:t>pump.eta</a:t>
-            </a:r>
-            <a:endParaRPr lang="en-US" altLang="ja-JP" sz="726" dirty="0">
-              <a:latin typeface="Arial" panose="020B0604020202020204" pitchFamily="34" charset="0"/>
-              <a:cs typeface="Arial" panose="020B0604020202020204" pitchFamily="34" charset="0"/>
-            </a:endParaRPr>
-          </a:p>
-          <a:p>
-            <a:r>
-              <a:rPr lang="en-US" altLang="ja-JP" sz="726" dirty="0">
-                <a:latin typeface="Arial" panose="020B0604020202020204" pitchFamily="34" charset="0"/>
-                <a:cs typeface="Arial" panose="020B0604020202020204" pitchFamily="34" charset="0"/>
-              </a:rPr>
-              <a:t>-. 2 variables are equal.</a:t>
-            </a:r>
-          </a:p>
-        </p:txBody>
-      </p:sp>
-      <p:cxnSp>
-        <p:nvCxnSpPr>
-          <p:cNvPr id="10" name="直線矢印コネクタ 9">
-            <a:extLst>
-              <a:ext uri="{FF2B5EF4-FFF2-40B4-BE49-F238E27FC236}">
-                <a16:creationId xmlns:a16="http://schemas.microsoft.com/office/drawing/2014/main" id="{EEE66A67-3B66-489B-904A-5D83F6C88305}"/>
-              </a:ext>
-            </a:extLst>
-          </p:cNvPr>
-          <p:cNvCxnSpPr>
-            <a:cxnSpLocks/>
-            <a:stCxn id="9" idx="2"/>
-          </p:cNvCxnSpPr>
-          <p:nvPr/>
-        </p:nvCxnSpPr>
-        <p:spPr>
-          <a:xfrm>
-            <a:off x="4032700" y="1906953"/>
-            <a:ext cx="1430254" cy="672124"/>
           </a:xfrm>
           <a:prstGeom prst="straightConnector1">
             <a:avLst/>
@@ -12683,7 +12367,7 @@
     </p:spTree>
     <p:extLst>
       <p:ext uri="{BB962C8B-B14F-4D97-AF65-F5344CB8AC3E}">
-        <p14:creationId xmlns:p14="http://schemas.microsoft.com/office/powerpoint/2010/main" val="1756224762"/>
+        <p14:creationId xmlns:p14="http://schemas.microsoft.com/office/powerpoint/2010/main" val="2145396475"/>
       </p:ext>
     </p:extLst>
   </p:cSld>
@@ -12712,10 +12396,10 @@
       </p:grpSpPr>
       <p:pic>
         <p:nvPicPr>
-          <p:cNvPr id="3" name="図 2">
-            <a:extLst>
-              <a:ext uri="{FF2B5EF4-FFF2-40B4-BE49-F238E27FC236}">
-                <a16:creationId xmlns:a16="http://schemas.microsoft.com/office/drawing/2014/main" id="{2BE978F4-586D-475D-B704-968E807F853A}"/>
+          <p:cNvPr id="7" name="図 6">
+            <a:extLst>
+              <a:ext uri="{FF2B5EF4-FFF2-40B4-BE49-F238E27FC236}">
+                <a16:creationId xmlns:a16="http://schemas.microsoft.com/office/drawing/2014/main" id="{03D31450-F6D0-433D-A663-37C0CC25ED04}"/>
               </a:ext>
             </a:extLst>
           </p:cNvPr>
@@ -12732,8 +12416,8 @@
         </p:blipFill>
         <p:spPr>
           <a:xfrm>
-            <a:off x="2153882" y="296984"/>
-            <a:ext cx="7200000" cy="5955828"/>
+            <a:off x="2087095" y="390769"/>
+            <a:ext cx="7200000" cy="5938524"/>
           </a:xfrm>
           <a:prstGeom prst="rect">
             <a:avLst/>
@@ -12745,7 +12429,7 @@
           <p:cNvPr id="4" name="テキスト ボックス 3">
             <a:extLst>
               <a:ext uri="{FF2B5EF4-FFF2-40B4-BE49-F238E27FC236}">
-                <a16:creationId xmlns:a16="http://schemas.microsoft.com/office/drawing/2014/main" id="{E1764FBC-F0DE-408B-948F-FB08C41F07B5}"/>
+                <a16:creationId xmlns:a16="http://schemas.microsoft.com/office/drawing/2014/main" id="{193DBA5B-7DFA-4C01-ADF9-301D1F62C15D}"/>
               </a:ext>
             </a:extLst>
           </p:cNvPr>
@@ -12754,8 +12438,8 @@
         </p:nvSpPr>
         <p:spPr>
           <a:xfrm>
-            <a:off x="6435813" y="4505843"/>
-            <a:ext cx="1958606" cy="462788"/>
+            <a:off x="5919996" y="3653966"/>
+            <a:ext cx="1958606" cy="472557"/>
           </a:xfrm>
           <a:prstGeom prst="rect">
             <a:avLst/>
@@ -12789,7 +12473,44 @@
                 <a:latin typeface="Arial" panose="020B0604020202020204" pitchFamily="34" charset="0"/>
                 <a:cs typeface="Arial" panose="020B0604020202020204" pitchFamily="34" charset="0"/>
               </a:rPr>
-              <a:t> mechanical power consumption of pump vs. mechanical rotation speed.</a:t>
+              <a:t>-. (</a:t>
+            </a:r>
+            <a:r>
+              <a:rPr lang="en-US" altLang="ja-JP" sz="726" dirty="0" err="1">
+                <a:latin typeface="Arial" panose="020B0604020202020204" pitchFamily="34" charset="0"/>
+                <a:cs typeface="Arial" panose="020B0604020202020204" pitchFamily="34" charset="0"/>
+              </a:rPr>
+              <a:t>pump.V_flow</a:t>
+            </a:r>
+            <a:r>
+              <a:rPr lang="en-US" altLang="ja-JP" sz="726" dirty="0">
+                <a:latin typeface="Arial" panose="020B0604020202020204" pitchFamily="34" charset="0"/>
+                <a:cs typeface="Arial" panose="020B0604020202020204" pitchFamily="34" charset="0"/>
+              </a:rPr>
+              <a:t>)*</a:t>
+            </a:r>
+            <a:r>
+              <a:rPr lang="en-US" altLang="ja-JP" sz="726" dirty="0" err="1">
+                <a:latin typeface="Arial" panose="020B0604020202020204" pitchFamily="34" charset="0"/>
+                <a:cs typeface="Arial" panose="020B0604020202020204" pitchFamily="34" charset="0"/>
+              </a:rPr>
+              <a:t>dP</a:t>
+            </a:r>
+            <a:r>
+              <a:rPr lang="en-US" altLang="ja-JP" sz="726" dirty="0">
+                <a:latin typeface="Arial" panose="020B0604020202020204" pitchFamily="34" charset="0"/>
+                <a:cs typeface="Arial" panose="020B0604020202020204" pitchFamily="34" charset="0"/>
+              </a:rPr>
+              <a:t> </a:t>
+            </a:r>
+          </a:p>
+          <a:p>
+            <a:r>
+              <a:rPr lang="en-US" altLang="ja-JP" sz="726" dirty="0">
+                <a:latin typeface="Arial" panose="020B0604020202020204" pitchFamily="34" charset="0"/>
+                <a:cs typeface="Arial" panose="020B0604020202020204" pitchFamily="34" charset="0"/>
+              </a:rPr>
+              <a:t>-. Increase in “flow power”</a:t>
             </a:r>
           </a:p>
         </p:txBody>
@@ -12799,7 +12520,7 @@
           <p:cNvPr id="5" name="直線矢印コネクタ 4">
             <a:extLst>
               <a:ext uri="{FF2B5EF4-FFF2-40B4-BE49-F238E27FC236}">
-                <a16:creationId xmlns:a16="http://schemas.microsoft.com/office/drawing/2014/main" id="{84091E39-0270-4BCC-8230-3AC2404CB003}"/>
+                <a16:creationId xmlns:a16="http://schemas.microsoft.com/office/drawing/2014/main" id="{3DEA03F3-F025-4402-AA40-F83E47CC2D29}"/>
               </a:ext>
             </a:extLst>
           </p:cNvPr>
@@ -12811,8 +12532,164 @@
         </p:nvCxnSpPr>
         <p:spPr>
           <a:xfrm flipH="1" flipV="1">
-            <a:off x="6096000" y="3848237"/>
+            <a:off x="5580183" y="2996360"/>
             <a:ext cx="1319116" cy="657606"/>
+          </a:xfrm>
+          <a:prstGeom prst="straightConnector1">
+            <a:avLst/>
+          </a:prstGeom>
+          <a:ln w="12700">
+            <a:solidFill>
+              <a:schemeClr val="tx1"/>
+            </a:solidFill>
+            <a:tailEnd type="oval"/>
+          </a:ln>
+        </p:spPr>
+        <p:style>
+          <a:lnRef idx="1">
+            <a:schemeClr val="accent1"/>
+          </a:lnRef>
+          <a:fillRef idx="0">
+            <a:schemeClr val="accent1"/>
+          </a:fillRef>
+          <a:effectRef idx="0">
+            <a:schemeClr val="accent1"/>
+          </a:effectRef>
+          <a:fontRef idx="minor">
+            <a:schemeClr val="tx1"/>
+          </a:fontRef>
+        </p:style>
+      </p:cxnSp>
+      <p:sp>
+        <p:nvSpPr>
+          <p:cNvPr id="9" name="テキスト ボックス 8">
+            <a:extLst>
+              <a:ext uri="{FF2B5EF4-FFF2-40B4-BE49-F238E27FC236}">
+                <a16:creationId xmlns:a16="http://schemas.microsoft.com/office/drawing/2014/main" id="{54F4D325-B887-4578-B3A6-159D47205E94}"/>
+              </a:ext>
+            </a:extLst>
+          </p:cNvPr>
+          <p:cNvSpPr txBox="1"/>
+          <p:nvPr/>
+        </p:nvSpPr>
+        <p:spPr>
+          <a:xfrm>
+            <a:off x="3053397" y="1352334"/>
+            <a:ext cx="1958606" cy="554619"/>
+          </a:xfrm>
+          <a:prstGeom prst="rect">
+            <a:avLst/>
+          </a:prstGeom>
+          <a:solidFill>
+            <a:srgbClr val="FFFF00"/>
+          </a:solidFill>
+          <a:ln>
+            <a:solidFill>
+              <a:schemeClr val="tx1"/>
+            </a:solidFill>
+          </a:ln>
+        </p:spPr>
+        <p:txBody>
+          <a:bodyPr wrap="square" rtlCol="0">
+            <a:noAutofit/>
+          </a:bodyPr>
+          <a:lstStyle/>
+          <a:p>
+            <a:r>
+              <a:rPr lang="en-US" altLang="ja-JP" sz="726" dirty="0">
+                <a:latin typeface="Arial" panose="020B0604020202020204" pitchFamily="34" charset="0"/>
+                <a:cs typeface="Arial" panose="020B0604020202020204" pitchFamily="34" charset="0"/>
+              </a:rPr>
+              <a:t>Output: </a:t>
+            </a:r>
+          </a:p>
+          <a:p>
+            <a:r>
+              <a:rPr lang="en-US" altLang="ja-JP" sz="726" dirty="0">
+                <a:latin typeface="Arial" panose="020B0604020202020204" pitchFamily="34" charset="0"/>
+                <a:cs typeface="Arial" panose="020B0604020202020204" pitchFamily="34" charset="0"/>
+              </a:rPr>
+              <a:t>-. Mechanical power consumed by pump.</a:t>
+            </a:r>
+          </a:p>
+          <a:p>
+            <a:r>
+              <a:rPr lang="en-US" altLang="ja-JP" sz="726" dirty="0">
+                <a:latin typeface="Arial" panose="020B0604020202020204" pitchFamily="34" charset="0"/>
+                <a:cs typeface="Arial" panose="020B0604020202020204" pitchFamily="34" charset="0"/>
+              </a:rPr>
+              <a:t>-. (</a:t>
+            </a:r>
+            <a:r>
+              <a:rPr lang="en-US" altLang="ja-JP" sz="726" dirty="0" err="1">
+                <a:latin typeface="Arial" panose="020B0604020202020204" pitchFamily="34" charset="0"/>
+                <a:cs typeface="Arial" panose="020B0604020202020204" pitchFamily="34" charset="0"/>
+              </a:rPr>
+              <a:t>pump.V_flow</a:t>
+            </a:r>
+            <a:r>
+              <a:rPr lang="en-US" altLang="ja-JP" sz="726" dirty="0">
+                <a:latin typeface="Arial" panose="020B0604020202020204" pitchFamily="34" charset="0"/>
+                <a:cs typeface="Arial" panose="020B0604020202020204" pitchFamily="34" charset="0"/>
+              </a:rPr>
+              <a:t>)*</a:t>
+            </a:r>
+            <a:r>
+              <a:rPr lang="en-US" altLang="ja-JP" sz="726" dirty="0" err="1">
+                <a:latin typeface="Arial" panose="020B0604020202020204" pitchFamily="34" charset="0"/>
+                <a:cs typeface="Arial" panose="020B0604020202020204" pitchFamily="34" charset="0"/>
+              </a:rPr>
+              <a:t>dP</a:t>
+            </a:r>
+            <a:r>
+              <a:rPr lang="en-US" altLang="ja-JP" sz="726" dirty="0">
+                <a:latin typeface="Arial" panose="020B0604020202020204" pitchFamily="34" charset="0"/>
+                <a:cs typeface="Arial" panose="020B0604020202020204" pitchFamily="34" charset="0"/>
+              </a:rPr>
+              <a:t> / </a:t>
+            </a:r>
+            <a:r>
+              <a:rPr lang="en-US" altLang="ja-JP" sz="726" dirty="0" err="1">
+                <a:latin typeface="Arial" panose="020B0604020202020204" pitchFamily="34" charset="0"/>
+                <a:cs typeface="Arial" panose="020B0604020202020204" pitchFamily="34" charset="0"/>
+              </a:rPr>
+              <a:t>pump.eta</a:t>
+            </a:r>
+            <a:endParaRPr lang="en-US" altLang="ja-JP" sz="726" dirty="0">
+              <a:latin typeface="Arial" panose="020B0604020202020204" pitchFamily="34" charset="0"/>
+              <a:cs typeface="Arial" panose="020B0604020202020204" pitchFamily="34" charset="0"/>
+            </a:endParaRPr>
+          </a:p>
+          <a:p>
+            <a:r>
+              <a:rPr lang="en-US" altLang="ja-JP" sz="726" dirty="0">
+                <a:latin typeface="Arial" panose="020B0604020202020204" pitchFamily="34" charset="0"/>
+                <a:cs typeface="Arial" panose="020B0604020202020204" pitchFamily="34" charset="0"/>
+              </a:rPr>
+              <a:t>-. 2 variables are equal.</a:t>
+            </a:r>
+          </a:p>
+        </p:txBody>
+      </p:sp>
+      <p:cxnSp>
+        <p:nvCxnSpPr>
+          <p:cNvPr id="10" name="直線矢印コネクタ 9">
+            <a:extLst>
+              <a:ext uri="{FF2B5EF4-FFF2-40B4-BE49-F238E27FC236}">
+                <a16:creationId xmlns:a16="http://schemas.microsoft.com/office/drawing/2014/main" id="{EEE66A67-3B66-489B-904A-5D83F6C88305}"/>
+              </a:ext>
+            </a:extLst>
+          </p:cNvPr>
+          <p:cNvCxnSpPr>
+            <a:cxnSpLocks/>
+            <a:stCxn id="9" idx="2"/>
+          </p:cNvCxnSpPr>
+          <p:nvPr/>
+        </p:nvCxnSpPr>
+        <p:spPr>
+          <a:xfrm>
+            <a:off x="4032700" y="1906953"/>
+            <a:ext cx="1430254" cy="672124"/>
           </a:xfrm>
           <a:prstGeom prst="straightConnector1">
             <a:avLst/>
@@ -12842,7 +12719,7 @@
     </p:spTree>
     <p:extLst>
       <p:ext uri="{BB962C8B-B14F-4D97-AF65-F5344CB8AC3E}">
-        <p14:creationId xmlns:p14="http://schemas.microsoft.com/office/powerpoint/2010/main" val="4070988130"/>
+        <p14:creationId xmlns:p14="http://schemas.microsoft.com/office/powerpoint/2010/main" val="1756224762"/>
       </p:ext>
     </p:extLst>
   </p:cSld>
@@ -13187,6 +13064,165 @@
       </p:grpSpPr>
       <p:pic>
         <p:nvPicPr>
+          <p:cNvPr id="3" name="図 2">
+            <a:extLst>
+              <a:ext uri="{FF2B5EF4-FFF2-40B4-BE49-F238E27FC236}">
+                <a16:creationId xmlns:a16="http://schemas.microsoft.com/office/drawing/2014/main" id="{2BE978F4-586D-475D-B704-968E807F853A}"/>
+              </a:ext>
+            </a:extLst>
+          </p:cNvPr>
+          <p:cNvPicPr>
+            <a:picLocks noChangeAspect="1"/>
+          </p:cNvPicPr>
+          <p:nvPr/>
+        </p:nvPicPr>
+        <p:blipFill>
+          <a:blip r:embed="rId2"/>
+          <a:stretch>
+            <a:fillRect/>
+          </a:stretch>
+        </p:blipFill>
+        <p:spPr>
+          <a:xfrm>
+            <a:off x="2153882" y="296984"/>
+            <a:ext cx="7200000" cy="5955828"/>
+          </a:xfrm>
+          <a:prstGeom prst="rect">
+            <a:avLst/>
+          </a:prstGeom>
+        </p:spPr>
+      </p:pic>
+      <p:sp>
+        <p:nvSpPr>
+          <p:cNvPr id="4" name="テキスト ボックス 3">
+            <a:extLst>
+              <a:ext uri="{FF2B5EF4-FFF2-40B4-BE49-F238E27FC236}">
+                <a16:creationId xmlns:a16="http://schemas.microsoft.com/office/drawing/2014/main" id="{E1764FBC-F0DE-408B-948F-FB08C41F07B5}"/>
+              </a:ext>
+            </a:extLst>
+          </p:cNvPr>
+          <p:cNvSpPr txBox="1"/>
+          <p:nvPr/>
+        </p:nvSpPr>
+        <p:spPr>
+          <a:xfrm>
+            <a:off x="6435813" y="4505843"/>
+            <a:ext cx="1958606" cy="462788"/>
+          </a:xfrm>
+          <a:prstGeom prst="rect">
+            <a:avLst/>
+          </a:prstGeom>
+          <a:solidFill>
+            <a:srgbClr val="FFFF00"/>
+          </a:solidFill>
+          <a:ln>
+            <a:solidFill>
+              <a:schemeClr val="tx1"/>
+            </a:solidFill>
+          </a:ln>
+        </p:spPr>
+        <p:txBody>
+          <a:bodyPr wrap="square" rtlCol="0">
+            <a:noAutofit/>
+          </a:bodyPr>
+          <a:lstStyle/>
+          <a:p>
+            <a:r>
+              <a:rPr lang="en-US" altLang="ja-JP" sz="726" dirty="0">
+                <a:latin typeface="Arial" panose="020B0604020202020204" pitchFamily="34" charset="0"/>
+                <a:cs typeface="Arial" panose="020B0604020202020204" pitchFamily="34" charset="0"/>
+              </a:rPr>
+              <a:t>Output: </a:t>
+            </a:r>
+          </a:p>
+          <a:p>
+            <a:r>
+              <a:rPr lang="en-US" altLang="ja-JP" sz="726" dirty="0">
+                <a:latin typeface="Arial" panose="020B0604020202020204" pitchFamily="34" charset="0"/>
+                <a:cs typeface="Arial" panose="020B0604020202020204" pitchFamily="34" charset="0"/>
+              </a:rPr>
+              <a:t> mechanical power consumption of pump vs. mechanical rotation speed.</a:t>
+            </a:r>
+          </a:p>
+        </p:txBody>
+      </p:sp>
+      <p:cxnSp>
+        <p:nvCxnSpPr>
+          <p:cNvPr id="5" name="直線矢印コネクタ 4">
+            <a:extLst>
+              <a:ext uri="{FF2B5EF4-FFF2-40B4-BE49-F238E27FC236}">
+                <a16:creationId xmlns:a16="http://schemas.microsoft.com/office/drawing/2014/main" id="{84091E39-0270-4BCC-8230-3AC2404CB003}"/>
+              </a:ext>
+            </a:extLst>
+          </p:cNvPr>
+          <p:cNvCxnSpPr>
+            <a:cxnSpLocks/>
+            <a:stCxn id="4" idx="0"/>
+          </p:cNvCxnSpPr>
+          <p:nvPr/>
+        </p:nvCxnSpPr>
+        <p:spPr>
+          <a:xfrm flipH="1" flipV="1">
+            <a:off x="6096000" y="3848237"/>
+            <a:ext cx="1319116" cy="657606"/>
+          </a:xfrm>
+          <a:prstGeom prst="straightConnector1">
+            <a:avLst/>
+          </a:prstGeom>
+          <a:ln w="12700">
+            <a:solidFill>
+              <a:schemeClr val="tx1"/>
+            </a:solidFill>
+            <a:tailEnd type="oval"/>
+          </a:ln>
+        </p:spPr>
+        <p:style>
+          <a:lnRef idx="1">
+            <a:schemeClr val="accent1"/>
+          </a:lnRef>
+          <a:fillRef idx="0">
+            <a:schemeClr val="accent1"/>
+          </a:fillRef>
+          <a:effectRef idx="0">
+            <a:schemeClr val="accent1"/>
+          </a:effectRef>
+          <a:fontRef idx="minor">
+            <a:schemeClr val="tx1"/>
+          </a:fontRef>
+        </p:style>
+      </p:cxnSp>
+    </p:spTree>
+    <p:extLst>
+      <p:ext uri="{BB962C8B-B14F-4D97-AF65-F5344CB8AC3E}">
+        <p14:creationId xmlns:p14="http://schemas.microsoft.com/office/powerpoint/2010/main" val="4070988130"/>
+      </p:ext>
+    </p:extLst>
+  </p:cSld>
+  <p:clrMapOvr>
+    <a:masterClrMapping/>
+  </p:clrMapOvr>
+</p:sld>
+</file>
+
+<file path=ppt/slides/slide41.xml><?xml version="1.0" encoding="utf-8"?>
+<p:sld xmlns:a="http://schemas.openxmlformats.org/drawingml/2006/main" xmlns:r="http://schemas.openxmlformats.org/officeDocument/2006/relationships" xmlns:p="http://schemas.openxmlformats.org/presentationml/2006/main">
+  <p:cSld>
+    <p:spTree>
+      <p:nvGrpSpPr>
+        <p:cNvPr id="1" name=""/>
+        <p:cNvGrpSpPr/>
+        <p:nvPr/>
+      </p:nvGrpSpPr>
+      <p:grpSpPr>
+        <a:xfrm>
+          <a:off x="0" y="0"/>
+          <a:ext cx="0" cy="0"/>
+          <a:chOff x="0" y="0"/>
+          <a:chExt cx="0" cy="0"/>
+        </a:xfrm>
+      </p:grpSpPr>
+      <p:pic>
+        <p:nvPicPr>
           <p:cNvPr id="4" name="図 3">
             <a:extLst>
               <a:ext uri="{FF2B5EF4-FFF2-40B4-BE49-F238E27FC236}">
@@ -13228,7 +13264,7 @@
 </p:sld>
 </file>
 
-<file path=ppt/slides/slide41.xml><?xml version="1.0" encoding="utf-8"?>
+<file path=ppt/slides/slide42.xml><?xml version="1.0" encoding="utf-8"?>
 <p:sld xmlns:a="http://schemas.openxmlformats.org/drawingml/2006/main" xmlns:r="http://schemas.openxmlformats.org/officeDocument/2006/relationships" xmlns:p="http://schemas.openxmlformats.org/presentationml/2006/main">
   <p:cSld>
     <p:spTree>
@@ -14962,7 +14998,7 @@
 </p:sld>
 </file>
 
-<file path=ppt/slides/slide42.xml><?xml version="1.0" encoding="utf-8"?>
+<file path=ppt/slides/slide43.xml><?xml version="1.0" encoding="utf-8"?>
 <p:sld xmlns:a="http://schemas.openxmlformats.org/drawingml/2006/main" xmlns:r="http://schemas.openxmlformats.org/officeDocument/2006/relationships" xmlns:p="http://schemas.openxmlformats.org/presentationml/2006/main">
   <p:cSld>
     <p:spTree>
@@ -15804,112 +15840,6 @@
 </p:sld>
 </file>
 
-<file path=ppt/slides/slide43.xml><?xml version="1.0" encoding="utf-8"?>
-<p:sld xmlns:a="http://schemas.openxmlformats.org/drawingml/2006/main" xmlns:r="http://schemas.openxmlformats.org/officeDocument/2006/relationships" xmlns:p="http://schemas.openxmlformats.org/presentationml/2006/main">
-  <p:cSld>
-    <p:spTree>
-      <p:nvGrpSpPr>
-        <p:cNvPr id="1" name=""/>
-        <p:cNvGrpSpPr/>
-        <p:nvPr/>
-      </p:nvGrpSpPr>
-      <p:grpSpPr>
-        <a:xfrm>
-          <a:off x="0" y="0"/>
-          <a:ext cx="0" cy="0"/>
-          <a:chOff x="0" y="0"/>
-          <a:chExt cx="0" cy="0"/>
-        </a:xfrm>
-      </p:grpSpPr>
-      <p:pic>
-        <p:nvPicPr>
-          <p:cNvPr id="3" name="図 2">
-            <a:extLst>
-              <a:ext uri="{FF2B5EF4-FFF2-40B4-BE49-F238E27FC236}">
-                <a16:creationId xmlns:a16="http://schemas.microsoft.com/office/drawing/2014/main" id="{54507FFA-AEFE-4C50-B8FE-5D35D2BD6152}"/>
-              </a:ext>
-            </a:extLst>
-          </p:cNvPr>
-          <p:cNvPicPr>
-            <a:picLocks noChangeAspect="1"/>
-          </p:cNvPicPr>
-          <p:nvPr/>
-        </p:nvPicPr>
-        <p:blipFill>
-          <a:blip r:embed="rId2"/>
-          <a:stretch>
-            <a:fillRect/>
-          </a:stretch>
-        </p:blipFill>
-        <p:spPr>
-          <a:xfrm>
-            <a:off x="2468479" y="0"/>
-            <a:ext cx="7255042" cy="6858000"/>
-          </a:xfrm>
-          <a:prstGeom prst="rect">
-            <a:avLst/>
-          </a:prstGeom>
-        </p:spPr>
-      </p:pic>
-      <p:sp>
-        <p:nvSpPr>
-          <p:cNvPr id="5" name="テキスト ボックス 4">
-            <a:extLst>
-              <a:ext uri="{FF2B5EF4-FFF2-40B4-BE49-F238E27FC236}">
-                <a16:creationId xmlns:a16="http://schemas.microsoft.com/office/drawing/2014/main" id="{10C95F8E-27E6-4FA4-9097-5CD1B71BC8C0}"/>
-              </a:ext>
-            </a:extLst>
-          </p:cNvPr>
-          <p:cNvSpPr txBox="1"/>
-          <p:nvPr/>
-        </p:nvSpPr>
-        <p:spPr>
-          <a:xfrm>
-            <a:off x="78153" y="0"/>
-            <a:ext cx="4079632" cy="461665"/>
-          </a:xfrm>
-          <a:prstGeom prst="rect">
-            <a:avLst/>
-          </a:prstGeom>
-          <a:noFill/>
-        </p:spPr>
-        <p:txBody>
-          <a:bodyPr wrap="square" rtlCol="0">
-            <a:spAutoFit/>
-          </a:bodyPr>
-          <a:lstStyle/>
-          <a:p>
-            <a:r>
-              <a:rPr lang="en-US" altLang="ja-JP" sz="2400" dirty="0">
-                <a:solidFill>
-                  <a:srgbClr val="000000"/>
-                </a:solidFill>
-                <a:effectLst/>
-                <a:latin typeface="Times New Roman" panose="02020603050405020304" pitchFamily="18" charset="0"/>
-                <a:cs typeface="Times New Roman" panose="02020603050405020304" pitchFamily="18" charset="0"/>
-              </a:rPr>
-              <a:t>pumpingSystem_ex02</a:t>
-            </a:r>
-            <a:endParaRPr kumimoji="1" lang="ja-JP" altLang="en-US" sz="2400" dirty="0">
-              <a:latin typeface="Times New Roman" panose="02020603050405020304" pitchFamily="18" charset="0"/>
-              <a:cs typeface="Times New Roman" panose="02020603050405020304" pitchFamily="18" charset="0"/>
-            </a:endParaRPr>
-          </a:p>
-        </p:txBody>
-      </p:sp>
-    </p:spTree>
-    <p:extLst>
-      <p:ext uri="{BB962C8B-B14F-4D97-AF65-F5344CB8AC3E}">
-        <p14:creationId xmlns:p14="http://schemas.microsoft.com/office/powerpoint/2010/main" val="1047156367"/>
-      </p:ext>
-    </p:extLst>
-  </p:cSld>
-  <p:clrMapOvr>
-    <a:masterClrMapping/>
-  </p:clrMapOvr>
-</p:sld>
-</file>
-
 <file path=ppt/slides/slide44.xml><?xml version="1.0" encoding="utf-8"?>
 <p:sld xmlns:a="http://schemas.openxmlformats.org/drawingml/2006/main" xmlns:r="http://schemas.openxmlformats.org/officeDocument/2006/relationships" xmlns:p="http://schemas.openxmlformats.org/presentationml/2006/main">
   <p:cSld>
@@ -15932,7 +15862,7 @@
           <p:cNvPr id="3" name="図 2">
             <a:extLst>
               <a:ext uri="{FF2B5EF4-FFF2-40B4-BE49-F238E27FC236}">
-                <a16:creationId xmlns:a16="http://schemas.microsoft.com/office/drawing/2014/main" id="{2E8E4416-F1CB-443C-9585-680D13105DF2}"/>
+                <a16:creationId xmlns:a16="http://schemas.microsoft.com/office/drawing/2014/main" id="{54507FFA-AEFE-4C50-B8FE-5D35D2BD6152}"/>
               </a:ext>
             </a:extLst>
           </p:cNvPr>
@@ -15957,10 +15887,56 @@
           </a:prstGeom>
         </p:spPr>
       </p:pic>
+      <p:sp>
+        <p:nvSpPr>
+          <p:cNvPr id="5" name="テキスト ボックス 4">
+            <a:extLst>
+              <a:ext uri="{FF2B5EF4-FFF2-40B4-BE49-F238E27FC236}">
+                <a16:creationId xmlns:a16="http://schemas.microsoft.com/office/drawing/2014/main" id="{10C95F8E-27E6-4FA4-9097-5CD1B71BC8C0}"/>
+              </a:ext>
+            </a:extLst>
+          </p:cNvPr>
+          <p:cNvSpPr txBox="1"/>
+          <p:nvPr/>
+        </p:nvSpPr>
+        <p:spPr>
+          <a:xfrm>
+            <a:off x="78153" y="0"/>
+            <a:ext cx="4079632" cy="461665"/>
+          </a:xfrm>
+          <a:prstGeom prst="rect">
+            <a:avLst/>
+          </a:prstGeom>
+          <a:noFill/>
+        </p:spPr>
+        <p:txBody>
+          <a:bodyPr wrap="square" rtlCol="0">
+            <a:spAutoFit/>
+          </a:bodyPr>
+          <a:lstStyle/>
+          <a:p>
+            <a:r>
+              <a:rPr lang="en-US" altLang="ja-JP" sz="2400" dirty="0">
+                <a:solidFill>
+                  <a:srgbClr val="000000"/>
+                </a:solidFill>
+                <a:effectLst/>
+                <a:latin typeface="Times New Roman" panose="02020603050405020304" pitchFamily="18" charset="0"/>
+                <a:cs typeface="Times New Roman" panose="02020603050405020304" pitchFamily="18" charset="0"/>
+              </a:rPr>
+              <a:t>pumpingSystem_ex02</a:t>
+            </a:r>
+            <a:endParaRPr kumimoji="1" lang="ja-JP" altLang="en-US" sz="2400" dirty="0">
+              <a:latin typeface="Times New Roman" panose="02020603050405020304" pitchFamily="18" charset="0"/>
+              <a:cs typeface="Times New Roman" panose="02020603050405020304" pitchFamily="18" charset="0"/>
+            </a:endParaRPr>
+          </a:p>
+        </p:txBody>
+      </p:sp>
     </p:spTree>
     <p:extLst>
       <p:ext uri="{BB962C8B-B14F-4D97-AF65-F5344CB8AC3E}">
-        <p14:creationId xmlns:p14="http://schemas.microsoft.com/office/powerpoint/2010/main" val="1883206660"/>
+        <p14:creationId xmlns:p14="http://schemas.microsoft.com/office/powerpoint/2010/main" val="1047156367"/>
       </p:ext>
     </p:extLst>
   </p:cSld>
@@ -15992,7 +15968,7 @@
           <p:cNvPr id="3" name="図 2">
             <a:extLst>
               <a:ext uri="{FF2B5EF4-FFF2-40B4-BE49-F238E27FC236}">
-                <a16:creationId xmlns:a16="http://schemas.microsoft.com/office/drawing/2014/main" id="{61B8F0D8-5E34-4DC1-B93E-6679D631A3F9}"/>
+                <a16:creationId xmlns:a16="http://schemas.microsoft.com/office/drawing/2014/main" id="{2E8E4416-F1CB-443C-9585-680D13105DF2}"/>
               </a:ext>
             </a:extLst>
           </p:cNvPr>
@@ -16009,64 +15985,18 @@
         </p:blipFill>
         <p:spPr>
           <a:xfrm>
-            <a:off x="2012782" y="0"/>
-            <a:ext cx="8166435" cy="6858000"/>
+            <a:off x="2468479" y="0"/>
+            <a:ext cx="7255042" cy="6858000"/>
           </a:xfrm>
           <a:prstGeom prst="rect">
             <a:avLst/>
           </a:prstGeom>
         </p:spPr>
       </p:pic>
-      <p:sp>
-        <p:nvSpPr>
-          <p:cNvPr id="5" name="テキスト ボックス 4">
-            <a:extLst>
-              <a:ext uri="{FF2B5EF4-FFF2-40B4-BE49-F238E27FC236}">
-                <a16:creationId xmlns:a16="http://schemas.microsoft.com/office/drawing/2014/main" id="{1677C04D-C665-45AD-879E-63BB3E2A5148}"/>
-              </a:ext>
-            </a:extLst>
-          </p:cNvPr>
-          <p:cNvSpPr txBox="1"/>
-          <p:nvPr/>
-        </p:nvSpPr>
-        <p:spPr>
-          <a:xfrm>
-            <a:off x="78153" y="0"/>
-            <a:ext cx="4079632" cy="461665"/>
-          </a:xfrm>
-          <a:prstGeom prst="rect">
-            <a:avLst/>
-          </a:prstGeom>
-          <a:noFill/>
-        </p:spPr>
-        <p:txBody>
-          <a:bodyPr wrap="square" rtlCol="0">
-            <a:spAutoFit/>
-          </a:bodyPr>
-          <a:lstStyle/>
-          <a:p>
-            <a:r>
-              <a:rPr lang="en-US" altLang="ja-JP" sz="2400" dirty="0">
-                <a:solidFill>
-                  <a:srgbClr val="000000"/>
-                </a:solidFill>
-                <a:effectLst/>
-                <a:latin typeface="Times New Roman" panose="02020603050405020304" pitchFamily="18" charset="0"/>
-                <a:cs typeface="Times New Roman" panose="02020603050405020304" pitchFamily="18" charset="0"/>
-              </a:rPr>
-              <a:t>pumpingSystem_ex03</a:t>
-            </a:r>
-            <a:endParaRPr kumimoji="1" lang="ja-JP" altLang="en-US" sz="2400" dirty="0">
-              <a:latin typeface="Times New Roman" panose="02020603050405020304" pitchFamily="18" charset="0"/>
-              <a:cs typeface="Times New Roman" panose="02020603050405020304" pitchFamily="18" charset="0"/>
-            </a:endParaRPr>
-          </a:p>
-        </p:txBody>
-      </p:sp>
     </p:spTree>
     <p:extLst>
       <p:ext uri="{BB962C8B-B14F-4D97-AF65-F5344CB8AC3E}">
-        <p14:creationId xmlns:p14="http://schemas.microsoft.com/office/powerpoint/2010/main" val="1816954010"/>
+        <p14:creationId xmlns:p14="http://schemas.microsoft.com/office/powerpoint/2010/main" val="1883206660"/>
       </p:ext>
     </p:extLst>
   </p:cSld>
@@ -16098,7 +16028,7 @@
           <p:cNvPr id="3" name="図 2">
             <a:extLst>
               <a:ext uri="{FF2B5EF4-FFF2-40B4-BE49-F238E27FC236}">
-                <a16:creationId xmlns:a16="http://schemas.microsoft.com/office/drawing/2014/main" id="{32D34272-BA97-4DCD-8AE9-32A0849B8DE5}"/>
+                <a16:creationId xmlns:a16="http://schemas.microsoft.com/office/drawing/2014/main" id="{61B8F0D8-5E34-4DC1-B93E-6679D631A3F9}"/>
               </a:ext>
             </a:extLst>
           </p:cNvPr>
@@ -16125,308 +16055,54 @@
       </p:pic>
       <p:sp>
         <p:nvSpPr>
-          <p:cNvPr id="2" name="フレーム 1">
-            <a:extLst>
-              <a:ext uri="{FF2B5EF4-FFF2-40B4-BE49-F238E27FC236}">
-                <a16:creationId xmlns:a16="http://schemas.microsoft.com/office/drawing/2014/main" id="{7AAE769D-2D13-46DB-9A20-97468D83FF43}"/>
-              </a:ext>
-            </a:extLst>
-          </p:cNvPr>
-          <p:cNvSpPr/>
+          <p:cNvPr id="5" name="テキスト ボックス 4">
+            <a:extLst>
+              <a:ext uri="{FF2B5EF4-FFF2-40B4-BE49-F238E27FC236}">
+                <a16:creationId xmlns:a16="http://schemas.microsoft.com/office/drawing/2014/main" id="{1677C04D-C665-45AD-879E-63BB3E2A5148}"/>
+              </a:ext>
+            </a:extLst>
+          </p:cNvPr>
+          <p:cNvSpPr txBox="1"/>
           <p:nvPr/>
         </p:nvSpPr>
         <p:spPr>
           <a:xfrm>
-            <a:off x="4282834" y="3128887"/>
-            <a:ext cx="1406769" cy="1143391"/>
-          </a:xfrm>
-          <a:prstGeom prst="frame">
-            <a:avLst>
-              <a:gd name="adj1" fmla="val 4204"/>
-            </a:avLst>
-          </a:prstGeom>
-        </p:spPr>
-        <p:style>
-          <a:lnRef idx="2">
-            <a:schemeClr val="accent2">
-              <a:shade val="50000"/>
-            </a:schemeClr>
-          </a:lnRef>
-          <a:fillRef idx="1">
-            <a:schemeClr val="accent2"/>
-          </a:fillRef>
-          <a:effectRef idx="0">
-            <a:schemeClr val="accent2"/>
-          </a:effectRef>
-          <a:fontRef idx="minor">
-            <a:schemeClr val="lt1"/>
-          </a:fontRef>
-        </p:style>
-        <p:txBody>
-          <a:bodyPr rtlCol="0" anchor="ctr"/>
-          <a:lstStyle/>
-          <a:p>
-            <a:pPr algn="ctr"/>
-            <a:endParaRPr kumimoji="1" lang="ja-JP" altLang="en-US">
-              <a:solidFill>
-                <a:schemeClr val="tx1"/>
-              </a:solidFill>
-            </a:endParaRPr>
-          </a:p>
-        </p:txBody>
-      </p:sp>
-      <p:sp>
-        <p:nvSpPr>
-          <p:cNvPr id="5" name="フレーム 4">
-            <a:extLst>
-              <a:ext uri="{FF2B5EF4-FFF2-40B4-BE49-F238E27FC236}">
-                <a16:creationId xmlns:a16="http://schemas.microsoft.com/office/drawing/2014/main" id="{B99CBC56-B4EC-4BFC-9418-048B452D66F8}"/>
-              </a:ext>
-            </a:extLst>
-          </p:cNvPr>
-          <p:cNvSpPr/>
-          <p:nvPr/>
-        </p:nvSpPr>
-        <p:spPr>
-          <a:xfrm>
-            <a:off x="3028465" y="1264919"/>
-            <a:ext cx="1863966" cy="1071882"/>
-          </a:xfrm>
-          <a:prstGeom prst="frame">
-            <a:avLst>
-              <a:gd name="adj1" fmla="val 4204"/>
-            </a:avLst>
-          </a:prstGeom>
-        </p:spPr>
-        <p:style>
-          <a:lnRef idx="2">
-            <a:schemeClr val="accent2">
-              <a:shade val="50000"/>
-            </a:schemeClr>
-          </a:lnRef>
-          <a:fillRef idx="1">
-            <a:schemeClr val="accent2"/>
-          </a:fillRef>
-          <a:effectRef idx="0">
-            <a:schemeClr val="accent2"/>
-          </a:effectRef>
-          <a:fontRef idx="minor">
-            <a:schemeClr val="lt1"/>
-          </a:fontRef>
-        </p:style>
-        <p:txBody>
-          <a:bodyPr rtlCol="0" anchor="ctr"/>
-          <a:lstStyle/>
-          <a:p>
-            <a:pPr algn="ctr"/>
-            <a:endParaRPr kumimoji="1" lang="ja-JP" altLang="en-US">
-              <a:solidFill>
-                <a:schemeClr val="tx1"/>
-              </a:solidFill>
-            </a:endParaRPr>
-          </a:p>
-        </p:txBody>
-      </p:sp>
-      <p:sp>
-        <p:nvSpPr>
-          <p:cNvPr id="7" name="フレーム 6">
-            <a:extLst>
-              <a:ext uri="{FF2B5EF4-FFF2-40B4-BE49-F238E27FC236}">
-                <a16:creationId xmlns:a16="http://schemas.microsoft.com/office/drawing/2014/main" id="{587FFB17-BA93-4C1F-B752-CD5C54FE043A}"/>
-              </a:ext>
-            </a:extLst>
-          </p:cNvPr>
-          <p:cNvSpPr/>
-          <p:nvPr/>
-        </p:nvSpPr>
-        <p:spPr>
-          <a:xfrm>
-            <a:off x="8158337" y="3128887"/>
-            <a:ext cx="1056926" cy="1143391"/>
-          </a:xfrm>
-          <a:prstGeom prst="frame">
-            <a:avLst>
-              <a:gd name="adj1" fmla="val 4204"/>
-            </a:avLst>
-          </a:prstGeom>
-        </p:spPr>
-        <p:style>
-          <a:lnRef idx="2">
-            <a:schemeClr val="accent2">
-              <a:shade val="50000"/>
-            </a:schemeClr>
-          </a:lnRef>
-          <a:fillRef idx="1">
-            <a:schemeClr val="accent2"/>
-          </a:fillRef>
-          <a:effectRef idx="0">
-            <a:schemeClr val="accent2"/>
-          </a:effectRef>
-          <a:fontRef idx="minor">
-            <a:schemeClr val="lt1"/>
-          </a:fontRef>
-        </p:style>
-        <p:txBody>
-          <a:bodyPr rtlCol="0" anchor="ctr"/>
-          <a:lstStyle/>
-          <a:p>
-            <a:pPr algn="ctr"/>
-            <a:endParaRPr kumimoji="1" lang="ja-JP" altLang="en-US">
-              <a:solidFill>
-                <a:schemeClr val="tx1"/>
-              </a:solidFill>
-            </a:endParaRPr>
-          </a:p>
-        </p:txBody>
-      </p:sp>
-      <p:sp>
-        <p:nvSpPr>
-          <p:cNvPr id="9" name="テキスト ボックス 8">
-            <a:extLst>
-              <a:ext uri="{FF2B5EF4-FFF2-40B4-BE49-F238E27FC236}">
-                <a16:creationId xmlns:a16="http://schemas.microsoft.com/office/drawing/2014/main" id="{D2494B0F-F052-471F-AD2A-BC69B2B098AB}"/>
-              </a:ext>
-            </a:extLst>
-          </p:cNvPr>
-          <p:cNvSpPr txBox="1"/>
-          <p:nvPr/>
-        </p:nvSpPr>
-        <p:spPr>
-          <a:xfrm>
-            <a:off x="3169139" y="4253527"/>
-            <a:ext cx="1723291" cy="474782"/>
+            <a:off x="78153" y="0"/>
+            <a:ext cx="4079632" cy="461665"/>
           </a:xfrm>
           <a:prstGeom prst="rect">
             <a:avLst/>
           </a:prstGeom>
-          <a:solidFill>
-            <a:srgbClr val="FFC000">
-              <a:alpha val="60000"/>
-            </a:srgbClr>
-          </a:solidFill>
-          <a:ln>
-            <a:solidFill>
-              <a:schemeClr val="tx1"/>
-            </a:solidFill>
-          </a:ln>
+          <a:noFill/>
         </p:spPr>
         <p:txBody>
           <a:bodyPr wrap="square" rtlCol="0">
-            <a:noAutofit/>
+            <a:spAutoFit/>
           </a:bodyPr>
           <a:lstStyle/>
           <a:p>
             <a:r>
-              <a:rPr lang="en-US" altLang="ja-JP" sz="907" dirty="0">
-                <a:latin typeface="ＭＳ Ｐゴシック" panose="020B0600070205080204" pitchFamily="50" charset="-128"/>
-                <a:ea typeface="ＭＳ Ｐゴシック" panose="020B0600070205080204" pitchFamily="50" charset="-128"/>
-                <a:cs typeface="Arial" panose="020B0604020202020204" pitchFamily="34" charset="0"/>
-              </a:rPr>
-              <a:t>“Prescribed pump” is replaced with “pump”</a:t>
-            </a:r>
-          </a:p>
-        </p:txBody>
-      </p:sp>
-      <p:sp>
-        <p:nvSpPr>
-          <p:cNvPr id="11" name="テキスト ボックス 10">
-            <a:extLst>
-              <a:ext uri="{FF2B5EF4-FFF2-40B4-BE49-F238E27FC236}">
-                <a16:creationId xmlns:a16="http://schemas.microsoft.com/office/drawing/2014/main" id="{0383B898-15CD-4923-9CE9-7C28D4E97811}"/>
-              </a:ext>
-            </a:extLst>
-          </p:cNvPr>
-          <p:cNvSpPr txBox="1"/>
-          <p:nvPr/>
-        </p:nvSpPr>
-        <p:spPr>
-          <a:xfrm>
-            <a:off x="7825154" y="4272774"/>
-            <a:ext cx="1723291" cy="522260"/>
-          </a:xfrm>
-          <a:prstGeom prst="rect">
-            <a:avLst/>
-          </a:prstGeom>
-          <a:solidFill>
-            <a:srgbClr val="FFC000">
-              <a:alpha val="60000"/>
-            </a:srgbClr>
-          </a:solidFill>
-          <a:ln>
-            <a:solidFill>
-              <a:schemeClr val="tx1"/>
-            </a:solidFill>
-          </a:ln>
-        </p:spPr>
-        <p:txBody>
-          <a:bodyPr wrap="square" rtlCol="0">
-            <a:noAutofit/>
-          </a:bodyPr>
-          <a:lstStyle/>
-          <a:p>
-            <a:r>
-              <a:rPr lang="en-US" altLang="ja-JP" sz="907" dirty="0">
-                <a:latin typeface="ＭＳ Ｐゴシック" panose="020B0600070205080204" pitchFamily="50" charset="-128"/>
-                <a:ea typeface="ＭＳ Ｐゴシック" panose="020B0600070205080204" pitchFamily="50" charset="-128"/>
-                <a:cs typeface="Arial" panose="020B0604020202020204" pitchFamily="34" charset="0"/>
-              </a:rPr>
-              <a:t>The valve for flow control is added. The valve type is the simplest one.</a:t>
-            </a:r>
-          </a:p>
-        </p:txBody>
-      </p:sp>
-      <p:sp>
-        <p:nvSpPr>
-          <p:cNvPr id="13" name="テキスト ボックス 12">
-            <a:extLst>
-              <a:ext uri="{FF2B5EF4-FFF2-40B4-BE49-F238E27FC236}">
-                <a16:creationId xmlns:a16="http://schemas.microsoft.com/office/drawing/2014/main" id="{CAD4A47B-D808-4264-8062-E43705237A7D}"/>
-              </a:ext>
-            </a:extLst>
-          </p:cNvPr>
-          <p:cNvSpPr txBox="1"/>
-          <p:nvPr/>
-        </p:nvSpPr>
-        <p:spPr>
-          <a:xfrm>
-            <a:off x="4892430" y="999195"/>
-            <a:ext cx="1723291" cy="634219"/>
-          </a:xfrm>
-          <a:prstGeom prst="rect">
-            <a:avLst/>
-          </a:prstGeom>
-          <a:solidFill>
-            <a:srgbClr val="FFC000">
-              <a:alpha val="60000"/>
-            </a:srgbClr>
-          </a:solidFill>
-          <a:ln>
-            <a:solidFill>
-              <a:schemeClr val="tx1"/>
-            </a:solidFill>
-          </a:ln>
-        </p:spPr>
-        <p:txBody>
-          <a:bodyPr wrap="square" rtlCol="0">
-            <a:noAutofit/>
-          </a:bodyPr>
-          <a:lstStyle/>
-          <a:p>
-            <a:r>
-              <a:rPr lang="en-US" altLang="ja-JP" sz="907" dirty="0">
-                <a:latin typeface="ＭＳ Ｐゴシック" panose="020B0600070205080204" pitchFamily="50" charset="-128"/>
-                <a:ea typeface="ＭＳ Ｐゴシック" panose="020B0600070205080204" pitchFamily="50" charset="-128"/>
-                <a:cs typeface="Arial" panose="020B0604020202020204" pitchFamily="34" charset="0"/>
-              </a:rPr>
-              <a:t>The components so as to provide mechanical rotational speed (in [rpm]) to flange connector are added.</a:t>
-            </a:r>
+              <a:rPr lang="en-US" altLang="ja-JP" sz="2400" dirty="0">
+                <a:solidFill>
+                  <a:srgbClr val="000000"/>
+                </a:solidFill>
+                <a:effectLst/>
+                <a:latin typeface="Times New Roman" panose="02020603050405020304" pitchFamily="18" charset="0"/>
+                <a:cs typeface="Times New Roman" panose="02020603050405020304" pitchFamily="18" charset="0"/>
+              </a:rPr>
+              <a:t>pumpingSystem_ex03</a:t>
+            </a:r>
+            <a:endParaRPr kumimoji="1" lang="ja-JP" altLang="en-US" sz="2400" dirty="0">
+              <a:latin typeface="Times New Roman" panose="02020603050405020304" pitchFamily="18" charset="0"/>
+              <a:cs typeface="Times New Roman" panose="02020603050405020304" pitchFamily="18" charset="0"/>
+            </a:endParaRPr>
           </a:p>
         </p:txBody>
       </p:sp>
     </p:spTree>
     <p:extLst>
       <p:ext uri="{BB962C8B-B14F-4D97-AF65-F5344CB8AC3E}">
-        <p14:creationId xmlns:p14="http://schemas.microsoft.com/office/powerpoint/2010/main" val="3694756281"/>
+        <p14:creationId xmlns:p14="http://schemas.microsoft.com/office/powerpoint/2010/main" val="1816954010"/>
       </p:ext>
     </p:extLst>
   </p:cSld>
@@ -16458,7 +16134,7 @@
           <p:cNvPr id="3" name="図 2">
             <a:extLst>
               <a:ext uri="{FF2B5EF4-FFF2-40B4-BE49-F238E27FC236}">
-                <a16:creationId xmlns:a16="http://schemas.microsoft.com/office/drawing/2014/main" id="{F8AC4DBC-FEA5-4253-BDF8-CD3A4339771B}"/>
+                <a16:creationId xmlns:a16="http://schemas.microsoft.com/office/drawing/2014/main" id="{32D34272-BA97-4DCD-8AE9-32A0849B8DE5}"/>
               </a:ext>
             </a:extLst>
           </p:cNvPr>
@@ -16475,8 +16151,8 @@
         </p:blipFill>
         <p:spPr>
           <a:xfrm>
-            <a:off x="2266569" y="625231"/>
-            <a:ext cx="7200000" cy="5475000"/>
+            <a:off x="2012782" y="0"/>
+            <a:ext cx="8166435" cy="6858000"/>
           </a:xfrm>
           <a:prstGeom prst="rect">
             <a:avLst/>
@@ -16485,10 +16161,166 @@
       </p:pic>
       <p:sp>
         <p:nvSpPr>
-          <p:cNvPr id="4" name="テキスト ボックス 3">
-            <a:extLst>
-              <a:ext uri="{FF2B5EF4-FFF2-40B4-BE49-F238E27FC236}">
-                <a16:creationId xmlns:a16="http://schemas.microsoft.com/office/drawing/2014/main" id="{08048CC4-757D-4FD8-90FB-4A303419B072}"/>
+          <p:cNvPr id="2" name="フレーム 1">
+            <a:extLst>
+              <a:ext uri="{FF2B5EF4-FFF2-40B4-BE49-F238E27FC236}">
+                <a16:creationId xmlns:a16="http://schemas.microsoft.com/office/drawing/2014/main" id="{7AAE769D-2D13-46DB-9A20-97468D83FF43}"/>
+              </a:ext>
+            </a:extLst>
+          </p:cNvPr>
+          <p:cNvSpPr/>
+          <p:nvPr/>
+        </p:nvSpPr>
+        <p:spPr>
+          <a:xfrm>
+            <a:off x="4282834" y="3128887"/>
+            <a:ext cx="1406769" cy="1143391"/>
+          </a:xfrm>
+          <a:prstGeom prst="frame">
+            <a:avLst>
+              <a:gd name="adj1" fmla="val 4204"/>
+            </a:avLst>
+          </a:prstGeom>
+        </p:spPr>
+        <p:style>
+          <a:lnRef idx="2">
+            <a:schemeClr val="accent2">
+              <a:shade val="50000"/>
+            </a:schemeClr>
+          </a:lnRef>
+          <a:fillRef idx="1">
+            <a:schemeClr val="accent2"/>
+          </a:fillRef>
+          <a:effectRef idx="0">
+            <a:schemeClr val="accent2"/>
+          </a:effectRef>
+          <a:fontRef idx="minor">
+            <a:schemeClr val="lt1"/>
+          </a:fontRef>
+        </p:style>
+        <p:txBody>
+          <a:bodyPr rtlCol="0" anchor="ctr"/>
+          <a:lstStyle/>
+          <a:p>
+            <a:pPr algn="ctr"/>
+            <a:endParaRPr kumimoji="1" lang="ja-JP" altLang="en-US">
+              <a:solidFill>
+                <a:schemeClr val="tx1"/>
+              </a:solidFill>
+            </a:endParaRPr>
+          </a:p>
+        </p:txBody>
+      </p:sp>
+      <p:sp>
+        <p:nvSpPr>
+          <p:cNvPr id="5" name="フレーム 4">
+            <a:extLst>
+              <a:ext uri="{FF2B5EF4-FFF2-40B4-BE49-F238E27FC236}">
+                <a16:creationId xmlns:a16="http://schemas.microsoft.com/office/drawing/2014/main" id="{B99CBC56-B4EC-4BFC-9418-048B452D66F8}"/>
+              </a:ext>
+            </a:extLst>
+          </p:cNvPr>
+          <p:cNvSpPr/>
+          <p:nvPr/>
+        </p:nvSpPr>
+        <p:spPr>
+          <a:xfrm>
+            <a:off x="3028465" y="1264919"/>
+            <a:ext cx="1863966" cy="1071882"/>
+          </a:xfrm>
+          <a:prstGeom prst="frame">
+            <a:avLst>
+              <a:gd name="adj1" fmla="val 4204"/>
+            </a:avLst>
+          </a:prstGeom>
+        </p:spPr>
+        <p:style>
+          <a:lnRef idx="2">
+            <a:schemeClr val="accent2">
+              <a:shade val="50000"/>
+            </a:schemeClr>
+          </a:lnRef>
+          <a:fillRef idx="1">
+            <a:schemeClr val="accent2"/>
+          </a:fillRef>
+          <a:effectRef idx="0">
+            <a:schemeClr val="accent2"/>
+          </a:effectRef>
+          <a:fontRef idx="minor">
+            <a:schemeClr val="lt1"/>
+          </a:fontRef>
+        </p:style>
+        <p:txBody>
+          <a:bodyPr rtlCol="0" anchor="ctr"/>
+          <a:lstStyle/>
+          <a:p>
+            <a:pPr algn="ctr"/>
+            <a:endParaRPr kumimoji="1" lang="ja-JP" altLang="en-US">
+              <a:solidFill>
+                <a:schemeClr val="tx1"/>
+              </a:solidFill>
+            </a:endParaRPr>
+          </a:p>
+        </p:txBody>
+      </p:sp>
+      <p:sp>
+        <p:nvSpPr>
+          <p:cNvPr id="7" name="フレーム 6">
+            <a:extLst>
+              <a:ext uri="{FF2B5EF4-FFF2-40B4-BE49-F238E27FC236}">
+                <a16:creationId xmlns:a16="http://schemas.microsoft.com/office/drawing/2014/main" id="{587FFB17-BA93-4C1F-B752-CD5C54FE043A}"/>
+              </a:ext>
+            </a:extLst>
+          </p:cNvPr>
+          <p:cNvSpPr/>
+          <p:nvPr/>
+        </p:nvSpPr>
+        <p:spPr>
+          <a:xfrm>
+            <a:off x="8158337" y="3128887"/>
+            <a:ext cx="1056926" cy="1143391"/>
+          </a:xfrm>
+          <a:prstGeom prst="frame">
+            <a:avLst>
+              <a:gd name="adj1" fmla="val 4204"/>
+            </a:avLst>
+          </a:prstGeom>
+        </p:spPr>
+        <p:style>
+          <a:lnRef idx="2">
+            <a:schemeClr val="accent2">
+              <a:shade val="50000"/>
+            </a:schemeClr>
+          </a:lnRef>
+          <a:fillRef idx="1">
+            <a:schemeClr val="accent2"/>
+          </a:fillRef>
+          <a:effectRef idx="0">
+            <a:schemeClr val="accent2"/>
+          </a:effectRef>
+          <a:fontRef idx="minor">
+            <a:schemeClr val="lt1"/>
+          </a:fontRef>
+        </p:style>
+        <p:txBody>
+          <a:bodyPr rtlCol="0" anchor="ctr"/>
+          <a:lstStyle/>
+          <a:p>
+            <a:pPr algn="ctr"/>
+            <a:endParaRPr kumimoji="1" lang="ja-JP" altLang="en-US">
+              <a:solidFill>
+                <a:schemeClr val="tx1"/>
+              </a:solidFill>
+            </a:endParaRPr>
+          </a:p>
+        </p:txBody>
+      </p:sp>
+      <p:sp>
+        <p:nvSpPr>
+          <p:cNvPr id="9" name="テキスト ボックス 8">
+            <a:extLst>
+              <a:ext uri="{FF2B5EF4-FFF2-40B4-BE49-F238E27FC236}">
+                <a16:creationId xmlns:a16="http://schemas.microsoft.com/office/drawing/2014/main" id="{D2494B0F-F052-471F-AD2A-BC69B2B098AB}"/>
               </a:ext>
             </a:extLst>
           </p:cNvPr>
@@ -16497,17 +16329,16 @@
         </p:nvSpPr>
         <p:spPr>
           <a:xfrm>
-            <a:off x="2877340" y="1910917"/>
-            <a:ext cx="1914473" cy="407083"/>
+            <a:off x="3169139" y="4253527"/>
+            <a:ext cx="1723291" cy="474782"/>
           </a:xfrm>
           <a:prstGeom prst="rect">
             <a:avLst/>
           </a:prstGeom>
           <a:solidFill>
-            <a:schemeClr val="accent5">
-              <a:lumMod val="40000"/>
-              <a:lumOff val="60000"/>
-            </a:schemeClr>
+            <a:srgbClr val="FFC000">
+              <a:alpha val="60000"/>
+            </a:srgbClr>
           </a:solidFill>
           <a:ln>
             <a:solidFill>
@@ -16527,9 +16358,47 @@
                 <a:ea typeface="ＭＳ Ｐゴシック" panose="020B0600070205080204" pitchFamily="50" charset="-128"/>
                 <a:cs typeface="Arial" panose="020B0604020202020204" pitchFamily="34" charset="0"/>
               </a:rPr>
-              <a:t>Input: </a:t>
-            </a:r>
-          </a:p>
+              <a:t>“Prescribed pump” is replaced with “pump”</a:t>
+            </a:r>
+          </a:p>
+        </p:txBody>
+      </p:sp>
+      <p:sp>
+        <p:nvSpPr>
+          <p:cNvPr id="11" name="テキスト ボックス 10">
+            <a:extLst>
+              <a:ext uri="{FF2B5EF4-FFF2-40B4-BE49-F238E27FC236}">
+                <a16:creationId xmlns:a16="http://schemas.microsoft.com/office/drawing/2014/main" id="{0383B898-15CD-4923-9CE9-7C28D4E97811}"/>
+              </a:ext>
+            </a:extLst>
+          </p:cNvPr>
+          <p:cNvSpPr txBox="1"/>
+          <p:nvPr/>
+        </p:nvSpPr>
+        <p:spPr>
+          <a:xfrm>
+            <a:off x="7825154" y="4272774"/>
+            <a:ext cx="1723291" cy="522260"/>
+          </a:xfrm>
+          <a:prstGeom prst="rect">
+            <a:avLst/>
+          </a:prstGeom>
+          <a:solidFill>
+            <a:srgbClr val="FFC000">
+              <a:alpha val="60000"/>
+            </a:srgbClr>
+          </a:solidFill>
+          <a:ln>
+            <a:solidFill>
+              <a:schemeClr val="tx1"/>
+            </a:solidFill>
+          </a:ln>
+        </p:spPr>
+        <p:txBody>
+          <a:bodyPr wrap="square" rtlCol="0">
+            <a:noAutofit/>
+          </a:bodyPr>
+          <a:lstStyle/>
           <a:p>
             <a:r>
               <a:rPr lang="en-US" altLang="ja-JP" sz="907" dirty="0">
@@ -16537,59 +16406,63 @@
                 <a:ea typeface="ＭＳ Ｐゴシック" panose="020B0600070205080204" pitchFamily="50" charset="-128"/>
                 <a:cs typeface="Arial" panose="020B0604020202020204" pitchFamily="34" charset="0"/>
               </a:rPr>
-              <a:t> mechanical rotary speed of pump.</a:t>
+              <a:t>The valve for flow control is added. The valve type is the simplest one.</a:t>
             </a:r>
           </a:p>
         </p:txBody>
       </p:sp>
-      <p:cxnSp>
-        <p:nvCxnSpPr>
-          <p:cNvPr id="5" name="直線矢印コネクタ 4">
-            <a:extLst>
-              <a:ext uri="{FF2B5EF4-FFF2-40B4-BE49-F238E27FC236}">
-                <a16:creationId xmlns:a16="http://schemas.microsoft.com/office/drawing/2014/main" id="{40BD18DC-893E-42DB-9157-2C98754E3C91}"/>
-              </a:ext>
-            </a:extLst>
-          </p:cNvPr>
-          <p:cNvCxnSpPr>
-            <a:cxnSpLocks/>
-          </p:cNvCxnSpPr>
-          <p:nvPr/>
-        </p:nvCxnSpPr>
-        <p:spPr>
-          <a:xfrm>
-            <a:off x="3858247" y="2318002"/>
-            <a:ext cx="568379" cy="571738"/>
-          </a:xfrm>
-          <a:prstGeom prst="straightConnector1">
-            <a:avLst/>
-          </a:prstGeom>
-          <a:ln w="12700">
+      <p:sp>
+        <p:nvSpPr>
+          <p:cNvPr id="13" name="テキスト ボックス 12">
+            <a:extLst>
+              <a:ext uri="{FF2B5EF4-FFF2-40B4-BE49-F238E27FC236}">
+                <a16:creationId xmlns:a16="http://schemas.microsoft.com/office/drawing/2014/main" id="{CAD4A47B-D808-4264-8062-E43705237A7D}"/>
+              </a:ext>
+            </a:extLst>
+          </p:cNvPr>
+          <p:cNvSpPr txBox="1"/>
+          <p:nvPr/>
+        </p:nvSpPr>
+        <p:spPr>
+          <a:xfrm>
+            <a:off x="4892430" y="999195"/>
+            <a:ext cx="1723291" cy="634219"/>
+          </a:xfrm>
+          <a:prstGeom prst="rect">
+            <a:avLst/>
+          </a:prstGeom>
+          <a:solidFill>
+            <a:srgbClr val="FFC000">
+              <a:alpha val="60000"/>
+            </a:srgbClr>
+          </a:solidFill>
+          <a:ln>
             <a:solidFill>
               <a:schemeClr val="tx1"/>
             </a:solidFill>
-            <a:tailEnd type="oval"/>
           </a:ln>
         </p:spPr>
-        <p:style>
-          <a:lnRef idx="1">
-            <a:schemeClr val="accent1"/>
-          </a:lnRef>
-          <a:fillRef idx="0">
-            <a:schemeClr val="accent1"/>
-          </a:fillRef>
-          <a:effectRef idx="0">
-            <a:schemeClr val="accent1"/>
-          </a:effectRef>
-          <a:fontRef idx="minor">
-            <a:schemeClr val="tx1"/>
-          </a:fontRef>
-        </p:style>
-      </p:cxnSp>
+        <p:txBody>
+          <a:bodyPr wrap="square" rtlCol="0">
+            <a:noAutofit/>
+          </a:bodyPr>
+          <a:lstStyle/>
+          <a:p>
+            <a:r>
+              <a:rPr lang="en-US" altLang="ja-JP" sz="907" dirty="0">
+                <a:latin typeface="ＭＳ Ｐゴシック" panose="020B0600070205080204" pitchFamily="50" charset="-128"/>
+                <a:ea typeface="ＭＳ Ｐゴシック" panose="020B0600070205080204" pitchFamily="50" charset="-128"/>
+                <a:cs typeface="Arial" panose="020B0604020202020204" pitchFamily="34" charset="0"/>
+              </a:rPr>
+              <a:t>The components so as to provide mechanical rotational speed (in [rpm]) to flange connector are added.</a:t>
+            </a:r>
+          </a:p>
+        </p:txBody>
+      </p:sp>
     </p:spTree>
     <p:extLst>
       <p:ext uri="{BB962C8B-B14F-4D97-AF65-F5344CB8AC3E}">
-        <p14:creationId xmlns:p14="http://schemas.microsoft.com/office/powerpoint/2010/main" val="3015573138"/>
+        <p14:creationId xmlns:p14="http://schemas.microsoft.com/office/powerpoint/2010/main" val="3694756281"/>
       </p:ext>
     </p:extLst>
   </p:cSld>
@@ -16621,7 +16494,7 @@
           <p:cNvPr id="3" name="図 2">
             <a:extLst>
               <a:ext uri="{FF2B5EF4-FFF2-40B4-BE49-F238E27FC236}">
-                <a16:creationId xmlns:a16="http://schemas.microsoft.com/office/drawing/2014/main" id="{1847578C-9FF8-4BCC-8983-8A82A7342D8B}"/>
+                <a16:creationId xmlns:a16="http://schemas.microsoft.com/office/drawing/2014/main" id="{F8AC4DBC-FEA5-4253-BDF8-CD3A4339771B}"/>
               </a:ext>
             </a:extLst>
           </p:cNvPr>
@@ -16638,8 +16511,8 @@
         </p:blipFill>
         <p:spPr>
           <a:xfrm>
-            <a:off x="1575564" y="1"/>
-            <a:ext cx="7200000" cy="5461597"/>
+            <a:off x="2266569" y="625231"/>
+            <a:ext cx="7200000" cy="5475000"/>
           </a:xfrm>
           <a:prstGeom prst="rect">
             <a:avLst/>
@@ -16651,7 +16524,7 @@
           <p:cNvPr id="4" name="テキスト ボックス 3">
             <a:extLst>
               <a:ext uri="{FF2B5EF4-FFF2-40B4-BE49-F238E27FC236}">
-                <a16:creationId xmlns:a16="http://schemas.microsoft.com/office/drawing/2014/main" id="{F04857F9-A400-47F5-B77E-3BA728FB5ED5}"/>
+                <a16:creationId xmlns:a16="http://schemas.microsoft.com/office/drawing/2014/main" id="{08048CC4-757D-4FD8-90FB-4A303419B072}"/>
               </a:ext>
             </a:extLst>
           </p:cNvPr>
@@ -16660,7 +16533,7 @@
         </p:nvSpPr>
         <p:spPr>
           <a:xfrm>
-            <a:off x="5769032" y="1192860"/>
+            <a:off x="2877340" y="1910917"/>
             <a:ext cx="1914473" cy="407083"/>
           </a:xfrm>
           <a:prstGeom prst="rect">
@@ -16700,7 +16573,7 @@
                 <a:ea typeface="ＭＳ Ｐゴシック" panose="020B0600070205080204" pitchFamily="50" charset="-128"/>
                 <a:cs typeface="Arial" panose="020B0604020202020204" pitchFamily="34" charset="0"/>
               </a:rPr>
-              <a:t> opening of linear valve.</a:t>
+              <a:t> mechanical rotary speed of pump.</a:t>
             </a:r>
           </a:p>
         </p:txBody>
@@ -16710,7 +16583,7 @@
           <p:cNvPr id="5" name="直線矢印コネクタ 4">
             <a:extLst>
               <a:ext uri="{FF2B5EF4-FFF2-40B4-BE49-F238E27FC236}">
-                <a16:creationId xmlns:a16="http://schemas.microsoft.com/office/drawing/2014/main" id="{B21A708C-9005-4C26-BFC1-140520D85C8C}"/>
+                <a16:creationId xmlns:a16="http://schemas.microsoft.com/office/drawing/2014/main" id="{40BD18DC-893E-42DB-9157-2C98754E3C91}"/>
               </a:ext>
             </a:extLst>
           </p:cNvPr>
@@ -16720,9 +16593,9 @@
           <p:nvPr/>
         </p:nvCxnSpPr>
         <p:spPr>
-          <a:xfrm flipH="1">
-            <a:off x="5775569" y="1599945"/>
-            <a:ext cx="974370" cy="791563"/>
+          <a:xfrm>
+            <a:off x="3858247" y="2318002"/>
+            <a:ext cx="568379" cy="571738"/>
           </a:xfrm>
           <a:prstGeom prst="straightConnector1">
             <a:avLst/>
@@ -16752,7 +16625,7 @@
     </p:spTree>
     <p:extLst>
       <p:ext uri="{BB962C8B-B14F-4D97-AF65-F5344CB8AC3E}">
-        <p14:creationId xmlns:p14="http://schemas.microsoft.com/office/powerpoint/2010/main" val="1627802046"/>
+        <p14:creationId xmlns:p14="http://schemas.microsoft.com/office/powerpoint/2010/main" val="3015573138"/>
       </p:ext>
     </p:extLst>
   </p:cSld>
@@ -16784,7 +16657,7 @@
           <p:cNvPr id="3" name="図 2">
             <a:extLst>
               <a:ext uri="{FF2B5EF4-FFF2-40B4-BE49-F238E27FC236}">
-                <a16:creationId xmlns:a16="http://schemas.microsoft.com/office/drawing/2014/main" id="{D103C8E6-D436-4C3A-862B-EEC76A149710}"/>
+                <a16:creationId xmlns:a16="http://schemas.microsoft.com/office/drawing/2014/main" id="{1847578C-9FF8-4BCC-8983-8A82A7342D8B}"/>
               </a:ext>
             </a:extLst>
           </p:cNvPr>
@@ -16801,8 +16674,8 @@
         </p:blipFill>
         <p:spPr>
           <a:xfrm>
-            <a:off x="2153101" y="593970"/>
-            <a:ext cx="7200000" cy="5470085"/>
+            <a:off x="1575564" y="1"/>
+            <a:ext cx="7200000" cy="5461597"/>
           </a:xfrm>
           <a:prstGeom prst="rect">
             <a:avLst/>
@@ -16814,7 +16687,7 @@
           <p:cNvPr id="4" name="テキスト ボックス 3">
             <a:extLst>
               <a:ext uri="{FF2B5EF4-FFF2-40B4-BE49-F238E27FC236}">
-                <a16:creationId xmlns:a16="http://schemas.microsoft.com/office/drawing/2014/main" id="{F9434070-10CF-4EB5-A8B7-5B948DFB514F}"/>
+                <a16:creationId xmlns:a16="http://schemas.microsoft.com/office/drawing/2014/main" id="{F04857F9-A400-47F5-B77E-3BA728FB5ED5}"/>
               </a:ext>
             </a:extLst>
           </p:cNvPr>
@@ -16823,14 +16696,17 @@
         </p:nvSpPr>
         <p:spPr>
           <a:xfrm>
-            <a:off x="4646090" y="3646151"/>
-            <a:ext cx="1958606" cy="363142"/>
+            <a:off x="5769032" y="1192860"/>
+            <a:ext cx="1914473" cy="407083"/>
           </a:xfrm>
           <a:prstGeom prst="rect">
             <a:avLst/>
           </a:prstGeom>
           <a:solidFill>
-            <a:srgbClr val="FFFF00"/>
+            <a:schemeClr val="accent5">
+              <a:lumMod val="40000"/>
+              <a:lumOff val="60000"/>
+            </a:schemeClr>
           </a:solidFill>
           <a:ln>
             <a:solidFill>
@@ -16845,20 +16721,22 @@
           <a:lstStyle/>
           <a:p>
             <a:r>
-              <a:rPr lang="en-US" altLang="ja-JP" sz="726" dirty="0">
-                <a:latin typeface="Arial" panose="020B0604020202020204" pitchFamily="34" charset="0"/>
+              <a:rPr lang="en-US" altLang="ja-JP" sz="907" dirty="0">
+                <a:latin typeface="ＭＳ Ｐゴシック" panose="020B0600070205080204" pitchFamily="50" charset="-128"/>
+                <a:ea typeface="ＭＳ Ｐゴシック" panose="020B0600070205080204" pitchFamily="50" charset="-128"/>
                 <a:cs typeface="Arial" panose="020B0604020202020204" pitchFamily="34" charset="0"/>
               </a:rPr>
-              <a:t>Output: </a:t>
-            </a:r>
-          </a:p>
-          <a:p>
-            <a:r>
-              <a:rPr lang="en-US" altLang="ja-JP" sz="726" dirty="0">
-                <a:latin typeface="Arial" panose="020B0604020202020204" pitchFamily="34" charset="0"/>
+              <a:t>Input: </a:t>
+            </a:r>
+          </a:p>
+          <a:p>
+            <a:r>
+              <a:rPr lang="en-US" altLang="ja-JP" sz="907" dirty="0">
+                <a:latin typeface="ＭＳ Ｐゴシック" panose="020B0600070205080204" pitchFamily="50" charset="-128"/>
+                <a:ea typeface="ＭＳ Ｐゴシック" panose="020B0600070205080204" pitchFamily="50" charset="-128"/>
                 <a:cs typeface="Arial" panose="020B0604020202020204" pitchFamily="34" charset="0"/>
               </a:rPr>
-              <a:t>Volumetric flow rate through pump. </a:t>
+              <a:t> opening of linear valve.</a:t>
             </a:r>
           </a:p>
         </p:txBody>
@@ -16868,20 +16746,19 @@
           <p:cNvPr id="5" name="直線矢印コネクタ 4">
             <a:extLst>
               <a:ext uri="{FF2B5EF4-FFF2-40B4-BE49-F238E27FC236}">
-                <a16:creationId xmlns:a16="http://schemas.microsoft.com/office/drawing/2014/main" id="{55723E37-C7F7-43B9-9266-D8BAE9554E06}"/>
+                <a16:creationId xmlns:a16="http://schemas.microsoft.com/office/drawing/2014/main" id="{B21A708C-9005-4C26-BFC1-140520D85C8C}"/>
               </a:ext>
             </a:extLst>
           </p:cNvPr>
           <p:cNvCxnSpPr>
             <a:cxnSpLocks/>
-            <a:stCxn id="4" idx="0"/>
           </p:cNvCxnSpPr>
           <p:nvPr/>
         </p:nvCxnSpPr>
         <p:spPr>
-          <a:xfrm flipH="1" flipV="1">
-            <a:off x="4306277" y="2988545"/>
-            <a:ext cx="1319116" cy="657606"/>
+          <a:xfrm flipH="1">
+            <a:off x="5775569" y="1599945"/>
+            <a:ext cx="974370" cy="791563"/>
           </a:xfrm>
           <a:prstGeom prst="straightConnector1">
             <a:avLst/>
@@ -16911,7 +16788,7 @@
     </p:spTree>
     <p:extLst>
       <p:ext uri="{BB962C8B-B14F-4D97-AF65-F5344CB8AC3E}">
-        <p14:creationId xmlns:p14="http://schemas.microsoft.com/office/powerpoint/2010/main" val="653626821"/>
+        <p14:creationId xmlns:p14="http://schemas.microsoft.com/office/powerpoint/2010/main" val="1627802046"/>
       </p:ext>
     </p:extLst>
   </p:cSld>
@@ -17241,7 +17118,7 @@
           <p:cNvPr id="3" name="図 2">
             <a:extLst>
               <a:ext uri="{FF2B5EF4-FFF2-40B4-BE49-F238E27FC236}">
-                <a16:creationId xmlns:a16="http://schemas.microsoft.com/office/drawing/2014/main" id="{93D12387-51E1-468F-836C-3EDAC92ADAB5}"/>
+                <a16:creationId xmlns:a16="http://schemas.microsoft.com/office/drawing/2014/main" id="{D103C8E6-D436-4C3A-862B-EEC76A149710}"/>
               </a:ext>
             </a:extLst>
           </p:cNvPr>
@@ -17258,8 +17135,8 @@
         </p:blipFill>
         <p:spPr>
           <a:xfrm>
-            <a:off x="1575564" y="1"/>
-            <a:ext cx="7200000" cy="5461597"/>
+            <a:off x="2153101" y="593970"/>
+            <a:ext cx="7200000" cy="5470085"/>
           </a:xfrm>
           <a:prstGeom prst="rect">
             <a:avLst/>
@@ -17271,7 +17148,7 @@
           <p:cNvPr id="4" name="テキスト ボックス 3">
             <a:extLst>
               <a:ext uri="{FF2B5EF4-FFF2-40B4-BE49-F238E27FC236}">
-                <a16:creationId xmlns:a16="http://schemas.microsoft.com/office/drawing/2014/main" id="{C85EB216-2B5B-404D-AF7F-AE646619A01B}"/>
+                <a16:creationId xmlns:a16="http://schemas.microsoft.com/office/drawing/2014/main" id="{F9434070-10CF-4EB5-A8B7-5B948DFB514F}"/>
               </a:ext>
             </a:extLst>
           </p:cNvPr>
@@ -17280,8 +17157,8 @@
         </p:nvSpPr>
         <p:spPr>
           <a:xfrm>
-            <a:off x="5232244" y="3310089"/>
-            <a:ext cx="1958606" cy="503819"/>
+            <a:off x="4646090" y="3646151"/>
+            <a:ext cx="1958606" cy="363142"/>
           </a:xfrm>
           <a:prstGeom prst="rect">
             <a:avLst/>
@@ -17315,7 +17192,7 @@
                 <a:latin typeface="Arial" panose="020B0604020202020204" pitchFamily="34" charset="0"/>
                 <a:cs typeface="Arial" panose="020B0604020202020204" pitchFamily="34" charset="0"/>
               </a:rPr>
-              <a:t>Pump’s volumetric flow rate vs. mechanical rotation speed. </a:t>
+              <a:t>Volumetric flow rate through pump. </a:t>
             </a:r>
           </a:p>
         </p:txBody>
@@ -17325,7 +17202,7 @@
           <p:cNvPr id="5" name="直線矢印コネクタ 4">
             <a:extLst>
               <a:ext uri="{FF2B5EF4-FFF2-40B4-BE49-F238E27FC236}">
-                <a16:creationId xmlns:a16="http://schemas.microsoft.com/office/drawing/2014/main" id="{3350D9C6-8D07-4514-A727-BC97D51E7E67}"/>
+                <a16:creationId xmlns:a16="http://schemas.microsoft.com/office/drawing/2014/main" id="{55723E37-C7F7-43B9-9266-D8BAE9554E06}"/>
               </a:ext>
             </a:extLst>
           </p:cNvPr>
@@ -17337,7 +17214,7 @@
         </p:nvCxnSpPr>
         <p:spPr>
           <a:xfrm flipH="1" flipV="1">
-            <a:off x="4892431" y="2652483"/>
+            <a:off x="4306277" y="2988545"/>
             <a:ext cx="1319116" cy="657606"/>
           </a:xfrm>
           <a:prstGeom prst="straightConnector1">
@@ -17368,7 +17245,7 @@
     </p:spTree>
     <p:extLst>
       <p:ext uri="{BB962C8B-B14F-4D97-AF65-F5344CB8AC3E}">
-        <p14:creationId xmlns:p14="http://schemas.microsoft.com/office/powerpoint/2010/main" val="3883380372"/>
+        <p14:creationId xmlns:p14="http://schemas.microsoft.com/office/powerpoint/2010/main" val="653626821"/>
       </p:ext>
     </p:extLst>
   </p:cSld>
@@ -17400,7 +17277,7 @@
           <p:cNvPr id="3" name="図 2">
             <a:extLst>
               <a:ext uri="{FF2B5EF4-FFF2-40B4-BE49-F238E27FC236}">
-                <a16:creationId xmlns:a16="http://schemas.microsoft.com/office/drawing/2014/main" id="{B77F9E76-8D14-4400-8127-224C989C6C2A}"/>
+                <a16:creationId xmlns:a16="http://schemas.microsoft.com/office/drawing/2014/main" id="{93D12387-51E1-468F-836C-3EDAC92ADAB5}"/>
               </a:ext>
             </a:extLst>
           </p:cNvPr>
@@ -17417,8 +17294,8 @@
         </p:blipFill>
         <p:spPr>
           <a:xfrm>
-            <a:off x="1596029" y="257898"/>
-            <a:ext cx="7200000" cy="5476923"/>
+            <a:off x="1575564" y="1"/>
+            <a:ext cx="7200000" cy="5461597"/>
           </a:xfrm>
           <a:prstGeom prst="rect">
             <a:avLst/>
@@ -17430,7 +17307,7 @@
           <p:cNvPr id="4" name="テキスト ボックス 3">
             <a:extLst>
               <a:ext uri="{FF2B5EF4-FFF2-40B4-BE49-F238E27FC236}">
-                <a16:creationId xmlns:a16="http://schemas.microsoft.com/office/drawing/2014/main" id="{2B6478EF-E6B9-43E1-916A-E92E496F0FE7}"/>
+                <a16:creationId xmlns:a16="http://schemas.microsoft.com/office/drawing/2014/main" id="{C85EB216-2B5B-404D-AF7F-AE646619A01B}"/>
               </a:ext>
             </a:extLst>
           </p:cNvPr>
@@ -17439,8 +17316,8 @@
         </p:nvSpPr>
         <p:spPr>
           <a:xfrm>
-            <a:off x="4302213" y="3528920"/>
-            <a:ext cx="1793787" cy="410034"/>
+            <a:off x="5232244" y="3310089"/>
+            <a:ext cx="1958606" cy="503819"/>
           </a:xfrm>
           <a:prstGeom prst="rect">
             <a:avLst/>
@@ -17474,7 +17351,7 @@
                 <a:latin typeface="Arial" panose="020B0604020202020204" pitchFamily="34" charset="0"/>
                 <a:cs typeface="Arial" panose="020B0604020202020204" pitchFamily="34" charset="0"/>
               </a:rPr>
-              <a:t> pump discharge pressure. </a:t>
+              <a:t>Pump’s volumetric flow rate vs. mechanical rotation speed. </a:t>
             </a:r>
           </a:p>
         </p:txBody>
@@ -17484,7 +17361,7 @@
           <p:cNvPr id="5" name="直線矢印コネクタ 4">
             <a:extLst>
               <a:ext uri="{FF2B5EF4-FFF2-40B4-BE49-F238E27FC236}">
-                <a16:creationId xmlns:a16="http://schemas.microsoft.com/office/drawing/2014/main" id="{993AEA7D-0735-4063-B79B-AABBB6C873E2}"/>
+                <a16:creationId xmlns:a16="http://schemas.microsoft.com/office/drawing/2014/main" id="{3350D9C6-8D07-4514-A727-BC97D51E7E67}"/>
               </a:ext>
             </a:extLst>
           </p:cNvPr>
@@ -17496,8 +17373,8 @@
         </p:nvCxnSpPr>
         <p:spPr>
           <a:xfrm flipH="1" flipV="1">
-            <a:off x="3962401" y="2871314"/>
-            <a:ext cx="1236706" cy="657606"/>
+            <a:off x="4892431" y="2652483"/>
+            <a:ext cx="1319116" cy="657606"/>
           </a:xfrm>
           <a:prstGeom prst="straightConnector1">
             <a:avLst/>
@@ -17527,7 +17404,7 @@
     </p:spTree>
     <p:extLst>
       <p:ext uri="{BB962C8B-B14F-4D97-AF65-F5344CB8AC3E}">
-        <p14:creationId xmlns:p14="http://schemas.microsoft.com/office/powerpoint/2010/main" val="62570315"/>
+        <p14:creationId xmlns:p14="http://schemas.microsoft.com/office/powerpoint/2010/main" val="3883380372"/>
       </p:ext>
     </p:extLst>
   </p:cSld>
@@ -17559,7 +17436,7 @@
           <p:cNvPr id="3" name="図 2">
             <a:extLst>
               <a:ext uri="{FF2B5EF4-FFF2-40B4-BE49-F238E27FC236}">
-                <a16:creationId xmlns:a16="http://schemas.microsoft.com/office/drawing/2014/main" id="{9FEC225B-D95B-4BD3-B618-A4A7C97605D7}"/>
+                <a16:creationId xmlns:a16="http://schemas.microsoft.com/office/drawing/2014/main" id="{B77F9E76-8D14-4400-8127-224C989C6C2A}"/>
               </a:ext>
             </a:extLst>
           </p:cNvPr>
@@ -17576,8 +17453,8 @@
         </p:blipFill>
         <p:spPr>
           <a:xfrm>
-            <a:off x="1581221" y="1"/>
-            <a:ext cx="7200000" cy="5468441"/>
+            <a:off x="1596029" y="257898"/>
+            <a:ext cx="7200000" cy="5476923"/>
           </a:xfrm>
           <a:prstGeom prst="rect">
             <a:avLst/>
@@ -17589,7 +17466,7 @@
           <p:cNvPr id="4" name="テキスト ボックス 3">
             <a:extLst>
               <a:ext uri="{FF2B5EF4-FFF2-40B4-BE49-F238E27FC236}">
-                <a16:creationId xmlns:a16="http://schemas.microsoft.com/office/drawing/2014/main" id="{FDC40D3A-C90A-48F8-8962-AD2B717519AD}"/>
+                <a16:creationId xmlns:a16="http://schemas.microsoft.com/office/drawing/2014/main" id="{2B6478EF-E6B9-43E1-916A-E92E496F0FE7}"/>
               </a:ext>
             </a:extLst>
           </p:cNvPr>
@@ -17598,8 +17475,8 @@
         </p:nvSpPr>
         <p:spPr>
           <a:xfrm>
-            <a:off x="4639920" y="2766646"/>
-            <a:ext cx="1958606" cy="422030"/>
+            <a:off x="4302213" y="3528920"/>
+            <a:ext cx="1793787" cy="410034"/>
           </a:xfrm>
           <a:prstGeom prst="rect">
             <a:avLst/>
@@ -17633,7 +17510,7 @@
                 <a:latin typeface="Arial" panose="020B0604020202020204" pitchFamily="34" charset="0"/>
                 <a:cs typeface="Arial" panose="020B0604020202020204" pitchFamily="34" charset="0"/>
               </a:rPr>
-              <a:t>Mechanical power consumed by pump.</a:t>
+              <a:t> pump discharge pressure. </a:t>
             </a:r>
           </a:p>
         </p:txBody>
@@ -17643,20 +17520,20 @@
           <p:cNvPr id="5" name="直線矢印コネクタ 4">
             <a:extLst>
               <a:ext uri="{FF2B5EF4-FFF2-40B4-BE49-F238E27FC236}">
-                <a16:creationId xmlns:a16="http://schemas.microsoft.com/office/drawing/2014/main" id="{7A268C59-5425-46C6-AB0E-EA2FBCACFE9E}"/>
+                <a16:creationId xmlns:a16="http://schemas.microsoft.com/office/drawing/2014/main" id="{993AEA7D-0735-4063-B79B-AABBB6C873E2}"/>
               </a:ext>
             </a:extLst>
           </p:cNvPr>
           <p:cNvCxnSpPr>
             <a:cxnSpLocks/>
-            <a:stCxn id="4" idx="1"/>
+            <a:stCxn id="4" idx="0"/>
           </p:cNvCxnSpPr>
           <p:nvPr/>
         </p:nvCxnSpPr>
         <p:spPr>
           <a:xfrm flipH="1" flipV="1">
-            <a:off x="3860800" y="2704123"/>
-            <a:ext cx="779120" cy="273538"/>
+            <a:off x="3962401" y="2871314"/>
+            <a:ext cx="1236706" cy="657606"/>
           </a:xfrm>
           <a:prstGeom prst="straightConnector1">
             <a:avLst/>
@@ -17686,7 +17563,7 @@
     </p:spTree>
     <p:extLst>
       <p:ext uri="{BB962C8B-B14F-4D97-AF65-F5344CB8AC3E}">
-        <p14:creationId xmlns:p14="http://schemas.microsoft.com/office/powerpoint/2010/main" val="1002888584"/>
+        <p14:creationId xmlns:p14="http://schemas.microsoft.com/office/powerpoint/2010/main" val="62570315"/>
       </p:ext>
     </p:extLst>
   </p:cSld>
@@ -17718,7 +17595,7 @@
           <p:cNvPr id="3" name="図 2">
             <a:extLst>
               <a:ext uri="{FF2B5EF4-FFF2-40B4-BE49-F238E27FC236}">
-                <a16:creationId xmlns:a16="http://schemas.microsoft.com/office/drawing/2014/main" id="{0CE32BB3-972B-4D18-903F-AB04194B00DC}"/>
+                <a16:creationId xmlns:a16="http://schemas.microsoft.com/office/drawing/2014/main" id="{9FEC225B-D95B-4BD3-B618-A4A7C97605D7}"/>
               </a:ext>
             </a:extLst>
           </p:cNvPr>
@@ -17735,8 +17612,8 @@
         </p:blipFill>
         <p:spPr>
           <a:xfrm>
-            <a:off x="2012424" y="693957"/>
-            <a:ext cx="7200000" cy="5470085"/>
+            <a:off x="1581221" y="1"/>
+            <a:ext cx="7200000" cy="5468441"/>
           </a:xfrm>
           <a:prstGeom prst="rect">
             <a:avLst/>
@@ -17748,7 +17625,7 @@
           <p:cNvPr id="4" name="テキスト ボックス 3">
             <a:extLst>
               <a:ext uri="{FF2B5EF4-FFF2-40B4-BE49-F238E27FC236}">
-                <a16:creationId xmlns:a16="http://schemas.microsoft.com/office/drawing/2014/main" id="{3DD7B87F-DCE7-40DB-BE70-3F611A96261F}"/>
+                <a16:creationId xmlns:a16="http://schemas.microsoft.com/office/drawing/2014/main" id="{FDC40D3A-C90A-48F8-8962-AD2B717519AD}"/>
               </a:ext>
             </a:extLst>
           </p:cNvPr>
@@ -17757,8 +17634,8 @@
         </p:nvSpPr>
         <p:spPr>
           <a:xfrm>
-            <a:off x="5116697" y="3217985"/>
-            <a:ext cx="1635795" cy="361461"/>
+            <a:off x="4639920" y="2766646"/>
+            <a:ext cx="1958606" cy="422030"/>
           </a:xfrm>
           <a:prstGeom prst="rect">
             <a:avLst/>
@@ -17792,7 +17669,7 @@
                 <a:latin typeface="Arial" panose="020B0604020202020204" pitchFamily="34" charset="0"/>
                 <a:cs typeface="Arial" panose="020B0604020202020204" pitchFamily="34" charset="0"/>
               </a:rPr>
-              <a:t>Torque into flange of pump.</a:t>
+              <a:t>Mechanical power consumed by pump.</a:t>
             </a:r>
           </a:p>
         </p:txBody>
@@ -17802,7 +17679,7 @@
           <p:cNvPr id="5" name="直線矢印コネクタ 4">
             <a:extLst>
               <a:ext uri="{FF2B5EF4-FFF2-40B4-BE49-F238E27FC236}">
-                <a16:creationId xmlns:a16="http://schemas.microsoft.com/office/drawing/2014/main" id="{16A64740-FBFD-47B9-9610-84430D87ED96}"/>
+                <a16:creationId xmlns:a16="http://schemas.microsoft.com/office/drawing/2014/main" id="{7A268C59-5425-46C6-AB0E-EA2FBCACFE9E}"/>
               </a:ext>
             </a:extLst>
           </p:cNvPr>
@@ -17814,8 +17691,8 @@
         </p:nvCxnSpPr>
         <p:spPr>
           <a:xfrm flipH="1" flipV="1">
-            <a:off x="4337577" y="3155462"/>
-            <a:ext cx="779120" cy="243254"/>
+            <a:off x="3860800" y="2704123"/>
+            <a:ext cx="779120" cy="273538"/>
           </a:xfrm>
           <a:prstGeom prst="straightConnector1">
             <a:avLst/>
@@ -17845,7 +17722,7 @@
     </p:spTree>
     <p:extLst>
       <p:ext uri="{BB962C8B-B14F-4D97-AF65-F5344CB8AC3E}">
-        <p14:creationId xmlns:p14="http://schemas.microsoft.com/office/powerpoint/2010/main" val="1898239277"/>
+        <p14:creationId xmlns:p14="http://schemas.microsoft.com/office/powerpoint/2010/main" val="1002888584"/>
       </p:ext>
     </p:extLst>
   </p:cSld>
@@ -17877,7 +17754,7 @@
           <p:cNvPr id="3" name="図 2">
             <a:extLst>
               <a:ext uri="{FF2B5EF4-FFF2-40B4-BE49-F238E27FC236}">
-                <a16:creationId xmlns:a16="http://schemas.microsoft.com/office/drawing/2014/main" id="{0DF84F74-B298-4D96-B9FC-C6FF767254A8}"/>
+                <a16:creationId xmlns:a16="http://schemas.microsoft.com/office/drawing/2014/main" id="{0CE32BB3-972B-4D18-903F-AB04194B00DC}"/>
               </a:ext>
             </a:extLst>
           </p:cNvPr>
@@ -17894,8 +17771,8 @@
         </p:blipFill>
         <p:spPr>
           <a:xfrm>
-            <a:off x="1581221" y="1"/>
-            <a:ext cx="7200000" cy="5468441"/>
+            <a:off x="2012424" y="693957"/>
+            <a:ext cx="7200000" cy="5470085"/>
           </a:xfrm>
           <a:prstGeom prst="rect">
             <a:avLst/>
@@ -17907,7 +17784,7 @@
           <p:cNvPr id="4" name="テキスト ボックス 3">
             <a:extLst>
               <a:ext uri="{FF2B5EF4-FFF2-40B4-BE49-F238E27FC236}">
-                <a16:creationId xmlns:a16="http://schemas.microsoft.com/office/drawing/2014/main" id="{6419AFEB-E0F4-427B-87D1-A4EE914A3DFC}"/>
+                <a16:creationId xmlns:a16="http://schemas.microsoft.com/office/drawing/2014/main" id="{3DD7B87F-DCE7-40DB-BE70-3F611A96261F}"/>
               </a:ext>
             </a:extLst>
           </p:cNvPr>
@@ -17916,8 +17793,8 @@
         </p:nvSpPr>
         <p:spPr>
           <a:xfrm>
-            <a:off x="5927813" y="3950951"/>
-            <a:ext cx="1958606" cy="462788"/>
+            <a:off x="5116697" y="3217985"/>
+            <a:ext cx="1635795" cy="361461"/>
           </a:xfrm>
           <a:prstGeom prst="rect">
             <a:avLst/>
@@ -17951,7 +17828,7 @@
                 <a:latin typeface="Arial" panose="020B0604020202020204" pitchFamily="34" charset="0"/>
                 <a:cs typeface="Arial" panose="020B0604020202020204" pitchFamily="34" charset="0"/>
               </a:rPr>
-              <a:t> mechanical power consumption of pump vs. mechanical rotation speed.</a:t>
+              <a:t>Torque into flange of pump.</a:t>
             </a:r>
           </a:p>
         </p:txBody>
@@ -17961,20 +17838,20 @@
           <p:cNvPr id="5" name="直線矢印コネクタ 4">
             <a:extLst>
               <a:ext uri="{FF2B5EF4-FFF2-40B4-BE49-F238E27FC236}">
-                <a16:creationId xmlns:a16="http://schemas.microsoft.com/office/drawing/2014/main" id="{080EDF00-37EF-47E2-B50A-2B443678B1D8}"/>
+                <a16:creationId xmlns:a16="http://schemas.microsoft.com/office/drawing/2014/main" id="{16A64740-FBFD-47B9-9610-84430D87ED96}"/>
               </a:ext>
             </a:extLst>
           </p:cNvPr>
           <p:cNvCxnSpPr>
             <a:cxnSpLocks/>
-            <a:stCxn id="4" idx="0"/>
+            <a:stCxn id="4" idx="1"/>
           </p:cNvCxnSpPr>
           <p:nvPr/>
         </p:nvCxnSpPr>
         <p:spPr>
           <a:xfrm flipH="1" flipV="1">
-            <a:off x="5588000" y="3293345"/>
-            <a:ext cx="1319116" cy="657606"/>
+            <a:off x="4337577" y="3155462"/>
+            <a:ext cx="779120" cy="243254"/>
           </a:xfrm>
           <a:prstGeom prst="straightConnector1">
             <a:avLst/>
@@ -18004,7 +17881,7 @@
     </p:spTree>
     <p:extLst>
       <p:ext uri="{BB962C8B-B14F-4D97-AF65-F5344CB8AC3E}">
-        <p14:creationId xmlns:p14="http://schemas.microsoft.com/office/powerpoint/2010/main" val="2126722906"/>
+        <p14:creationId xmlns:p14="http://schemas.microsoft.com/office/powerpoint/2010/main" val="1898239277"/>
       </p:ext>
     </p:extLst>
   </p:cSld>
@@ -18036,7 +17913,7 @@
           <p:cNvPr id="3" name="図 2">
             <a:extLst>
               <a:ext uri="{FF2B5EF4-FFF2-40B4-BE49-F238E27FC236}">
-                <a16:creationId xmlns:a16="http://schemas.microsoft.com/office/drawing/2014/main" id="{1C87AFC4-E869-46C3-AEFD-D14EF043546E}"/>
+                <a16:creationId xmlns:a16="http://schemas.microsoft.com/office/drawing/2014/main" id="{0DF84F74-B298-4D96-B9FC-C6FF767254A8}"/>
               </a:ext>
             </a:extLst>
           </p:cNvPr>
@@ -18053,8 +17930,8 @@
         </p:blipFill>
         <p:spPr>
           <a:xfrm>
-            <a:off x="2004609" y="468924"/>
-            <a:ext cx="7200000" cy="5470085"/>
+            <a:off x="1581221" y="1"/>
+            <a:ext cx="7200000" cy="5468441"/>
           </a:xfrm>
           <a:prstGeom prst="rect">
             <a:avLst/>
@@ -18066,7 +17943,7 @@
           <p:cNvPr id="4" name="テキスト ボックス 3">
             <a:extLst>
               <a:ext uri="{FF2B5EF4-FFF2-40B4-BE49-F238E27FC236}">
-                <a16:creationId xmlns:a16="http://schemas.microsoft.com/office/drawing/2014/main" id="{97F60750-3B49-4F0E-857A-8ADC63AD950B}"/>
+                <a16:creationId xmlns:a16="http://schemas.microsoft.com/office/drawing/2014/main" id="{6419AFEB-E0F4-427B-87D1-A4EE914A3DFC}"/>
               </a:ext>
             </a:extLst>
           </p:cNvPr>
@@ -18075,7 +17952,7 @@
         </p:nvSpPr>
         <p:spPr>
           <a:xfrm>
-            <a:off x="6894311" y="4927875"/>
+            <a:off x="5927813" y="3950951"/>
             <a:ext cx="1958606" cy="462788"/>
           </a:xfrm>
           <a:prstGeom prst="rect">
@@ -18110,7 +17987,7 @@
                 <a:latin typeface="Arial" panose="020B0604020202020204" pitchFamily="34" charset="0"/>
                 <a:cs typeface="Arial" panose="020B0604020202020204" pitchFamily="34" charset="0"/>
               </a:rPr>
-              <a:t> pressure difference of valve vs. mass flow rate via valve.</a:t>
+              <a:t> mechanical power consumption of pump vs. mechanical rotation speed.</a:t>
             </a:r>
           </a:p>
         </p:txBody>
@@ -18120,7 +17997,7 @@
           <p:cNvPr id="5" name="直線矢印コネクタ 4">
             <a:extLst>
               <a:ext uri="{FF2B5EF4-FFF2-40B4-BE49-F238E27FC236}">
-                <a16:creationId xmlns:a16="http://schemas.microsoft.com/office/drawing/2014/main" id="{CD459D5E-8256-446E-99A1-E26C4A393E9F}"/>
+                <a16:creationId xmlns:a16="http://schemas.microsoft.com/office/drawing/2014/main" id="{080EDF00-37EF-47E2-B50A-2B443678B1D8}"/>
               </a:ext>
             </a:extLst>
           </p:cNvPr>
@@ -18132,7 +18009,7 @@
         </p:nvCxnSpPr>
         <p:spPr>
           <a:xfrm flipH="1" flipV="1">
-            <a:off x="6554498" y="4270269"/>
+            <a:off x="5588000" y="3293345"/>
             <a:ext cx="1319116" cy="657606"/>
           </a:xfrm>
           <a:prstGeom prst="straightConnector1">
@@ -18160,456 +18037,10 @@
           </a:fontRef>
         </p:style>
       </p:cxnSp>
-      <p:cxnSp>
-        <p:nvCxnSpPr>
-          <p:cNvPr id="7" name="直線矢印コネクタ 6">
-            <a:extLst>
-              <a:ext uri="{FF2B5EF4-FFF2-40B4-BE49-F238E27FC236}">
-                <a16:creationId xmlns:a16="http://schemas.microsoft.com/office/drawing/2014/main" id="{042D3F0D-FFA5-488B-921D-05DBA196B2D4}"/>
-              </a:ext>
-            </a:extLst>
-          </p:cNvPr>
-          <p:cNvCxnSpPr/>
-          <p:nvPr/>
-        </p:nvCxnSpPr>
-        <p:spPr>
-          <a:xfrm flipV="1">
-            <a:off x="4262182" y="4066982"/>
-            <a:ext cx="1785270" cy="681790"/>
-          </a:xfrm>
-          <a:prstGeom prst="straightConnector1">
-            <a:avLst/>
-          </a:prstGeom>
-          <a:ln w="57150">
-            <a:tailEnd type="triangle"/>
-          </a:ln>
-        </p:spPr>
-        <p:style>
-          <a:lnRef idx="1">
-            <a:schemeClr val="accent1"/>
-          </a:lnRef>
-          <a:fillRef idx="0">
-            <a:schemeClr val="accent1"/>
-          </a:fillRef>
-          <a:effectRef idx="0">
-            <a:schemeClr val="accent1"/>
-          </a:effectRef>
-          <a:fontRef idx="minor">
-            <a:schemeClr val="tx1"/>
-          </a:fontRef>
-        </p:style>
-      </p:cxnSp>
-      <p:sp>
-        <p:nvSpPr>
-          <p:cNvPr id="9" name="テキスト ボックス 8">
-            <a:extLst>
-              <a:ext uri="{FF2B5EF4-FFF2-40B4-BE49-F238E27FC236}">
-                <a16:creationId xmlns:a16="http://schemas.microsoft.com/office/drawing/2014/main" id="{9FBCB7C6-F0DF-4D82-89E9-191279627F0B}"/>
-              </a:ext>
-            </a:extLst>
-          </p:cNvPr>
-          <p:cNvSpPr txBox="1"/>
-          <p:nvPr/>
-        </p:nvSpPr>
-        <p:spPr>
-          <a:xfrm>
-            <a:off x="3196211" y="4066982"/>
-            <a:ext cx="1958606" cy="231394"/>
-          </a:xfrm>
-          <a:prstGeom prst="rect">
-            <a:avLst/>
-          </a:prstGeom>
-          <a:solidFill>
-            <a:srgbClr val="FFFF00"/>
-          </a:solidFill>
-          <a:ln>
-            <a:solidFill>
-              <a:schemeClr val="tx1"/>
-            </a:solidFill>
-          </a:ln>
-        </p:spPr>
-        <p:txBody>
-          <a:bodyPr wrap="square" rtlCol="0">
-            <a:noAutofit/>
-          </a:bodyPr>
-          <a:lstStyle/>
-          <a:p>
-            <a:r>
-              <a:rPr lang="en-US" altLang="ja-JP" sz="726" dirty="0">
-                <a:latin typeface="Arial" panose="020B0604020202020204" pitchFamily="34" charset="0"/>
-                <a:cs typeface="Arial" panose="020B0604020202020204" pitchFamily="34" charset="0"/>
-              </a:rPr>
-              <a:t>Increase in pump rotation speed.</a:t>
-            </a:r>
-          </a:p>
-        </p:txBody>
-      </p:sp>
-      <p:cxnSp>
-        <p:nvCxnSpPr>
-          <p:cNvPr id="10" name="直線矢印コネクタ 9">
-            <a:extLst>
-              <a:ext uri="{FF2B5EF4-FFF2-40B4-BE49-F238E27FC236}">
-                <a16:creationId xmlns:a16="http://schemas.microsoft.com/office/drawing/2014/main" id="{AD9598A7-AFA4-4777-B232-F2EF2222C901}"/>
-              </a:ext>
-            </a:extLst>
-          </p:cNvPr>
-          <p:cNvCxnSpPr>
-            <a:cxnSpLocks/>
-          </p:cNvCxnSpPr>
-          <p:nvPr/>
-        </p:nvCxnSpPr>
-        <p:spPr>
-          <a:xfrm flipH="1" flipV="1">
-            <a:off x="6857500" y="1969073"/>
-            <a:ext cx="915400" cy="866690"/>
-          </a:xfrm>
-          <a:prstGeom prst="straightConnector1">
-            <a:avLst/>
-          </a:prstGeom>
-          <a:ln w="57150">
-            <a:tailEnd type="triangle"/>
-          </a:ln>
-        </p:spPr>
-        <p:style>
-          <a:lnRef idx="1">
-            <a:schemeClr val="accent1"/>
-          </a:lnRef>
-          <a:fillRef idx="0">
-            <a:schemeClr val="accent1"/>
-          </a:fillRef>
-          <a:effectRef idx="0">
-            <a:schemeClr val="accent1"/>
-          </a:effectRef>
-          <a:fontRef idx="minor">
-            <a:schemeClr val="tx1"/>
-          </a:fontRef>
-        </p:style>
-      </p:cxnSp>
-      <p:sp>
-        <p:nvSpPr>
-          <p:cNvPr id="14" name="テキスト ボックス 13">
-            <a:extLst>
-              <a:ext uri="{FF2B5EF4-FFF2-40B4-BE49-F238E27FC236}">
-                <a16:creationId xmlns:a16="http://schemas.microsoft.com/office/drawing/2014/main" id="{F65E9BFD-A7C2-4261-BF27-43366943461C}"/>
-              </a:ext>
-            </a:extLst>
-          </p:cNvPr>
-          <p:cNvSpPr txBox="1"/>
-          <p:nvPr/>
-        </p:nvSpPr>
-        <p:spPr>
-          <a:xfrm>
-            <a:off x="5772303" y="2474820"/>
-            <a:ext cx="1471531" cy="231394"/>
-          </a:xfrm>
-          <a:prstGeom prst="rect">
-            <a:avLst/>
-          </a:prstGeom>
-          <a:solidFill>
-            <a:srgbClr val="FFFF00"/>
-          </a:solidFill>
-          <a:ln>
-            <a:solidFill>
-              <a:schemeClr val="tx1"/>
-            </a:solidFill>
-          </a:ln>
-        </p:spPr>
-        <p:txBody>
-          <a:bodyPr wrap="square" rtlCol="0">
-            <a:noAutofit/>
-          </a:bodyPr>
-          <a:lstStyle/>
-          <a:p>
-            <a:r>
-              <a:rPr lang="en-US" altLang="ja-JP" sz="726" dirty="0">
-                <a:latin typeface="Arial" panose="020B0604020202020204" pitchFamily="34" charset="0"/>
-                <a:cs typeface="Arial" panose="020B0604020202020204" pitchFamily="34" charset="0"/>
-              </a:rPr>
-              <a:t>Close of valve (from 1 to 0.5).</a:t>
-            </a:r>
-          </a:p>
-        </p:txBody>
-      </p:sp>
-      <p:cxnSp>
-        <p:nvCxnSpPr>
-          <p:cNvPr id="15" name="直線矢印コネクタ 14">
-            <a:extLst>
-              <a:ext uri="{FF2B5EF4-FFF2-40B4-BE49-F238E27FC236}">
-                <a16:creationId xmlns:a16="http://schemas.microsoft.com/office/drawing/2014/main" id="{997E26E6-595D-4022-9988-FF5BD7944550}"/>
-              </a:ext>
-            </a:extLst>
-          </p:cNvPr>
-          <p:cNvCxnSpPr>
-            <a:cxnSpLocks/>
-          </p:cNvCxnSpPr>
-          <p:nvPr/>
-        </p:nvCxnSpPr>
-        <p:spPr>
-          <a:xfrm flipH="1">
-            <a:off x="4092704" y="1811875"/>
-            <a:ext cx="1132845" cy="462851"/>
-          </a:xfrm>
-          <a:prstGeom prst="straightConnector1">
-            <a:avLst/>
-          </a:prstGeom>
-          <a:ln w="57150">
-            <a:prstDash val="sysDash"/>
-            <a:tailEnd type="triangle"/>
-          </a:ln>
-        </p:spPr>
-        <p:style>
-          <a:lnRef idx="1">
-            <a:schemeClr val="accent1"/>
-          </a:lnRef>
-          <a:fillRef idx="0">
-            <a:schemeClr val="accent1"/>
-          </a:fillRef>
-          <a:effectRef idx="0">
-            <a:schemeClr val="accent1"/>
-          </a:effectRef>
-          <a:fontRef idx="minor">
-            <a:schemeClr val="tx1"/>
-          </a:fontRef>
-        </p:style>
-      </p:cxnSp>
-      <p:cxnSp>
-        <p:nvCxnSpPr>
-          <p:cNvPr id="19" name="直線コネクタ 18">
-            <a:extLst>
-              <a:ext uri="{FF2B5EF4-FFF2-40B4-BE49-F238E27FC236}">
-                <a16:creationId xmlns:a16="http://schemas.microsoft.com/office/drawing/2014/main" id="{E9BAC9CF-F5FA-4B76-82D9-5F8E3A05CBCF}"/>
-              </a:ext>
-            </a:extLst>
-          </p:cNvPr>
-          <p:cNvCxnSpPr>
-            <a:cxnSpLocks/>
-          </p:cNvCxnSpPr>
-          <p:nvPr/>
-        </p:nvCxnSpPr>
-        <p:spPr>
-          <a:xfrm flipH="1">
-            <a:off x="2987391" y="928749"/>
-            <a:ext cx="5084817" cy="1877358"/>
-          </a:xfrm>
-          <a:prstGeom prst="line">
-            <a:avLst/>
-          </a:prstGeom>
-          <a:ln w="12700">
-            <a:solidFill>
-              <a:srgbClr val="FF0000"/>
-            </a:solidFill>
-            <a:prstDash val="dash"/>
-            <a:headEnd type="arrow" w="med" len="med"/>
-            <a:tailEnd type="arrow" w="med" len="med"/>
-          </a:ln>
-        </p:spPr>
-        <p:style>
-          <a:lnRef idx="1">
-            <a:schemeClr val="accent1"/>
-          </a:lnRef>
-          <a:fillRef idx="0">
-            <a:schemeClr val="accent1"/>
-          </a:fillRef>
-          <a:effectRef idx="0">
-            <a:schemeClr val="accent1"/>
-          </a:effectRef>
-          <a:fontRef idx="minor">
-            <a:schemeClr val="tx1"/>
-          </a:fontRef>
-        </p:style>
-      </p:cxnSp>
-      <p:cxnSp>
-        <p:nvCxnSpPr>
-          <p:cNvPr id="25" name="直線矢印コネクタ 24">
-            <a:extLst>
-              <a:ext uri="{FF2B5EF4-FFF2-40B4-BE49-F238E27FC236}">
-                <a16:creationId xmlns:a16="http://schemas.microsoft.com/office/drawing/2014/main" id="{F0EDFA1E-951F-4FA1-B0FB-40CDF9A3C747}"/>
-              </a:ext>
-            </a:extLst>
-          </p:cNvPr>
-          <p:cNvCxnSpPr>
-            <a:cxnSpLocks/>
-          </p:cNvCxnSpPr>
-          <p:nvPr/>
-        </p:nvCxnSpPr>
-        <p:spPr>
-          <a:xfrm flipV="1">
-            <a:off x="6679540" y="864284"/>
-            <a:ext cx="963902" cy="379932"/>
-          </a:xfrm>
-          <a:prstGeom prst="straightConnector1">
-            <a:avLst/>
-          </a:prstGeom>
-          <a:ln w="57150">
-            <a:prstDash val="sysDash"/>
-            <a:tailEnd type="triangle"/>
-          </a:ln>
-        </p:spPr>
-        <p:style>
-          <a:lnRef idx="1">
-            <a:schemeClr val="accent1"/>
-          </a:lnRef>
-          <a:fillRef idx="0">
-            <a:schemeClr val="accent1"/>
-          </a:fillRef>
-          <a:effectRef idx="0">
-            <a:schemeClr val="accent1"/>
-          </a:effectRef>
-          <a:fontRef idx="minor">
-            <a:schemeClr val="tx1"/>
-          </a:fontRef>
-        </p:style>
-      </p:cxnSp>
-      <p:sp>
-        <p:nvSpPr>
-          <p:cNvPr id="29" name="テキスト ボックス 28">
-            <a:extLst>
-              <a:ext uri="{FF2B5EF4-FFF2-40B4-BE49-F238E27FC236}">
-                <a16:creationId xmlns:a16="http://schemas.microsoft.com/office/drawing/2014/main" id="{5F475437-0345-47CF-9FE1-D668F99663DA}"/>
-              </a:ext>
-            </a:extLst>
-          </p:cNvPr>
-          <p:cNvSpPr txBox="1"/>
-          <p:nvPr/>
-        </p:nvSpPr>
-        <p:spPr>
-          <a:xfrm>
-            <a:off x="3196211" y="1811875"/>
-            <a:ext cx="1388082" cy="210358"/>
-          </a:xfrm>
-          <a:prstGeom prst="rect">
-            <a:avLst/>
-          </a:prstGeom>
-          <a:solidFill>
-            <a:srgbClr val="FFFF00"/>
-          </a:solidFill>
-          <a:ln w="12700">
-            <a:solidFill>
-              <a:schemeClr val="tx1"/>
-            </a:solidFill>
-            <a:prstDash val="dash"/>
-          </a:ln>
-        </p:spPr>
-        <p:txBody>
-          <a:bodyPr wrap="square" rtlCol="0">
-            <a:noAutofit/>
-          </a:bodyPr>
-          <a:lstStyle/>
-          <a:p>
-            <a:r>
-              <a:rPr lang="en-US" altLang="ja-JP" sz="726" dirty="0">
-                <a:latin typeface="Arial" panose="020B0604020202020204" pitchFamily="34" charset="0"/>
-                <a:cs typeface="Arial" panose="020B0604020202020204" pitchFamily="34" charset="0"/>
-              </a:rPr>
-              <a:t>If pump speed is reduced.</a:t>
-            </a:r>
-          </a:p>
-        </p:txBody>
-      </p:sp>
-      <p:sp>
-        <p:nvSpPr>
-          <p:cNvPr id="31" name="テキスト ボックス 30">
-            <a:extLst>
-              <a:ext uri="{FF2B5EF4-FFF2-40B4-BE49-F238E27FC236}">
-                <a16:creationId xmlns:a16="http://schemas.microsoft.com/office/drawing/2014/main" id="{F7B7729C-DFC0-468F-B40B-DA09B43124FD}"/>
-              </a:ext>
-            </a:extLst>
-          </p:cNvPr>
-          <p:cNvSpPr txBox="1"/>
-          <p:nvPr/>
-        </p:nvSpPr>
-        <p:spPr>
-          <a:xfrm>
-            <a:off x="5814027" y="746617"/>
-            <a:ext cx="1388082" cy="210358"/>
-          </a:xfrm>
-          <a:prstGeom prst="rect">
-            <a:avLst/>
-          </a:prstGeom>
-          <a:solidFill>
-            <a:srgbClr val="FFFF00"/>
-          </a:solidFill>
-          <a:ln w="12700">
-            <a:solidFill>
-              <a:schemeClr val="tx1"/>
-            </a:solidFill>
-            <a:prstDash val="dash"/>
-          </a:ln>
-        </p:spPr>
-        <p:txBody>
-          <a:bodyPr wrap="square" rtlCol="0">
-            <a:noAutofit/>
-          </a:bodyPr>
-          <a:lstStyle/>
-          <a:p>
-            <a:r>
-              <a:rPr lang="en-US" altLang="ja-JP" sz="726" dirty="0">
-                <a:latin typeface="Arial" panose="020B0604020202020204" pitchFamily="34" charset="0"/>
-                <a:cs typeface="Arial" panose="020B0604020202020204" pitchFamily="34" charset="0"/>
-              </a:rPr>
-              <a:t>If pump speed is increased.</a:t>
-            </a:r>
-          </a:p>
-        </p:txBody>
-      </p:sp>
-      <p:sp>
-        <p:nvSpPr>
-          <p:cNvPr id="32" name="楕円 31">
-            <a:extLst>
-              <a:ext uri="{FF2B5EF4-FFF2-40B4-BE49-F238E27FC236}">
-                <a16:creationId xmlns:a16="http://schemas.microsoft.com/office/drawing/2014/main" id="{6F1645D5-F783-41D9-9B24-5B11691851B9}"/>
-              </a:ext>
-            </a:extLst>
-          </p:cNvPr>
-          <p:cNvSpPr/>
-          <p:nvPr/>
-        </p:nvSpPr>
-        <p:spPr>
-          <a:xfrm>
-            <a:off x="6554498" y="1410481"/>
-            <a:ext cx="117873" cy="117954"/>
-          </a:xfrm>
-          <a:prstGeom prst="ellipse">
-            <a:avLst/>
-          </a:prstGeom>
-          <a:solidFill>
-            <a:srgbClr val="FF0000"/>
-          </a:solidFill>
-          <a:ln>
-            <a:solidFill>
-              <a:srgbClr val="FF0000"/>
-            </a:solidFill>
-          </a:ln>
-        </p:spPr>
-        <p:style>
-          <a:lnRef idx="2">
-            <a:schemeClr val="accent1">
-              <a:shade val="50000"/>
-            </a:schemeClr>
-          </a:lnRef>
-          <a:fillRef idx="1">
-            <a:schemeClr val="accent1"/>
-          </a:fillRef>
-          <a:effectRef idx="0">
-            <a:schemeClr val="accent1"/>
-          </a:effectRef>
-          <a:fontRef idx="minor">
-            <a:schemeClr val="lt1"/>
-          </a:fontRef>
-        </p:style>
-        <p:txBody>
-          <a:bodyPr rtlCol="0" anchor="ctr"/>
-          <a:lstStyle/>
-          <a:p>
-            <a:pPr algn="ctr"/>
-            <a:endParaRPr kumimoji="1" lang="ja-JP" altLang="en-US"/>
-          </a:p>
-        </p:txBody>
-      </p:sp>
     </p:spTree>
     <p:extLst>
       <p:ext uri="{BB962C8B-B14F-4D97-AF65-F5344CB8AC3E}">
-        <p14:creationId xmlns:p14="http://schemas.microsoft.com/office/powerpoint/2010/main" val="3306936681"/>
+        <p14:creationId xmlns:p14="http://schemas.microsoft.com/office/powerpoint/2010/main" val="2126722906"/>
       </p:ext>
     </p:extLst>
   </p:cSld>
@@ -18641,7 +18072,7 @@
           <p:cNvPr id="3" name="図 2">
             <a:extLst>
               <a:ext uri="{FF2B5EF4-FFF2-40B4-BE49-F238E27FC236}">
-                <a16:creationId xmlns:a16="http://schemas.microsoft.com/office/drawing/2014/main" id="{8A354606-FE4B-40DF-A5A7-8CC62764A7DE}"/>
+                <a16:creationId xmlns:a16="http://schemas.microsoft.com/office/drawing/2014/main" id="{1C87AFC4-E869-46C3-AEFD-D14EF043546E}"/>
               </a:ext>
             </a:extLst>
           </p:cNvPr>
@@ -18650,25 +18081,571 @@
           </p:cNvPicPr>
           <p:nvPr/>
         </p:nvPicPr>
-        <p:blipFill rotWithShape="1">
+        <p:blipFill>
           <a:blip r:embed="rId2"/>
-          <a:srcRect b="40451"/>
-          <a:stretch/>
+          <a:stretch>
+            <a:fillRect/>
+          </a:stretch>
         </p:blipFill>
         <p:spPr>
           <a:xfrm>
-            <a:off x="2676952" y="1086143"/>
-            <a:ext cx="6838095" cy="2790288"/>
+            <a:off x="2004609" y="468924"/>
+            <a:ext cx="7200000" cy="5470085"/>
           </a:xfrm>
           <a:prstGeom prst="rect">
             <a:avLst/>
           </a:prstGeom>
         </p:spPr>
       </p:pic>
+      <p:sp>
+        <p:nvSpPr>
+          <p:cNvPr id="4" name="テキスト ボックス 3">
+            <a:extLst>
+              <a:ext uri="{FF2B5EF4-FFF2-40B4-BE49-F238E27FC236}">
+                <a16:creationId xmlns:a16="http://schemas.microsoft.com/office/drawing/2014/main" id="{97F60750-3B49-4F0E-857A-8ADC63AD950B}"/>
+              </a:ext>
+            </a:extLst>
+          </p:cNvPr>
+          <p:cNvSpPr txBox="1"/>
+          <p:nvPr/>
+        </p:nvSpPr>
+        <p:spPr>
+          <a:xfrm>
+            <a:off x="6894311" y="4927875"/>
+            <a:ext cx="1958606" cy="462788"/>
+          </a:xfrm>
+          <a:prstGeom prst="rect">
+            <a:avLst/>
+          </a:prstGeom>
+          <a:solidFill>
+            <a:srgbClr val="FFFF00"/>
+          </a:solidFill>
+          <a:ln>
+            <a:solidFill>
+              <a:schemeClr val="tx1"/>
+            </a:solidFill>
+          </a:ln>
+        </p:spPr>
+        <p:txBody>
+          <a:bodyPr wrap="square" rtlCol="0">
+            <a:noAutofit/>
+          </a:bodyPr>
+          <a:lstStyle/>
+          <a:p>
+            <a:r>
+              <a:rPr lang="en-US" altLang="ja-JP" sz="726" dirty="0">
+                <a:latin typeface="Arial" panose="020B0604020202020204" pitchFamily="34" charset="0"/>
+                <a:cs typeface="Arial" panose="020B0604020202020204" pitchFamily="34" charset="0"/>
+              </a:rPr>
+              <a:t>Output: </a:t>
+            </a:r>
+          </a:p>
+          <a:p>
+            <a:r>
+              <a:rPr lang="en-US" altLang="ja-JP" sz="726" dirty="0">
+                <a:latin typeface="Arial" panose="020B0604020202020204" pitchFamily="34" charset="0"/>
+                <a:cs typeface="Arial" panose="020B0604020202020204" pitchFamily="34" charset="0"/>
+              </a:rPr>
+              <a:t> pressure difference of valve vs. mass flow rate via valve.</a:t>
+            </a:r>
+          </a:p>
+        </p:txBody>
+      </p:sp>
+      <p:cxnSp>
+        <p:nvCxnSpPr>
+          <p:cNvPr id="5" name="直線矢印コネクタ 4">
+            <a:extLst>
+              <a:ext uri="{FF2B5EF4-FFF2-40B4-BE49-F238E27FC236}">
+                <a16:creationId xmlns:a16="http://schemas.microsoft.com/office/drawing/2014/main" id="{CD459D5E-8256-446E-99A1-E26C4A393E9F}"/>
+              </a:ext>
+            </a:extLst>
+          </p:cNvPr>
+          <p:cNvCxnSpPr>
+            <a:cxnSpLocks/>
+            <a:stCxn id="4" idx="0"/>
+          </p:cNvCxnSpPr>
+          <p:nvPr/>
+        </p:nvCxnSpPr>
+        <p:spPr>
+          <a:xfrm flipH="1" flipV="1">
+            <a:off x="6554498" y="4270269"/>
+            <a:ext cx="1319116" cy="657606"/>
+          </a:xfrm>
+          <a:prstGeom prst="straightConnector1">
+            <a:avLst/>
+          </a:prstGeom>
+          <a:ln w="12700">
+            <a:solidFill>
+              <a:schemeClr val="tx1"/>
+            </a:solidFill>
+            <a:tailEnd type="oval"/>
+          </a:ln>
+        </p:spPr>
+        <p:style>
+          <a:lnRef idx="1">
+            <a:schemeClr val="accent1"/>
+          </a:lnRef>
+          <a:fillRef idx="0">
+            <a:schemeClr val="accent1"/>
+          </a:fillRef>
+          <a:effectRef idx="0">
+            <a:schemeClr val="accent1"/>
+          </a:effectRef>
+          <a:fontRef idx="minor">
+            <a:schemeClr val="tx1"/>
+          </a:fontRef>
+        </p:style>
+      </p:cxnSp>
+      <p:cxnSp>
+        <p:nvCxnSpPr>
+          <p:cNvPr id="7" name="直線矢印コネクタ 6">
+            <a:extLst>
+              <a:ext uri="{FF2B5EF4-FFF2-40B4-BE49-F238E27FC236}">
+                <a16:creationId xmlns:a16="http://schemas.microsoft.com/office/drawing/2014/main" id="{042D3F0D-FFA5-488B-921D-05DBA196B2D4}"/>
+              </a:ext>
+            </a:extLst>
+          </p:cNvPr>
+          <p:cNvCxnSpPr/>
+          <p:nvPr/>
+        </p:nvCxnSpPr>
+        <p:spPr>
+          <a:xfrm flipV="1">
+            <a:off x="4262182" y="4066982"/>
+            <a:ext cx="1785270" cy="681790"/>
+          </a:xfrm>
+          <a:prstGeom prst="straightConnector1">
+            <a:avLst/>
+          </a:prstGeom>
+          <a:ln w="57150">
+            <a:tailEnd type="triangle"/>
+          </a:ln>
+        </p:spPr>
+        <p:style>
+          <a:lnRef idx="1">
+            <a:schemeClr val="accent1"/>
+          </a:lnRef>
+          <a:fillRef idx="0">
+            <a:schemeClr val="accent1"/>
+          </a:fillRef>
+          <a:effectRef idx="0">
+            <a:schemeClr val="accent1"/>
+          </a:effectRef>
+          <a:fontRef idx="minor">
+            <a:schemeClr val="tx1"/>
+          </a:fontRef>
+        </p:style>
+      </p:cxnSp>
+      <p:sp>
+        <p:nvSpPr>
+          <p:cNvPr id="9" name="テキスト ボックス 8">
+            <a:extLst>
+              <a:ext uri="{FF2B5EF4-FFF2-40B4-BE49-F238E27FC236}">
+                <a16:creationId xmlns:a16="http://schemas.microsoft.com/office/drawing/2014/main" id="{9FBCB7C6-F0DF-4D82-89E9-191279627F0B}"/>
+              </a:ext>
+            </a:extLst>
+          </p:cNvPr>
+          <p:cNvSpPr txBox="1"/>
+          <p:nvPr/>
+        </p:nvSpPr>
+        <p:spPr>
+          <a:xfrm>
+            <a:off x="3196211" y="4066982"/>
+            <a:ext cx="1958606" cy="231394"/>
+          </a:xfrm>
+          <a:prstGeom prst="rect">
+            <a:avLst/>
+          </a:prstGeom>
+          <a:solidFill>
+            <a:srgbClr val="FFFF00"/>
+          </a:solidFill>
+          <a:ln>
+            <a:solidFill>
+              <a:schemeClr val="tx1"/>
+            </a:solidFill>
+          </a:ln>
+        </p:spPr>
+        <p:txBody>
+          <a:bodyPr wrap="square" rtlCol="0">
+            <a:noAutofit/>
+          </a:bodyPr>
+          <a:lstStyle/>
+          <a:p>
+            <a:r>
+              <a:rPr lang="en-US" altLang="ja-JP" sz="726" dirty="0">
+                <a:latin typeface="Arial" panose="020B0604020202020204" pitchFamily="34" charset="0"/>
+                <a:cs typeface="Arial" panose="020B0604020202020204" pitchFamily="34" charset="0"/>
+              </a:rPr>
+              <a:t>Increase in pump rotation speed.</a:t>
+            </a:r>
+          </a:p>
+        </p:txBody>
+      </p:sp>
+      <p:cxnSp>
+        <p:nvCxnSpPr>
+          <p:cNvPr id="10" name="直線矢印コネクタ 9">
+            <a:extLst>
+              <a:ext uri="{FF2B5EF4-FFF2-40B4-BE49-F238E27FC236}">
+                <a16:creationId xmlns:a16="http://schemas.microsoft.com/office/drawing/2014/main" id="{AD9598A7-AFA4-4777-B232-F2EF2222C901}"/>
+              </a:ext>
+            </a:extLst>
+          </p:cNvPr>
+          <p:cNvCxnSpPr>
+            <a:cxnSpLocks/>
+          </p:cNvCxnSpPr>
+          <p:nvPr/>
+        </p:nvCxnSpPr>
+        <p:spPr>
+          <a:xfrm flipH="1" flipV="1">
+            <a:off x="6857500" y="1969073"/>
+            <a:ext cx="915400" cy="866690"/>
+          </a:xfrm>
+          <a:prstGeom prst="straightConnector1">
+            <a:avLst/>
+          </a:prstGeom>
+          <a:ln w="57150">
+            <a:tailEnd type="triangle"/>
+          </a:ln>
+        </p:spPr>
+        <p:style>
+          <a:lnRef idx="1">
+            <a:schemeClr val="accent1"/>
+          </a:lnRef>
+          <a:fillRef idx="0">
+            <a:schemeClr val="accent1"/>
+          </a:fillRef>
+          <a:effectRef idx="0">
+            <a:schemeClr val="accent1"/>
+          </a:effectRef>
+          <a:fontRef idx="minor">
+            <a:schemeClr val="tx1"/>
+          </a:fontRef>
+        </p:style>
+      </p:cxnSp>
+      <p:sp>
+        <p:nvSpPr>
+          <p:cNvPr id="14" name="テキスト ボックス 13">
+            <a:extLst>
+              <a:ext uri="{FF2B5EF4-FFF2-40B4-BE49-F238E27FC236}">
+                <a16:creationId xmlns:a16="http://schemas.microsoft.com/office/drawing/2014/main" id="{F65E9BFD-A7C2-4261-BF27-43366943461C}"/>
+              </a:ext>
+            </a:extLst>
+          </p:cNvPr>
+          <p:cNvSpPr txBox="1"/>
+          <p:nvPr/>
+        </p:nvSpPr>
+        <p:spPr>
+          <a:xfrm>
+            <a:off x="5772303" y="2474820"/>
+            <a:ext cx="1471531" cy="231394"/>
+          </a:xfrm>
+          <a:prstGeom prst="rect">
+            <a:avLst/>
+          </a:prstGeom>
+          <a:solidFill>
+            <a:srgbClr val="FFFF00"/>
+          </a:solidFill>
+          <a:ln>
+            <a:solidFill>
+              <a:schemeClr val="tx1"/>
+            </a:solidFill>
+          </a:ln>
+        </p:spPr>
+        <p:txBody>
+          <a:bodyPr wrap="square" rtlCol="0">
+            <a:noAutofit/>
+          </a:bodyPr>
+          <a:lstStyle/>
+          <a:p>
+            <a:r>
+              <a:rPr lang="en-US" altLang="ja-JP" sz="726" dirty="0">
+                <a:latin typeface="Arial" panose="020B0604020202020204" pitchFamily="34" charset="0"/>
+                <a:cs typeface="Arial" panose="020B0604020202020204" pitchFamily="34" charset="0"/>
+              </a:rPr>
+              <a:t>Close of valve (from 1 to 0.5).</a:t>
+            </a:r>
+          </a:p>
+        </p:txBody>
+      </p:sp>
+      <p:cxnSp>
+        <p:nvCxnSpPr>
+          <p:cNvPr id="15" name="直線矢印コネクタ 14">
+            <a:extLst>
+              <a:ext uri="{FF2B5EF4-FFF2-40B4-BE49-F238E27FC236}">
+                <a16:creationId xmlns:a16="http://schemas.microsoft.com/office/drawing/2014/main" id="{997E26E6-595D-4022-9988-FF5BD7944550}"/>
+              </a:ext>
+            </a:extLst>
+          </p:cNvPr>
+          <p:cNvCxnSpPr>
+            <a:cxnSpLocks/>
+          </p:cNvCxnSpPr>
+          <p:nvPr/>
+        </p:nvCxnSpPr>
+        <p:spPr>
+          <a:xfrm flipH="1">
+            <a:off x="4092704" y="1811875"/>
+            <a:ext cx="1132845" cy="462851"/>
+          </a:xfrm>
+          <a:prstGeom prst="straightConnector1">
+            <a:avLst/>
+          </a:prstGeom>
+          <a:ln w="57150">
+            <a:prstDash val="sysDash"/>
+            <a:tailEnd type="triangle"/>
+          </a:ln>
+        </p:spPr>
+        <p:style>
+          <a:lnRef idx="1">
+            <a:schemeClr val="accent1"/>
+          </a:lnRef>
+          <a:fillRef idx="0">
+            <a:schemeClr val="accent1"/>
+          </a:fillRef>
+          <a:effectRef idx="0">
+            <a:schemeClr val="accent1"/>
+          </a:effectRef>
+          <a:fontRef idx="minor">
+            <a:schemeClr val="tx1"/>
+          </a:fontRef>
+        </p:style>
+      </p:cxnSp>
+      <p:cxnSp>
+        <p:nvCxnSpPr>
+          <p:cNvPr id="19" name="直線コネクタ 18">
+            <a:extLst>
+              <a:ext uri="{FF2B5EF4-FFF2-40B4-BE49-F238E27FC236}">
+                <a16:creationId xmlns:a16="http://schemas.microsoft.com/office/drawing/2014/main" id="{E9BAC9CF-F5FA-4B76-82D9-5F8E3A05CBCF}"/>
+              </a:ext>
+            </a:extLst>
+          </p:cNvPr>
+          <p:cNvCxnSpPr>
+            <a:cxnSpLocks/>
+          </p:cNvCxnSpPr>
+          <p:nvPr/>
+        </p:nvCxnSpPr>
+        <p:spPr>
+          <a:xfrm flipH="1">
+            <a:off x="2987391" y="928749"/>
+            <a:ext cx="5084817" cy="1877358"/>
+          </a:xfrm>
+          <a:prstGeom prst="line">
+            <a:avLst/>
+          </a:prstGeom>
+          <a:ln w="12700">
+            <a:solidFill>
+              <a:srgbClr val="FF0000"/>
+            </a:solidFill>
+            <a:prstDash val="dash"/>
+            <a:headEnd type="arrow" w="med" len="med"/>
+            <a:tailEnd type="arrow" w="med" len="med"/>
+          </a:ln>
+        </p:spPr>
+        <p:style>
+          <a:lnRef idx="1">
+            <a:schemeClr val="accent1"/>
+          </a:lnRef>
+          <a:fillRef idx="0">
+            <a:schemeClr val="accent1"/>
+          </a:fillRef>
+          <a:effectRef idx="0">
+            <a:schemeClr val="accent1"/>
+          </a:effectRef>
+          <a:fontRef idx="minor">
+            <a:schemeClr val="tx1"/>
+          </a:fontRef>
+        </p:style>
+      </p:cxnSp>
+      <p:cxnSp>
+        <p:nvCxnSpPr>
+          <p:cNvPr id="25" name="直線矢印コネクタ 24">
+            <a:extLst>
+              <a:ext uri="{FF2B5EF4-FFF2-40B4-BE49-F238E27FC236}">
+                <a16:creationId xmlns:a16="http://schemas.microsoft.com/office/drawing/2014/main" id="{F0EDFA1E-951F-4FA1-B0FB-40CDF9A3C747}"/>
+              </a:ext>
+            </a:extLst>
+          </p:cNvPr>
+          <p:cNvCxnSpPr>
+            <a:cxnSpLocks/>
+          </p:cNvCxnSpPr>
+          <p:nvPr/>
+        </p:nvCxnSpPr>
+        <p:spPr>
+          <a:xfrm flipV="1">
+            <a:off x="6679540" y="864284"/>
+            <a:ext cx="963902" cy="379932"/>
+          </a:xfrm>
+          <a:prstGeom prst="straightConnector1">
+            <a:avLst/>
+          </a:prstGeom>
+          <a:ln w="57150">
+            <a:prstDash val="sysDash"/>
+            <a:tailEnd type="triangle"/>
+          </a:ln>
+        </p:spPr>
+        <p:style>
+          <a:lnRef idx="1">
+            <a:schemeClr val="accent1"/>
+          </a:lnRef>
+          <a:fillRef idx="0">
+            <a:schemeClr val="accent1"/>
+          </a:fillRef>
+          <a:effectRef idx="0">
+            <a:schemeClr val="accent1"/>
+          </a:effectRef>
+          <a:fontRef idx="minor">
+            <a:schemeClr val="tx1"/>
+          </a:fontRef>
+        </p:style>
+      </p:cxnSp>
+      <p:sp>
+        <p:nvSpPr>
+          <p:cNvPr id="29" name="テキスト ボックス 28">
+            <a:extLst>
+              <a:ext uri="{FF2B5EF4-FFF2-40B4-BE49-F238E27FC236}">
+                <a16:creationId xmlns:a16="http://schemas.microsoft.com/office/drawing/2014/main" id="{5F475437-0345-47CF-9FE1-D668F99663DA}"/>
+              </a:ext>
+            </a:extLst>
+          </p:cNvPr>
+          <p:cNvSpPr txBox="1"/>
+          <p:nvPr/>
+        </p:nvSpPr>
+        <p:spPr>
+          <a:xfrm>
+            <a:off x="3196211" y="1811875"/>
+            <a:ext cx="1388082" cy="210358"/>
+          </a:xfrm>
+          <a:prstGeom prst="rect">
+            <a:avLst/>
+          </a:prstGeom>
+          <a:solidFill>
+            <a:srgbClr val="FFFF00"/>
+          </a:solidFill>
+          <a:ln w="12700">
+            <a:solidFill>
+              <a:schemeClr val="tx1"/>
+            </a:solidFill>
+            <a:prstDash val="dash"/>
+          </a:ln>
+        </p:spPr>
+        <p:txBody>
+          <a:bodyPr wrap="square" rtlCol="0">
+            <a:noAutofit/>
+          </a:bodyPr>
+          <a:lstStyle/>
+          <a:p>
+            <a:r>
+              <a:rPr lang="en-US" altLang="ja-JP" sz="726" dirty="0">
+                <a:latin typeface="Arial" panose="020B0604020202020204" pitchFamily="34" charset="0"/>
+                <a:cs typeface="Arial" panose="020B0604020202020204" pitchFamily="34" charset="0"/>
+              </a:rPr>
+              <a:t>If pump speed is reduced.</a:t>
+            </a:r>
+          </a:p>
+        </p:txBody>
+      </p:sp>
+      <p:sp>
+        <p:nvSpPr>
+          <p:cNvPr id="31" name="テキスト ボックス 30">
+            <a:extLst>
+              <a:ext uri="{FF2B5EF4-FFF2-40B4-BE49-F238E27FC236}">
+                <a16:creationId xmlns:a16="http://schemas.microsoft.com/office/drawing/2014/main" id="{F7B7729C-DFC0-468F-B40B-DA09B43124FD}"/>
+              </a:ext>
+            </a:extLst>
+          </p:cNvPr>
+          <p:cNvSpPr txBox="1"/>
+          <p:nvPr/>
+        </p:nvSpPr>
+        <p:spPr>
+          <a:xfrm>
+            <a:off x="5814027" y="746617"/>
+            <a:ext cx="1388082" cy="210358"/>
+          </a:xfrm>
+          <a:prstGeom prst="rect">
+            <a:avLst/>
+          </a:prstGeom>
+          <a:solidFill>
+            <a:srgbClr val="FFFF00"/>
+          </a:solidFill>
+          <a:ln w="12700">
+            <a:solidFill>
+              <a:schemeClr val="tx1"/>
+            </a:solidFill>
+            <a:prstDash val="dash"/>
+          </a:ln>
+        </p:spPr>
+        <p:txBody>
+          <a:bodyPr wrap="square" rtlCol="0">
+            <a:noAutofit/>
+          </a:bodyPr>
+          <a:lstStyle/>
+          <a:p>
+            <a:r>
+              <a:rPr lang="en-US" altLang="ja-JP" sz="726" dirty="0">
+                <a:latin typeface="Arial" panose="020B0604020202020204" pitchFamily="34" charset="0"/>
+                <a:cs typeface="Arial" panose="020B0604020202020204" pitchFamily="34" charset="0"/>
+              </a:rPr>
+              <a:t>If pump speed is increased.</a:t>
+            </a:r>
+          </a:p>
+        </p:txBody>
+      </p:sp>
+      <p:sp>
+        <p:nvSpPr>
+          <p:cNvPr id="32" name="楕円 31">
+            <a:extLst>
+              <a:ext uri="{FF2B5EF4-FFF2-40B4-BE49-F238E27FC236}">
+                <a16:creationId xmlns:a16="http://schemas.microsoft.com/office/drawing/2014/main" id="{6F1645D5-F783-41D9-9B24-5B11691851B9}"/>
+              </a:ext>
+            </a:extLst>
+          </p:cNvPr>
+          <p:cNvSpPr/>
+          <p:nvPr/>
+        </p:nvSpPr>
+        <p:spPr>
+          <a:xfrm>
+            <a:off x="6554498" y="1410481"/>
+            <a:ext cx="117873" cy="117954"/>
+          </a:xfrm>
+          <a:prstGeom prst="ellipse">
+            <a:avLst/>
+          </a:prstGeom>
+          <a:solidFill>
+            <a:srgbClr val="FF0000"/>
+          </a:solidFill>
+          <a:ln>
+            <a:solidFill>
+              <a:srgbClr val="FF0000"/>
+            </a:solidFill>
+          </a:ln>
+        </p:spPr>
+        <p:style>
+          <a:lnRef idx="2">
+            <a:schemeClr val="accent1">
+              <a:shade val="50000"/>
+            </a:schemeClr>
+          </a:lnRef>
+          <a:fillRef idx="1">
+            <a:schemeClr val="accent1"/>
+          </a:fillRef>
+          <a:effectRef idx="0">
+            <a:schemeClr val="accent1"/>
+          </a:effectRef>
+          <a:fontRef idx="minor">
+            <a:schemeClr val="lt1"/>
+          </a:fontRef>
+        </p:style>
+        <p:txBody>
+          <a:bodyPr rtlCol="0" anchor="ctr"/>
+          <a:lstStyle/>
+          <a:p>
+            <a:pPr algn="ctr"/>
+            <a:endParaRPr kumimoji="1" lang="ja-JP" altLang="en-US"/>
+          </a:p>
+        </p:txBody>
+      </p:sp>
     </p:spTree>
     <p:extLst>
       <p:ext uri="{BB962C8B-B14F-4D97-AF65-F5344CB8AC3E}">
-        <p14:creationId xmlns:p14="http://schemas.microsoft.com/office/powerpoint/2010/main" val="4256252250"/>
+        <p14:creationId xmlns:p14="http://schemas.microsoft.com/office/powerpoint/2010/main" val="3306936681"/>
       </p:ext>
     </p:extLst>
   </p:cSld>
@@ -18700,7 +18677,7 @@
           <p:cNvPr id="3" name="図 2">
             <a:extLst>
               <a:ext uri="{FF2B5EF4-FFF2-40B4-BE49-F238E27FC236}">
-                <a16:creationId xmlns:a16="http://schemas.microsoft.com/office/drawing/2014/main" id="{AB48BEEF-767E-45C8-A615-BB63D5F8407E}"/>
+                <a16:creationId xmlns:a16="http://schemas.microsoft.com/office/drawing/2014/main" id="{8A354606-FE4B-40DF-A5A7-8CC62764A7DE}"/>
               </a:ext>
             </a:extLst>
           </p:cNvPr>
@@ -18711,696 +18688,23 @@
         </p:nvPicPr>
         <p:blipFill rotWithShape="1">
           <a:blip r:embed="rId2"/>
-          <a:srcRect b="38876"/>
+          <a:srcRect b="40451"/>
           <a:stretch/>
         </p:blipFill>
         <p:spPr>
           <a:xfrm>
-            <a:off x="2994302" y="1787494"/>
-            <a:ext cx="6203396" cy="2598248"/>
+            <a:off x="2676952" y="1086143"/>
+            <a:ext cx="6838095" cy="2790288"/>
           </a:xfrm>
           <a:prstGeom prst="rect">
             <a:avLst/>
           </a:prstGeom>
         </p:spPr>
       </p:pic>
-      <p:sp>
-        <p:nvSpPr>
-          <p:cNvPr id="4" name="テキスト ボックス 3">
-            <a:extLst>
-              <a:ext uri="{FF2B5EF4-FFF2-40B4-BE49-F238E27FC236}">
-                <a16:creationId xmlns:a16="http://schemas.microsoft.com/office/drawing/2014/main" id="{0E55A3D1-88C9-46C4-9917-4384ADB54C73}"/>
-              </a:ext>
-            </a:extLst>
-          </p:cNvPr>
-          <p:cNvSpPr txBox="1"/>
-          <p:nvPr/>
-        </p:nvSpPr>
-        <p:spPr>
-          <a:xfrm>
-            <a:off x="4526715" y="1951991"/>
-            <a:ext cx="1374866" cy="567313"/>
-          </a:xfrm>
-          <a:prstGeom prst="rect">
-            <a:avLst/>
-          </a:prstGeom>
-          <a:solidFill>
-            <a:srgbClr val="92D050">
-              <a:alpha val="60000"/>
-            </a:srgbClr>
-          </a:solidFill>
-          <a:ln>
-            <a:solidFill>
-              <a:schemeClr val="tx1"/>
-            </a:solidFill>
-          </a:ln>
-        </p:spPr>
-        <p:txBody>
-          <a:bodyPr wrap="square" rtlCol="0">
-            <a:noAutofit/>
-          </a:bodyPr>
-          <a:lstStyle/>
-          <a:p>
-            <a:r>
-              <a:rPr lang="en-US" altLang="ja-JP" sz="907" dirty="0">
-                <a:latin typeface="ＭＳ Ｐゴシック" panose="020B0600070205080204" pitchFamily="50" charset="-128"/>
-                <a:ea typeface="ＭＳ Ｐゴシック" panose="020B0600070205080204" pitchFamily="50" charset="-128"/>
-                <a:cs typeface="Arial" panose="020B0604020202020204" pitchFamily="34" charset="0"/>
-              </a:rPr>
-              <a:t>Pipe= Flow resistance.</a:t>
-            </a:r>
-          </a:p>
-          <a:p>
-            <a:r>
-              <a:rPr lang="en-US" altLang="ja-JP" sz="907" dirty="0">
-                <a:latin typeface="ＭＳ Ｐゴシック" panose="020B0600070205080204" pitchFamily="50" charset="-128"/>
-                <a:ea typeface="ＭＳ Ｐゴシック" panose="020B0600070205080204" pitchFamily="50" charset="-128"/>
-                <a:cs typeface="Arial" panose="020B0604020202020204" pitchFamily="34" charset="0"/>
-              </a:rPr>
-              <a:t>-. Fluid pressure drops through it.</a:t>
-            </a:r>
-          </a:p>
-        </p:txBody>
-      </p:sp>
-      <p:cxnSp>
-        <p:nvCxnSpPr>
-          <p:cNvPr id="5" name="直線矢印コネクタ 4">
-            <a:extLst>
-              <a:ext uri="{FF2B5EF4-FFF2-40B4-BE49-F238E27FC236}">
-                <a16:creationId xmlns:a16="http://schemas.microsoft.com/office/drawing/2014/main" id="{09EC11B6-4E22-484D-AAAC-DF8E43BE7174}"/>
-              </a:ext>
-            </a:extLst>
-          </p:cNvPr>
-          <p:cNvCxnSpPr>
-            <a:cxnSpLocks/>
-            <a:stCxn id="4" idx="3"/>
-          </p:cNvCxnSpPr>
-          <p:nvPr/>
-        </p:nvCxnSpPr>
-        <p:spPr>
-          <a:xfrm>
-            <a:off x="5901581" y="2235647"/>
-            <a:ext cx="675764" cy="1274482"/>
-          </a:xfrm>
-          <a:prstGeom prst="straightConnector1">
-            <a:avLst/>
-          </a:prstGeom>
-          <a:ln w="12700">
-            <a:solidFill>
-              <a:schemeClr val="tx1"/>
-            </a:solidFill>
-            <a:tailEnd type="oval"/>
-          </a:ln>
-        </p:spPr>
-        <p:style>
-          <a:lnRef idx="1">
-            <a:schemeClr val="accent1"/>
-          </a:lnRef>
-          <a:fillRef idx="0">
-            <a:schemeClr val="accent1"/>
-          </a:fillRef>
-          <a:effectRef idx="0">
-            <a:schemeClr val="accent1"/>
-          </a:effectRef>
-          <a:fontRef idx="minor">
-            <a:schemeClr val="tx1"/>
-          </a:fontRef>
-        </p:style>
-      </p:cxnSp>
-      <p:cxnSp>
-        <p:nvCxnSpPr>
-          <p:cNvPr id="15" name="直線矢印コネクタ 14">
-            <a:extLst>
-              <a:ext uri="{FF2B5EF4-FFF2-40B4-BE49-F238E27FC236}">
-                <a16:creationId xmlns:a16="http://schemas.microsoft.com/office/drawing/2014/main" id="{26FA83A2-BD09-4555-A9DF-EC55189CAA54}"/>
-              </a:ext>
-            </a:extLst>
-          </p:cNvPr>
-          <p:cNvCxnSpPr>
-            <a:cxnSpLocks/>
-            <a:stCxn id="27" idx="0"/>
-          </p:cNvCxnSpPr>
-          <p:nvPr/>
-        </p:nvCxnSpPr>
-        <p:spPr>
-          <a:xfrm flipV="1">
-            <a:off x="3804362" y="3982063"/>
-            <a:ext cx="445845" cy="439943"/>
-          </a:xfrm>
-          <a:prstGeom prst="straightConnector1">
-            <a:avLst/>
-          </a:prstGeom>
-          <a:ln w="12700">
-            <a:solidFill>
-              <a:schemeClr val="tx1"/>
-            </a:solidFill>
-            <a:tailEnd type="oval"/>
-          </a:ln>
-        </p:spPr>
-        <p:style>
-          <a:lnRef idx="1">
-            <a:schemeClr val="accent1"/>
-          </a:lnRef>
-          <a:fillRef idx="0">
-            <a:schemeClr val="accent1"/>
-          </a:fillRef>
-          <a:effectRef idx="0">
-            <a:schemeClr val="accent1"/>
-          </a:effectRef>
-          <a:fontRef idx="minor">
-            <a:schemeClr val="tx1"/>
-          </a:fontRef>
-        </p:style>
-      </p:cxnSp>
-      <p:sp>
-        <p:nvSpPr>
-          <p:cNvPr id="27" name="テキスト ボックス 26">
-            <a:extLst>
-              <a:ext uri="{FF2B5EF4-FFF2-40B4-BE49-F238E27FC236}">
-                <a16:creationId xmlns:a16="http://schemas.microsoft.com/office/drawing/2014/main" id="{FAFF685B-35D8-4007-8385-5AA3CEC86D7B}"/>
-              </a:ext>
-            </a:extLst>
-          </p:cNvPr>
-          <p:cNvSpPr txBox="1"/>
-          <p:nvPr/>
-        </p:nvSpPr>
-        <p:spPr>
-          <a:xfrm>
-            <a:off x="2908929" y="4422006"/>
-            <a:ext cx="1790865" cy="816305"/>
-          </a:xfrm>
-          <a:prstGeom prst="rect">
-            <a:avLst/>
-          </a:prstGeom>
-          <a:solidFill>
-            <a:srgbClr val="00B0F0">
-              <a:alpha val="60000"/>
-            </a:srgbClr>
-          </a:solidFill>
-          <a:ln>
-            <a:solidFill>
-              <a:schemeClr val="tx1"/>
-            </a:solidFill>
-          </a:ln>
-        </p:spPr>
-        <p:txBody>
-          <a:bodyPr wrap="square" rtlCol="0">
-            <a:noAutofit/>
-          </a:bodyPr>
-          <a:lstStyle/>
-          <a:p>
-            <a:r>
-              <a:rPr lang="en-US" altLang="ja-JP" sz="907" dirty="0">
-                <a:latin typeface="ＭＳ Ｐゴシック" panose="020B0600070205080204" pitchFamily="50" charset="-128"/>
-                <a:ea typeface="ＭＳ Ｐゴシック" panose="020B0600070205080204" pitchFamily="50" charset="-128"/>
-                <a:cs typeface="Arial" panose="020B0604020202020204" pitchFamily="34" charset="0"/>
-              </a:rPr>
-              <a:t>Input (boundary cond.): </a:t>
-            </a:r>
-          </a:p>
-          <a:p>
-            <a:r>
-              <a:rPr lang="en-US" altLang="ja-JP" sz="907" dirty="0">
-                <a:latin typeface="ＭＳ Ｐゴシック" panose="020B0600070205080204" pitchFamily="50" charset="-128"/>
-                <a:ea typeface="ＭＳ Ｐゴシック" panose="020B0600070205080204" pitchFamily="50" charset="-128"/>
-                <a:cs typeface="Arial" panose="020B0604020202020204" pitchFamily="34" charset="0"/>
-              </a:rPr>
-              <a:t>-. mass flow rate with ramp in time. Increase it gradually.</a:t>
-            </a:r>
-          </a:p>
-          <a:p>
-            <a:r>
-              <a:rPr lang="en-US" altLang="ja-JP" sz="907" dirty="0">
-                <a:latin typeface="ＭＳ Ｐゴシック" panose="020B0600070205080204" pitchFamily="50" charset="-128"/>
-                <a:ea typeface="ＭＳ Ｐゴシック" panose="020B0600070205080204" pitchFamily="50" charset="-128"/>
-                <a:cs typeface="Arial" panose="020B0604020202020204" pitchFamily="34" charset="0"/>
-              </a:rPr>
-              <a:t>-. Inlet temperature with fixed value. </a:t>
-            </a:r>
-          </a:p>
-        </p:txBody>
-      </p:sp>
-      <p:sp>
-        <p:nvSpPr>
-          <p:cNvPr id="32" name="テキスト ボックス 31">
-            <a:extLst>
-              <a:ext uri="{FF2B5EF4-FFF2-40B4-BE49-F238E27FC236}">
-                <a16:creationId xmlns:a16="http://schemas.microsoft.com/office/drawing/2014/main" id="{009AFEBC-324F-4D6C-89B9-0AE5653FC1CC}"/>
-              </a:ext>
-            </a:extLst>
-          </p:cNvPr>
-          <p:cNvSpPr txBox="1"/>
-          <p:nvPr/>
-        </p:nvSpPr>
-        <p:spPr>
-          <a:xfrm>
-            <a:off x="8438897" y="4422007"/>
-            <a:ext cx="1514966" cy="555156"/>
-          </a:xfrm>
-          <a:prstGeom prst="rect">
-            <a:avLst/>
-          </a:prstGeom>
-          <a:solidFill>
-            <a:srgbClr val="00B0F0">
-              <a:alpha val="60000"/>
-            </a:srgbClr>
-          </a:solidFill>
-          <a:ln>
-            <a:solidFill>
-              <a:schemeClr val="tx1"/>
-            </a:solidFill>
-          </a:ln>
-        </p:spPr>
-        <p:txBody>
-          <a:bodyPr wrap="square" rtlCol="0">
-            <a:noAutofit/>
-          </a:bodyPr>
-          <a:lstStyle/>
-          <a:p>
-            <a:r>
-              <a:rPr lang="en-US" altLang="ja-JP" sz="907" dirty="0">
-                <a:latin typeface="ＭＳ Ｐゴシック" panose="020B0600070205080204" pitchFamily="50" charset="-128"/>
-                <a:ea typeface="ＭＳ Ｐゴシック" panose="020B0600070205080204" pitchFamily="50" charset="-128"/>
-                <a:cs typeface="Arial" panose="020B0604020202020204" pitchFamily="34" charset="0"/>
-              </a:rPr>
-              <a:t>Input (boundary cond.): </a:t>
-            </a:r>
-          </a:p>
-          <a:p>
-            <a:r>
-              <a:rPr lang="en-US" altLang="ja-JP" sz="907" dirty="0">
-                <a:latin typeface="ＭＳ Ｐゴシック" panose="020B0600070205080204" pitchFamily="50" charset="-128"/>
-                <a:ea typeface="ＭＳ Ｐゴシック" panose="020B0600070205080204" pitchFamily="50" charset="-128"/>
-                <a:cs typeface="Arial" panose="020B0604020202020204" pitchFamily="34" charset="0"/>
-              </a:rPr>
-              <a:t>-. Outlet pressure with fixed value. </a:t>
-            </a:r>
-          </a:p>
-        </p:txBody>
-      </p:sp>
-      <p:cxnSp>
-        <p:nvCxnSpPr>
-          <p:cNvPr id="33" name="直線矢印コネクタ 32">
-            <a:extLst>
-              <a:ext uri="{FF2B5EF4-FFF2-40B4-BE49-F238E27FC236}">
-                <a16:creationId xmlns:a16="http://schemas.microsoft.com/office/drawing/2014/main" id="{7D70DFCB-03CF-468A-87B1-4F2FEDA8CC1F}"/>
-              </a:ext>
-            </a:extLst>
-          </p:cNvPr>
-          <p:cNvCxnSpPr>
-            <a:cxnSpLocks/>
-            <a:stCxn id="32" idx="0"/>
-          </p:cNvCxnSpPr>
-          <p:nvPr/>
-        </p:nvCxnSpPr>
-        <p:spPr>
-          <a:xfrm flipH="1" flipV="1">
-            <a:off x="8830470" y="3982063"/>
-            <a:ext cx="365910" cy="439944"/>
-          </a:xfrm>
-          <a:prstGeom prst="straightConnector1">
-            <a:avLst/>
-          </a:prstGeom>
-          <a:ln w="12700">
-            <a:solidFill>
-              <a:schemeClr val="tx1"/>
-            </a:solidFill>
-            <a:tailEnd type="oval"/>
-          </a:ln>
-        </p:spPr>
-        <p:style>
-          <a:lnRef idx="1">
-            <a:schemeClr val="accent1"/>
-          </a:lnRef>
-          <a:fillRef idx="0">
-            <a:schemeClr val="accent1"/>
-          </a:fillRef>
-          <a:effectRef idx="0">
-            <a:schemeClr val="accent1"/>
-          </a:effectRef>
-          <a:fontRef idx="minor">
-            <a:schemeClr val="tx1"/>
-          </a:fontRef>
-        </p:style>
-      </p:cxnSp>
-      <p:sp>
-        <p:nvSpPr>
-          <p:cNvPr id="46" name="テキスト ボックス 45">
-            <a:extLst>
-              <a:ext uri="{FF2B5EF4-FFF2-40B4-BE49-F238E27FC236}">
-                <a16:creationId xmlns:a16="http://schemas.microsoft.com/office/drawing/2014/main" id="{1229D8C6-6DDE-4BDE-9AB4-56DCBE00C8B4}"/>
-              </a:ext>
-            </a:extLst>
-          </p:cNvPr>
-          <p:cNvSpPr txBox="1"/>
-          <p:nvPr/>
-        </p:nvSpPr>
-        <p:spPr>
-          <a:xfrm>
-            <a:off x="4982092" y="4421471"/>
-            <a:ext cx="1240392" cy="439944"/>
-          </a:xfrm>
-          <a:prstGeom prst="rect">
-            <a:avLst/>
-          </a:prstGeom>
-          <a:solidFill>
-            <a:srgbClr val="FFFF00">
-              <a:alpha val="69804"/>
-            </a:srgbClr>
-          </a:solidFill>
-          <a:ln>
-            <a:solidFill>
-              <a:schemeClr val="tx1"/>
-            </a:solidFill>
-          </a:ln>
-        </p:spPr>
-        <p:txBody>
-          <a:bodyPr wrap="square" rtlCol="0">
-            <a:noAutofit/>
-          </a:bodyPr>
-          <a:lstStyle/>
-          <a:p>
-            <a:r>
-              <a:rPr lang="en-US" altLang="ja-JP" sz="907" dirty="0">
-                <a:latin typeface="ＭＳ Ｐゴシック" panose="020B0600070205080204" pitchFamily="50" charset="-128"/>
-                <a:ea typeface="ＭＳ Ｐゴシック" panose="020B0600070205080204" pitchFamily="50" charset="-128"/>
-                <a:cs typeface="Arial" panose="020B0604020202020204" pitchFamily="34" charset="0"/>
-              </a:rPr>
-              <a:t>Output of interest: </a:t>
-            </a:r>
-          </a:p>
-          <a:p>
-            <a:r>
-              <a:rPr lang="en-US" altLang="ja-JP" sz="907" dirty="0">
-                <a:latin typeface="ＭＳ Ｐゴシック" panose="020B0600070205080204" pitchFamily="50" charset="-128"/>
-                <a:ea typeface="ＭＳ Ｐゴシック" panose="020B0600070205080204" pitchFamily="50" charset="-128"/>
-                <a:cs typeface="Arial" panose="020B0604020202020204" pitchFamily="34" charset="0"/>
-              </a:rPr>
-              <a:t>-. Inlet pressure.</a:t>
-            </a:r>
-          </a:p>
-        </p:txBody>
-      </p:sp>
-      <p:cxnSp>
-        <p:nvCxnSpPr>
-          <p:cNvPr id="47" name="直線矢印コネクタ 46">
-            <a:extLst>
-              <a:ext uri="{FF2B5EF4-FFF2-40B4-BE49-F238E27FC236}">
-                <a16:creationId xmlns:a16="http://schemas.microsoft.com/office/drawing/2014/main" id="{28F47707-7ECF-4544-BA20-E4C81B229B53}"/>
-              </a:ext>
-            </a:extLst>
-          </p:cNvPr>
-          <p:cNvCxnSpPr>
-            <a:cxnSpLocks/>
-            <a:stCxn id="46" idx="0"/>
-          </p:cNvCxnSpPr>
-          <p:nvPr/>
-        </p:nvCxnSpPr>
-        <p:spPr>
-          <a:xfrm flipV="1">
-            <a:off x="5602288" y="3770742"/>
-            <a:ext cx="228623" cy="650729"/>
-          </a:xfrm>
-          <a:prstGeom prst="straightConnector1">
-            <a:avLst/>
-          </a:prstGeom>
-          <a:ln w="12700">
-            <a:solidFill>
-              <a:schemeClr val="tx1"/>
-            </a:solidFill>
-            <a:tailEnd type="oval"/>
-          </a:ln>
-        </p:spPr>
-        <p:style>
-          <a:lnRef idx="1">
-            <a:schemeClr val="accent1"/>
-          </a:lnRef>
-          <a:fillRef idx="0">
-            <a:schemeClr val="accent1"/>
-          </a:fillRef>
-          <a:effectRef idx="0">
-            <a:schemeClr val="accent1"/>
-          </a:effectRef>
-          <a:fontRef idx="minor">
-            <a:schemeClr val="tx1"/>
-          </a:fontRef>
-        </p:style>
-      </p:cxnSp>
-      <p:sp>
-        <p:nvSpPr>
-          <p:cNvPr id="56" name="テキスト ボックス 55">
-            <a:extLst>
-              <a:ext uri="{FF2B5EF4-FFF2-40B4-BE49-F238E27FC236}">
-                <a16:creationId xmlns:a16="http://schemas.microsoft.com/office/drawing/2014/main" id="{0FED6896-D68B-4F33-AA9F-AD0CB59537DA}"/>
-              </a:ext>
-            </a:extLst>
-          </p:cNvPr>
-          <p:cNvSpPr txBox="1"/>
-          <p:nvPr/>
-        </p:nvSpPr>
-        <p:spPr>
-          <a:xfrm>
-            <a:off x="6462278" y="1787494"/>
-            <a:ext cx="1874117" cy="662685"/>
-          </a:xfrm>
-          <a:prstGeom prst="rect">
-            <a:avLst/>
-          </a:prstGeom>
-          <a:solidFill>
-            <a:srgbClr val="92D050">
-              <a:alpha val="60000"/>
-            </a:srgbClr>
-          </a:solidFill>
-          <a:ln>
-            <a:solidFill>
-              <a:schemeClr val="tx1"/>
-            </a:solidFill>
-          </a:ln>
-        </p:spPr>
-        <p:txBody>
-          <a:bodyPr wrap="square" rtlCol="0">
-            <a:noAutofit/>
-          </a:bodyPr>
-          <a:lstStyle/>
-          <a:p>
-            <a:r>
-              <a:rPr lang="en-US" altLang="ja-JP" sz="907" dirty="0">
-                <a:latin typeface="ＭＳ Ｐゴシック" panose="020B0600070205080204" pitchFamily="50" charset="-128"/>
-                <a:ea typeface="ＭＳ Ｐゴシック" panose="020B0600070205080204" pitchFamily="50" charset="-128"/>
-                <a:cs typeface="Arial" panose="020B0604020202020204" pitchFamily="34" charset="0"/>
-              </a:rPr>
-              <a:t>Volumes</a:t>
-            </a:r>
-          </a:p>
-          <a:p>
-            <a:r>
-              <a:rPr lang="en-US" altLang="ja-JP" sz="907" dirty="0">
-                <a:latin typeface="ＭＳ Ｐゴシック" panose="020B0600070205080204" pitchFamily="50" charset="-128"/>
-                <a:ea typeface="ＭＳ Ｐゴシック" panose="020B0600070205080204" pitchFamily="50" charset="-128"/>
-                <a:cs typeface="Arial" panose="020B0604020202020204" pitchFamily="34" charset="0"/>
-              </a:rPr>
-              <a:t>-. In order to see the temperature and enthalpy change across the pipe.</a:t>
-            </a:r>
-          </a:p>
-        </p:txBody>
-      </p:sp>
-      <p:sp>
-        <p:nvSpPr>
-          <p:cNvPr id="61" name="テキスト ボックス 60">
-            <a:extLst>
-              <a:ext uri="{FF2B5EF4-FFF2-40B4-BE49-F238E27FC236}">
-                <a16:creationId xmlns:a16="http://schemas.microsoft.com/office/drawing/2014/main" id="{B497D03F-9EED-4CAA-AB9E-F628C6603C60}"/>
-              </a:ext>
-            </a:extLst>
-          </p:cNvPr>
-          <p:cNvSpPr txBox="1"/>
-          <p:nvPr/>
-        </p:nvSpPr>
-        <p:spPr>
-          <a:xfrm>
-            <a:off x="6654299" y="4624478"/>
-            <a:ext cx="1345059" cy="439944"/>
-          </a:xfrm>
-          <a:prstGeom prst="rect">
-            <a:avLst/>
-          </a:prstGeom>
-          <a:solidFill>
-            <a:srgbClr val="FFFF00">
-              <a:alpha val="69804"/>
-            </a:srgbClr>
-          </a:solidFill>
-          <a:ln>
-            <a:solidFill>
-              <a:schemeClr val="tx1"/>
-            </a:solidFill>
-          </a:ln>
-        </p:spPr>
-        <p:txBody>
-          <a:bodyPr wrap="square" rtlCol="0">
-            <a:noAutofit/>
-          </a:bodyPr>
-          <a:lstStyle/>
-          <a:p>
-            <a:r>
-              <a:rPr lang="en-US" altLang="ja-JP" sz="907" dirty="0">
-                <a:latin typeface="ＭＳ Ｐゴシック" panose="020B0600070205080204" pitchFamily="50" charset="-128"/>
-                <a:ea typeface="ＭＳ Ｐゴシック" panose="020B0600070205080204" pitchFamily="50" charset="-128"/>
-                <a:cs typeface="Arial" panose="020B0604020202020204" pitchFamily="34" charset="0"/>
-              </a:rPr>
-              <a:t>Output of interest: </a:t>
-            </a:r>
-          </a:p>
-          <a:p>
-            <a:r>
-              <a:rPr lang="en-US" altLang="ja-JP" sz="907" dirty="0">
-                <a:latin typeface="ＭＳ Ｐゴシック" panose="020B0600070205080204" pitchFamily="50" charset="-128"/>
-                <a:ea typeface="ＭＳ Ｐゴシック" panose="020B0600070205080204" pitchFamily="50" charset="-128"/>
-                <a:cs typeface="Arial" panose="020B0604020202020204" pitchFamily="34" charset="0"/>
-              </a:rPr>
-              <a:t>-. Outlet temperature.</a:t>
-            </a:r>
-          </a:p>
-        </p:txBody>
-      </p:sp>
-      <p:cxnSp>
-        <p:nvCxnSpPr>
-          <p:cNvPr id="63" name="直線矢印コネクタ 62">
-            <a:extLst>
-              <a:ext uri="{FF2B5EF4-FFF2-40B4-BE49-F238E27FC236}">
-                <a16:creationId xmlns:a16="http://schemas.microsoft.com/office/drawing/2014/main" id="{DF8918F8-1480-46B8-B337-90E45D7956CC}"/>
-              </a:ext>
-            </a:extLst>
-          </p:cNvPr>
-          <p:cNvCxnSpPr>
-            <a:cxnSpLocks/>
-            <a:stCxn id="61" idx="0"/>
-          </p:cNvCxnSpPr>
-          <p:nvPr/>
-        </p:nvCxnSpPr>
-        <p:spPr>
-          <a:xfrm flipV="1">
-            <a:off x="7326829" y="3771277"/>
-            <a:ext cx="161226" cy="853200"/>
-          </a:xfrm>
-          <a:prstGeom prst="straightConnector1">
-            <a:avLst/>
-          </a:prstGeom>
-          <a:ln w="12700">
-            <a:solidFill>
-              <a:schemeClr val="tx1"/>
-            </a:solidFill>
-            <a:tailEnd type="oval"/>
-          </a:ln>
-        </p:spPr>
-        <p:style>
-          <a:lnRef idx="1">
-            <a:schemeClr val="accent1"/>
-          </a:lnRef>
-          <a:fillRef idx="0">
-            <a:schemeClr val="accent1"/>
-          </a:fillRef>
-          <a:effectRef idx="0">
-            <a:schemeClr val="accent1"/>
-          </a:effectRef>
-          <a:fontRef idx="minor">
-            <a:schemeClr val="tx1"/>
-          </a:fontRef>
-        </p:style>
-      </p:cxnSp>
-      <p:cxnSp>
-        <p:nvCxnSpPr>
-          <p:cNvPr id="66" name="直線矢印コネクタ 65">
-            <a:extLst>
-              <a:ext uri="{FF2B5EF4-FFF2-40B4-BE49-F238E27FC236}">
-                <a16:creationId xmlns:a16="http://schemas.microsoft.com/office/drawing/2014/main" id="{10A4F465-2C5C-43B5-AE68-4B9A6BFAC9F6}"/>
-              </a:ext>
-            </a:extLst>
-          </p:cNvPr>
-          <p:cNvCxnSpPr>
-            <a:cxnSpLocks/>
-            <a:stCxn id="56" idx="2"/>
-          </p:cNvCxnSpPr>
-          <p:nvPr/>
-        </p:nvCxnSpPr>
-        <p:spPr>
-          <a:xfrm>
-            <a:off x="7399337" y="2450178"/>
-            <a:ext cx="69056" cy="372948"/>
-          </a:xfrm>
-          <a:prstGeom prst="straightConnector1">
-            <a:avLst/>
-          </a:prstGeom>
-          <a:ln w="12700">
-            <a:solidFill>
-              <a:schemeClr val="tx1"/>
-            </a:solidFill>
-            <a:tailEnd type="oval"/>
-          </a:ln>
-        </p:spPr>
-        <p:style>
-          <a:lnRef idx="1">
-            <a:schemeClr val="accent1"/>
-          </a:lnRef>
-          <a:fillRef idx="0">
-            <a:schemeClr val="accent1"/>
-          </a:fillRef>
-          <a:effectRef idx="0">
-            <a:schemeClr val="accent1"/>
-          </a:effectRef>
-          <a:fontRef idx="minor">
-            <a:schemeClr val="tx1"/>
-          </a:fontRef>
-        </p:style>
-      </p:cxnSp>
-      <p:cxnSp>
-        <p:nvCxnSpPr>
-          <p:cNvPr id="69" name="直線矢印コネクタ 68">
-            <a:extLst>
-              <a:ext uri="{FF2B5EF4-FFF2-40B4-BE49-F238E27FC236}">
-                <a16:creationId xmlns:a16="http://schemas.microsoft.com/office/drawing/2014/main" id="{F32FF4C8-1012-41CB-8EF3-C0D556DA3D0B}"/>
-              </a:ext>
-            </a:extLst>
-          </p:cNvPr>
-          <p:cNvCxnSpPr>
-            <a:cxnSpLocks/>
-            <a:stCxn id="56" idx="2"/>
-          </p:cNvCxnSpPr>
-          <p:nvPr/>
-        </p:nvCxnSpPr>
-        <p:spPr>
-          <a:xfrm flipH="1">
-            <a:off x="5901581" y="2450178"/>
-            <a:ext cx="1497755" cy="576060"/>
-          </a:xfrm>
-          <a:prstGeom prst="straightConnector1">
-            <a:avLst/>
-          </a:prstGeom>
-          <a:ln w="12700">
-            <a:solidFill>
-              <a:schemeClr val="tx1"/>
-            </a:solidFill>
-            <a:tailEnd type="oval"/>
-          </a:ln>
-        </p:spPr>
-        <p:style>
-          <a:lnRef idx="1">
-            <a:schemeClr val="accent1"/>
-          </a:lnRef>
-          <a:fillRef idx="0">
-            <a:schemeClr val="accent1"/>
-          </a:fillRef>
-          <a:effectRef idx="0">
-            <a:schemeClr val="accent1"/>
-          </a:effectRef>
-          <a:fontRef idx="minor">
-            <a:schemeClr val="tx1"/>
-          </a:fontRef>
-        </p:style>
-      </p:cxnSp>
     </p:spTree>
     <p:extLst>
       <p:ext uri="{BB962C8B-B14F-4D97-AF65-F5344CB8AC3E}">
-        <p14:creationId xmlns:p14="http://schemas.microsoft.com/office/powerpoint/2010/main" val="1639536937"/>
+        <p14:creationId xmlns:p14="http://schemas.microsoft.com/office/powerpoint/2010/main" val="4256252250"/>
       </p:ext>
     </p:extLst>
   </p:cSld>
@@ -19432,7 +18736,7 @@
           <p:cNvPr id="3" name="図 2">
             <a:extLst>
               <a:ext uri="{FF2B5EF4-FFF2-40B4-BE49-F238E27FC236}">
-                <a16:creationId xmlns:a16="http://schemas.microsoft.com/office/drawing/2014/main" id="{54E7ADF1-491A-4CC5-9C66-AD8AE0189619}"/>
+                <a16:creationId xmlns:a16="http://schemas.microsoft.com/office/drawing/2014/main" id="{AB48BEEF-767E-45C8-A615-BB63D5F8407E}"/>
               </a:ext>
             </a:extLst>
           </p:cNvPr>
@@ -19441,16 +18745,15 @@
           </p:cNvPicPr>
           <p:nvPr/>
         </p:nvPicPr>
-        <p:blipFill>
+        <p:blipFill rotWithShape="1">
           <a:blip r:embed="rId2"/>
-          <a:stretch>
-            <a:fillRect/>
-          </a:stretch>
+          <a:srcRect b="38876"/>
+          <a:stretch/>
         </p:blipFill>
         <p:spPr>
           <a:xfrm>
-            <a:off x="1523521" y="633537"/>
-            <a:ext cx="9144960" cy="5590928"/>
+            <a:off x="2994302" y="1787494"/>
+            <a:ext cx="6203396" cy="2598248"/>
           </a:xfrm>
           <a:prstGeom prst="rect">
             <a:avLst/>
@@ -19462,7 +18765,7 @@
           <p:cNvPr id="4" name="テキスト ボックス 3">
             <a:extLst>
               <a:ext uri="{FF2B5EF4-FFF2-40B4-BE49-F238E27FC236}">
-                <a16:creationId xmlns:a16="http://schemas.microsoft.com/office/drawing/2014/main" id="{F7501286-898F-4E02-9EFB-55B42AC864C6}"/>
+                <a16:creationId xmlns:a16="http://schemas.microsoft.com/office/drawing/2014/main" id="{0E55A3D1-88C9-46C4-9917-4384ADB54C73}"/>
               </a:ext>
             </a:extLst>
           </p:cNvPr>
@@ -19471,17 +18774,16 @@
         </p:nvSpPr>
         <p:spPr>
           <a:xfrm>
-            <a:off x="4229401" y="2450178"/>
-            <a:ext cx="1914473" cy="407083"/>
+            <a:off x="4526715" y="1951991"/>
+            <a:ext cx="1374866" cy="567313"/>
           </a:xfrm>
           <a:prstGeom prst="rect">
             <a:avLst/>
           </a:prstGeom>
           <a:solidFill>
-            <a:schemeClr val="accent5">
-              <a:lumMod val="40000"/>
-              <a:lumOff val="60000"/>
-            </a:schemeClr>
+            <a:srgbClr val="92D050">
+              <a:alpha val="60000"/>
+            </a:srgbClr>
           </a:solidFill>
           <a:ln>
             <a:solidFill>
@@ -19501,7 +18803,7 @@
                 <a:ea typeface="ＭＳ Ｐゴシック" panose="020B0600070205080204" pitchFamily="50" charset="-128"/>
                 <a:cs typeface="Arial" panose="020B0604020202020204" pitchFamily="34" charset="0"/>
               </a:rPr>
-              <a:t>Input: </a:t>
+              <a:t>Pipe= Flow resistance.</a:t>
             </a:r>
           </a:p>
           <a:p>
@@ -19511,7 +18813,7 @@
                 <a:ea typeface="ＭＳ Ｐゴシック" panose="020B0600070205080204" pitchFamily="50" charset="-128"/>
                 <a:cs typeface="Arial" panose="020B0604020202020204" pitchFamily="34" charset="0"/>
               </a:rPr>
-              <a:t> mass flow rate flowing through pipe.</a:t>
+              <a:t>-. Fluid pressure drops through it.</a:t>
             </a:r>
           </a:p>
         </p:txBody>
@@ -19521,19 +18823,590 @@
           <p:cNvPr id="5" name="直線矢印コネクタ 4">
             <a:extLst>
               <a:ext uri="{FF2B5EF4-FFF2-40B4-BE49-F238E27FC236}">
-                <a16:creationId xmlns:a16="http://schemas.microsoft.com/office/drawing/2014/main" id="{5498A4A1-DA3A-4C86-B56A-EDB4A5C7F2B6}"/>
+                <a16:creationId xmlns:a16="http://schemas.microsoft.com/office/drawing/2014/main" id="{09EC11B6-4E22-484D-AAAC-DF8E43BE7174}"/>
               </a:ext>
             </a:extLst>
           </p:cNvPr>
           <p:cNvCxnSpPr>
             <a:cxnSpLocks/>
+            <a:stCxn id="4" idx="3"/>
           </p:cNvCxnSpPr>
           <p:nvPr/>
         </p:nvCxnSpPr>
         <p:spPr>
           <a:xfrm>
-            <a:off x="5210308" y="2857263"/>
-            <a:ext cx="568379" cy="571738"/>
+            <a:off x="5901581" y="2235647"/>
+            <a:ext cx="675764" cy="1274482"/>
+          </a:xfrm>
+          <a:prstGeom prst="straightConnector1">
+            <a:avLst/>
+          </a:prstGeom>
+          <a:ln w="12700">
+            <a:solidFill>
+              <a:schemeClr val="tx1"/>
+            </a:solidFill>
+            <a:tailEnd type="oval"/>
+          </a:ln>
+        </p:spPr>
+        <p:style>
+          <a:lnRef idx="1">
+            <a:schemeClr val="accent1"/>
+          </a:lnRef>
+          <a:fillRef idx="0">
+            <a:schemeClr val="accent1"/>
+          </a:fillRef>
+          <a:effectRef idx="0">
+            <a:schemeClr val="accent1"/>
+          </a:effectRef>
+          <a:fontRef idx="minor">
+            <a:schemeClr val="tx1"/>
+          </a:fontRef>
+        </p:style>
+      </p:cxnSp>
+      <p:cxnSp>
+        <p:nvCxnSpPr>
+          <p:cNvPr id="15" name="直線矢印コネクタ 14">
+            <a:extLst>
+              <a:ext uri="{FF2B5EF4-FFF2-40B4-BE49-F238E27FC236}">
+                <a16:creationId xmlns:a16="http://schemas.microsoft.com/office/drawing/2014/main" id="{26FA83A2-BD09-4555-A9DF-EC55189CAA54}"/>
+              </a:ext>
+            </a:extLst>
+          </p:cNvPr>
+          <p:cNvCxnSpPr>
+            <a:cxnSpLocks/>
+            <a:stCxn id="27" idx="0"/>
+          </p:cNvCxnSpPr>
+          <p:nvPr/>
+        </p:nvCxnSpPr>
+        <p:spPr>
+          <a:xfrm flipV="1">
+            <a:off x="3804362" y="3982063"/>
+            <a:ext cx="445845" cy="439943"/>
+          </a:xfrm>
+          <a:prstGeom prst="straightConnector1">
+            <a:avLst/>
+          </a:prstGeom>
+          <a:ln w="12700">
+            <a:solidFill>
+              <a:schemeClr val="tx1"/>
+            </a:solidFill>
+            <a:tailEnd type="oval"/>
+          </a:ln>
+        </p:spPr>
+        <p:style>
+          <a:lnRef idx="1">
+            <a:schemeClr val="accent1"/>
+          </a:lnRef>
+          <a:fillRef idx="0">
+            <a:schemeClr val="accent1"/>
+          </a:fillRef>
+          <a:effectRef idx="0">
+            <a:schemeClr val="accent1"/>
+          </a:effectRef>
+          <a:fontRef idx="minor">
+            <a:schemeClr val="tx1"/>
+          </a:fontRef>
+        </p:style>
+      </p:cxnSp>
+      <p:sp>
+        <p:nvSpPr>
+          <p:cNvPr id="27" name="テキスト ボックス 26">
+            <a:extLst>
+              <a:ext uri="{FF2B5EF4-FFF2-40B4-BE49-F238E27FC236}">
+                <a16:creationId xmlns:a16="http://schemas.microsoft.com/office/drawing/2014/main" id="{FAFF685B-35D8-4007-8385-5AA3CEC86D7B}"/>
+              </a:ext>
+            </a:extLst>
+          </p:cNvPr>
+          <p:cNvSpPr txBox="1"/>
+          <p:nvPr/>
+        </p:nvSpPr>
+        <p:spPr>
+          <a:xfrm>
+            <a:off x="2908929" y="4422006"/>
+            <a:ext cx="1790865" cy="816305"/>
+          </a:xfrm>
+          <a:prstGeom prst="rect">
+            <a:avLst/>
+          </a:prstGeom>
+          <a:solidFill>
+            <a:srgbClr val="00B0F0">
+              <a:alpha val="60000"/>
+            </a:srgbClr>
+          </a:solidFill>
+          <a:ln>
+            <a:solidFill>
+              <a:schemeClr val="tx1"/>
+            </a:solidFill>
+          </a:ln>
+        </p:spPr>
+        <p:txBody>
+          <a:bodyPr wrap="square" rtlCol="0">
+            <a:noAutofit/>
+          </a:bodyPr>
+          <a:lstStyle/>
+          <a:p>
+            <a:r>
+              <a:rPr lang="en-US" altLang="ja-JP" sz="907" dirty="0">
+                <a:latin typeface="ＭＳ Ｐゴシック" panose="020B0600070205080204" pitchFamily="50" charset="-128"/>
+                <a:ea typeface="ＭＳ Ｐゴシック" panose="020B0600070205080204" pitchFamily="50" charset="-128"/>
+                <a:cs typeface="Arial" panose="020B0604020202020204" pitchFamily="34" charset="0"/>
+              </a:rPr>
+              <a:t>Input (boundary cond.): </a:t>
+            </a:r>
+          </a:p>
+          <a:p>
+            <a:r>
+              <a:rPr lang="en-US" altLang="ja-JP" sz="907" dirty="0">
+                <a:latin typeface="ＭＳ Ｐゴシック" panose="020B0600070205080204" pitchFamily="50" charset="-128"/>
+                <a:ea typeface="ＭＳ Ｐゴシック" panose="020B0600070205080204" pitchFamily="50" charset="-128"/>
+                <a:cs typeface="Arial" panose="020B0604020202020204" pitchFamily="34" charset="0"/>
+              </a:rPr>
+              <a:t>-. mass flow rate with ramp in time. Increase it gradually.</a:t>
+            </a:r>
+          </a:p>
+          <a:p>
+            <a:r>
+              <a:rPr lang="en-US" altLang="ja-JP" sz="907" dirty="0">
+                <a:latin typeface="ＭＳ Ｐゴシック" panose="020B0600070205080204" pitchFamily="50" charset="-128"/>
+                <a:ea typeface="ＭＳ Ｐゴシック" panose="020B0600070205080204" pitchFamily="50" charset="-128"/>
+                <a:cs typeface="Arial" panose="020B0604020202020204" pitchFamily="34" charset="0"/>
+              </a:rPr>
+              <a:t>-. Inlet temperature with fixed value. </a:t>
+            </a:r>
+          </a:p>
+        </p:txBody>
+      </p:sp>
+      <p:sp>
+        <p:nvSpPr>
+          <p:cNvPr id="32" name="テキスト ボックス 31">
+            <a:extLst>
+              <a:ext uri="{FF2B5EF4-FFF2-40B4-BE49-F238E27FC236}">
+                <a16:creationId xmlns:a16="http://schemas.microsoft.com/office/drawing/2014/main" id="{009AFEBC-324F-4D6C-89B9-0AE5653FC1CC}"/>
+              </a:ext>
+            </a:extLst>
+          </p:cNvPr>
+          <p:cNvSpPr txBox="1"/>
+          <p:nvPr/>
+        </p:nvSpPr>
+        <p:spPr>
+          <a:xfrm>
+            <a:off x="8438897" y="4422007"/>
+            <a:ext cx="1514966" cy="555156"/>
+          </a:xfrm>
+          <a:prstGeom prst="rect">
+            <a:avLst/>
+          </a:prstGeom>
+          <a:solidFill>
+            <a:srgbClr val="00B0F0">
+              <a:alpha val="60000"/>
+            </a:srgbClr>
+          </a:solidFill>
+          <a:ln>
+            <a:solidFill>
+              <a:schemeClr val="tx1"/>
+            </a:solidFill>
+          </a:ln>
+        </p:spPr>
+        <p:txBody>
+          <a:bodyPr wrap="square" rtlCol="0">
+            <a:noAutofit/>
+          </a:bodyPr>
+          <a:lstStyle/>
+          <a:p>
+            <a:r>
+              <a:rPr lang="en-US" altLang="ja-JP" sz="907" dirty="0">
+                <a:latin typeface="ＭＳ Ｐゴシック" panose="020B0600070205080204" pitchFamily="50" charset="-128"/>
+                <a:ea typeface="ＭＳ Ｐゴシック" panose="020B0600070205080204" pitchFamily="50" charset="-128"/>
+                <a:cs typeface="Arial" panose="020B0604020202020204" pitchFamily="34" charset="0"/>
+              </a:rPr>
+              <a:t>Input (boundary cond.): </a:t>
+            </a:r>
+          </a:p>
+          <a:p>
+            <a:r>
+              <a:rPr lang="en-US" altLang="ja-JP" sz="907" dirty="0">
+                <a:latin typeface="ＭＳ Ｐゴシック" panose="020B0600070205080204" pitchFamily="50" charset="-128"/>
+                <a:ea typeface="ＭＳ Ｐゴシック" panose="020B0600070205080204" pitchFamily="50" charset="-128"/>
+                <a:cs typeface="Arial" panose="020B0604020202020204" pitchFamily="34" charset="0"/>
+              </a:rPr>
+              <a:t>-. Outlet pressure with fixed value. </a:t>
+            </a:r>
+          </a:p>
+        </p:txBody>
+      </p:sp>
+      <p:cxnSp>
+        <p:nvCxnSpPr>
+          <p:cNvPr id="33" name="直線矢印コネクタ 32">
+            <a:extLst>
+              <a:ext uri="{FF2B5EF4-FFF2-40B4-BE49-F238E27FC236}">
+                <a16:creationId xmlns:a16="http://schemas.microsoft.com/office/drawing/2014/main" id="{7D70DFCB-03CF-468A-87B1-4F2FEDA8CC1F}"/>
+              </a:ext>
+            </a:extLst>
+          </p:cNvPr>
+          <p:cNvCxnSpPr>
+            <a:cxnSpLocks/>
+            <a:stCxn id="32" idx="0"/>
+          </p:cNvCxnSpPr>
+          <p:nvPr/>
+        </p:nvCxnSpPr>
+        <p:spPr>
+          <a:xfrm flipH="1" flipV="1">
+            <a:off x="8830470" y="3982063"/>
+            <a:ext cx="365910" cy="439944"/>
+          </a:xfrm>
+          <a:prstGeom prst="straightConnector1">
+            <a:avLst/>
+          </a:prstGeom>
+          <a:ln w="12700">
+            <a:solidFill>
+              <a:schemeClr val="tx1"/>
+            </a:solidFill>
+            <a:tailEnd type="oval"/>
+          </a:ln>
+        </p:spPr>
+        <p:style>
+          <a:lnRef idx="1">
+            <a:schemeClr val="accent1"/>
+          </a:lnRef>
+          <a:fillRef idx="0">
+            <a:schemeClr val="accent1"/>
+          </a:fillRef>
+          <a:effectRef idx="0">
+            <a:schemeClr val="accent1"/>
+          </a:effectRef>
+          <a:fontRef idx="minor">
+            <a:schemeClr val="tx1"/>
+          </a:fontRef>
+        </p:style>
+      </p:cxnSp>
+      <p:sp>
+        <p:nvSpPr>
+          <p:cNvPr id="46" name="テキスト ボックス 45">
+            <a:extLst>
+              <a:ext uri="{FF2B5EF4-FFF2-40B4-BE49-F238E27FC236}">
+                <a16:creationId xmlns:a16="http://schemas.microsoft.com/office/drawing/2014/main" id="{1229D8C6-6DDE-4BDE-9AB4-56DCBE00C8B4}"/>
+              </a:ext>
+            </a:extLst>
+          </p:cNvPr>
+          <p:cNvSpPr txBox="1"/>
+          <p:nvPr/>
+        </p:nvSpPr>
+        <p:spPr>
+          <a:xfrm>
+            <a:off x="4982092" y="4421471"/>
+            <a:ext cx="1240392" cy="439944"/>
+          </a:xfrm>
+          <a:prstGeom prst="rect">
+            <a:avLst/>
+          </a:prstGeom>
+          <a:solidFill>
+            <a:srgbClr val="FFFF00">
+              <a:alpha val="69804"/>
+            </a:srgbClr>
+          </a:solidFill>
+          <a:ln>
+            <a:solidFill>
+              <a:schemeClr val="tx1"/>
+            </a:solidFill>
+          </a:ln>
+        </p:spPr>
+        <p:txBody>
+          <a:bodyPr wrap="square" rtlCol="0">
+            <a:noAutofit/>
+          </a:bodyPr>
+          <a:lstStyle/>
+          <a:p>
+            <a:r>
+              <a:rPr lang="en-US" altLang="ja-JP" sz="907" dirty="0">
+                <a:latin typeface="ＭＳ Ｐゴシック" panose="020B0600070205080204" pitchFamily="50" charset="-128"/>
+                <a:ea typeface="ＭＳ Ｐゴシック" panose="020B0600070205080204" pitchFamily="50" charset="-128"/>
+                <a:cs typeface="Arial" panose="020B0604020202020204" pitchFamily="34" charset="0"/>
+              </a:rPr>
+              <a:t>Output of interest: </a:t>
+            </a:r>
+          </a:p>
+          <a:p>
+            <a:r>
+              <a:rPr lang="en-US" altLang="ja-JP" sz="907" dirty="0">
+                <a:latin typeface="ＭＳ Ｐゴシック" panose="020B0600070205080204" pitchFamily="50" charset="-128"/>
+                <a:ea typeface="ＭＳ Ｐゴシック" panose="020B0600070205080204" pitchFamily="50" charset="-128"/>
+                <a:cs typeface="Arial" panose="020B0604020202020204" pitchFamily="34" charset="0"/>
+              </a:rPr>
+              <a:t>-. Inlet pressure.</a:t>
+            </a:r>
+          </a:p>
+        </p:txBody>
+      </p:sp>
+      <p:cxnSp>
+        <p:nvCxnSpPr>
+          <p:cNvPr id="47" name="直線矢印コネクタ 46">
+            <a:extLst>
+              <a:ext uri="{FF2B5EF4-FFF2-40B4-BE49-F238E27FC236}">
+                <a16:creationId xmlns:a16="http://schemas.microsoft.com/office/drawing/2014/main" id="{28F47707-7ECF-4544-BA20-E4C81B229B53}"/>
+              </a:ext>
+            </a:extLst>
+          </p:cNvPr>
+          <p:cNvCxnSpPr>
+            <a:cxnSpLocks/>
+            <a:stCxn id="46" idx="0"/>
+          </p:cNvCxnSpPr>
+          <p:nvPr/>
+        </p:nvCxnSpPr>
+        <p:spPr>
+          <a:xfrm flipV="1">
+            <a:off x="5602288" y="3770742"/>
+            <a:ext cx="228623" cy="650729"/>
+          </a:xfrm>
+          <a:prstGeom prst="straightConnector1">
+            <a:avLst/>
+          </a:prstGeom>
+          <a:ln w="12700">
+            <a:solidFill>
+              <a:schemeClr val="tx1"/>
+            </a:solidFill>
+            <a:tailEnd type="oval"/>
+          </a:ln>
+        </p:spPr>
+        <p:style>
+          <a:lnRef idx="1">
+            <a:schemeClr val="accent1"/>
+          </a:lnRef>
+          <a:fillRef idx="0">
+            <a:schemeClr val="accent1"/>
+          </a:fillRef>
+          <a:effectRef idx="0">
+            <a:schemeClr val="accent1"/>
+          </a:effectRef>
+          <a:fontRef idx="minor">
+            <a:schemeClr val="tx1"/>
+          </a:fontRef>
+        </p:style>
+      </p:cxnSp>
+      <p:sp>
+        <p:nvSpPr>
+          <p:cNvPr id="56" name="テキスト ボックス 55">
+            <a:extLst>
+              <a:ext uri="{FF2B5EF4-FFF2-40B4-BE49-F238E27FC236}">
+                <a16:creationId xmlns:a16="http://schemas.microsoft.com/office/drawing/2014/main" id="{0FED6896-D68B-4F33-AA9F-AD0CB59537DA}"/>
+              </a:ext>
+            </a:extLst>
+          </p:cNvPr>
+          <p:cNvSpPr txBox="1"/>
+          <p:nvPr/>
+        </p:nvSpPr>
+        <p:spPr>
+          <a:xfrm>
+            <a:off x="6462278" y="1787494"/>
+            <a:ext cx="1874117" cy="662685"/>
+          </a:xfrm>
+          <a:prstGeom prst="rect">
+            <a:avLst/>
+          </a:prstGeom>
+          <a:solidFill>
+            <a:srgbClr val="92D050">
+              <a:alpha val="60000"/>
+            </a:srgbClr>
+          </a:solidFill>
+          <a:ln>
+            <a:solidFill>
+              <a:schemeClr val="tx1"/>
+            </a:solidFill>
+          </a:ln>
+        </p:spPr>
+        <p:txBody>
+          <a:bodyPr wrap="square" rtlCol="0">
+            <a:noAutofit/>
+          </a:bodyPr>
+          <a:lstStyle/>
+          <a:p>
+            <a:r>
+              <a:rPr lang="en-US" altLang="ja-JP" sz="907" dirty="0">
+                <a:latin typeface="ＭＳ Ｐゴシック" panose="020B0600070205080204" pitchFamily="50" charset="-128"/>
+                <a:ea typeface="ＭＳ Ｐゴシック" panose="020B0600070205080204" pitchFamily="50" charset="-128"/>
+                <a:cs typeface="Arial" panose="020B0604020202020204" pitchFamily="34" charset="0"/>
+              </a:rPr>
+              <a:t>Volumes</a:t>
+            </a:r>
+          </a:p>
+          <a:p>
+            <a:r>
+              <a:rPr lang="en-US" altLang="ja-JP" sz="907" dirty="0">
+                <a:latin typeface="ＭＳ Ｐゴシック" panose="020B0600070205080204" pitchFamily="50" charset="-128"/>
+                <a:ea typeface="ＭＳ Ｐゴシック" panose="020B0600070205080204" pitchFamily="50" charset="-128"/>
+                <a:cs typeface="Arial" panose="020B0604020202020204" pitchFamily="34" charset="0"/>
+              </a:rPr>
+              <a:t>-. In order to see the temperature and enthalpy change across the pipe.</a:t>
+            </a:r>
+          </a:p>
+        </p:txBody>
+      </p:sp>
+      <p:sp>
+        <p:nvSpPr>
+          <p:cNvPr id="61" name="テキスト ボックス 60">
+            <a:extLst>
+              <a:ext uri="{FF2B5EF4-FFF2-40B4-BE49-F238E27FC236}">
+                <a16:creationId xmlns:a16="http://schemas.microsoft.com/office/drawing/2014/main" id="{B497D03F-9EED-4CAA-AB9E-F628C6603C60}"/>
+              </a:ext>
+            </a:extLst>
+          </p:cNvPr>
+          <p:cNvSpPr txBox="1"/>
+          <p:nvPr/>
+        </p:nvSpPr>
+        <p:spPr>
+          <a:xfrm>
+            <a:off x="6654299" y="4624478"/>
+            <a:ext cx="1345059" cy="439944"/>
+          </a:xfrm>
+          <a:prstGeom prst="rect">
+            <a:avLst/>
+          </a:prstGeom>
+          <a:solidFill>
+            <a:srgbClr val="FFFF00">
+              <a:alpha val="69804"/>
+            </a:srgbClr>
+          </a:solidFill>
+          <a:ln>
+            <a:solidFill>
+              <a:schemeClr val="tx1"/>
+            </a:solidFill>
+          </a:ln>
+        </p:spPr>
+        <p:txBody>
+          <a:bodyPr wrap="square" rtlCol="0">
+            <a:noAutofit/>
+          </a:bodyPr>
+          <a:lstStyle/>
+          <a:p>
+            <a:r>
+              <a:rPr lang="en-US" altLang="ja-JP" sz="907" dirty="0">
+                <a:latin typeface="ＭＳ Ｐゴシック" panose="020B0600070205080204" pitchFamily="50" charset="-128"/>
+                <a:ea typeface="ＭＳ Ｐゴシック" panose="020B0600070205080204" pitchFamily="50" charset="-128"/>
+                <a:cs typeface="Arial" panose="020B0604020202020204" pitchFamily="34" charset="0"/>
+              </a:rPr>
+              <a:t>Output of interest: </a:t>
+            </a:r>
+          </a:p>
+          <a:p>
+            <a:r>
+              <a:rPr lang="en-US" altLang="ja-JP" sz="907" dirty="0">
+                <a:latin typeface="ＭＳ Ｐゴシック" panose="020B0600070205080204" pitchFamily="50" charset="-128"/>
+                <a:ea typeface="ＭＳ Ｐゴシック" panose="020B0600070205080204" pitchFamily="50" charset="-128"/>
+                <a:cs typeface="Arial" panose="020B0604020202020204" pitchFamily="34" charset="0"/>
+              </a:rPr>
+              <a:t>-. Outlet temperature.</a:t>
+            </a:r>
+          </a:p>
+        </p:txBody>
+      </p:sp>
+      <p:cxnSp>
+        <p:nvCxnSpPr>
+          <p:cNvPr id="63" name="直線矢印コネクタ 62">
+            <a:extLst>
+              <a:ext uri="{FF2B5EF4-FFF2-40B4-BE49-F238E27FC236}">
+                <a16:creationId xmlns:a16="http://schemas.microsoft.com/office/drawing/2014/main" id="{DF8918F8-1480-46B8-B337-90E45D7956CC}"/>
+              </a:ext>
+            </a:extLst>
+          </p:cNvPr>
+          <p:cNvCxnSpPr>
+            <a:cxnSpLocks/>
+            <a:stCxn id="61" idx="0"/>
+          </p:cNvCxnSpPr>
+          <p:nvPr/>
+        </p:nvCxnSpPr>
+        <p:spPr>
+          <a:xfrm flipV="1">
+            <a:off x="7326829" y="3771277"/>
+            <a:ext cx="161226" cy="853200"/>
+          </a:xfrm>
+          <a:prstGeom prst="straightConnector1">
+            <a:avLst/>
+          </a:prstGeom>
+          <a:ln w="12700">
+            <a:solidFill>
+              <a:schemeClr val="tx1"/>
+            </a:solidFill>
+            <a:tailEnd type="oval"/>
+          </a:ln>
+        </p:spPr>
+        <p:style>
+          <a:lnRef idx="1">
+            <a:schemeClr val="accent1"/>
+          </a:lnRef>
+          <a:fillRef idx="0">
+            <a:schemeClr val="accent1"/>
+          </a:fillRef>
+          <a:effectRef idx="0">
+            <a:schemeClr val="accent1"/>
+          </a:effectRef>
+          <a:fontRef idx="minor">
+            <a:schemeClr val="tx1"/>
+          </a:fontRef>
+        </p:style>
+      </p:cxnSp>
+      <p:cxnSp>
+        <p:nvCxnSpPr>
+          <p:cNvPr id="66" name="直線矢印コネクタ 65">
+            <a:extLst>
+              <a:ext uri="{FF2B5EF4-FFF2-40B4-BE49-F238E27FC236}">
+                <a16:creationId xmlns:a16="http://schemas.microsoft.com/office/drawing/2014/main" id="{10A4F465-2C5C-43B5-AE68-4B9A6BFAC9F6}"/>
+              </a:ext>
+            </a:extLst>
+          </p:cNvPr>
+          <p:cNvCxnSpPr>
+            <a:cxnSpLocks/>
+            <a:stCxn id="56" idx="2"/>
+          </p:cNvCxnSpPr>
+          <p:nvPr/>
+        </p:nvCxnSpPr>
+        <p:spPr>
+          <a:xfrm>
+            <a:off x="7399337" y="2450178"/>
+            <a:ext cx="69056" cy="372948"/>
+          </a:xfrm>
+          <a:prstGeom prst="straightConnector1">
+            <a:avLst/>
+          </a:prstGeom>
+          <a:ln w="12700">
+            <a:solidFill>
+              <a:schemeClr val="tx1"/>
+            </a:solidFill>
+            <a:tailEnd type="oval"/>
+          </a:ln>
+        </p:spPr>
+        <p:style>
+          <a:lnRef idx="1">
+            <a:schemeClr val="accent1"/>
+          </a:lnRef>
+          <a:fillRef idx="0">
+            <a:schemeClr val="accent1"/>
+          </a:fillRef>
+          <a:effectRef idx="0">
+            <a:schemeClr val="accent1"/>
+          </a:effectRef>
+          <a:fontRef idx="minor">
+            <a:schemeClr val="tx1"/>
+          </a:fontRef>
+        </p:style>
+      </p:cxnSp>
+      <p:cxnSp>
+        <p:nvCxnSpPr>
+          <p:cNvPr id="69" name="直線矢印コネクタ 68">
+            <a:extLst>
+              <a:ext uri="{FF2B5EF4-FFF2-40B4-BE49-F238E27FC236}">
+                <a16:creationId xmlns:a16="http://schemas.microsoft.com/office/drawing/2014/main" id="{F32FF4C8-1012-41CB-8EF3-C0D556DA3D0B}"/>
+              </a:ext>
+            </a:extLst>
+          </p:cNvPr>
+          <p:cNvCxnSpPr>
+            <a:cxnSpLocks/>
+            <a:stCxn id="56" idx="2"/>
+          </p:cNvCxnSpPr>
+          <p:nvPr/>
+        </p:nvCxnSpPr>
+        <p:spPr>
+          <a:xfrm flipH="1">
+            <a:off x="5901581" y="2450178"/>
+            <a:ext cx="1497755" cy="576060"/>
           </a:xfrm>
           <a:prstGeom prst="straightConnector1">
             <a:avLst/>
@@ -19563,7 +19436,7 @@
     </p:spTree>
     <p:extLst>
       <p:ext uri="{BB962C8B-B14F-4D97-AF65-F5344CB8AC3E}">
-        <p14:creationId xmlns:p14="http://schemas.microsoft.com/office/powerpoint/2010/main" val="2254141340"/>
+        <p14:creationId xmlns:p14="http://schemas.microsoft.com/office/powerpoint/2010/main" val="1639536937"/>
       </p:ext>
     </p:extLst>
   </p:cSld>
@@ -19595,7 +19468,7 @@
           <p:cNvPr id="3" name="図 2">
             <a:extLst>
               <a:ext uri="{FF2B5EF4-FFF2-40B4-BE49-F238E27FC236}">
-                <a16:creationId xmlns:a16="http://schemas.microsoft.com/office/drawing/2014/main" id="{0A75D7AA-96F3-4615-8E9B-833C76A57AD0}"/>
+                <a16:creationId xmlns:a16="http://schemas.microsoft.com/office/drawing/2014/main" id="{54E7ADF1-491A-4CC5-9C66-AD8AE0189619}"/>
               </a:ext>
             </a:extLst>
           </p:cNvPr>
@@ -19612,8 +19485,8 @@
         </p:blipFill>
         <p:spPr>
           <a:xfrm>
-            <a:off x="1523521" y="634903"/>
-            <a:ext cx="9144960" cy="5588196"/>
+            <a:off x="1523521" y="633537"/>
+            <a:ext cx="9144960" cy="5590928"/>
           </a:xfrm>
           <a:prstGeom prst="rect">
             <a:avLst/>
@@ -19625,7 +19498,7 @@
           <p:cNvPr id="4" name="テキスト ボックス 3">
             <a:extLst>
               <a:ext uri="{FF2B5EF4-FFF2-40B4-BE49-F238E27FC236}">
-                <a16:creationId xmlns:a16="http://schemas.microsoft.com/office/drawing/2014/main" id="{A3272D81-0524-4955-82BA-9C1FAE82483B}"/>
+                <a16:creationId xmlns:a16="http://schemas.microsoft.com/office/drawing/2014/main" id="{F7501286-898F-4E02-9EFB-55B42AC864C6}"/>
               </a:ext>
             </a:extLst>
           </p:cNvPr>
@@ -19634,14 +19507,17 @@
         </p:nvSpPr>
         <p:spPr>
           <a:xfrm>
-            <a:off x="3958336" y="1459354"/>
-            <a:ext cx="1958606" cy="462788"/>
+            <a:off x="4229401" y="2450178"/>
+            <a:ext cx="1914473" cy="407083"/>
           </a:xfrm>
           <a:prstGeom prst="rect">
             <a:avLst/>
           </a:prstGeom>
           <a:solidFill>
-            <a:srgbClr val="FFFF00"/>
+            <a:schemeClr val="accent5">
+              <a:lumMod val="40000"/>
+              <a:lumOff val="60000"/>
+            </a:schemeClr>
           </a:solidFill>
           <a:ln>
             <a:solidFill>
@@ -19656,29 +19532,22 @@
           <a:lstStyle/>
           <a:p>
             <a:r>
-              <a:rPr lang="en-US" altLang="ja-JP" sz="726" dirty="0">
-                <a:latin typeface="Arial" panose="020B0604020202020204" pitchFamily="34" charset="0"/>
+              <a:rPr lang="en-US" altLang="ja-JP" sz="907" dirty="0">
+                <a:latin typeface="ＭＳ Ｐゴシック" panose="020B0600070205080204" pitchFamily="50" charset="-128"/>
+                <a:ea typeface="ＭＳ Ｐゴシック" panose="020B0600070205080204" pitchFamily="50" charset="-128"/>
                 <a:cs typeface="Arial" panose="020B0604020202020204" pitchFamily="34" charset="0"/>
               </a:rPr>
-              <a:t>Output: </a:t>
-            </a:r>
-          </a:p>
-          <a:p>
-            <a:r>
-              <a:rPr lang="en-US" altLang="ja-JP" sz="726" dirty="0">
-                <a:latin typeface="Arial" panose="020B0604020202020204" pitchFamily="34" charset="0"/>
+              <a:t>Input: </a:t>
+            </a:r>
+          </a:p>
+          <a:p>
+            <a:r>
+              <a:rPr lang="en-US" altLang="ja-JP" sz="907" dirty="0">
+                <a:latin typeface="ＭＳ Ｐゴシック" panose="020B0600070205080204" pitchFamily="50" charset="-128"/>
+                <a:ea typeface="ＭＳ Ｐゴシック" panose="020B0600070205080204" pitchFamily="50" charset="-128"/>
                 <a:cs typeface="Arial" panose="020B0604020202020204" pitchFamily="34" charset="0"/>
               </a:rPr>
-              <a:t> Fluid pressure of pipe inlet.</a:t>
-            </a:r>
-          </a:p>
-          <a:p>
-            <a:r>
-              <a:rPr lang="en-US" altLang="ja-JP" sz="726" dirty="0">
-                <a:latin typeface="Arial" panose="020B0604020202020204" pitchFamily="34" charset="0"/>
-                <a:cs typeface="Arial" panose="020B0604020202020204" pitchFamily="34" charset="0"/>
-              </a:rPr>
-              <a:t> It increases as mass flow rate increases.</a:t>
+              <a:t> mass flow rate flowing through pipe.</a:t>
             </a:r>
           </a:p>
         </p:txBody>
@@ -19688,20 +19557,19 @@
           <p:cNvPr id="5" name="直線矢印コネクタ 4">
             <a:extLst>
               <a:ext uri="{FF2B5EF4-FFF2-40B4-BE49-F238E27FC236}">
-                <a16:creationId xmlns:a16="http://schemas.microsoft.com/office/drawing/2014/main" id="{A4C10585-2781-4F39-81FA-49A33D3B45EE}"/>
+                <a16:creationId xmlns:a16="http://schemas.microsoft.com/office/drawing/2014/main" id="{5498A4A1-DA3A-4C86-B56A-EDB4A5C7F2B6}"/>
               </a:ext>
             </a:extLst>
           </p:cNvPr>
           <p:cNvCxnSpPr>
             <a:cxnSpLocks/>
-            <a:stCxn id="4" idx="2"/>
           </p:cNvCxnSpPr>
           <p:nvPr/>
         </p:nvCxnSpPr>
         <p:spPr>
           <a:xfrm>
-            <a:off x="4937639" y="1922143"/>
-            <a:ext cx="1421910" cy="981203"/>
+            <a:off x="5210308" y="2857263"/>
+            <a:ext cx="568379" cy="571738"/>
           </a:xfrm>
           <a:prstGeom prst="straightConnector1">
             <a:avLst/>
@@ -19731,7 +19599,7 @@
     </p:spTree>
     <p:extLst>
       <p:ext uri="{BB962C8B-B14F-4D97-AF65-F5344CB8AC3E}">
-        <p14:creationId xmlns:p14="http://schemas.microsoft.com/office/powerpoint/2010/main" val="1741282073"/>
+        <p14:creationId xmlns:p14="http://schemas.microsoft.com/office/powerpoint/2010/main" val="2254141340"/>
       </p:ext>
     </p:extLst>
   </p:cSld>
@@ -19820,6 +19688,174 @@
       </p:grpSpPr>
       <p:pic>
         <p:nvPicPr>
+          <p:cNvPr id="3" name="図 2">
+            <a:extLst>
+              <a:ext uri="{FF2B5EF4-FFF2-40B4-BE49-F238E27FC236}">
+                <a16:creationId xmlns:a16="http://schemas.microsoft.com/office/drawing/2014/main" id="{0A75D7AA-96F3-4615-8E9B-833C76A57AD0}"/>
+              </a:ext>
+            </a:extLst>
+          </p:cNvPr>
+          <p:cNvPicPr>
+            <a:picLocks noChangeAspect="1"/>
+          </p:cNvPicPr>
+          <p:nvPr/>
+        </p:nvPicPr>
+        <p:blipFill>
+          <a:blip r:embed="rId2"/>
+          <a:stretch>
+            <a:fillRect/>
+          </a:stretch>
+        </p:blipFill>
+        <p:spPr>
+          <a:xfrm>
+            <a:off x="1523521" y="634903"/>
+            <a:ext cx="9144960" cy="5588196"/>
+          </a:xfrm>
+          <a:prstGeom prst="rect">
+            <a:avLst/>
+          </a:prstGeom>
+        </p:spPr>
+      </p:pic>
+      <p:sp>
+        <p:nvSpPr>
+          <p:cNvPr id="4" name="テキスト ボックス 3">
+            <a:extLst>
+              <a:ext uri="{FF2B5EF4-FFF2-40B4-BE49-F238E27FC236}">
+                <a16:creationId xmlns:a16="http://schemas.microsoft.com/office/drawing/2014/main" id="{A3272D81-0524-4955-82BA-9C1FAE82483B}"/>
+              </a:ext>
+            </a:extLst>
+          </p:cNvPr>
+          <p:cNvSpPr txBox="1"/>
+          <p:nvPr/>
+        </p:nvSpPr>
+        <p:spPr>
+          <a:xfrm>
+            <a:off x="3958336" y="1459354"/>
+            <a:ext cx="1958606" cy="462788"/>
+          </a:xfrm>
+          <a:prstGeom prst="rect">
+            <a:avLst/>
+          </a:prstGeom>
+          <a:solidFill>
+            <a:srgbClr val="FFFF00"/>
+          </a:solidFill>
+          <a:ln>
+            <a:solidFill>
+              <a:schemeClr val="tx1"/>
+            </a:solidFill>
+          </a:ln>
+        </p:spPr>
+        <p:txBody>
+          <a:bodyPr wrap="square" rtlCol="0">
+            <a:noAutofit/>
+          </a:bodyPr>
+          <a:lstStyle/>
+          <a:p>
+            <a:r>
+              <a:rPr lang="en-US" altLang="ja-JP" sz="726" dirty="0">
+                <a:latin typeface="Arial" panose="020B0604020202020204" pitchFamily="34" charset="0"/>
+                <a:cs typeface="Arial" panose="020B0604020202020204" pitchFamily="34" charset="0"/>
+              </a:rPr>
+              <a:t>Output: </a:t>
+            </a:r>
+          </a:p>
+          <a:p>
+            <a:r>
+              <a:rPr lang="en-US" altLang="ja-JP" sz="726" dirty="0">
+                <a:latin typeface="Arial" panose="020B0604020202020204" pitchFamily="34" charset="0"/>
+                <a:cs typeface="Arial" panose="020B0604020202020204" pitchFamily="34" charset="0"/>
+              </a:rPr>
+              <a:t> Fluid pressure of pipe inlet.</a:t>
+            </a:r>
+          </a:p>
+          <a:p>
+            <a:r>
+              <a:rPr lang="en-US" altLang="ja-JP" sz="726" dirty="0">
+                <a:latin typeface="Arial" panose="020B0604020202020204" pitchFamily="34" charset="0"/>
+                <a:cs typeface="Arial" panose="020B0604020202020204" pitchFamily="34" charset="0"/>
+              </a:rPr>
+              <a:t> It increases as mass flow rate increases.</a:t>
+            </a:r>
+          </a:p>
+        </p:txBody>
+      </p:sp>
+      <p:cxnSp>
+        <p:nvCxnSpPr>
+          <p:cNvPr id="5" name="直線矢印コネクタ 4">
+            <a:extLst>
+              <a:ext uri="{FF2B5EF4-FFF2-40B4-BE49-F238E27FC236}">
+                <a16:creationId xmlns:a16="http://schemas.microsoft.com/office/drawing/2014/main" id="{A4C10585-2781-4F39-81FA-49A33D3B45EE}"/>
+              </a:ext>
+            </a:extLst>
+          </p:cNvPr>
+          <p:cNvCxnSpPr>
+            <a:cxnSpLocks/>
+            <a:stCxn id="4" idx="2"/>
+          </p:cNvCxnSpPr>
+          <p:nvPr/>
+        </p:nvCxnSpPr>
+        <p:spPr>
+          <a:xfrm>
+            <a:off x="4937639" y="1922143"/>
+            <a:ext cx="1421910" cy="981203"/>
+          </a:xfrm>
+          <a:prstGeom prst="straightConnector1">
+            <a:avLst/>
+          </a:prstGeom>
+          <a:ln w="12700">
+            <a:solidFill>
+              <a:schemeClr val="tx1"/>
+            </a:solidFill>
+            <a:tailEnd type="oval"/>
+          </a:ln>
+        </p:spPr>
+        <p:style>
+          <a:lnRef idx="1">
+            <a:schemeClr val="accent1"/>
+          </a:lnRef>
+          <a:fillRef idx="0">
+            <a:schemeClr val="accent1"/>
+          </a:fillRef>
+          <a:effectRef idx="0">
+            <a:schemeClr val="accent1"/>
+          </a:effectRef>
+          <a:fontRef idx="minor">
+            <a:schemeClr val="tx1"/>
+          </a:fontRef>
+        </p:style>
+      </p:cxnSp>
+    </p:spTree>
+    <p:extLst>
+      <p:ext uri="{BB962C8B-B14F-4D97-AF65-F5344CB8AC3E}">
+        <p14:creationId xmlns:p14="http://schemas.microsoft.com/office/powerpoint/2010/main" val="1741282073"/>
+      </p:ext>
+    </p:extLst>
+  </p:cSld>
+  <p:clrMapOvr>
+    <a:masterClrMapping/>
+  </p:clrMapOvr>
+</p:sld>
+</file>
+
+<file path=ppt/slides/slide61.xml><?xml version="1.0" encoding="utf-8"?>
+<p:sld xmlns:a="http://schemas.openxmlformats.org/drawingml/2006/main" xmlns:r="http://schemas.openxmlformats.org/officeDocument/2006/relationships" xmlns:p="http://schemas.openxmlformats.org/presentationml/2006/main">
+  <p:cSld>
+    <p:spTree>
+      <p:nvGrpSpPr>
+        <p:cNvPr id="1" name=""/>
+        <p:cNvGrpSpPr/>
+        <p:nvPr/>
+      </p:nvGrpSpPr>
+      <p:grpSpPr>
+        <a:xfrm>
+          <a:off x="0" y="0"/>
+          <a:ext cx="0" cy="0"/>
+          <a:chOff x="0" y="0"/>
+          <a:chExt cx="0" cy="0"/>
+        </a:xfrm>
+      </p:grpSpPr>
+      <p:pic>
+        <p:nvPicPr>
           <p:cNvPr id="13" name="図 12">
             <a:extLst>
               <a:ext uri="{FF2B5EF4-FFF2-40B4-BE49-F238E27FC236}">
@@ -20095,7 +20131,7 @@
 </p:sld>
 </file>
 
-<file path=ppt/slides/slide61.xml><?xml version="1.0" encoding="utf-8"?>
+<file path=ppt/slides/slide62.xml><?xml version="1.0" encoding="utf-8"?>
 <p:sld xmlns:a="http://schemas.openxmlformats.org/drawingml/2006/main" xmlns:r="http://schemas.openxmlformats.org/officeDocument/2006/relationships" xmlns:p="http://schemas.openxmlformats.org/presentationml/2006/main">
   <p:cSld>
     <p:spTree>
@@ -20473,6 +20509,36 @@
           <a:chExt cx="0" cy="0"/>
         </a:xfrm>
       </p:grpSpPr>
+      <p:pic>
+        <p:nvPicPr>
+          <p:cNvPr id="3" name="図 2">
+            <a:extLst>
+              <a:ext uri="{FF2B5EF4-FFF2-40B4-BE49-F238E27FC236}">
+                <a16:creationId xmlns:a16="http://schemas.microsoft.com/office/drawing/2014/main" id="{53D067D7-4030-4908-9F9C-3F9299D84CD2}"/>
+              </a:ext>
+            </a:extLst>
+          </p:cNvPr>
+          <p:cNvPicPr>
+            <a:picLocks noChangeAspect="1"/>
+          </p:cNvPicPr>
+          <p:nvPr/>
+        </p:nvPicPr>
+        <p:blipFill>
+          <a:blip r:embed="rId2"/>
+          <a:stretch>
+            <a:fillRect/>
+          </a:stretch>
+        </p:blipFill>
+        <p:spPr>
+          <a:xfrm>
+            <a:off x="1411250" y="0"/>
+            <a:ext cx="9369500" cy="6858000"/>
+          </a:xfrm>
+          <a:prstGeom prst="rect">
+            <a:avLst/>
+          </a:prstGeom>
+        </p:spPr>
+      </p:pic>
     </p:spTree>
     <p:extLst>
       <p:ext uri="{BB962C8B-B14F-4D97-AF65-F5344CB8AC3E}">

--- a/figs/makeFigs.pptx
+++ b/figs/makeFigs.pptx
@@ -174,7 +174,7 @@
   <p:extLst>
     <p:ext uri="{521415D9-36F7-43E2-AB2F-B90AF26B5E84}">
       <p14:sectionLst xmlns:p14="http://schemas.microsoft.com/office/powerpoint/2010/main">
-        <p14:section name="HydroTurbine_withTank_ex01" id="{81F15CA7-689E-4D67-90DE-194E1C125CBC}">
+        <p14:section name="Dam_generator_sys_ex01" id="{81F15CA7-689E-4D67-90DE-194E1C125CBC}">
           <p14:sldIdLst>
             <p14:sldId id="402"/>
           </p14:sldIdLst>
@@ -390,7 +390,7 @@
           <a:p>
             <a:fld id="{9B228BEA-D685-463D-ADB4-548805B11461}" type="datetimeFigureOut">
               <a:rPr kumimoji="1" lang="ja-JP" altLang="en-US" smtClean="0"/>
-              <a:t>2020/11/22</a:t>
+              <a:t>2020/11/23</a:t>
             </a:fld>
             <a:endParaRPr kumimoji="1" lang="ja-JP" altLang="en-US"/>
           </a:p>
@@ -920,7 +920,7 @@
           <a:p>
             <a:fld id="{5498794B-0F6E-4381-BD9D-5788C27E7ABB}" type="datetimeFigureOut">
               <a:rPr kumimoji="1" lang="ja-JP" altLang="en-US" smtClean="0"/>
-              <a:t>2020/11/22</a:t>
+              <a:t>2020/11/23</a:t>
             </a:fld>
             <a:endParaRPr kumimoji="1" lang="ja-JP" altLang="en-US"/>
           </a:p>
@@ -1150,7 +1150,7 @@
           <a:p>
             <a:fld id="{5498794B-0F6E-4381-BD9D-5788C27E7ABB}" type="datetimeFigureOut">
               <a:rPr kumimoji="1" lang="ja-JP" altLang="en-US" smtClean="0"/>
-              <a:t>2020/11/22</a:t>
+              <a:t>2020/11/23</a:t>
             </a:fld>
             <a:endParaRPr kumimoji="1" lang="ja-JP" altLang="en-US"/>
           </a:p>
@@ -1390,7 +1390,7 @@
           <a:p>
             <a:fld id="{5498794B-0F6E-4381-BD9D-5788C27E7ABB}" type="datetimeFigureOut">
               <a:rPr kumimoji="1" lang="ja-JP" altLang="en-US" smtClean="0"/>
-              <a:t>2020/11/22</a:t>
+              <a:t>2020/11/23</a:t>
             </a:fld>
             <a:endParaRPr kumimoji="1" lang="ja-JP" altLang="en-US"/>
           </a:p>
@@ -1710,7 +1710,7 @@
           <a:p>
             <a:fld id="{5498794B-0F6E-4381-BD9D-5788C27E7ABB}" type="datetimeFigureOut">
               <a:rPr kumimoji="1" lang="ja-JP" altLang="en-US" smtClean="0"/>
-              <a:t>2020/11/22</a:t>
+              <a:t>2020/11/23</a:t>
             </a:fld>
             <a:endParaRPr kumimoji="1" lang="ja-JP" altLang="en-US"/>
           </a:p>
@@ -1985,7 +1985,7 @@
           <a:p>
             <a:fld id="{5498794B-0F6E-4381-BD9D-5788C27E7ABB}" type="datetimeFigureOut">
               <a:rPr kumimoji="1" lang="ja-JP" altLang="en-US" smtClean="0"/>
-              <a:t>2020/11/22</a:t>
+              <a:t>2020/11/23</a:t>
             </a:fld>
             <a:endParaRPr kumimoji="1" lang="ja-JP" altLang="en-US"/>
           </a:p>
@@ -2314,7 +2314,7 @@
           <a:p>
             <a:fld id="{5498794B-0F6E-4381-BD9D-5788C27E7ABB}" type="datetimeFigureOut">
               <a:rPr kumimoji="1" lang="ja-JP" altLang="en-US" smtClean="0"/>
-              <a:t>2020/11/22</a:t>
+              <a:t>2020/11/23</a:t>
             </a:fld>
             <a:endParaRPr kumimoji="1" lang="ja-JP" altLang="en-US"/>
           </a:p>
@@ -2790,7 +2790,7 @@
           <a:p>
             <a:fld id="{5498794B-0F6E-4381-BD9D-5788C27E7ABB}" type="datetimeFigureOut">
               <a:rPr kumimoji="1" lang="ja-JP" altLang="en-US" smtClean="0"/>
-              <a:t>2020/11/22</a:t>
+              <a:t>2020/11/23</a:t>
             </a:fld>
             <a:endParaRPr kumimoji="1" lang="ja-JP" altLang="en-US"/>
           </a:p>
@@ -2931,7 +2931,7 @@
           <a:p>
             <a:fld id="{5498794B-0F6E-4381-BD9D-5788C27E7ABB}" type="datetimeFigureOut">
               <a:rPr kumimoji="1" lang="ja-JP" altLang="en-US" smtClean="0"/>
-              <a:t>2020/11/22</a:t>
+              <a:t>2020/11/23</a:t>
             </a:fld>
             <a:endParaRPr kumimoji="1" lang="ja-JP" altLang="en-US"/>
           </a:p>
@@ -3044,7 +3044,7 @@
           <a:p>
             <a:fld id="{5498794B-0F6E-4381-BD9D-5788C27E7ABB}" type="datetimeFigureOut">
               <a:rPr kumimoji="1" lang="ja-JP" altLang="en-US" smtClean="0"/>
-              <a:t>2020/11/22</a:t>
+              <a:t>2020/11/23</a:t>
             </a:fld>
             <a:endParaRPr kumimoji="1" lang="ja-JP" altLang="en-US"/>
           </a:p>
@@ -3387,7 +3387,7 @@
           <a:p>
             <a:fld id="{5498794B-0F6E-4381-BD9D-5788C27E7ABB}" type="datetimeFigureOut">
               <a:rPr kumimoji="1" lang="ja-JP" altLang="en-US" smtClean="0"/>
-              <a:t>2020/11/22</a:t>
+              <a:t>2020/11/23</a:t>
             </a:fld>
             <a:endParaRPr kumimoji="1" lang="ja-JP" altLang="en-US"/>
           </a:p>
@@ -3675,7 +3675,7 @@
           <a:p>
             <a:fld id="{5498794B-0F6E-4381-BD9D-5788C27E7ABB}" type="datetimeFigureOut">
               <a:rPr kumimoji="1" lang="ja-JP" altLang="en-US" smtClean="0"/>
-              <a:t>2020/11/22</a:t>
+              <a:t>2020/11/23</a:t>
             </a:fld>
             <a:endParaRPr kumimoji="1" lang="ja-JP" altLang="en-US"/>
           </a:p>
@@ -3948,7 +3948,7 @@
           <a:p>
             <a:fld id="{5498794B-0F6E-4381-BD9D-5788C27E7ABB}" type="datetimeFigureOut">
               <a:rPr kumimoji="1" lang="ja-JP" altLang="en-US" smtClean="0"/>
-              <a:t>2020/11/22</a:t>
+              <a:t>2020/11/23</a:t>
             </a:fld>
             <a:endParaRPr kumimoji="1" lang="ja-JP" altLang="en-US"/>
           </a:p>
@@ -4366,6 +4366,35 @@
           <a:chExt cx="0" cy="0"/>
         </a:xfrm>
       </p:grpSpPr>
+      <p:pic>
+        <p:nvPicPr>
+          <p:cNvPr id="7" name="図 6">
+            <a:extLst>
+              <a:ext uri="{FF2B5EF4-FFF2-40B4-BE49-F238E27FC236}">
+                <a16:creationId xmlns:a16="http://schemas.microsoft.com/office/drawing/2014/main" id="{5652C6CA-2151-4C32-B0F0-91D25687A901}"/>
+              </a:ext>
+            </a:extLst>
+          </p:cNvPr>
+          <p:cNvPicPr>
+            <a:picLocks noChangeAspect="1"/>
+          </p:cNvPicPr>
+          <p:nvPr/>
+        </p:nvPicPr>
+        <p:blipFill rotWithShape="1">
+          <a:blip r:embed="rId2"/>
+          <a:srcRect r="8744"/>
+          <a:stretch/>
+        </p:blipFill>
+        <p:spPr>
+          <a:xfrm>
+            <a:off x="1101001" y="0"/>
+            <a:ext cx="9116426" cy="6858000"/>
+          </a:xfrm>
+          <a:prstGeom prst="rect">
+            <a:avLst/>
+          </a:prstGeom>
+        </p:spPr>
+      </p:pic>
     </p:spTree>
     <p:extLst>
       <p:ext uri="{BB962C8B-B14F-4D97-AF65-F5344CB8AC3E}">

--- a/figs/makeFigs.pptx
+++ b/figs/makeFigs.pptx
@@ -10524,10 +10524,10 @@
       </p:grpSpPr>
       <p:pic>
         <p:nvPicPr>
-          <p:cNvPr id="3" name="図 2">
-            <a:extLst>
-              <a:ext uri="{FF2B5EF4-FFF2-40B4-BE49-F238E27FC236}">
-                <a16:creationId xmlns:a16="http://schemas.microsoft.com/office/drawing/2014/main" id="{2C8C2C8B-EDBC-4FAA-9046-AB8928A3E683}"/>
+          <p:cNvPr id="4" name="図 3">
+            <a:extLst>
+              <a:ext uri="{FF2B5EF4-FFF2-40B4-BE49-F238E27FC236}">
+                <a16:creationId xmlns:a16="http://schemas.microsoft.com/office/drawing/2014/main" id="{1A0A6B57-4847-45B0-85AC-5B29B0FD8C0B}"/>
               </a:ext>
             </a:extLst>
           </p:cNvPr>
